--- a/sigset/documentos/Documentos finales/Presentacion.pptx
+++ b/sigset/documentos/Documentos finales/Presentacion.pptx
@@ -5,16 +5,17 @@
     <p:sldMasterId id="2147483648" r:id="rId1"/>
   </p:sldMasterIdLst>
   <p:notesMasterIdLst>
-    <p:notesMasterId r:id="rId6"/>
+    <p:notesMasterId r:id="rId7"/>
   </p:notesMasterIdLst>
   <p:handoutMasterIdLst>
-    <p:handoutMasterId r:id="rId7"/>
+    <p:handoutMasterId r:id="rId8"/>
   </p:handoutMasterIdLst>
   <p:sldIdLst>
     <p:sldId id="334" r:id="rId2"/>
     <p:sldId id="335" r:id="rId3"/>
     <p:sldId id="336" r:id="rId4"/>
     <p:sldId id="337" r:id="rId5"/>
+    <p:sldId id="339" r:id="rId6"/>
   </p:sldIdLst>
   <p:sldSz cx="9144000" cy="6858000" type="screen4x3"/>
   <p:notesSz cx="7010400" cy="11125200"/>
@@ -4565,61 +4566,6 @@
           </a:p>
         </p:txBody>
       </p:sp>
-      <p:sp>
-        <p:nvSpPr>
-          <p:cNvPr id="6" name="5 CuadroTexto"/>
-          <p:cNvSpPr txBox="1"/>
-          <p:nvPr/>
-        </p:nvSpPr>
-        <p:spPr>
-          <a:xfrm>
-            <a:off x="709696" y="600501"/>
-            <a:ext cx="2467342" cy="646331"/>
-          </a:xfrm>
-          <a:prstGeom prst="rect">
-            <a:avLst/>
-          </a:prstGeom>
-          <a:noFill/>
-          <a:effectLst>
-            <a:reflection blurRad="6350" stA="50000" endA="300" endPos="55000" dir="5400000" sy="-100000" algn="bl" rotWithShape="0"/>
-          </a:effectLst>
-        </p:spPr>
-        <p:txBody>
-          <a:bodyPr wrap="square" rtlCol="0">
-            <a:normAutofit/>
-          </a:bodyPr>
-          <a:lstStyle/>
-          <a:p>
-            <a:r>
-              <a:rPr lang="es-CL" sz="3600" b="1" dirty="0" smtClean="0">
-                <a:effectLst>
-                  <a:innerShdw dist="50800" dir="16200000">
-                    <a:prstClr val="black">
-                      <a:alpha val="50000"/>
-                    </a:prstClr>
-                  </a:innerShdw>
-                  <a:reflection blurRad="6350" stA="55000" endA="300" endPos="45500" dir="5400000" sy="-100000" algn="bl" rotWithShape="0"/>
-                </a:effectLst>
-                <a:latin typeface="Arial" pitchFamily="34" charset="0"/>
-                <a:cs typeface="Arial" pitchFamily="34" charset="0"/>
-              </a:rPr>
-              <a:t>Contenido</a:t>
-            </a:r>
-            <a:endParaRPr lang="es-CL" sz="3600" b="1" dirty="0">
-              <a:effectLst>
-                <a:innerShdw dist="50800" dir="16200000">
-                  <a:prstClr val="black">
-                    <a:alpha val="50000"/>
-                  </a:prstClr>
-                </a:innerShdw>
-                <a:reflection blurRad="6350" stA="55000" endA="300" endPos="45500" dir="5400000" sy="-100000" algn="bl" rotWithShape="0"/>
-              </a:effectLst>
-              <a:latin typeface="Arial" pitchFamily="34" charset="0"/>
-              <a:cs typeface="Arial" pitchFamily="34" charset="0"/>
-            </a:endParaRPr>
-          </a:p>
-        </p:txBody>
-      </p:sp>
       <p:pic>
         <p:nvPicPr>
           <p:cNvPr id="17411" name="Picture 3" descr="C:\Users\Sevazthian\AppData\Local\Microsoft\Windows\Temporary Internet Files\Content.IE5\DQNYL9HM\MCj04347840000[1].png"/>
@@ -4646,6 +4592,48 @@
           <a:noFill/>
         </p:spPr>
       </p:pic>
+      <p:sp>
+        <p:nvSpPr>
+          <p:cNvPr id="5" name="4 CuadroTexto"/>
+          <p:cNvSpPr txBox="1"/>
+          <p:nvPr/>
+        </p:nvSpPr>
+        <p:spPr>
+          <a:xfrm>
+            <a:off x="627795" y="518614"/>
+            <a:ext cx="7915702" cy="646331"/>
+          </a:xfrm>
+          <a:prstGeom prst="rect">
+            <a:avLst/>
+          </a:prstGeom>
+          <a:noFill/>
+        </p:spPr>
+        <p:txBody>
+          <a:bodyPr wrap="square" rtlCol="0">
+            <a:spAutoFit/>
+          </a:bodyPr>
+          <a:lstStyle/>
+          <a:p>
+            <a:r>
+              <a:rPr lang="es-CL" sz="3600" b="1" dirty="0" smtClean="0">
+                <a:effectLst>
+                  <a:reflection blurRad="6350" stA="55000" endA="300" endPos="45500" dir="5400000" sy="-100000" algn="bl" rotWithShape="0"/>
+                </a:effectLst>
+                <a:latin typeface="Arial" pitchFamily="34" charset="0"/>
+                <a:cs typeface="Arial" pitchFamily="34" charset="0"/>
+              </a:rPr>
+              <a:t>Contenido</a:t>
+            </a:r>
+            <a:endParaRPr lang="es-CL" sz="3600" b="1" dirty="0">
+              <a:effectLst>
+                <a:reflection blurRad="6350" stA="55000" endA="300" endPos="45500" dir="5400000" sy="-100000" algn="bl" rotWithShape="0"/>
+              </a:effectLst>
+              <a:latin typeface="Arial" pitchFamily="34" charset="0"/>
+              <a:cs typeface="Arial" pitchFamily="34" charset="0"/>
+            </a:endParaRPr>
+          </a:p>
+        </p:txBody>
+      </p:sp>
     </p:spTree>
   </p:cSld>
   <p:clrMapOvr>
@@ -4709,61 +4697,6 @@
           </a:p>
         </p:txBody>
       </p:sp>
-      <p:sp>
-        <p:nvSpPr>
-          <p:cNvPr id="4" name="3 CuadroTexto"/>
-          <p:cNvSpPr txBox="1"/>
-          <p:nvPr/>
-        </p:nvSpPr>
-        <p:spPr>
-          <a:xfrm>
-            <a:off x="709696" y="600501"/>
-            <a:ext cx="2467342" cy="646331"/>
-          </a:xfrm>
-          <a:prstGeom prst="rect">
-            <a:avLst/>
-          </a:prstGeom>
-          <a:noFill/>
-          <a:effectLst>
-            <a:reflection blurRad="6350" stA="50000" endA="300" endPos="55000" dir="5400000" sy="-100000" algn="bl" rotWithShape="0"/>
-          </a:effectLst>
-        </p:spPr>
-        <p:txBody>
-          <a:bodyPr wrap="square" rtlCol="0">
-            <a:normAutofit/>
-          </a:bodyPr>
-          <a:lstStyle/>
-          <a:p>
-            <a:r>
-              <a:rPr lang="es-CL" sz="3600" b="1" dirty="0" smtClean="0">
-                <a:effectLst>
-                  <a:innerShdw dist="50800" dir="16200000">
-                    <a:prstClr val="black">
-                      <a:alpha val="50000"/>
-                    </a:prstClr>
-                  </a:innerShdw>
-                  <a:reflection blurRad="6350" stA="55000" endA="300" endPos="45500" dir="5400000" sy="-100000" algn="bl" rotWithShape="0"/>
-                </a:effectLst>
-                <a:latin typeface="Arial" pitchFamily="34" charset="0"/>
-                <a:cs typeface="Arial" pitchFamily="34" charset="0"/>
-              </a:rPr>
-              <a:t>Objetivos</a:t>
-            </a:r>
-            <a:endParaRPr lang="es-CL" sz="3600" b="1" dirty="0">
-              <a:effectLst>
-                <a:innerShdw dist="50800" dir="16200000">
-                  <a:prstClr val="black">
-                    <a:alpha val="50000"/>
-                  </a:prstClr>
-                </a:innerShdw>
-                <a:reflection blurRad="6350" stA="55000" endA="300" endPos="45500" dir="5400000" sy="-100000" algn="bl" rotWithShape="0"/>
-              </a:effectLst>
-              <a:latin typeface="Arial" pitchFamily="34" charset="0"/>
-              <a:cs typeface="Arial" pitchFamily="34" charset="0"/>
-            </a:endParaRPr>
-          </a:p>
-        </p:txBody>
-      </p:sp>
       <p:pic>
         <p:nvPicPr>
           <p:cNvPr id="18434" name="Picture 2" descr="C:\Users\Sevazthian\AppData\Local\Microsoft\Windows\Temporary Internet Files\Content.IE5\DQNYL9HM\MPj04054160000[1].jpg"/>
@@ -4792,6 +4725,48 @@
           <a:noFill/>
         </p:spPr>
       </p:pic>
+      <p:sp>
+        <p:nvSpPr>
+          <p:cNvPr id="5" name="4 CuadroTexto"/>
+          <p:cNvSpPr txBox="1"/>
+          <p:nvPr/>
+        </p:nvSpPr>
+        <p:spPr>
+          <a:xfrm>
+            <a:off x="627795" y="518614"/>
+            <a:ext cx="7915702" cy="646331"/>
+          </a:xfrm>
+          <a:prstGeom prst="rect">
+            <a:avLst/>
+          </a:prstGeom>
+          <a:noFill/>
+        </p:spPr>
+        <p:txBody>
+          <a:bodyPr wrap="square" rtlCol="0">
+            <a:spAutoFit/>
+          </a:bodyPr>
+          <a:lstStyle/>
+          <a:p>
+            <a:r>
+              <a:rPr lang="es-CL" sz="3600" b="1" dirty="0" smtClean="0">
+                <a:effectLst>
+                  <a:reflection blurRad="6350" stA="55000" endA="300" endPos="45500" dir="5400000" sy="-100000" algn="bl" rotWithShape="0"/>
+                </a:effectLst>
+                <a:latin typeface="Arial" pitchFamily="34" charset="0"/>
+                <a:cs typeface="Arial" pitchFamily="34" charset="0"/>
+              </a:rPr>
+              <a:t>Objetivos</a:t>
+            </a:r>
+            <a:endParaRPr lang="es-CL" sz="3600" b="1" dirty="0">
+              <a:effectLst>
+                <a:reflection blurRad="6350" stA="55000" endA="300" endPos="45500" dir="5400000" sy="-100000" algn="bl" rotWithShape="0"/>
+              </a:effectLst>
+              <a:latin typeface="Arial" pitchFamily="34" charset="0"/>
+              <a:cs typeface="Arial" pitchFamily="34" charset="0"/>
+            </a:endParaRPr>
+          </a:p>
+        </p:txBody>
+      </p:sp>
     </p:spTree>
   </p:cSld>
   <p:clrMapOvr>
@@ -4833,8 +4808,8 @@
         </p:nvSpPr>
         <p:spPr>
           <a:xfrm>
-            <a:off x="900752" y="696036"/>
-            <a:ext cx="2079415" cy="461665"/>
+            <a:off x="627795" y="518614"/>
+            <a:ext cx="7915702" cy="646331"/>
           </a:xfrm>
           <a:prstGeom prst="rect">
             <a:avLst/>
@@ -4842,13 +4817,13 @@
           <a:noFill/>
         </p:spPr>
         <p:txBody>
-          <a:bodyPr wrap="none" rtlCol="0">
+          <a:bodyPr wrap="square" rtlCol="0">
             <a:spAutoFit/>
           </a:bodyPr>
           <a:lstStyle/>
           <a:p>
             <a:r>
-              <a:rPr lang="es-CL" b="1" dirty="0" smtClean="0">
+              <a:rPr lang="es-CL" sz="3600" b="1" dirty="0" smtClean="0">
                 <a:effectLst>
                   <a:reflection blurRad="6350" stA="55000" endA="300" endPos="45500" dir="5400000" sy="-100000" algn="bl" rotWithShape="0"/>
                 </a:effectLst>
@@ -4857,7 +4832,7 @@
               </a:rPr>
               <a:t>Inicio Sesión</a:t>
             </a:r>
-            <a:endParaRPr lang="es-CL" b="1" dirty="0">
+            <a:endParaRPr lang="es-CL" sz="3600" b="1" dirty="0">
               <a:effectLst>
                 <a:reflection blurRad="6350" stA="55000" endA="300" endPos="45500" dir="5400000" sy="-100000" algn="bl" rotWithShape="0"/>
               </a:effectLst>
@@ -4994,6 +4969,93 @@
       </p:par>
     </p:tnLst>
   </p:timing>
+</p:sld>
+</file>
+
+<file path=ppt/slides/slide5.xml><?xml version="1.0" encoding="utf-8"?>
+<p:sld xmlns:a="http://schemas.openxmlformats.org/drawingml/2006/main" xmlns:r="http://schemas.openxmlformats.org/officeDocument/2006/relationships" xmlns:p="http://schemas.openxmlformats.org/presentationml/2006/main">
+  <p:cSld>
+    <p:spTree>
+      <p:nvGrpSpPr>
+        <p:cNvPr id="1" name=""/>
+        <p:cNvGrpSpPr/>
+        <p:nvPr/>
+      </p:nvGrpSpPr>
+      <p:grpSpPr>
+        <a:xfrm>
+          <a:off x="0" y="0"/>
+          <a:ext cx="0" cy="0"/>
+          <a:chOff x="0" y="0"/>
+          <a:chExt cx="0" cy="0"/>
+        </a:xfrm>
+      </p:grpSpPr>
+      <p:sp>
+        <p:nvSpPr>
+          <p:cNvPr id="3" name="2 Marcador de contenido"/>
+          <p:cNvSpPr>
+            <a:spLocks noGrp="1"/>
+          </p:cNvSpPr>
+          <p:nvPr>
+            <p:ph idx="1"/>
+          </p:nvPr>
+        </p:nvSpPr>
+        <p:spPr/>
+        <p:txBody>
+          <a:bodyPr/>
+          <a:lstStyle/>
+          <a:p>
+            <a:endParaRPr lang="es-CL"/>
+          </a:p>
+        </p:txBody>
+      </p:sp>
+      <p:sp>
+        <p:nvSpPr>
+          <p:cNvPr id="4" name="3 CuadroTexto"/>
+          <p:cNvSpPr txBox="1"/>
+          <p:nvPr/>
+        </p:nvSpPr>
+        <p:spPr>
+          <a:xfrm>
+            <a:off x="627795" y="518614"/>
+            <a:ext cx="7915702" cy="646331"/>
+          </a:xfrm>
+          <a:prstGeom prst="rect">
+            <a:avLst/>
+          </a:prstGeom>
+          <a:noFill/>
+        </p:spPr>
+        <p:txBody>
+          <a:bodyPr wrap="square" rtlCol="0">
+            <a:spAutoFit/>
+          </a:bodyPr>
+          <a:lstStyle/>
+          <a:p>
+            <a:r>
+              <a:rPr lang="es-CL" sz="3600" b="1" dirty="0" smtClean="0">
+                <a:effectLst>
+                  <a:reflection blurRad="6350" stA="55000" endA="300" endPos="45500" dir="5400000" sy="-100000" algn="bl" rotWithShape="0"/>
+                </a:effectLst>
+                <a:latin typeface="Arial" pitchFamily="34" charset="0"/>
+                <a:cs typeface="Arial" pitchFamily="34" charset="0"/>
+              </a:rPr>
+              <a:t>Insertar titulo</a:t>
+            </a:r>
+            <a:endParaRPr lang="es-CL" sz="3600" b="1" dirty="0">
+              <a:effectLst>
+                <a:reflection blurRad="6350" stA="55000" endA="300" endPos="45500" dir="5400000" sy="-100000" algn="bl" rotWithShape="0"/>
+              </a:effectLst>
+              <a:latin typeface="Arial" pitchFamily="34" charset="0"/>
+              <a:cs typeface="Arial" pitchFamily="34" charset="0"/>
+            </a:endParaRPr>
+          </a:p>
+        </p:txBody>
+      </p:sp>
+    </p:spTree>
+  </p:cSld>
+  <p:clrMapOvr>
+    <a:masterClrMapping/>
+  </p:clrMapOvr>
+  <p:transition/>
 </p:sld>
 </file>
 

--- a/sigset/documentos/Documentos finales/Presentacion.pptx
+++ b/sigset/documentos/Documentos finales/Presentacion.pptx
@@ -5,17 +5,40 @@
     <p:sldMasterId id="2147483648" r:id="rId1"/>
   </p:sldMasterIdLst>
   <p:notesMasterIdLst>
-    <p:notesMasterId r:id="rId7"/>
+    <p:notesMasterId r:id="rId30"/>
   </p:notesMasterIdLst>
   <p:handoutMasterIdLst>
-    <p:handoutMasterId r:id="rId8"/>
+    <p:handoutMasterId r:id="rId31"/>
   </p:handoutMasterIdLst>
   <p:sldIdLst>
     <p:sldId id="334" r:id="rId2"/>
     <p:sldId id="335" r:id="rId3"/>
-    <p:sldId id="336" r:id="rId4"/>
-    <p:sldId id="337" r:id="rId5"/>
-    <p:sldId id="339" r:id="rId6"/>
+    <p:sldId id="339" r:id="rId4"/>
+    <p:sldId id="340" r:id="rId5"/>
+    <p:sldId id="341" r:id="rId6"/>
+    <p:sldId id="342" r:id="rId7"/>
+    <p:sldId id="343" r:id="rId8"/>
+    <p:sldId id="344" r:id="rId9"/>
+    <p:sldId id="336" r:id="rId10"/>
+    <p:sldId id="345" r:id="rId11"/>
+    <p:sldId id="346" r:id="rId12"/>
+    <p:sldId id="347" r:id="rId13"/>
+    <p:sldId id="348" r:id="rId14"/>
+    <p:sldId id="349" r:id="rId15"/>
+    <p:sldId id="351" r:id="rId16"/>
+    <p:sldId id="352" r:id="rId17"/>
+    <p:sldId id="353" r:id="rId18"/>
+    <p:sldId id="354" r:id="rId19"/>
+    <p:sldId id="355" r:id="rId20"/>
+    <p:sldId id="357" r:id="rId21"/>
+    <p:sldId id="337" r:id="rId22"/>
+    <p:sldId id="358" r:id="rId23"/>
+    <p:sldId id="359" r:id="rId24"/>
+    <p:sldId id="360" r:id="rId25"/>
+    <p:sldId id="361" r:id="rId26"/>
+    <p:sldId id="362" r:id="rId27"/>
+    <p:sldId id="363" r:id="rId28"/>
+    <p:sldId id="356" r:id="rId29"/>
   </p:sldIdLst>
   <p:sldSz cx="9144000" cy="6858000" type="screen4x3"/>
   <p:notesSz cx="7010400" cy="11125200"/>
@@ -762,6 +785,2580 @@
     </a:lvl9pPr>
   </p:notesStyle>
 </p:notesMaster>
+</file>
+
+<file path=ppt/notesSlides/notesSlide1.xml><?xml version="1.0" encoding="utf-8"?>
+<p:notes xmlns:a="http://schemas.openxmlformats.org/drawingml/2006/main" xmlns:r="http://schemas.openxmlformats.org/officeDocument/2006/relationships" xmlns:p="http://schemas.openxmlformats.org/presentationml/2006/main">
+  <p:cSld>
+    <p:spTree>
+      <p:nvGrpSpPr>
+        <p:cNvPr id="1" name=""/>
+        <p:cNvGrpSpPr/>
+        <p:nvPr/>
+      </p:nvGrpSpPr>
+      <p:grpSpPr>
+        <a:xfrm>
+          <a:off x="0" y="0"/>
+          <a:ext cx="0" cy="0"/>
+          <a:chOff x="0" y="0"/>
+          <a:chExt cx="0" cy="0"/>
+        </a:xfrm>
+      </p:grpSpPr>
+      <p:sp>
+        <p:nvSpPr>
+          <p:cNvPr id="2" name="1 Marcador de imagen de diapositiva"/>
+          <p:cNvSpPr>
+            <a:spLocks noGrp="1" noRot="1" noChangeAspect="1"/>
+          </p:cNvSpPr>
+          <p:nvPr>
+            <p:ph type="sldImg"/>
+          </p:nvPr>
+        </p:nvSpPr>
+        <p:spPr/>
+      </p:sp>
+      <p:sp>
+        <p:nvSpPr>
+          <p:cNvPr id="3" name="2 Marcador de notas"/>
+          <p:cNvSpPr>
+            <a:spLocks noGrp="1"/>
+          </p:cNvSpPr>
+          <p:nvPr>
+            <p:ph type="body" idx="1"/>
+          </p:nvPr>
+        </p:nvSpPr>
+        <p:spPr/>
+        <p:txBody>
+          <a:bodyPr>
+            <a:normAutofit/>
+          </a:bodyPr>
+          <a:lstStyle/>
+          <a:p>
+            <a:r>
+              <a:rPr lang="es-CL" dirty="0" smtClean="0"/>
+              <a:t>Saludos. Presentación nombres y titulo</a:t>
+            </a:r>
+            <a:r>
+              <a:rPr lang="es-CL" baseline="0" dirty="0" smtClean="0"/>
+              <a:t> trabajo</a:t>
+            </a:r>
+            <a:endParaRPr lang="es-CL" dirty="0"/>
+          </a:p>
+        </p:txBody>
+      </p:sp>
+      <p:sp>
+        <p:nvSpPr>
+          <p:cNvPr id="4" name="3 Marcador de número de diapositiva"/>
+          <p:cNvSpPr>
+            <a:spLocks noGrp="1"/>
+          </p:cNvSpPr>
+          <p:nvPr>
+            <p:ph type="sldNum" sz="quarter" idx="10"/>
+          </p:nvPr>
+        </p:nvSpPr>
+        <p:spPr/>
+        <p:txBody>
+          <a:bodyPr/>
+          <a:lstStyle/>
+          <a:p>
+            <a:pPr>
+              <a:defRPr/>
+            </a:pPr>
+            <a:fld id="{FDE42844-D1B2-4A88-A9DE-E38F64B7E751}" type="slidenum">
+              <a:rPr lang="es-ES" smtClean="0"/>
+              <a:pPr>
+                <a:defRPr/>
+              </a:pPr>
+              <a:t>1</a:t>
+            </a:fld>
+            <a:endParaRPr lang="es-ES"/>
+          </a:p>
+        </p:txBody>
+      </p:sp>
+    </p:spTree>
+  </p:cSld>
+  <p:clrMapOvr>
+    <a:masterClrMapping/>
+  </p:clrMapOvr>
+</p:notes>
+</file>
+
+<file path=ppt/notesSlides/notesSlide10.xml><?xml version="1.0" encoding="utf-8"?>
+<p:notes xmlns:a="http://schemas.openxmlformats.org/drawingml/2006/main" xmlns:r="http://schemas.openxmlformats.org/officeDocument/2006/relationships" xmlns:p="http://schemas.openxmlformats.org/presentationml/2006/main">
+  <p:cSld>
+    <p:spTree>
+      <p:nvGrpSpPr>
+        <p:cNvPr id="1" name=""/>
+        <p:cNvGrpSpPr/>
+        <p:nvPr/>
+      </p:nvGrpSpPr>
+      <p:grpSpPr>
+        <a:xfrm>
+          <a:off x="0" y="0"/>
+          <a:ext cx="0" cy="0"/>
+          <a:chOff x="0" y="0"/>
+          <a:chExt cx="0" cy="0"/>
+        </a:xfrm>
+      </p:grpSpPr>
+      <p:sp>
+        <p:nvSpPr>
+          <p:cNvPr id="2" name="1 Marcador de imagen de diapositiva"/>
+          <p:cNvSpPr>
+            <a:spLocks noGrp="1" noRot="1" noChangeAspect="1"/>
+          </p:cNvSpPr>
+          <p:nvPr>
+            <p:ph type="sldImg"/>
+          </p:nvPr>
+        </p:nvSpPr>
+        <p:spPr/>
+      </p:sp>
+      <p:sp>
+        <p:nvSpPr>
+          <p:cNvPr id="3" name="2 Marcador de notas"/>
+          <p:cNvSpPr>
+            <a:spLocks noGrp="1"/>
+          </p:cNvSpPr>
+          <p:nvPr>
+            <p:ph type="body" idx="1"/>
+          </p:nvPr>
+        </p:nvSpPr>
+        <p:spPr/>
+        <p:txBody>
+          <a:bodyPr>
+            <a:normAutofit/>
+          </a:bodyPr>
+          <a:lstStyle/>
+          <a:p>
+            <a:endParaRPr lang="es-CL" dirty="0"/>
+          </a:p>
+        </p:txBody>
+      </p:sp>
+      <p:sp>
+        <p:nvSpPr>
+          <p:cNvPr id="4" name="3 Marcador de número de diapositiva"/>
+          <p:cNvSpPr>
+            <a:spLocks noGrp="1"/>
+          </p:cNvSpPr>
+          <p:nvPr>
+            <p:ph type="sldNum" sz="quarter" idx="10"/>
+          </p:nvPr>
+        </p:nvSpPr>
+        <p:spPr/>
+        <p:txBody>
+          <a:bodyPr/>
+          <a:lstStyle/>
+          <a:p>
+            <a:pPr>
+              <a:defRPr/>
+            </a:pPr>
+            <a:fld id="{FDE42844-D1B2-4A88-A9DE-E38F64B7E751}" type="slidenum">
+              <a:rPr lang="es-ES" smtClean="0"/>
+              <a:pPr>
+                <a:defRPr/>
+              </a:pPr>
+              <a:t>10</a:t>
+            </a:fld>
+            <a:endParaRPr lang="es-ES"/>
+          </a:p>
+        </p:txBody>
+      </p:sp>
+    </p:spTree>
+  </p:cSld>
+  <p:clrMapOvr>
+    <a:masterClrMapping/>
+  </p:clrMapOvr>
+</p:notes>
+</file>
+
+<file path=ppt/notesSlides/notesSlide11.xml><?xml version="1.0" encoding="utf-8"?>
+<p:notes xmlns:a="http://schemas.openxmlformats.org/drawingml/2006/main" xmlns:r="http://schemas.openxmlformats.org/officeDocument/2006/relationships" xmlns:p="http://schemas.openxmlformats.org/presentationml/2006/main">
+  <p:cSld>
+    <p:spTree>
+      <p:nvGrpSpPr>
+        <p:cNvPr id="1" name=""/>
+        <p:cNvGrpSpPr/>
+        <p:nvPr/>
+      </p:nvGrpSpPr>
+      <p:grpSpPr>
+        <a:xfrm>
+          <a:off x="0" y="0"/>
+          <a:ext cx="0" cy="0"/>
+          <a:chOff x="0" y="0"/>
+          <a:chExt cx="0" cy="0"/>
+        </a:xfrm>
+      </p:grpSpPr>
+      <p:sp>
+        <p:nvSpPr>
+          <p:cNvPr id="2" name="1 Marcador de imagen de diapositiva"/>
+          <p:cNvSpPr>
+            <a:spLocks noGrp="1" noRot="1" noChangeAspect="1"/>
+          </p:cNvSpPr>
+          <p:nvPr>
+            <p:ph type="sldImg"/>
+          </p:nvPr>
+        </p:nvSpPr>
+        <p:spPr/>
+      </p:sp>
+      <p:sp>
+        <p:nvSpPr>
+          <p:cNvPr id="3" name="2 Marcador de notas"/>
+          <p:cNvSpPr>
+            <a:spLocks noGrp="1"/>
+          </p:cNvSpPr>
+          <p:nvPr>
+            <p:ph type="body" idx="1"/>
+          </p:nvPr>
+        </p:nvSpPr>
+        <p:spPr/>
+        <p:txBody>
+          <a:bodyPr>
+            <a:normAutofit/>
+          </a:bodyPr>
+          <a:lstStyle/>
+          <a:p>
+            <a:endParaRPr lang="es-CL" dirty="0"/>
+          </a:p>
+        </p:txBody>
+      </p:sp>
+      <p:sp>
+        <p:nvSpPr>
+          <p:cNvPr id="4" name="3 Marcador de número de diapositiva"/>
+          <p:cNvSpPr>
+            <a:spLocks noGrp="1"/>
+          </p:cNvSpPr>
+          <p:nvPr>
+            <p:ph type="sldNum" sz="quarter" idx="10"/>
+          </p:nvPr>
+        </p:nvSpPr>
+        <p:spPr/>
+        <p:txBody>
+          <a:bodyPr/>
+          <a:lstStyle/>
+          <a:p>
+            <a:pPr>
+              <a:defRPr/>
+            </a:pPr>
+            <a:fld id="{FDE42844-D1B2-4A88-A9DE-E38F64B7E751}" type="slidenum">
+              <a:rPr lang="es-ES" smtClean="0"/>
+              <a:pPr>
+                <a:defRPr/>
+              </a:pPr>
+              <a:t>11</a:t>
+            </a:fld>
+            <a:endParaRPr lang="es-ES"/>
+          </a:p>
+        </p:txBody>
+      </p:sp>
+    </p:spTree>
+  </p:cSld>
+  <p:clrMapOvr>
+    <a:masterClrMapping/>
+  </p:clrMapOvr>
+</p:notes>
+</file>
+
+<file path=ppt/notesSlides/notesSlide12.xml><?xml version="1.0" encoding="utf-8"?>
+<p:notes xmlns:a="http://schemas.openxmlformats.org/drawingml/2006/main" xmlns:r="http://schemas.openxmlformats.org/officeDocument/2006/relationships" xmlns:p="http://schemas.openxmlformats.org/presentationml/2006/main">
+  <p:cSld>
+    <p:spTree>
+      <p:nvGrpSpPr>
+        <p:cNvPr id="1" name=""/>
+        <p:cNvGrpSpPr/>
+        <p:nvPr/>
+      </p:nvGrpSpPr>
+      <p:grpSpPr>
+        <a:xfrm>
+          <a:off x="0" y="0"/>
+          <a:ext cx="0" cy="0"/>
+          <a:chOff x="0" y="0"/>
+          <a:chExt cx="0" cy="0"/>
+        </a:xfrm>
+      </p:grpSpPr>
+      <p:sp>
+        <p:nvSpPr>
+          <p:cNvPr id="2" name="1 Marcador de imagen de diapositiva"/>
+          <p:cNvSpPr>
+            <a:spLocks noGrp="1" noRot="1" noChangeAspect="1"/>
+          </p:cNvSpPr>
+          <p:nvPr>
+            <p:ph type="sldImg"/>
+          </p:nvPr>
+        </p:nvSpPr>
+        <p:spPr/>
+      </p:sp>
+      <p:sp>
+        <p:nvSpPr>
+          <p:cNvPr id="3" name="2 Marcador de notas"/>
+          <p:cNvSpPr>
+            <a:spLocks noGrp="1"/>
+          </p:cNvSpPr>
+          <p:nvPr>
+            <p:ph type="body" idx="1"/>
+          </p:nvPr>
+        </p:nvSpPr>
+        <p:spPr/>
+        <p:txBody>
+          <a:bodyPr>
+            <a:normAutofit/>
+          </a:bodyPr>
+          <a:lstStyle/>
+          <a:p>
+            <a:endParaRPr lang="es-CL" dirty="0"/>
+          </a:p>
+        </p:txBody>
+      </p:sp>
+      <p:sp>
+        <p:nvSpPr>
+          <p:cNvPr id="4" name="3 Marcador de número de diapositiva"/>
+          <p:cNvSpPr>
+            <a:spLocks noGrp="1"/>
+          </p:cNvSpPr>
+          <p:nvPr>
+            <p:ph type="sldNum" sz="quarter" idx="10"/>
+          </p:nvPr>
+        </p:nvSpPr>
+        <p:spPr/>
+        <p:txBody>
+          <a:bodyPr/>
+          <a:lstStyle/>
+          <a:p>
+            <a:pPr>
+              <a:defRPr/>
+            </a:pPr>
+            <a:fld id="{FDE42844-D1B2-4A88-A9DE-E38F64B7E751}" type="slidenum">
+              <a:rPr lang="es-ES" smtClean="0"/>
+              <a:pPr>
+                <a:defRPr/>
+              </a:pPr>
+              <a:t>12</a:t>
+            </a:fld>
+            <a:endParaRPr lang="es-ES"/>
+          </a:p>
+        </p:txBody>
+      </p:sp>
+    </p:spTree>
+  </p:cSld>
+  <p:clrMapOvr>
+    <a:masterClrMapping/>
+  </p:clrMapOvr>
+</p:notes>
+</file>
+
+<file path=ppt/notesSlides/notesSlide13.xml><?xml version="1.0" encoding="utf-8"?>
+<p:notes xmlns:a="http://schemas.openxmlformats.org/drawingml/2006/main" xmlns:r="http://schemas.openxmlformats.org/officeDocument/2006/relationships" xmlns:p="http://schemas.openxmlformats.org/presentationml/2006/main">
+  <p:cSld>
+    <p:spTree>
+      <p:nvGrpSpPr>
+        <p:cNvPr id="1" name=""/>
+        <p:cNvGrpSpPr/>
+        <p:nvPr/>
+      </p:nvGrpSpPr>
+      <p:grpSpPr>
+        <a:xfrm>
+          <a:off x="0" y="0"/>
+          <a:ext cx="0" cy="0"/>
+          <a:chOff x="0" y="0"/>
+          <a:chExt cx="0" cy="0"/>
+        </a:xfrm>
+      </p:grpSpPr>
+      <p:sp>
+        <p:nvSpPr>
+          <p:cNvPr id="2" name="1 Marcador de imagen de diapositiva"/>
+          <p:cNvSpPr>
+            <a:spLocks noGrp="1" noRot="1" noChangeAspect="1"/>
+          </p:cNvSpPr>
+          <p:nvPr>
+            <p:ph type="sldImg"/>
+          </p:nvPr>
+        </p:nvSpPr>
+        <p:spPr/>
+      </p:sp>
+      <p:sp>
+        <p:nvSpPr>
+          <p:cNvPr id="3" name="2 Marcador de notas"/>
+          <p:cNvSpPr>
+            <a:spLocks noGrp="1"/>
+          </p:cNvSpPr>
+          <p:nvPr>
+            <p:ph type="body" idx="1"/>
+          </p:nvPr>
+        </p:nvSpPr>
+        <p:spPr/>
+        <p:txBody>
+          <a:bodyPr>
+            <a:normAutofit/>
+          </a:bodyPr>
+          <a:lstStyle/>
+          <a:p>
+            <a:endParaRPr lang="es-CL" dirty="0"/>
+          </a:p>
+        </p:txBody>
+      </p:sp>
+      <p:sp>
+        <p:nvSpPr>
+          <p:cNvPr id="4" name="3 Marcador de número de diapositiva"/>
+          <p:cNvSpPr>
+            <a:spLocks noGrp="1"/>
+          </p:cNvSpPr>
+          <p:nvPr>
+            <p:ph type="sldNum" sz="quarter" idx="10"/>
+          </p:nvPr>
+        </p:nvSpPr>
+        <p:spPr/>
+        <p:txBody>
+          <a:bodyPr/>
+          <a:lstStyle/>
+          <a:p>
+            <a:pPr>
+              <a:defRPr/>
+            </a:pPr>
+            <a:fld id="{FDE42844-D1B2-4A88-A9DE-E38F64B7E751}" type="slidenum">
+              <a:rPr lang="es-ES" smtClean="0"/>
+              <a:pPr>
+                <a:defRPr/>
+              </a:pPr>
+              <a:t>13</a:t>
+            </a:fld>
+            <a:endParaRPr lang="es-ES"/>
+          </a:p>
+        </p:txBody>
+      </p:sp>
+    </p:spTree>
+  </p:cSld>
+  <p:clrMapOvr>
+    <a:masterClrMapping/>
+  </p:clrMapOvr>
+</p:notes>
+</file>
+
+<file path=ppt/notesSlides/notesSlide14.xml><?xml version="1.0" encoding="utf-8"?>
+<p:notes xmlns:a="http://schemas.openxmlformats.org/drawingml/2006/main" xmlns:r="http://schemas.openxmlformats.org/officeDocument/2006/relationships" xmlns:p="http://schemas.openxmlformats.org/presentationml/2006/main">
+  <p:cSld>
+    <p:spTree>
+      <p:nvGrpSpPr>
+        <p:cNvPr id="1" name=""/>
+        <p:cNvGrpSpPr/>
+        <p:nvPr/>
+      </p:nvGrpSpPr>
+      <p:grpSpPr>
+        <a:xfrm>
+          <a:off x="0" y="0"/>
+          <a:ext cx="0" cy="0"/>
+          <a:chOff x="0" y="0"/>
+          <a:chExt cx="0" cy="0"/>
+        </a:xfrm>
+      </p:grpSpPr>
+      <p:sp>
+        <p:nvSpPr>
+          <p:cNvPr id="2" name="1 Marcador de imagen de diapositiva"/>
+          <p:cNvSpPr>
+            <a:spLocks noGrp="1" noRot="1" noChangeAspect="1"/>
+          </p:cNvSpPr>
+          <p:nvPr>
+            <p:ph type="sldImg"/>
+          </p:nvPr>
+        </p:nvSpPr>
+        <p:spPr/>
+      </p:sp>
+      <p:sp>
+        <p:nvSpPr>
+          <p:cNvPr id="3" name="2 Marcador de notas"/>
+          <p:cNvSpPr>
+            <a:spLocks noGrp="1"/>
+          </p:cNvSpPr>
+          <p:nvPr>
+            <p:ph type="body" idx="1"/>
+          </p:nvPr>
+        </p:nvSpPr>
+        <p:spPr/>
+        <p:txBody>
+          <a:bodyPr>
+            <a:normAutofit/>
+          </a:bodyPr>
+          <a:lstStyle/>
+          <a:p>
+            <a:pPr marL="0" marR="0" indent="0" algn="l" defTabSz="914400" rtl="0" eaLnBrk="0" fontAlgn="base" latinLnBrk="0" hangingPunct="0">
+              <a:lnSpc>
+                <a:spcPct val="100000"/>
+              </a:lnSpc>
+              <a:spcBef>
+                <a:spcPct val="30000"/>
+              </a:spcBef>
+              <a:spcAft>
+                <a:spcPct val="0"/>
+              </a:spcAft>
+              <a:buClrTx/>
+              <a:buSzTx/>
+              <a:buFontTx/>
+              <a:buNone/>
+              <a:tabLst/>
+              <a:defRPr/>
+            </a:pPr>
+            <a:r>
+              <a:rPr lang="es-CL" sz="1200" kern="1200" dirty="0" smtClean="0">
+                <a:solidFill>
+                  <a:schemeClr val="tx1"/>
+                </a:solidFill>
+                <a:latin typeface="Times New Roman" pitchFamily="18" charset="0"/>
+                <a:ea typeface="+mn-ea"/>
+                <a:cs typeface="+mn-cs"/>
+              </a:rPr>
+              <a:t>La empresa debe contar con ciertas características de hardware y software para el funcionamiento del sistema para esto se consideran computadores adaptados para el sistema y un servidor que contendrá la aplicación y la base de datos.</a:t>
+            </a:r>
+          </a:p>
+          <a:p>
+            <a:pPr marL="0" marR="0" indent="0" algn="l" defTabSz="914400" rtl="0" eaLnBrk="0" fontAlgn="base" latinLnBrk="0" hangingPunct="0">
+              <a:lnSpc>
+                <a:spcPct val="100000"/>
+              </a:lnSpc>
+              <a:spcBef>
+                <a:spcPct val="30000"/>
+              </a:spcBef>
+              <a:spcAft>
+                <a:spcPct val="0"/>
+              </a:spcAft>
+              <a:buClrTx/>
+              <a:buSzTx/>
+              <a:buFontTx/>
+              <a:buNone/>
+              <a:tabLst/>
+              <a:defRPr/>
+            </a:pPr>
+            <a:endParaRPr lang="es-CL" sz="1200" kern="1200" dirty="0" smtClean="0">
+              <a:solidFill>
+                <a:schemeClr val="tx1"/>
+              </a:solidFill>
+              <a:latin typeface="Times New Roman" pitchFamily="18" charset="0"/>
+              <a:ea typeface="+mn-ea"/>
+              <a:cs typeface="+mn-cs"/>
+            </a:endParaRPr>
+          </a:p>
+          <a:p>
+            <a:pPr marL="0" marR="0" indent="0" algn="l" defTabSz="914400" rtl="0" eaLnBrk="0" fontAlgn="base" latinLnBrk="0" hangingPunct="0">
+              <a:lnSpc>
+                <a:spcPct val="100000"/>
+              </a:lnSpc>
+              <a:spcBef>
+                <a:spcPct val="30000"/>
+              </a:spcBef>
+              <a:spcAft>
+                <a:spcPct val="0"/>
+              </a:spcAft>
+              <a:buClrTx/>
+              <a:buSzTx/>
+              <a:buFontTx/>
+              <a:buNone/>
+              <a:tabLst/>
+              <a:defRPr/>
+            </a:pPr>
+            <a:r>
+              <a:rPr lang="es-CL" sz="1200" kern="1200" dirty="0" smtClean="0">
+                <a:solidFill>
+                  <a:schemeClr val="tx1"/>
+                </a:solidFill>
+                <a:latin typeface="Times New Roman" pitchFamily="18" charset="0"/>
+                <a:ea typeface="+mn-ea"/>
+                <a:cs typeface="+mn-cs"/>
+              </a:rPr>
+              <a:t>Se necesita red</a:t>
+            </a:r>
+            <a:r>
+              <a:rPr lang="es-CL" sz="1200" kern="1200" baseline="0" dirty="0" smtClean="0">
+                <a:solidFill>
+                  <a:schemeClr val="tx1"/>
+                </a:solidFill>
+                <a:latin typeface="Times New Roman" pitchFamily="18" charset="0"/>
+                <a:ea typeface="+mn-ea"/>
+                <a:cs typeface="+mn-cs"/>
+              </a:rPr>
+              <a:t> </a:t>
+            </a:r>
+            <a:r>
+              <a:rPr lang="es-CL" sz="1200" kern="1200" baseline="0" dirty="0" err="1" smtClean="0">
+                <a:solidFill>
+                  <a:schemeClr val="tx1"/>
+                </a:solidFill>
+                <a:latin typeface="Times New Roman" pitchFamily="18" charset="0"/>
+                <a:ea typeface="+mn-ea"/>
+                <a:cs typeface="+mn-cs"/>
+              </a:rPr>
+              <a:t>lan</a:t>
+            </a:r>
+            <a:r>
+              <a:rPr lang="es-CL" sz="1200" kern="1200" baseline="0" dirty="0" smtClean="0">
+                <a:solidFill>
+                  <a:schemeClr val="tx1"/>
+                </a:solidFill>
+                <a:latin typeface="Times New Roman" pitchFamily="18" charset="0"/>
+                <a:ea typeface="+mn-ea"/>
+                <a:cs typeface="+mn-cs"/>
+              </a:rPr>
+              <a:t> para mantener el sistema en </a:t>
+            </a:r>
+            <a:r>
+              <a:rPr lang="es-CL" sz="1200" kern="1200" baseline="0" dirty="0" err="1" smtClean="0">
+                <a:solidFill>
+                  <a:schemeClr val="tx1"/>
+                </a:solidFill>
+                <a:latin typeface="Times New Roman" pitchFamily="18" charset="0"/>
+                <a:ea typeface="+mn-ea"/>
+                <a:cs typeface="+mn-cs"/>
+              </a:rPr>
+              <a:t>linea</a:t>
+            </a:r>
+            <a:r>
+              <a:rPr lang="es-CL" sz="1200" kern="1200" baseline="0" dirty="0" smtClean="0">
+                <a:solidFill>
+                  <a:schemeClr val="tx1"/>
+                </a:solidFill>
+                <a:latin typeface="Times New Roman" pitchFamily="18" charset="0"/>
+                <a:ea typeface="+mn-ea"/>
+                <a:cs typeface="+mn-cs"/>
+              </a:rPr>
+              <a:t> local</a:t>
+            </a:r>
+            <a:endParaRPr lang="es-CL" sz="1200" kern="1200" dirty="0" smtClean="0">
+              <a:solidFill>
+                <a:schemeClr val="tx1"/>
+              </a:solidFill>
+              <a:latin typeface="Times New Roman" pitchFamily="18" charset="0"/>
+              <a:ea typeface="+mn-ea"/>
+              <a:cs typeface="+mn-cs"/>
+            </a:endParaRPr>
+          </a:p>
+          <a:p>
+            <a:endParaRPr lang="es-CL" dirty="0"/>
+          </a:p>
+        </p:txBody>
+      </p:sp>
+      <p:sp>
+        <p:nvSpPr>
+          <p:cNvPr id="4" name="3 Marcador de número de diapositiva"/>
+          <p:cNvSpPr>
+            <a:spLocks noGrp="1"/>
+          </p:cNvSpPr>
+          <p:nvPr>
+            <p:ph type="sldNum" sz="quarter" idx="10"/>
+          </p:nvPr>
+        </p:nvSpPr>
+        <p:spPr/>
+        <p:txBody>
+          <a:bodyPr/>
+          <a:lstStyle/>
+          <a:p>
+            <a:pPr>
+              <a:defRPr/>
+            </a:pPr>
+            <a:fld id="{FDE42844-D1B2-4A88-A9DE-E38F64B7E751}" type="slidenum">
+              <a:rPr lang="es-ES" smtClean="0"/>
+              <a:pPr>
+                <a:defRPr/>
+              </a:pPr>
+              <a:t>14</a:t>
+            </a:fld>
+            <a:endParaRPr lang="es-ES"/>
+          </a:p>
+        </p:txBody>
+      </p:sp>
+    </p:spTree>
+  </p:cSld>
+  <p:clrMapOvr>
+    <a:masterClrMapping/>
+  </p:clrMapOvr>
+</p:notes>
+</file>
+
+<file path=ppt/notesSlides/notesSlide15.xml><?xml version="1.0" encoding="utf-8"?>
+<p:notes xmlns:a="http://schemas.openxmlformats.org/drawingml/2006/main" xmlns:r="http://schemas.openxmlformats.org/officeDocument/2006/relationships" xmlns:p="http://schemas.openxmlformats.org/presentationml/2006/main">
+  <p:cSld>
+    <p:spTree>
+      <p:nvGrpSpPr>
+        <p:cNvPr id="1" name=""/>
+        <p:cNvGrpSpPr/>
+        <p:nvPr/>
+      </p:nvGrpSpPr>
+      <p:grpSpPr>
+        <a:xfrm>
+          <a:off x="0" y="0"/>
+          <a:ext cx="0" cy="0"/>
+          <a:chOff x="0" y="0"/>
+          <a:chExt cx="0" cy="0"/>
+        </a:xfrm>
+      </p:grpSpPr>
+      <p:sp>
+        <p:nvSpPr>
+          <p:cNvPr id="2" name="1 Marcador de imagen de diapositiva"/>
+          <p:cNvSpPr>
+            <a:spLocks noGrp="1" noRot="1" noChangeAspect="1"/>
+          </p:cNvSpPr>
+          <p:nvPr>
+            <p:ph type="sldImg"/>
+          </p:nvPr>
+        </p:nvSpPr>
+        <p:spPr/>
+      </p:sp>
+      <p:sp>
+        <p:nvSpPr>
+          <p:cNvPr id="3" name="2 Marcador de notas"/>
+          <p:cNvSpPr>
+            <a:spLocks noGrp="1"/>
+          </p:cNvSpPr>
+          <p:nvPr>
+            <p:ph type="body" idx="1"/>
+          </p:nvPr>
+        </p:nvSpPr>
+        <p:spPr/>
+        <p:txBody>
+          <a:bodyPr>
+            <a:normAutofit/>
+          </a:bodyPr>
+          <a:lstStyle/>
+          <a:p>
+            <a:pPr marL="0" marR="0" indent="0" algn="l" defTabSz="914400" rtl="0" eaLnBrk="0" fontAlgn="base" latinLnBrk="0" hangingPunct="0">
+              <a:lnSpc>
+                <a:spcPct val="100000"/>
+              </a:lnSpc>
+              <a:spcBef>
+                <a:spcPct val="30000"/>
+              </a:spcBef>
+              <a:spcAft>
+                <a:spcPct val="0"/>
+              </a:spcAft>
+              <a:buClrTx/>
+              <a:buSzTx/>
+              <a:buFontTx/>
+              <a:buNone/>
+              <a:tabLst/>
+              <a:defRPr/>
+            </a:pPr>
+            <a:r>
+              <a:rPr lang="es-CL" sz="1200" kern="1200" dirty="0" smtClean="0">
+                <a:solidFill>
+                  <a:schemeClr val="tx1"/>
+                </a:solidFill>
+                <a:latin typeface="Times New Roman" pitchFamily="18" charset="0"/>
+                <a:ea typeface="+mn-ea"/>
+                <a:cs typeface="+mn-cs"/>
+              </a:rPr>
+              <a:t>La empresa debe contar con ciertas características de hardware y software para el funcionamiento del sistema para esto se consideran computadores adaptados para el sistema y un servidor que contendrá la aplicación y la base de datos.</a:t>
+            </a:r>
+          </a:p>
+          <a:p>
+            <a:endParaRPr lang="es-CL" dirty="0"/>
+          </a:p>
+        </p:txBody>
+      </p:sp>
+      <p:sp>
+        <p:nvSpPr>
+          <p:cNvPr id="4" name="3 Marcador de número de diapositiva"/>
+          <p:cNvSpPr>
+            <a:spLocks noGrp="1"/>
+          </p:cNvSpPr>
+          <p:nvPr>
+            <p:ph type="sldNum" sz="quarter" idx="10"/>
+          </p:nvPr>
+        </p:nvSpPr>
+        <p:spPr/>
+        <p:txBody>
+          <a:bodyPr/>
+          <a:lstStyle/>
+          <a:p>
+            <a:pPr>
+              <a:defRPr/>
+            </a:pPr>
+            <a:fld id="{FDE42844-D1B2-4A88-A9DE-E38F64B7E751}" type="slidenum">
+              <a:rPr lang="es-ES" smtClean="0"/>
+              <a:pPr>
+                <a:defRPr/>
+              </a:pPr>
+              <a:t>15</a:t>
+            </a:fld>
+            <a:endParaRPr lang="es-ES"/>
+          </a:p>
+        </p:txBody>
+      </p:sp>
+    </p:spTree>
+  </p:cSld>
+  <p:clrMapOvr>
+    <a:masterClrMapping/>
+  </p:clrMapOvr>
+</p:notes>
+</file>
+
+<file path=ppt/notesSlides/notesSlide16.xml><?xml version="1.0" encoding="utf-8"?>
+<p:notes xmlns:a="http://schemas.openxmlformats.org/drawingml/2006/main" xmlns:r="http://schemas.openxmlformats.org/officeDocument/2006/relationships" xmlns:p="http://schemas.openxmlformats.org/presentationml/2006/main">
+  <p:cSld>
+    <p:spTree>
+      <p:nvGrpSpPr>
+        <p:cNvPr id="1" name=""/>
+        <p:cNvGrpSpPr/>
+        <p:nvPr/>
+      </p:nvGrpSpPr>
+      <p:grpSpPr>
+        <a:xfrm>
+          <a:off x="0" y="0"/>
+          <a:ext cx="0" cy="0"/>
+          <a:chOff x="0" y="0"/>
+          <a:chExt cx="0" cy="0"/>
+        </a:xfrm>
+      </p:grpSpPr>
+      <p:sp>
+        <p:nvSpPr>
+          <p:cNvPr id="2" name="1 Marcador de imagen de diapositiva"/>
+          <p:cNvSpPr>
+            <a:spLocks noGrp="1" noRot="1" noChangeAspect="1"/>
+          </p:cNvSpPr>
+          <p:nvPr>
+            <p:ph type="sldImg"/>
+          </p:nvPr>
+        </p:nvSpPr>
+        <p:spPr/>
+      </p:sp>
+      <p:sp>
+        <p:nvSpPr>
+          <p:cNvPr id="3" name="2 Marcador de notas"/>
+          <p:cNvSpPr>
+            <a:spLocks noGrp="1"/>
+          </p:cNvSpPr>
+          <p:nvPr>
+            <p:ph type="body" idx="1"/>
+          </p:nvPr>
+        </p:nvSpPr>
+        <p:spPr/>
+        <p:txBody>
+          <a:bodyPr>
+            <a:normAutofit/>
+          </a:bodyPr>
+          <a:lstStyle/>
+          <a:p>
+            <a:r>
+              <a:rPr lang="es-CL" dirty="0" smtClean="0"/>
+              <a:t>El</a:t>
+            </a:r>
+            <a:r>
+              <a:rPr lang="es-CL" baseline="0" dirty="0" smtClean="0"/>
+              <a:t> precio del sistema , se consideran dos opciones para la base de datos y el sistema operativo, ya que es posible usar </a:t>
+            </a:r>
+            <a:r>
+              <a:rPr lang="es-CL" baseline="0" dirty="0" err="1" smtClean="0"/>
+              <a:t>sql</a:t>
+            </a:r>
+            <a:r>
+              <a:rPr lang="es-CL" baseline="0" dirty="0" smtClean="0"/>
+              <a:t> </a:t>
+            </a:r>
+            <a:r>
+              <a:rPr lang="es-CL" baseline="0" dirty="0" err="1" smtClean="0"/>
+              <a:t>express</a:t>
+            </a:r>
+            <a:r>
+              <a:rPr lang="es-CL" baseline="0" dirty="0" smtClean="0"/>
+              <a:t> debido a que el crecimiento de datos no será mayor a un giga anual por lo cual se deben realizar </a:t>
+            </a:r>
+            <a:r>
+              <a:rPr lang="es-CL" baseline="0" dirty="0" err="1" smtClean="0"/>
+              <a:t>backup</a:t>
+            </a:r>
+            <a:r>
+              <a:rPr lang="es-CL" baseline="0" dirty="0" smtClean="0"/>
+              <a:t> de la base datos cada cuatro años o utilizar el estándar que es ilimitado</a:t>
+            </a:r>
+            <a:endParaRPr lang="es-CL" dirty="0"/>
+          </a:p>
+        </p:txBody>
+      </p:sp>
+      <p:sp>
+        <p:nvSpPr>
+          <p:cNvPr id="4" name="3 Marcador de número de diapositiva"/>
+          <p:cNvSpPr>
+            <a:spLocks noGrp="1"/>
+          </p:cNvSpPr>
+          <p:nvPr>
+            <p:ph type="sldNum" sz="quarter" idx="10"/>
+          </p:nvPr>
+        </p:nvSpPr>
+        <p:spPr/>
+        <p:txBody>
+          <a:bodyPr/>
+          <a:lstStyle/>
+          <a:p>
+            <a:pPr>
+              <a:defRPr/>
+            </a:pPr>
+            <a:fld id="{FDE42844-D1B2-4A88-A9DE-E38F64B7E751}" type="slidenum">
+              <a:rPr lang="es-ES" smtClean="0"/>
+              <a:pPr>
+                <a:defRPr/>
+              </a:pPr>
+              <a:t>16</a:t>
+            </a:fld>
+            <a:endParaRPr lang="es-ES"/>
+          </a:p>
+        </p:txBody>
+      </p:sp>
+    </p:spTree>
+  </p:cSld>
+  <p:clrMapOvr>
+    <a:masterClrMapping/>
+  </p:clrMapOvr>
+</p:notes>
+</file>
+
+<file path=ppt/notesSlides/notesSlide17.xml><?xml version="1.0" encoding="utf-8"?>
+<p:notes xmlns:a="http://schemas.openxmlformats.org/drawingml/2006/main" xmlns:r="http://schemas.openxmlformats.org/officeDocument/2006/relationships" xmlns:p="http://schemas.openxmlformats.org/presentationml/2006/main">
+  <p:cSld>
+    <p:spTree>
+      <p:nvGrpSpPr>
+        <p:cNvPr id="1" name=""/>
+        <p:cNvGrpSpPr/>
+        <p:nvPr/>
+      </p:nvGrpSpPr>
+      <p:grpSpPr>
+        <a:xfrm>
+          <a:off x="0" y="0"/>
+          <a:ext cx="0" cy="0"/>
+          <a:chOff x="0" y="0"/>
+          <a:chExt cx="0" cy="0"/>
+        </a:xfrm>
+      </p:grpSpPr>
+      <p:sp>
+        <p:nvSpPr>
+          <p:cNvPr id="2" name="1 Marcador de imagen de diapositiva"/>
+          <p:cNvSpPr>
+            <a:spLocks noGrp="1" noRot="1" noChangeAspect="1"/>
+          </p:cNvSpPr>
+          <p:nvPr>
+            <p:ph type="sldImg"/>
+          </p:nvPr>
+        </p:nvSpPr>
+        <p:spPr/>
+      </p:sp>
+      <p:sp>
+        <p:nvSpPr>
+          <p:cNvPr id="3" name="2 Marcador de notas"/>
+          <p:cNvSpPr>
+            <a:spLocks noGrp="1"/>
+          </p:cNvSpPr>
+          <p:nvPr>
+            <p:ph type="body" idx="1"/>
+          </p:nvPr>
+        </p:nvSpPr>
+        <p:spPr/>
+        <p:txBody>
+          <a:bodyPr>
+            <a:normAutofit/>
+          </a:bodyPr>
+          <a:lstStyle/>
+          <a:p>
+            <a:r>
+              <a:rPr lang="es-CL" dirty="0" smtClean="0"/>
+              <a:t>Este proyecto</a:t>
+            </a:r>
+            <a:r>
+              <a:rPr lang="es-CL" baseline="0" dirty="0" smtClean="0"/>
+              <a:t> se estima una </a:t>
+            </a:r>
+            <a:endParaRPr lang="es-CL" dirty="0"/>
+          </a:p>
+        </p:txBody>
+      </p:sp>
+      <p:sp>
+        <p:nvSpPr>
+          <p:cNvPr id="4" name="3 Marcador de número de diapositiva"/>
+          <p:cNvSpPr>
+            <a:spLocks noGrp="1"/>
+          </p:cNvSpPr>
+          <p:nvPr>
+            <p:ph type="sldNum" sz="quarter" idx="10"/>
+          </p:nvPr>
+        </p:nvSpPr>
+        <p:spPr/>
+        <p:txBody>
+          <a:bodyPr/>
+          <a:lstStyle/>
+          <a:p>
+            <a:pPr>
+              <a:defRPr/>
+            </a:pPr>
+            <a:fld id="{FDE42844-D1B2-4A88-A9DE-E38F64B7E751}" type="slidenum">
+              <a:rPr lang="es-ES" smtClean="0"/>
+              <a:pPr>
+                <a:defRPr/>
+              </a:pPr>
+              <a:t>17</a:t>
+            </a:fld>
+            <a:endParaRPr lang="es-ES"/>
+          </a:p>
+        </p:txBody>
+      </p:sp>
+    </p:spTree>
+  </p:cSld>
+  <p:clrMapOvr>
+    <a:masterClrMapping/>
+  </p:clrMapOvr>
+</p:notes>
+</file>
+
+<file path=ppt/notesSlides/notesSlide18.xml><?xml version="1.0" encoding="utf-8"?>
+<p:notes xmlns:a="http://schemas.openxmlformats.org/drawingml/2006/main" xmlns:r="http://schemas.openxmlformats.org/officeDocument/2006/relationships" xmlns:p="http://schemas.openxmlformats.org/presentationml/2006/main">
+  <p:cSld>
+    <p:spTree>
+      <p:nvGrpSpPr>
+        <p:cNvPr id="1" name=""/>
+        <p:cNvGrpSpPr/>
+        <p:nvPr/>
+      </p:nvGrpSpPr>
+      <p:grpSpPr>
+        <a:xfrm>
+          <a:off x="0" y="0"/>
+          <a:ext cx="0" cy="0"/>
+          <a:chOff x="0" y="0"/>
+          <a:chExt cx="0" cy="0"/>
+        </a:xfrm>
+      </p:grpSpPr>
+      <p:sp>
+        <p:nvSpPr>
+          <p:cNvPr id="2" name="1 Marcador de imagen de diapositiva"/>
+          <p:cNvSpPr>
+            <a:spLocks noGrp="1" noRot="1" noChangeAspect="1"/>
+          </p:cNvSpPr>
+          <p:nvPr>
+            <p:ph type="sldImg"/>
+          </p:nvPr>
+        </p:nvSpPr>
+        <p:spPr/>
+      </p:sp>
+      <p:sp>
+        <p:nvSpPr>
+          <p:cNvPr id="3" name="2 Marcador de notas"/>
+          <p:cNvSpPr>
+            <a:spLocks noGrp="1"/>
+          </p:cNvSpPr>
+          <p:nvPr>
+            <p:ph type="body" idx="1"/>
+          </p:nvPr>
+        </p:nvSpPr>
+        <p:spPr/>
+        <p:txBody>
+          <a:bodyPr>
+            <a:normAutofit/>
+          </a:bodyPr>
+          <a:lstStyle/>
+          <a:p>
+            <a:r>
+              <a:rPr lang="es-CL" dirty="0" smtClean="0"/>
+              <a:t>Este proyecto</a:t>
+            </a:r>
+            <a:r>
+              <a:rPr lang="es-CL" baseline="0" dirty="0" smtClean="0"/>
+              <a:t> se estima una </a:t>
+            </a:r>
+            <a:endParaRPr lang="es-CL" dirty="0"/>
+          </a:p>
+        </p:txBody>
+      </p:sp>
+      <p:sp>
+        <p:nvSpPr>
+          <p:cNvPr id="4" name="3 Marcador de número de diapositiva"/>
+          <p:cNvSpPr>
+            <a:spLocks noGrp="1"/>
+          </p:cNvSpPr>
+          <p:nvPr>
+            <p:ph type="sldNum" sz="quarter" idx="10"/>
+          </p:nvPr>
+        </p:nvSpPr>
+        <p:spPr/>
+        <p:txBody>
+          <a:bodyPr/>
+          <a:lstStyle/>
+          <a:p>
+            <a:pPr>
+              <a:defRPr/>
+            </a:pPr>
+            <a:fld id="{FDE42844-D1B2-4A88-A9DE-E38F64B7E751}" type="slidenum">
+              <a:rPr lang="es-ES" smtClean="0"/>
+              <a:pPr>
+                <a:defRPr/>
+              </a:pPr>
+              <a:t>18</a:t>
+            </a:fld>
+            <a:endParaRPr lang="es-ES"/>
+          </a:p>
+        </p:txBody>
+      </p:sp>
+    </p:spTree>
+  </p:cSld>
+  <p:clrMapOvr>
+    <a:masterClrMapping/>
+  </p:clrMapOvr>
+</p:notes>
+</file>
+
+<file path=ppt/notesSlides/notesSlide19.xml><?xml version="1.0" encoding="utf-8"?>
+<p:notes xmlns:a="http://schemas.openxmlformats.org/drawingml/2006/main" xmlns:r="http://schemas.openxmlformats.org/officeDocument/2006/relationships" xmlns:p="http://schemas.openxmlformats.org/presentationml/2006/main">
+  <p:cSld>
+    <p:spTree>
+      <p:nvGrpSpPr>
+        <p:cNvPr id="1" name=""/>
+        <p:cNvGrpSpPr/>
+        <p:nvPr/>
+      </p:nvGrpSpPr>
+      <p:grpSpPr>
+        <a:xfrm>
+          <a:off x="0" y="0"/>
+          <a:ext cx="0" cy="0"/>
+          <a:chOff x="0" y="0"/>
+          <a:chExt cx="0" cy="0"/>
+        </a:xfrm>
+      </p:grpSpPr>
+      <p:sp>
+        <p:nvSpPr>
+          <p:cNvPr id="2" name="1 Marcador de imagen de diapositiva"/>
+          <p:cNvSpPr>
+            <a:spLocks noGrp="1" noRot="1" noChangeAspect="1"/>
+          </p:cNvSpPr>
+          <p:nvPr>
+            <p:ph type="sldImg"/>
+          </p:nvPr>
+        </p:nvSpPr>
+        <p:spPr/>
+      </p:sp>
+      <p:sp>
+        <p:nvSpPr>
+          <p:cNvPr id="3" name="2 Marcador de notas"/>
+          <p:cNvSpPr>
+            <a:spLocks noGrp="1"/>
+          </p:cNvSpPr>
+          <p:nvPr>
+            <p:ph type="body" idx="1"/>
+          </p:nvPr>
+        </p:nvSpPr>
+        <p:spPr/>
+        <p:txBody>
+          <a:bodyPr>
+            <a:normAutofit/>
+          </a:bodyPr>
+          <a:lstStyle/>
+          <a:p>
+            <a:r>
+              <a:rPr lang="es-CL" dirty="0" smtClean="0"/>
+              <a:t>Este proyecto</a:t>
+            </a:r>
+            <a:r>
+              <a:rPr lang="es-CL" baseline="0" dirty="0" smtClean="0"/>
+              <a:t> se estima una </a:t>
+            </a:r>
+            <a:endParaRPr lang="es-CL" dirty="0"/>
+          </a:p>
+        </p:txBody>
+      </p:sp>
+      <p:sp>
+        <p:nvSpPr>
+          <p:cNvPr id="4" name="3 Marcador de número de diapositiva"/>
+          <p:cNvSpPr>
+            <a:spLocks noGrp="1"/>
+          </p:cNvSpPr>
+          <p:nvPr>
+            <p:ph type="sldNum" sz="quarter" idx="10"/>
+          </p:nvPr>
+        </p:nvSpPr>
+        <p:spPr/>
+        <p:txBody>
+          <a:bodyPr/>
+          <a:lstStyle/>
+          <a:p>
+            <a:pPr>
+              <a:defRPr/>
+            </a:pPr>
+            <a:fld id="{FDE42844-D1B2-4A88-A9DE-E38F64B7E751}" type="slidenum">
+              <a:rPr lang="es-ES" smtClean="0"/>
+              <a:pPr>
+                <a:defRPr/>
+              </a:pPr>
+              <a:t>19</a:t>
+            </a:fld>
+            <a:endParaRPr lang="es-ES"/>
+          </a:p>
+        </p:txBody>
+      </p:sp>
+    </p:spTree>
+  </p:cSld>
+  <p:clrMapOvr>
+    <a:masterClrMapping/>
+  </p:clrMapOvr>
+</p:notes>
+</file>
+
+<file path=ppt/notesSlides/notesSlide2.xml><?xml version="1.0" encoding="utf-8"?>
+<p:notes xmlns:a="http://schemas.openxmlformats.org/drawingml/2006/main" xmlns:r="http://schemas.openxmlformats.org/officeDocument/2006/relationships" xmlns:p="http://schemas.openxmlformats.org/presentationml/2006/main">
+  <p:cSld>
+    <p:spTree>
+      <p:nvGrpSpPr>
+        <p:cNvPr id="1" name=""/>
+        <p:cNvGrpSpPr/>
+        <p:nvPr/>
+      </p:nvGrpSpPr>
+      <p:grpSpPr>
+        <a:xfrm>
+          <a:off x="0" y="0"/>
+          <a:ext cx="0" cy="0"/>
+          <a:chOff x="0" y="0"/>
+          <a:chExt cx="0" cy="0"/>
+        </a:xfrm>
+      </p:grpSpPr>
+      <p:sp>
+        <p:nvSpPr>
+          <p:cNvPr id="2" name="1 Marcador de imagen de diapositiva"/>
+          <p:cNvSpPr>
+            <a:spLocks noGrp="1" noRot="1" noChangeAspect="1"/>
+          </p:cNvSpPr>
+          <p:nvPr>
+            <p:ph type="sldImg"/>
+          </p:nvPr>
+        </p:nvSpPr>
+        <p:spPr/>
+      </p:sp>
+      <p:sp>
+        <p:nvSpPr>
+          <p:cNvPr id="3" name="2 Marcador de notas"/>
+          <p:cNvSpPr>
+            <a:spLocks noGrp="1"/>
+          </p:cNvSpPr>
+          <p:nvPr>
+            <p:ph type="body" idx="1"/>
+          </p:nvPr>
+        </p:nvSpPr>
+        <p:spPr/>
+        <p:txBody>
+          <a:bodyPr>
+            <a:normAutofit/>
+          </a:bodyPr>
+          <a:lstStyle/>
+          <a:p>
+            <a:endParaRPr lang="es-CL"/>
+          </a:p>
+        </p:txBody>
+      </p:sp>
+      <p:sp>
+        <p:nvSpPr>
+          <p:cNvPr id="4" name="3 Marcador de número de diapositiva"/>
+          <p:cNvSpPr>
+            <a:spLocks noGrp="1"/>
+          </p:cNvSpPr>
+          <p:nvPr>
+            <p:ph type="sldNum" sz="quarter" idx="10"/>
+          </p:nvPr>
+        </p:nvSpPr>
+        <p:spPr/>
+        <p:txBody>
+          <a:bodyPr/>
+          <a:lstStyle/>
+          <a:p>
+            <a:pPr>
+              <a:defRPr/>
+            </a:pPr>
+            <a:fld id="{FDE42844-D1B2-4A88-A9DE-E38F64B7E751}" type="slidenum">
+              <a:rPr lang="es-ES" smtClean="0"/>
+              <a:pPr>
+                <a:defRPr/>
+              </a:pPr>
+              <a:t>2</a:t>
+            </a:fld>
+            <a:endParaRPr lang="es-ES"/>
+          </a:p>
+        </p:txBody>
+      </p:sp>
+    </p:spTree>
+  </p:cSld>
+  <p:clrMapOvr>
+    <a:masterClrMapping/>
+  </p:clrMapOvr>
+</p:notes>
+</file>
+
+<file path=ppt/notesSlides/notesSlide20.xml><?xml version="1.0" encoding="utf-8"?>
+<p:notes xmlns:a="http://schemas.openxmlformats.org/drawingml/2006/main" xmlns:r="http://schemas.openxmlformats.org/officeDocument/2006/relationships" xmlns:p="http://schemas.openxmlformats.org/presentationml/2006/main">
+  <p:cSld>
+    <p:spTree>
+      <p:nvGrpSpPr>
+        <p:cNvPr id="1" name=""/>
+        <p:cNvGrpSpPr/>
+        <p:nvPr/>
+      </p:nvGrpSpPr>
+      <p:grpSpPr>
+        <a:xfrm>
+          <a:off x="0" y="0"/>
+          <a:ext cx="0" cy="0"/>
+          <a:chOff x="0" y="0"/>
+          <a:chExt cx="0" cy="0"/>
+        </a:xfrm>
+      </p:grpSpPr>
+      <p:sp>
+        <p:nvSpPr>
+          <p:cNvPr id="2" name="1 Marcador de imagen de diapositiva"/>
+          <p:cNvSpPr>
+            <a:spLocks noGrp="1" noRot="1" noChangeAspect="1"/>
+          </p:cNvSpPr>
+          <p:nvPr>
+            <p:ph type="sldImg"/>
+          </p:nvPr>
+        </p:nvSpPr>
+        <p:spPr/>
+      </p:sp>
+      <p:sp>
+        <p:nvSpPr>
+          <p:cNvPr id="3" name="2 Marcador de notas"/>
+          <p:cNvSpPr>
+            <a:spLocks noGrp="1"/>
+          </p:cNvSpPr>
+          <p:nvPr>
+            <p:ph type="body" idx="1"/>
+          </p:nvPr>
+        </p:nvSpPr>
+        <p:spPr/>
+        <p:txBody>
+          <a:bodyPr>
+            <a:normAutofit/>
+          </a:bodyPr>
+          <a:lstStyle/>
+          <a:p>
+            <a:r>
+              <a:rPr lang="es-CL" dirty="0" smtClean="0"/>
+              <a:t>Este proyecto</a:t>
+            </a:r>
+            <a:r>
+              <a:rPr lang="es-CL" baseline="0" dirty="0" smtClean="0"/>
+              <a:t> se estima una </a:t>
+            </a:r>
+            <a:endParaRPr lang="es-CL" dirty="0"/>
+          </a:p>
+        </p:txBody>
+      </p:sp>
+      <p:sp>
+        <p:nvSpPr>
+          <p:cNvPr id="4" name="3 Marcador de número de diapositiva"/>
+          <p:cNvSpPr>
+            <a:spLocks noGrp="1"/>
+          </p:cNvSpPr>
+          <p:nvPr>
+            <p:ph type="sldNum" sz="quarter" idx="10"/>
+          </p:nvPr>
+        </p:nvSpPr>
+        <p:spPr/>
+        <p:txBody>
+          <a:bodyPr/>
+          <a:lstStyle/>
+          <a:p>
+            <a:pPr>
+              <a:defRPr/>
+            </a:pPr>
+            <a:fld id="{FDE42844-D1B2-4A88-A9DE-E38F64B7E751}" type="slidenum">
+              <a:rPr lang="es-ES" smtClean="0"/>
+              <a:pPr>
+                <a:defRPr/>
+              </a:pPr>
+              <a:t>20</a:t>
+            </a:fld>
+            <a:endParaRPr lang="es-ES"/>
+          </a:p>
+        </p:txBody>
+      </p:sp>
+    </p:spTree>
+  </p:cSld>
+  <p:clrMapOvr>
+    <a:masterClrMapping/>
+  </p:clrMapOvr>
+</p:notes>
+</file>
+
+<file path=ppt/notesSlides/notesSlide21.xml><?xml version="1.0" encoding="utf-8"?>
+<p:notes xmlns:a="http://schemas.openxmlformats.org/drawingml/2006/main" xmlns:r="http://schemas.openxmlformats.org/officeDocument/2006/relationships" xmlns:p="http://schemas.openxmlformats.org/presentationml/2006/main">
+  <p:cSld>
+    <p:spTree>
+      <p:nvGrpSpPr>
+        <p:cNvPr id="1" name=""/>
+        <p:cNvGrpSpPr/>
+        <p:nvPr/>
+      </p:nvGrpSpPr>
+      <p:grpSpPr>
+        <a:xfrm>
+          <a:off x="0" y="0"/>
+          <a:ext cx="0" cy="0"/>
+          <a:chOff x="0" y="0"/>
+          <a:chExt cx="0" cy="0"/>
+        </a:xfrm>
+      </p:grpSpPr>
+      <p:sp>
+        <p:nvSpPr>
+          <p:cNvPr id="2" name="1 Marcador de imagen de diapositiva"/>
+          <p:cNvSpPr>
+            <a:spLocks noGrp="1" noRot="1" noChangeAspect="1"/>
+          </p:cNvSpPr>
+          <p:nvPr>
+            <p:ph type="sldImg"/>
+          </p:nvPr>
+        </p:nvSpPr>
+        <p:spPr/>
+      </p:sp>
+      <p:sp>
+        <p:nvSpPr>
+          <p:cNvPr id="3" name="2 Marcador de notas"/>
+          <p:cNvSpPr>
+            <a:spLocks noGrp="1"/>
+          </p:cNvSpPr>
+          <p:nvPr>
+            <p:ph type="body" idx="1"/>
+          </p:nvPr>
+        </p:nvSpPr>
+        <p:spPr/>
+        <p:txBody>
+          <a:bodyPr>
+            <a:normAutofit/>
+          </a:bodyPr>
+          <a:lstStyle/>
+          <a:p>
+            <a:endParaRPr lang="es-CL"/>
+          </a:p>
+        </p:txBody>
+      </p:sp>
+      <p:sp>
+        <p:nvSpPr>
+          <p:cNvPr id="4" name="3 Marcador de número de diapositiva"/>
+          <p:cNvSpPr>
+            <a:spLocks noGrp="1"/>
+          </p:cNvSpPr>
+          <p:nvPr>
+            <p:ph type="sldNum" sz="quarter" idx="10"/>
+          </p:nvPr>
+        </p:nvSpPr>
+        <p:spPr/>
+        <p:txBody>
+          <a:bodyPr/>
+          <a:lstStyle/>
+          <a:p>
+            <a:pPr>
+              <a:defRPr/>
+            </a:pPr>
+            <a:fld id="{FDE42844-D1B2-4A88-A9DE-E38F64B7E751}" type="slidenum">
+              <a:rPr lang="es-ES" smtClean="0"/>
+              <a:pPr>
+                <a:defRPr/>
+              </a:pPr>
+              <a:t>21</a:t>
+            </a:fld>
+            <a:endParaRPr lang="es-ES"/>
+          </a:p>
+        </p:txBody>
+      </p:sp>
+    </p:spTree>
+  </p:cSld>
+  <p:clrMapOvr>
+    <a:masterClrMapping/>
+  </p:clrMapOvr>
+</p:notes>
+</file>
+
+<file path=ppt/notesSlides/notesSlide22.xml><?xml version="1.0" encoding="utf-8"?>
+<p:notes xmlns:a="http://schemas.openxmlformats.org/drawingml/2006/main" xmlns:r="http://schemas.openxmlformats.org/officeDocument/2006/relationships" xmlns:p="http://schemas.openxmlformats.org/presentationml/2006/main">
+  <p:cSld>
+    <p:spTree>
+      <p:nvGrpSpPr>
+        <p:cNvPr id="1" name=""/>
+        <p:cNvGrpSpPr/>
+        <p:nvPr/>
+      </p:nvGrpSpPr>
+      <p:grpSpPr>
+        <a:xfrm>
+          <a:off x="0" y="0"/>
+          <a:ext cx="0" cy="0"/>
+          <a:chOff x="0" y="0"/>
+          <a:chExt cx="0" cy="0"/>
+        </a:xfrm>
+      </p:grpSpPr>
+      <p:sp>
+        <p:nvSpPr>
+          <p:cNvPr id="2" name="1 Marcador de imagen de diapositiva"/>
+          <p:cNvSpPr>
+            <a:spLocks noGrp="1" noRot="1" noChangeAspect="1"/>
+          </p:cNvSpPr>
+          <p:nvPr>
+            <p:ph type="sldImg"/>
+          </p:nvPr>
+        </p:nvSpPr>
+        <p:spPr/>
+      </p:sp>
+      <p:sp>
+        <p:nvSpPr>
+          <p:cNvPr id="3" name="2 Marcador de notas"/>
+          <p:cNvSpPr>
+            <a:spLocks noGrp="1"/>
+          </p:cNvSpPr>
+          <p:nvPr>
+            <p:ph type="body" idx="1"/>
+          </p:nvPr>
+        </p:nvSpPr>
+        <p:spPr/>
+        <p:txBody>
+          <a:bodyPr>
+            <a:normAutofit/>
+          </a:bodyPr>
+          <a:lstStyle/>
+          <a:p>
+            <a:r>
+              <a:rPr lang="es-CL" dirty="0" smtClean="0"/>
+              <a:t>Este proyecto</a:t>
+            </a:r>
+            <a:r>
+              <a:rPr lang="es-CL" baseline="0" dirty="0" smtClean="0"/>
+              <a:t> se estima una </a:t>
+            </a:r>
+            <a:endParaRPr lang="es-CL" dirty="0"/>
+          </a:p>
+        </p:txBody>
+      </p:sp>
+      <p:sp>
+        <p:nvSpPr>
+          <p:cNvPr id="4" name="3 Marcador de número de diapositiva"/>
+          <p:cNvSpPr>
+            <a:spLocks noGrp="1"/>
+          </p:cNvSpPr>
+          <p:nvPr>
+            <p:ph type="sldNum" sz="quarter" idx="10"/>
+          </p:nvPr>
+        </p:nvSpPr>
+        <p:spPr/>
+        <p:txBody>
+          <a:bodyPr/>
+          <a:lstStyle/>
+          <a:p>
+            <a:pPr>
+              <a:defRPr/>
+            </a:pPr>
+            <a:fld id="{FDE42844-D1B2-4A88-A9DE-E38F64B7E751}" type="slidenum">
+              <a:rPr lang="es-ES" smtClean="0"/>
+              <a:pPr>
+                <a:defRPr/>
+              </a:pPr>
+              <a:t>28</a:t>
+            </a:fld>
+            <a:endParaRPr lang="es-ES"/>
+          </a:p>
+        </p:txBody>
+      </p:sp>
+    </p:spTree>
+  </p:cSld>
+  <p:clrMapOvr>
+    <a:masterClrMapping/>
+  </p:clrMapOvr>
+</p:notes>
+</file>
+
+<file path=ppt/notesSlides/notesSlide3.xml><?xml version="1.0" encoding="utf-8"?>
+<p:notes xmlns:a="http://schemas.openxmlformats.org/drawingml/2006/main" xmlns:r="http://schemas.openxmlformats.org/officeDocument/2006/relationships" xmlns:p="http://schemas.openxmlformats.org/presentationml/2006/main">
+  <p:cSld>
+    <p:spTree>
+      <p:nvGrpSpPr>
+        <p:cNvPr id="1" name=""/>
+        <p:cNvGrpSpPr/>
+        <p:nvPr/>
+      </p:nvGrpSpPr>
+      <p:grpSpPr>
+        <a:xfrm>
+          <a:off x="0" y="0"/>
+          <a:ext cx="0" cy="0"/>
+          <a:chOff x="0" y="0"/>
+          <a:chExt cx="0" cy="0"/>
+        </a:xfrm>
+      </p:grpSpPr>
+      <p:sp>
+        <p:nvSpPr>
+          <p:cNvPr id="2" name="1 Marcador de imagen de diapositiva"/>
+          <p:cNvSpPr>
+            <a:spLocks noGrp="1" noRot="1" noChangeAspect="1"/>
+          </p:cNvSpPr>
+          <p:nvPr>
+            <p:ph type="sldImg"/>
+          </p:nvPr>
+        </p:nvSpPr>
+        <p:spPr/>
+      </p:sp>
+      <p:sp>
+        <p:nvSpPr>
+          <p:cNvPr id="3" name="2 Marcador de notas"/>
+          <p:cNvSpPr>
+            <a:spLocks noGrp="1"/>
+          </p:cNvSpPr>
+          <p:nvPr>
+            <p:ph type="body" idx="1"/>
+          </p:nvPr>
+        </p:nvSpPr>
+        <p:spPr/>
+        <p:txBody>
+          <a:bodyPr>
+            <a:normAutofit/>
+          </a:bodyPr>
+          <a:lstStyle/>
+          <a:p>
+            <a:r>
+              <a:rPr lang="es-CL" dirty="0" smtClean="0"/>
+              <a:t>Este proyecto esta enfocado hacia</a:t>
+            </a:r>
+            <a:r>
+              <a:rPr lang="es-CL" baseline="0" dirty="0" smtClean="0"/>
+              <a:t> las empresa de tipo pymes, </a:t>
+            </a:r>
+          </a:p>
+          <a:p>
+            <a:r>
+              <a:rPr lang="es-CL" baseline="0" dirty="0" smtClean="0"/>
+              <a:t>Específicamente hacia el rubro de servicio técnico electrónico,</a:t>
+            </a:r>
+          </a:p>
+          <a:p>
+            <a:r>
+              <a:rPr lang="es-CL" baseline="0" dirty="0" smtClean="0"/>
+              <a:t>La idea es el desarrollo de un sistema que se pueda </a:t>
+            </a:r>
+            <a:r>
+              <a:rPr lang="es-CL" b="1" baseline="0" dirty="0" smtClean="0"/>
+              <a:t>instalar en diferentes empresas de ese tipo.</a:t>
+            </a:r>
+          </a:p>
+          <a:p>
+            <a:r>
+              <a:rPr lang="es-CL" b="0" baseline="0" dirty="0" smtClean="0"/>
+              <a:t>Debido a que estas empresas posee flujo de trabajo similares.</a:t>
+            </a:r>
+          </a:p>
+          <a:p>
+            <a:endParaRPr lang="es-CL" b="0" baseline="0" dirty="0" smtClean="0"/>
+          </a:p>
+          <a:p>
+            <a:r>
+              <a:rPr lang="es-CL" b="0" baseline="0" dirty="0" smtClean="0"/>
+              <a:t>Este proyecto se realizo bajo la metodología de desarrollo cascada, ya que es un proyecto pequeño, con requerimientos definidos según referencias de dos empresas del rubro.</a:t>
+            </a:r>
+            <a:endParaRPr lang="es-CL" b="0" dirty="0"/>
+          </a:p>
+        </p:txBody>
+      </p:sp>
+      <p:sp>
+        <p:nvSpPr>
+          <p:cNvPr id="4" name="3 Marcador de número de diapositiva"/>
+          <p:cNvSpPr>
+            <a:spLocks noGrp="1"/>
+          </p:cNvSpPr>
+          <p:nvPr>
+            <p:ph type="sldNum" sz="quarter" idx="10"/>
+          </p:nvPr>
+        </p:nvSpPr>
+        <p:spPr/>
+        <p:txBody>
+          <a:bodyPr/>
+          <a:lstStyle/>
+          <a:p>
+            <a:pPr>
+              <a:defRPr/>
+            </a:pPr>
+            <a:fld id="{FDE42844-D1B2-4A88-A9DE-E38F64B7E751}" type="slidenum">
+              <a:rPr lang="es-ES" smtClean="0"/>
+              <a:pPr>
+                <a:defRPr/>
+              </a:pPr>
+              <a:t>3</a:t>
+            </a:fld>
+            <a:endParaRPr lang="es-ES"/>
+          </a:p>
+        </p:txBody>
+      </p:sp>
+    </p:spTree>
+  </p:cSld>
+  <p:clrMapOvr>
+    <a:masterClrMapping/>
+  </p:clrMapOvr>
+</p:notes>
+</file>
+
+<file path=ppt/notesSlides/notesSlide4.xml><?xml version="1.0" encoding="utf-8"?>
+<p:notes xmlns:a="http://schemas.openxmlformats.org/drawingml/2006/main" xmlns:r="http://schemas.openxmlformats.org/officeDocument/2006/relationships" xmlns:p="http://schemas.openxmlformats.org/presentationml/2006/main">
+  <p:cSld>
+    <p:spTree>
+      <p:nvGrpSpPr>
+        <p:cNvPr id="1" name=""/>
+        <p:cNvGrpSpPr/>
+        <p:nvPr/>
+      </p:nvGrpSpPr>
+      <p:grpSpPr>
+        <a:xfrm>
+          <a:off x="0" y="0"/>
+          <a:ext cx="0" cy="0"/>
+          <a:chOff x="0" y="0"/>
+          <a:chExt cx="0" cy="0"/>
+        </a:xfrm>
+      </p:grpSpPr>
+      <p:sp>
+        <p:nvSpPr>
+          <p:cNvPr id="2" name="1 Marcador de imagen de diapositiva"/>
+          <p:cNvSpPr>
+            <a:spLocks noGrp="1" noRot="1" noChangeAspect="1"/>
+          </p:cNvSpPr>
+          <p:nvPr>
+            <p:ph type="sldImg"/>
+          </p:nvPr>
+        </p:nvSpPr>
+        <p:spPr/>
+      </p:sp>
+      <p:sp>
+        <p:nvSpPr>
+          <p:cNvPr id="3" name="2 Marcador de notas"/>
+          <p:cNvSpPr>
+            <a:spLocks noGrp="1"/>
+          </p:cNvSpPr>
+          <p:nvPr>
+            <p:ph type="body" idx="1"/>
+          </p:nvPr>
+        </p:nvSpPr>
+        <p:spPr/>
+        <p:txBody>
+          <a:bodyPr>
+            <a:normAutofit/>
+          </a:bodyPr>
+          <a:lstStyle/>
+          <a:p>
+            <a:r>
+              <a:rPr lang="es-CL" dirty="0" smtClean="0"/>
+              <a:t>Pymes en aumento: Según el estudio realizado por el ministerio</a:t>
+            </a:r>
+            <a:r>
+              <a:rPr lang="es-CL" baseline="0" dirty="0" smtClean="0"/>
+              <a:t> de economía, la dinámica empresarial de chile, muestra la cantidad de empresas de tipo pyme en chile, en el cual indica que en el año 2005 y 2006 la cantidad de empresas pymes es de </a:t>
+            </a:r>
+            <a:r>
+              <a:rPr lang="es-CL" sz="1200" kern="1200" dirty="0" smtClean="0">
+                <a:solidFill>
+                  <a:schemeClr val="tx1"/>
+                </a:solidFill>
+                <a:latin typeface="Times New Roman" pitchFamily="18" charset="0"/>
+                <a:ea typeface="+mn-ea"/>
+                <a:cs typeface="+mn-cs"/>
+              </a:rPr>
+              <a:t>85.983. </a:t>
+            </a:r>
+            <a:r>
+              <a:rPr lang="es-CL" sz="1200" kern="1200" baseline="0" dirty="0" smtClean="0">
+                <a:solidFill>
+                  <a:schemeClr val="tx1"/>
+                </a:solidFill>
+                <a:latin typeface="Times New Roman" pitchFamily="18" charset="0"/>
+                <a:ea typeface="+mn-ea"/>
+                <a:cs typeface="+mn-cs"/>
+              </a:rPr>
+              <a:t> y van en aumento.</a:t>
+            </a:r>
+          </a:p>
+          <a:p>
+            <a:endParaRPr lang="es-CL" sz="1200" kern="1200" baseline="0" dirty="0" smtClean="0">
+              <a:solidFill>
+                <a:schemeClr val="tx1"/>
+              </a:solidFill>
+              <a:latin typeface="Times New Roman" pitchFamily="18" charset="0"/>
+              <a:ea typeface="+mn-ea"/>
+              <a:cs typeface="+mn-cs"/>
+            </a:endParaRPr>
+          </a:p>
+          <a:p>
+            <a:r>
+              <a:rPr lang="es-CL" sz="1200" kern="1200" baseline="0" dirty="0" smtClean="0">
+                <a:solidFill>
+                  <a:schemeClr val="tx1"/>
+                </a:solidFill>
+                <a:latin typeface="Times New Roman" pitchFamily="18" charset="0"/>
+                <a:ea typeface="+mn-ea"/>
+                <a:cs typeface="+mn-cs"/>
+              </a:rPr>
+              <a:t>El 10 % de este tipo de empresas invierte en tecnología según un estudio de la cámara de comercio de Santiago </a:t>
+            </a:r>
+            <a:r>
+              <a:rPr lang="es-CL" sz="1200" kern="1200" dirty="0" smtClean="0">
+                <a:solidFill>
+                  <a:schemeClr val="tx1"/>
+                </a:solidFill>
+                <a:latin typeface="Times New Roman" pitchFamily="18" charset="0"/>
+                <a:ea typeface="+mn-ea"/>
+                <a:cs typeface="+mn-cs"/>
+              </a:rPr>
+              <a:t>BIT</a:t>
+            </a:r>
+            <a:r>
+              <a:rPr lang="es-CL" sz="1200" kern="1200" baseline="0" dirty="0" smtClean="0">
+                <a:solidFill>
+                  <a:schemeClr val="tx1"/>
+                </a:solidFill>
+                <a:latin typeface="Times New Roman" pitchFamily="18" charset="0"/>
+                <a:ea typeface="+mn-ea"/>
+                <a:cs typeface="+mn-cs"/>
+              </a:rPr>
+              <a:t>.</a:t>
+            </a:r>
+          </a:p>
+          <a:p>
+            <a:r>
+              <a:rPr lang="es-CL" sz="1200" kern="1200" baseline="0" dirty="0" smtClean="0">
+                <a:solidFill>
+                  <a:schemeClr val="tx1"/>
+                </a:solidFill>
+                <a:latin typeface="Times New Roman" pitchFamily="18" charset="0"/>
+                <a:ea typeface="+mn-ea"/>
+                <a:cs typeface="+mn-cs"/>
+              </a:rPr>
+              <a:t>El 16% ocupa tecnología, es decir, internet, correo, herramientas ofimáticas.</a:t>
+            </a:r>
+          </a:p>
+          <a:p>
+            <a:endParaRPr lang="es-CL" sz="1200" kern="1200" baseline="0" dirty="0" smtClean="0">
+              <a:solidFill>
+                <a:schemeClr val="tx1"/>
+              </a:solidFill>
+              <a:latin typeface="Times New Roman" pitchFamily="18" charset="0"/>
+              <a:ea typeface="+mn-ea"/>
+              <a:cs typeface="+mn-cs"/>
+            </a:endParaRPr>
+          </a:p>
+          <a:p>
+            <a:r>
+              <a:rPr lang="es-CL" sz="1200" kern="1200" dirty="0" smtClean="0">
+                <a:solidFill>
+                  <a:schemeClr val="tx1"/>
+                </a:solidFill>
+                <a:latin typeface="Times New Roman" pitchFamily="18" charset="0"/>
+                <a:ea typeface="+mn-ea"/>
+                <a:cs typeface="+mn-cs"/>
+              </a:rPr>
+              <a:t>Pero por otra parte existen programas de apoyo</a:t>
+            </a:r>
+            <a:r>
+              <a:rPr lang="es-CL" sz="1200" kern="1200" baseline="0" dirty="0" smtClean="0">
+                <a:solidFill>
+                  <a:schemeClr val="tx1"/>
+                </a:solidFill>
+                <a:latin typeface="Times New Roman" pitchFamily="18" charset="0"/>
+                <a:ea typeface="+mn-ea"/>
+                <a:cs typeface="+mn-cs"/>
+              </a:rPr>
+              <a:t> como lo Pyme’21, de la CORFO, que entrega un cofinanciamiento a empresas pymes para que puedan invertir en TI, esto funciona con la entrega de un </a:t>
+            </a:r>
+            <a:r>
+              <a:rPr lang="es-CL" sz="1200" kern="1200" baseline="0" dirty="0" err="1" smtClean="0">
+                <a:solidFill>
+                  <a:schemeClr val="tx1"/>
+                </a:solidFill>
+                <a:latin typeface="Times New Roman" pitchFamily="18" charset="0"/>
+                <a:ea typeface="+mn-ea"/>
+                <a:cs typeface="+mn-cs"/>
+              </a:rPr>
+              <a:t>co-financiamento</a:t>
+            </a:r>
+            <a:r>
+              <a:rPr lang="es-CL" sz="1200" kern="1200" baseline="0" dirty="0" smtClean="0">
+                <a:solidFill>
+                  <a:schemeClr val="tx1"/>
+                </a:solidFill>
+                <a:latin typeface="Times New Roman" pitchFamily="18" charset="0"/>
+                <a:ea typeface="+mn-ea"/>
+                <a:cs typeface="+mn-cs"/>
+              </a:rPr>
+              <a:t> de hasta 5 millones. Esto ayuda a las empresas en invertir en este tipo de tecnologías.</a:t>
+            </a:r>
+          </a:p>
+          <a:p>
+            <a:endParaRPr lang="es-CL" sz="1200" kern="1200" baseline="0" dirty="0" smtClean="0">
+              <a:solidFill>
+                <a:schemeClr val="tx1"/>
+              </a:solidFill>
+              <a:latin typeface="Times New Roman" pitchFamily="18" charset="0"/>
+              <a:ea typeface="+mn-ea"/>
+              <a:cs typeface="+mn-cs"/>
+            </a:endParaRPr>
+          </a:p>
+          <a:p>
+            <a:r>
+              <a:rPr lang="es-CL" sz="1200" kern="1200" baseline="0" dirty="0" smtClean="0">
+                <a:solidFill>
+                  <a:schemeClr val="tx1"/>
+                </a:solidFill>
+                <a:latin typeface="Times New Roman" pitchFamily="18" charset="0"/>
+                <a:ea typeface="+mn-ea"/>
+                <a:cs typeface="+mn-cs"/>
+              </a:rPr>
+              <a:t>Con todo lo expuesto anteriormente de las pymes, existen 962 empresas de servicio técnico electrónico registradas en amarillas de Publiguías, que va hacer nuestra referencia de mercado para este proyecto.</a:t>
+            </a:r>
+          </a:p>
+          <a:p>
+            <a:endParaRPr lang="es-CL" sz="1200" kern="1200" baseline="0" dirty="0" smtClean="0">
+              <a:solidFill>
+                <a:schemeClr val="tx1"/>
+              </a:solidFill>
+              <a:latin typeface="Times New Roman" pitchFamily="18" charset="0"/>
+              <a:ea typeface="+mn-ea"/>
+              <a:cs typeface="+mn-cs"/>
+            </a:endParaRPr>
+          </a:p>
+          <a:p>
+            <a:endParaRPr lang="es-CL" sz="1200" kern="1200" dirty="0" smtClean="0">
+              <a:solidFill>
+                <a:schemeClr val="tx1"/>
+              </a:solidFill>
+              <a:latin typeface="Times New Roman" pitchFamily="18" charset="0"/>
+              <a:ea typeface="+mn-ea"/>
+              <a:cs typeface="+mn-cs"/>
+            </a:endParaRPr>
+          </a:p>
+          <a:p>
+            <a:endParaRPr lang="es-CL" b="0" dirty="0" smtClean="0"/>
+          </a:p>
+          <a:p>
+            <a:endParaRPr lang="es-CL" b="0" dirty="0"/>
+          </a:p>
+        </p:txBody>
+      </p:sp>
+      <p:sp>
+        <p:nvSpPr>
+          <p:cNvPr id="4" name="3 Marcador de número de diapositiva"/>
+          <p:cNvSpPr>
+            <a:spLocks noGrp="1"/>
+          </p:cNvSpPr>
+          <p:nvPr>
+            <p:ph type="sldNum" sz="quarter" idx="10"/>
+          </p:nvPr>
+        </p:nvSpPr>
+        <p:spPr/>
+        <p:txBody>
+          <a:bodyPr/>
+          <a:lstStyle/>
+          <a:p>
+            <a:pPr>
+              <a:defRPr/>
+            </a:pPr>
+            <a:fld id="{FDE42844-D1B2-4A88-A9DE-E38F64B7E751}" type="slidenum">
+              <a:rPr lang="es-ES" smtClean="0"/>
+              <a:pPr>
+                <a:defRPr/>
+              </a:pPr>
+              <a:t>4</a:t>
+            </a:fld>
+            <a:endParaRPr lang="es-ES"/>
+          </a:p>
+        </p:txBody>
+      </p:sp>
+    </p:spTree>
+  </p:cSld>
+  <p:clrMapOvr>
+    <a:masterClrMapping/>
+  </p:clrMapOvr>
+</p:notes>
+</file>
+
+<file path=ppt/notesSlides/notesSlide5.xml><?xml version="1.0" encoding="utf-8"?>
+<p:notes xmlns:a="http://schemas.openxmlformats.org/drawingml/2006/main" xmlns:r="http://schemas.openxmlformats.org/officeDocument/2006/relationships" xmlns:p="http://schemas.openxmlformats.org/presentationml/2006/main">
+  <p:cSld>
+    <p:spTree>
+      <p:nvGrpSpPr>
+        <p:cNvPr id="1" name=""/>
+        <p:cNvGrpSpPr/>
+        <p:nvPr/>
+      </p:nvGrpSpPr>
+      <p:grpSpPr>
+        <a:xfrm>
+          <a:off x="0" y="0"/>
+          <a:ext cx="0" cy="0"/>
+          <a:chOff x="0" y="0"/>
+          <a:chExt cx="0" cy="0"/>
+        </a:xfrm>
+      </p:grpSpPr>
+      <p:sp>
+        <p:nvSpPr>
+          <p:cNvPr id="2" name="1 Marcador de imagen de diapositiva"/>
+          <p:cNvSpPr>
+            <a:spLocks noGrp="1" noRot="1" noChangeAspect="1"/>
+          </p:cNvSpPr>
+          <p:nvPr>
+            <p:ph type="sldImg"/>
+          </p:nvPr>
+        </p:nvSpPr>
+        <p:spPr/>
+      </p:sp>
+      <p:sp>
+        <p:nvSpPr>
+          <p:cNvPr id="3" name="2 Marcador de notas"/>
+          <p:cNvSpPr>
+            <a:spLocks noGrp="1"/>
+          </p:cNvSpPr>
+          <p:nvPr>
+            <p:ph type="body" idx="1"/>
+          </p:nvPr>
+        </p:nvSpPr>
+        <p:spPr/>
+        <p:txBody>
+          <a:bodyPr>
+            <a:normAutofit/>
+          </a:bodyPr>
+          <a:lstStyle/>
+          <a:p>
+            <a:r>
+              <a:rPr lang="es-CL" sz="1200" kern="1200" dirty="0" smtClean="0">
+                <a:solidFill>
+                  <a:schemeClr val="tx1"/>
+                </a:solidFill>
+                <a:latin typeface="Times New Roman" pitchFamily="18" charset="0"/>
+                <a:ea typeface="+mn-ea"/>
+                <a:cs typeface="+mn-cs"/>
+              </a:rPr>
+              <a:t>La empresa es un servicio técnico electrónico el cual entrega servicios de reparación y revisión de productos electrónicos para diferentes marcas, sus clientes son empresas y particulares</a:t>
+            </a:r>
+          </a:p>
+          <a:p>
+            <a:endParaRPr lang="es-CL" b="0" dirty="0" smtClean="0"/>
+          </a:p>
+          <a:p>
+            <a:endParaRPr lang="es-CL" b="0" dirty="0"/>
+          </a:p>
+        </p:txBody>
+      </p:sp>
+      <p:sp>
+        <p:nvSpPr>
+          <p:cNvPr id="4" name="3 Marcador de número de diapositiva"/>
+          <p:cNvSpPr>
+            <a:spLocks noGrp="1"/>
+          </p:cNvSpPr>
+          <p:nvPr>
+            <p:ph type="sldNum" sz="quarter" idx="10"/>
+          </p:nvPr>
+        </p:nvSpPr>
+        <p:spPr/>
+        <p:txBody>
+          <a:bodyPr/>
+          <a:lstStyle/>
+          <a:p>
+            <a:pPr>
+              <a:defRPr/>
+            </a:pPr>
+            <a:fld id="{FDE42844-D1B2-4A88-A9DE-E38F64B7E751}" type="slidenum">
+              <a:rPr lang="es-ES" smtClean="0"/>
+              <a:pPr>
+                <a:defRPr/>
+              </a:pPr>
+              <a:t>5</a:t>
+            </a:fld>
+            <a:endParaRPr lang="es-ES"/>
+          </a:p>
+        </p:txBody>
+      </p:sp>
+    </p:spTree>
+  </p:cSld>
+  <p:clrMapOvr>
+    <a:masterClrMapping/>
+  </p:clrMapOvr>
+</p:notes>
+</file>
+
+<file path=ppt/notesSlides/notesSlide6.xml><?xml version="1.0" encoding="utf-8"?>
+<p:notes xmlns:a="http://schemas.openxmlformats.org/drawingml/2006/main" xmlns:r="http://schemas.openxmlformats.org/officeDocument/2006/relationships" xmlns:p="http://schemas.openxmlformats.org/presentationml/2006/main">
+  <p:cSld>
+    <p:spTree>
+      <p:nvGrpSpPr>
+        <p:cNvPr id="1" name=""/>
+        <p:cNvGrpSpPr/>
+        <p:nvPr/>
+      </p:nvGrpSpPr>
+      <p:grpSpPr>
+        <a:xfrm>
+          <a:off x="0" y="0"/>
+          <a:ext cx="0" cy="0"/>
+          <a:chOff x="0" y="0"/>
+          <a:chExt cx="0" cy="0"/>
+        </a:xfrm>
+      </p:grpSpPr>
+      <p:sp>
+        <p:nvSpPr>
+          <p:cNvPr id="2" name="1 Marcador de imagen de diapositiva"/>
+          <p:cNvSpPr>
+            <a:spLocks noGrp="1" noRot="1" noChangeAspect="1"/>
+          </p:cNvSpPr>
+          <p:nvPr>
+            <p:ph type="sldImg"/>
+          </p:nvPr>
+        </p:nvSpPr>
+        <p:spPr/>
+      </p:sp>
+      <p:sp>
+        <p:nvSpPr>
+          <p:cNvPr id="3" name="2 Marcador de notas"/>
+          <p:cNvSpPr>
+            <a:spLocks noGrp="1"/>
+          </p:cNvSpPr>
+          <p:nvPr>
+            <p:ph type="body" idx="1"/>
+          </p:nvPr>
+        </p:nvSpPr>
+        <p:spPr/>
+        <p:txBody>
+          <a:bodyPr>
+            <a:normAutofit/>
+          </a:bodyPr>
+          <a:lstStyle/>
+          <a:p>
+            <a:r>
+              <a:rPr lang="es-CL" b="0" dirty="0" smtClean="0"/>
+              <a:t>Organigrama</a:t>
+            </a:r>
+            <a:r>
+              <a:rPr lang="es-CL" b="0" baseline="0" dirty="0" smtClean="0"/>
+              <a:t> estándar o común de este tipo de empresas</a:t>
+            </a:r>
+          </a:p>
+          <a:p>
+            <a:endParaRPr lang="es-CL" b="0" dirty="0" smtClean="0"/>
+          </a:p>
+          <a:p>
+            <a:endParaRPr lang="es-CL" b="0" dirty="0"/>
+          </a:p>
+        </p:txBody>
+      </p:sp>
+      <p:sp>
+        <p:nvSpPr>
+          <p:cNvPr id="4" name="3 Marcador de número de diapositiva"/>
+          <p:cNvSpPr>
+            <a:spLocks noGrp="1"/>
+          </p:cNvSpPr>
+          <p:nvPr>
+            <p:ph type="sldNum" sz="quarter" idx="10"/>
+          </p:nvPr>
+        </p:nvSpPr>
+        <p:spPr/>
+        <p:txBody>
+          <a:bodyPr/>
+          <a:lstStyle/>
+          <a:p>
+            <a:pPr>
+              <a:defRPr/>
+            </a:pPr>
+            <a:fld id="{FDE42844-D1B2-4A88-A9DE-E38F64B7E751}" type="slidenum">
+              <a:rPr lang="es-ES" smtClean="0"/>
+              <a:pPr>
+                <a:defRPr/>
+              </a:pPr>
+              <a:t>6</a:t>
+            </a:fld>
+            <a:endParaRPr lang="es-ES"/>
+          </a:p>
+        </p:txBody>
+      </p:sp>
+    </p:spTree>
+  </p:cSld>
+  <p:clrMapOvr>
+    <a:masterClrMapping/>
+  </p:clrMapOvr>
+</p:notes>
+</file>
+
+<file path=ppt/notesSlides/notesSlide7.xml><?xml version="1.0" encoding="utf-8"?>
+<p:notes xmlns:a="http://schemas.openxmlformats.org/drawingml/2006/main" xmlns:r="http://schemas.openxmlformats.org/officeDocument/2006/relationships" xmlns:p="http://schemas.openxmlformats.org/presentationml/2006/main">
+  <p:cSld>
+    <p:spTree>
+      <p:nvGrpSpPr>
+        <p:cNvPr id="1" name=""/>
+        <p:cNvGrpSpPr/>
+        <p:nvPr/>
+      </p:nvGrpSpPr>
+      <p:grpSpPr>
+        <a:xfrm>
+          <a:off x="0" y="0"/>
+          <a:ext cx="0" cy="0"/>
+          <a:chOff x="0" y="0"/>
+          <a:chExt cx="0" cy="0"/>
+        </a:xfrm>
+      </p:grpSpPr>
+      <p:sp>
+        <p:nvSpPr>
+          <p:cNvPr id="2" name="1 Marcador de imagen de diapositiva"/>
+          <p:cNvSpPr>
+            <a:spLocks noGrp="1" noRot="1" noChangeAspect="1"/>
+          </p:cNvSpPr>
+          <p:nvPr>
+            <p:ph type="sldImg"/>
+          </p:nvPr>
+        </p:nvSpPr>
+        <p:spPr/>
+      </p:sp>
+      <p:sp>
+        <p:nvSpPr>
+          <p:cNvPr id="3" name="2 Marcador de notas"/>
+          <p:cNvSpPr>
+            <a:spLocks noGrp="1"/>
+          </p:cNvSpPr>
+          <p:nvPr>
+            <p:ph type="body" idx="1"/>
+          </p:nvPr>
+        </p:nvSpPr>
+        <p:spPr/>
+        <p:txBody>
+          <a:bodyPr>
+            <a:normAutofit/>
+          </a:bodyPr>
+          <a:lstStyle/>
+          <a:p>
+            <a:r>
+              <a:rPr lang="es-CL" b="0" dirty="0" smtClean="0"/>
+              <a:t>Aquí</a:t>
+            </a:r>
+            <a:r>
+              <a:rPr lang="es-CL" b="0" baseline="0" dirty="0" smtClean="0"/>
+              <a:t> se explica el flujo de trabajo de servicio técnico que consisten en cliente lleva un articulo defectuoso al servicio para ser reparado el rec3epcionista lo recibe, genera un orden de trabajo n papel o en sistemas antiguos que utilizan, luego el administrativo, o jefe de técnicos se encarga de asignar ese trabajo a los técnicos, el técnico revisa y repara el articulo defectuoso o solicita repuesto. Luego el articulo se lo viene ha retirar el cliente.</a:t>
+            </a:r>
+            <a:endParaRPr lang="es-CL" b="0" dirty="0" smtClean="0"/>
+          </a:p>
+          <a:p>
+            <a:endParaRPr lang="es-CL" b="0" dirty="0"/>
+          </a:p>
+        </p:txBody>
+      </p:sp>
+      <p:sp>
+        <p:nvSpPr>
+          <p:cNvPr id="4" name="3 Marcador de número de diapositiva"/>
+          <p:cNvSpPr>
+            <a:spLocks noGrp="1"/>
+          </p:cNvSpPr>
+          <p:nvPr>
+            <p:ph type="sldNum" sz="quarter" idx="10"/>
+          </p:nvPr>
+        </p:nvSpPr>
+        <p:spPr/>
+        <p:txBody>
+          <a:bodyPr/>
+          <a:lstStyle/>
+          <a:p>
+            <a:pPr>
+              <a:defRPr/>
+            </a:pPr>
+            <a:fld id="{FDE42844-D1B2-4A88-A9DE-E38F64B7E751}" type="slidenum">
+              <a:rPr lang="es-ES" smtClean="0"/>
+              <a:pPr>
+                <a:defRPr/>
+              </a:pPr>
+              <a:t>7</a:t>
+            </a:fld>
+            <a:endParaRPr lang="es-ES"/>
+          </a:p>
+        </p:txBody>
+      </p:sp>
+    </p:spTree>
+  </p:cSld>
+  <p:clrMapOvr>
+    <a:masterClrMapping/>
+  </p:clrMapOvr>
+</p:notes>
+</file>
+
+<file path=ppt/notesSlides/notesSlide8.xml><?xml version="1.0" encoding="utf-8"?>
+<p:notes xmlns:a="http://schemas.openxmlformats.org/drawingml/2006/main" xmlns:r="http://schemas.openxmlformats.org/officeDocument/2006/relationships" xmlns:p="http://schemas.openxmlformats.org/presentationml/2006/main">
+  <p:cSld>
+    <p:spTree>
+      <p:nvGrpSpPr>
+        <p:cNvPr id="1" name=""/>
+        <p:cNvGrpSpPr/>
+        <p:nvPr/>
+      </p:nvGrpSpPr>
+      <p:grpSpPr>
+        <a:xfrm>
+          <a:off x="0" y="0"/>
+          <a:ext cx="0" cy="0"/>
+          <a:chOff x="0" y="0"/>
+          <a:chExt cx="0" cy="0"/>
+        </a:xfrm>
+      </p:grpSpPr>
+      <p:sp>
+        <p:nvSpPr>
+          <p:cNvPr id="2" name="1 Marcador de imagen de diapositiva"/>
+          <p:cNvSpPr>
+            <a:spLocks noGrp="1" noRot="1" noChangeAspect="1"/>
+          </p:cNvSpPr>
+          <p:nvPr>
+            <p:ph type="sldImg"/>
+          </p:nvPr>
+        </p:nvSpPr>
+        <p:spPr/>
+      </p:sp>
+      <p:sp>
+        <p:nvSpPr>
+          <p:cNvPr id="3" name="2 Marcador de notas"/>
+          <p:cNvSpPr>
+            <a:spLocks noGrp="1"/>
+          </p:cNvSpPr>
+          <p:nvPr>
+            <p:ph type="body" idx="1"/>
+          </p:nvPr>
+        </p:nvSpPr>
+        <p:spPr/>
+        <p:txBody>
+          <a:bodyPr>
+            <a:normAutofit/>
+          </a:bodyPr>
+          <a:lstStyle/>
+          <a:p>
+            <a:pPr marL="0" marR="0" indent="0" algn="l" defTabSz="914400" rtl="0" eaLnBrk="0" fontAlgn="base" latinLnBrk="0" hangingPunct="0">
+              <a:lnSpc>
+                <a:spcPct val="100000"/>
+              </a:lnSpc>
+              <a:spcBef>
+                <a:spcPct val="30000"/>
+              </a:spcBef>
+              <a:spcAft>
+                <a:spcPct val="0"/>
+              </a:spcAft>
+              <a:buClrTx/>
+              <a:buSzTx/>
+              <a:buFontTx/>
+              <a:buNone/>
+              <a:tabLst/>
+              <a:defRPr/>
+            </a:pPr>
+            <a:r>
+              <a:rPr lang="es-CL" sz="1200" kern="1200" dirty="0" smtClean="0">
+                <a:solidFill>
+                  <a:schemeClr val="tx1"/>
+                </a:solidFill>
+                <a:latin typeface="Times New Roman" pitchFamily="18" charset="0"/>
+                <a:ea typeface="+mn-ea"/>
+                <a:cs typeface="+mn-cs"/>
+              </a:rPr>
+              <a:t> Según lo expuesto anteriormente esta forma de trabajo se  realiza de manera ineficiente, muchas veces de modo artesanal o intuitivas, sin manejar un marco de trabajo optimo ni tampoco un registro detallado de los procesos realizados durante el transcurso del desarrollo de las tareas de la empresa.</a:t>
+            </a:r>
+          </a:p>
+          <a:p>
+            <a:endParaRPr lang="es-CL" b="0" dirty="0" smtClean="0"/>
+          </a:p>
+          <a:p>
+            <a:r>
+              <a:rPr lang="es-CL" b="0" dirty="0" smtClean="0"/>
+              <a:t>No hay ayuda por partes de sistemas en el mercado a este tipo de problemas</a:t>
+            </a:r>
+            <a:r>
+              <a:rPr lang="es-CL" b="0" baseline="0" dirty="0" smtClean="0"/>
+              <a:t> para empresas de servicio </a:t>
+            </a:r>
+            <a:r>
+              <a:rPr lang="es-CL" b="0" baseline="0" dirty="0" err="1" smtClean="0"/>
+              <a:t>tecnico</a:t>
+            </a:r>
+            <a:r>
+              <a:rPr lang="es-CL" b="0" baseline="0" dirty="0" smtClean="0"/>
+              <a:t>.</a:t>
+            </a:r>
+            <a:endParaRPr lang="es-CL" b="0" dirty="0" smtClean="0"/>
+          </a:p>
+          <a:p>
+            <a:endParaRPr lang="es-CL" b="0" dirty="0" smtClean="0"/>
+          </a:p>
+          <a:p>
+            <a:pPr marL="0" marR="0" indent="0" algn="l" defTabSz="914400" rtl="0" eaLnBrk="0" fontAlgn="base" latinLnBrk="0" hangingPunct="0">
+              <a:lnSpc>
+                <a:spcPct val="100000"/>
+              </a:lnSpc>
+              <a:spcBef>
+                <a:spcPct val="30000"/>
+              </a:spcBef>
+              <a:spcAft>
+                <a:spcPct val="0"/>
+              </a:spcAft>
+              <a:buClrTx/>
+              <a:buSzTx/>
+              <a:buFontTx/>
+              <a:buNone/>
+              <a:tabLst/>
+              <a:defRPr/>
+            </a:pPr>
+            <a:r>
+              <a:rPr lang="es-CL" sz="1200" kern="1200" dirty="0" smtClean="0">
+                <a:solidFill>
+                  <a:schemeClr val="tx1"/>
+                </a:solidFill>
+                <a:latin typeface="Times New Roman" pitchFamily="18" charset="0"/>
+                <a:ea typeface="+mn-ea"/>
+                <a:cs typeface="+mn-cs"/>
+              </a:rPr>
+              <a:t>La información expuesta se baso en dos empresas del rubro servicio técnico electrónico, las cuales presentan problemas similares. Estas empresas son Comercial </a:t>
+            </a:r>
+            <a:r>
+              <a:rPr lang="es-CL" sz="1200" kern="1200" dirty="0" err="1" smtClean="0">
+                <a:solidFill>
+                  <a:schemeClr val="tx1"/>
+                </a:solidFill>
+                <a:latin typeface="Times New Roman" pitchFamily="18" charset="0"/>
+                <a:ea typeface="+mn-ea"/>
+                <a:cs typeface="+mn-cs"/>
+              </a:rPr>
+              <a:t>Sel</a:t>
+            </a:r>
+            <a:r>
+              <a:rPr lang="es-CL" sz="1200" kern="1200" dirty="0" smtClean="0">
+                <a:solidFill>
+                  <a:schemeClr val="tx1"/>
+                </a:solidFill>
+                <a:latin typeface="Times New Roman" pitchFamily="18" charset="0"/>
+                <a:ea typeface="+mn-ea"/>
+                <a:cs typeface="+mn-cs"/>
+              </a:rPr>
+              <a:t> Boulevard y Servicio Técnico Autorizado </a:t>
+            </a:r>
+            <a:r>
+              <a:rPr lang="es-CL" sz="1200" kern="1200" dirty="0" err="1" smtClean="0">
+                <a:solidFill>
+                  <a:schemeClr val="tx1"/>
+                </a:solidFill>
+                <a:latin typeface="Times New Roman" pitchFamily="18" charset="0"/>
+                <a:ea typeface="+mn-ea"/>
+                <a:cs typeface="+mn-cs"/>
+              </a:rPr>
+              <a:t>Sindelen</a:t>
+            </a:r>
+            <a:r>
+              <a:rPr lang="es-CL" sz="1200" kern="1200" dirty="0" smtClean="0">
+                <a:solidFill>
+                  <a:schemeClr val="tx1"/>
+                </a:solidFill>
+                <a:latin typeface="Times New Roman" pitchFamily="18" charset="0"/>
+                <a:ea typeface="+mn-ea"/>
+                <a:cs typeface="+mn-cs"/>
+              </a:rPr>
+              <a:t>.</a:t>
+            </a:r>
+          </a:p>
+          <a:p>
+            <a:endParaRPr lang="es-CL" b="0" dirty="0"/>
+          </a:p>
+        </p:txBody>
+      </p:sp>
+      <p:sp>
+        <p:nvSpPr>
+          <p:cNvPr id="4" name="3 Marcador de número de diapositiva"/>
+          <p:cNvSpPr>
+            <a:spLocks noGrp="1"/>
+          </p:cNvSpPr>
+          <p:nvPr>
+            <p:ph type="sldNum" sz="quarter" idx="10"/>
+          </p:nvPr>
+        </p:nvSpPr>
+        <p:spPr/>
+        <p:txBody>
+          <a:bodyPr/>
+          <a:lstStyle/>
+          <a:p>
+            <a:pPr>
+              <a:defRPr/>
+            </a:pPr>
+            <a:fld id="{FDE42844-D1B2-4A88-A9DE-E38F64B7E751}" type="slidenum">
+              <a:rPr lang="es-ES" smtClean="0"/>
+              <a:pPr>
+                <a:defRPr/>
+              </a:pPr>
+              <a:t>8</a:t>
+            </a:fld>
+            <a:endParaRPr lang="es-ES"/>
+          </a:p>
+        </p:txBody>
+      </p:sp>
+    </p:spTree>
+  </p:cSld>
+  <p:clrMapOvr>
+    <a:masterClrMapping/>
+  </p:clrMapOvr>
+</p:notes>
+</file>
+
+<file path=ppt/notesSlides/notesSlide9.xml><?xml version="1.0" encoding="utf-8"?>
+<p:notes xmlns:a="http://schemas.openxmlformats.org/drawingml/2006/main" xmlns:r="http://schemas.openxmlformats.org/officeDocument/2006/relationships" xmlns:p="http://schemas.openxmlformats.org/presentationml/2006/main">
+  <p:cSld>
+    <p:spTree>
+      <p:nvGrpSpPr>
+        <p:cNvPr id="1" name=""/>
+        <p:cNvGrpSpPr/>
+        <p:nvPr/>
+      </p:nvGrpSpPr>
+      <p:grpSpPr>
+        <a:xfrm>
+          <a:off x="0" y="0"/>
+          <a:ext cx="0" cy="0"/>
+          <a:chOff x="0" y="0"/>
+          <a:chExt cx="0" cy="0"/>
+        </a:xfrm>
+      </p:grpSpPr>
+      <p:sp>
+        <p:nvSpPr>
+          <p:cNvPr id="2" name="1 Marcador de imagen de diapositiva"/>
+          <p:cNvSpPr>
+            <a:spLocks noGrp="1" noRot="1" noChangeAspect="1"/>
+          </p:cNvSpPr>
+          <p:nvPr>
+            <p:ph type="sldImg"/>
+          </p:nvPr>
+        </p:nvSpPr>
+        <p:spPr/>
+      </p:sp>
+      <p:sp>
+        <p:nvSpPr>
+          <p:cNvPr id="3" name="2 Marcador de notas"/>
+          <p:cNvSpPr>
+            <a:spLocks noGrp="1"/>
+          </p:cNvSpPr>
+          <p:nvPr>
+            <p:ph type="body" idx="1"/>
+          </p:nvPr>
+        </p:nvSpPr>
+        <p:spPr/>
+        <p:txBody>
+          <a:bodyPr>
+            <a:normAutofit/>
+          </a:bodyPr>
+          <a:lstStyle/>
+          <a:p>
+            <a:endParaRPr lang="es-CL" dirty="0"/>
+          </a:p>
+        </p:txBody>
+      </p:sp>
+      <p:sp>
+        <p:nvSpPr>
+          <p:cNvPr id="4" name="3 Marcador de número de diapositiva"/>
+          <p:cNvSpPr>
+            <a:spLocks noGrp="1"/>
+          </p:cNvSpPr>
+          <p:nvPr>
+            <p:ph type="sldNum" sz="quarter" idx="10"/>
+          </p:nvPr>
+        </p:nvSpPr>
+        <p:spPr/>
+        <p:txBody>
+          <a:bodyPr/>
+          <a:lstStyle/>
+          <a:p>
+            <a:pPr>
+              <a:defRPr/>
+            </a:pPr>
+            <a:fld id="{FDE42844-D1B2-4A88-A9DE-E38F64B7E751}" type="slidenum">
+              <a:rPr lang="es-ES" smtClean="0"/>
+              <a:pPr>
+                <a:defRPr/>
+              </a:pPr>
+              <a:t>9</a:t>
+            </a:fld>
+            <a:endParaRPr lang="es-ES"/>
+          </a:p>
+        </p:txBody>
+      </p:sp>
+    </p:spTree>
+  </p:cSld>
+  <p:clrMapOvr>
+    <a:masterClrMapping/>
+  </p:clrMapOvr>
+</p:notes>
 </file>
 
 <file path=ppt/slideLayouts/slideLayout1.xml><?xml version="1.0" encoding="utf-8"?>
@@ -4405,7 +7002,7 @@
           <p:nvPr/>
         </p:nvPicPr>
         <p:blipFill>
-          <a:blip r:embed="rId2" cstate="print"/>
+          <a:blip r:embed="rId3" cstate="print"/>
           <a:srcRect/>
           <a:stretch>
             <a:fillRect/>
@@ -4464,6 +7061,2639 @@
           </a:p>
         </p:txBody>
       </p:sp>
+    </p:spTree>
+  </p:cSld>
+  <p:clrMapOvr>
+    <a:masterClrMapping/>
+  </p:clrMapOvr>
+  <p:transition/>
+  <p:timing>
+    <p:tnLst>
+      <p:par>
+        <p:cTn id="1" dur="indefinite" restart="never" nodeType="tmRoot"/>
+      </p:par>
+    </p:tnLst>
+  </p:timing>
+</p:sld>
+</file>
+
+<file path=ppt/slides/slide10.xml><?xml version="1.0" encoding="utf-8"?>
+<p:sld xmlns:a="http://schemas.openxmlformats.org/drawingml/2006/main" xmlns:r="http://schemas.openxmlformats.org/officeDocument/2006/relationships" xmlns:p="http://schemas.openxmlformats.org/presentationml/2006/main">
+  <p:cSld>
+    <p:spTree>
+      <p:nvGrpSpPr>
+        <p:cNvPr id="1" name=""/>
+        <p:cNvGrpSpPr/>
+        <p:nvPr/>
+      </p:nvGrpSpPr>
+      <p:grpSpPr>
+        <a:xfrm>
+          <a:off x="0" y="0"/>
+          <a:ext cx="0" cy="0"/>
+          <a:chOff x="0" y="0"/>
+          <a:chExt cx="0" cy="0"/>
+        </a:xfrm>
+      </p:grpSpPr>
+      <p:pic>
+        <p:nvPicPr>
+          <p:cNvPr id="5122" name="Picture 2" descr="C:\Users\Sevazthian\AppData\Local\Microsoft\Windows\Temporary Internet Files\Content.IE5\ILTRVQHV\MPj03988690000[1].jpg"/>
+          <p:cNvPicPr>
+            <a:picLocks noChangeAspect="1" noChangeArrowheads="1"/>
+          </p:cNvPicPr>
+          <p:nvPr/>
+        </p:nvPicPr>
+        <p:blipFill>
+          <a:blip r:embed="rId3" cstate="print"/>
+          <a:srcRect/>
+          <a:stretch>
+            <a:fillRect/>
+          </a:stretch>
+        </p:blipFill>
+        <p:spPr bwMode="auto">
+          <a:xfrm>
+            <a:off x="6139089" y="283028"/>
+            <a:ext cx="2621597" cy="1872570"/>
+          </a:xfrm>
+          <a:prstGeom prst="rect">
+            <a:avLst/>
+          </a:prstGeom>
+          <a:noFill/>
+        </p:spPr>
+      </p:pic>
+      <p:sp>
+        <p:nvSpPr>
+          <p:cNvPr id="3" name="2 Marcador de contenido"/>
+          <p:cNvSpPr>
+            <a:spLocks noGrp="1"/>
+          </p:cNvSpPr>
+          <p:nvPr>
+            <p:ph idx="1"/>
+          </p:nvPr>
+        </p:nvSpPr>
+        <p:spPr>
+          <a:xfrm>
+            <a:off x="685800" y="1436914"/>
+            <a:ext cx="7772400" cy="4413427"/>
+          </a:xfrm>
+        </p:spPr>
+        <p:txBody>
+          <a:bodyPr/>
+          <a:lstStyle/>
+          <a:p>
+            <a:r>
+              <a:rPr lang="es-CL" dirty="0" smtClean="0"/>
+              <a:t>Objetivos Específicos</a:t>
+            </a:r>
+          </a:p>
+          <a:p>
+            <a:pPr lvl="1"/>
+            <a:r>
+              <a:rPr lang="es-CL" dirty="0" smtClean="0"/>
+              <a:t>El registro de artículos que ingresan al servicio</a:t>
+            </a:r>
+          </a:p>
+          <a:p>
+            <a:pPr lvl="1"/>
+            <a:r>
+              <a:rPr lang="es-ES_tradnl" dirty="0" smtClean="0"/>
+              <a:t>Automatización de asignación de carga de trabajo hacia los técnicos.</a:t>
+            </a:r>
+            <a:endParaRPr lang="es-CL" dirty="0" smtClean="0"/>
+          </a:p>
+          <a:p>
+            <a:pPr lvl="1"/>
+            <a:r>
+              <a:rPr lang="es-ES_tradnl" dirty="0" smtClean="0"/>
+              <a:t>Manejo </a:t>
+            </a:r>
+            <a:r>
+              <a:rPr lang="es-ES_tradnl" dirty="0" smtClean="0"/>
+              <a:t>de estados de los artículos ingresados al servicio.</a:t>
+            </a:r>
+            <a:endParaRPr lang="es-CL" dirty="0" smtClean="0"/>
+          </a:p>
+          <a:p>
+            <a:pPr lvl="1"/>
+            <a:r>
+              <a:rPr lang="es-ES_tradnl" dirty="0" smtClean="0"/>
+              <a:t>Administrar información de técnicos, especialidades, historial de </a:t>
+            </a:r>
+            <a:r>
+              <a:rPr lang="es-ES_tradnl" dirty="0" smtClean="0"/>
+              <a:t>trabajo.</a:t>
+            </a:r>
+            <a:endParaRPr lang="es-CL" dirty="0" smtClean="0"/>
+          </a:p>
+          <a:p>
+            <a:pPr lvl="1"/>
+            <a:endParaRPr lang="es-CL" dirty="0" smtClean="0"/>
+          </a:p>
+          <a:p>
+            <a:pPr lvl="1"/>
+            <a:endParaRPr lang="es-CL" dirty="0"/>
+          </a:p>
+        </p:txBody>
+      </p:sp>
+      <p:sp>
+        <p:nvSpPr>
+          <p:cNvPr id="5" name="4 CuadroTexto"/>
+          <p:cNvSpPr txBox="1"/>
+          <p:nvPr/>
+        </p:nvSpPr>
+        <p:spPr>
+          <a:xfrm>
+            <a:off x="627795" y="518614"/>
+            <a:ext cx="7915702" cy="523220"/>
+          </a:xfrm>
+          <a:prstGeom prst="rect">
+            <a:avLst/>
+          </a:prstGeom>
+          <a:noFill/>
+        </p:spPr>
+        <p:txBody>
+          <a:bodyPr wrap="square" rtlCol="0">
+            <a:spAutoFit/>
+          </a:bodyPr>
+          <a:lstStyle/>
+          <a:p>
+            <a:r>
+              <a:rPr lang="es-CL" sz="2800" b="1" cap="all" dirty="0" smtClean="0">
+                <a:ln w="9000" cmpd="sng">
+                  <a:solidFill>
+                    <a:schemeClr val="accent4">
+                      <a:shade val="50000"/>
+                      <a:satMod val="120000"/>
+                    </a:schemeClr>
+                  </a:solidFill>
+                  <a:prstDash val="solid"/>
+                </a:ln>
+                <a:gradFill>
+                  <a:gsLst>
+                    <a:gs pos="0">
+                      <a:schemeClr val="accent4">
+                        <a:shade val="20000"/>
+                        <a:satMod val="245000"/>
+                      </a:schemeClr>
+                    </a:gs>
+                    <a:gs pos="43000">
+                      <a:schemeClr val="accent4">
+                        <a:satMod val="255000"/>
+                      </a:schemeClr>
+                    </a:gs>
+                    <a:gs pos="48000">
+                      <a:schemeClr val="accent4">
+                        <a:shade val="85000"/>
+                        <a:satMod val="255000"/>
+                      </a:schemeClr>
+                    </a:gs>
+                    <a:gs pos="100000">
+                      <a:schemeClr val="accent4">
+                        <a:shade val="20000"/>
+                        <a:satMod val="245000"/>
+                      </a:schemeClr>
+                    </a:gs>
+                  </a:gsLst>
+                  <a:lin ang="5400000"/>
+                </a:gradFill>
+                <a:effectLst>
+                  <a:reflection blurRad="12700" stA="28000" endPos="45000" dist="1000" dir="5400000" sy="-100000" algn="bl" rotWithShape="0"/>
+                </a:effectLst>
+                <a:latin typeface="Arial" pitchFamily="34" charset="0"/>
+                <a:cs typeface="Arial" pitchFamily="34" charset="0"/>
+              </a:rPr>
+              <a:t>Objetivos</a:t>
+            </a:r>
+            <a:endParaRPr lang="es-CL" sz="2800" b="1" cap="all" dirty="0">
+              <a:ln w="9000" cmpd="sng">
+                <a:solidFill>
+                  <a:schemeClr val="accent4">
+                    <a:shade val="50000"/>
+                    <a:satMod val="120000"/>
+                  </a:schemeClr>
+                </a:solidFill>
+                <a:prstDash val="solid"/>
+              </a:ln>
+              <a:gradFill>
+                <a:gsLst>
+                  <a:gs pos="0">
+                    <a:schemeClr val="accent4">
+                      <a:shade val="20000"/>
+                      <a:satMod val="245000"/>
+                    </a:schemeClr>
+                  </a:gs>
+                  <a:gs pos="43000">
+                    <a:schemeClr val="accent4">
+                      <a:satMod val="255000"/>
+                    </a:schemeClr>
+                  </a:gs>
+                  <a:gs pos="48000">
+                    <a:schemeClr val="accent4">
+                      <a:shade val="85000"/>
+                      <a:satMod val="255000"/>
+                    </a:schemeClr>
+                  </a:gs>
+                  <a:gs pos="100000">
+                    <a:schemeClr val="accent4">
+                      <a:shade val="20000"/>
+                      <a:satMod val="245000"/>
+                    </a:schemeClr>
+                  </a:gs>
+                </a:gsLst>
+                <a:lin ang="5400000"/>
+              </a:gradFill>
+              <a:effectLst>
+                <a:reflection blurRad="12700" stA="28000" endPos="45000" dist="1000" dir="5400000" sy="-100000" algn="bl" rotWithShape="0"/>
+              </a:effectLst>
+              <a:latin typeface="Arial" pitchFamily="34" charset="0"/>
+              <a:cs typeface="Arial" pitchFamily="34" charset="0"/>
+            </a:endParaRPr>
+          </a:p>
+        </p:txBody>
+      </p:sp>
+    </p:spTree>
+  </p:cSld>
+  <p:clrMapOvr>
+    <a:masterClrMapping/>
+  </p:clrMapOvr>
+  <p:transition/>
+  <p:timing>
+    <p:tnLst>
+      <p:par>
+        <p:cTn id="1" dur="indefinite" restart="never" nodeType="tmRoot"/>
+      </p:par>
+    </p:tnLst>
+  </p:timing>
+</p:sld>
+</file>
+
+<file path=ppt/slides/slide11.xml><?xml version="1.0" encoding="utf-8"?>
+<p:sld xmlns:a="http://schemas.openxmlformats.org/drawingml/2006/main" xmlns:r="http://schemas.openxmlformats.org/officeDocument/2006/relationships" xmlns:p="http://schemas.openxmlformats.org/presentationml/2006/main">
+  <p:cSld>
+    <p:spTree>
+      <p:nvGrpSpPr>
+        <p:cNvPr id="1" name=""/>
+        <p:cNvGrpSpPr/>
+        <p:nvPr/>
+      </p:nvGrpSpPr>
+      <p:grpSpPr>
+        <a:xfrm>
+          <a:off x="0" y="0"/>
+          <a:ext cx="0" cy="0"/>
+          <a:chOff x="0" y="0"/>
+          <a:chExt cx="0" cy="0"/>
+        </a:xfrm>
+      </p:grpSpPr>
+      <p:sp>
+        <p:nvSpPr>
+          <p:cNvPr id="3" name="2 Marcador de contenido"/>
+          <p:cNvSpPr>
+            <a:spLocks noGrp="1"/>
+          </p:cNvSpPr>
+          <p:nvPr>
+            <p:ph idx="1"/>
+          </p:nvPr>
+        </p:nvSpPr>
+        <p:spPr>
+          <a:xfrm>
+            <a:off x="685800" y="1436914"/>
+            <a:ext cx="7772400" cy="4413427"/>
+          </a:xfrm>
+        </p:spPr>
+        <p:txBody>
+          <a:bodyPr/>
+          <a:lstStyle/>
+          <a:p>
+            <a:r>
+              <a:rPr lang="es-CL" sz="2800" dirty="0" smtClean="0"/>
+              <a:t>Este proyecto está enfocado en mejorar los procesos de trabajo dentro de los servicios técnicos y con esto permitir un crecimiento en calidad de servicio hacia sus clientes, de la siguiente forma:</a:t>
+            </a:r>
+          </a:p>
+          <a:p>
+            <a:pPr lvl="1"/>
+            <a:r>
+              <a:rPr lang="es-CL" sz="2400" dirty="0" smtClean="0"/>
+              <a:t>Genera ordenes de trabajo</a:t>
+            </a:r>
+          </a:p>
+          <a:p>
+            <a:pPr lvl="1"/>
+            <a:r>
+              <a:rPr lang="es-CL" sz="2400" dirty="0" smtClean="0"/>
+              <a:t>Realizar asignación automática de artículos a técnicos</a:t>
+            </a:r>
+            <a:endParaRPr lang="es-CL" sz="2400" dirty="0" smtClean="0"/>
+          </a:p>
+          <a:p>
+            <a:pPr lvl="1"/>
+            <a:r>
+              <a:rPr lang="es-CL" sz="2400" dirty="0" smtClean="0"/>
+              <a:t>Manejar estados de orden de trabajo, en diferentes etapas del ciclo de reparación</a:t>
+            </a:r>
+          </a:p>
+          <a:p>
+            <a:pPr lvl="1"/>
+            <a:endParaRPr lang="es-CL" dirty="0" smtClean="0"/>
+          </a:p>
+          <a:p>
+            <a:pPr lvl="1"/>
+            <a:endParaRPr lang="es-CL" dirty="0"/>
+          </a:p>
+        </p:txBody>
+      </p:sp>
+      <p:sp>
+        <p:nvSpPr>
+          <p:cNvPr id="5" name="4 CuadroTexto"/>
+          <p:cNvSpPr txBox="1"/>
+          <p:nvPr/>
+        </p:nvSpPr>
+        <p:spPr>
+          <a:xfrm>
+            <a:off x="627795" y="518614"/>
+            <a:ext cx="7915702" cy="523220"/>
+          </a:xfrm>
+          <a:prstGeom prst="rect">
+            <a:avLst/>
+          </a:prstGeom>
+          <a:noFill/>
+        </p:spPr>
+        <p:txBody>
+          <a:bodyPr wrap="square" rtlCol="0">
+            <a:spAutoFit/>
+          </a:bodyPr>
+          <a:lstStyle/>
+          <a:p>
+            <a:r>
+              <a:rPr lang="es-CL" sz="2800" b="1" cap="all" dirty="0" smtClean="0">
+                <a:ln w="9000" cmpd="sng">
+                  <a:solidFill>
+                    <a:schemeClr val="accent4">
+                      <a:shade val="50000"/>
+                      <a:satMod val="120000"/>
+                    </a:schemeClr>
+                  </a:solidFill>
+                  <a:prstDash val="solid"/>
+                </a:ln>
+                <a:gradFill>
+                  <a:gsLst>
+                    <a:gs pos="0">
+                      <a:schemeClr val="accent4">
+                        <a:shade val="20000"/>
+                        <a:satMod val="245000"/>
+                      </a:schemeClr>
+                    </a:gs>
+                    <a:gs pos="43000">
+                      <a:schemeClr val="accent4">
+                        <a:satMod val="255000"/>
+                      </a:schemeClr>
+                    </a:gs>
+                    <a:gs pos="48000">
+                      <a:schemeClr val="accent4">
+                        <a:shade val="85000"/>
+                        <a:satMod val="255000"/>
+                      </a:schemeClr>
+                    </a:gs>
+                    <a:gs pos="100000">
+                      <a:schemeClr val="accent4">
+                        <a:shade val="20000"/>
+                        <a:satMod val="245000"/>
+                      </a:schemeClr>
+                    </a:gs>
+                  </a:gsLst>
+                  <a:lin ang="5400000"/>
+                </a:gradFill>
+                <a:effectLst>
+                  <a:reflection blurRad="12700" stA="28000" endPos="45000" dist="1000" dir="5400000" sy="-100000" algn="bl" rotWithShape="0"/>
+                </a:effectLst>
+                <a:latin typeface="Arial" pitchFamily="34" charset="0"/>
+                <a:cs typeface="Arial" pitchFamily="34" charset="0"/>
+              </a:rPr>
+              <a:t>Alcance</a:t>
+            </a:r>
+            <a:endParaRPr lang="es-CL" sz="2800" b="1" cap="all" dirty="0">
+              <a:ln w="9000" cmpd="sng">
+                <a:solidFill>
+                  <a:schemeClr val="accent4">
+                    <a:shade val="50000"/>
+                    <a:satMod val="120000"/>
+                  </a:schemeClr>
+                </a:solidFill>
+                <a:prstDash val="solid"/>
+              </a:ln>
+              <a:gradFill>
+                <a:gsLst>
+                  <a:gs pos="0">
+                    <a:schemeClr val="accent4">
+                      <a:shade val="20000"/>
+                      <a:satMod val="245000"/>
+                    </a:schemeClr>
+                  </a:gs>
+                  <a:gs pos="43000">
+                    <a:schemeClr val="accent4">
+                      <a:satMod val="255000"/>
+                    </a:schemeClr>
+                  </a:gs>
+                  <a:gs pos="48000">
+                    <a:schemeClr val="accent4">
+                      <a:shade val="85000"/>
+                      <a:satMod val="255000"/>
+                    </a:schemeClr>
+                  </a:gs>
+                  <a:gs pos="100000">
+                    <a:schemeClr val="accent4">
+                      <a:shade val="20000"/>
+                      <a:satMod val="245000"/>
+                    </a:schemeClr>
+                  </a:gs>
+                </a:gsLst>
+                <a:lin ang="5400000"/>
+              </a:gradFill>
+              <a:effectLst>
+                <a:reflection blurRad="12700" stA="28000" endPos="45000" dist="1000" dir="5400000" sy="-100000" algn="bl" rotWithShape="0"/>
+              </a:effectLst>
+              <a:latin typeface="Arial" pitchFamily="34" charset="0"/>
+              <a:cs typeface="Arial" pitchFamily="34" charset="0"/>
+            </a:endParaRPr>
+          </a:p>
+        </p:txBody>
+      </p:sp>
+    </p:spTree>
+  </p:cSld>
+  <p:clrMapOvr>
+    <a:masterClrMapping/>
+  </p:clrMapOvr>
+  <p:transition/>
+  <p:timing>
+    <p:tnLst>
+      <p:par>
+        <p:cTn id="1" dur="indefinite" restart="never" nodeType="tmRoot"/>
+      </p:par>
+    </p:tnLst>
+  </p:timing>
+</p:sld>
+</file>
+
+<file path=ppt/slides/slide12.xml><?xml version="1.0" encoding="utf-8"?>
+<p:sld xmlns:a="http://schemas.openxmlformats.org/drawingml/2006/main" xmlns:r="http://schemas.openxmlformats.org/officeDocument/2006/relationships" xmlns:p="http://schemas.openxmlformats.org/presentationml/2006/main">
+  <p:cSld>
+    <p:spTree>
+      <p:nvGrpSpPr>
+        <p:cNvPr id="1" name=""/>
+        <p:cNvGrpSpPr/>
+        <p:nvPr/>
+      </p:nvGrpSpPr>
+      <p:grpSpPr>
+        <a:xfrm>
+          <a:off x="0" y="0"/>
+          <a:ext cx="0" cy="0"/>
+          <a:chOff x="0" y="0"/>
+          <a:chExt cx="0" cy="0"/>
+        </a:xfrm>
+      </p:grpSpPr>
+      <p:sp>
+        <p:nvSpPr>
+          <p:cNvPr id="3" name="2 Marcador de contenido"/>
+          <p:cNvSpPr>
+            <a:spLocks noGrp="1"/>
+          </p:cNvSpPr>
+          <p:nvPr>
+            <p:ph idx="1"/>
+          </p:nvPr>
+        </p:nvSpPr>
+        <p:spPr>
+          <a:xfrm>
+            <a:off x="685800" y="1436914"/>
+            <a:ext cx="7772400" cy="4413427"/>
+          </a:xfrm>
+        </p:spPr>
+        <p:txBody>
+          <a:bodyPr/>
+          <a:lstStyle/>
+          <a:p>
+            <a:r>
+              <a:rPr lang="es-CL" dirty="0" smtClean="0"/>
+              <a:t>Limites:</a:t>
+            </a:r>
+          </a:p>
+          <a:p>
+            <a:pPr lvl="1"/>
+            <a:r>
+              <a:rPr lang="es-CL" dirty="0" smtClean="0"/>
+              <a:t>No realizara funciones de inventario</a:t>
+            </a:r>
+          </a:p>
+          <a:p>
+            <a:pPr lvl="1"/>
+            <a:r>
+              <a:rPr lang="es-CL" dirty="0" smtClean="0"/>
+              <a:t>No realizara administración de repuestos</a:t>
+            </a:r>
+          </a:p>
+          <a:p>
+            <a:pPr lvl="1"/>
+            <a:r>
+              <a:rPr lang="es-CL" dirty="0" smtClean="0"/>
+              <a:t>No tendrá funciones de contabilidad</a:t>
+            </a:r>
+          </a:p>
+          <a:p>
+            <a:pPr lvl="1"/>
+            <a:r>
+              <a:rPr lang="es-CL" dirty="0" smtClean="0"/>
+              <a:t>No tendrá funciones para RRHH</a:t>
+            </a:r>
+          </a:p>
+          <a:p>
+            <a:pPr lvl="1"/>
+            <a:r>
+              <a:rPr lang="es-CL" dirty="0" smtClean="0"/>
+              <a:t>No tendrá funcionalidad para uso de clientes</a:t>
+            </a:r>
+          </a:p>
+          <a:p>
+            <a:pPr lvl="1"/>
+            <a:endParaRPr lang="es-CL" dirty="0" smtClean="0"/>
+          </a:p>
+          <a:p>
+            <a:pPr lvl="1"/>
+            <a:endParaRPr lang="es-CL" dirty="0"/>
+          </a:p>
+        </p:txBody>
+      </p:sp>
+      <p:sp>
+        <p:nvSpPr>
+          <p:cNvPr id="5" name="4 CuadroTexto"/>
+          <p:cNvSpPr txBox="1"/>
+          <p:nvPr/>
+        </p:nvSpPr>
+        <p:spPr>
+          <a:xfrm>
+            <a:off x="627795" y="518614"/>
+            <a:ext cx="7915702" cy="523220"/>
+          </a:xfrm>
+          <a:prstGeom prst="rect">
+            <a:avLst/>
+          </a:prstGeom>
+          <a:noFill/>
+        </p:spPr>
+        <p:txBody>
+          <a:bodyPr wrap="square" rtlCol="0">
+            <a:spAutoFit/>
+          </a:bodyPr>
+          <a:lstStyle/>
+          <a:p>
+            <a:r>
+              <a:rPr lang="es-CL" sz="2800" b="1" cap="all" dirty="0" smtClean="0">
+                <a:ln w="9000" cmpd="sng">
+                  <a:solidFill>
+                    <a:schemeClr val="accent4">
+                      <a:shade val="50000"/>
+                      <a:satMod val="120000"/>
+                    </a:schemeClr>
+                  </a:solidFill>
+                  <a:prstDash val="solid"/>
+                </a:ln>
+                <a:gradFill>
+                  <a:gsLst>
+                    <a:gs pos="0">
+                      <a:schemeClr val="accent4">
+                        <a:shade val="20000"/>
+                        <a:satMod val="245000"/>
+                      </a:schemeClr>
+                    </a:gs>
+                    <a:gs pos="43000">
+                      <a:schemeClr val="accent4">
+                        <a:satMod val="255000"/>
+                      </a:schemeClr>
+                    </a:gs>
+                    <a:gs pos="48000">
+                      <a:schemeClr val="accent4">
+                        <a:shade val="85000"/>
+                        <a:satMod val="255000"/>
+                      </a:schemeClr>
+                    </a:gs>
+                    <a:gs pos="100000">
+                      <a:schemeClr val="accent4">
+                        <a:shade val="20000"/>
+                        <a:satMod val="245000"/>
+                      </a:schemeClr>
+                    </a:gs>
+                  </a:gsLst>
+                  <a:lin ang="5400000"/>
+                </a:gradFill>
+                <a:effectLst>
+                  <a:reflection blurRad="12700" stA="28000" endPos="45000" dist="1000" dir="5400000" sy="-100000" algn="bl" rotWithShape="0"/>
+                </a:effectLst>
+                <a:latin typeface="Arial" pitchFamily="34" charset="0"/>
+                <a:cs typeface="Arial" pitchFamily="34" charset="0"/>
+              </a:rPr>
+              <a:t>Delimitación</a:t>
+            </a:r>
+            <a:endParaRPr lang="es-CL" sz="2800" b="1" cap="all" dirty="0">
+              <a:ln w="9000" cmpd="sng">
+                <a:solidFill>
+                  <a:schemeClr val="accent4">
+                    <a:shade val="50000"/>
+                    <a:satMod val="120000"/>
+                  </a:schemeClr>
+                </a:solidFill>
+                <a:prstDash val="solid"/>
+              </a:ln>
+              <a:gradFill>
+                <a:gsLst>
+                  <a:gs pos="0">
+                    <a:schemeClr val="accent4">
+                      <a:shade val="20000"/>
+                      <a:satMod val="245000"/>
+                    </a:schemeClr>
+                  </a:gs>
+                  <a:gs pos="43000">
+                    <a:schemeClr val="accent4">
+                      <a:satMod val="255000"/>
+                    </a:schemeClr>
+                  </a:gs>
+                  <a:gs pos="48000">
+                    <a:schemeClr val="accent4">
+                      <a:shade val="85000"/>
+                      <a:satMod val="255000"/>
+                    </a:schemeClr>
+                  </a:gs>
+                  <a:gs pos="100000">
+                    <a:schemeClr val="accent4">
+                      <a:shade val="20000"/>
+                      <a:satMod val="245000"/>
+                    </a:schemeClr>
+                  </a:gs>
+                </a:gsLst>
+                <a:lin ang="5400000"/>
+              </a:gradFill>
+              <a:effectLst>
+                <a:reflection blurRad="12700" stA="28000" endPos="45000" dist="1000" dir="5400000" sy="-100000" algn="bl" rotWithShape="0"/>
+              </a:effectLst>
+              <a:latin typeface="Arial" pitchFamily="34" charset="0"/>
+              <a:cs typeface="Arial" pitchFamily="34" charset="0"/>
+            </a:endParaRPr>
+          </a:p>
+        </p:txBody>
+      </p:sp>
+      <p:pic>
+        <p:nvPicPr>
+          <p:cNvPr id="7170" name="Picture 2" descr="C:\Users\Sevazthian\AppData\Local\Microsoft\Windows\Temporary Internet Files\Content.IE5\CDHEPN03\MCj03331740000[1].wmf"/>
+          <p:cNvPicPr>
+            <a:picLocks noChangeAspect="1" noChangeArrowheads="1"/>
+          </p:cNvPicPr>
+          <p:nvPr/>
+        </p:nvPicPr>
+        <p:blipFill>
+          <a:blip r:embed="rId3" cstate="print"/>
+          <a:srcRect/>
+          <a:stretch>
+            <a:fillRect/>
+          </a:stretch>
+        </p:blipFill>
+        <p:spPr bwMode="auto">
+          <a:xfrm>
+            <a:off x="6299881" y="644071"/>
+            <a:ext cx="1812925" cy="976313"/>
+          </a:xfrm>
+          <a:prstGeom prst="rect">
+            <a:avLst/>
+          </a:prstGeom>
+          <a:noFill/>
+        </p:spPr>
+      </p:pic>
+    </p:spTree>
+  </p:cSld>
+  <p:clrMapOvr>
+    <a:masterClrMapping/>
+  </p:clrMapOvr>
+  <p:transition/>
+  <p:timing>
+    <p:tnLst>
+      <p:par>
+        <p:cTn id="1" dur="indefinite" restart="never" nodeType="tmRoot"/>
+      </p:par>
+    </p:tnLst>
+  </p:timing>
+</p:sld>
+</file>
+
+<file path=ppt/slides/slide13.xml><?xml version="1.0" encoding="utf-8"?>
+<p:sld xmlns:a="http://schemas.openxmlformats.org/drawingml/2006/main" xmlns:r="http://schemas.openxmlformats.org/officeDocument/2006/relationships" xmlns:p="http://schemas.openxmlformats.org/presentationml/2006/main">
+  <p:cSld>
+    <p:spTree>
+      <p:nvGrpSpPr>
+        <p:cNvPr id="1" name=""/>
+        <p:cNvGrpSpPr/>
+        <p:nvPr/>
+      </p:nvGrpSpPr>
+      <p:grpSpPr>
+        <a:xfrm>
+          <a:off x="0" y="0"/>
+          <a:ext cx="0" cy="0"/>
+          <a:chOff x="0" y="0"/>
+          <a:chExt cx="0" cy="0"/>
+        </a:xfrm>
+      </p:grpSpPr>
+      <p:sp>
+        <p:nvSpPr>
+          <p:cNvPr id="3" name="2 Marcador de contenido"/>
+          <p:cNvSpPr>
+            <a:spLocks noGrp="1"/>
+          </p:cNvSpPr>
+          <p:nvPr>
+            <p:ph idx="1"/>
+          </p:nvPr>
+        </p:nvSpPr>
+        <p:spPr>
+          <a:xfrm>
+            <a:off x="685800" y="1729522"/>
+            <a:ext cx="7772400" cy="4413427"/>
+          </a:xfrm>
+        </p:spPr>
+        <p:txBody>
+          <a:bodyPr/>
+          <a:lstStyle/>
+          <a:p>
+            <a:r>
+              <a:rPr lang="es-CL" sz="2400" dirty="0" smtClean="0"/>
+              <a:t>Desarrollo sistema para empresas de tipo servicio </a:t>
+            </a:r>
+            <a:r>
+              <a:rPr lang="es-CL" sz="2400" dirty="0" smtClean="0"/>
+              <a:t>técnico </a:t>
+            </a:r>
+            <a:r>
+              <a:rPr lang="es-CL" sz="2400" dirty="0" smtClean="0"/>
+              <a:t>electrónico</a:t>
+            </a:r>
+          </a:p>
+          <a:p>
+            <a:r>
+              <a:rPr lang="es-CL" sz="2400" dirty="0" smtClean="0"/>
+              <a:t>Realiza procesos </a:t>
+            </a:r>
+            <a:r>
+              <a:rPr lang="es-CL" sz="2400" dirty="0" smtClean="0"/>
+              <a:t>de flujos de órdenes de trabajo y la asignación de trabajo a los distintos técnicos de forma manual y automática.</a:t>
+            </a:r>
+          </a:p>
+          <a:p>
+            <a:r>
+              <a:rPr lang="es-CL" sz="2400" dirty="0" smtClean="0"/>
+              <a:t>Aplicación Web en plataforma de desarrollo </a:t>
+            </a:r>
+            <a:r>
+              <a:rPr lang="es-CL" sz="2400" dirty="0" err="1" smtClean="0"/>
+              <a:t>.Net</a:t>
+            </a:r>
+            <a:endParaRPr lang="es-CL" sz="2400" dirty="0" smtClean="0"/>
+          </a:p>
+          <a:p>
+            <a:r>
+              <a:rPr lang="es-CL" sz="2400" dirty="0" smtClean="0"/>
+              <a:t>Base datos SQL Server</a:t>
+            </a:r>
+          </a:p>
+          <a:p>
+            <a:r>
+              <a:rPr lang="es-CL" sz="2400" dirty="0" smtClean="0"/>
+              <a:t>Compuesta </a:t>
+            </a:r>
+            <a:r>
+              <a:rPr lang="es-CL" sz="2400" dirty="0" smtClean="0"/>
+              <a:t>por módulos y arquitectura en capas utilizando el patrón de diseño MVC</a:t>
+            </a:r>
+            <a:endParaRPr lang="es-CL" sz="2400" dirty="0" smtClean="0"/>
+          </a:p>
+          <a:p>
+            <a:endParaRPr lang="es-CL" sz="2400" dirty="0" smtClean="0"/>
+          </a:p>
+          <a:p>
+            <a:pPr lvl="1"/>
+            <a:endParaRPr lang="es-CL" sz="2000" dirty="0"/>
+          </a:p>
+        </p:txBody>
+      </p:sp>
+      <p:sp>
+        <p:nvSpPr>
+          <p:cNvPr id="5" name="4 CuadroTexto"/>
+          <p:cNvSpPr txBox="1"/>
+          <p:nvPr/>
+        </p:nvSpPr>
+        <p:spPr>
+          <a:xfrm>
+            <a:off x="627795" y="518614"/>
+            <a:ext cx="7915702" cy="523220"/>
+          </a:xfrm>
+          <a:prstGeom prst="rect">
+            <a:avLst/>
+          </a:prstGeom>
+          <a:noFill/>
+        </p:spPr>
+        <p:txBody>
+          <a:bodyPr wrap="square" rtlCol="0">
+            <a:spAutoFit/>
+          </a:bodyPr>
+          <a:lstStyle/>
+          <a:p>
+            <a:r>
+              <a:rPr lang="es-CL" sz="2800" b="1" cap="all" dirty="0" smtClean="0">
+                <a:ln w="9000" cmpd="sng">
+                  <a:solidFill>
+                    <a:schemeClr val="accent4">
+                      <a:shade val="50000"/>
+                      <a:satMod val="120000"/>
+                    </a:schemeClr>
+                  </a:solidFill>
+                  <a:prstDash val="solid"/>
+                </a:ln>
+                <a:gradFill>
+                  <a:gsLst>
+                    <a:gs pos="0">
+                      <a:schemeClr val="accent4">
+                        <a:shade val="20000"/>
+                        <a:satMod val="245000"/>
+                      </a:schemeClr>
+                    </a:gs>
+                    <a:gs pos="43000">
+                      <a:schemeClr val="accent4">
+                        <a:satMod val="255000"/>
+                      </a:schemeClr>
+                    </a:gs>
+                    <a:gs pos="48000">
+                      <a:schemeClr val="accent4">
+                        <a:shade val="85000"/>
+                        <a:satMod val="255000"/>
+                      </a:schemeClr>
+                    </a:gs>
+                    <a:gs pos="100000">
+                      <a:schemeClr val="accent4">
+                        <a:shade val="20000"/>
+                        <a:satMod val="245000"/>
+                      </a:schemeClr>
+                    </a:gs>
+                  </a:gsLst>
+                  <a:lin ang="5400000"/>
+                </a:gradFill>
+                <a:effectLst>
+                  <a:reflection blurRad="12700" stA="28000" endPos="45000" dist="1000" dir="5400000" sy="-100000" algn="bl" rotWithShape="0"/>
+                </a:effectLst>
+                <a:latin typeface="Arial" pitchFamily="34" charset="0"/>
+                <a:cs typeface="Arial" pitchFamily="34" charset="0"/>
+              </a:rPr>
+              <a:t>Solución propuesta</a:t>
+            </a:r>
+            <a:endParaRPr lang="es-CL" sz="2800" b="1" cap="all" dirty="0">
+              <a:ln w="9000" cmpd="sng">
+                <a:solidFill>
+                  <a:schemeClr val="accent4">
+                    <a:shade val="50000"/>
+                    <a:satMod val="120000"/>
+                  </a:schemeClr>
+                </a:solidFill>
+                <a:prstDash val="solid"/>
+              </a:ln>
+              <a:gradFill>
+                <a:gsLst>
+                  <a:gs pos="0">
+                    <a:schemeClr val="accent4">
+                      <a:shade val="20000"/>
+                      <a:satMod val="245000"/>
+                    </a:schemeClr>
+                  </a:gs>
+                  <a:gs pos="43000">
+                    <a:schemeClr val="accent4">
+                      <a:satMod val="255000"/>
+                    </a:schemeClr>
+                  </a:gs>
+                  <a:gs pos="48000">
+                    <a:schemeClr val="accent4">
+                      <a:shade val="85000"/>
+                      <a:satMod val="255000"/>
+                    </a:schemeClr>
+                  </a:gs>
+                  <a:gs pos="100000">
+                    <a:schemeClr val="accent4">
+                      <a:shade val="20000"/>
+                      <a:satMod val="245000"/>
+                    </a:schemeClr>
+                  </a:gs>
+                </a:gsLst>
+                <a:lin ang="5400000"/>
+              </a:gradFill>
+              <a:effectLst>
+                <a:reflection blurRad="12700" stA="28000" endPos="45000" dist="1000" dir="5400000" sy="-100000" algn="bl" rotWithShape="0"/>
+              </a:effectLst>
+              <a:latin typeface="Arial" pitchFamily="34" charset="0"/>
+              <a:cs typeface="Arial" pitchFamily="34" charset="0"/>
+            </a:endParaRPr>
+          </a:p>
+        </p:txBody>
+      </p:sp>
+      <p:pic>
+        <p:nvPicPr>
+          <p:cNvPr id="8194" name="Picture 2" descr="C:\Users\Sevazthian\AppData\Local\Microsoft\Windows\Temporary Internet Files\Content.IE5\ILTRVQHV\MCj04413970000[1].png"/>
+          <p:cNvPicPr>
+            <a:picLocks noChangeAspect="1" noChangeArrowheads="1"/>
+          </p:cNvPicPr>
+          <p:nvPr/>
+        </p:nvPicPr>
+        <p:blipFill>
+          <a:blip r:embed="rId3" cstate="print"/>
+          <a:srcRect/>
+          <a:stretch>
+            <a:fillRect/>
+          </a:stretch>
+        </p:blipFill>
+        <p:spPr bwMode="auto">
+          <a:xfrm>
+            <a:off x="7178225" y="224336"/>
+            <a:ext cx="1520438" cy="1520438"/>
+          </a:xfrm>
+          <a:prstGeom prst="rect">
+            <a:avLst/>
+          </a:prstGeom>
+          <a:noFill/>
+        </p:spPr>
+      </p:pic>
+    </p:spTree>
+  </p:cSld>
+  <p:clrMapOvr>
+    <a:masterClrMapping/>
+  </p:clrMapOvr>
+  <p:transition/>
+  <p:timing>
+    <p:tnLst>
+      <p:par>
+        <p:cTn id="1" dur="indefinite" restart="never" nodeType="tmRoot"/>
+      </p:par>
+    </p:tnLst>
+  </p:timing>
+</p:sld>
+</file>
+
+<file path=ppt/slides/slide14.xml><?xml version="1.0" encoding="utf-8"?>
+<p:sld xmlns:a="http://schemas.openxmlformats.org/drawingml/2006/main" xmlns:r="http://schemas.openxmlformats.org/officeDocument/2006/relationships" xmlns:p="http://schemas.openxmlformats.org/presentationml/2006/main">
+  <p:cSld>
+    <p:spTree>
+      <p:nvGrpSpPr>
+        <p:cNvPr id="1" name=""/>
+        <p:cNvGrpSpPr/>
+        <p:nvPr/>
+      </p:nvGrpSpPr>
+      <p:grpSpPr>
+        <a:xfrm>
+          <a:off x="0" y="0"/>
+          <a:ext cx="0" cy="0"/>
+          <a:chOff x="0" y="0"/>
+          <a:chExt cx="0" cy="0"/>
+        </a:xfrm>
+      </p:grpSpPr>
+      <p:sp>
+        <p:nvSpPr>
+          <p:cNvPr id="3" name="2 Marcador de contenido"/>
+          <p:cNvSpPr>
+            <a:spLocks noGrp="1"/>
+          </p:cNvSpPr>
+          <p:nvPr>
+            <p:ph idx="1"/>
+          </p:nvPr>
+        </p:nvSpPr>
+        <p:spPr>
+          <a:xfrm>
+            <a:off x="685800" y="1729522"/>
+            <a:ext cx="7772400" cy="4413427"/>
+          </a:xfrm>
+        </p:spPr>
+        <p:txBody>
+          <a:bodyPr/>
+          <a:lstStyle/>
+          <a:p>
+            <a:r>
+              <a:rPr lang="es-CL" sz="2400" dirty="0" smtClean="0"/>
+              <a:t>Hardware y software necesario responsabilidad de empresa</a:t>
+            </a:r>
+          </a:p>
+          <a:p>
+            <a:r>
+              <a:rPr lang="es-CL" sz="2400" dirty="0" smtClean="0"/>
+              <a:t>Factibilidad Técnica Servidor</a:t>
+            </a:r>
+          </a:p>
+          <a:p>
+            <a:pPr lvl="1"/>
+            <a:r>
+              <a:rPr lang="es-CL" sz="2000" dirty="0" smtClean="0"/>
+              <a:t>Windows 2003 Server R2 SP2</a:t>
+            </a:r>
+          </a:p>
+          <a:p>
+            <a:pPr lvl="1"/>
+            <a:r>
+              <a:rPr lang="es-CL" sz="2000" dirty="0" smtClean="0"/>
+              <a:t>Internet </a:t>
+            </a:r>
+            <a:r>
+              <a:rPr lang="es-CL" sz="2000" dirty="0" err="1" smtClean="0"/>
+              <a:t>Information</a:t>
+            </a:r>
+            <a:r>
+              <a:rPr lang="es-CL" sz="2000" dirty="0" smtClean="0"/>
+              <a:t> Server 6</a:t>
+            </a:r>
+          </a:p>
+          <a:p>
+            <a:pPr lvl="1"/>
+            <a:r>
+              <a:rPr lang="es-CL" sz="2000" dirty="0" smtClean="0"/>
+              <a:t>Framework </a:t>
+            </a:r>
+            <a:r>
+              <a:rPr lang="es-CL" sz="2000" dirty="0" err="1" smtClean="0"/>
+              <a:t>.Net</a:t>
+            </a:r>
+            <a:r>
+              <a:rPr lang="es-CL" sz="2000" dirty="0" smtClean="0"/>
+              <a:t> 3.5 sp1</a:t>
+            </a:r>
+          </a:p>
+          <a:p>
+            <a:pPr lvl="1"/>
+            <a:r>
+              <a:rPr lang="es-CL" sz="2000" dirty="0" smtClean="0"/>
+              <a:t>SQL Server Estándar o Express</a:t>
+            </a:r>
+          </a:p>
+          <a:p>
+            <a:pPr lvl="1"/>
+            <a:r>
+              <a:rPr lang="es-CL" sz="2000" dirty="0" smtClean="0"/>
+              <a:t>Hardware Recomendado:</a:t>
+            </a:r>
+          </a:p>
+          <a:p>
+            <a:pPr lvl="2"/>
+            <a:r>
+              <a:rPr lang="es-CL" sz="1600" dirty="0" smtClean="0"/>
+              <a:t>Procesador Intel </a:t>
+            </a:r>
+            <a:r>
+              <a:rPr lang="es-CL" sz="1600" dirty="0" err="1" smtClean="0"/>
+              <a:t>Xeon</a:t>
+            </a:r>
+            <a:r>
+              <a:rPr lang="es-CL" sz="1600" dirty="0" smtClean="0"/>
+              <a:t> o AMD </a:t>
+            </a:r>
+            <a:r>
+              <a:rPr lang="es-CL" sz="1600" dirty="0" err="1" smtClean="0"/>
+              <a:t>Opteron</a:t>
+            </a:r>
+            <a:endParaRPr lang="es-CL" sz="1600" dirty="0" smtClean="0"/>
+          </a:p>
+          <a:p>
+            <a:pPr lvl="2"/>
+            <a:r>
+              <a:rPr lang="es-CL" sz="1600" dirty="0" smtClean="0"/>
+              <a:t>Memoria 2 GB</a:t>
+            </a:r>
+          </a:p>
+          <a:p>
+            <a:pPr lvl="2"/>
+            <a:r>
+              <a:rPr lang="es-CL" sz="1600" dirty="0" smtClean="0"/>
+              <a:t>Disco duro 160 GB</a:t>
+            </a:r>
+          </a:p>
+          <a:p>
+            <a:pPr lvl="2"/>
+            <a:r>
+              <a:rPr lang="es-CL" sz="1600" dirty="0" smtClean="0"/>
+              <a:t>Red </a:t>
+            </a:r>
+            <a:r>
+              <a:rPr lang="es-CL" sz="1600" dirty="0" err="1" smtClean="0"/>
+              <a:t>Lan</a:t>
+            </a:r>
+            <a:r>
+              <a:rPr lang="es-CL" sz="1600" dirty="0" smtClean="0"/>
+              <a:t> 10/100 </a:t>
+            </a:r>
+            <a:r>
+              <a:rPr lang="es-CL" sz="1600" dirty="0" err="1" smtClean="0"/>
+              <a:t>mbps</a:t>
+            </a:r>
+            <a:endParaRPr lang="es-CL" sz="1600" dirty="0" smtClean="0"/>
+          </a:p>
+          <a:p>
+            <a:pPr lvl="2"/>
+            <a:endParaRPr lang="es-CL" sz="1600" dirty="0" smtClean="0"/>
+          </a:p>
+          <a:p>
+            <a:pPr lvl="1"/>
+            <a:endParaRPr lang="es-CL" sz="2000" dirty="0" smtClean="0"/>
+          </a:p>
+          <a:p>
+            <a:pPr lvl="1"/>
+            <a:endParaRPr lang="es-CL" sz="2000" dirty="0" smtClean="0"/>
+          </a:p>
+          <a:p>
+            <a:pPr lvl="1"/>
+            <a:endParaRPr lang="es-CL" sz="2000" dirty="0" smtClean="0"/>
+          </a:p>
+          <a:p>
+            <a:pPr lvl="1"/>
+            <a:endParaRPr lang="es-CL" sz="2000" dirty="0"/>
+          </a:p>
+        </p:txBody>
+      </p:sp>
+      <p:sp>
+        <p:nvSpPr>
+          <p:cNvPr id="5" name="4 CuadroTexto"/>
+          <p:cNvSpPr txBox="1"/>
+          <p:nvPr/>
+        </p:nvSpPr>
+        <p:spPr>
+          <a:xfrm>
+            <a:off x="627795" y="518614"/>
+            <a:ext cx="7915702" cy="523220"/>
+          </a:xfrm>
+          <a:prstGeom prst="rect">
+            <a:avLst/>
+          </a:prstGeom>
+          <a:noFill/>
+        </p:spPr>
+        <p:txBody>
+          <a:bodyPr wrap="square" rtlCol="0">
+            <a:spAutoFit/>
+          </a:bodyPr>
+          <a:lstStyle/>
+          <a:p>
+            <a:r>
+              <a:rPr lang="es-CL" sz="2800" b="1" cap="all" dirty="0" smtClean="0">
+                <a:ln w="9000" cmpd="sng">
+                  <a:solidFill>
+                    <a:schemeClr val="accent4">
+                      <a:shade val="50000"/>
+                      <a:satMod val="120000"/>
+                    </a:schemeClr>
+                  </a:solidFill>
+                  <a:prstDash val="solid"/>
+                </a:ln>
+                <a:gradFill>
+                  <a:gsLst>
+                    <a:gs pos="0">
+                      <a:schemeClr val="accent4">
+                        <a:shade val="20000"/>
+                        <a:satMod val="245000"/>
+                      </a:schemeClr>
+                    </a:gs>
+                    <a:gs pos="43000">
+                      <a:schemeClr val="accent4">
+                        <a:satMod val="255000"/>
+                      </a:schemeClr>
+                    </a:gs>
+                    <a:gs pos="48000">
+                      <a:schemeClr val="accent4">
+                        <a:shade val="85000"/>
+                        <a:satMod val="255000"/>
+                      </a:schemeClr>
+                    </a:gs>
+                    <a:gs pos="100000">
+                      <a:schemeClr val="accent4">
+                        <a:shade val="20000"/>
+                        <a:satMod val="245000"/>
+                      </a:schemeClr>
+                    </a:gs>
+                  </a:gsLst>
+                  <a:lin ang="5400000"/>
+                </a:gradFill>
+                <a:effectLst>
+                  <a:reflection blurRad="12700" stA="28000" endPos="45000" dist="1000" dir="5400000" sy="-100000" algn="bl" rotWithShape="0"/>
+                </a:effectLst>
+                <a:latin typeface="Arial" pitchFamily="34" charset="0"/>
+                <a:cs typeface="Arial" pitchFamily="34" charset="0"/>
+              </a:rPr>
+              <a:t>Solución propuesta</a:t>
+            </a:r>
+            <a:endParaRPr lang="es-CL" sz="2800" b="1" cap="all" dirty="0">
+              <a:ln w="9000" cmpd="sng">
+                <a:solidFill>
+                  <a:schemeClr val="accent4">
+                    <a:shade val="50000"/>
+                    <a:satMod val="120000"/>
+                  </a:schemeClr>
+                </a:solidFill>
+                <a:prstDash val="solid"/>
+              </a:ln>
+              <a:gradFill>
+                <a:gsLst>
+                  <a:gs pos="0">
+                    <a:schemeClr val="accent4">
+                      <a:shade val="20000"/>
+                      <a:satMod val="245000"/>
+                    </a:schemeClr>
+                  </a:gs>
+                  <a:gs pos="43000">
+                    <a:schemeClr val="accent4">
+                      <a:satMod val="255000"/>
+                    </a:schemeClr>
+                  </a:gs>
+                  <a:gs pos="48000">
+                    <a:schemeClr val="accent4">
+                      <a:shade val="85000"/>
+                      <a:satMod val="255000"/>
+                    </a:schemeClr>
+                  </a:gs>
+                  <a:gs pos="100000">
+                    <a:schemeClr val="accent4">
+                      <a:shade val="20000"/>
+                      <a:satMod val="245000"/>
+                    </a:schemeClr>
+                  </a:gs>
+                </a:gsLst>
+                <a:lin ang="5400000"/>
+              </a:gradFill>
+              <a:effectLst>
+                <a:reflection blurRad="12700" stA="28000" endPos="45000" dist="1000" dir="5400000" sy="-100000" algn="bl" rotWithShape="0"/>
+              </a:effectLst>
+              <a:latin typeface="Arial" pitchFamily="34" charset="0"/>
+              <a:cs typeface="Arial" pitchFamily="34" charset="0"/>
+            </a:endParaRPr>
+          </a:p>
+        </p:txBody>
+      </p:sp>
+      <p:pic>
+        <p:nvPicPr>
+          <p:cNvPr id="9219" name="Picture 3" descr="C:\Users\Sevazthian\AppData\Local\Microsoft\Windows\Temporary Internet Files\Content.IE5\CDHEPN03\MCj04260500000[1].wmf"/>
+          <p:cNvPicPr>
+            <a:picLocks noChangeAspect="1" noChangeArrowheads="1"/>
+          </p:cNvPicPr>
+          <p:nvPr/>
+        </p:nvPicPr>
+        <p:blipFill>
+          <a:blip r:embed="rId3" cstate="print"/>
+          <a:srcRect/>
+          <a:stretch>
+            <a:fillRect/>
+          </a:stretch>
+        </p:blipFill>
+        <p:spPr bwMode="auto">
+          <a:xfrm>
+            <a:off x="6604075" y="3955540"/>
+            <a:ext cx="1778000" cy="1851025"/>
+          </a:xfrm>
+          <a:prstGeom prst="rect">
+            <a:avLst/>
+          </a:prstGeom>
+          <a:noFill/>
+        </p:spPr>
+      </p:pic>
+    </p:spTree>
+  </p:cSld>
+  <p:clrMapOvr>
+    <a:masterClrMapping/>
+  </p:clrMapOvr>
+  <p:transition/>
+  <p:timing>
+    <p:tnLst>
+      <p:par>
+        <p:cTn id="1" dur="indefinite" restart="never" nodeType="tmRoot"/>
+      </p:par>
+    </p:tnLst>
+  </p:timing>
+</p:sld>
+</file>
+
+<file path=ppt/slides/slide15.xml><?xml version="1.0" encoding="utf-8"?>
+<p:sld xmlns:a="http://schemas.openxmlformats.org/drawingml/2006/main" xmlns:r="http://schemas.openxmlformats.org/officeDocument/2006/relationships" xmlns:p="http://schemas.openxmlformats.org/presentationml/2006/main">
+  <p:cSld>
+    <p:spTree>
+      <p:nvGrpSpPr>
+        <p:cNvPr id="1" name=""/>
+        <p:cNvGrpSpPr/>
+        <p:nvPr/>
+      </p:nvGrpSpPr>
+      <p:grpSpPr>
+        <a:xfrm>
+          <a:off x="0" y="0"/>
+          <a:ext cx="0" cy="0"/>
+          <a:chOff x="0" y="0"/>
+          <a:chExt cx="0" cy="0"/>
+        </a:xfrm>
+      </p:grpSpPr>
+      <p:sp>
+        <p:nvSpPr>
+          <p:cNvPr id="3" name="2 Marcador de contenido"/>
+          <p:cNvSpPr>
+            <a:spLocks noGrp="1"/>
+          </p:cNvSpPr>
+          <p:nvPr>
+            <p:ph idx="1"/>
+          </p:nvPr>
+        </p:nvSpPr>
+        <p:spPr>
+          <a:xfrm>
+            <a:off x="713095" y="1279146"/>
+            <a:ext cx="7772400" cy="4413427"/>
+          </a:xfrm>
+        </p:spPr>
+        <p:txBody>
+          <a:bodyPr/>
+          <a:lstStyle/>
+          <a:p>
+            <a:r>
+              <a:rPr lang="es-CL" sz="2400" dirty="0" smtClean="0"/>
+              <a:t>Factibilidad Técnica Estación de Trabajo</a:t>
+            </a:r>
+          </a:p>
+          <a:p>
+            <a:pPr lvl="1"/>
+            <a:r>
+              <a:rPr lang="es-CL" sz="2000" dirty="0" smtClean="0"/>
+              <a:t>Windows XP o superior o </a:t>
+            </a:r>
+            <a:r>
+              <a:rPr lang="es-CL" sz="2000" dirty="0" smtClean="0"/>
+              <a:t>d</a:t>
+            </a:r>
+            <a:r>
+              <a:rPr lang="es-CL" sz="2000" dirty="0" smtClean="0"/>
+              <a:t>istribución Linux con ambiente grafico.</a:t>
+            </a:r>
+          </a:p>
+          <a:p>
+            <a:pPr lvl="1"/>
+            <a:r>
+              <a:rPr lang="es-CL" sz="2000" dirty="0" smtClean="0"/>
+              <a:t>Browser Compatible:</a:t>
+            </a:r>
+          </a:p>
+          <a:p>
+            <a:pPr lvl="2"/>
+            <a:r>
+              <a:rPr lang="es-CL" sz="1800" dirty="0" err="1" smtClean="0"/>
+              <a:t>Firefox</a:t>
+            </a:r>
+            <a:r>
+              <a:rPr lang="es-CL" sz="1800" dirty="0" smtClean="0"/>
+              <a:t> 3</a:t>
+            </a:r>
+          </a:p>
+          <a:p>
+            <a:pPr lvl="2"/>
+            <a:r>
+              <a:rPr lang="es-CL" sz="1800" dirty="0" err="1" smtClean="0"/>
+              <a:t>Chrome</a:t>
+            </a:r>
+            <a:r>
+              <a:rPr lang="es-CL" sz="1800" dirty="0" smtClean="0"/>
+              <a:t> 3</a:t>
+            </a:r>
+          </a:p>
+          <a:p>
+            <a:pPr lvl="2"/>
+            <a:r>
+              <a:rPr lang="es-CL" sz="1800" dirty="0" smtClean="0"/>
+              <a:t>Safari 3</a:t>
+            </a:r>
+          </a:p>
+          <a:p>
+            <a:pPr lvl="2"/>
+            <a:r>
+              <a:rPr lang="es-CL" sz="1800" dirty="0" smtClean="0"/>
+              <a:t>Opera 9</a:t>
+            </a:r>
+          </a:p>
+          <a:p>
+            <a:pPr lvl="2"/>
+            <a:r>
+              <a:rPr lang="es-CL" sz="1800" dirty="0" smtClean="0"/>
+              <a:t>Internet Explorer 7 u </a:t>
+            </a:r>
+            <a:r>
+              <a:rPr lang="es-CL" sz="1800" dirty="0" smtClean="0"/>
+              <a:t>8</a:t>
+            </a:r>
+          </a:p>
+          <a:p>
+            <a:pPr lvl="1"/>
+            <a:r>
+              <a:rPr lang="es-CL" sz="2000" dirty="0" smtClean="0"/>
+              <a:t>Resolución 1024x768 mínimo</a:t>
+            </a:r>
+          </a:p>
+          <a:p>
+            <a:pPr lvl="1"/>
+            <a:r>
+              <a:rPr lang="es-CL" sz="2000" dirty="0" smtClean="0"/>
+              <a:t>Hardware Recomendado:</a:t>
+            </a:r>
+          </a:p>
+          <a:p>
+            <a:pPr lvl="2"/>
+            <a:r>
+              <a:rPr lang="es-CL" sz="1600" dirty="0" smtClean="0"/>
+              <a:t>Procesador Celeron 1.8 GHZ</a:t>
+            </a:r>
+          </a:p>
+          <a:p>
+            <a:pPr lvl="2"/>
+            <a:r>
+              <a:rPr lang="es-CL" sz="1600" dirty="0" smtClean="0"/>
+              <a:t>Memoria 1 GB</a:t>
+            </a:r>
+          </a:p>
+          <a:p>
+            <a:pPr lvl="2"/>
+            <a:r>
+              <a:rPr lang="es-CL" sz="1600" dirty="0" smtClean="0"/>
+              <a:t>Disco duro  160GB</a:t>
+            </a:r>
+          </a:p>
+          <a:p>
+            <a:pPr lvl="2"/>
+            <a:r>
+              <a:rPr lang="es-CL" sz="1600" dirty="0" smtClean="0"/>
+              <a:t>Red </a:t>
+            </a:r>
+            <a:r>
+              <a:rPr lang="es-CL" sz="1600" dirty="0" err="1" smtClean="0"/>
+              <a:t>Lan</a:t>
+            </a:r>
+            <a:r>
+              <a:rPr lang="es-CL" sz="1600" dirty="0" smtClean="0"/>
+              <a:t> 10/100 </a:t>
+            </a:r>
+            <a:r>
+              <a:rPr lang="es-CL" sz="1600" dirty="0" err="1" smtClean="0"/>
+              <a:t>mbps</a:t>
+            </a:r>
+            <a:endParaRPr lang="es-CL" sz="1600" dirty="0" smtClean="0"/>
+          </a:p>
+          <a:p>
+            <a:pPr lvl="2"/>
+            <a:endParaRPr lang="es-CL" sz="1600" dirty="0" smtClean="0"/>
+          </a:p>
+          <a:p>
+            <a:pPr lvl="1"/>
+            <a:endParaRPr lang="es-CL" sz="2000" dirty="0" smtClean="0"/>
+          </a:p>
+          <a:p>
+            <a:pPr lvl="1"/>
+            <a:endParaRPr lang="es-CL" sz="2000" dirty="0" smtClean="0"/>
+          </a:p>
+          <a:p>
+            <a:pPr lvl="1"/>
+            <a:endParaRPr lang="es-CL" sz="2000" dirty="0" smtClean="0"/>
+          </a:p>
+          <a:p>
+            <a:pPr lvl="1"/>
+            <a:endParaRPr lang="es-CL" sz="2000" dirty="0"/>
+          </a:p>
+        </p:txBody>
+      </p:sp>
+      <p:sp>
+        <p:nvSpPr>
+          <p:cNvPr id="5" name="4 CuadroTexto"/>
+          <p:cNvSpPr txBox="1"/>
+          <p:nvPr/>
+        </p:nvSpPr>
+        <p:spPr>
+          <a:xfrm>
+            <a:off x="627795" y="518614"/>
+            <a:ext cx="7915702" cy="523220"/>
+          </a:xfrm>
+          <a:prstGeom prst="rect">
+            <a:avLst/>
+          </a:prstGeom>
+          <a:noFill/>
+        </p:spPr>
+        <p:txBody>
+          <a:bodyPr wrap="square" rtlCol="0">
+            <a:spAutoFit/>
+          </a:bodyPr>
+          <a:lstStyle/>
+          <a:p>
+            <a:r>
+              <a:rPr lang="es-CL" sz="2800" b="1" cap="all" dirty="0" smtClean="0">
+                <a:ln w="9000" cmpd="sng">
+                  <a:solidFill>
+                    <a:schemeClr val="accent4">
+                      <a:shade val="50000"/>
+                      <a:satMod val="120000"/>
+                    </a:schemeClr>
+                  </a:solidFill>
+                  <a:prstDash val="solid"/>
+                </a:ln>
+                <a:gradFill>
+                  <a:gsLst>
+                    <a:gs pos="0">
+                      <a:schemeClr val="accent4">
+                        <a:shade val="20000"/>
+                        <a:satMod val="245000"/>
+                      </a:schemeClr>
+                    </a:gs>
+                    <a:gs pos="43000">
+                      <a:schemeClr val="accent4">
+                        <a:satMod val="255000"/>
+                      </a:schemeClr>
+                    </a:gs>
+                    <a:gs pos="48000">
+                      <a:schemeClr val="accent4">
+                        <a:shade val="85000"/>
+                        <a:satMod val="255000"/>
+                      </a:schemeClr>
+                    </a:gs>
+                    <a:gs pos="100000">
+                      <a:schemeClr val="accent4">
+                        <a:shade val="20000"/>
+                        <a:satMod val="245000"/>
+                      </a:schemeClr>
+                    </a:gs>
+                  </a:gsLst>
+                  <a:lin ang="5400000"/>
+                </a:gradFill>
+                <a:effectLst>
+                  <a:reflection blurRad="12700" stA="28000" endPos="45000" dist="1000" dir="5400000" sy="-100000" algn="bl" rotWithShape="0"/>
+                </a:effectLst>
+                <a:latin typeface="Arial" pitchFamily="34" charset="0"/>
+                <a:cs typeface="Arial" pitchFamily="34" charset="0"/>
+              </a:rPr>
+              <a:t>Solución propuesta</a:t>
+            </a:r>
+            <a:endParaRPr lang="es-CL" sz="2800" b="1" cap="all" dirty="0">
+              <a:ln w="9000" cmpd="sng">
+                <a:solidFill>
+                  <a:schemeClr val="accent4">
+                    <a:shade val="50000"/>
+                    <a:satMod val="120000"/>
+                  </a:schemeClr>
+                </a:solidFill>
+                <a:prstDash val="solid"/>
+              </a:ln>
+              <a:gradFill>
+                <a:gsLst>
+                  <a:gs pos="0">
+                    <a:schemeClr val="accent4">
+                      <a:shade val="20000"/>
+                      <a:satMod val="245000"/>
+                    </a:schemeClr>
+                  </a:gs>
+                  <a:gs pos="43000">
+                    <a:schemeClr val="accent4">
+                      <a:satMod val="255000"/>
+                    </a:schemeClr>
+                  </a:gs>
+                  <a:gs pos="48000">
+                    <a:schemeClr val="accent4">
+                      <a:shade val="85000"/>
+                      <a:satMod val="255000"/>
+                    </a:schemeClr>
+                  </a:gs>
+                  <a:gs pos="100000">
+                    <a:schemeClr val="accent4">
+                      <a:shade val="20000"/>
+                      <a:satMod val="245000"/>
+                    </a:schemeClr>
+                  </a:gs>
+                </a:gsLst>
+                <a:lin ang="5400000"/>
+              </a:gradFill>
+              <a:effectLst>
+                <a:reflection blurRad="12700" stA="28000" endPos="45000" dist="1000" dir="5400000" sy="-100000" algn="bl" rotWithShape="0"/>
+              </a:effectLst>
+              <a:latin typeface="Arial" pitchFamily="34" charset="0"/>
+              <a:cs typeface="Arial" pitchFamily="34" charset="0"/>
+            </a:endParaRPr>
+          </a:p>
+        </p:txBody>
+      </p:sp>
+      <p:pic>
+        <p:nvPicPr>
+          <p:cNvPr id="10244" name="Picture 4" descr="C:\Users\Sevazthian\AppData\Local\Microsoft\Windows\Temporary Internet Files\Content.IE5\DQNYL9HM\MPj04100840000[1].jpg"/>
+          <p:cNvPicPr>
+            <a:picLocks noChangeAspect="1" noChangeArrowheads="1"/>
+          </p:cNvPicPr>
+          <p:nvPr/>
+        </p:nvPicPr>
+        <p:blipFill>
+          <a:blip r:embed="rId3" cstate="print"/>
+          <a:srcRect l="1891" t="836"/>
+          <a:stretch>
+            <a:fillRect/>
+          </a:stretch>
+        </p:blipFill>
+        <p:spPr bwMode="auto">
+          <a:xfrm>
+            <a:off x="6660107" y="3766782"/>
+            <a:ext cx="2129051" cy="2283510"/>
+          </a:xfrm>
+          <a:prstGeom prst="rect">
+            <a:avLst/>
+          </a:prstGeom>
+          <a:noFill/>
+        </p:spPr>
+      </p:pic>
+    </p:spTree>
+  </p:cSld>
+  <p:clrMapOvr>
+    <a:masterClrMapping/>
+  </p:clrMapOvr>
+  <p:transition/>
+  <p:timing>
+    <p:tnLst>
+      <p:par>
+        <p:cTn id="1" dur="indefinite" restart="never" nodeType="tmRoot"/>
+      </p:par>
+    </p:tnLst>
+  </p:timing>
+</p:sld>
+</file>
+
+<file path=ppt/slides/slide16.xml><?xml version="1.0" encoding="utf-8"?>
+<p:sld xmlns:a="http://schemas.openxmlformats.org/drawingml/2006/main" xmlns:r="http://schemas.openxmlformats.org/officeDocument/2006/relationships" xmlns:p="http://schemas.openxmlformats.org/presentationml/2006/main">
+  <p:cSld>
+    <p:spTree>
+      <p:nvGrpSpPr>
+        <p:cNvPr id="1" name=""/>
+        <p:cNvGrpSpPr/>
+        <p:nvPr/>
+      </p:nvGrpSpPr>
+      <p:grpSpPr>
+        <a:xfrm>
+          <a:off x="0" y="0"/>
+          <a:ext cx="0" cy="0"/>
+          <a:chOff x="0" y="0"/>
+          <a:chExt cx="0" cy="0"/>
+        </a:xfrm>
+      </p:grpSpPr>
+      <p:pic>
+        <p:nvPicPr>
+          <p:cNvPr id="11266" name="Picture 2" descr="C:\Users\Sevazthian\AppData\Local\Microsoft\Windows\Temporary Internet Files\Content.IE5\ILTRVQHV\MPj04328550000[1].jpg"/>
+          <p:cNvPicPr>
+            <a:picLocks noChangeAspect="1" noChangeArrowheads="1"/>
+          </p:cNvPicPr>
+          <p:nvPr/>
+        </p:nvPicPr>
+        <p:blipFill>
+          <a:blip r:embed="rId3" cstate="print"/>
+          <a:srcRect l="13426" t="11208"/>
+          <a:stretch>
+            <a:fillRect/>
+          </a:stretch>
+        </p:blipFill>
+        <p:spPr bwMode="auto">
+          <a:xfrm>
+            <a:off x="6114198" y="4299045"/>
+            <a:ext cx="2552131" cy="1964425"/>
+          </a:xfrm>
+          <a:prstGeom prst="rect">
+            <a:avLst/>
+          </a:prstGeom>
+          <a:noFill/>
+        </p:spPr>
+      </p:pic>
+      <p:sp>
+        <p:nvSpPr>
+          <p:cNvPr id="3" name="2 Marcador de contenido"/>
+          <p:cNvSpPr>
+            <a:spLocks noGrp="1"/>
+          </p:cNvSpPr>
+          <p:nvPr>
+            <p:ph idx="1"/>
+          </p:nvPr>
+        </p:nvSpPr>
+        <p:spPr>
+          <a:xfrm>
+            <a:off x="713095" y="1279146"/>
+            <a:ext cx="7772400" cy="4413427"/>
+          </a:xfrm>
+        </p:spPr>
+        <p:txBody>
+          <a:bodyPr/>
+          <a:lstStyle/>
+          <a:p>
+            <a:r>
+              <a:rPr lang="es-CL" sz="2400" dirty="0" smtClean="0"/>
+              <a:t>Factibilidad económica.</a:t>
+            </a:r>
+          </a:p>
+          <a:p>
+            <a:pPr lvl="1"/>
+            <a:r>
+              <a:rPr lang="es-CL" sz="2000" dirty="0" smtClean="0"/>
+              <a:t>Precio Sistema $2.000.000</a:t>
+            </a:r>
+          </a:p>
+          <a:p>
+            <a:pPr lvl="1"/>
+            <a:r>
+              <a:rPr lang="es-CL" sz="2000" dirty="0" smtClean="0"/>
+              <a:t>Precio Servidor con licencia Windows 2003 server y SQL Server estándar  $1.427.570.</a:t>
+            </a:r>
+          </a:p>
+          <a:p>
+            <a:pPr lvl="1"/>
+            <a:r>
+              <a:rPr lang="es-CL" sz="2000" dirty="0" smtClean="0"/>
+              <a:t>Precio Servidor con licencia Windows 2003 server y SQL </a:t>
+            </a:r>
+            <a:r>
+              <a:rPr lang="es-CL" sz="2000" dirty="0" smtClean="0"/>
+              <a:t>Express </a:t>
+            </a:r>
+            <a:r>
+              <a:rPr lang="es-CL" sz="2000" dirty="0" smtClean="0"/>
+              <a:t>$ </a:t>
+            </a:r>
+            <a:r>
+              <a:rPr lang="es-CL" sz="2000" dirty="0" smtClean="0"/>
+              <a:t>757.570.</a:t>
+            </a:r>
+          </a:p>
+          <a:p>
+            <a:pPr lvl="1"/>
+            <a:r>
+              <a:rPr lang="es-CL" sz="2000" dirty="0" smtClean="0"/>
+              <a:t>Precio estaciones de trabajo con </a:t>
+            </a:r>
+            <a:r>
+              <a:rPr lang="es-CL" sz="2000" dirty="0" smtClean="0"/>
+              <a:t>licencia de Windows </a:t>
+            </a:r>
+            <a:r>
+              <a:rPr lang="es-CL" sz="2000" dirty="0" err="1" smtClean="0"/>
+              <a:t>xp</a:t>
+            </a:r>
+            <a:r>
+              <a:rPr lang="es-CL" sz="2000" dirty="0" smtClean="0"/>
+              <a:t> </a:t>
+            </a:r>
+            <a:r>
+              <a:rPr lang="es-CL" sz="2000" dirty="0" smtClean="0"/>
+              <a:t>$366.137 </a:t>
+            </a:r>
+          </a:p>
+          <a:p>
+            <a:pPr lvl="1"/>
+            <a:r>
+              <a:rPr lang="es-CL" sz="2000" dirty="0" smtClean="0"/>
+              <a:t>Precio estaciones de trabajo sin licencia  de Windows </a:t>
+            </a:r>
+            <a:r>
+              <a:rPr lang="es-CL" sz="2000" dirty="0" err="1" smtClean="0"/>
+              <a:t>xp</a:t>
+            </a:r>
+            <a:r>
+              <a:rPr lang="es-CL" sz="2000" dirty="0" smtClean="0"/>
+              <a:t>  $259.765</a:t>
+            </a:r>
+            <a:endParaRPr lang="es-CL" sz="2000" dirty="0" smtClean="0"/>
+          </a:p>
+          <a:p>
+            <a:pPr lvl="1"/>
+            <a:endParaRPr lang="es-CL" sz="2000" dirty="0" smtClean="0"/>
+          </a:p>
+          <a:p>
+            <a:pPr lvl="1"/>
+            <a:endParaRPr lang="es-CL" sz="2000" dirty="0" smtClean="0"/>
+          </a:p>
+          <a:p>
+            <a:pPr lvl="1"/>
+            <a:endParaRPr lang="es-CL" sz="2000" dirty="0" smtClean="0"/>
+          </a:p>
+          <a:p>
+            <a:pPr lvl="1"/>
+            <a:endParaRPr lang="es-CL" sz="2000" dirty="0" smtClean="0"/>
+          </a:p>
+          <a:p>
+            <a:endParaRPr lang="es-CL" sz="2400" dirty="0" smtClean="0"/>
+          </a:p>
+          <a:p>
+            <a:endParaRPr lang="es-CL" sz="2400" dirty="0" smtClean="0"/>
+          </a:p>
+          <a:p>
+            <a:pPr lvl="1"/>
+            <a:endParaRPr lang="es-CL" sz="2000" dirty="0" smtClean="0"/>
+          </a:p>
+          <a:p>
+            <a:pPr lvl="1"/>
+            <a:endParaRPr lang="es-CL" sz="2000" dirty="0" smtClean="0"/>
+          </a:p>
+          <a:p>
+            <a:pPr lvl="1"/>
+            <a:endParaRPr lang="es-CL" sz="2000" dirty="0" smtClean="0"/>
+          </a:p>
+          <a:p>
+            <a:pPr lvl="1"/>
+            <a:endParaRPr lang="es-CL" sz="2000" dirty="0"/>
+          </a:p>
+        </p:txBody>
+      </p:sp>
+      <p:sp>
+        <p:nvSpPr>
+          <p:cNvPr id="5" name="4 CuadroTexto"/>
+          <p:cNvSpPr txBox="1"/>
+          <p:nvPr/>
+        </p:nvSpPr>
+        <p:spPr>
+          <a:xfrm>
+            <a:off x="627795" y="518614"/>
+            <a:ext cx="7915702" cy="523220"/>
+          </a:xfrm>
+          <a:prstGeom prst="rect">
+            <a:avLst/>
+          </a:prstGeom>
+          <a:noFill/>
+        </p:spPr>
+        <p:txBody>
+          <a:bodyPr wrap="square" rtlCol="0">
+            <a:spAutoFit/>
+          </a:bodyPr>
+          <a:lstStyle/>
+          <a:p>
+            <a:r>
+              <a:rPr lang="es-CL" sz="2800" b="1" cap="all" dirty="0" smtClean="0">
+                <a:ln w="9000" cmpd="sng">
+                  <a:solidFill>
+                    <a:schemeClr val="accent4">
+                      <a:shade val="50000"/>
+                      <a:satMod val="120000"/>
+                    </a:schemeClr>
+                  </a:solidFill>
+                  <a:prstDash val="solid"/>
+                </a:ln>
+                <a:gradFill>
+                  <a:gsLst>
+                    <a:gs pos="0">
+                      <a:schemeClr val="accent4">
+                        <a:shade val="20000"/>
+                        <a:satMod val="245000"/>
+                      </a:schemeClr>
+                    </a:gs>
+                    <a:gs pos="43000">
+                      <a:schemeClr val="accent4">
+                        <a:satMod val="255000"/>
+                      </a:schemeClr>
+                    </a:gs>
+                    <a:gs pos="48000">
+                      <a:schemeClr val="accent4">
+                        <a:shade val="85000"/>
+                        <a:satMod val="255000"/>
+                      </a:schemeClr>
+                    </a:gs>
+                    <a:gs pos="100000">
+                      <a:schemeClr val="accent4">
+                        <a:shade val="20000"/>
+                        <a:satMod val="245000"/>
+                      </a:schemeClr>
+                    </a:gs>
+                  </a:gsLst>
+                  <a:lin ang="5400000"/>
+                </a:gradFill>
+                <a:effectLst>
+                  <a:reflection blurRad="12700" stA="28000" endPos="45000" dist="1000" dir="5400000" sy="-100000" algn="bl" rotWithShape="0"/>
+                </a:effectLst>
+                <a:latin typeface="Arial" pitchFamily="34" charset="0"/>
+                <a:cs typeface="Arial" pitchFamily="34" charset="0"/>
+              </a:rPr>
+              <a:t>Solución propuesta</a:t>
+            </a:r>
+            <a:endParaRPr lang="es-CL" sz="2800" b="1" cap="all" dirty="0">
+              <a:ln w="9000" cmpd="sng">
+                <a:solidFill>
+                  <a:schemeClr val="accent4">
+                    <a:shade val="50000"/>
+                    <a:satMod val="120000"/>
+                  </a:schemeClr>
+                </a:solidFill>
+                <a:prstDash val="solid"/>
+              </a:ln>
+              <a:gradFill>
+                <a:gsLst>
+                  <a:gs pos="0">
+                    <a:schemeClr val="accent4">
+                      <a:shade val="20000"/>
+                      <a:satMod val="245000"/>
+                    </a:schemeClr>
+                  </a:gs>
+                  <a:gs pos="43000">
+                    <a:schemeClr val="accent4">
+                      <a:satMod val="255000"/>
+                    </a:schemeClr>
+                  </a:gs>
+                  <a:gs pos="48000">
+                    <a:schemeClr val="accent4">
+                      <a:shade val="85000"/>
+                      <a:satMod val="255000"/>
+                    </a:schemeClr>
+                  </a:gs>
+                  <a:gs pos="100000">
+                    <a:schemeClr val="accent4">
+                      <a:shade val="20000"/>
+                      <a:satMod val="245000"/>
+                    </a:schemeClr>
+                  </a:gs>
+                </a:gsLst>
+                <a:lin ang="5400000"/>
+              </a:gradFill>
+              <a:effectLst>
+                <a:reflection blurRad="12700" stA="28000" endPos="45000" dist="1000" dir="5400000" sy="-100000" algn="bl" rotWithShape="0"/>
+              </a:effectLst>
+              <a:latin typeface="Arial" pitchFamily="34" charset="0"/>
+              <a:cs typeface="Arial" pitchFamily="34" charset="0"/>
+            </a:endParaRPr>
+          </a:p>
+        </p:txBody>
+      </p:sp>
+    </p:spTree>
+  </p:cSld>
+  <p:clrMapOvr>
+    <a:masterClrMapping/>
+  </p:clrMapOvr>
+  <p:transition/>
+  <p:timing>
+    <p:tnLst>
+      <p:par>
+        <p:cTn id="1" dur="indefinite" restart="never" nodeType="tmRoot"/>
+      </p:par>
+    </p:tnLst>
+  </p:timing>
+</p:sld>
+</file>
+
+<file path=ppt/slides/slide17.xml><?xml version="1.0" encoding="utf-8"?>
+<p:sld xmlns:a="http://schemas.openxmlformats.org/drawingml/2006/main" xmlns:r="http://schemas.openxmlformats.org/officeDocument/2006/relationships" xmlns:p="http://schemas.openxmlformats.org/presentationml/2006/main">
+  <p:cSld>
+    <p:spTree>
+      <p:nvGrpSpPr>
+        <p:cNvPr id="1" name=""/>
+        <p:cNvGrpSpPr/>
+        <p:nvPr/>
+      </p:nvGrpSpPr>
+      <p:grpSpPr>
+        <a:xfrm>
+          <a:off x="0" y="0"/>
+          <a:ext cx="0" cy="0"/>
+          <a:chOff x="0" y="0"/>
+          <a:chExt cx="0" cy="0"/>
+        </a:xfrm>
+      </p:grpSpPr>
+      <p:sp>
+        <p:nvSpPr>
+          <p:cNvPr id="3" name="2 Marcador de contenido"/>
+          <p:cNvSpPr>
+            <a:spLocks noGrp="1"/>
+          </p:cNvSpPr>
+          <p:nvPr>
+            <p:ph idx="1"/>
+          </p:nvPr>
+        </p:nvSpPr>
+        <p:spPr>
+          <a:xfrm>
+            <a:off x="713095" y="1279146"/>
+            <a:ext cx="7772400" cy="4413427"/>
+          </a:xfrm>
+        </p:spPr>
+        <p:txBody>
+          <a:bodyPr/>
+          <a:lstStyle/>
+          <a:p>
+            <a:r>
+              <a:rPr lang="es-CL" sz="2400" dirty="0" smtClean="0"/>
+              <a:t>Análisis Financiero</a:t>
+            </a:r>
+          </a:p>
+          <a:p>
+            <a:pPr lvl="1"/>
+            <a:r>
+              <a:rPr lang="es-CL" sz="2000" dirty="0" smtClean="0"/>
+              <a:t>Duración del proyecto  5 años </a:t>
+            </a:r>
+          </a:p>
+          <a:p>
+            <a:pPr lvl="1"/>
+            <a:r>
+              <a:rPr lang="es-CL" sz="2000" dirty="0" smtClean="0"/>
+              <a:t>El proyecto abarcara el 5% del mercado de los servicios técnicos electrónicos.</a:t>
+            </a:r>
+          </a:p>
+          <a:p>
+            <a:pPr lvl="1"/>
+            <a:r>
+              <a:rPr lang="es-CL" sz="2000" dirty="0" smtClean="0"/>
+              <a:t>Con un financiamiento del 70%  una tasa de descuento del 12%:</a:t>
+            </a:r>
+          </a:p>
+          <a:p>
+            <a:pPr lvl="2"/>
+            <a:r>
+              <a:rPr lang="es-CL" sz="1600" dirty="0" smtClean="0"/>
+              <a:t>Van de $11.120.660.</a:t>
+            </a:r>
+          </a:p>
+          <a:p>
+            <a:pPr lvl="2"/>
+            <a:r>
+              <a:rPr lang="es-CL" sz="1600" dirty="0" smtClean="0"/>
+              <a:t>Tir 42%</a:t>
+            </a:r>
+          </a:p>
+          <a:p>
+            <a:pPr lvl="2"/>
+            <a:r>
+              <a:rPr lang="es-CL" sz="1600" dirty="0" smtClean="0"/>
+              <a:t> Se recupera a inversión al tercer año</a:t>
+            </a:r>
+          </a:p>
+          <a:p>
+            <a:pPr lvl="1"/>
+            <a:endParaRPr lang="es-CL" sz="2000" dirty="0" smtClean="0"/>
+          </a:p>
+          <a:p>
+            <a:pPr lvl="1"/>
+            <a:endParaRPr lang="es-CL" sz="2000" dirty="0" smtClean="0"/>
+          </a:p>
+          <a:p>
+            <a:pPr lvl="1"/>
+            <a:endParaRPr lang="es-CL" sz="2000" dirty="0" smtClean="0"/>
+          </a:p>
+          <a:p>
+            <a:pPr lvl="1"/>
+            <a:endParaRPr lang="es-CL" sz="2000" dirty="0" smtClean="0"/>
+          </a:p>
+          <a:p>
+            <a:pPr lvl="1"/>
+            <a:endParaRPr lang="es-CL" sz="2000" dirty="0" smtClean="0"/>
+          </a:p>
+          <a:p>
+            <a:endParaRPr lang="es-CL" sz="2400" dirty="0" smtClean="0"/>
+          </a:p>
+          <a:p>
+            <a:endParaRPr lang="es-CL" sz="2400" dirty="0" smtClean="0"/>
+          </a:p>
+          <a:p>
+            <a:pPr lvl="1"/>
+            <a:endParaRPr lang="es-CL" sz="2000" dirty="0" smtClean="0"/>
+          </a:p>
+          <a:p>
+            <a:pPr lvl="1"/>
+            <a:endParaRPr lang="es-CL" sz="2000" dirty="0" smtClean="0"/>
+          </a:p>
+          <a:p>
+            <a:pPr lvl="1"/>
+            <a:endParaRPr lang="es-CL" sz="2000" dirty="0" smtClean="0"/>
+          </a:p>
+          <a:p>
+            <a:pPr lvl="1"/>
+            <a:endParaRPr lang="es-CL" sz="2000" dirty="0"/>
+          </a:p>
+        </p:txBody>
+      </p:sp>
+      <p:sp>
+        <p:nvSpPr>
+          <p:cNvPr id="5" name="4 CuadroTexto"/>
+          <p:cNvSpPr txBox="1"/>
+          <p:nvPr/>
+        </p:nvSpPr>
+        <p:spPr>
+          <a:xfrm>
+            <a:off x="627795" y="518614"/>
+            <a:ext cx="7915702" cy="523220"/>
+          </a:xfrm>
+          <a:prstGeom prst="rect">
+            <a:avLst/>
+          </a:prstGeom>
+          <a:noFill/>
+        </p:spPr>
+        <p:txBody>
+          <a:bodyPr wrap="square" rtlCol="0">
+            <a:spAutoFit/>
+          </a:bodyPr>
+          <a:lstStyle/>
+          <a:p>
+            <a:r>
+              <a:rPr lang="es-CL" sz="2800" b="1" cap="all" dirty="0" smtClean="0">
+                <a:ln w="9000" cmpd="sng">
+                  <a:solidFill>
+                    <a:schemeClr val="accent4">
+                      <a:shade val="50000"/>
+                      <a:satMod val="120000"/>
+                    </a:schemeClr>
+                  </a:solidFill>
+                  <a:prstDash val="solid"/>
+                </a:ln>
+                <a:gradFill>
+                  <a:gsLst>
+                    <a:gs pos="0">
+                      <a:schemeClr val="accent4">
+                        <a:shade val="20000"/>
+                        <a:satMod val="245000"/>
+                      </a:schemeClr>
+                    </a:gs>
+                    <a:gs pos="43000">
+                      <a:schemeClr val="accent4">
+                        <a:satMod val="255000"/>
+                      </a:schemeClr>
+                    </a:gs>
+                    <a:gs pos="48000">
+                      <a:schemeClr val="accent4">
+                        <a:shade val="85000"/>
+                        <a:satMod val="255000"/>
+                      </a:schemeClr>
+                    </a:gs>
+                    <a:gs pos="100000">
+                      <a:schemeClr val="accent4">
+                        <a:shade val="20000"/>
+                        <a:satMod val="245000"/>
+                      </a:schemeClr>
+                    </a:gs>
+                  </a:gsLst>
+                  <a:lin ang="5400000"/>
+                </a:gradFill>
+                <a:effectLst>
+                  <a:reflection blurRad="12700" stA="28000" endPos="45000" dist="1000" dir="5400000" sy="-100000" algn="bl" rotWithShape="0"/>
+                </a:effectLst>
+                <a:latin typeface="Arial" pitchFamily="34" charset="0"/>
+                <a:cs typeface="Arial" pitchFamily="34" charset="0"/>
+              </a:rPr>
+              <a:t>Solución propuesta</a:t>
+            </a:r>
+            <a:endParaRPr lang="es-CL" sz="2800" b="1" cap="all" dirty="0">
+              <a:ln w="9000" cmpd="sng">
+                <a:solidFill>
+                  <a:schemeClr val="accent4">
+                    <a:shade val="50000"/>
+                    <a:satMod val="120000"/>
+                  </a:schemeClr>
+                </a:solidFill>
+                <a:prstDash val="solid"/>
+              </a:ln>
+              <a:gradFill>
+                <a:gsLst>
+                  <a:gs pos="0">
+                    <a:schemeClr val="accent4">
+                      <a:shade val="20000"/>
+                      <a:satMod val="245000"/>
+                    </a:schemeClr>
+                  </a:gs>
+                  <a:gs pos="43000">
+                    <a:schemeClr val="accent4">
+                      <a:satMod val="255000"/>
+                    </a:schemeClr>
+                  </a:gs>
+                  <a:gs pos="48000">
+                    <a:schemeClr val="accent4">
+                      <a:shade val="85000"/>
+                      <a:satMod val="255000"/>
+                    </a:schemeClr>
+                  </a:gs>
+                  <a:gs pos="100000">
+                    <a:schemeClr val="accent4">
+                      <a:shade val="20000"/>
+                      <a:satMod val="245000"/>
+                    </a:schemeClr>
+                  </a:gs>
+                </a:gsLst>
+                <a:lin ang="5400000"/>
+              </a:gradFill>
+              <a:effectLst>
+                <a:reflection blurRad="12700" stA="28000" endPos="45000" dist="1000" dir="5400000" sy="-100000" algn="bl" rotWithShape="0"/>
+              </a:effectLst>
+              <a:latin typeface="Arial" pitchFamily="34" charset="0"/>
+              <a:cs typeface="Arial" pitchFamily="34" charset="0"/>
+            </a:endParaRPr>
+          </a:p>
+        </p:txBody>
+      </p:sp>
+      <p:pic>
+        <p:nvPicPr>
+          <p:cNvPr id="12290" name="Picture 2" descr="C:\Users\Sevazthian\AppData\Local\Microsoft\Windows\Temporary Internet Files\Content.IE5\RVAN69P0\MCPE01573_0000[1].wmf"/>
+          <p:cNvPicPr>
+            <a:picLocks noChangeAspect="1" noChangeArrowheads="1"/>
+          </p:cNvPicPr>
+          <p:nvPr/>
+        </p:nvPicPr>
+        <p:blipFill>
+          <a:blip r:embed="rId3" cstate="print"/>
+          <a:srcRect/>
+          <a:stretch>
+            <a:fillRect/>
+          </a:stretch>
+        </p:blipFill>
+        <p:spPr bwMode="auto">
+          <a:xfrm>
+            <a:off x="6114197" y="3984258"/>
+            <a:ext cx="2031613" cy="1711498"/>
+          </a:xfrm>
+          <a:prstGeom prst="rect">
+            <a:avLst/>
+          </a:prstGeom>
+          <a:noFill/>
+        </p:spPr>
+      </p:pic>
+    </p:spTree>
+  </p:cSld>
+  <p:clrMapOvr>
+    <a:masterClrMapping/>
+  </p:clrMapOvr>
+  <p:transition/>
+  <p:timing>
+    <p:tnLst>
+      <p:par>
+        <p:cTn id="1" dur="indefinite" restart="never" nodeType="tmRoot"/>
+      </p:par>
+    </p:tnLst>
+  </p:timing>
+</p:sld>
+</file>
+
+<file path=ppt/slides/slide18.xml><?xml version="1.0" encoding="utf-8"?>
+<p:sld xmlns:a="http://schemas.openxmlformats.org/drawingml/2006/main" xmlns:r="http://schemas.openxmlformats.org/officeDocument/2006/relationships" xmlns:p="http://schemas.openxmlformats.org/presentationml/2006/main">
+  <p:cSld>
+    <p:spTree>
+      <p:nvGrpSpPr>
+        <p:cNvPr id="1" name=""/>
+        <p:cNvGrpSpPr/>
+        <p:nvPr/>
+      </p:nvGrpSpPr>
+      <p:grpSpPr>
+        <a:xfrm>
+          <a:off x="0" y="0"/>
+          <a:ext cx="0" cy="0"/>
+          <a:chOff x="0" y="0"/>
+          <a:chExt cx="0" cy="0"/>
+        </a:xfrm>
+      </p:grpSpPr>
+      <p:sp>
+        <p:nvSpPr>
+          <p:cNvPr id="3" name="2 Marcador de contenido"/>
+          <p:cNvSpPr>
+            <a:spLocks noGrp="1"/>
+          </p:cNvSpPr>
+          <p:nvPr>
+            <p:ph idx="1"/>
+          </p:nvPr>
+        </p:nvSpPr>
+        <p:spPr>
+          <a:xfrm>
+            <a:off x="713095" y="1279146"/>
+            <a:ext cx="7772400" cy="4413427"/>
+          </a:xfrm>
+        </p:spPr>
+        <p:txBody>
+          <a:bodyPr/>
+          <a:lstStyle/>
+          <a:p>
+            <a:pPr lvl="1"/>
+            <a:endParaRPr lang="es-CL" sz="2000" dirty="0" smtClean="0"/>
+          </a:p>
+          <a:p>
+            <a:pPr lvl="1"/>
+            <a:endParaRPr lang="es-CL" sz="2000" dirty="0" smtClean="0"/>
+          </a:p>
+          <a:p>
+            <a:pPr lvl="1"/>
+            <a:endParaRPr lang="es-CL" sz="2000" dirty="0" smtClean="0"/>
+          </a:p>
+          <a:p>
+            <a:pPr lvl="1"/>
+            <a:endParaRPr lang="es-CL" sz="2000" dirty="0" smtClean="0"/>
+          </a:p>
+          <a:p>
+            <a:endParaRPr lang="es-CL" sz="2400" dirty="0" smtClean="0"/>
+          </a:p>
+          <a:p>
+            <a:endParaRPr lang="es-CL" sz="2400" dirty="0" smtClean="0"/>
+          </a:p>
+          <a:p>
+            <a:pPr lvl="1"/>
+            <a:endParaRPr lang="es-CL" sz="2000" dirty="0" smtClean="0"/>
+          </a:p>
+          <a:p>
+            <a:pPr lvl="1"/>
+            <a:endParaRPr lang="es-CL" sz="2000" dirty="0" smtClean="0"/>
+          </a:p>
+          <a:p>
+            <a:pPr lvl="1"/>
+            <a:endParaRPr lang="es-CL" sz="2000" dirty="0" smtClean="0"/>
+          </a:p>
+          <a:p>
+            <a:pPr lvl="1"/>
+            <a:endParaRPr lang="es-CL" sz="2000" dirty="0"/>
+          </a:p>
+        </p:txBody>
+      </p:sp>
+      <p:sp>
+        <p:nvSpPr>
+          <p:cNvPr id="5" name="4 CuadroTexto"/>
+          <p:cNvSpPr txBox="1"/>
+          <p:nvPr/>
+        </p:nvSpPr>
+        <p:spPr>
+          <a:xfrm>
+            <a:off x="627795" y="518614"/>
+            <a:ext cx="7915702" cy="523220"/>
+          </a:xfrm>
+          <a:prstGeom prst="rect">
+            <a:avLst/>
+          </a:prstGeom>
+          <a:noFill/>
+        </p:spPr>
+        <p:txBody>
+          <a:bodyPr wrap="square" rtlCol="0">
+            <a:spAutoFit/>
+          </a:bodyPr>
+          <a:lstStyle/>
+          <a:p>
+            <a:r>
+              <a:rPr lang="es-CL" sz="2800" b="1" cap="all" dirty="0" smtClean="0">
+                <a:ln w="9000" cmpd="sng">
+                  <a:solidFill>
+                    <a:schemeClr val="accent4">
+                      <a:shade val="50000"/>
+                      <a:satMod val="120000"/>
+                    </a:schemeClr>
+                  </a:solidFill>
+                  <a:prstDash val="solid"/>
+                </a:ln>
+                <a:gradFill>
+                  <a:gsLst>
+                    <a:gs pos="0">
+                      <a:schemeClr val="accent4">
+                        <a:shade val="20000"/>
+                        <a:satMod val="245000"/>
+                      </a:schemeClr>
+                    </a:gs>
+                    <a:gs pos="43000">
+                      <a:schemeClr val="accent4">
+                        <a:satMod val="255000"/>
+                      </a:schemeClr>
+                    </a:gs>
+                    <a:gs pos="48000">
+                      <a:schemeClr val="accent4">
+                        <a:shade val="85000"/>
+                        <a:satMod val="255000"/>
+                      </a:schemeClr>
+                    </a:gs>
+                    <a:gs pos="100000">
+                      <a:schemeClr val="accent4">
+                        <a:shade val="20000"/>
+                        <a:satMod val="245000"/>
+                      </a:schemeClr>
+                    </a:gs>
+                  </a:gsLst>
+                  <a:lin ang="5400000"/>
+                </a:gradFill>
+                <a:effectLst>
+                  <a:reflection blurRad="12700" stA="28000" endPos="45000" dist="1000" dir="5400000" sy="-100000" algn="bl" rotWithShape="0"/>
+                </a:effectLst>
+                <a:latin typeface="Arial" pitchFamily="34" charset="0"/>
+                <a:cs typeface="Arial" pitchFamily="34" charset="0"/>
+              </a:rPr>
+              <a:t>Planificación</a:t>
+            </a:r>
+            <a:endParaRPr lang="es-CL" sz="2800" b="1" cap="all" dirty="0">
+              <a:ln w="9000" cmpd="sng">
+                <a:solidFill>
+                  <a:schemeClr val="accent4">
+                    <a:shade val="50000"/>
+                    <a:satMod val="120000"/>
+                  </a:schemeClr>
+                </a:solidFill>
+                <a:prstDash val="solid"/>
+              </a:ln>
+              <a:gradFill>
+                <a:gsLst>
+                  <a:gs pos="0">
+                    <a:schemeClr val="accent4">
+                      <a:shade val="20000"/>
+                      <a:satMod val="245000"/>
+                    </a:schemeClr>
+                  </a:gs>
+                  <a:gs pos="43000">
+                    <a:schemeClr val="accent4">
+                      <a:satMod val="255000"/>
+                    </a:schemeClr>
+                  </a:gs>
+                  <a:gs pos="48000">
+                    <a:schemeClr val="accent4">
+                      <a:shade val="85000"/>
+                      <a:satMod val="255000"/>
+                    </a:schemeClr>
+                  </a:gs>
+                  <a:gs pos="100000">
+                    <a:schemeClr val="accent4">
+                      <a:shade val="20000"/>
+                      <a:satMod val="245000"/>
+                    </a:schemeClr>
+                  </a:gs>
+                </a:gsLst>
+                <a:lin ang="5400000"/>
+              </a:gradFill>
+              <a:effectLst>
+                <a:reflection blurRad="12700" stA="28000" endPos="45000" dist="1000" dir="5400000" sy="-100000" algn="bl" rotWithShape="0"/>
+              </a:effectLst>
+              <a:latin typeface="Arial" pitchFamily="34" charset="0"/>
+              <a:cs typeface="Arial" pitchFamily="34" charset="0"/>
+            </a:endParaRPr>
+          </a:p>
+        </p:txBody>
+      </p:sp>
+      <p:pic>
+        <p:nvPicPr>
+          <p:cNvPr id="6" name="9 Imagen" descr="sshot-97.png"/>
+          <p:cNvPicPr/>
+          <p:nvPr/>
+        </p:nvPicPr>
+        <p:blipFill>
+          <a:blip r:embed="rId3" cstate="print"/>
+          <a:stretch>
+            <a:fillRect/>
+          </a:stretch>
+        </p:blipFill>
+        <p:spPr>
+          <a:xfrm>
+            <a:off x="914400" y="1091821"/>
+            <a:ext cx="7792873" cy="5240740"/>
+          </a:xfrm>
+          <a:prstGeom prst="rect">
+            <a:avLst/>
+          </a:prstGeom>
+        </p:spPr>
+      </p:pic>
+    </p:spTree>
+  </p:cSld>
+  <p:clrMapOvr>
+    <a:masterClrMapping/>
+  </p:clrMapOvr>
+  <p:transition/>
+  <p:timing>
+    <p:tnLst>
+      <p:par>
+        <p:cTn id="1" dur="indefinite" restart="never" nodeType="tmRoot"/>
+      </p:par>
+    </p:tnLst>
+  </p:timing>
+</p:sld>
+</file>
+
+<file path=ppt/slides/slide19.xml><?xml version="1.0" encoding="utf-8"?>
+<p:sld xmlns:a="http://schemas.openxmlformats.org/drawingml/2006/main" xmlns:r="http://schemas.openxmlformats.org/officeDocument/2006/relationships" xmlns:p="http://schemas.openxmlformats.org/presentationml/2006/main">
+  <p:cSld>
+    <p:spTree>
+      <p:nvGrpSpPr>
+        <p:cNvPr id="1" name=""/>
+        <p:cNvGrpSpPr/>
+        <p:nvPr/>
+      </p:nvGrpSpPr>
+      <p:grpSpPr>
+        <a:xfrm>
+          <a:off x="0" y="0"/>
+          <a:ext cx="0" cy="0"/>
+          <a:chOff x="0" y="0"/>
+          <a:chExt cx="0" cy="0"/>
+        </a:xfrm>
+      </p:grpSpPr>
+      <p:sp>
+        <p:nvSpPr>
+          <p:cNvPr id="5" name="4 CuadroTexto"/>
+          <p:cNvSpPr txBox="1"/>
+          <p:nvPr/>
+        </p:nvSpPr>
+        <p:spPr>
+          <a:xfrm>
+            <a:off x="627795" y="518614"/>
+            <a:ext cx="7915702" cy="523220"/>
+          </a:xfrm>
+          <a:prstGeom prst="rect">
+            <a:avLst/>
+          </a:prstGeom>
+          <a:noFill/>
+        </p:spPr>
+        <p:txBody>
+          <a:bodyPr wrap="square" rtlCol="0">
+            <a:spAutoFit/>
+          </a:bodyPr>
+          <a:lstStyle/>
+          <a:p>
+            <a:r>
+              <a:rPr lang="es-CL" sz="2800" b="1" cap="all" dirty="0" smtClean="0">
+                <a:ln w="9000" cmpd="sng">
+                  <a:solidFill>
+                    <a:schemeClr val="accent4">
+                      <a:shade val="50000"/>
+                      <a:satMod val="120000"/>
+                    </a:schemeClr>
+                  </a:solidFill>
+                  <a:prstDash val="solid"/>
+                </a:ln>
+                <a:gradFill>
+                  <a:gsLst>
+                    <a:gs pos="0">
+                      <a:schemeClr val="accent4">
+                        <a:shade val="20000"/>
+                        <a:satMod val="245000"/>
+                      </a:schemeClr>
+                    </a:gs>
+                    <a:gs pos="43000">
+                      <a:schemeClr val="accent4">
+                        <a:satMod val="255000"/>
+                      </a:schemeClr>
+                    </a:gs>
+                    <a:gs pos="48000">
+                      <a:schemeClr val="accent4">
+                        <a:shade val="85000"/>
+                        <a:satMod val="255000"/>
+                      </a:schemeClr>
+                    </a:gs>
+                    <a:gs pos="100000">
+                      <a:schemeClr val="accent4">
+                        <a:shade val="20000"/>
+                        <a:satMod val="245000"/>
+                      </a:schemeClr>
+                    </a:gs>
+                  </a:gsLst>
+                  <a:lin ang="5400000"/>
+                </a:gradFill>
+                <a:effectLst>
+                  <a:reflection blurRad="12700" stA="28000" endPos="45000" dist="1000" dir="5400000" sy="-100000" algn="bl" rotWithShape="0"/>
+                </a:effectLst>
+                <a:latin typeface="Arial" pitchFamily="34" charset="0"/>
+                <a:cs typeface="Arial" pitchFamily="34" charset="0"/>
+              </a:rPr>
+              <a:t>Casos de uso</a:t>
+            </a:r>
+            <a:endParaRPr lang="es-CL" sz="2800" b="1" cap="all" dirty="0">
+              <a:ln w="9000" cmpd="sng">
+                <a:solidFill>
+                  <a:schemeClr val="accent4">
+                    <a:shade val="50000"/>
+                    <a:satMod val="120000"/>
+                  </a:schemeClr>
+                </a:solidFill>
+                <a:prstDash val="solid"/>
+              </a:ln>
+              <a:gradFill>
+                <a:gsLst>
+                  <a:gs pos="0">
+                    <a:schemeClr val="accent4">
+                      <a:shade val="20000"/>
+                      <a:satMod val="245000"/>
+                    </a:schemeClr>
+                  </a:gs>
+                  <a:gs pos="43000">
+                    <a:schemeClr val="accent4">
+                      <a:satMod val="255000"/>
+                    </a:schemeClr>
+                  </a:gs>
+                  <a:gs pos="48000">
+                    <a:schemeClr val="accent4">
+                      <a:shade val="85000"/>
+                      <a:satMod val="255000"/>
+                    </a:schemeClr>
+                  </a:gs>
+                  <a:gs pos="100000">
+                    <a:schemeClr val="accent4">
+                      <a:shade val="20000"/>
+                      <a:satMod val="245000"/>
+                    </a:schemeClr>
+                  </a:gs>
+                </a:gsLst>
+                <a:lin ang="5400000"/>
+              </a:gradFill>
+              <a:effectLst>
+                <a:reflection blurRad="12700" stA="28000" endPos="45000" dist="1000" dir="5400000" sy="-100000" algn="bl" rotWithShape="0"/>
+              </a:effectLst>
+              <a:latin typeface="Arial" pitchFamily="34" charset="0"/>
+              <a:cs typeface="Arial" pitchFamily="34" charset="0"/>
+            </a:endParaRPr>
+          </a:p>
+        </p:txBody>
+      </p:sp>
+      <p:pic>
+        <p:nvPicPr>
+          <p:cNvPr id="8" name="8 Imagen" descr="casoUso.png"/>
+          <p:cNvPicPr/>
+          <p:nvPr/>
+        </p:nvPicPr>
+        <p:blipFill>
+          <a:blip r:embed="rId3" cstate="print"/>
+          <a:stretch>
+            <a:fillRect/>
+          </a:stretch>
+        </p:blipFill>
+        <p:spPr>
+          <a:xfrm>
+            <a:off x="1351128" y="1195387"/>
+            <a:ext cx="6796585" cy="4467225"/>
+          </a:xfrm>
+          <a:prstGeom prst="rect">
+            <a:avLst/>
+          </a:prstGeom>
+        </p:spPr>
+      </p:pic>
     </p:spTree>
   </p:cSld>
   <p:clrMapOvr>
@@ -4509,8 +9739,8 @@
         </p:nvSpPr>
         <p:spPr>
           <a:xfrm>
-            <a:off x="685800" y="1762832"/>
-            <a:ext cx="7772400" cy="4114800"/>
+            <a:off x="699452" y="1460311"/>
+            <a:ext cx="7772400" cy="4735773"/>
           </a:xfrm>
         </p:spPr>
         <p:txBody>
@@ -4519,8 +9749,9 @@
           <a:p>
             <a:r>
               <a:rPr lang="es-CL" dirty="0" smtClean="0"/>
-              <a:t>Objetivos</a:t>
-            </a:r>
+              <a:t>Introducción</a:t>
+            </a:r>
+            <a:endParaRPr lang="es-CL" dirty="0" smtClean="0"/>
           </a:p>
           <a:p>
             <a:r>
@@ -4531,7 +9762,13 @@
           <a:p>
             <a:r>
               <a:rPr lang="es-CL" dirty="0" smtClean="0"/>
-              <a:t>Descripción del problema</a:t>
+              <a:t>Problema</a:t>
+            </a:r>
+          </a:p>
+          <a:p>
+            <a:r>
+              <a:rPr lang="es-CL" dirty="0" smtClean="0"/>
+              <a:t>Objetivo y alcance</a:t>
             </a:r>
           </a:p>
           <a:p>
@@ -4539,17 +9776,16 @@
               <a:rPr lang="es-CL" dirty="0" smtClean="0"/>
               <a:t>Solución Propuesta</a:t>
             </a:r>
+            <a:endParaRPr lang="es-CL" dirty="0" smtClean="0"/>
           </a:p>
           <a:p>
             <a:r>
               <a:rPr lang="es-CL" dirty="0" smtClean="0"/>
-              <a:t>Metodología de trabajo</a:t>
-            </a:r>
-          </a:p>
-          <a:p>
+              <a:t>Demostración </a:t>
+            </a:r>
             <a:r>
               <a:rPr lang="es-CL" dirty="0" smtClean="0"/>
-              <a:t>Demostración sistema</a:t>
+              <a:t>sistema</a:t>
             </a:r>
           </a:p>
           <a:p>
@@ -4557,6 +9793,7 @@
               <a:rPr lang="es-CL" dirty="0" smtClean="0"/>
               <a:t>Conclusión</a:t>
             </a:r>
+            <a:endParaRPr lang="es-CL" dirty="0" smtClean="0"/>
           </a:p>
           <a:p>
             <a:endParaRPr lang="es-CL" dirty="0" smtClean="0"/>
@@ -4575,7 +9812,7 @@
           <p:nvPr/>
         </p:nvPicPr>
         <p:blipFill>
-          <a:blip r:embed="rId2" cstate="print"/>
+          <a:blip r:embed="rId3" cstate="print"/>
           <a:srcRect/>
           <a:stretch>
             <a:fillRect/>
@@ -4601,7 +9838,7 @@
         <p:spPr>
           <a:xfrm>
             <a:off x="627795" y="518614"/>
-            <a:ext cx="7915702" cy="646331"/>
+            <a:ext cx="7915702" cy="523220"/>
           </a:xfrm>
           <a:prstGeom prst="rect">
             <a:avLst/>
@@ -4615,18 +9852,92 @@
           <a:lstStyle/>
           <a:p>
             <a:r>
-              <a:rPr lang="es-CL" sz="3600" b="1" dirty="0" smtClean="0">
+              <a:rPr lang="es-CL" sz="2800" b="1" cap="all" dirty="0" smtClean="0">
+                <a:ln w="9000" cmpd="sng">
+                  <a:solidFill>
+                    <a:schemeClr val="accent4">
+                      <a:shade val="50000"/>
+                      <a:satMod val="120000"/>
+                    </a:schemeClr>
+                  </a:solidFill>
+                  <a:prstDash val="solid"/>
+                </a:ln>
+                <a:gradFill>
+                  <a:gsLst>
+                    <a:gs pos="0">
+                      <a:schemeClr val="accent4">
+                        <a:shade val="20000"/>
+                        <a:satMod val="245000"/>
+                      </a:schemeClr>
+                    </a:gs>
+                    <a:gs pos="43000">
+                      <a:schemeClr val="accent4">
+                        <a:satMod val="255000"/>
+                      </a:schemeClr>
+                    </a:gs>
+                    <a:gs pos="48000">
+                      <a:schemeClr val="accent4">
+                        <a:shade val="85000"/>
+                        <a:satMod val="255000"/>
+                      </a:schemeClr>
+                    </a:gs>
+                    <a:gs pos="100000">
+                      <a:schemeClr val="accent4">
+                        <a:shade val="20000"/>
+                        <a:satMod val="245000"/>
+                      </a:schemeClr>
+                    </a:gs>
+                  </a:gsLst>
+                  <a:lin ang="5400000"/>
+                </a:gradFill>
                 <a:effectLst>
-                  <a:reflection blurRad="6350" stA="55000" endA="300" endPos="45500" dir="5400000" sy="-100000" algn="bl" rotWithShape="0"/>
+                  <a:reflection blurRad="12700" stA="28000" endPos="45000" dist="1000" dir="5400000" sy="-100000" algn="bl" rotWithShape="0"/>
                 </a:effectLst>
                 <a:latin typeface="Arial" pitchFamily="34" charset="0"/>
                 <a:cs typeface="Arial" pitchFamily="34" charset="0"/>
               </a:rPr>
               <a:t>Contenido</a:t>
             </a:r>
-            <a:endParaRPr lang="es-CL" sz="3600" b="1" dirty="0">
+            <a:endParaRPr lang="es-CL" sz="2800" b="1" cap="all" dirty="0">
+              <a:ln w="9000" cmpd="sng">
+                <a:solidFill>
+                  <a:schemeClr val="accent4">
+                    <a:shade val="50000"/>
+                    <a:satMod val="120000"/>
+                  </a:schemeClr>
+                </a:solidFill>
+                <a:prstDash val="solid"/>
+              </a:ln>
+              <a:gradFill>
+                <a:gsLst>
+                  <a:gs pos="0">
+                    <a:schemeClr val="accent4">
+                      <a:shade val="20000"/>
+                      <a:satMod val="245000"/>
+                    </a:schemeClr>
+                  </a:gs>
+                  <a:gs pos="43000">
+                    <a:schemeClr val="accent4">
+                      <a:satMod val="255000"/>
+                    </a:schemeClr>
+                  </a:gs>
+                  <a:gs pos="48000">
+                    <a:schemeClr val="accent4">
+                      <a:shade val="85000"/>
+                      <a:satMod val="255000"/>
+                    </a:schemeClr>
+                  </a:gs>
+                  <a:gs pos="100000">
+                    <a:schemeClr val="accent4">
+                      <a:shade val="20000"/>
+                      <a:satMod val="245000"/>
+                    </a:schemeClr>
+                  </a:gs>
+                </a:gsLst>
+                <a:lin ang="5400000"/>
+              </a:gradFill>
               <a:effectLst>
-                <a:reflection blurRad="6350" stA="55000" endA="300" endPos="45500" dir="5400000" sy="-100000" algn="bl" rotWithShape="0"/>
+                <a:reflection blurRad="12700" stA="28000" endPos="45000" dist="1000" dir="5400000" sy="-100000" algn="bl" rotWithShape="0"/>
               </a:effectLst>
               <a:latin typeface="Arial" pitchFamily="34" charset="0"/>
               <a:cs typeface="Arial" pitchFamily="34" charset="0"/>
@@ -4650,7 +9961,7 @@
 </p:sld>
 </file>
 
-<file path=ppt/slides/slide3.xml><?xml version="1.0" encoding="utf-8"?>
+<file path=ppt/slides/slide20.xml><?xml version="1.0" encoding="utf-8"?>
 <p:sld xmlns:a="http://schemas.openxmlformats.org/drawingml/2006/main" xmlns:r="http://schemas.openxmlformats.org/officeDocument/2006/relationships" xmlns:p="http://schemas.openxmlformats.org/presentationml/2006/main">
   <p:cSld>
     <p:spTree>
@@ -4669,18 +9980,134 @@
       </p:grpSpPr>
       <p:sp>
         <p:nvSpPr>
-          <p:cNvPr id="3" name="2 Marcador de contenido"/>
-          <p:cNvSpPr>
-            <a:spLocks noGrp="1"/>
-          </p:cNvSpPr>
-          <p:nvPr>
-            <p:ph idx="1"/>
-          </p:nvPr>
+          <p:cNvPr id="5" name="4 CuadroTexto"/>
+          <p:cNvSpPr txBox="1"/>
+          <p:nvPr/>
         </p:nvSpPr>
         <p:spPr>
           <a:xfrm>
-            <a:off x="685800" y="1735541"/>
-            <a:ext cx="7772400" cy="4114800"/>
+            <a:off x="627795" y="518614"/>
+            <a:ext cx="7915702" cy="523220"/>
+          </a:xfrm>
+          <a:prstGeom prst="rect">
+            <a:avLst/>
+          </a:prstGeom>
+          <a:noFill/>
+        </p:spPr>
+        <p:txBody>
+          <a:bodyPr wrap="square" rtlCol="0">
+            <a:spAutoFit/>
+          </a:bodyPr>
+          <a:lstStyle/>
+          <a:p>
+            <a:r>
+              <a:rPr lang="es-CL" sz="2800" b="1" cap="all" dirty="0" smtClean="0">
+                <a:ln w="9000" cmpd="sng">
+                  <a:solidFill>
+                    <a:schemeClr val="accent4">
+                      <a:shade val="50000"/>
+                      <a:satMod val="120000"/>
+                    </a:schemeClr>
+                  </a:solidFill>
+                  <a:prstDash val="solid"/>
+                </a:ln>
+                <a:gradFill>
+                  <a:gsLst>
+                    <a:gs pos="0">
+                      <a:schemeClr val="accent4">
+                        <a:shade val="20000"/>
+                        <a:satMod val="245000"/>
+                      </a:schemeClr>
+                    </a:gs>
+                    <a:gs pos="43000">
+                      <a:schemeClr val="accent4">
+                        <a:satMod val="255000"/>
+                      </a:schemeClr>
+                    </a:gs>
+                    <a:gs pos="48000">
+                      <a:schemeClr val="accent4">
+                        <a:shade val="85000"/>
+                        <a:satMod val="255000"/>
+                      </a:schemeClr>
+                    </a:gs>
+                    <a:gs pos="100000">
+                      <a:schemeClr val="accent4">
+                        <a:shade val="20000"/>
+                        <a:satMod val="245000"/>
+                      </a:schemeClr>
+                    </a:gs>
+                  </a:gsLst>
+                  <a:lin ang="5400000"/>
+                </a:gradFill>
+                <a:effectLst>
+                  <a:reflection blurRad="12700" stA="28000" endPos="45000" dist="1000" dir="5400000" sy="-100000" algn="bl" rotWithShape="0"/>
+                </a:effectLst>
+                <a:latin typeface="Arial" pitchFamily="34" charset="0"/>
+                <a:cs typeface="Arial" pitchFamily="34" charset="0"/>
+              </a:rPr>
+              <a:t>Demostración de sistema</a:t>
+            </a:r>
+            <a:endParaRPr lang="es-CL" sz="2800" b="1" cap="all" dirty="0">
+              <a:ln w="9000" cmpd="sng">
+                <a:solidFill>
+                  <a:schemeClr val="accent4">
+                    <a:shade val="50000"/>
+                    <a:satMod val="120000"/>
+                  </a:schemeClr>
+                </a:solidFill>
+                <a:prstDash val="solid"/>
+              </a:ln>
+              <a:gradFill>
+                <a:gsLst>
+                  <a:gs pos="0">
+                    <a:schemeClr val="accent4">
+                      <a:shade val="20000"/>
+                      <a:satMod val="245000"/>
+                    </a:schemeClr>
+                  </a:gs>
+                  <a:gs pos="43000">
+                    <a:schemeClr val="accent4">
+                      <a:satMod val="255000"/>
+                    </a:schemeClr>
+                  </a:gs>
+                  <a:gs pos="48000">
+                    <a:schemeClr val="accent4">
+                      <a:shade val="85000"/>
+                      <a:satMod val="255000"/>
+                    </a:schemeClr>
+                  </a:gs>
+                  <a:gs pos="100000">
+                    <a:schemeClr val="accent4">
+                      <a:shade val="20000"/>
+                      <a:satMod val="245000"/>
+                    </a:schemeClr>
+                  </a:gs>
+                </a:gsLst>
+                <a:lin ang="5400000"/>
+              </a:gradFill>
+              <a:effectLst>
+                <a:reflection blurRad="12700" stA="28000" endPos="45000" dist="1000" dir="5400000" sy="-100000" algn="bl" rotWithShape="0"/>
+              </a:effectLst>
+              <a:latin typeface="Arial" pitchFamily="34" charset="0"/>
+              <a:cs typeface="Arial" pitchFamily="34" charset="0"/>
+            </a:endParaRPr>
+          </a:p>
+        </p:txBody>
+      </p:sp>
+      <p:sp>
+        <p:nvSpPr>
+          <p:cNvPr id="6" name="5 Marcador de contenido"/>
+          <p:cNvSpPr>
+            <a:spLocks noGrp="1"/>
+          </p:cNvSpPr>
+          <p:nvPr>
+            <p:ph idx="1"/>
+          </p:nvPr>
+        </p:nvSpPr>
+        <p:spPr>
+          <a:xfrm>
+            <a:off x="808630" y="1244222"/>
+            <a:ext cx="7772400" cy="4992806"/>
           </a:xfrm>
         </p:spPr>
         <p:txBody>
@@ -4689,26 +10116,65 @@
           <a:p>
             <a:r>
               <a:rPr lang="es-CL" dirty="0" smtClean="0"/>
-              <a:t>Empresas pymes</a:t>
-            </a:r>
-          </a:p>
-          <a:p>
+              <a:t>Inicio de sesión</a:t>
+            </a:r>
+          </a:p>
+          <a:p>
+            <a:r>
+              <a:rPr lang="es-CL" dirty="0" smtClean="0"/>
+              <a:t>Configuraciones generales</a:t>
+            </a:r>
+          </a:p>
+          <a:p>
+            <a:r>
+              <a:rPr lang="es-CL" dirty="0" smtClean="0"/>
+              <a:t>Crear Usuario</a:t>
+            </a:r>
+          </a:p>
+          <a:p>
+            <a:r>
+              <a:rPr lang="es-CL" dirty="0" smtClean="0"/>
+              <a:t>Crear Orden de trabajo</a:t>
+            </a:r>
+          </a:p>
+          <a:p>
+            <a:r>
+              <a:rPr lang="es-CL" dirty="0" smtClean="0"/>
+              <a:t>Asignar Orden de trabajo </a:t>
+            </a:r>
+            <a:br>
+              <a:rPr lang="es-CL" dirty="0" smtClean="0"/>
+            </a:br>
+            <a:r>
+              <a:rPr lang="es-CL" dirty="0" smtClean="0"/>
+              <a:t>Manual</a:t>
+            </a:r>
+          </a:p>
+          <a:p>
+            <a:r>
+              <a:rPr lang="es-CL" dirty="0" smtClean="0"/>
+              <a:t>Técnico estado orden</a:t>
+            </a:r>
+          </a:p>
+          <a:p>
+            <a:r>
+              <a:rPr lang="es-CL" dirty="0" smtClean="0"/>
+              <a:t>Recepcionista finaliza orden</a:t>
+            </a:r>
             <a:endParaRPr lang="es-CL" dirty="0"/>
           </a:p>
         </p:txBody>
       </p:sp>
       <p:pic>
         <p:nvPicPr>
-          <p:cNvPr id="18434" name="Picture 2" descr="C:\Users\Sevazthian\AppData\Local\Microsoft\Windows\Temporary Internet Files\Content.IE5\DQNYL9HM\MPj04054160000[1].jpg"/>
+          <p:cNvPr id="13314" name="Picture 2" descr="C:\Users\Sevazthian\AppData\Local\Microsoft\Windows\Temporary Internet Files\Content.IE5\ILTRVQHV\MCj04315730000[1].png"/>
           <p:cNvPicPr>
             <a:picLocks noChangeAspect="1" noChangeArrowheads="1"/>
           </p:cNvPicPr>
           <p:nvPr/>
         </p:nvPicPr>
         <p:blipFill>
-          <a:blip r:embed="rId2" cstate="print">
-            <a:lum/>
-          </a:blip>
+          <a:blip r:embed="rId3" cstate="print"/>
           <a:srcRect/>
           <a:stretch>
             <a:fillRect/>
@@ -4716,8 +10182,8 @@
         </p:blipFill>
         <p:spPr bwMode="auto">
           <a:xfrm>
-            <a:off x="5128093" y="3657599"/>
-            <a:ext cx="3811191" cy="2722279"/>
+            <a:off x="6144691" y="2549335"/>
+            <a:ext cx="1905000" cy="1917700"/>
           </a:xfrm>
           <a:prstGeom prst="rect">
             <a:avLst/>
@@ -4725,48 +10191,6 @@
           <a:noFill/>
         </p:spPr>
       </p:pic>
-      <p:sp>
-        <p:nvSpPr>
-          <p:cNvPr id="5" name="4 CuadroTexto"/>
-          <p:cNvSpPr txBox="1"/>
-          <p:nvPr/>
-        </p:nvSpPr>
-        <p:spPr>
-          <a:xfrm>
-            <a:off x="627795" y="518614"/>
-            <a:ext cx="7915702" cy="646331"/>
-          </a:xfrm>
-          <a:prstGeom prst="rect">
-            <a:avLst/>
-          </a:prstGeom>
-          <a:noFill/>
-        </p:spPr>
-        <p:txBody>
-          <a:bodyPr wrap="square" rtlCol="0">
-            <a:spAutoFit/>
-          </a:bodyPr>
-          <a:lstStyle/>
-          <a:p>
-            <a:r>
-              <a:rPr lang="es-CL" sz="3600" b="1" dirty="0" smtClean="0">
-                <a:effectLst>
-                  <a:reflection blurRad="6350" stA="55000" endA="300" endPos="45500" dir="5400000" sy="-100000" algn="bl" rotWithShape="0"/>
-                </a:effectLst>
-                <a:latin typeface="Arial" pitchFamily="34" charset="0"/>
-                <a:cs typeface="Arial" pitchFamily="34" charset="0"/>
-              </a:rPr>
-              <a:t>Objetivos</a:t>
-            </a:r>
-            <a:endParaRPr lang="es-CL" sz="3600" b="1" dirty="0">
-              <a:effectLst>
-                <a:reflection blurRad="6350" stA="55000" endA="300" endPos="45500" dir="5400000" sy="-100000" algn="bl" rotWithShape="0"/>
-              </a:effectLst>
-              <a:latin typeface="Arial" pitchFamily="34" charset="0"/>
-              <a:cs typeface="Arial" pitchFamily="34" charset="0"/>
-            </a:endParaRPr>
-          </a:p>
-        </p:txBody>
-      </p:sp>
     </p:spTree>
   </p:cSld>
   <p:clrMapOvr>
@@ -4783,7 +10207,7 @@
 </p:sld>
 </file>
 
-<file path=ppt/slides/slide4.xml><?xml version="1.0" encoding="utf-8"?>
+<file path=ppt/slides/slide21.xml><?xml version="1.0" encoding="utf-8"?>
 <p:sld xmlns:a="http://schemas.openxmlformats.org/drawingml/2006/main" xmlns:r="http://schemas.openxmlformats.org/officeDocument/2006/relationships" xmlns:p="http://schemas.openxmlformats.org/presentationml/2006/main">
   <p:cSld>
     <p:spTree>
@@ -4809,7 +10233,7 @@
         <p:spPr>
           <a:xfrm>
             <a:off x="627795" y="518614"/>
-            <a:ext cx="7915702" cy="646331"/>
+            <a:ext cx="7915702" cy="523220"/>
           </a:xfrm>
           <a:prstGeom prst="rect">
             <a:avLst/>
@@ -4823,18 +10247,92 @@
           <a:lstStyle/>
           <a:p>
             <a:r>
-              <a:rPr lang="es-CL" sz="3600" b="1" dirty="0" smtClean="0">
+              <a:rPr lang="es-CL" sz="2800" b="1" cap="all" dirty="0" smtClean="0">
+                <a:ln w="9000" cmpd="sng">
+                  <a:solidFill>
+                    <a:schemeClr val="accent4">
+                      <a:shade val="50000"/>
+                      <a:satMod val="120000"/>
+                    </a:schemeClr>
+                  </a:solidFill>
+                  <a:prstDash val="solid"/>
+                </a:ln>
+                <a:gradFill>
+                  <a:gsLst>
+                    <a:gs pos="0">
+                      <a:schemeClr val="accent4">
+                        <a:shade val="20000"/>
+                        <a:satMod val="245000"/>
+                      </a:schemeClr>
+                    </a:gs>
+                    <a:gs pos="43000">
+                      <a:schemeClr val="accent4">
+                        <a:satMod val="255000"/>
+                      </a:schemeClr>
+                    </a:gs>
+                    <a:gs pos="48000">
+                      <a:schemeClr val="accent4">
+                        <a:shade val="85000"/>
+                        <a:satMod val="255000"/>
+                      </a:schemeClr>
+                    </a:gs>
+                    <a:gs pos="100000">
+                      <a:schemeClr val="accent4">
+                        <a:shade val="20000"/>
+                        <a:satMod val="245000"/>
+                      </a:schemeClr>
+                    </a:gs>
+                  </a:gsLst>
+                  <a:lin ang="5400000"/>
+                </a:gradFill>
                 <a:effectLst>
-                  <a:reflection blurRad="6350" stA="55000" endA="300" endPos="45500" dir="5400000" sy="-100000" algn="bl" rotWithShape="0"/>
+                  <a:reflection blurRad="12700" stA="28000" endPos="45000" dist="1000" dir="5400000" sy="-100000" algn="bl" rotWithShape="0"/>
                 </a:effectLst>
                 <a:latin typeface="Arial" pitchFamily="34" charset="0"/>
                 <a:cs typeface="Arial" pitchFamily="34" charset="0"/>
               </a:rPr>
               <a:t>Inicio Sesión</a:t>
             </a:r>
-            <a:endParaRPr lang="es-CL" sz="3600" b="1" dirty="0">
+            <a:endParaRPr lang="es-CL" sz="2800" b="1" cap="all" dirty="0">
+              <a:ln w="9000" cmpd="sng">
+                <a:solidFill>
+                  <a:schemeClr val="accent4">
+                    <a:shade val="50000"/>
+                    <a:satMod val="120000"/>
+                  </a:schemeClr>
+                </a:solidFill>
+                <a:prstDash val="solid"/>
+              </a:ln>
+              <a:gradFill>
+                <a:gsLst>
+                  <a:gs pos="0">
+                    <a:schemeClr val="accent4">
+                      <a:shade val="20000"/>
+                      <a:satMod val="245000"/>
+                    </a:schemeClr>
+                  </a:gs>
+                  <a:gs pos="43000">
+                    <a:schemeClr val="accent4">
+                      <a:satMod val="255000"/>
+                    </a:schemeClr>
+                  </a:gs>
+                  <a:gs pos="48000">
+                    <a:schemeClr val="accent4">
+                      <a:shade val="85000"/>
+                      <a:satMod val="255000"/>
+                    </a:schemeClr>
+                  </a:gs>
+                  <a:gs pos="100000">
+                    <a:schemeClr val="accent4">
+                      <a:shade val="20000"/>
+                      <a:satMod val="245000"/>
+                    </a:schemeClr>
+                  </a:gs>
+                </a:gsLst>
+                <a:lin ang="5400000"/>
+              </a:gradFill>
               <a:effectLst>
-                <a:reflection blurRad="6350" stA="55000" endA="300" endPos="45500" dir="5400000" sy="-100000" algn="bl" rotWithShape="0"/>
+                <a:reflection blurRad="12700" stA="28000" endPos="45000" dist="1000" dir="5400000" sy="-100000" algn="bl" rotWithShape="0"/>
               </a:effectLst>
               <a:latin typeface="Arial" pitchFamily="34" charset="0"/>
               <a:cs typeface="Arial" pitchFamily="34" charset="0"/>
@@ -4856,7 +10354,7 @@
           </p:nvPr>
         </p:nvPicPr>
         <p:blipFill>
-          <a:blip r:embed="rId3" cstate="print"/>
+          <a:blip r:embed="rId4" cstate="print"/>
           <a:stretch>
             <a:fillRect/>
           </a:stretch>
@@ -4972,6 +10470,2218 @@
 </p:sld>
 </file>
 
+<file path=ppt/slides/slide22.xml><?xml version="1.0" encoding="utf-8"?>
+<p:sld xmlns:a="http://schemas.openxmlformats.org/drawingml/2006/main" xmlns:r="http://schemas.openxmlformats.org/officeDocument/2006/relationships" xmlns:p="http://schemas.openxmlformats.org/presentationml/2006/main">
+  <p:cSld>
+    <p:spTree>
+      <p:nvGrpSpPr>
+        <p:cNvPr id="1" name=""/>
+        <p:cNvGrpSpPr/>
+        <p:nvPr/>
+      </p:nvGrpSpPr>
+      <p:grpSpPr>
+        <a:xfrm>
+          <a:off x="0" y="0"/>
+          <a:ext cx="0" cy="0"/>
+          <a:chOff x="0" y="0"/>
+          <a:chExt cx="0" cy="0"/>
+        </a:xfrm>
+      </p:grpSpPr>
+      <p:sp>
+        <p:nvSpPr>
+          <p:cNvPr id="5" name="4 CuadroTexto"/>
+          <p:cNvSpPr txBox="1"/>
+          <p:nvPr/>
+        </p:nvSpPr>
+        <p:spPr>
+          <a:xfrm>
+            <a:off x="627795" y="518614"/>
+            <a:ext cx="7915702" cy="523220"/>
+          </a:xfrm>
+          <a:prstGeom prst="rect">
+            <a:avLst/>
+          </a:prstGeom>
+          <a:noFill/>
+        </p:spPr>
+        <p:txBody>
+          <a:bodyPr wrap="square" rtlCol="0">
+            <a:spAutoFit/>
+          </a:bodyPr>
+          <a:lstStyle/>
+          <a:p>
+            <a:r>
+              <a:rPr lang="es-CL" sz="2800" b="1" cap="all" dirty="0" smtClean="0">
+                <a:ln w="9000" cmpd="sng">
+                  <a:solidFill>
+                    <a:schemeClr val="accent4">
+                      <a:shade val="50000"/>
+                      <a:satMod val="120000"/>
+                    </a:schemeClr>
+                  </a:solidFill>
+                  <a:prstDash val="solid"/>
+                </a:ln>
+                <a:gradFill>
+                  <a:gsLst>
+                    <a:gs pos="0">
+                      <a:schemeClr val="accent4">
+                        <a:shade val="20000"/>
+                        <a:satMod val="245000"/>
+                      </a:schemeClr>
+                    </a:gs>
+                    <a:gs pos="43000">
+                      <a:schemeClr val="accent4">
+                        <a:satMod val="255000"/>
+                      </a:schemeClr>
+                    </a:gs>
+                    <a:gs pos="48000">
+                      <a:schemeClr val="accent4">
+                        <a:shade val="85000"/>
+                        <a:satMod val="255000"/>
+                      </a:schemeClr>
+                    </a:gs>
+                    <a:gs pos="100000">
+                      <a:schemeClr val="accent4">
+                        <a:shade val="20000"/>
+                        <a:satMod val="245000"/>
+                      </a:schemeClr>
+                    </a:gs>
+                  </a:gsLst>
+                  <a:lin ang="5400000"/>
+                </a:gradFill>
+                <a:effectLst>
+                  <a:reflection blurRad="12700" stA="28000" endPos="45000" dist="1000" dir="5400000" sy="-100000" algn="bl" rotWithShape="0"/>
+                </a:effectLst>
+                <a:latin typeface="Arial" pitchFamily="34" charset="0"/>
+                <a:cs typeface="Arial" pitchFamily="34" charset="0"/>
+              </a:rPr>
+              <a:t>Configuraciones generales</a:t>
+            </a:r>
+            <a:endParaRPr lang="es-CL" sz="2800" b="1" cap="all" dirty="0">
+              <a:ln w="9000" cmpd="sng">
+                <a:solidFill>
+                  <a:schemeClr val="accent4">
+                    <a:shade val="50000"/>
+                    <a:satMod val="120000"/>
+                  </a:schemeClr>
+                </a:solidFill>
+                <a:prstDash val="solid"/>
+              </a:ln>
+              <a:gradFill>
+                <a:gsLst>
+                  <a:gs pos="0">
+                    <a:schemeClr val="accent4">
+                      <a:shade val="20000"/>
+                      <a:satMod val="245000"/>
+                    </a:schemeClr>
+                  </a:gs>
+                  <a:gs pos="43000">
+                    <a:schemeClr val="accent4">
+                      <a:satMod val="255000"/>
+                    </a:schemeClr>
+                  </a:gs>
+                  <a:gs pos="48000">
+                    <a:schemeClr val="accent4">
+                      <a:shade val="85000"/>
+                      <a:satMod val="255000"/>
+                    </a:schemeClr>
+                  </a:gs>
+                  <a:gs pos="100000">
+                    <a:schemeClr val="accent4">
+                      <a:shade val="20000"/>
+                      <a:satMod val="245000"/>
+                    </a:schemeClr>
+                  </a:gs>
+                </a:gsLst>
+                <a:lin ang="5400000"/>
+              </a:gradFill>
+              <a:effectLst>
+                <a:reflection blurRad="12700" stA="28000" endPos="45000" dist="1000" dir="5400000" sy="-100000" algn="bl" rotWithShape="0"/>
+              </a:effectLst>
+              <a:latin typeface="Arial" pitchFamily="34" charset="0"/>
+              <a:cs typeface="Arial" pitchFamily="34" charset="0"/>
+            </a:endParaRPr>
+          </a:p>
+        </p:txBody>
+      </p:sp>
+      <p:pic>
+        <p:nvPicPr>
+          <p:cNvPr id="6" name="configuracionGeneral.avi">
+            <a:hlinkClick r:id="" action="ppaction://media"/>
+          </p:cNvPr>
+          <p:cNvPicPr>
+            <a:picLocks noGrp="1" noRot="1" noChangeAspect="1"/>
+          </p:cNvPicPr>
+          <p:nvPr>
+            <p:ph idx="1"/>
+            <a:videoFile r:link="rId1"/>
+          </p:nvPr>
+        </p:nvPicPr>
+        <p:blipFill>
+          <a:blip r:embed="rId3" cstate="print"/>
+          <a:stretch>
+            <a:fillRect/>
+          </a:stretch>
+        </p:blipFill>
+        <p:spPr>
+          <a:xfrm>
+            <a:off x="1158923" y="1128504"/>
+            <a:ext cx="6826155" cy="5119616"/>
+          </a:xfrm>
+          <a:prstGeom prst="rect">
+            <a:avLst/>
+          </a:prstGeom>
+        </p:spPr>
+      </p:pic>
+    </p:spTree>
+  </p:cSld>
+  <p:clrMapOvr>
+    <a:masterClrMapping/>
+  </p:clrMapOvr>
+  <p:transition/>
+  <p:timing>
+    <p:tnLst>
+      <p:par>
+        <p:cTn id="1" dur="indefinite" restart="never" nodeType="tmRoot">
+          <p:childTnLst>
+            <p:seq concurrent="1" nextAc="seek">
+              <p:cTn id="2" restart="whenNotActive" fill="hold" evtFilter="cancelBubble" nodeType="interactiveSeq">
+                <p:stCondLst>
+                  <p:cond evt="onClick" delay="0">
+                    <p:tgtEl>
+                      <p:spTgt spid="6"/>
+                    </p:tgtEl>
+                  </p:cond>
+                </p:stCondLst>
+                <p:endSync evt="end" delay="0">
+                  <p:rtn val="all"/>
+                </p:endSync>
+                <p:childTnLst>
+                  <p:par>
+                    <p:cTn id="3" fill="hold">
+                      <p:stCondLst>
+                        <p:cond delay="0"/>
+                      </p:stCondLst>
+                      <p:childTnLst>
+                        <p:par>
+                          <p:cTn id="4" fill="hold">
+                            <p:stCondLst>
+                              <p:cond delay="0"/>
+                            </p:stCondLst>
+                            <p:childTnLst>
+                              <p:par>
+                                <p:cTn id="5" presetID="2" presetClass="mediacall" presetSubtype="0" fill="hold" nodeType="clickEffect">
+                                  <p:stCondLst>
+                                    <p:cond delay="0"/>
+                                  </p:stCondLst>
+                                  <p:childTnLst>
+                                    <p:cmd type="call" cmd="togglePause">
+                                      <p:cBhvr>
+                                        <p:cTn id="6" dur="1" fill="hold"/>
+                                        <p:tgtEl>
+                                          <p:spTgt spid="6"/>
+                                        </p:tgtEl>
+                                      </p:cBhvr>
+                                    </p:cmd>
+                                  </p:childTnLst>
+                                </p:cTn>
+                              </p:par>
+                            </p:childTnLst>
+                          </p:cTn>
+                        </p:par>
+                      </p:childTnLst>
+                    </p:cTn>
+                  </p:par>
+                </p:childTnLst>
+              </p:cTn>
+              <p:nextCondLst>
+                <p:cond evt="onClick" delay="0">
+                  <p:tgtEl>
+                    <p:spTgt spid="6"/>
+                  </p:tgtEl>
+                </p:cond>
+              </p:nextCondLst>
+            </p:seq>
+            <p:video>
+              <p:cMediaNode>
+                <p:cTn id="7" fill="hold" display="0">
+                  <p:stCondLst>
+                    <p:cond delay="indefinite"/>
+                  </p:stCondLst>
+                  <p:endCondLst>
+                    <p:cond evt="onNext" delay="0">
+                      <p:tgtEl>
+                        <p:sldTgt/>
+                      </p:tgtEl>
+                    </p:cond>
+                    <p:cond evt="onPrev" delay="0">
+                      <p:tgtEl>
+                        <p:sldTgt/>
+                      </p:tgtEl>
+                    </p:cond>
+                  </p:endCondLst>
+                </p:cTn>
+                <p:tgtEl>
+                  <p:spTgt spid="6"/>
+                </p:tgtEl>
+              </p:cMediaNode>
+            </p:video>
+          </p:childTnLst>
+        </p:cTn>
+      </p:par>
+    </p:tnLst>
+  </p:timing>
+</p:sld>
+</file>
+
+<file path=ppt/slides/slide23.xml><?xml version="1.0" encoding="utf-8"?>
+<p:sld xmlns:a="http://schemas.openxmlformats.org/drawingml/2006/main" xmlns:r="http://schemas.openxmlformats.org/officeDocument/2006/relationships" xmlns:p="http://schemas.openxmlformats.org/presentationml/2006/main">
+  <p:cSld>
+    <p:spTree>
+      <p:nvGrpSpPr>
+        <p:cNvPr id="1" name=""/>
+        <p:cNvGrpSpPr/>
+        <p:nvPr/>
+      </p:nvGrpSpPr>
+      <p:grpSpPr>
+        <a:xfrm>
+          <a:off x="0" y="0"/>
+          <a:ext cx="0" cy="0"/>
+          <a:chOff x="0" y="0"/>
+          <a:chExt cx="0" cy="0"/>
+        </a:xfrm>
+      </p:grpSpPr>
+      <p:sp>
+        <p:nvSpPr>
+          <p:cNvPr id="5" name="4 CuadroTexto"/>
+          <p:cNvSpPr txBox="1"/>
+          <p:nvPr/>
+        </p:nvSpPr>
+        <p:spPr>
+          <a:xfrm>
+            <a:off x="627795" y="518614"/>
+            <a:ext cx="7915702" cy="523220"/>
+          </a:xfrm>
+          <a:prstGeom prst="rect">
+            <a:avLst/>
+          </a:prstGeom>
+          <a:noFill/>
+        </p:spPr>
+        <p:txBody>
+          <a:bodyPr wrap="square" rtlCol="0">
+            <a:spAutoFit/>
+          </a:bodyPr>
+          <a:lstStyle/>
+          <a:p>
+            <a:r>
+              <a:rPr lang="es-CL" sz="2800" b="1" cap="all" dirty="0" smtClean="0">
+                <a:ln w="9000" cmpd="sng">
+                  <a:solidFill>
+                    <a:schemeClr val="accent4">
+                      <a:shade val="50000"/>
+                      <a:satMod val="120000"/>
+                    </a:schemeClr>
+                  </a:solidFill>
+                  <a:prstDash val="solid"/>
+                </a:ln>
+                <a:gradFill>
+                  <a:gsLst>
+                    <a:gs pos="0">
+                      <a:schemeClr val="accent4">
+                        <a:shade val="20000"/>
+                        <a:satMod val="245000"/>
+                      </a:schemeClr>
+                    </a:gs>
+                    <a:gs pos="43000">
+                      <a:schemeClr val="accent4">
+                        <a:satMod val="255000"/>
+                      </a:schemeClr>
+                    </a:gs>
+                    <a:gs pos="48000">
+                      <a:schemeClr val="accent4">
+                        <a:shade val="85000"/>
+                        <a:satMod val="255000"/>
+                      </a:schemeClr>
+                    </a:gs>
+                    <a:gs pos="100000">
+                      <a:schemeClr val="accent4">
+                        <a:shade val="20000"/>
+                        <a:satMod val="245000"/>
+                      </a:schemeClr>
+                    </a:gs>
+                  </a:gsLst>
+                  <a:lin ang="5400000"/>
+                </a:gradFill>
+                <a:effectLst>
+                  <a:reflection blurRad="12700" stA="28000" endPos="45000" dist="1000" dir="5400000" sy="-100000" algn="bl" rotWithShape="0"/>
+                </a:effectLst>
+                <a:latin typeface="Arial" pitchFamily="34" charset="0"/>
+                <a:cs typeface="Arial" pitchFamily="34" charset="0"/>
+              </a:rPr>
+              <a:t>Crear usuario</a:t>
+            </a:r>
+            <a:endParaRPr lang="es-CL" sz="2800" b="1" cap="all" dirty="0">
+              <a:ln w="9000" cmpd="sng">
+                <a:solidFill>
+                  <a:schemeClr val="accent4">
+                    <a:shade val="50000"/>
+                    <a:satMod val="120000"/>
+                  </a:schemeClr>
+                </a:solidFill>
+                <a:prstDash val="solid"/>
+              </a:ln>
+              <a:gradFill>
+                <a:gsLst>
+                  <a:gs pos="0">
+                    <a:schemeClr val="accent4">
+                      <a:shade val="20000"/>
+                      <a:satMod val="245000"/>
+                    </a:schemeClr>
+                  </a:gs>
+                  <a:gs pos="43000">
+                    <a:schemeClr val="accent4">
+                      <a:satMod val="255000"/>
+                    </a:schemeClr>
+                  </a:gs>
+                  <a:gs pos="48000">
+                    <a:schemeClr val="accent4">
+                      <a:shade val="85000"/>
+                      <a:satMod val="255000"/>
+                    </a:schemeClr>
+                  </a:gs>
+                  <a:gs pos="100000">
+                    <a:schemeClr val="accent4">
+                      <a:shade val="20000"/>
+                      <a:satMod val="245000"/>
+                    </a:schemeClr>
+                  </a:gs>
+                </a:gsLst>
+                <a:lin ang="5400000"/>
+              </a:gradFill>
+              <a:effectLst>
+                <a:reflection blurRad="12700" stA="28000" endPos="45000" dist="1000" dir="5400000" sy="-100000" algn="bl" rotWithShape="0"/>
+              </a:effectLst>
+              <a:latin typeface="Arial" pitchFamily="34" charset="0"/>
+              <a:cs typeface="Arial" pitchFamily="34" charset="0"/>
+            </a:endParaRPr>
+          </a:p>
+        </p:txBody>
+      </p:sp>
+      <p:pic>
+        <p:nvPicPr>
+          <p:cNvPr id="7" name="crearUsuario.avi">
+            <a:hlinkClick r:id="" action="ppaction://media"/>
+          </p:cNvPr>
+          <p:cNvPicPr>
+            <a:picLocks noGrp="1" noRot="1" noChangeAspect="1"/>
+          </p:cNvPicPr>
+          <p:nvPr>
+            <p:ph idx="1"/>
+            <a:videoFile r:link="rId1"/>
+          </p:nvPr>
+        </p:nvPicPr>
+        <p:blipFill>
+          <a:blip r:embed="rId3" cstate="print"/>
+          <a:stretch>
+            <a:fillRect/>
+          </a:stretch>
+        </p:blipFill>
+        <p:spPr>
+          <a:xfrm>
+            <a:off x="1044812" y="1126509"/>
+            <a:ext cx="6886812" cy="5165109"/>
+          </a:xfrm>
+          <a:prstGeom prst="rect">
+            <a:avLst/>
+          </a:prstGeom>
+        </p:spPr>
+      </p:pic>
+    </p:spTree>
+  </p:cSld>
+  <p:clrMapOvr>
+    <a:masterClrMapping/>
+  </p:clrMapOvr>
+  <p:transition/>
+  <p:timing>
+    <p:tnLst>
+      <p:par>
+        <p:cTn id="1" dur="indefinite" restart="never" nodeType="tmRoot">
+          <p:childTnLst>
+            <p:seq concurrent="1" nextAc="seek">
+              <p:cTn id="2" restart="whenNotActive" fill="hold" evtFilter="cancelBubble" nodeType="interactiveSeq">
+                <p:stCondLst>
+                  <p:cond evt="onClick" delay="0">
+                    <p:tgtEl>
+                      <p:spTgt spid="7"/>
+                    </p:tgtEl>
+                  </p:cond>
+                </p:stCondLst>
+                <p:endSync evt="end" delay="0">
+                  <p:rtn val="all"/>
+                </p:endSync>
+                <p:childTnLst>
+                  <p:par>
+                    <p:cTn id="3" fill="hold">
+                      <p:stCondLst>
+                        <p:cond delay="0"/>
+                      </p:stCondLst>
+                      <p:childTnLst>
+                        <p:par>
+                          <p:cTn id="4" fill="hold">
+                            <p:stCondLst>
+                              <p:cond delay="0"/>
+                            </p:stCondLst>
+                            <p:childTnLst>
+                              <p:par>
+                                <p:cTn id="5" presetID="2" presetClass="mediacall" presetSubtype="0" fill="hold" nodeType="clickEffect">
+                                  <p:stCondLst>
+                                    <p:cond delay="0"/>
+                                  </p:stCondLst>
+                                  <p:childTnLst>
+                                    <p:cmd type="call" cmd="togglePause">
+                                      <p:cBhvr>
+                                        <p:cTn id="6" dur="1" fill="hold"/>
+                                        <p:tgtEl>
+                                          <p:spTgt spid="7"/>
+                                        </p:tgtEl>
+                                      </p:cBhvr>
+                                    </p:cmd>
+                                  </p:childTnLst>
+                                </p:cTn>
+                              </p:par>
+                            </p:childTnLst>
+                          </p:cTn>
+                        </p:par>
+                      </p:childTnLst>
+                    </p:cTn>
+                  </p:par>
+                </p:childTnLst>
+              </p:cTn>
+              <p:nextCondLst>
+                <p:cond evt="onClick" delay="0">
+                  <p:tgtEl>
+                    <p:spTgt spid="7"/>
+                  </p:tgtEl>
+                </p:cond>
+              </p:nextCondLst>
+            </p:seq>
+            <p:video>
+              <p:cMediaNode>
+                <p:cTn id="7" fill="hold" display="0">
+                  <p:stCondLst>
+                    <p:cond delay="indefinite"/>
+                  </p:stCondLst>
+                  <p:endCondLst>
+                    <p:cond evt="onNext" delay="0">
+                      <p:tgtEl>
+                        <p:sldTgt/>
+                      </p:tgtEl>
+                    </p:cond>
+                    <p:cond evt="onPrev" delay="0">
+                      <p:tgtEl>
+                        <p:sldTgt/>
+                      </p:tgtEl>
+                    </p:cond>
+                  </p:endCondLst>
+                </p:cTn>
+                <p:tgtEl>
+                  <p:spTgt spid="7"/>
+                </p:tgtEl>
+              </p:cMediaNode>
+            </p:video>
+          </p:childTnLst>
+        </p:cTn>
+      </p:par>
+    </p:tnLst>
+  </p:timing>
+</p:sld>
+</file>
+
+<file path=ppt/slides/slide24.xml><?xml version="1.0" encoding="utf-8"?>
+<p:sld xmlns:a="http://schemas.openxmlformats.org/drawingml/2006/main" xmlns:r="http://schemas.openxmlformats.org/officeDocument/2006/relationships" xmlns:p="http://schemas.openxmlformats.org/presentationml/2006/main">
+  <p:cSld>
+    <p:spTree>
+      <p:nvGrpSpPr>
+        <p:cNvPr id="1" name=""/>
+        <p:cNvGrpSpPr/>
+        <p:nvPr/>
+      </p:nvGrpSpPr>
+      <p:grpSpPr>
+        <a:xfrm>
+          <a:off x="0" y="0"/>
+          <a:ext cx="0" cy="0"/>
+          <a:chOff x="0" y="0"/>
+          <a:chExt cx="0" cy="0"/>
+        </a:xfrm>
+      </p:grpSpPr>
+      <p:sp>
+        <p:nvSpPr>
+          <p:cNvPr id="5" name="4 CuadroTexto"/>
+          <p:cNvSpPr txBox="1"/>
+          <p:nvPr/>
+        </p:nvSpPr>
+        <p:spPr>
+          <a:xfrm>
+            <a:off x="627795" y="518614"/>
+            <a:ext cx="7915702" cy="523220"/>
+          </a:xfrm>
+          <a:prstGeom prst="rect">
+            <a:avLst/>
+          </a:prstGeom>
+          <a:noFill/>
+        </p:spPr>
+        <p:txBody>
+          <a:bodyPr wrap="square" rtlCol="0">
+            <a:spAutoFit/>
+          </a:bodyPr>
+          <a:lstStyle/>
+          <a:p>
+            <a:r>
+              <a:rPr lang="es-CL" sz="2800" b="1" cap="all" dirty="0" smtClean="0">
+                <a:ln w="9000" cmpd="sng">
+                  <a:solidFill>
+                    <a:schemeClr val="accent4">
+                      <a:shade val="50000"/>
+                      <a:satMod val="120000"/>
+                    </a:schemeClr>
+                  </a:solidFill>
+                  <a:prstDash val="solid"/>
+                </a:ln>
+                <a:gradFill>
+                  <a:gsLst>
+                    <a:gs pos="0">
+                      <a:schemeClr val="accent4">
+                        <a:shade val="20000"/>
+                        <a:satMod val="245000"/>
+                      </a:schemeClr>
+                    </a:gs>
+                    <a:gs pos="43000">
+                      <a:schemeClr val="accent4">
+                        <a:satMod val="255000"/>
+                      </a:schemeClr>
+                    </a:gs>
+                    <a:gs pos="48000">
+                      <a:schemeClr val="accent4">
+                        <a:shade val="85000"/>
+                        <a:satMod val="255000"/>
+                      </a:schemeClr>
+                    </a:gs>
+                    <a:gs pos="100000">
+                      <a:schemeClr val="accent4">
+                        <a:shade val="20000"/>
+                        <a:satMod val="245000"/>
+                      </a:schemeClr>
+                    </a:gs>
+                  </a:gsLst>
+                  <a:lin ang="5400000"/>
+                </a:gradFill>
+                <a:effectLst>
+                  <a:reflection blurRad="12700" stA="28000" endPos="45000" dist="1000" dir="5400000" sy="-100000" algn="bl" rotWithShape="0"/>
+                </a:effectLst>
+                <a:latin typeface="Arial" pitchFamily="34" charset="0"/>
+                <a:cs typeface="Arial" pitchFamily="34" charset="0"/>
+              </a:rPr>
+              <a:t>Crear orden de trabajo</a:t>
+            </a:r>
+            <a:endParaRPr lang="es-CL" sz="2800" b="1" cap="all" dirty="0">
+              <a:ln w="9000" cmpd="sng">
+                <a:solidFill>
+                  <a:schemeClr val="accent4">
+                    <a:shade val="50000"/>
+                    <a:satMod val="120000"/>
+                  </a:schemeClr>
+                </a:solidFill>
+                <a:prstDash val="solid"/>
+              </a:ln>
+              <a:gradFill>
+                <a:gsLst>
+                  <a:gs pos="0">
+                    <a:schemeClr val="accent4">
+                      <a:shade val="20000"/>
+                      <a:satMod val="245000"/>
+                    </a:schemeClr>
+                  </a:gs>
+                  <a:gs pos="43000">
+                    <a:schemeClr val="accent4">
+                      <a:satMod val="255000"/>
+                    </a:schemeClr>
+                  </a:gs>
+                  <a:gs pos="48000">
+                    <a:schemeClr val="accent4">
+                      <a:shade val="85000"/>
+                      <a:satMod val="255000"/>
+                    </a:schemeClr>
+                  </a:gs>
+                  <a:gs pos="100000">
+                    <a:schemeClr val="accent4">
+                      <a:shade val="20000"/>
+                      <a:satMod val="245000"/>
+                    </a:schemeClr>
+                  </a:gs>
+                </a:gsLst>
+                <a:lin ang="5400000"/>
+              </a:gradFill>
+              <a:effectLst>
+                <a:reflection blurRad="12700" stA="28000" endPos="45000" dist="1000" dir="5400000" sy="-100000" algn="bl" rotWithShape="0"/>
+              </a:effectLst>
+              <a:latin typeface="Arial" pitchFamily="34" charset="0"/>
+              <a:cs typeface="Arial" pitchFamily="34" charset="0"/>
+            </a:endParaRPr>
+          </a:p>
+        </p:txBody>
+      </p:sp>
+      <p:pic>
+        <p:nvPicPr>
+          <p:cNvPr id="6" name="crearOrden.avi">
+            <a:hlinkClick r:id="" action="ppaction://media"/>
+          </p:cNvPr>
+          <p:cNvPicPr>
+            <a:picLocks noGrp="1" noRot="1" noChangeAspect="1"/>
+          </p:cNvPicPr>
+          <p:nvPr>
+            <p:ph idx="1"/>
+            <a:videoFile r:link="rId1"/>
+          </p:nvPr>
+        </p:nvPicPr>
+        <p:blipFill>
+          <a:blip r:embed="rId3" cstate="print"/>
+          <a:stretch>
+            <a:fillRect/>
+          </a:stretch>
+        </p:blipFill>
+        <p:spPr>
+          <a:xfrm>
+            <a:off x="1226024" y="1206689"/>
+            <a:ext cx="6839803" cy="5129852"/>
+          </a:xfrm>
+          <a:prstGeom prst="rect">
+            <a:avLst/>
+          </a:prstGeom>
+        </p:spPr>
+      </p:pic>
+    </p:spTree>
+  </p:cSld>
+  <p:clrMapOvr>
+    <a:masterClrMapping/>
+  </p:clrMapOvr>
+  <p:transition/>
+  <p:timing>
+    <p:tnLst>
+      <p:par>
+        <p:cTn id="1" dur="indefinite" restart="never" nodeType="tmRoot">
+          <p:childTnLst>
+            <p:seq concurrent="1" nextAc="seek">
+              <p:cTn id="2" restart="whenNotActive" fill="hold" evtFilter="cancelBubble" nodeType="interactiveSeq">
+                <p:stCondLst>
+                  <p:cond evt="onClick" delay="0">
+                    <p:tgtEl>
+                      <p:spTgt spid="6"/>
+                    </p:tgtEl>
+                  </p:cond>
+                </p:stCondLst>
+                <p:endSync evt="end" delay="0">
+                  <p:rtn val="all"/>
+                </p:endSync>
+                <p:childTnLst>
+                  <p:par>
+                    <p:cTn id="3" fill="hold">
+                      <p:stCondLst>
+                        <p:cond delay="0"/>
+                      </p:stCondLst>
+                      <p:childTnLst>
+                        <p:par>
+                          <p:cTn id="4" fill="hold">
+                            <p:stCondLst>
+                              <p:cond delay="0"/>
+                            </p:stCondLst>
+                            <p:childTnLst>
+                              <p:par>
+                                <p:cTn id="5" presetID="2" presetClass="mediacall" presetSubtype="0" fill="hold" nodeType="clickEffect">
+                                  <p:stCondLst>
+                                    <p:cond delay="0"/>
+                                  </p:stCondLst>
+                                  <p:childTnLst>
+                                    <p:cmd type="call" cmd="togglePause">
+                                      <p:cBhvr>
+                                        <p:cTn id="6" dur="1" fill="hold"/>
+                                        <p:tgtEl>
+                                          <p:spTgt spid="6"/>
+                                        </p:tgtEl>
+                                      </p:cBhvr>
+                                    </p:cmd>
+                                  </p:childTnLst>
+                                </p:cTn>
+                              </p:par>
+                            </p:childTnLst>
+                          </p:cTn>
+                        </p:par>
+                      </p:childTnLst>
+                    </p:cTn>
+                  </p:par>
+                </p:childTnLst>
+              </p:cTn>
+              <p:nextCondLst>
+                <p:cond evt="onClick" delay="0">
+                  <p:tgtEl>
+                    <p:spTgt spid="6"/>
+                  </p:tgtEl>
+                </p:cond>
+              </p:nextCondLst>
+            </p:seq>
+            <p:video>
+              <p:cMediaNode>
+                <p:cTn id="7" fill="hold" display="0">
+                  <p:stCondLst>
+                    <p:cond delay="indefinite"/>
+                  </p:stCondLst>
+                  <p:endCondLst>
+                    <p:cond evt="onNext" delay="0">
+                      <p:tgtEl>
+                        <p:sldTgt/>
+                      </p:tgtEl>
+                    </p:cond>
+                    <p:cond evt="onPrev" delay="0">
+                      <p:tgtEl>
+                        <p:sldTgt/>
+                      </p:tgtEl>
+                    </p:cond>
+                  </p:endCondLst>
+                </p:cTn>
+                <p:tgtEl>
+                  <p:spTgt spid="6"/>
+                </p:tgtEl>
+              </p:cMediaNode>
+            </p:video>
+          </p:childTnLst>
+        </p:cTn>
+      </p:par>
+    </p:tnLst>
+  </p:timing>
+</p:sld>
+</file>
+
+<file path=ppt/slides/slide25.xml><?xml version="1.0" encoding="utf-8"?>
+<p:sld xmlns:a="http://schemas.openxmlformats.org/drawingml/2006/main" xmlns:r="http://schemas.openxmlformats.org/officeDocument/2006/relationships" xmlns:p="http://schemas.openxmlformats.org/presentationml/2006/main">
+  <p:cSld>
+    <p:spTree>
+      <p:nvGrpSpPr>
+        <p:cNvPr id="1" name=""/>
+        <p:cNvGrpSpPr/>
+        <p:nvPr/>
+      </p:nvGrpSpPr>
+      <p:grpSpPr>
+        <a:xfrm>
+          <a:off x="0" y="0"/>
+          <a:ext cx="0" cy="0"/>
+          <a:chOff x="0" y="0"/>
+          <a:chExt cx="0" cy="0"/>
+        </a:xfrm>
+      </p:grpSpPr>
+      <p:sp>
+        <p:nvSpPr>
+          <p:cNvPr id="5" name="4 CuadroTexto"/>
+          <p:cNvSpPr txBox="1"/>
+          <p:nvPr/>
+        </p:nvSpPr>
+        <p:spPr>
+          <a:xfrm>
+            <a:off x="627795" y="518614"/>
+            <a:ext cx="7915702" cy="523220"/>
+          </a:xfrm>
+          <a:prstGeom prst="rect">
+            <a:avLst/>
+          </a:prstGeom>
+          <a:noFill/>
+        </p:spPr>
+        <p:txBody>
+          <a:bodyPr wrap="square" rtlCol="0">
+            <a:spAutoFit/>
+          </a:bodyPr>
+          <a:lstStyle/>
+          <a:p>
+            <a:r>
+              <a:rPr lang="es-CL" sz="2800" b="1" cap="all" dirty="0" smtClean="0">
+                <a:ln w="9000" cmpd="sng">
+                  <a:solidFill>
+                    <a:schemeClr val="accent4">
+                      <a:shade val="50000"/>
+                      <a:satMod val="120000"/>
+                    </a:schemeClr>
+                  </a:solidFill>
+                  <a:prstDash val="solid"/>
+                </a:ln>
+                <a:gradFill>
+                  <a:gsLst>
+                    <a:gs pos="0">
+                      <a:schemeClr val="accent4">
+                        <a:shade val="20000"/>
+                        <a:satMod val="245000"/>
+                      </a:schemeClr>
+                    </a:gs>
+                    <a:gs pos="43000">
+                      <a:schemeClr val="accent4">
+                        <a:satMod val="255000"/>
+                      </a:schemeClr>
+                    </a:gs>
+                    <a:gs pos="48000">
+                      <a:schemeClr val="accent4">
+                        <a:shade val="85000"/>
+                        <a:satMod val="255000"/>
+                      </a:schemeClr>
+                    </a:gs>
+                    <a:gs pos="100000">
+                      <a:schemeClr val="accent4">
+                        <a:shade val="20000"/>
+                        <a:satMod val="245000"/>
+                      </a:schemeClr>
+                    </a:gs>
+                  </a:gsLst>
+                  <a:lin ang="5400000"/>
+                </a:gradFill>
+                <a:effectLst>
+                  <a:reflection blurRad="12700" stA="28000" endPos="45000" dist="1000" dir="5400000" sy="-100000" algn="bl" rotWithShape="0"/>
+                </a:effectLst>
+                <a:latin typeface="Arial" pitchFamily="34" charset="0"/>
+                <a:cs typeface="Arial" pitchFamily="34" charset="0"/>
+              </a:rPr>
+              <a:t>Asignar orden de trabajo manual</a:t>
+            </a:r>
+            <a:endParaRPr lang="es-CL" sz="2800" b="1" cap="all" dirty="0">
+              <a:ln w="9000" cmpd="sng">
+                <a:solidFill>
+                  <a:schemeClr val="accent4">
+                    <a:shade val="50000"/>
+                    <a:satMod val="120000"/>
+                  </a:schemeClr>
+                </a:solidFill>
+                <a:prstDash val="solid"/>
+              </a:ln>
+              <a:gradFill>
+                <a:gsLst>
+                  <a:gs pos="0">
+                    <a:schemeClr val="accent4">
+                      <a:shade val="20000"/>
+                      <a:satMod val="245000"/>
+                    </a:schemeClr>
+                  </a:gs>
+                  <a:gs pos="43000">
+                    <a:schemeClr val="accent4">
+                      <a:satMod val="255000"/>
+                    </a:schemeClr>
+                  </a:gs>
+                  <a:gs pos="48000">
+                    <a:schemeClr val="accent4">
+                      <a:shade val="85000"/>
+                      <a:satMod val="255000"/>
+                    </a:schemeClr>
+                  </a:gs>
+                  <a:gs pos="100000">
+                    <a:schemeClr val="accent4">
+                      <a:shade val="20000"/>
+                      <a:satMod val="245000"/>
+                    </a:schemeClr>
+                  </a:gs>
+                </a:gsLst>
+                <a:lin ang="5400000"/>
+              </a:gradFill>
+              <a:effectLst>
+                <a:reflection blurRad="12700" stA="28000" endPos="45000" dist="1000" dir="5400000" sy="-100000" algn="bl" rotWithShape="0"/>
+              </a:effectLst>
+              <a:latin typeface="Arial" pitchFamily="34" charset="0"/>
+              <a:cs typeface="Arial" pitchFamily="34" charset="0"/>
+            </a:endParaRPr>
+          </a:p>
+        </p:txBody>
+      </p:sp>
+      <p:pic>
+        <p:nvPicPr>
+          <p:cNvPr id="7" name="asiganar.avi">
+            <a:hlinkClick r:id="" action="ppaction://media"/>
+          </p:cNvPr>
+          <p:cNvPicPr>
+            <a:picLocks noGrp="1" noRot="1" noChangeAspect="1"/>
+          </p:cNvPicPr>
+          <p:nvPr>
+            <p:ph idx="1"/>
+            <a:videoFile r:link="rId1"/>
+          </p:nvPr>
+        </p:nvPicPr>
+        <p:blipFill>
+          <a:blip r:embed="rId3" cstate="print"/>
+          <a:stretch>
+            <a:fillRect/>
+          </a:stretch>
+        </p:blipFill>
+        <p:spPr>
+          <a:xfrm>
+            <a:off x="1417093" y="1407993"/>
+            <a:ext cx="6444018" cy="4833014"/>
+          </a:xfrm>
+          <a:prstGeom prst="rect">
+            <a:avLst/>
+          </a:prstGeom>
+        </p:spPr>
+      </p:pic>
+    </p:spTree>
+  </p:cSld>
+  <p:clrMapOvr>
+    <a:masterClrMapping/>
+  </p:clrMapOvr>
+  <p:transition/>
+  <p:timing>
+    <p:tnLst>
+      <p:par>
+        <p:cTn id="1" dur="indefinite" restart="never" nodeType="tmRoot">
+          <p:childTnLst>
+            <p:seq concurrent="1" nextAc="seek">
+              <p:cTn id="2" restart="whenNotActive" fill="hold" evtFilter="cancelBubble" nodeType="interactiveSeq">
+                <p:stCondLst>
+                  <p:cond evt="onClick" delay="0">
+                    <p:tgtEl>
+                      <p:spTgt spid="7"/>
+                    </p:tgtEl>
+                  </p:cond>
+                </p:stCondLst>
+                <p:endSync evt="end" delay="0">
+                  <p:rtn val="all"/>
+                </p:endSync>
+                <p:childTnLst>
+                  <p:par>
+                    <p:cTn id="3" fill="hold">
+                      <p:stCondLst>
+                        <p:cond delay="0"/>
+                      </p:stCondLst>
+                      <p:childTnLst>
+                        <p:par>
+                          <p:cTn id="4" fill="hold">
+                            <p:stCondLst>
+                              <p:cond delay="0"/>
+                            </p:stCondLst>
+                            <p:childTnLst>
+                              <p:par>
+                                <p:cTn id="5" presetID="2" presetClass="mediacall" presetSubtype="0" fill="hold" nodeType="clickEffect">
+                                  <p:stCondLst>
+                                    <p:cond delay="0"/>
+                                  </p:stCondLst>
+                                  <p:childTnLst>
+                                    <p:cmd type="call" cmd="togglePause">
+                                      <p:cBhvr>
+                                        <p:cTn id="6" dur="1" fill="hold"/>
+                                        <p:tgtEl>
+                                          <p:spTgt spid="7"/>
+                                        </p:tgtEl>
+                                      </p:cBhvr>
+                                    </p:cmd>
+                                  </p:childTnLst>
+                                </p:cTn>
+                              </p:par>
+                            </p:childTnLst>
+                          </p:cTn>
+                        </p:par>
+                      </p:childTnLst>
+                    </p:cTn>
+                  </p:par>
+                </p:childTnLst>
+              </p:cTn>
+              <p:nextCondLst>
+                <p:cond evt="onClick" delay="0">
+                  <p:tgtEl>
+                    <p:spTgt spid="7"/>
+                  </p:tgtEl>
+                </p:cond>
+              </p:nextCondLst>
+            </p:seq>
+            <p:video>
+              <p:cMediaNode>
+                <p:cTn id="7" fill="hold" display="0">
+                  <p:stCondLst>
+                    <p:cond delay="indefinite"/>
+                  </p:stCondLst>
+                  <p:endCondLst>
+                    <p:cond evt="onNext" delay="0">
+                      <p:tgtEl>
+                        <p:sldTgt/>
+                      </p:tgtEl>
+                    </p:cond>
+                    <p:cond evt="onPrev" delay="0">
+                      <p:tgtEl>
+                        <p:sldTgt/>
+                      </p:tgtEl>
+                    </p:cond>
+                  </p:endCondLst>
+                </p:cTn>
+                <p:tgtEl>
+                  <p:spTgt spid="7"/>
+                </p:tgtEl>
+              </p:cMediaNode>
+            </p:video>
+          </p:childTnLst>
+        </p:cTn>
+      </p:par>
+    </p:tnLst>
+  </p:timing>
+</p:sld>
+</file>
+
+<file path=ppt/slides/slide26.xml><?xml version="1.0" encoding="utf-8"?>
+<p:sld xmlns:a="http://schemas.openxmlformats.org/drawingml/2006/main" xmlns:r="http://schemas.openxmlformats.org/officeDocument/2006/relationships" xmlns:p="http://schemas.openxmlformats.org/presentationml/2006/main">
+  <p:cSld>
+    <p:spTree>
+      <p:nvGrpSpPr>
+        <p:cNvPr id="1" name=""/>
+        <p:cNvGrpSpPr/>
+        <p:nvPr/>
+      </p:nvGrpSpPr>
+      <p:grpSpPr>
+        <a:xfrm>
+          <a:off x="0" y="0"/>
+          <a:ext cx="0" cy="0"/>
+          <a:chOff x="0" y="0"/>
+          <a:chExt cx="0" cy="0"/>
+        </a:xfrm>
+      </p:grpSpPr>
+      <p:sp>
+        <p:nvSpPr>
+          <p:cNvPr id="5" name="4 CuadroTexto"/>
+          <p:cNvSpPr txBox="1"/>
+          <p:nvPr/>
+        </p:nvSpPr>
+        <p:spPr>
+          <a:xfrm>
+            <a:off x="627795" y="518614"/>
+            <a:ext cx="7915702" cy="523220"/>
+          </a:xfrm>
+          <a:prstGeom prst="rect">
+            <a:avLst/>
+          </a:prstGeom>
+          <a:noFill/>
+        </p:spPr>
+        <p:txBody>
+          <a:bodyPr wrap="square" rtlCol="0">
+            <a:spAutoFit/>
+          </a:bodyPr>
+          <a:lstStyle/>
+          <a:p>
+            <a:r>
+              <a:rPr lang="es-CL" sz="2800" b="1" cap="all" dirty="0" smtClean="0">
+                <a:ln w="9000" cmpd="sng">
+                  <a:solidFill>
+                    <a:schemeClr val="accent4">
+                      <a:shade val="50000"/>
+                      <a:satMod val="120000"/>
+                    </a:schemeClr>
+                  </a:solidFill>
+                  <a:prstDash val="solid"/>
+                </a:ln>
+                <a:gradFill>
+                  <a:gsLst>
+                    <a:gs pos="0">
+                      <a:schemeClr val="accent4">
+                        <a:shade val="20000"/>
+                        <a:satMod val="245000"/>
+                      </a:schemeClr>
+                    </a:gs>
+                    <a:gs pos="43000">
+                      <a:schemeClr val="accent4">
+                        <a:satMod val="255000"/>
+                      </a:schemeClr>
+                    </a:gs>
+                    <a:gs pos="48000">
+                      <a:schemeClr val="accent4">
+                        <a:shade val="85000"/>
+                        <a:satMod val="255000"/>
+                      </a:schemeClr>
+                    </a:gs>
+                    <a:gs pos="100000">
+                      <a:schemeClr val="accent4">
+                        <a:shade val="20000"/>
+                        <a:satMod val="245000"/>
+                      </a:schemeClr>
+                    </a:gs>
+                  </a:gsLst>
+                  <a:lin ang="5400000"/>
+                </a:gradFill>
+                <a:effectLst>
+                  <a:reflection blurRad="12700" stA="28000" endPos="45000" dist="1000" dir="5400000" sy="-100000" algn="bl" rotWithShape="0"/>
+                </a:effectLst>
+                <a:latin typeface="Arial" pitchFamily="34" charset="0"/>
+                <a:cs typeface="Arial" pitchFamily="34" charset="0"/>
+              </a:rPr>
+              <a:t>Técnico cambia estado</a:t>
+            </a:r>
+            <a:endParaRPr lang="es-CL" sz="2800" b="1" cap="all" dirty="0">
+              <a:ln w="9000" cmpd="sng">
+                <a:solidFill>
+                  <a:schemeClr val="accent4">
+                    <a:shade val="50000"/>
+                    <a:satMod val="120000"/>
+                  </a:schemeClr>
+                </a:solidFill>
+                <a:prstDash val="solid"/>
+              </a:ln>
+              <a:gradFill>
+                <a:gsLst>
+                  <a:gs pos="0">
+                    <a:schemeClr val="accent4">
+                      <a:shade val="20000"/>
+                      <a:satMod val="245000"/>
+                    </a:schemeClr>
+                  </a:gs>
+                  <a:gs pos="43000">
+                    <a:schemeClr val="accent4">
+                      <a:satMod val="255000"/>
+                    </a:schemeClr>
+                  </a:gs>
+                  <a:gs pos="48000">
+                    <a:schemeClr val="accent4">
+                      <a:shade val="85000"/>
+                      <a:satMod val="255000"/>
+                    </a:schemeClr>
+                  </a:gs>
+                  <a:gs pos="100000">
+                    <a:schemeClr val="accent4">
+                      <a:shade val="20000"/>
+                      <a:satMod val="245000"/>
+                    </a:schemeClr>
+                  </a:gs>
+                </a:gsLst>
+                <a:lin ang="5400000"/>
+              </a:gradFill>
+              <a:effectLst>
+                <a:reflection blurRad="12700" stA="28000" endPos="45000" dist="1000" dir="5400000" sy="-100000" algn="bl" rotWithShape="0"/>
+              </a:effectLst>
+              <a:latin typeface="Arial" pitchFamily="34" charset="0"/>
+              <a:cs typeface="Arial" pitchFamily="34" charset="0"/>
+            </a:endParaRPr>
+          </a:p>
+        </p:txBody>
+      </p:sp>
+      <p:pic>
+        <p:nvPicPr>
+          <p:cNvPr id="6" name="cambiarEstado.avi">
+            <a:hlinkClick r:id="" action="ppaction://media"/>
+          </p:cNvPr>
+          <p:cNvPicPr>
+            <a:picLocks noGrp="1" noRot="1" noChangeAspect="1"/>
+          </p:cNvPicPr>
+          <p:nvPr>
+            <p:ph idx="1"/>
+            <a:videoFile r:link="rId1"/>
+          </p:nvPr>
+        </p:nvPicPr>
+        <p:blipFill>
+          <a:blip r:embed="rId3" cstate="print"/>
+          <a:stretch>
+            <a:fillRect/>
+          </a:stretch>
+        </p:blipFill>
+        <p:spPr>
+          <a:xfrm>
+            <a:off x="1280615" y="1141862"/>
+            <a:ext cx="6471313" cy="4853485"/>
+          </a:xfrm>
+          <a:prstGeom prst="rect">
+            <a:avLst/>
+          </a:prstGeom>
+        </p:spPr>
+      </p:pic>
+    </p:spTree>
+  </p:cSld>
+  <p:clrMapOvr>
+    <a:masterClrMapping/>
+  </p:clrMapOvr>
+  <p:transition/>
+  <p:timing>
+    <p:tnLst>
+      <p:par>
+        <p:cTn id="1" dur="indefinite" restart="never" nodeType="tmRoot">
+          <p:childTnLst>
+            <p:seq concurrent="1" nextAc="seek">
+              <p:cTn id="2" restart="whenNotActive" fill="hold" evtFilter="cancelBubble" nodeType="interactiveSeq">
+                <p:stCondLst>
+                  <p:cond evt="onClick" delay="0">
+                    <p:tgtEl>
+                      <p:spTgt spid="6"/>
+                    </p:tgtEl>
+                  </p:cond>
+                </p:stCondLst>
+                <p:endSync evt="end" delay="0">
+                  <p:rtn val="all"/>
+                </p:endSync>
+                <p:childTnLst>
+                  <p:par>
+                    <p:cTn id="3" fill="hold">
+                      <p:stCondLst>
+                        <p:cond delay="0"/>
+                      </p:stCondLst>
+                      <p:childTnLst>
+                        <p:par>
+                          <p:cTn id="4" fill="hold">
+                            <p:stCondLst>
+                              <p:cond delay="0"/>
+                            </p:stCondLst>
+                            <p:childTnLst>
+                              <p:par>
+                                <p:cTn id="5" presetID="2" presetClass="mediacall" presetSubtype="0" fill="hold" nodeType="clickEffect">
+                                  <p:stCondLst>
+                                    <p:cond delay="0"/>
+                                  </p:stCondLst>
+                                  <p:childTnLst>
+                                    <p:cmd type="call" cmd="togglePause">
+                                      <p:cBhvr>
+                                        <p:cTn id="6" dur="1" fill="hold"/>
+                                        <p:tgtEl>
+                                          <p:spTgt spid="6"/>
+                                        </p:tgtEl>
+                                      </p:cBhvr>
+                                    </p:cmd>
+                                  </p:childTnLst>
+                                </p:cTn>
+                              </p:par>
+                            </p:childTnLst>
+                          </p:cTn>
+                        </p:par>
+                      </p:childTnLst>
+                    </p:cTn>
+                  </p:par>
+                </p:childTnLst>
+              </p:cTn>
+              <p:nextCondLst>
+                <p:cond evt="onClick" delay="0">
+                  <p:tgtEl>
+                    <p:spTgt spid="6"/>
+                  </p:tgtEl>
+                </p:cond>
+              </p:nextCondLst>
+            </p:seq>
+            <p:video>
+              <p:cMediaNode>
+                <p:cTn id="7" fill="hold" display="0">
+                  <p:stCondLst>
+                    <p:cond delay="indefinite"/>
+                  </p:stCondLst>
+                  <p:endCondLst>
+                    <p:cond evt="onNext" delay="0">
+                      <p:tgtEl>
+                        <p:sldTgt/>
+                      </p:tgtEl>
+                    </p:cond>
+                    <p:cond evt="onPrev" delay="0">
+                      <p:tgtEl>
+                        <p:sldTgt/>
+                      </p:tgtEl>
+                    </p:cond>
+                  </p:endCondLst>
+                </p:cTn>
+                <p:tgtEl>
+                  <p:spTgt spid="6"/>
+                </p:tgtEl>
+              </p:cMediaNode>
+            </p:video>
+          </p:childTnLst>
+        </p:cTn>
+      </p:par>
+    </p:tnLst>
+  </p:timing>
+</p:sld>
+</file>
+
+<file path=ppt/slides/slide27.xml><?xml version="1.0" encoding="utf-8"?>
+<p:sld xmlns:a="http://schemas.openxmlformats.org/drawingml/2006/main" xmlns:r="http://schemas.openxmlformats.org/officeDocument/2006/relationships" xmlns:p="http://schemas.openxmlformats.org/presentationml/2006/main">
+  <p:cSld>
+    <p:spTree>
+      <p:nvGrpSpPr>
+        <p:cNvPr id="1" name=""/>
+        <p:cNvGrpSpPr/>
+        <p:nvPr/>
+      </p:nvGrpSpPr>
+      <p:grpSpPr>
+        <a:xfrm>
+          <a:off x="0" y="0"/>
+          <a:ext cx="0" cy="0"/>
+          <a:chOff x="0" y="0"/>
+          <a:chExt cx="0" cy="0"/>
+        </a:xfrm>
+      </p:grpSpPr>
+      <p:sp>
+        <p:nvSpPr>
+          <p:cNvPr id="5" name="4 CuadroTexto"/>
+          <p:cNvSpPr txBox="1"/>
+          <p:nvPr/>
+        </p:nvSpPr>
+        <p:spPr>
+          <a:xfrm>
+            <a:off x="627795" y="518614"/>
+            <a:ext cx="7915702" cy="523220"/>
+          </a:xfrm>
+          <a:prstGeom prst="rect">
+            <a:avLst/>
+          </a:prstGeom>
+          <a:noFill/>
+        </p:spPr>
+        <p:txBody>
+          <a:bodyPr wrap="square" rtlCol="0">
+            <a:spAutoFit/>
+          </a:bodyPr>
+          <a:lstStyle/>
+          <a:p>
+            <a:r>
+              <a:rPr lang="es-CL" sz="2800" b="1" cap="all" dirty="0" smtClean="0">
+                <a:ln w="9000" cmpd="sng">
+                  <a:solidFill>
+                    <a:schemeClr val="accent4">
+                      <a:shade val="50000"/>
+                      <a:satMod val="120000"/>
+                    </a:schemeClr>
+                  </a:solidFill>
+                  <a:prstDash val="solid"/>
+                </a:ln>
+                <a:gradFill>
+                  <a:gsLst>
+                    <a:gs pos="0">
+                      <a:schemeClr val="accent4">
+                        <a:shade val="20000"/>
+                        <a:satMod val="245000"/>
+                      </a:schemeClr>
+                    </a:gs>
+                    <a:gs pos="43000">
+                      <a:schemeClr val="accent4">
+                        <a:satMod val="255000"/>
+                      </a:schemeClr>
+                    </a:gs>
+                    <a:gs pos="48000">
+                      <a:schemeClr val="accent4">
+                        <a:shade val="85000"/>
+                        <a:satMod val="255000"/>
+                      </a:schemeClr>
+                    </a:gs>
+                    <a:gs pos="100000">
+                      <a:schemeClr val="accent4">
+                        <a:shade val="20000"/>
+                        <a:satMod val="245000"/>
+                      </a:schemeClr>
+                    </a:gs>
+                  </a:gsLst>
+                  <a:lin ang="5400000"/>
+                </a:gradFill>
+                <a:effectLst>
+                  <a:reflection blurRad="12700" stA="28000" endPos="45000" dist="1000" dir="5400000" sy="-100000" algn="bl" rotWithShape="0"/>
+                </a:effectLst>
+                <a:latin typeface="Arial" pitchFamily="34" charset="0"/>
+                <a:cs typeface="Arial" pitchFamily="34" charset="0"/>
+              </a:rPr>
+              <a:t>Recepcionista finaliza orden</a:t>
+            </a:r>
+            <a:endParaRPr lang="es-CL" sz="2800" b="1" cap="all" dirty="0">
+              <a:ln w="9000" cmpd="sng">
+                <a:solidFill>
+                  <a:schemeClr val="accent4">
+                    <a:shade val="50000"/>
+                    <a:satMod val="120000"/>
+                  </a:schemeClr>
+                </a:solidFill>
+                <a:prstDash val="solid"/>
+              </a:ln>
+              <a:gradFill>
+                <a:gsLst>
+                  <a:gs pos="0">
+                    <a:schemeClr val="accent4">
+                      <a:shade val="20000"/>
+                      <a:satMod val="245000"/>
+                    </a:schemeClr>
+                  </a:gs>
+                  <a:gs pos="43000">
+                    <a:schemeClr val="accent4">
+                      <a:satMod val="255000"/>
+                    </a:schemeClr>
+                  </a:gs>
+                  <a:gs pos="48000">
+                    <a:schemeClr val="accent4">
+                      <a:shade val="85000"/>
+                      <a:satMod val="255000"/>
+                    </a:schemeClr>
+                  </a:gs>
+                  <a:gs pos="100000">
+                    <a:schemeClr val="accent4">
+                      <a:shade val="20000"/>
+                      <a:satMod val="245000"/>
+                    </a:schemeClr>
+                  </a:gs>
+                </a:gsLst>
+                <a:lin ang="5400000"/>
+              </a:gradFill>
+              <a:effectLst>
+                <a:reflection blurRad="12700" stA="28000" endPos="45000" dist="1000" dir="5400000" sy="-100000" algn="bl" rotWithShape="0"/>
+              </a:effectLst>
+              <a:latin typeface="Arial" pitchFamily="34" charset="0"/>
+              <a:cs typeface="Arial" pitchFamily="34" charset="0"/>
+            </a:endParaRPr>
+          </a:p>
+        </p:txBody>
+      </p:sp>
+      <p:pic>
+        <p:nvPicPr>
+          <p:cNvPr id="7" name="entrega.avi">
+            <a:hlinkClick r:id="" action="ppaction://media"/>
+          </p:cNvPr>
+          <p:cNvPicPr>
+            <a:picLocks noGrp="1" noRot="1" noChangeAspect="1"/>
+          </p:cNvPicPr>
+          <p:nvPr>
+            <p:ph idx="1"/>
+            <a:videoFile r:link="rId1"/>
+          </p:nvPr>
+        </p:nvPicPr>
+        <p:blipFill>
+          <a:blip r:embed="rId3" cstate="print"/>
+          <a:stretch>
+            <a:fillRect/>
+          </a:stretch>
+        </p:blipFill>
+        <p:spPr>
+          <a:xfrm>
+            <a:off x="1075898" y="1039505"/>
+            <a:ext cx="7153701" cy="5365276"/>
+          </a:xfrm>
+          <a:prstGeom prst="rect">
+            <a:avLst/>
+          </a:prstGeom>
+        </p:spPr>
+      </p:pic>
+    </p:spTree>
+  </p:cSld>
+  <p:clrMapOvr>
+    <a:masterClrMapping/>
+  </p:clrMapOvr>
+  <p:transition/>
+  <p:timing>
+    <p:tnLst>
+      <p:par>
+        <p:cTn id="1" dur="indefinite" restart="never" nodeType="tmRoot">
+          <p:childTnLst>
+            <p:seq concurrent="1" nextAc="seek">
+              <p:cTn id="2" restart="whenNotActive" fill="hold" evtFilter="cancelBubble" nodeType="interactiveSeq">
+                <p:stCondLst>
+                  <p:cond evt="onClick" delay="0">
+                    <p:tgtEl>
+                      <p:spTgt spid="7"/>
+                    </p:tgtEl>
+                  </p:cond>
+                </p:stCondLst>
+                <p:endSync evt="end" delay="0">
+                  <p:rtn val="all"/>
+                </p:endSync>
+                <p:childTnLst>
+                  <p:par>
+                    <p:cTn id="3" fill="hold">
+                      <p:stCondLst>
+                        <p:cond delay="0"/>
+                      </p:stCondLst>
+                      <p:childTnLst>
+                        <p:par>
+                          <p:cTn id="4" fill="hold">
+                            <p:stCondLst>
+                              <p:cond delay="0"/>
+                            </p:stCondLst>
+                            <p:childTnLst>
+                              <p:par>
+                                <p:cTn id="5" presetID="2" presetClass="mediacall" presetSubtype="0" fill="hold" nodeType="clickEffect">
+                                  <p:stCondLst>
+                                    <p:cond delay="0"/>
+                                  </p:stCondLst>
+                                  <p:childTnLst>
+                                    <p:cmd type="call" cmd="togglePause">
+                                      <p:cBhvr>
+                                        <p:cTn id="6" dur="1" fill="hold"/>
+                                        <p:tgtEl>
+                                          <p:spTgt spid="7"/>
+                                        </p:tgtEl>
+                                      </p:cBhvr>
+                                    </p:cmd>
+                                  </p:childTnLst>
+                                </p:cTn>
+                              </p:par>
+                            </p:childTnLst>
+                          </p:cTn>
+                        </p:par>
+                      </p:childTnLst>
+                    </p:cTn>
+                  </p:par>
+                </p:childTnLst>
+              </p:cTn>
+              <p:nextCondLst>
+                <p:cond evt="onClick" delay="0">
+                  <p:tgtEl>
+                    <p:spTgt spid="7"/>
+                  </p:tgtEl>
+                </p:cond>
+              </p:nextCondLst>
+            </p:seq>
+            <p:video>
+              <p:cMediaNode>
+                <p:cTn id="7" fill="hold" display="0">
+                  <p:stCondLst>
+                    <p:cond delay="indefinite"/>
+                  </p:stCondLst>
+                  <p:endCondLst>
+                    <p:cond evt="onNext" delay="0">
+                      <p:tgtEl>
+                        <p:sldTgt/>
+                      </p:tgtEl>
+                    </p:cond>
+                    <p:cond evt="onPrev" delay="0">
+                      <p:tgtEl>
+                        <p:sldTgt/>
+                      </p:tgtEl>
+                    </p:cond>
+                  </p:endCondLst>
+                </p:cTn>
+                <p:tgtEl>
+                  <p:spTgt spid="7"/>
+                </p:tgtEl>
+              </p:cMediaNode>
+            </p:video>
+          </p:childTnLst>
+        </p:cTn>
+      </p:par>
+    </p:tnLst>
+  </p:timing>
+</p:sld>
+</file>
+
+<file path=ppt/slides/slide28.xml><?xml version="1.0" encoding="utf-8"?>
+<p:sld xmlns:a="http://schemas.openxmlformats.org/drawingml/2006/main" xmlns:r="http://schemas.openxmlformats.org/officeDocument/2006/relationships" xmlns:p="http://schemas.openxmlformats.org/presentationml/2006/main">
+  <p:cSld>
+    <p:spTree>
+      <p:nvGrpSpPr>
+        <p:cNvPr id="1" name=""/>
+        <p:cNvGrpSpPr/>
+        <p:nvPr/>
+      </p:nvGrpSpPr>
+      <p:grpSpPr>
+        <a:xfrm>
+          <a:off x="0" y="0"/>
+          <a:ext cx="0" cy="0"/>
+          <a:chOff x="0" y="0"/>
+          <a:chExt cx="0" cy="0"/>
+        </a:xfrm>
+      </p:grpSpPr>
+      <p:sp>
+        <p:nvSpPr>
+          <p:cNvPr id="5" name="4 CuadroTexto"/>
+          <p:cNvSpPr txBox="1"/>
+          <p:nvPr/>
+        </p:nvSpPr>
+        <p:spPr>
+          <a:xfrm>
+            <a:off x="627795" y="518614"/>
+            <a:ext cx="7915702" cy="523220"/>
+          </a:xfrm>
+          <a:prstGeom prst="rect">
+            <a:avLst/>
+          </a:prstGeom>
+          <a:noFill/>
+        </p:spPr>
+        <p:txBody>
+          <a:bodyPr wrap="square" rtlCol="0">
+            <a:spAutoFit/>
+          </a:bodyPr>
+          <a:lstStyle/>
+          <a:p>
+            <a:r>
+              <a:rPr lang="es-CL" sz="2800" b="1" cap="all" dirty="0" smtClean="0">
+                <a:ln w="9000" cmpd="sng">
+                  <a:solidFill>
+                    <a:schemeClr val="accent4">
+                      <a:shade val="50000"/>
+                      <a:satMod val="120000"/>
+                    </a:schemeClr>
+                  </a:solidFill>
+                  <a:prstDash val="solid"/>
+                </a:ln>
+                <a:gradFill>
+                  <a:gsLst>
+                    <a:gs pos="0">
+                      <a:schemeClr val="accent4">
+                        <a:shade val="20000"/>
+                        <a:satMod val="245000"/>
+                      </a:schemeClr>
+                    </a:gs>
+                    <a:gs pos="43000">
+                      <a:schemeClr val="accent4">
+                        <a:satMod val="255000"/>
+                      </a:schemeClr>
+                    </a:gs>
+                    <a:gs pos="48000">
+                      <a:schemeClr val="accent4">
+                        <a:shade val="85000"/>
+                        <a:satMod val="255000"/>
+                      </a:schemeClr>
+                    </a:gs>
+                    <a:gs pos="100000">
+                      <a:schemeClr val="accent4">
+                        <a:shade val="20000"/>
+                        <a:satMod val="245000"/>
+                      </a:schemeClr>
+                    </a:gs>
+                  </a:gsLst>
+                  <a:lin ang="5400000"/>
+                </a:gradFill>
+                <a:effectLst>
+                  <a:reflection blurRad="12700" stA="28000" endPos="45000" dist="1000" dir="5400000" sy="-100000" algn="bl" rotWithShape="0"/>
+                </a:effectLst>
+                <a:latin typeface="Arial" pitchFamily="34" charset="0"/>
+                <a:cs typeface="Arial" pitchFamily="34" charset="0"/>
+              </a:rPr>
+              <a:t>Conclusión</a:t>
+            </a:r>
+            <a:endParaRPr lang="es-CL" sz="2800" b="1" cap="all" dirty="0">
+              <a:ln w="9000" cmpd="sng">
+                <a:solidFill>
+                  <a:schemeClr val="accent4">
+                    <a:shade val="50000"/>
+                    <a:satMod val="120000"/>
+                  </a:schemeClr>
+                </a:solidFill>
+                <a:prstDash val="solid"/>
+              </a:ln>
+              <a:gradFill>
+                <a:gsLst>
+                  <a:gs pos="0">
+                    <a:schemeClr val="accent4">
+                      <a:shade val="20000"/>
+                      <a:satMod val="245000"/>
+                    </a:schemeClr>
+                  </a:gs>
+                  <a:gs pos="43000">
+                    <a:schemeClr val="accent4">
+                      <a:satMod val="255000"/>
+                    </a:schemeClr>
+                  </a:gs>
+                  <a:gs pos="48000">
+                    <a:schemeClr val="accent4">
+                      <a:shade val="85000"/>
+                      <a:satMod val="255000"/>
+                    </a:schemeClr>
+                  </a:gs>
+                  <a:gs pos="100000">
+                    <a:schemeClr val="accent4">
+                      <a:shade val="20000"/>
+                      <a:satMod val="245000"/>
+                    </a:schemeClr>
+                  </a:gs>
+                </a:gsLst>
+                <a:lin ang="5400000"/>
+              </a:gradFill>
+              <a:effectLst>
+                <a:reflection blurRad="12700" stA="28000" endPos="45000" dist="1000" dir="5400000" sy="-100000" algn="bl" rotWithShape="0"/>
+              </a:effectLst>
+              <a:latin typeface="Arial" pitchFamily="34" charset="0"/>
+              <a:cs typeface="Arial" pitchFamily="34" charset="0"/>
+            </a:endParaRPr>
+          </a:p>
+        </p:txBody>
+      </p:sp>
+      <p:sp>
+        <p:nvSpPr>
+          <p:cNvPr id="7" name="6 Marcador de contenido"/>
+          <p:cNvSpPr>
+            <a:spLocks noGrp="1"/>
+          </p:cNvSpPr>
+          <p:nvPr>
+            <p:ph idx="1"/>
+          </p:nvPr>
+        </p:nvSpPr>
+        <p:spPr>
+          <a:xfrm>
+            <a:off x="672153" y="1367050"/>
+            <a:ext cx="7772400" cy="4829032"/>
+          </a:xfrm>
+        </p:spPr>
+        <p:txBody>
+          <a:bodyPr/>
+          <a:lstStyle/>
+          <a:p>
+            <a:r>
+              <a:rPr lang="es-CL" dirty="0" smtClean="0"/>
+              <a:t>El problema se puede solucionar con desarrollo especifico para cada empresa pero el costo es elevado</a:t>
+            </a:r>
+          </a:p>
+          <a:p>
+            <a:r>
+              <a:rPr lang="es-CL" dirty="0" smtClean="0"/>
+              <a:t>El apoyo tecnológico ayuda a que las Pymes puedan crecer</a:t>
+            </a:r>
+          </a:p>
+          <a:p>
+            <a:r>
+              <a:rPr lang="es-CL" dirty="0" smtClean="0"/>
+              <a:t>En consecuencia se mejora el servicio al cliente</a:t>
+            </a:r>
+          </a:p>
+          <a:p>
+            <a:r>
+              <a:rPr lang="es-CL" dirty="0" smtClean="0"/>
+              <a:t>El sistema brinda una fácil escabilidad y flexibilidad para el futuro.</a:t>
+            </a:r>
+            <a:endParaRPr lang="es-CL" dirty="0"/>
+          </a:p>
+        </p:txBody>
+      </p:sp>
+    </p:spTree>
+  </p:cSld>
+  <p:clrMapOvr>
+    <a:masterClrMapping/>
+  </p:clrMapOvr>
+  <p:transition/>
+  <p:timing>
+    <p:tnLst>
+      <p:par>
+        <p:cTn id="1" dur="indefinite" restart="never" nodeType="tmRoot"/>
+      </p:par>
+    </p:tnLst>
+  </p:timing>
+</p:sld>
+</file>
+
+<file path=ppt/slides/slide3.xml><?xml version="1.0" encoding="utf-8"?>
+<p:sld xmlns:a="http://schemas.openxmlformats.org/drawingml/2006/main" xmlns:r="http://schemas.openxmlformats.org/officeDocument/2006/relationships" xmlns:p="http://schemas.openxmlformats.org/presentationml/2006/main">
+  <p:cSld>
+    <p:spTree>
+      <p:nvGrpSpPr>
+        <p:cNvPr id="1" name=""/>
+        <p:cNvGrpSpPr/>
+        <p:nvPr/>
+      </p:nvGrpSpPr>
+      <p:grpSpPr>
+        <a:xfrm>
+          <a:off x="0" y="0"/>
+          <a:ext cx="0" cy="0"/>
+          <a:chOff x="0" y="0"/>
+          <a:chExt cx="0" cy="0"/>
+        </a:xfrm>
+      </p:grpSpPr>
+      <p:sp>
+        <p:nvSpPr>
+          <p:cNvPr id="4" name="3 CuadroTexto"/>
+          <p:cNvSpPr txBox="1"/>
+          <p:nvPr/>
+        </p:nvSpPr>
+        <p:spPr>
+          <a:xfrm>
+            <a:off x="627795" y="518614"/>
+            <a:ext cx="7915702" cy="523220"/>
+          </a:xfrm>
+          <a:prstGeom prst="rect">
+            <a:avLst/>
+          </a:prstGeom>
+          <a:noFill/>
+        </p:spPr>
+        <p:txBody>
+          <a:bodyPr wrap="square" rtlCol="0">
+            <a:spAutoFit/>
+          </a:bodyPr>
+          <a:lstStyle/>
+          <a:p>
+            <a:r>
+              <a:rPr lang="es-CL" sz="2800" b="1" cap="all" dirty="0" smtClean="0">
+                <a:ln w="9000" cmpd="sng">
+                  <a:solidFill>
+                    <a:schemeClr val="accent4">
+                      <a:shade val="50000"/>
+                      <a:satMod val="120000"/>
+                    </a:schemeClr>
+                  </a:solidFill>
+                  <a:prstDash val="solid"/>
+                </a:ln>
+                <a:gradFill>
+                  <a:gsLst>
+                    <a:gs pos="0">
+                      <a:schemeClr val="accent4">
+                        <a:shade val="20000"/>
+                        <a:satMod val="245000"/>
+                      </a:schemeClr>
+                    </a:gs>
+                    <a:gs pos="43000">
+                      <a:schemeClr val="accent4">
+                        <a:satMod val="255000"/>
+                      </a:schemeClr>
+                    </a:gs>
+                    <a:gs pos="48000">
+                      <a:schemeClr val="accent4">
+                        <a:shade val="85000"/>
+                        <a:satMod val="255000"/>
+                      </a:schemeClr>
+                    </a:gs>
+                    <a:gs pos="100000">
+                      <a:schemeClr val="accent4">
+                        <a:shade val="20000"/>
+                        <a:satMod val="245000"/>
+                      </a:schemeClr>
+                    </a:gs>
+                  </a:gsLst>
+                  <a:lin ang="5400000"/>
+                </a:gradFill>
+                <a:effectLst>
+                  <a:reflection blurRad="12700" stA="28000" endPos="45000" dist="1000" dir="5400000" sy="-100000" algn="bl" rotWithShape="0"/>
+                </a:effectLst>
+                <a:latin typeface="Arial" pitchFamily="34" charset="0"/>
+                <a:cs typeface="Arial" pitchFamily="34" charset="0"/>
+              </a:rPr>
+              <a:t>Introducción</a:t>
+            </a:r>
+            <a:endParaRPr lang="es-CL" sz="2800" b="1" cap="all" dirty="0">
+              <a:ln w="9000" cmpd="sng">
+                <a:solidFill>
+                  <a:schemeClr val="accent4">
+                    <a:shade val="50000"/>
+                    <a:satMod val="120000"/>
+                  </a:schemeClr>
+                </a:solidFill>
+                <a:prstDash val="solid"/>
+              </a:ln>
+              <a:gradFill>
+                <a:gsLst>
+                  <a:gs pos="0">
+                    <a:schemeClr val="accent4">
+                      <a:shade val="20000"/>
+                      <a:satMod val="245000"/>
+                    </a:schemeClr>
+                  </a:gs>
+                  <a:gs pos="43000">
+                    <a:schemeClr val="accent4">
+                      <a:satMod val="255000"/>
+                    </a:schemeClr>
+                  </a:gs>
+                  <a:gs pos="48000">
+                    <a:schemeClr val="accent4">
+                      <a:shade val="85000"/>
+                      <a:satMod val="255000"/>
+                    </a:schemeClr>
+                  </a:gs>
+                  <a:gs pos="100000">
+                    <a:schemeClr val="accent4">
+                      <a:shade val="20000"/>
+                      <a:satMod val="245000"/>
+                    </a:schemeClr>
+                  </a:gs>
+                </a:gsLst>
+                <a:lin ang="5400000"/>
+              </a:gradFill>
+              <a:effectLst>
+                <a:reflection blurRad="12700" stA="28000" endPos="45000" dist="1000" dir="5400000" sy="-100000" algn="bl" rotWithShape="0"/>
+              </a:effectLst>
+              <a:latin typeface="Arial" pitchFamily="34" charset="0"/>
+              <a:cs typeface="Arial" pitchFamily="34" charset="0"/>
+            </a:endParaRPr>
+          </a:p>
+        </p:txBody>
+      </p:sp>
+      <p:sp>
+        <p:nvSpPr>
+          <p:cNvPr id="5" name="4 Marcador de contenido"/>
+          <p:cNvSpPr>
+            <a:spLocks noGrp="1"/>
+          </p:cNvSpPr>
+          <p:nvPr>
+            <p:ph idx="1"/>
+          </p:nvPr>
+        </p:nvSpPr>
+        <p:spPr/>
+        <p:txBody>
+          <a:bodyPr/>
+          <a:lstStyle/>
+          <a:p>
+            <a:r>
+              <a:rPr lang="es-CL" dirty="0" smtClean="0"/>
+              <a:t>Proyecto enfocado en empresas Pymes</a:t>
+            </a:r>
+          </a:p>
+          <a:p>
+            <a:r>
+              <a:rPr lang="es-CL" dirty="0" smtClean="0"/>
+              <a:t>Servicio Técnico Electrónico</a:t>
+            </a:r>
+          </a:p>
+          <a:p>
+            <a:r>
+              <a:rPr lang="es-CL" dirty="0" smtClean="0"/>
+              <a:t>Sistema para distintas empresas</a:t>
+            </a:r>
+          </a:p>
+          <a:p>
+            <a:r>
+              <a:rPr lang="es-CL" dirty="0" smtClean="0"/>
+              <a:t>Metodología de desarrollo</a:t>
+            </a:r>
+            <a:endParaRPr lang="es-CL" dirty="0"/>
+          </a:p>
+        </p:txBody>
+      </p:sp>
+    </p:spTree>
+  </p:cSld>
+  <p:clrMapOvr>
+    <a:masterClrMapping/>
+  </p:clrMapOvr>
+  <p:transition/>
+  <p:timing>
+    <p:tnLst>
+      <p:par>
+        <p:cTn id="1" dur="indefinite" restart="never" nodeType="tmRoot"/>
+      </p:par>
+    </p:tnLst>
+  </p:timing>
+</p:sld>
+</file>
+
+<file path=ppt/slides/slide4.xml><?xml version="1.0" encoding="utf-8"?>
+<p:sld xmlns:a="http://schemas.openxmlformats.org/drawingml/2006/main" xmlns:r="http://schemas.openxmlformats.org/officeDocument/2006/relationships" xmlns:p="http://schemas.openxmlformats.org/presentationml/2006/main">
+  <p:cSld>
+    <p:spTree>
+      <p:nvGrpSpPr>
+        <p:cNvPr id="1" name=""/>
+        <p:cNvGrpSpPr/>
+        <p:nvPr/>
+      </p:nvGrpSpPr>
+      <p:grpSpPr>
+        <a:xfrm>
+          <a:off x="0" y="0"/>
+          <a:ext cx="0" cy="0"/>
+          <a:chOff x="0" y="0"/>
+          <a:chExt cx="0" cy="0"/>
+        </a:xfrm>
+      </p:grpSpPr>
+      <p:sp>
+        <p:nvSpPr>
+          <p:cNvPr id="4" name="3 CuadroTexto"/>
+          <p:cNvSpPr txBox="1"/>
+          <p:nvPr/>
+        </p:nvSpPr>
+        <p:spPr>
+          <a:xfrm>
+            <a:off x="627795" y="518614"/>
+            <a:ext cx="7915702" cy="523220"/>
+          </a:xfrm>
+          <a:prstGeom prst="rect">
+            <a:avLst/>
+          </a:prstGeom>
+          <a:noFill/>
+        </p:spPr>
+        <p:txBody>
+          <a:bodyPr wrap="square" rtlCol="0">
+            <a:spAutoFit/>
+          </a:bodyPr>
+          <a:lstStyle/>
+          <a:p>
+            <a:r>
+              <a:rPr lang="es-CL" sz="2800" b="1" cap="all" dirty="0" smtClean="0">
+                <a:ln w="9000" cmpd="sng">
+                  <a:solidFill>
+                    <a:schemeClr val="accent4">
+                      <a:shade val="50000"/>
+                      <a:satMod val="120000"/>
+                    </a:schemeClr>
+                  </a:solidFill>
+                  <a:prstDash val="solid"/>
+                </a:ln>
+                <a:gradFill>
+                  <a:gsLst>
+                    <a:gs pos="0">
+                      <a:schemeClr val="accent4">
+                        <a:shade val="20000"/>
+                        <a:satMod val="245000"/>
+                      </a:schemeClr>
+                    </a:gs>
+                    <a:gs pos="43000">
+                      <a:schemeClr val="accent4">
+                        <a:satMod val="255000"/>
+                      </a:schemeClr>
+                    </a:gs>
+                    <a:gs pos="48000">
+                      <a:schemeClr val="accent4">
+                        <a:shade val="85000"/>
+                        <a:satMod val="255000"/>
+                      </a:schemeClr>
+                    </a:gs>
+                    <a:gs pos="100000">
+                      <a:schemeClr val="accent4">
+                        <a:shade val="20000"/>
+                        <a:satMod val="245000"/>
+                      </a:schemeClr>
+                    </a:gs>
+                  </a:gsLst>
+                  <a:lin ang="5400000"/>
+                </a:gradFill>
+                <a:effectLst>
+                  <a:reflection blurRad="12700" stA="28000" endPos="45000" dist="1000" dir="5400000" sy="-100000" algn="bl" rotWithShape="0"/>
+                </a:effectLst>
+                <a:latin typeface="Arial" pitchFamily="34" charset="0"/>
+                <a:cs typeface="Arial" pitchFamily="34" charset="0"/>
+              </a:rPr>
+              <a:t>Introducción</a:t>
+            </a:r>
+            <a:endParaRPr lang="es-CL" sz="2800" b="1" cap="all" dirty="0">
+              <a:ln w="9000" cmpd="sng">
+                <a:solidFill>
+                  <a:schemeClr val="accent4">
+                    <a:shade val="50000"/>
+                    <a:satMod val="120000"/>
+                  </a:schemeClr>
+                </a:solidFill>
+                <a:prstDash val="solid"/>
+              </a:ln>
+              <a:gradFill>
+                <a:gsLst>
+                  <a:gs pos="0">
+                    <a:schemeClr val="accent4">
+                      <a:shade val="20000"/>
+                      <a:satMod val="245000"/>
+                    </a:schemeClr>
+                  </a:gs>
+                  <a:gs pos="43000">
+                    <a:schemeClr val="accent4">
+                      <a:satMod val="255000"/>
+                    </a:schemeClr>
+                  </a:gs>
+                  <a:gs pos="48000">
+                    <a:schemeClr val="accent4">
+                      <a:shade val="85000"/>
+                      <a:satMod val="255000"/>
+                    </a:schemeClr>
+                  </a:gs>
+                  <a:gs pos="100000">
+                    <a:schemeClr val="accent4">
+                      <a:shade val="20000"/>
+                      <a:satMod val="245000"/>
+                    </a:schemeClr>
+                  </a:gs>
+                </a:gsLst>
+                <a:lin ang="5400000"/>
+              </a:gradFill>
+              <a:effectLst>
+                <a:reflection blurRad="12700" stA="28000" endPos="45000" dist="1000" dir="5400000" sy="-100000" algn="bl" rotWithShape="0"/>
+              </a:effectLst>
+              <a:latin typeface="Arial" pitchFamily="34" charset="0"/>
+              <a:cs typeface="Arial" pitchFamily="34" charset="0"/>
+            </a:endParaRPr>
+          </a:p>
+        </p:txBody>
+      </p:sp>
+      <p:sp>
+        <p:nvSpPr>
+          <p:cNvPr id="5" name="4 Marcador de contenido"/>
+          <p:cNvSpPr>
+            <a:spLocks noGrp="1"/>
+          </p:cNvSpPr>
+          <p:nvPr>
+            <p:ph idx="1"/>
+          </p:nvPr>
+        </p:nvSpPr>
+        <p:spPr/>
+        <p:txBody>
+          <a:bodyPr/>
+          <a:lstStyle/>
+          <a:p>
+            <a:r>
+              <a:rPr lang="es-CL" dirty="0" smtClean="0"/>
+              <a:t>Antecedentes</a:t>
+            </a:r>
+          </a:p>
+          <a:p>
+            <a:pPr lvl="1"/>
+            <a:r>
+              <a:rPr lang="es-CL" dirty="0" smtClean="0"/>
+              <a:t>Pymes en aumento </a:t>
+            </a:r>
+            <a:r>
+              <a:rPr lang="es-CL" sz="1600" dirty="0" smtClean="0"/>
+              <a:t>(Fuente: ministerio de economía)</a:t>
+            </a:r>
+            <a:endParaRPr lang="es-CL" dirty="0" smtClean="0"/>
+          </a:p>
+          <a:p>
+            <a:pPr lvl="1"/>
+            <a:r>
+              <a:rPr lang="es-CL" dirty="0" smtClean="0"/>
+              <a:t>10% Invierte en tecnología </a:t>
+            </a:r>
+            <a:r>
+              <a:rPr lang="es-CL" sz="1600" dirty="0" smtClean="0"/>
+              <a:t>(Fuente: Cámara Comercio Santiago)</a:t>
+            </a:r>
+            <a:endParaRPr lang="es-CL" dirty="0" smtClean="0"/>
+          </a:p>
+          <a:p>
+            <a:pPr lvl="1"/>
+            <a:r>
+              <a:rPr lang="es-CL" dirty="0" smtClean="0"/>
+              <a:t>Existen programas de apoyo para inversión en TI en pymes </a:t>
+            </a:r>
+            <a:r>
+              <a:rPr lang="es-CL" sz="1600" dirty="0" smtClean="0"/>
+              <a:t>(Fuente: Pyme’21, CORFO)</a:t>
+            </a:r>
+            <a:endParaRPr lang="es-CL" dirty="0" smtClean="0"/>
+          </a:p>
+          <a:p>
+            <a:pPr lvl="1"/>
+            <a:r>
+              <a:rPr lang="es-CL" dirty="0" smtClean="0"/>
+              <a:t>962 Empresas de servicio técnico electrónico </a:t>
+            </a:r>
+            <a:r>
+              <a:rPr lang="es-CL" sz="1600" dirty="0" smtClean="0"/>
+              <a:t>(Fuente: Publiguías)</a:t>
+            </a:r>
+            <a:endParaRPr lang="es-CL" dirty="0" smtClean="0"/>
+          </a:p>
+          <a:p>
+            <a:pPr lvl="1"/>
+            <a:endParaRPr lang="es-CL" dirty="0"/>
+          </a:p>
+        </p:txBody>
+      </p:sp>
+      <p:pic>
+        <p:nvPicPr>
+          <p:cNvPr id="2054" name="Picture 6" descr="C:\Users\Sevazthian\AppData\Local\Microsoft\Windows\Temporary Internet Files\Content.IE5\CDHEPN03\MCj02908900000[1].wmf"/>
+          <p:cNvPicPr>
+            <a:picLocks noChangeAspect="1" noChangeArrowheads="1"/>
+          </p:cNvPicPr>
+          <p:nvPr/>
+        </p:nvPicPr>
+        <p:blipFill>
+          <a:blip r:embed="rId3" cstate="print"/>
+          <a:srcRect/>
+          <a:stretch>
+            <a:fillRect/>
+          </a:stretch>
+        </p:blipFill>
+        <p:spPr bwMode="auto">
+          <a:xfrm>
+            <a:off x="6291263" y="285750"/>
+            <a:ext cx="2222906" cy="1943100"/>
+          </a:xfrm>
+          <a:prstGeom prst="rect">
+            <a:avLst/>
+          </a:prstGeom>
+          <a:noFill/>
+        </p:spPr>
+      </p:pic>
+    </p:spTree>
+  </p:cSld>
+  <p:clrMapOvr>
+    <a:masterClrMapping/>
+  </p:clrMapOvr>
+  <p:transition/>
+  <p:timing>
+    <p:tnLst>
+      <p:par>
+        <p:cTn id="1" dur="indefinite" restart="never" nodeType="tmRoot"/>
+      </p:par>
+    </p:tnLst>
+  </p:timing>
+</p:sld>
+</file>
+
 <file path=ppt/slides/slide5.xml><?xml version="1.0" encoding="utf-8"?>
 <p:sld xmlns:a="http://schemas.openxmlformats.org/drawingml/2006/main" xmlns:r="http://schemas.openxmlformats.org/officeDocument/2006/relationships" xmlns:p="http://schemas.openxmlformats.org/presentationml/2006/main">
   <p:cSld>
@@ -4991,25 +12701,6 @@
       </p:grpSpPr>
       <p:sp>
         <p:nvSpPr>
-          <p:cNvPr id="3" name="2 Marcador de contenido"/>
-          <p:cNvSpPr>
-            <a:spLocks noGrp="1"/>
-          </p:cNvSpPr>
-          <p:nvPr>
-            <p:ph idx="1"/>
-          </p:nvPr>
-        </p:nvSpPr>
-        <p:spPr/>
-        <p:txBody>
-          <a:bodyPr/>
-          <a:lstStyle/>
-          <a:p>
-            <a:endParaRPr lang="es-CL"/>
-          </a:p>
-        </p:txBody>
-      </p:sp>
-      <p:sp>
-        <p:nvSpPr>
           <p:cNvPr id="4" name="3 CuadroTexto"/>
           <p:cNvSpPr txBox="1"/>
           <p:nvPr/>
@@ -5017,7 +12708,7 @@
         <p:spPr>
           <a:xfrm>
             <a:off x="627795" y="518614"/>
-            <a:ext cx="7915702" cy="646331"/>
+            <a:ext cx="7915702" cy="523220"/>
           </a:xfrm>
           <a:prstGeom prst="rect">
             <a:avLst/>
@@ -5031,18 +12722,92 @@
           <a:lstStyle/>
           <a:p>
             <a:r>
-              <a:rPr lang="es-CL" sz="3600" b="1" dirty="0" smtClean="0">
+              <a:rPr lang="es-CL" sz="2800" b="1" cap="all" dirty="0" smtClean="0">
+                <a:ln w="9000" cmpd="sng">
+                  <a:solidFill>
+                    <a:schemeClr val="accent4">
+                      <a:shade val="50000"/>
+                      <a:satMod val="120000"/>
+                    </a:schemeClr>
+                  </a:solidFill>
+                  <a:prstDash val="solid"/>
+                </a:ln>
+                <a:gradFill>
+                  <a:gsLst>
+                    <a:gs pos="0">
+                      <a:schemeClr val="accent4">
+                        <a:shade val="20000"/>
+                        <a:satMod val="245000"/>
+                      </a:schemeClr>
+                    </a:gs>
+                    <a:gs pos="43000">
+                      <a:schemeClr val="accent4">
+                        <a:satMod val="255000"/>
+                      </a:schemeClr>
+                    </a:gs>
+                    <a:gs pos="48000">
+                      <a:schemeClr val="accent4">
+                        <a:shade val="85000"/>
+                        <a:satMod val="255000"/>
+                      </a:schemeClr>
+                    </a:gs>
+                    <a:gs pos="100000">
+                      <a:schemeClr val="accent4">
+                        <a:shade val="20000"/>
+                        <a:satMod val="245000"/>
+                      </a:schemeClr>
+                    </a:gs>
+                  </a:gsLst>
+                  <a:lin ang="5400000"/>
+                </a:gradFill>
                 <a:effectLst>
-                  <a:reflection blurRad="6350" stA="55000" endA="300" endPos="45500" dir="5400000" sy="-100000" algn="bl" rotWithShape="0"/>
+                  <a:reflection blurRad="12700" stA="28000" endPos="45000" dist="1000" dir="5400000" sy="-100000" algn="bl" rotWithShape="0"/>
                 </a:effectLst>
                 <a:latin typeface="Arial" pitchFamily="34" charset="0"/>
                 <a:cs typeface="Arial" pitchFamily="34" charset="0"/>
               </a:rPr>
-              <a:t>Insertar titulo</a:t>
-            </a:r>
-            <a:endParaRPr lang="es-CL" sz="3600" b="1" dirty="0">
+              <a:t>Descripción de la organización</a:t>
+            </a:r>
+            <a:endParaRPr lang="es-CL" sz="2800" b="1" cap="all" dirty="0">
+              <a:ln w="9000" cmpd="sng">
+                <a:solidFill>
+                  <a:schemeClr val="accent4">
+                    <a:shade val="50000"/>
+                    <a:satMod val="120000"/>
+                  </a:schemeClr>
+                </a:solidFill>
+                <a:prstDash val="solid"/>
+              </a:ln>
+              <a:gradFill>
+                <a:gsLst>
+                  <a:gs pos="0">
+                    <a:schemeClr val="accent4">
+                      <a:shade val="20000"/>
+                      <a:satMod val="245000"/>
+                    </a:schemeClr>
+                  </a:gs>
+                  <a:gs pos="43000">
+                    <a:schemeClr val="accent4">
+                      <a:satMod val="255000"/>
+                    </a:schemeClr>
+                  </a:gs>
+                  <a:gs pos="48000">
+                    <a:schemeClr val="accent4">
+                      <a:shade val="85000"/>
+                      <a:satMod val="255000"/>
+                    </a:schemeClr>
+                  </a:gs>
+                  <a:gs pos="100000">
+                    <a:schemeClr val="accent4">
+                      <a:shade val="20000"/>
+                      <a:satMod val="245000"/>
+                    </a:schemeClr>
+                  </a:gs>
+                </a:gsLst>
+                <a:lin ang="5400000"/>
+              </a:gradFill>
               <a:effectLst>
-                <a:reflection blurRad="6350" stA="55000" endA="300" endPos="45500" dir="5400000" sy="-100000" algn="bl" rotWithShape="0"/>
+                <a:reflection blurRad="12700" stA="28000" endPos="45000" dist="1000" dir="5400000" sy="-100000" algn="bl" rotWithShape="0"/>
               </a:effectLst>
               <a:latin typeface="Arial" pitchFamily="34" charset="0"/>
               <a:cs typeface="Arial" pitchFamily="34" charset="0"/>
@@ -5050,12 +12815,955 @@
           </a:p>
         </p:txBody>
       </p:sp>
+      <p:sp>
+        <p:nvSpPr>
+          <p:cNvPr id="5" name="4 Marcador de contenido"/>
+          <p:cNvSpPr>
+            <a:spLocks noGrp="1"/>
+          </p:cNvSpPr>
+          <p:nvPr>
+            <p:ph idx="1"/>
+          </p:nvPr>
+        </p:nvSpPr>
+        <p:spPr>
+          <a:xfrm>
+            <a:off x="489861" y="1981200"/>
+            <a:ext cx="7772400" cy="4114800"/>
+          </a:xfrm>
+        </p:spPr>
+        <p:txBody>
+          <a:bodyPr/>
+          <a:lstStyle/>
+          <a:p>
+            <a:r>
+              <a:rPr lang="es-CL" dirty="0" smtClean="0"/>
+              <a:t>Funciones de la empresa</a:t>
+            </a:r>
+          </a:p>
+          <a:p>
+            <a:pPr lvl="1"/>
+            <a:r>
+              <a:rPr lang="es-CL" dirty="0" smtClean="0"/>
+              <a:t>Revisión y reparación de artículos electrónicos defectuosos</a:t>
+            </a:r>
+          </a:p>
+          <a:p>
+            <a:pPr lvl="1"/>
+            <a:r>
+              <a:rPr lang="es-CL" dirty="0" smtClean="0"/>
+              <a:t>Distintas marcas</a:t>
+            </a:r>
+          </a:p>
+          <a:p>
+            <a:pPr lvl="1"/>
+            <a:r>
+              <a:rPr lang="es-CL" dirty="0" smtClean="0"/>
+              <a:t>Garantías</a:t>
+            </a:r>
+          </a:p>
+          <a:p>
+            <a:pPr lvl="1"/>
+            <a:r>
+              <a:rPr lang="es-CL" dirty="0" smtClean="0"/>
+              <a:t>Clientes particulares o comerciales</a:t>
+            </a:r>
+          </a:p>
+        </p:txBody>
+      </p:sp>
+      <p:pic>
+        <p:nvPicPr>
+          <p:cNvPr id="3077" name="Picture 5" descr="C:\Users\Sevazthian\AppData\Local\Microsoft\Windows\Temporary Internet Files\Content.IE5\DQNYL9HM\MCj02176940000[1].wmf"/>
+          <p:cNvPicPr>
+            <a:picLocks noChangeAspect="1" noChangeArrowheads="1"/>
+          </p:cNvPicPr>
+          <p:nvPr/>
+        </p:nvPicPr>
+        <p:blipFill>
+          <a:blip r:embed="rId3" cstate="print"/>
+          <a:srcRect/>
+          <a:stretch>
+            <a:fillRect/>
+          </a:stretch>
+        </p:blipFill>
+        <p:spPr bwMode="auto">
+          <a:xfrm>
+            <a:off x="6862458" y="3483429"/>
+            <a:ext cx="2281542" cy="2858861"/>
+          </a:xfrm>
+          <a:prstGeom prst="rect">
+            <a:avLst/>
+          </a:prstGeom>
+          <a:noFill/>
+        </p:spPr>
+      </p:pic>
     </p:spTree>
   </p:cSld>
   <p:clrMapOvr>
     <a:masterClrMapping/>
   </p:clrMapOvr>
   <p:transition/>
+  <p:timing>
+    <p:tnLst>
+      <p:par>
+        <p:cTn id="1" dur="indefinite" restart="never" nodeType="tmRoot"/>
+      </p:par>
+    </p:tnLst>
+  </p:timing>
+</p:sld>
+</file>
+
+<file path=ppt/slides/slide6.xml><?xml version="1.0" encoding="utf-8"?>
+<p:sld xmlns:a="http://schemas.openxmlformats.org/drawingml/2006/main" xmlns:r="http://schemas.openxmlformats.org/officeDocument/2006/relationships" xmlns:p="http://schemas.openxmlformats.org/presentationml/2006/main">
+  <p:cSld>
+    <p:spTree>
+      <p:nvGrpSpPr>
+        <p:cNvPr id="1" name=""/>
+        <p:cNvGrpSpPr/>
+        <p:nvPr/>
+      </p:nvGrpSpPr>
+      <p:grpSpPr>
+        <a:xfrm>
+          <a:off x="0" y="0"/>
+          <a:ext cx="0" cy="0"/>
+          <a:chOff x="0" y="0"/>
+          <a:chExt cx="0" cy="0"/>
+        </a:xfrm>
+      </p:grpSpPr>
+      <p:sp>
+        <p:nvSpPr>
+          <p:cNvPr id="4" name="3 CuadroTexto"/>
+          <p:cNvSpPr txBox="1"/>
+          <p:nvPr/>
+        </p:nvSpPr>
+        <p:spPr>
+          <a:xfrm>
+            <a:off x="627795" y="518614"/>
+            <a:ext cx="7915702" cy="523220"/>
+          </a:xfrm>
+          <a:prstGeom prst="rect">
+            <a:avLst/>
+          </a:prstGeom>
+          <a:noFill/>
+        </p:spPr>
+        <p:txBody>
+          <a:bodyPr wrap="square" rtlCol="0">
+            <a:spAutoFit/>
+          </a:bodyPr>
+          <a:lstStyle/>
+          <a:p>
+            <a:r>
+              <a:rPr lang="es-CL" sz="2800" b="1" cap="all" dirty="0" smtClean="0">
+                <a:ln w="9000" cmpd="sng">
+                  <a:solidFill>
+                    <a:schemeClr val="accent4">
+                      <a:shade val="50000"/>
+                      <a:satMod val="120000"/>
+                    </a:schemeClr>
+                  </a:solidFill>
+                  <a:prstDash val="solid"/>
+                </a:ln>
+                <a:gradFill>
+                  <a:gsLst>
+                    <a:gs pos="0">
+                      <a:schemeClr val="accent4">
+                        <a:shade val="20000"/>
+                        <a:satMod val="245000"/>
+                      </a:schemeClr>
+                    </a:gs>
+                    <a:gs pos="43000">
+                      <a:schemeClr val="accent4">
+                        <a:satMod val="255000"/>
+                      </a:schemeClr>
+                    </a:gs>
+                    <a:gs pos="48000">
+                      <a:schemeClr val="accent4">
+                        <a:shade val="85000"/>
+                        <a:satMod val="255000"/>
+                      </a:schemeClr>
+                    </a:gs>
+                    <a:gs pos="100000">
+                      <a:schemeClr val="accent4">
+                        <a:shade val="20000"/>
+                        <a:satMod val="245000"/>
+                      </a:schemeClr>
+                    </a:gs>
+                  </a:gsLst>
+                  <a:lin ang="5400000"/>
+                </a:gradFill>
+                <a:effectLst>
+                  <a:reflection blurRad="12700" stA="28000" endPos="45000" dist="1000" dir="5400000" sy="-100000" algn="bl" rotWithShape="0"/>
+                </a:effectLst>
+                <a:latin typeface="Arial" pitchFamily="34" charset="0"/>
+                <a:cs typeface="Arial" pitchFamily="34" charset="0"/>
+              </a:rPr>
+              <a:t>Descripción de la organización</a:t>
+            </a:r>
+            <a:endParaRPr lang="es-CL" sz="2800" b="1" cap="all" dirty="0">
+              <a:ln w="9000" cmpd="sng">
+                <a:solidFill>
+                  <a:schemeClr val="accent4">
+                    <a:shade val="50000"/>
+                    <a:satMod val="120000"/>
+                  </a:schemeClr>
+                </a:solidFill>
+                <a:prstDash val="solid"/>
+              </a:ln>
+              <a:gradFill>
+                <a:gsLst>
+                  <a:gs pos="0">
+                    <a:schemeClr val="accent4">
+                      <a:shade val="20000"/>
+                      <a:satMod val="245000"/>
+                    </a:schemeClr>
+                  </a:gs>
+                  <a:gs pos="43000">
+                    <a:schemeClr val="accent4">
+                      <a:satMod val="255000"/>
+                    </a:schemeClr>
+                  </a:gs>
+                  <a:gs pos="48000">
+                    <a:schemeClr val="accent4">
+                      <a:shade val="85000"/>
+                      <a:satMod val="255000"/>
+                    </a:schemeClr>
+                  </a:gs>
+                  <a:gs pos="100000">
+                    <a:schemeClr val="accent4">
+                      <a:shade val="20000"/>
+                      <a:satMod val="245000"/>
+                    </a:schemeClr>
+                  </a:gs>
+                </a:gsLst>
+                <a:lin ang="5400000"/>
+              </a:gradFill>
+              <a:effectLst>
+                <a:reflection blurRad="12700" stA="28000" endPos="45000" dist="1000" dir="5400000" sy="-100000" algn="bl" rotWithShape="0"/>
+              </a:effectLst>
+              <a:latin typeface="Arial" pitchFamily="34" charset="0"/>
+              <a:cs typeface="Arial" pitchFamily="34" charset="0"/>
+            </a:endParaRPr>
+          </a:p>
+        </p:txBody>
+      </p:sp>
+      <p:sp>
+        <p:nvSpPr>
+          <p:cNvPr id="5" name="4 Marcador de contenido"/>
+          <p:cNvSpPr>
+            <a:spLocks noGrp="1"/>
+          </p:cNvSpPr>
+          <p:nvPr>
+            <p:ph idx="1"/>
+          </p:nvPr>
+        </p:nvSpPr>
+        <p:spPr>
+          <a:xfrm>
+            <a:off x="489861" y="1981200"/>
+            <a:ext cx="7772400" cy="4114800"/>
+          </a:xfrm>
+        </p:spPr>
+        <p:txBody>
+          <a:bodyPr/>
+          <a:lstStyle/>
+          <a:p>
+            <a:r>
+              <a:rPr lang="es-CL" dirty="0" smtClean="0"/>
+              <a:t>Estructura organizacional</a:t>
+            </a:r>
+          </a:p>
+        </p:txBody>
+      </p:sp>
+      <p:pic>
+        <p:nvPicPr>
+          <p:cNvPr id="6" name="5 Imagen" descr="Organigrama.jpg"/>
+          <p:cNvPicPr>
+            <a:picLocks noChangeAspect="1"/>
+          </p:cNvPicPr>
+          <p:nvPr/>
+        </p:nvPicPr>
+        <p:blipFill>
+          <a:blip r:embed="rId3" cstate="print"/>
+          <a:stretch>
+            <a:fillRect/>
+          </a:stretch>
+        </p:blipFill>
+        <p:spPr>
+          <a:xfrm>
+            <a:off x="567417" y="2758167"/>
+            <a:ext cx="7431430" cy="2902404"/>
+          </a:xfrm>
+          <a:prstGeom prst="rect">
+            <a:avLst/>
+          </a:prstGeom>
+        </p:spPr>
+      </p:pic>
+    </p:spTree>
+  </p:cSld>
+  <p:clrMapOvr>
+    <a:masterClrMapping/>
+  </p:clrMapOvr>
+  <p:transition/>
+  <p:timing>
+    <p:tnLst>
+      <p:par>
+        <p:cTn id="1" dur="indefinite" restart="never" nodeType="tmRoot"/>
+      </p:par>
+    </p:tnLst>
+  </p:timing>
+</p:sld>
+</file>
+
+<file path=ppt/slides/slide7.xml><?xml version="1.0" encoding="utf-8"?>
+<p:sld xmlns:a="http://schemas.openxmlformats.org/drawingml/2006/main" xmlns:r="http://schemas.openxmlformats.org/officeDocument/2006/relationships" xmlns:p="http://schemas.openxmlformats.org/presentationml/2006/main">
+  <p:cSld>
+    <p:spTree>
+      <p:nvGrpSpPr>
+        <p:cNvPr id="1" name=""/>
+        <p:cNvGrpSpPr/>
+        <p:nvPr/>
+      </p:nvGrpSpPr>
+      <p:grpSpPr>
+        <a:xfrm>
+          <a:off x="0" y="0"/>
+          <a:ext cx="0" cy="0"/>
+          <a:chOff x="0" y="0"/>
+          <a:chExt cx="0" cy="0"/>
+        </a:xfrm>
+      </p:grpSpPr>
+      <p:sp>
+        <p:nvSpPr>
+          <p:cNvPr id="4" name="3 CuadroTexto"/>
+          <p:cNvSpPr txBox="1"/>
+          <p:nvPr/>
+        </p:nvSpPr>
+        <p:spPr>
+          <a:xfrm>
+            <a:off x="627795" y="518614"/>
+            <a:ext cx="7915702" cy="523220"/>
+          </a:xfrm>
+          <a:prstGeom prst="rect">
+            <a:avLst/>
+          </a:prstGeom>
+          <a:noFill/>
+        </p:spPr>
+        <p:txBody>
+          <a:bodyPr wrap="square" rtlCol="0">
+            <a:spAutoFit/>
+          </a:bodyPr>
+          <a:lstStyle/>
+          <a:p>
+            <a:r>
+              <a:rPr lang="es-CL" sz="2800" b="1" cap="all" dirty="0" smtClean="0">
+                <a:ln w="9000" cmpd="sng">
+                  <a:solidFill>
+                    <a:schemeClr val="accent4">
+                      <a:shade val="50000"/>
+                      <a:satMod val="120000"/>
+                    </a:schemeClr>
+                  </a:solidFill>
+                  <a:prstDash val="solid"/>
+                </a:ln>
+                <a:gradFill>
+                  <a:gsLst>
+                    <a:gs pos="0">
+                      <a:schemeClr val="accent4">
+                        <a:shade val="20000"/>
+                        <a:satMod val="245000"/>
+                      </a:schemeClr>
+                    </a:gs>
+                    <a:gs pos="43000">
+                      <a:schemeClr val="accent4">
+                        <a:satMod val="255000"/>
+                      </a:schemeClr>
+                    </a:gs>
+                    <a:gs pos="48000">
+                      <a:schemeClr val="accent4">
+                        <a:shade val="85000"/>
+                        <a:satMod val="255000"/>
+                      </a:schemeClr>
+                    </a:gs>
+                    <a:gs pos="100000">
+                      <a:schemeClr val="accent4">
+                        <a:shade val="20000"/>
+                        <a:satMod val="245000"/>
+                      </a:schemeClr>
+                    </a:gs>
+                  </a:gsLst>
+                  <a:lin ang="5400000"/>
+                </a:gradFill>
+                <a:effectLst>
+                  <a:reflection blurRad="12700" stA="28000" endPos="45000" dist="1000" dir="5400000" sy="-100000" algn="bl" rotWithShape="0"/>
+                </a:effectLst>
+                <a:latin typeface="Arial" pitchFamily="34" charset="0"/>
+                <a:cs typeface="Arial" pitchFamily="34" charset="0"/>
+              </a:rPr>
+              <a:t>Descripción de la organización</a:t>
+            </a:r>
+            <a:endParaRPr lang="es-CL" sz="2800" b="1" cap="all" dirty="0">
+              <a:ln w="9000" cmpd="sng">
+                <a:solidFill>
+                  <a:schemeClr val="accent4">
+                    <a:shade val="50000"/>
+                    <a:satMod val="120000"/>
+                  </a:schemeClr>
+                </a:solidFill>
+                <a:prstDash val="solid"/>
+              </a:ln>
+              <a:gradFill>
+                <a:gsLst>
+                  <a:gs pos="0">
+                    <a:schemeClr val="accent4">
+                      <a:shade val="20000"/>
+                      <a:satMod val="245000"/>
+                    </a:schemeClr>
+                  </a:gs>
+                  <a:gs pos="43000">
+                    <a:schemeClr val="accent4">
+                      <a:satMod val="255000"/>
+                    </a:schemeClr>
+                  </a:gs>
+                  <a:gs pos="48000">
+                    <a:schemeClr val="accent4">
+                      <a:shade val="85000"/>
+                      <a:satMod val="255000"/>
+                    </a:schemeClr>
+                  </a:gs>
+                  <a:gs pos="100000">
+                    <a:schemeClr val="accent4">
+                      <a:shade val="20000"/>
+                      <a:satMod val="245000"/>
+                    </a:schemeClr>
+                  </a:gs>
+                </a:gsLst>
+                <a:lin ang="5400000"/>
+              </a:gradFill>
+              <a:effectLst>
+                <a:reflection blurRad="12700" stA="28000" endPos="45000" dist="1000" dir="5400000" sy="-100000" algn="bl" rotWithShape="0"/>
+              </a:effectLst>
+              <a:latin typeface="Arial" pitchFamily="34" charset="0"/>
+              <a:cs typeface="Arial" pitchFamily="34" charset="0"/>
+            </a:endParaRPr>
+          </a:p>
+        </p:txBody>
+      </p:sp>
+      <p:sp>
+        <p:nvSpPr>
+          <p:cNvPr id="5" name="4 Marcador de contenido"/>
+          <p:cNvSpPr>
+            <a:spLocks noGrp="1"/>
+          </p:cNvSpPr>
+          <p:nvPr>
+            <p:ph idx="1"/>
+          </p:nvPr>
+        </p:nvSpPr>
+        <p:spPr>
+          <a:xfrm>
+            <a:off x="489861" y="1981200"/>
+            <a:ext cx="7772400" cy="4114800"/>
+          </a:xfrm>
+        </p:spPr>
+        <p:txBody>
+          <a:bodyPr/>
+          <a:lstStyle/>
+          <a:p>
+            <a:r>
+              <a:rPr lang="es-CL" dirty="0" smtClean="0"/>
+              <a:t>Metodología de trabajo</a:t>
+            </a:r>
+          </a:p>
+        </p:txBody>
+      </p:sp>
+      <p:pic>
+        <p:nvPicPr>
+          <p:cNvPr id="7" name="3 Imagen" descr="flujo01.jpg"/>
+          <p:cNvPicPr/>
+          <p:nvPr/>
+        </p:nvPicPr>
+        <p:blipFill>
+          <a:blip r:embed="rId3" cstate="print"/>
+          <a:stretch>
+            <a:fillRect/>
+          </a:stretch>
+        </p:blipFill>
+        <p:spPr>
+          <a:xfrm>
+            <a:off x="1824718" y="2634343"/>
+            <a:ext cx="5541936" cy="3652157"/>
+          </a:xfrm>
+          <a:prstGeom prst="rect">
+            <a:avLst/>
+          </a:prstGeom>
+          <a:scene3d>
+            <a:camera prst="orthographicFront"/>
+            <a:lightRig rig="threePt" dir="t"/>
+          </a:scene3d>
+          <a:sp3d extrusionH="76200">
+            <a:extrusionClr>
+              <a:schemeClr val="tx1"/>
+            </a:extrusionClr>
+          </a:sp3d>
+        </p:spPr>
+      </p:pic>
+    </p:spTree>
+  </p:cSld>
+  <p:clrMapOvr>
+    <a:masterClrMapping/>
+  </p:clrMapOvr>
+  <p:transition/>
+  <p:timing>
+    <p:tnLst>
+      <p:par>
+        <p:cTn id="1" dur="indefinite" restart="never" nodeType="tmRoot"/>
+      </p:par>
+    </p:tnLst>
+  </p:timing>
+</p:sld>
+</file>
+
+<file path=ppt/slides/slide8.xml><?xml version="1.0" encoding="utf-8"?>
+<p:sld xmlns:a="http://schemas.openxmlformats.org/drawingml/2006/main" xmlns:r="http://schemas.openxmlformats.org/officeDocument/2006/relationships" xmlns:p="http://schemas.openxmlformats.org/presentationml/2006/main">
+  <p:cSld>
+    <p:spTree>
+      <p:nvGrpSpPr>
+        <p:cNvPr id="1" name=""/>
+        <p:cNvGrpSpPr/>
+        <p:nvPr/>
+      </p:nvGrpSpPr>
+      <p:grpSpPr>
+        <a:xfrm>
+          <a:off x="0" y="0"/>
+          <a:ext cx="0" cy="0"/>
+          <a:chOff x="0" y="0"/>
+          <a:chExt cx="0" cy="0"/>
+        </a:xfrm>
+      </p:grpSpPr>
+      <p:sp>
+        <p:nvSpPr>
+          <p:cNvPr id="4" name="3 CuadroTexto"/>
+          <p:cNvSpPr txBox="1"/>
+          <p:nvPr/>
+        </p:nvSpPr>
+        <p:spPr>
+          <a:xfrm>
+            <a:off x="627795" y="518614"/>
+            <a:ext cx="7915702" cy="523220"/>
+          </a:xfrm>
+          <a:prstGeom prst="rect">
+            <a:avLst/>
+          </a:prstGeom>
+          <a:noFill/>
+        </p:spPr>
+        <p:txBody>
+          <a:bodyPr wrap="square" rtlCol="0">
+            <a:spAutoFit/>
+          </a:bodyPr>
+          <a:lstStyle/>
+          <a:p>
+            <a:r>
+              <a:rPr lang="es-CL" sz="2800" b="1" cap="all" dirty="0" smtClean="0">
+                <a:ln w="9000" cmpd="sng">
+                  <a:solidFill>
+                    <a:schemeClr val="accent4">
+                      <a:shade val="50000"/>
+                      <a:satMod val="120000"/>
+                    </a:schemeClr>
+                  </a:solidFill>
+                  <a:prstDash val="solid"/>
+                </a:ln>
+                <a:gradFill>
+                  <a:gsLst>
+                    <a:gs pos="0">
+                      <a:schemeClr val="accent4">
+                        <a:shade val="20000"/>
+                        <a:satMod val="245000"/>
+                      </a:schemeClr>
+                    </a:gs>
+                    <a:gs pos="43000">
+                      <a:schemeClr val="accent4">
+                        <a:satMod val="255000"/>
+                      </a:schemeClr>
+                    </a:gs>
+                    <a:gs pos="48000">
+                      <a:schemeClr val="accent4">
+                        <a:shade val="85000"/>
+                        <a:satMod val="255000"/>
+                      </a:schemeClr>
+                    </a:gs>
+                    <a:gs pos="100000">
+                      <a:schemeClr val="accent4">
+                        <a:shade val="20000"/>
+                        <a:satMod val="245000"/>
+                      </a:schemeClr>
+                    </a:gs>
+                  </a:gsLst>
+                  <a:lin ang="5400000"/>
+                </a:gradFill>
+                <a:effectLst>
+                  <a:reflection blurRad="12700" stA="28000" endPos="45000" dist="1000" dir="5400000" sy="-100000" algn="bl" rotWithShape="0"/>
+                </a:effectLst>
+                <a:latin typeface="Arial" pitchFamily="34" charset="0"/>
+                <a:cs typeface="Arial" pitchFamily="34" charset="0"/>
+              </a:rPr>
+              <a:t>Problema</a:t>
+            </a:r>
+            <a:endParaRPr lang="es-CL" sz="2800" b="1" cap="all" dirty="0">
+              <a:ln w="9000" cmpd="sng">
+                <a:solidFill>
+                  <a:schemeClr val="accent4">
+                    <a:shade val="50000"/>
+                    <a:satMod val="120000"/>
+                  </a:schemeClr>
+                </a:solidFill>
+                <a:prstDash val="solid"/>
+              </a:ln>
+              <a:gradFill>
+                <a:gsLst>
+                  <a:gs pos="0">
+                    <a:schemeClr val="accent4">
+                      <a:shade val="20000"/>
+                      <a:satMod val="245000"/>
+                    </a:schemeClr>
+                  </a:gs>
+                  <a:gs pos="43000">
+                    <a:schemeClr val="accent4">
+                      <a:satMod val="255000"/>
+                    </a:schemeClr>
+                  </a:gs>
+                  <a:gs pos="48000">
+                    <a:schemeClr val="accent4">
+                      <a:shade val="85000"/>
+                      <a:satMod val="255000"/>
+                    </a:schemeClr>
+                  </a:gs>
+                  <a:gs pos="100000">
+                    <a:schemeClr val="accent4">
+                      <a:shade val="20000"/>
+                      <a:satMod val="245000"/>
+                    </a:schemeClr>
+                  </a:gs>
+                </a:gsLst>
+                <a:lin ang="5400000"/>
+              </a:gradFill>
+              <a:effectLst>
+                <a:reflection blurRad="12700" stA="28000" endPos="45000" dist="1000" dir="5400000" sy="-100000" algn="bl" rotWithShape="0"/>
+              </a:effectLst>
+              <a:latin typeface="Arial" pitchFamily="34" charset="0"/>
+              <a:cs typeface="Arial" pitchFamily="34" charset="0"/>
+            </a:endParaRPr>
+          </a:p>
+        </p:txBody>
+      </p:sp>
+      <p:sp>
+        <p:nvSpPr>
+          <p:cNvPr id="5" name="4 Marcador de contenido"/>
+          <p:cNvSpPr>
+            <a:spLocks noGrp="1"/>
+          </p:cNvSpPr>
+          <p:nvPr>
+            <p:ph idx="1"/>
+          </p:nvPr>
+        </p:nvSpPr>
+        <p:spPr>
+          <a:xfrm>
+            <a:off x="489861" y="1981200"/>
+            <a:ext cx="7772400" cy="4114800"/>
+          </a:xfrm>
+        </p:spPr>
+        <p:txBody>
+          <a:bodyPr/>
+          <a:lstStyle/>
+          <a:p>
+            <a:r>
+              <a:rPr lang="es-CL" dirty="0" smtClean="0"/>
+              <a:t>Tiempo </a:t>
+            </a:r>
+            <a:r>
+              <a:rPr lang="es-CL" dirty="0" smtClean="0"/>
+              <a:t>de entrega  es </a:t>
+            </a:r>
+            <a:r>
+              <a:rPr lang="es-CL" dirty="0" smtClean="0"/>
+              <a:t>extenso y los </a:t>
+            </a:r>
+            <a:r>
+              <a:rPr lang="es-CL" dirty="0" smtClean="0"/>
+              <a:t>plazo se </a:t>
+            </a:r>
+            <a:r>
+              <a:rPr lang="es-CL" dirty="0" smtClean="0"/>
+              <a:t>extienden.</a:t>
+            </a:r>
+          </a:p>
+          <a:p>
+            <a:r>
+              <a:rPr lang="es-CL" dirty="0" smtClean="0"/>
+              <a:t>S</a:t>
+            </a:r>
+            <a:r>
+              <a:rPr lang="es-CL" dirty="0" smtClean="0"/>
+              <a:t>urgen </a:t>
+            </a:r>
+            <a:r>
+              <a:rPr lang="es-CL" dirty="0" smtClean="0"/>
+              <a:t>problemas entre cliente y servicio, que derivan en denuncias, disconformidades y mala imagen de la empresa. </a:t>
+            </a:r>
+            <a:endParaRPr lang="es-CL" dirty="0" smtClean="0"/>
+          </a:p>
+          <a:p>
+            <a:r>
+              <a:rPr lang="es-CL" dirty="0" smtClean="0"/>
+              <a:t>No existe optima gestión.</a:t>
+            </a:r>
+          </a:p>
+        </p:txBody>
+      </p:sp>
+      <p:pic>
+        <p:nvPicPr>
+          <p:cNvPr id="4103" name="Picture 7" descr="C:\Users\Sevazthian\AppData\Local\Microsoft\Windows\Temporary Internet Files\Content.IE5\ILTRVQHV\MCj03836300000[1].wmf"/>
+          <p:cNvPicPr>
+            <a:picLocks noChangeAspect="1" noChangeArrowheads="1"/>
+          </p:cNvPicPr>
+          <p:nvPr/>
+        </p:nvPicPr>
+        <p:blipFill>
+          <a:blip r:embed="rId3" cstate="print"/>
+          <a:srcRect/>
+          <a:stretch>
+            <a:fillRect/>
+          </a:stretch>
+        </p:blipFill>
+        <p:spPr bwMode="auto">
+          <a:xfrm>
+            <a:off x="7303760" y="761999"/>
+            <a:ext cx="1513028" cy="3021113"/>
+          </a:xfrm>
+          <a:prstGeom prst="rect">
+            <a:avLst/>
+          </a:prstGeom>
+          <a:noFill/>
+        </p:spPr>
+      </p:pic>
+    </p:spTree>
+  </p:cSld>
+  <p:clrMapOvr>
+    <a:masterClrMapping/>
+  </p:clrMapOvr>
+  <p:transition/>
+  <p:timing>
+    <p:tnLst>
+      <p:par>
+        <p:cTn id="1" dur="indefinite" restart="never" nodeType="tmRoot"/>
+      </p:par>
+    </p:tnLst>
+  </p:timing>
+</p:sld>
+</file>
+
+<file path=ppt/slides/slide9.xml><?xml version="1.0" encoding="utf-8"?>
+<p:sld xmlns:a="http://schemas.openxmlformats.org/drawingml/2006/main" xmlns:r="http://schemas.openxmlformats.org/officeDocument/2006/relationships" xmlns:p="http://schemas.openxmlformats.org/presentationml/2006/main">
+  <p:cSld>
+    <p:spTree>
+      <p:nvGrpSpPr>
+        <p:cNvPr id="1" name=""/>
+        <p:cNvGrpSpPr/>
+        <p:nvPr/>
+      </p:nvGrpSpPr>
+      <p:grpSpPr>
+        <a:xfrm>
+          <a:off x="0" y="0"/>
+          <a:ext cx="0" cy="0"/>
+          <a:chOff x="0" y="0"/>
+          <a:chExt cx="0" cy="0"/>
+        </a:xfrm>
+      </p:grpSpPr>
+      <p:sp>
+        <p:nvSpPr>
+          <p:cNvPr id="3" name="2 Marcador de contenido"/>
+          <p:cNvSpPr>
+            <a:spLocks noGrp="1"/>
+          </p:cNvSpPr>
+          <p:nvPr>
+            <p:ph idx="1"/>
+          </p:nvPr>
+        </p:nvSpPr>
+        <p:spPr>
+          <a:xfrm>
+            <a:off x="685800" y="1735541"/>
+            <a:ext cx="7772400" cy="4114800"/>
+          </a:xfrm>
+        </p:spPr>
+        <p:txBody>
+          <a:bodyPr/>
+          <a:lstStyle/>
+          <a:p>
+            <a:pPr algn="just"/>
+            <a:r>
+              <a:rPr lang="es-CL" dirty="0" smtClean="0"/>
+              <a:t>Desarrollar sistema que permita el correcto ingreso de orden de trabajo, asignación automática y manual a técnicos, para empresas de tipo servicio técnico electrónico.</a:t>
+            </a:r>
+            <a:endParaRPr lang="es-CL" dirty="0" smtClean="0"/>
+          </a:p>
+          <a:p>
+            <a:endParaRPr lang="es-CL" dirty="0"/>
+          </a:p>
+        </p:txBody>
+      </p:sp>
+      <p:pic>
+        <p:nvPicPr>
+          <p:cNvPr id="18434" name="Picture 2" descr="C:\Users\Sevazthian\AppData\Local\Microsoft\Windows\Temporary Internet Files\Content.IE5\DQNYL9HM\MPj04054160000[1].jpg"/>
+          <p:cNvPicPr>
+            <a:picLocks noChangeAspect="1" noChangeArrowheads="1"/>
+          </p:cNvPicPr>
+          <p:nvPr/>
+        </p:nvPicPr>
+        <p:blipFill>
+          <a:blip r:embed="rId3" cstate="print">
+            <a:lum/>
+          </a:blip>
+          <a:srcRect/>
+          <a:stretch>
+            <a:fillRect/>
+          </a:stretch>
+        </p:blipFill>
+        <p:spPr bwMode="auto">
+          <a:xfrm>
+            <a:off x="5128093" y="3657599"/>
+            <a:ext cx="3811191" cy="2722279"/>
+          </a:xfrm>
+          <a:prstGeom prst="rect">
+            <a:avLst/>
+          </a:prstGeom>
+          <a:noFill/>
+        </p:spPr>
+      </p:pic>
+      <p:sp>
+        <p:nvSpPr>
+          <p:cNvPr id="5" name="4 CuadroTexto"/>
+          <p:cNvSpPr txBox="1"/>
+          <p:nvPr/>
+        </p:nvSpPr>
+        <p:spPr>
+          <a:xfrm>
+            <a:off x="627795" y="518614"/>
+            <a:ext cx="7915702" cy="523220"/>
+          </a:xfrm>
+          <a:prstGeom prst="rect">
+            <a:avLst/>
+          </a:prstGeom>
+          <a:noFill/>
+        </p:spPr>
+        <p:txBody>
+          <a:bodyPr wrap="square" rtlCol="0">
+            <a:spAutoFit/>
+          </a:bodyPr>
+          <a:lstStyle/>
+          <a:p>
+            <a:r>
+              <a:rPr lang="es-CL" sz="2800" b="1" cap="all" dirty="0" smtClean="0">
+                <a:ln w="9000" cmpd="sng">
+                  <a:solidFill>
+                    <a:schemeClr val="accent4">
+                      <a:shade val="50000"/>
+                      <a:satMod val="120000"/>
+                    </a:schemeClr>
+                  </a:solidFill>
+                  <a:prstDash val="solid"/>
+                </a:ln>
+                <a:gradFill>
+                  <a:gsLst>
+                    <a:gs pos="0">
+                      <a:schemeClr val="accent4">
+                        <a:shade val="20000"/>
+                        <a:satMod val="245000"/>
+                      </a:schemeClr>
+                    </a:gs>
+                    <a:gs pos="43000">
+                      <a:schemeClr val="accent4">
+                        <a:satMod val="255000"/>
+                      </a:schemeClr>
+                    </a:gs>
+                    <a:gs pos="48000">
+                      <a:schemeClr val="accent4">
+                        <a:shade val="85000"/>
+                        <a:satMod val="255000"/>
+                      </a:schemeClr>
+                    </a:gs>
+                    <a:gs pos="100000">
+                      <a:schemeClr val="accent4">
+                        <a:shade val="20000"/>
+                        <a:satMod val="245000"/>
+                      </a:schemeClr>
+                    </a:gs>
+                  </a:gsLst>
+                  <a:lin ang="5400000"/>
+                </a:gradFill>
+                <a:effectLst>
+                  <a:reflection blurRad="12700" stA="28000" endPos="45000" dist="1000" dir="5400000" sy="-100000" algn="bl" rotWithShape="0"/>
+                </a:effectLst>
+                <a:latin typeface="Arial" pitchFamily="34" charset="0"/>
+                <a:cs typeface="Arial" pitchFamily="34" charset="0"/>
+              </a:rPr>
+              <a:t>Objetivos</a:t>
+            </a:r>
+            <a:endParaRPr lang="es-CL" sz="2800" b="1" cap="all" dirty="0">
+              <a:ln w="9000" cmpd="sng">
+                <a:solidFill>
+                  <a:schemeClr val="accent4">
+                    <a:shade val="50000"/>
+                    <a:satMod val="120000"/>
+                  </a:schemeClr>
+                </a:solidFill>
+                <a:prstDash val="solid"/>
+              </a:ln>
+              <a:gradFill>
+                <a:gsLst>
+                  <a:gs pos="0">
+                    <a:schemeClr val="accent4">
+                      <a:shade val="20000"/>
+                      <a:satMod val="245000"/>
+                    </a:schemeClr>
+                  </a:gs>
+                  <a:gs pos="43000">
+                    <a:schemeClr val="accent4">
+                      <a:satMod val="255000"/>
+                    </a:schemeClr>
+                  </a:gs>
+                  <a:gs pos="48000">
+                    <a:schemeClr val="accent4">
+                      <a:shade val="85000"/>
+                      <a:satMod val="255000"/>
+                    </a:schemeClr>
+                  </a:gs>
+                  <a:gs pos="100000">
+                    <a:schemeClr val="accent4">
+                      <a:shade val="20000"/>
+                      <a:satMod val="245000"/>
+                    </a:schemeClr>
+                  </a:gs>
+                </a:gsLst>
+                <a:lin ang="5400000"/>
+              </a:gradFill>
+              <a:effectLst>
+                <a:reflection blurRad="12700" stA="28000" endPos="45000" dist="1000" dir="5400000" sy="-100000" algn="bl" rotWithShape="0"/>
+              </a:effectLst>
+              <a:latin typeface="Arial" pitchFamily="34" charset="0"/>
+              <a:cs typeface="Arial" pitchFamily="34" charset="0"/>
+            </a:endParaRPr>
+          </a:p>
+        </p:txBody>
+      </p:sp>
+    </p:spTree>
+  </p:cSld>
+  <p:clrMapOvr>
+    <a:masterClrMapping/>
+  </p:clrMapOvr>
+  <p:transition/>
+  <p:timing>
+    <p:tnLst>
+      <p:par>
+        <p:cTn id="1" dur="indefinite" restart="never" nodeType="tmRoot"/>
+      </p:par>
+    </p:tnLst>
+  </p:timing>
 </p:sld>
 </file>
 

--- a/sigset/documentos/Documentos finales/Presentacion.pptx
+++ b/sigset/documentos/Documentos finales/Presentacion.pptx
@@ -21,15 +21,15 @@
     <p:sldId id="344" r:id="rId9"/>
     <p:sldId id="336" r:id="rId10"/>
     <p:sldId id="345" r:id="rId11"/>
-    <p:sldId id="346" r:id="rId12"/>
-    <p:sldId id="347" r:id="rId13"/>
-    <p:sldId id="348" r:id="rId14"/>
-    <p:sldId id="349" r:id="rId15"/>
-    <p:sldId id="351" r:id="rId16"/>
-    <p:sldId id="352" r:id="rId17"/>
-    <p:sldId id="353" r:id="rId18"/>
-    <p:sldId id="354" r:id="rId19"/>
-    <p:sldId id="355" r:id="rId20"/>
+    <p:sldId id="347" r:id="rId12"/>
+    <p:sldId id="348" r:id="rId13"/>
+    <p:sldId id="349" r:id="rId14"/>
+    <p:sldId id="351" r:id="rId15"/>
+    <p:sldId id="352" r:id="rId16"/>
+    <p:sldId id="353" r:id="rId17"/>
+    <p:sldId id="354" r:id="rId18"/>
+    <p:sldId id="355" r:id="rId19"/>
+    <p:sldId id="364" r:id="rId20"/>
     <p:sldId id="357" r:id="rId21"/>
     <p:sldId id="337" r:id="rId22"/>
     <p:sldId id="358" r:id="rId23"/>
@@ -170,6 +170,34 @@
 </p:presentation>
 </file>
 
+<file path=ppt/commentAuthors.xml><?xml version="1.0" encoding="utf-8"?>
+<p:cmAuthorLst xmlns:a="http://schemas.openxmlformats.org/drawingml/2006/main" xmlns:r="http://schemas.openxmlformats.org/officeDocument/2006/relationships" xmlns:p="http://schemas.openxmlformats.org/presentationml/2006/main">
+  <p:cmAuthor id="0" name="Usuario" initials="U" lastIdx="3" clrIdx="0"/>
+</p:cmAuthorLst>
+</file>
+
+<file path=ppt/comments/comment1.xml><?xml version="1.0" encoding="utf-8"?>
+<p:cmLst xmlns:a="http://schemas.openxmlformats.org/drawingml/2006/main" xmlns:r="http://schemas.openxmlformats.org/officeDocument/2006/relationships" xmlns:p="http://schemas.openxmlformats.org/presentationml/2006/main">
+  <p:cm authorId="0" dt="2009-12-02T14:28:35.270" idx="1">
+    <p:pos x="1013" y="1291"/>
+    <p:text>Cuanto dura</p:text>
+  </p:cm>
+  <p:cm authorId="0" dt="2009-12-02T14:28:58.224" idx="2">
+    <p:pos x="5075" y="1519"/>
+    <p:text>Dejar en tabla</p:text>
+  </p:cm>
+</p:cmLst>
+</file>
+
+<file path=ppt/comments/comment2.xml><?xml version="1.0" encoding="utf-8"?>
+<p:cmLst xmlns:a="http://schemas.openxmlformats.org/drawingml/2006/main" xmlns:r="http://schemas.openxmlformats.org/officeDocument/2006/relationships" xmlns:p="http://schemas.openxmlformats.org/presentationml/2006/main">
+  <p:cm authorId="0" dt="2009-12-02T14:29:21.753" idx="3">
+    <p:pos x="5184" y="824"/>
+    <p:text>Mejorar</p:text>
+  </p:cm>
+</p:cmLst>
+</file>
+
 <file path=ppt/handoutMasters/handoutMaster1.xml><?xml version="1.0" encoding="utf-8"?>
 <p:handoutMaster xmlns:a="http://schemas.openxmlformats.org/drawingml/2006/main" xmlns:r="http://schemas.openxmlformats.org/officeDocument/2006/relationships" xmlns:p="http://schemas.openxmlformats.org/presentationml/2006/main">
   <p:cSld>
@@ -261,7 +289,7 @@
               <a:pPr>
                 <a:defRPr/>
               </a:pPr>
-              <a:t>26/11/2009</a:t>
+              <a:t>02/12/2009</a:t>
             </a:fld>
             <a:endParaRPr lang="es-ES_tradnl"/>
           </a:p>
@@ -834,6 +862,12 @@
           <a:lstStyle/>
           <a:p>
             <a:r>
+              <a:rPr lang="es-CL" b="1" dirty="0" smtClean="0"/>
+              <a:t>RUMINA</a:t>
+            </a:r>
+          </a:p>
+          <a:p>
+            <a:r>
               <a:rPr lang="es-CL" dirty="0" smtClean="0"/>
               <a:t>Saludos. Presentación nombres y titulo</a:t>
             </a:r>
@@ -1015,6 +1049,10 @@
           </a:bodyPr>
           <a:lstStyle/>
           <a:p>
+            <a:r>
+              <a:rPr lang="es-CL" dirty="0" smtClean="0"/>
+              <a:t>RUMINA</a:t>
+            </a:r>
             <a:endParaRPr lang="es-CL" dirty="0"/>
           </a:p>
         </p:txBody>
@@ -1102,6 +1140,10 @@
           </a:bodyPr>
           <a:lstStyle/>
           <a:p>
+            <a:r>
+              <a:rPr lang="es-CL" dirty="0" smtClean="0"/>
+              <a:t>SEBASTIAN</a:t>
+            </a:r>
             <a:endParaRPr lang="es-CL" dirty="0"/>
           </a:p>
         </p:txBody>
@@ -1189,6 +1231,186 @@
           </a:bodyPr>
           <a:lstStyle/>
           <a:p>
+            <a:pPr marL="0" marR="0" indent="0" algn="l" defTabSz="914400" rtl="0" eaLnBrk="0" fontAlgn="base" latinLnBrk="0" hangingPunct="0">
+              <a:lnSpc>
+                <a:spcPct val="100000"/>
+              </a:lnSpc>
+              <a:spcBef>
+                <a:spcPct val="30000"/>
+              </a:spcBef>
+              <a:spcAft>
+                <a:spcPct val="0"/>
+              </a:spcAft>
+              <a:buClrTx/>
+              <a:buSzTx/>
+              <a:buFontTx/>
+              <a:buNone/>
+              <a:tabLst/>
+              <a:defRPr/>
+            </a:pPr>
+            <a:r>
+              <a:rPr lang="es-CL" sz="1200" kern="1200" dirty="0" smtClean="0">
+                <a:solidFill>
+                  <a:schemeClr val="tx1"/>
+                </a:solidFill>
+                <a:latin typeface="Times New Roman" pitchFamily="18" charset="0"/>
+                <a:ea typeface="+mn-ea"/>
+                <a:cs typeface="+mn-cs"/>
+              </a:rPr>
+              <a:t>SEBASTIAN</a:t>
+            </a:r>
+          </a:p>
+          <a:p>
+            <a:pPr marL="0" marR="0" indent="0" algn="l" defTabSz="914400" rtl="0" eaLnBrk="0" fontAlgn="base" latinLnBrk="0" hangingPunct="0">
+              <a:lnSpc>
+                <a:spcPct val="100000"/>
+              </a:lnSpc>
+              <a:spcBef>
+                <a:spcPct val="30000"/>
+              </a:spcBef>
+              <a:spcAft>
+                <a:spcPct val="0"/>
+              </a:spcAft>
+              <a:buClrTx/>
+              <a:buSzTx/>
+              <a:buFontTx/>
+              <a:buNone/>
+              <a:tabLst/>
+              <a:defRPr/>
+            </a:pPr>
+            <a:r>
+              <a:rPr lang="es-CL" sz="1200" kern="1200" dirty="0" smtClean="0">
+                <a:solidFill>
+                  <a:schemeClr val="tx1"/>
+                </a:solidFill>
+                <a:latin typeface="Times New Roman" pitchFamily="18" charset="0"/>
+                <a:ea typeface="+mn-ea"/>
+                <a:cs typeface="+mn-cs"/>
+              </a:rPr>
+              <a:t>La empresa debe contar con ciertas características de hardware y software para el funcionamiento del sistema para esto se consideran computadores adaptados para el sistema y un servidor que contendrá la aplicación y la base de datos.</a:t>
+            </a:r>
+          </a:p>
+          <a:p>
+            <a:pPr marL="0" marR="0" indent="0" algn="l" defTabSz="914400" rtl="0" eaLnBrk="0" fontAlgn="base" latinLnBrk="0" hangingPunct="0">
+              <a:lnSpc>
+                <a:spcPct val="100000"/>
+              </a:lnSpc>
+              <a:spcBef>
+                <a:spcPct val="30000"/>
+              </a:spcBef>
+              <a:spcAft>
+                <a:spcPct val="0"/>
+              </a:spcAft>
+              <a:buClrTx/>
+              <a:buSzTx/>
+              <a:buFontTx/>
+              <a:buNone/>
+              <a:tabLst/>
+              <a:defRPr/>
+            </a:pPr>
+            <a:endParaRPr lang="es-CL" sz="1200" kern="1200" dirty="0" smtClean="0">
+              <a:solidFill>
+                <a:schemeClr val="tx1"/>
+              </a:solidFill>
+              <a:latin typeface="Times New Roman" pitchFamily="18" charset="0"/>
+              <a:ea typeface="+mn-ea"/>
+              <a:cs typeface="+mn-cs"/>
+            </a:endParaRPr>
+          </a:p>
+          <a:p>
+            <a:pPr marL="0" marR="0" indent="0" algn="l" defTabSz="914400" rtl="0" eaLnBrk="0" fontAlgn="base" latinLnBrk="0" hangingPunct="0">
+              <a:lnSpc>
+                <a:spcPct val="100000"/>
+              </a:lnSpc>
+              <a:spcBef>
+                <a:spcPct val="30000"/>
+              </a:spcBef>
+              <a:spcAft>
+                <a:spcPct val="0"/>
+              </a:spcAft>
+              <a:buClrTx/>
+              <a:buSzTx/>
+              <a:buFontTx/>
+              <a:buNone/>
+              <a:tabLst/>
+              <a:defRPr/>
+            </a:pPr>
+            <a:r>
+              <a:rPr lang="es-CL" sz="1200" kern="1200" dirty="0" smtClean="0">
+                <a:solidFill>
+                  <a:schemeClr val="tx1"/>
+                </a:solidFill>
+                <a:latin typeface="Times New Roman" pitchFamily="18" charset="0"/>
+                <a:ea typeface="+mn-ea"/>
+                <a:cs typeface="+mn-cs"/>
+              </a:rPr>
+              <a:t>Se necesita red</a:t>
+            </a:r>
+            <a:r>
+              <a:rPr lang="es-CL" sz="1200" kern="1200" baseline="0" dirty="0" smtClean="0">
+                <a:solidFill>
+                  <a:schemeClr val="tx1"/>
+                </a:solidFill>
+                <a:latin typeface="Times New Roman" pitchFamily="18" charset="0"/>
+                <a:ea typeface="+mn-ea"/>
+                <a:cs typeface="+mn-cs"/>
+              </a:rPr>
+              <a:t> </a:t>
+            </a:r>
+            <a:r>
+              <a:rPr lang="es-CL" sz="1200" kern="1200" baseline="0" dirty="0" err="1" smtClean="0">
+                <a:solidFill>
+                  <a:schemeClr val="tx1"/>
+                </a:solidFill>
+                <a:latin typeface="Times New Roman" pitchFamily="18" charset="0"/>
+                <a:ea typeface="+mn-ea"/>
+                <a:cs typeface="+mn-cs"/>
+              </a:rPr>
+              <a:t>lan</a:t>
+            </a:r>
+            <a:r>
+              <a:rPr lang="es-CL" sz="1200" kern="1200" baseline="0" dirty="0" smtClean="0">
+                <a:solidFill>
+                  <a:schemeClr val="tx1"/>
+                </a:solidFill>
+                <a:latin typeface="Times New Roman" pitchFamily="18" charset="0"/>
+                <a:ea typeface="+mn-ea"/>
+                <a:cs typeface="+mn-cs"/>
+              </a:rPr>
+              <a:t> para mantener el sistema en </a:t>
+            </a:r>
+            <a:r>
+              <a:rPr lang="es-CL" sz="1200" kern="1200" baseline="0" dirty="0" err="1" smtClean="0">
+                <a:solidFill>
+                  <a:schemeClr val="tx1"/>
+                </a:solidFill>
+                <a:latin typeface="Times New Roman" pitchFamily="18" charset="0"/>
+                <a:ea typeface="+mn-ea"/>
+                <a:cs typeface="+mn-cs"/>
+              </a:rPr>
+              <a:t>linea</a:t>
+            </a:r>
+            <a:r>
+              <a:rPr lang="es-CL" sz="1200" kern="1200" baseline="0" dirty="0" smtClean="0">
+                <a:solidFill>
+                  <a:schemeClr val="tx1"/>
+                </a:solidFill>
+                <a:latin typeface="Times New Roman" pitchFamily="18" charset="0"/>
+                <a:ea typeface="+mn-ea"/>
+                <a:cs typeface="+mn-cs"/>
+              </a:rPr>
+              <a:t> local</a:t>
+            </a:r>
+            <a:endParaRPr lang="es-CL" sz="1200" kern="1200" dirty="0" smtClean="0">
+              <a:solidFill>
+                <a:schemeClr val="tx1"/>
+              </a:solidFill>
+              <a:latin typeface="Times New Roman" pitchFamily="18" charset="0"/>
+              <a:ea typeface="+mn-ea"/>
+              <a:cs typeface="+mn-cs"/>
+            </a:endParaRPr>
+          </a:p>
+          <a:p>
             <a:endParaRPr lang="es-CL" dirty="0"/>
           </a:p>
         </p:txBody>
@@ -1302,7 +1524,7 @@
                 <a:ea typeface="+mn-ea"/>
                 <a:cs typeface="+mn-cs"/>
               </a:rPr>
-              <a:t>La empresa debe contar con ciertas características de hardware y software para el funcionamiento del sistema para esto se consideran computadores adaptados para el sistema y un servidor que contendrá la aplicación y la base de datos.</a:t>
+              <a:t>SEBASTIAN</a:t>
             </a:r>
           </a:p>
           <a:p>
@@ -1323,33 +1545,6 @@
               <a:tabLst/>
               <a:defRPr/>
             </a:pPr>
-            <a:endParaRPr lang="es-CL" sz="1200" kern="1200" dirty="0" smtClean="0">
-              <a:solidFill>
-                <a:schemeClr val="tx1"/>
-              </a:solidFill>
-              <a:latin typeface="Times New Roman" pitchFamily="18" charset="0"/>
-              <a:ea typeface="+mn-ea"/>
-              <a:cs typeface="+mn-cs"/>
-            </a:endParaRPr>
-          </a:p>
-          <a:p>
-            <a:pPr marL="0" marR="0" indent="0" algn="l" defTabSz="914400" rtl="0" eaLnBrk="0" fontAlgn="base" latinLnBrk="0" hangingPunct="0">
-              <a:lnSpc>
-                <a:spcPct val="100000"/>
-              </a:lnSpc>
-              <a:spcBef>
-                <a:spcPct val="30000"/>
-              </a:spcBef>
-              <a:spcAft>
-                <a:spcPct val="0"/>
-              </a:spcAft>
-              <a:buClrTx/>
-              <a:buSzTx/>
-              <a:buFontTx/>
-              <a:buNone/>
-              <a:tabLst/>
-              <a:defRPr/>
-            </a:pPr>
             <a:r>
               <a:rPr lang="es-CL" sz="1200" kern="1200" dirty="0" smtClean="0">
                 <a:solidFill>
@@ -1359,71 +1554,8 @@
                 <a:ea typeface="+mn-ea"/>
                 <a:cs typeface="+mn-cs"/>
               </a:rPr>
-              <a:t>Se necesita red</a:t>
-            </a:r>
-            <a:r>
-              <a:rPr lang="es-CL" sz="1200" kern="1200" baseline="0" dirty="0" smtClean="0">
-                <a:solidFill>
-                  <a:schemeClr val="tx1"/>
-                </a:solidFill>
-                <a:latin typeface="Times New Roman" pitchFamily="18" charset="0"/>
-                <a:ea typeface="+mn-ea"/>
-                <a:cs typeface="+mn-cs"/>
-              </a:rPr>
-              <a:t> </a:t>
-            </a:r>
-            <a:r>
-              <a:rPr lang="es-CL" sz="1200" kern="1200" baseline="0" dirty="0" err="1" smtClean="0">
-                <a:solidFill>
-                  <a:schemeClr val="tx1"/>
-                </a:solidFill>
-                <a:latin typeface="Times New Roman" pitchFamily="18" charset="0"/>
-                <a:ea typeface="+mn-ea"/>
-                <a:cs typeface="+mn-cs"/>
-              </a:rPr>
-              <a:t>lan</a:t>
-            </a:r>
-            <a:r>
-              <a:rPr lang="es-CL" sz="1200" kern="1200" baseline="0" dirty="0" smtClean="0">
-                <a:solidFill>
-                  <a:schemeClr val="tx1"/>
-                </a:solidFill>
-                <a:latin typeface="Times New Roman" pitchFamily="18" charset="0"/>
-                <a:ea typeface="+mn-ea"/>
-                <a:cs typeface="+mn-cs"/>
-              </a:rPr>
-              <a:t> para mantener el sistema en </a:t>
-            </a:r>
-            <a:r>
-              <a:rPr lang="es-CL" sz="1200" kern="1200" baseline="0" dirty="0" err="1" smtClean="0">
-                <a:solidFill>
-                  <a:schemeClr val="tx1"/>
-                </a:solidFill>
-                <a:latin typeface="Times New Roman" pitchFamily="18" charset="0"/>
-                <a:ea typeface="+mn-ea"/>
-                <a:cs typeface="+mn-cs"/>
-              </a:rPr>
-              <a:t>linea</a:t>
-            </a:r>
-            <a:r>
-              <a:rPr lang="es-CL" sz="1200" kern="1200" baseline="0" dirty="0" smtClean="0">
-                <a:solidFill>
-                  <a:schemeClr val="tx1"/>
-                </a:solidFill>
-                <a:latin typeface="Times New Roman" pitchFamily="18" charset="0"/>
-                <a:ea typeface="+mn-ea"/>
-                <a:cs typeface="+mn-cs"/>
-              </a:rPr>
-              <a:t> local</a:t>
-            </a:r>
-            <a:endParaRPr lang="es-CL" sz="1200" kern="1200" dirty="0" smtClean="0">
-              <a:solidFill>
-                <a:schemeClr val="tx1"/>
-              </a:solidFill>
-              <a:latin typeface="Times New Roman" pitchFamily="18" charset="0"/>
-              <a:ea typeface="+mn-ea"/>
-              <a:cs typeface="+mn-cs"/>
-            </a:endParaRPr>
+              <a:t>La empresa debe contar con ciertas características de hardware y software para el funcionamiento del sistema para esto se consideran computadores adaptados para el sistema y un servidor que contendrá la aplicación y la base de datos.</a:t>
+            </a:r>
           </a:p>
           <a:p>
             <a:endParaRPr lang="es-CL" dirty="0"/>
@@ -1513,36 +1645,38 @@
           </a:bodyPr>
           <a:lstStyle/>
           <a:p>
-            <a:pPr marL="0" marR="0" indent="0" algn="l" defTabSz="914400" rtl="0" eaLnBrk="0" fontAlgn="base" latinLnBrk="0" hangingPunct="0">
-              <a:lnSpc>
-                <a:spcPct val="100000"/>
-              </a:lnSpc>
-              <a:spcBef>
-                <a:spcPct val="30000"/>
-              </a:spcBef>
-              <a:spcAft>
-                <a:spcPct val="0"/>
-              </a:spcAft>
-              <a:buClrTx/>
-              <a:buSzTx/>
-              <a:buFontTx/>
-              <a:buNone/>
-              <a:tabLst/>
-              <a:defRPr/>
-            </a:pPr>
-            <a:r>
-              <a:rPr lang="es-CL" sz="1200" kern="1200" dirty="0" smtClean="0">
-                <a:solidFill>
-                  <a:schemeClr val="tx1"/>
-                </a:solidFill>
-                <a:latin typeface="Times New Roman" pitchFamily="18" charset="0"/>
-                <a:ea typeface="+mn-ea"/>
-                <a:cs typeface="+mn-cs"/>
-              </a:rPr>
-              <a:t>La empresa debe contar con ciertas características de hardware y software para el funcionamiento del sistema para esto se consideran computadores adaptados para el sistema y un servidor que contendrá la aplicación y la base de datos.</a:t>
-            </a:r>
-          </a:p>
-          <a:p>
+            <a:r>
+              <a:rPr lang="es-CL" dirty="0" smtClean="0"/>
+              <a:t>El</a:t>
+            </a:r>
+            <a:r>
+              <a:rPr lang="es-CL" baseline="0" dirty="0" smtClean="0"/>
+              <a:t> precio del sistema , se consideran dos opciones para la base de datos y el sistema operativo, ya que es posible usar </a:t>
+            </a:r>
+            <a:r>
+              <a:rPr lang="es-CL" baseline="0" dirty="0" err="1" smtClean="0"/>
+              <a:t>sql</a:t>
+            </a:r>
+            <a:r>
+              <a:rPr lang="es-CL" baseline="0" dirty="0" smtClean="0"/>
+              <a:t> </a:t>
+            </a:r>
+            <a:r>
+              <a:rPr lang="es-CL" baseline="0" dirty="0" err="1" smtClean="0"/>
+              <a:t>express</a:t>
+            </a:r>
+            <a:r>
+              <a:rPr lang="es-CL" baseline="0" dirty="0" smtClean="0"/>
+              <a:t> debido a que el crecimiento de datos no será mayor a un giga anual por lo cual se deben realizar </a:t>
+            </a:r>
+            <a:r>
+              <a:rPr lang="es-CL" baseline="0" dirty="0" err="1" smtClean="0"/>
+              <a:t>backup</a:t>
+            </a:r>
+            <a:r>
+              <a:rPr lang="es-CL" baseline="0" dirty="0" smtClean="0"/>
+              <a:t> de la base datos cada cuatro años o utilizar el estándar que es ilimitado</a:t>
+            </a:r>
             <a:endParaRPr lang="es-CL" dirty="0"/>
           </a:p>
         </p:txBody>
@@ -1632,35 +1766,20 @@
           <a:p>
             <a:r>
               <a:rPr lang="es-CL" dirty="0" smtClean="0"/>
-              <a:t>El</a:t>
+              <a:t>RUMINA</a:t>
+            </a:r>
+          </a:p>
+          <a:p>
+            <a:endParaRPr lang="es-CL" dirty="0" smtClean="0"/>
+          </a:p>
+          <a:p>
+            <a:r>
+              <a:rPr lang="es-CL" dirty="0" smtClean="0"/>
+              <a:t>Este proyecto</a:t>
             </a:r>
             <a:r>
               <a:rPr lang="es-CL" baseline="0" dirty="0" smtClean="0"/>
-              <a:t> precio del sistema , se consideran dos opciones para la base de datos y el sistema operativo, ya que es posible usar </a:t>
-            </a:r>
-            <a:r>
-              <a:rPr lang="es-CL" baseline="0" dirty="0" err="1" smtClean="0"/>
-              <a:t>sql</a:t>
-            </a:r>
-            <a:r>
-              <a:rPr lang="es-CL" baseline="0" dirty="0" smtClean="0"/>
-              <a:t> </a:t>
-            </a:r>
-            <a:r>
-              <a:rPr lang="es-CL" baseline="0" dirty="0" err="1" smtClean="0"/>
-              <a:t>express</a:t>
-            </a:r>
-            <a:r>
-              <a:rPr lang="es-CL" baseline="0" dirty="0" smtClean="0"/>
-              <a:t> debido a que el crecimiento de datos no será mayor a un giga anual por lo cual se deben realizar </a:t>
-            </a:r>
-            <a:r>
-              <a:rPr lang="es-CL" baseline="0" dirty="0" err="1" smtClean="0"/>
-              <a:t>backup</a:t>
-            </a:r>
-            <a:r>
-              <a:rPr lang="es-CL" baseline="0" dirty="0" smtClean="0"/>
-              <a:t> de la base datos cada cuatro años o utilizar el estándar que es ilimitado</a:t>
+              <a:t> se estima una </a:t>
             </a:r>
             <a:endParaRPr lang="es-CL" dirty="0"/>
           </a:p>
@@ -1751,6 +1870,12 @@
           <a:p>
             <a:r>
               <a:rPr lang="es-CL" dirty="0" smtClean="0"/>
+              <a:t>RUMINA</a:t>
+            </a:r>
+          </a:p>
+          <a:p>
+            <a:r>
+              <a:rPr lang="es-CL" dirty="0" smtClean="0"/>
               <a:t>Este proyecto</a:t>
             </a:r>
             <a:r>
@@ -1846,6 +1971,12 @@
           <a:p>
             <a:r>
               <a:rPr lang="es-CL" dirty="0" smtClean="0"/>
+              <a:t>RUMINA</a:t>
+            </a:r>
+          </a:p>
+          <a:p>
+            <a:r>
+              <a:rPr lang="es-CL" dirty="0" smtClean="0"/>
               <a:t>Este proyecto</a:t>
             </a:r>
             <a:r>
@@ -1941,6 +2072,12 @@
           <a:p>
             <a:r>
               <a:rPr lang="es-CL" dirty="0" smtClean="0"/>
+              <a:t>RUMINA</a:t>
+            </a:r>
+          </a:p>
+          <a:p>
+            <a:r>
+              <a:rPr lang="es-CL" dirty="0" smtClean="0"/>
               <a:t>Este proyecto</a:t>
             </a:r>
             <a:r>
@@ -2034,7 +2171,11 @@
           </a:bodyPr>
           <a:lstStyle/>
           <a:p>
-            <a:endParaRPr lang="es-CL"/>
+            <a:r>
+              <a:rPr lang="es-CL" dirty="0" smtClean="0"/>
+              <a:t>RUMINA</a:t>
+            </a:r>
+            <a:endParaRPr lang="es-CL" dirty="0"/>
           </a:p>
         </p:txBody>
       </p:sp>
@@ -2123,6 +2264,12 @@
           <a:p>
             <a:r>
               <a:rPr lang="es-CL" dirty="0" smtClean="0"/>
+              <a:t>SEBASTIAN</a:t>
+            </a:r>
+          </a:p>
+          <a:p>
+            <a:r>
+              <a:rPr lang="es-CL" dirty="0" smtClean="0"/>
               <a:t>Este proyecto</a:t>
             </a:r>
             <a:r>
@@ -2304,6 +2451,12 @@
           <a:lstStyle/>
           <a:p>
             <a:r>
+              <a:rPr lang="es-CL" smtClean="0"/>
+              <a:t>RUMINA</a:t>
+            </a:r>
+          </a:p>
+          <a:p>
+            <a:r>
               <a:rPr lang="es-CL" dirty="0" smtClean="0"/>
               <a:t>Este proyecto</a:t>
             </a:r>
@@ -2400,6 +2553,12 @@
           <a:p>
             <a:r>
               <a:rPr lang="es-CL" dirty="0" smtClean="0"/>
+              <a:t>RUMINA</a:t>
+            </a:r>
+          </a:p>
+          <a:p>
+            <a:r>
+              <a:rPr lang="es-CL" dirty="0" smtClean="0"/>
               <a:t>Este proyecto esta enfocado hacia</a:t>
             </a:r>
             <a:r>
@@ -2526,6 +2685,12 @@
           <a:p>
             <a:r>
               <a:rPr lang="es-CL" dirty="0" smtClean="0"/>
+              <a:t>RUMINA</a:t>
+            </a:r>
+          </a:p>
+          <a:p>
+            <a:r>
+              <a:rPr lang="es-CL" dirty="0" smtClean="0"/>
               <a:t>Pymes en aumento: Según el estudio realizado por el ministerio</a:t>
             </a:r>
             <a:r>
@@ -2812,6 +2977,19 @@
                 <a:ea typeface="+mn-ea"/>
                 <a:cs typeface="+mn-cs"/>
               </a:rPr>
+              <a:t>SEBASTIAN:</a:t>
+            </a:r>
+          </a:p>
+          <a:p>
+            <a:r>
+              <a:rPr lang="es-CL" sz="1200" kern="1200" dirty="0" smtClean="0">
+                <a:solidFill>
+                  <a:schemeClr val="tx1"/>
+                </a:solidFill>
+                <a:latin typeface="Times New Roman" pitchFamily="18" charset="0"/>
+                <a:ea typeface="+mn-ea"/>
+                <a:cs typeface="+mn-cs"/>
+              </a:rPr>
               <a:t>La empresa es un servicio técnico electrónico el cual entrega servicios de reparación y revisión de productos electrónicos para diferentes marcas, sus clientes son empresas y particulares</a:t>
             </a:r>
           </a:p>
@@ -2908,6 +3086,12 @@
           <a:p>
             <a:r>
               <a:rPr lang="es-CL" b="0" dirty="0" smtClean="0"/>
+              <a:t>SEBASTIAN</a:t>
+            </a:r>
+          </a:p>
+          <a:p>
+            <a:r>
+              <a:rPr lang="es-CL" b="0" dirty="0" smtClean="0"/>
               <a:t>Organigrama</a:t>
             </a:r>
             <a:r>
@@ -3008,6 +3192,15 @@
           <a:p>
             <a:r>
               <a:rPr lang="es-CL" b="0" dirty="0" smtClean="0"/>
+              <a:t>SEBASTIAN</a:t>
+            </a:r>
+          </a:p>
+          <a:p>
+            <a:endParaRPr lang="es-CL" b="0" dirty="0" smtClean="0"/>
+          </a:p>
+          <a:p>
+            <a:r>
+              <a:rPr lang="es-CL" b="0" dirty="0" smtClean="0"/>
               <a:t>Aquí</a:t>
             </a:r>
             <a:r>
@@ -3130,6 +3323,36 @@
                 <a:ea typeface="+mn-ea"/>
                 <a:cs typeface="+mn-cs"/>
               </a:rPr>
+              <a:t>RUMINA</a:t>
+            </a:r>
+          </a:p>
+          <a:p>
+            <a:pPr marL="0" marR="0" indent="0" algn="l" defTabSz="914400" rtl="0" eaLnBrk="0" fontAlgn="base" latinLnBrk="0" hangingPunct="0">
+              <a:lnSpc>
+                <a:spcPct val="100000"/>
+              </a:lnSpc>
+              <a:spcBef>
+                <a:spcPct val="30000"/>
+              </a:spcBef>
+              <a:spcAft>
+                <a:spcPct val="0"/>
+              </a:spcAft>
+              <a:buClrTx/>
+              <a:buSzTx/>
+              <a:buFontTx/>
+              <a:buNone/>
+              <a:tabLst/>
+              <a:defRPr/>
+            </a:pPr>
+            <a:r>
+              <a:rPr lang="es-CL" sz="1200" kern="1200" dirty="0" smtClean="0">
+                <a:solidFill>
+                  <a:schemeClr val="tx1"/>
+                </a:solidFill>
+                <a:latin typeface="Times New Roman" pitchFamily="18" charset="0"/>
+                <a:ea typeface="+mn-ea"/>
+                <a:cs typeface="+mn-cs"/>
+              </a:rPr>
               <a:t> Según lo expuesto anteriormente esta forma de trabajo se  realiza de manera ineficiente, muchas veces de modo artesanal o intuitivas, sin manejar un marco de trabajo optimo ni tampoco un registro detallado de los procesos realizados durante el transcurso del desarrollo de las tareas de la empresa.</a:t>
             </a:r>
           </a:p>
@@ -3320,6 +3543,10 @@
           </a:bodyPr>
           <a:lstStyle/>
           <a:p>
+            <a:r>
+              <a:rPr lang="es-CL" dirty="0" smtClean="0"/>
+              <a:t>SEBASTIAN</a:t>
+            </a:r>
             <a:endParaRPr lang="es-CL" dirty="0"/>
           </a:p>
         </p:txBody>
@@ -7164,23 +7391,15 @@
             <a:pPr lvl="1"/>
             <a:r>
               <a:rPr lang="es-ES_tradnl" dirty="0" smtClean="0"/>
-              <a:t>Manejo </a:t>
-            </a:r>
+              <a:t>Manejo de estados de los artículos ingresados al servicio.</a:t>
+            </a:r>
+            <a:endParaRPr lang="es-CL" dirty="0" smtClean="0"/>
+          </a:p>
+          <a:p>
+            <a:pPr lvl="1"/>
             <a:r>
               <a:rPr lang="es-ES_tradnl" dirty="0" smtClean="0"/>
-              <a:t>de estados de los artículos ingresados al servicio.</a:t>
-            </a:r>
-            <a:endParaRPr lang="es-CL" dirty="0" smtClean="0"/>
-          </a:p>
-          <a:p>
-            <a:pPr lvl="1"/>
-            <a:r>
-              <a:rPr lang="es-ES_tradnl" dirty="0" smtClean="0"/>
-              <a:t>Administrar información de técnicos, especialidades, historial de </a:t>
-            </a:r>
-            <a:r>
-              <a:rPr lang="es-ES_tradnl" dirty="0" smtClean="0"/>
-              <a:t>trabajo.</a:t>
+              <a:t>Administrar información de técnicos, especialidades, historial de trabajo.</a:t>
             </a:r>
             <a:endParaRPr lang="es-CL" dirty="0" smtClean="0"/>
           </a:p>
@@ -7364,212 +7583,6 @@
           <a:lstStyle/>
           <a:p>
             <a:r>
-              <a:rPr lang="es-CL" sz="2800" dirty="0" smtClean="0"/>
-              <a:t>Este proyecto está enfocado en mejorar los procesos de trabajo dentro de los servicios técnicos y con esto permitir un crecimiento en calidad de servicio hacia sus clientes, de la siguiente forma:</a:t>
-            </a:r>
-          </a:p>
-          <a:p>
-            <a:pPr lvl="1"/>
-            <a:r>
-              <a:rPr lang="es-CL" sz="2400" dirty="0" smtClean="0"/>
-              <a:t>Genera ordenes de trabajo</a:t>
-            </a:r>
-          </a:p>
-          <a:p>
-            <a:pPr lvl="1"/>
-            <a:r>
-              <a:rPr lang="es-CL" sz="2400" dirty="0" smtClean="0"/>
-              <a:t>Realizar asignación automática de artículos a técnicos</a:t>
-            </a:r>
-            <a:endParaRPr lang="es-CL" sz="2400" dirty="0" smtClean="0"/>
-          </a:p>
-          <a:p>
-            <a:pPr lvl="1"/>
-            <a:r>
-              <a:rPr lang="es-CL" sz="2400" dirty="0" smtClean="0"/>
-              <a:t>Manejar estados de orden de trabajo, en diferentes etapas del ciclo de reparación</a:t>
-            </a:r>
-          </a:p>
-          <a:p>
-            <a:pPr lvl="1"/>
-            <a:endParaRPr lang="es-CL" dirty="0" smtClean="0"/>
-          </a:p>
-          <a:p>
-            <a:pPr lvl="1"/>
-            <a:endParaRPr lang="es-CL" dirty="0"/>
-          </a:p>
-        </p:txBody>
-      </p:sp>
-      <p:sp>
-        <p:nvSpPr>
-          <p:cNvPr id="5" name="4 CuadroTexto"/>
-          <p:cNvSpPr txBox="1"/>
-          <p:nvPr/>
-        </p:nvSpPr>
-        <p:spPr>
-          <a:xfrm>
-            <a:off x="627795" y="518614"/>
-            <a:ext cx="7915702" cy="523220"/>
-          </a:xfrm>
-          <a:prstGeom prst="rect">
-            <a:avLst/>
-          </a:prstGeom>
-          <a:noFill/>
-        </p:spPr>
-        <p:txBody>
-          <a:bodyPr wrap="square" rtlCol="0">
-            <a:spAutoFit/>
-          </a:bodyPr>
-          <a:lstStyle/>
-          <a:p>
-            <a:r>
-              <a:rPr lang="es-CL" sz="2800" b="1" cap="all" dirty="0" smtClean="0">
-                <a:ln w="9000" cmpd="sng">
-                  <a:solidFill>
-                    <a:schemeClr val="accent4">
-                      <a:shade val="50000"/>
-                      <a:satMod val="120000"/>
-                    </a:schemeClr>
-                  </a:solidFill>
-                  <a:prstDash val="solid"/>
-                </a:ln>
-                <a:gradFill>
-                  <a:gsLst>
-                    <a:gs pos="0">
-                      <a:schemeClr val="accent4">
-                        <a:shade val="20000"/>
-                        <a:satMod val="245000"/>
-                      </a:schemeClr>
-                    </a:gs>
-                    <a:gs pos="43000">
-                      <a:schemeClr val="accent4">
-                        <a:satMod val="255000"/>
-                      </a:schemeClr>
-                    </a:gs>
-                    <a:gs pos="48000">
-                      <a:schemeClr val="accent4">
-                        <a:shade val="85000"/>
-                        <a:satMod val="255000"/>
-                      </a:schemeClr>
-                    </a:gs>
-                    <a:gs pos="100000">
-                      <a:schemeClr val="accent4">
-                        <a:shade val="20000"/>
-                        <a:satMod val="245000"/>
-                      </a:schemeClr>
-                    </a:gs>
-                  </a:gsLst>
-                  <a:lin ang="5400000"/>
-                </a:gradFill>
-                <a:effectLst>
-                  <a:reflection blurRad="12700" stA="28000" endPos="45000" dist="1000" dir="5400000" sy="-100000" algn="bl" rotWithShape="0"/>
-                </a:effectLst>
-                <a:latin typeface="Arial" pitchFamily="34" charset="0"/>
-                <a:cs typeface="Arial" pitchFamily="34" charset="0"/>
-              </a:rPr>
-              <a:t>Alcance</a:t>
-            </a:r>
-            <a:endParaRPr lang="es-CL" sz="2800" b="1" cap="all" dirty="0">
-              <a:ln w="9000" cmpd="sng">
-                <a:solidFill>
-                  <a:schemeClr val="accent4">
-                    <a:shade val="50000"/>
-                    <a:satMod val="120000"/>
-                  </a:schemeClr>
-                </a:solidFill>
-                <a:prstDash val="solid"/>
-              </a:ln>
-              <a:gradFill>
-                <a:gsLst>
-                  <a:gs pos="0">
-                    <a:schemeClr val="accent4">
-                      <a:shade val="20000"/>
-                      <a:satMod val="245000"/>
-                    </a:schemeClr>
-                  </a:gs>
-                  <a:gs pos="43000">
-                    <a:schemeClr val="accent4">
-                      <a:satMod val="255000"/>
-                    </a:schemeClr>
-                  </a:gs>
-                  <a:gs pos="48000">
-                    <a:schemeClr val="accent4">
-                      <a:shade val="85000"/>
-                      <a:satMod val="255000"/>
-                    </a:schemeClr>
-                  </a:gs>
-                  <a:gs pos="100000">
-                    <a:schemeClr val="accent4">
-                      <a:shade val="20000"/>
-                      <a:satMod val="245000"/>
-                    </a:schemeClr>
-                  </a:gs>
-                </a:gsLst>
-                <a:lin ang="5400000"/>
-              </a:gradFill>
-              <a:effectLst>
-                <a:reflection blurRad="12700" stA="28000" endPos="45000" dist="1000" dir="5400000" sy="-100000" algn="bl" rotWithShape="0"/>
-              </a:effectLst>
-              <a:latin typeface="Arial" pitchFamily="34" charset="0"/>
-              <a:cs typeface="Arial" pitchFamily="34" charset="0"/>
-            </a:endParaRPr>
-          </a:p>
-        </p:txBody>
-      </p:sp>
-    </p:spTree>
-  </p:cSld>
-  <p:clrMapOvr>
-    <a:masterClrMapping/>
-  </p:clrMapOvr>
-  <p:transition/>
-  <p:timing>
-    <p:tnLst>
-      <p:par>
-        <p:cTn id="1" dur="indefinite" restart="never" nodeType="tmRoot"/>
-      </p:par>
-    </p:tnLst>
-  </p:timing>
-</p:sld>
-</file>
-
-<file path=ppt/slides/slide12.xml><?xml version="1.0" encoding="utf-8"?>
-<p:sld xmlns:a="http://schemas.openxmlformats.org/drawingml/2006/main" xmlns:r="http://schemas.openxmlformats.org/officeDocument/2006/relationships" xmlns:p="http://schemas.openxmlformats.org/presentationml/2006/main">
-  <p:cSld>
-    <p:spTree>
-      <p:nvGrpSpPr>
-        <p:cNvPr id="1" name=""/>
-        <p:cNvGrpSpPr/>
-        <p:nvPr/>
-      </p:nvGrpSpPr>
-      <p:grpSpPr>
-        <a:xfrm>
-          <a:off x="0" y="0"/>
-          <a:ext cx="0" cy="0"/>
-          <a:chOff x="0" y="0"/>
-          <a:chExt cx="0" cy="0"/>
-        </a:xfrm>
-      </p:grpSpPr>
-      <p:sp>
-        <p:nvSpPr>
-          <p:cNvPr id="3" name="2 Marcador de contenido"/>
-          <p:cNvSpPr>
-            <a:spLocks noGrp="1"/>
-          </p:cNvSpPr>
-          <p:nvPr>
-            <p:ph idx="1"/>
-          </p:nvPr>
-        </p:nvSpPr>
-        <p:spPr>
-          <a:xfrm>
-            <a:off x="685800" y="1436914"/>
-            <a:ext cx="7772400" cy="4413427"/>
-          </a:xfrm>
-        </p:spPr>
-        <p:txBody>
-          <a:bodyPr/>
-          <a:lstStyle/>
-          <a:p>
-            <a:r>
               <a:rPr lang="es-CL" dirty="0" smtClean="0"/>
               <a:t>Limites:</a:t>
             </a:r>
@@ -7777,7 +7790,7 @@
 </p:sld>
 </file>
 
-<file path=ppt/slides/slide13.xml><?xml version="1.0" encoding="utf-8"?>
+<file path=ppt/slides/slide12.xml><?xml version="1.0" encoding="utf-8"?>
 <p:sld xmlns:a="http://schemas.openxmlformats.org/drawingml/2006/main" xmlns:r="http://schemas.openxmlformats.org/officeDocument/2006/relationships" xmlns:p="http://schemas.openxmlformats.org/presentationml/2006/main">
   <p:cSld>
     <p:spTree>
@@ -7816,25 +7829,13 @@
           <a:p>
             <a:r>
               <a:rPr lang="es-CL" sz="2400" dirty="0" smtClean="0"/>
-              <a:t>Desarrollo sistema para empresas de tipo servicio </a:t>
-            </a:r>
+              <a:t>Desarrollo sistema para empresas de tipo servicio técnico electrónico</a:t>
+            </a:r>
+          </a:p>
+          <a:p>
             <a:r>
               <a:rPr lang="es-CL" sz="2400" dirty="0" smtClean="0"/>
-              <a:t>técnico </a:t>
-            </a:r>
-            <a:r>
-              <a:rPr lang="es-CL" sz="2400" dirty="0" smtClean="0"/>
-              <a:t>electrónico</a:t>
-            </a:r>
-          </a:p>
-          <a:p>
-            <a:r>
-              <a:rPr lang="es-CL" sz="2400" dirty="0" smtClean="0"/>
-              <a:t>Realiza procesos </a:t>
-            </a:r>
-            <a:r>
-              <a:rPr lang="es-CL" sz="2400" dirty="0" smtClean="0"/>
-              <a:t>de flujos de órdenes de trabajo y la asignación de trabajo a los distintos técnicos de forma manual y automática.</a:t>
+              <a:t>Realiza procesos de flujos de órdenes de trabajo y la asignación de trabajo a los distintos técnicos de forma manual y automática.</a:t>
             </a:r>
           </a:p>
           <a:p>
@@ -7857,13 +7858,8 @@
           <a:p>
             <a:r>
               <a:rPr lang="es-CL" sz="2400" dirty="0" smtClean="0"/>
-              <a:t>Compuesta </a:t>
-            </a:r>
-            <a:r>
-              <a:rPr lang="es-CL" sz="2400" dirty="0" smtClean="0"/>
-              <a:t>por módulos y arquitectura en capas utilizando el patrón de diseño MVC</a:t>
-            </a:r>
-            <a:endParaRPr lang="es-CL" sz="2400" dirty="0" smtClean="0"/>
+              <a:t>Compuesta por módulos y arquitectura en capas utilizando el patrón de diseño MVC</a:t>
+            </a:r>
           </a:p>
           <a:p>
             <a:endParaRPr lang="es-CL" sz="2400" dirty="0" smtClean="0"/>
@@ -8032,7 +8028,7 @@
 </p:sld>
 </file>
 
-<file path=ppt/slides/slide14.xml><?xml version="1.0" encoding="utf-8"?>
+<file path=ppt/slides/slide13.xml><?xml version="1.0" encoding="utf-8"?>
 <p:sld xmlns:a="http://schemas.openxmlformats.org/drawingml/2006/main" xmlns:r="http://schemas.openxmlformats.org/officeDocument/2006/relationships" xmlns:p="http://schemas.openxmlformats.org/presentationml/2006/main">
   <p:cSld>
     <p:spTree>
@@ -8365,7 +8361,7 @@
 </p:sld>
 </file>
 
-<file path=ppt/slides/slide15.xml><?xml version="1.0" encoding="utf-8"?>
+<file path=ppt/slides/slide14.xml><?xml version="1.0" encoding="utf-8"?>
 <p:sld xmlns:a="http://schemas.openxmlformats.org/drawingml/2006/main" xmlns:r="http://schemas.openxmlformats.org/officeDocument/2006/relationships" xmlns:p="http://schemas.openxmlformats.org/presentationml/2006/main">
   <p:cSld>
     <p:spTree>
@@ -8411,15 +8407,7 @@
             <a:pPr lvl="1"/>
             <a:r>
               <a:rPr lang="es-CL" sz="2000" dirty="0" smtClean="0"/>
-              <a:t>Windows XP o superior o </a:t>
-            </a:r>
-            <a:r>
-              <a:rPr lang="es-CL" sz="2000" dirty="0" smtClean="0"/>
-              <a:t>d</a:t>
-            </a:r>
-            <a:r>
-              <a:rPr lang="es-CL" sz="2000" dirty="0" smtClean="0"/>
-              <a:t>istribución Linux con ambiente grafico.</a:t>
+              <a:t>Windows XP o superior o distribución Linux con ambiente grafico.</a:t>
             </a:r>
           </a:p>
           <a:p>
@@ -8469,11 +8457,7 @@
             <a:pPr lvl="2"/>
             <a:r>
               <a:rPr lang="es-CL" sz="1800" dirty="0" smtClean="0"/>
-              <a:t>Internet Explorer 7 u </a:t>
-            </a:r>
-            <a:r>
-              <a:rPr lang="es-CL" sz="1800" dirty="0" smtClean="0"/>
-              <a:t>8</a:t>
+              <a:t>Internet Explorer 7 u 8</a:t>
             </a:r>
           </a:p>
           <a:p>
@@ -8711,7 +8695,7 @@
 </p:sld>
 </file>
 
-<file path=ppt/slides/slide16.xml><?xml version="1.0" encoding="utf-8"?>
+<file path=ppt/slides/slide15.xml><?xml version="1.0" encoding="utf-8"?>
 <p:sld xmlns:a="http://schemas.openxmlformats.org/drawingml/2006/main" xmlns:r="http://schemas.openxmlformats.org/officeDocument/2006/relationships" xmlns:p="http://schemas.openxmlformats.org/presentationml/2006/main">
   <p:cSld>
     <p:spTree>
@@ -8783,8 +8767,16 @@
             <a:pPr lvl="1"/>
             <a:r>
               <a:rPr lang="es-CL" sz="2000" dirty="0" smtClean="0"/>
-              <a:t>Precio Sistema $2.000.000</a:t>
-            </a:r>
+              <a:t>Precio Sistema $</a:t>
+            </a:r>
+            <a:r>
+              <a:rPr lang="es-CL" sz="2000" dirty="0" smtClean="0"/>
+              <a:t>2.000.000</a:t>
+            </a:r>
+          </a:p>
+          <a:p>
+            <a:pPr lvl="1"/>
+            <a:endParaRPr lang="es-CL" sz="2000" dirty="0" smtClean="0"/>
           </a:p>
           <a:p>
             <a:pPr lvl="1"/>
@@ -8797,30 +8789,14 @@
             <a:pPr lvl="1"/>
             <a:r>
               <a:rPr lang="es-CL" sz="2000" dirty="0" smtClean="0"/>
-              <a:t>Precio Servidor con licencia Windows 2003 server y SQL </a:t>
-            </a:r>
+              <a:t>Precio Servidor con licencia Windows 2003 server y SQL Express $ 757.570.</a:t>
+            </a:r>
+          </a:p>
+          <a:p>
+            <a:pPr lvl="1"/>
             <a:r>
               <a:rPr lang="es-CL" sz="2000" dirty="0" smtClean="0"/>
-              <a:t>Express </a:t>
-            </a:r>
-            <a:r>
-              <a:rPr lang="es-CL" sz="2000" dirty="0" smtClean="0"/>
-              <a:t>$ </a:t>
-            </a:r>
-            <a:r>
-              <a:rPr lang="es-CL" sz="2000" dirty="0" smtClean="0"/>
-              <a:t>757.570.</a:t>
-            </a:r>
-          </a:p>
-          <a:p>
-            <a:pPr lvl="1"/>
-            <a:r>
-              <a:rPr lang="es-CL" sz="2000" dirty="0" smtClean="0"/>
-              <a:t>Precio estaciones de trabajo con </a:t>
-            </a:r>
-            <a:r>
-              <a:rPr lang="es-CL" sz="2000" dirty="0" smtClean="0"/>
-              <a:t>licencia de Windows </a:t>
+              <a:t>Precio estaciones de trabajo con licencia de Windows </a:t>
             </a:r>
             <a:r>
               <a:rPr lang="es-CL" sz="2000" dirty="0" err="1" smtClean="0"/>
@@ -8828,11 +8804,7 @@
             </a:r>
             <a:r>
               <a:rPr lang="es-CL" sz="2000" dirty="0" smtClean="0"/>
-              <a:t> </a:t>
-            </a:r>
-            <a:r>
-              <a:rPr lang="es-CL" sz="2000" dirty="0" smtClean="0"/>
-              <a:t>$366.137 </a:t>
+              <a:t> $366.137 </a:t>
             </a:r>
           </a:p>
           <a:p>
@@ -8849,7 +8821,6 @@
               <a:rPr lang="es-CL" sz="2000" dirty="0" smtClean="0"/>
               <a:t>  $259.765</a:t>
             </a:r>
-            <a:endParaRPr lang="es-CL" sz="2000" dirty="0" smtClean="0"/>
           </a:p>
           <a:p>
             <a:pPr lvl="1"/>
@@ -9023,7 +8994,7 @@
 </p:sld>
 </file>
 
-<file path=ppt/slides/slide17.xml><?xml version="1.0" encoding="utf-8"?>
+<file path=ppt/slides/slide16.xml><?xml version="1.0" encoding="utf-8"?>
 <p:sld xmlns:a="http://schemas.openxmlformats.org/drawingml/2006/main" xmlns:r="http://schemas.openxmlformats.org/officeDocument/2006/relationships" xmlns:p="http://schemas.openxmlformats.org/presentationml/2006/main">
   <p:cSld>
     <p:spTree>
@@ -9309,7 +9280,7 @@
 </p:sld>
 </file>
 
-<file path=ppt/slides/slide18.xml><?xml version="1.0" encoding="utf-8"?>
+<file path=ppt/slides/slide17.xml><?xml version="1.0" encoding="utf-8"?>
 <p:sld xmlns:a="http://schemas.openxmlformats.org/drawingml/2006/main" xmlns:r="http://schemas.openxmlformats.org/officeDocument/2006/relationships" xmlns:p="http://schemas.openxmlformats.org/presentationml/2006/main">
   <p:cSld>
     <p:spTree>
@@ -9539,7 +9510,7 @@
 </p:sld>
 </file>
 
-<file path=ppt/slides/slide19.xml><?xml version="1.0" encoding="utf-8"?>
+<file path=ppt/slides/slide18.xml><?xml version="1.0" encoding="utf-8"?>
 <p:sld xmlns:a="http://schemas.openxmlformats.org/drawingml/2006/main" xmlns:r="http://schemas.openxmlformats.org/officeDocument/2006/relationships" xmlns:p="http://schemas.openxmlformats.org/presentationml/2006/main">
   <p:cSld>
     <p:spTree>
@@ -9679,7 +9650,9 @@
           <p:nvPr/>
         </p:nvPicPr>
         <p:blipFill>
-          <a:blip r:embed="rId3" cstate="print"/>
+          <a:blip r:embed="rId3" cstate="print">
+            <a:lum bright="-20000" contrast="40000"/>
+          </a:blip>
           <a:stretch>
             <a:fillRect/>
           </a:stretch>
@@ -9692,8 +9665,186 @@
           <a:prstGeom prst="rect">
             <a:avLst/>
           </a:prstGeom>
+          <a:ln>
+            <a:noFill/>
+          </a:ln>
+          <a:effectLst>
+            <a:outerShdw blurRad="292100" dist="139700" dir="2700000" algn="tl" rotWithShape="0">
+              <a:srgbClr val="333333">
+                <a:alpha val="65000"/>
+              </a:srgbClr>
+            </a:outerShdw>
+          </a:effectLst>
         </p:spPr>
       </p:pic>
+    </p:spTree>
+  </p:cSld>
+  <p:clrMapOvr>
+    <a:masterClrMapping/>
+  </p:clrMapOvr>
+  <p:transition/>
+  <p:timing>
+    <p:tnLst>
+      <p:par>
+        <p:cTn id="1" dur="indefinite" restart="never" nodeType="tmRoot"/>
+      </p:par>
+    </p:tnLst>
+  </p:timing>
+</p:sld>
+</file>
+
+<file path=ppt/slides/slide19.xml><?xml version="1.0" encoding="utf-8"?>
+<p:sld xmlns:a="http://schemas.openxmlformats.org/drawingml/2006/main" xmlns:r="http://schemas.openxmlformats.org/officeDocument/2006/relationships" xmlns:p="http://schemas.openxmlformats.org/presentationml/2006/main">
+  <p:cSld>
+    <p:spTree>
+      <p:nvGrpSpPr>
+        <p:cNvPr id="1" name=""/>
+        <p:cNvGrpSpPr/>
+        <p:nvPr/>
+      </p:nvGrpSpPr>
+      <p:grpSpPr>
+        <a:xfrm>
+          <a:off x="0" y="0"/>
+          <a:ext cx="0" cy="0"/>
+          <a:chOff x="0" y="0"/>
+          <a:chExt cx="0" cy="0"/>
+        </a:xfrm>
+      </p:grpSpPr>
+      <p:sp>
+        <p:nvSpPr>
+          <p:cNvPr id="5" name="4 CuadroTexto"/>
+          <p:cNvSpPr txBox="1"/>
+          <p:nvPr/>
+        </p:nvSpPr>
+        <p:spPr>
+          <a:xfrm>
+            <a:off x="627795" y="518614"/>
+            <a:ext cx="7915702" cy="523220"/>
+          </a:xfrm>
+          <a:prstGeom prst="rect">
+            <a:avLst/>
+          </a:prstGeom>
+          <a:noFill/>
+        </p:spPr>
+        <p:txBody>
+          <a:bodyPr wrap="square" rtlCol="0">
+            <a:spAutoFit/>
+          </a:bodyPr>
+          <a:lstStyle/>
+          <a:p>
+            <a:r>
+              <a:rPr lang="es-CL" sz="2800" b="1" cap="all" dirty="0" smtClean="0">
+                <a:ln w="9000" cmpd="sng">
+                  <a:solidFill>
+                    <a:schemeClr val="accent4">
+                      <a:shade val="50000"/>
+                      <a:satMod val="120000"/>
+                    </a:schemeClr>
+                  </a:solidFill>
+                  <a:prstDash val="solid"/>
+                </a:ln>
+                <a:gradFill>
+                  <a:gsLst>
+                    <a:gs pos="0">
+                      <a:schemeClr val="accent4">
+                        <a:shade val="20000"/>
+                        <a:satMod val="245000"/>
+                      </a:schemeClr>
+                    </a:gs>
+                    <a:gs pos="43000">
+                      <a:schemeClr val="accent4">
+                        <a:satMod val="255000"/>
+                      </a:schemeClr>
+                    </a:gs>
+                    <a:gs pos="48000">
+                      <a:schemeClr val="accent4">
+                        <a:shade val="85000"/>
+                        <a:satMod val="255000"/>
+                      </a:schemeClr>
+                    </a:gs>
+                    <a:gs pos="100000">
+                      <a:schemeClr val="accent4">
+                        <a:shade val="20000"/>
+                        <a:satMod val="245000"/>
+                      </a:schemeClr>
+                    </a:gs>
+                  </a:gsLst>
+                  <a:lin ang="5400000"/>
+                </a:gradFill>
+                <a:effectLst>
+                  <a:reflection blurRad="12700" stA="28000" endPos="45000" dist="1000" dir="5400000" sy="-100000" algn="bl" rotWithShape="0"/>
+                </a:effectLst>
+                <a:latin typeface="Arial" pitchFamily="34" charset="0"/>
+                <a:cs typeface="Arial" pitchFamily="34" charset="0"/>
+              </a:rPr>
+              <a:t>Modelo de datos</a:t>
+            </a:r>
+            <a:endParaRPr lang="es-CL" sz="2800" b="1" cap="all" dirty="0">
+              <a:ln w="9000" cmpd="sng">
+                <a:solidFill>
+                  <a:schemeClr val="accent4">
+                    <a:shade val="50000"/>
+                    <a:satMod val="120000"/>
+                  </a:schemeClr>
+                </a:solidFill>
+                <a:prstDash val="solid"/>
+              </a:ln>
+              <a:gradFill>
+                <a:gsLst>
+                  <a:gs pos="0">
+                    <a:schemeClr val="accent4">
+                      <a:shade val="20000"/>
+                      <a:satMod val="245000"/>
+                    </a:schemeClr>
+                  </a:gs>
+                  <a:gs pos="43000">
+                    <a:schemeClr val="accent4">
+                      <a:satMod val="255000"/>
+                    </a:schemeClr>
+                  </a:gs>
+                  <a:gs pos="48000">
+                    <a:schemeClr val="accent4">
+                      <a:shade val="85000"/>
+                      <a:satMod val="255000"/>
+                    </a:schemeClr>
+                  </a:gs>
+                  <a:gs pos="100000">
+                    <a:schemeClr val="accent4">
+                      <a:shade val="20000"/>
+                      <a:satMod val="245000"/>
+                    </a:schemeClr>
+                  </a:gs>
+                </a:gsLst>
+                <a:lin ang="5400000"/>
+              </a:gradFill>
+              <a:effectLst>
+                <a:reflection blurRad="12700" stA="28000" endPos="45000" dist="1000" dir="5400000" sy="-100000" algn="bl" rotWithShape="0"/>
+              </a:effectLst>
+              <a:latin typeface="Arial" pitchFamily="34" charset="0"/>
+              <a:cs typeface="Arial" pitchFamily="34" charset="0"/>
+            </a:endParaRPr>
+          </a:p>
+        </p:txBody>
+      </p:sp>
+      <p:sp>
+        <p:nvSpPr>
+          <p:cNvPr id="6" name="5 Marcador de contenido"/>
+          <p:cNvSpPr>
+            <a:spLocks noGrp="1"/>
+          </p:cNvSpPr>
+          <p:nvPr>
+            <p:ph idx="1"/>
+          </p:nvPr>
+        </p:nvSpPr>
+        <p:spPr/>
+        <p:txBody>
+          <a:bodyPr/>
+          <a:lstStyle/>
+          <a:p>
+            <a:endParaRPr lang="es-CL" dirty="0"/>
+          </a:p>
+        </p:txBody>
+      </p:sp>
     </p:spTree>
   </p:cSld>
   <p:clrMapOvr>
@@ -9751,7 +9902,6 @@
               <a:rPr lang="es-CL" dirty="0" smtClean="0"/>
               <a:t>Introducción</a:t>
             </a:r>
-            <a:endParaRPr lang="es-CL" dirty="0" smtClean="0"/>
           </a:p>
           <a:p>
             <a:r>
@@ -9776,16 +9926,11 @@
               <a:rPr lang="es-CL" dirty="0" smtClean="0"/>
               <a:t>Solución Propuesta</a:t>
             </a:r>
-            <a:endParaRPr lang="es-CL" dirty="0" smtClean="0"/>
           </a:p>
           <a:p>
             <a:r>
               <a:rPr lang="es-CL" dirty="0" smtClean="0"/>
-              <a:t>Demostración </a:t>
-            </a:r>
-            <a:r>
-              <a:rPr lang="es-CL" dirty="0" smtClean="0"/>
-              <a:t>sistema</a:t>
+              <a:t>Demostración sistema</a:t>
             </a:r>
           </a:p>
           <a:p>
@@ -9793,7 +9938,6 @@
               <a:rPr lang="es-CL" dirty="0" smtClean="0"/>
               <a:t>Conclusión</a:t>
             </a:r>
-            <a:endParaRPr lang="es-CL" dirty="0" smtClean="0"/>
           </a:p>
           <a:p>
             <a:endParaRPr lang="es-CL" dirty="0" smtClean="0"/>
@@ -10114,27 +10258,16 @@
           <a:bodyPr/>
           <a:lstStyle/>
           <a:p>
+            <a:endParaRPr lang="es-CL" dirty="0" smtClean="0"/>
+          </a:p>
+          <a:p>
             <a:r>
               <a:rPr lang="es-CL" dirty="0" smtClean="0"/>
-              <a:t>Inicio de sesión</a:t>
-            </a:r>
-          </a:p>
-          <a:p>
+              <a:t>Crear Orden </a:t>
+            </a:r>
             <a:r>
               <a:rPr lang="es-CL" dirty="0" smtClean="0"/>
-              <a:t>Configuraciones generales</a:t>
-            </a:r>
-          </a:p>
-          <a:p>
-            <a:r>
-              <a:rPr lang="es-CL" dirty="0" smtClean="0"/>
-              <a:t>Crear Usuario</a:t>
-            </a:r>
-          </a:p>
-          <a:p>
-            <a:r>
-              <a:rPr lang="es-CL" dirty="0" smtClean="0"/>
-              <a:t>Crear Orden de trabajo</a:t>
+              <a:t>de trabajo</a:t>
             </a:r>
           </a:p>
           <a:p>
@@ -10159,7 +10292,17 @@
           <a:p>
             <a:r>
               <a:rPr lang="es-CL" dirty="0" smtClean="0"/>
-              <a:t>Recepcionista finaliza orden</a:t>
+              <a:t>Recepcionista finaliza </a:t>
+            </a:r>
+            <a:r>
+              <a:rPr lang="es-CL" dirty="0" smtClean="0"/>
+              <a:t>orden</a:t>
+            </a:r>
+          </a:p>
+          <a:p>
+            <a:r>
+              <a:rPr lang="es-CL" dirty="0" smtClean="0"/>
+              <a:t>Configuración de Sistema</a:t>
             </a:r>
             <a:endParaRPr lang="es-CL" dirty="0"/>
           </a:p>
@@ -10232,7 +10375,7 @@
         </p:nvSpPr>
         <p:spPr>
           <a:xfrm>
-            <a:off x="627795" y="518614"/>
+            <a:off x="614149" y="3167390"/>
             <a:ext cx="7915702" cy="523220"/>
           </a:xfrm>
           <a:prstGeom prst="rect">
@@ -10246,6 +10389,7 @@
           </a:bodyPr>
           <a:lstStyle/>
           <a:p>
+            <a:pPr algn="ctr"/>
             <a:r>
               <a:rPr lang="es-CL" sz="2800" b="1" cap="all" dirty="0" smtClean="0">
                 <a:ln w="9000" cmpd="sng">
@@ -10291,7 +10435,7 @@
                 <a:latin typeface="Arial" pitchFamily="34" charset="0"/>
                 <a:cs typeface="Arial" pitchFamily="34" charset="0"/>
               </a:rPr>
-              <a:t>Inicio Sesión</a:t>
+              <a:t>CREAR ORDEN DE TRABAJO</a:t>
             </a:r>
             <a:endParaRPr lang="es-CL" sz="2800" b="1" cap="all" dirty="0">
               <a:ln w="9000" cmpd="sng">
@@ -10340,35 +10484,6 @@
           </a:p>
         </p:txBody>
       </p:sp>
-      <p:pic>
-        <p:nvPicPr>
-          <p:cNvPr id="7" name="inicioSesionAdmin.avi">
-            <a:hlinkClick r:id="" action="ppaction://media"/>
-          </p:cNvPr>
-          <p:cNvPicPr>
-            <a:picLocks noGrp="1" noRot="1" noChangeAspect="1"/>
-          </p:cNvPicPr>
-          <p:nvPr>
-            <p:ph idx="1"/>
-            <a:videoFile r:link="rId1"/>
-          </p:nvPr>
-        </p:nvPicPr>
-        <p:blipFill>
-          <a:blip r:embed="rId4" cstate="print"/>
-          <a:stretch>
-            <a:fillRect/>
-          </a:stretch>
-        </p:blipFill>
-        <p:spPr>
-          <a:xfrm>
-            <a:off x="1131627" y="1216926"/>
-            <a:ext cx="6880746" cy="5160560"/>
-          </a:xfrm>
-          <a:prstGeom prst="rect">
-            <a:avLst/>
-          </a:prstGeom>
-        </p:spPr>
-      </p:pic>
     </p:spTree>
   </p:cSld>
   <p:clrMapOvr>
@@ -10378,92 +10493,7 @@
   <p:timing>
     <p:tnLst>
       <p:par>
-        <p:cTn id="1" dur="indefinite" restart="never" nodeType="tmRoot">
-          <p:childTnLst>
-            <p:seq concurrent="1" nextAc="seek">
-              <p:cTn id="2" restart="whenNotActive" fill="hold" evtFilter="cancelBubble" nodeType="interactiveSeq">
-                <p:stCondLst>
-                  <p:cond evt="onClick" delay="0">
-                    <p:tgtEl>
-                      <p:spTgt spid="7"/>
-                    </p:tgtEl>
-                  </p:cond>
-                </p:stCondLst>
-                <p:endSync evt="end" delay="0">
-                  <p:rtn val="all"/>
-                </p:endSync>
-                <p:childTnLst>
-                  <p:par>
-                    <p:cTn id="3" fill="hold">
-                      <p:stCondLst>
-                        <p:cond delay="0"/>
-                      </p:stCondLst>
-                      <p:childTnLst>
-                        <p:par>
-                          <p:cTn id="4" fill="hold">
-                            <p:stCondLst>
-                              <p:cond delay="0"/>
-                            </p:stCondLst>
-                            <p:childTnLst>
-                              <p:par>
-                                <p:cTn id="5" presetID="2" presetClass="mediacall" presetSubtype="0" fill="hold" nodeType="clickEffect">
-                                  <p:stCondLst>
-                                    <p:cond delay="0"/>
-                                  </p:stCondLst>
-                                  <p:childTnLst>
-                                    <p:cmd type="call" cmd="togglePause">
-                                      <p:cBhvr>
-                                        <p:cTn id="6" dur="1" fill="hold"/>
-                                        <p:tgtEl>
-                                          <p:spTgt spid="7"/>
-                                        </p:tgtEl>
-                                      </p:cBhvr>
-                                    </p:cmd>
-                                  </p:childTnLst>
-                                </p:cTn>
-                              </p:par>
-                            </p:childTnLst>
-                          </p:cTn>
-                        </p:par>
-                      </p:childTnLst>
-                    </p:cTn>
-                  </p:par>
-                </p:childTnLst>
-              </p:cTn>
-              <p:nextCondLst>
-                <p:cond evt="onClick" delay="0">
-                  <p:tgtEl>
-                    <p:spTgt spid="7"/>
-                  </p:tgtEl>
-                </p:cond>
-              </p:nextCondLst>
-            </p:seq>
-            <p:video>
-              <p:cMediaNode>
-                <p:cTn id="7" fill="hold" display="0">
-                  <p:stCondLst>
-                    <p:cond delay="indefinite"/>
-                  </p:stCondLst>
-                  <p:endCondLst>
-                    <p:cond evt="onNext" delay="0">
-                      <p:tgtEl>
-                        <p:sldTgt/>
-                      </p:tgtEl>
-                    </p:cond>
-                    <p:cond evt="onPrev" delay="0">
-                      <p:tgtEl>
-                        <p:sldTgt/>
-                      </p:tgtEl>
-                    </p:cond>
-                  </p:endCondLst>
-                </p:cTn>
-                <p:tgtEl>
-                  <p:spTgt spid="7"/>
-                </p:tgtEl>
-              </p:cMediaNode>
-            </p:video>
-          </p:childTnLst>
-        </p:cTn>
+        <p:cTn id="1" dur="indefinite" restart="never" nodeType="tmRoot"/>
       </p:par>
     </p:tnLst>
   </p:timing>
@@ -10487,122 +10517,6 @@
           <a:chExt cx="0" cy="0"/>
         </a:xfrm>
       </p:grpSpPr>
-      <p:sp>
-        <p:nvSpPr>
-          <p:cNvPr id="5" name="4 CuadroTexto"/>
-          <p:cNvSpPr txBox="1"/>
-          <p:nvPr/>
-        </p:nvSpPr>
-        <p:spPr>
-          <a:xfrm>
-            <a:off x="627795" y="518614"/>
-            <a:ext cx="7915702" cy="523220"/>
-          </a:xfrm>
-          <a:prstGeom prst="rect">
-            <a:avLst/>
-          </a:prstGeom>
-          <a:noFill/>
-        </p:spPr>
-        <p:txBody>
-          <a:bodyPr wrap="square" rtlCol="0">
-            <a:spAutoFit/>
-          </a:bodyPr>
-          <a:lstStyle/>
-          <a:p>
-            <a:r>
-              <a:rPr lang="es-CL" sz="2800" b="1" cap="all" dirty="0" smtClean="0">
-                <a:ln w="9000" cmpd="sng">
-                  <a:solidFill>
-                    <a:schemeClr val="accent4">
-                      <a:shade val="50000"/>
-                      <a:satMod val="120000"/>
-                    </a:schemeClr>
-                  </a:solidFill>
-                  <a:prstDash val="solid"/>
-                </a:ln>
-                <a:gradFill>
-                  <a:gsLst>
-                    <a:gs pos="0">
-                      <a:schemeClr val="accent4">
-                        <a:shade val="20000"/>
-                        <a:satMod val="245000"/>
-                      </a:schemeClr>
-                    </a:gs>
-                    <a:gs pos="43000">
-                      <a:schemeClr val="accent4">
-                        <a:satMod val="255000"/>
-                      </a:schemeClr>
-                    </a:gs>
-                    <a:gs pos="48000">
-                      <a:schemeClr val="accent4">
-                        <a:shade val="85000"/>
-                        <a:satMod val="255000"/>
-                      </a:schemeClr>
-                    </a:gs>
-                    <a:gs pos="100000">
-                      <a:schemeClr val="accent4">
-                        <a:shade val="20000"/>
-                        <a:satMod val="245000"/>
-                      </a:schemeClr>
-                    </a:gs>
-                  </a:gsLst>
-                  <a:lin ang="5400000"/>
-                </a:gradFill>
-                <a:effectLst>
-                  <a:reflection blurRad="12700" stA="28000" endPos="45000" dist="1000" dir="5400000" sy="-100000" algn="bl" rotWithShape="0"/>
-                </a:effectLst>
-                <a:latin typeface="Arial" pitchFamily="34" charset="0"/>
-                <a:cs typeface="Arial" pitchFamily="34" charset="0"/>
-              </a:rPr>
-              <a:t>Configuraciones generales</a:t>
-            </a:r>
-            <a:endParaRPr lang="es-CL" sz="2800" b="1" cap="all" dirty="0">
-              <a:ln w="9000" cmpd="sng">
-                <a:solidFill>
-                  <a:schemeClr val="accent4">
-                    <a:shade val="50000"/>
-                    <a:satMod val="120000"/>
-                  </a:schemeClr>
-                </a:solidFill>
-                <a:prstDash val="solid"/>
-              </a:ln>
-              <a:gradFill>
-                <a:gsLst>
-                  <a:gs pos="0">
-                    <a:schemeClr val="accent4">
-                      <a:shade val="20000"/>
-                      <a:satMod val="245000"/>
-                    </a:schemeClr>
-                  </a:gs>
-                  <a:gs pos="43000">
-                    <a:schemeClr val="accent4">
-                      <a:satMod val="255000"/>
-                    </a:schemeClr>
-                  </a:gs>
-                  <a:gs pos="48000">
-                    <a:schemeClr val="accent4">
-                      <a:shade val="85000"/>
-                      <a:satMod val="255000"/>
-                    </a:schemeClr>
-                  </a:gs>
-                  <a:gs pos="100000">
-                    <a:schemeClr val="accent4">
-                      <a:shade val="20000"/>
-                      <a:satMod val="245000"/>
-                    </a:schemeClr>
-                  </a:gs>
-                </a:gsLst>
-                <a:lin ang="5400000"/>
-              </a:gradFill>
-              <a:effectLst>
-                <a:reflection blurRad="12700" stA="28000" endPos="45000" dist="1000" dir="5400000" sy="-100000" algn="bl" rotWithShape="0"/>
-              </a:effectLst>
-              <a:latin typeface="Arial" pitchFamily="34" charset="0"/>
-              <a:cs typeface="Arial" pitchFamily="34" charset="0"/>
-            </a:endParaRPr>
-          </a:p>
-        </p:txBody>
-      </p:sp>
       <p:pic>
         <p:nvPicPr>
           <p:cNvPr id="6" name="configuracionGeneral.avi">
@@ -10644,7 +10558,89 @@
         <p:cTn id="1" dur="indefinite" restart="never" nodeType="tmRoot">
           <p:childTnLst>
             <p:seq concurrent="1" nextAc="seek">
-              <p:cTn id="2" restart="whenNotActive" fill="hold" evtFilter="cancelBubble" nodeType="interactiveSeq">
+              <p:cTn id="2" dur="indefinite" nodeType="mainSeq">
+                <p:childTnLst>
+                  <p:par>
+                    <p:cTn id="3" fill="hold">
+                      <p:stCondLst>
+                        <p:cond delay="indefinite"/>
+                        <p:cond evt="onBegin" delay="0">
+                          <p:tn val="2"/>
+                        </p:cond>
+                      </p:stCondLst>
+                      <p:childTnLst>
+                        <p:par>
+                          <p:cTn id="4" fill="hold">
+                            <p:stCondLst>
+                              <p:cond delay="0"/>
+                            </p:stCondLst>
+                            <p:childTnLst>
+                              <p:par>
+                                <p:cTn id="5" presetID="1" presetClass="mediacall" presetSubtype="0" fill="hold" nodeType="afterEffect">
+                                  <p:stCondLst>
+                                    <p:cond delay="0"/>
+                                  </p:stCondLst>
+                                  <p:childTnLst>
+                                    <p:cmd type="call" cmd="playFrom(0.0)">
+                                      <p:cBhvr>
+                                        <p:cTn id="6" dur="85534" fill="hold"/>
+                                        <p:tgtEl>
+                                          <p:spTgt spid="6"/>
+                                        </p:tgtEl>
+                                      </p:cBhvr>
+                                    </p:cmd>
+                                  </p:childTnLst>
+                                </p:cTn>
+                              </p:par>
+                            </p:childTnLst>
+                          </p:cTn>
+                        </p:par>
+                      </p:childTnLst>
+                    </p:cTn>
+                  </p:par>
+                </p:childTnLst>
+              </p:cTn>
+              <p:prevCondLst>
+                <p:cond evt="onPrev" delay="0">
+                  <p:tgtEl>
+                    <p:sldTgt/>
+                  </p:tgtEl>
+                </p:cond>
+              </p:prevCondLst>
+              <p:nextCondLst>
+                <p:cond evt="onNext" delay="0">
+                  <p:tgtEl>
+                    <p:sldTgt/>
+                  </p:tgtEl>
+                </p:cond>
+              </p:nextCondLst>
+            </p:seq>
+            <p:video fullScrn="1">
+              <p:cMediaNode>
+                <p:cTn id="7" fill="hold" display="0">
+                  <p:stCondLst>
+                    <p:cond delay="indefinite"/>
+                  </p:stCondLst>
+                  <p:endCondLst>
+                    <p:cond evt="onNext" delay="0">
+                      <p:tgtEl>
+                        <p:sldTgt/>
+                      </p:tgtEl>
+                    </p:cond>
+                    <p:cond evt="onPrev" delay="0">
+                      <p:tgtEl>
+                        <p:sldTgt/>
+                      </p:tgtEl>
+                    </p:cond>
+                  </p:endCondLst>
+                </p:cTn>
+                <p:tgtEl>
+                  <p:spTgt spid="6"/>
+                </p:tgtEl>
+              </p:cMediaNode>
+            </p:video>
+            <p:seq concurrent="1" nextAc="seek">
+              <p:cTn id="8" restart="whenNotActive" fill="hold" evtFilter="cancelBubble" nodeType="interactiveSeq">
                 <p:stCondLst>
                   <p:cond evt="onClick" delay="0">
                     <p:tgtEl>
@@ -10657,26 +10653,26 @@
                 </p:endSync>
                 <p:childTnLst>
                   <p:par>
-                    <p:cTn id="3" fill="hold">
+                    <p:cTn id="9" fill="hold">
                       <p:stCondLst>
                         <p:cond delay="0"/>
                       </p:stCondLst>
                       <p:childTnLst>
                         <p:par>
-                          <p:cTn id="4" fill="hold">
+                          <p:cTn id="10" fill="hold">
                             <p:stCondLst>
                               <p:cond delay="0"/>
                             </p:stCondLst>
                             <p:childTnLst>
                               <p:par>
-                                <p:cTn id="5" presetID="2" presetClass="mediacall" presetSubtype="0" fill="hold" nodeType="clickEffect">
+                                <p:cTn id="11" presetID="2" presetClass="mediacall" presetSubtype="0" fill="hold" nodeType="clickEffect">
                                   <p:stCondLst>
                                     <p:cond delay="0"/>
                                   </p:stCondLst>
                                   <p:childTnLst>
                                     <p:cmd type="call" cmd="togglePause">
                                       <p:cBhvr>
-                                        <p:cTn id="6" dur="1" fill="hold"/>
+                                        <p:cTn id="12" dur="1" fill="hold"/>
                                         <p:tgtEl>
                                           <p:spTgt spid="6"/>
                                         </p:tgtEl>
@@ -10701,30 +10697,6 @@
                 </p:cond>
               </p:nextCondLst>
             </p:seq>
-            <p:video>
-              <p:cMediaNode>
-                <p:cTn id="7" fill="hold" display="0">
-                  <p:stCondLst>
-                    <p:cond delay="indefinite"/>
-                  </p:stCondLst>
-                  <p:endCondLst>
-                    <p:cond evt="onNext" delay="0">
-                      <p:tgtEl>
-                        <p:sldTgt/>
-                      </p:tgtEl>
-                    </p:cond>
-                    <p:cond evt="onPrev" delay="0">
-                      <p:tgtEl>
-                        <p:sldTgt/>
-                      </p:tgtEl>
-                    </p:cond>
-                  </p:endCondLst>
-                </p:cTn>
-                <p:tgtEl>
-                  <p:spTgt spid="6"/>
-                </p:tgtEl>
-              </p:cMediaNode>
-            </p:video>
           </p:childTnLst>
         </p:cTn>
       </p:par>
@@ -13081,7 +13053,9 @@
           <p:nvPr/>
         </p:nvPicPr>
         <p:blipFill>
-          <a:blip r:embed="rId3" cstate="print"/>
+          <a:blip r:embed="rId3" cstate="print">
+            <a:lum bright="20000" contrast="40000"/>
+          </a:blip>
           <a:stretch>
             <a:fillRect/>
           </a:stretch>
@@ -13094,6 +13068,16 @@
           <a:prstGeom prst="rect">
             <a:avLst/>
           </a:prstGeom>
+          <a:ln>
+            <a:noFill/>
+          </a:ln>
+          <a:effectLst>
+            <a:outerShdw blurRad="292100" dist="139700" dir="2700000" algn="tl" rotWithShape="0">
+              <a:srgbClr val="333333">
+                <a:alpha val="65000"/>
+              </a:srgbClr>
+            </a:outerShdw>
+          </a:effectLst>
         </p:spPr>
       </p:pic>
     </p:spTree>
@@ -13279,7 +13263,9 @@
           <p:nvPr/>
         </p:nvPicPr>
         <p:blipFill>
-          <a:blip r:embed="rId3" cstate="print"/>
+          <a:blip r:embed="rId3" cstate="print">
+            <a:lum bright="-20000" contrast="40000"/>
+          </a:blip>
           <a:stretch>
             <a:fillRect/>
           </a:stretch>
@@ -13292,15 +13278,16 @@
           <a:prstGeom prst="rect">
             <a:avLst/>
           </a:prstGeom>
-          <a:scene3d>
-            <a:camera prst="orthographicFront"/>
-            <a:lightRig rig="threePt" dir="t"/>
-          </a:scene3d>
-          <a:sp3d extrusionH="76200">
-            <a:extrusionClr>
-              <a:schemeClr val="tx1"/>
-            </a:extrusionClr>
-          </a:sp3d>
+          <a:ln>
+            <a:noFill/>
+          </a:ln>
+          <a:effectLst>
+            <a:outerShdw blurRad="292100" dist="139700" dir="2700000" algn="tl" rotWithShape="0">
+              <a:srgbClr val="333333">
+                <a:alpha val="65000"/>
+              </a:srgbClr>
+            </a:outerShdw>
+          </a:effectLst>
         </p:spPr>
       </p:pic>
     </p:spTree>
@@ -13474,39 +13461,14 @@
           <a:p>
             <a:r>
               <a:rPr lang="es-CL" dirty="0" smtClean="0"/>
-              <a:t>Tiempo </a:t>
-            </a:r>
+              <a:t>Tiempo de entrega  es extenso y los plazo se extienden.</a:t>
+            </a:r>
+          </a:p>
+          <a:p>
             <a:r>
               <a:rPr lang="es-CL" dirty="0" smtClean="0"/>
-              <a:t>de entrega  es </a:t>
-            </a:r>
-            <a:r>
-              <a:rPr lang="es-CL" dirty="0" smtClean="0"/>
-              <a:t>extenso y los </a:t>
-            </a:r>
-            <a:r>
-              <a:rPr lang="es-CL" dirty="0" smtClean="0"/>
-              <a:t>plazo se </a:t>
-            </a:r>
-            <a:r>
-              <a:rPr lang="es-CL" dirty="0" smtClean="0"/>
-              <a:t>extienden.</a:t>
-            </a:r>
-          </a:p>
-          <a:p>
-            <a:r>
-              <a:rPr lang="es-CL" dirty="0" smtClean="0"/>
-              <a:t>S</a:t>
-            </a:r>
-            <a:r>
-              <a:rPr lang="es-CL" dirty="0" smtClean="0"/>
-              <a:t>urgen </a:t>
-            </a:r>
-            <a:r>
-              <a:rPr lang="es-CL" dirty="0" smtClean="0"/>
-              <a:t>problemas entre cliente y servicio, que derivan en denuncias, disconformidades y mala imagen de la empresa. </a:t>
-            </a:r>
-            <a:endParaRPr lang="es-CL" dirty="0" smtClean="0"/>
+              <a:t>Surgen problemas entre cliente y servicio, que derivan en denuncias, disconformidades y mala imagen de la empresa. </a:t>
+            </a:r>
           </a:p>
           <a:p>
             <a:r>
@@ -13600,7 +13562,6 @@
               <a:rPr lang="es-CL" dirty="0" smtClean="0"/>
               <a:t>Desarrollar sistema que permita el correcto ingreso de orden de trabajo, asignación automática y manual a técnicos, para empresas de tipo servicio técnico electrónico.</a:t>
             </a:r>
-            <a:endParaRPr lang="es-CL" dirty="0" smtClean="0"/>
           </a:p>
           <a:p>
             <a:endParaRPr lang="es-CL" dirty="0"/>

--- a/sigset/documentos/Documentos finales/Presentacion.pptx
+++ b/sigset/documentos/Documentos finales/Presentacion.pptx
@@ -9918,8 +9918,13 @@
           <a:p>
             <a:r>
               <a:rPr lang="es-CL" dirty="0" smtClean="0"/>
-              <a:t>Objetivo y alcance</a:t>
-            </a:r>
+              <a:t>Objetivo y </a:t>
+            </a:r>
+            <a:r>
+              <a:rPr lang="es-CL" dirty="0" smtClean="0"/>
+              <a:t>delimitación</a:t>
+            </a:r>
+            <a:endParaRPr lang="es-CL" dirty="0" smtClean="0"/>
           </a:p>
           <a:p>
             <a:r>

--- a/sigset/documentos/Documentos finales/Presentacion.pptx
+++ b/sigset/documentos/Documentos finales/Presentacion.pptx
@@ -5,10 +5,10 @@
     <p:sldMasterId id="2147483648" r:id="rId1"/>
   </p:sldMasterIdLst>
   <p:notesMasterIdLst>
-    <p:notesMasterId r:id="rId30"/>
+    <p:notesMasterId r:id="rId29"/>
   </p:notesMasterIdLst>
   <p:handoutMasterIdLst>
-    <p:handoutMasterId r:id="rId31"/>
+    <p:handoutMasterId r:id="rId30"/>
   </p:handoutMasterIdLst>
   <p:sldIdLst>
     <p:sldId id="334" r:id="rId2"/>
@@ -32,13 +32,12 @@
     <p:sldId id="364" r:id="rId20"/>
     <p:sldId id="357" r:id="rId21"/>
     <p:sldId id="337" r:id="rId22"/>
-    <p:sldId id="358" r:id="rId23"/>
-    <p:sldId id="359" r:id="rId24"/>
-    <p:sldId id="360" r:id="rId25"/>
-    <p:sldId id="361" r:id="rId26"/>
-    <p:sldId id="362" r:id="rId27"/>
-    <p:sldId id="363" r:id="rId28"/>
-    <p:sldId id="356" r:id="rId29"/>
+    <p:sldId id="365" r:id="rId23"/>
+    <p:sldId id="366" r:id="rId24"/>
+    <p:sldId id="367" r:id="rId25"/>
+    <p:sldId id="368" r:id="rId26"/>
+    <p:sldId id="358" r:id="rId27"/>
+    <p:sldId id="356" r:id="rId28"/>
   </p:sldIdLst>
   <p:sldSz cx="9144000" cy="6858000" type="screen4x3"/>
   <p:notesSz cx="7010400" cy="11125200"/>
@@ -2450,21 +2449,7 @@
           </a:bodyPr>
           <a:lstStyle/>
           <a:p>
-            <a:r>
-              <a:rPr lang="es-CL" smtClean="0"/>
-              <a:t>RUMINA</a:t>
-            </a:r>
-          </a:p>
-          <a:p>
-            <a:r>
-              <a:rPr lang="es-CL" dirty="0" smtClean="0"/>
-              <a:t>Este proyecto</a:t>
-            </a:r>
-            <a:r>
-              <a:rPr lang="es-CL" baseline="0" dirty="0" smtClean="0"/>
-              <a:t> se estima una </a:t>
-            </a:r>
-            <a:endParaRPr lang="es-CL" dirty="0"/>
+            <a:endParaRPr lang="es-CL"/>
           </a:p>
         </p:txBody>
       </p:sp>
@@ -2491,7 +2476,369 @@
               <a:pPr>
                 <a:defRPr/>
               </a:pPr>
-              <a:t>28</a:t>
+              <a:t>22</a:t>
+            </a:fld>
+            <a:endParaRPr lang="es-ES"/>
+          </a:p>
+        </p:txBody>
+      </p:sp>
+    </p:spTree>
+  </p:cSld>
+  <p:clrMapOvr>
+    <a:masterClrMapping/>
+  </p:clrMapOvr>
+</p:notes>
+</file>
+
+<file path=ppt/notesSlides/notesSlide23.xml><?xml version="1.0" encoding="utf-8"?>
+<p:notes xmlns:a="http://schemas.openxmlformats.org/drawingml/2006/main" xmlns:r="http://schemas.openxmlformats.org/officeDocument/2006/relationships" xmlns:p="http://schemas.openxmlformats.org/presentationml/2006/main">
+  <p:cSld>
+    <p:spTree>
+      <p:nvGrpSpPr>
+        <p:cNvPr id="1" name=""/>
+        <p:cNvGrpSpPr/>
+        <p:nvPr/>
+      </p:nvGrpSpPr>
+      <p:grpSpPr>
+        <a:xfrm>
+          <a:off x="0" y="0"/>
+          <a:ext cx="0" cy="0"/>
+          <a:chOff x="0" y="0"/>
+          <a:chExt cx="0" cy="0"/>
+        </a:xfrm>
+      </p:grpSpPr>
+      <p:sp>
+        <p:nvSpPr>
+          <p:cNvPr id="2" name="1 Marcador de imagen de diapositiva"/>
+          <p:cNvSpPr>
+            <a:spLocks noGrp="1" noRot="1" noChangeAspect="1"/>
+          </p:cNvSpPr>
+          <p:nvPr>
+            <p:ph type="sldImg"/>
+          </p:nvPr>
+        </p:nvSpPr>
+        <p:spPr/>
+      </p:sp>
+      <p:sp>
+        <p:nvSpPr>
+          <p:cNvPr id="3" name="2 Marcador de notas"/>
+          <p:cNvSpPr>
+            <a:spLocks noGrp="1"/>
+          </p:cNvSpPr>
+          <p:nvPr>
+            <p:ph type="body" idx="1"/>
+          </p:nvPr>
+        </p:nvSpPr>
+        <p:spPr/>
+        <p:txBody>
+          <a:bodyPr>
+            <a:normAutofit/>
+          </a:bodyPr>
+          <a:lstStyle/>
+          <a:p>
+            <a:endParaRPr lang="es-CL"/>
+          </a:p>
+        </p:txBody>
+      </p:sp>
+      <p:sp>
+        <p:nvSpPr>
+          <p:cNvPr id="4" name="3 Marcador de número de diapositiva"/>
+          <p:cNvSpPr>
+            <a:spLocks noGrp="1"/>
+          </p:cNvSpPr>
+          <p:nvPr>
+            <p:ph type="sldNum" sz="quarter" idx="10"/>
+          </p:nvPr>
+        </p:nvSpPr>
+        <p:spPr/>
+        <p:txBody>
+          <a:bodyPr/>
+          <a:lstStyle/>
+          <a:p>
+            <a:pPr>
+              <a:defRPr/>
+            </a:pPr>
+            <a:fld id="{FDE42844-D1B2-4A88-A9DE-E38F64B7E751}" type="slidenum">
+              <a:rPr lang="es-ES" smtClean="0"/>
+              <a:pPr>
+                <a:defRPr/>
+              </a:pPr>
+              <a:t>23</a:t>
+            </a:fld>
+            <a:endParaRPr lang="es-ES"/>
+          </a:p>
+        </p:txBody>
+      </p:sp>
+    </p:spTree>
+  </p:cSld>
+  <p:clrMapOvr>
+    <a:masterClrMapping/>
+  </p:clrMapOvr>
+</p:notes>
+</file>
+
+<file path=ppt/notesSlides/notesSlide24.xml><?xml version="1.0" encoding="utf-8"?>
+<p:notes xmlns:a="http://schemas.openxmlformats.org/drawingml/2006/main" xmlns:r="http://schemas.openxmlformats.org/officeDocument/2006/relationships" xmlns:p="http://schemas.openxmlformats.org/presentationml/2006/main">
+  <p:cSld>
+    <p:spTree>
+      <p:nvGrpSpPr>
+        <p:cNvPr id="1" name=""/>
+        <p:cNvGrpSpPr/>
+        <p:nvPr/>
+      </p:nvGrpSpPr>
+      <p:grpSpPr>
+        <a:xfrm>
+          <a:off x="0" y="0"/>
+          <a:ext cx="0" cy="0"/>
+          <a:chOff x="0" y="0"/>
+          <a:chExt cx="0" cy="0"/>
+        </a:xfrm>
+      </p:grpSpPr>
+      <p:sp>
+        <p:nvSpPr>
+          <p:cNvPr id="2" name="1 Marcador de imagen de diapositiva"/>
+          <p:cNvSpPr>
+            <a:spLocks noGrp="1" noRot="1" noChangeAspect="1"/>
+          </p:cNvSpPr>
+          <p:nvPr>
+            <p:ph type="sldImg"/>
+          </p:nvPr>
+        </p:nvSpPr>
+        <p:spPr/>
+      </p:sp>
+      <p:sp>
+        <p:nvSpPr>
+          <p:cNvPr id="3" name="2 Marcador de notas"/>
+          <p:cNvSpPr>
+            <a:spLocks noGrp="1"/>
+          </p:cNvSpPr>
+          <p:nvPr>
+            <p:ph type="body" idx="1"/>
+          </p:nvPr>
+        </p:nvSpPr>
+        <p:spPr/>
+        <p:txBody>
+          <a:bodyPr>
+            <a:normAutofit/>
+          </a:bodyPr>
+          <a:lstStyle/>
+          <a:p>
+            <a:endParaRPr lang="es-CL"/>
+          </a:p>
+        </p:txBody>
+      </p:sp>
+      <p:sp>
+        <p:nvSpPr>
+          <p:cNvPr id="4" name="3 Marcador de número de diapositiva"/>
+          <p:cNvSpPr>
+            <a:spLocks noGrp="1"/>
+          </p:cNvSpPr>
+          <p:nvPr>
+            <p:ph type="sldNum" sz="quarter" idx="10"/>
+          </p:nvPr>
+        </p:nvSpPr>
+        <p:spPr/>
+        <p:txBody>
+          <a:bodyPr/>
+          <a:lstStyle/>
+          <a:p>
+            <a:pPr>
+              <a:defRPr/>
+            </a:pPr>
+            <a:fld id="{FDE42844-D1B2-4A88-A9DE-E38F64B7E751}" type="slidenum">
+              <a:rPr lang="es-ES" smtClean="0"/>
+              <a:pPr>
+                <a:defRPr/>
+              </a:pPr>
+              <a:t>24</a:t>
+            </a:fld>
+            <a:endParaRPr lang="es-ES"/>
+          </a:p>
+        </p:txBody>
+      </p:sp>
+    </p:spTree>
+  </p:cSld>
+  <p:clrMapOvr>
+    <a:masterClrMapping/>
+  </p:clrMapOvr>
+</p:notes>
+</file>
+
+<file path=ppt/notesSlides/notesSlide25.xml><?xml version="1.0" encoding="utf-8"?>
+<p:notes xmlns:a="http://schemas.openxmlformats.org/drawingml/2006/main" xmlns:r="http://schemas.openxmlformats.org/officeDocument/2006/relationships" xmlns:p="http://schemas.openxmlformats.org/presentationml/2006/main">
+  <p:cSld>
+    <p:spTree>
+      <p:nvGrpSpPr>
+        <p:cNvPr id="1" name=""/>
+        <p:cNvGrpSpPr/>
+        <p:nvPr/>
+      </p:nvGrpSpPr>
+      <p:grpSpPr>
+        <a:xfrm>
+          <a:off x="0" y="0"/>
+          <a:ext cx="0" cy="0"/>
+          <a:chOff x="0" y="0"/>
+          <a:chExt cx="0" cy="0"/>
+        </a:xfrm>
+      </p:grpSpPr>
+      <p:sp>
+        <p:nvSpPr>
+          <p:cNvPr id="2" name="1 Marcador de imagen de diapositiva"/>
+          <p:cNvSpPr>
+            <a:spLocks noGrp="1" noRot="1" noChangeAspect="1"/>
+          </p:cNvSpPr>
+          <p:nvPr>
+            <p:ph type="sldImg"/>
+          </p:nvPr>
+        </p:nvSpPr>
+        <p:spPr/>
+      </p:sp>
+      <p:sp>
+        <p:nvSpPr>
+          <p:cNvPr id="3" name="2 Marcador de notas"/>
+          <p:cNvSpPr>
+            <a:spLocks noGrp="1"/>
+          </p:cNvSpPr>
+          <p:nvPr>
+            <p:ph type="body" idx="1"/>
+          </p:nvPr>
+        </p:nvSpPr>
+        <p:spPr/>
+        <p:txBody>
+          <a:bodyPr>
+            <a:normAutofit/>
+          </a:bodyPr>
+          <a:lstStyle/>
+          <a:p>
+            <a:endParaRPr lang="es-CL"/>
+          </a:p>
+        </p:txBody>
+      </p:sp>
+      <p:sp>
+        <p:nvSpPr>
+          <p:cNvPr id="4" name="3 Marcador de número de diapositiva"/>
+          <p:cNvSpPr>
+            <a:spLocks noGrp="1"/>
+          </p:cNvSpPr>
+          <p:nvPr>
+            <p:ph type="sldNum" sz="quarter" idx="10"/>
+          </p:nvPr>
+        </p:nvSpPr>
+        <p:spPr/>
+        <p:txBody>
+          <a:bodyPr/>
+          <a:lstStyle/>
+          <a:p>
+            <a:pPr>
+              <a:defRPr/>
+            </a:pPr>
+            <a:fld id="{FDE42844-D1B2-4A88-A9DE-E38F64B7E751}" type="slidenum">
+              <a:rPr lang="es-ES" smtClean="0"/>
+              <a:pPr>
+                <a:defRPr/>
+              </a:pPr>
+              <a:t>25</a:t>
+            </a:fld>
+            <a:endParaRPr lang="es-ES"/>
+          </a:p>
+        </p:txBody>
+      </p:sp>
+    </p:spTree>
+  </p:cSld>
+  <p:clrMapOvr>
+    <a:masterClrMapping/>
+  </p:clrMapOvr>
+</p:notes>
+</file>
+
+<file path=ppt/notesSlides/notesSlide26.xml><?xml version="1.0" encoding="utf-8"?>
+<p:notes xmlns:a="http://schemas.openxmlformats.org/drawingml/2006/main" xmlns:r="http://schemas.openxmlformats.org/officeDocument/2006/relationships" xmlns:p="http://schemas.openxmlformats.org/presentationml/2006/main">
+  <p:cSld>
+    <p:spTree>
+      <p:nvGrpSpPr>
+        <p:cNvPr id="1" name=""/>
+        <p:cNvGrpSpPr/>
+        <p:nvPr/>
+      </p:nvGrpSpPr>
+      <p:grpSpPr>
+        <a:xfrm>
+          <a:off x="0" y="0"/>
+          <a:ext cx="0" cy="0"/>
+          <a:chOff x="0" y="0"/>
+          <a:chExt cx="0" cy="0"/>
+        </a:xfrm>
+      </p:grpSpPr>
+      <p:sp>
+        <p:nvSpPr>
+          <p:cNvPr id="2" name="1 Marcador de imagen de diapositiva"/>
+          <p:cNvSpPr>
+            <a:spLocks noGrp="1" noRot="1" noChangeAspect="1"/>
+          </p:cNvSpPr>
+          <p:nvPr>
+            <p:ph type="sldImg"/>
+          </p:nvPr>
+        </p:nvSpPr>
+        <p:spPr/>
+      </p:sp>
+      <p:sp>
+        <p:nvSpPr>
+          <p:cNvPr id="3" name="2 Marcador de notas"/>
+          <p:cNvSpPr>
+            <a:spLocks noGrp="1"/>
+          </p:cNvSpPr>
+          <p:nvPr>
+            <p:ph type="body" idx="1"/>
+          </p:nvPr>
+        </p:nvSpPr>
+        <p:spPr/>
+        <p:txBody>
+          <a:bodyPr>
+            <a:normAutofit/>
+          </a:bodyPr>
+          <a:lstStyle/>
+          <a:p>
+            <a:r>
+              <a:rPr lang="es-CL" smtClean="0"/>
+              <a:t>RUMINA</a:t>
+            </a:r>
+          </a:p>
+          <a:p>
+            <a:r>
+              <a:rPr lang="es-CL" dirty="0" smtClean="0"/>
+              <a:t>Este proyecto</a:t>
+            </a:r>
+            <a:r>
+              <a:rPr lang="es-CL" baseline="0" dirty="0" smtClean="0"/>
+              <a:t> se estima una </a:t>
+            </a:r>
+            <a:endParaRPr lang="es-CL" dirty="0"/>
+          </a:p>
+        </p:txBody>
+      </p:sp>
+      <p:sp>
+        <p:nvSpPr>
+          <p:cNvPr id="4" name="3 Marcador de número de diapositiva"/>
+          <p:cNvSpPr>
+            <a:spLocks noGrp="1"/>
+          </p:cNvSpPr>
+          <p:nvPr>
+            <p:ph type="sldNum" sz="quarter" idx="10"/>
+          </p:nvPr>
+        </p:nvSpPr>
+        <p:spPr/>
+        <p:txBody>
+          <a:bodyPr/>
+          <a:lstStyle/>
+          <a:p>
+            <a:pPr>
+              <a:defRPr/>
+            </a:pPr>
+            <a:fld id="{FDE42844-D1B2-4A88-A9DE-E38F64B7E751}" type="slidenum">
+              <a:rPr lang="es-ES" smtClean="0"/>
+              <a:pPr>
+                <a:defRPr/>
+              </a:pPr>
+              <a:t>27</a:t>
             </a:fld>
             <a:endParaRPr lang="es-ES"/>
           </a:p>
@@ -2584,8 +2931,12 @@
           </a:p>
           <a:p>
             <a:r>
+              <a:rPr lang="es-CL" b="1" baseline="0" dirty="0" smtClean="0"/>
+              <a:t>Debido a que estas empresas posee flujo de trabajo similares</a:t>
+            </a:r>
+            <a:r>
               <a:rPr lang="es-CL" b="0" baseline="0" dirty="0" smtClean="0"/>
-              <a:t>Debido a que estas empresas posee flujo de trabajo similares.</a:t>
+              <a:t>.</a:t>
             </a:r>
           </a:p>
           <a:p>
@@ -2594,7 +2945,23 @@
           <a:p>
             <a:r>
               <a:rPr lang="es-CL" b="0" baseline="0" dirty="0" smtClean="0"/>
-              <a:t>Este proyecto se realizo bajo la metodología de desarrollo cascada, ya que es un proyecto pequeño, con requerimientos definidos según referencias de dos empresas del rubro.</a:t>
+              <a:t>Este proyecto se realizo bajo la metodología de desarrollo cascada</a:t>
+            </a:r>
+            <a:r>
+              <a:rPr lang="es-CL" b="1" baseline="0" dirty="0" smtClean="0"/>
+              <a:t>, ya que es un proyecto pequeño</a:t>
+            </a:r>
+            <a:r>
+              <a:rPr lang="es-CL" b="0" baseline="0" dirty="0" smtClean="0"/>
+              <a:t>, con requerimientos definidos según </a:t>
+            </a:r>
+            <a:r>
+              <a:rPr lang="es-CL" b="1" baseline="0" dirty="0" smtClean="0"/>
+              <a:t>referencias de dos empresa</a:t>
+            </a:r>
+            <a:r>
+              <a:rPr lang="es-CL" b="0" baseline="0" dirty="0" smtClean="0"/>
+              <a:t>s del rubro.</a:t>
             </a:r>
             <a:endParaRPr lang="es-CL" b="0" dirty="0"/>
           </a:p>
@@ -2689,6 +3056,23 @@
             </a:r>
           </a:p>
           <a:p>
+            <a:endParaRPr lang="es-CL" dirty="0" smtClean="0"/>
+          </a:p>
+          <a:p>
+            <a:r>
+              <a:rPr lang="es-CL" dirty="0" smtClean="0"/>
+              <a:t>Según</a:t>
+            </a:r>
+            <a:r>
+              <a:rPr lang="es-CL" baseline="0" dirty="0" smtClean="0"/>
+              <a:t> los siguientes antecedentes que describen que:</a:t>
+            </a:r>
+            <a:endParaRPr lang="es-CL" dirty="0" smtClean="0"/>
+          </a:p>
+          <a:p>
+            <a:endParaRPr lang="es-CL" dirty="0" smtClean="0"/>
+          </a:p>
+          <a:p>
             <a:r>
               <a:rPr lang="es-CL" dirty="0" smtClean="0"/>
               <a:t>Pymes en aumento: Según el estudio realizado por el ministerio</a:t>
@@ -2790,6 +3174,116 @@
           </a:p>
           <a:p>
             <a:r>
+              <a:rPr lang="es-CL" sz="1200" kern="1200" baseline="0" dirty="0" smtClean="0">
+                <a:solidFill>
+                  <a:schemeClr val="tx1"/>
+                </a:solidFill>
+                <a:latin typeface="Times New Roman" pitchFamily="18" charset="0"/>
+                <a:ea typeface="+mn-ea"/>
+                <a:cs typeface="+mn-cs"/>
+              </a:rPr>
+              <a:t>Con todo lo </a:t>
+            </a:r>
+            <a:r>
+              <a:rPr lang="es-CL" sz="1200" kern="1200" baseline="0" dirty="0" smtClean="0">
+                <a:solidFill>
+                  <a:schemeClr val="tx1"/>
+                </a:solidFill>
+                <a:latin typeface="Times New Roman" pitchFamily="18" charset="0"/>
+                <a:ea typeface="+mn-ea"/>
+                <a:cs typeface="+mn-cs"/>
+              </a:rPr>
+              <a:t>expuesto </a:t>
+            </a:r>
+            <a:r>
+              <a:rPr lang="es-CL" sz="1200" kern="1200" baseline="0" dirty="0" smtClean="0">
+                <a:solidFill>
+                  <a:schemeClr val="tx1"/>
+                </a:solidFill>
+                <a:latin typeface="Times New Roman" pitchFamily="18" charset="0"/>
+                <a:ea typeface="+mn-ea"/>
+                <a:cs typeface="+mn-cs"/>
+              </a:rPr>
+              <a:t>anteriormente de las pymes, existen 962 empresas de servicio técnico electrónico registradas en amarillas de Publiguías, que va hacer nuestra referencia de mercado para este proyecto.</a:t>
+            </a:r>
+          </a:p>
+          <a:p>
+            <a:endParaRPr lang="es-CL" sz="1200" kern="1200" baseline="0" dirty="0" smtClean="0">
+              <a:solidFill>
+                <a:schemeClr val="tx1"/>
+              </a:solidFill>
+              <a:latin typeface="Times New Roman" pitchFamily="18" charset="0"/>
+              <a:ea typeface="+mn-ea"/>
+              <a:cs typeface="+mn-cs"/>
+            </a:endParaRPr>
+          </a:p>
+          <a:p>
+            <a:r>
+              <a:rPr lang="es-CL" sz="1200" kern="1200" baseline="0" dirty="0" smtClean="0">
+                <a:solidFill>
+                  <a:schemeClr val="tx1"/>
+                </a:solidFill>
+                <a:latin typeface="Times New Roman" pitchFamily="18" charset="0"/>
+                <a:ea typeface="+mn-ea"/>
+                <a:cs typeface="+mn-cs"/>
+              </a:rPr>
+              <a:t>Este tipo de empresas </a:t>
+            </a:r>
+          </a:p>
+          <a:p>
+            <a:endParaRPr lang="es-CL" sz="1200" kern="1200" baseline="0" dirty="0" smtClean="0">
+              <a:solidFill>
+                <a:schemeClr val="tx1"/>
+              </a:solidFill>
+              <a:latin typeface="Times New Roman" pitchFamily="18" charset="0"/>
+              <a:ea typeface="+mn-ea"/>
+              <a:cs typeface="+mn-cs"/>
+            </a:endParaRPr>
+          </a:p>
+          <a:p>
+            <a:r>
+              <a:rPr lang="es-CL" sz="1200" b="1" kern="1200" baseline="0" dirty="0" smtClean="0">
+                <a:solidFill>
+                  <a:schemeClr val="tx1"/>
+                </a:solidFill>
+                <a:latin typeface="Times New Roman" pitchFamily="18" charset="0"/>
+                <a:ea typeface="+mn-ea"/>
+                <a:cs typeface="+mn-cs"/>
+              </a:rPr>
+              <a:t>Principal </a:t>
+            </a:r>
+            <a:r>
+              <a:rPr lang="es-CL" sz="1200" b="1" kern="1200" baseline="0" dirty="0" err="1" smtClean="0">
+                <a:solidFill>
+                  <a:schemeClr val="tx1"/>
+                </a:solidFill>
+                <a:latin typeface="Times New Roman" pitchFamily="18" charset="0"/>
+                <a:ea typeface="+mn-ea"/>
+                <a:cs typeface="+mn-cs"/>
+              </a:rPr>
+              <a:t>motivacion</a:t>
+            </a:r>
+            <a:endParaRPr lang="es-CL" sz="1200" b="1" kern="1200" baseline="0" dirty="0" smtClean="0">
+              <a:solidFill>
+                <a:schemeClr val="tx1"/>
+              </a:solidFill>
+              <a:latin typeface="Times New Roman" pitchFamily="18" charset="0"/>
+              <a:ea typeface="+mn-ea"/>
+              <a:cs typeface="+mn-cs"/>
+            </a:endParaRPr>
+          </a:p>
+          <a:p>
+            <a:endParaRPr lang="es-CL" sz="1200" kern="1200" baseline="0" dirty="0" smtClean="0">
+              <a:solidFill>
+                <a:schemeClr val="tx1"/>
+              </a:solidFill>
+              <a:latin typeface="Times New Roman" pitchFamily="18" charset="0"/>
+              <a:ea typeface="+mn-ea"/>
+              <a:cs typeface="+mn-cs"/>
+            </a:endParaRPr>
+          </a:p>
+          <a:p>
+            <a:r>
               <a:rPr lang="es-CL" sz="1200" kern="1200" dirty="0" smtClean="0">
                 <a:solidFill>
                   <a:schemeClr val="tx1"/>
@@ -2832,29 +3326,6 @@
                 <a:cs typeface="+mn-cs"/>
               </a:rPr>
               <a:t> de hasta 5 millones. Esto ayuda a las empresas en invertir en este tipo de tecnologías.</a:t>
-            </a:r>
-          </a:p>
-          <a:p>
-            <a:endParaRPr lang="es-CL" sz="1200" kern="1200" baseline="0" dirty="0" smtClean="0">
-              <a:solidFill>
-                <a:schemeClr val="tx1"/>
-              </a:solidFill>
-              <a:latin typeface="Times New Roman" pitchFamily="18" charset="0"/>
-              <a:ea typeface="+mn-ea"/>
-              <a:cs typeface="+mn-cs"/>
-            </a:endParaRPr>
-          </a:p>
-          <a:p>
-            <a:r>
-              <a:rPr lang="es-CL" sz="1200" kern="1200" baseline="0" dirty="0" smtClean="0">
-                <a:solidFill>
-                  <a:schemeClr val="tx1"/>
-                </a:solidFill>
-                <a:latin typeface="Times New Roman" pitchFamily="18" charset="0"/>
-                <a:ea typeface="+mn-ea"/>
-                <a:cs typeface="+mn-cs"/>
-              </a:rPr>
-              <a:t>Con todo lo expuesto anteriormente de las pymes, existen 962 empresas de servicio técnico electrónico registradas en amarillas de Publiguías, que va hacer nuestra referencia de mercado para este proyecto.</a:t>
             </a:r>
           </a:p>
           <a:p>
@@ -8767,11 +9238,7 @@
             <a:pPr lvl="1"/>
             <a:r>
               <a:rPr lang="es-CL" sz="2000" dirty="0" smtClean="0"/>
-              <a:t>Precio Sistema $</a:t>
-            </a:r>
-            <a:r>
-              <a:rPr lang="es-CL" sz="2000" dirty="0" smtClean="0"/>
-              <a:t>2.000.000</a:t>
+              <a:t>Precio Sistema $2.000.000</a:t>
             </a:r>
           </a:p>
           <a:p>
@@ -9479,7 +9946,9 @@
           <p:nvPr/>
         </p:nvPicPr>
         <p:blipFill>
-          <a:blip r:embed="rId3" cstate="print"/>
+          <a:blip r:embed="rId3" cstate="print">
+            <a:lum bright="-20000" contrast="40000"/>
+          </a:blip>
           <a:stretch>
             <a:fillRect/>
           </a:stretch>
@@ -9918,13 +10387,8 @@
           <a:p>
             <a:r>
               <a:rPr lang="es-CL" dirty="0" smtClean="0"/>
-              <a:t>Objetivo y </a:t>
-            </a:r>
-            <a:r>
-              <a:rPr lang="es-CL" dirty="0" smtClean="0"/>
-              <a:t>delimitación</a:t>
-            </a:r>
-            <a:endParaRPr lang="es-CL" dirty="0" smtClean="0"/>
+              <a:t>Objetivo y delimitación</a:t>
+            </a:r>
           </a:p>
           <a:p>
             <a:r>
@@ -10268,11 +10732,7 @@
           <a:p>
             <a:r>
               <a:rPr lang="es-CL" dirty="0" smtClean="0"/>
-              <a:t>Crear Orden </a:t>
-            </a:r>
-            <a:r>
-              <a:rPr lang="es-CL" dirty="0" smtClean="0"/>
-              <a:t>de trabajo</a:t>
+              <a:t>Crear Orden de trabajo</a:t>
             </a:r>
           </a:p>
           <a:p>
@@ -10291,17 +10751,26 @@
           <a:p>
             <a:r>
               <a:rPr lang="es-CL" dirty="0" smtClean="0"/>
-              <a:t>Técnico estado orden</a:t>
-            </a:r>
-          </a:p>
-          <a:p>
+              <a:t>Técnico </a:t>
+            </a:r>
             <a:r>
               <a:rPr lang="es-CL" dirty="0" smtClean="0"/>
-              <a:t>Recepcionista finaliza </a:t>
+              <a:t>modifica</a:t>
+            </a:r>
+            <a:r>
+              <a:rPr lang="es-CL" dirty="0" smtClean="0"/>
+              <a:t> </a:t>
             </a:r>
             <a:r>
               <a:rPr lang="es-CL" dirty="0" smtClean="0"/>
               <a:t>orden</a:t>
+            </a:r>
+            <a:endParaRPr lang="es-CL" dirty="0" smtClean="0"/>
+          </a:p>
+          <a:p>
+            <a:r>
+              <a:rPr lang="es-CL" dirty="0" smtClean="0"/>
+              <a:t>Recepcionista finaliza orden</a:t>
             </a:r>
           </a:p>
           <a:p>
@@ -10506,6 +10975,606 @@
 </file>
 
 <file path=ppt/slides/slide22.xml><?xml version="1.0" encoding="utf-8"?>
+<p:sld xmlns:a="http://schemas.openxmlformats.org/drawingml/2006/main" xmlns:r="http://schemas.openxmlformats.org/officeDocument/2006/relationships" xmlns:p="http://schemas.openxmlformats.org/presentationml/2006/main">
+  <p:cSld>
+    <p:spTree>
+      <p:nvGrpSpPr>
+        <p:cNvPr id="1" name=""/>
+        <p:cNvGrpSpPr/>
+        <p:nvPr/>
+      </p:nvGrpSpPr>
+      <p:grpSpPr>
+        <a:xfrm>
+          <a:off x="0" y="0"/>
+          <a:ext cx="0" cy="0"/>
+          <a:chOff x="0" y="0"/>
+          <a:chExt cx="0" cy="0"/>
+        </a:xfrm>
+      </p:grpSpPr>
+      <p:sp>
+        <p:nvSpPr>
+          <p:cNvPr id="5" name="4 CuadroTexto"/>
+          <p:cNvSpPr txBox="1"/>
+          <p:nvPr/>
+        </p:nvSpPr>
+        <p:spPr>
+          <a:xfrm>
+            <a:off x="614149" y="3167390"/>
+            <a:ext cx="7915702" cy="954107"/>
+          </a:xfrm>
+          <a:prstGeom prst="rect">
+            <a:avLst/>
+          </a:prstGeom>
+          <a:noFill/>
+        </p:spPr>
+        <p:txBody>
+          <a:bodyPr wrap="square" rtlCol="0">
+            <a:spAutoFit/>
+          </a:bodyPr>
+          <a:lstStyle/>
+          <a:p>
+            <a:pPr algn="ctr"/>
+            <a:r>
+              <a:rPr lang="es-CL" sz="2800" b="1" cap="all" dirty="0" smtClean="0">
+                <a:ln w="9000" cmpd="sng">
+                  <a:solidFill>
+                    <a:schemeClr val="accent4">
+                      <a:shade val="50000"/>
+                      <a:satMod val="120000"/>
+                    </a:schemeClr>
+                  </a:solidFill>
+                  <a:prstDash val="solid"/>
+                </a:ln>
+                <a:gradFill>
+                  <a:gsLst>
+                    <a:gs pos="0">
+                      <a:schemeClr val="accent4">
+                        <a:shade val="20000"/>
+                        <a:satMod val="245000"/>
+                      </a:schemeClr>
+                    </a:gs>
+                    <a:gs pos="43000">
+                      <a:schemeClr val="accent4">
+                        <a:satMod val="255000"/>
+                      </a:schemeClr>
+                    </a:gs>
+                    <a:gs pos="48000">
+                      <a:schemeClr val="accent4">
+                        <a:shade val="85000"/>
+                        <a:satMod val="255000"/>
+                      </a:schemeClr>
+                    </a:gs>
+                    <a:gs pos="100000">
+                      <a:schemeClr val="accent4">
+                        <a:shade val="20000"/>
+                        <a:satMod val="245000"/>
+                      </a:schemeClr>
+                    </a:gs>
+                  </a:gsLst>
+                  <a:lin ang="5400000"/>
+                </a:gradFill>
+                <a:effectLst>
+                  <a:reflection blurRad="12700" stA="28000" endPos="45000" dist="1000" dir="5400000" sy="-100000" algn="bl" rotWithShape="0"/>
+                </a:effectLst>
+                <a:latin typeface="Arial" pitchFamily="34" charset="0"/>
+                <a:cs typeface="Arial" pitchFamily="34" charset="0"/>
+              </a:rPr>
+              <a:t>Asignar orden de trabajo manualmente</a:t>
+            </a:r>
+            <a:endParaRPr lang="es-CL" sz="2800" b="1" cap="all" dirty="0">
+              <a:ln w="9000" cmpd="sng">
+                <a:solidFill>
+                  <a:schemeClr val="accent4">
+                    <a:shade val="50000"/>
+                    <a:satMod val="120000"/>
+                  </a:schemeClr>
+                </a:solidFill>
+                <a:prstDash val="solid"/>
+              </a:ln>
+              <a:gradFill>
+                <a:gsLst>
+                  <a:gs pos="0">
+                    <a:schemeClr val="accent4">
+                      <a:shade val="20000"/>
+                      <a:satMod val="245000"/>
+                    </a:schemeClr>
+                  </a:gs>
+                  <a:gs pos="43000">
+                    <a:schemeClr val="accent4">
+                      <a:satMod val="255000"/>
+                    </a:schemeClr>
+                  </a:gs>
+                  <a:gs pos="48000">
+                    <a:schemeClr val="accent4">
+                      <a:shade val="85000"/>
+                      <a:satMod val="255000"/>
+                    </a:schemeClr>
+                  </a:gs>
+                  <a:gs pos="100000">
+                    <a:schemeClr val="accent4">
+                      <a:shade val="20000"/>
+                      <a:satMod val="245000"/>
+                    </a:schemeClr>
+                  </a:gs>
+                </a:gsLst>
+                <a:lin ang="5400000"/>
+              </a:gradFill>
+              <a:effectLst>
+                <a:reflection blurRad="12700" stA="28000" endPos="45000" dist="1000" dir="5400000" sy="-100000" algn="bl" rotWithShape="0"/>
+              </a:effectLst>
+              <a:latin typeface="Arial" pitchFamily="34" charset="0"/>
+              <a:cs typeface="Arial" pitchFamily="34" charset="0"/>
+            </a:endParaRPr>
+          </a:p>
+        </p:txBody>
+      </p:sp>
+    </p:spTree>
+  </p:cSld>
+  <p:clrMapOvr>
+    <a:masterClrMapping/>
+  </p:clrMapOvr>
+  <p:transition/>
+  <p:timing>
+    <p:tnLst>
+      <p:par>
+        <p:cTn id="1" dur="indefinite" restart="never" nodeType="tmRoot"/>
+      </p:par>
+    </p:tnLst>
+  </p:timing>
+</p:sld>
+</file>
+
+<file path=ppt/slides/slide23.xml><?xml version="1.0" encoding="utf-8"?>
+<p:sld xmlns:a="http://schemas.openxmlformats.org/drawingml/2006/main" xmlns:r="http://schemas.openxmlformats.org/officeDocument/2006/relationships" xmlns:p="http://schemas.openxmlformats.org/presentationml/2006/main">
+  <p:cSld>
+    <p:spTree>
+      <p:nvGrpSpPr>
+        <p:cNvPr id="1" name=""/>
+        <p:cNvGrpSpPr/>
+        <p:nvPr/>
+      </p:nvGrpSpPr>
+      <p:grpSpPr>
+        <a:xfrm>
+          <a:off x="0" y="0"/>
+          <a:ext cx="0" cy="0"/>
+          <a:chOff x="0" y="0"/>
+          <a:chExt cx="0" cy="0"/>
+        </a:xfrm>
+      </p:grpSpPr>
+      <p:sp>
+        <p:nvSpPr>
+          <p:cNvPr id="5" name="4 CuadroTexto"/>
+          <p:cNvSpPr txBox="1"/>
+          <p:nvPr/>
+        </p:nvSpPr>
+        <p:spPr>
+          <a:xfrm>
+            <a:off x="614149" y="3167390"/>
+            <a:ext cx="7915702" cy="523220"/>
+          </a:xfrm>
+          <a:prstGeom prst="rect">
+            <a:avLst/>
+          </a:prstGeom>
+          <a:noFill/>
+        </p:spPr>
+        <p:txBody>
+          <a:bodyPr wrap="square" rtlCol="0">
+            <a:spAutoFit/>
+          </a:bodyPr>
+          <a:lstStyle/>
+          <a:p>
+            <a:pPr algn="ctr"/>
+            <a:r>
+              <a:rPr lang="es-CL" sz="2800" b="1" cap="all" dirty="0" smtClean="0">
+                <a:ln w="9000" cmpd="sng">
+                  <a:solidFill>
+                    <a:schemeClr val="accent4">
+                      <a:shade val="50000"/>
+                      <a:satMod val="120000"/>
+                    </a:schemeClr>
+                  </a:solidFill>
+                  <a:prstDash val="solid"/>
+                </a:ln>
+                <a:gradFill>
+                  <a:gsLst>
+                    <a:gs pos="0">
+                      <a:schemeClr val="accent4">
+                        <a:shade val="20000"/>
+                        <a:satMod val="245000"/>
+                      </a:schemeClr>
+                    </a:gs>
+                    <a:gs pos="43000">
+                      <a:schemeClr val="accent4">
+                        <a:satMod val="255000"/>
+                      </a:schemeClr>
+                    </a:gs>
+                    <a:gs pos="48000">
+                      <a:schemeClr val="accent4">
+                        <a:shade val="85000"/>
+                        <a:satMod val="255000"/>
+                      </a:schemeClr>
+                    </a:gs>
+                    <a:gs pos="100000">
+                      <a:schemeClr val="accent4">
+                        <a:shade val="20000"/>
+                        <a:satMod val="245000"/>
+                      </a:schemeClr>
+                    </a:gs>
+                  </a:gsLst>
+                  <a:lin ang="5400000"/>
+                </a:gradFill>
+                <a:effectLst>
+                  <a:reflection blurRad="12700" stA="28000" endPos="45000" dist="1000" dir="5400000" sy="-100000" algn="bl" rotWithShape="0"/>
+                </a:effectLst>
+                <a:latin typeface="Arial" pitchFamily="34" charset="0"/>
+                <a:cs typeface="Arial" pitchFamily="34" charset="0"/>
+              </a:rPr>
+              <a:t>Técnico modifica orden</a:t>
+            </a:r>
+            <a:endParaRPr lang="es-CL" sz="2800" b="1" cap="all" dirty="0">
+              <a:ln w="9000" cmpd="sng">
+                <a:solidFill>
+                  <a:schemeClr val="accent4">
+                    <a:shade val="50000"/>
+                    <a:satMod val="120000"/>
+                  </a:schemeClr>
+                </a:solidFill>
+                <a:prstDash val="solid"/>
+              </a:ln>
+              <a:gradFill>
+                <a:gsLst>
+                  <a:gs pos="0">
+                    <a:schemeClr val="accent4">
+                      <a:shade val="20000"/>
+                      <a:satMod val="245000"/>
+                    </a:schemeClr>
+                  </a:gs>
+                  <a:gs pos="43000">
+                    <a:schemeClr val="accent4">
+                      <a:satMod val="255000"/>
+                    </a:schemeClr>
+                  </a:gs>
+                  <a:gs pos="48000">
+                    <a:schemeClr val="accent4">
+                      <a:shade val="85000"/>
+                      <a:satMod val="255000"/>
+                    </a:schemeClr>
+                  </a:gs>
+                  <a:gs pos="100000">
+                    <a:schemeClr val="accent4">
+                      <a:shade val="20000"/>
+                      <a:satMod val="245000"/>
+                    </a:schemeClr>
+                  </a:gs>
+                </a:gsLst>
+                <a:lin ang="5400000"/>
+              </a:gradFill>
+              <a:effectLst>
+                <a:reflection blurRad="12700" stA="28000" endPos="45000" dist="1000" dir="5400000" sy="-100000" algn="bl" rotWithShape="0"/>
+              </a:effectLst>
+              <a:latin typeface="Arial" pitchFamily="34" charset="0"/>
+              <a:cs typeface="Arial" pitchFamily="34" charset="0"/>
+            </a:endParaRPr>
+          </a:p>
+        </p:txBody>
+      </p:sp>
+    </p:spTree>
+  </p:cSld>
+  <p:clrMapOvr>
+    <a:masterClrMapping/>
+  </p:clrMapOvr>
+  <p:transition/>
+  <p:timing>
+    <p:tnLst>
+      <p:par>
+        <p:cTn id="1" dur="indefinite" restart="never" nodeType="tmRoot"/>
+      </p:par>
+    </p:tnLst>
+  </p:timing>
+</p:sld>
+</file>
+
+<file path=ppt/slides/slide24.xml><?xml version="1.0" encoding="utf-8"?>
+<p:sld xmlns:a="http://schemas.openxmlformats.org/drawingml/2006/main" xmlns:r="http://schemas.openxmlformats.org/officeDocument/2006/relationships" xmlns:p="http://schemas.openxmlformats.org/presentationml/2006/main">
+  <p:cSld>
+    <p:spTree>
+      <p:nvGrpSpPr>
+        <p:cNvPr id="1" name=""/>
+        <p:cNvGrpSpPr/>
+        <p:nvPr/>
+      </p:nvGrpSpPr>
+      <p:grpSpPr>
+        <a:xfrm>
+          <a:off x="0" y="0"/>
+          <a:ext cx="0" cy="0"/>
+          <a:chOff x="0" y="0"/>
+          <a:chExt cx="0" cy="0"/>
+        </a:xfrm>
+      </p:grpSpPr>
+      <p:sp>
+        <p:nvSpPr>
+          <p:cNvPr id="5" name="4 CuadroTexto"/>
+          <p:cNvSpPr txBox="1"/>
+          <p:nvPr/>
+        </p:nvSpPr>
+        <p:spPr>
+          <a:xfrm>
+            <a:off x="614149" y="3167390"/>
+            <a:ext cx="7915702" cy="523220"/>
+          </a:xfrm>
+          <a:prstGeom prst="rect">
+            <a:avLst/>
+          </a:prstGeom>
+          <a:noFill/>
+        </p:spPr>
+        <p:txBody>
+          <a:bodyPr wrap="square" rtlCol="0">
+            <a:spAutoFit/>
+          </a:bodyPr>
+          <a:lstStyle/>
+          <a:p>
+            <a:pPr algn="ctr"/>
+            <a:r>
+              <a:rPr lang="es-CL" sz="2800" b="1" cap="all" dirty="0" smtClean="0">
+                <a:ln w="9000" cmpd="sng">
+                  <a:solidFill>
+                    <a:schemeClr val="accent4">
+                      <a:shade val="50000"/>
+                      <a:satMod val="120000"/>
+                    </a:schemeClr>
+                  </a:solidFill>
+                  <a:prstDash val="solid"/>
+                </a:ln>
+                <a:gradFill>
+                  <a:gsLst>
+                    <a:gs pos="0">
+                      <a:schemeClr val="accent4">
+                        <a:shade val="20000"/>
+                        <a:satMod val="245000"/>
+                      </a:schemeClr>
+                    </a:gs>
+                    <a:gs pos="43000">
+                      <a:schemeClr val="accent4">
+                        <a:satMod val="255000"/>
+                      </a:schemeClr>
+                    </a:gs>
+                    <a:gs pos="48000">
+                      <a:schemeClr val="accent4">
+                        <a:shade val="85000"/>
+                        <a:satMod val="255000"/>
+                      </a:schemeClr>
+                    </a:gs>
+                    <a:gs pos="100000">
+                      <a:schemeClr val="accent4">
+                        <a:shade val="20000"/>
+                        <a:satMod val="245000"/>
+                      </a:schemeClr>
+                    </a:gs>
+                  </a:gsLst>
+                  <a:lin ang="5400000"/>
+                </a:gradFill>
+                <a:effectLst>
+                  <a:reflection blurRad="12700" stA="28000" endPos="45000" dist="1000" dir="5400000" sy="-100000" algn="bl" rotWithShape="0"/>
+                </a:effectLst>
+                <a:latin typeface="Arial" pitchFamily="34" charset="0"/>
+                <a:cs typeface="Arial" pitchFamily="34" charset="0"/>
+              </a:rPr>
+              <a:t>Recepcionista finaliza orden</a:t>
+            </a:r>
+            <a:endParaRPr lang="es-CL" sz="2800" b="1" cap="all" dirty="0">
+              <a:ln w="9000" cmpd="sng">
+                <a:solidFill>
+                  <a:schemeClr val="accent4">
+                    <a:shade val="50000"/>
+                    <a:satMod val="120000"/>
+                  </a:schemeClr>
+                </a:solidFill>
+                <a:prstDash val="solid"/>
+              </a:ln>
+              <a:gradFill>
+                <a:gsLst>
+                  <a:gs pos="0">
+                    <a:schemeClr val="accent4">
+                      <a:shade val="20000"/>
+                      <a:satMod val="245000"/>
+                    </a:schemeClr>
+                  </a:gs>
+                  <a:gs pos="43000">
+                    <a:schemeClr val="accent4">
+                      <a:satMod val="255000"/>
+                    </a:schemeClr>
+                  </a:gs>
+                  <a:gs pos="48000">
+                    <a:schemeClr val="accent4">
+                      <a:shade val="85000"/>
+                      <a:satMod val="255000"/>
+                    </a:schemeClr>
+                  </a:gs>
+                  <a:gs pos="100000">
+                    <a:schemeClr val="accent4">
+                      <a:shade val="20000"/>
+                      <a:satMod val="245000"/>
+                    </a:schemeClr>
+                  </a:gs>
+                </a:gsLst>
+                <a:lin ang="5400000"/>
+              </a:gradFill>
+              <a:effectLst>
+                <a:reflection blurRad="12700" stA="28000" endPos="45000" dist="1000" dir="5400000" sy="-100000" algn="bl" rotWithShape="0"/>
+              </a:effectLst>
+              <a:latin typeface="Arial" pitchFamily="34" charset="0"/>
+              <a:cs typeface="Arial" pitchFamily="34" charset="0"/>
+            </a:endParaRPr>
+          </a:p>
+        </p:txBody>
+      </p:sp>
+    </p:spTree>
+  </p:cSld>
+  <p:clrMapOvr>
+    <a:masterClrMapping/>
+  </p:clrMapOvr>
+  <p:transition/>
+  <p:timing>
+    <p:tnLst>
+      <p:par>
+        <p:cTn id="1" dur="indefinite" restart="never" nodeType="tmRoot"/>
+      </p:par>
+    </p:tnLst>
+  </p:timing>
+</p:sld>
+</file>
+
+<file path=ppt/slides/slide25.xml><?xml version="1.0" encoding="utf-8"?>
+<p:sld xmlns:a="http://schemas.openxmlformats.org/drawingml/2006/main" xmlns:r="http://schemas.openxmlformats.org/officeDocument/2006/relationships" xmlns:p="http://schemas.openxmlformats.org/presentationml/2006/main">
+  <p:cSld>
+    <p:spTree>
+      <p:nvGrpSpPr>
+        <p:cNvPr id="1" name=""/>
+        <p:cNvGrpSpPr/>
+        <p:nvPr/>
+      </p:nvGrpSpPr>
+      <p:grpSpPr>
+        <a:xfrm>
+          <a:off x="0" y="0"/>
+          <a:ext cx="0" cy="0"/>
+          <a:chOff x="0" y="0"/>
+          <a:chExt cx="0" cy="0"/>
+        </a:xfrm>
+      </p:grpSpPr>
+      <p:sp>
+        <p:nvSpPr>
+          <p:cNvPr id="5" name="4 CuadroTexto"/>
+          <p:cNvSpPr txBox="1"/>
+          <p:nvPr/>
+        </p:nvSpPr>
+        <p:spPr>
+          <a:xfrm>
+            <a:off x="614149" y="3167390"/>
+            <a:ext cx="7915702" cy="523220"/>
+          </a:xfrm>
+          <a:prstGeom prst="rect">
+            <a:avLst/>
+          </a:prstGeom>
+          <a:noFill/>
+        </p:spPr>
+        <p:txBody>
+          <a:bodyPr wrap="square" rtlCol="0">
+            <a:spAutoFit/>
+          </a:bodyPr>
+          <a:lstStyle/>
+          <a:p>
+            <a:pPr algn="ctr"/>
+            <a:r>
+              <a:rPr lang="es-CL" sz="2800" b="1" cap="all" dirty="0" smtClean="0">
+                <a:ln w="9000" cmpd="sng">
+                  <a:solidFill>
+                    <a:schemeClr val="accent4">
+                      <a:shade val="50000"/>
+                      <a:satMod val="120000"/>
+                    </a:schemeClr>
+                  </a:solidFill>
+                  <a:prstDash val="solid"/>
+                </a:ln>
+                <a:gradFill>
+                  <a:gsLst>
+                    <a:gs pos="0">
+                      <a:schemeClr val="accent4">
+                        <a:shade val="20000"/>
+                        <a:satMod val="245000"/>
+                      </a:schemeClr>
+                    </a:gs>
+                    <a:gs pos="43000">
+                      <a:schemeClr val="accent4">
+                        <a:satMod val="255000"/>
+                      </a:schemeClr>
+                    </a:gs>
+                    <a:gs pos="48000">
+                      <a:schemeClr val="accent4">
+                        <a:shade val="85000"/>
+                        <a:satMod val="255000"/>
+                      </a:schemeClr>
+                    </a:gs>
+                    <a:gs pos="100000">
+                      <a:schemeClr val="accent4">
+                        <a:shade val="20000"/>
+                        <a:satMod val="245000"/>
+                      </a:schemeClr>
+                    </a:gs>
+                  </a:gsLst>
+                  <a:lin ang="5400000"/>
+                </a:gradFill>
+                <a:effectLst>
+                  <a:reflection blurRad="12700" stA="28000" endPos="45000" dist="1000" dir="5400000" sy="-100000" algn="bl" rotWithShape="0"/>
+                </a:effectLst>
+                <a:latin typeface="Arial" pitchFamily="34" charset="0"/>
+                <a:cs typeface="Arial" pitchFamily="34" charset="0"/>
+              </a:rPr>
+              <a:t>Configuración de sistema</a:t>
+            </a:r>
+            <a:endParaRPr lang="es-CL" sz="2800" b="1" cap="all" dirty="0">
+              <a:ln w="9000" cmpd="sng">
+                <a:solidFill>
+                  <a:schemeClr val="accent4">
+                    <a:shade val="50000"/>
+                    <a:satMod val="120000"/>
+                  </a:schemeClr>
+                </a:solidFill>
+                <a:prstDash val="solid"/>
+              </a:ln>
+              <a:gradFill>
+                <a:gsLst>
+                  <a:gs pos="0">
+                    <a:schemeClr val="accent4">
+                      <a:shade val="20000"/>
+                      <a:satMod val="245000"/>
+                    </a:schemeClr>
+                  </a:gs>
+                  <a:gs pos="43000">
+                    <a:schemeClr val="accent4">
+                      <a:satMod val="255000"/>
+                    </a:schemeClr>
+                  </a:gs>
+                  <a:gs pos="48000">
+                    <a:schemeClr val="accent4">
+                      <a:shade val="85000"/>
+                      <a:satMod val="255000"/>
+                    </a:schemeClr>
+                  </a:gs>
+                  <a:gs pos="100000">
+                    <a:schemeClr val="accent4">
+                      <a:shade val="20000"/>
+                      <a:satMod val="245000"/>
+                    </a:schemeClr>
+                  </a:gs>
+                </a:gsLst>
+                <a:lin ang="5400000"/>
+              </a:gradFill>
+              <a:effectLst>
+                <a:reflection blurRad="12700" stA="28000" endPos="45000" dist="1000" dir="5400000" sy="-100000" algn="bl" rotWithShape="0"/>
+              </a:effectLst>
+              <a:latin typeface="Arial" pitchFamily="34" charset="0"/>
+              <a:cs typeface="Arial" pitchFamily="34" charset="0"/>
+            </a:endParaRPr>
+          </a:p>
+        </p:txBody>
+      </p:sp>
+    </p:spTree>
+  </p:cSld>
+  <p:clrMapOvr>
+    <a:masterClrMapping/>
+  </p:clrMapOvr>
+  <p:transition/>
+  <p:timing>
+    <p:tnLst>
+      <p:par>
+        <p:cTn id="1" dur="indefinite" restart="never" nodeType="tmRoot"/>
+      </p:par>
+    </p:tnLst>
+  </p:timing>
+</p:sld>
+</file>
+
+<file path=ppt/slides/slide26.xml><?xml version="1.0" encoding="utf-8"?>
 <p:sld xmlns:a="http://schemas.openxmlformats.org/drawingml/2006/main" xmlns:r="http://schemas.openxmlformats.org/officeDocument/2006/relationships" xmlns:p="http://schemas.openxmlformats.org/presentationml/2006/main">
   <p:cSld>
     <p:spTree>
@@ -10710,1322 +11779,7 @@
 </p:sld>
 </file>
 
-<file path=ppt/slides/slide23.xml><?xml version="1.0" encoding="utf-8"?>
-<p:sld xmlns:a="http://schemas.openxmlformats.org/drawingml/2006/main" xmlns:r="http://schemas.openxmlformats.org/officeDocument/2006/relationships" xmlns:p="http://schemas.openxmlformats.org/presentationml/2006/main">
-  <p:cSld>
-    <p:spTree>
-      <p:nvGrpSpPr>
-        <p:cNvPr id="1" name=""/>
-        <p:cNvGrpSpPr/>
-        <p:nvPr/>
-      </p:nvGrpSpPr>
-      <p:grpSpPr>
-        <a:xfrm>
-          <a:off x="0" y="0"/>
-          <a:ext cx="0" cy="0"/>
-          <a:chOff x="0" y="0"/>
-          <a:chExt cx="0" cy="0"/>
-        </a:xfrm>
-      </p:grpSpPr>
-      <p:sp>
-        <p:nvSpPr>
-          <p:cNvPr id="5" name="4 CuadroTexto"/>
-          <p:cNvSpPr txBox="1"/>
-          <p:nvPr/>
-        </p:nvSpPr>
-        <p:spPr>
-          <a:xfrm>
-            <a:off x="627795" y="518614"/>
-            <a:ext cx="7915702" cy="523220"/>
-          </a:xfrm>
-          <a:prstGeom prst="rect">
-            <a:avLst/>
-          </a:prstGeom>
-          <a:noFill/>
-        </p:spPr>
-        <p:txBody>
-          <a:bodyPr wrap="square" rtlCol="0">
-            <a:spAutoFit/>
-          </a:bodyPr>
-          <a:lstStyle/>
-          <a:p>
-            <a:r>
-              <a:rPr lang="es-CL" sz="2800" b="1" cap="all" dirty="0" smtClean="0">
-                <a:ln w="9000" cmpd="sng">
-                  <a:solidFill>
-                    <a:schemeClr val="accent4">
-                      <a:shade val="50000"/>
-                      <a:satMod val="120000"/>
-                    </a:schemeClr>
-                  </a:solidFill>
-                  <a:prstDash val="solid"/>
-                </a:ln>
-                <a:gradFill>
-                  <a:gsLst>
-                    <a:gs pos="0">
-                      <a:schemeClr val="accent4">
-                        <a:shade val="20000"/>
-                        <a:satMod val="245000"/>
-                      </a:schemeClr>
-                    </a:gs>
-                    <a:gs pos="43000">
-                      <a:schemeClr val="accent4">
-                        <a:satMod val="255000"/>
-                      </a:schemeClr>
-                    </a:gs>
-                    <a:gs pos="48000">
-                      <a:schemeClr val="accent4">
-                        <a:shade val="85000"/>
-                        <a:satMod val="255000"/>
-                      </a:schemeClr>
-                    </a:gs>
-                    <a:gs pos="100000">
-                      <a:schemeClr val="accent4">
-                        <a:shade val="20000"/>
-                        <a:satMod val="245000"/>
-                      </a:schemeClr>
-                    </a:gs>
-                  </a:gsLst>
-                  <a:lin ang="5400000"/>
-                </a:gradFill>
-                <a:effectLst>
-                  <a:reflection blurRad="12700" stA="28000" endPos="45000" dist="1000" dir="5400000" sy="-100000" algn="bl" rotWithShape="0"/>
-                </a:effectLst>
-                <a:latin typeface="Arial" pitchFamily="34" charset="0"/>
-                <a:cs typeface="Arial" pitchFamily="34" charset="0"/>
-              </a:rPr>
-              <a:t>Crear usuario</a:t>
-            </a:r>
-            <a:endParaRPr lang="es-CL" sz="2800" b="1" cap="all" dirty="0">
-              <a:ln w="9000" cmpd="sng">
-                <a:solidFill>
-                  <a:schemeClr val="accent4">
-                    <a:shade val="50000"/>
-                    <a:satMod val="120000"/>
-                  </a:schemeClr>
-                </a:solidFill>
-                <a:prstDash val="solid"/>
-              </a:ln>
-              <a:gradFill>
-                <a:gsLst>
-                  <a:gs pos="0">
-                    <a:schemeClr val="accent4">
-                      <a:shade val="20000"/>
-                      <a:satMod val="245000"/>
-                    </a:schemeClr>
-                  </a:gs>
-                  <a:gs pos="43000">
-                    <a:schemeClr val="accent4">
-                      <a:satMod val="255000"/>
-                    </a:schemeClr>
-                  </a:gs>
-                  <a:gs pos="48000">
-                    <a:schemeClr val="accent4">
-                      <a:shade val="85000"/>
-                      <a:satMod val="255000"/>
-                    </a:schemeClr>
-                  </a:gs>
-                  <a:gs pos="100000">
-                    <a:schemeClr val="accent4">
-                      <a:shade val="20000"/>
-                      <a:satMod val="245000"/>
-                    </a:schemeClr>
-                  </a:gs>
-                </a:gsLst>
-                <a:lin ang="5400000"/>
-              </a:gradFill>
-              <a:effectLst>
-                <a:reflection blurRad="12700" stA="28000" endPos="45000" dist="1000" dir="5400000" sy="-100000" algn="bl" rotWithShape="0"/>
-              </a:effectLst>
-              <a:latin typeface="Arial" pitchFamily="34" charset="0"/>
-              <a:cs typeface="Arial" pitchFamily="34" charset="0"/>
-            </a:endParaRPr>
-          </a:p>
-        </p:txBody>
-      </p:sp>
-      <p:pic>
-        <p:nvPicPr>
-          <p:cNvPr id="7" name="crearUsuario.avi">
-            <a:hlinkClick r:id="" action="ppaction://media"/>
-          </p:cNvPr>
-          <p:cNvPicPr>
-            <a:picLocks noGrp="1" noRot="1" noChangeAspect="1"/>
-          </p:cNvPicPr>
-          <p:nvPr>
-            <p:ph idx="1"/>
-            <a:videoFile r:link="rId1"/>
-          </p:nvPr>
-        </p:nvPicPr>
-        <p:blipFill>
-          <a:blip r:embed="rId3" cstate="print"/>
-          <a:stretch>
-            <a:fillRect/>
-          </a:stretch>
-        </p:blipFill>
-        <p:spPr>
-          <a:xfrm>
-            <a:off x="1044812" y="1126509"/>
-            <a:ext cx="6886812" cy="5165109"/>
-          </a:xfrm>
-          <a:prstGeom prst="rect">
-            <a:avLst/>
-          </a:prstGeom>
-        </p:spPr>
-      </p:pic>
-    </p:spTree>
-  </p:cSld>
-  <p:clrMapOvr>
-    <a:masterClrMapping/>
-  </p:clrMapOvr>
-  <p:transition/>
-  <p:timing>
-    <p:tnLst>
-      <p:par>
-        <p:cTn id="1" dur="indefinite" restart="never" nodeType="tmRoot">
-          <p:childTnLst>
-            <p:seq concurrent="1" nextAc="seek">
-              <p:cTn id="2" restart="whenNotActive" fill="hold" evtFilter="cancelBubble" nodeType="interactiveSeq">
-                <p:stCondLst>
-                  <p:cond evt="onClick" delay="0">
-                    <p:tgtEl>
-                      <p:spTgt spid="7"/>
-                    </p:tgtEl>
-                  </p:cond>
-                </p:stCondLst>
-                <p:endSync evt="end" delay="0">
-                  <p:rtn val="all"/>
-                </p:endSync>
-                <p:childTnLst>
-                  <p:par>
-                    <p:cTn id="3" fill="hold">
-                      <p:stCondLst>
-                        <p:cond delay="0"/>
-                      </p:stCondLst>
-                      <p:childTnLst>
-                        <p:par>
-                          <p:cTn id="4" fill="hold">
-                            <p:stCondLst>
-                              <p:cond delay="0"/>
-                            </p:stCondLst>
-                            <p:childTnLst>
-                              <p:par>
-                                <p:cTn id="5" presetID="2" presetClass="mediacall" presetSubtype="0" fill="hold" nodeType="clickEffect">
-                                  <p:stCondLst>
-                                    <p:cond delay="0"/>
-                                  </p:stCondLst>
-                                  <p:childTnLst>
-                                    <p:cmd type="call" cmd="togglePause">
-                                      <p:cBhvr>
-                                        <p:cTn id="6" dur="1" fill="hold"/>
-                                        <p:tgtEl>
-                                          <p:spTgt spid="7"/>
-                                        </p:tgtEl>
-                                      </p:cBhvr>
-                                    </p:cmd>
-                                  </p:childTnLst>
-                                </p:cTn>
-                              </p:par>
-                            </p:childTnLst>
-                          </p:cTn>
-                        </p:par>
-                      </p:childTnLst>
-                    </p:cTn>
-                  </p:par>
-                </p:childTnLst>
-              </p:cTn>
-              <p:nextCondLst>
-                <p:cond evt="onClick" delay="0">
-                  <p:tgtEl>
-                    <p:spTgt spid="7"/>
-                  </p:tgtEl>
-                </p:cond>
-              </p:nextCondLst>
-            </p:seq>
-            <p:video>
-              <p:cMediaNode>
-                <p:cTn id="7" fill="hold" display="0">
-                  <p:stCondLst>
-                    <p:cond delay="indefinite"/>
-                  </p:stCondLst>
-                  <p:endCondLst>
-                    <p:cond evt="onNext" delay="0">
-                      <p:tgtEl>
-                        <p:sldTgt/>
-                      </p:tgtEl>
-                    </p:cond>
-                    <p:cond evt="onPrev" delay="0">
-                      <p:tgtEl>
-                        <p:sldTgt/>
-                      </p:tgtEl>
-                    </p:cond>
-                  </p:endCondLst>
-                </p:cTn>
-                <p:tgtEl>
-                  <p:spTgt spid="7"/>
-                </p:tgtEl>
-              </p:cMediaNode>
-            </p:video>
-          </p:childTnLst>
-        </p:cTn>
-      </p:par>
-    </p:tnLst>
-  </p:timing>
-</p:sld>
-</file>
-
-<file path=ppt/slides/slide24.xml><?xml version="1.0" encoding="utf-8"?>
-<p:sld xmlns:a="http://schemas.openxmlformats.org/drawingml/2006/main" xmlns:r="http://schemas.openxmlformats.org/officeDocument/2006/relationships" xmlns:p="http://schemas.openxmlformats.org/presentationml/2006/main">
-  <p:cSld>
-    <p:spTree>
-      <p:nvGrpSpPr>
-        <p:cNvPr id="1" name=""/>
-        <p:cNvGrpSpPr/>
-        <p:nvPr/>
-      </p:nvGrpSpPr>
-      <p:grpSpPr>
-        <a:xfrm>
-          <a:off x="0" y="0"/>
-          <a:ext cx="0" cy="0"/>
-          <a:chOff x="0" y="0"/>
-          <a:chExt cx="0" cy="0"/>
-        </a:xfrm>
-      </p:grpSpPr>
-      <p:sp>
-        <p:nvSpPr>
-          <p:cNvPr id="5" name="4 CuadroTexto"/>
-          <p:cNvSpPr txBox="1"/>
-          <p:nvPr/>
-        </p:nvSpPr>
-        <p:spPr>
-          <a:xfrm>
-            <a:off x="627795" y="518614"/>
-            <a:ext cx="7915702" cy="523220"/>
-          </a:xfrm>
-          <a:prstGeom prst="rect">
-            <a:avLst/>
-          </a:prstGeom>
-          <a:noFill/>
-        </p:spPr>
-        <p:txBody>
-          <a:bodyPr wrap="square" rtlCol="0">
-            <a:spAutoFit/>
-          </a:bodyPr>
-          <a:lstStyle/>
-          <a:p>
-            <a:r>
-              <a:rPr lang="es-CL" sz="2800" b="1" cap="all" dirty="0" smtClean="0">
-                <a:ln w="9000" cmpd="sng">
-                  <a:solidFill>
-                    <a:schemeClr val="accent4">
-                      <a:shade val="50000"/>
-                      <a:satMod val="120000"/>
-                    </a:schemeClr>
-                  </a:solidFill>
-                  <a:prstDash val="solid"/>
-                </a:ln>
-                <a:gradFill>
-                  <a:gsLst>
-                    <a:gs pos="0">
-                      <a:schemeClr val="accent4">
-                        <a:shade val="20000"/>
-                        <a:satMod val="245000"/>
-                      </a:schemeClr>
-                    </a:gs>
-                    <a:gs pos="43000">
-                      <a:schemeClr val="accent4">
-                        <a:satMod val="255000"/>
-                      </a:schemeClr>
-                    </a:gs>
-                    <a:gs pos="48000">
-                      <a:schemeClr val="accent4">
-                        <a:shade val="85000"/>
-                        <a:satMod val="255000"/>
-                      </a:schemeClr>
-                    </a:gs>
-                    <a:gs pos="100000">
-                      <a:schemeClr val="accent4">
-                        <a:shade val="20000"/>
-                        <a:satMod val="245000"/>
-                      </a:schemeClr>
-                    </a:gs>
-                  </a:gsLst>
-                  <a:lin ang="5400000"/>
-                </a:gradFill>
-                <a:effectLst>
-                  <a:reflection blurRad="12700" stA="28000" endPos="45000" dist="1000" dir="5400000" sy="-100000" algn="bl" rotWithShape="0"/>
-                </a:effectLst>
-                <a:latin typeface="Arial" pitchFamily="34" charset="0"/>
-                <a:cs typeface="Arial" pitchFamily="34" charset="0"/>
-              </a:rPr>
-              <a:t>Crear orden de trabajo</a:t>
-            </a:r>
-            <a:endParaRPr lang="es-CL" sz="2800" b="1" cap="all" dirty="0">
-              <a:ln w="9000" cmpd="sng">
-                <a:solidFill>
-                  <a:schemeClr val="accent4">
-                    <a:shade val="50000"/>
-                    <a:satMod val="120000"/>
-                  </a:schemeClr>
-                </a:solidFill>
-                <a:prstDash val="solid"/>
-              </a:ln>
-              <a:gradFill>
-                <a:gsLst>
-                  <a:gs pos="0">
-                    <a:schemeClr val="accent4">
-                      <a:shade val="20000"/>
-                      <a:satMod val="245000"/>
-                    </a:schemeClr>
-                  </a:gs>
-                  <a:gs pos="43000">
-                    <a:schemeClr val="accent4">
-                      <a:satMod val="255000"/>
-                    </a:schemeClr>
-                  </a:gs>
-                  <a:gs pos="48000">
-                    <a:schemeClr val="accent4">
-                      <a:shade val="85000"/>
-                      <a:satMod val="255000"/>
-                    </a:schemeClr>
-                  </a:gs>
-                  <a:gs pos="100000">
-                    <a:schemeClr val="accent4">
-                      <a:shade val="20000"/>
-                      <a:satMod val="245000"/>
-                    </a:schemeClr>
-                  </a:gs>
-                </a:gsLst>
-                <a:lin ang="5400000"/>
-              </a:gradFill>
-              <a:effectLst>
-                <a:reflection blurRad="12700" stA="28000" endPos="45000" dist="1000" dir="5400000" sy="-100000" algn="bl" rotWithShape="0"/>
-              </a:effectLst>
-              <a:latin typeface="Arial" pitchFamily="34" charset="0"/>
-              <a:cs typeface="Arial" pitchFamily="34" charset="0"/>
-            </a:endParaRPr>
-          </a:p>
-        </p:txBody>
-      </p:sp>
-      <p:pic>
-        <p:nvPicPr>
-          <p:cNvPr id="6" name="crearOrden.avi">
-            <a:hlinkClick r:id="" action="ppaction://media"/>
-          </p:cNvPr>
-          <p:cNvPicPr>
-            <a:picLocks noGrp="1" noRot="1" noChangeAspect="1"/>
-          </p:cNvPicPr>
-          <p:nvPr>
-            <p:ph idx="1"/>
-            <a:videoFile r:link="rId1"/>
-          </p:nvPr>
-        </p:nvPicPr>
-        <p:blipFill>
-          <a:blip r:embed="rId3" cstate="print"/>
-          <a:stretch>
-            <a:fillRect/>
-          </a:stretch>
-        </p:blipFill>
-        <p:spPr>
-          <a:xfrm>
-            <a:off x="1226024" y="1206689"/>
-            <a:ext cx="6839803" cy="5129852"/>
-          </a:xfrm>
-          <a:prstGeom prst="rect">
-            <a:avLst/>
-          </a:prstGeom>
-        </p:spPr>
-      </p:pic>
-    </p:spTree>
-  </p:cSld>
-  <p:clrMapOvr>
-    <a:masterClrMapping/>
-  </p:clrMapOvr>
-  <p:transition/>
-  <p:timing>
-    <p:tnLst>
-      <p:par>
-        <p:cTn id="1" dur="indefinite" restart="never" nodeType="tmRoot">
-          <p:childTnLst>
-            <p:seq concurrent="1" nextAc="seek">
-              <p:cTn id="2" restart="whenNotActive" fill="hold" evtFilter="cancelBubble" nodeType="interactiveSeq">
-                <p:stCondLst>
-                  <p:cond evt="onClick" delay="0">
-                    <p:tgtEl>
-                      <p:spTgt spid="6"/>
-                    </p:tgtEl>
-                  </p:cond>
-                </p:stCondLst>
-                <p:endSync evt="end" delay="0">
-                  <p:rtn val="all"/>
-                </p:endSync>
-                <p:childTnLst>
-                  <p:par>
-                    <p:cTn id="3" fill="hold">
-                      <p:stCondLst>
-                        <p:cond delay="0"/>
-                      </p:stCondLst>
-                      <p:childTnLst>
-                        <p:par>
-                          <p:cTn id="4" fill="hold">
-                            <p:stCondLst>
-                              <p:cond delay="0"/>
-                            </p:stCondLst>
-                            <p:childTnLst>
-                              <p:par>
-                                <p:cTn id="5" presetID="2" presetClass="mediacall" presetSubtype="0" fill="hold" nodeType="clickEffect">
-                                  <p:stCondLst>
-                                    <p:cond delay="0"/>
-                                  </p:stCondLst>
-                                  <p:childTnLst>
-                                    <p:cmd type="call" cmd="togglePause">
-                                      <p:cBhvr>
-                                        <p:cTn id="6" dur="1" fill="hold"/>
-                                        <p:tgtEl>
-                                          <p:spTgt spid="6"/>
-                                        </p:tgtEl>
-                                      </p:cBhvr>
-                                    </p:cmd>
-                                  </p:childTnLst>
-                                </p:cTn>
-                              </p:par>
-                            </p:childTnLst>
-                          </p:cTn>
-                        </p:par>
-                      </p:childTnLst>
-                    </p:cTn>
-                  </p:par>
-                </p:childTnLst>
-              </p:cTn>
-              <p:nextCondLst>
-                <p:cond evt="onClick" delay="0">
-                  <p:tgtEl>
-                    <p:spTgt spid="6"/>
-                  </p:tgtEl>
-                </p:cond>
-              </p:nextCondLst>
-            </p:seq>
-            <p:video>
-              <p:cMediaNode>
-                <p:cTn id="7" fill="hold" display="0">
-                  <p:stCondLst>
-                    <p:cond delay="indefinite"/>
-                  </p:stCondLst>
-                  <p:endCondLst>
-                    <p:cond evt="onNext" delay="0">
-                      <p:tgtEl>
-                        <p:sldTgt/>
-                      </p:tgtEl>
-                    </p:cond>
-                    <p:cond evt="onPrev" delay="0">
-                      <p:tgtEl>
-                        <p:sldTgt/>
-                      </p:tgtEl>
-                    </p:cond>
-                  </p:endCondLst>
-                </p:cTn>
-                <p:tgtEl>
-                  <p:spTgt spid="6"/>
-                </p:tgtEl>
-              </p:cMediaNode>
-            </p:video>
-          </p:childTnLst>
-        </p:cTn>
-      </p:par>
-    </p:tnLst>
-  </p:timing>
-</p:sld>
-</file>
-
-<file path=ppt/slides/slide25.xml><?xml version="1.0" encoding="utf-8"?>
-<p:sld xmlns:a="http://schemas.openxmlformats.org/drawingml/2006/main" xmlns:r="http://schemas.openxmlformats.org/officeDocument/2006/relationships" xmlns:p="http://schemas.openxmlformats.org/presentationml/2006/main">
-  <p:cSld>
-    <p:spTree>
-      <p:nvGrpSpPr>
-        <p:cNvPr id="1" name=""/>
-        <p:cNvGrpSpPr/>
-        <p:nvPr/>
-      </p:nvGrpSpPr>
-      <p:grpSpPr>
-        <a:xfrm>
-          <a:off x="0" y="0"/>
-          <a:ext cx="0" cy="0"/>
-          <a:chOff x="0" y="0"/>
-          <a:chExt cx="0" cy="0"/>
-        </a:xfrm>
-      </p:grpSpPr>
-      <p:sp>
-        <p:nvSpPr>
-          <p:cNvPr id="5" name="4 CuadroTexto"/>
-          <p:cNvSpPr txBox="1"/>
-          <p:nvPr/>
-        </p:nvSpPr>
-        <p:spPr>
-          <a:xfrm>
-            <a:off x="627795" y="518614"/>
-            <a:ext cx="7915702" cy="523220"/>
-          </a:xfrm>
-          <a:prstGeom prst="rect">
-            <a:avLst/>
-          </a:prstGeom>
-          <a:noFill/>
-        </p:spPr>
-        <p:txBody>
-          <a:bodyPr wrap="square" rtlCol="0">
-            <a:spAutoFit/>
-          </a:bodyPr>
-          <a:lstStyle/>
-          <a:p>
-            <a:r>
-              <a:rPr lang="es-CL" sz="2800" b="1" cap="all" dirty="0" smtClean="0">
-                <a:ln w="9000" cmpd="sng">
-                  <a:solidFill>
-                    <a:schemeClr val="accent4">
-                      <a:shade val="50000"/>
-                      <a:satMod val="120000"/>
-                    </a:schemeClr>
-                  </a:solidFill>
-                  <a:prstDash val="solid"/>
-                </a:ln>
-                <a:gradFill>
-                  <a:gsLst>
-                    <a:gs pos="0">
-                      <a:schemeClr val="accent4">
-                        <a:shade val="20000"/>
-                        <a:satMod val="245000"/>
-                      </a:schemeClr>
-                    </a:gs>
-                    <a:gs pos="43000">
-                      <a:schemeClr val="accent4">
-                        <a:satMod val="255000"/>
-                      </a:schemeClr>
-                    </a:gs>
-                    <a:gs pos="48000">
-                      <a:schemeClr val="accent4">
-                        <a:shade val="85000"/>
-                        <a:satMod val="255000"/>
-                      </a:schemeClr>
-                    </a:gs>
-                    <a:gs pos="100000">
-                      <a:schemeClr val="accent4">
-                        <a:shade val="20000"/>
-                        <a:satMod val="245000"/>
-                      </a:schemeClr>
-                    </a:gs>
-                  </a:gsLst>
-                  <a:lin ang="5400000"/>
-                </a:gradFill>
-                <a:effectLst>
-                  <a:reflection blurRad="12700" stA="28000" endPos="45000" dist="1000" dir="5400000" sy="-100000" algn="bl" rotWithShape="0"/>
-                </a:effectLst>
-                <a:latin typeface="Arial" pitchFamily="34" charset="0"/>
-                <a:cs typeface="Arial" pitchFamily="34" charset="0"/>
-              </a:rPr>
-              <a:t>Asignar orden de trabajo manual</a:t>
-            </a:r>
-            <a:endParaRPr lang="es-CL" sz="2800" b="1" cap="all" dirty="0">
-              <a:ln w="9000" cmpd="sng">
-                <a:solidFill>
-                  <a:schemeClr val="accent4">
-                    <a:shade val="50000"/>
-                    <a:satMod val="120000"/>
-                  </a:schemeClr>
-                </a:solidFill>
-                <a:prstDash val="solid"/>
-              </a:ln>
-              <a:gradFill>
-                <a:gsLst>
-                  <a:gs pos="0">
-                    <a:schemeClr val="accent4">
-                      <a:shade val="20000"/>
-                      <a:satMod val="245000"/>
-                    </a:schemeClr>
-                  </a:gs>
-                  <a:gs pos="43000">
-                    <a:schemeClr val="accent4">
-                      <a:satMod val="255000"/>
-                    </a:schemeClr>
-                  </a:gs>
-                  <a:gs pos="48000">
-                    <a:schemeClr val="accent4">
-                      <a:shade val="85000"/>
-                      <a:satMod val="255000"/>
-                    </a:schemeClr>
-                  </a:gs>
-                  <a:gs pos="100000">
-                    <a:schemeClr val="accent4">
-                      <a:shade val="20000"/>
-                      <a:satMod val="245000"/>
-                    </a:schemeClr>
-                  </a:gs>
-                </a:gsLst>
-                <a:lin ang="5400000"/>
-              </a:gradFill>
-              <a:effectLst>
-                <a:reflection blurRad="12700" stA="28000" endPos="45000" dist="1000" dir="5400000" sy="-100000" algn="bl" rotWithShape="0"/>
-              </a:effectLst>
-              <a:latin typeface="Arial" pitchFamily="34" charset="0"/>
-              <a:cs typeface="Arial" pitchFamily="34" charset="0"/>
-            </a:endParaRPr>
-          </a:p>
-        </p:txBody>
-      </p:sp>
-      <p:pic>
-        <p:nvPicPr>
-          <p:cNvPr id="7" name="asiganar.avi">
-            <a:hlinkClick r:id="" action="ppaction://media"/>
-          </p:cNvPr>
-          <p:cNvPicPr>
-            <a:picLocks noGrp="1" noRot="1" noChangeAspect="1"/>
-          </p:cNvPicPr>
-          <p:nvPr>
-            <p:ph idx="1"/>
-            <a:videoFile r:link="rId1"/>
-          </p:nvPr>
-        </p:nvPicPr>
-        <p:blipFill>
-          <a:blip r:embed="rId3" cstate="print"/>
-          <a:stretch>
-            <a:fillRect/>
-          </a:stretch>
-        </p:blipFill>
-        <p:spPr>
-          <a:xfrm>
-            <a:off x="1417093" y="1407993"/>
-            <a:ext cx="6444018" cy="4833014"/>
-          </a:xfrm>
-          <a:prstGeom prst="rect">
-            <a:avLst/>
-          </a:prstGeom>
-        </p:spPr>
-      </p:pic>
-    </p:spTree>
-  </p:cSld>
-  <p:clrMapOvr>
-    <a:masterClrMapping/>
-  </p:clrMapOvr>
-  <p:transition/>
-  <p:timing>
-    <p:tnLst>
-      <p:par>
-        <p:cTn id="1" dur="indefinite" restart="never" nodeType="tmRoot">
-          <p:childTnLst>
-            <p:seq concurrent="1" nextAc="seek">
-              <p:cTn id="2" restart="whenNotActive" fill="hold" evtFilter="cancelBubble" nodeType="interactiveSeq">
-                <p:stCondLst>
-                  <p:cond evt="onClick" delay="0">
-                    <p:tgtEl>
-                      <p:spTgt spid="7"/>
-                    </p:tgtEl>
-                  </p:cond>
-                </p:stCondLst>
-                <p:endSync evt="end" delay="0">
-                  <p:rtn val="all"/>
-                </p:endSync>
-                <p:childTnLst>
-                  <p:par>
-                    <p:cTn id="3" fill="hold">
-                      <p:stCondLst>
-                        <p:cond delay="0"/>
-                      </p:stCondLst>
-                      <p:childTnLst>
-                        <p:par>
-                          <p:cTn id="4" fill="hold">
-                            <p:stCondLst>
-                              <p:cond delay="0"/>
-                            </p:stCondLst>
-                            <p:childTnLst>
-                              <p:par>
-                                <p:cTn id="5" presetID="2" presetClass="mediacall" presetSubtype="0" fill="hold" nodeType="clickEffect">
-                                  <p:stCondLst>
-                                    <p:cond delay="0"/>
-                                  </p:stCondLst>
-                                  <p:childTnLst>
-                                    <p:cmd type="call" cmd="togglePause">
-                                      <p:cBhvr>
-                                        <p:cTn id="6" dur="1" fill="hold"/>
-                                        <p:tgtEl>
-                                          <p:spTgt spid="7"/>
-                                        </p:tgtEl>
-                                      </p:cBhvr>
-                                    </p:cmd>
-                                  </p:childTnLst>
-                                </p:cTn>
-                              </p:par>
-                            </p:childTnLst>
-                          </p:cTn>
-                        </p:par>
-                      </p:childTnLst>
-                    </p:cTn>
-                  </p:par>
-                </p:childTnLst>
-              </p:cTn>
-              <p:nextCondLst>
-                <p:cond evt="onClick" delay="0">
-                  <p:tgtEl>
-                    <p:spTgt spid="7"/>
-                  </p:tgtEl>
-                </p:cond>
-              </p:nextCondLst>
-            </p:seq>
-            <p:video>
-              <p:cMediaNode>
-                <p:cTn id="7" fill="hold" display="0">
-                  <p:stCondLst>
-                    <p:cond delay="indefinite"/>
-                  </p:stCondLst>
-                  <p:endCondLst>
-                    <p:cond evt="onNext" delay="0">
-                      <p:tgtEl>
-                        <p:sldTgt/>
-                      </p:tgtEl>
-                    </p:cond>
-                    <p:cond evt="onPrev" delay="0">
-                      <p:tgtEl>
-                        <p:sldTgt/>
-                      </p:tgtEl>
-                    </p:cond>
-                  </p:endCondLst>
-                </p:cTn>
-                <p:tgtEl>
-                  <p:spTgt spid="7"/>
-                </p:tgtEl>
-              </p:cMediaNode>
-            </p:video>
-          </p:childTnLst>
-        </p:cTn>
-      </p:par>
-    </p:tnLst>
-  </p:timing>
-</p:sld>
-</file>
-
-<file path=ppt/slides/slide26.xml><?xml version="1.0" encoding="utf-8"?>
-<p:sld xmlns:a="http://schemas.openxmlformats.org/drawingml/2006/main" xmlns:r="http://schemas.openxmlformats.org/officeDocument/2006/relationships" xmlns:p="http://schemas.openxmlformats.org/presentationml/2006/main">
-  <p:cSld>
-    <p:spTree>
-      <p:nvGrpSpPr>
-        <p:cNvPr id="1" name=""/>
-        <p:cNvGrpSpPr/>
-        <p:nvPr/>
-      </p:nvGrpSpPr>
-      <p:grpSpPr>
-        <a:xfrm>
-          <a:off x="0" y="0"/>
-          <a:ext cx="0" cy="0"/>
-          <a:chOff x="0" y="0"/>
-          <a:chExt cx="0" cy="0"/>
-        </a:xfrm>
-      </p:grpSpPr>
-      <p:sp>
-        <p:nvSpPr>
-          <p:cNvPr id="5" name="4 CuadroTexto"/>
-          <p:cNvSpPr txBox="1"/>
-          <p:nvPr/>
-        </p:nvSpPr>
-        <p:spPr>
-          <a:xfrm>
-            <a:off x="627795" y="518614"/>
-            <a:ext cx="7915702" cy="523220"/>
-          </a:xfrm>
-          <a:prstGeom prst="rect">
-            <a:avLst/>
-          </a:prstGeom>
-          <a:noFill/>
-        </p:spPr>
-        <p:txBody>
-          <a:bodyPr wrap="square" rtlCol="0">
-            <a:spAutoFit/>
-          </a:bodyPr>
-          <a:lstStyle/>
-          <a:p>
-            <a:r>
-              <a:rPr lang="es-CL" sz="2800" b="1" cap="all" dirty="0" smtClean="0">
-                <a:ln w="9000" cmpd="sng">
-                  <a:solidFill>
-                    <a:schemeClr val="accent4">
-                      <a:shade val="50000"/>
-                      <a:satMod val="120000"/>
-                    </a:schemeClr>
-                  </a:solidFill>
-                  <a:prstDash val="solid"/>
-                </a:ln>
-                <a:gradFill>
-                  <a:gsLst>
-                    <a:gs pos="0">
-                      <a:schemeClr val="accent4">
-                        <a:shade val="20000"/>
-                        <a:satMod val="245000"/>
-                      </a:schemeClr>
-                    </a:gs>
-                    <a:gs pos="43000">
-                      <a:schemeClr val="accent4">
-                        <a:satMod val="255000"/>
-                      </a:schemeClr>
-                    </a:gs>
-                    <a:gs pos="48000">
-                      <a:schemeClr val="accent4">
-                        <a:shade val="85000"/>
-                        <a:satMod val="255000"/>
-                      </a:schemeClr>
-                    </a:gs>
-                    <a:gs pos="100000">
-                      <a:schemeClr val="accent4">
-                        <a:shade val="20000"/>
-                        <a:satMod val="245000"/>
-                      </a:schemeClr>
-                    </a:gs>
-                  </a:gsLst>
-                  <a:lin ang="5400000"/>
-                </a:gradFill>
-                <a:effectLst>
-                  <a:reflection blurRad="12700" stA="28000" endPos="45000" dist="1000" dir="5400000" sy="-100000" algn="bl" rotWithShape="0"/>
-                </a:effectLst>
-                <a:latin typeface="Arial" pitchFamily="34" charset="0"/>
-                <a:cs typeface="Arial" pitchFamily="34" charset="0"/>
-              </a:rPr>
-              <a:t>Técnico cambia estado</a:t>
-            </a:r>
-            <a:endParaRPr lang="es-CL" sz="2800" b="1" cap="all" dirty="0">
-              <a:ln w="9000" cmpd="sng">
-                <a:solidFill>
-                  <a:schemeClr val="accent4">
-                    <a:shade val="50000"/>
-                    <a:satMod val="120000"/>
-                  </a:schemeClr>
-                </a:solidFill>
-                <a:prstDash val="solid"/>
-              </a:ln>
-              <a:gradFill>
-                <a:gsLst>
-                  <a:gs pos="0">
-                    <a:schemeClr val="accent4">
-                      <a:shade val="20000"/>
-                      <a:satMod val="245000"/>
-                    </a:schemeClr>
-                  </a:gs>
-                  <a:gs pos="43000">
-                    <a:schemeClr val="accent4">
-                      <a:satMod val="255000"/>
-                    </a:schemeClr>
-                  </a:gs>
-                  <a:gs pos="48000">
-                    <a:schemeClr val="accent4">
-                      <a:shade val="85000"/>
-                      <a:satMod val="255000"/>
-                    </a:schemeClr>
-                  </a:gs>
-                  <a:gs pos="100000">
-                    <a:schemeClr val="accent4">
-                      <a:shade val="20000"/>
-                      <a:satMod val="245000"/>
-                    </a:schemeClr>
-                  </a:gs>
-                </a:gsLst>
-                <a:lin ang="5400000"/>
-              </a:gradFill>
-              <a:effectLst>
-                <a:reflection blurRad="12700" stA="28000" endPos="45000" dist="1000" dir="5400000" sy="-100000" algn="bl" rotWithShape="0"/>
-              </a:effectLst>
-              <a:latin typeface="Arial" pitchFamily="34" charset="0"/>
-              <a:cs typeface="Arial" pitchFamily="34" charset="0"/>
-            </a:endParaRPr>
-          </a:p>
-        </p:txBody>
-      </p:sp>
-      <p:pic>
-        <p:nvPicPr>
-          <p:cNvPr id="6" name="cambiarEstado.avi">
-            <a:hlinkClick r:id="" action="ppaction://media"/>
-          </p:cNvPr>
-          <p:cNvPicPr>
-            <a:picLocks noGrp="1" noRot="1" noChangeAspect="1"/>
-          </p:cNvPicPr>
-          <p:nvPr>
-            <p:ph idx="1"/>
-            <a:videoFile r:link="rId1"/>
-          </p:nvPr>
-        </p:nvPicPr>
-        <p:blipFill>
-          <a:blip r:embed="rId3" cstate="print"/>
-          <a:stretch>
-            <a:fillRect/>
-          </a:stretch>
-        </p:blipFill>
-        <p:spPr>
-          <a:xfrm>
-            <a:off x="1280615" y="1141862"/>
-            <a:ext cx="6471313" cy="4853485"/>
-          </a:xfrm>
-          <a:prstGeom prst="rect">
-            <a:avLst/>
-          </a:prstGeom>
-        </p:spPr>
-      </p:pic>
-    </p:spTree>
-  </p:cSld>
-  <p:clrMapOvr>
-    <a:masterClrMapping/>
-  </p:clrMapOvr>
-  <p:transition/>
-  <p:timing>
-    <p:tnLst>
-      <p:par>
-        <p:cTn id="1" dur="indefinite" restart="never" nodeType="tmRoot">
-          <p:childTnLst>
-            <p:seq concurrent="1" nextAc="seek">
-              <p:cTn id="2" restart="whenNotActive" fill="hold" evtFilter="cancelBubble" nodeType="interactiveSeq">
-                <p:stCondLst>
-                  <p:cond evt="onClick" delay="0">
-                    <p:tgtEl>
-                      <p:spTgt spid="6"/>
-                    </p:tgtEl>
-                  </p:cond>
-                </p:stCondLst>
-                <p:endSync evt="end" delay="0">
-                  <p:rtn val="all"/>
-                </p:endSync>
-                <p:childTnLst>
-                  <p:par>
-                    <p:cTn id="3" fill="hold">
-                      <p:stCondLst>
-                        <p:cond delay="0"/>
-                      </p:stCondLst>
-                      <p:childTnLst>
-                        <p:par>
-                          <p:cTn id="4" fill="hold">
-                            <p:stCondLst>
-                              <p:cond delay="0"/>
-                            </p:stCondLst>
-                            <p:childTnLst>
-                              <p:par>
-                                <p:cTn id="5" presetID="2" presetClass="mediacall" presetSubtype="0" fill="hold" nodeType="clickEffect">
-                                  <p:stCondLst>
-                                    <p:cond delay="0"/>
-                                  </p:stCondLst>
-                                  <p:childTnLst>
-                                    <p:cmd type="call" cmd="togglePause">
-                                      <p:cBhvr>
-                                        <p:cTn id="6" dur="1" fill="hold"/>
-                                        <p:tgtEl>
-                                          <p:spTgt spid="6"/>
-                                        </p:tgtEl>
-                                      </p:cBhvr>
-                                    </p:cmd>
-                                  </p:childTnLst>
-                                </p:cTn>
-                              </p:par>
-                            </p:childTnLst>
-                          </p:cTn>
-                        </p:par>
-                      </p:childTnLst>
-                    </p:cTn>
-                  </p:par>
-                </p:childTnLst>
-              </p:cTn>
-              <p:nextCondLst>
-                <p:cond evt="onClick" delay="0">
-                  <p:tgtEl>
-                    <p:spTgt spid="6"/>
-                  </p:tgtEl>
-                </p:cond>
-              </p:nextCondLst>
-            </p:seq>
-            <p:video>
-              <p:cMediaNode>
-                <p:cTn id="7" fill="hold" display="0">
-                  <p:stCondLst>
-                    <p:cond delay="indefinite"/>
-                  </p:stCondLst>
-                  <p:endCondLst>
-                    <p:cond evt="onNext" delay="0">
-                      <p:tgtEl>
-                        <p:sldTgt/>
-                      </p:tgtEl>
-                    </p:cond>
-                    <p:cond evt="onPrev" delay="0">
-                      <p:tgtEl>
-                        <p:sldTgt/>
-                      </p:tgtEl>
-                    </p:cond>
-                  </p:endCondLst>
-                </p:cTn>
-                <p:tgtEl>
-                  <p:spTgt spid="6"/>
-                </p:tgtEl>
-              </p:cMediaNode>
-            </p:video>
-          </p:childTnLst>
-        </p:cTn>
-      </p:par>
-    </p:tnLst>
-  </p:timing>
-</p:sld>
-</file>
-
 <file path=ppt/slides/slide27.xml><?xml version="1.0" encoding="utf-8"?>
-<p:sld xmlns:a="http://schemas.openxmlformats.org/drawingml/2006/main" xmlns:r="http://schemas.openxmlformats.org/officeDocument/2006/relationships" xmlns:p="http://schemas.openxmlformats.org/presentationml/2006/main">
-  <p:cSld>
-    <p:spTree>
-      <p:nvGrpSpPr>
-        <p:cNvPr id="1" name=""/>
-        <p:cNvGrpSpPr/>
-        <p:nvPr/>
-      </p:nvGrpSpPr>
-      <p:grpSpPr>
-        <a:xfrm>
-          <a:off x="0" y="0"/>
-          <a:ext cx="0" cy="0"/>
-          <a:chOff x="0" y="0"/>
-          <a:chExt cx="0" cy="0"/>
-        </a:xfrm>
-      </p:grpSpPr>
-      <p:sp>
-        <p:nvSpPr>
-          <p:cNvPr id="5" name="4 CuadroTexto"/>
-          <p:cNvSpPr txBox="1"/>
-          <p:nvPr/>
-        </p:nvSpPr>
-        <p:spPr>
-          <a:xfrm>
-            <a:off x="627795" y="518614"/>
-            <a:ext cx="7915702" cy="523220"/>
-          </a:xfrm>
-          <a:prstGeom prst="rect">
-            <a:avLst/>
-          </a:prstGeom>
-          <a:noFill/>
-        </p:spPr>
-        <p:txBody>
-          <a:bodyPr wrap="square" rtlCol="0">
-            <a:spAutoFit/>
-          </a:bodyPr>
-          <a:lstStyle/>
-          <a:p>
-            <a:r>
-              <a:rPr lang="es-CL" sz="2800" b="1" cap="all" dirty="0" smtClean="0">
-                <a:ln w="9000" cmpd="sng">
-                  <a:solidFill>
-                    <a:schemeClr val="accent4">
-                      <a:shade val="50000"/>
-                      <a:satMod val="120000"/>
-                    </a:schemeClr>
-                  </a:solidFill>
-                  <a:prstDash val="solid"/>
-                </a:ln>
-                <a:gradFill>
-                  <a:gsLst>
-                    <a:gs pos="0">
-                      <a:schemeClr val="accent4">
-                        <a:shade val="20000"/>
-                        <a:satMod val="245000"/>
-                      </a:schemeClr>
-                    </a:gs>
-                    <a:gs pos="43000">
-                      <a:schemeClr val="accent4">
-                        <a:satMod val="255000"/>
-                      </a:schemeClr>
-                    </a:gs>
-                    <a:gs pos="48000">
-                      <a:schemeClr val="accent4">
-                        <a:shade val="85000"/>
-                        <a:satMod val="255000"/>
-                      </a:schemeClr>
-                    </a:gs>
-                    <a:gs pos="100000">
-                      <a:schemeClr val="accent4">
-                        <a:shade val="20000"/>
-                        <a:satMod val="245000"/>
-                      </a:schemeClr>
-                    </a:gs>
-                  </a:gsLst>
-                  <a:lin ang="5400000"/>
-                </a:gradFill>
-                <a:effectLst>
-                  <a:reflection blurRad="12700" stA="28000" endPos="45000" dist="1000" dir="5400000" sy="-100000" algn="bl" rotWithShape="0"/>
-                </a:effectLst>
-                <a:latin typeface="Arial" pitchFamily="34" charset="0"/>
-                <a:cs typeface="Arial" pitchFamily="34" charset="0"/>
-              </a:rPr>
-              <a:t>Recepcionista finaliza orden</a:t>
-            </a:r>
-            <a:endParaRPr lang="es-CL" sz="2800" b="1" cap="all" dirty="0">
-              <a:ln w="9000" cmpd="sng">
-                <a:solidFill>
-                  <a:schemeClr val="accent4">
-                    <a:shade val="50000"/>
-                    <a:satMod val="120000"/>
-                  </a:schemeClr>
-                </a:solidFill>
-                <a:prstDash val="solid"/>
-              </a:ln>
-              <a:gradFill>
-                <a:gsLst>
-                  <a:gs pos="0">
-                    <a:schemeClr val="accent4">
-                      <a:shade val="20000"/>
-                      <a:satMod val="245000"/>
-                    </a:schemeClr>
-                  </a:gs>
-                  <a:gs pos="43000">
-                    <a:schemeClr val="accent4">
-                      <a:satMod val="255000"/>
-                    </a:schemeClr>
-                  </a:gs>
-                  <a:gs pos="48000">
-                    <a:schemeClr val="accent4">
-                      <a:shade val="85000"/>
-                      <a:satMod val="255000"/>
-                    </a:schemeClr>
-                  </a:gs>
-                  <a:gs pos="100000">
-                    <a:schemeClr val="accent4">
-                      <a:shade val="20000"/>
-                      <a:satMod val="245000"/>
-                    </a:schemeClr>
-                  </a:gs>
-                </a:gsLst>
-                <a:lin ang="5400000"/>
-              </a:gradFill>
-              <a:effectLst>
-                <a:reflection blurRad="12700" stA="28000" endPos="45000" dist="1000" dir="5400000" sy="-100000" algn="bl" rotWithShape="0"/>
-              </a:effectLst>
-              <a:latin typeface="Arial" pitchFamily="34" charset="0"/>
-              <a:cs typeface="Arial" pitchFamily="34" charset="0"/>
-            </a:endParaRPr>
-          </a:p>
-        </p:txBody>
-      </p:sp>
-      <p:pic>
-        <p:nvPicPr>
-          <p:cNvPr id="7" name="entrega.avi">
-            <a:hlinkClick r:id="" action="ppaction://media"/>
-          </p:cNvPr>
-          <p:cNvPicPr>
-            <a:picLocks noGrp="1" noRot="1" noChangeAspect="1"/>
-          </p:cNvPicPr>
-          <p:nvPr>
-            <p:ph idx="1"/>
-            <a:videoFile r:link="rId1"/>
-          </p:nvPr>
-        </p:nvPicPr>
-        <p:blipFill>
-          <a:blip r:embed="rId3" cstate="print"/>
-          <a:stretch>
-            <a:fillRect/>
-          </a:stretch>
-        </p:blipFill>
-        <p:spPr>
-          <a:xfrm>
-            <a:off x="1075898" y="1039505"/>
-            <a:ext cx="7153701" cy="5365276"/>
-          </a:xfrm>
-          <a:prstGeom prst="rect">
-            <a:avLst/>
-          </a:prstGeom>
-        </p:spPr>
-      </p:pic>
-    </p:spTree>
-  </p:cSld>
-  <p:clrMapOvr>
-    <a:masterClrMapping/>
-  </p:clrMapOvr>
-  <p:transition/>
-  <p:timing>
-    <p:tnLst>
-      <p:par>
-        <p:cTn id="1" dur="indefinite" restart="never" nodeType="tmRoot">
-          <p:childTnLst>
-            <p:seq concurrent="1" nextAc="seek">
-              <p:cTn id="2" restart="whenNotActive" fill="hold" evtFilter="cancelBubble" nodeType="interactiveSeq">
-                <p:stCondLst>
-                  <p:cond evt="onClick" delay="0">
-                    <p:tgtEl>
-                      <p:spTgt spid="7"/>
-                    </p:tgtEl>
-                  </p:cond>
-                </p:stCondLst>
-                <p:endSync evt="end" delay="0">
-                  <p:rtn val="all"/>
-                </p:endSync>
-                <p:childTnLst>
-                  <p:par>
-                    <p:cTn id="3" fill="hold">
-                      <p:stCondLst>
-                        <p:cond delay="0"/>
-                      </p:stCondLst>
-                      <p:childTnLst>
-                        <p:par>
-                          <p:cTn id="4" fill="hold">
-                            <p:stCondLst>
-                              <p:cond delay="0"/>
-                            </p:stCondLst>
-                            <p:childTnLst>
-                              <p:par>
-                                <p:cTn id="5" presetID="2" presetClass="mediacall" presetSubtype="0" fill="hold" nodeType="clickEffect">
-                                  <p:stCondLst>
-                                    <p:cond delay="0"/>
-                                  </p:stCondLst>
-                                  <p:childTnLst>
-                                    <p:cmd type="call" cmd="togglePause">
-                                      <p:cBhvr>
-                                        <p:cTn id="6" dur="1" fill="hold"/>
-                                        <p:tgtEl>
-                                          <p:spTgt spid="7"/>
-                                        </p:tgtEl>
-                                      </p:cBhvr>
-                                    </p:cmd>
-                                  </p:childTnLst>
-                                </p:cTn>
-                              </p:par>
-                            </p:childTnLst>
-                          </p:cTn>
-                        </p:par>
-                      </p:childTnLst>
-                    </p:cTn>
-                  </p:par>
-                </p:childTnLst>
-              </p:cTn>
-              <p:nextCondLst>
-                <p:cond evt="onClick" delay="0">
-                  <p:tgtEl>
-                    <p:spTgt spid="7"/>
-                  </p:tgtEl>
-                </p:cond>
-              </p:nextCondLst>
-            </p:seq>
-            <p:video>
-              <p:cMediaNode>
-                <p:cTn id="7" fill="hold" display="0">
-                  <p:stCondLst>
-                    <p:cond delay="indefinite"/>
-                  </p:stCondLst>
-                  <p:endCondLst>
-                    <p:cond evt="onNext" delay="0">
-                      <p:tgtEl>
-                        <p:sldTgt/>
-                      </p:tgtEl>
-                    </p:cond>
-                    <p:cond evt="onPrev" delay="0">
-                      <p:tgtEl>
-                        <p:sldTgt/>
-                      </p:tgtEl>
-                    </p:cond>
-                  </p:endCondLst>
-                </p:cTn>
-                <p:tgtEl>
-                  <p:spTgt spid="7"/>
-                </p:tgtEl>
-              </p:cMediaNode>
-            </p:video>
-          </p:childTnLst>
-        </p:cTn>
-      </p:par>
-    </p:tnLst>
-  </p:timing>
-</p:sld>
-</file>
-
-<file path=ppt/slides/slide28.xml><?xml version="1.0" encoding="utf-8"?>
 <p:sld xmlns:a="http://schemas.openxmlformats.org/drawingml/2006/main" xmlns:r="http://schemas.openxmlformats.org/officeDocument/2006/relationships" xmlns:p="http://schemas.openxmlformats.org/presentationml/2006/main">
   <p:cSld>
     <p:spTree>
@@ -12579,19 +12333,41 @@
             <a:pPr lvl="1"/>
             <a:r>
               <a:rPr lang="es-CL" dirty="0" smtClean="0"/>
-              <a:t>10% Invierte en tecnología </a:t>
+              <a:t>962 </a:t>
+            </a:r>
+            <a:r>
+              <a:rPr lang="es-CL" dirty="0" smtClean="0"/>
+              <a:t>Empresas de servicio técnico electrónico </a:t>
             </a:r>
             <a:r>
               <a:rPr lang="es-CL" sz="1600" dirty="0" smtClean="0"/>
-              <a:t>(Fuente: Cámara Comercio Santiago)</a:t>
-            </a:r>
-            <a:endParaRPr lang="es-CL" dirty="0" smtClean="0"/>
+              <a:t>(Fuente: </a:t>
+            </a:r>
+            <a:r>
+              <a:rPr lang="es-CL" sz="1600" dirty="0" err="1" smtClean="0"/>
+              <a:t>Publiguías</a:t>
+            </a:r>
+            <a:r>
+              <a:rPr lang="es-CL" sz="1600" dirty="0" smtClean="0"/>
+              <a:t>)</a:t>
+            </a:r>
           </a:p>
           <a:p>
             <a:pPr lvl="1"/>
             <a:r>
               <a:rPr lang="es-CL" dirty="0" smtClean="0"/>
-              <a:t>Existen programas de apoyo para inversión en TI en pymes </a:t>
+              <a:t>10% Invierte en tecnología (Fuente: Cámara Comercio Santiago)</a:t>
+            </a:r>
+          </a:p>
+          <a:p>
+            <a:pPr lvl="1"/>
+            <a:r>
+              <a:rPr lang="es-CL" dirty="0" smtClean="0"/>
+              <a:t>Existen </a:t>
+            </a:r>
+            <a:r>
+              <a:rPr lang="es-CL" dirty="0" smtClean="0"/>
+              <a:t>programas de apoyo para inversión en TI en pymes </a:t>
             </a:r>
             <a:r>
               <a:rPr lang="es-CL" sz="1600" dirty="0" smtClean="0"/>
@@ -12601,14 +12377,6 @@
           </a:p>
           <a:p>
             <a:pPr lvl="1"/>
-            <a:r>
-              <a:rPr lang="es-CL" dirty="0" smtClean="0"/>
-              <a:t>962 Empresas de servicio técnico electrónico </a:t>
-            </a:r>
-            <a:r>
-              <a:rPr lang="es-CL" sz="1600" dirty="0" smtClean="0"/>
-              <a:t>(Fuente: Publiguías)</a:t>
-            </a:r>
             <a:endParaRPr lang="es-CL" dirty="0" smtClean="0"/>
           </a:p>
           <a:p>

--- a/sigset/documentos/Documentos finales/Presentacion.pptx
+++ b/sigset/documentos/Documentos finales/Presentacion.pptx
@@ -5,10 +5,10 @@
     <p:sldMasterId id="2147483648" r:id="rId1"/>
   </p:sldMasterIdLst>
   <p:notesMasterIdLst>
-    <p:notesMasterId r:id="rId29"/>
+    <p:notesMasterId r:id="rId30"/>
   </p:notesMasterIdLst>
   <p:handoutMasterIdLst>
-    <p:handoutMasterId r:id="rId30"/>
+    <p:handoutMasterId r:id="rId31"/>
   </p:handoutMasterIdLst>
   <p:sldIdLst>
     <p:sldId id="334" r:id="rId2"/>
@@ -32,12 +32,13 @@
     <p:sldId id="364" r:id="rId20"/>
     <p:sldId id="357" r:id="rId21"/>
     <p:sldId id="337" r:id="rId22"/>
-    <p:sldId id="365" r:id="rId23"/>
-    <p:sldId id="366" r:id="rId24"/>
-    <p:sldId id="367" r:id="rId25"/>
-    <p:sldId id="368" r:id="rId26"/>
-    <p:sldId id="358" r:id="rId27"/>
-    <p:sldId id="356" r:id="rId28"/>
+    <p:sldId id="369" r:id="rId23"/>
+    <p:sldId id="365" r:id="rId24"/>
+    <p:sldId id="366" r:id="rId25"/>
+    <p:sldId id="367" r:id="rId26"/>
+    <p:sldId id="368" r:id="rId27"/>
+    <p:sldId id="358" r:id="rId28"/>
+    <p:sldId id="356" r:id="rId29"/>
   </p:sldIdLst>
   <p:sldSz cx="9144000" cy="6858000" type="screen4x3"/>
   <p:notesSz cx="7010400" cy="11125200"/>
@@ -288,7 +289,7 @@
               <a:pPr>
                 <a:defRPr/>
               </a:pPr>
-              <a:t>02/12/2009</a:t>
+              <a:t>03/12/2009</a:t>
             </a:fld>
             <a:endParaRPr lang="es-ES_tradnl"/>
           </a:p>
@@ -2449,7 +2450,7 @@
           </a:bodyPr>
           <a:lstStyle/>
           <a:p>
-            <a:endParaRPr lang="es-CL"/>
+            <a:endParaRPr lang="es-CL" dirty="0"/>
           </a:p>
         </p:txBody>
       </p:sp>
@@ -2797,21 +2798,7 @@
           </a:bodyPr>
           <a:lstStyle/>
           <a:p>
-            <a:r>
-              <a:rPr lang="es-CL" smtClean="0"/>
-              <a:t>RUMINA</a:t>
-            </a:r>
-          </a:p>
-          <a:p>
-            <a:r>
-              <a:rPr lang="es-CL" dirty="0" smtClean="0"/>
-              <a:t>Este proyecto</a:t>
-            </a:r>
-            <a:r>
-              <a:rPr lang="es-CL" baseline="0" dirty="0" smtClean="0"/>
-              <a:t> se estima una </a:t>
-            </a:r>
-            <a:endParaRPr lang="es-CL" dirty="0"/>
+            <a:endParaRPr lang="es-CL"/>
           </a:p>
         </p:txBody>
       </p:sp>
@@ -2838,7 +2825,108 @@
               <a:pPr>
                 <a:defRPr/>
               </a:pPr>
-              <a:t>27</a:t>
+              <a:t>26</a:t>
+            </a:fld>
+            <a:endParaRPr lang="es-ES"/>
+          </a:p>
+        </p:txBody>
+      </p:sp>
+    </p:spTree>
+  </p:cSld>
+  <p:clrMapOvr>
+    <a:masterClrMapping/>
+  </p:clrMapOvr>
+</p:notes>
+</file>
+
+<file path=ppt/notesSlides/notesSlide27.xml><?xml version="1.0" encoding="utf-8"?>
+<p:notes xmlns:a="http://schemas.openxmlformats.org/drawingml/2006/main" xmlns:r="http://schemas.openxmlformats.org/officeDocument/2006/relationships" xmlns:p="http://schemas.openxmlformats.org/presentationml/2006/main">
+  <p:cSld>
+    <p:spTree>
+      <p:nvGrpSpPr>
+        <p:cNvPr id="1" name=""/>
+        <p:cNvGrpSpPr/>
+        <p:nvPr/>
+      </p:nvGrpSpPr>
+      <p:grpSpPr>
+        <a:xfrm>
+          <a:off x="0" y="0"/>
+          <a:ext cx="0" cy="0"/>
+          <a:chOff x="0" y="0"/>
+          <a:chExt cx="0" cy="0"/>
+        </a:xfrm>
+      </p:grpSpPr>
+      <p:sp>
+        <p:nvSpPr>
+          <p:cNvPr id="2" name="1 Marcador de imagen de diapositiva"/>
+          <p:cNvSpPr>
+            <a:spLocks noGrp="1" noRot="1" noChangeAspect="1"/>
+          </p:cNvSpPr>
+          <p:nvPr>
+            <p:ph type="sldImg"/>
+          </p:nvPr>
+        </p:nvSpPr>
+        <p:spPr/>
+      </p:sp>
+      <p:sp>
+        <p:nvSpPr>
+          <p:cNvPr id="3" name="2 Marcador de notas"/>
+          <p:cNvSpPr>
+            <a:spLocks noGrp="1"/>
+          </p:cNvSpPr>
+          <p:nvPr>
+            <p:ph type="body" idx="1"/>
+          </p:nvPr>
+        </p:nvSpPr>
+        <p:spPr/>
+        <p:txBody>
+          <a:bodyPr>
+            <a:normAutofit/>
+          </a:bodyPr>
+          <a:lstStyle/>
+          <a:p>
+            <a:r>
+              <a:rPr lang="es-CL" smtClean="0"/>
+              <a:t>RUMINA</a:t>
+            </a:r>
+          </a:p>
+          <a:p>
+            <a:r>
+              <a:rPr lang="es-CL" dirty="0" smtClean="0"/>
+              <a:t>Este proyecto</a:t>
+            </a:r>
+            <a:r>
+              <a:rPr lang="es-CL" baseline="0" dirty="0" smtClean="0"/>
+              <a:t> se estima una </a:t>
+            </a:r>
+            <a:endParaRPr lang="es-CL" dirty="0"/>
+          </a:p>
+        </p:txBody>
+      </p:sp>
+      <p:sp>
+        <p:nvSpPr>
+          <p:cNvPr id="4" name="3 Marcador de número de diapositiva"/>
+          <p:cNvSpPr>
+            <a:spLocks noGrp="1"/>
+          </p:cNvSpPr>
+          <p:nvPr>
+            <p:ph type="sldNum" sz="quarter" idx="10"/>
+          </p:nvPr>
+        </p:nvSpPr>
+        <p:spPr/>
+        <p:txBody>
+          <a:bodyPr/>
+          <a:lstStyle/>
+          <a:p>
+            <a:pPr>
+              <a:defRPr/>
+            </a:pPr>
+            <a:fld id="{FDE42844-D1B2-4A88-A9DE-E38F64B7E751}" type="slidenum">
+              <a:rPr lang="es-ES" smtClean="0"/>
+              <a:pPr>
+                <a:defRPr/>
+              </a:pPr>
+              <a:t>28</a:t>
             </a:fld>
             <a:endParaRPr lang="es-ES"/>
           </a:p>
@@ -3182,29 +3270,7 @@
                 <a:ea typeface="+mn-ea"/>
                 <a:cs typeface="+mn-cs"/>
               </a:rPr>
-              <a:t>Con todo lo </a:t>
-            </a:r>
-            <a:r>
-              <a:rPr lang="es-CL" sz="1200" kern="1200" baseline="0" dirty="0" smtClean="0">
-                <a:solidFill>
-                  <a:schemeClr val="tx1"/>
-                </a:solidFill>
-                <a:latin typeface="Times New Roman" pitchFamily="18" charset="0"/>
-                <a:ea typeface="+mn-ea"/>
-                <a:cs typeface="+mn-cs"/>
-              </a:rPr>
-              <a:t>expuesto </a:t>
-            </a:r>
-            <a:r>
-              <a:rPr lang="es-CL" sz="1200" kern="1200" baseline="0" dirty="0" smtClean="0">
-                <a:solidFill>
-                  <a:schemeClr val="tx1"/>
-                </a:solidFill>
-                <a:latin typeface="Times New Roman" pitchFamily="18" charset="0"/>
-                <a:ea typeface="+mn-ea"/>
-                <a:cs typeface="+mn-cs"/>
-              </a:rPr>
-              <a:t>anteriormente de las pymes, existen 962 empresas de servicio técnico electrónico registradas en amarillas de Publiguías, que va hacer nuestra referencia de mercado para este proyecto.</a:t>
+              <a:t>Con todo lo expuesto anteriormente de las pymes, existen 962 empresas de servicio técnico electrónico registradas en amarillas de Publiguías, que va hacer nuestra referencia de mercado para este proyecto.</a:t>
             </a:r>
           </a:p>
           <a:p>
@@ -7764,7 +7830,7 @@
   <p:clrMapOvr>
     <a:masterClrMapping/>
   </p:clrMapOvr>
-  <p:transition/>
+  <p:transition advTm="2782"/>
   <p:timing>
     <p:tnLst>
       <p:par>
@@ -10751,21 +10817,8 @@
           <a:p>
             <a:r>
               <a:rPr lang="es-CL" dirty="0" smtClean="0"/>
-              <a:t>Técnico </a:t>
-            </a:r>
-            <a:r>
-              <a:rPr lang="es-CL" dirty="0" smtClean="0"/>
-              <a:t>modifica</a:t>
-            </a:r>
-            <a:r>
-              <a:rPr lang="es-CL" dirty="0" smtClean="0"/>
-              <a:t> </a:t>
-            </a:r>
-            <a:r>
-              <a:rPr lang="es-CL" dirty="0" smtClean="0"/>
-              <a:t>orden</a:t>
-            </a:r>
-            <a:endParaRPr lang="es-CL" dirty="0" smtClean="0"/>
+              <a:t>Técnico modifica orden</a:t>
+            </a:r>
           </a:p>
           <a:p>
             <a:r>
@@ -10843,7 +10896,9 @@
       </p:grpSpPr>
       <p:sp>
         <p:nvSpPr>
-          <p:cNvPr id="5" name="4 CuadroTexto"/>
+          <p:cNvPr id="5" name="4 CuadroTexto">
+            <a:hlinkClick r:id="rId3" action="ppaction://program"/>
+          </p:cNvPr>
           <p:cNvSpPr txBox="1"/>
           <p:nvPr/>
         </p:nvSpPr>
@@ -10993,6 +11048,230 @@
       </p:grpSpPr>
       <p:sp>
         <p:nvSpPr>
+          <p:cNvPr id="2" name="1 Título"/>
+          <p:cNvSpPr>
+            <a:spLocks noGrp="1"/>
+          </p:cNvSpPr>
+          <p:nvPr>
+            <p:ph type="title"/>
+          </p:nvPr>
+        </p:nvSpPr>
+        <p:spPr/>
+        <p:txBody>
+          <a:bodyPr/>
+          <a:lstStyle/>
+          <a:p>
+            <a:endParaRPr lang="es-CL"/>
+          </a:p>
+        </p:txBody>
+      </p:sp>
+      <p:pic>
+        <p:nvPicPr>
+          <p:cNvPr id="12" name="01-Crear.avi">
+            <a:hlinkClick r:id="" action="ppaction://media"/>
+          </p:cNvPr>
+          <p:cNvPicPr>
+            <a:picLocks noGrp="1" noRot="1" noChangeAspect="1"/>
+          </p:cNvPicPr>
+          <p:nvPr>
+            <p:ph idx="1"/>
+            <a:videoFile r:link="rId1"/>
+          </p:nvPr>
+        </p:nvPicPr>
+        <p:blipFill>
+          <a:blip r:embed="rId4" cstate="print"/>
+          <a:stretch>
+            <a:fillRect/>
+          </a:stretch>
+        </p:blipFill>
+        <p:spPr>
+          <a:xfrm>
+            <a:off x="1143000" y="1247277"/>
+            <a:ext cx="6858000" cy="4572000"/>
+          </a:xfrm>
+          <a:prstGeom prst="rect">
+            <a:avLst/>
+          </a:prstGeom>
+        </p:spPr>
+      </p:pic>
+    </p:spTree>
+  </p:cSld>
+  <p:clrMapOvr>
+    <a:masterClrMapping/>
+  </p:clrMapOvr>
+  <p:transition/>
+  <p:timing>
+    <p:tnLst>
+      <p:par>
+        <p:cTn id="1" dur="indefinite" restart="never" nodeType="tmRoot">
+          <p:childTnLst>
+            <p:seq concurrent="1" nextAc="seek">
+              <p:cTn id="2" dur="indefinite" nodeType="mainSeq">
+                <p:childTnLst>
+                  <p:par>
+                    <p:cTn id="3" fill="hold">
+                      <p:stCondLst>
+                        <p:cond delay="indefinite"/>
+                        <p:cond evt="onBegin" delay="0">
+                          <p:tn val="2"/>
+                        </p:cond>
+                      </p:stCondLst>
+                      <p:childTnLst>
+                        <p:par>
+                          <p:cTn id="4" fill="hold">
+                            <p:stCondLst>
+                              <p:cond delay="0"/>
+                            </p:stCondLst>
+                            <p:childTnLst>
+                              <p:par>
+                                <p:cTn id="5" presetID="1" presetClass="mediacall" presetSubtype="0" fill="hold" nodeType="afterEffect">
+                                  <p:stCondLst>
+                                    <p:cond delay="0"/>
+                                  </p:stCondLst>
+                                  <p:childTnLst>
+                                    <p:cmd type="call" cmd="playFrom(0.0)">
+                                      <p:cBhvr>
+                                        <p:cTn id="6" dur="111334" fill="hold"/>
+                                        <p:tgtEl>
+                                          <p:spTgt spid="12"/>
+                                        </p:tgtEl>
+                                      </p:cBhvr>
+                                    </p:cmd>
+                                  </p:childTnLst>
+                                </p:cTn>
+                              </p:par>
+                            </p:childTnLst>
+                          </p:cTn>
+                        </p:par>
+                      </p:childTnLst>
+                    </p:cTn>
+                  </p:par>
+                </p:childTnLst>
+              </p:cTn>
+              <p:prevCondLst>
+                <p:cond evt="onPrev" delay="0">
+                  <p:tgtEl>
+                    <p:sldTgt/>
+                  </p:tgtEl>
+                </p:cond>
+              </p:prevCondLst>
+              <p:nextCondLst>
+                <p:cond evt="onNext" delay="0">
+                  <p:tgtEl>
+                    <p:sldTgt/>
+                  </p:tgtEl>
+                </p:cond>
+              </p:nextCondLst>
+            </p:seq>
+            <p:video fullScrn="1">
+              <p:cMediaNode>
+                <p:cTn id="7" fill="hold" display="0">
+                  <p:stCondLst>
+                    <p:cond delay="indefinite"/>
+                  </p:stCondLst>
+                  <p:endCondLst>
+                    <p:cond evt="onNext" delay="0">
+                      <p:tgtEl>
+                        <p:sldTgt/>
+                      </p:tgtEl>
+                    </p:cond>
+                    <p:cond evt="onPrev" delay="0">
+                      <p:tgtEl>
+                        <p:sldTgt/>
+                      </p:tgtEl>
+                    </p:cond>
+                  </p:endCondLst>
+                </p:cTn>
+                <p:tgtEl>
+                  <p:spTgt spid="12"/>
+                </p:tgtEl>
+              </p:cMediaNode>
+            </p:video>
+            <p:seq concurrent="1" nextAc="seek">
+              <p:cTn id="8" restart="whenNotActive" fill="hold" evtFilter="cancelBubble" nodeType="interactiveSeq">
+                <p:stCondLst>
+                  <p:cond evt="onClick" delay="0">
+                    <p:tgtEl>
+                      <p:spTgt spid="12"/>
+                    </p:tgtEl>
+                  </p:cond>
+                </p:stCondLst>
+                <p:endSync evt="end" delay="0">
+                  <p:rtn val="all"/>
+                </p:endSync>
+                <p:childTnLst>
+                  <p:par>
+                    <p:cTn id="9" fill="hold">
+                      <p:stCondLst>
+                        <p:cond delay="0"/>
+                      </p:stCondLst>
+                      <p:childTnLst>
+                        <p:par>
+                          <p:cTn id="10" fill="hold">
+                            <p:stCondLst>
+                              <p:cond delay="0"/>
+                            </p:stCondLst>
+                            <p:childTnLst>
+                              <p:par>
+                                <p:cTn id="11" presetID="2" presetClass="mediacall" presetSubtype="0" fill="hold" nodeType="clickEffect">
+                                  <p:stCondLst>
+                                    <p:cond delay="0"/>
+                                  </p:stCondLst>
+                                  <p:childTnLst>
+                                    <p:cmd type="call" cmd="togglePause">
+                                      <p:cBhvr>
+                                        <p:cTn id="12" dur="1" fill="hold"/>
+                                        <p:tgtEl>
+                                          <p:spTgt spid="12"/>
+                                        </p:tgtEl>
+                                      </p:cBhvr>
+                                    </p:cmd>
+                                  </p:childTnLst>
+                                </p:cTn>
+                              </p:par>
+                            </p:childTnLst>
+                          </p:cTn>
+                        </p:par>
+                      </p:childTnLst>
+                    </p:cTn>
+                  </p:par>
+                </p:childTnLst>
+              </p:cTn>
+              <p:nextCondLst>
+                <p:cond evt="onClick" delay="0">
+                  <p:tgtEl>
+                    <p:spTgt spid="12"/>
+                  </p:tgtEl>
+                </p:cond>
+              </p:nextCondLst>
+            </p:seq>
+          </p:childTnLst>
+        </p:cTn>
+      </p:par>
+    </p:tnLst>
+  </p:timing>
+</p:sld>
+</file>
+
+<file path=ppt/slides/slide23.xml><?xml version="1.0" encoding="utf-8"?>
+<p:sld xmlns:a="http://schemas.openxmlformats.org/drawingml/2006/main" xmlns:r="http://schemas.openxmlformats.org/officeDocument/2006/relationships" xmlns:p="http://schemas.openxmlformats.org/presentationml/2006/main">
+  <p:cSld>
+    <p:spTree>
+      <p:nvGrpSpPr>
+        <p:cNvPr id="1" name=""/>
+        <p:cNvGrpSpPr/>
+        <p:nvPr/>
+      </p:nvGrpSpPr>
+      <p:grpSpPr>
+        <a:xfrm>
+          <a:off x="0" y="0"/>
+          <a:ext cx="0" cy="0"/>
+          <a:chOff x="0" y="0"/>
+          <a:chExt cx="0" cy="0"/>
+        </a:xfrm>
+      </p:grpSpPr>
+      <p:sp>
+        <p:nvSpPr>
           <p:cNvPr id="5" name="4 CuadroTexto"/>
           <p:cNvSpPr txBox="1"/>
           <p:nvPr/>
@@ -11124,7 +11403,7 @@
 </p:sld>
 </file>
 
-<file path=ppt/slides/slide23.xml><?xml version="1.0" encoding="utf-8"?>
+<file path=ppt/slides/slide24.xml><?xml version="1.0" encoding="utf-8"?>
 <p:sld xmlns:a="http://schemas.openxmlformats.org/drawingml/2006/main" xmlns:r="http://schemas.openxmlformats.org/officeDocument/2006/relationships" xmlns:p="http://schemas.openxmlformats.org/presentationml/2006/main">
   <p:cSld>
     <p:spTree>
@@ -11274,7 +11553,7 @@
 </p:sld>
 </file>
 
-<file path=ppt/slides/slide24.xml><?xml version="1.0" encoding="utf-8"?>
+<file path=ppt/slides/slide25.xml><?xml version="1.0" encoding="utf-8"?>
 <p:sld xmlns:a="http://schemas.openxmlformats.org/drawingml/2006/main" xmlns:r="http://schemas.openxmlformats.org/officeDocument/2006/relationships" xmlns:p="http://schemas.openxmlformats.org/presentationml/2006/main">
   <p:cSld>
     <p:spTree>
@@ -11424,7 +11703,7 @@
 </p:sld>
 </file>
 
-<file path=ppt/slides/slide25.xml><?xml version="1.0" encoding="utf-8"?>
+<file path=ppt/slides/slide26.xml><?xml version="1.0" encoding="utf-8"?>
 <p:sld xmlns:a="http://schemas.openxmlformats.org/drawingml/2006/main" xmlns:r="http://schemas.openxmlformats.org/officeDocument/2006/relationships" xmlns:p="http://schemas.openxmlformats.org/presentationml/2006/main">
   <p:cSld>
     <p:spTree>
@@ -11574,7 +11853,7 @@
 </p:sld>
 </file>
 
-<file path=ppt/slides/slide26.xml><?xml version="1.0" encoding="utf-8"?>
+<file path=ppt/slides/slide27.xml><?xml version="1.0" encoding="utf-8"?>
 <p:sld xmlns:a="http://schemas.openxmlformats.org/drawingml/2006/main" xmlns:r="http://schemas.openxmlformats.org/officeDocument/2006/relationships" xmlns:p="http://schemas.openxmlformats.org/presentationml/2006/main">
   <p:cSld>
     <p:spTree>
@@ -11779,7 +12058,7 @@
 </p:sld>
 </file>
 
-<file path=ppt/slides/slide27.xml><?xml version="1.0" encoding="utf-8"?>
+<file path=ppt/slides/slide28.xml><?xml version="1.0" encoding="utf-8"?>
 <p:sld xmlns:a="http://schemas.openxmlformats.org/drawingml/2006/main" xmlns:r="http://schemas.openxmlformats.org/officeDocument/2006/relationships" xmlns:p="http://schemas.openxmlformats.org/presentationml/2006/main">
   <p:cSld>
     <p:spTree>
@@ -12333,11 +12612,7 @@
             <a:pPr lvl="1"/>
             <a:r>
               <a:rPr lang="es-CL" dirty="0" smtClean="0"/>
-              <a:t>962 </a:t>
-            </a:r>
-            <a:r>
-              <a:rPr lang="es-CL" dirty="0" smtClean="0"/>
-              <a:t>Empresas de servicio técnico electrónico </a:t>
+              <a:t>962 Empresas de servicio técnico electrónico </a:t>
             </a:r>
             <a:r>
               <a:rPr lang="es-CL" sz="1600" dirty="0" smtClean="0"/>
@@ -12363,11 +12638,7 @@
             <a:pPr lvl="1"/>
             <a:r>
               <a:rPr lang="es-CL" dirty="0" smtClean="0"/>
-              <a:t>Existen </a:t>
-            </a:r>
-            <a:r>
-              <a:rPr lang="es-CL" dirty="0" smtClean="0"/>
-              <a:t>programas de apoyo para inversión en TI en pymes </a:t>
+              <a:t>Existen programas de apoyo para inversión en TI en pymes </a:t>
             </a:r>
             <a:r>
               <a:rPr lang="es-CL" sz="1600" dirty="0" smtClean="0"/>

--- a/sigset/documentos/Documentos finales/Presentacion.pptx
+++ b/sigset/documentos/Documentos finales/Presentacion.pptx
@@ -177,6 +177,36 @@
 <p:cmAuthorLst xmlns:a="http://schemas.openxmlformats.org/drawingml/2006/main" xmlns:r="http://schemas.openxmlformats.org/officeDocument/2006/relationships" xmlns:p="http://schemas.openxmlformats.org/presentationml/2006/main">
   <p:cmAuthor id="0" name="Usuario" initials="U" lastIdx="3" clrIdx="0"/>
 </p:cmAuthorLst>
+</file>
+
+<file path=ppt/activeX/activeX1.xml><?xml version="1.0" encoding="utf-8"?>
+<ax:ocx xmlns:ax="http://schemas.microsoft.com/office/2006/activeX" xmlns:r="http://schemas.openxmlformats.org/officeDocument/2006/relationships" ax:classid="{6BF52A52-394A-11D3-B153-00C04F79FAA6}" ax:persistence="persistPropertyBag">
+  <ax:ocxPr ax:name="URL" ax:value="C:\svn\sigset\documentos\Documentos finales\Videos\05-Config.avi"/>
+  <ax:ocxPr ax:name="rate" ax:value="1"/>
+  <ax:ocxPr ax:name="balance" ax:value="0"/>
+  <ax:ocxPr ax:name="currentPosition" ax:value="0"/>
+  <ax:ocxPr ax:name="defaultFrame" ax:value=""/>
+  <ax:ocxPr ax:name="playCount" ax:value="1"/>
+  <ax:ocxPr ax:name="autoStart" ax:value="-1"/>
+  <ax:ocxPr ax:name="currentMarker" ax:value="0"/>
+  <ax:ocxPr ax:name="invokeURLs" ax:value="-1"/>
+  <ax:ocxPr ax:name="baseURL" ax:value=""/>
+  <ax:ocxPr ax:name="volume" ax:value="50"/>
+  <ax:ocxPr ax:name="mute" ax:value="0"/>
+  <ax:ocxPr ax:name="uiMode" ax:value="mini"/>
+  <ax:ocxPr ax:name="stretchToFit" ax:value="0"/>
+  <ax:ocxPr ax:name="windowlessVideo" ax:value="0"/>
+  <ax:ocxPr ax:name="enabled" ax:value="-1"/>
+  <ax:ocxPr ax:name="enableContextMenu" ax:value="0"/>
+  <ax:ocxPr ax:name="fullScreen" ax:value="0"/>
+  <ax:ocxPr ax:name="SAMIStyle" ax:value=""/>
+  <ax:ocxPr ax:name="SAMILang" ax:value=""/>
+  <ax:ocxPr ax:name="SAMIFilename" ax:value=""/>
+  <ax:ocxPr ax:name="captioningID" ax:value=""/>
+  <ax:ocxPr ax:name="enableErrorDialogs" ax:value="0"/>
+  <ax:ocxPr ax:name="_cx" ax:value="25400"/>
+  <ax:ocxPr ax:name="_cy" ax:value="19050"/>
+</ax:ocx>
 </file>
 
 <file path=ppt/comments/comment1.xml><?xml version="1.0" encoding="utf-8"?>
@@ -6082,6 +6112,13 @@
         </dgm:presLayoutVars>
       </dgm:prSet>
       <dgm:spPr/>
+      <dgm:t>
+        <a:bodyPr/>
+        <a:lstStyle/>
+        <a:p>
+          <a:endParaRPr lang="es-CL"/>
+        </a:p>
+      </dgm:t>
     </dgm:pt>
     <dgm:pt modelId="{33F33FD0-8BC5-4C29-928E-428A89B45E5C}" type="pres">
       <dgm:prSet presAssocID="{586A65C6-540A-4CB9-8EC0-D9B0445DA94F}" presName="vertOne" presStyleCnt="0"/>
@@ -6094,6 +6131,13 @@
         </dgm:presLayoutVars>
       </dgm:prSet>
       <dgm:spPr/>
+      <dgm:t>
+        <a:bodyPr/>
+        <a:lstStyle/>
+        <a:p>
+          <a:endParaRPr lang="es-CL"/>
+        </a:p>
+      </dgm:t>
     </dgm:pt>
     <dgm:pt modelId="{FA63CA90-08A1-4782-BCB0-A1167A7C517D}" type="pres">
       <dgm:prSet presAssocID="{586A65C6-540A-4CB9-8EC0-D9B0445DA94F}" presName="parTransOne" presStyleCnt="0"/>
@@ -6141,6 +6185,13 @@
         </dgm:presLayoutVars>
       </dgm:prSet>
       <dgm:spPr/>
+      <dgm:t>
+        <a:bodyPr/>
+        <a:lstStyle/>
+        <a:p>
+          <a:endParaRPr lang="es-CL"/>
+        </a:p>
+      </dgm:t>
     </dgm:pt>
     <dgm:pt modelId="{123DA0D7-0852-4A2C-8C72-5923FAD3651F}" type="pres">
       <dgm:prSet presAssocID="{71E57D62-83AA-4694-A7B1-A6F94EAF56D7}" presName="horzTwo" presStyleCnt="0"/>
@@ -6161,6 +6212,13 @@
         </dgm:presLayoutVars>
       </dgm:prSet>
       <dgm:spPr/>
+      <dgm:t>
+        <a:bodyPr/>
+        <a:lstStyle/>
+        <a:p>
+          <a:endParaRPr lang="es-CL"/>
+        </a:p>
+      </dgm:t>
     </dgm:pt>
     <dgm:pt modelId="{2C13101D-EE1C-4F6E-874D-535C0B53C1BB}" type="pres">
       <dgm:prSet presAssocID="{12169EF6-6DBB-44B2-8BEB-0776656AFC93}" presName="parTransTwo" presStyleCnt="0"/>
@@ -6212,6 +6270,13 @@
         </dgm:presLayoutVars>
       </dgm:prSet>
       <dgm:spPr/>
+      <dgm:t>
+        <a:bodyPr/>
+        <a:lstStyle/>
+        <a:p>
+          <a:endParaRPr lang="es-CL"/>
+        </a:p>
+      </dgm:t>
     </dgm:pt>
     <dgm:pt modelId="{0CE21155-7DE8-4986-A3DA-BF9C7E8AA23B}" type="pres">
       <dgm:prSet presAssocID="{ABC91206-444B-4D11-B8FA-2A0DD78B82DD}" presName="parTransFour" presStyleCnt="0"/>
@@ -6267,6 +6332,13 @@
         </dgm:presLayoutVars>
       </dgm:prSet>
       <dgm:spPr/>
+      <dgm:t>
+        <a:bodyPr/>
+        <a:lstStyle/>
+        <a:p>
+          <a:endParaRPr lang="es-CL"/>
+        </a:p>
+      </dgm:t>
     </dgm:pt>
     <dgm:pt modelId="{E4B6D2D2-41D7-4896-9A81-F1F3D4DA7D59}" type="pres">
       <dgm:prSet presAssocID="{0DF94BE7-4160-4391-9484-0073197D2E4E}" presName="horzFour" presStyleCnt="0"/>
@@ -6291,6 +6363,13 @@
         </dgm:presLayoutVars>
       </dgm:prSet>
       <dgm:spPr/>
+      <dgm:t>
+        <a:bodyPr/>
+        <a:lstStyle/>
+        <a:p>
+          <a:endParaRPr lang="es-CL"/>
+        </a:p>
+      </dgm:t>
     </dgm:pt>
     <dgm:pt modelId="{95869C86-25D8-4606-B076-042103DB1620}" type="pres">
       <dgm:prSet presAssocID="{91E062B1-D4D5-44F2-866B-430A463ECD45}" presName="parTransFour" presStyleCnt="0"/>
@@ -6422,33 +6501,33 @@
     </dgm:pt>
   </dgm:ptLst>
   <dgm:cxnLst>
+    <dgm:cxn modelId="{B60EDF43-FEB0-488A-933D-90B71D539784}" type="presOf" srcId="{7DC8B74A-D113-4DBF-9B45-972F288BD0D6}" destId="{BFA502BE-2E62-4080-8208-1E5E98B7B990}" srcOrd="0" destOrd="0" presId="urn:microsoft.com/office/officeart/2005/8/layout/hierarchy4"/>
+    <dgm:cxn modelId="{B666E5C3-30AA-4817-880E-62F4074EA15F}" srcId="{586A65C6-540A-4CB9-8EC0-D9B0445DA94F}" destId="{71E57D62-83AA-4694-A7B1-A6F94EAF56D7}" srcOrd="1" destOrd="0" parTransId="{D2D4D970-A2DC-4978-A6A5-94A1CCE8F0ED}" sibTransId="{148A284C-3F9F-4724-B04E-02AED7A720F9}"/>
+    <dgm:cxn modelId="{E2F0C2FB-9B39-4BE7-A0A6-07B6CA72CCD5}" type="presOf" srcId="{EEA757AC-3E39-4C68-8CF2-ABC56AE108C8}" destId="{4CE52578-7C2A-407C-ADEC-05AE734C9137}" srcOrd="0" destOrd="0" presId="urn:microsoft.com/office/officeart/2005/8/layout/hierarchy4"/>
+    <dgm:cxn modelId="{26690FEA-E4C1-4B15-BF8D-678A7FFBB950}" type="presOf" srcId="{12169EF6-6DBB-44B2-8BEB-0776656AFC93}" destId="{AADBF77C-178E-4139-8C67-FCE5DFA99823}" srcOrd="0" destOrd="0" presId="urn:microsoft.com/office/officeart/2005/8/layout/hierarchy4"/>
+    <dgm:cxn modelId="{52B92DBC-812A-440C-A23C-AFA5C627EB6E}" srcId="{91E062B1-D4D5-44F2-866B-430A463ECD45}" destId="{EEA757AC-3E39-4C68-8CF2-ABC56AE108C8}" srcOrd="1" destOrd="0" parTransId="{4CCAF2B3-2429-4102-8961-BE5475EB029C}" sibTransId="{DEFFFEF7-2388-42A1-AE7C-12AB3B7CAB1D}"/>
+    <dgm:cxn modelId="{EB4D52DA-E5FA-4634-9363-19F1D9CE84EB}" srcId="{91E062B1-D4D5-44F2-866B-430A463ECD45}" destId="{325BDE2B-8240-4C13-9C3E-A3064E8A25A5}" srcOrd="3" destOrd="0" parTransId="{DFCF23E5-BEF8-4FFA-BC06-C6DEB372F0D4}" sibTransId="{5CAF8E28-256D-4966-AB57-BF45220D9530}"/>
+    <dgm:cxn modelId="{5C095F35-B751-4D5D-9650-78AC53ABF4EB}" srcId="{91E062B1-D4D5-44F2-866B-430A463ECD45}" destId="{7DC8B74A-D113-4DBF-9B45-972F288BD0D6}" srcOrd="2" destOrd="0" parTransId="{0B169798-2DC6-4157-AE89-74EF6F928E75}" sibTransId="{902F1B8A-EB02-48D8-9212-E0A372248FC8}"/>
+    <dgm:cxn modelId="{B38C7C70-78C6-4F3E-82ED-3D7F1E36698D}" srcId="{D5F8A87B-2E2E-4321-A1AC-7A2262607F1E}" destId="{586A65C6-540A-4CB9-8EC0-D9B0445DA94F}" srcOrd="0" destOrd="0" parTransId="{43703BEC-B98B-426F-A2B8-F91C70511AF9}" sibTransId="{5826037C-92A3-443D-ABEC-B189D13F9281}"/>
+    <dgm:cxn modelId="{173C4114-3147-4B7A-AE7A-CC863601F65A}" type="presOf" srcId="{586A65C6-540A-4CB9-8EC0-D9B0445DA94F}" destId="{25C28955-7066-4C2E-BFD1-AC5B4C6E6806}" srcOrd="0" destOrd="0" presId="urn:microsoft.com/office/officeart/2005/8/layout/hierarchy4"/>
     <dgm:cxn modelId="{CB881660-4B7A-4853-9AC0-16E41EB9B444}" type="presOf" srcId="{096471C1-6818-4720-8902-4A46274C983E}" destId="{589FBF1F-7F45-4CE4-9047-159C42071C50}" srcOrd="0" destOrd="0" presId="urn:microsoft.com/office/officeart/2005/8/layout/hierarchy4"/>
+    <dgm:cxn modelId="{732DD8B6-9C88-403A-921B-E0E049EB9F54}" srcId="{12169EF6-6DBB-44B2-8BEB-0776656AFC93}" destId="{1062E75E-2995-42C1-8C6E-6597010FC01E}" srcOrd="0" destOrd="0" parTransId="{ACFE4678-6038-4D44-8CC5-F9A7A5522A3C}" sibTransId="{108624DD-4300-4C85-9764-D6DBC0222CE5}"/>
+    <dgm:cxn modelId="{9E130C58-EE6E-41E1-9F7D-2CB1A0853517}" srcId="{ABC91206-444B-4D11-B8FA-2A0DD78B82DD}" destId="{FB2C989F-E1B4-4BC3-B054-77EA4DF40F44}" srcOrd="0" destOrd="0" parTransId="{9B7A7F38-4789-4FC7-A1B2-E6C6E84940DF}" sibTransId="{81201B7A-95D5-4EA1-A325-026997F41DE5}"/>
+    <dgm:cxn modelId="{B71A54D7-5A5E-48B4-BC37-202C9EB79610}" srcId="{586A65C6-540A-4CB9-8EC0-D9B0445DA94F}" destId="{F3975019-641A-4A29-8B2C-95C6AAFBEBD5}" srcOrd="0" destOrd="0" parTransId="{C94A42E5-E1AA-46CB-B558-B770A122026D}" sibTransId="{285F1D10-F20C-4DCE-895E-E3C2FE9A4786}"/>
+    <dgm:cxn modelId="{A026A1AC-2981-44EB-9A95-EFB5E2F24D7B}" type="presOf" srcId="{91E062B1-D4D5-44F2-866B-430A463ECD45}" destId="{F22370EF-86CC-4C21-96DF-D8DD58F1673C}" srcOrd="0" destOrd="0" presId="urn:microsoft.com/office/officeart/2005/8/layout/hierarchy4"/>
+    <dgm:cxn modelId="{E2EBD251-4C2A-4FA7-8156-931CC7B69C75}" type="presOf" srcId="{1062E75E-2995-42C1-8C6E-6597010FC01E}" destId="{611BF421-F454-4287-A431-48516D67493F}" srcOrd="0" destOrd="0" presId="urn:microsoft.com/office/officeart/2005/8/layout/hierarchy4"/>
     <dgm:cxn modelId="{F7CA2ED4-2211-402A-A588-D9AE4948F324}" srcId="{91E062B1-D4D5-44F2-866B-430A463ECD45}" destId="{096471C1-6818-4720-8902-4A46274C983E}" srcOrd="0" destOrd="0" parTransId="{D6D5F18E-77D2-4388-805F-83BE9B513D3D}" sibTransId="{1910ABF9-3999-41F2-9A10-32E19038E1B6}"/>
-    <dgm:cxn modelId="{52B92DBC-812A-440C-A23C-AFA5C627EB6E}" srcId="{91E062B1-D4D5-44F2-866B-430A463ECD45}" destId="{EEA757AC-3E39-4C68-8CF2-ABC56AE108C8}" srcOrd="1" destOrd="0" parTransId="{4CCAF2B3-2429-4102-8961-BE5475EB029C}" sibTransId="{DEFFFEF7-2388-42A1-AE7C-12AB3B7CAB1D}"/>
+    <dgm:cxn modelId="{1C8BC461-F7C8-4AFB-968D-67A6A3249BD0}" srcId="{1062E75E-2995-42C1-8C6E-6597010FC01E}" destId="{0DF94BE7-4160-4391-9484-0073197D2E4E}" srcOrd="1" destOrd="0" parTransId="{F8DFBE83-9526-4CC0-AE0E-D456B15709CC}" sibTransId="{F99F1587-6670-467E-8664-B2AAC42648C6}"/>
+    <dgm:cxn modelId="{17DA08B0-D683-4997-9879-66073873307B}" srcId="{586A65C6-540A-4CB9-8EC0-D9B0445DA94F}" destId="{12169EF6-6DBB-44B2-8BEB-0776656AFC93}" srcOrd="2" destOrd="0" parTransId="{6058E3DF-4A41-49CD-8370-9B28E90E5DB2}" sibTransId="{F306A6FE-6C49-46AF-81CD-573CEFA2EF20}"/>
     <dgm:cxn modelId="{A373AFBE-E6AD-43C4-8BD6-57D4F76E4117}" type="presOf" srcId="{ABC91206-444B-4D11-B8FA-2A0DD78B82DD}" destId="{952EDF37-CE28-4FE6-8BD5-FC4293EA5855}" srcOrd="0" destOrd="0" presId="urn:microsoft.com/office/officeart/2005/8/layout/hierarchy4"/>
-    <dgm:cxn modelId="{A026A1AC-2981-44EB-9A95-EFB5E2F24D7B}" type="presOf" srcId="{91E062B1-D4D5-44F2-866B-430A463ECD45}" destId="{F22370EF-86CC-4C21-96DF-D8DD58F1673C}" srcOrd="0" destOrd="0" presId="urn:microsoft.com/office/officeart/2005/8/layout/hierarchy4"/>
+    <dgm:cxn modelId="{19160C66-E86E-40B6-9C8B-73027E7AFAFD}" type="presOf" srcId="{325BDE2B-8240-4C13-9C3E-A3064E8A25A5}" destId="{359DCAA5-DE04-4E6A-AD9D-31FC80443D67}" srcOrd="0" destOrd="0" presId="urn:microsoft.com/office/officeart/2005/8/layout/hierarchy4"/>
     <dgm:cxn modelId="{B586BC3A-6D65-4242-92B0-517293A86BC8}" srcId="{1062E75E-2995-42C1-8C6E-6597010FC01E}" destId="{91E062B1-D4D5-44F2-866B-430A463ECD45}" srcOrd="2" destOrd="0" parTransId="{9FCFF828-D145-4486-A805-B84844981CAD}" sibTransId="{98DB244F-3102-4BF4-9CAB-BEAFB8DC62D7}"/>
-    <dgm:cxn modelId="{B60EDF43-FEB0-488A-933D-90B71D539784}" type="presOf" srcId="{7DC8B74A-D113-4DBF-9B45-972F288BD0D6}" destId="{BFA502BE-2E62-4080-8208-1E5E98B7B990}" srcOrd="0" destOrd="0" presId="urn:microsoft.com/office/officeart/2005/8/layout/hierarchy4"/>
+    <dgm:cxn modelId="{EFA9DCE0-9791-4D37-A251-224441F023F5}" type="presOf" srcId="{0DF94BE7-4160-4391-9484-0073197D2E4E}" destId="{244A69D9-6CC8-4087-AF96-9B56DD27CD25}" srcOrd="0" destOrd="0" presId="urn:microsoft.com/office/officeart/2005/8/layout/hierarchy4"/>
+    <dgm:cxn modelId="{75D9B692-7476-4328-B2D4-0F8B4355C284}" type="presOf" srcId="{D5F8A87B-2E2E-4321-A1AC-7A2262607F1E}" destId="{1C5712B1-BC60-40E5-B008-A2E74BA84ABA}" srcOrd="0" destOrd="0" presId="urn:microsoft.com/office/officeart/2005/8/layout/hierarchy4"/>
     <dgm:cxn modelId="{DF89A1EA-0163-4EFC-8254-DE58FFC90F7B}" srcId="{1062E75E-2995-42C1-8C6E-6597010FC01E}" destId="{ABC91206-444B-4D11-B8FA-2A0DD78B82DD}" srcOrd="0" destOrd="0" parTransId="{A653E350-131E-4BB2-A4F1-4C1413E0D48D}" sibTransId="{3B487846-1FC7-4022-A595-D3568AD82088}"/>
-    <dgm:cxn modelId="{17DA08B0-D683-4997-9879-66073873307B}" srcId="{586A65C6-540A-4CB9-8EC0-D9B0445DA94F}" destId="{12169EF6-6DBB-44B2-8BEB-0776656AFC93}" srcOrd="2" destOrd="0" parTransId="{6058E3DF-4A41-49CD-8370-9B28E90E5DB2}" sibTransId="{F306A6FE-6C49-46AF-81CD-573CEFA2EF20}"/>
-    <dgm:cxn modelId="{B38C7C70-78C6-4F3E-82ED-3D7F1E36698D}" srcId="{D5F8A87B-2E2E-4321-A1AC-7A2262607F1E}" destId="{586A65C6-540A-4CB9-8EC0-D9B0445DA94F}" srcOrd="0" destOrd="0" parTransId="{43703BEC-B98B-426F-A2B8-F91C70511AF9}" sibTransId="{5826037C-92A3-443D-ABEC-B189D13F9281}"/>
-    <dgm:cxn modelId="{19160C66-E86E-40B6-9C8B-73027E7AFAFD}" type="presOf" srcId="{325BDE2B-8240-4C13-9C3E-A3064E8A25A5}" destId="{359DCAA5-DE04-4E6A-AD9D-31FC80443D67}" srcOrd="0" destOrd="0" presId="urn:microsoft.com/office/officeart/2005/8/layout/hierarchy4"/>
-    <dgm:cxn modelId="{B71A54D7-5A5E-48B4-BC37-202C9EB79610}" srcId="{586A65C6-540A-4CB9-8EC0-D9B0445DA94F}" destId="{F3975019-641A-4A29-8B2C-95C6AAFBEBD5}" srcOrd="0" destOrd="0" parTransId="{C94A42E5-E1AA-46CB-B558-B770A122026D}" sibTransId="{285F1D10-F20C-4DCE-895E-E3C2FE9A4786}"/>
-    <dgm:cxn modelId="{5C095F35-B751-4D5D-9650-78AC53ABF4EB}" srcId="{91E062B1-D4D5-44F2-866B-430A463ECD45}" destId="{7DC8B74A-D113-4DBF-9B45-972F288BD0D6}" srcOrd="2" destOrd="0" parTransId="{0B169798-2DC6-4157-AE89-74EF6F928E75}" sibTransId="{902F1B8A-EB02-48D8-9212-E0A372248FC8}"/>
-    <dgm:cxn modelId="{E2EBD251-4C2A-4FA7-8156-931CC7B69C75}" type="presOf" srcId="{1062E75E-2995-42C1-8C6E-6597010FC01E}" destId="{611BF421-F454-4287-A431-48516D67493F}" srcOrd="0" destOrd="0" presId="urn:microsoft.com/office/officeart/2005/8/layout/hierarchy4"/>
-    <dgm:cxn modelId="{B666E5C3-30AA-4817-880E-62F4074EA15F}" srcId="{586A65C6-540A-4CB9-8EC0-D9B0445DA94F}" destId="{71E57D62-83AA-4694-A7B1-A6F94EAF56D7}" srcOrd="1" destOrd="0" parTransId="{D2D4D970-A2DC-4978-A6A5-94A1CCE8F0ED}" sibTransId="{148A284C-3F9F-4724-B04E-02AED7A720F9}"/>
+    <dgm:cxn modelId="{878676A1-8680-4E27-B352-00A7FC582EED}" type="presOf" srcId="{FB2C989F-E1B4-4BC3-B054-77EA4DF40F44}" destId="{F3CD9F44-478F-4DA4-8E9B-26D44E92D5FC}" srcOrd="0" destOrd="0" presId="urn:microsoft.com/office/officeart/2005/8/layout/hierarchy4"/>
     <dgm:cxn modelId="{501170E9-9B2F-4EC4-8664-4506C25045B3}" type="presOf" srcId="{F3975019-641A-4A29-8B2C-95C6AAFBEBD5}" destId="{40309438-7423-4300-AFFA-25C817D86DDD}" srcOrd="0" destOrd="0" presId="urn:microsoft.com/office/officeart/2005/8/layout/hierarchy4"/>
-    <dgm:cxn modelId="{75D9B692-7476-4328-B2D4-0F8B4355C284}" type="presOf" srcId="{D5F8A87B-2E2E-4321-A1AC-7A2262607F1E}" destId="{1C5712B1-BC60-40E5-B008-A2E74BA84ABA}" srcOrd="0" destOrd="0" presId="urn:microsoft.com/office/officeart/2005/8/layout/hierarchy4"/>
-    <dgm:cxn modelId="{E2F0C2FB-9B39-4BE7-A0A6-07B6CA72CCD5}" type="presOf" srcId="{EEA757AC-3E39-4C68-8CF2-ABC56AE108C8}" destId="{4CE52578-7C2A-407C-ADEC-05AE734C9137}" srcOrd="0" destOrd="0" presId="urn:microsoft.com/office/officeart/2005/8/layout/hierarchy4"/>
-    <dgm:cxn modelId="{732DD8B6-9C88-403A-921B-E0E049EB9F54}" srcId="{12169EF6-6DBB-44B2-8BEB-0776656AFC93}" destId="{1062E75E-2995-42C1-8C6E-6597010FC01E}" srcOrd="0" destOrd="0" parTransId="{ACFE4678-6038-4D44-8CC5-F9A7A5522A3C}" sibTransId="{108624DD-4300-4C85-9764-D6DBC0222CE5}"/>
-    <dgm:cxn modelId="{1C8BC461-F7C8-4AFB-968D-67A6A3249BD0}" srcId="{1062E75E-2995-42C1-8C6E-6597010FC01E}" destId="{0DF94BE7-4160-4391-9484-0073197D2E4E}" srcOrd="1" destOrd="0" parTransId="{F8DFBE83-9526-4CC0-AE0E-D456B15709CC}" sibTransId="{F99F1587-6670-467E-8664-B2AAC42648C6}"/>
-    <dgm:cxn modelId="{26690FEA-E4C1-4B15-BF8D-678A7FFBB950}" type="presOf" srcId="{12169EF6-6DBB-44B2-8BEB-0776656AFC93}" destId="{AADBF77C-178E-4139-8C67-FCE5DFA99823}" srcOrd="0" destOrd="0" presId="urn:microsoft.com/office/officeart/2005/8/layout/hierarchy4"/>
-    <dgm:cxn modelId="{EFA9DCE0-9791-4D37-A251-224441F023F5}" type="presOf" srcId="{0DF94BE7-4160-4391-9484-0073197D2E4E}" destId="{244A69D9-6CC8-4087-AF96-9B56DD27CD25}" srcOrd="0" destOrd="0" presId="urn:microsoft.com/office/officeart/2005/8/layout/hierarchy4"/>
-    <dgm:cxn modelId="{EB4D52DA-E5FA-4634-9363-19F1D9CE84EB}" srcId="{91E062B1-D4D5-44F2-866B-430A463ECD45}" destId="{325BDE2B-8240-4C13-9C3E-A3064E8A25A5}" srcOrd="3" destOrd="0" parTransId="{DFCF23E5-BEF8-4FFA-BC06-C6DEB372F0D4}" sibTransId="{5CAF8E28-256D-4966-AB57-BF45220D9530}"/>
-    <dgm:cxn modelId="{9E130C58-EE6E-41E1-9F7D-2CB1A0853517}" srcId="{ABC91206-444B-4D11-B8FA-2A0DD78B82DD}" destId="{FB2C989F-E1B4-4BC3-B054-77EA4DF40F44}" srcOrd="0" destOrd="0" parTransId="{9B7A7F38-4789-4FC7-A1B2-E6C6E84940DF}" sibTransId="{81201B7A-95D5-4EA1-A325-026997F41DE5}"/>
-    <dgm:cxn modelId="{878676A1-8680-4E27-B352-00A7FC582EED}" type="presOf" srcId="{FB2C989F-E1B4-4BC3-B054-77EA4DF40F44}" destId="{F3CD9F44-478F-4DA4-8E9B-26D44E92D5FC}" srcOrd="0" destOrd="0" presId="urn:microsoft.com/office/officeart/2005/8/layout/hierarchy4"/>
     <dgm:cxn modelId="{BA9964D2-B785-44DB-B363-17812109D8A6}" type="presOf" srcId="{71E57D62-83AA-4694-A7B1-A6F94EAF56D7}" destId="{7F7F210A-07D7-480E-AE58-DB716CBE9009}" srcOrd="0" destOrd="0" presId="urn:microsoft.com/office/officeart/2005/8/layout/hierarchy4"/>
-    <dgm:cxn modelId="{173C4114-3147-4B7A-AE7A-CC863601F65A}" type="presOf" srcId="{586A65C6-540A-4CB9-8EC0-D9B0445DA94F}" destId="{25C28955-7066-4C2E-BFD1-AC5B4C6E6806}" srcOrd="0" destOrd="0" presId="urn:microsoft.com/office/officeart/2005/8/layout/hierarchy4"/>
     <dgm:cxn modelId="{DD12EBF3-2EC9-4C91-B35D-47AC2E859126}" type="presParOf" srcId="{1C5712B1-BC60-40E5-B008-A2E74BA84ABA}" destId="{33F33FD0-8BC5-4C29-928E-428A89B45E5C}" srcOrd="0" destOrd="0" presId="urn:microsoft.com/office/officeart/2005/8/layout/hierarchy4"/>
     <dgm:cxn modelId="{E6B595B4-9301-4233-AE1A-361FE3DC9FD5}" type="presParOf" srcId="{33F33FD0-8BC5-4C29-928E-428A89B45E5C}" destId="{25C28955-7066-4C2E-BFD1-AC5B4C6E6806}" srcOrd="0" destOrd="0" presId="urn:microsoft.com/office/officeart/2005/8/layout/hierarchy4"/>
     <dgm:cxn modelId="{A2DFA762-E59E-4695-9FA3-8346A9753876}" type="presParOf" srcId="{33F33FD0-8BC5-4C29-928E-428A89B45E5C}" destId="{FA63CA90-08A1-4782-BCB0-A1167A7C517D}" srcOrd="1" destOrd="0" presId="urn:microsoft.com/office/officeart/2005/8/layout/hierarchy4"/>
@@ -6956,8 +7035,8 @@
   </dgm:ptLst>
   <dgm:cxnLst>
     <dgm:cxn modelId="{19335BB4-8306-43D7-B8D5-7F79D11F6BBB}" srcId="{4FE176F6-3D3F-4513-AD62-0E6413C6F2F4}" destId="{0859826A-618C-423D-A6C6-8B07BD742A63}" srcOrd="1" destOrd="0" parTransId="{5876A7EC-0E40-4248-90AE-8DF3CB3D0956}" sibTransId="{C09A5653-406F-4C6A-932B-3D1759ED5044}"/>
+    <dgm:cxn modelId="{50038317-91BB-40AC-86AB-581C0C1D6A1A}" type="presOf" srcId="{0859826A-618C-423D-A6C6-8B07BD742A63}" destId="{6B7D2FE9-FA86-4E82-9996-41C9EC07B79C}" srcOrd="0" destOrd="2" presId="urn:microsoft.com/office/officeart/2005/8/layout/hList6"/>
     <dgm:cxn modelId="{3DAA2395-96EE-433F-B41D-46FFF14C3A83}" srcId="{4FE176F6-3D3F-4513-AD62-0E6413C6F2F4}" destId="{DD3199D3-85CF-4CB9-B808-76FF8249DBF4}" srcOrd="0" destOrd="0" parTransId="{6EBE9555-AB0A-4C80-A20E-45221473AA40}" sibTransId="{C8CAB730-1D42-482B-95EA-B275F1907051}"/>
-    <dgm:cxn modelId="{50038317-91BB-40AC-86AB-581C0C1D6A1A}" type="presOf" srcId="{0859826A-618C-423D-A6C6-8B07BD742A63}" destId="{6B7D2FE9-FA86-4E82-9996-41C9EC07B79C}" srcOrd="0" destOrd="2" presId="urn:microsoft.com/office/officeart/2005/8/layout/hList6"/>
     <dgm:cxn modelId="{A6E1762C-45FB-475B-998B-2CAC1D431497}" type="presOf" srcId="{014D0DFF-30CB-4E65-B921-34E1E256FD80}" destId="{FC2C4C26-EB23-46B9-B79F-E4E7DFE0BE29}" srcOrd="0" destOrd="0" presId="urn:microsoft.com/office/officeart/2005/8/layout/hList6"/>
     <dgm:cxn modelId="{CB17898D-B26B-4C61-849D-A6AD4579968E}" type="presOf" srcId="{952F6261-3782-49D9-82ED-0883EC95C22D}" destId="{FC2C4C26-EB23-46B9-B79F-E4E7DFE0BE29}" srcOrd="0" destOrd="1" presId="urn:microsoft.com/office/officeart/2005/8/layout/hList6"/>
     <dgm:cxn modelId="{8F358256-7216-41CF-A08F-D4579BFEBA9A}" srcId="{014D0DFF-30CB-4E65-B921-34E1E256FD80}" destId="{952F6261-3782-49D9-82ED-0883EC95C22D}" srcOrd="0" destOrd="0" parTransId="{970F1875-6384-4E4A-8F43-A03CAA1A5666}" sibTransId="{FED19340-540A-417B-A1A6-5BC0C87B6BA8}"/>
@@ -8258,8 +8337,8 @@
     <dgm:cxn modelId="{009F14D6-CA1E-4C51-9A0D-B3F9C1E49D18}" srcId="{8C966F34-B6FE-4951-A5DC-B6B890C24F40}" destId="{3E04EA27-BE6A-44A3-A3D4-2CA4C32FFFF1}" srcOrd="0" destOrd="0" parTransId="{AE75B588-956D-4795-8BBA-14C526926D85}" sibTransId="{95BE6102-EEB0-4432-978E-FF1B073DB7AE}"/>
     <dgm:cxn modelId="{7C45ECE9-8356-43E2-B614-D776DF3DC2DF}" srcId="{393E7F46-B313-4E77-9797-D22D41EC5A03}" destId="{C9CB3786-0DB1-4998-9BFA-7ECC9C5F0DDE}" srcOrd="0" destOrd="0" parTransId="{0E603B5F-E788-4075-9EE8-6B92BD9BB1C6}" sibTransId="{7DBE4023-B152-423B-8602-7781CB8577AE}"/>
     <dgm:cxn modelId="{408049A4-04EC-42E5-AF64-48679D607DD0}" srcId="{3E04EA27-BE6A-44A3-A3D4-2CA4C32FFFF1}" destId="{FF7302D4-DF56-4D05-A039-49D494387244}" srcOrd="0" destOrd="0" parTransId="{D4A43A0A-08CA-47F1-8162-BEC510EB34F5}" sibTransId="{2DF987A6-F136-45BC-97D9-2328C9ACEA14}"/>
+    <dgm:cxn modelId="{730F44F3-0F16-4DC7-94FF-A657B4144452}" type="presOf" srcId="{FF7302D4-DF56-4D05-A039-49D494387244}" destId="{97C6F11A-5991-412B-8918-0D15E3AC825F}" srcOrd="0" destOrd="1" presId="urn:microsoft.com/office/officeart/2005/8/layout/hierarchy3"/>
     <dgm:cxn modelId="{CA8B197C-6DF2-4384-8BED-6C6211A4692F}" type="presOf" srcId="{28182505-8186-4B77-AAED-7D73BD2EC62F}" destId="{59A576FD-DEA1-4973-B0CA-89D07BC9EE75}" srcOrd="0" destOrd="0" presId="urn:microsoft.com/office/officeart/2005/8/layout/hierarchy3"/>
-    <dgm:cxn modelId="{730F44F3-0F16-4DC7-94FF-A657B4144452}" type="presOf" srcId="{FF7302D4-DF56-4D05-A039-49D494387244}" destId="{97C6F11A-5991-412B-8918-0D15E3AC825F}" srcOrd="0" destOrd="1" presId="urn:microsoft.com/office/officeart/2005/8/layout/hierarchy3"/>
     <dgm:cxn modelId="{40756456-B1A5-4647-AF0B-6BC04E8D387D}" type="presParOf" srcId="{2655004E-649B-4D47-A2B9-0F2E94C643CB}" destId="{337FD4D9-A838-445B-9526-C66711C47A35}" srcOrd="0" destOrd="0" presId="urn:microsoft.com/office/officeart/2005/8/layout/hierarchy3"/>
     <dgm:cxn modelId="{BCE4A16B-AB27-4FA4-A6DD-B2C100F4B745}" type="presParOf" srcId="{337FD4D9-A838-445B-9526-C66711C47A35}" destId="{F50E9F67-7CBD-4601-8AA2-A892E09D1946}" srcOrd="0" destOrd="0" presId="urn:microsoft.com/office/officeart/2005/8/layout/hierarchy3"/>
     <dgm:cxn modelId="{4B6627DE-80EB-4875-A1ED-CE6CCC33067C}" type="presParOf" srcId="{F50E9F67-7CBD-4601-8AA2-A892E09D1946}" destId="{1F4999A6-8239-4781-8813-D424C1999DB7}" srcOrd="0" destOrd="0" presId="urn:microsoft.com/office/officeart/2005/8/layout/hierarchy3"/>
@@ -8297,1376 +8376,6 @@
       <dsp:cNvGrpSpPr/>
     </dsp:nvGrpSpPr>
     <dsp:grpSpPr/>
-    <dsp:sp modelId="{C897771F-DC93-4AD3-8C40-0F56AD012119}" macro="" textlink="">
-      <dsp:nvSpPr>
-        <dsp:cNvPr id="0" name=""/>
-        <dsp:cNvSpPr/>
-      </dsp:nvSpPr>
-      <dsp:spPr>
-        <a:xfrm>
-          <a:off x="6344328" y="2943985"/>
-          <a:ext cx="255015" cy="782048"/>
-        </a:xfrm>
-        <a:custGeom>
-          <a:avLst/>
-          <a:gdLst/>
-          <a:ahLst/>
-          <a:cxnLst/>
-          <a:rect l="0" t="0" r="0" b="0"/>
-          <a:pathLst>
-            <a:path>
-              <a:moveTo>
-                <a:pt x="0" y="0"/>
-              </a:moveTo>
-              <a:lnTo>
-                <a:pt x="0" y="782048"/>
-              </a:lnTo>
-              <a:lnTo>
-                <a:pt x="255015" y="782048"/>
-              </a:lnTo>
-            </a:path>
-          </a:pathLst>
-        </a:custGeom>
-        <a:noFill/>
-        <a:ln w="25400" cap="flat" cmpd="sng" algn="ctr">
-          <a:solidFill>
-            <a:schemeClr val="accent4">
-              <a:shade val="80000"/>
-              <a:hueOff val="0"/>
-              <a:satOff val="0"/>
-              <a:lumOff val="0"/>
-              <a:alphaOff val="0"/>
-            </a:schemeClr>
-          </a:solidFill>
-          <a:prstDash val="solid"/>
-        </a:ln>
-        <a:effectLst/>
-      </dsp:spPr>
-      <dsp:style>
-        <a:lnRef idx="2">
-          <a:scrgbClr r="0" g="0" b="0"/>
-        </a:lnRef>
-        <a:fillRef idx="0">
-          <a:scrgbClr r="0" g="0" b="0"/>
-        </a:fillRef>
-        <a:effectRef idx="0">
-          <a:scrgbClr r="0" g="0" b="0"/>
-        </a:effectRef>
-        <a:fontRef idx="minor"/>
-      </dsp:style>
-    </dsp:sp>
-    <dsp:sp modelId="{7067C38B-1810-4DB2-B807-5CCA43081905}" macro="" textlink="">
-      <dsp:nvSpPr>
-        <dsp:cNvPr id="0" name=""/>
-        <dsp:cNvSpPr/>
-      </dsp:nvSpPr>
-      <dsp:spPr>
-        <a:xfrm>
-          <a:off x="3938680" y="1736911"/>
-          <a:ext cx="3085689" cy="357021"/>
-        </a:xfrm>
-        <a:custGeom>
-          <a:avLst/>
-          <a:gdLst/>
-          <a:ahLst/>
-          <a:cxnLst/>
-          <a:rect l="0" t="0" r="0" b="0"/>
-          <a:pathLst>
-            <a:path>
-              <a:moveTo>
-                <a:pt x="0" y="0"/>
-              </a:moveTo>
-              <a:lnTo>
-                <a:pt x="0" y="178510"/>
-              </a:lnTo>
-              <a:lnTo>
-                <a:pt x="3085689" y="178510"/>
-              </a:lnTo>
-              <a:lnTo>
-                <a:pt x="3085689" y="357021"/>
-              </a:lnTo>
-            </a:path>
-          </a:pathLst>
-        </a:custGeom>
-        <a:noFill/>
-        <a:ln w="25400" cap="flat" cmpd="sng" algn="ctr">
-          <a:solidFill>
-            <a:schemeClr val="accent4">
-              <a:shade val="60000"/>
-              <a:hueOff val="0"/>
-              <a:satOff val="0"/>
-              <a:lumOff val="0"/>
-              <a:alphaOff val="0"/>
-            </a:schemeClr>
-          </a:solidFill>
-          <a:prstDash val="solid"/>
-        </a:ln>
-        <a:effectLst/>
-      </dsp:spPr>
-      <dsp:style>
-        <a:lnRef idx="2">
-          <a:scrgbClr r="0" g="0" b="0"/>
-        </a:lnRef>
-        <a:fillRef idx="0">
-          <a:scrgbClr r="0" g="0" b="0"/>
-        </a:fillRef>
-        <a:effectRef idx="0">
-          <a:scrgbClr r="0" g="0" b="0"/>
-        </a:effectRef>
-        <a:fontRef idx="minor"/>
-      </dsp:style>
-    </dsp:sp>
-    <dsp:sp modelId="{67F2C483-67D0-4A41-8A9B-9354F34B051C}" macro="" textlink="">
-      <dsp:nvSpPr>
-        <dsp:cNvPr id="0" name=""/>
-        <dsp:cNvSpPr/>
-      </dsp:nvSpPr>
-      <dsp:spPr>
-        <a:xfrm>
-          <a:off x="3938680" y="1736911"/>
-          <a:ext cx="1028563" cy="357021"/>
-        </a:xfrm>
-        <a:custGeom>
-          <a:avLst/>
-          <a:gdLst/>
-          <a:ahLst/>
-          <a:cxnLst/>
-          <a:rect l="0" t="0" r="0" b="0"/>
-          <a:pathLst>
-            <a:path>
-              <a:moveTo>
-                <a:pt x="0" y="0"/>
-              </a:moveTo>
-              <a:lnTo>
-                <a:pt x="0" y="178510"/>
-              </a:lnTo>
-              <a:lnTo>
-                <a:pt x="1028563" y="178510"/>
-              </a:lnTo>
-              <a:lnTo>
-                <a:pt x="1028563" y="357021"/>
-              </a:lnTo>
-            </a:path>
-          </a:pathLst>
-        </a:custGeom>
-        <a:noFill/>
-        <a:ln w="25400" cap="flat" cmpd="sng" algn="ctr">
-          <a:solidFill>
-            <a:schemeClr val="accent4">
-              <a:shade val="60000"/>
-              <a:hueOff val="0"/>
-              <a:satOff val="0"/>
-              <a:lumOff val="0"/>
-              <a:alphaOff val="0"/>
-            </a:schemeClr>
-          </a:solidFill>
-          <a:prstDash val="solid"/>
-        </a:ln>
-        <a:effectLst/>
-      </dsp:spPr>
-      <dsp:style>
-        <a:lnRef idx="2">
-          <a:scrgbClr r="0" g="0" b="0"/>
-        </a:lnRef>
-        <a:fillRef idx="0">
-          <a:scrgbClr r="0" g="0" b="0"/>
-        </a:fillRef>
-        <a:effectRef idx="0">
-          <a:scrgbClr r="0" g="0" b="0"/>
-        </a:effectRef>
-        <a:fontRef idx="minor"/>
-      </dsp:style>
-    </dsp:sp>
-    <dsp:sp modelId="{5F0C548B-D49C-4B81-89F6-6D921674CBC8}" macro="" textlink="">
-      <dsp:nvSpPr>
-        <dsp:cNvPr id="0" name=""/>
-        <dsp:cNvSpPr/>
-      </dsp:nvSpPr>
-      <dsp:spPr>
-        <a:xfrm>
-          <a:off x="2230075" y="2943985"/>
-          <a:ext cx="255015" cy="782048"/>
-        </a:xfrm>
-        <a:custGeom>
-          <a:avLst/>
-          <a:gdLst/>
-          <a:ahLst/>
-          <a:cxnLst/>
-          <a:rect l="0" t="0" r="0" b="0"/>
-          <a:pathLst>
-            <a:path>
-              <a:moveTo>
-                <a:pt x="0" y="0"/>
-              </a:moveTo>
-              <a:lnTo>
-                <a:pt x="0" y="782048"/>
-              </a:lnTo>
-              <a:lnTo>
-                <a:pt x="255015" y="782048"/>
-              </a:lnTo>
-            </a:path>
-          </a:pathLst>
-        </a:custGeom>
-        <a:noFill/>
-        <a:ln w="25400" cap="flat" cmpd="sng" algn="ctr">
-          <a:solidFill>
-            <a:schemeClr val="accent4">
-              <a:shade val="80000"/>
-              <a:hueOff val="0"/>
-              <a:satOff val="0"/>
-              <a:lumOff val="0"/>
-              <a:alphaOff val="0"/>
-            </a:schemeClr>
-          </a:solidFill>
-          <a:prstDash val="solid"/>
-        </a:ln>
-        <a:effectLst/>
-      </dsp:spPr>
-      <dsp:style>
-        <a:lnRef idx="2">
-          <a:scrgbClr r="0" g="0" b="0"/>
-        </a:lnRef>
-        <a:fillRef idx="0">
-          <a:scrgbClr r="0" g="0" b="0"/>
-        </a:fillRef>
-        <a:effectRef idx="0">
-          <a:scrgbClr r="0" g="0" b="0"/>
-        </a:effectRef>
-        <a:fontRef idx="minor"/>
-      </dsp:style>
-    </dsp:sp>
-    <dsp:sp modelId="{81A24B65-9686-48A3-8394-FE12A9A3486A}" macro="" textlink="">
-      <dsp:nvSpPr>
-        <dsp:cNvPr id="0" name=""/>
-        <dsp:cNvSpPr/>
-      </dsp:nvSpPr>
-      <dsp:spPr>
-        <a:xfrm>
-          <a:off x="2910117" y="1736911"/>
-          <a:ext cx="1028563" cy="357021"/>
-        </a:xfrm>
-        <a:custGeom>
-          <a:avLst/>
-          <a:gdLst/>
-          <a:ahLst/>
-          <a:cxnLst/>
-          <a:rect l="0" t="0" r="0" b="0"/>
-          <a:pathLst>
-            <a:path>
-              <a:moveTo>
-                <a:pt x="1028563" y="0"/>
-              </a:moveTo>
-              <a:lnTo>
-                <a:pt x="1028563" y="178510"/>
-              </a:lnTo>
-              <a:lnTo>
-                <a:pt x="0" y="178510"/>
-              </a:lnTo>
-              <a:lnTo>
-                <a:pt x="0" y="357021"/>
-              </a:lnTo>
-            </a:path>
-          </a:pathLst>
-        </a:custGeom>
-        <a:noFill/>
-        <a:ln w="25400" cap="flat" cmpd="sng" algn="ctr">
-          <a:solidFill>
-            <a:schemeClr val="accent4">
-              <a:shade val="60000"/>
-              <a:hueOff val="0"/>
-              <a:satOff val="0"/>
-              <a:lumOff val="0"/>
-              <a:alphaOff val="0"/>
-            </a:schemeClr>
-          </a:solidFill>
-          <a:prstDash val="solid"/>
-        </a:ln>
-        <a:effectLst/>
-      </dsp:spPr>
-      <dsp:style>
-        <a:lnRef idx="2">
-          <a:scrgbClr r="0" g="0" b="0"/>
-        </a:lnRef>
-        <a:fillRef idx="0">
-          <a:scrgbClr r="0" g="0" b="0"/>
-        </a:fillRef>
-        <a:effectRef idx="0">
-          <a:scrgbClr r="0" g="0" b="0"/>
-        </a:effectRef>
-        <a:fontRef idx="minor"/>
-      </dsp:style>
-    </dsp:sp>
-    <dsp:sp modelId="{424B6412-A3F9-4720-A8EB-462E252393E7}" macro="" textlink="">
-      <dsp:nvSpPr>
-        <dsp:cNvPr id="0" name=""/>
-        <dsp:cNvSpPr/>
-      </dsp:nvSpPr>
-      <dsp:spPr>
-        <a:xfrm>
-          <a:off x="172949" y="2943985"/>
-          <a:ext cx="255015" cy="782048"/>
-        </a:xfrm>
-        <a:custGeom>
-          <a:avLst/>
-          <a:gdLst/>
-          <a:ahLst/>
-          <a:cxnLst/>
-          <a:rect l="0" t="0" r="0" b="0"/>
-          <a:pathLst>
-            <a:path>
-              <a:moveTo>
-                <a:pt x="0" y="0"/>
-              </a:moveTo>
-              <a:lnTo>
-                <a:pt x="0" y="782048"/>
-              </a:lnTo>
-              <a:lnTo>
-                <a:pt x="255015" y="782048"/>
-              </a:lnTo>
-            </a:path>
-          </a:pathLst>
-        </a:custGeom>
-        <a:noFill/>
-        <a:ln w="25400" cap="flat" cmpd="sng" algn="ctr">
-          <a:solidFill>
-            <a:schemeClr val="accent4">
-              <a:shade val="80000"/>
-              <a:hueOff val="0"/>
-              <a:satOff val="0"/>
-              <a:lumOff val="0"/>
-              <a:alphaOff val="0"/>
-            </a:schemeClr>
-          </a:solidFill>
-          <a:prstDash val="solid"/>
-        </a:ln>
-        <a:effectLst/>
-      </dsp:spPr>
-      <dsp:style>
-        <a:lnRef idx="2">
-          <a:scrgbClr r="0" g="0" b="0"/>
-        </a:lnRef>
-        <a:fillRef idx="0">
-          <a:scrgbClr r="0" g="0" b="0"/>
-        </a:fillRef>
-        <a:effectRef idx="0">
-          <a:scrgbClr r="0" g="0" b="0"/>
-        </a:effectRef>
-        <a:fontRef idx="minor"/>
-      </dsp:style>
-    </dsp:sp>
-    <dsp:sp modelId="{9D5B2E90-2AC1-455B-80B7-33F8B232A31B}" macro="" textlink="">
-      <dsp:nvSpPr>
-        <dsp:cNvPr id="0" name=""/>
-        <dsp:cNvSpPr/>
-      </dsp:nvSpPr>
-      <dsp:spPr>
-        <a:xfrm>
-          <a:off x="852991" y="1736911"/>
-          <a:ext cx="3085689" cy="357021"/>
-        </a:xfrm>
-        <a:custGeom>
-          <a:avLst/>
-          <a:gdLst/>
-          <a:ahLst/>
-          <a:cxnLst/>
-          <a:rect l="0" t="0" r="0" b="0"/>
-          <a:pathLst>
-            <a:path>
-              <a:moveTo>
-                <a:pt x="3085689" y="0"/>
-              </a:moveTo>
-              <a:lnTo>
-                <a:pt x="3085689" y="178510"/>
-              </a:lnTo>
-              <a:lnTo>
-                <a:pt x="0" y="178510"/>
-              </a:lnTo>
-              <a:lnTo>
-                <a:pt x="0" y="357021"/>
-              </a:lnTo>
-            </a:path>
-          </a:pathLst>
-        </a:custGeom>
-        <a:noFill/>
-        <a:ln w="25400" cap="flat" cmpd="sng" algn="ctr">
-          <a:solidFill>
-            <a:schemeClr val="accent4">
-              <a:shade val="60000"/>
-              <a:hueOff val="0"/>
-              <a:satOff val="0"/>
-              <a:lumOff val="0"/>
-              <a:alphaOff val="0"/>
-            </a:schemeClr>
-          </a:solidFill>
-          <a:prstDash val="solid"/>
-        </a:ln>
-        <a:effectLst/>
-      </dsp:spPr>
-      <dsp:style>
-        <a:lnRef idx="2">
-          <a:scrgbClr r="0" g="0" b="0"/>
-        </a:lnRef>
-        <a:fillRef idx="0">
-          <a:scrgbClr r="0" g="0" b="0"/>
-        </a:fillRef>
-        <a:effectRef idx="0">
-          <a:scrgbClr r="0" g="0" b="0"/>
-        </a:effectRef>
-        <a:fontRef idx="minor"/>
-      </dsp:style>
-    </dsp:sp>
-    <dsp:sp modelId="{C36AD766-0A53-48DB-95A4-97671A3B4CB3}" macro="" textlink="">
-      <dsp:nvSpPr>
-        <dsp:cNvPr id="0" name=""/>
-        <dsp:cNvSpPr/>
-      </dsp:nvSpPr>
-      <dsp:spPr>
-        <a:xfrm>
-          <a:off x="3088628" y="886859"/>
-          <a:ext cx="1700104" cy="850052"/>
-        </a:xfrm>
-        <a:prstGeom prst="rect">
-          <a:avLst/>
-        </a:prstGeom>
-        <a:gradFill rotWithShape="0">
-          <a:gsLst>
-            <a:gs pos="0">
-              <a:schemeClr val="lt1">
-                <a:hueOff val="0"/>
-                <a:satOff val="0"/>
-                <a:lumOff val="0"/>
-                <a:alphaOff val="0"/>
-                <a:shade val="51000"/>
-                <a:satMod val="130000"/>
-              </a:schemeClr>
-            </a:gs>
-            <a:gs pos="80000">
-              <a:schemeClr val="lt1">
-                <a:hueOff val="0"/>
-                <a:satOff val="0"/>
-                <a:lumOff val="0"/>
-                <a:alphaOff val="0"/>
-                <a:shade val="93000"/>
-                <a:satMod val="130000"/>
-              </a:schemeClr>
-            </a:gs>
-            <a:gs pos="100000">
-              <a:schemeClr val="lt1">
-                <a:hueOff val="0"/>
-                <a:satOff val="0"/>
-                <a:lumOff val="0"/>
-                <a:alphaOff val="0"/>
-                <a:shade val="94000"/>
-                <a:satMod val="135000"/>
-              </a:schemeClr>
-            </a:gs>
-          </a:gsLst>
-          <a:lin ang="16200000" scaled="0"/>
-        </a:gradFill>
-        <a:ln>
-          <a:noFill/>
-        </a:ln>
-        <a:effectLst>
-          <a:outerShdw blurRad="40000" dist="23000" dir="5400000" rotWithShape="0">
-            <a:srgbClr val="000000">
-              <a:alpha val="35000"/>
-            </a:srgbClr>
-          </a:outerShdw>
-        </a:effectLst>
-        <a:scene3d>
-          <a:camera prst="orthographicFront">
-            <a:rot lat="0" lon="0" rev="0"/>
-          </a:camera>
-          <a:lightRig rig="threePt" dir="t">
-            <a:rot lat="0" lon="0" rev="1200000"/>
-          </a:lightRig>
-        </a:scene3d>
-        <a:sp3d>
-          <a:bevelT w="63500" h="25400"/>
-        </a:sp3d>
-      </dsp:spPr>
-      <dsp:style>
-        <a:lnRef idx="0">
-          <a:scrgbClr r="0" g="0" b="0"/>
-        </a:lnRef>
-        <a:fillRef idx="3">
-          <a:scrgbClr r="0" g="0" b="0"/>
-        </a:fillRef>
-        <a:effectRef idx="3">
-          <a:scrgbClr r="0" g="0" b="0"/>
-        </a:effectRef>
-        <a:fontRef idx="minor">
-          <a:schemeClr val="lt1"/>
-        </a:fontRef>
-      </dsp:style>
-      <dsp:txBody>
-        <a:bodyPr spcFirstLastPara="0" vert="horz" wrap="square" lIns="12700" tIns="12700" rIns="12700" bIns="12700" numCol="1" spcCol="1270" anchor="ctr" anchorCtr="0">
-          <a:noAutofit/>
-        </a:bodyPr>
-        <a:lstStyle/>
-        <a:p>
-          <a:pPr lvl="0" algn="ctr" defTabSz="889000">
-            <a:lnSpc>
-              <a:spcPct val="90000"/>
-            </a:lnSpc>
-            <a:spcBef>
-              <a:spcPct val="0"/>
-            </a:spcBef>
-            <a:spcAft>
-              <a:spcPct val="35000"/>
-            </a:spcAft>
-          </a:pPr>
-          <a:r>
-            <a:rPr lang="es-CL" sz="2000" b="1" kern="1200" dirty="0" smtClean="0">
-              <a:latin typeface="Calibri" pitchFamily="34" charset="0"/>
-              <a:cs typeface="Calibri" pitchFamily="34" charset="0"/>
-            </a:rPr>
-            <a:t>Gerente General</a:t>
-          </a:r>
-          <a:endParaRPr lang="es-CL" sz="2000" b="1" kern="1200" dirty="0">
-            <a:latin typeface="Calibri" pitchFamily="34" charset="0"/>
-            <a:cs typeface="Calibri" pitchFamily="34" charset="0"/>
-          </a:endParaRPr>
-        </a:p>
-      </dsp:txBody>
-      <dsp:txXfrm>
-        <a:off x="3088628" y="886859"/>
-        <a:ext cx="1700104" cy="850052"/>
-      </dsp:txXfrm>
-    </dsp:sp>
-    <dsp:sp modelId="{8EB25D34-DFC9-49A5-A024-B06E604BE7C9}" macro="" textlink="">
-      <dsp:nvSpPr>
-        <dsp:cNvPr id="0" name=""/>
-        <dsp:cNvSpPr/>
-      </dsp:nvSpPr>
-      <dsp:spPr>
-        <a:xfrm>
-          <a:off x="2939" y="2093933"/>
-          <a:ext cx="1700104" cy="850052"/>
-        </a:xfrm>
-        <a:prstGeom prst="rect">
-          <a:avLst/>
-        </a:prstGeom>
-        <a:gradFill rotWithShape="0">
-          <a:gsLst>
-            <a:gs pos="0">
-              <a:schemeClr val="lt1">
-                <a:hueOff val="0"/>
-                <a:satOff val="0"/>
-                <a:lumOff val="0"/>
-                <a:alphaOff val="0"/>
-                <a:shade val="51000"/>
-                <a:satMod val="130000"/>
-              </a:schemeClr>
-            </a:gs>
-            <a:gs pos="80000">
-              <a:schemeClr val="lt1">
-                <a:hueOff val="0"/>
-                <a:satOff val="0"/>
-                <a:lumOff val="0"/>
-                <a:alphaOff val="0"/>
-                <a:shade val="93000"/>
-                <a:satMod val="130000"/>
-              </a:schemeClr>
-            </a:gs>
-            <a:gs pos="100000">
-              <a:schemeClr val="lt1">
-                <a:hueOff val="0"/>
-                <a:satOff val="0"/>
-                <a:lumOff val="0"/>
-                <a:alphaOff val="0"/>
-                <a:shade val="94000"/>
-                <a:satMod val="135000"/>
-              </a:schemeClr>
-            </a:gs>
-          </a:gsLst>
-          <a:lin ang="16200000" scaled="0"/>
-        </a:gradFill>
-        <a:ln>
-          <a:noFill/>
-        </a:ln>
-        <a:effectLst>
-          <a:outerShdw blurRad="40000" dist="23000" dir="5400000" rotWithShape="0">
-            <a:srgbClr val="000000">
-              <a:alpha val="35000"/>
-            </a:srgbClr>
-          </a:outerShdw>
-        </a:effectLst>
-        <a:scene3d>
-          <a:camera prst="orthographicFront">
-            <a:rot lat="0" lon="0" rev="0"/>
-          </a:camera>
-          <a:lightRig rig="threePt" dir="t">
-            <a:rot lat="0" lon="0" rev="1200000"/>
-          </a:lightRig>
-        </a:scene3d>
-        <a:sp3d>
-          <a:bevelT w="63500" h="25400"/>
-        </a:sp3d>
-      </dsp:spPr>
-      <dsp:style>
-        <a:lnRef idx="0">
-          <a:scrgbClr r="0" g="0" b="0"/>
-        </a:lnRef>
-        <a:fillRef idx="3">
-          <a:scrgbClr r="0" g="0" b="0"/>
-        </a:fillRef>
-        <a:effectRef idx="3">
-          <a:scrgbClr r="0" g="0" b="0"/>
-        </a:effectRef>
-        <a:fontRef idx="minor">
-          <a:schemeClr val="lt1"/>
-        </a:fontRef>
-      </dsp:style>
-      <dsp:txBody>
-        <a:bodyPr spcFirstLastPara="0" vert="horz" wrap="square" lIns="12700" tIns="12700" rIns="12700" bIns="12700" numCol="1" spcCol="1270" anchor="ctr" anchorCtr="0">
-          <a:noAutofit/>
-        </a:bodyPr>
-        <a:lstStyle/>
-        <a:p>
-          <a:pPr lvl="0" algn="ctr" defTabSz="889000">
-            <a:lnSpc>
-              <a:spcPct val="90000"/>
-            </a:lnSpc>
-            <a:spcBef>
-              <a:spcPct val="0"/>
-            </a:spcBef>
-            <a:spcAft>
-              <a:spcPct val="35000"/>
-            </a:spcAft>
-          </a:pPr>
-          <a:r>
-            <a:rPr lang="es-CL" sz="2000" b="1" kern="1200" dirty="0" smtClean="0">
-              <a:latin typeface="Calibri" pitchFamily="34" charset="0"/>
-              <a:cs typeface="Calibri" pitchFamily="34" charset="0"/>
-            </a:rPr>
-            <a:t>Supervisor Técnicos</a:t>
-          </a:r>
-          <a:endParaRPr lang="es-CL" sz="2000" b="1" kern="1200" dirty="0">
-            <a:latin typeface="Calibri" pitchFamily="34" charset="0"/>
-            <a:cs typeface="Calibri" pitchFamily="34" charset="0"/>
-          </a:endParaRPr>
-        </a:p>
-      </dsp:txBody>
-      <dsp:txXfrm>
-        <a:off x="2939" y="2093933"/>
-        <a:ext cx="1700104" cy="850052"/>
-      </dsp:txXfrm>
-    </dsp:sp>
-    <dsp:sp modelId="{D46C28A6-FB4D-445D-9E8A-E8F532501D09}" macro="" textlink="">
-      <dsp:nvSpPr>
-        <dsp:cNvPr id="0" name=""/>
-        <dsp:cNvSpPr/>
-      </dsp:nvSpPr>
-      <dsp:spPr>
-        <a:xfrm>
-          <a:off x="427965" y="3301007"/>
-          <a:ext cx="1700104" cy="850052"/>
-        </a:xfrm>
-        <a:prstGeom prst="rect">
-          <a:avLst/>
-        </a:prstGeom>
-        <a:gradFill rotWithShape="0">
-          <a:gsLst>
-            <a:gs pos="0">
-              <a:schemeClr val="lt1">
-                <a:hueOff val="0"/>
-                <a:satOff val="0"/>
-                <a:lumOff val="0"/>
-                <a:alphaOff val="0"/>
-                <a:shade val="51000"/>
-                <a:satMod val="130000"/>
-              </a:schemeClr>
-            </a:gs>
-            <a:gs pos="80000">
-              <a:schemeClr val="lt1">
-                <a:hueOff val="0"/>
-                <a:satOff val="0"/>
-                <a:lumOff val="0"/>
-                <a:alphaOff val="0"/>
-                <a:shade val="93000"/>
-                <a:satMod val="130000"/>
-              </a:schemeClr>
-            </a:gs>
-            <a:gs pos="100000">
-              <a:schemeClr val="lt1">
-                <a:hueOff val="0"/>
-                <a:satOff val="0"/>
-                <a:lumOff val="0"/>
-                <a:alphaOff val="0"/>
-                <a:shade val="94000"/>
-                <a:satMod val="135000"/>
-              </a:schemeClr>
-            </a:gs>
-          </a:gsLst>
-          <a:lin ang="16200000" scaled="0"/>
-        </a:gradFill>
-        <a:ln>
-          <a:noFill/>
-        </a:ln>
-        <a:effectLst>
-          <a:outerShdw blurRad="40000" dist="23000" dir="5400000" rotWithShape="0">
-            <a:srgbClr val="000000">
-              <a:alpha val="35000"/>
-            </a:srgbClr>
-          </a:outerShdw>
-        </a:effectLst>
-        <a:scene3d>
-          <a:camera prst="orthographicFront">
-            <a:rot lat="0" lon="0" rev="0"/>
-          </a:camera>
-          <a:lightRig rig="threePt" dir="t">
-            <a:rot lat="0" lon="0" rev="1200000"/>
-          </a:lightRig>
-        </a:scene3d>
-        <a:sp3d>
-          <a:bevelT w="63500" h="25400"/>
-        </a:sp3d>
-      </dsp:spPr>
-      <dsp:style>
-        <a:lnRef idx="0">
-          <a:scrgbClr r="0" g="0" b="0"/>
-        </a:lnRef>
-        <a:fillRef idx="3">
-          <a:scrgbClr r="0" g="0" b="0"/>
-        </a:fillRef>
-        <a:effectRef idx="3">
-          <a:scrgbClr r="0" g="0" b="0"/>
-        </a:effectRef>
-        <a:fontRef idx="minor">
-          <a:schemeClr val="lt1"/>
-        </a:fontRef>
-      </dsp:style>
-      <dsp:txBody>
-        <a:bodyPr spcFirstLastPara="0" vert="horz" wrap="square" lIns="12700" tIns="12700" rIns="12700" bIns="12700" numCol="1" spcCol="1270" anchor="ctr" anchorCtr="0">
-          <a:noAutofit/>
-        </a:bodyPr>
-        <a:lstStyle/>
-        <a:p>
-          <a:pPr lvl="0" algn="ctr" defTabSz="889000">
-            <a:lnSpc>
-              <a:spcPct val="90000"/>
-            </a:lnSpc>
-            <a:spcBef>
-              <a:spcPct val="0"/>
-            </a:spcBef>
-            <a:spcAft>
-              <a:spcPct val="35000"/>
-            </a:spcAft>
-          </a:pPr>
-          <a:r>
-            <a:rPr lang="es-CL" sz="2000" b="1" kern="1200" dirty="0" smtClean="0">
-              <a:latin typeface="Calibri" pitchFamily="34" charset="0"/>
-              <a:cs typeface="Calibri" pitchFamily="34" charset="0"/>
-            </a:rPr>
-            <a:t>Técnicos</a:t>
-          </a:r>
-          <a:endParaRPr lang="es-CL" sz="2000" b="1" kern="1200" dirty="0">
-            <a:latin typeface="Calibri" pitchFamily="34" charset="0"/>
-            <a:cs typeface="Calibri" pitchFamily="34" charset="0"/>
-          </a:endParaRPr>
-        </a:p>
-      </dsp:txBody>
-      <dsp:txXfrm>
-        <a:off x="427965" y="3301007"/>
-        <a:ext cx="1700104" cy="850052"/>
-      </dsp:txXfrm>
-    </dsp:sp>
-    <dsp:sp modelId="{7A4B2369-BDEA-49EF-9522-5EA17E36EC89}" macro="" textlink="">
-      <dsp:nvSpPr>
-        <dsp:cNvPr id="0" name=""/>
-        <dsp:cNvSpPr/>
-      </dsp:nvSpPr>
-      <dsp:spPr>
-        <a:xfrm>
-          <a:off x="2060065" y="2093933"/>
-          <a:ext cx="1700104" cy="850052"/>
-        </a:xfrm>
-        <a:prstGeom prst="rect">
-          <a:avLst/>
-        </a:prstGeom>
-        <a:gradFill rotWithShape="0">
-          <a:gsLst>
-            <a:gs pos="0">
-              <a:schemeClr val="lt1">
-                <a:hueOff val="0"/>
-                <a:satOff val="0"/>
-                <a:lumOff val="0"/>
-                <a:alphaOff val="0"/>
-                <a:shade val="51000"/>
-                <a:satMod val="130000"/>
-              </a:schemeClr>
-            </a:gs>
-            <a:gs pos="80000">
-              <a:schemeClr val="lt1">
-                <a:hueOff val="0"/>
-                <a:satOff val="0"/>
-                <a:lumOff val="0"/>
-                <a:alphaOff val="0"/>
-                <a:shade val="93000"/>
-                <a:satMod val="130000"/>
-              </a:schemeClr>
-            </a:gs>
-            <a:gs pos="100000">
-              <a:schemeClr val="lt1">
-                <a:hueOff val="0"/>
-                <a:satOff val="0"/>
-                <a:lumOff val="0"/>
-                <a:alphaOff val="0"/>
-                <a:shade val="94000"/>
-                <a:satMod val="135000"/>
-              </a:schemeClr>
-            </a:gs>
-          </a:gsLst>
-          <a:lin ang="16200000" scaled="0"/>
-        </a:gradFill>
-        <a:ln>
-          <a:noFill/>
-        </a:ln>
-        <a:effectLst>
-          <a:outerShdw blurRad="40000" dist="23000" dir="5400000" rotWithShape="0">
-            <a:srgbClr val="000000">
-              <a:alpha val="35000"/>
-            </a:srgbClr>
-          </a:outerShdw>
-        </a:effectLst>
-        <a:scene3d>
-          <a:camera prst="orthographicFront">
-            <a:rot lat="0" lon="0" rev="0"/>
-          </a:camera>
-          <a:lightRig rig="threePt" dir="t">
-            <a:rot lat="0" lon="0" rev="1200000"/>
-          </a:lightRig>
-        </a:scene3d>
-        <a:sp3d>
-          <a:bevelT w="63500" h="25400"/>
-        </a:sp3d>
-      </dsp:spPr>
-      <dsp:style>
-        <a:lnRef idx="0">
-          <a:scrgbClr r="0" g="0" b="0"/>
-        </a:lnRef>
-        <a:fillRef idx="3">
-          <a:scrgbClr r="0" g="0" b="0"/>
-        </a:fillRef>
-        <a:effectRef idx="3">
-          <a:scrgbClr r="0" g="0" b="0"/>
-        </a:effectRef>
-        <a:fontRef idx="minor">
-          <a:schemeClr val="lt1"/>
-        </a:fontRef>
-      </dsp:style>
-      <dsp:txBody>
-        <a:bodyPr spcFirstLastPara="0" vert="horz" wrap="square" lIns="12700" tIns="12700" rIns="12700" bIns="12700" numCol="1" spcCol="1270" anchor="ctr" anchorCtr="0">
-          <a:noAutofit/>
-        </a:bodyPr>
-        <a:lstStyle/>
-        <a:p>
-          <a:pPr lvl="0" algn="ctr" defTabSz="889000">
-            <a:lnSpc>
-              <a:spcPct val="90000"/>
-            </a:lnSpc>
-            <a:spcBef>
-              <a:spcPct val="0"/>
-            </a:spcBef>
-            <a:spcAft>
-              <a:spcPct val="35000"/>
-            </a:spcAft>
-          </a:pPr>
-          <a:r>
-            <a:rPr lang="es-CL" sz="2000" b="1" kern="1200" dirty="0" smtClean="0">
-              <a:latin typeface="Calibri" pitchFamily="34" charset="0"/>
-              <a:cs typeface="Calibri" pitchFamily="34" charset="0"/>
-            </a:rPr>
-            <a:t>Supervisor Administrativo</a:t>
-          </a:r>
-          <a:endParaRPr lang="es-CL" sz="2000" b="1" kern="1200" dirty="0">
-            <a:latin typeface="Calibri" pitchFamily="34" charset="0"/>
-            <a:cs typeface="Calibri" pitchFamily="34" charset="0"/>
-          </a:endParaRPr>
-        </a:p>
-      </dsp:txBody>
-      <dsp:txXfrm>
-        <a:off x="2060065" y="2093933"/>
-        <a:ext cx="1700104" cy="850052"/>
-      </dsp:txXfrm>
-    </dsp:sp>
-    <dsp:sp modelId="{B47274DF-392A-43F8-A951-62E4C65D4027}" macro="" textlink="">
-      <dsp:nvSpPr>
-        <dsp:cNvPr id="0" name=""/>
-        <dsp:cNvSpPr/>
-      </dsp:nvSpPr>
-      <dsp:spPr>
-        <a:xfrm>
-          <a:off x="2485091" y="3301007"/>
-          <a:ext cx="1700104" cy="850052"/>
-        </a:xfrm>
-        <a:prstGeom prst="rect">
-          <a:avLst/>
-        </a:prstGeom>
-        <a:gradFill rotWithShape="0">
-          <a:gsLst>
-            <a:gs pos="0">
-              <a:schemeClr val="lt1">
-                <a:hueOff val="0"/>
-                <a:satOff val="0"/>
-                <a:lumOff val="0"/>
-                <a:alphaOff val="0"/>
-                <a:shade val="51000"/>
-                <a:satMod val="130000"/>
-              </a:schemeClr>
-            </a:gs>
-            <a:gs pos="80000">
-              <a:schemeClr val="lt1">
-                <a:hueOff val="0"/>
-                <a:satOff val="0"/>
-                <a:lumOff val="0"/>
-                <a:alphaOff val="0"/>
-                <a:shade val="93000"/>
-                <a:satMod val="130000"/>
-              </a:schemeClr>
-            </a:gs>
-            <a:gs pos="100000">
-              <a:schemeClr val="lt1">
-                <a:hueOff val="0"/>
-                <a:satOff val="0"/>
-                <a:lumOff val="0"/>
-                <a:alphaOff val="0"/>
-                <a:shade val="94000"/>
-                <a:satMod val="135000"/>
-              </a:schemeClr>
-            </a:gs>
-          </a:gsLst>
-          <a:lin ang="16200000" scaled="0"/>
-        </a:gradFill>
-        <a:ln>
-          <a:noFill/>
-        </a:ln>
-        <a:effectLst>
-          <a:outerShdw blurRad="40000" dist="23000" dir="5400000" rotWithShape="0">
-            <a:srgbClr val="000000">
-              <a:alpha val="35000"/>
-            </a:srgbClr>
-          </a:outerShdw>
-        </a:effectLst>
-        <a:scene3d>
-          <a:camera prst="orthographicFront">
-            <a:rot lat="0" lon="0" rev="0"/>
-          </a:camera>
-          <a:lightRig rig="threePt" dir="t">
-            <a:rot lat="0" lon="0" rev="1200000"/>
-          </a:lightRig>
-        </a:scene3d>
-        <a:sp3d>
-          <a:bevelT w="63500" h="25400"/>
-        </a:sp3d>
-      </dsp:spPr>
-      <dsp:style>
-        <a:lnRef idx="0">
-          <a:scrgbClr r="0" g="0" b="0"/>
-        </a:lnRef>
-        <a:fillRef idx="3">
-          <a:scrgbClr r="0" g="0" b="0"/>
-        </a:fillRef>
-        <a:effectRef idx="3">
-          <a:scrgbClr r="0" g="0" b="0"/>
-        </a:effectRef>
-        <a:fontRef idx="minor">
-          <a:schemeClr val="lt1"/>
-        </a:fontRef>
-      </dsp:style>
-      <dsp:txBody>
-        <a:bodyPr spcFirstLastPara="0" vert="horz" wrap="square" lIns="12700" tIns="12700" rIns="12700" bIns="12700" numCol="1" spcCol="1270" anchor="ctr" anchorCtr="0">
-          <a:noAutofit/>
-        </a:bodyPr>
-        <a:lstStyle/>
-        <a:p>
-          <a:pPr lvl="0" algn="ctr" defTabSz="889000">
-            <a:lnSpc>
-              <a:spcPct val="90000"/>
-            </a:lnSpc>
-            <a:spcBef>
-              <a:spcPct val="0"/>
-            </a:spcBef>
-            <a:spcAft>
-              <a:spcPct val="35000"/>
-            </a:spcAft>
-          </a:pPr>
-          <a:r>
-            <a:rPr lang="es-CL" sz="2000" b="1" kern="1200" dirty="0" smtClean="0">
-              <a:latin typeface="Calibri" pitchFamily="34" charset="0"/>
-              <a:cs typeface="Calibri" pitchFamily="34" charset="0"/>
-            </a:rPr>
-            <a:t>Administrativos</a:t>
-          </a:r>
-          <a:endParaRPr lang="es-CL" sz="2000" b="1" kern="1200" dirty="0">
-            <a:latin typeface="Calibri" pitchFamily="34" charset="0"/>
-            <a:cs typeface="Calibri" pitchFamily="34" charset="0"/>
-          </a:endParaRPr>
-        </a:p>
-      </dsp:txBody>
-      <dsp:txXfrm>
-        <a:off x="2485091" y="3301007"/>
-        <a:ext cx="1700104" cy="850052"/>
-      </dsp:txXfrm>
-    </dsp:sp>
-    <dsp:sp modelId="{FD21C7F4-091A-479B-ADF1-28E542D19193}" macro="" textlink="">
-      <dsp:nvSpPr>
-        <dsp:cNvPr id="0" name=""/>
-        <dsp:cNvSpPr/>
-      </dsp:nvSpPr>
-      <dsp:spPr>
-        <a:xfrm>
-          <a:off x="4117191" y="2093933"/>
-          <a:ext cx="1700104" cy="850052"/>
-        </a:xfrm>
-        <a:prstGeom prst="rect">
-          <a:avLst/>
-        </a:prstGeom>
-        <a:gradFill rotWithShape="0">
-          <a:gsLst>
-            <a:gs pos="0">
-              <a:schemeClr val="lt1">
-                <a:hueOff val="0"/>
-                <a:satOff val="0"/>
-                <a:lumOff val="0"/>
-                <a:alphaOff val="0"/>
-                <a:shade val="51000"/>
-                <a:satMod val="130000"/>
-              </a:schemeClr>
-            </a:gs>
-            <a:gs pos="80000">
-              <a:schemeClr val="lt1">
-                <a:hueOff val="0"/>
-                <a:satOff val="0"/>
-                <a:lumOff val="0"/>
-                <a:alphaOff val="0"/>
-                <a:shade val="93000"/>
-                <a:satMod val="130000"/>
-              </a:schemeClr>
-            </a:gs>
-            <a:gs pos="100000">
-              <a:schemeClr val="lt1">
-                <a:hueOff val="0"/>
-                <a:satOff val="0"/>
-                <a:lumOff val="0"/>
-                <a:alphaOff val="0"/>
-                <a:shade val="94000"/>
-                <a:satMod val="135000"/>
-              </a:schemeClr>
-            </a:gs>
-          </a:gsLst>
-          <a:lin ang="16200000" scaled="0"/>
-        </a:gradFill>
-        <a:ln>
-          <a:noFill/>
-        </a:ln>
-        <a:effectLst>
-          <a:outerShdw blurRad="40000" dist="23000" dir="5400000" rotWithShape="0">
-            <a:srgbClr val="000000">
-              <a:alpha val="35000"/>
-            </a:srgbClr>
-          </a:outerShdw>
-        </a:effectLst>
-        <a:scene3d>
-          <a:camera prst="orthographicFront">
-            <a:rot lat="0" lon="0" rev="0"/>
-          </a:camera>
-          <a:lightRig rig="threePt" dir="t">
-            <a:rot lat="0" lon="0" rev="1200000"/>
-          </a:lightRig>
-        </a:scene3d>
-        <a:sp3d>
-          <a:bevelT w="63500" h="25400"/>
-        </a:sp3d>
-      </dsp:spPr>
-      <dsp:style>
-        <a:lnRef idx="0">
-          <a:scrgbClr r="0" g="0" b="0"/>
-        </a:lnRef>
-        <a:fillRef idx="3">
-          <a:scrgbClr r="0" g="0" b="0"/>
-        </a:fillRef>
-        <a:effectRef idx="3">
-          <a:scrgbClr r="0" g="0" b="0"/>
-        </a:effectRef>
-        <a:fontRef idx="minor">
-          <a:schemeClr val="lt1"/>
-        </a:fontRef>
-      </dsp:style>
-      <dsp:txBody>
-        <a:bodyPr spcFirstLastPara="0" vert="horz" wrap="square" lIns="12700" tIns="12700" rIns="12700" bIns="12700" numCol="1" spcCol="1270" anchor="ctr" anchorCtr="0">
-          <a:noAutofit/>
-        </a:bodyPr>
-        <a:lstStyle/>
-        <a:p>
-          <a:pPr lvl="0" algn="ctr" defTabSz="889000">
-            <a:lnSpc>
-              <a:spcPct val="90000"/>
-            </a:lnSpc>
-            <a:spcBef>
-              <a:spcPct val="0"/>
-            </a:spcBef>
-            <a:spcAft>
-              <a:spcPct val="35000"/>
-            </a:spcAft>
-          </a:pPr>
-          <a:r>
-            <a:rPr lang="es-CL" sz="2000" b="1" kern="1200" dirty="0" smtClean="0">
-              <a:latin typeface="Calibri" pitchFamily="34" charset="0"/>
-              <a:cs typeface="Calibri" pitchFamily="34" charset="0"/>
-            </a:rPr>
-            <a:t>Recursos Humanos</a:t>
-          </a:r>
-          <a:endParaRPr lang="es-CL" sz="2000" b="1" kern="1200" dirty="0">
-            <a:latin typeface="Calibri" pitchFamily="34" charset="0"/>
-            <a:cs typeface="Calibri" pitchFamily="34" charset="0"/>
-          </a:endParaRPr>
-        </a:p>
-      </dsp:txBody>
-      <dsp:txXfrm>
-        <a:off x="4117191" y="2093933"/>
-        <a:ext cx="1700104" cy="850052"/>
-      </dsp:txXfrm>
-    </dsp:sp>
-    <dsp:sp modelId="{6AF72E91-D475-47FD-9F9A-F3F5486D3CA3}" macro="" textlink="">
-      <dsp:nvSpPr>
-        <dsp:cNvPr id="0" name=""/>
-        <dsp:cNvSpPr/>
-      </dsp:nvSpPr>
-      <dsp:spPr>
-        <a:xfrm>
-          <a:off x="6174318" y="2093933"/>
-          <a:ext cx="1700104" cy="850052"/>
-        </a:xfrm>
-        <a:prstGeom prst="rect">
-          <a:avLst/>
-        </a:prstGeom>
-        <a:gradFill rotWithShape="0">
-          <a:gsLst>
-            <a:gs pos="0">
-              <a:schemeClr val="lt1">
-                <a:hueOff val="0"/>
-                <a:satOff val="0"/>
-                <a:lumOff val="0"/>
-                <a:alphaOff val="0"/>
-                <a:shade val="51000"/>
-                <a:satMod val="130000"/>
-              </a:schemeClr>
-            </a:gs>
-            <a:gs pos="80000">
-              <a:schemeClr val="lt1">
-                <a:hueOff val="0"/>
-                <a:satOff val="0"/>
-                <a:lumOff val="0"/>
-                <a:alphaOff val="0"/>
-                <a:shade val="93000"/>
-                <a:satMod val="130000"/>
-              </a:schemeClr>
-            </a:gs>
-            <a:gs pos="100000">
-              <a:schemeClr val="lt1">
-                <a:hueOff val="0"/>
-                <a:satOff val="0"/>
-                <a:lumOff val="0"/>
-                <a:alphaOff val="0"/>
-                <a:shade val="94000"/>
-                <a:satMod val="135000"/>
-              </a:schemeClr>
-            </a:gs>
-          </a:gsLst>
-          <a:lin ang="16200000" scaled="0"/>
-        </a:gradFill>
-        <a:ln>
-          <a:noFill/>
-        </a:ln>
-        <a:effectLst>
-          <a:outerShdw blurRad="40000" dist="23000" dir="5400000" rotWithShape="0">
-            <a:srgbClr val="000000">
-              <a:alpha val="35000"/>
-            </a:srgbClr>
-          </a:outerShdw>
-        </a:effectLst>
-        <a:scene3d>
-          <a:camera prst="orthographicFront">
-            <a:rot lat="0" lon="0" rev="0"/>
-          </a:camera>
-          <a:lightRig rig="threePt" dir="t">
-            <a:rot lat="0" lon="0" rev="1200000"/>
-          </a:lightRig>
-        </a:scene3d>
-        <a:sp3d>
-          <a:bevelT w="63500" h="25400"/>
-        </a:sp3d>
-      </dsp:spPr>
-      <dsp:style>
-        <a:lnRef idx="0">
-          <a:scrgbClr r="0" g="0" b="0"/>
-        </a:lnRef>
-        <a:fillRef idx="3">
-          <a:scrgbClr r="0" g="0" b="0"/>
-        </a:fillRef>
-        <a:effectRef idx="3">
-          <a:scrgbClr r="0" g="0" b="0"/>
-        </a:effectRef>
-        <a:fontRef idx="minor">
-          <a:schemeClr val="lt1"/>
-        </a:fontRef>
-      </dsp:style>
-      <dsp:txBody>
-        <a:bodyPr spcFirstLastPara="0" vert="horz" wrap="square" lIns="12700" tIns="12700" rIns="12700" bIns="12700" numCol="1" spcCol="1270" anchor="ctr" anchorCtr="0">
-          <a:noAutofit/>
-        </a:bodyPr>
-        <a:lstStyle/>
-        <a:p>
-          <a:pPr lvl="0" algn="ctr" defTabSz="889000">
-            <a:lnSpc>
-              <a:spcPct val="90000"/>
-            </a:lnSpc>
-            <a:spcBef>
-              <a:spcPct val="0"/>
-            </a:spcBef>
-            <a:spcAft>
-              <a:spcPct val="35000"/>
-            </a:spcAft>
-          </a:pPr>
-          <a:r>
-            <a:rPr lang="es-CL" sz="2000" b="1" kern="1200" dirty="0" smtClean="0">
-              <a:latin typeface="Calibri" pitchFamily="34" charset="0"/>
-              <a:cs typeface="Calibri" pitchFamily="34" charset="0"/>
-            </a:rPr>
-            <a:t>Supervisor Recepcionista</a:t>
-          </a:r>
-          <a:endParaRPr lang="es-CL" sz="2000" b="1" kern="1200" dirty="0">
-            <a:latin typeface="Calibri" pitchFamily="34" charset="0"/>
-            <a:cs typeface="Calibri" pitchFamily="34" charset="0"/>
-          </a:endParaRPr>
-        </a:p>
-      </dsp:txBody>
-      <dsp:txXfrm>
-        <a:off x="6174318" y="2093933"/>
-        <a:ext cx="1700104" cy="850052"/>
-      </dsp:txXfrm>
-    </dsp:sp>
-    <dsp:sp modelId="{6193E13E-2838-4FF4-95E4-B0E8E77986D7}" macro="" textlink="">
-      <dsp:nvSpPr>
-        <dsp:cNvPr id="0" name=""/>
-        <dsp:cNvSpPr/>
-      </dsp:nvSpPr>
-      <dsp:spPr>
-        <a:xfrm>
-          <a:off x="6599344" y="3301007"/>
-          <a:ext cx="1700104" cy="850052"/>
-        </a:xfrm>
-        <a:prstGeom prst="rect">
-          <a:avLst/>
-        </a:prstGeom>
-        <a:gradFill rotWithShape="0">
-          <a:gsLst>
-            <a:gs pos="0">
-              <a:schemeClr val="lt1">
-                <a:hueOff val="0"/>
-                <a:satOff val="0"/>
-                <a:lumOff val="0"/>
-                <a:alphaOff val="0"/>
-                <a:shade val="51000"/>
-                <a:satMod val="130000"/>
-              </a:schemeClr>
-            </a:gs>
-            <a:gs pos="80000">
-              <a:schemeClr val="lt1">
-                <a:hueOff val="0"/>
-                <a:satOff val="0"/>
-                <a:lumOff val="0"/>
-                <a:alphaOff val="0"/>
-                <a:shade val="93000"/>
-                <a:satMod val="130000"/>
-              </a:schemeClr>
-            </a:gs>
-            <a:gs pos="100000">
-              <a:schemeClr val="lt1">
-                <a:hueOff val="0"/>
-                <a:satOff val="0"/>
-                <a:lumOff val="0"/>
-                <a:alphaOff val="0"/>
-                <a:shade val="94000"/>
-                <a:satMod val="135000"/>
-              </a:schemeClr>
-            </a:gs>
-          </a:gsLst>
-          <a:lin ang="16200000" scaled="0"/>
-        </a:gradFill>
-        <a:ln>
-          <a:noFill/>
-        </a:ln>
-        <a:effectLst>
-          <a:outerShdw blurRad="40000" dist="23000" dir="5400000" rotWithShape="0">
-            <a:srgbClr val="000000">
-              <a:alpha val="35000"/>
-            </a:srgbClr>
-          </a:outerShdw>
-        </a:effectLst>
-        <a:scene3d>
-          <a:camera prst="orthographicFront">
-            <a:rot lat="0" lon="0" rev="0"/>
-          </a:camera>
-          <a:lightRig rig="threePt" dir="t">
-            <a:rot lat="0" lon="0" rev="1200000"/>
-          </a:lightRig>
-        </a:scene3d>
-        <a:sp3d>
-          <a:bevelT w="63500" h="25400"/>
-        </a:sp3d>
-      </dsp:spPr>
-      <dsp:style>
-        <a:lnRef idx="0">
-          <a:scrgbClr r="0" g="0" b="0"/>
-        </a:lnRef>
-        <a:fillRef idx="3">
-          <a:scrgbClr r="0" g="0" b="0"/>
-        </a:fillRef>
-        <a:effectRef idx="3">
-          <a:scrgbClr r="0" g="0" b="0"/>
-        </a:effectRef>
-        <a:fontRef idx="minor">
-          <a:schemeClr val="lt1"/>
-        </a:fontRef>
-      </dsp:style>
-      <dsp:txBody>
-        <a:bodyPr spcFirstLastPara="0" vert="horz" wrap="square" lIns="12700" tIns="12700" rIns="12700" bIns="12700" numCol="1" spcCol="1270" anchor="ctr" anchorCtr="0">
-          <a:noAutofit/>
-        </a:bodyPr>
-        <a:lstStyle/>
-        <a:p>
-          <a:pPr lvl="0" algn="ctr" defTabSz="889000">
-            <a:lnSpc>
-              <a:spcPct val="90000"/>
-            </a:lnSpc>
-            <a:spcBef>
-              <a:spcPct val="0"/>
-            </a:spcBef>
-            <a:spcAft>
-              <a:spcPct val="35000"/>
-            </a:spcAft>
-          </a:pPr>
-          <a:r>
-            <a:rPr lang="es-CL" sz="2000" b="1" kern="1200" dirty="0" smtClean="0">
-              <a:latin typeface="Calibri" pitchFamily="34" charset="0"/>
-              <a:cs typeface="Calibri" pitchFamily="34" charset="0"/>
-            </a:rPr>
-            <a:t>Recepcionista</a:t>
-          </a:r>
-          <a:endParaRPr lang="es-CL" sz="2000" b="1" kern="1200" dirty="0">
-            <a:latin typeface="Calibri" pitchFamily="34" charset="0"/>
-            <a:cs typeface="Calibri" pitchFamily="34" charset="0"/>
-          </a:endParaRPr>
-        </a:p>
-      </dsp:txBody>
-      <dsp:txXfrm>
-        <a:off x="6599344" y="3301007"/>
-        <a:ext cx="1700104" cy="850052"/>
-      </dsp:txXfrm>
-    </dsp:sp>
   </dsp:spTree>
 </dgm:drawing>
 </file>
@@ -20708,7 +19417,7 @@
               <a:pPr>
                 <a:defRPr/>
               </a:pPr>
-              <a:t>05/12/2009</a:t>
+              <a:t>07/12/2009</a:t>
             </a:fld>
             <a:endParaRPr lang="es-ES_tradnl"/>
           </a:p>
@@ -29347,54 +28056,7 @@
                 <a:latin typeface="Arial" pitchFamily="34" charset="0"/>
                 <a:cs typeface="Arial" pitchFamily="34" charset="0"/>
               </a:rPr>
-              <a:t>Solución </a:t>
-            </a:r>
-            <a:r>
-              <a:rPr lang="es-CL" sz="2800" b="1" cap="all" dirty="0" smtClean="0">
-                <a:ln w="9000" cmpd="sng">
-                  <a:solidFill>
-                    <a:schemeClr val="accent4">
-                      <a:shade val="50000"/>
-                      <a:satMod val="120000"/>
-                    </a:schemeClr>
-                  </a:solidFill>
-                  <a:prstDash val="solid"/>
-                </a:ln>
-                <a:gradFill>
-                  <a:gsLst>
-                    <a:gs pos="0">
-                      <a:schemeClr val="accent4">
-                        <a:shade val="20000"/>
-                        <a:satMod val="245000"/>
-                      </a:schemeClr>
-                    </a:gs>
-                    <a:gs pos="43000">
-                      <a:schemeClr val="accent4">
-                        <a:satMod val="255000"/>
-                      </a:schemeClr>
-                    </a:gs>
-                    <a:gs pos="48000">
-                      <a:schemeClr val="accent4">
-                        <a:shade val="85000"/>
-                        <a:satMod val="255000"/>
-                      </a:schemeClr>
-                    </a:gs>
-                    <a:gs pos="100000">
-                      <a:schemeClr val="accent4">
-                        <a:shade val="20000"/>
-                        <a:satMod val="245000"/>
-                      </a:schemeClr>
-                    </a:gs>
-                  </a:gsLst>
-                  <a:lin ang="5400000"/>
-                </a:gradFill>
-                <a:effectLst>
-                  <a:reflection blurRad="12700" stA="28000" endPos="45000" dist="1000" dir="5400000" sy="-100000" algn="bl" rotWithShape="0"/>
-                </a:effectLst>
-                <a:latin typeface="Arial" pitchFamily="34" charset="0"/>
-                <a:cs typeface="Arial" pitchFamily="34" charset="0"/>
-              </a:rPr>
-              <a:t>propuesta - arquitectura</a:t>
+              <a:t>Solución propuesta - arquitectura</a:t>
             </a:r>
             <a:endParaRPr lang="es-CL" sz="2800" b="1" cap="all" dirty="0">
               <a:ln w="9000" cmpd="sng">
@@ -31692,54 +30354,6 @@
           <a:chExt cx="0" cy="0"/>
         </a:xfrm>
       </p:grpSpPr>
-      <p:sp>
-        <p:nvSpPr>
-          <p:cNvPr id="2" name="1 Título"/>
-          <p:cNvSpPr>
-            <a:spLocks noGrp="1"/>
-          </p:cNvSpPr>
-          <p:nvPr>
-            <p:ph type="title"/>
-          </p:nvPr>
-        </p:nvSpPr>
-        <p:spPr/>
-        <p:txBody>
-          <a:bodyPr/>
-          <a:lstStyle/>
-          <a:p>
-            <a:endParaRPr lang="es-CL"/>
-          </a:p>
-        </p:txBody>
-      </p:sp>
-      <p:pic>
-        <p:nvPicPr>
-          <p:cNvPr id="12" name="01-Crear.avi">
-            <a:hlinkClick r:id="" action="ppaction://media"/>
-          </p:cNvPr>
-          <p:cNvPicPr>
-            <a:picLocks noGrp="1" noRot="1" noChangeAspect="1"/>
-          </p:cNvPicPr>
-          <p:nvPr>
-            <p:ph idx="1"/>
-            <a:videoFile r:link="rId1"/>
-          </p:nvPr>
-        </p:nvPicPr>
-        <p:blipFill>
-          <a:blip r:embed="rId4" cstate="print"/>
-          <a:stretch>
-            <a:fillRect/>
-          </a:stretch>
-        </p:blipFill>
-        <p:spPr>
-          <a:xfrm>
-            <a:off x="1143000" y="1247277"/>
-            <a:ext cx="6858000" cy="4572000"/>
-          </a:xfrm>
-          <a:prstGeom prst="rect">
-            <a:avLst/>
-          </a:prstGeom>
-        </p:spPr>
-      </p:pic>
     </p:spTree>
   </p:cSld>
   <p:clrMapOvr>
@@ -31749,150 +30363,7 @@
   <p:timing>
     <p:tnLst>
       <p:par>
-        <p:cTn id="1" dur="indefinite" restart="never" nodeType="tmRoot">
-          <p:childTnLst>
-            <p:seq concurrent="1" nextAc="seek">
-              <p:cTn id="2" dur="indefinite" nodeType="mainSeq">
-                <p:childTnLst>
-                  <p:par>
-                    <p:cTn id="3" fill="hold">
-                      <p:stCondLst>
-                        <p:cond delay="indefinite"/>
-                        <p:cond evt="onBegin" delay="0">
-                          <p:tn val="2"/>
-                        </p:cond>
-                      </p:stCondLst>
-                      <p:childTnLst>
-                        <p:par>
-                          <p:cTn id="4" fill="hold">
-                            <p:stCondLst>
-                              <p:cond delay="0"/>
-                            </p:stCondLst>
-                            <p:childTnLst>
-                              <p:par>
-                                <p:cTn id="5" presetID="1" presetClass="mediacall" presetSubtype="0" fill="hold" nodeType="afterEffect">
-                                  <p:stCondLst>
-                                    <p:cond delay="0"/>
-                                  </p:stCondLst>
-                                  <p:childTnLst>
-                                    <p:cmd type="call" cmd="playFrom(0.0)">
-                                      <p:cBhvr>
-                                        <p:cTn id="6" dur="111334" fill="hold"/>
-                                        <p:tgtEl>
-                                          <p:spTgt spid="12"/>
-                                        </p:tgtEl>
-                                      </p:cBhvr>
-                                    </p:cmd>
-                                  </p:childTnLst>
-                                </p:cTn>
-                              </p:par>
-                            </p:childTnLst>
-                          </p:cTn>
-                        </p:par>
-                      </p:childTnLst>
-                    </p:cTn>
-                  </p:par>
-                </p:childTnLst>
-              </p:cTn>
-              <p:prevCondLst>
-                <p:cond evt="onPrev" delay="0">
-                  <p:tgtEl>
-                    <p:sldTgt/>
-                  </p:tgtEl>
-                </p:cond>
-              </p:prevCondLst>
-              <p:nextCondLst>
-                <p:cond evt="onNext" delay="0">
-                  <p:tgtEl>
-                    <p:sldTgt/>
-                  </p:tgtEl>
-                </p:cond>
-              </p:nextCondLst>
-            </p:seq>
-            <p:video fullScrn="1">
-              <p:cMediaNode>
-                <p:cTn id="7" fill="hold" display="0">
-                  <p:stCondLst>
-                    <p:cond delay="indefinite"/>
-                  </p:stCondLst>
-                  <p:endCondLst>
-                    <p:cond evt="onNext" delay="0">
-                      <p:tgtEl>
-                        <p:sldTgt/>
-                      </p:tgtEl>
-                    </p:cond>
-                    <p:cond evt="onPrev" delay="0">
-                      <p:tgtEl>
-                        <p:sldTgt/>
-                      </p:tgtEl>
-                    </p:cond>
-                  </p:endCondLst>
-                </p:cTn>
-                <p:tgtEl>
-                  <p:spTgt spid="12"/>
-                </p:tgtEl>
-              </p:cMediaNode>
-            </p:video>
-            <p:seq concurrent="1" nextAc="seek">
-              <p:cTn id="8" restart="whenNotActive" fill="hold" evtFilter="cancelBubble" nodeType="interactiveSeq">
-                <p:stCondLst>
-                  <p:cond evt="onClick" delay="0">
-                    <p:tgtEl>
-                      <p:spTgt spid="12"/>
-                    </p:tgtEl>
-                  </p:cond>
-                </p:stCondLst>
-                <p:endSync evt="end" delay="0">
-                  <p:rtn val="all"/>
-                </p:endSync>
-                <p:childTnLst>
-                  <p:par>
-                    <p:cTn id="9" fill="hold">
-                      <p:stCondLst>
-                        <p:cond delay="0"/>
-                      </p:stCondLst>
-                      <p:childTnLst>
-                        <p:par>
-                          <p:cTn id="10" fill="hold">
-                            <p:stCondLst>
-                              <p:cond delay="0"/>
-                            </p:stCondLst>
-                            <p:childTnLst>
-                              <p:par>
-                                <p:cTn id="11" presetID="2" presetClass="mediacall" presetSubtype="0" fill="hold" nodeType="clickEffect">
-                                  <p:stCondLst>
-                                    <p:cond delay="0"/>
-                                  </p:stCondLst>
-                                  <p:childTnLst>
-                                    <p:cmd type="call" cmd="togglePause">
-                                      <p:cBhvr>
-                                        <p:cTn id="12" dur="1" fill="hold"/>
-                                        <p:tgtEl>
-                                          <p:spTgt spid="12"/>
-                                        </p:tgtEl>
-                                      </p:cBhvr>
-                                    </p:cmd>
-                                  </p:childTnLst>
-                                </p:cTn>
-                              </p:par>
-                            </p:childTnLst>
-                          </p:cTn>
-                        </p:par>
-                      </p:childTnLst>
-                    </p:cTn>
-                  </p:par>
-                </p:childTnLst>
-              </p:cTn>
-              <p:nextCondLst>
-                <p:cond evt="onClick" delay="0">
-                  <p:tgtEl>
-                    <p:spTgt spid="12"/>
-                  </p:tgtEl>
-                </p:cond>
-              </p:nextCondLst>
-            </p:seq>
-          </p:childTnLst>
-        </p:cTn>
+        <p:cTn id="1" dur="indefinite" restart="never" nodeType="tmRoot"/>
       </p:par>
     </p:tnLst>
   </p:timing>
@@ -32516,36 +30987,10 @@
           <a:chExt cx="0" cy="0"/>
         </a:xfrm>
       </p:grpSpPr>
-      <p:pic>
-        <p:nvPicPr>
-          <p:cNvPr id="6" name="configuracionGeneral.avi">
-            <a:hlinkClick r:id="" action="ppaction://media"/>
-          </p:cNvPr>
-          <p:cNvPicPr>
-            <a:picLocks noGrp="1" noRot="1" noChangeAspect="1"/>
-          </p:cNvPicPr>
-          <p:nvPr>
-            <p:ph idx="1"/>
-            <a:videoFile r:link="rId1"/>
-          </p:nvPr>
-        </p:nvPicPr>
-        <p:blipFill>
-          <a:blip r:embed="rId3" cstate="print"/>
-          <a:stretch>
-            <a:fillRect/>
-          </a:stretch>
-        </p:blipFill>
-        <p:spPr>
-          <a:xfrm>
-            <a:off x="1158923" y="1128504"/>
-            <a:ext cx="6826155" cy="5119616"/>
-          </a:xfrm>
-          <a:prstGeom prst="rect">
-            <a:avLst/>
-          </a:prstGeom>
-        </p:spPr>
-      </p:pic>
     </p:spTree>
+    <p:controls>
+      <p:control spid="1026" name="WindowsMediaPlayer1" r:id="rId2" imgW="9142857" imgH="6857143"/>
+    </p:controls>
   </p:cSld>
   <p:clrMapOvr>
     <a:masterClrMapping/>
@@ -32554,150 +30999,7 @@
   <p:timing>
     <p:tnLst>
       <p:par>
-        <p:cTn id="1" dur="indefinite" restart="never" nodeType="tmRoot">
-          <p:childTnLst>
-            <p:seq concurrent="1" nextAc="seek">
-              <p:cTn id="2" dur="indefinite" nodeType="mainSeq">
-                <p:childTnLst>
-                  <p:par>
-                    <p:cTn id="3" fill="hold">
-                      <p:stCondLst>
-                        <p:cond delay="indefinite"/>
-                        <p:cond evt="onBegin" delay="0">
-                          <p:tn val="2"/>
-                        </p:cond>
-                      </p:stCondLst>
-                      <p:childTnLst>
-                        <p:par>
-                          <p:cTn id="4" fill="hold">
-                            <p:stCondLst>
-                              <p:cond delay="0"/>
-                            </p:stCondLst>
-                            <p:childTnLst>
-                              <p:par>
-                                <p:cTn id="5" presetID="1" presetClass="mediacall" presetSubtype="0" fill="hold" nodeType="afterEffect">
-                                  <p:stCondLst>
-                                    <p:cond delay="0"/>
-                                  </p:stCondLst>
-                                  <p:childTnLst>
-                                    <p:cmd type="call" cmd="playFrom(0.0)">
-                                      <p:cBhvr>
-                                        <p:cTn id="6" dur="85534" fill="hold"/>
-                                        <p:tgtEl>
-                                          <p:spTgt spid="6"/>
-                                        </p:tgtEl>
-                                      </p:cBhvr>
-                                    </p:cmd>
-                                  </p:childTnLst>
-                                </p:cTn>
-                              </p:par>
-                            </p:childTnLst>
-                          </p:cTn>
-                        </p:par>
-                      </p:childTnLst>
-                    </p:cTn>
-                  </p:par>
-                </p:childTnLst>
-              </p:cTn>
-              <p:prevCondLst>
-                <p:cond evt="onPrev" delay="0">
-                  <p:tgtEl>
-                    <p:sldTgt/>
-                  </p:tgtEl>
-                </p:cond>
-              </p:prevCondLst>
-              <p:nextCondLst>
-                <p:cond evt="onNext" delay="0">
-                  <p:tgtEl>
-                    <p:sldTgt/>
-                  </p:tgtEl>
-                </p:cond>
-              </p:nextCondLst>
-            </p:seq>
-            <p:video fullScrn="1">
-              <p:cMediaNode>
-                <p:cTn id="7" fill="hold" display="0">
-                  <p:stCondLst>
-                    <p:cond delay="indefinite"/>
-                  </p:stCondLst>
-                  <p:endCondLst>
-                    <p:cond evt="onNext" delay="0">
-                      <p:tgtEl>
-                        <p:sldTgt/>
-                      </p:tgtEl>
-                    </p:cond>
-                    <p:cond evt="onPrev" delay="0">
-                      <p:tgtEl>
-                        <p:sldTgt/>
-                      </p:tgtEl>
-                    </p:cond>
-                  </p:endCondLst>
-                </p:cTn>
-                <p:tgtEl>
-                  <p:spTgt spid="6"/>
-                </p:tgtEl>
-              </p:cMediaNode>
-            </p:video>
-            <p:seq concurrent="1" nextAc="seek">
-              <p:cTn id="8" restart="whenNotActive" fill="hold" evtFilter="cancelBubble" nodeType="interactiveSeq">
-                <p:stCondLst>
-                  <p:cond evt="onClick" delay="0">
-                    <p:tgtEl>
-                      <p:spTgt spid="6"/>
-                    </p:tgtEl>
-                  </p:cond>
-                </p:stCondLst>
-                <p:endSync evt="end" delay="0">
-                  <p:rtn val="all"/>
-                </p:endSync>
-                <p:childTnLst>
-                  <p:par>
-                    <p:cTn id="9" fill="hold">
-                      <p:stCondLst>
-                        <p:cond delay="0"/>
-                      </p:stCondLst>
-                      <p:childTnLst>
-                        <p:par>
-                          <p:cTn id="10" fill="hold">
-                            <p:stCondLst>
-                              <p:cond delay="0"/>
-                            </p:stCondLst>
-                            <p:childTnLst>
-                              <p:par>
-                                <p:cTn id="11" presetID="2" presetClass="mediacall" presetSubtype="0" fill="hold" nodeType="clickEffect">
-                                  <p:stCondLst>
-                                    <p:cond delay="0"/>
-                                  </p:stCondLst>
-                                  <p:childTnLst>
-                                    <p:cmd type="call" cmd="togglePause">
-                                      <p:cBhvr>
-                                        <p:cTn id="12" dur="1" fill="hold"/>
-                                        <p:tgtEl>
-                                          <p:spTgt spid="6"/>
-                                        </p:tgtEl>
-                                      </p:cBhvr>
-                                    </p:cmd>
-                                  </p:childTnLst>
-                                </p:cTn>
-                              </p:par>
-                            </p:childTnLst>
-                          </p:cTn>
-                        </p:par>
-                      </p:childTnLst>
-                    </p:cTn>
-                  </p:par>
-                </p:childTnLst>
-              </p:cTn>
-              <p:nextCondLst>
-                <p:cond evt="onClick" delay="0">
-                  <p:tgtEl>
-                    <p:spTgt spid="6"/>
-                  </p:tgtEl>
-                </p:cond>
-              </p:nextCondLst>
-            </p:seq>
-          </p:childTnLst>
-        </p:cTn>
+        <p:cTn id="1" dur="indefinite" restart="never" nodeType="tmRoot"/>
       </p:par>
     </p:tnLst>
   </p:timing>

--- a/sigset/documentos/Documentos finales/Presentacion.pptx
+++ b/sigset/documentos/Documentos finales/Presentacion.pptx
@@ -5,10 +5,10 @@
     <p:sldMasterId id="2147483648" r:id="rId1"/>
   </p:sldMasterIdLst>
   <p:notesMasterIdLst>
-    <p:notesMasterId r:id="rId33"/>
+    <p:notesMasterId r:id="rId36"/>
   </p:notesMasterIdLst>
   <p:handoutMasterIdLst>
-    <p:handoutMasterId r:id="rId34"/>
+    <p:handoutMasterId r:id="rId37"/>
   </p:handoutMasterIdLst>
   <p:sldIdLst>
     <p:sldId id="334" r:id="rId2"/>
@@ -35,13 +35,16 @@
     <p:sldId id="337" r:id="rId23"/>
     <p:sldId id="369" r:id="rId24"/>
     <p:sldId id="365" r:id="rId25"/>
-    <p:sldId id="366" r:id="rId26"/>
-    <p:sldId id="367" r:id="rId27"/>
-    <p:sldId id="368" r:id="rId28"/>
-    <p:sldId id="358" r:id="rId29"/>
-    <p:sldId id="356" r:id="rId30"/>
-    <p:sldId id="370" r:id="rId31"/>
-    <p:sldId id="371" r:id="rId32"/>
+    <p:sldId id="373" r:id="rId26"/>
+    <p:sldId id="366" r:id="rId27"/>
+    <p:sldId id="374" r:id="rId28"/>
+    <p:sldId id="367" r:id="rId29"/>
+    <p:sldId id="375" r:id="rId30"/>
+    <p:sldId id="368" r:id="rId31"/>
+    <p:sldId id="358" r:id="rId32"/>
+    <p:sldId id="356" r:id="rId33"/>
+    <p:sldId id="370" r:id="rId34"/>
+    <p:sldId id="371" r:id="rId35"/>
   </p:sldIdLst>
   <p:sldSz cx="9144000" cy="6858000" type="screen4x3"/>
   <p:notesSz cx="7010400" cy="11125200"/>
@@ -181,6 +184,126 @@
 
 <file path=ppt/activeX/activeX1.xml><?xml version="1.0" encoding="utf-8"?>
 <ax:ocx xmlns:ax="http://schemas.microsoft.com/office/2006/activeX" xmlns:r="http://schemas.openxmlformats.org/officeDocument/2006/relationships" ax:classid="{6BF52A52-394A-11D3-B153-00C04F79FAA6}" ax:persistence="persistPropertyBag">
+  <ax:ocxPr ax:name="URL" ax:value="Videos\01-Orden.avi"/>
+  <ax:ocxPr ax:name="rate" ax:value="1"/>
+  <ax:ocxPr ax:name="balance" ax:value="0"/>
+  <ax:ocxPr ax:name="currentPosition" ax:value="0"/>
+  <ax:ocxPr ax:name="defaultFrame" ax:value=""/>
+  <ax:ocxPr ax:name="playCount" ax:value="1"/>
+  <ax:ocxPr ax:name="autoStart" ax:value="-1"/>
+  <ax:ocxPr ax:name="currentMarker" ax:value="0"/>
+  <ax:ocxPr ax:name="invokeURLs" ax:value="-1"/>
+  <ax:ocxPr ax:name="baseURL" ax:value=""/>
+  <ax:ocxPr ax:name="volume" ax:value="50"/>
+  <ax:ocxPr ax:name="mute" ax:value="0"/>
+  <ax:ocxPr ax:name="uiMode" ax:value="mini"/>
+  <ax:ocxPr ax:name="stretchToFit" ax:value="0"/>
+  <ax:ocxPr ax:name="windowlessVideo" ax:value="0"/>
+  <ax:ocxPr ax:name="enabled" ax:value="-1"/>
+  <ax:ocxPr ax:name="enableContextMenu" ax:value="-1"/>
+  <ax:ocxPr ax:name="fullScreen" ax:value="-1"/>
+  <ax:ocxPr ax:name="SAMIStyle" ax:value=""/>
+  <ax:ocxPr ax:name="SAMILang" ax:value=""/>
+  <ax:ocxPr ax:name="SAMIFilename" ax:value=""/>
+  <ax:ocxPr ax:name="captioningID" ax:value=""/>
+  <ax:ocxPr ax:name="enableErrorDialogs" ax:value="0"/>
+  <ax:ocxPr ax:name="_cx" ax:value="25400"/>
+  <ax:ocxPr ax:name="_cy" ax:value="19050"/>
+</ax:ocx>
+</file>
+
+<file path=ppt/activeX/activeX2.xml><?xml version="1.0" encoding="utf-8"?>
+<ax:ocx xmlns:ax="http://schemas.microsoft.com/office/2006/activeX" xmlns:r="http://schemas.openxmlformats.org/officeDocument/2006/relationships" ax:classid="{6BF52A52-394A-11D3-B153-00C04F79FAA6}" ax:persistence="persistPropertyBag">
+  <ax:ocxPr ax:name="URL" ax:value="Videos\02-Asignacion.avi"/>
+  <ax:ocxPr ax:name="rate" ax:value="1"/>
+  <ax:ocxPr ax:name="balance" ax:value="0"/>
+  <ax:ocxPr ax:name="currentPosition" ax:value="0"/>
+  <ax:ocxPr ax:name="defaultFrame" ax:value=""/>
+  <ax:ocxPr ax:name="playCount" ax:value="1"/>
+  <ax:ocxPr ax:name="autoStart" ax:value="-1"/>
+  <ax:ocxPr ax:name="currentMarker" ax:value="0"/>
+  <ax:ocxPr ax:name="invokeURLs" ax:value="-1"/>
+  <ax:ocxPr ax:name="baseURL" ax:value=""/>
+  <ax:ocxPr ax:name="volume" ax:value="50"/>
+  <ax:ocxPr ax:name="mute" ax:value="0"/>
+  <ax:ocxPr ax:name="uiMode" ax:value="mini"/>
+  <ax:ocxPr ax:name="stretchToFit" ax:value="0"/>
+  <ax:ocxPr ax:name="windowlessVideo" ax:value="0"/>
+  <ax:ocxPr ax:name="enabled" ax:value="-1"/>
+  <ax:ocxPr ax:name="enableContextMenu" ax:value="-1"/>
+  <ax:ocxPr ax:name="fullScreen" ax:value="-1"/>
+  <ax:ocxPr ax:name="SAMIStyle" ax:value=""/>
+  <ax:ocxPr ax:name="SAMILang" ax:value=""/>
+  <ax:ocxPr ax:name="SAMIFilename" ax:value=""/>
+  <ax:ocxPr ax:name="captioningID" ax:value=""/>
+  <ax:ocxPr ax:name="enableErrorDialogs" ax:value="0"/>
+  <ax:ocxPr ax:name="_cx" ax:value="25400"/>
+  <ax:ocxPr ax:name="_cy" ax:value="19050"/>
+</ax:ocx>
+</file>
+
+<file path=ppt/activeX/activeX3.xml><?xml version="1.0" encoding="utf-8"?>
+<ax:ocx xmlns:ax="http://schemas.microsoft.com/office/2006/activeX" xmlns:r="http://schemas.openxmlformats.org/officeDocument/2006/relationships" ax:classid="{6BF52A52-394A-11D3-B153-00C04F79FAA6}" ax:persistence="persistPropertyBag">
+  <ax:ocxPr ax:name="URL" ax:value="Videos\03-tecnico.avi"/>
+  <ax:ocxPr ax:name="rate" ax:value="1"/>
+  <ax:ocxPr ax:name="balance" ax:value="0"/>
+  <ax:ocxPr ax:name="currentPosition" ax:value="0"/>
+  <ax:ocxPr ax:name="defaultFrame" ax:value=""/>
+  <ax:ocxPr ax:name="playCount" ax:value="1"/>
+  <ax:ocxPr ax:name="autoStart" ax:value="-1"/>
+  <ax:ocxPr ax:name="currentMarker" ax:value="0"/>
+  <ax:ocxPr ax:name="invokeURLs" ax:value="-1"/>
+  <ax:ocxPr ax:name="baseURL" ax:value=""/>
+  <ax:ocxPr ax:name="volume" ax:value="50"/>
+  <ax:ocxPr ax:name="mute" ax:value="0"/>
+  <ax:ocxPr ax:name="uiMode" ax:value="mini"/>
+  <ax:ocxPr ax:name="stretchToFit" ax:value="0"/>
+  <ax:ocxPr ax:name="windowlessVideo" ax:value="0"/>
+  <ax:ocxPr ax:name="enabled" ax:value="-1"/>
+  <ax:ocxPr ax:name="enableContextMenu" ax:value="-1"/>
+  <ax:ocxPr ax:name="fullScreen" ax:value="-1"/>
+  <ax:ocxPr ax:name="SAMIStyle" ax:value=""/>
+  <ax:ocxPr ax:name="SAMILang" ax:value=""/>
+  <ax:ocxPr ax:name="SAMIFilename" ax:value=""/>
+  <ax:ocxPr ax:name="captioningID" ax:value=""/>
+  <ax:ocxPr ax:name="enableErrorDialogs" ax:value="0"/>
+  <ax:ocxPr ax:name="_cx" ax:value="25400"/>
+  <ax:ocxPr ax:name="_cy" ax:value="19050"/>
+</ax:ocx>
+</file>
+
+<file path=ppt/activeX/activeX4.xml><?xml version="1.0" encoding="utf-8"?>
+<ax:ocx xmlns:ax="http://schemas.microsoft.com/office/2006/activeX" xmlns:r="http://schemas.openxmlformats.org/officeDocument/2006/relationships" ax:classid="{6BF52A52-394A-11D3-B153-00C04F79FAA6}" ax:persistence="persistPropertyBag">
+  <ax:ocxPr ax:name="URL" ax:value="Videos\04-Recepcionista.avi"/>
+  <ax:ocxPr ax:name="rate" ax:value="1"/>
+  <ax:ocxPr ax:name="balance" ax:value="0"/>
+  <ax:ocxPr ax:name="currentPosition" ax:value="0"/>
+  <ax:ocxPr ax:name="defaultFrame" ax:value=""/>
+  <ax:ocxPr ax:name="playCount" ax:value="1"/>
+  <ax:ocxPr ax:name="autoStart" ax:value="-1"/>
+  <ax:ocxPr ax:name="currentMarker" ax:value="0"/>
+  <ax:ocxPr ax:name="invokeURLs" ax:value="-1"/>
+  <ax:ocxPr ax:name="baseURL" ax:value=""/>
+  <ax:ocxPr ax:name="volume" ax:value="50"/>
+  <ax:ocxPr ax:name="mute" ax:value="0"/>
+  <ax:ocxPr ax:name="uiMode" ax:value="mini"/>
+  <ax:ocxPr ax:name="stretchToFit" ax:value="0"/>
+  <ax:ocxPr ax:name="windowlessVideo" ax:value="0"/>
+  <ax:ocxPr ax:name="enabled" ax:value="-1"/>
+  <ax:ocxPr ax:name="enableContextMenu" ax:value="-1"/>
+  <ax:ocxPr ax:name="fullScreen" ax:value="-1"/>
+  <ax:ocxPr ax:name="SAMIStyle" ax:value=""/>
+  <ax:ocxPr ax:name="SAMILang" ax:value=""/>
+  <ax:ocxPr ax:name="SAMIFilename" ax:value=""/>
+  <ax:ocxPr ax:name="captioningID" ax:value=""/>
+  <ax:ocxPr ax:name="enableErrorDialogs" ax:value="0"/>
+  <ax:ocxPr ax:name="_cx" ax:value="25400"/>
+  <ax:ocxPr ax:name="_cy" ax:value="19050"/>
+</ax:ocx>
+</file>
+
+<file path=ppt/activeX/activeX5.xml><?xml version="1.0" encoding="utf-8"?>
+<ax:ocx xmlns:ax="http://schemas.microsoft.com/office/2006/activeX" xmlns:r="http://schemas.openxmlformats.org/officeDocument/2006/relationships" ax:classid="{6BF52A52-394A-11D3-B153-00C04F79FAA6}" ax:persistence="persistPropertyBag">
   <ax:ocxPr ax:name="URL" ax:value="C:\svn\sigset\documentos\Documentos finales\Videos\05-Config.avi"/>
   <ax:ocxPr ax:name="rate" ax:value="1"/>
   <ax:ocxPr ax:name="balance" ax:value="0"/>
@@ -204,8 +327,8 @@
   <ax:ocxPr ax:name="SAMIFilename" ax:value=""/>
   <ax:ocxPr ax:name="captioningID" ax:value=""/>
   <ax:ocxPr ax:name="enableErrorDialogs" ax:value="0"/>
-  <ax:ocxPr ax:name="_cx" ax:value="25400"/>
-  <ax:ocxPr ax:name="_cy" ax:value="19050"/>
+  <ax:ocxPr ax:name="_cx" ax:value="25396"/>
+  <ax:ocxPr ax:name="_cy" ax:value="19046"/>
 </ax:ocx>
 </file>
 
@@ -8337,8 +8460,8 @@
     <dgm:cxn modelId="{009F14D6-CA1E-4C51-9A0D-B3F9C1E49D18}" srcId="{8C966F34-B6FE-4951-A5DC-B6B890C24F40}" destId="{3E04EA27-BE6A-44A3-A3D4-2CA4C32FFFF1}" srcOrd="0" destOrd="0" parTransId="{AE75B588-956D-4795-8BBA-14C526926D85}" sibTransId="{95BE6102-EEB0-4432-978E-FF1B073DB7AE}"/>
     <dgm:cxn modelId="{7C45ECE9-8356-43E2-B614-D776DF3DC2DF}" srcId="{393E7F46-B313-4E77-9797-D22D41EC5A03}" destId="{C9CB3786-0DB1-4998-9BFA-7ECC9C5F0DDE}" srcOrd="0" destOrd="0" parTransId="{0E603B5F-E788-4075-9EE8-6B92BD9BB1C6}" sibTransId="{7DBE4023-B152-423B-8602-7781CB8577AE}"/>
     <dgm:cxn modelId="{408049A4-04EC-42E5-AF64-48679D607DD0}" srcId="{3E04EA27-BE6A-44A3-A3D4-2CA4C32FFFF1}" destId="{FF7302D4-DF56-4D05-A039-49D494387244}" srcOrd="0" destOrd="0" parTransId="{D4A43A0A-08CA-47F1-8162-BEC510EB34F5}" sibTransId="{2DF987A6-F136-45BC-97D9-2328C9ACEA14}"/>
+    <dgm:cxn modelId="{CA8B197C-6DF2-4384-8BED-6C6211A4692F}" type="presOf" srcId="{28182505-8186-4B77-AAED-7D73BD2EC62F}" destId="{59A576FD-DEA1-4973-B0CA-89D07BC9EE75}" srcOrd="0" destOrd="0" presId="urn:microsoft.com/office/officeart/2005/8/layout/hierarchy3"/>
     <dgm:cxn modelId="{730F44F3-0F16-4DC7-94FF-A657B4144452}" type="presOf" srcId="{FF7302D4-DF56-4D05-A039-49D494387244}" destId="{97C6F11A-5991-412B-8918-0D15E3AC825F}" srcOrd="0" destOrd="1" presId="urn:microsoft.com/office/officeart/2005/8/layout/hierarchy3"/>
-    <dgm:cxn modelId="{CA8B197C-6DF2-4384-8BED-6C6211A4692F}" type="presOf" srcId="{28182505-8186-4B77-AAED-7D73BD2EC62F}" destId="{59A576FD-DEA1-4973-B0CA-89D07BC9EE75}" srcOrd="0" destOrd="0" presId="urn:microsoft.com/office/officeart/2005/8/layout/hierarchy3"/>
     <dgm:cxn modelId="{40756456-B1A5-4647-AF0B-6BC04E8D387D}" type="presParOf" srcId="{2655004E-649B-4D47-A2B9-0F2E94C643CB}" destId="{337FD4D9-A838-445B-9526-C66711C47A35}" srcOrd="0" destOrd="0" presId="urn:microsoft.com/office/officeart/2005/8/layout/hierarchy3"/>
     <dgm:cxn modelId="{BCE4A16B-AB27-4FA4-A6DD-B2C100F4B745}" type="presParOf" srcId="{337FD4D9-A838-445B-9526-C66711C47A35}" destId="{F50E9F67-7CBD-4601-8AA2-A892E09D1946}" srcOrd="0" destOrd="0" presId="urn:microsoft.com/office/officeart/2005/8/layout/hierarchy3"/>
     <dgm:cxn modelId="{4B6627DE-80EB-4875-A1ED-CE6CCC33067C}" type="presParOf" srcId="{F50E9F67-7CBD-4601-8AA2-A892E09D1946}" destId="{1F4999A6-8239-4781-8813-D424C1999DB7}" srcOrd="0" destOrd="0" presId="urn:microsoft.com/office/officeart/2005/8/layout/hierarchy3"/>
@@ -8376,6 +8499,1376 @@
       <dsp:cNvGrpSpPr/>
     </dsp:nvGrpSpPr>
     <dsp:grpSpPr/>
+    <dsp:sp modelId="{C897771F-DC93-4AD3-8C40-0F56AD012119}" macro="" textlink="">
+      <dsp:nvSpPr>
+        <dsp:cNvPr id="0" name=""/>
+        <dsp:cNvSpPr/>
+      </dsp:nvSpPr>
+      <dsp:spPr>
+        <a:xfrm>
+          <a:off x="6344328" y="2943985"/>
+          <a:ext cx="255015" cy="782048"/>
+        </a:xfrm>
+        <a:custGeom>
+          <a:avLst/>
+          <a:gdLst/>
+          <a:ahLst/>
+          <a:cxnLst/>
+          <a:rect l="0" t="0" r="0" b="0"/>
+          <a:pathLst>
+            <a:path>
+              <a:moveTo>
+                <a:pt x="0" y="0"/>
+              </a:moveTo>
+              <a:lnTo>
+                <a:pt x="0" y="782048"/>
+              </a:lnTo>
+              <a:lnTo>
+                <a:pt x="255015" y="782048"/>
+              </a:lnTo>
+            </a:path>
+          </a:pathLst>
+        </a:custGeom>
+        <a:noFill/>
+        <a:ln w="25400" cap="flat" cmpd="sng" algn="ctr">
+          <a:solidFill>
+            <a:schemeClr val="accent4">
+              <a:shade val="80000"/>
+              <a:hueOff val="0"/>
+              <a:satOff val="0"/>
+              <a:lumOff val="0"/>
+              <a:alphaOff val="0"/>
+            </a:schemeClr>
+          </a:solidFill>
+          <a:prstDash val="solid"/>
+        </a:ln>
+        <a:effectLst/>
+      </dsp:spPr>
+      <dsp:style>
+        <a:lnRef idx="2">
+          <a:scrgbClr r="0" g="0" b="0"/>
+        </a:lnRef>
+        <a:fillRef idx="0">
+          <a:scrgbClr r="0" g="0" b="0"/>
+        </a:fillRef>
+        <a:effectRef idx="0">
+          <a:scrgbClr r="0" g="0" b="0"/>
+        </a:effectRef>
+        <a:fontRef idx="minor"/>
+      </dsp:style>
+    </dsp:sp>
+    <dsp:sp modelId="{7067C38B-1810-4DB2-B807-5CCA43081905}" macro="" textlink="">
+      <dsp:nvSpPr>
+        <dsp:cNvPr id="0" name=""/>
+        <dsp:cNvSpPr/>
+      </dsp:nvSpPr>
+      <dsp:spPr>
+        <a:xfrm>
+          <a:off x="3938680" y="1736911"/>
+          <a:ext cx="3085689" cy="357021"/>
+        </a:xfrm>
+        <a:custGeom>
+          <a:avLst/>
+          <a:gdLst/>
+          <a:ahLst/>
+          <a:cxnLst/>
+          <a:rect l="0" t="0" r="0" b="0"/>
+          <a:pathLst>
+            <a:path>
+              <a:moveTo>
+                <a:pt x="0" y="0"/>
+              </a:moveTo>
+              <a:lnTo>
+                <a:pt x="0" y="178510"/>
+              </a:lnTo>
+              <a:lnTo>
+                <a:pt x="3085689" y="178510"/>
+              </a:lnTo>
+              <a:lnTo>
+                <a:pt x="3085689" y="357021"/>
+              </a:lnTo>
+            </a:path>
+          </a:pathLst>
+        </a:custGeom>
+        <a:noFill/>
+        <a:ln w="25400" cap="flat" cmpd="sng" algn="ctr">
+          <a:solidFill>
+            <a:schemeClr val="accent4">
+              <a:shade val="60000"/>
+              <a:hueOff val="0"/>
+              <a:satOff val="0"/>
+              <a:lumOff val="0"/>
+              <a:alphaOff val="0"/>
+            </a:schemeClr>
+          </a:solidFill>
+          <a:prstDash val="solid"/>
+        </a:ln>
+        <a:effectLst/>
+      </dsp:spPr>
+      <dsp:style>
+        <a:lnRef idx="2">
+          <a:scrgbClr r="0" g="0" b="0"/>
+        </a:lnRef>
+        <a:fillRef idx="0">
+          <a:scrgbClr r="0" g="0" b="0"/>
+        </a:fillRef>
+        <a:effectRef idx="0">
+          <a:scrgbClr r="0" g="0" b="0"/>
+        </a:effectRef>
+        <a:fontRef idx="minor"/>
+      </dsp:style>
+    </dsp:sp>
+    <dsp:sp modelId="{67F2C483-67D0-4A41-8A9B-9354F34B051C}" macro="" textlink="">
+      <dsp:nvSpPr>
+        <dsp:cNvPr id="0" name=""/>
+        <dsp:cNvSpPr/>
+      </dsp:nvSpPr>
+      <dsp:spPr>
+        <a:xfrm>
+          <a:off x="3938680" y="1736911"/>
+          <a:ext cx="1028563" cy="357021"/>
+        </a:xfrm>
+        <a:custGeom>
+          <a:avLst/>
+          <a:gdLst/>
+          <a:ahLst/>
+          <a:cxnLst/>
+          <a:rect l="0" t="0" r="0" b="0"/>
+          <a:pathLst>
+            <a:path>
+              <a:moveTo>
+                <a:pt x="0" y="0"/>
+              </a:moveTo>
+              <a:lnTo>
+                <a:pt x="0" y="178510"/>
+              </a:lnTo>
+              <a:lnTo>
+                <a:pt x="1028563" y="178510"/>
+              </a:lnTo>
+              <a:lnTo>
+                <a:pt x="1028563" y="357021"/>
+              </a:lnTo>
+            </a:path>
+          </a:pathLst>
+        </a:custGeom>
+        <a:noFill/>
+        <a:ln w="25400" cap="flat" cmpd="sng" algn="ctr">
+          <a:solidFill>
+            <a:schemeClr val="accent4">
+              <a:shade val="60000"/>
+              <a:hueOff val="0"/>
+              <a:satOff val="0"/>
+              <a:lumOff val="0"/>
+              <a:alphaOff val="0"/>
+            </a:schemeClr>
+          </a:solidFill>
+          <a:prstDash val="solid"/>
+        </a:ln>
+        <a:effectLst/>
+      </dsp:spPr>
+      <dsp:style>
+        <a:lnRef idx="2">
+          <a:scrgbClr r="0" g="0" b="0"/>
+        </a:lnRef>
+        <a:fillRef idx="0">
+          <a:scrgbClr r="0" g="0" b="0"/>
+        </a:fillRef>
+        <a:effectRef idx="0">
+          <a:scrgbClr r="0" g="0" b="0"/>
+        </a:effectRef>
+        <a:fontRef idx="minor"/>
+      </dsp:style>
+    </dsp:sp>
+    <dsp:sp modelId="{5F0C548B-D49C-4B81-89F6-6D921674CBC8}" macro="" textlink="">
+      <dsp:nvSpPr>
+        <dsp:cNvPr id="0" name=""/>
+        <dsp:cNvSpPr/>
+      </dsp:nvSpPr>
+      <dsp:spPr>
+        <a:xfrm>
+          <a:off x="2230075" y="2943985"/>
+          <a:ext cx="255015" cy="782048"/>
+        </a:xfrm>
+        <a:custGeom>
+          <a:avLst/>
+          <a:gdLst/>
+          <a:ahLst/>
+          <a:cxnLst/>
+          <a:rect l="0" t="0" r="0" b="0"/>
+          <a:pathLst>
+            <a:path>
+              <a:moveTo>
+                <a:pt x="0" y="0"/>
+              </a:moveTo>
+              <a:lnTo>
+                <a:pt x="0" y="782048"/>
+              </a:lnTo>
+              <a:lnTo>
+                <a:pt x="255015" y="782048"/>
+              </a:lnTo>
+            </a:path>
+          </a:pathLst>
+        </a:custGeom>
+        <a:noFill/>
+        <a:ln w="25400" cap="flat" cmpd="sng" algn="ctr">
+          <a:solidFill>
+            <a:schemeClr val="accent4">
+              <a:shade val="80000"/>
+              <a:hueOff val="0"/>
+              <a:satOff val="0"/>
+              <a:lumOff val="0"/>
+              <a:alphaOff val="0"/>
+            </a:schemeClr>
+          </a:solidFill>
+          <a:prstDash val="solid"/>
+        </a:ln>
+        <a:effectLst/>
+      </dsp:spPr>
+      <dsp:style>
+        <a:lnRef idx="2">
+          <a:scrgbClr r="0" g="0" b="0"/>
+        </a:lnRef>
+        <a:fillRef idx="0">
+          <a:scrgbClr r="0" g="0" b="0"/>
+        </a:fillRef>
+        <a:effectRef idx="0">
+          <a:scrgbClr r="0" g="0" b="0"/>
+        </a:effectRef>
+        <a:fontRef idx="minor"/>
+      </dsp:style>
+    </dsp:sp>
+    <dsp:sp modelId="{81A24B65-9686-48A3-8394-FE12A9A3486A}" macro="" textlink="">
+      <dsp:nvSpPr>
+        <dsp:cNvPr id="0" name=""/>
+        <dsp:cNvSpPr/>
+      </dsp:nvSpPr>
+      <dsp:spPr>
+        <a:xfrm>
+          <a:off x="2910117" y="1736911"/>
+          <a:ext cx="1028563" cy="357021"/>
+        </a:xfrm>
+        <a:custGeom>
+          <a:avLst/>
+          <a:gdLst/>
+          <a:ahLst/>
+          <a:cxnLst/>
+          <a:rect l="0" t="0" r="0" b="0"/>
+          <a:pathLst>
+            <a:path>
+              <a:moveTo>
+                <a:pt x="1028563" y="0"/>
+              </a:moveTo>
+              <a:lnTo>
+                <a:pt x="1028563" y="178510"/>
+              </a:lnTo>
+              <a:lnTo>
+                <a:pt x="0" y="178510"/>
+              </a:lnTo>
+              <a:lnTo>
+                <a:pt x="0" y="357021"/>
+              </a:lnTo>
+            </a:path>
+          </a:pathLst>
+        </a:custGeom>
+        <a:noFill/>
+        <a:ln w="25400" cap="flat" cmpd="sng" algn="ctr">
+          <a:solidFill>
+            <a:schemeClr val="accent4">
+              <a:shade val="60000"/>
+              <a:hueOff val="0"/>
+              <a:satOff val="0"/>
+              <a:lumOff val="0"/>
+              <a:alphaOff val="0"/>
+            </a:schemeClr>
+          </a:solidFill>
+          <a:prstDash val="solid"/>
+        </a:ln>
+        <a:effectLst/>
+      </dsp:spPr>
+      <dsp:style>
+        <a:lnRef idx="2">
+          <a:scrgbClr r="0" g="0" b="0"/>
+        </a:lnRef>
+        <a:fillRef idx="0">
+          <a:scrgbClr r="0" g="0" b="0"/>
+        </a:fillRef>
+        <a:effectRef idx="0">
+          <a:scrgbClr r="0" g="0" b="0"/>
+        </a:effectRef>
+        <a:fontRef idx="minor"/>
+      </dsp:style>
+    </dsp:sp>
+    <dsp:sp modelId="{424B6412-A3F9-4720-A8EB-462E252393E7}" macro="" textlink="">
+      <dsp:nvSpPr>
+        <dsp:cNvPr id="0" name=""/>
+        <dsp:cNvSpPr/>
+      </dsp:nvSpPr>
+      <dsp:spPr>
+        <a:xfrm>
+          <a:off x="172949" y="2943985"/>
+          <a:ext cx="255015" cy="782048"/>
+        </a:xfrm>
+        <a:custGeom>
+          <a:avLst/>
+          <a:gdLst/>
+          <a:ahLst/>
+          <a:cxnLst/>
+          <a:rect l="0" t="0" r="0" b="0"/>
+          <a:pathLst>
+            <a:path>
+              <a:moveTo>
+                <a:pt x="0" y="0"/>
+              </a:moveTo>
+              <a:lnTo>
+                <a:pt x="0" y="782048"/>
+              </a:lnTo>
+              <a:lnTo>
+                <a:pt x="255015" y="782048"/>
+              </a:lnTo>
+            </a:path>
+          </a:pathLst>
+        </a:custGeom>
+        <a:noFill/>
+        <a:ln w="25400" cap="flat" cmpd="sng" algn="ctr">
+          <a:solidFill>
+            <a:schemeClr val="accent4">
+              <a:shade val="80000"/>
+              <a:hueOff val="0"/>
+              <a:satOff val="0"/>
+              <a:lumOff val="0"/>
+              <a:alphaOff val="0"/>
+            </a:schemeClr>
+          </a:solidFill>
+          <a:prstDash val="solid"/>
+        </a:ln>
+        <a:effectLst/>
+      </dsp:spPr>
+      <dsp:style>
+        <a:lnRef idx="2">
+          <a:scrgbClr r="0" g="0" b="0"/>
+        </a:lnRef>
+        <a:fillRef idx="0">
+          <a:scrgbClr r="0" g="0" b="0"/>
+        </a:fillRef>
+        <a:effectRef idx="0">
+          <a:scrgbClr r="0" g="0" b="0"/>
+        </a:effectRef>
+        <a:fontRef idx="minor"/>
+      </dsp:style>
+    </dsp:sp>
+    <dsp:sp modelId="{9D5B2E90-2AC1-455B-80B7-33F8B232A31B}" macro="" textlink="">
+      <dsp:nvSpPr>
+        <dsp:cNvPr id="0" name=""/>
+        <dsp:cNvSpPr/>
+      </dsp:nvSpPr>
+      <dsp:spPr>
+        <a:xfrm>
+          <a:off x="852991" y="1736911"/>
+          <a:ext cx="3085689" cy="357021"/>
+        </a:xfrm>
+        <a:custGeom>
+          <a:avLst/>
+          <a:gdLst/>
+          <a:ahLst/>
+          <a:cxnLst/>
+          <a:rect l="0" t="0" r="0" b="0"/>
+          <a:pathLst>
+            <a:path>
+              <a:moveTo>
+                <a:pt x="3085689" y="0"/>
+              </a:moveTo>
+              <a:lnTo>
+                <a:pt x="3085689" y="178510"/>
+              </a:lnTo>
+              <a:lnTo>
+                <a:pt x="0" y="178510"/>
+              </a:lnTo>
+              <a:lnTo>
+                <a:pt x="0" y="357021"/>
+              </a:lnTo>
+            </a:path>
+          </a:pathLst>
+        </a:custGeom>
+        <a:noFill/>
+        <a:ln w="25400" cap="flat" cmpd="sng" algn="ctr">
+          <a:solidFill>
+            <a:schemeClr val="accent4">
+              <a:shade val="60000"/>
+              <a:hueOff val="0"/>
+              <a:satOff val="0"/>
+              <a:lumOff val="0"/>
+              <a:alphaOff val="0"/>
+            </a:schemeClr>
+          </a:solidFill>
+          <a:prstDash val="solid"/>
+        </a:ln>
+        <a:effectLst/>
+      </dsp:spPr>
+      <dsp:style>
+        <a:lnRef idx="2">
+          <a:scrgbClr r="0" g="0" b="0"/>
+        </a:lnRef>
+        <a:fillRef idx="0">
+          <a:scrgbClr r="0" g="0" b="0"/>
+        </a:fillRef>
+        <a:effectRef idx="0">
+          <a:scrgbClr r="0" g="0" b="0"/>
+        </a:effectRef>
+        <a:fontRef idx="minor"/>
+      </dsp:style>
+    </dsp:sp>
+    <dsp:sp modelId="{C36AD766-0A53-48DB-95A4-97671A3B4CB3}" macro="" textlink="">
+      <dsp:nvSpPr>
+        <dsp:cNvPr id="0" name=""/>
+        <dsp:cNvSpPr/>
+      </dsp:nvSpPr>
+      <dsp:spPr>
+        <a:xfrm>
+          <a:off x="3088628" y="886859"/>
+          <a:ext cx="1700104" cy="850052"/>
+        </a:xfrm>
+        <a:prstGeom prst="rect">
+          <a:avLst/>
+        </a:prstGeom>
+        <a:gradFill rotWithShape="0">
+          <a:gsLst>
+            <a:gs pos="0">
+              <a:schemeClr val="lt1">
+                <a:hueOff val="0"/>
+                <a:satOff val="0"/>
+                <a:lumOff val="0"/>
+                <a:alphaOff val="0"/>
+                <a:shade val="51000"/>
+                <a:satMod val="130000"/>
+              </a:schemeClr>
+            </a:gs>
+            <a:gs pos="80000">
+              <a:schemeClr val="lt1">
+                <a:hueOff val="0"/>
+                <a:satOff val="0"/>
+                <a:lumOff val="0"/>
+                <a:alphaOff val="0"/>
+                <a:shade val="93000"/>
+                <a:satMod val="130000"/>
+              </a:schemeClr>
+            </a:gs>
+            <a:gs pos="100000">
+              <a:schemeClr val="lt1">
+                <a:hueOff val="0"/>
+                <a:satOff val="0"/>
+                <a:lumOff val="0"/>
+                <a:alphaOff val="0"/>
+                <a:shade val="94000"/>
+                <a:satMod val="135000"/>
+              </a:schemeClr>
+            </a:gs>
+          </a:gsLst>
+          <a:lin ang="16200000" scaled="0"/>
+        </a:gradFill>
+        <a:ln>
+          <a:noFill/>
+        </a:ln>
+        <a:effectLst>
+          <a:outerShdw blurRad="40000" dist="23000" dir="5400000" rotWithShape="0">
+            <a:srgbClr val="000000">
+              <a:alpha val="35000"/>
+            </a:srgbClr>
+          </a:outerShdw>
+        </a:effectLst>
+        <a:scene3d>
+          <a:camera prst="orthographicFront">
+            <a:rot lat="0" lon="0" rev="0"/>
+          </a:camera>
+          <a:lightRig rig="threePt" dir="t">
+            <a:rot lat="0" lon="0" rev="1200000"/>
+          </a:lightRig>
+        </a:scene3d>
+        <a:sp3d>
+          <a:bevelT w="63500" h="25400"/>
+        </a:sp3d>
+      </dsp:spPr>
+      <dsp:style>
+        <a:lnRef idx="0">
+          <a:scrgbClr r="0" g="0" b="0"/>
+        </a:lnRef>
+        <a:fillRef idx="3">
+          <a:scrgbClr r="0" g="0" b="0"/>
+        </a:fillRef>
+        <a:effectRef idx="3">
+          <a:scrgbClr r="0" g="0" b="0"/>
+        </a:effectRef>
+        <a:fontRef idx="minor">
+          <a:schemeClr val="lt1"/>
+        </a:fontRef>
+      </dsp:style>
+      <dsp:txBody>
+        <a:bodyPr spcFirstLastPara="0" vert="horz" wrap="square" lIns="12700" tIns="12700" rIns="12700" bIns="12700" numCol="1" spcCol="1270" anchor="ctr" anchorCtr="0">
+          <a:noAutofit/>
+        </a:bodyPr>
+        <a:lstStyle/>
+        <a:p>
+          <a:pPr lvl="0" algn="ctr" defTabSz="889000">
+            <a:lnSpc>
+              <a:spcPct val="90000"/>
+            </a:lnSpc>
+            <a:spcBef>
+              <a:spcPct val="0"/>
+            </a:spcBef>
+            <a:spcAft>
+              <a:spcPct val="35000"/>
+            </a:spcAft>
+          </a:pPr>
+          <a:r>
+            <a:rPr lang="es-CL" sz="2000" b="1" kern="1200" dirty="0" smtClean="0">
+              <a:latin typeface="Calibri" pitchFamily="34" charset="0"/>
+              <a:cs typeface="Calibri" pitchFamily="34" charset="0"/>
+            </a:rPr>
+            <a:t>Gerente General</a:t>
+          </a:r>
+          <a:endParaRPr lang="es-CL" sz="2000" b="1" kern="1200" dirty="0">
+            <a:latin typeface="Calibri" pitchFamily="34" charset="0"/>
+            <a:cs typeface="Calibri" pitchFamily="34" charset="0"/>
+          </a:endParaRPr>
+        </a:p>
+      </dsp:txBody>
+      <dsp:txXfrm>
+        <a:off x="3088628" y="886859"/>
+        <a:ext cx="1700104" cy="850052"/>
+      </dsp:txXfrm>
+    </dsp:sp>
+    <dsp:sp modelId="{8EB25D34-DFC9-49A5-A024-B06E604BE7C9}" macro="" textlink="">
+      <dsp:nvSpPr>
+        <dsp:cNvPr id="0" name=""/>
+        <dsp:cNvSpPr/>
+      </dsp:nvSpPr>
+      <dsp:spPr>
+        <a:xfrm>
+          <a:off x="2939" y="2093933"/>
+          <a:ext cx="1700104" cy="850052"/>
+        </a:xfrm>
+        <a:prstGeom prst="rect">
+          <a:avLst/>
+        </a:prstGeom>
+        <a:gradFill rotWithShape="0">
+          <a:gsLst>
+            <a:gs pos="0">
+              <a:schemeClr val="lt1">
+                <a:hueOff val="0"/>
+                <a:satOff val="0"/>
+                <a:lumOff val="0"/>
+                <a:alphaOff val="0"/>
+                <a:shade val="51000"/>
+                <a:satMod val="130000"/>
+              </a:schemeClr>
+            </a:gs>
+            <a:gs pos="80000">
+              <a:schemeClr val="lt1">
+                <a:hueOff val="0"/>
+                <a:satOff val="0"/>
+                <a:lumOff val="0"/>
+                <a:alphaOff val="0"/>
+                <a:shade val="93000"/>
+                <a:satMod val="130000"/>
+              </a:schemeClr>
+            </a:gs>
+            <a:gs pos="100000">
+              <a:schemeClr val="lt1">
+                <a:hueOff val="0"/>
+                <a:satOff val="0"/>
+                <a:lumOff val="0"/>
+                <a:alphaOff val="0"/>
+                <a:shade val="94000"/>
+                <a:satMod val="135000"/>
+              </a:schemeClr>
+            </a:gs>
+          </a:gsLst>
+          <a:lin ang="16200000" scaled="0"/>
+        </a:gradFill>
+        <a:ln>
+          <a:noFill/>
+        </a:ln>
+        <a:effectLst>
+          <a:outerShdw blurRad="40000" dist="23000" dir="5400000" rotWithShape="0">
+            <a:srgbClr val="000000">
+              <a:alpha val="35000"/>
+            </a:srgbClr>
+          </a:outerShdw>
+        </a:effectLst>
+        <a:scene3d>
+          <a:camera prst="orthographicFront">
+            <a:rot lat="0" lon="0" rev="0"/>
+          </a:camera>
+          <a:lightRig rig="threePt" dir="t">
+            <a:rot lat="0" lon="0" rev="1200000"/>
+          </a:lightRig>
+        </a:scene3d>
+        <a:sp3d>
+          <a:bevelT w="63500" h="25400"/>
+        </a:sp3d>
+      </dsp:spPr>
+      <dsp:style>
+        <a:lnRef idx="0">
+          <a:scrgbClr r="0" g="0" b="0"/>
+        </a:lnRef>
+        <a:fillRef idx="3">
+          <a:scrgbClr r="0" g="0" b="0"/>
+        </a:fillRef>
+        <a:effectRef idx="3">
+          <a:scrgbClr r="0" g="0" b="0"/>
+        </a:effectRef>
+        <a:fontRef idx="minor">
+          <a:schemeClr val="lt1"/>
+        </a:fontRef>
+      </dsp:style>
+      <dsp:txBody>
+        <a:bodyPr spcFirstLastPara="0" vert="horz" wrap="square" lIns="12700" tIns="12700" rIns="12700" bIns="12700" numCol="1" spcCol="1270" anchor="ctr" anchorCtr="0">
+          <a:noAutofit/>
+        </a:bodyPr>
+        <a:lstStyle/>
+        <a:p>
+          <a:pPr lvl="0" algn="ctr" defTabSz="889000">
+            <a:lnSpc>
+              <a:spcPct val="90000"/>
+            </a:lnSpc>
+            <a:spcBef>
+              <a:spcPct val="0"/>
+            </a:spcBef>
+            <a:spcAft>
+              <a:spcPct val="35000"/>
+            </a:spcAft>
+          </a:pPr>
+          <a:r>
+            <a:rPr lang="es-CL" sz="2000" b="1" kern="1200" dirty="0" smtClean="0">
+              <a:latin typeface="Calibri" pitchFamily="34" charset="0"/>
+              <a:cs typeface="Calibri" pitchFamily="34" charset="0"/>
+            </a:rPr>
+            <a:t>Supervisor Técnicos</a:t>
+          </a:r>
+          <a:endParaRPr lang="es-CL" sz="2000" b="1" kern="1200" dirty="0">
+            <a:latin typeface="Calibri" pitchFamily="34" charset="0"/>
+            <a:cs typeface="Calibri" pitchFamily="34" charset="0"/>
+          </a:endParaRPr>
+        </a:p>
+      </dsp:txBody>
+      <dsp:txXfrm>
+        <a:off x="2939" y="2093933"/>
+        <a:ext cx="1700104" cy="850052"/>
+      </dsp:txXfrm>
+    </dsp:sp>
+    <dsp:sp modelId="{D46C28A6-FB4D-445D-9E8A-E8F532501D09}" macro="" textlink="">
+      <dsp:nvSpPr>
+        <dsp:cNvPr id="0" name=""/>
+        <dsp:cNvSpPr/>
+      </dsp:nvSpPr>
+      <dsp:spPr>
+        <a:xfrm>
+          <a:off x="427965" y="3301007"/>
+          <a:ext cx="1700104" cy="850052"/>
+        </a:xfrm>
+        <a:prstGeom prst="rect">
+          <a:avLst/>
+        </a:prstGeom>
+        <a:gradFill rotWithShape="0">
+          <a:gsLst>
+            <a:gs pos="0">
+              <a:schemeClr val="lt1">
+                <a:hueOff val="0"/>
+                <a:satOff val="0"/>
+                <a:lumOff val="0"/>
+                <a:alphaOff val="0"/>
+                <a:shade val="51000"/>
+                <a:satMod val="130000"/>
+              </a:schemeClr>
+            </a:gs>
+            <a:gs pos="80000">
+              <a:schemeClr val="lt1">
+                <a:hueOff val="0"/>
+                <a:satOff val="0"/>
+                <a:lumOff val="0"/>
+                <a:alphaOff val="0"/>
+                <a:shade val="93000"/>
+                <a:satMod val="130000"/>
+              </a:schemeClr>
+            </a:gs>
+            <a:gs pos="100000">
+              <a:schemeClr val="lt1">
+                <a:hueOff val="0"/>
+                <a:satOff val="0"/>
+                <a:lumOff val="0"/>
+                <a:alphaOff val="0"/>
+                <a:shade val="94000"/>
+                <a:satMod val="135000"/>
+              </a:schemeClr>
+            </a:gs>
+          </a:gsLst>
+          <a:lin ang="16200000" scaled="0"/>
+        </a:gradFill>
+        <a:ln>
+          <a:noFill/>
+        </a:ln>
+        <a:effectLst>
+          <a:outerShdw blurRad="40000" dist="23000" dir="5400000" rotWithShape="0">
+            <a:srgbClr val="000000">
+              <a:alpha val="35000"/>
+            </a:srgbClr>
+          </a:outerShdw>
+        </a:effectLst>
+        <a:scene3d>
+          <a:camera prst="orthographicFront">
+            <a:rot lat="0" lon="0" rev="0"/>
+          </a:camera>
+          <a:lightRig rig="threePt" dir="t">
+            <a:rot lat="0" lon="0" rev="1200000"/>
+          </a:lightRig>
+        </a:scene3d>
+        <a:sp3d>
+          <a:bevelT w="63500" h="25400"/>
+        </a:sp3d>
+      </dsp:spPr>
+      <dsp:style>
+        <a:lnRef idx="0">
+          <a:scrgbClr r="0" g="0" b="0"/>
+        </a:lnRef>
+        <a:fillRef idx="3">
+          <a:scrgbClr r="0" g="0" b="0"/>
+        </a:fillRef>
+        <a:effectRef idx="3">
+          <a:scrgbClr r="0" g="0" b="0"/>
+        </a:effectRef>
+        <a:fontRef idx="minor">
+          <a:schemeClr val="lt1"/>
+        </a:fontRef>
+      </dsp:style>
+      <dsp:txBody>
+        <a:bodyPr spcFirstLastPara="0" vert="horz" wrap="square" lIns="12700" tIns="12700" rIns="12700" bIns="12700" numCol="1" spcCol="1270" anchor="ctr" anchorCtr="0">
+          <a:noAutofit/>
+        </a:bodyPr>
+        <a:lstStyle/>
+        <a:p>
+          <a:pPr lvl="0" algn="ctr" defTabSz="889000">
+            <a:lnSpc>
+              <a:spcPct val="90000"/>
+            </a:lnSpc>
+            <a:spcBef>
+              <a:spcPct val="0"/>
+            </a:spcBef>
+            <a:spcAft>
+              <a:spcPct val="35000"/>
+            </a:spcAft>
+          </a:pPr>
+          <a:r>
+            <a:rPr lang="es-CL" sz="2000" b="1" kern="1200" dirty="0" smtClean="0">
+              <a:latin typeface="Calibri" pitchFamily="34" charset="0"/>
+              <a:cs typeface="Calibri" pitchFamily="34" charset="0"/>
+            </a:rPr>
+            <a:t>Técnicos</a:t>
+          </a:r>
+          <a:endParaRPr lang="es-CL" sz="2000" b="1" kern="1200" dirty="0">
+            <a:latin typeface="Calibri" pitchFamily="34" charset="0"/>
+            <a:cs typeface="Calibri" pitchFamily="34" charset="0"/>
+          </a:endParaRPr>
+        </a:p>
+      </dsp:txBody>
+      <dsp:txXfrm>
+        <a:off x="427965" y="3301007"/>
+        <a:ext cx="1700104" cy="850052"/>
+      </dsp:txXfrm>
+    </dsp:sp>
+    <dsp:sp modelId="{7A4B2369-BDEA-49EF-9522-5EA17E36EC89}" macro="" textlink="">
+      <dsp:nvSpPr>
+        <dsp:cNvPr id="0" name=""/>
+        <dsp:cNvSpPr/>
+      </dsp:nvSpPr>
+      <dsp:spPr>
+        <a:xfrm>
+          <a:off x="2060065" y="2093933"/>
+          <a:ext cx="1700104" cy="850052"/>
+        </a:xfrm>
+        <a:prstGeom prst="rect">
+          <a:avLst/>
+        </a:prstGeom>
+        <a:gradFill rotWithShape="0">
+          <a:gsLst>
+            <a:gs pos="0">
+              <a:schemeClr val="lt1">
+                <a:hueOff val="0"/>
+                <a:satOff val="0"/>
+                <a:lumOff val="0"/>
+                <a:alphaOff val="0"/>
+                <a:shade val="51000"/>
+                <a:satMod val="130000"/>
+              </a:schemeClr>
+            </a:gs>
+            <a:gs pos="80000">
+              <a:schemeClr val="lt1">
+                <a:hueOff val="0"/>
+                <a:satOff val="0"/>
+                <a:lumOff val="0"/>
+                <a:alphaOff val="0"/>
+                <a:shade val="93000"/>
+                <a:satMod val="130000"/>
+              </a:schemeClr>
+            </a:gs>
+            <a:gs pos="100000">
+              <a:schemeClr val="lt1">
+                <a:hueOff val="0"/>
+                <a:satOff val="0"/>
+                <a:lumOff val="0"/>
+                <a:alphaOff val="0"/>
+                <a:shade val="94000"/>
+                <a:satMod val="135000"/>
+              </a:schemeClr>
+            </a:gs>
+          </a:gsLst>
+          <a:lin ang="16200000" scaled="0"/>
+        </a:gradFill>
+        <a:ln>
+          <a:noFill/>
+        </a:ln>
+        <a:effectLst>
+          <a:outerShdw blurRad="40000" dist="23000" dir="5400000" rotWithShape="0">
+            <a:srgbClr val="000000">
+              <a:alpha val="35000"/>
+            </a:srgbClr>
+          </a:outerShdw>
+        </a:effectLst>
+        <a:scene3d>
+          <a:camera prst="orthographicFront">
+            <a:rot lat="0" lon="0" rev="0"/>
+          </a:camera>
+          <a:lightRig rig="threePt" dir="t">
+            <a:rot lat="0" lon="0" rev="1200000"/>
+          </a:lightRig>
+        </a:scene3d>
+        <a:sp3d>
+          <a:bevelT w="63500" h="25400"/>
+        </a:sp3d>
+      </dsp:spPr>
+      <dsp:style>
+        <a:lnRef idx="0">
+          <a:scrgbClr r="0" g="0" b="0"/>
+        </a:lnRef>
+        <a:fillRef idx="3">
+          <a:scrgbClr r="0" g="0" b="0"/>
+        </a:fillRef>
+        <a:effectRef idx="3">
+          <a:scrgbClr r="0" g="0" b="0"/>
+        </a:effectRef>
+        <a:fontRef idx="minor">
+          <a:schemeClr val="lt1"/>
+        </a:fontRef>
+      </dsp:style>
+      <dsp:txBody>
+        <a:bodyPr spcFirstLastPara="0" vert="horz" wrap="square" lIns="12700" tIns="12700" rIns="12700" bIns="12700" numCol="1" spcCol="1270" anchor="ctr" anchorCtr="0">
+          <a:noAutofit/>
+        </a:bodyPr>
+        <a:lstStyle/>
+        <a:p>
+          <a:pPr lvl="0" algn="ctr" defTabSz="889000">
+            <a:lnSpc>
+              <a:spcPct val="90000"/>
+            </a:lnSpc>
+            <a:spcBef>
+              <a:spcPct val="0"/>
+            </a:spcBef>
+            <a:spcAft>
+              <a:spcPct val="35000"/>
+            </a:spcAft>
+          </a:pPr>
+          <a:r>
+            <a:rPr lang="es-CL" sz="2000" b="1" kern="1200" dirty="0" smtClean="0">
+              <a:latin typeface="Calibri" pitchFamily="34" charset="0"/>
+              <a:cs typeface="Calibri" pitchFamily="34" charset="0"/>
+            </a:rPr>
+            <a:t>Supervisor Administrativo</a:t>
+          </a:r>
+          <a:endParaRPr lang="es-CL" sz="2000" b="1" kern="1200" dirty="0">
+            <a:latin typeface="Calibri" pitchFamily="34" charset="0"/>
+            <a:cs typeface="Calibri" pitchFamily="34" charset="0"/>
+          </a:endParaRPr>
+        </a:p>
+      </dsp:txBody>
+      <dsp:txXfrm>
+        <a:off x="2060065" y="2093933"/>
+        <a:ext cx="1700104" cy="850052"/>
+      </dsp:txXfrm>
+    </dsp:sp>
+    <dsp:sp modelId="{B47274DF-392A-43F8-A951-62E4C65D4027}" macro="" textlink="">
+      <dsp:nvSpPr>
+        <dsp:cNvPr id="0" name=""/>
+        <dsp:cNvSpPr/>
+      </dsp:nvSpPr>
+      <dsp:spPr>
+        <a:xfrm>
+          <a:off x="2485091" y="3301007"/>
+          <a:ext cx="1700104" cy="850052"/>
+        </a:xfrm>
+        <a:prstGeom prst="rect">
+          <a:avLst/>
+        </a:prstGeom>
+        <a:gradFill rotWithShape="0">
+          <a:gsLst>
+            <a:gs pos="0">
+              <a:schemeClr val="lt1">
+                <a:hueOff val="0"/>
+                <a:satOff val="0"/>
+                <a:lumOff val="0"/>
+                <a:alphaOff val="0"/>
+                <a:shade val="51000"/>
+                <a:satMod val="130000"/>
+              </a:schemeClr>
+            </a:gs>
+            <a:gs pos="80000">
+              <a:schemeClr val="lt1">
+                <a:hueOff val="0"/>
+                <a:satOff val="0"/>
+                <a:lumOff val="0"/>
+                <a:alphaOff val="0"/>
+                <a:shade val="93000"/>
+                <a:satMod val="130000"/>
+              </a:schemeClr>
+            </a:gs>
+            <a:gs pos="100000">
+              <a:schemeClr val="lt1">
+                <a:hueOff val="0"/>
+                <a:satOff val="0"/>
+                <a:lumOff val="0"/>
+                <a:alphaOff val="0"/>
+                <a:shade val="94000"/>
+                <a:satMod val="135000"/>
+              </a:schemeClr>
+            </a:gs>
+          </a:gsLst>
+          <a:lin ang="16200000" scaled="0"/>
+        </a:gradFill>
+        <a:ln>
+          <a:noFill/>
+        </a:ln>
+        <a:effectLst>
+          <a:outerShdw blurRad="40000" dist="23000" dir="5400000" rotWithShape="0">
+            <a:srgbClr val="000000">
+              <a:alpha val="35000"/>
+            </a:srgbClr>
+          </a:outerShdw>
+        </a:effectLst>
+        <a:scene3d>
+          <a:camera prst="orthographicFront">
+            <a:rot lat="0" lon="0" rev="0"/>
+          </a:camera>
+          <a:lightRig rig="threePt" dir="t">
+            <a:rot lat="0" lon="0" rev="1200000"/>
+          </a:lightRig>
+        </a:scene3d>
+        <a:sp3d>
+          <a:bevelT w="63500" h="25400"/>
+        </a:sp3d>
+      </dsp:spPr>
+      <dsp:style>
+        <a:lnRef idx="0">
+          <a:scrgbClr r="0" g="0" b="0"/>
+        </a:lnRef>
+        <a:fillRef idx="3">
+          <a:scrgbClr r="0" g="0" b="0"/>
+        </a:fillRef>
+        <a:effectRef idx="3">
+          <a:scrgbClr r="0" g="0" b="0"/>
+        </a:effectRef>
+        <a:fontRef idx="minor">
+          <a:schemeClr val="lt1"/>
+        </a:fontRef>
+      </dsp:style>
+      <dsp:txBody>
+        <a:bodyPr spcFirstLastPara="0" vert="horz" wrap="square" lIns="12700" tIns="12700" rIns="12700" bIns="12700" numCol="1" spcCol="1270" anchor="ctr" anchorCtr="0">
+          <a:noAutofit/>
+        </a:bodyPr>
+        <a:lstStyle/>
+        <a:p>
+          <a:pPr lvl="0" algn="ctr" defTabSz="889000">
+            <a:lnSpc>
+              <a:spcPct val="90000"/>
+            </a:lnSpc>
+            <a:spcBef>
+              <a:spcPct val="0"/>
+            </a:spcBef>
+            <a:spcAft>
+              <a:spcPct val="35000"/>
+            </a:spcAft>
+          </a:pPr>
+          <a:r>
+            <a:rPr lang="es-CL" sz="2000" b="1" kern="1200" dirty="0" smtClean="0">
+              <a:latin typeface="Calibri" pitchFamily="34" charset="0"/>
+              <a:cs typeface="Calibri" pitchFamily="34" charset="0"/>
+            </a:rPr>
+            <a:t>Administrativos</a:t>
+          </a:r>
+          <a:endParaRPr lang="es-CL" sz="2000" b="1" kern="1200" dirty="0">
+            <a:latin typeface="Calibri" pitchFamily="34" charset="0"/>
+            <a:cs typeface="Calibri" pitchFamily="34" charset="0"/>
+          </a:endParaRPr>
+        </a:p>
+      </dsp:txBody>
+      <dsp:txXfrm>
+        <a:off x="2485091" y="3301007"/>
+        <a:ext cx="1700104" cy="850052"/>
+      </dsp:txXfrm>
+    </dsp:sp>
+    <dsp:sp modelId="{FD21C7F4-091A-479B-ADF1-28E542D19193}" macro="" textlink="">
+      <dsp:nvSpPr>
+        <dsp:cNvPr id="0" name=""/>
+        <dsp:cNvSpPr/>
+      </dsp:nvSpPr>
+      <dsp:spPr>
+        <a:xfrm>
+          <a:off x="4117191" y="2093933"/>
+          <a:ext cx="1700104" cy="850052"/>
+        </a:xfrm>
+        <a:prstGeom prst="rect">
+          <a:avLst/>
+        </a:prstGeom>
+        <a:gradFill rotWithShape="0">
+          <a:gsLst>
+            <a:gs pos="0">
+              <a:schemeClr val="lt1">
+                <a:hueOff val="0"/>
+                <a:satOff val="0"/>
+                <a:lumOff val="0"/>
+                <a:alphaOff val="0"/>
+                <a:shade val="51000"/>
+                <a:satMod val="130000"/>
+              </a:schemeClr>
+            </a:gs>
+            <a:gs pos="80000">
+              <a:schemeClr val="lt1">
+                <a:hueOff val="0"/>
+                <a:satOff val="0"/>
+                <a:lumOff val="0"/>
+                <a:alphaOff val="0"/>
+                <a:shade val="93000"/>
+                <a:satMod val="130000"/>
+              </a:schemeClr>
+            </a:gs>
+            <a:gs pos="100000">
+              <a:schemeClr val="lt1">
+                <a:hueOff val="0"/>
+                <a:satOff val="0"/>
+                <a:lumOff val="0"/>
+                <a:alphaOff val="0"/>
+                <a:shade val="94000"/>
+                <a:satMod val="135000"/>
+              </a:schemeClr>
+            </a:gs>
+          </a:gsLst>
+          <a:lin ang="16200000" scaled="0"/>
+        </a:gradFill>
+        <a:ln>
+          <a:noFill/>
+        </a:ln>
+        <a:effectLst>
+          <a:outerShdw blurRad="40000" dist="23000" dir="5400000" rotWithShape="0">
+            <a:srgbClr val="000000">
+              <a:alpha val="35000"/>
+            </a:srgbClr>
+          </a:outerShdw>
+        </a:effectLst>
+        <a:scene3d>
+          <a:camera prst="orthographicFront">
+            <a:rot lat="0" lon="0" rev="0"/>
+          </a:camera>
+          <a:lightRig rig="threePt" dir="t">
+            <a:rot lat="0" lon="0" rev="1200000"/>
+          </a:lightRig>
+        </a:scene3d>
+        <a:sp3d>
+          <a:bevelT w="63500" h="25400"/>
+        </a:sp3d>
+      </dsp:spPr>
+      <dsp:style>
+        <a:lnRef idx="0">
+          <a:scrgbClr r="0" g="0" b="0"/>
+        </a:lnRef>
+        <a:fillRef idx="3">
+          <a:scrgbClr r="0" g="0" b="0"/>
+        </a:fillRef>
+        <a:effectRef idx="3">
+          <a:scrgbClr r="0" g="0" b="0"/>
+        </a:effectRef>
+        <a:fontRef idx="minor">
+          <a:schemeClr val="lt1"/>
+        </a:fontRef>
+      </dsp:style>
+      <dsp:txBody>
+        <a:bodyPr spcFirstLastPara="0" vert="horz" wrap="square" lIns="12700" tIns="12700" rIns="12700" bIns="12700" numCol="1" spcCol="1270" anchor="ctr" anchorCtr="0">
+          <a:noAutofit/>
+        </a:bodyPr>
+        <a:lstStyle/>
+        <a:p>
+          <a:pPr lvl="0" algn="ctr" defTabSz="889000">
+            <a:lnSpc>
+              <a:spcPct val="90000"/>
+            </a:lnSpc>
+            <a:spcBef>
+              <a:spcPct val="0"/>
+            </a:spcBef>
+            <a:spcAft>
+              <a:spcPct val="35000"/>
+            </a:spcAft>
+          </a:pPr>
+          <a:r>
+            <a:rPr lang="es-CL" sz="2000" b="1" kern="1200" dirty="0" smtClean="0">
+              <a:latin typeface="Calibri" pitchFamily="34" charset="0"/>
+              <a:cs typeface="Calibri" pitchFamily="34" charset="0"/>
+            </a:rPr>
+            <a:t>Recursos Humanos</a:t>
+          </a:r>
+          <a:endParaRPr lang="es-CL" sz="2000" b="1" kern="1200" dirty="0">
+            <a:latin typeface="Calibri" pitchFamily="34" charset="0"/>
+            <a:cs typeface="Calibri" pitchFamily="34" charset="0"/>
+          </a:endParaRPr>
+        </a:p>
+      </dsp:txBody>
+      <dsp:txXfrm>
+        <a:off x="4117191" y="2093933"/>
+        <a:ext cx="1700104" cy="850052"/>
+      </dsp:txXfrm>
+    </dsp:sp>
+    <dsp:sp modelId="{6AF72E91-D475-47FD-9F9A-F3F5486D3CA3}" macro="" textlink="">
+      <dsp:nvSpPr>
+        <dsp:cNvPr id="0" name=""/>
+        <dsp:cNvSpPr/>
+      </dsp:nvSpPr>
+      <dsp:spPr>
+        <a:xfrm>
+          <a:off x="6174318" y="2093933"/>
+          <a:ext cx="1700104" cy="850052"/>
+        </a:xfrm>
+        <a:prstGeom prst="rect">
+          <a:avLst/>
+        </a:prstGeom>
+        <a:gradFill rotWithShape="0">
+          <a:gsLst>
+            <a:gs pos="0">
+              <a:schemeClr val="lt1">
+                <a:hueOff val="0"/>
+                <a:satOff val="0"/>
+                <a:lumOff val="0"/>
+                <a:alphaOff val="0"/>
+                <a:shade val="51000"/>
+                <a:satMod val="130000"/>
+              </a:schemeClr>
+            </a:gs>
+            <a:gs pos="80000">
+              <a:schemeClr val="lt1">
+                <a:hueOff val="0"/>
+                <a:satOff val="0"/>
+                <a:lumOff val="0"/>
+                <a:alphaOff val="0"/>
+                <a:shade val="93000"/>
+                <a:satMod val="130000"/>
+              </a:schemeClr>
+            </a:gs>
+            <a:gs pos="100000">
+              <a:schemeClr val="lt1">
+                <a:hueOff val="0"/>
+                <a:satOff val="0"/>
+                <a:lumOff val="0"/>
+                <a:alphaOff val="0"/>
+                <a:shade val="94000"/>
+                <a:satMod val="135000"/>
+              </a:schemeClr>
+            </a:gs>
+          </a:gsLst>
+          <a:lin ang="16200000" scaled="0"/>
+        </a:gradFill>
+        <a:ln>
+          <a:noFill/>
+        </a:ln>
+        <a:effectLst>
+          <a:outerShdw blurRad="40000" dist="23000" dir="5400000" rotWithShape="0">
+            <a:srgbClr val="000000">
+              <a:alpha val="35000"/>
+            </a:srgbClr>
+          </a:outerShdw>
+        </a:effectLst>
+        <a:scene3d>
+          <a:camera prst="orthographicFront">
+            <a:rot lat="0" lon="0" rev="0"/>
+          </a:camera>
+          <a:lightRig rig="threePt" dir="t">
+            <a:rot lat="0" lon="0" rev="1200000"/>
+          </a:lightRig>
+        </a:scene3d>
+        <a:sp3d>
+          <a:bevelT w="63500" h="25400"/>
+        </a:sp3d>
+      </dsp:spPr>
+      <dsp:style>
+        <a:lnRef idx="0">
+          <a:scrgbClr r="0" g="0" b="0"/>
+        </a:lnRef>
+        <a:fillRef idx="3">
+          <a:scrgbClr r="0" g="0" b="0"/>
+        </a:fillRef>
+        <a:effectRef idx="3">
+          <a:scrgbClr r="0" g="0" b="0"/>
+        </a:effectRef>
+        <a:fontRef idx="minor">
+          <a:schemeClr val="lt1"/>
+        </a:fontRef>
+      </dsp:style>
+      <dsp:txBody>
+        <a:bodyPr spcFirstLastPara="0" vert="horz" wrap="square" lIns="12700" tIns="12700" rIns="12700" bIns="12700" numCol="1" spcCol="1270" anchor="ctr" anchorCtr="0">
+          <a:noAutofit/>
+        </a:bodyPr>
+        <a:lstStyle/>
+        <a:p>
+          <a:pPr lvl="0" algn="ctr" defTabSz="889000">
+            <a:lnSpc>
+              <a:spcPct val="90000"/>
+            </a:lnSpc>
+            <a:spcBef>
+              <a:spcPct val="0"/>
+            </a:spcBef>
+            <a:spcAft>
+              <a:spcPct val="35000"/>
+            </a:spcAft>
+          </a:pPr>
+          <a:r>
+            <a:rPr lang="es-CL" sz="2000" b="1" kern="1200" dirty="0" smtClean="0">
+              <a:latin typeface="Calibri" pitchFamily="34" charset="0"/>
+              <a:cs typeface="Calibri" pitchFamily="34" charset="0"/>
+            </a:rPr>
+            <a:t>Supervisor Recepcionista</a:t>
+          </a:r>
+          <a:endParaRPr lang="es-CL" sz="2000" b="1" kern="1200" dirty="0">
+            <a:latin typeface="Calibri" pitchFamily="34" charset="0"/>
+            <a:cs typeface="Calibri" pitchFamily="34" charset="0"/>
+          </a:endParaRPr>
+        </a:p>
+      </dsp:txBody>
+      <dsp:txXfrm>
+        <a:off x="6174318" y="2093933"/>
+        <a:ext cx="1700104" cy="850052"/>
+      </dsp:txXfrm>
+    </dsp:sp>
+    <dsp:sp modelId="{6193E13E-2838-4FF4-95E4-B0E8E77986D7}" macro="" textlink="">
+      <dsp:nvSpPr>
+        <dsp:cNvPr id="0" name=""/>
+        <dsp:cNvSpPr/>
+      </dsp:nvSpPr>
+      <dsp:spPr>
+        <a:xfrm>
+          <a:off x="6599344" y="3301007"/>
+          <a:ext cx="1700104" cy="850052"/>
+        </a:xfrm>
+        <a:prstGeom prst="rect">
+          <a:avLst/>
+        </a:prstGeom>
+        <a:gradFill rotWithShape="0">
+          <a:gsLst>
+            <a:gs pos="0">
+              <a:schemeClr val="lt1">
+                <a:hueOff val="0"/>
+                <a:satOff val="0"/>
+                <a:lumOff val="0"/>
+                <a:alphaOff val="0"/>
+                <a:shade val="51000"/>
+                <a:satMod val="130000"/>
+              </a:schemeClr>
+            </a:gs>
+            <a:gs pos="80000">
+              <a:schemeClr val="lt1">
+                <a:hueOff val="0"/>
+                <a:satOff val="0"/>
+                <a:lumOff val="0"/>
+                <a:alphaOff val="0"/>
+                <a:shade val="93000"/>
+                <a:satMod val="130000"/>
+              </a:schemeClr>
+            </a:gs>
+            <a:gs pos="100000">
+              <a:schemeClr val="lt1">
+                <a:hueOff val="0"/>
+                <a:satOff val="0"/>
+                <a:lumOff val="0"/>
+                <a:alphaOff val="0"/>
+                <a:shade val="94000"/>
+                <a:satMod val="135000"/>
+              </a:schemeClr>
+            </a:gs>
+          </a:gsLst>
+          <a:lin ang="16200000" scaled="0"/>
+        </a:gradFill>
+        <a:ln>
+          <a:noFill/>
+        </a:ln>
+        <a:effectLst>
+          <a:outerShdw blurRad="40000" dist="23000" dir="5400000" rotWithShape="0">
+            <a:srgbClr val="000000">
+              <a:alpha val="35000"/>
+            </a:srgbClr>
+          </a:outerShdw>
+        </a:effectLst>
+        <a:scene3d>
+          <a:camera prst="orthographicFront">
+            <a:rot lat="0" lon="0" rev="0"/>
+          </a:camera>
+          <a:lightRig rig="threePt" dir="t">
+            <a:rot lat="0" lon="0" rev="1200000"/>
+          </a:lightRig>
+        </a:scene3d>
+        <a:sp3d>
+          <a:bevelT w="63500" h="25400"/>
+        </a:sp3d>
+      </dsp:spPr>
+      <dsp:style>
+        <a:lnRef idx="0">
+          <a:scrgbClr r="0" g="0" b="0"/>
+        </a:lnRef>
+        <a:fillRef idx="3">
+          <a:scrgbClr r="0" g="0" b="0"/>
+        </a:fillRef>
+        <a:effectRef idx="3">
+          <a:scrgbClr r="0" g="0" b="0"/>
+        </a:effectRef>
+        <a:fontRef idx="minor">
+          <a:schemeClr val="lt1"/>
+        </a:fontRef>
+      </dsp:style>
+      <dsp:txBody>
+        <a:bodyPr spcFirstLastPara="0" vert="horz" wrap="square" lIns="12700" tIns="12700" rIns="12700" bIns="12700" numCol="1" spcCol="1270" anchor="ctr" anchorCtr="0">
+          <a:noAutofit/>
+        </a:bodyPr>
+        <a:lstStyle/>
+        <a:p>
+          <a:pPr lvl="0" algn="ctr" defTabSz="889000">
+            <a:lnSpc>
+              <a:spcPct val="90000"/>
+            </a:lnSpc>
+            <a:spcBef>
+              <a:spcPct val="0"/>
+            </a:spcBef>
+            <a:spcAft>
+              <a:spcPct val="35000"/>
+            </a:spcAft>
+          </a:pPr>
+          <a:r>
+            <a:rPr lang="es-CL" sz="2000" b="1" kern="1200" dirty="0" smtClean="0">
+              <a:latin typeface="Calibri" pitchFamily="34" charset="0"/>
+              <a:cs typeface="Calibri" pitchFamily="34" charset="0"/>
+            </a:rPr>
+            <a:t>Recepcionista</a:t>
+          </a:r>
+          <a:endParaRPr lang="es-CL" sz="2000" b="1" kern="1200" dirty="0">
+            <a:latin typeface="Calibri" pitchFamily="34" charset="0"/>
+            <a:cs typeface="Calibri" pitchFamily="34" charset="0"/>
+          </a:endParaRPr>
+        </a:p>
+      </dsp:txBody>
+      <dsp:txXfrm>
+        <a:off x="6599344" y="3301007"/>
+        <a:ext cx="1700104" cy="850052"/>
+      </dsp:txXfrm>
+    </dsp:sp>
   </dsp:spTree>
 </dgm:drawing>
 </file>
@@ -21870,7 +23363,7 @@
               <a:pPr>
                 <a:defRPr/>
               </a:pPr>
-              <a:t>25</a:t>
+              <a:t>26</a:t>
             </a:fld>
             <a:endParaRPr lang="es-ES"/>
           </a:p>
@@ -21957,7 +23450,7 @@
               <a:pPr>
                 <a:defRPr/>
               </a:pPr>
-              <a:t>26</a:t>
+              <a:t>28</a:t>
             </a:fld>
             <a:endParaRPr lang="es-ES"/>
           </a:p>
@@ -22044,7 +23537,7 @@
               <a:pPr>
                 <a:defRPr/>
               </a:pPr>
-              <a:t>27</a:t>
+              <a:t>30</a:t>
             </a:fld>
             <a:endParaRPr lang="es-ES"/>
           </a:p>
@@ -22145,7 +23638,7 @@
               <a:pPr>
                 <a:defRPr/>
               </a:pPr>
-              <a:t>29</a:t>
+              <a:t>32</a:t>
             </a:fld>
             <a:endParaRPr lang="es-ES"/>
           </a:p>
@@ -22232,7 +23725,7 @@
               <a:pPr>
                 <a:defRPr/>
               </a:pPr>
-              <a:t>30</a:t>
+              <a:t>33</a:t>
             </a:fld>
             <a:endParaRPr lang="es-ES"/>
           </a:p>
@@ -22485,7 +23978,7 @@
               <a:pPr>
                 <a:defRPr/>
               </a:pPr>
-              <a:t>31</a:t>
+              <a:t>34</a:t>
             </a:fld>
             <a:endParaRPr lang="es-ES"/>
           </a:p>
@@ -30355,6 +31848,9 @@
         </a:xfrm>
       </p:grpSpPr>
     </p:spTree>
+    <p:controls>
+      <p:control spid="11265" name="WindowsMediaPlayer1" r:id="rId2" imgW="9142857" imgH="6857143"/>
+    </p:controls>
   </p:cSld>
   <p:clrMapOvr>
     <a:masterClrMapping/>
@@ -30537,6 +32033,35 @@
           <a:chExt cx="0" cy="0"/>
         </a:xfrm>
       </p:grpSpPr>
+    </p:spTree>
+    <p:controls>
+      <p:control spid="71682" name="WindowsMediaPlayer1" r:id="rId2" imgW="9142857" imgH="6857143"/>
+    </p:controls>
+  </p:cSld>
+  <p:clrMapOvr>
+    <a:masterClrMapping/>
+  </p:clrMapOvr>
+  <p:transition/>
+</p:sld>
+</file>
+
+<file path=ppt/slides/slide26.xml><?xml version="1.0" encoding="utf-8"?>
+<p:sld xmlns:a="http://schemas.openxmlformats.org/drawingml/2006/main" xmlns:r="http://schemas.openxmlformats.org/officeDocument/2006/relationships" xmlns:p="http://schemas.openxmlformats.org/presentationml/2006/main">
+  <p:cSld>
+    <p:spTree>
+      <p:nvGrpSpPr>
+        <p:cNvPr id="1" name=""/>
+        <p:cNvGrpSpPr/>
+        <p:nvPr/>
+      </p:nvGrpSpPr>
+      <p:grpSpPr>
+        <a:xfrm>
+          <a:off x="0" y="0"/>
+          <a:ext cx="0" cy="0"/>
+          <a:chOff x="0" y="0"/>
+          <a:chExt cx="0" cy="0"/>
+        </a:xfrm>
+      </p:grpSpPr>
       <p:sp>
         <p:nvSpPr>
           <p:cNvPr id="5" name="4 CuadroTexto"/>
@@ -30670,7 +32195,36 @@
 </p:sld>
 </file>
 
-<file path=ppt/slides/slide26.xml><?xml version="1.0" encoding="utf-8"?>
+<file path=ppt/slides/slide27.xml><?xml version="1.0" encoding="utf-8"?>
+<p:sld xmlns:a="http://schemas.openxmlformats.org/drawingml/2006/main" xmlns:r="http://schemas.openxmlformats.org/officeDocument/2006/relationships" xmlns:p="http://schemas.openxmlformats.org/presentationml/2006/main">
+  <p:cSld>
+    <p:spTree>
+      <p:nvGrpSpPr>
+        <p:cNvPr id="1" name=""/>
+        <p:cNvGrpSpPr/>
+        <p:nvPr/>
+      </p:nvGrpSpPr>
+      <p:grpSpPr>
+        <a:xfrm>
+          <a:off x="0" y="0"/>
+          <a:ext cx="0" cy="0"/>
+          <a:chOff x="0" y="0"/>
+          <a:chExt cx="0" cy="0"/>
+        </a:xfrm>
+      </p:grpSpPr>
+    </p:spTree>
+    <p:controls>
+      <p:control spid="72706" name="WindowsMediaPlayer1" r:id="rId2" imgW="9142857" imgH="6857143"/>
+    </p:controls>
+  </p:cSld>
+  <p:clrMapOvr>
+    <a:masterClrMapping/>
+  </p:clrMapOvr>
+  <p:transition/>
+</p:sld>
+</file>
+
+<file path=ppt/slides/slide28.xml><?xml version="1.0" encoding="utf-8"?>
 <p:sld xmlns:a="http://schemas.openxmlformats.org/drawingml/2006/main" xmlns:r="http://schemas.openxmlformats.org/officeDocument/2006/relationships" xmlns:p="http://schemas.openxmlformats.org/presentationml/2006/main">
   <p:cSld>
     <p:spTree>
@@ -30820,7 +32374,226 @@
 </p:sld>
 </file>
 
-<file path=ppt/slides/slide27.xml><?xml version="1.0" encoding="utf-8"?>
+<file path=ppt/slides/slide29.xml><?xml version="1.0" encoding="utf-8"?>
+<p:sld xmlns:a="http://schemas.openxmlformats.org/drawingml/2006/main" xmlns:r="http://schemas.openxmlformats.org/officeDocument/2006/relationships" xmlns:p="http://schemas.openxmlformats.org/presentationml/2006/main">
+  <p:cSld>
+    <p:spTree>
+      <p:nvGrpSpPr>
+        <p:cNvPr id="1" name=""/>
+        <p:cNvGrpSpPr/>
+        <p:nvPr/>
+      </p:nvGrpSpPr>
+      <p:grpSpPr>
+        <a:xfrm>
+          <a:off x="0" y="0"/>
+          <a:ext cx="0" cy="0"/>
+          <a:chOff x="0" y="0"/>
+          <a:chExt cx="0" cy="0"/>
+        </a:xfrm>
+      </p:grpSpPr>
+    </p:spTree>
+    <p:controls>
+      <p:control spid="73730" name="WindowsMediaPlayer1" r:id="rId2" imgW="9142857" imgH="6857143"/>
+    </p:controls>
+  </p:cSld>
+  <p:clrMapOvr>
+    <a:masterClrMapping/>
+  </p:clrMapOvr>
+  <p:transition/>
+</p:sld>
+</file>
+
+<file path=ppt/slides/slide3.xml><?xml version="1.0" encoding="utf-8"?>
+<p:sld xmlns:a="http://schemas.openxmlformats.org/drawingml/2006/main" xmlns:r="http://schemas.openxmlformats.org/officeDocument/2006/relationships" xmlns:p="http://schemas.openxmlformats.org/presentationml/2006/main">
+  <p:cSld>
+    <p:spTree>
+      <p:nvGrpSpPr>
+        <p:cNvPr id="1" name=""/>
+        <p:cNvGrpSpPr/>
+        <p:nvPr/>
+      </p:nvGrpSpPr>
+      <p:grpSpPr>
+        <a:xfrm>
+          <a:off x="0" y="0"/>
+          <a:ext cx="0" cy="0"/>
+          <a:chOff x="0" y="0"/>
+          <a:chExt cx="0" cy="0"/>
+        </a:xfrm>
+      </p:grpSpPr>
+      <p:sp>
+        <p:nvSpPr>
+          <p:cNvPr id="4" name="3 CuadroTexto"/>
+          <p:cNvSpPr txBox="1"/>
+          <p:nvPr/>
+        </p:nvSpPr>
+        <p:spPr>
+          <a:xfrm>
+            <a:off x="627795" y="518614"/>
+            <a:ext cx="7915702" cy="523220"/>
+          </a:xfrm>
+          <a:prstGeom prst="rect">
+            <a:avLst/>
+          </a:prstGeom>
+          <a:noFill/>
+        </p:spPr>
+        <p:txBody>
+          <a:bodyPr wrap="square" rtlCol="0">
+            <a:spAutoFit/>
+          </a:bodyPr>
+          <a:lstStyle/>
+          <a:p>
+            <a:r>
+              <a:rPr lang="es-CL" sz="2800" b="1" cap="all" dirty="0" smtClean="0">
+                <a:ln w="9000" cmpd="sng">
+                  <a:solidFill>
+                    <a:schemeClr val="accent4">
+                      <a:shade val="50000"/>
+                      <a:satMod val="120000"/>
+                    </a:schemeClr>
+                  </a:solidFill>
+                  <a:prstDash val="solid"/>
+                </a:ln>
+                <a:gradFill>
+                  <a:gsLst>
+                    <a:gs pos="0">
+                      <a:schemeClr val="accent4">
+                        <a:shade val="20000"/>
+                        <a:satMod val="245000"/>
+                      </a:schemeClr>
+                    </a:gs>
+                    <a:gs pos="43000">
+                      <a:schemeClr val="accent4">
+                        <a:satMod val="255000"/>
+                      </a:schemeClr>
+                    </a:gs>
+                    <a:gs pos="48000">
+                      <a:schemeClr val="accent4">
+                        <a:shade val="85000"/>
+                        <a:satMod val="255000"/>
+                      </a:schemeClr>
+                    </a:gs>
+                    <a:gs pos="100000">
+                      <a:schemeClr val="accent4">
+                        <a:shade val="20000"/>
+                        <a:satMod val="245000"/>
+                      </a:schemeClr>
+                    </a:gs>
+                  </a:gsLst>
+                  <a:lin ang="5400000"/>
+                </a:gradFill>
+                <a:effectLst>
+                  <a:reflection blurRad="12700" stA="28000" endPos="45000" dist="1000" dir="5400000" sy="-100000" algn="bl" rotWithShape="0"/>
+                </a:effectLst>
+                <a:latin typeface="Arial" pitchFamily="34" charset="0"/>
+                <a:cs typeface="Arial" pitchFamily="34" charset="0"/>
+              </a:rPr>
+              <a:t>Introducción</a:t>
+            </a:r>
+            <a:endParaRPr lang="es-CL" sz="2800" b="1" cap="all" dirty="0">
+              <a:ln w="9000" cmpd="sng">
+                <a:solidFill>
+                  <a:schemeClr val="accent4">
+                    <a:shade val="50000"/>
+                    <a:satMod val="120000"/>
+                  </a:schemeClr>
+                </a:solidFill>
+                <a:prstDash val="solid"/>
+              </a:ln>
+              <a:gradFill>
+                <a:gsLst>
+                  <a:gs pos="0">
+                    <a:schemeClr val="accent4">
+                      <a:shade val="20000"/>
+                      <a:satMod val="245000"/>
+                    </a:schemeClr>
+                  </a:gs>
+                  <a:gs pos="43000">
+                    <a:schemeClr val="accent4">
+                      <a:satMod val="255000"/>
+                    </a:schemeClr>
+                  </a:gs>
+                  <a:gs pos="48000">
+                    <a:schemeClr val="accent4">
+                      <a:shade val="85000"/>
+                      <a:satMod val="255000"/>
+                    </a:schemeClr>
+                  </a:gs>
+                  <a:gs pos="100000">
+                    <a:schemeClr val="accent4">
+                      <a:shade val="20000"/>
+                      <a:satMod val="245000"/>
+                    </a:schemeClr>
+                  </a:gs>
+                </a:gsLst>
+                <a:lin ang="5400000"/>
+              </a:gradFill>
+              <a:effectLst>
+                <a:reflection blurRad="12700" stA="28000" endPos="45000" dist="1000" dir="5400000" sy="-100000" algn="bl" rotWithShape="0"/>
+              </a:effectLst>
+              <a:latin typeface="Arial" pitchFamily="34" charset="0"/>
+              <a:cs typeface="Arial" pitchFamily="34" charset="0"/>
+            </a:endParaRPr>
+          </a:p>
+        </p:txBody>
+      </p:sp>
+      <p:sp>
+        <p:nvSpPr>
+          <p:cNvPr id="5" name="4 Marcador de contenido"/>
+          <p:cNvSpPr>
+            <a:spLocks noGrp="1"/>
+          </p:cNvSpPr>
+          <p:nvPr>
+            <p:ph idx="1"/>
+          </p:nvPr>
+        </p:nvSpPr>
+        <p:spPr/>
+        <p:txBody>
+          <a:bodyPr/>
+          <a:lstStyle/>
+          <a:p>
+            <a:r>
+              <a:rPr lang="es-CL" dirty="0" smtClean="0"/>
+              <a:t>Proyecto enfocado en empresas Pymes</a:t>
+            </a:r>
+          </a:p>
+          <a:p>
+            <a:r>
+              <a:rPr lang="es-CL" dirty="0" smtClean="0"/>
+              <a:t>Servicio Técnico Electrónico</a:t>
+            </a:r>
+          </a:p>
+          <a:p>
+            <a:r>
+              <a:rPr lang="es-CL" dirty="0" smtClean="0"/>
+              <a:t>Sistema para distintas empresas</a:t>
+            </a:r>
+          </a:p>
+          <a:p>
+            <a:r>
+              <a:rPr lang="es-CL" dirty="0" smtClean="0"/>
+              <a:t>Metodología de desarrollo</a:t>
+            </a:r>
+            <a:endParaRPr lang="es-CL" dirty="0"/>
+          </a:p>
+        </p:txBody>
+      </p:sp>
+    </p:spTree>
+  </p:cSld>
+  <p:clrMapOvr>
+    <a:masterClrMapping/>
+  </p:clrMapOvr>
+  <p:transition/>
+  <p:timing>
+    <p:tnLst>
+      <p:par>
+        <p:cTn id="1" dur="indefinite" restart="never" nodeType="tmRoot"/>
+      </p:par>
+    </p:tnLst>
+  </p:timing>
+</p:sld>
+</file>
+
+<file path=ppt/slides/slide30.xml><?xml version="1.0" encoding="utf-8"?>
 <p:sld xmlns:a="http://schemas.openxmlformats.org/drawingml/2006/main" xmlns:r="http://schemas.openxmlformats.org/officeDocument/2006/relationships" xmlns:p="http://schemas.openxmlformats.org/presentationml/2006/main">
   <p:cSld>
     <p:spTree>
@@ -30970,7 +32743,7 @@
 </p:sld>
 </file>
 
-<file path=ppt/slides/slide28.xml><?xml version="1.0" encoding="utf-8"?>
+<file path=ppt/slides/slide31.xml><?xml version="1.0" encoding="utf-8"?>
 <p:sld xmlns:a="http://schemas.openxmlformats.org/drawingml/2006/main" xmlns:r="http://schemas.openxmlformats.org/officeDocument/2006/relationships" xmlns:p="http://schemas.openxmlformats.org/presentationml/2006/main">
   <p:cSld>
     <p:spTree>
@@ -31006,7 +32779,7 @@
 </p:sld>
 </file>
 
-<file path=ppt/slides/slide29.xml><?xml version="1.0" encoding="utf-8"?>
+<file path=ppt/slides/slide32.xml><?xml version="1.0" encoding="utf-8"?>
 <p:sld xmlns:a="http://schemas.openxmlformats.org/drawingml/2006/main" xmlns:r="http://schemas.openxmlformats.org/officeDocument/2006/relationships" xmlns:p="http://schemas.openxmlformats.org/presentationml/2006/main">
   <p:cSld>
     <p:spTree>
@@ -31201,197 +32974,7 @@
 </p:sld>
 </file>
 
-<file path=ppt/slides/slide3.xml><?xml version="1.0" encoding="utf-8"?>
-<p:sld xmlns:a="http://schemas.openxmlformats.org/drawingml/2006/main" xmlns:r="http://schemas.openxmlformats.org/officeDocument/2006/relationships" xmlns:p="http://schemas.openxmlformats.org/presentationml/2006/main">
-  <p:cSld>
-    <p:spTree>
-      <p:nvGrpSpPr>
-        <p:cNvPr id="1" name=""/>
-        <p:cNvGrpSpPr/>
-        <p:nvPr/>
-      </p:nvGrpSpPr>
-      <p:grpSpPr>
-        <a:xfrm>
-          <a:off x="0" y="0"/>
-          <a:ext cx="0" cy="0"/>
-          <a:chOff x="0" y="0"/>
-          <a:chExt cx="0" cy="0"/>
-        </a:xfrm>
-      </p:grpSpPr>
-      <p:sp>
-        <p:nvSpPr>
-          <p:cNvPr id="4" name="3 CuadroTexto"/>
-          <p:cNvSpPr txBox="1"/>
-          <p:nvPr/>
-        </p:nvSpPr>
-        <p:spPr>
-          <a:xfrm>
-            <a:off x="627795" y="518614"/>
-            <a:ext cx="7915702" cy="523220"/>
-          </a:xfrm>
-          <a:prstGeom prst="rect">
-            <a:avLst/>
-          </a:prstGeom>
-          <a:noFill/>
-        </p:spPr>
-        <p:txBody>
-          <a:bodyPr wrap="square" rtlCol="0">
-            <a:spAutoFit/>
-          </a:bodyPr>
-          <a:lstStyle/>
-          <a:p>
-            <a:r>
-              <a:rPr lang="es-CL" sz="2800" b="1" cap="all" dirty="0" smtClean="0">
-                <a:ln w="9000" cmpd="sng">
-                  <a:solidFill>
-                    <a:schemeClr val="accent4">
-                      <a:shade val="50000"/>
-                      <a:satMod val="120000"/>
-                    </a:schemeClr>
-                  </a:solidFill>
-                  <a:prstDash val="solid"/>
-                </a:ln>
-                <a:gradFill>
-                  <a:gsLst>
-                    <a:gs pos="0">
-                      <a:schemeClr val="accent4">
-                        <a:shade val="20000"/>
-                        <a:satMod val="245000"/>
-                      </a:schemeClr>
-                    </a:gs>
-                    <a:gs pos="43000">
-                      <a:schemeClr val="accent4">
-                        <a:satMod val="255000"/>
-                      </a:schemeClr>
-                    </a:gs>
-                    <a:gs pos="48000">
-                      <a:schemeClr val="accent4">
-                        <a:shade val="85000"/>
-                        <a:satMod val="255000"/>
-                      </a:schemeClr>
-                    </a:gs>
-                    <a:gs pos="100000">
-                      <a:schemeClr val="accent4">
-                        <a:shade val="20000"/>
-                        <a:satMod val="245000"/>
-                      </a:schemeClr>
-                    </a:gs>
-                  </a:gsLst>
-                  <a:lin ang="5400000"/>
-                </a:gradFill>
-                <a:effectLst>
-                  <a:reflection blurRad="12700" stA="28000" endPos="45000" dist="1000" dir="5400000" sy="-100000" algn="bl" rotWithShape="0"/>
-                </a:effectLst>
-                <a:latin typeface="Arial" pitchFamily="34" charset="0"/>
-                <a:cs typeface="Arial" pitchFamily="34" charset="0"/>
-              </a:rPr>
-              <a:t>Introducción</a:t>
-            </a:r>
-            <a:endParaRPr lang="es-CL" sz="2800" b="1" cap="all" dirty="0">
-              <a:ln w="9000" cmpd="sng">
-                <a:solidFill>
-                  <a:schemeClr val="accent4">
-                    <a:shade val="50000"/>
-                    <a:satMod val="120000"/>
-                  </a:schemeClr>
-                </a:solidFill>
-                <a:prstDash val="solid"/>
-              </a:ln>
-              <a:gradFill>
-                <a:gsLst>
-                  <a:gs pos="0">
-                    <a:schemeClr val="accent4">
-                      <a:shade val="20000"/>
-                      <a:satMod val="245000"/>
-                    </a:schemeClr>
-                  </a:gs>
-                  <a:gs pos="43000">
-                    <a:schemeClr val="accent4">
-                      <a:satMod val="255000"/>
-                    </a:schemeClr>
-                  </a:gs>
-                  <a:gs pos="48000">
-                    <a:schemeClr val="accent4">
-                      <a:shade val="85000"/>
-                      <a:satMod val="255000"/>
-                    </a:schemeClr>
-                  </a:gs>
-                  <a:gs pos="100000">
-                    <a:schemeClr val="accent4">
-                      <a:shade val="20000"/>
-                      <a:satMod val="245000"/>
-                    </a:schemeClr>
-                  </a:gs>
-                </a:gsLst>
-                <a:lin ang="5400000"/>
-              </a:gradFill>
-              <a:effectLst>
-                <a:reflection blurRad="12700" stA="28000" endPos="45000" dist="1000" dir="5400000" sy="-100000" algn="bl" rotWithShape="0"/>
-              </a:effectLst>
-              <a:latin typeface="Arial" pitchFamily="34" charset="0"/>
-              <a:cs typeface="Arial" pitchFamily="34" charset="0"/>
-            </a:endParaRPr>
-          </a:p>
-        </p:txBody>
-      </p:sp>
-      <p:sp>
-        <p:nvSpPr>
-          <p:cNvPr id="5" name="4 Marcador de contenido"/>
-          <p:cNvSpPr>
-            <a:spLocks noGrp="1"/>
-          </p:cNvSpPr>
-          <p:nvPr>
-            <p:ph idx="1"/>
-          </p:nvPr>
-        </p:nvSpPr>
-        <p:spPr/>
-        <p:txBody>
-          <a:bodyPr/>
-          <a:lstStyle/>
-          <a:p>
-            <a:r>
-              <a:rPr lang="es-CL" dirty="0" smtClean="0"/>
-              <a:t>Proyecto enfocado en empresas Pymes</a:t>
-            </a:r>
-          </a:p>
-          <a:p>
-            <a:r>
-              <a:rPr lang="es-CL" dirty="0" smtClean="0"/>
-              <a:t>Servicio Técnico Electrónico</a:t>
-            </a:r>
-          </a:p>
-          <a:p>
-            <a:r>
-              <a:rPr lang="es-CL" dirty="0" smtClean="0"/>
-              <a:t>Sistema para distintas empresas</a:t>
-            </a:r>
-          </a:p>
-          <a:p>
-            <a:r>
-              <a:rPr lang="es-CL" dirty="0" smtClean="0"/>
-              <a:t>Metodología de desarrollo</a:t>
-            </a:r>
-            <a:endParaRPr lang="es-CL" dirty="0"/>
-          </a:p>
-        </p:txBody>
-      </p:sp>
-    </p:spTree>
-  </p:cSld>
-  <p:clrMapOvr>
-    <a:masterClrMapping/>
-  </p:clrMapOvr>
-  <p:transition/>
-  <p:timing>
-    <p:tnLst>
-      <p:par>
-        <p:cTn id="1" dur="indefinite" restart="never" nodeType="tmRoot"/>
-      </p:par>
-    </p:tnLst>
-  </p:timing>
-</p:sld>
-</file>
-
-<file path=ppt/slides/slide30.xml><?xml version="1.0" encoding="utf-8"?>
+<file path=ppt/slides/slide33.xml><?xml version="1.0" encoding="utf-8"?>
 <p:sld xmlns:a="http://schemas.openxmlformats.org/drawingml/2006/main" xmlns:r="http://schemas.openxmlformats.org/officeDocument/2006/relationships" xmlns:p="http://schemas.openxmlformats.org/presentationml/2006/main">
   <p:cSld>
     <p:spTree>
@@ -31567,7 +33150,7 @@
 </p:sld>
 </file>
 
-<file path=ppt/slides/slide31.xml><?xml version="1.0" encoding="utf-8"?>
+<file path=ppt/slides/slide34.xml><?xml version="1.0" encoding="utf-8"?>
 <p:sld xmlns:a="http://schemas.openxmlformats.org/drawingml/2006/main" xmlns:r="http://schemas.openxmlformats.org/officeDocument/2006/relationships" xmlns:p="http://schemas.openxmlformats.org/presentationml/2006/main">
   <p:cSld>
     <p:spTree>

--- a/sigset/documentos/Documentos finales/Presentacion.pptx
+++ b/sigset/documentos/Documentos finales/Presentacion.pptx
@@ -207,8 +207,8 @@
   <ax:ocxPr ax:name="SAMIFilename" ax:value=""/>
   <ax:ocxPr ax:name="captioningID" ax:value=""/>
   <ax:ocxPr ax:name="enableErrorDialogs" ax:value="0"/>
-  <ax:ocxPr ax:name="_cx" ax:value="25400"/>
-  <ax:ocxPr ax:name="_cy" ax:value="19050"/>
+  <ax:ocxPr ax:name="_cx" ax:value="25396"/>
+  <ax:ocxPr ax:name="_cy" ax:value="19046"/>
 </ax:ocx>
 </file>
 
@@ -237,8 +237,8 @@
   <ax:ocxPr ax:name="SAMIFilename" ax:value=""/>
   <ax:ocxPr ax:name="captioningID" ax:value=""/>
   <ax:ocxPr ax:name="enableErrorDialogs" ax:value="0"/>
-  <ax:ocxPr ax:name="_cx" ax:value="25400"/>
-  <ax:ocxPr ax:name="_cy" ax:value="19050"/>
+  <ax:ocxPr ax:name="_cx" ax:value="25396"/>
+  <ax:ocxPr ax:name="_cy" ax:value="19046"/>
 </ax:ocx>
 </file>
 
@@ -267,8 +267,8 @@
   <ax:ocxPr ax:name="SAMIFilename" ax:value=""/>
   <ax:ocxPr ax:name="captioningID" ax:value=""/>
   <ax:ocxPr ax:name="enableErrorDialogs" ax:value="0"/>
-  <ax:ocxPr ax:name="_cx" ax:value="25400"/>
-  <ax:ocxPr ax:name="_cy" ax:value="19050"/>
+  <ax:ocxPr ax:name="_cx" ax:value="25396"/>
+  <ax:ocxPr ax:name="_cy" ax:value="19046"/>
 </ax:ocx>
 </file>
 
@@ -297,8 +297,8 @@
   <ax:ocxPr ax:name="SAMIFilename" ax:value=""/>
   <ax:ocxPr ax:name="captioningID" ax:value=""/>
   <ax:ocxPr ax:name="enableErrorDialogs" ax:value="0"/>
-  <ax:ocxPr ax:name="_cx" ax:value="25400"/>
-  <ax:ocxPr ax:name="_cy" ax:value="19050"/>
+  <ax:ocxPr ax:name="_cx" ax:value="25396"/>
+  <ax:ocxPr ax:name="_cy" ax:value="19046"/>
 </ax:ocx>
 </file>
 
@@ -6735,10 +6735,14 @@
         <a:lstStyle/>
         <a:p>
           <a:r>
-            <a:rPr lang="es-CL" dirty="0" smtClean="0"/>
+            <a:rPr lang="es-CL" dirty="0" smtClean="0">
+              <a:latin typeface="Futura Lt BT"/>
+            </a:rPr>
             <a:t>Software</a:t>
           </a:r>
-          <a:endParaRPr lang="es-CL" dirty="0"/>
+          <a:endParaRPr lang="es-CL" dirty="0">
+            <a:latin typeface="Futura Lt BT"/>
+          </a:endParaRPr>
         </a:p>
       </dgm:t>
     </dgm:pt>
@@ -6772,10 +6776,14 @@
         <a:lstStyle/>
         <a:p>
           <a:r>
-            <a:rPr lang="es-CL" dirty="0" smtClean="0"/>
+            <a:rPr lang="es-CL" dirty="0" smtClean="0">
+              <a:latin typeface="Futura Lt BT"/>
+            </a:rPr>
             <a:t>Internet Information Server 6</a:t>
           </a:r>
-          <a:endParaRPr lang="es-CL" dirty="0"/>
+          <a:endParaRPr lang="es-CL" dirty="0">
+            <a:latin typeface="Futura Lt BT"/>
+          </a:endParaRPr>
         </a:p>
       </dgm:t>
     </dgm:pt>
@@ -6809,10 +6817,14 @@
         <a:lstStyle/>
         <a:p>
           <a:r>
-            <a:rPr lang="es-CL" dirty="0" smtClean="0"/>
+            <a:rPr lang="es-CL" dirty="0" smtClean="0">
+              <a:latin typeface="Futura Lt BT"/>
+            </a:rPr>
             <a:t>Hardware</a:t>
           </a:r>
-          <a:endParaRPr lang="es-CL" dirty="0"/>
+          <a:endParaRPr lang="es-CL" dirty="0">
+            <a:latin typeface="Futura Lt BT"/>
+          </a:endParaRPr>
         </a:p>
       </dgm:t>
     </dgm:pt>
@@ -6846,10 +6858,14 @@
         <a:lstStyle/>
         <a:p>
           <a:r>
-            <a:rPr lang="es-CL" dirty="0" smtClean="0"/>
+            <a:rPr lang="es-CL" dirty="0" smtClean="0">
+              <a:latin typeface="Futura Lt BT"/>
+            </a:rPr>
             <a:t>Procesador Intel Xeon o AMD Opteron</a:t>
           </a:r>
-          <a:endParaRPr lang="es-CL" dirty="0"/>
+          <a:endParaRPr lang="es-CL" dirty="0">
+            <a:latin typeface="Futura Lt BT"/>
+          </a:endParaRPr>
         </a:p>
       </dgm:t>
     </dgm:pt>
@@ -6883,10 +6899,14 @@
         <a:lstStyle/>
         <a:p>
           <a:r>
-            <a:rPr lang="es-CL" dirty="0" smtClean="0"/>
+            <a:rPr lang="es-CL" dirty="0" smtClean="0">
+              <a:latin typeface="Futura Lt BT"/>
+            </a:rPr>
             <a:t>2 GB Memoria RAM</a:t>
           </a:r>
-          <a:endParaRPr lang="es-CL" dirty="0"/>
+          <a:endParaRPr lang="es-CL" dirty="0">
+            <a:latin typeface="Futura Lt BT"/>
+          </a:endParaRPr>
         </a:p>
       </dgm:t>
     </dgm:pt>
@@ -6920,18 +6940,26 @@
         <a:lstStyle/>
         <a:p>
           <a:r>
-            <a:rPr lang="es-CL" dirty="0" smtClean="0"/>
+            <a:rPr lang="es-CL" dirty="0" smtClean="0">
+              <a:latin typeface="Futura Lt BT"/>
+            </a:rPr>
             <a:t>Framework </a:t>
           </a:r>
           <a:r>
-            <a:rPr lang="es-CL" dirty="0" err="1" smtClean="0"/>
+            <a:rPr lang="es-CL" dirty="0" err="1" smtClean="0">
+              <a:latin typeface="Futura Lt BT"/>
+            </a:rPr>
             <a:t>.Net</a:t>
           </a:r>
           <a:r>
-            <a:rPr lang="es-CL" dirty="0" smtClean="0"/>
+            <a:rPr lang="es-CL" dirty="0" smtClean="0">
+              <a:latin typeface="Futura Lt BT"/>
+            </a:rPr>
             <a:t> 3.5 SP1</a:t>
           </a:r>
-          <a:endParaRPr lang="es-CL" dirty="0"/>
+          <a:endParaRPr lang="es-CL" dirty="0">
+            <a:latin typeface="Futura Lt BT"/>
+          </a:endParaRPr>
         </a:p>
       </dgm:t>
     </dgm:pt>
@@ -6965,10 +6993,14 @@
         <a:lstStyle/>
         <a:p>
           <a:r>
-            <a:rPr lang="es-CL" dirty="0" smtClean="0"/>
+            <a:rPr lang="es-CL" dirty="0" smtClean="0">
+              <a:latin typeface="Futura Lt BT"/>
+            </a:rPr>
             <a:t>SQL Server</a:t>
           </a:r>
-          <a:endParaRPr lang="es-CL" dirty="0"/>
+          <a:endParaRPr lang="es-CL" dirty="0">
+            <a:latin typeface="Futura Lt BT"/>
+          </a:endParaRPr>
         </a:p>
       </dgm:t>
     </dgm:pt>
@@ -7002,10 +7034,14 @@
         <a:lstStyle/>
         <a:p>
           <a:r>
-            <a:rPr lang="es-CL" dirty="0" smtClean="0"/>
+            <a:rPr lang="es-CL" dirty="0" smtClean="0">
+              <a:latin typeface="Futura Lt BT"/>
+            </a:rPr>
             <a:t>Windows 2003 Server R2 SP2</a:t>
           </a:r>
-          <a:endParaRPr lang="es-CL" dirty="0"/>
+          <a:endParaRPr lang="es-CL" dirty="0">
+            <a:latin typeface="Futura Lt BT"/>
+          </a:endParaRPr>
         </a:p>
       </dgm:t>
     </dgm:pt>
@@ -7039,10 +7075,14 @@
         <a:lstStyle/>
         <a:p>
           <a:r>
-            <a:rPr lang="es-CL" dirty="0" smtClean="0"/>
+            <a:rPr lang="es-CL" dirty="0" smtClean="0">
+              <a:latin typeface="Futura Lt BT"/>
+            </a:rPr>
             <a:t>Disco duro de 160 GB</a:t>
           </a:r>
-          <a:endParaRPr lang="es-CL" dirty="0"/>
+          <a:endParaRPr lang="es-CL" dirty="0">
+            <a:latin typeface="Futura Lt BT"/>
+          </a:endParaRPr>
         </a:p>
       </dgm:t>
     </dgm:pt>
@@ -7076,10 +7116,14 @@
         <a:lstStyle/>
         <a:p>
           <a:r>
-            <a:rPr lang="es-CL" dirty="0" smtClean="0"/>
+            <a:rPr lang="es-CL" dirty="0" smtClean="0">
+              <a:latin typeface="Futura Lt BT"/>
+            </a:rPr>
             <a:t>Tarjeta Red 10/100 Mbps</a:t>
           </a:r>
-          <a:endParaRPr lang="es-CL" dirty="0"/>
+          <a:endParaRPr lang="es-CL" dirty="0">
+            <a:latin typeface="Futura Lt BT"/>
+          </a:endParaRPr>
         </a:p>
       </dgm:t>
     </dgm:pt>
@@ -7214,10 +7258,14 @@
         <a:lstStyle/>
         <a:p>
           <a:r>
-            <a:rPr lang="es-CL" dirty="0" smtClean="0"/>
+            <a:rPr lang="es-CL" dirty="0" smtClean="0">
+              <a:latin typeface="Futura Lt BT"/>
+            </a:rPr>
             <a:t>Software</a:t>
           </a:r>
-          <a:endParaRPr lang="es-CL" dirty="0"/>
+          <a:endParaRPr lang="es-CL" dirty="0">
+            <a:latin typeface="Futura Lt BT"/>
+          </a:endParaRPr>
         </a:p>
       </dgm:t>
     </dgm:pt>
@@ -7251,10 +7299,14 @@
         <a:lstStyle/>
         <a:p>
           <a:r>
-            <a:rPr lang="es-CL" dirty="0" smtClean="0"/>
+            <a:rPr lang="es-CL" dirty="0" smtClean="0">
+              <a:latin typeface="Futura Lt BT"/>
+            </a:rPr>
             <a:t>Browser Compatible</a:t>
           </a:r>
-          <a:endParaRPr lang="es-CL" dirty="0"/>
+          <a:endParaRPr lang="es-CL" dirty="0">
+            <a:latin typeface="Futura Lt BT"/>
+          </a:endParaRPr>
         </a:p>
       </dgm:t>
     </dgm:pt>
@@ -7288,10 +7340,14 @@
         <a:lstStyle/>
         <a:p>
           <a:r>
-            <a:rPr lang="es-CL" dirty="0" smtClean="0"/>
+            <a:rPr lang="es-CL" dirty="0" smtClean="0">
+              <a:latin typeface="Futura Lt BT"/>
+            </a:rPr>
             <a:t>Hardware</a:t>
           </a:r>
-          <a:endParaRPr lang="es-CL" dirty="0"/>
+          <a:endParaRPr lang="es-CL" dirty="0">
+            <a:latin typeface="Futura Lt BT"/>
+          </a:endParaRPr>
         </a:p>
       </dgm:t>
     </dgm:pt>
@@ -7325,10 +7381,14 @@
         <a:lstStyle/>
         <a:p>
           <a:r>
-            <a:rPr lang="es-CL" dirty="0" smtClean="0"/>
+            <a:rPr lang="es-CL" dirty="0" smtClean="0">
+              <a:latin typeface="Futura Lt BT"/>
+            </a:rPr>
             <a:t>Procesador Celeron 1.8 GHz</a:t>
           </a:r>
-          <a:endParaRPr lang="es-CL" dirty="0"/>
+          <a:endParaRPr lang="es-CL" dirty="0">
+            <a:latin typeface="Futura Lt BT"/>
+          </a:endParaRPr>
         </a:p>
       </dgm:t>
     </dgm:pt>
@@ -7362,10 +7422,14 @@
         <a:lstStyle/>
         <a:p>
           <a:r>
-            <a:rPr lang="es-CL" dirty="0" smtClean="0"/>
+            <a:rPr lang="es-CL" dirty="0" smtClean="0">
+              <a:latin typeface="Futura Lt BT"/>
+            </a:rPr>
             <a:t>1 GB Memoria RAM</a:t>
           </a:r>
-          <a:endParaRPr lang="es-CL" dirty="0"/>
+          <a:endParaRPr lang="es-CL" dirty="0">
+            <a:latin typeface="Futura Lt BT"/>
+          </a:endParaRPr>
         </a:p>
       </dgm:t>
     </dgm:pt>
@@ -7399,10 +7463,14 @@
         <a:lstStyle/>
         <a:p>
           <a:r>
-            <a:rPr lang="es-CL" dirty="0" smtClean="0"/>
+            <a:rPr lang="es-CL" dirty="0" smtClean="0">
+              <a:latin typeface="Futura Lt BT"/>
+            </a:rPr>
             <a:t>Windows XP o superior,</a:t>
           </a:r>
-          <a:endParaRPr lang="es-CL" dirty="0"/>
+          <a:endParaRPr lang="es-CL" dirty="0">
+            <a:latin typeface="Futura Lt BT"/>
+          </a:endParaRPr>
         </a:p>
       </dgm:t>
     </dgm:pt>
@@ -7436,10 +7504,14 @@
         <a:lstStyle/>
         <a:p>
           <a:r>
-            <a:rPr lang="es-CL" dirty="0" smtClean="0"/>
+            <a:rPr lang="es-CL" dirty="0" smtClean="0">
+              <a:latin typeface="Futura Lt BT"/>
+            </a:rPr>
             <a:t>Disco duro de 160 GB</a:t>
           </a:r>
-          <a:endParaRPr lang="es-CL" dirty="0"/>
+          <a:endParaRPr lang="es-CL" dirty="0">
+            <a:latin typeface="Futura Lt BT"/>
+          </a:endParaRPr>
         </a:p>
       </dgm:t>
     </dgm:pt>
@@ -7473,10 +7545,14 @@
         <a:lstStyle/>
         <a:p>
           <a:r>
-            <a:rPr lang="es-CL" dirty="0" smtClean="0"/>
+            <a:rPr lang="es-CL" dirty="0" smtClean="0">
+              <a:latin typeface="Futura Lt BT"/>
+            </a:rPr>
             <a:t>Tarjeta Red 10/100 Mbps</a:t>
           </a:r>
-          <a:endParaRPr lang="es-CL" dirty="0"/>
+          <a:endParaRPr lang="es-CL" dirty="0">
+            <a:latin typeface="Futura Lt BT"/>
+          </a:endParaRPr>
         </a:p>
       </dgm:t>
     </dgm:pt>
@@ -7510,10 +7586,14 @@
         <a:lstStyle/>
         <a:p>
           <a:r>
-            <a:rPr lang="es-CL" dirty="0" smtClean="0"/>
+            <a:rPr lang="es-CL" dirty="0" smtClean="0">
+              <a:latin typeface="Futura Lt BT"/>
+            </a:rPr>
             <a:t>Mac OS o distribución Linux con ambiente grafico</a:t>
           </a:r>
-          <a:endParaRPr lang="es-CL" dirty="0"/>
+          <a:endParaRPr lang="es-CL" dirty="0">
+            <a:latin typeface="Futura Lt BT"/>
+          </a:endParaRPr>
         </a:p>
       </dgm:t>
     </dgm:pt>
@@ -7547,10 +7627,14 @@
         <a:lstStyle/>
         <a:p>
           <a:r>
-            <a:rPr lang="es-CL" dirty="0" smtClean="0"/>
+            <a:rPr lang="es-CL" dirty="0" smtClean="0">
+              <a:latin typeface="Futura Lt BT"/>
+            </a:rPr>
             <a:t>Firefox 3</a:t>
           </a:r>
-          <a:endParaRPr lang="es-CL" dirty="0"/>
+          <a:endParaRPr lang="es-CL" dirty="0">
+            <a:latin typeface="Futura Lt BT"/>
+          </a:endParaRPr>
         </a:p>
       </dgm:t>
     </dgm:pt>
@@ -7584,10 +7668,14 @@
         <a:lstStyle/>
         <a:p>
           <a:r>
-            <a:rPr lang="es-CL" dirty="0" smtClean="0"/>
+            <a:rPr lang="es-CL" dirty="0" smtClean="0">
+              <a:latin typeface="Futura Lt BT"/>
+            </a:rPr>
             <a:t>Chrome 3</a:t>
           </a:r>
-          <a:endParaRPr lang="es-CL" dirty="0"/>
+          <a:endParaRPr lang="es-CL" dirty="0">
+            <a:latin typeface="Futura Lt BT"/>
+          </a:endParaRPr>
         </a:p>
       </dgm:t>
     </dgm:pt>
@@ -7621,10 +7709,14 @@
         <a:lstStyle/>
         <a:p>
           <a:r>
-            <a:rPr lang="es-CL" dirty="0" smtClean="0"/>
+            <a:rPr lang="es-CL" dirty="0" smtClean="0">
+              <a:latin typeface="Futura Lt BT"/>
+            </a:rPr>
             <a:t>Safari 3</a:t>
           </a:r>
-          <a:endParaRPr lang="es-CL" dirty="0"/>
+          <a:endParaRPr lang="es-CL" dirty="0">
+            <a:latin typeface="Futura Lt BT"/>
+          </a:endParaRPr>
         </a:p>
       </dgm:t>
     </dgm:pt>
@@ -7658,10 +7750,14 @@
         <a:lstStyle/>
         <a:p>
           <a:r>
-            <a:rPr lang="es-CL" dirty="0" smtClean="0"/>
+            <a:rPr lang="es-CL" dirty="0" smtClean="0">
+              <a:latin typeface="Futura Lt BT"/>
+            </a:rPr>
             <a:t>Opera 10</a:t>
           </a:r>
-          <a:endParaRPr lang="es-CL" dirty="0"/>
+          <a:endParaRPr lang="es-CL" dirty="0">
+            <a:latin typeface="Futura Lt BT"/>
+          </a:endParaRPr>
         </a:p>
       </dgm:t>
     </dgm:pt>
@@ -7695,10 +7791,14 @@
         <a:lstStyle/>
         <a:p>
           <a:r>
-            <a:rPr lang="es-CL" dirty="0" smtClean="0"/>
+            <a:rPr lang="es-CL" dirty="0" smtClean="0">
+              <a:latin typeface="Futura Lt BT"/>
+            </a:rPr>
             <a:t>Internet Explorer 7 u 8</a:t>
           </a:r>
-          <a:endParaRPr lang="es-CL" dirty="0"/>
+          <a:endParaRPr lang="es-CL" dirty="0">
+            <a:latin typeface="Futura Lt BT"/>
+          </a:endParaRPr>
         </a:p>
       </dgm:t>
     </dgm:pt>
@@ -7732,10 +7832,14 @@
         <a:lstStyle/>
         <a:p>
           <a:r>
-            <a:rPr lang="es-CL" dirty="0" smtClean="0"/>
+            <a:rPr lang="es-CL" dirty="0" smtClean="0">
+              <a:latin typeface="Futura Lt BT"/>
+            </a:rPr>
             <a:t>Tarjeta de Video con resolución de 1024x768</a:t>
           </a:r>
-          <a:endParaRPr lang="es-CL" dirty="0"/>
+          <a:endParaRPr lang="es-CL" dirty="0">
+            <a:latin typeface="Futura Lt BT"/>
+          </a:endParaRPr>
         </a:p>
       </dgm:t>
     </dgm:pt>
@@ -7880,10 +7984,14 @@
         <a:lstStyle/>
         <a:p>
           <a:r>
-            <a:rPr lang="es-CL" dirty="0" smtClean="0"/>
+            <a:rPr lang="es-CL" dirty="0" smtClean="0">
+              <a:latin typeface="Futura Lt BT"/>
+            </a:rPr>
             <a:t>Servidor Windows 2003</a:t>
           </a:r>
-          <a:endParaRPr lang="es-CL" dirty="0"/>
+          <a:endParaRPr lang="es-CL" dirty="0">
+            <a:latin typeface="Futura Lt BT"/>
+          </a:endParaRPr>
         </a:p>
       </dgm:t>
     </dgm:pt>
@@ -7894,7 +8002,9 @@
         <a:bodyPr/>
         <a:lstStyle/>
         <a:p>
-          <a:endParaRPr lang="es-CL"/>
+          <a:endParaRPr lang="es-CL">
+            <a:latin typeface="Futura Lt BT"/>
+          </a:endParaRPr>
         </a:p>
       </dgm:t>
     </dgm:pt>
@@ -7905,7 +8015,9 @@
         <a:bodyPr/>
         <a:lstStyle/>
         <a:p>
-          <a:endParaRPr lang="es-CL"/>
+          <a:endParaRPr lang="es-CL">
+            <a:latin typeface="Futura Lt BT"/>
+          </a:endParaRPr>
         </a:p>
       </dgm:t>
     </dgm:pt>
@@ -7917,10 +8029,14 @@
         <a:lstStyle/>
         <a:p>
           <a:r>
-            <a:rPr lang="es-CL" dirty="0" smtClean="0"/>
+            <a:rPr lang="es-CL" dirty="0" smtClean="0">
+              <a:latin typeface="Futura Lt BT"/>
+            </a:rPr>
             <a:t>SQL Server Estándar</a:t>
           </a:r>
-          <a:endParaRPr lang="es-CL" dirty="0"/>
+          <a:endParaRPr lang="es-CL" dirty="0">
+            <a:latin typeface="Futura Lt BT"/>
+          </a:endParaRPr>
         </a:p>
       </dgm:t>
     </dgm:pt>
@@ -7931,7 +8047,9 @@
         <a:bodyPr/>
         <a:lstStyle/>
         <a:p>
-          <a:endParaRPr lang="es-CL"/>
+          <a:endParaRPr lang="es-CL">
+            <a:latin typeface="Futura Lt BT"/>
+          </a:endParaRPr>
         </a:p>
       </dgm:t>
     </dgm:pt>
@@ -7942,7 +8060,9 @@
         <a:bodyPr/>
         <a:lstStyle/>
         <a:p>
-          <a:endParaRPr lang="es-CL"/>
+          <a:endParaRPr lang="es-CL">
+            <a:latin typeface="Futura Lt BT"/>
+          </a:endParaRPr>
         </a:p>
       </dgm:t>
     </dgm:pt>
@@ -7954,10 +8074,14 @@
         <a:lstStyle/>
         <a:p>
           <a:r>
-            <a:rPr lang="es-CL" dirty="0" smtClean="0"/>
+            <a:rPr lang="es-CL" dirty="0" smtClean="0">
+              <a:latin typeface="Futura Lt BT"/>
+            </a:rPr>
             <a:t>SQL Server Express</a:t>
           </a:r>
-          <a:endParaRPr lang="es-CL" dirty="0"/>
+          <a:endParaRPr lang="es-CL" dirty="0">
+            <a:latin typeface="Futura Lt BT"/>
+          </a:endParaRPr>
         </a:p>
       </dgm:t>
     </dgm:pt>
@@ -7968,7 +8092,9 @@
         <a:bodyPr/>
         <a:lstStyle/>
         <a:p>
-          <a:endParaRPr lang="es-CL"/>
+          <a:endParaRPr lang="es-CL">
+            <a:latin typeface="Futura Lt BT"/>
+          </a:endParaRPr>
         </a:p>
       </dgm:t>
     </dgm:pt>
@@ -7979,7 +8105,9 @@
         <a:bodyPr/>
         <a:lstStyle/>
         <a:p>
-          <a:endParaRPr lang="es-CL"/>
+          <a:endParaRPr lang="es-CL">
+            <a:latin typeface="Futura Lt BT"/>
+          </a:endParaRPr>
         </a:p>
       </dgm:t>
     </dgm:pt>
@@ -7991,10 +8119,14 @@
         <a:lstStyle/>
         <a:p>
           <a:r>
-            <a:rPr lang="es-CL" dirty="0" smtClean="0"/>
+            <a:rPr lang="es-CL" dirty="0" smtClean="0">
+              <a:latin typeface="Futura Lt BT"/>
+            </a:rPr>
             <a:t>Estación de trabajo</a:t>
           </a:r>
-          <a:endParaRPr lang="es-CL" dirty="0"/>
+          <a:endParaRPr lang="es-CL" dirty="0">
+            <a:latin typeface="Futura Lt BT"/>
+          </a:endParaRPr>
         </a:p>
       </dgm:t>
     </dgm:pt>
@@ -8005,7 +8137,9 @@
         <a:bodyPr/>
         <a:lstStyle/>
         <a:p>
-          <a:endParaRPr lang="es-CL"/>
+          <a:endParaRPr lang="es-CL">
+            <a:latin typeface="Futura Lt BT"/>
+          </a:endParaRPr>
         </a:p>
       </dgm:t>
     </dgm:pt>
@@ -8016,7 +8150,9 @@
         <a:bodyPr/>
         <a:lstStyle/>
         <a:p>
-          <a:endParaRPr lang="es-CL"/>
+          <a:endParaRPr lang="es-CL">
+            <a:latin typeface="Futura Lt BT"/>
+          </a:endParaRPr>
         </a:p>
       </dgm:t>
     </dgm:pt>
@@ -8028,10 +8164,14 @@
         <a:lstStyle/>
         <a:p>
           <a:r>
-            <a:rPr lang="es-CL" dirty="0" smtClean="0"/>
+            <a:rPr lang="es-CL" dirty="0" smtClean="0">
+              <a:latin typeface="Futura Lt BT"/>
+            </a:rPr>
             <a:t>Con Windows XP</a:t>
           </a:r>
-          <a:endParaRPr lang="es-CL" dirty="0"/>
+          <a:endParaRPr lang="es-CL" dirty="0">
+            <a:latin typeface="Futura Lt BT"/>
+          </a:endParaRPr>
         </a:p>
       </dgm:t>
     </dgm:pt>
@@ -8042,7 +8182,9 @@
         <a:bodyPr/>
         <a:lstStyle/>
         <a:p>
-          <a:endParaRPr lang="es-CL"/>
+          <a:endParaRPr lang="es-CL">
+            <a:latin typeface="Futura Lt BT"/>
+          </a:endParaRPr>
         </a:p>
       </dgm:t>
     </dgm:pt>
@@ -8053,7 +8195,9 @@
         <a:bodyPr/>
         <a:lstStyle/>
         <a:p>
-          <a:endParaRPr lang="es-CL"/>
+          <a:endParaRPr lang="es-CL">
+            <a:latin typeface="Futura Lt BT"/>
+          </a:endParaRPr>
         </a:p>
       </dgm:t>
     </dgm:pt>
@@ -8065,10 +8209,14 @@
         <a:lstStyle/>
         <a:p>
           <a:r>
-            <a:rPr lang="es-CL" dirty="0" smtClean="0"/>
+            <a:rPr lang="es-CL" dirty="0" smtClean="0">
+              <a:latin typeface="Futura Lt BT"/>
+            </a:rPr>
             <a:t>$1.427.570</a:t>
           </a:r>
-          <a:endParaRPr lang="es-CL" dirty="0"/>
+          <a:endParaRPr lang="es-CL" dirty="0">
+            <a:latin typeface="Futura Lt BT"/>
+          </a:endParaRPr>
         </a:p>
       </dgm:t>
     </dgm:pt>
@@ -8079,7 +8227,9 @@
         <a:bodyPr/>
         <a:lstStyle/>
         <a:p>
-          <a:endParaRPr lang="es-CL"/>
+          <a:endParaRPr lang="es-CL">
+            <a:latin typeface="Futura Lt BT"/>
+          </a:endParaRPr>
         </a:p>
       </dgm:t>
     </dgm:pt>
@@ -8090,7 +8240,9 @@
         <a:bodyPr/>
         <a:lstStyle/>
         <a:p>
-          <a:endParaRPr lang="es-CL"/>
+          <a:endParaRPr lang="es-CL">
+            <a:latin typeface="Futura Lt BT"/>
+          </a:endParaRPr>
         </a:p>
       </dgm:t>
     </dgm:pt>
@@ -8102,10 +8254,14 @@
         <a:lstStyle/>
         <a:p>
           <a:r>
-            <a:rPr lang="es-CL" dirty="0" smtClean="0"/>
+            <a:rPr lang="es-CL" dirty="0" smtClean="0">
+              <a:latin typeface="Futura Lt BT"/>
+            </a:rPr>
             <a:t>$757.570</a:t>
           </a:r>
-          <a:endParaRPr lang="es-CL" dirty="0"/>
+          <a:endParaRPr lang="es-CL" dirty="0">
+            <a:latin typeface="Futura Lt BT"/>
+          </a:endParaRPr>
         </a:p>
       </dgm:t>
     </dgm:pt>
@@ -8116,7 +8272,9 @@
         <a:bodyPr/>
         <a:lstStyle/>
         <a:p>
-          <a:endParaRPr lang="es-CL"/>
+          <a:endParaRPr lang="es-CL">
+            <a:latin typeface="Futura Lt BT"/>
+          </a:endParaRPr>
         </a:p>
       </dgm:t>
     </dgm:pt>
@@ -8127,7 +8285,9 @@
         <a:bodyPr/>
         <a:lstStyle/>
         <a:p>
-          <a:endParaRPr lang="es-CL"/>
+          <a:endParaRPr lang="es-CL">
+            <a:latin typeface="Futura Lt BT"/>
+          </a:endParaRPr>
         </a:p>
       </dgm:t>
     </dgm:pt>
@@ -8139,10 +8299,14 @@
         <a:lstStyle/>
         <a:p>
           <a:r>
-            <a:rPr lang="es-CL" dirty="0" smtClean="0"/>
+            <a:rPr lang="es-CL" dirty="0" smtClean="0">
+              <a:latin typeface="Futura Lt BT"/>
+            </a:rPr>
             <a:t>$366.137</a:t>
           </a:r>
-          <a:endParaRPr lang="es-CL" dirty="0"/>
+          <a:endParaRPr lang="es-CL" dirty="0">
+            <a:latin typeface="Futura Lt BT"/>
+          </a:endParaRPr>
         </a:p>
       </dgm:t>
     </dgm:pt>
@@ -8153,7 +8317,9 @@
         <a:bodyPr/>
         <a:lstStyle/>
         <a:p>
-          <a:endParaRPr lang="es-CL"/>
+          <a:endParaRPr lang="es-CL">
+            <a:latin typeface="Futura Lt BT"/>
+          </a:endParaRPr>
         </a:p>
       </dgm:t>
     </dgm:pt>
@@ -8164,7 +8330,9 @@
         <a:bodyPr/>
         <a:lstStyle/>
         <a:p>
-          <a:endParaRPr lang="es-CL"/>
+          <a:endParaRPr lang="es-CL">
+            <a:latin typeface="Futura Lt BT"/>
+          </a:endParaRPr>
         </a:p>
       </dgm:t>
     </dgm:pt>
@@ -8176,10 +8344,14 @@
         <a:lstStyle/>
         <a:p>
           <a:r>
-            <a:rPr lang="es-CL" dirty="0" smtClean="0"/>
+            <a:rPr lang="es-CL" dirty="0" smtClean="0">
+              <a:latin typeface="Futura Lt BT"/>
+            </a:rPr>
             <a:t>Sin sistema operativo</a:t>
           </a:r>
-          <a:endParaRPr lang="es-CL" dirty="0"/>
+          <a:endParaRPr lang="es-CL" dirty="0">
+            <a:latin typeface="Futura Lt BT"/>
+          </a:endParaRPr>
         </a:p>
       </dgm:t>
     </dgm:pt>
@@ -8190,7 +8362,9 @@
         <a:bodyPr/>
         <a:lstStyle/>
         <a:p>
-          <a:endParaRPr lang="es-CL"/>
+          <a:endParaRPr lang="es-CL">
+            <a:latin typeface="Futura Lt BT"/>
+          </a:endParaRPr>
         </a:p>
       </dgm:t>
     </dgm:pt>
@@ -8201,7 +8375,9 @@
         <a:bodyPr/>
         <a:lstStyle/>
         <a:p>
-          <a:endParaRPr lang="es-CL"/>
+          <a:endParaRPr lang="es-CL">
+            <a:latin typeface="Futura Lt BT"/>
+          </a:endParaRPr>
         </a:p>
       </dgm:t>
     </dgm:pt>
@@ -8213,10 +8389,14 @@
         <a:lstStyle/>
         <a:p>
           <a:r>
-            <a:rPr lang="es-CL" dirty="0" smtClean="0"/>
+            <a:rPr lang="es-CL" dirty="0" smtClean="0">
+              <a:latin typeface="Futura Lt BT"/>
+            </a:rPr>
             <a:t>$259.765</a:t>
           </a:r>
-          <a:endParaRPr lang="es-CL" dirty="0"/>
+          <a:endParaRPr lang="es-CL" dirty="0">
+            <a:latin typeface="Futura Lt BT"/>
+          </a:endParaRPr>
         </a:p>
       </dgm:t>
     </dgm:pt>
@@ -8227,7 +8407,9 @@
         <a:bodyPr/>
         <a:lstStyle/>
         <a:p>
-          <a:endParaRPr lang="es-CL"/>
+          <a:endParaRPr lang="es-CL">
+            <a:latin typeface="Futura Lt BT"/>
+          </a:endParaRPr>
         </a:p>
       </dgm:t>
     </dgm:pt>
@@ -8238,7 +8420,9 @@
         <a:bodyPr/>
         <a:lstStyle/>
         <a:p>
-          <a:endParaRPr lang="es-CL"/>
+          <a:endParaRPr lang="es-CL">
+            <a:latin typeface="Futura Lt BT"/>
+          </a:endParaRPr>
         </a:p>
       </dgm:t>
     </dgm:pt>
@@ -8460,8 +8644,8 @@
     <dgm:cxn modelId="{009F14D6-CA1E-4C51-9A0D-B3F9C1E49D18}" srcId="{8C966F34-B6FE-4951-A5DC-B6B890C24F40}" destId="{3E04EA27-BE6A-44A3-A3D4-2CA4C32FFFF1}" srcOrd="0" destOrd="0" parTransId="{AE75B588-956D-4795-8BBA-14C526926D85}" sibTransId="{95BE6102-EEB0-4432-978E-FF1B073DB7AE}"/>
     <dgm:cxn modelId="{7C45ECE9-8356-43E2-B614-D776DF3DC2DF}" srcId="{393E7F46-B313-4E77-9797-D22D41EC5A03}" destId="{C9CB3786-0DB1-4998-9BFA-7ECC9C5F0DDE}" srcOrd="0" destOrd="0" parTransId="{0E603B5F-E788-4075-9EE8-6B92BD9BB1C6}" sibTransId="{7DBE4023-B152-423B-8602-7781CB8577AE}"/>
     <dgm:cxn modelId="{408049A4-04EC-42E5-AF64-48679D607DD0}" srcId="{3E04EA27-BE6A-44A3-A3D4-2CA4C32FFFF1}" destId="{FF7302D4-DF56-4D05-A039-49D494387244}" srcOrd="0" destOrd="0" parTransId="{D4A43A0A-08CA-47F1-8162-BEC510EB34F5}" sibTransId="{2DF987A6-F136-45BC-97D9-2328C9ACEA14}"/>
+    <dgm:cxn modelId="{730F44F3-0F16-4DC7-94FF-A657B4144452}" type="presOf" srcId="{FF7302D4-DF56-4D05-A039-49D494387244}" destId="{97C6F11A-5991-412B-8918-0D15E3AC825F}" srcOrd="0" destOrd="1" presId="urn:microsoft.com/office/officeart/2005/8/layout/hierarchy3"/>
     <dgm:cxn modelId="{CA8B197C-6DF2-4384-8BED-6C6211A4692F}" type="presOf" srcId="{28182505-8186-4B77-AAED-7D73BD2EC62F}" destId="{59A576FD-DEA1-4973-B0CA-89D07BC9EE75}" srcOrd="0" destOrd="0" presId="urn:microsoft.com/office/officeart/2005/8/layout/hierarchy3"/>
-    <dgm:cxn modelId="{730F44F3-0F16-4DC7-94FF-A657B4144452}" type="presOf" srcId="{FF7302D4-DF56-4D05-A039-49D494387244}" destId="{97C6F11A-5991-412B-8918-0D15E3AC825F}" srcOrd="0" destOrd="1" presId="urn:microsoft.com/office/officeart/2005/8/layout/hierarchy3"/>
     <dgm:cxn modelId="{40756456-B1A5-4647-AF0B-6BC04E8D387D}" type="presParOf" srcId="{2655004E-649B-4D47-A2B9-0F2E94C643CB}" destId="{337FD4D9-A838-445B-9526-C66711C47A35}" srcOrd="0" destOrd="0" presId="urn:microsoft.com/office/officeart/2005/8/layout/hierarchy3"/>
     <dgm:cxn modelId="{BCE4A16B-AB27-4FA4-A6DD-B2C100F4B745}" type="presParOf" srcId="{337FD4D9-A838-445B-9526-C66711C47A35}" destId="{F50E9F67-7CBD-4601-8AA2-A892E09D1946}" srcOrd="0" destOrd="0" presId="urn:microsoft.com/office/officeart/2005/8/layout/hierarchy3"/>
     <dgm:cxn modelId="{4B6627DE-80EB-4875-A1ED-CE6CCC33067C}" type="presParOf" srcId="{F50E9F67-7CBD-4601-8AA2-A892E09D1946}" destId="{1F4999A6-8239-4781-8813-D424C1999DB7}" srcOrd="0" destOrd="0" presId="urn:microsoft.com/office/officeart/2005/8/layout/hierarchy3"/>
@@ -11450,7 +11634,7 @@
       <dsp:spPr>
         <a:xfrm rot="16200000">
           <a:off x="-204853" y="208644"/>
-          <a:ext cx="4064000" cy="3646711"/>
+          <a:ext cx="4063999" cy="3646711"/>
         </a:xfrm>
         <a:prstGeom prst="flowChartManualOperation">
           <a:avLst/>
@@ -11533,10 +11717,14 @@
             </a:spcAft>
           </a:pPr>
           <a:r>
-            <a:rPr lang="es-CL" sz="2800" kern="1200" dirty="0" smtClean="0"/>
+            <a:rPr lang="es-CL" sz="2800" kern="1200" dirty="0" smtClean="0">
+              <a:latin typeface="Futura Lt BT"/>
+            </a:rPr>
             <a:t>Software</a:t>
           </a:r>
-          <a:endParaRPr lang="es-CL" sz="2800" kern="1200" dirty="0"/>
+          <a:endParaRPr lang="es-CL" sz="2800" kern="1200" dirty="0">
+            <a:latin typeface="Futura Lt BT"/>
+          </a:endParaRPr>
         </a:p>
         <a:p>
           <a:pPr marL="228600" lvl="1" indent="-228600" algn="l" defTabSz="977900">
@@ -11552,10 +11740,14 @@
             <a:buChar char="••"/>
           </a:pPr>
           <a:r>
-            <a:rPr lang="es-CL" sz="2200" kern="1200" dirty="0" smtClean="0"/>
+            <a:rPr lang="es-CL" sz="2200" kern="1200" dirty="0" smtClean="0">
+              <a:latin typeface="Futura Lt BT"/>
+            </a:rPr>
             <a:t>Windows 2003 Server R2 SP2</a:t>
           </a:r>
-          <a:endParaRPr lang="es-CL" sz="2200" kern="1200" dirty="0"/>
+          <a:endParaRPr lang="es-CL" sz="2200" kern="1200" dirty="0">
+            <a:latin typeface="Futura Lt BT"/>
+          </a:endParaRPr>
         </a:p>
         <a:p>
           <a:pPr marL="228600" lvl="1" indent="-228600" algn="l" defTabSz="977900">
@@ -11571,10 +11763,14 @@
             <a:buChar char="••"/>
           </a:pPr>
           <a:r>
-            <a:rPr lang="es-CL" sz="2200" kern="1200" dirty="0" smtClean="0"/>
+            <a:rPr lang="es-CL" sz="2200" kern="1200" dirty="0" smtClean="0">
+              <a:latin typeface="Futura Lt BT"/>
+            </a:rPr>
             <a:t>Internet Information Server 6</a:t>
           </a:r>
-          <a:endParaRPr lang="es-CL" sz="2200" kern="1200" dirty="0"/>
+          <a:endParaRPr lang="es-CL" sz="2200" kern="1200" dirty="0">
+            <a:latin typeface="Futura Lt BT"/>
+          </a:endParaRPr>
         </a:p>
         <a:p>
           <a:pPr marL="228600" lvl="1" indent="-228600" algn="l" defTabSz="977900">
@@ -11590,18 +11786,26 @@
             <a:buChar char="••"/>
           </a:pPr>
           <a:r>
-            <a:rPr lang="es-CL" sz="2200" kern="1200" dirty="0" smtClean="0"/>
+            <a:rPr lang="es-CL" sz="2200" kern="1200" dirty="0" smtClean="0">
+              <a:latin typeface="Futura Lt BT"/>
+            </a:rPr>
             <a:t>Framework </a:t>
           </a:r>
           <a:r>
-            <a:rPr lang="es-CL" sz="2200" kern="1200" dirty="0" err="1" smtClean="0"/>
+            <a:rPr lang="es-CL" sz="2200" kern="1200" dirty="0" err="1" smtClean="0">
+              <a:latin typeface="Futura Lt BT"/>
+            </a:rPr>
             <a:t>.Net</a:t>
           </a:r>
           <a:r>
-            <a:rPr lang="es-CL" sz="2200" kern="1200" dirty="0" smtClean="0"/>
+            <a:rPr lang="es-CL" sz="2200" kern="1200" dirty="0" smtClean="0">
+              <a:latin typeface="Futura Lt BT"/>
+            </a:rPr>
             <a:t> 3.5 SP1</a:t>
           </a:r>
-          <a:endParaRPr lang="es-CL" sz="2200" kern="1200" dirty="0"/>
+          <a:endParaRPr lang="es-CL" sz="2200" kern="1200" dirty="0">
+            <a:latin typeface="Futura Lt BT"/>
+          </a:endParaRPr>
         </a:p>
         <a:p>
           <a:pPr marL="228600" lvl="1" indent="-228600" algn="l" defTabSz="977900">
@@ -11617,15 +11821,19 @@
             <a:buChar char="••"/>
           </a:pPr>
           <a:r>
-            <a:rPr lang="es-CL" sz="2200" kern="1200" dirty="0" smtClean="0"/>
+            <a:rPr lang="es-CL" sz="2200" kern="1200" dirty="0" smtClean="0">
+              <a:latin typeface="Futura Lt BT"/>
+            </a:rPr>
             <a:t>SQL Server</a:t>
           </a:r>
-          <a:endParaRPr lang="es-CL" sz="2200" kern="1200" dirty="0"/>
+          <a:endParaRPr lang="es-CL" sz="2200" kern="1200" dirty="0">
+            <a:latin typeface="Futura Lt BT"/>
+          </a:endParaRPr>
         </a:p>
       </dsp:txBody>
       <dsp:txXfrm rot="16200000">
         <a:off x="-204853" y="208644"/>
-        <a:ext cx="4064000" cy="3646711"/>
+        <a:ext cx="4063999" cy="3646711"/>
       </dsp:txXfrm>
     </dsp:sp>
     <dsp:sp modelId="{6B7D2FE9-FA86-4E82-9996-41C9EC07B79C}" macro="" textlink="">
@@ -11636,7 +11844,7 @@
       <dsp:spPr>
         <a:xfrm rot="16200000">
           <a:off x="3688066" y="208644"/>
-          <a:ext cx="4064000" cy="3646711"/>
+          <a:ext cx="4063999" cy="3646711"/>
         </a:xfrm>
         <a:prstGeom prst="flowChartManualOperation">
           <a:avLst/>
@@ -11719,10 +11927,14 @@
             </a:spcAft>
           </a:pPr>
           <a:r>
-            <a:rPr lang="es-CL" sz="2800" kern="1200" dirty="0" smtClean="0"/>
+            <a:rPr lang="es-CL" sz="2800" kern="1200" dirty="0" smtClean="0">
+              <a:latin typeface="Futura Lt BT"/>
+            </a:rPr>
             <a:t>Hardware</a:t>
           </a:r>
-          <a:endParaRPr lang="es-CL" sz="2800" kern="1200" dirty="0"/>
+          <a:endParaRPr lang="es-CL" sz="2800" kern="1200" dirty="0">
+            <a:latin typeface="Futura Lt BT"/>
+          </a:endParaRPr>
         </a:p>
         <a:p>
           <a:pPr marL="228600" lvl="1" indent="-228600" algn="l" defTabSz="977900">
@@ -11738,10 +11950,14 @@
             <a:buChar char="••"/>
           </a:pPr>
           <a:r>
-            <a:rPr lang="es-CL" sz="2200" kern="1200" dirty="0" smtClean="0"/>
+            <a:rPr lang="es-CL" sz="2200" kern="1200" dirty="0" smtClean="0">
+              <a:latin typeface="Futura Lt BT"/>
+            </a:rPr>
             <a:t>Procesador Intel Xeon o AMD Opteron</a:t>
           </a:r>
-          <a:endParaRPr lang="es-CL" sz="2200" kern="1200" dirty="0"/>
+          <a:endParaRPr lang="es-CL" sz="2200" kern="1200" dirty="0">
+            <a:latin typeface="Futura Lt BT"/>
+          </a:endParaRPr>
         </a:p>
         <a:p>
           <a:pPr marL="228600" lvl="1" indent="-228600" algn="l" defTabSz="977900">
@@ -11757,10 +11973,14 @@
             <a:buChar char="••"/>
           </a:pPr>
           <a:r>
-            <a:rPr lang="es-CL" sz="2200" kern="1200" dirty="0" smtClean="0"/>
+            <a:rPr lang="es-CL" sz="2200" kern="1200" dirty="0" smtClean="0">
+              <a:latin typeface="Futura Lt BT"/>
+            </a:rPr>
             <a:t>2 GB Memoria RAM</a:t>
           </a:r>
-          <a:endParaRPr lang="es-CL" sz="2200" kern="1200" dirty="0"/>
+          <a:endParaRPr lang="es-CL" sz="2200" kern="1200" dirty="0">
+            <a:latin typeface="Futura Lt BT"/>
+          </a:endParaRPr>
         </a:p>
         <a:p>
           <a:pPr marL="228600" lvl="1" indent="-228600" algn="l" defTabSz="977900">
@@ -11776,10 +11996,14 @@
             <a:buChar char="••"/>
           </a:pPr>
           <a:r>
-            <a:rPr lang="es-CL" sz="2200" kern="1200" dirty="0" smtClean="0"/>
+            <a:rPr lang="es-CL" sz="2200" kern="1200" dirty="0" smtClean="0">
+              <a:latin typeface="Futura Lt BT"/>
+            </a:rPr>
             <a:t>Disco duro de 160 GB</a:t>
           </a:r>
-          <a:endParaRPr lang="es-CL" sz="2200" kern="1200" dirty="0"/>
+          <a:endParaRPr lang="es-CL" sz="2200" kern="1200" dirty="0">
+            <a:latin typeface="Futura Lt BT"/>
+          </a:endParaRPr>
         </a:p>
         <a:p>
           <a:pPr marL="228600" lvl="1" indent="-228600" algn="l" defTabSz="977900">
@@ -11795,15 +12019,19 @@
             <a:buChar char="••"/>
           </a:pPr>
           <a:r>
-            <a:rPr lang="es-CL" sz="2200" kern="1200" dirty="0" smtClean="0"/>
+            <a:rPr lang="es-CL" sz="2200" kern="1200" dirty="0" smtClean="0">
+              <a:latin typeface="Futura Lt BT"/>
+            </a:rPr>
             <a:t>Tarjeta Red 10/100 Mbps</a:t>
           </a:r>
-          <a:endParaRPr lang="es-CL" sz="2200" kern="1200" dirty="0"/>
+          <a:endParaRPr lang="es-CL" sz="2200" kern="1200" dirty="0">
+            <a:latin typeface="Futura Lt BT"/>
+          </a:endParaRPr>
         </a:p>
       </dsp:txBody>
       <dsp:txXfrm rot="16200000">
         <a:off x="3688066" y="208644"/>
-        <a:ext cx="4064000" cy="3646711"/>
+        <a:ext cx="4063999" cy="3646711"/>
       </dsp:txXfrm>
     </dsp:sp>
   </dsp:spTree>
@@ -11909,10 +12137,14 @@
             </a:spcAft>
           </a:pPr>
           <a:r>
-            <a:rPr lang="es-CL" sz="2200" kern="1200" dirty="0" smtClean="0"/>
+            <a:rPr lang="es-CL" sz="2200" kern="1200" dirty="0" smtClean="0">
+              <a:latin typeface="Futura Lt BT"/>
+            </a:rPr>
             <a:t>Software</a:t>
           </a:r>
-          <a:endParaRPr lang="es-CL" sz="2200" kern="1200" dirty="0"/>
+          <a:endParaRPr lang="es-CL" sz="2200" kern="1200" dirty="0">
+            <a:latin typeface="Futura Lt BT"/>
+          </a:endParaRPr>
         </a:p>
         <a:p>
           <a:pPr marL="171450" lvl="1" indent="-171450" algn="l" defTabSz="755650">
@@ -11928,10 +12160,14 @@
             <a:buChar char="••"/>
           </a:pPr>
           <a:r>
-            <a:rPr lang="es-CL" sz="1700" kern="1200" dirty="0" smtClean="0"/>
+            <a:rPr lang="es-CL" sz="1700" kern="1200" dirty="0" smtClean="0">
+              <a:latin typeface="Futura Lt BT"/>
+            </a:rPr>
             <a:t>Windows XP o superior,</a:t>
           </a:r>
-          <a:endParaRPr lang="es-CL" sz="1700" kern="1200" dirty="0"/>
+          <a:endParaRPr lang="es-CL" sz="1700" kern="1200" dirty="0">
+            <a:latin typeface="Futura Lt BT"/>
+          </a:endParaRPr>
         </a:p>
         <a:p>
           <a:pPr marL="171450" lvl="1" indent="-171450" algn="l" defTabSz="755650">
@@ -11947,10 +12183,14 @@
             <a:buChar char="••"/>
           </a:pPr>
           <a:r>
-            <a:rPr lang="es-CL" sz="1700" kern="1200" dirty="0" smtClean="0"/>
+            <a:rPr lang="es-CL" sz="1700" kern="1200" dirty="0" smtClean="0">
+              <a:latin typeface="Futura Lt BT"/>
+            </a:rPr>
             <a:t>Mac OS o distribución Linux con ambiente grafico</a:t>
           </a:r>
-          <a:endParaRPr lang="es-CL" sz="1700" kern="1200" dirty="0"/>
+          <a:endParaRPr lang="es-CL" sz="1700" kern="1200" dirty="0">
+            <a:latin typeface="Futura Lt BT"/>
+          </a:endParaRPr>
         </a:p>
         <a:p>
           <a:pPr marL="171450" lvl="1" indent="-171450" algn="l" defTabSz="755650">
@@ -11966,10 +12206,14 @@
             <a:buChar char="••"/>
           </a:pPr>
           <a:r>
-            <a:rPr lang="es-CL" sz="1700" kern="1200" dirty="0" smtClean="0"/>
+            <a:rPr lang="es-CL" sz="1700" kern="1200" dirty="0" smtClean="0">
+              <a:latin typeface="Futura Lt BT"/>
+            </a:rPr>
             <a:t>Browser Compatible</a:t>
           </a:r>
-          <a:endParaRPr lang="es-CL" sz="1700" kern="1200" dirty="0"/>
+          <a:endParaRPr lang="es-CL" sz="1700" kern="1200" dirty="0">
+            <a:latin typeface="Futura Lt BT"/>
+          </a:endParaRPr>
         </a:p>
         <a:p>
           <a:pPr marL="342900" lvl="2" indent="-171450" algn="l" defTabSz="755650">
@@ -11985,10 +12229,14 @@
             <a:buChar char="••"/>
           </a:pPr>
           <a:r>
-            <a:rPr lang="es-CL" sz="1700" kern="1200" dirty="0" smtClean="0"/>
+            <a:rPr lang="es-CL" sz="1700" kern="1200" dirty="0" smtClean="0">
+              <a:latin typeface="Futura Lt BT"/>
+            </a:rPr>
             <a:t>Firefox 3</a:t>
           </a:r>
-          <a:endParaRPr lang="es-CL" sz="1700" kern="1200" dirty="0"/>
+          <a:endParaRPr lang="es-CL" sz="1700" kern="1200" dirty="0">
+            <a:latin typeface="Futura Lt BT"/>
+          </a:endParaRPr>
         </a:p>
         <a:p>
           <a:pPr marL="342900" lvl="2" indent="-171450" algn="l" defTabSz="755650">
@@ -12004,10 +12252,14 @@
             <a:buChar char="••"/>
           </a:pPr>
           <a:r>
-            <a:rPr lang="es-CL" sz="1700" kern="1200" dirty="0" smtClean="0"/>
+            <a:rPr lang="es-CL" sz="1700" kern="1200" dirty="0" smtClean="0">
+              <a:latin typeface="Futura Lt BT"/>
+            </a:rPr>
             <a:t>Chrome 3</a:t>
           </a:r>
-          <a:endParaRPr lang="es-CL" sz="1700" kern="1200" dirty="0"/>
+          <a:endParaRPr lang="es-CL" sz="1700" kern="1200" dirty="0">
+            <a:latin typeface="Futura Lt BT"/>
+          </a:endParaRPr>
         </a:p>
         <a:p>
           <a:pPr marL="342900" lvl="2" indent="-171450" algn="l" defTabSz="755650">
@@ -12023,10 +12275,14 @@
             <a:buChar char="••"/>
           </a:pPr>
           <a:r>
-            <a:rPr lang="es-CL" sz="1700" kern="1200" dirty="0" smtClean="0"/>
+            <a:rPr lang="es-CL" sz="1700" kern="1200" dirty="0" smtClean="0">
+              <a:latin typeface="Futura Lt BT"/>
+            </a:rPr>
             <a:t>Safari 3</a:t>
           </a:r>
-          <a:endParaRPr lang="es-CL" sz="1700" kern="1200" dirty="0"/>
+          <a:endParaRPr lang="es-CL" sz="1700" kern="1200" dirty="0">
+            <a:latin typeface="Futura Lt BT"/>
+          </a:endParaRPr>
         </a:p>
         <a:p>
           <a:pPr marL="342900" lvl="2" indent="-171450" algn="l" defTabSz="755650">
@@ -12042,10 +12298,14 @@
             <a:buChar char="••"/>
           </a:pPr>
           <a:r>
-            <a:rPr lang="es-CL" sz="1700" kern="1200" dirty="0" smtClean="0"/>
+            <a:rPr lang="es-CL" sz="1700" kern="1200" dirty="0" smtClean="0">
+              <a:latin typeface="Futura Lt BT"/>
+            </a:rPr>
             <a:t>Opera 10</a:t>
           </a:r>
-          <a:endParaRPr lang="es-CL" sz="1700" kern="1200" dirty="0"/>
+          <a:endParaRPr lang="es-CL" sz="1700" kern="1200" dirty="0">
+            <a:latin typeface="Futura Lt BT"/>
+          </a:endParaRPr>
         </a:p>
         <a:p>
           <a:pPr marL="342900" lvl="2" indent="-171450" algn="l" defTabSz="755650">
@@ -12061,10 +12321,14 @@
             <a:buChar char="••"/>
           </a:pPr>
           <a:r>
-            <a:rPr lang="es-CL" sz="1700" kern="1200" dirty="0" smtClean="0"/>
+            <a:rPr lang="es-CL" sz="1700" kern="1200" dirty="0" smtClean="0">
+              <a:latin typeface="Futura Lt BT"/>
+            </a:rPr>
             <a:t>Internet Explorer 7 u 8</a:t>
           </a:r>
-          <a:endParaRPr lang="es-CL" sz="1700" kern="1200" dirty="0"/>
+          <a:endParaRPr lang="es-CL" sz="1700" kern="1200" dirty="0">
+            <a:latin typeface="Futura Lt BT"/>
+          </a:endParaRPr>
         </a:p>
       </dsp:txBody>
       <dsp:txXfrm rot="16200000">
@@ -12163,10 +12427,14 @@
             </a:spcAft>
           </a:pPr>
           <a:r>
-            <a:rPr lang="es-CL" sz="2200" kern="1200" dirty="0" smtClean="0"/>
+            <a:rPr lang="es-CL" sz="2200" kern="1200" dirty="0" smtClean="0">
+              <a:latin typeface="Futura Lt BT"/>
+            </a:rPr>
             <a:t>Hardware</a:t>
           </a:r>
-          <a:endParaRPr lang="es-CL" sz="2200" kern="1200" dirty="0"/>
+          <a:endParaRPr lang="es-CL" sz="2200" kern="1200" dirty="0">
+            <a:latin typeface="Futura Lt BT"/>
+          </a:endParaRPr>
         </a:p>
         <a:p>
           <a:pPr marL="171450" lvl="1" indent="-171450" algn="l" defTabSz="755650">
@@ -12182,10 +12450,14 @@
             <a:buChar char="••"/>
           </a:pPr>
           <a:r>
-            <a:rPr lang="es-CL" sz="1700" kern="1200" dirty="0" smtClean="0"/>
+            <a:rPr lang="es-CL" sz="1700" kern="1200" dirty="0" smtClean="0">
+              <a:latin typeface="Futura Lt BT"/>
+            </a:rPr>
             <a:t>Procesador Celeron 1.8 GHz</a:t>
           </a:r>
-          <a:endParaRPr lang="es-CL" sz="1700" kern="1200" dirty="0"/>
+          <a:endParaRPr lang="es-CL" sz="1700" kern="1200" dirty="0">
+            <a:latin typeface="Futura Lt BT"/>
+          </a:endParaRPr>
         </a:p>
         <a:p>
           <a:pPr marL="171450" lvl="1" indent="-171450" algn="l" defTabSz="755650">
@@ -12201,10 +12473,14 @@
             <a:buChar char="••"/>
           </a:pPr>
           <a:r>
-            <a:rPr lang="es-CL" sz="1700" kern="1200" dirty="0" smtClean="0"/>
+            <a:rPr lang="es-CL" sz="1700" kern="1200" dirty="0" smtClean="0">
+              <a:latin typeface="Futura Lt BT"/>
+            </a:rPr>
             <a:t>1 GB Memoria RAM</a:t>
           </a:r>
-          <a:endParaRPr lang="es-CL" sz="1700" kern="1200" dirty="0"/>
+          <a:endParaRPr lang="es-CL" sz="1700" kern="1200" dirty="0">
+            <a:latin typeface="Futura Lt BT"/>
+          </a:endParaRPr>
         </a:p>
         <a:p>
           <a:pPr marL="171450" lvl="1" indent="-171450" algn="l" defTabSz="755650">
@@ -12220,10 +12496,14 @@
             <a:buChar char="••"/>
           </a:pPr>
           <a:r>
-            <a:rPr lang="es-CL" sz="1700" kern="1200" dirty="0" smtClean="0"/>
+            <a:rPr lang="es-CL" sz="1700" kern="1200" dirty="0" smtClean="0">
+              <a:latin typeface="Futura Lt BT"/>
+            </a:rPr>
             <a:t>Disco duro de 160 GB</a:t>
           </a:r>
-          <a:endParaRPr lang="es-CL" sz="1700" kern="1200" dirty="0"/>
+          <a:endParaRPr lang="es-CL" sz="1700" kern="1200" dirty="0">
+            <a:latin typeface="Futura Lt BT"/>
+          </a:endParaRPr>
         </a:p>
         <a:p>
           <a:pPr marL="171450" lvl="1" indent="-171450" algn="l" defTabSz="755650">
@@ -12239,10 +12519,14 @@
             <a:buChar char="••"/>
           </a:pPr>
           <a:r>
-            <a:rPr lang="es-CL" sz="1700" kern="1200" dirty="0" smtClean="0"/>
+            <a:rPr lang="es-CL" sz="1700" kern="1200" dirty="0" smtClean="0">
+              <a:latin typeface="Futura Lt BT"/>
+            </a:rPr>
             <a:t>Tarjeta Red 10/100 Mbps</a:t>
           </a:r>
-          <a:endParaRPr lang="es-CL" sz="1700" kern="1200" dirty="0"/>
+          <a:endParaRPr lang="es-CL" sz="1700" kern="1200" dirty="0">
+            <a:latin typeface="Futura Lt BT"/>
+          </a:endParaRPr>
         </a:p>
         <a:p>
           <a:pPr marL="171450" lvl="1" indent="-171450" algn="l" defTabSz="755650">
@@ -12258,10 +12542,14 @@
             <a:buChar char="••"/>
           </a:pPr>
           <a:r>
-            <a:rPr lang="es-CL" sz="1700" kern="1200" dirty="0" smtClean="0"/>
+            <a:rPr lang="es-CL" sz="1700" kern="1200" dirty="0" smtClean="0">
+              <a:latin typeface="Futura Lt BT"/>
+            </a:rPr>
             <a:t>Tarjeta de Video con resolución de 1024x768</a:t>
           </a:r>
-          <a:endParaRPr lang="es-CL" sz="1700" kern="1200" dirty="0"/>
+          <a:endParaRPr lang="es-CL" sz="1700" kern="1200" dirty="0">
+            <a:latin typeface="Futura Lt BT"/>
+          </a:endParaRPr>
         </a:p>
       </dsp:txBody>
       <dsp:txXfrm rot="16200000">
@@ -12357,12 +12645,12 @@
         </a:fontRef>
       </dsp:style>
       <dsp:txBody>
-        <a:bodyPr spcFirstLastPara="0" vert="horz" wrap="square" lIns="45720" tIns="30480" rIns="45720" bIns="30480" numCol="1" spcCol="1270" anchor="ctr" anchorCtr="0">
+        <a:bodyPr spcFirstLastPara="0" vert="horz" wrap="square" lIns="43815" tIns="29210" rIns="43815" bIns="29210" numCol="1" spcCol="1270" anchor="ctr" anchorCtr="0">
           <a:noAutofit/>
         </a:bodyPr>
         <a:lstStyle/>
         <a:p>
-          <a:pPr lvl="0" algn="ctr" defTabSz="1066800">
+          <a:pPr lvl="0" algn="ctr" defTabSz="1022350">
             <a:lnSpc>
               <a:spcPct val="90000"/>
             </a:lnSpc>
@@ -12374,10 +12662,14 @@
             </a:spcAft>
           </a:pPr>
           <a:r>
-            <a:rPr lang="es-CL" sz="2400" kern="1200" dirty="0" smtClean="0"/>
+            <a:rPr lang="es-CL" sz="2300" kern="1200" dirty="0" smtClean="0">
+              <a:latin typeface="Futura Lt BT"/>
+            </a:rPr>
             <a:t>Servidor Windows 2003</a:t>
           </a:r>
-          <a:endParaRPr lang="es-CL" sz="2400" kern="1200" dirty="0"/>
+          <a:endParaRPr lang="es-CL" sz="2300" kern="1200" dirty="0">
+            <a:latin typeface="Futura Lt BT"/>
+          </a:endParaRPr>
         </a:p>
       </dsp:txBody>
       <dsp:txXfrm>
@@ -12494,12 +12786,12 @@
         <a:fontRef idx="minor"/>
       </dsp:style>
       <dsp:txBody>
-        <a:bodyPr spcFirstLastPara="0" vert="horz" wrap="square" lIns="41910" tIns="27940" rIns="41910" bIns="27940" numCol="1" spcCol="1270" anchor="t" anchorCtr="0">
+        <a:bodyPr spcFirstLastPara="0" vert="horz" wrap="square" lIns="40005" tIns="26670" rIns="40005" bIns="26670" numCol="1" spcCol="1270" anchor="t" anchorCtr="0">
           <a:noAutofit/>
         </a:bodyPr>
         <a:lstStyle/>
         <a:p>
-          <a:pPr lvl="0" algn="l" defTabSz="977900">
+          <a:pPr lvl="0" algn="l" defTabSz="933450">
             <a:lnSpc>
               <a:spcPct val="90000"/>
             </a:lnSpc>
@@ -12511,13 +12803,17 @@
             </a:spcAft>
           </a:pPr>
           <a:r>
-            <a:rPr lang="es-CL" sz="2200" kern="1200" dirty="0" smtClean="0"/>
+            <a:rPr lang="es-CL" sz="2100" kern="1200" dirty="0" smtClean="0">
+              <a:latin typeface="Futura Lt BT"/>
+            </a:rPr>
             <a:t>SQL Server Estándar</a:t>
           </a:r>
-          <a:endParaRPr lang="es-CL" sz="2200" kern="1200" dirty="0"/>
+          <a:endParaRPr lang="es-CL" sz="2100" kern="1200" dirty="0">
+            <a:latin typeface="Futura Lt BT"/>
+          </a:endParaRPr>
         </a:p>
         <a:p>
-          <a:pPr marL="171450" lvl="1" indent="-171450" algn="l" defTabSz="755650">
+          <a:pPr marL="171450" lvl="1" indent="-171450" algn="l" defTabSz="711200">
             <a:lnSpc>
               <a:spcPct val="90000"/>
             </a:lnSpc>
@@ -12530,10 +12826,14 @@
             <a:buChar char="••"/>
           </a:pPr>
           <a:r>
-            <a:rPr lang="es-CL" sz="1700" kern="1200" dirty="0" smtClean="0"/>
+            <a:rPr lang="es-CL" sz="1600" kern="1200" dirty="0" smtClean="0">
+              <a:latin typeface="Futura Lt BT"/>
+            </a:rPr>
             <a:t>$1.427.570</a:t>
           </a:r>
-          <a:endParaRPr lang="es-CL" sz="1700" kern="1200" dirty="0"/>
+          <a:endParaRPr lang="es-CL" sz="1600" kern="1200" dirty="0">
+            <a:latin typeface="Futura Lt BT"/>
+          </a:endParaRPr>
         </a:p>
       </dsp:txBody>
       <dsp:txXfrm>
@@ -12650,12 +12950,12 @@
         <a:fontRef idx="minor"/>
       </dsp:style>
       <dsp:txBody>
-        <a:bodyPr spcFirstLastPara="0" vert="horz" wrap="square" lIns="41910" tIns="27940" rIns="41910" bIns="27940" numCol="1" spcCol="1270" anchor="t" anchorCtr="0">
+        <a:bodyPr spcFirstLastPara="0" vert="horz" wrap="square" lIns="40005" tIns="26670" rIns="40005" bIns="26670" numCol="1" spcCol="1270" anchor="t" anchorCtr="0">
           <a:noAutofit/>
         </a:bodyPr>
         <a:lstStyle/>
         <a:p>
-          <a:pPr lvl="0" algn="l" defTabSz="977900">
+          <a:pPr lvl="0" algn="l" defTabSz="933450">
             <a:lnSpc>
               <a:spcPct val="90000"/>
             </a:lnSpc>
@@ -12667,13 +12967,17 @@
             </a:spcAft>
           </a:pPr>
           <a:r>
-            <a:rPr lang="es-CL" sz="2200" kern="1200" dirty="0" smtClean="0"/>
+            <a:rPr lang="es-CL" sz="2100" kern="1200" dirty="0" smtClean="0">
+              <a:latin typeface="Futura Lt BT"/>
+            </a:rPr>
             <a:t>SQL Server Express</a:t>
           </a:r>
-          <a:endParaRPr lang="es-CL" sz="2200" kern="1200" dirty="0"/>
+          <a:endParaRPr lang="es-CL" sz="2100" kern="1200" dirty="0">
+            <a:latin typeface="Futura Lt BT"/>
+          </a:endParaRPr>
         </a:p>
         <a:p>
-          <a:pPr marL="171450" lvl="1" indent="-171450" algn="l" defTabSz="755650">
+          <a:pPr marL="171450" lvl="1" indent="-171450" algn="l" defTabSz="711200">
             <a:lnSpc>
               <a:spcPct val="90000"/>
             </a:lnSpc>
@@ -12686,10 +12990,14 @@
             <a:buChar char="••"/>
           </a:pPr>
           <a:r>
-            <a:rPr lang="es-CL" sz="1700" kern="1200" dirty="0" smtClean="0"/>
+            <a:rPr lang="es-CL" sz="1600" kern="1200" dirty="0" smtClean="0">
+              <a:latin typeface="Futura Lt BT"/>
+            </a:rPr>
             <a:t>$757.570</a:t>
           </a:r>
-          <a:endParaRPr lang="es-CL" sz="1700" kern="1200" dirty="0"/>
+          <a:endParaRPr lang="es-CL" sz="1600" kern="1200" dirty="0">
+            <a:latin typeface="Futura Lt BT"/>
+          </a:endParaRPr>
         </a:p>
       </dsp:txBody>
       <dsp:txXfrm>
@@ -12773,12 +13081,12 @@
         </a:fontRef>
       </dsp:style>
       <dsp:txBody>
-        <a:bodyPr spcFirstLastPara="0" vert="horz" wrap="square" lIns="45720" tIns="30480" rIns="45720" bIns="30480" numCol="1" spcCol="1270" anchor="ctr" anchorCtr="0">
+        <a:bodyPr spcFirstLastPara="0" vert="horz" wrap="square" lIns="43815" tIns="29210" rIns="43815" bIns="29210" numCol="1" spcCol="1270" anchor="ctr" anchorCtr="0">
           <a:noAutofit/>
         </a:bodyPr>
         <a:lstStyle/>
         <a:p>
-          <a:pPr lvl="0" algn="ctr" defTabSz="1066800">
+          <a:pPr lvl="0" algn="ctr" defTabSz="1022350">
             <a:lnSpc>
               <a:spcPct val="90000"/>
             </a:lnSpc>
@@ -12790,10 +13098,14 @@
             </a:spcAft>
           </a:pPr>
           <a:r>
-            <a:rPr lang="es-CL" sz="2400" kern="1200" dirty="0" smtClean="0"/>
+            <a:rPr lang="es-CL" sz="2300" kern="1200" dirty="0" smtClean="0">
+              <a:latin typeface="Futura Lt BT"/>
+            </a:rPr>
             <a:t>Estación de trabajo</a:t>
           </a:r>
-          <a:endParaRPr lang="es-CL" sz="2400" kern="1200" dirty="0"/>
+          <a:endParaRPr lang="es-CL" sz="2300" kern="1200" dirty="0">
+            <a:latin typeface="Futura Lt BT"/>
+          </a:endParaRPr>
         </a:p>
       </dsp:txBody>
       <dsp:txXfrm>
@@ -12910,12 +13222,12 @@
         <a:fontRef idx="minor"/>
       </dsp:style>
       <dsp:txBody>
-        <a:bodyPr spcFirstLastPara="0" vert="horz" wrap="square" lIns="41910" tIns="27940" rIns="41910" bIns="27940" numCol="1" spcCol="1270" anchor="t" anchorCtr="0">
+        <a:bodyPr spcFirstLastPara="0" vert="horz" wrap="square" lIns="40005" tIns="26670" rIns="40005" bIns="26670" numCol="1" spcCol="1270" anchor="t" anchorCtr="0">
           <a:noAutofit/>
         </a:bodyPr>
         <a:lstStyle/>
         <a:p>
-          <a:pPr lvl="0" algn="l" defTabSz="977900">
+          <a:pPr lvl="0" algn="l" defTabSz="933450">
             <a:lnSpc>
               <a:spcPct val="90000"/>
             </a:lnSpc>
@@ -12927,13 +13239,17 @@
             </a:spcAft>
           </a:pPr>
           <a:r>
-            <a:rPr lang="es-CL" sz="2200" kern="1200" dirty="0" smtClean="0"/>
+            <a:rPr lang="es-CL" sz="2100" kern="1200" dirty="0" smtClean="0">
+              <a:latin typeface="Futura Lt BT"/>
+            </a:rPr>
             <a:t>Con Windows XP</a:t>
           </a:r>
-          <a:endParaRPr lang="es-CL" sz="2200" kern="1200" dirty="0"/>
+          <a:endParaRPr lang="es-CL" sz="2100" kern="1200" dirty="0">
+            <a:latin typeface="Futura Lt BT"/>
+          </a:endParaRPr>
         </a:p>
         <a:p>
-          <a:pPr marL="171450" lvl="1" indent="-171450" algn="l" defTabSz="755650">
+          <a:pPr marL="171450" lvl="1" indent="-171450" algn="l" defTabSz="711200">
             <a:lnSpc>
               <a:spcPct val="90000"/>
             </a:lnSpc>
@@ -12946,10 +13262,14 @@
             <a:buChar char="••"/>
           </a:pPr>
           <a:r>
-            <a:rPr lang="es-CL" sz="1700" kern="1200" dirty="0" smtClean="0"/>
+            <a:rPr lang="es-CL" sz="1600" kern="1200" dirty="0" smtClean="0">
+              <a:latin typeface="Futura Lt BT"/>
+            </a:rPr>
             <a:t>$366.137</a:t>
           </a:r>
-          <a:endParaRPr lang="es-CL" sz="1700" kern="1200" dirty="0"/>
+          <a:endParaRPr lang="es-CL" sz="1600" kern="1200" dirty="0">
+            <a:latin typeface="Futura Lt BT"/>
+          </a:endParaRPr>
         </a:p>
       </dsp:txBody>
       <dsp:txXfrm>
@@ -13066,12 +13386,12 @@
         <a:fontRef idx="minor"/>
       </dsp:style>
       <dsp:txBody>
-        <a:bodyPr spcFirstLastPara="0" vert="horz" wrap="square" lIns="41910" tIns="27940" rIns="41910" bIns="27940" numCol="1" spcCol="1270" anchor="t" anchorCtr="0">
+        <a:bodyPr spcFirstLastPara="0" vert="horz" wrap="square" lIns="40005" tIns="26670" rIns="40005" bIns="26670" numCol="1" spcCol="1270" anchor="t" anchorCtr="0">
           <a:noAutofit/>
         </a:bodyPr>
         <a:lstStyle/>
         <a:p>
-          <a:pPr lvl="0" algn="l" defTabSz="977900">
+          <a:pPr lvl="0" algn="l" defTabSz="933450">
             <a:lnSpc>
               <a:spcPct val="90000"/>
             </a:lnSpc>
@@ -13083,13 +13403,17 @@
             </a:spcAft>
           </a:pPr>
           <a:r>
-            <a:rPr lang="es-CL" sz="2200" kern="1200" dirty="0" smtClean="0"/>
+            <a:rPr lang="es-CL" sz="2100" kern="1200" dirty="0" smtClean="0">
+              <a:latin typeface="Futura Lt BT"/>
+            </a:rPr>
             <a:t>Sin sistema operativo</a:t>
           </a:r>
-          <a:endParaRPr lang="es-CL" sz="2200" kern="1200" dirty="0"/>
+          <a:endParaRPr lang="es-CL" sz="2100" kern="1200" dirty="0">
+            <a:latin typeface="Futura Lt BT"/>
+          </a:endParaRPr>
         </a:p>
         <a:p>
-          <a:pPr marL="171450" lvl="1" indent="-171450" algn="l" defTabSz="755650">
+          <a:pPr marL="171450" lvl="1" indent="-171450" algn="l" defTabSz="711200">
             <a:lnSpc>
               <a:spcPct val="90000"/>
             </a:lnSpc>
@@ -13102,10 +13426,14 @@
             <a:buChar char="••"/>
           </a:pPr>
           <a:r>
-            <a:rPr lang="es-CL" sz="1700" kern="1200" dirty="0" smtClean="0"/>
+            <a:rPr lang="es-CL" sz="1600" kern="1200" dirty="0" smtClean="0">
+              <a:latin typeface="Futura Lt BT"/>
+            </a:rPr>
             <a:t>$259.765</a:t>
           </a:r>
-          <a:endParaRPr lang="es-CL" sz="1700" kern="1200" dirty="0"/>
+          <a:endParaRPr lang="es-CL" sz="1600" kern="1200" dirty="0">
+            <a:latin typeface="Futura Lt BT"/>
+          </a:endParaRPr>
         </a:p>
       </dsp:txBody>
       <dsp:txXfrm>
@@ -29929,7 +30257,7 @@
         <p:spPr>
           <a:xfrm>
             <a:off x="713095" y="1279146"/>
-            <a:ext cx="7772400" cy="4413427"/>
+            <a:ext cx="7772400" cy="723075"/>
           </a:xfrm>
         </p:spPr>
         <p:txBody>

--- a/sigset/documentos/Documentos finales/Presentacion.pptx
+++ b/sigset/documentos/Documentos finales/Presentacion.pptx
@@ -8644,8 +8644,8 @@
     <dgm:cxn modelId="{009F14D6-CA1E-4C51-9A0D-B3F9C1E49D18}" srcId="{8C966F34-B6FE-4951-A5DC-B6B890C24F40}" destId="{3E04EA27-BE6A-44A3-A3D4-2CA4C32FFFF1}" srcOrd="0" destOrd="0" parTransId="{AE75B588-956D-4795-8BBA-14C526926D85}" sibTransId="{95BE6102-EEB0-4432-978E-FF1B073DB7AE}"/>
     <dgm:cxn modelId="{7C45ECE9-8356-43E2-B614-D776DF3DC2DF}" srcId="{393E7F46-B313-4E77-9797-D22D41EC5A03}" destId="{C9CB3786-0DB1-4998-9BFA-7ECC9C5F0DDE}" srcOrd="0" destOrd="0" parTransId="{0E603B5F-E788-4075-9EE8-6B92BD9BB1C6}" sibTransId="{7DBE4023-B152-423B-8602-7781CB8577AE}"/>
     <dgm:cxn modelId="{408049A4-04EC-42E5-AF64-48679D607DD0}" srcId="{3E04EA27-BE6A-44A3-A3D4-2CA4C32FFFF1}" destId="{FF7302D4-DF56-4D05-A039-49D494387244}" srcOrd="0" destOrd="0" parTransId="{D4A43A0A-08CA-47F1-8162-BEC510EB34F5}" sibTransId="{2DF987A6-F136-45BC-97D9-2328C9ACEA14}"/>
+    <dgm:cxn modelId="{CA8B197C-6DF2-4384-8BED-6C6211A4692F}" type="presOf" srcId="{28182505-8186-4B77-AAED-7D73BD2EC62F}" destId="{59A576FD-DEA1-4973-B0CA-89D07BC9EE75}" srcOrd="0" destOrd="0" presId="urn:microsoft.com/office/officeart/2005/8/layout/hierarchy3"/>
     <dgm:cxn modelId="{730F44F3-0F16-4DC7-94FF-A657B4144452}" type="presOf" srcId="{FF7302D4-DF56-4D05-A039-49D494387244}" destId="{97C6F11A-5991-412B-8918-0D15E3AC825F}" srcOrd="0" destOrd="1" presId="urn:microsoft.com/office/officeart/2005/8/layout/hierarchy3"/>
-    <dgm:cxn modelId="{CA8B197C-6DF2-4384-8BED-6C6211A4692F}" type="presOf" srcId="{28182505-8186-4B77-AAED-7D73BD2EC62F}" destId="{59A576FD-DEA1-4973-B0CA-89D07BC9EE75}" srcOrd="0" destOrd="0" presId="urn:microsoft.com/office/officeart/2005/8/layout/hierarchy3"/>
     <dgm:cxn modelId="{40756456-B1A5-4647-AF0B-6BC04E8D387D}" type="presParOf" srcId="{2655004E-649B-4D47-A2B9-0F2E94C643CB}" destId="{337FD4D9-A838-445B-9526-C66711C47A35}" srcOrd="0" destOrd="0" presId="urn:microsoft.com/office/officeart/2005/8/layout/hierarchy3"/>
     <dgm:cxn modelId="{BCE4A16B-AB27-4FA4-A6DD-B2C100F4B745}" type="presParOf" srcId="{337FD4D9-A838-445B-9526-C66711C47A35}" destId="{F50E9F67-7CBD-4601-8AA2-A892E09D1946}" srcOrd="0" destOrd="0" presId="urn:microsoft.com/office/officeart/2005/8/layout/hierarchy3"/>
     <dgm:cxn modelId="{4B6627DE-80EB-4875-A1ED-CE6CCC33067C}" type="presParOf" srcId="{F50E9F67-7CBD-4601-8AA2-A892E09D1946}" destId="{1F4999A6-8239-4781-8813-D424C1999DB7}" srcOrd="0" destOrd="0" presId="urn:microsoft.com/office/officeart/2005/8/layout/hierarchy3"/>
@@ -11634,7 +11634,7 @@
       <dsp:spPr>
         <a:xfrm rot="16200000">
           <a:off x="-204853" y="208644"/>
-          <a:ext cx="4063999" cy="3646711"/>
+          <a:ext cx="4064000" cy="3646711"/>
         </a:xfrm>
         <a:prstGeom prst="flowChartManualOperation">
           <a:avLst/>
@@ -11833,7 +11833,7 @@
       </dsp:txBody>
       <dsp:txXfrm rot="16200000">
         <a:off x="-204853" y="208644"/>
-        <a:ext cx="4063999" cy="3646711"/>
+        <a:ext cx="4064000" cy="3646711"/>
       </dsp:txXfrm>
     </dsp:sp>
     <dsp:sp modelId="{6B7D2FE9-FA86-4E82-9996-41C9EC07B79C}" macro="" textlink="">
@@ -11844,7 +11844,7 @@
       <dsp:spPr>
         <a:xfrm rot="16200000">
           <a:off x="3688066" y="208644"/>
-          <a:ext cx="4063999" cy="3646711"/>
+          <a:ext cx="4064000" cy="3646711"/>
         </a:xfrm>
         <a:prstGeom prst="flowChartManualOperation">
           <a:avLst/>
@@ -12031,7 +12031,7 @@
       </dsp:txBody>
       <dsp:txXfrm rot="16200000">
         <a:off x="3688066" y="208644"/>
-        <a:ext cx="4063999" cy="3646711"/>
+        <a:ext cx="4064000" cy="3646711"/>
       </dsp:txXfrm>
     </dsp:sp>
   </dsp:spTree>
@@ -29623,8 +29623,13 @@
           <a:p>
             <a:r>
               <a:rPr lang="es-CL" sz="2400" dirty="0" smtClean="0"/>
-              <a:t>Compuesta por módulos y arquitectura en capas utilizando el patrón de diseño MVC</a:t>
+              <a:t>Compuesta por módulos y arquitectura en capas utilizando el patrón de diseño </a:t>
             </a:r>
+            <a:r>
+              <a:rPr lang="es-CL" sz="2400" dirty="0" smtClean="0"/>
+              <a:t>Modelo Vista Controlador</a:t>
+            </a:r>
+            <a:endParaRPr lang="es-CL" sz="2400" dirty="0" smtClean="0"/>
           </a:p>
           <a:p>
             <a:endParaRPr lang="es-CL" sz="2400" dirty="0" smtClean="0"/>

--- a/sigset/documentos/Documentos finales/Presentacion.pptx
+++ b/sigset/documentos/Documentos finales/Presentacion.pptx
@@ -5801,19 +5801,7 @@
             <a:rPr lang="es-CL" dirty="0" smtClean="0">
               <a:latin typeface="Futura Lt BT"/>
             </a:rPr>
-            <a:t>Framework </a:t>
-          </a:r>
-          <a:r>
-            <a:rPr lang="es-CL" dirty="0" err="1" smtClean="0">
-              <a:latin typeface="Futura Lt BT"/>
-            </a:rPr>
-            <a:t>.Net</a:t>
-          </a:r>
-          <a:r>
-            <a:rPr lang="es-CL" dirty="0" smtClean="0">
-              <a:latin typeface="Futura Lt BT"/>
-            </a:rPr>
-            <a:t> 3.5 SP1</a:t>
+            <a:t>Framework .Net 3.5 SP1</a:t>
           </a:r>
           <a:endParaRPr lang="es-CL" dirty="0">
             <a:latin typeface="Futura Lt BT"/>
@@ -5854,7 +5842,13 @@
             <a:rPr lang="es-CL" dirty="0" smtClean="0">
               <a:latin typeface="Futura Lt BT"/>
             </a:rPr>
-            <a:t>SQL Server</a:t>
+            <a:t>SQL </a:t>
+          </a:r>
+          <a:r>
+            <a:rPr lang="es-CL" dirty="0" smtClean="0">
+              <a:latin typeface="Futura Lt BT"/>
+            </a:rPr>
+            <a:t>Server 2005</a:t>
           </a:r>
           <a:endParaRPr lang="es-CL" dirty="0">
             <a:latin typeface="Futura Lt BT"/>
@@ -6890,7 +6884,19 @@
             <a:rPr lang="es-CL" dirty="0" smtClean="0">
               <a:latin typeface="Futura Lt BT"/>
             </a:rPr>
-            <a:t>SQL Server Estándar</a:t>
+            <a:t>SQL </a:t>
+          </a:r>
+          <a:r>
+            <a:rPr lang="es-CL" dirty="0" smtClean="0">
+              <a:latin typeface="Futura Lt BT"/>
+            </a:rPr>
+            <a:t>Server 2005 </a:t>
+          </a:r>
+          <a:r>
+            <a:rPr lang="es-CL" dirty="0" smtClean="0">
+              <a:latin typeface="Futura Lt BT"/>
+            </a:rPr>
+            <a:t>Estándar</a:t>
           </a:r>
           <a:endParaRPr lang="es-CL" dirty="0">
             <a:latin typeface="Futura Lt BT"/>
@@ -6935,7 +6941,19 @@
             <a:rPr lang="es-CL" dirty="0" smtClean="0">
               <a:latin typeface="Futura Lt BT"/>
             </a:rPr>
-            <a:t>SQL Server Express</a:t>
+            <a:t>SQL </a:t>
+          </a:r>
+          <a:r>
+            <a:rPr lang="es-CL" dirty="0" smtClean="0">
+              <a:latin typeface="Futura Lt BT"/>
+            </a:rPr>
+            <a:t>Server 2005 </a:t>
+          </a:r>
+          <a:r>
+            <a:rPr lang="es-CL" dirty="0" smtClean="0">
+              <a:latin typeface="Futura Lt BT"/>
+            </a:rPr>
+            <a:t>Express</a:t>
           </a:r>
           <a:endParaRPr lang="es-CL" dirty="0">
             <a:latin typeface="Futura Lt BT"/>
@@ -7502,8 +7520,8 @@
     <dgm:cxn modelId="{009F14D6-CA1E-4C51-9A0D-B3F9C1E49D18}" srcId="{8C966F34-B6FE-4951-A5DC-B6B890C24F40}" destId="{3E04EA27-BE6A-44A3-A3D4-2CA4C32FFFF1}" srcOrd="0" destOrd="0" parTransId="{AE75B588-956D-4795-8BBA-14C526926D85}" sibTransId="{95BE6102-EEB0-4432-978E-FF1B073DB7AE}"/>
     <dgm:cxn modelId="{7C45ECE9-8356-43E2-B614-D776DF3DC2DF}" srcId="{393E7F46-B313-4E77-9797-D22D41EC5A03}" destId="{C9CB3786-0DB1-4998-9BFA-7ECC9C5F0DDE}" srcOrd="0" destOrd="0" parTransId="{0E603B5F-E788-4075-9EE8-6B92BD9BB1C6}" sibTransId="{7DBE4023-B152-423B-8602-7781CB8577AE}"/>
     <dgm:cxn modelId="{408049A4-04EC-42E5-AF64-48679D607DD0}" srcId="{3E04EA27-BE6A-44A3-A3D4-2CA4C32FFFF1}" destId="{FF7302D4-DF56-4D05-A039-49D494387244}" srcOrd="0" destOrd="0" parTransId="{D4A43A0A-08CA-47F1-8162-BEC510EB34F5}" sibTransId="{2DF987A6-F136-45BC-97D9-2328C9ACEA14}"/>
+    <dgm:cxn modelId="{CA8B197C-6DF2-4384-8BED-6C6211A4692F}" type="presOf" srcId="{28182505-8186-4B77-AAED-7D73BD2EC62F}" destId="{59A576FD-DEA1-4973-B0CA-89D07BC9EE75}" srcOrd="0" destOrd="0" presId="urn:microsoft.com/office/officeart/2005/8/layout/hierarchy3"/>
     <dgm:cxn modelId="{730F44F3-0F16-4DC7-94FF-A657B4144452}" type="presOf" srcId="{FF7302D4-DF56-4D05-A039-49D494387244}" destId="{97C6F11A-5991-412B-8918-0D15E3AC825F}" srcOrd="0" destOrd="1" presId="urn:microsoft.com/office/officeart/2005/8/layout/hierarchy3"/>
-    <dgm:cxn modelId="{CA8B197C-6DF2-4384-8BED-6C6211A4692F}" type="presOf" srcId="{28182505-8186-4B77-AAED-7D73BD2EC62F}" destId="{59A576FD-DEA1-4973-B0CA-89D07BC9EE75}" srcOrd="0" destOrd="0" presId="urn:microsoft.com/office/officeart/2005/8/layout/hierarchy3"/>
     <dgm:cxn modelId="{40756456-B1A5-4647-AF0B-6BC04E8D387D}" type="presParOf" srcId="{2655004E-649B-4D47-A2B9-0F2E94C643CB}" destId="{337FD4D9-A838-445B-9526-C66711C47A35}" srcOrd="0" destOrd="0" presId="urn:microsoft.com/office/officeart/2005/8/layout/hierarchy3"/>
     <dgm:cxn modelId="{BCE4A16B-AB27-4FA4-A6DD-B2C100F4B745}" type="presParOf" srcId="{337FD4D9-A838-445B-9526-C66711C47A35}" destId="{F50E9F67-7CBD-4601-8AA2-A892E09D1946}" srcOrd="0" destOrd="0" presId="urn:microsoft.com/office/officeart/2005/8/layout/hierarchy3"/>
     <dgm:cxn modelId="{4B6627DE-80EB-4875-A1ED-CE6CCC33067C}" type="presParOf" srcId="{F50E9F67-7CBD-4601-8AA2-A892E09D1946}" destId="{1F4999A6-8239-4781-8813-D424C1999DB7}" srcOrd="0" destOrd="0" presId="urn:microsoft.com/office/officeart/2005/8/layout/hierarchy3"/>
@@ -10073,7 +10091,7 @@
       <dsp:spPr>
         <a:xfrm rot="16200000">
           <a:off x="-204853" y="208644"/>
-          <a:ext cx="4064000" cy="3646711"/>
+          <a:ext cx="4063999" cy="3646711"/>
         </a:xfrm>
         <a:prstGeom prst="flowChartManualOperation">
           <a:avLst/>
@@ -10228,19 +10246,7 @@
             <a:rPr lang="es-CL" sz="2200" kern="1200" dirty="0" smtClean="0">
               <a:latin typeface="Futura Lt BT"/>
             </a:rPr>
-            <a:t>Framework </a:t>
-          </a:r>
-          <a:r>
-            <a:rPr lang="es-CL" sz="2200" kern="1200" dirty="0" err="1" smtClean="0">
-              <a:latin typeface="Futura Lt BT"/>
-            </a:rPr>
-            <a:t>.Net</a:t>
-          </a:r>
-          <a:r>
-            <a:rPr lang="es-CL" sz="2200" kern="1200" dirty="0" smtClean="0">
-              <a:latin typeface="Futura Lt BT"/>
-            </a:rPr>
-            <a:t> 3.5 SP1</a:t>
+            <a:t>Framework .Net 3.5 SP1</a:t>
           </a:r>
           <a:endParaRPr lang="es-CL" sz="2200" kern="1200" dirty="0">
             <a:latin typeface="Futura Lt BT"/>
@@ -10263,7 +10269,13 @@
             <a:rPr lang="es-CL" sz="2200" kern="1200" dirty="0" smtClean="0">
               <a:latin typeface="Futura Lt BT"/>
             </a:rPr>
-            <a:t>SQL Server</a:t>
+            <a:t>SQL </a:t>
+          </a:r>
+          <a:r>
+            <a:rPr lang="es-CL" sz="2200" kern="1200" dirty="0" smtClean="0">
+              <a:latin typeface="Futura Lt BT"/>
+            </a:rPr>
+            <a:t>Server 2005</a:t>
           </a:r>
           <a:endParaRPr lang="es-CL" sz="2200" kern="1200" dirty="0">
             <a:latin typeface="Futura Lt BT"/>
@@ -10272,7 +10284,7 @@
       </dsp:txBody>
       <dsp:txXfrm rot="16200000">
         <a:off x="-204853" y="208644"/>
-        <a:ext cx="4064000" cy="3646711"/>
+        <a:ext cx="4063999" cy="3646711"/>
       </dsp:txXfrm>
     </dsp:sp>
     <dsp:sp modelId="{6B7D2FE9-FA86-4E82-9996-41C9EC07B79C}" macro="" textlink="">
@@ -11225,12 +11237,12 @@
         <a:fontRef idx="minor"/>
       </dsp:style>
       <dsp:txBody>
-        <a:bodyPr spcFirstLastPara="0" vert="horz" wrap="square" lIns="40005" tIns="26670" rIns="40005" bIns="26670" numCol="1" spcCol="1270" anchor="t" anchorCtr="0">
+        <a:bodyPr spcFirstLastPara="0" vert="horz" wrap="square" lIns="34290" tIns="22860" rIns="34290" bIns="22860" numCol="1" spcCol="1270" anchor="t" anchorCtr="0">
           <a:noAutofit/>
         </a:bodyPr>
         <a:lstStyle/>
         <a:p>
-          <a:pPr lvl="0" algn="l" defTabSz="933450">
+          <a:pPr lvl="0" algn="l" defTabSz="800100">
             <a:lnSpc>
               <a:spcPct val="90000"/>
             </a:lnSpc>
@@ -11242,17 +11254,29 @@
             </a:spcAft>
           </a:pPr>
           <a:r>
-            <a:rPr lang="es-CL" sz="2100" kern="1200" dirty="0" smtClean="0">
+            <a:rPr lang="es-CL" sz="1800" kern="1200" dirty="0" smtClean="0">
               <a:latin typeface="Futura Lt BT"/>
             </a:rPr>
-            <a:t>SQL Server Estándar</a:t>
+            <a:t>SQL </a:t>
           </a:r>
-          <a:endParaRPr lang="es-CL" sz="2100" kern="1200" dirty="0">
+          <a:r>
+            <a:rPr lang="es-CL" sz="1800" kern="1200" dirty="0" smtClean="0">
+              <a:latin typeface="Futura Lt BT"/>
+            </a:rPr>
+            <a:t>Server 2005 </a:t>
+          </a:r>
+          <a:r>
+            <a:rPr lang="es-CL" sz="1800" kern="1200" dirty="0" smtClean="0">
+              <a:latin typeface="Futura Lt BT"/>
+            </a:rPr>
+            <a:t>Estándar</a:t>
+          </a:r>
+          <a:endParaRPr lang="es-CL" sz="1800" kern="1200" dirty="0">
             <a:latin typeface="Futura Lt BT"/>
           </a:endParaRPr>
         </a:p>
         <a:p>
-          <a:pPr marL="171450" lvl="1" indent="-171450" algn="l" defTabSz="711200">
+          <a:pPr marL="114300" lvl="1" indent="-114300" algn="l" defTabSz="622300">
             <a:lnSpc>
               <a:spcPct val="90000"/>
             </a:lnSpc>
@@ -11265,12 +11289,12 @@
             <a:buChar char="••"/>
           </a:pPr>
           <a:r>
-            <a:rPr lang="es-CL" sz="1600" kern="1200" dirty="0" smtClean="0">
+            <a:rPr lang="es-CL" sz="1400" kern="1200" dirty="0" smtClean="0">
               <a:latin typeface="Futura Lt BT"/>
             </a:rPr>
             <a:t>$1.427.570</a:t>
           </a:r>
-          <a:endParaRPr lang="es-CL" sz="1600" kern="1200" dirty="0">
+          <a:endParaRPr lang="es-CL" sz="1400" kern="1200" dirty="0">
             <a:latin typeface="Futura Lt BT"/>
           </a:endParaRPr>
         </a:p>
@@ -11389,12 +11413,12 @@
         <a:fontRef idx="minor"/>
       </dsp:style>
       <dsp:txBody>
-        <a:bodyPr spcFirstLastPara="0" vert="horz" wrap="square" lIns="40005" tIns="26670" rIns="40005" bIns="26670" numCol="1" spcCol="1270" anchor="t" anchorCtr="0">
+        <a:bodyPr spcFirstLastPara="0" vert="horz" wrap="square" lIns="34290" tIns="22860" rIns="34290" bIns="22860" numCol="1" spcCol="1270" anchor="t" anchorCtr="0">
           <a:noAutofit/>
         </a:bodyPr>
         <a:lstStyle/>
         <a:p>
-          <a:pPr lvl="0" algn="l" defTabSz="933450">
+          <a:pPr lvl="0" algn="l" defTabSz="800100">
             <a:lnSpc>
               <a:spcPct val="90000"/>
             </a:lnSpc>
@@ -11406,17 +11430,29 @@
             </a:spcAft>
           </a:pPr>
           <a:r>
-            <a:rPr lang="es-CL" sz="2100" kern="1200" dirty="0" smtClean="0">
+            <a:rPr lang="es-CL" sz="1800" kern="1200" dirty="0" smtClean="0">
               <a:latin typeface="Futura Lt BT"/>
             </a:rPr>
-            <a:t>SQL Server Express</a:t>
+            <a:t>SQL </a:t>
           </a:r>
-          <a:endParaRPr lang="es-CL" sz="2100" kern="1200" dirty="0">
+          <a:r>
+            <a:rPr lang="es-CL" sz="1800" kern="1200" dirty="0" smtClean="0">
+              <a:latin typeface="Futura Lt BT"/>
+            </a:rPr>
+            <a:t>Server 2005 </a:t>
+          </a:r>
+          <a:r>
+            <a:rPr lang="es-CL" sz="1800" kern="1200" dirty="0" smtClean="0">
+              <a:latin typeface="Futura Lt BT"/>
+            </a:rPr>
+            <a:t>Express</a:t>
+          </a:r>
+          <a:endParaRPr lang="es-CL" sz="1800" kern="1200" dirty="0">
             <a:latin typeface="Futura Lt BT"/>
           </a:endParaRPr>
         </a:p>
         <a:p>
-          <a:pPr marL="171450" lvl="1" indent="-171450" algn="l" defTabSz="711200">
+          <a:pPr marL="114300" lvl="1" indent="-114300" algn="l" defTabSz="622300">
             <a:lnSpc>
               <a:spcPct val="90000"/>
             </a:lnSpc>
@@ -11429,12 +11465,12 @@
             <a:buChar char="••"/>
           </a:pPr>
           <a:r>
-            <a:rPr lang="es-CL" sz="1600" kern="1200" dirty="0" smtClean="0">
+            <a:rPr lang="es-CL" sz="1400" kern="1200" dirty="0" smtClean="0">
               <a:latin typeface="Futura Lt BT"/>
             </a:rPr>
             <a:t>$757.570</a:t>
           </a:r>
-          <a:endParaRPr lang="es-CL" sz="1600" kern="1200" dirty="0">
+          <a:endParaRPr lang="es-CL" sz="1400" kern="1200" dirty="0">
             <a:latin typeface="Futura Lt BT"/>
           </a:endParaRPr>
         </a:p>
@@ -11661,12 +11697,12 @@
         <a:fontRef idx="minor"/>
       </dsp:style>
       <dsp:txBody>
-        <a:bodyPr spcFirstLastPara="0" vert="horz" wrap="square" lIns="40005" tIns="26670" rIns="40005" bIns="26670" numCol="1" spcCol="1270" anchor="t" anchorCtr="0">
+        <a:bodyPr spcFirstLastPara="0" vert="horz" wrap="square" lIns="34290" tIns="22860" rIns="34290" bIns="22860" numCol="1" spcCol="1270" anchor="t" anchorCtr="0">
           <a:noAutofit/>
         </a:bodyPr>
         <a:lstStyle/>
         <a:p>
-          <a:pPr lvl="0" algn="l" defTabSz="933450">
+          <a:pPr lvl="0" algn="l" defTabSz="800100">
             <a:lnSpc>
               <a:spcPct val="90000"/>
             </a:lnSpc>
@@ -11678,17 +11714,17 @@
             </a:spcAft>
           </a:pPr>
           <a:r>
-            <a:rPr lang="es-CL" sz="2100" kern="1200" dirty="0" smtClean="0">
+            <a:rPr lang="es-CL" sz="1800" kern="1200" dirty="0" smtClean="0">
               <a:latin typeface="Futura Lt BT"/>
             </a:rPr>
             <a:t>Con Windows XP</a:t>
           </a:r>
-          <a:endParaRPr lang="es-CL" sz="2100" kern="1200" dirty="0">
+          <a:endParaRPr lang="es-CL" sz="1800" kern="1200" dirty="0">
             <a:latin typeface="Futura Lt BT"/>
           </a:endParaRPr>
         </a:p>
         <a:p>
-          <a:pPr marL="171450" lvl="1" indent="-171450" algn="l" defTabSz="711200">
+          <a:pPr marL="114300" lvl="1" indent="-114300" algn="l" defTabSz="622300">
             <a:lnSpc>
               <a:spcPct val="90000"/>
             </a:lnSpc>
@@ -11701,12 +11737,12 @@
             <a:buChar char="••"/>
           </a:pPr>
           <a:r>
-            <a:rPr lang="es-CL" sz="1600" kern="1200" dirty="0" smtClean="0">
+            <a:rPr lang="es-CL" sz="1400" kern="1200" dirty="0" smtClean="0">
               <a:latin typeface="Futura Lt BT"/>
             </a:rPr>
             <a:t>$366.137</a:t>
           </a:r>
-          <a:endParaRPr lang="es-CL" sz="1600" kern="1200" dirty="0">
+          <a:endParaRPr lang="es-CL" sz="1400" kern="1200" dirty="0">
             <a:latin typeface="Futura Lt BT"/>
           </a:endParaRPr>
         </a:p>
@@ -11825,12 +11861,12 @@
         <a:fontRef idx="minor"/>
       </dsp:style>
       <dsp:txBody>
-        <a:bodyPr spcFirstLastPara="0" vert="horz" wrap="square" lIns="40005" tIns="26670" rIns="40005" bIns="26670" numCol="1" spcCol="1270" anchor="t" anchorCtr="0">
+        <a:bodyPr spcFirstLastPara="0" vert="horz" wrap="square" lIns="34290" tIns="22860" rIns="34290" bIns="22860" numCol="1" spcCol="1270" anchor="t" anchorCtr="0">
           <a:noAutofit/>
         </a:bodyPr>
         <a:lstStyle/>
         <a:p>
-          <a:pPr lvl="0" algn="l" defTabSz="933450">
+          <a:pPr lvl="0" algn="l" defTabSz="800100">
             <a:lnSpc>
               <a:spcPct val="90000"/>
             </a:lnSpc>
@@ -11842,17 +11878,17 @@
             </a:spcAft>
           </a:pPr>
           <a:r>
-            <a:rPr lang="es-CL" sz="2100" kern="1200" dirty="0" smtClean="0">
+            <a:rPr lang="es-CL" sz="1800" kern="1200" dirty="0" smtClean="0">
               <a:latin typeface="Futura Lt BT"/>
             </a:rPr>
             <a:t>Sin sistema operativo</a:t>
           </a:r>
-          <a:endParaRPr lang="es-CL" sz="2100" kern="1200" dirty="0">
+          <a:endParaRPr lang="es-CL" sz="1800" kern="1200" dirty="0">
             <a:latin typeface="Futura Lt BT"/>
           </a:endParaRPr>
         </a:p>
         <a:p>
-          <a:pPr marL="171450" lvl="1" indent="-171450" algn="l" defTabSz="711200">
+          <a:pPr marL="114300" lvl="1" indent="-114300" algn="l" defTabSz="622300">
             <a:lnSpc>
               <a:spcPct val="90000"/>
             </a:lnSpc>
@@ -11865,12 +11901,12 @@
             <a:buChar char="••"/>
           </a:pPr>
           <a:r>
-            <a:rPr lang="es-CL" sz="1600" kern="1200" dirty="0" smtClean="0">
+            <a:rPr lang="es-CL" sz="1400" kern="1200" dirty="0" smtClean="0">
               <a:latin typeface="Futura Lt BT"/>
             </a:rPr>
             <a:t>$259.765</a:t>
           </a:r>
-          <a:endParaRPr lang="es-CL" sz="1600" kern="1200" dirty="0">
+          <a:endParaRPr lang="es-CL" sz="1400" kern="1200" dirty="0">
             <a:latin typeface="Futura Lt BT"/>
           </a:endParaRPr>
         </a:p>

--- a/sigset/documentos/Documentos finales/Presentacion.pptx
+++ b/sigset/documentos/Documentos finales/Presentacion.pptx
@@ -28,8 +28,8 @@
     <p:sldId id="352" r:id="rId16"/>
     <p:sldId id="353" r:id="rId17"/>
     <p:sldId id="354" r:id="rId18"/>
-    <p:sldId id="355" r:id="rId19"/>
-    <p:sldId id="364" r:id="rId20"/>
+    <p:sldId id="364" r:id="rId19"/>
+    <p:sldId id="355" r:id="rId20"/>
     <p:sldId id="372" r:id="rId21"/>
     <p:sldId id="357" r:id="rId22"/>
     <p:sldId id="337" r:id="rId23"/>
@@ -5842,13 +5842,7 @@
             <a:rPr lang="es-CL" dirty="0" smtClean="0">
               <a:latin typeface="Futura Lt BT"/>
             </a:rPr>
-            <a:t>SQL </a:t>
-          </a:r>
-          <a:r>
-            <a:rPr lang="es-CL" dirty="0" smtClean="0">
-              <a:latin typeface="Futura Lt BT"/>
-            </a:rPr>
-            <a:t>Server 2005</a:t>
+            <a:t>SQL Server 2005</a:t>
           </a:r>
           <a:endParaRPr lang="es-CL" dirty="0">
             <a:latin typeface="Futura Lt BT"/>
@@ -6884,19 +6878,7 @@
             <a:rPr lang="es-CL" dirty="0" smtClean="0">
               <a:latin typeface="Futura Lt BT"/>
             </a:rPr>
-            <a:t>SQL </a:t>
-          </a:r>
-          <a:r>
-            <a:rPr lang="es-CL" dirty="0" smtClean="0">
-              <a:latin typeface="Futura Lt BT"/>
-            </a:rPr>
-            <a:t>Server 2005 </a:t>
-          </a:r>
-          <a:r>
-            <a:rPr lang="es-CL" dirty="0" smtClean="0">
-              <a:latin typeface="Futura Lt BT"/>
-            </a:rPr>
-            <a:t>Estándar</a:t>
+            <a:t>SQL Server 2005 Estándar</a:t>
           </a:r>
           <a:endParaRPr lang="es-CL" dirty="0">
             <a:latin typeface="Futura Lt BT"/>
@@ -6941,19 +6923,7 @@
             <a:rPr lang="es-CL" dirty="0" smtClean="0">
               <a:latin typeface="Futura Lt BT"/>
             </a:rPr>
-            <a:t>SQL </a:t>
-          </a:r>
-          <a:r>
-            <a:rPr lang="es-CL" dirty="0" smtClean="0">
-              <a:latin typeface="Futura Lt BT"/>
-            </a:rPr>
-            <a:t>Server 2005 </a:t>
-          </a:r>
-          <a:r>
-            <a:rPr lang="es-CL" dirty="0" smtClean="0">
-              <a:latin typeface="Futura Lt BT"/>
-            </a:rPr>
-            <a:t>Express</a:t>
+            <a:t>SQL Server 2005 Express</a:t>
           </a:r>
           <a:endParaRPr lang="es-CL" dirty="0">
             <a:latin typeface="Futura Lt BT"/>
@@ -7520,8 +7490,8 @@
     <dgm:cxn modelId="{009F14D6-CA1E-4C51-9A0D-B3F9C1E49D18}" srcId="{8C966F34-B6FE-4951-A5DC-B6B890C24F40}" destId="{3E04EA27-BE6A-44A3-A3D4-2CA4C32FFFF1}" srcOrd="0" destOrd="0" parTransId="{AE75B588-956D-4795-8BBA-14C526926D85}" sibTransId="{95BE6102-EEB0-4432-978E-FF1B073DB7AE}"/>
     <dgm:cxn modelId="{7C45ECE9-8356-43E2-B614-D776DF3DC2DF}" srcId="{393E7F46-B313-4E77-9797-D22D41EC5A03}" destId="{C9CB3786-0DB1-4998-9BFA-7ECC9C5F0DDE}" srcOrd="0" destOrd="0" parTransId="{0E603B5F-E788-4075-9EE8-6B92BD9BB1C6}" sibTransId="{7DBE4023-B152-423B-8602-7781CB8577AE}"/>
     <dgm:cxn modelId="{408049A4-04EC-42E5-AF64-48679D607DD0}" srcId="{3E04EA27-BE6A-44A3-A3D4-2CA4C32FFFF1}" destId="{FF7302D4-DF56-4D05-A039-49D494387244}" srcOrd="0" destOrd="0" parTransId="{D4A43A0A-08CA-47F1-8162-BEC510EB34F5}" sibTransId="{2DF987A6-F136-45BC-97D9-2328C9ACEA14}"/>
+    <dgm:cxn modelId="{730F44F3-0F16-4DC7-94FF-A657B4144452}" type="presOf" srcId="{FF7302D4-DF56-4D05-A039-49D494387244}" destId="{97C6F11A-5991-412B-8918-0D15E3AC825F}" srcOrd="0" destOrd="1" presId="urn:microsoft.com/office/officeart/2005/8/layout/hierarchy3"/>
     <dgm:cxn modelId="{CA8B197C-6DF2-4384-8BED-6C6211A4692F}" type="presOf" srcId="{28182505-8186-4B77-AAED-7D73BD2EC62F}" destId="{59A576FD-DEA1-4973-B0CA-89D07BC9EE75}" srcOrd="0" destOrd="0" presId="urn:microsoft.com/office/officeart/2005/8/layout/hierarchy3"/>
-    <dgm:cxn modelId="{730F44F3-0F16-4DC7-94FF-A657B4144452}" type="presOf" srcId="{FF7302D4-DF56-4D05-A039-49D494387244}" destId="{97C6F11A-5991-412B-8918-0D15E3AC825F}" srcOrd="0" destOrd="1" presId="urn:microsoft.com/office/officeart/2005/8/layout/hierarchy3"/>
     <dgm:cxn modelId="{40756456-B1A5-4647-AF0B-6BC04E8D387D}" type="presParOf" srcId="{2655004E-649B-4D47-A2B9-0F2E94C643CB}" destId="{337FD4D9-A838-445B-9526-C66711C47A35}" srcOrd="0" destOrd="0" presId="urn:microsoft.com/office/officeart/2005/8/layout/hierarchy3"/>
     <dgm:cxn modelId="{BCE4A16B-AB27-4FA4-A6DD-B2C100F4B745}" type="presParOf" srcId="{337FD4D9-A838-445B-9526-C66711C47A35}" destId="{F50E9F67-7CBD-4601-8AA2-A892E09D1946}" srcOrd="0" destOrd="0" presId="urn:microsoft.com/office/officeart/2005/8/layout/hierarchy3"/>
     <dgm:cxn modelId="{4B6627DE-80EB-4875-A1ED-CE6CCC33067C}" type="presParOf" srcId="{F50E9F67-7CBD-4601-8AA2-A892E09D1946}" destId="{1F4999A6-8239-4781-8813-D424C1999DB7}" srcOrd="0" destOrd="0" presId="urn:microsoft.com/office/officeart/2005/8/layout/hierarchy3"/>
@@ -8694,14 +8664,14 @@
 </file>
 
 <file path=ppt/diagrams/drawing1.xml><?xml version="1.0" encoding="utf-8"?>
-<dgm:drawing xmlns:dgm="http://schemas.openxmlformats.org/drawingml/2006/diagram" xmlns:a="http://schemas.openxmlformats.org/drawingml/2006/main">
-  <dsp:spTree xmlns:dsp="http://schemas.microsoft.com/office/drawing/2008/diagram">
+<dsp:drawing xmlns:dgm="http://schemas.openxmlformats.org/drawingml/2006/diagram" xmlns:a="http://schemas.openxmlformats.org/drawingml/2006/main" xmlns:dsp="http://schemas.microsoft.com/office/drawing/2008/diagram">
+  <dsp:spTree>
     <dsp:nvGrpSpPr>
       <dsp:cNvPr id="0" name=""/>
       <dsp:cNvGrpSpPr/>
     </dsp:nvGrpSpPr>
     <dsp:grpSpPr/>
-    <dsp:sp modelId="{C897771F-DC93-4AD3-8C40-0F56AD012119}" macro="" textlink="">
+    <dsp:sp modelId="{C897771F-DC93-4AD3-8C40-0F56AD012119}">
       <dsp:nvSpPr>
         <dsp:cNvPr id="0" name=""/>
         <dsp:cNvSpPr/>
@@ -8759,7 +8729,7 @@
         <a:fontRef idx="minor"/>
       </dsp:style>
     </dsp:sp>
-    <dsp:sp modelId="{7067C38B-1810-4DB2-B807-5CCA43081905}" macro="" textlink="">
+    <dsp:sp modelId="{7067C38B-1810-4DB2-B807-5CCA43081905}">
       <dsp:nvSpPr>
         <dsp:cNvPr id="0" name=""/>
         <dsp:cNvSpPr/>
@@ -8820,7 +8790,7 @@
         <a:fontRef idx="minor"/>
       </dsp:style>
     </dsp:sp>
-    <dsp:sp modelId="{67F2C483-67D0-4A41-8A9B-9354F34B051C}" macro="" textlink="">
+    <dsp:sp modelId="{67F2C483-67D0-4A41-8A9B-9354F34B051C}">
       <dsp:nvSpPr>
         <dsp:cNvPr id="0" name=""/>
         <dsp:cNvSpPr/>
@@ -8881,7 +8851,7 @@
         <a:fontRef idx="minor"/>
       </dsp:style>
     </dsp:sp>
-    <dsp:sp modelId="{5F0C548B-D49C-4B81-89F6-6D921674CBC8}" macro="" textlink="">
+    <dsp:sp modelId="{5F0C548B-D49C-4B81-89F6-6D921674CBC8}">
       <dsp:nvSpPr>
         <dsp:cNvPr id="0" name=""/>
         <dsp:cNvSpPr/>
@@ -8939,7 +8909,7 @@
         <a:fontRef idx="minor"/>
       </dsp:style>
     </dsp:sp>
-    <dsp:sp modelId="{81A24B65-9686-48A3-8394-FE12A9A3486A}" macro="" textlink="">
+    <dsp:sp modelId="{81A24B65-9686-48A3-8394-FE12A9A3486A}">
       <dsp:nvSpPr>
         <dsp:cNvPr id="0" name=""/>
         <dsp:cNvSpPr/>
@@ -9000,7 +8970,7 @@
         <a:fontRef idx="minor"/>
       </dsp:style>
     </dsp:sp>
-    <dsp:sp modelId="{424B6412-A3F9-4720-A8EB-462E252393E7}" macro="" textlink="">
+    <dsp:sp modelId="{424B6412-A3F9-4720-A8EB-462E252393E7}">
       <dsp:nvSpPr>
         <dsp:cNvPr id="0" name=""/>
         <dsp:cNvSpPr/>
@@ -9058,7 +9028,7 @@
         <a:fontRef idx="minor"/>
       </dsp:style>
     </dsp:sp>
-    <dsp:sp modelId="{9D5B2E90-2AC1-455B-80B7-33F8B232A31B}" macro="" textlink="">
+    <dsp:sp modelId="{9D5B2E90-2AC1-455B-80B7-33F8B232A31B}">
       <dsp:nvSpPr>
         <dsp:cNvPr id="0" name=""/>
         <dsp:cNvSpPr/>
@@ -9119,7 +9089,7 @@
         <a:fontRef idx="minor"/>
       </dsp:style>
     </dsp:sp>
-    <dsp:sp modelId="{C36AD766-0A53-48DB-95A4-97671A3B4CB3}" macro="" textlink="">
+    <dsp:sp modelId="{C36AD766-0A53-48DB-95A4-97671A3B4CB3}">
       <dsp:nvSpPr>
         <dsp:cNvPr id="0" name=""/>
         <dsp:cNvSpPr/>
@@ -9238,7 +9208,7 @@
         <a:ext cx="1700104" cy="850052"/>
       </dsp:txXfrm>
     </dsp:sp>
-    <dsp:sp modelId="{8EB25D34-DFC9-49A5-A024-B06E604BE7C9}" macro="" textlink="">
+    <dsp:sp modelId="{8EB25D34-DFC9-49A5-A024-B06E604BE7C9}">
       <dsp:nvSpPr>
         <dsp:cNvPr id="0" name=""/>
         <dsp:cNvSpPr/>
@@ -9357,7 +9327,7 @@
         <a:ext cx="1700104" cy="850052"/>
       </dsp:txXfrm>
     </dsp:sp>
-    <dsp:sp modelId="{D46C28A6-FB4D-445D-9E8A-E8F532501D09}" macro="" textlink="">
+    <dsp:sp modelId="{D46C28A6-FB4D-445D-9E8A-E8F532501D09}">
       <dsp:nvSpPr>
         <dsp:cNvPr id="0" name=""/>
         <dsp:cNvSpPr/>
@@ -9476,7 +9446,7 @@
         <a:ext cx="1700104" cy="850052"/>
       </dsp:txXfrm>
     </dsp:sp>
-    <dsp:sp modelId="{7A4B2369-BDEA-49EF-9522-5EA17E36EC89}" macro="" textlink="">
+    <dsp:sp modelId="{7A4B2369-BDEA-49EF-9522-5EA17E36EC89}">
       <dsp:nvSpPr>
         <dsp:cNvPr id="0" name=""/>
         <dsp:cNvSpPr/>
@@ -9595,7 +9565,7 @@
         <a:ext cx="1700104" cy="850052"/>
       </dsp:txXfrm>
     </dsp:sp>
-    <dsp:sp modelId="{B47274DF-392A-43F8-A951-62E4C65D4027}" macro="" textlink="">
+    <dsp:sp modelId="{B47274DF-392A-43F8-A951-62E4C65D4027}">
       <dsp:nvSpPr>
         <dsp:cNvPr id="0" name=""/>
         <dsp:cNvSpPr/>
@@ -9714,7 +9684,7 @@
         <a:ext cx="1700104" cy="850052"/>
       </dsp:txXfrm>
     </dsp:sp>
-    <dsp:sp modelId="{FD21C7F4-091A-479B-ADF1-28E542D19193}" macro="" textlink="">
+    <dsp:sp modelId="{FD21C7F4-091A-479B-ADF1-28E542D19193}">
       <dsp:nvSpPr>
         <dsp:cNvPr id="0" name=""/>
         <dsp:cNvSpPr/>
@@ -9833,7 +9803,7 @@
         <a:ext cx="1700104" cy="850052"/>
       </dsp:txXfrm>
     </dsp:sp>
-    <dsp:sp modelId="{6AF72E91-D475-47FD-9F9A-F3F5486D3CA3}" macro="" textlink="">
+    <dsp:sp modelId="{6AF72E91-D475-47FD-9F9A-F3F5486D3CA3}">
       <dsp:nvSpPr>
         <dsp:cNvPr id="0" name=""/>
         <dsp:cNvSpPr/>
@@ -9952,7 +9922,7 @@
         <a:ext cx="1700104" cy="850052"/>
       </dsp:txXfrm>
     </dsp:sp>
-    <dsp:sp modelId="{6193E13E-2838-4FF4-95E4-B0E8E77986D7}" macro="" textlink="">
+    <dsp:sp modelId="{6193E13E-2838-4FF4-95E4-B0E8E77986D7}">
       <dsp:nvSpPr>
         <dsp:cNvPr id="0" name=""/>
         <dsp:cNvSpPr/>
@@ -10072,18 +10042,18 @@
       </dsp:txXfrm>
     </dsp:sp>
   </dsp:spTree>
-</dgm:drawing>
+</dsp:drawing>
 </file>
 
 <file path=ppt/diagrams/drawing2.xml><?xml version="1.0" encoding="utf-8"?>
-<dgm:drawing xmlns:dgm="http://schemas.openxmlformats.org/drawingml/2006/diagram" xmlns:a="http://schemas.openxmlformats.org/drawingml/2006/main">
-  <dsp:spTree xmlns:dsp="http://schemas.microsoft.com/office/drawing/2008/diagram">
+<dsp:drawing xmlns:dgm="http://schemas.openxmlformats.org/drawingml/2006/diagram" xmlns:a="http://schemas.openxmlformats.org/drawingml/2006/main" xmlns:dsp="http://schemas.microsoft.com/office/drawing/2008/diagram">
+  <dsp:spTree>
     <dsp:nvGrpSpPr>
       <dsp:cNvPr id="0" name=""/>
       <dsp:cNvGrpSpPr/>
     </dsp:nvGrpSpPr>
     <dsp:grpSpPr/>
-    <dsp:sp modelId="{FC2C4C26-EB23-46B9-B79F-E4E7DFE0BE29}" macro="" textlink="">
+    <dsp:sp modelId="{FC2C4C26-EB23-46B9-B79F-E4E7DFE0BE29}">
       <dsp:nvSpPr>
         <dsp:cNvPr id="0" name=""/>
         <dsp:cNvSpPr/>
@@ -10091,7 +10061,7 @@
       <dsp:spPr>
         <a:xfrm rot="16200000">
           <a:off x="-204853" y="208644"/>
-          <a:ext cx="4063999" cy="3646711"/>
+          <a:ext cx="4064000" cy="3646711"/>
         </a:xfrm>
         <a:prstGeom prst="flowChartManualOperation">
           <a:avLst/>
@@ -10269,13 +10239,7 @@
             <a:rPr lang="es-CL" sz="2200" kern="1200" dirty="0" smtClean="0">
               <a:latin typeface="Futura Lt BT"/>
             </a:rPr>
-            <a:t>SQL </a:t>
-          </a:r>
-          <a:r>
-            <a:rPr lang="es-CL" sz="2200" kern="1200" dirty="0" smtClean="0">
-              <a:latin typeface="Futura Lt BT"/>
-            </a:rPr>
-            <a:t>Server 2005</a:t>
+            <a:t>SQL Server 2005</a:t>
           </a:r>
           <a:endParaRPr lang="es-CL" sz="2200" kern="1200" dirty="0">
             <a:latin typeface="Futura Lt BT"/>
@@ -10284,10 +10248,10 @@
       </dsp:txBody>
       <dsp:txXfrm rot="16200000">
         <a:off x="-204853" y="208644"/>
-        <a:ext cx="4063999" cy="3646711"/>
+        <a:ext cx="4064000" cy="3646711"/>
       </dsp:txXfrm>
     </dsp:sp>
-    <dsp:sp modelId="{6B7D2FE9-FA86-4E82-9996-41C9EC07B79C}" macro="" textlink="">
+    <dsp:sp modelId="{6B7D2FE9-FA86-4E82-9996-41C9EC07B79C}">
       <dsp:nvSpPr>
         <dsp:cNvPr id="0" name=""/>
         <dsp:cNvSpPr/>
@@ -10486,18 +10450,18 @@
       </dsp:txXfrm>
     </dsp:sp>
   </dsp:spTree>
-</dgm:drawing>
+</dsp:drawing>
 </file>
 
 <file path=ppt/diagrams/drawing3.xml><?xml version="1.0" encoding="utf-8"?>
-<dgm:drawing xmlns:dgm="http://schemas.openxmlformats.org/drawingml/2006/diagram" xmlns:a="http://schemas.openxmlformats.org/drawingml/2006/main">
-  <dsp:spTree xmlns:dsp="http://schemas.microsoft.com/office/drawing/2008/diagram">
+<dsp:drawing xmlns:dgm="http://schemas.openxmlformats.org/drawingml/2006/diagram" xmlns:a="http://schemas.openxmlformats.org/drawingml/2006/main" xmlns:dsp="http://schemas.microsoft.com/office/drawing/2008/diagram">
+  <dsp:spTree>
     <dsp:nvGrpSpPr>
       <dsp:cNvPr id="0" name=""/>
       <dsp:cNvGrpSpPr/>
     </dsp:nvGrpSpPr>
     <dsp:grpSpPr/>
-    <dsp:sp modelId="{FC2C4C26-EB23-46B9-B79F-E4E7DFE0BE29}" macro="" textlink="">
+    <dsp:sp modelId="{FC2C4C26-EB23-46B9-B79F-E4E7DFE0BE29}">
       <dsp:nvSpPr>
         <dsp:cNvPr id="0" name=""/>
         <dsp:cNvSpPr/>
@@ -10787,7 +10751,7 @@
         <a:ext cx="4667532" cy="3745270"/>
       </dsp:txXfrm>
     </dsp:sp>
-    <dsp:sp modelId="{6B7D2FE9-FA86-4E82-9996-41C9EC07B79C}" macro="" textlink="">
+    <dsp:sp modelId="{6B7D2FE9-FA86-4E82-9996-41C9EC07B79C}">
       <dsp:nvSpPr>
         <dsp:cNvPr id="0" name=""/>
         <dsp:cNvSpPr/>
@@ -11009,18 +10973,18 @@
       </dsp:txXfrm>
     </dsp:sp>
   </dsp:spTree>
-</dgm:drawing>
+</dsp:drawing>
 </file>
 
 <file path=ppt/diagrams/drawing4.xml><?xml version="1.0" encoding="utf-8"?>
-<dgm:drawing xmlns:dgm="http://schemas.openxmlformats.org/drawingml/2006/diagram" xmlns:a="http://schemas.openxmlformats.org/drawingml/2006/main">
-  <dsp:spTree xmlns:dsp="http://schemas.microsoft.com/office/drawing/2008/diagram">
+<dsp:drawing xmlns:dgm="http://schemas.openxmlformats.org/drawingml/2006/diagram" xmlns:a="http://schemas.openxmlformats.org/drawingml/2006/main" xmlns:dsp="http://schemas.microsoft.com/office/drawing/2008/diagram">
+  <dsp:spTree>
     <dsp:nvGrpSpPr>
       <dsp:cNvPr id="0" name=""/>
       <dsp:cNvGrpSpPr/>
     </dsp:nvGrpSpPr>
     <dsp:grpSpPr/>
-    <dsp:sp modelId="{1F4999A6-8239-4781-8813-D424C1999DB7}" macro="" textlink="">
+    <dsp:sp modelId="{1F4999A6-8239-4781-8813-D424C1999DB7}">
       <dsp:nvSpPr>
         <dsp:cNvPr id="0" name=""/>
         <dsp:cNvSpPr/>
@@ -11128,7 +11092,7 @@
         <a:ext cx="2069648" cy="1034824"/>
       </dsp:txXfrm>
     </dsp:sp>
-    <dsp:sp modelId="{F04531A8-0E0E-456F-8029-5DF1AED475F4}" macro="" textlink="">
+    <dsp:sp modelId="{F04531A8-0E0E-456F-8029-5DF1AED475F4}">
       <dsp:nvSpPr>
         <dsp:cNvPr id="0" name=""/>
         <dsp:cNvSpPr/>
@@ -11186,7 +11150,7 @@
         <a:fontRef idx="minor"/>
       </dsp:style>
     </dsp:sp>
-    <dsp:sp modelId="{0BC3153B-8F28-4275-89FA-295C7B170D4D}" macro="" textlink="">
+    <dsp:sp modelId="{0BC3153B-8F28-4275-89FA-295C7B170D4D}">
       <dsp:nvSpPr>
         <dsp:cNvPr id="0" name=""/>
         <dsp:cNvSpPr/>
@@ -11257,19 +11221,7 @@
             <a:rPr lang="es-CL" sz="1800" kern="1200" dirty="0" smtClean="0">
               <a:latin typeface="Futura Lt BT"/>
             </a:rPr>
-            <a:t>SQL </a:t>
-          </a:r>
-          <a:r>
-            <a:rPr lang="es-CL" sz="1800" kern="1200" dirty="0" smtClean="0">
-              <a:latin typeface="Futura Lt BT"/>
-            </a:rPr>
-            <a:t>Server 2005 </a:t>
-          </a:r>
-          <a:r>
-            <a:rPr lang="es-CL" sz="1800" kern="1200" dirty="0" smtClean="0">
-              <a:latin typeface="Futura Lt BT"/>
-            </a:rPr>
-            <a:t>Estándar</a:t>
+            <a:t>SQL Server 2005 Estándar</a:t>
           </a:r>
           <a:endParaRPr lang="es-CL" sz="1800" kern="1200" dirty="0">
             <a:latin typeface="Futura Lt BT"/>
@@ -11304,7 +11256,7 @@
         <a:ext cx="1655718" cy="1034824"/>
       </dsp:txXfrm>
     </dsp:sp>
-    <dsp:sp modelId="{68061971-2FEF-4ACD-8852-8391D8261656}" macro="" textlink="">
+    <dsp:sp modelId="{68061971-2FEF-4ACD-8852-8391D8261656}">
       <dsp:nvSpPr>
         <dsp:cNvPr id="0" name=""/>
         <dsp:cNvSpPr/>
@@ -11362,7 +11314,7 @@
         <a:fontRef idx="minor"/>
       </dsp:style>
     </dsp:sp>
-    <dsp:sp modelId="{59A576FD-DEA1-4973-B0CA-89D07BC9EE75}" macro="" textlink="">
+    <dsp:sp modelId="{59A576FD-DEA1-4973-B0CA-89D07BC9EE75}">
       <dsp:nvSpPr>
         <dsp:cNvPr id="0" name=""/>
         <dsp:cNvSpPr/>
@@ -11433,19 +11385,7 @@
             <a:rPr lang="es-CL" sz="1800" kern="1200" dirty="0" smtClean="0">
               <a:latin typeface="Futura Lt BT"/>
             </a:rPr>
-            <a:t>SQL </a:t>
-          </a:r>
-          <a:r>
-            <a:rPr lang="es-CL" sz="1800" kern="1200" dirty="0" smtClean="0">
-              <a:latin typeface="Futura Lt BT"/>
-            </a:rPr>
-            <a:t>Server 2005 </a:t>
-          </a:r>
-          <a:r>
-            <a:rPr lang="es-CL" sz="1800" kern="1200" dirty="0" smtClean="0">
-              <a:latin typeface="Futura Lt BT"/>
-            </a:rPr>
-            <a:t>Express</a:t>
+            <a:t>SQL Server 2005 Express</a:t>
           </a:r>
           <a:endParaRPr lang="es-CL" sz="1800" kern="1200" dirty="0">
             <a:latin typeface="Futura Lt BT"/>
@@ -11480,7 +11420,7 @@
         <a:ext cx="1655718" cy="1034824"/>
       </dsp:txXfrm>
     </dsp:sp>
-    <dsp:sp modelId="{CEE56D0B-B5B3-4DC1-B7C4-3E4B6CE09745}" macro="" textlink="">
+    <dsp:sp modelId="{CEE56D0B-B5B3-4DC1-B7C4-3E4B6CE09745}">
       <dsp:nvSpPr>
         <dsp:cNvPr id="0" name=""/>
         <dsp:cNvSpPr/>
@@ -11588,7 +11528,7 @@
         <a:ext cx="2069648" cy="1034824"/>
       </dsp:txXfrm>
     </dsp:sp>
-    <dsp:sp modelId="{669266AF-E596-40CA-B9F3-BAFD198E1E3F}" macro="" textlink="">
+    <dsp:sp modelId="{669266AF-E596-40CA-B9F3-BAFD198E1E3F}">
       <dsp:nvSpPr>
         <dsp:cNvPr id="0" name=""/>
         <dsp:cNvSpPr/>
@@ -11646,7 +11586,7 @@
         <a:fontRef idx="minor"/>
       </dsp:style>
     </dsp:sp>
-    <dsp:sp modelId="{97C6F11A-5991-412B-8918-0D15E3AC825F}" macro="" textlink="">
+    <dsp:sp modelId="{97C6F11A-5991-412B-8918-0D15E3AC825F}">
       <dsp:nvSpPr>
         <dsp:cNvPr id="0" name=""/>
         <dsp:cNvSpPr/>
@@ -11752,7 +11692,7 @@
         <a:ext cx="1655718" cy="1034824"/>
       </dsp:txXfrm>
     </dsp:sp>
-    <dsp:sp modelId="{34A1F7D0-9E75-4E0D-8D40-3106DAC779EC}" macro="" textlink="">
+    <dsp:sp modelId="{34A1F7D0-9E75-4E0D-8D40-3106DAC779EC}">
       <dsp:nvSpPr>
         <dsp:cNvPr id="0" name=""/>
         <dsp:cNvSpPr/>
@@ -11810,7 +11750,7 @@
         <a:fontRef idx="minor"/>
       </dsp:style>
     </dsp:sp>
-    <dsp:sp modelId="{C98D2BE6-398C-4DC5-B4E1-62EBCCB9DEC5}" macro="" textlink="">
+    <dsp:sp modelId="{C98D2BE6-398C-4DC5-B4E1-62EBCCB9DEC5}">
       <dsp:nvSpPr>
         <dsp:cNvPr id="0" name=""/>
         <dsp:cNvSpPr/>
@@ -11917,18 +11857,18 @@
       </dsp:txXfrm>
     </dsp:sp>
   </dsp:spTree>
-</dgm:drawing>
+</dsp:drawing>
 </file>
 
 <file path=ppt/diagrams/drawing5.xml><?xml version="1.0" encoding="utf-8"?>
-<dgm:drawing xmlns:dgm="http://schemas.openxmlformats.org/drawingml/2006/diagram" xmlns:a="http://schemas.openxmlformats.org/drawingml/2006/main">
-  <dsp:spTree xmlns:dsp="http://schemas.microsoft.com/office/drawing/2008/diagram">
+<dsp:drawing xmlns:dgm="http://schemas.openxmlformats.org/drawingml/2006/diagram" xmlns:a="http://schemas.openxmlformats.org/drawingml/2006/main" xmlns:dsp="http://schemas.microsoft.com/office/drawing/2008/diagram">
+  <dsp:spTree>
     <dsp:nvGrpSpPr>
       <dsp:cNvPr id="0" name=""/>
       <dsp:cNvGrpSpPr/>
     </dsp:nvGrpSpPr>
     <dsp:grpSpPr/>
-    <dsp:sp modelId="{25C28955-7066-4C2E-BFD1-AC5B4C6E6806}" macro="" textlink="">
+    <dsp:sp modelId="{25C28955-7066-4C2E-BFD1-AC5B4C6E6806}">
       <dsp:nvSpPr>
         <dsp:cNvPr id="0" name=""/>
         <dsp:cNvSpPr/>
@@ -12049,7 +11989,7 @@
         <a:ext cx="8456413" cy="883130"/>
       </dsp:txXfrm>
     </dsp:sp>
-    <dsp:sp modelId="{40309438-7423-4300-AFFA-25C817D86DDD}" macro="" textlink="">
+    <dsp:sp modelId="{40309438-7423-4300-AFFA-25C817D86DDD}">
       <dsp:nvSpPr>
         <dsp:cNvPr id="0" name=""/>
         <dsp:cNvSpPr/>
@@ -12168,7 +12108,7 @@
         <a:ext cx="1022170" cy="883130"/>
       </dsp:txXfrm>
     </dsp:sp>
-    <dsp:sp modelId="{7F7F210A-07D7-480E-AE58-DB716CBE9009}" macro="" textlink="">
+    <dsp:sp modelId="{7F7F210A-07D7-480E-AE58-DB716CBE9009}">
       <dsp:nvSpPr>
         <dsp:cNvPr id="0" name=""/>
         <dsp:cNvSpPr/>
@@ -12287,7 +12227,7 @@
         <a:ext cx="1022170" cy="883130"/>
       </dsp:txXfrm>
     </dsp:sp>
-    <dsp:sp modelId="{AADBF77C-178E-4139-8C67-FCE5DFA99823}" macro="" textlink="">
+    <dsp:sp modelId="{AADBF77C-178E-4139-8C67-FCE5DFA99823}">
       <dsp:nvSpPr>
         <dsp:cNvPr id="0" name=""/>
         <dsp:cNvSpPr/>
@@ -12406,7 +12346,7 @@
         <a:ext cx="6240348" cy="883130"/>
       </dsp:txXfrm>
     </dsp:sp>
-    <dsp:sp modelId="{611BF421-F454-4287-A431-48516D67493F}" macro="" textlink="">
+    <dsp:sp modelId="{611BF421-F454-4287-A431-48516D67493F}">
       <dsp:nvSpPr>
         <dsp:cNvPr id="0" name=""/>
         <dsp:cNvSpPr/>
@@ -12525,7 +12465,7 @@
         <a:ext cx="6240348" cy="883130"/>
       </dsp:txXfrm>
     </dsp:sp>
-    <dsp:sp modelId="{952EDF37-CE28-4FE6-8BD5-FC4293EA5855}" macro="" textlink="">
+    <dsp:sp modelId="{952EDF37-CE28-4FE6-8BD5-FC4293EA5855}">
       <dsp:nvSpPr>
         <dsp:cNvPr id="0" name=""/>
         <dsp:cNvSpPr/>
@@ -12644,7 +12584,7 @@
         <a:ext cx="1022170" cy="883130"/>
       </dsp:txXfrm>
     </dsp:sp>
-    <dsp:sp modelId="{F3CD9F44-478F-4DA4-8E9B-26D44E92D5FC}" macro="" textlink="">
+    <dsp:sp modelId="{F3CD9F44-478F-4DA4-8E9B-26D44E92D5FC}">
       <dsp:nvSpPr>
         <dsp:cNvPr id="0" name=""/>
         <dsp:cNvSpPr/>
@@ -12763,7 +12703,7 @@
         <a:ext cx="1022170" cy="883130"/>
       </dsp:txXfrm>
     </dsp:sp>
-    <dsp:sp modelId="{244A69D9-6CC8-4087-AF96-9B56DD27CD25}" macro="" textlink="">
+    <dsp:sp modelId="{244A69D9-6CC8-4087-AF96-9B56DD27CD25}">
       <dsp:nvSpPr>
         <dsp:cNvPr id="0" name=""/>
         <dsp:cNvSpPr/>
@@ -12882,7 +12822,7 @@
         <a:ext cx="1022170" cy="883130"/>
       </dsp:txXfrm>
     </dsp:sp>
-    <dsp:sp modelId="{F22370EF-86CC-4C21-96DF-D8DD58F1673C}" macro="" textlink="">
+    <dsp:sp modelId="{F22370EF-86CC-4C21-96DF-D8DD58F1673C}">
       <dsp:nvSpPr>
         <dsp:cNvPr id="0" name=""/>
         <dsp:cNvSpPr/>
@@ -13001,7 +12941,7 @@
         <a:ext cx="4153077" cy="883130"/>
       </dsp:txXfrm>
     </dsp:sp>
-    <dsp:sp modelId="{589FBF1F-7F45-4CE4-9047-159C42071C50}" macro="" textlink="">
+    <dsp:sp modelId="{589FBF1F-7F45-4CE4-9047-159C42071C50}">
       <dsp:nvSpPr>
         <dsp:cNvPr id="0" name=""/>
         <dsp:cNvSpPr/>
@@ -13120,7 +13060,7 @@
         <a:ext cx="1022170" cy="883130"/>
       </dsp:txXfrm>
     </dsp:sp>
-    <dsp:sp modelId="{4CE52578-7C2A-407C-ADEC-05AE734C9137}" macro="" textlink="">
+    <dsp:sp modelId="{4CE52578-7C2A-407C-ADEC-05AE734C9137}">
       <dsp:nvSpPr>
         <dsp:cNvPr id="0" name=""/>
         <dsp:cNvSpPr/>
@@ -13239,7 +13179,7 @@
         <a:ext cx="1022170" cy="883130"/>
       </dsp:txXfrm>
     </dsp:sp>
-    <dsp:sp modelId="{BFA502BE-2E62-4080-8208-1E5E98B7B990}" macro="" textlink="">
+    <dsp:sp modelId="{BFA502BE-2E62-4080-8208-1E5E98B7B990}">
       <dsp:nvSpPr>
         <dsp:cNvPr id="0" name=""/>
         <dsp:cNvSpPr/>
@@ -13358,7 +13298,7 @@
         <a:ext cx="1022170" cy="883130"/>
       </dsp:txXfrm>
     </dsp:sp>
-    <dsp:sp modelId="{359DCAA5-DE04-4E6A-AD9D-31FC80443D67}" macro="" textlink="">
+    <dsp:sp modelId="{359DCAA5-DE04-4E6A-AD9D-31FC80443D67}">
       <dsp:nvSpPr>
         <dsp:cNvPr id="0" name=""/>
         <dsp:cNvSpPr/>
@@ -13478,7 +13418,7 @@
       </dsp:txXfrm>
     </dsp:sp>
   </dsp:spTree>
-</dgm:drawing>
+</dsp:drawing>
 </file>
 
 <file path=ppt/diagrams/layout1.xml><?xml version="1.0" encoding="utf-8"?>
@@ -31153,87 +31093,44 @@
                 <a:latin typeface="Arial" pitchFamily="34" charset="0"/>
                 <a:cs typeface="Arial" pitchFamily="34" charset="0"/>
               </a:rPr>
-              <a:t>Casos de uso</a:t>
+              <a:t>Modelo de datos, orden trabajo</a:t>
             </a:r>
-            <a:endParaRPr lang="es-CL" sz="2800" b="1" cap="all" dirty="0">
-              <a:ln w="9000" cmpd="sng">
-                <a:solidFill>
-                  <a:schemeClr val="accent4">
-                    <a:shade val="50000"/>
-                    <a:satMod val="120000"/>
-                  </a:schemeClr>
-                </a:solidFill>
-                <a:prstDash val="solid"/>
-              </a:ln>
-              <a:gradFill>
-                <a:gsLst>
-                  <a:gs pos="0">
-                    <a:schemeClr val="accent4">
-                      <a:shade val="20000"/>
-                      <a:satMod val="245000"/>
-                    </a:schemeClr>
-                  </a:gs>
-                  <a:gs pos="43000">
-                    <a:schemeClr val="accent4">
-                      <a:satMod val="255000"/>
-                    </a:schemeClr>
-                  </a:gs>
-                  <a:gs pos="48000">
-                    <a:schemeClr val="accent4">
-                      <a:shade val="85000"/>
-                      <a:satMod val="255000"/>
-                    </a:schemeClr>
-                  </a:gs>
-                  <a:gs pos="100000">
-                    <a:schemeClr val="accent4">
-                      <a:shade val="20000"/>
-                      <a:satMod val="245000"/>
-                    </a:schemeClr>
-                  </a:gs>
-                </a:gsLst>
-                <a:lin ang="5400000"/>
-              </a:gradFill>
-              <a:effectLst>
-                <a:reflection blurRad="12700" stA="28000" endPos="45000" dist="1000" dir="5400000" sy="-100000" algn="bl" rotWithShape="0"/>
-              </a:effectLst>
-              <a:latin typeface="Arial" pitchFamily="34" charset="0"/>
-              <a:cs typeface="Arial" pitchFamily="34" charset="0"/>
-            </a:endParaRPr>
           </a:p>
         </p:txBody>
       </p:sp>
       <p:pic>
         <p:nvPicPr>
-          <p:cNvPr id="8" name="8 Imagen" descr="casoUso.png"/>
-          <p:cNvPicPr/>
-          <p:nvPr/>
+          <p:cNvPr id="11" name="10 Marcador de contenido" descr="modeloOrden.png"/>
+          <p:cNvPicPr>
+            <a:picLocks noGrp="1" noChangeAspect="1"/>
+          </p:cNvPicPr>
+          <p:nvPr>
+            <p:ph idx="1"/>
+          </p:nvPr>
         </p:nvPicPr>
         <p:blipFill>
           <a:blip r:embed="rId3" cstate="print">
-            <a:lum bright="-20000" contrast="40000"/>
+            <a:clrChange>
+              <a:clrFrom>
+                <a:srgbClr val="FFFFFF"/>
+              </a:clrFrom>
+              <a:clrTo>
+                <a:srgbClr val="FFFFFF">
+                  <a:alpha val="0"/>
+                </a:srgbClr>
+              </a:clrTo>
+            </a:clrChange>
           </a:blip>
+          <a:srcRect r="51932" b="36391"/>
           <a:stretch>
             <a:fillRect/>
           </a:stretch>
         </p:blipFill>
         <p:spPr>
           <a:xfrm>
-            <a:off x="1351128" y="1195387"/>
-            <a:ext cx="6796585" cy="4467225"/>
+            <a:off x="192815" y="1187359"/>
+            <a:ext cx="8869297" cy="4858604"/>
           </a:xfrm>
-          <a:prstGeom prst="rect">
-            <a:avLst/>
-          </a:prstGeom>
-          <a:ln>
-            <a:noFill/>
-          </a:ln>
-          <a:effectLst>
-            <a:outerShdw blurRad="292100" dist="139700" dir="2700000" algn="tl" rotWithShape="0">
-              <a:srgbClr val="333333">
-                <a:alpha val="65000"/>
-              </a:srgbClr>
-            </a:outerShdw>
-          </a:effectLst>
         </p:spPr>
       </p:pic>
     </p:spTree>
@@ -31336,44 +31233,87 @@
                 <a:latin typeface="Arial" pitchFamily="34" charset="0"/>
                 <a:cs typeface="Arial" pitchFamily="34" charset="0"/>
               </a:rPr>
-              <a:t>Modelo de datos, orden trabajo</a:t>
+              <a:t>Casos de uso</a:t>
             </a:r>
+            <a:endParaRPr lang="es-CL" sz="2800" b="1" cap="all" dirty="0">
+              <a:ln w="9000" cmpd="sng">
+                <a:solidFill>
+                  <a:schemeClr val="accent4">
+                    <a:shade val="50000"/>
+                    <a:satMod val="120000"/>
+                  </a:schemeClr>
+                </a:solidFill>
+                <a:prstDash val="solid"/>
+              </a:ln>
+              <a:gradFill>
+                <a:gsLst>
+                  <a:gs pos="0">
+                    <a:schemeClr val="accent4">
+                      <a:shade val="20000"/>
+                      <a:satMod val="245000"/>
+                    </a:schemeClr>
+                  </a:gs>
+                  <a:gs pos="43000">
+                    <a:schemeClr val="accent4">
+                      <a:satMod val="255000"/>
+                    </a:schemeClr>
+                  </a:gs>
+                  <a:gs pos="48000">
+                    <a:schemeClr val="accent4">
+                      <a:shade val="85000"/>
+                      <a:satMod val="255000"/>
+                    </a:schemeClr>
+                  </a:gs>
+                  <a:gs pos="100000">
+                    <a:schemeClr val="accent4">
+                      <a:shade val="20000"/>
+                      <a:satMod val="245000"/>
+                    </a:schemeClr>
+                  </a:gs>
+                </a:gsLst>
+                <a:lin ang="5400000"/>
+              </a:gradFill>
+              <a:effectLst>
+                <a:reflection blurRad="12700" stA="28000" endPos="45000" dist="1000" dir="5400000" sy="-100000" algn="bl" rotWithShape="0"/>
+              </a:effectLst>
+              <a:latin typeface="Arial" pitchFamily="34" charset="0"/>
+              <a:cs typeface="Arial" pitchFamily="34" charset="0"/>
+            </a:endParaRPr>
           </a:p>
         </p:txBody>
       </p:sp>
       <p:pic>
         <p:nvPicPr>
-          <p:cNvPr id="11" name="10 Marcador de contenido" descr="modeloOrden.png"/>
-          <p:cNvPicPr>
-            <a:picLocks noGrp="1" noChangeAspect="1"/>
-          </p:cNvPicPr>
-          <p:nvPr>
-            <p:ph idx="1"/>
-          </p:nvPr>
+          <p:cNvPr id="8" name="8 Imagen" descr="casoUso.png"/>
+          <p:cNvPicPr/>
+          <p:nvPr/>
         </p:nvPicPr>
         <p:blipFill>
           <a:blip r:embed="rId3" cstate="print">
-            <a:clrChange>
-              <a:clrFrom>
-                <a:srgbClr val="FFFFFF"/>
-              </a:clrFrom>
-              <a:clrTo>
-                <a:srgbClr val="FFFFFF">
-                  <a:alpha val="0"/>
-                </a:srgbClr>
-              </a:clrTo>
-            </a:clrChange>
+            <a:lum bright="-20000" contrast="40000"/>
           </a:blip>
-          <a:srcRect r="51932" b="36391"/>
           <a:stretch>
             <a:fillRect/>
           </a:stretch>
         </p:blipFill>
         <p:spPr>
           <a:xfrm>
-            <a:off x="192815" y="1187359"/>
-            <a:ext cx="8869297" cy="4858604"/>
+            <a:off x="1351128" y="1195387"/>
+            <a:ext cx="6796585" cy="4467225"/>
           </a:xfrm>
+          <a:prstGeom prst="rect">
+            <a:avLst/>
+          </a:prstGeom>
+          <a:ln>
+            <a:noFill/>
+          </a:ln>
+          <a:effectLst>
+            <a:outerShdw blurRad="292100" dist="139700" dir="2700000" algn="tl" rotWithShape="0">
+              <a:srgbClr val="333333">
+                <a:alpha val="65000"/>
+              </a:srgbClr>
+            </a:outerShdw>
+          </a:effectLst>
         </p:spPr>
       </p:pic>
     </p:spTree>

--- a/sigset/documentos/Documentos finales/Presentacion.pptx
+++ b/sigset/documentos/Documentos finales/Presentacion.pptx
@@ -5,10 +5,10 @@
     <p:sldMasterId id="2147483648" r:id="rId1"/>
   </p:sldMasterIdLst>
   <p:notesMasterIdLst>
-    <p:notesMasterId r:id="rId36"/>
+    <p:notesMasterId r:id="rId37"/>
   </p:notesMasterIdLst>
   <p:handoutMasterIdLst>
-    <p:handoutMasterId r:id="rId37"/>
+    <p:handoutMasterId r:id="rId38"/>
   </p:handoutMasterIdLst>
   <p:sldIdLst>
     <p:sldId id="334" r:id="rId2"/>
@@ -27,24 +27,25 @@
     <p:sldId id="351" r:id="rId15"/>
     <p:sldId id="352" r:id="rId16"/>
     <p:sldId id="353" r:id="rId17"/>
-    <p:sldId id="354" r:id="rId18"/>
-    <p:sldId id="364" r:id="rId19"/>
-    <p:sldId id="355" r:id="rId20"/>
-    <p:sldId id="372" r:id="rId21"/>
-    <p:sldId id="357" r:id="rId22"/>
-    <p:sldId id="337" r:id="rId23"/>
-    <p:sldId id="369" r:id="rId24"/>
-    <p:sldId id="365" r:id="rId25"/>
-    <p:sldId id="373" r:id="rId26"/>
-    <p:sldId id="366" r:id="rId27"/>
-    <p:sldId id="374" r:id="rId28"/>
-    <p:sldId id="367" r:id="rId29"/>
-    <p:sldId id="375" r:id="rId30"/>
-    <p:sldId id="368" r:id="rId31"/>
-    <p:sldId id="358" r:id="rId32"/>
-    <p:sldId id="356" r:id="rId33"/>
-    <p:sldId id="370" r:id="rId34"/>
-    <p:sldId id="371" r:id="rId35"/>
+    <p:sldId id="377" r:id="rId18"/>
+    <p:sldId id="354" r:id="rId19"/>
+    <p:sldId id="364" r:id="rId20"/>
+    <p:sldId id="355" r:id="rId21"/>
+    <p:sldId id="372" r:id="rId22"/>
+    <p:sldId id="357" r:id="rId23"/>
+    <p:sldId id="337" r:id="rId24"/>
+    <p:sldId id="369" r:id="rId25"/>
+    <p:sldId id="365" r:id="rId26"/>
+    <p:sldId id="373" r:id="rId27"/>
+    <p:sldId id="366" r:id="rId28"/>
+    <p:sldId id="374" r:id="rId29"/>
+    <p:sldId id="367" r:id="rId30"/>
+    <p:sldId id="375" r:id="rId31"/>
+    <p:sldId id="368" r:id="rId32"/>
+    <p:sldId id="358" r:id="rId33"/>
+    <p:sldId id="356" r:id="rId34"/>
+    <p:sldId id="370" r:id="rId35"/>
+    <p:sldId id="371" r:id="rId36"/>
   </p:sldIdLst>
   <p:sldSz cx="9144000" cy="6858000" type="screen4x3"/>
   <p:notesSz cx="7010400" cy="11125200"/>
@@ -178,7 +179,7 @@
 
 <file path=ppt/commentAuthors.xml><?xml version="1.0" encoding="utf-8"?>
 <p:cmAuthorLst xmlns:a="http://schemas.openxmlformats.org/drawingml/2006/main" xmlns:r="http://schemas.openxmlformats.org/officeDocument/2006/relationships" xmlns:p="http://schemas.openxmlformats.org/presentationml/2006/main">
-  <p:cmAuthor id="0" name="Usuario" initials="U" lastIdx="3" clrIdx="0"/>
+  <p:cmAuthor id="0" name="Usuario" initials="U" lastIdx="4" clrIdx="0"/>
 </p:cmAuthorLst>
 </file>
 
@@ -335,6 +336,15 @@
 <file path=ppt/comments/comment1.xml><?xml version="1.0" encoding="utf-8"?>
 <p:cmLst xmlns:a="http://schemas.openxmlformats.org/drawingml/2006/main" xmlns:r="http://schemas.openxmlformats.org/officeDocument/2006/relationships" xmlns:p="http://schemas.openxmlformats.org/presentationml/2006/main">
   <p:cm authorId="0" dt="2009-12-02T14:29:21.753" idx="3">
+    <p:pos x="5184" y="824"/>
+    <p:text>Mejorar</p:text>
+  </p:cm>
+</p:cmLst>
+</file>
+
+<file path=ppt/comments/comment2.xml><?xml version="1.0" encoding="utf-8"?>
+<p:cmLst xmlns:a="http://schemas.openxmlformats.org/drawingml/2006/main" xmlns:r="http://schemas.openxmlformats.org/officeDocument/2006/relationships" xmlns:p="http://schemas.openxmlformats.org/presentationml/2006/main">
+  <p:cm authorId="0" dt="2009-12-02T14:29:21.753" idx="4">
     <p:pos x="5184" y="824"/>
     <p:text>Mejorar</p:text>
   </p:cm>
@@ -7490,8 +7500,8 @@
     <dgm:cxn modelId="{009F14D6-CA1E-4C51-9A0D-B3F9C1E49D18}" srcId="{8C966F34-B6FE-4951-A5DC-B6B890C24F40}" destId="{3E04EA27-BE6A-44A3-A3D4-2CA4C32FFFF1}" srcOrd="0" destOrd="0" parTransId="{AE75B588-956D-4795-8BBA-14C526926D85}" sibTransId="{95BE6102-EEB0-4432-978E-FF1B073DB7AE}"/>
     <dgm:cxn modelId="{7C45ECE9-8356-43E2-B614-D776DF3DC2DF}" srcId="{393E7F46-B313-4E77-9797-D22D41EC5A03}" destId="{C9CB3786-0DB1-4998-9BFA-7ECC9C5F0DDE}" srcOrd="0" destOrd="0" parTransId="{0E603B5F-E788-4075-9EE8-6B92BD9BB1C6}" sibTransId="{7DBE4023-B152-423B-8602-7781CB8577AE}"/>
     <dgm:cxn modelId="{408049A4-04EC-42E5-AF64-48679D607DD0}" srcId="{3E04EA27-BE6A-44A3-A3D4-2CA4C32FFFF1}" destId="{FF7302D4-DF56-4D05-A039-49D494387244}" srcOrd="0" destOrd="0" parTransId="{D4A43A0A-08CA-47F1-8162-BEC510EB34F5}" sibTransId="{2DF987A6-F136-45BC-97D9-2328C9ACEA14}"/>
+    <dgm:cxn modelId="{CA8B197C-6DF2-4384-8BED-6C6211A4692F}" type="presOf" srcId="{28182505-8186-4B77-AAED-7D73BD2EC62F}" destId="{59A576FD-DEA1-4973-B0CA-89D07BC9EE75}" srcOrd="0" destOrd="0" presId="urn:microsoft.com/office/officeart/2005/8/layout/hierarchy3"/>
     <dgm:cxn modelId="{730F44F3-0F16-4DC7-94FF-A657B4144452}" type="presOf" srcId="{FF7302D4-DF56-4D05-A039-49D494387244}" destId="{97C6F11A-5991-412B-8918-0D15E3AC825F}" srcOrd="0" destOrd="1" presId="urn:microsoft.com/office/officeart/2005/8/layout/hierarchy3"/>
-    <dgm:cxn modelId="{CA8B197C-6DF2-4384-8BED-6C6211A4692F}" type="presOf" srcId="{28182505-8186-4B77-AAED-7D73BD2EC62F}" destId="{59A576FD-DEA1-4973-B0CA-89D07BC9EE75}" srcOrd="0" destOrd="0" presId="urn:microsoft.com/office/officeart/2005/8/layout/hierarchy3"/>
     <dgm:cxn modelId="{40756456-B1A5-4647-AF0B-6BC04E8D387D}" type="presParOf" srcId="{2655004E-649B-4D47-A2B9-0F2E94C643CB}" destId="{337FD4D9-A838-445B-9526-C66711C47A35}" srcOrd="0" destOrd="0" presId="urn:microsoft.com/office/officeart/2005/8/layout/hierarchy3"/>
     <dgm:cxn modelId="{BCE4A16B-AB27-4FA4-A6DD-B2C100F4B745}" type="presParOf" srcId="{337FD4D9-A838-445B-9526-C66711C47A35}" destId="{F50E9F67-7CBD-4601-8AA2-A892E09D1946}" srcOrd="0" destOrd="0" presId="urn:microsoft.com/office/officeart/2005/8/layout/hierarchy3"/>
     <dgm:cxn modelId="{4B6627DE-80EB-4875-A1ED-CE6CCC33067C}" type="presParOf" srcId="{F50E9F67-7CBD-4601-8AA2-A892E09D1946}" destId="{1F4999A6-8239-4781-8813-D424C1999DB7}" srcOrd="0" destOrd="0" presId="urn:microsoft.com/office/officeart/2005/8/layout/hierarchy3"/>
@@ -22799,6 +22809,9 @@
             </a:r>
           </a:p>
           <a:p>
+            <a:endParaRPr lang="es-CL" dirty="0" smtClean="0"/>
+          </a:p>
+          <a:p>
             <a:r>
               <a:rPr lang="es-CL" dirty="0" smtClean="0"/>
               <a:t>Este proyecto</a:t>
@@ -23189,7 +23202,17 @@
           <a:p>
             <a:r>
               <a:rPr lang="es-CL" dirty="0" smtClean="0"/>
-              <a:t>SEBASTIAN</a:t>
+              <a:t>RUMINA</a:t>
+            </a:r>
+          </a:p>
+          <a:p>
+            <a:r>
+              <a:rPr lang="es-CL" dirty="0" smtClean="0"/>
+              <a:t>Este proyecto</a:t>
+            </a:r>
+            <a:r>
+              <a:rPr lang="es-CL" baseline="0" dirty="0" smtClean="0"/>
+              <a:t> se estima una </a:t>
             </a:r>
             <a:endParaRPr lang="es-CL" dirty="0"/>
           </a:p>
@@ -23282,16 +23305,6 @@
               <a:rPr lang="es-CL" dirty="0" smtClean="0"/>
               <a:t>SEBASTIAN</a:t>
             </a:r>
-          </a:p>
-          <a:p>
-            <a:r>
-              <a:rPr lang="es-CL" dirty="0" smtClean="0"/>
-              <a:t>Este proyecto</a:t>
-            </a:r>
-            <a:r>
-              <a:rPr lang="es-CL" baseline="0" dirty="0" smtClean="0"/>
-              <a:t> se estima una </a:t>
-            </a:r>
             <a:endParaRPr lang="es-CL" dirty="0"/>
           </a:p>
         </p:txBody>
@@ -23379,7 +23392,21 @@
           </a:bodyPr>
           <a:lstStyle/>
           <a:p>
-            <a:endParaRPr lang="es-CL"/>
+            <a:r>
+              <a:rPr lang="es-CL" dirty="0" smtClean="0"/>
+              <a:t>SEBASTIAN</a:t>
+            </a:r>
+          </a:p>
+          <a:p>
+            <a:r>
+              <a:rPr lang="es-CL" dirty="0" smtClean="0"/>
+              <a:t>Este proyecto</a:t>
+            </a:r>
+            <a:r>
+              <a:rPr lang="es-CL" baseline="0" dirty="0" smtClean="0"/>
+              <a:t> se estima una </a:t>
+            </a:r>
+            <a:endParaRPr lang="es-CL" dirty="0"/>
           </a:p>
         </p:txBody>
       </p:sp>
@@ -23466,7 +23493,7 @@
           </a:bodyPr>
           <a:lstStyle/>
           <a:p>
-            <a:endParaRPr lang="es-CL" dirty="0"/>
+            <a:endParaRPr lang="es-CL"/>
           </a:p>
         </p:txBody>
       </p:sp>
@@ -23553,7 +23580,7 @@
           </a:bodyPr>
           <a:lstStyle/>
           <a:p>
-            <a:endParaRPr lang="es-CL"/>
+            <a:endParaRPr lang="es-CL" dirty="0"/>
           </a:p>
         </p:txBody>
       </p:sp>
@@ -23667,7 +23694,7 @@
               <a:pPr>
                 <a:defRPr/>
               </a:pPr>
-              <a:t>26</a:t>
+              <a:t>25</a:t>
             </a:fld>
             <a:endParaRPr lang="es-ES"/>
           </a:p>
@@ -23754,7 +23781,7 @@
               <a:pPr>
                 <a:defRPr/>
               </a:pPr>
-              <a:t>28</a:t>
+              <a:t>27</a:t>
             </a:fld>
             <a:endParaRPr lang="es-ES"/>
           </a:p>
@@ -23841,7 +23868,7 @@
               <a:pPr>
                 <a:defRPr/>
               </a:pPr>
-              <a:t>30</a:t>
+              <a:t>29</a:t>
             </a:fld>
             <a:endParaRPr lang="es-ES"/>
           </a:p>
@@ -23901,21 +23928,7 @@
           </a:bodyPr>
           <a:lstStyle/>
           <a:p>
-            <a:r>
-              <a:rPr lang="es-CL" smtClean="0"/>
-              <a:t>RUMINA</a:t>
-            </a:r>
-          </a:p>
-          <a:p>
-            <a:r>
-              <a:rPr lang="es-CL" dirty="0" smtClean="0"/>
-              <a:t>Este proyecto</a:t>
-            </a:r>
-            <a:r>
-              <a:rPr lang="es-CL" baseline="0" dirty="0" smtClean="0"/>
-              <a:t> se estima una </a:t>
-            </a:r>
-            <a:endParaRPr lang="es-CL" dirty="0"/>
+            <a:endParaRPr lang="es-CL"/>
           </a:p>
         </p:txBody>
       </p:sp>
@@ -23942,7 +23955,7 @@
               <a:pPr>
                 <a:defRPr/>
               </a:pPr>
-              <a:t>32</a:t>
+              <a:t>31</a:t>
             </a:fld>
             <a:endParaRPr lang="es-ES"/>
           </a:p>
@@ -24002,7 +24015,21 @@
           </a:bodyPr>
           <a:lstStyle/>
           <a:p>
-            <a:endParaRPr lang="es-CL"/>
+            <a:r>
+              <a:rPr lang="es-CL" smtClean="0"/>
+              <a:t>RUMINA</a:t>
+            </a:r>
+          </a:p>
+          <a:p>
+            <a:r>
+              <a:rPr lang="es-CL" dirty="0" smtClean="0"/>
+              <a:t>Este proyecto</a:t>
+            </a:r>
+            <a:r>
+              <a:rPr lang="es-CL" baseline="0" dirty="0" smtClean="0"/>
+              <a:t> se estima una </a:t>
+            </a:r>
+            <a:endParaRPr lang="es-CL" dirty="0"/>
           </a:p>
         </p:txBody>
       </p:sp>
@@ -24241,21 +24268,7 @@
           </a:bodyPr>
           <a:lstStyle/>
           <a:p>
-            <a:r>
-              <a:rPr lang="es-CL" b="1" dirty="0" smtClean="0"/>
-              <a:t>RUMINA</a:t>
-            </a:r>
-          </a:p>
-          <a:p>
-            <a:r>
-              <a:rPr lang="es-CL" dirty="0" smtClean="0"/>
-              <a:t>Saludos. Presentación nombres y titulo</a:t>
-            </a:r>
-            <a:r>
-              <a:rPr lang="es-CL" baseline="0" dirty="0" smtClean="0"/>
-              <a:t> trabajo</a:t>
-            </a:r>
-            <a:endParaRPr lang="es-CL" dirty="0"/>
+            <a:endParaRPr lang="es-CL"/>
           </a:p>
         </p:txBody>
       </p:sp>
@@ -24283,6 +24296,107 @@
                 <a:defRPr/>
               </a:pPr>
               <a:t>34</a:t>
+            </a:fld>
+            <a:endParaRPr lang="es-ES"/>
+          </a:p>
+        </p:txBody>
+      </p:sp>
+    </p:spTree>
+  </p:cSld>
+  <p:clrMapOvr>
+    <a:masterClrMapping/>
+  </p:clrMapOvr>
+</p:notes>
+</file>
+
+<file path=ppt/notesSlides/notesSlide31.xml><?xml version="1.0" encoding="utf-8"?>
+<p:notes xmlns:a="http://schemas.openxmlformats.org/drawingml/2006/main" xmlns:r="http://schemas.openxmlformats.org/officeDocument/2006/relationships" xmlns:p="http://schemas.openxmlformats.org/presentationml/2006/main">
+  <p:cSld>
+    <p:spTree>
+      <p:nvGrpSpPr>
+        <p:cNvPr id="1" name=""/>
+        <p:cNvGrpSpPr/>
+        <p:nvPr/>
+      </p:nvGrpSpPr>
+      <p:grpSpPr>
+        <a:xfrm>
+          <a:off x="0" y="0"/>
+          <a:ext cx="0" cy="0"/>
+          <a:chOff x="0" y="0"/>
+          <a:chExt cx="0" cy="0"/>
+        </a:xfrm>
+      </p:grpSpPr>
+      <p:sp>
+        <p:nvSpPr>
+          <p:cNvPr id="2" name="1 Marcador de imagen de diapositiva"/>
+          <p:cNvSpPr>
+            <a:spLocks noGrp="1" noRot="1" noChangeAspect="1"/>
+          </p:cNvSpPr>
+          <p:nvPr>
+            <p:ph type="sldImg"/>
+          </p:nvPr>
+        </p:nvSpPr>
+        <p:spPr/>
+      </p:sp>
+      <p:sp>
+        <p:nvSpPr>
+          <p:cNvPr id="3" name="2 Marcador de notas"/>
+          <p:cNvSpPr>
+            <a:spLocks noGrp="1"/>
+          </p:cNvSpPr>
+          <p:nvPr>
+            <p:ph type="body" idx="1"/>
+          </p:nvPr>
+        </p:nvSpPr>
+        <p:spPr/>
+        <p:txBody>
+          <a:bodyPr>
+            <a:normAutofit/>
+          </a:bodyPr>
+          <a:lstStyle/>
+          <a:p>
+            <a:r>
+              <a:rPr lang="es-CL" b="1" dirty="0" smtClean="0"/>
+              <a:t>RUMINA</a:t>
+            </a:r>
+          </a:p>
+          <a:p>
+            <a:r>
+              <a:rPr lang="es-CL" dirty="0" smtClean="0"/>
+              <a:t>Saludos. Presentación nombres y titulo</a:t>
+            </a:r>
+            <a:r>
+              <a:rPr lang="es-CL" baseline="0" dirty="0" smtClean="0"/>
+              <a:t> trabajo</a:t>
+            </a:r>
+            <a:endParaRPr lang="es-CL" dirty="0"/>
+          </a:p>
+        </p:txBody>
+      </p:sp>
+      <p:sp>
+        <p:nvSpPr>
+          <p:cNvPr id="4" name="3 Marcador de número de diapositiva"/>
+          <p:cNvSpPr>
+            <a:spLocks noGrp="1"/>
+          </p:cNvSpPr>
+          <p:nvPr>
+            <p:ph type="sldNum" sz="quarter" idx="10"/>
+          </p:nvPr>
+        </p:nvSpPr>
+        <p:spPr/>
+        <p:txBody>
+          <a:bodyPr/>
+          <a:lstStyle/>
+          <a:p>
+            <a:pPr>
+              <a:defRPr/>
+            </a:pPr>
+            <a:fld id="{FDE42844-D1B2-4A88-A9DE-E38F64B7E751}" type="slidenum">
+              <a:rPr lang="es-ES" smtClean="0"/>
+              <a:pPr>
+                <a:defRPr/>
+              </a:pPr>
+              <a:t>35</a:t>
             </a:fld>
             <a:endParaRPr lang="es-ES"/>
           </a:p>
@@ -30520,8 +30634,8 @@
         </p:nvSpPr>
         <p:spPr>
           <a:xfrm>
-            <a:off x="713095" y="1279146"/>
-            <a:ext cx="7772400" cy="4413427"/>
+            <a:off x="342900" y="1041021"/>
+            <a:ext cx="8239125" cy="4883529"/>
           </a:xfrm>
         </p:spPr>
         <p:txBody>
@@ -30539,6 +30653,15 @@
               <a:rPr lang="es-CL" sz="2000" dirty="0" smtClean="0"/>
               <a:t>Duración del proyecto  5 años </a:t>
             </a:r>
+            <a:endParaRPr lang="es-CL" sz="2000" dirty="0" smtClean="0"/>
+          </a:p>
+          <a:p>
+            <a:pPr lvl="1"/>
+            <a:r>
+              <a:rPr lang="es-CL" sz="2000" dirty="0" smtClean="0"/>
+              <a:t>Valor del sistema 2.000.000</a:t>
+            </a:r>
+            <a:endParaRPr lang="es-CL" sz="2000" dirty="0" smtClean="0"/>
           </a:p>
           <a:p>
             <a:pPr lvl="1"/>
@@ -30555,48 +30678,49 @@
             </a:r>
           </a:p>
           <a:p>
-            <a:pPr lvl="2"/>
+            <a:pPr lvl="1">
+              <a:buNone/>
+            </a:pPr>
+            <a:endParaRPr lang="es-CL" sz="2000" dirty="0" smtClean="0"/>
+          </a:p>
+          <a:p>
+            <a:pPr lvl="1">
+              <a:buNone/>
+            </a:pPr>
+            <a:endParaRPr lang="es-CL" sz="2000" dirty="0" smtClean="0"/>
+          </a:p>
+          <a:p>
+            <a:pPr lvl="1">
+              <a:buNone/>
+            </a:pPr>
+            <a:endParaRPr lang="es-CL" sz="2000" dirty="0" smtClean="0"/>
+          </a:p>
+          <a:p>
+            <a:pPr lvl="1">
+              <a:buNone/>
+            </a:pPr>
+            <a:endParaRPr lang="es-CL" sz="2000" dirty="0" smtClean="0"/>
+          </a:p>
+          <a:p>
+            <a:pPr lvl="1"/>
             <a:r>
-              <a:rPr lang="es-CL" sz="1600" dirty="0" smtClean="0"/>
-              <a:t>Van de $11.120.660.</a:t>
+              <a:rPr lang="es-CL" sz="2000" dirty="0" smtClean="0"/>
+              <a:t>Se considera para el analista para desarrollo por 3 meses y el analist</a:t>
             </a:r>
-          </a:p>
-          <a:p>
-            <a:pPr lvl="2"/>
             <a:r>
-              <a:rPr lang="es-CL" sz="1600" dirty="0" smtClean="0"/>
-              <a:t>Tir 42%</a:t>
+              <a:rPr lang="es-CL" sz="2000" dirty="0" smtClean="0"/>
+              <a:t>a para soporte y mantenciones desde que termine el desarrollo hasta los cinco años que dura el proyecto.</a:t>
             </a:r>
           </a:p>
           <a:p>
-            <a:pPr lvl="2"/>
+            <a:pPr>
+              <a:buNone/>
+            </a:pPr>
             <a:r>
-              <a:rPr lang="es-CL" sz="1600" dirty="0" smtClean="0"/>
-              <a:t> Se recupera a inversión al tercer año</a:t>
+              <a:rPr lang="es-CL" sz="2000" dirty="0" smtClean="0"/>
+              <a:t> </a:t>
             </a:r>
-          </a:p>
-          <a:p>
-            <a:pPr lvl="1"/>
             <a:endParaRPr lang="es-CL" sz="2000" dirty="0" smtClean="0"/>
-          </a:p>
-          <a:p>
-            <a:pPr lvl="1"/>
-            <a:endParaRPr lang="es-CL" sz="2000" dirty="0" smtClean="0"/>
-          </a:p>
-          <a:p>
-            <a:pPr lvl="1"/>
-            <a:endParaRPr lang="es-CL" sz="2000" dirty="0" smtClean="0"/>
-          </a:p>
-          <a:p>
-            <a:pPr lvl="1"/>
-            <a:endParaRPr lang="es-CL" sz="2000" dirty="0" smtClean="0"/>
-          </a:p>
-          <a:p>
-            <a:pPr lvl="1"/>
-            <a:endParaRPr lang="es-CL" sz="2000" dirty="0" smtClean="0"/>
-          </a:p>
-          <a:p>
-            <a:endParaRPr lang="es-CL" sz="2400" dirty="0" smtClean="0"/>
           </a:p>
           <a:p>
             <a:endParaRPr lang="es-CL" sz="2400" dirty="0" smtClean="0"/>
@@ -30735,6 +30859,604 @@
           </a:p>
         </p:txBody>
       </p:sp>
+      <p:graphicFrame>
+        <p:nvGraphicFramePr>
+          <p:cNvPr id="6" name="5 Tabla"/>
+          <p:cNvGraphicFramePr>
+            <a:graphicFrameLocks noGrp="1"/>
+          </p:cNvGraphicFramePr>
+          <p:nvPr/>
+        </p:nvGraphicFramePr>
+        <p:xfrm>
+          <a:off x="1019175" y="3366168"/>
+          <a:ext cx="6943725" cy="1112520"/>
+        </p:xfrm>
+        <a:graphic>
+          <a:graphicData uri="http://schemas.openxmlformats.org/drawingml/2006/table">
+            <a:tbl>
+              <a:tblPr firstRow="1" bandRow="1">
+                <a:tableStyleId>{5C22544A-7EE6-4342-B048-85BDC9FD1C3A}</a:tableStyleId>
+              </a:tblPr>
+              <a:tblGrid>
+                <a:gridCol w="733425"/>
+                <a:gridCol w="4429125"/>
+                <a:gridCol w="1781175"/>
+              </a:tblGrid>
+              <a:tr h="370840">
+                <a:tc>
+                  <a:txBody>
+                    <a:bodyPr/>
+                    <a:lstStyle/>
+                    <a:p>
+                      <a:r>
+                        <a:rPr lang="es-ES" sz="1600" baseline="0" dirty="0" smtClean="0">
+                          <a:solidFill>
+                            <a:schemeClr val="tx1">
+                              <a:lumMod val="95000"/>
+                              <a:lumOff val="5000"/>
+                            </a:schemeClr>
+                          </a:solidFill>
+                        </a:rPr>
+                        <a:t>Cant.</a:t>
+                      </a:r>
+                      <a:endParaRPr lang="es-ES" sz="1600" baseline="0" dirty="0">
+                        <a:solidFill>
+                          <a:schemeClr val="tx1">
+                            <a:lumMod val="95000"/>
+                            <a:lumOff val="5000"/>
+                          </a:schemeClr>
+                        </a:solidFill>
+                      </a:endParaRPr>
+                    </a:p>
+                  </a:txBody>
+                  <a:tcPr>
+                    <a:solidFill>
+                      <a:schemeClr val="bg1">
+                        <a:lumMod val="50000"/>
+                      </a:schemeClr>
+                    </a:solidFill>
+                  </a:tcPr>
+                </a:tc>
+                <a:tc>
+                  <a:txBody>
+                    <a:bodyPr/>
+                    <a:lstStyle/>
+                    <a:p>
+                      <a:r>
+                        <a:rPr lang="es-ES" sz="1600" baseline="0" dirty="0" smtClean="0">
+                          <a:solidFill>
+                            <a:schemeClr val="tx1">
+                              <a:lumMod val="95000"/>
+                              <a:lumOff val="5000"/>
+                            </a:schemeClr>
+                          </a:solidFill>
+                        </a:rPr>
+                        <a:t>Personal</a:t>
+                      </a:r>
+                      <a:endParaRPr lang="es-ES" sz="1600" baseline="0" dirty="0">
+                        <a:solidFill>
+                          <a:schemeClr val="tx1">
+                            <a:lumMod val="95000"/>
+                            <a:lumOff val="5000"/>
+                          </a:schemeClr>
+                        </a:solidFill>
+                      </a:endParaRPr>
+                    </a:p>
+                  </a:txBody>
+                  <a:tcPr>
+                    <a:solidFill>
+                      <a:schemeClr val="bg1">
+                        <a:lumMod val="50000"/>
+                      </a:schemeClr>
+                    </a:solidFill>
+                  </a:tcPr>
+                </a:tc>
+                <a:tc>
+                  <a:txBody>
+                    <a:bodyPr/>
+                    <a:lstStyle/>
+                    <a:p>
+                      <a:r>
+                        <a:rPr lang="es-ES" sz="1600" baseline="0" dirty="0" smtClean="0">
+                          <a:solidFill>
+                            <a:schemeClr val="tx1">
+                              <a:lumMod val="95000"/>
+                              <a:lumOff val="5000"/>
+                            </a:schemeClr>
+                          </a:solidFill>
+                        </a:rPr>
+                        <a:t>Remuneración</a:t>
+                      </a:r>
+                      <a:endParaRPr lang="es-ES" sz="1600" baseline="0" dirty="0">
+                        <a:solidFill>
+                          <a:schemeClr val="tx1">
+                            <a:lumMod val="95000"/>
+                            <a:lumOff val="5000"/>
+                          </a:schemeClr>
+                        </a:solidFill>
+                      </a:endParaRPr>
+                    </a:p>
+                  </a:txBody>
+                  <a:tcPr>
+                    <a:solidFill>
+                      <a:schemeClr val="bg1">
+                        <a:lumMod val="50000"/>
+                      </a:schemeClr>
+                    </a:solidFill>
+                  </a:tcPr>
+                </a:tc>
+              </a:tr>
+              <a:tr h="370840">
+                <a:tc>
+                  <a:txBody>
+                    <a:bodyPr/>
+                    <a:lstStyle/>
+                    <a:p>
+                      <a:r>
+                        <a:rPr lang="es-ES" sz="1600" b="1" dirty="0" smtClean="0">
+                          <a:solidFill>
+                            <a:schemeClr val="tx1"/>
+                          </a:solidFill>
+                        </a:rPr>
+                        <a:t>1</a:t>
+                      </a:r>
+                      <a:endParaRPr lang="es-ES" sz="1600" b="1" dirty="0">
+                        <a:solidFill>
+                          <a:schemeClr val="tx1"/>
+                        </a:solidFill>
+                      </a:endParaRPr>
+                    </a:p>
+                  </a:txBody>
+                  <a:tcPr>
+                    <a:solidFill>
+                      <a:schemeClr val="bg1">
+                        <a:lumMod val="75000"/>
+                      </a:schemeClr>
+                    </a:solidFill>
+                  </a:tcPr>
+                </a:tc>
+                <a:tc>
+                  <a:txBody>
+                    <a:bodyPr/>
+                    <a:lstStyle/>
+                    <a:p>
+                      <a:r>
+                        <a:rPr lang="es-CL" sz="1600" b="1" dirty="0" smtClean="0">
+                          <a:solidFill>
+                            <a:schemeClr val="tx1"/>
+                          </a:solidFill>
+                        </a:rPr>
+                        <a:t>Analista Programador Desarrollo</a:t>
+                      </a:r>
+                      <a:r>
+                        <a:rPr lang="es-ES" sz="1600" b="1" dirty="0" smtClean="0">
+                          <a:solidFill>
+                            <a:schemeClr val="tx1"/>
+                          </a:solidFill>
+                        </a:rPr>
+                        <a:t> </a:t>
+                      </a:r>
+                      <a:endParaRPr lang="es-ES" sz="1600" b="1" dirty="0">
+                        <a:solidFill>
+                          <a:schemeClr val="tx1"/>
+                        </a:solidFill>
+                      </a:endParaRPr>
+                    </a:p>
+                  </a:txBody>
+                  <a:tcPr>
+                    <a:solidFill>
+                      <a:schemeClr val="bg1">
+                        <a:lumMod val="75000"/>
+                      </a:schemeClr>
+                    </a:solidFill>
+                  </a:tcPr>
+                </a:tc>
+                <a:tc>
+                  <a:txBody>
+                    <a:bodyPr/>
+                    <a:lstStyle/>
+                    <a:p>
+                      <a:r>
+                        <a:rPr lang="es-CL" sz="1600" b="1" dirty="0" smtClean="0">
+                          <a:solidFill>
+                            <a:schemeClr val="tx1"/>
+                          </a:solidFill>
+                        </a:rPr>
+                        <a:t>600.000</a:t>
+                      </a:r>
+                      <a:r>
+                        <a:rPr lang="es-ES" sz="1600" b="1" dirty="0" smtClean="0">
+                          <a:solidFill>
+                            <a:schemeClr val="tx1"/>
+                          </a:solidFill>
+                        </a:rPr>
+                        <a:t> </a:t>
+                      </a:r>
+                      <a:endParaRPr lang="es-ES" sz="1600" b="1" dirty="0">
+                        <a:solidFill>
+                          <a:schemeClr val="tx1"/>
+                        </a:solidFill>
+                      </a:endParaRPr>
+                    </a:p>
+                  </a:txBody>
+                  <a:tcPr>
+                    <a:solidFill>
+                      <a:schemeClr val="bg1">
+                        <a:lumMod val="75000"/>
+                      </a:schemeClr>
+                    </a:solidFill>
+                  </a:tcPr>
+                </a:tc>
+              </a:tr>
+              <a:tr h="370840">
+                <a:tc>
+                  <a:txBody>
+                    <a:bodyPr/>
+                    <a:lstStyle/>
+                    <a:p>
+                      <a:r>
+                        <a:rPr lang="es-ES" sz="1600" b="1" dirty="0" smtClean="0">
+                          <a:solidFill>
+                            <a:schemeClr val="tx1"/>
+                          </a:solidFill>
+                        </a:rPr>
+                        <a:t>1</a:t>
+                      </a:r>
+                      <a:endParaRPr lang="es-ES" sz="1600" b="1" dirty="0">
+                        <a:solidFill>
+                          <a:schemeClr val="tx1"/>
+                        </a:solidFill>
+                      </a:endParaRPr>
+                    </a:p>
+                  </a:txBody>
+                  <a:tcPr>
+                    <a:solidFill>
+                      <a:schemeClr val="bg1">
+                        <a:lumMod val="75000"/>
+                      </a:schemeClr>
+                    </a:solidFill>
+                  </a:tcPr>
+                </a:tc>
+                <a:tc>
+                  <a:txBody>
+                    <a:bodyPr/>
+                    <a:lstStyle/>
+                    <a:p>
+                      <a:r>
+                        <a:rPr lang="es-CL" sz="1600" b="1" dirty="0" smtClean="0">
+                          <a:solidFill>
+                            <a:schemeClr val="tx1"/>
+                          </a:solidFill>
+                        </a:rPr>
+                        <a:t>Analista Programador Soporte y  mantenciones</a:t>
+                      </a:r>
+                      <a:r>
+                        <a:rPr lang="es-ES" sz="1600" b="1" dirty="0" smtClean="0">
+                          <a:solidFill>
+                            <a:schemeClr val="tx1"/>
+                          </a:solidFill>
+                        </a:rPr>
+                        <a:t> </a:t>
+                      </a:r>
+                      <a:endParaRPr lang="es-ES" sz="1600" b="1" dirty="0">
+                        <a:solidFill>
+                          <a:schemeClr val="tx1"/>
+                        </a:solidFill>
+                      </a:endParaRPr>
+                    </a:p>
+                  </a:txBody>
+                  <a:tcPr>
+                    <a:solidFill>
+                      <a:schemeClr val="bg1">
+                        <a:lumMod val="75000"/>
+                      </a:schemeClr>
+                    </a:solidFill>
+                  </a:tcPr>
+                </a:tc>
+                <a:tc>
+                  <a:txBody>
+                    <a:bodyPr/>
+                    <a:lstStyle/>
+                    <a:p>
+                      <a:pPr marL="0" marR="0" indent="0" algn="l" defTabSz="914400" rtl="0" eaLnBrk="1" fontAlgn="auto" latinLnBrk="0" hangingPunct="1">
+                        <a:lnSpc>
+                          <a:spcPct val="100000"/>
+                        </a:lnSpc>
+                        <a:spcBef>
+                          <a:spcPts val="0"/>
+                        </a:spcBef>
+                        <a:spcAft>
+                          <a:spcPts val="0"/>
+                        </a:spcAft>
+                        <a:buClrTx/>
+                        <a:buSzTx/>
+                        <a:buFontTx/>
+                        <a:buNone/>
+                        <a:tabLst/>
+                        <a:defRPr/>
+                      </a:pPr>
+                      <a:r>
+                        <a:rPr lang="es-CL" sz="1600" b="1" dirty="0" smtClean="0">
+                          <a:solidFill>
+                            <a:schemeClr val="tx1"/>
+                          </a:solidFill>
+                        </a:rPr>
+                        <a:t>300.000</a:t>
+                      </a:r>
+                      <a:r>
+                        <a:rPr lang="es-ES" sz="1600" b="1" dirty="0" smtClean="0">
+                          <a:solidFill>
+                            <a:schemeClr val="tx1"/>
+                          </a:solidFill>
+                        </a:rPr>
+                        <a:t> </a:t>
+                      </a:r>
+                      <a:endParaRPr lang="es-ES" sz="1600" b="1" dirty="0">
+                        <a:solidFill>
+                          <a:schemeClr val="tx1"/>
+                        </a:solidFill>
+                      </a:endParaRPr>
+                    </a:p>
+                  </a:txBody>
+                  <a:tcPr>
+                    <a:solidFill>
+                      <a:schemeClr val="bg1">
+                        <a:lumMod val="75000"/>
+                      </a:schemeClr>
+                    </a:solidFill>
+                  </a:tcPr>
+                </a:tc>
+              </a:tr>
+            </a:tbl>
+          </a:graphicData>
+        </a:graphic>
+      </p:graphicFrame>
+    </p:spTree>
+  </p:cSld>
+  <p:clrMapOvr>
+    <a:masterClrMapping/>
+  </p:clrMapOvr>
+  <p:transition/>
+  <p:timing>
+    <p:tnLst>
+      <p:par>
+        <p:cTn id="1" dur="indefinite" restart="never" nodeType="tmRoot"/>
+      </p:par>
+    </p:tnLst>
+  </p:timing>
+</p:sld>
+</file>
+
+<file path=ppt/slides/slide17.xml><?xml version="1.0" encoding="utf-8"?>
+<p:sld xmlns:a="http://schemas.openxmlformats.org/drawingml/2006/main" xmlns:r="http://schemas.openxmlformats.org/officeDocument/2006/relationships" xmlns:p="http://schemas.openxmlformats.org/presentationml/2006/main">
+  <p:cSld>
+    <p:spTree>
+      <p:nvGrpSpPr>
+        <p:cNvPr id="1" name=""/>
+        <p:cNvGrpSpPr/>
+        <p:nvPr/>
+      </p:nvGrpSpPr>
+      <p:grpSpPr>
+        <a:xfrm>
+          <a:off x="0" y="0"/>
+          <a:ext cx="0" cy="0"/>
+          <a:chOff x="0" y="0"/>
+          <a:chExt cx="0" cy="0"/>
+        </a:xfrm>
+      </p:grpSpPr>
+      <p:sp>
+        <p:nvSpPr>
+          <p:cNvPr id="3" name="2 Marcador de contenido"/>
+          <p:cNvSpPr>
+            <a:spLocks noGrp="1"/>
+          </p:cNvSpPr>
+          <p:nvPr>
+            <p:ph idx="1"/>
+          </p:nvPr>
+        </p:nvSpPr>
+        <p:spPr>
+          <a:xfrm>
+            <a:off x="713095" y="1279146"/>
+            <a:ext cx="7772400" cy="4413427"/>
+          </a:xfrm>
+        </p:spPr>
+        <p:txBody>
+          <a:bodyPr/>
+          <a:lstStyle/>
+          <a:p>
+            <a:r>
+              <a:rPr lang="es-CL" sz="2400" dirty="0" smtClean="0"/>
+              <a:t>Análisis </a:t>
+            </a:r>
+            <a:r>
+              <a:rPr lang="es-CL" sz="2400" dirty="0" smtClean="0"/>
+              <a:t>Financiero</a:t>
+            </a:r>
+          </a:p>
+          <a:p>
+            <a:pPr lvl="1"/>
+            <a:r>
+              <a:rPr lang="es-CL" sz="2000" dirty="0" smtClean="0"/>
+              <a:t>En resumen del flujo de caja final la inversión se recuperara al cuarto año el Tir será de 42% lo que significa que se esta ganando mas de los que se esperaba.</a:t>
+            </a:r>
+            <a:endParaRPr lang="es-CL" sz="2400" dirty="0" smtClean="0"/>
+          </a:p>
+          <a:p>
+            <a:pPr lvl="1">
+              <a:buNone/>
+            </a:pPr>
+            <a:endParaRPr lang="es-CL" sz="2000" dirty="0" smtClean="0"/>
+          </a:p>
+          <a:p>
+            <a:pPr lvl="1">
+              <a:buNone/>
+            </a:pPr>
+            <a:endParaRPr lang="es-CL" sz="2000" dirty="0" smtClean="0"/>
+          </a:p>
+          <a:p>
+            <a:pPr lvl="1">
+              <a:buNone/>
+            </a:pPr>
+            <a:endParaRPr lang="es-CL" sz="2000" dirty="0" smtClean="0"/>
+          </a:p>
+          <a:p>
+            <a:pPr lvl="1">
+              <a:buNone/>
+            </a:pPr>
+            <a:endParaRPr lang="es-CL" sz="2000" dirty="0" smtClean="0"/>
+          </a:p>
+          <a:p>
+            <a:pPr lvl="1"/>
+            <a:endParaRPr lang="es-CL" sz="2000" dirty="0" smtClean="0"/>
+          </a:p>
+          <a:p>
+            <a:pPr lvl="1"/>
+            <a:endParaRPr lang="es-CL" sz="2000" dirty="0" smtClean="0"/>
+          </a:p>
+          <a:p>
+            <a:pPr lvl="1"/>
+            <a:endParaRPr lang="es-CL" sz="2000" dirty="0" smtClean="0"/>
+          </a:p>
+          <a:p>
+            <a:endParaRPr lang="es-CL" sz="2400" dirty="0" smtClean="0"/>
+          </a:p>
+          <a:p>
+            <a:endParaRPr lang="es-CL" sz="2400" dirty="0" smtClean="0"/>
+          </a:p>
+          <a:p>
+            <a:pPr lvl="1"/>
+            <a:endParaRPr lang="es-CL" sz="2000" dirty="0" smtClean="0"/>
+          </a:p>
+          <a:p>
+            <a:pPr lvl="1"/>
+            <a:endParaRPr lang="es-CL" sz="2000" dirty="0" smtClean="0"/>
+          </a:p>
+          <a:p>
+            <a:pPr lvl="1"/>
+            <a:endParaRPr lang="es-CL" sz="2000" dirty="0" smtClean="0"/>
+          </a:p>
+          <a:p>
+            <a:pPr lvl="1"/>
+            <a:endParaRPr lang="es-CL" sz="2000" dirty="0"/>
+          </a:p>
+        </p:txBody>
+      </p:sp>
+      <p:sp>
+        <p:nvSpPr>
+          <p:cNvPr id="5" name="4 CuadroTexto"/>
+          <p:cNvSpPr txBox="1"/>
+          <p:nvPr/>
+        </p:nvSpPr>
+        <p:spPr>
+          <a:xfrm>
+            <a:off x="627795" y="518614"/>
+            <a:ext cx="7915702" cy="523220"/>
+          </a:xfrm>
+          <a:prstGeom prst="rect">
+            <a:avLst/>
+          </a:prstGeom>
+          <a:noFill/>
+        </p:spPr>
+        <p:txBody>
+          <a:bodyPr wrap="square" rtlCol="0">
+            <a:spAutoFit/>
+          </a:bodyPr>
+          <a:lstStyle/>
+          <a:p>
+            <a:r>
+              <a:rPr lang="es-CL" sz="2800" b="1" cap="all" dirty="0" smtClean="0">
+                <a:ln w="9000" cmpd="sng">
+                  <a:solidFill>
+                    <a:schemeClr val="accent4">
+                      <a:shade val="50000"/>
+                      <a:satMod val="120000"/>
+                    </a:schemeClr>
+                  </a:solidFill>
+                  <a:prstDash val="solid"/>
+                </a:ln>
+                <a:gradFill>
+                  <a:gsLst>
+                    <a:gs pos="0">
+                      <a:schemeClr val="accent4">
+                        <a:shade val="20000"/>
+                        <a:satMod val="245000"/>
+                      </a:schemeClr>
+                    </a:gs>
+                    <a:gs pos="43000">
+                      <a:schemeClr val="accent4">
+                        <a:satMod val="255000"/>
+                      </a:schemeClr>
+                    </a:gs>
+                    <a:gs pos="48000">
+                      <a:schemeClr val="accent4">
+                        <a:shade val="85000"/>
+                        <a:satMod val="255000"/>
+                      </a:schemeClr>
+                    </a:gs>
+                    <a:gs pos="100000">
+                      <a:schemeClr val="accent4">
+                        <a:shade val="20000"/>
+                        <a:satMod val="245000"/>
+                      </a:schemeClr>
+                    </a:gs>
+                  </a:gsLst>
+                  <a:lin ang="5400000"/>
+                </a:gradFill>
+                <a:effectLst>
+                  <a:reflection blurRad="12700" stA="28000" endPos="45000" dist="1000" dir="5400000" sy="-100000" algn="bl" rotWithShape="0"/>
+                </a:effectLst>
+                <a:latin typeface="Arial" pitchFamily="34" charset="0"/>
+                <a:cs typeface="Arial" pitchFamily="34" charset="0"/>
+              </a:rPr>
+              <a:t>Solución propuesta</a:t>
+            </a:r>
+            <a:endParaRPr lang="es-CL" sz="2800" b="1" cap="all" dirty="0">
+              <a:ln w="9000" cmpd="sng">
+                <a:solidFill>
+                  <a:schemeClr val="accent4">
+                    <a:shade val="50000"/>
+                    <a:satMod val="120000"/>
+                  </a:schemeClr>
+                </a:solidFill>
+                <a:prstDash val="solid"/>
+              </a:ln>
+              <a:gradFill>
+                <a:gsLst>
+                  <a:gs pos="0">
+                    <a:schemeClr val="accent4">
+                      <a:shade val="20000"/>
+                      <a:satMod val="245000"/>
+                    </a:schemeClr>
+                  </a:gs>
+                  <a:gs pos="43000">
+                    <a:schemeClr val="accent4">
+                      <a:satMod val="255000"/>
+                    </a:schemeClr>
+                  </a:gs>
+                  <a:gs pos="48000">
+                    <a:schemeClr val="accent4">
+                      <a:shade val="85000"/>
+                      <a:satMod val="255000"/>
+                    </a:schemeClr>
+                  </a:gs>
+                  <a:gs pos="100000">
+                    <a:schemeClr val="accent4">
+                      <a:shade val="20000"/>
+                      <a:satMod val="245000"/>
+                    </a:schemeClr>
+                  </a:gs>
+                </a:gsLst>
+                <a:lin ang="5400000"/>
+              </a:gradFill>
+              <a:effectLst>
+                <a:reflection blurRad="12700" stA="28000" endPos="45000" dist="1000" dir="5400000" sy="-100000" algn="bl" rotWithShape="0"/>
+              </a:effectLst>
+              <a:latin typeface="Arial" pitchFamily="34" charset="0"/>
+              <a:cs typeface="Arial" pitchFamily="34" charset="0"/>
+            </a:endParaRPr>
+          </a:p>
+        </p:txBody>
+      </p:sp>
       <p:pic>
         <p:nvPicPr>
           <p:cNvPr id="12290" name="Picture 2" descr="C:\Users\Sevazthian\AppData\Local\Microsoft\Windows\Temporary Internet Files\Content.IE5\RVAN69P0\MCPE01573_0000[1].wmf"/>
@@ -30752,7 +31474,7 @@
         </p:blipFill>
         <p:spPr bwMode="auto">
           <a:xfrm>
-            <a:off x="6114197" y="3984258"/>
+            <a:off x="6790472" y="3698508"/>
             <a:ext cx="2031613" cy="1711498"/>
           </a:xfrm>
           <a:prstGeom prst="rect">
@@ -30761,6 +31483,369 @@
           <a:noFill/>
         </p:spPr>
       </p:pic>
+      <p:graphicFrame>
+        <p:nvGraphicFramePr>
+          <p:cNvPr id="8" name="7 Tabla"/>
+          <p:cNvGraphicFramePr>
+            <a:graphicFrameLocks noGrp="1"/>
+          </p:cNvGraphicFramePr>
+          <p:nvPr/>
+        </p:nvGraphicFramePr>
+        <p:xfrm>
+          <a:off x="2114550" y="3006725"/>
+          <a:ext cx="3181350" cy="1849120"/>
+        </p:xfrm>
+        <a:graphic>
+          <a:graphicData uri="http://schemas.openxmlformats.org/drawingml/2006/table">
+            <a:tbl>
+              <a:tblPr firstRow="1" bandRow="1">
+                <a:tableStyleId>{5C22544A-7EE6-4342-B048-85BDC9FD1C3A}</a:tableStyleId>
+              </a:tblPr>
+              <a:tblGrid>
+                <a:gridCol w="1438275"/>
+                <a:gridCol w="1743075"/>
+              </a:tblGrid>
+              <a:tr h="370840">
+                <a:tc>
+                  <a:txBody>
+                    <a:bodyPr/>
+                    <a:lstStyle/>
+                    <a:p>
+                      <a:r>
+                        <a:rPr lang="es-ES" baseline="0" dirty="0" smtClean="0">
+                          <a:solidFill>
+                            <a:schemeClr val="tx1"/>
+                          </a:solidFill>
+                        </a:rPr>
+                        <a:t>Indicadores</a:t>
+                      </a:r>
+                      <a:endParaRPr lang="es-ES" baseline="0" dirty="0">
+                        <a:solidFill>
+                          <a:schemeClr val="tx1"/>
+                        </a:solidFill>
+                      </a:endParaRPr>
+                    </a:p>
+                  </a:txBody>
+                  <a:tcPr>
+                    <a:solidFill>
+                      <a:schemeClr val="bg1">
+                        <a:lumMod val="50000"/>
+                      </a:schemeClr>
+                    </a:solidFill>
+                  </a:tcPr>
+                </a:tc>
+                <a:tc>
+                  <a:txBody>
+                    <a:bodyPr/>
+                    <a:lstStyle/>
+                    <a:p>
+                      <a:r>
+                        <a:rPr lang="es-ES" baseline="0" dirty="0" smtClean="0">
+                          <a:solidFill>
+                            <a:schemeClr val="tx1"/>
+                          </a:solidFill>
+                        </a:rPr>
+                        <a:t>Valores</a:t>
+                      </a:r>
+                      <a:endParaRPr lang="es-ES" baseline="0" dirty="0">
+                        <a:solidFill>
+                          <a:schemeClr val="tx1"/>
+                        </a:solidFill>
+                      </a:endParaRPr>
+                    </a:p>
+                  </a:txBody>
+                  <a:tcPr>
+                    <a:solidFill>
+                      <a:schemeClr val="bg1">
+                        <a:lumMod val="50000"/>
+                      </a:schemeClr>
+                    </a:solidFill>
+                  </a:tcPr>
+                </a:tc>
+              </a:tr>
+              <a:tr h="356235">
+                <a:tc>
+                  <a:txBody>
+                    <a:bodyPr/>
+                    <a:lstStyle/>
+                    <a:p>
+                      <a:pPr marL="0" marR="0" indent="0" algn="l" defTabSz="914400" rtl="0" eaLnBrk="1" fontAlgn="auto" latinLnBrk="0" hangingPunct="1">
+                        <a:lnSpc>
+                          <a:spcPct val="100000"/>
+                        </a:lnSpc>
+                        <a:spcBef>
+                          <a:spcPts val="0"/>
+                        </a:spcBef>
+                        <a:spcAft>
+                          <a:spcPts val="0"/>
+                        </a:spcAft>
+                        <a:buClrTx/>
+                        <a:buSzTx/>
+                        <a:buFontTx/>
+                        <a:buNone/>
+                        <a:tabLst/>
+                        <a:defRPr/>
+                      </a:pPr>
+                      <a:r>
+                        <a:rPr lang="es-ES" sz="1800" b="1" i="0" u="none" strike="noStrike" dirty="0" smtClean="0">
+                          <a:solidFill>
+                            <a:srgbClr val="000000"/>
+                          </a:solidFill>
+                          <a:latin typeface="Calibri"/>
+                        </a:rPr>
+                        <a:t>Td   %</a:t>
+                      </a:r>
+                      <a:endParaRPr lang="es-ES" dirty="0"/>
+                    </a:p>
+                  </a:txBody>
+                  <a:tcPr/>
+                </a:tc>
+                <a:tc>
+                  <a:txBody>
+                    <a:bodyPr/>
+                    <a:lstStyle/>
+                    <a:p>
+                      <a:pPr marL="0" marR="0" indent="0" algn="l" defTabSz="914400" rtl="0" eaLnBrk="1" fontAlgn="auto" latinLnBrk="0" hangingPunct="1">
+                        <a:lnSpc>
+                          <a:spcPct val="100000"/>
+                        </a:lnSpc>
+                        <a:spcBef>
+                          <a:spcPts val="0"/>
+                        </a:spcBef>
+                        <a:spcAft>
+                          <a:spcPts val="0"/>
+                        </a:spcAft>
+                        <a:buClrTx/>
+                        <a:buSzTx/>
+                        <a:buFontTx/>
+                        <a:buNone/>
+                        <a:tabLst/>
+                        <a:defRPr/>
+                      </a:pPr>
+                      <a:r>
+                        <a:rPr lang="es-ES" sz="1800" b="1" i="0" u="none" strike="noStrike" dirty="0" smtClean="0">
+                          <a:solidFill>
+                            <a:srgbClr val="000000"/>
+                          </a:solidFill>
+                          <a:latin typeface="Calibri"/>
+                        </a:rPr>
+                        <a:t>12</a:t>
+                      </a:r>
+                      <a:endParaRPr lang="es-ES" dirty="0"/>
+                    </a:p>
+                  </a:txBody>
+                  <a:tcPr/>
+                </a:tc>
+              </a:tr>
+              <a:tr h="370840">
+                <a:tc>
+                  <a:txBody>
+                    <a:bodyPr/>
+                    <a:lstStyle/>
+                    <a:p>
+                      <a:pPr marL="0" marR="0" indent="0" algn="l" defTabSz="914400" rtl="0" eaLnBrk="1" fontAlgn="auto" latinLnBrk="0" hangingPunct="1">
+                        <a:lnSpc>
+                          <a:spcPct val="100000"/>
+                        </a:lnSpc>
+                        <a:spcBef>
+                          <a:spcPts val="0"/>
+                        </a:spcBef>
+                        <a:spcAft>
+                          <a:spcPts val="0"/>
+                        </a:spcAft>
+                        <a:buClrTx/>
+                        <a:buSzTx/>
+                        <a:buFontTx/>
+                        <a:buNone/>
+                        <a:tabLst/>
+                        <a:defRPr/>
+                      </a:pPr>
+                      <a:r>
+                        <a:rPr lang="es-ES" sz="1800" b="1" i="0" u="none" strike="noStrike" dirty="0" smtClean="0">
+                          <a:solidFill>
+                            <a:srgbClr val="000000"/>
+                          </a:solidFill>
+                          <a:latin typeface="Calibri"/>
+                        </a:rPr>
+                        <a:t>Van  $</a:t>
+                      </a:r>
+                      <a:endParaRPr lang="es-ES" dirty="0"/>
+                    </a:p>
+                  </a:txBody>
+                  <a:tcPr/>
+                </a:tc>
+                <a:tc>
+                  <a:txBody>
+                    <a:bodyPr/>
+                    <a:lstStyle/>
+                    <a:p>
+                      <a:pPr marL="0" marR="0" indent="0" algn="l" defTabSz="914400" rtl="0" eaLnBrk="1" fontAlgn="auto" latinLnBrk="0" hangingPunct="1">
+                        <a:lnSpc>
+                          <a:spcPct val="100000"/>
+                        </a:lnSpc>
+                        <a:spcBef>
+                          <a:spcPts val="0"/>
+                        </a:spcBef>
+                        <a:spcAft>
+                          <a:spcPts val="0"/>
+                        </a:spcAft>
+                        <a:buClrTx/>
+                        <a:buSzTx/>
+                        <a:buFontTx/>
+                        <a:buNone/>
+                        <a:tabLst/>
+                        <a:defRPr/>
+                      </a:pPr>
+                      <a:r>
+                        <a:rPr lang="es-ES" sz="1800" b="1" i="0" u="none" strike="noStrike" dirty="0" smtClean="0">
+                          <a:solidFill>
+                            <a:srgbClr val="000000"/>
+                          </a:solidFill>
+                          <a:latin typeface="Calibri"/>
+                        </a:rPr>
+                        <a:t>11.120.660</a:t>
+                      </a:r>
+                      <a:endParaRPr lang="es-ES" dirty="0"/>
+                    </a:p>
+                  </a:txBody>
+                  <a:tcPr/>
+                </a:tc>
+              </a:tr>
+              <a:tr h="370840">
+                <a:tc>
+                  <a:txBody>
+                    <a:bodyPr/>
+                    <a:lstStyle/>
+                    <a:p>
+                      <a:pPr marL="0" marR="0" indent="0" algn="l" defTabSz="914400" rtl="0" eaLnBrk="1" fontAlgn="auto" latinLnBrk="0" hangingPunct="1">
+                        <a:lnSpc>
+                          <a:spcPct val="100000"/>
+                        </a:lnSpc>
+                        <a:spcBef>
+                          <a:spcPts val="0"/>
+                        </a:spcBef>
+                        <a:spcAft>
+                          <a:spcPts val="0"/>
+                        </a:spcAft>
+                        <a:buClrTx/>
+                        <a:buSzTx/>
+                        <a:buFontTx/>
+                        <a:buNone/>
+                        <a:tabLst/>
+                        <a:defRPr/>
+                      </a:pPr>
+                      <a:r>
+                        <a:rPr lang="es-ES" sz="1800" b="1" i="0" u="none" strike="noStrike" dirty="0" smtClean="0">
+                          <a:solidFill>
+                            <a:srgbClr val="000000"/>
+                          </a:solidFill>
+                          <a:latin typeface="Calibri"/>
+                        </a:rPr>
+                        <a:t>Tir</a:t>
+                      </a:r>
+                      <a:endParaRPr lang="es-ES" dirty="0"/>
+                    </a:p>
+                  </a:txBody>
+                  <a:tcPr/>
+                </a:tc>
+                <a:tc>
+                  <a:txBody>
+                    <a:bodyPr/>
+                    <a:lstStyle/>
+                    <a:p>
+                      <a:r>
+                        <a:rPr lang="es-ES" sz="1800" b="1" i="0" u="none" strike="noStrike" dirty="0" smtClean="0">
+                          <a:solidFill>
+                            <a:srgbClr val="000000"/>
+                          </a:solidFill>
+                          <a:latin typeface="Calibri"/>
+                        </a:rPr>
+                        <a:t>42%</a:t>
+                      </a:r>
+                      <a:endParaRPr lang="es-ES" dirty="0"/>
+                    </a:p>
+                  </a:txBody>
+                  <a:tcPr/>
+                </a:tc>
+              </a:tr>
+              <a:tr h="370840">
+                <a:tc>
+                  <a:txBody>
+                    <a:bodyPr/>
+                    <a:lstStyle/>
+                    <a:p>
+                      <a:pPr marL="0" marR="0" indent="0" algn="l" defTabSz="914400" rtl="0" eaLnBrk="1" fontAlgn="auto" latinLnBrk="0" hangingPunct="1">
+                        <a:lnSpc>
+                          <a:spcPct val="100000"/>
+                        </a:lnSpc>
+                        <a:spcBef>
+                          <a:spcPts val="0"/>
+                        </a:spcBef>
+                        <a:spcAft>
+                          <a:spcPts val="0"/>
+                        </a:spcAft>
+                        <a:buClrTx/>
+                        <a:buSzTx/>
+                        <a:buFontTx/>
+                        <a:buNone/>
+                        <a:tabLst/>
+                        <a:defRPr/>
+                      </a:pPr>
+                      <a:r>
+                        <a:rPr lang="es-ES" sz="1800" b="1" i="0" u="none" strike="noStrike" dirty="0" smtClean="0">
+                          <a:solidFill>
+                            <a:srgbClr val="000000"/>
+                          </a:solidFill>
+                          <a:latin typeface="Calibri"/>
+                        </a:rPr>
+                        <a:t>Pri</a:t>
+                      </a:r>
+                      <a:endParaRPr lang="es-ES" dirty="0"/>
+                    </a:p>
+                  </a:txBody>
+                  <a:tcPr/>
+                </a:tc>
+                <a:tc>
+                  <a:txBody>
+                    <a:bodyPr/>
+                    <a:lstStyle/>
+                    <a:p>
+                      <a:pPr marL="0" marR="0" indent="0" algn="l" defTabSz="914400" rtl="0" eaLnBrk="1" fontAlgn="auto" latinLnBrk="0" hangingPunct="1">
+                        <a:lnSpc>
+                          <a:spcPct val="100000"/>
+                        </a:lnSpc>
+                        <a:spcBef>
+                          <a:spcPts val="0"/>
+                        </a:spcBef>
+                        <a:spcAft>
+                          <a:spcPts val="0"/>
+                        </a:spcAft>
+                        <a:buClrTx/>
+                        <a:buSzTx/>
+                        <a:buFontTx/>
+                        <a:buNone/>
+                        <a:tabLst/>
+                        <a:defRPr/>
+                      </a:pPr>
+                      <a:r>
+                        <a:rPr lang="es-ES" sz="1800" b="0" i="0" u="none" strike="noStrike" dirty="0" smtClean="0">
+                          <a:solidFill>
+                            <a:srgbClr val="000000"/>
+                          </a:solidFill>
+                          <a:latin typeface="Calibri"/>
+                        </a:rPr>
+                        <a:t>2,061385207</a:t>
+                      </a:r>
+                      <a:endParaRPr lang="es-ES" dirty="0"/>
+                    </a:p>
+                  </a:txBody>
+                  <a:tcPr/>
+                </a:tc>
+              </a:tr>
+            </a:tbl>
+          </a:graphicData>
+        </a:graphic>
+      </p:graphicFrame>
     </p:spTree>
   </p:cSld>
   <p:clrMapOvr>
@@ -30777,7 +31862,7 @@
 </p:sld>
 </file>
 
-<file path=ppt/slides/slide17.xml><?xml version="1.0" encoding="utf-8"?>
+<file path=ppt/slides/slide18.xml><?xml version="1.0" encoding="utf-8"?>
 <p:sld xmlns:a="http://schemas.openxmlformats.org/drawingml/2006/main" xmlns:r="http://schemas.openxmlformats.org/officeDocument/2006/relationships" xmlns:p="http://schemas.openxmlformats.org/presentationml/2006/main">
   <p:cSld>
     <p:spTree>
@@ -31009,7 +32094,7 @@
 </p:sld>
 </file>
 
-<file path=ppt/slides/slide18.xml><?xml version="1.0" encoding="utf-8"?>
+<file path=ppt/slides/slide19.xml><?xml version="1.0" encoding="utf-8"?>
 <p:sld xmlns:a="http://schemas.openxmlformats.org/drawingml/2006/main" xmlns:r="http://schemas.openxmlformats.org/officeDocument/2006/relationships" xmlns:p="http://schemas.openxmlformats.org/presentationml/2006/main">
   <p:cSld>
     <p:spTree>
@@ -31149,7 +32234,251 @@
 </p:sld>
 </file>
 
-<file path=ppt/slides/slide19.xml><?xml version="1.0" encoding="utf-8"?>
+<file path=ppt/slides/slide2.xml><?xml version="1.0" encoding="utf-8"?>
+<p:sld xmlns:a="http://schemas.openxmlformats.org/drawingml/2006/main" xmlns:r="http://schemas.openxmlformats.org/officeDocument/2006/relationships" xmlns:p="http://schemas.openxmlformats.org/presentationml/2006/main">
+  <p:cSld>
+    <p:spTree>
+      <p:nvGrpSpPr>
+        <p:cNvPr id="1" name=""/>
+        <p:cNvGrpSpPr/>
+        <p:nvPr/>
+      </p:nvGrpSpPr>
+      <p:grpSpPr>
+        <a:xfrm>
+          <a:off x="0" y="0"/>
+          <a:ext cx="0" cy="0"/>
+          <a:chOff x="0" y="0"/>
+          <a:chExt cx="0" cy="0"/>
+        </a:xfrm>
+      </p:grpSpPr>
+      <p:sp>
+        <p:nvSpPr>
+          <p:cNvPr id="3" name="2 Marcador de contenido"/>
+          <p:cNvSpPr>
+            <a:spLocks noGrp="1"/>
+          </p:cNvSpPr>
+          <p:nvPr>
+            <p:ph idx="1"/>
+          </p:nvPr>
+        </p:nvSpPr>
+        <p:spPr>
+          <a:xfrm>
+            <a:off x="699452" y="1460311"/>
+            <a:ext cx="7772400" cy="4735773"/>
+          </a:xfrm>
+        </p:spPr>
+        <p:txBody>
+          <a:bodyPr/>
+          <a:lstStyle/>
+          <a:p>
+            <a:r>
+              <a:rPr lang="es-CL" dirty="0" smtClean="0"/>
+              <a:t>Introducción</a:t>
+            </a:r>
+          </a:p>
+          <a:p>
+            <a:r>
+              <a:rPr lang="es-CL" dirty="0" smtClean="0"/>
+              <a:t>Descripción de la organización</a:t>
+            </a:r>
+          </a:p>
+          <a:p>
+            <a:r>
+              <a:rPr lang="es-CL" dirty="0" smtClean="0"/>
+              <a:t>Problema</a:t>
+            </a:r>
+          </a:p>
+          <a:p>
+            <a:r>
+              <a:rPr lang="es-CL" dirty="0" smtClean="0"/>
+              <a:t>Objetivo y delimitación</a:t>
+            </a:r>
+          </a:p>
+          <a:p>
+            <a:r>
+              <a:rPr lang="es-CL" dirty="0" smtClean="0"/>
+              <a:t>Solución Propuesta</a:t>
+            </a:r>
+          </a:p>
+          <a:p>
+            <a:r>
+              <a:rPr lang="es-CL" dirty="0" smtClean="0"/>
+              <a:t>Demostración sistema</a:t>
+            </a:r>
+          </a:p>
+          <a:p>
+            <a:r>
+              <a:rPr lang="es-CL" dirty="0" smtClean="0"/>
+              <a:t>Conclusión</a:t>
+            </a:r>
+          </a:p>
+          <a:p>
+            <a:endParaRPr lang="es-CL" dirty="0" smtClean="0"/>
+          </a:p>
+          <a:p>
+            <a:endParaRPr lang="es-CL" dirty="0"/>
+          </a:p>
+        </p:txBody>
+      </p:sp>
+      <p:pic>
+        <p:nvPicPr>
+          <p:cNvPr id="17411" name="Picture 3" descr="C:\Users\Sevazthian\AppData\Local\Microsoft\Windows\Temporary Internet Files\Content.IE5\DQNYL9HM\MCj04347840000[1].png"/>
+          <p:cNvPicPr>
+            <a:picLocks noChangeAspect="1" noChangeArrowheads="1"/>
+          </p:cNvPicPr>
+          <p:nvPr/>
+        </p:nvPicPr>
+        <p:blipFill>
+          <a:blip r:embed="rId3" cstate="print"/>
+          <a:srcRect/>
+          <a:stretch>
+            <a:fillRect/>
+          </a:stretch>
+        </p:blipFill>
+        <p:spPr bwMode="auto">
+          <a:xfrm>
+            <a:off x="6550997" y="3985667"/>
+            <a:ext cx="1828800" cy="1828800"/>
+          </a:xfrm>
+          <a:prstGeom prst="rect">
+            <a:avLst/>
+          </a:prstGeom>
+          <a:noFill/>
+        </p:spPr>
+      </p:pic>
+      <p:sp>
+        <p:nvSpPr>
+          <p:cNvPr id="5" name="4 CuadroTexto"/>
+          <p:cNvSpPr txBox="1"/>
+          <p:nvPr/>
+        </p:nvSpPr>
+        <p:spPr>
+          <a:xfrm>
+            <a:off x="627795" y="518614"/>
+            <a:ext cx="7915702" cy="523220"/>
+          </a:xfrm>
+          <a:prstGeom prst="rect">
+            <a:avLst/>
+          </a:prstGeom>
+          <a:noFill/>
+        </p:spPr>
+        <p:txBody>
+          <a:bodyPr wrap="square" rtlCol="0">
+            <a:spAutoFit/>
+          </a:bodyPr>
+          <a:lstStyle/>
+          <a:p>
+            <a:r>
+              <a:rPr lang="es-CL" sz="2800" b="1" cap="all" dirty="0" smtClean="0">
+                <a:ln w="9000" cmpd="sng">
+                  <a:solidFill>
+                    <a:schemeClr val="accent4">
+                      <a:shade val="50000"/>
+                      <a:satMod val="120000"/>
+                    </a:schemeClr>
+                  </a:solidFill>
+                  <a:prstDash val="solid"/>
+                </a:ln>
+                <a:gradFill>
+                  <a:gsLst>
+                    <a:gs pos="0">
+                      <a:schemeClr val="accent4">
+                        <a:shade val="20000"/>
+                        <a:satMod val="245000"/>
+                      </a:schemeClr>
+                    </a:gs>
+                    <a:gs pos="43000">
+                      <a:schemeClr val="accent4">
+                        <a:satMod val="255000"/>
+                      </a:schemeClr>
+                    </a:gs>
+                    <a:gs pos="48000">
+                      <a:schemeClr val="accent4">
+                        <a:shade val="85000"/>
+                        <a:satMod val="255000"/>
+                      </a:schemeClr>
+                    </a:gs>
+                    <a:gs pos="100000">
+                      <a:schemeClr val="accent4">
+                        <a:shade val="20000"/>
+                        <a:satMod val="245000"/>
+                      </a:schemeClr>
+                    </a:gs>
+                  </a:gsLst>
+                  <a:lin ang="5400000"/>
+                </a:gradFill>
+                <a:effectLst>
+                  <a:reflection blurRad="12700" stA="28000" endPos="45000" dist="1000" dir="5400000" sy="-100000" algn="bl" rotWithShape="0"/>
+                </a:effectLst>
+                <a:latin typeface="Arial" pitchFamily="34" charset="0"/>
+                <a:cs typeface="Arial" pitchFamily="34" charset="0"/>
+              </a:rPr>
+              <a:t>Contenido</a:t>
+            </a:r>
+            <a:endParaRPr lang="es-CL" sz="2800" b="1" cap="all" dirty="0">
+              <a:ln w="9000" cmpd="sng">
+                <a:solidFill>
+                  <a:schemeClr val="accent4">
+                    <a:shade val="50000"/>
+                    <a:satMod val="120000"/>
+                  </a:schemeClr>
+                </a:solidFill>
+                <a:prstDash val="solid"/>
+              </a:ln>
+              <a:gradFill>
+                <a:gsLst>
+                  <a:gs pos="0">
+                    <a:schemeClr val="accent4">
+                      <a:shade val="20000"/>
+                      <a:satMod val="245000"/>
+                    </a:schemeClr>
+                  </a:gs>
+                  <a:gs pos="43000">
+                    <a:schemeClr val="accent4">
+                      <a:satMod val="255000"/>
+                    </a:schemeClr>
+                  </a:gs>
+                  <a:gs pos="48000">
+                    <a:schemeClr val="accent4">
+                      <a:shade val="85000"/>
+                      <a:satMod val="255000"/>
+                    </a:schemeClr>
+                  </a:gs>
+                  <a:gs pos="100000">
+                    <a:schemeClr val="accent4">
+                      <a:shade val="20000"/>
+                      <a:satMod val="245000"/>
+                    </a:schemeClr>
+                  </a:gs>
+                </a:gsLst>
+                <a:lin ang="5400000"/>
+              </a:gradFill>
+              <a:effectLst>
+                <a:reflection blurRad="12700" stA="28000" endPos="45000" dist="1000" dir="5400000" sy="-100000" algn="bl" rotWithShape="0"/>
+              </a:effectLst>
+              <a:latin typeface="Arial" pitchFamily="34" charset="0"/>
+              <a:cs typeface="Arial" pitchFamily="34" charset="0"/>
+            </a:endParaRPr>
+          </a:p>
+        </p:txBody>
+      </p:sp>
+    </p:spTree>
+  </p:cSld>
+  <p:clrMapOvr>
+    <a:masterClrMapping/>
+  </p:clrMapOvr>
+  <p:transition/>
+  <p:timing>
+    <p:tnLst>
+      <p:par>
+        <p:cTn id="1" dur="indefinite" restart="never" nodeType="tmRoot"/>
+      </p:par>
+    </p:tnLst>
+  </p:timing>
+</p:sld>
+</file>
+
+<file path=ppt/slides/slide20.xml><?xml version="1.0" encoding="utf-8"?>
 <p:sld xmlns:a="http://schemas.openxmlformats.org/drawingml/2006/main" xmlns:r="http://schemas.openxmlformats.org/officeDocument/2006/relationships" xmlns:p="http://schemas.openxmlformats.org/presentationml/2006/main">
   <p:cSld>
     <p:spTree>
@@ -31332,251 +32661,7 @@
 </p:sld>
 </file>
 
-<file path=ppt/slides/slide2.xml><?xml version="1.0" encoding="utf-8"?>
-<p:sld xmlns:a="http://schemas.openxmlformats.org/drawingml/2006/main" xmlns:r="http://schemas.openxmlformats.org/officeDocument/2006/relationships" xmlns:p="http://schemas.openxmlformats.org/presentationml/2006/main">
-  <p:cSld>
-    <p:spTree>
-      <p:nvGrpSpPr>
-        <p:cNvPr id="1" name=""/>
-        <p:cNvGrpSpPr/>
-        <p:nvPr/>
-      </p:nvGrpSpPr>
-      <p:grpSpPr>
-        <a:xfrm>
-          <a:off x="0" y="0"/>
-          <a:ext cx="0" cy="0"/>
-          <a:chOff x="0" y="0"/>
-          <a:chExt cx="0" cy="0"/>
-        </a:xfrm>
-      </p:grpSpPr>
-      <p:sp>
-        <p:nvSpPr>
-          <p:cNvPr id="3" name="2 Marcador de contenido"/>
-          <p:cNvSpPr>
-            <a:spLocks noGrp="1"/>
-          </p:cNvSpPr>
-          <p:nvPr>
-            <p:ph idx="1"/>
-          </p:nvPr>
-        </p:nvSpPr>
-        <p:spPr>
-          <a:xfrm>
-            <a:off x="699452" y="1460311"/>
-            <a:ext cx="7772400" cy="4735773"/>
-          </a:xfrm>
-        </p:spPr>
-        <p:txBody>
-          <a:bodyPr/>
-          <a:lstStyle/>
-          <a:p>
-            <a:r>
-              <a:rPr lang="es-CL" dirty="0" smtClean="0"/>
-              <a:t>Introducción</a:t>
-            </a:r>
-          </a:p>
-          <a:p>
-            <a:r>
-              <a:rPr lang="es-CL" dirty="0" smtClean="0"/>
-              <a:t>Descripción de la organización</a:t>
-            </a:r>
-          </a:p>
-          <a:p>
-            <a:r>
-              <a:rPr lang="es-CL" dirty="0" smtClean="0"/>
-              <a:t>Problema</a:t>
-            </a:r>
-          </a:p>
-          <a:p>
-            <a:r>
-              <a:rPr lang="es-CL" dirty="0" smtClean="0"/>
-              <a:t>Objetivo y delimitación</a:t>
-            </a:r>
-          </a:p>
-          <a:p>
-            <a:r>
-              <a:rPr lang="es-CL" dirty="0" smtClean="0"/>
-              <a:t>Solución Propuesta</a:t>
-            </a:r>
-          </a:p>
-          <a:p>
-            <a:r>
-              <a:rPr lang="es-CL" dirty="0" smtClean="0"/>
-              <a:t>Demostración sistema</a:t>
-            </a:r>
-          </a:p>
-          <a:p>
-            <a:r>
-              <a:rPr lang="es-CL" dirty="0" smtClean="0"/>
-              <a:t>Conclusión</a:t>
-            </a:r>
-          </a:p>
-          <a:p>
-            <a:endParaRPr lang="es-CL" dirty="0" smtClean="0"/>
-          </a:p>
-          <a:p>
-            <a:endParaRPr lang="es-CL" dirty="0"/>
-          </a:p>
-        </p:txBody>
-      </p:sp>
-      <p:pic>
-        <p:nvPicPr>
-          <p:cNvPr id="17411" name="Picture 3" descr="C:\Users\Sevazthian\AppData\Local\Microsoft\Windows\Temporary Internet Files\Content.IE5\DQNYL9HM\MCj04347840000[1].png"/>
-          <p:cNvPicPr>
-            <a:picLocks noChangeAspect="1" noChangeArrowheads="1"/>
-          </p:cNvPicPr>
-          <p:nvPr/>
-        </p:nvPicPr>
-        <p:blipFill>
-          <a:blip r:embed="rId3" cstate="print"/>
-          <a:srcRect/>
-          <a:stretch>
-            <a:fillRect/>
-          </a:stretch>
-        </p:blipFill>
-        <p:spPr bwMode="auto">
-          <a:xfrm>
-            <a:off x="6550997" y="3985667"/>
-            <a:ext cx="1828800" cy="1828800"/>
-          </a:xfrm>
-          <a:prstGeom prst="rect">
-            <a:avLst/>
-          </a:prstGeom>
-          <a:noFill/>
-        </p:spPr>
-      </p:pic>
-      <p:sp>
-        <p:nvSpPr>
-          <p:cNvPr id="5" name="4 CuadroTexto"/>
-          <p:cNvSpPr txBox="1"/>
-          <p:nvPr/>
-        </p:nvSpPr>
-        <p:spPr>
-          <a:xfrm>
-            <a:off x="627795" y="518614"/>
-            <a:ext cx="7915702" cy="523220"/>
-          </a:xfrm>
-          <a:prstGeom prst="rect">
-            <a:avLst/>
-          </a:prstGeom>
-          <a:noFill/>
-        </p:spPr>
-        <p:txBody>
-          <a:bodyPr wrap="square" rtlCol="0">
-            <a:spAutoFit/>
-          </a:bodyPr>
-          <a:lstStyle/>
-          <a:p>
-            <a:r>
-              <a:rPr lang="es-CL" sz="2800" b="1" cap="all" dirty="0" smtClean="0">
-                <a:ln w="9000" cmpd="sng">
-                  <a:solidFill>
-                    <a:schemeClr val="accent4">
-                      <a:shade val="50000"/>
-                      <a:satMod val="120000"/>
-                    </a:schemeClr>
-                  </a:solidFill>
-                  <a:prstDash val="solid"/>
-                </a:ln>
-                <a:gradFill>
-                  <a:gsLst>
-                    <a:gs pos="0">
-                      <a:schemeClr val="accent4">
-                        <a:shade val="20000"/>
-                        <a:satMod val="245000"/>
-                      </a:schemeClr>
-                    </a:gs>
-                    <a:gs pos="43000">
-                      <a:schemeClr val="accent4">
-                        <a:satMod val="255000"/>
-                      </a:schemeClr>
-                    </a:gs>
-                    <a:gs pos="48000">
-                      <a:schemeClr val="accent4">
-                        <a:shade val="85000"/>
-                        <a:satMod val="255000"/>
-                      </a:schemeClr>
-                    </a:gs>
-                    <a:gs pos="100000">
-                      <a:schemeClr val="accent4">
-                        <a:shade val="20000"/>
-                        <a:satMod val="245000"/>
-                      </a:schemeClr>
-                    </a:gs>
-                  </a:gsLst>
-                  <a:lin ang="5400000"/>
-                </a:gradFill>
-                <a:effectLst>
-                  <a:reflection blurRad="12700" stA="28000" endPos="45000" dist="1000" dir="5400000" sy="-100000" algn="bl" rotWithShape="0"/>
-                </a:effectLst>
-                <a:latin typeface="Arial" pitchFamily="34" charset="0"/>
-                <a:cs typeface="Arial" pitchFamily="34" charset="0"/>
-              </a:rPr>
-              <a:t>Contenido</a:t>
-            </a:r>
-            <a:endParaRPr lang="es-CL" sz="2800" b="1" cap="all" dirty="0">
-              <a:ln w="9000" cmpd="sng">
-                <a:solidFill>
-                  <a:schemeClr val="accent4">
-                    <a:shade val="50000"/>
-                    <a:satMod val="120000"/>
-                  </a:schemeClr>
-                </a:solidFill>
-                <a:prstDash val="solid"/>
-              </a:ln>
-              <a:gradFill>
-                <a:gsLst>
-                  <a:gs pos="0">
-                    <a:schemeClr val="accent4">
-                      <a:shade val="20000"/>
-                      <a:satMod val="245000"/>
-                    </a:schemeClr>
-                  </a:gs>
-                  <a:gs pos="43000">
-                    <a:schemeClr val="accent4">
-                      <a:satMod val="255000"/>
-                    </a:schemeClr>
-                  </a:gs>
-                  <a:gs pos="48000">
-                    <a:schemeClr val="accent4">
-                      <a:shade val="85000"/>
-                      <a:satMod val="255000"/>
-                    </a:schemeClr>
-                  </a:gs>
-                  <a:gs pos="100000">
-                    <a:schemeClr val="accent4">
-                      <a:shade val="20000"/>
-                      <a:satMod val="245000"/>
-                    </a:schemeClr>
-                  </a:gs>
-                </a:gsLst>
-                <a:lin ang="5400000"/>
-              </a:gradFill>
-              <a:effectLst>
-                <a:reflection blurRad="12700" stA="28000" endPos="45000" dist="1000" dir="5400000" sy="-100000" algn="bl" rotWithShape="0"/>
-              </a:effectLst>
-              <a:latin typeface="Arial" pitchFamily="34" charset="0"/>
-              <a:cs typeface="Arial" pitchFamily="34" charset="0"/>
-            </a:endParaRPr>
-          </a:p>
-        </p:txBody>
-      </p:sp>
-    </p:spTree>
-  </p:cSld>
-  <p:clrMapOvr>
-    <a:masterClrMapping/>
-  </p:clrMapOvr>
-  <p:transition/>
-  <p:timing>
-    <p:tnLst>
-      <p:par>
-        <p:cTn id="1" dur="indefinite" restart="never" nodeType="tmRoot"/>
-      </p:par>
-    </p:tnLst>
-  </p:timing>
-</p:sld>
-</file>
-
-<file path=ppt/slides/slide20.xml><?xml version="1.0" encoding="utf-8"?>
+<file path=ppt/slides/slide21.xml><?xml version="1.0" encoding="utf-8"?>
 <p:sld xmlns:a="http://schemas.openxmlformats.org/drawingml/2006/main" xmlns:r="http://schemas.openxmlformats.org/officeDocument/2006/relationships" xmlns:p="http://schemas.openxmlformats.org/presentationml/2006/main">
   <p:cSld>
     <p:spTree>
@@ -31745,7 +32830,7 @@
 </p:sld>
 </file>
 
-<file path=ppt/slides/slide21.xml><?xml version="1.0" encoding="utf-8"?>
+<file path=ppt/slides/slide22.xml><?xml version="1.0" encoding="utf-8"?>
 <p:sld xmlns:a="http://schemas.openxmlformats.org/drawingml/2006/main" xmlns:r="http://schemas.openxmlformats.org/officeDocument/2006/relationships" xmlns:p="http://schemas.openxmlformats.org/presentationml/2006/main">
   <p:cSld>
     <p:spTree>
@@ -31982,7 +33067,7 @@
 </p:sld>
 </file>
 
-<file path=ppt/slides/slide22.xml><?xml version="1.0" encoding="utf-8"?>
+<file path=ppt/slides/slide23.xml><?xml version="1.0" encoding="utf-8"?>
 <p:sld xmlns:a="http://schemas.openxmlformats.org/drawingml/2006/main" xmlns:r="http://schemas.openxmlformats.org/officeDocument/2006/relationships" xmlns:p="http://schemas.openxmlformats.org/presentationml/2006/main">
   <p:cSld>
     <p:spTree>
@@ -32134,7 +33219,7 @@
 </p:sld>
 </file>
 
-<file path=ppt/slides/slide23.xml><?xml version="1.0" encoding="utf-8"?>
+<file path=ppt/slides/slide24.xml><?xml version="1.0" encoding="utf-8"?>
 <p:sld xmlns:a="http://schemas.openxmlformats.org/drawingml/2006/main" xmlns:r="http://schemas.openxmlformats.org/officeDocument/2006/relationships" xmlns:p="http://schemas.openxmlformats.org/presentationml/2006/main">
   <p:cSld>
     <p:spTree>
@@ -32170,7 +33255,7 @@
 </p:sld>
 </file>
 
-<file path=ppt/slides/slide24.xml><?xml version="1.0" encoding="utf-8"?>
+<file path=ppt/slides/slide25.xml><?xml version="1.0" encoding="utf-8"?>
 <p:sld xmlns:a="http://schemas.openxmlformats.org/drawingml/2006/main" xmlns:r="http://schemas.openxmlformats.org/officeDocument/2006/relationships" xmlns:p="http://schemas.openxmlformats.org/presentationml/2006/main">
   <p:cSld>
     <p:spTree>
@@ -32320,7 +33405,7 @@
 </p:sld>
 </file>
 
-<file path=ppt/slides/slide25.xml><?xml version="1.0" encoding="utf-8"?>
+<file path=ppt/slides/slide26.xml><?xml version="1.0" encoding="utf-8"?>
 <p:sld xmlns:a="http://schemas.openxmlformats.org/drawingml/2006/main" xmlns:r="http://schemas.openxmlformats.org/officeDocument/2006/relationships" xmlns:p="http://schemas.openxmlformats.org/presentationml/2006/main">
   <p:cSld>
     <p:spTree>
@@ -32349,7 +33434,7 @@
 </p:sld>
 </file>
 
-<file path=ppt/slides/slide26.xml><?xml version="1.0" encoding="utf-8"?>
+<file path=ppt/slides/slide27.xml><?xml version="1.0" encoding="utf-8"?>
 <p:sld xmlns:a="http://schemas.openxmlformats.org/drawingml/2006/main" xmlns:r="http://schemas.openxmlformats.org/officeDocument/2006/relationships" xmlns:p="http://schemas.openxmlformats.org/presentationml/2006/main">
   <p:cSld>
     <p:spTree>
@@ -32499,7 +33584,7 @@
 </p:sld>
 </file>
 
-<file path=ppt/slides/slide27.xml><?xml version="1.0" encoding="utf-8"?>
+<file path=ppt/slides/slide28.xml><?xml version="1.0" encoding="utf-8"?>
 <p:sld xmlns:a="http://schemas.openxmlformats.org/drawingml/2006/main" xmlns:r="http://schemas.openxmlformats.org/officeDocument/2006/relationships" xmlns:p="http://schemas.openxmlformats.org/presentationml/2006/main">
   <p:cSld>
     <p:spTree>
@@ -32528,7 +33613,7 @@
 </p:sld>
 </file>
 
-<file path=ppt/slides/slide28.xml><?xml version="1.0" encoding="utf-8"?>
+<file path=ppt/slides/slide29.xml><?xml version="1.0" encoding="utf-8"?>
 <p:sld xmlns:a="http://schemas.openxmlformats.org/drawingml/2006/main" xmlns:r="http://schemas.openxmlformats.org/officeDocument/2006/relationships" xmlns:p="http://schemas.openxmlformats.org/presentationml/2006/main">
   <p:cSld>
     <p:spTree>
@@ -32678,35 +33763,6 @@
 </p:sld>
 </file>
 
-<file path=ppt/slides/slide29.xml><?xml version="1.0" encoding="utf-8"?>
-<p:sld xmlns:a="http://schemas.openxmlformats.org/drawingml/2006/main" xmlns:r="http://schemas.openxmlformats.org/officeDocument/2006/relationships" xmlns:p="http://schemas.openxmlformats.org/presentationml/2006/main">
-  <p:cSld>
-    <p:spTree>
-      <p:nvGrpSpPr>
-        <p:cNvPr id="1" name=""/>
-        <p:cNvGrpSpPr/>
-        <p:nvPr/>
-      </p:nvGrpSpPr>
-      <p:grpSpPr>
-        <a:xfrm>
-          <a:off x="0" y="0"/>
-          <a:ext cx="0" cy="0"/>
-          <a:chOff x="0" y="0"/>
-          <a:chExt cx="0" cy="0"/>
-        </a:xfrm>
-      </p:grpSpPr>
-    </p:spTree>
-    <p:controls>
-      <p:control spid="73730" name="WindowsMediaPlayer1" r:id="rId2" imgW="9142857" imgH="6857143"/>
-    </p:controls>
-  </p:cSld>
-  <p:clrMapOvr>
-    <a:masterClrMapping/>
-  </p:clrMapOvr>
-  <p:transition/>
-</p:sld>
-</file>
-
 <file path=ppt/slides/slide3.xml><?xml version="1.0" encoding="utf-8"?>
 <p:sld xmlns:a="http://schemas.openxmlformats.org/drawingml/2006/main" xmlns:r="http://schemas.openxmlformats.org/officeDocument/2006/relationships" xmlns:p="http://schemas.openxmlformats.org/presentationml/2006/main">
   <p:cSld>
@@ -32898,6 +33954,35 @@
 </file>
 
 <file path=ppt/slides/slide30.xml><?xml version="1.0" encoding="utf-8"?>
+<p:sld xmlns:a="http://schemas.openxmlformats.org/drawingml/2006/main" xmlns:r="http://schemas.openxmlformats.org/officeDocument/2006/relationships" xmlns:p="http://schemas.openxmlformats.org/presentationml/2006/main">
+  <p:cSld>
+    <p:spTree>
+      <p:nvGrpSpPr>
+        <p:cNvPr id="1" name=""/>
+        <p:cNvGrpSpPr/>
+        <p:nvPr/>
+      </p:nvGrpSpPr>
+      <p:grpSpPr>
+        <a:xfrm>
+          <a:off x="0" y="0"/>
+          <a:ext cx="0" cy="0"/>
+          <a:chOff x="0" y="0"/>
+          <a:chExt cx="0" cy="0"/>
+        </a:xfrm>
+      </p:grpSpPr>
+    </p:spTree>
+    <p:controls>
+      <p:control spid="73730" name="WindowsMediaPlayer1" r:id="rId2" imgW="9142857" imgH="6857143"/>
+    </p:controls>
+  </p:cSld>
+  <p:clrMapOvr>
+    <a:masterClrMapping/>
+  </p:clrMapOvr>
+  <p:transition/>
+</p:sld>
+</file>
+
+<file path=ppt/slides/slide31.xml><?xml version="1.0" encoding="utf-8"?>
 <p:sld xmlns:a="http://schemas.openxmlformats.org/drawingml/2006/main" xmlns:r="http://schemas.openxmlformats.org/officeDocument/2006/relationships" xmlns:p="http://schemas.openxmlformats.org/presentationml/2006/main">
   <p:cSld>
     <p:spTree>
@@ -33047,7 +34132,7 @@
 </p:sld>
 </file>
 
-<file path=ppt/slides/slide31.xml><?xml version="1.0" encoding="utf-8"?>
+<file path=ppt/slides/slide32.xml><?xml version="1.0" encoding="utf-8"?>
 <p:sld xmlns:a="http://schemas.openxmlformats.org/drawingml/2006/main" xmlns:r="http://schemas.openxmlformats.org/officeDocument/2006/relationships" xmlns:p="http://schemas.openxmlformats.org/presentationml/2006/main">
   <p:cSld>
     <p:spTree>
@@ -33083,7 +34168,7 @@
 </p:sld>
 </file>
 
-<file path=ppt/slides/slide32.xml><?xml version="1.0" encoding="utf-8"?>
+<file path=ppt/slides/slide33.xml><?xml version="1.0" encoding="utf-8"?>
 <p:sld xmlns:a="http://schemas.openxmlformats.org/drawingml/2006/main" xmlns:r="http://schemas.openxmlformats.org/officeDocument/2006/relationships" xmlns:p="http://schemas.openxmlformats.org/presentationml/2006/main">
   <p:cSld>
     <p:spTree>
@@ -33278,7 +34363,7 @@
 </p:sld>
 </file>
 
-<file path=ppt/slides/slide33.xml><?xml version="1.0" encoding="utf-8"?>
+<file path=ppt/slides/slide34.xml><?xml version="1.0" encoding="utf-8"?>
 <p:sld xmlns:a="http://schemas.openxmlformats.org/drawingml/2006/main" xmlns:r="http://schemas.openxmlformats.org/officeDocument/2006/relationships" xmlns:p="http://schemas.openxmlformats.org/presentationml/2006/main">
   <p:cSld>
     <p:spTree>
@@ -33454,7 +34539,7 @@
 </p:sld>
 </file>
 
-<file path=ppt/slides/slide34.xml><?xml version="1.0" encoding="utf-8"?>
+<file path=ppt/slides/slide35.xml><?xml version="1.0" encoding="utf-8"?>
 <p:sld xmlns:a="http://schemas.openxmlformats.org/drawingml/2006/main" xmlns:r="http://schemas.openxmlformats.org/officeDocument/2006/relationships" xmlns:p="http://schemas.openxmlformats.org/presentationml/2006/main">
   <p:cSld>
     <p:spTree>

--- a/sigset/documentos/Documentos finales/Presentacion.pptx
+++ b/sigset/documentos/Documentos finales/Presentacion.pptx
@@ -7500,8 +7500,8 @@
     <dgm:cxn modelId="{009F14D6-CA1E-4C51-9A0D-B3F9C1E49D18}" srcId="{8C966F34-B6FE-4951-A5DC-B6B890C24F40}" destId="{3E04EA27-BE6A-44A3-A3D4-2CA4C32FFFF1}" srcOrd="0" destOrd="0" parTransId="{AE75B588-956D-4795-8BBA-14C526926D85}" sibTransId="{95BE6102-EEB0-4432-978E-FF1B073DB7AE}"/>
     <dgm:cxn modelId="{7C45ECE9-8356-43E2-B614-D776DF3DC2DF}" srcId="{393E7F46-B313-4E77-9797-D22D41EC5A03}" destId="{C9CB3786-0DB1-4998-9BFA-7ECC9C5F0DDE}" srcOrd="0" destOrd="0" parTransId="{0E603B5F-E788-4075-9EE8-6B92BD9BB1C6}" sibTransId="{7DBE4023-B152-423B-8602-7781CB8577AE}"/>
     <dgm:cxn modelId="{408049A4-04EC-42E5-AF64-48679D607DD0}" srcId="{3E04EA27-BE6A-44A3-A3D4-2CA4C32FFFF1}" destId="{FF7302D4-DF56-4D05-A039-49D494387244}" srcOrd="0" destOrd="0" parTransId="{D4A43A0A-08CA-47F1-8162-BEC510EB34F5}" sibTransId="{2DF987A6-F136-45BC-97D9-2328C9ACEA14}"/>
+    <dgm:cxn modelId="{730F44F3-0F16-4DC7-94FF-A657B4144452}" type="presOf" srcId="{FF7302D4-DF56-4D05-A039-49D494387244}" destId="{97C6F11A-5991-412B-8918-0D15E3AC825F}" srcOrd="0" destOrd="1" presId="urn:microsoft.com/office/officeart/2005/8/layout/hierarchy3"/>
     <dgm:cxn modelId="{CA8B197C-6DF2-4384-8BED-6C6211A4692F}" type="presOf" srcId="{28182505-8186-4B77-AAED-7D73BD2EC62F}" destId="{59A576FD-DEA1-4973-B0CA-89D07BC9EE75}" srcOrd="0" destOrd="0" presId="urn:microsoft.com/office/officeart/2005/8/layout/hierarchy3"/>
-    <dgm:cxn modelId="{730F44F3-0F16-4DC7-94FF-A657B4144452}" type="presOf" srcId="{FF7302D4-DF56-4D05-A039-49D494387244}" destId="{97C6F11A-5991-412B-8918-0D15E3AC825F}" srcOrd="0" destOrd="1" presId="urn:microsoft.com/office/officeart/2005/8/layout/hierarchy3"/>
     <dgm:cxn modelId="{40756456-B1A5-4647-AF0B-6BC04E8D387D}" type="presParOf" srcId="{2655004E-649B-4D47-A2B9-0F2E94C643CB}" destId="{337FD4D9-A838-445B-9526-C66711C47A35}" srcOrd="0" destOrd="0" presId="urn:microsoft.com/office/officeart/2005/8/layout/hierarchy3"/>
     <dgm:cxn modelId="{BCE4A16B-AB27-4FA4-A6DD-B2C100F4B745}" type="presParOf" srcId="{337FD4D9-A838-445B-9526-C66711C47A35}" destId="{F50E9F67-7CBD-4601-8AA2-A892E09D1946}" srcOrd="0" destOrd="0" presId="urn:microsoft.com/office/officeart/2005/8/layout/hierarchy3"/>
     <dgm:cxn modelId="{4B6627DE-80EB-4875-A1ED-CE6CCC33067C}" type="presParOf" srcId="{F50E9F67-7CBD-4601-8AA2-A892E09D1946}" destId="{1F4999A6-8239-4781-8813-D424C1999DB7}" srcOrd="0" destOrd="0" presId="urn:microsoft.com/office/officeart/2005/8/layout/hierarchy3"/>
@@ -30653,7 +30653,6 @@
               <a:rPr lang="es-CL" sz="2000" dirty="0" smtClean="0"/>
               <a:t>Duración del proyecto  5 años </a:t>
             </a:r>
-            <a:endParaRPr lang="es-CL" sz="2000" dirty="0" smtClean="0"/>
           </a:p>
           <a:p>
             <a:pPr lvl="1"/>
@@ -30661,7 +30660,6 @@
               <a:rPr lang="es-CL" sz="2000" dirty="0" smtClean="0"/>
               <a:t>Valor del sistema 2.000.000</a:t>
             </a:r>
-            <a:endParaRPr lang="es-CL" sz="2000" dirty="0" smtClean="0"/>
           </a:p>
           <a:p>
             <a:pPr lvl="1"/>
@@ -30705,11 +30703,19 @@
             <a:pPr lvl="1"/>
             <a:r>
               <a:rPr lang="es-CL" sz="2000" dirty="0" smtClean="0"/>
-              <a:t>Se considera para el analista para desarrollo por 3 meses y el analist</a:t>
+              <a:t>Se </a:t>
+            </a:r>
+            <a:r>
+              <a:rPr lang="es-CL" sz="2000" smtClean="0"/>
+              <a:t>considera </a:t>
+            </a:r>
+            <a:r>
+              <a:rPr lang="es-CL" sz="2000" smtClean="0"/>
+              <a:t>el </a:t>
             </a:r>
             <a:r>
               <a:rPr lang="es-CL" sz="2000" dirty="0" smtClean="0"/>
-              <a:t>a para soporte y mantenciones desde que termine el desarrollo hasta los cinco años que dura el proyecto.</a:t>
+              <a:t>analista para desarrollo por 3 meses y el analista para soporte y mantenciones desde que termine el desarrollo hasta los cinco años que dura el proyecto.</a:t>
             </a:r>
           </a:p>
           <a:p>
@@ -30720,7 +30726,6 @@
               <a:rPr lang="es-CL" sz="2000" dirty="0" smtClean="0"/>
               <a:t> </a:t>
             </a:r>
-            <a:endParaRPr lang="es-CL" sz="2000" dirty="0" smtClean="0"/>
           </a:p>
           <a:p>
             <a:endParaRPr lang="es-CL" sz="2400" dirty="0" smtClean="0"/>
@@ -31266,18 +31271,26 @@
           <a:p>
             <a:r>
               <a:rPr lang="es-CL" sz="2400" dirty="0" smtClean="0"/>
-              <a:t>Análisis </a:t>
-            </a:r>
-            <a:r>
-              <a:rPr lang="es-CL" sz="2400" dirty="0" smtClean="0"/>
-              <a:t>Financiero</a:t>
+              <a:t>Análisis Financiero</a:t>
             </a:r>
           </a:p>
           <a:p>
             <a:pPr lvl="1"/>
             <a:r>
               <a:rPr lang="es-CL" sz="2000" dirty="0" smtClean="0"/>
-              <a:t>En resumen del flujo de caja final la inversión se recuperara al cuarto año el Tir será de 42% lo que significa que se esta ganando mas de los que se esperaba.</a:t>
+              <a:t>En resumen del flujo de caja final la inversión se recuperara al cuarto año el Tir será de 42% lo que significa que se esta ganando mas de los que se </a:t>
+            </a:r>
+            <a:r>
+              <a:rPr lang="es-CL" sz="2000" dirty="0" smtClean="0"/>
+              <a:t>esperaba y el proyecto es factible </a:t>
+            </a:r>
+            <a:r>
+              <a:rPr lang="es-CL" sz="2000" dirty="0" err="1" smtClean="0"/>
+              <a:t>economicamente</a:t>
+            </a:r>
+            <a:r>
+              <a:rPr lang="es-CL" sz="2000" dirty="0" smtClean="0"/>
+              <a:t>.</a:t>
             </a:r>
             <a:endParaRPr lang="es-CL" sz="2400" dirty="0" smtClean="0"/>
           </a:p>

--- a/sigset/documentos/Documentos finales/Presentacion.pptx
+++ b/sigset/documentos/Documentos finales/Presentacion.pptx
@@ -7500,8 +7500,8 @@
     <dgm:cxn modelId="{009F14D6-CA1E-4C51-9A0D-B3F9C1E49D18}" srcId="{8C966F34-B6FE-4951-A5DC-B6B890C24F40}" destId="{3E04EA27-BE6A-44A3-A3D4-2CA4C32FFFF1}" srcOrd="0" destOrd="0" parTransId="{AE75B588-956D-4795-8BBA-14C526926D85}" sibTransId="{95BE6102-EEB0-4432-978E-FF1B073DB7AE}"/>
     <dgm:cxn modelId="{7C45ECE9-8356-43E2-B614-D776DF3DC2DF}" srcId="{393E7F46-B313-4E77-9797-D22D41EC5A03}" destId="{C9CB3786-0DB1-4998-9BFA-7ECC9C5F0DDE}" srcOrd="0" destOrd="0" parTransId="{0E603B5F-E788-4075-9EE8-6B92BD9BB1C6}" sibTransId="{7DBE4023-B152-423B-8602-7781CB8577AE}"/>
     <dgm:cxn modelId="{408049A4-04EC-42E5-AF64-48679D607DD0}" srcId="{3E04EA27-BE6A-44A3-A3D4-2CA4C32FFFF1}" destId="{FF7302D4-DF56-4D05-A039-49D494387244}" srcOrd="0" destOrd="0" parTransId="{D4A43A0A-08CA-47F1-8162-BEC510EB34F5}" sibTransId="{2DF987A6-F136-45BC-97D9-2328C9ACEA14}"/>
+    <dgm:cxn modelId="{CA8B197C-6DF2-4384-8BED-6C6211A4692F}" type="presOf" srcId="{28182505-8186-4B77-AAED-7D73BD2EC62F}" destId="{59A576FD-DEA1-4973-B0CA-89D07BC9EE75}" srcOrd="0" destOrd="0" presId="urn:microsoft.com/office/officeart/2005/8/layout/hierarchy3"/>
     <dgm:cxn modelId="{730F44F3-0F16-4DC7-94FF-A657B4144452}" type="presOf" srcId="{FF7302D4-DF56-4D05-A039-49D494387244}" destId="{97C6F11A-5991-412B-8918-0D15E3AC825F}" srcOrd="0" destOrd="1" presId="urn:microsoft.com/office/officeart/2005/8/layout/hierarchy3"/>
-    <dgm:cxn modelId="{CA8B197C-6DF2-4384-8BED-6C6211A4692F}" type="presOf" srcId="{28182505-8186-4B77-AAED-7D73BD2EC62F}" destId="{59A576FD-DEA1-4973-B0CA-89D07BC9EE75}" srcOrd="0" destOrd="0" presId="urn:microsoft.com/office/officeart/2005/8/layout/hierarchy3"/>
     <dgm:cxn modelId="{40756456-B1A5-4647-AF0B-6BC04E8D387D}" type="presParOf" srcId="{2655004E-649B-4D47-A2B9-0F2E94C643CB}" destId="{337FD4D9-A838-445B-9526-C66711C47A35}" srcOrd="0" destOrd="0" presId="urn:microsoft.com/office/officeart/2005/8/layout/hierarchy3"/>
     <dgm:cxn modelId="{BCE4A16B-AB27-4FA4-A6DD-B2C100F4B745}" type="presParOf" srcId="{337FD4D9-A838-445B-9526-C66711C47A35}" destId="{F50E9F67-7CBD-4601-8AA2-A892E09D1946}" srcOrd="0" destOrd="0" presId="urn:microsoft.com/office/officeart/2005/8/layout/hierarchy3"/>
     <dgm:cxn modelId="{4B6627DE-80EB-4875-A1ED-CE6CCC33067C}" type="presParOf" srcId="{F50E9F67-7CBD-4601-8AA2-A892E09D1946}" destId="{1F4999A6-8239-4781-8813-D424C1999DB7}" srcOrd="0" destOrd="0" presId="urn:microsoft.com/office/officeart/2005/8/layout/hierarchy3"/>
@@ -30707,11 +30707,7 @@
             </a:r>
             <a:r>
               <a:rPr lang="es-CL" sz="2000" smtClean="0"/>
-              <a:t>considera </a:t>
-            </a:r>
-            <a:r>
-              <a:rPr lang="es-CL" sz="2000" smtClean="0"/>
-              <a:t>el </a:t>
+              <a:t>considera el </a:t>
             </a:r>
             <a:r>
               <a:rPr lang="es-CL" sz="2000" dirty="0" smtClean="0"/>
@@ -31278,26 +31274,12 @@
             <a:pPr lvl="1"/>
             <a:r>
               <a:rPr lang="es-CL" sz="2000" dirty="0" smtClean="0"/>
-              <a:t>En resumen del flujo de caja final la inversión se recuperara al cuarto año el Tir será de 42% lo que significa que se esta ganando mas de los que se </a:t>
+              <a:t>En resumen del flujo de caja final la inversión se recuperara al cuarto año el Tir será de 42% lo que significa que se esta ganando mas de los que se esperaba y el proyecto es factible </a:t>
             </a:r>
             <a:r>
               <a:rPr lang="es-CL" sz="2000" dirty="0" smtClean="0"/>
-              <a:t>esperaba y el proyecto es factible </a:t>
+              <a:t>económicamente.</a:t>
             </a:r>
-            <a:r>
-              <a:rPr lang="es-CL" sz="2000" dirty="0" err="1" smtClean="0"/>
-              <a:t>economicamente</a:t>
-            </a:r>
-            <a:r>
-              <a:rPr lang="es-CL" sz="2000" dirty="0" smtClean="0"/>
-              <a:t>.</a:t>
-            </a:r>
-            <a:endParaRPr lang="es-CL" sz="2400" dirty="0" smtClean="0"/>
-          </a:p>
-          <a:p>
-            <a:pPr lvl="1">
-              <a:buNone/>
-            </a:pPr>
             <a:endParaRPr lang="es-CL" sz="2000" dirty="0" smtClean="0"/>
           </a:p>
           <a:p>
@@ -31505,7 +31487,7 @@
           <p:nvPr/>
         </p:nvGraphicFramePr>
         <p:xfrm>
-          <a:off x="2114550" y="3006725"/>
+          <a:off x="2114550" y="3330575"/>
           <a:ext cx="3181350" cy="1849120"/>
         </p:xfrm>
         <a:graphic>
@@ -35000,13 +34982,10 @@
               <a:t>(Fuente: </a:t>
             </a:r>
             <a:r>
-              <a:rPr lang="es-CL" sz="1600" dirty="0" err="1" smtClean="0"/>
-              <a:t>Publiguías</a:t>
+              <a:rPr lang="es-CL" sz="1600" dirty="0" smtClean="0"/>
+              <a:t>Publiguias)</a:t>
             </a:r>
-            <a:r>
-              <a:rPr lang="es-CL" sz="1600" dirty="0" smtClean="0"/>
-              <a:t>)</a:t>
-            </a:r>
+            <a:endParaRPr lang="es-CL" sz="1600" dirty="0" smtClean="0"/>
           </a:p>
           <a:p>
             <a:pPr lvl="1"/>

--- a/sigset/documentos/Documentos finales/Presentacion.pptx
+++ b/sigset/documentos/Documentos finales/Presentacion.pptx
@@ -202,14 +202,14 @@
   <ax:ocxPr ax:name="windowlessVideo" ax:value="0"/>
   <ax:ocxPr ax:name="enabled" ax:value="-1"/>
   <ax:ocxPr ax:name="enableContextMenu" ax:value="-1"/>
-  <ax:ocxPr ax:name="fullScreen" ax:value="-1"/>
+  <ax:ocxPr ax:name="fullScreen" ax:value="0"/>
   <ax:ocxPr ax:name="SAMIStyle" ax:value=""/>
   <ax:ocxPr ax:name="SAMILang" ax:value=""/>
   <ax:ocxPr ax:name="SAMIFilename" ax:value=""/>
   <ax:ocxPr ax:name="captioningID" ax:value=""/>
   <ax:ocxPr ax:name="enableErrorDialogs" ax:value="0"/>
-  <ax:ocxPr ax:name="_cx" ax:value="25396"/>
-  <ax:ocxPr ax:name="_cy" ax:value="19046"/>
+  <ax:ocxPr ax:name="_cx" ax:value="25400"/>
+  <ax:ocxPr ax:name="_cy" ax:value="19050"/>
 </ax:ocx>
 </file>
 
@@ -232,14 +232,14 @@
   <ax:ocxPr ax:name="windowlessVideo" ax:value="0"/>
   <ax:ocxPr ax:name="enabled" ax:value="-1"/>
   <ax:ocxPr ax:name="enableContextMenu" ax:value="-1"/>
-  <ax:ocxPr ax:name="fullScreen" ax:value="-1"/>
+  <ax:ocxPr ax:name="fullScreen" ax:value="0"/>
   <ax:ocxPr ax:name="SAMIStyle" ax:value=""/>
   <ax:ocxPr ax:name="SAMILang" ax:value=""/>
   <ax:ocxPr ax:name="SAMIFilename" ax:value=""/>
   <ax:ocxPr ax:name="captioningID" ax:value=""/>
   <ax:ocxPr ax:name="enableErrorDialogs" ax:value="0"/>
-  <ax:ocxPr ax:name="_cx" ax:value="25396"/>
-  <ax:ocxPr ax:name="_cy" ax:value="19046"/>
+  <ax:ocxPr ax:name="_cx" ax:value="25400"/>
+  <ax:ocxPr ax:name="_cy" ax:value="19050"/>
 </ax:ocx>
 </file>
 
@@ -262,14 +262,14 @@
   <ax:ocxPr ax:name="windowlessVideo" ax:value="0"/>
   <ax:ocxPr ax:name="enabled" ax:value="-1"/>
   <ax:ocxPr ax:name="enableContextMenu" ax:value="-1"/>
-  <ax:ocxPr ax:name="fullScreen" ax:value="-1"/>
+  <ax:ocxPr ax:name="fullScreen" ax:value="0"/>
   <ax:ocxPr ax:name="SAMIStyle" ax:value=""/>
   <ax:ocxPr ax:name="SAMILang" ax:value=""/>
   <ax:ocxPr ax:name="SAMIFilename" ax:value=""/>
   <ax:ocxPr ax:name="captioningID" ax:value=""/>
   <ax:ocxPr ax:name="enableErrorDialogs" ax:value="0"/>
-  <ax:ocxPr ax:name="_cx" ax:value="25396"/>
-  <ax:ocxPr ax:name="_cy" ax:value="19046"/>
+  <ax:ocxPr ax:name="_cx" ax:value="25400"/>
+  <ax:ocxPr ax:name="_cy" ax:value="19050"/>
 </ax:ocx>
 </file>
 
@@ -292,14 +292,14 @@
   <ax:ocxPr ax:name="windowlessVideo" ax:value="0"/>
   <ax:ocxPr ax:name="enabled" ax:value="-1"/>
   <ax:ocxPr ax:name="enableContextMenu" ax:value="-1"/>
-  <ax:ocxPr ax:name="fullScreen" ax:value="-1"/>
+  <ax:ocxPr ax:name="fullScreen" ax:value="0"/>
   <ax:ocxPr ax:name="SAMIStyle" ax:value=""/>
   <ax:ocxPr ax:name="SAMILang" ax:value=""/>
   <ax:ocxPr ax:name="SAMIFilename" ax:value=""/>
   <ax:ocxPr ax:name="captioningID" ax:value=""/>
   <ax:ocxPr ax:name="enableErrorDialogs" ax:value="0"/>
-  <ax:ocxPr ax:name="_cx" ax:value="25396"/>
-  <ax:ocxPr ax:name="_cy" ax:value="19046"/>
+  <ax:ocxPr ax:name="_cx" ax:value="25400"/>
+  <ax:ocxPr ax:name="_cy" ax:value="19050"/>
 </ax:ocx>
 </file>
 
@@ -328,8 +328,8 @@
   <ax:ocxPr ax:name="SAMIFilename" ax:value=""/>
   <ax:ocxPr ax:name="captioningID" ax:value=""/>
   <ax:ocxPr ax:name="enableErrorDialogs" ax:value="0"/>
-  <ax:ocxPr ax:name="_cx" ax:value="25396"/>
-  <ax:ocxPr ax:name="_cy" ax:value="19046"/>
+  <ax:ocxPr ax:name="_cx" ax:value="25400"/>
+  <ax:ocxPr ax:name="_cy" ax:value="19050"/>
 </ax:ocx>
 </file>
 
@@ -7500,8 +7500,8 @@
     <dgm:cxn modelId="{009F14D6-CA1E-4C51-9A0D-B3F9C1E49D18}" srcId="{8C966F34-B6FE-4951-A5DC-B6B890C24F40}" destId="{3E04EA27-BE6A-44A3-A3D4-2CA4C32FFFF1}" srcOrd="0" destOrd="0" parTransId="{AE75B588-956D-4795-8BBA-14C526926D85}" sibTransId="{95BE6102-EEB0-4432-978E-FF1B073DB7AE}"/>
     <dgm:cxn modelId="{7C45ECE9-8356-43E2-B614-D776DF3DC2DF}" srcId="{393E7F46-B313-4E77-9797-D22D41EC5A03}" destId="{C9CB3786-0DB1-4998-9BFA-7ECC9C5F0DDE}" srcOrd="0" destOrd="0" parTransId="{0E603B5F-E788-4075-9EE8-6B92BD9BB1C6}" sibTransId="{7DBE4023-B152-423B-8602-7781CB8577AE}"/>
     <dgm:cxn modelId="{408049A4-04EC-42E5-AF64-48679D607DD0}" srcId="{3E04EA27-BE6A-44A3-A3D4-2CA4C32FFFF1}" destId="{FF7302D4-DF56-4D05-A039-49D494387244}" srcOrd="0" destOrd="0" parTransId="{D4A43A0A-08CA-47F1-8162-BEC510EB34F5}" sibTransId="{2DF987A6-F136-45BC-97D9-2328C9ACEA14}"/>
+    <dgm:cxn modelId="{730F44F3-0F16-4DC7-94FF-A657B4144452}" type="presOf" srcId="{FF7302D4-DF56-4D05-A039-49D494387244}" destId="{97C6F11A-5991-412B-8918-0D15E3AC825F}" srcOrd="0" destOrd="1" presId="urn:microsoft.com/office/officeart/2005/8/layout/hierarchy3"/>
     <dgm:cxn modelId="{CA8B197C-6DF2-4384-8BED-6C6211A4692F}" type="presOf" srcId="{28182505-8186-4B77-AAED-7D73BD2EC62F}" destId="{59A576FD-DEA1-4973-B0CA-89D07BC9EE75}" srcOrd="0" destOrd="0" presId="urn:microsoft.com/office/officeart/2005/8/layout/hierarchy3"/>
-    <dgm:cxn modelId="{730F44F3-0F16-4DC7-94FF-A657B4144452}" type="presOf" srcId="{FF7302D4-DF56-4D05-A039-49D494387244}" destId="{97C6F11A-5991-412B-8918-0D15E3AC825F}" srcOrd="0" destOrd="1" presId="urn:microsoft.com/office/officeart/2005/8/layout/hierarchy3"/>
     <dgm:cxn modelId="{40756456-B1A5-4647-AF0B-6BC04E8D387D}" type="presParOf" srcId="{2655004E-649B-4D47-A2B9-0F2E94C643CB}" destId="{337FD4D9-A838-445B-9526-C66711C47A35}" srcOrd="0" destOrd="0" presId="urn:microsoft.com/office/officeart/2005/8/layout/hierarchy3"/>
     <dgm:cxn modelId="{BCE4A16B-AB27-4FA4-A6DD-B2C100F4B745}" type="presParOf" srcId="{337FD4D9-A838-445B-9526-C66711C47A35}" destId="{F50E9F67-7CBD-4601-8AA2-A892E09D1946}" srcOrd="0" destOrd="0" presId="urn:microsoft.com/office/officeart/2005/8/layout/hierarchy3"/>
     <dgm:cxn modelId="{4B6627DE-80EB-4875-A1ED-CE6CCC33067C}" type="presParOf" srcId="{F50E9F67-7CBD-4601-8AA2-A892E09D1946}" destId="{1F4999A6-8239-4781-8813-D424C1999DB7}" srcOrd="0" destOrd="0" presId="urn:microsoft.com/office/officeart/2005/8/layout/hierarchy3"/>
@@ -8674,14 +8674,14 @@
 </file>
 
 <file path=ppt/diagrams/drawing1.xml><?xml version="1.0" encoding="utf-8"?>
-<dsp:drawing xmlns:dgm="http://schemas.openxmlformats.org/drawingml/2006/diagram" xmlns:a="http://schemas.openxmlformats.org/drawingml/2006/main" xmlns:dsp="http://schemas.microsoft.com/office/drawing/2008/diagram">
-  <dsp:spTree>
+<dgm:drawing xmlns:dgm="http://schemas.openxmlformats.org/drawingml/2006/diagram" xmlns:a="http://schemas.openxmlformats.org/drawingml/2006/main">
+  <dsp:spTree xmlns:dsp="http://schemas.microsoft.com/office/drawing/2008/diagram">
     <dsp:nvGrpSpPr>
       <dsp:cNvPr id="0" name=""/>
       <dsp:cNvGrpSpPr/>
     </dsp:nvGrpSpPr>
     <dsp:grpSpPr/>
-    <dsp:sp modelId="{C897771F-DC93-4AD3-8C40-0F56AD012119}">
+    <dsp:sp modelId="{C897771F-DC93-4AD3-8C40-0F56AD012119}" macro="" textlink="">
       <dsp:nvSpPr>
         <dsp:cNvPr id="0" name=""/>
         <dsp:cNvSpPr/>
@@ -8739,7 +8739,7 @@
         <a:fontRef idx="minor"/>
       </dsp:style>
     </dsp:sp>
-    <dsp:sp modelId="{7067C38B-1810-4DB2-B807-5CCA43081905}">
+    <dsp:sp modelId="{7067C38B-1810-4DB2-B807-5CCA43081905}" macro="" textlink="">
       <dsp:nvSpPr>
         <dsp:cNvPr id="0" name=""/>
         <dsp:cNvSpPr/>
@@ -8800,7 +8800,7 @@
         <a:fontRef idx="minor"/>
       </dsp:style>
     </dsp:sp>
-    <dsp:sp modelId="{67F2C483-67D0-4A41-8A9B-9354F34B051C}">
+    <dsp:sp modelId="{67F2C483-67D0-4A41-8A9B-9354F34B051C}" macro="" textlink="">
       <dsp:nvSpPr>
         <dsp:cNvPr id="0" name=""/>
         <dsp:cNvSpPr/>
@@ -8861,7 +8861,7 @@
         <a:fontRef idx="minor"/>
       </dsp:style>
     </dsp:sp>
-    <dsp:sp modelId="{5F0C548B-D49C-4B81-89F6-6D921674CBC8}">
+    <dsp:sp modelId="{5F0C548B-D49C-4B81-89F6-6D921674CBC8}" macro="" textlink="">
       <dsp:nvSpPr>
         <dsp:cNvPr id="0" name=""/>
         <dsp:cNvSpPr/>
@@ -8919,7 +8919,7 @@
         <a:fontRef idx="minor"/>
       </dsp:style>
     </dsp:sp>
-    <dsp:sp modelId="{81A24B65-9686-48A3-8394-FE12A9A3486A}">
+    <dsp:sp modelId="{81A24B65-9686-48A3-8394-FE12A9A3486A}" macro="" textlink="">
       <dsp:nvSpPr>
         <dsp:cNvPr id="0" name=""/>
         <dsp:cNvSpPr/>
@@ -8980,7 +8980,7 @@
         <a:fontRef idx="minor"/>
       </dsp:style>
     </dsp:sp>
-    <dsp:sp modelId="{424B6412-A3F9-4720-A8EB-462E252393E7}">
+    <dsp:sp modelId="{424B6412-A3F9-4720-A8EB-462E252393E7}" macro="" textlink="">
       <dsp:nvSpPr>
         <dsp:cNvPr id="0" name=""/>
         <dsp:cNvSpPr/>
@@ -9038,7 +9038,7 @@
         <a:fontRef idx="minor"/>
       </dsp:style>
     </dsp:sp>
-    <dsp:sp modelId="{9D5B2E90-2AC1-455B-80B7-33F8B232A31B}">
+    <dsp:sp modelId="{9D5B2E90-2AC1-455B-80B7-33F8B232A31B}" macro="" textlink="">
       <dsp:nvSpPr>
         <dsp:cNvPr id="0" name=""/>
         <dsp:cNvSpPr/>
@@ -9099,7 +9099,7 @@
         <a:fontRef idx="minor"/>
       </dsp:style>
     </dsp:sp>
-    <dsp:sp modelId="{C36AD766-0A53-48DB-95A4-97671A3B4CB3}">
+    <dsp:sp modelId="{C36AD766-0A53-48DB-95A4-97671A3B4CB3}" macro="" textlink="">
       <dsp:nvSpPr>
         <dsp:cNvPr id="0" name=""/>
         <dsp:cNvSpPr/>
@@ -9218,7 +9218,7 @@
         <a:ext cx="1700104" cy="850052"/>
       </dsp:txXfrm>
     </dsp:sp>
-    <dsp:sp modelId="{8EB25D34-DFC9-49A5-A024-B06E604BE7C9}">
+    <dsp:sp modelId="{8EB25D34-DFC9-49A5-A024-B06E604BE7C9}" macro="" textlink="">
       <dsp:nvSpPr>
         <dsp:cNvPr id="0" name=""/>
         <dsp:cNvSpPr/>
@@ -9337,7 +9337,7 @@
         <a:ext cx="1700104" cy="850052"/>
       </dsp:txXfrm>
     </dsp:sp>
-    <dsp:sp modelId="{D46C28A6-FB4D-445D-9E8A-E8F532501D09}">
+    <dsp:sp modelId="{D46C28A6-FB4D-445D-9E8A-E8F532501D09}" macro="" textlink="">
       <dsp:nvSpPr>
         <dsp:cNvPr id="0" name=""/>
         <dsp:cNvSpPr/>
@@ -9456,7 +9456,7 @@
         <a:ext cx="1700104" cy="850052"/>
       </dsp:txXfrm>
     </dsp:sp>
-    <dsp:sp modelId="{7A4B2369-BDEA-49EF-9522-5EA17E36EC89}">
+    <dsp:sp modelId="{7A4B2369-BDEA-49EF-9522-5EA17E36EC89}" macro="" textlink="">
       <dsp:nvSpPr>
         <dsp:cNvPr id="0" name=""/>
         <dsp:cNvSpPr/>
@@ -9575,7 +9575,7 @@
         <a:ext cx="1700104" cy="850052"/>
       </dsp:txXfrm>
     </dsp:sp>
-    <dsp:sp modelId="{B47274DF-392A-43F8-A951-62E4C65D4027}">
+    <dsp:sp modelId="{B47274DF-392A-43F8-A951-62E4C65D4027}" macro="" textlink="">
       <dsp:nvSpPr>
         <dsp:cNvPr id="0" name=""/>
         <dsp:cNvSpPr/>
@@ -9694,7 +9694,7 @@
         <a:ext cx="1700104" cy="850052"/>
       </dsp:txXfrm>
     </dsp:sp>
-    <dsp:sp modelId="{FD21C7F4-091A-479B-ADF1-28E542D19193}">
+    <dsp:sp modelId="{FD21C7F4-091A-479B-ADF1-28E542D19193}" macro="" textlink="">
       <dsp:nvSpPr>
         <dsp:cNvPr id="0" name=""/>
         <dsp:cNvSpPr/>
@@ -9813,7 +9813,7 @@
         <a:ext cx="1700104" cy="850052"/>
       </dsp:txXfrm>
     </dsp:sp>
-    <dsp:sp modelId="{6AF72E91-D475-47FD-9F9A-F3F5486D3CA3}">
+    <dsp:sp modelId="{6AF72E91-D475-47FD-9F9A-F3F5486D3CA3}" macro="" textlink="">
       <dsp:nvSpPr>
         <dsp:cNvPr id="0" name=""/>
         <dsp:cNvSpPr/>
@@ -9932,7 +9932,7 @@
         <a:ext cx="1700104" cy="850052"/>
       </dsp:txXfrm>
     </dsp:sp>
-    <dsp:sp modelId="{6193E13E-2838-4FF4-95E4-B0E8E77986D7}">
+    <dsp:sp modelId="{6193E13E-2838-4FF4-95E4-B0E8E77986D7}" macro="" textlink="">
       <dsp:nvSpPr>
         <dsp:cNvPr id="0" name=""/>
         <dsp:cNvSpPr/>
@@ -10052,18 +10052,18 @@
       </dsp:txXfrm>
     </dsp:sp>
   </dsp:spTree>
-</dsp:drawing>
+</dgm:drawing>
 </file>
 
 <file path=ppt/diagrams/drawing2.xml><?xml version="1.0" encoding="utf-8"?>
-<dsp:drawing xmlns:dgm="http://schemas.openxmlformats.org/drawingml/2006/diagram" xmlns:a="http://schemas.openxmlformats.org/drawingml/2006/main" xmlns:dsp="http://schemas.microsoft.com/office/drawing/2008/diagram">
-  <dsp:spTree>
+<dgm:drawing xmlns:dgm="http://schemas.openxmlformats.org/drawingml/2006/diagram" xmlns:a="http://schemas.openxmlformats.org/drawingml/2006/main">
+  <dsp:spTree xmlns:dsp="http://schemas.microsoft.com/office/drawing/2008/diagram">
     <dsp:nvGrpSpPr>
       <dsp:cNvPr id="0" name=""/>
       <dsp:cNvGrpSpPr/>
     </dsp:nvGrpSpPr>
     <dsp:grpSpPr/>
-    <dsp:sp modelId="{FC2C4C26-EB23-46B9-B79F-E4E7DFE0BE29}">
+    <dsp:sp modelId="{FC2C4C26-EB23-46B9-B79F-E4E7DFE0BE29}" macro="" textlink="">
       <dsp:nvSpPr>
         <dsp:cNvPr id="0" name=""/>
         <dsp:cNvSpPr/>
@@ -10261,7 +10261,7 @@
         <a:ext cx="4064000" cy="3646711"/>
       </dsp:txXfrm>
     </dsp:sp>
-    <dsp:sp modelId="{6B7D2FE9-FA86-4E82-9996-41C9EC07B79C}">
+    <dsp:sp modelId="{6B7D2FE9-FA86-4E82-9996-41C9EC07B79C}" macro="" textlink="">
       <dsp:nvSpPr>
         <dsp:cNvPr id="0" name=""/>
         <dsp:cNvSpPr/>
@@ -10460,18 +10460,18 @@
       </dsp:txXfrm>
     </dsp:sp>
   </dsp:spTree>
-</dsp:drawing>
+</dgm:drawing>
 </file>
 
 <file path=ppt/diagrams/drawing3.xml><?xml version="1.0" encoding="utf-8"?>
-<dsp:drawing xmlns:dgm="http://schemas.openxmlformats.org/drawingml/2006/diagram" xmlns:a="http://schemas.openxmlformats.org/drawingml/2006/main" xmlns:dsp="http://schemas.microsoft.com/office/drawing/2008/diagram">
-  <dsp:spTree>
+<dgm:drawing xmlns:dgm="http://schemas.openxmlformats.org/drawingml/2006/diagram" xmlns:a="http://schemas.openxmlformats.org/drawingml/2006/main">
+  <dsp:spTree xmlns:dsp="http://schemas.microsoft.com/office/drawing/2008/diagram">
     <dsp:nvGrpSpPr>
       <dsp:cNvPr id="0" name=""/>
       <dsp:cNvGrpSpPr/>
     </dsp:nvGrpSpPr>
     <dsp:grpSpPr/>
-    <dsp:sp modelId="{FC2C4C26-EB23-46B9-B79F-E4E7DFE0BE29}">
+    <dsp:sp modelId="{FC2C4C26-EB23-46B9-B79F-E4E7DFE0BE29}" macro="" textlink="">
       <dsp:nvSpPr>
         <dsp:cNvPr id="0" name=""/>
         <dsp:cNvSpPr/>
@@ -10761,7 +10761,7 @@
         <a:ext cx="4667532" cy="3745270"/>
       </dsp:txXfrm>
     </dsp:sp>
-    <dsp:sp modelId="{6B7D2FE9-FA86-4E82-9996-41C9EC07B79C}">
+    <dsp:sp modelId="{6B7D2FE9-FA86-4E82-9996-41C9EC07B79C}" macro="" textlink="">
       <dsp:nvSpPr>
         <dsp:cNvPr id="0" name=""/>
         <dsp:cNvSpPr/>
@@ -10983,18 +10983,18 @@
       </dsp:txXfrm>
     </dsp:sp>
   </dsp:spTree>
-</dsp:drawing>
+</dgm:drawing>
 </file>
 
 <file path=ppt/diagrams/drawing4.xml><?xml version="1.0" encoding="utf-8"?>
-<dsp:drawing xmlns:dgm="http://schemas.openxmlformats.org/drawingml/2006/diagram" xmlns:a="http://schemas.openxmlformats.org/drawingml/2006/main" xmlns:dsp="http://schemas.microsoft.com/office/drawing/2008/diagram">
-  <dsp:spTree>
+<dgm:drawing xmlns:dgm="http://schemas.openxmlformats.org/drawingml/2006/diagram" xmlns:a="http://schemas.openxmlformats.org/drawingml/2006/main">
+  <dsp:spTree xmlns:dsp="http://schemas.microsoft.com/office/drawing/2008/diagram">
     <dsp:nvGrpSpPr>
       <dsp:cNvPr id="0" name=""/>
       <dsp:cNvGrpSpPr/>
     </dsp:nvGrpSpPr>
     <dsp:grpSpPr/>
-    <dsp:sp modelId="{1F4999A6-8239-4781-8813-D424C1999DB7}">
+    <dsp:sp modelId="{1F4999A6-8239-4781-8813-D424C1999DB7}" macro="" textlink="">
       <dsp:nvSpPr>
         <dsp:cNvPr id="0" name=""/>
         <dsp:cNvSpPr/>
@@ -11102,7 +11102,7 @@
         <a:ext cx="2069648" cy="1034824"/>
       </dsp:txXfrm>
     </dsp:sp>
-    <dsp:sp modelId="{F04531A8-0E0E-456F-8029-5DF1AED475F4}">
+    <dsp:sp modelId="{F04531A8-0E0E-456F-8029-5DF1AED475F4}" macro="" textlink="">
       <dsp:nvSpPr>
         <dsp:cNvPr id="0" name=""/>
         <dsp:cNvSpPr/>
@@ -11160,7 +11160,7 @@
         <a:fontRef idx="minor"/>
       </dsp:style>
     </dsp:sp>
-    <dsp:sp modelId="{0BC3153B-8F28-4275-89FA-295C7B170D4D}">
+    <dsp:sp modelId="{0BC3153B-8F28-4275-89FA-295C7B170D4D}" macro="" textlink="">
       <dsp:nvSpPr>
         <dsp:cNvPr id="0" name=""/>
         <dsp:cNvSpPr/>
@@ -11266,7 +11266,7 @@
         <a:ext cx="1655718" cy="1034824"/>
       </dsp:txXfrm>
     </dsp:sp>
-    <dsp:sp modelId="{68061971-2FEF-4ACD-8852-8391D8261656}">
+    <dsp:sp modelId="{68061971-2FEF-4ACD-8852-8391D8261656}" macro="" textlink="">
       <dsp:nvSpPr>
         <dsp:cNvPr id="0" name=""/>
         <dsp:cNvSpPr/>
@@ -11324,7 +11324,7 @@
         <a:fontRef idx="minor"/>
       </dsp:style>
     </dsp:sp>
-    <dsp:sp modelId="{59A576FD-DEA1-4973-B0CA-89D07BC9EE75}">
+    <dsp:sp modelId="{59A576FD-DEA1-4973-B0CA-89D07BC9EE75}" macro="" textlink="">
       <dsp:nvSpPr>
         <dsp:cNvPr id="0" name=""/>
         <dsp:cNvSpPr/>
@@ -11430,7 +11430,7 @@
         <a:ext cx="1655718" cy="1034824"/>
       </dsp:txXfrm>
     </dsp:sp>
-    <dsp:sp modelId="{CEE56D0B-B5B3-4DC1-B7C4-3E4B6CE09745}">
+    <dsp:sp modelId="{CEE56D0B-B5B3-4DC1-B7C4-3E4B6CE09745}" macro="" textlink="">
       <dsp:nvSpPr>
         <dsp:cNvPr id="0" name=""/>
         <dsp:cNvSpPr/>
@@ -11538,7 +11538,7 @@
         <a:ext cx="2069648" cy="1034824"/>
       </dsp:txXfrm>
     </dsp:sp>
-    <dsp:sp modelId="{669266AF-E596-40CA-B9F3-BAFD198E1E3F}">
+    <dsp:sp modelId="{669266AF-E596-40CA-B9F3-BAFD198E1E3F}" macro="" textlink="">
       <dsp:nvSpPr>
         <dsp:cNvPr id="0" name=""/>
         <dsp:cNvSpPr/>
@@ -11596,7 +11596,7 @@
         <a:fontRef idx="minor"/>
       </dsp:style>
     </dsp:sp>
-    <dsp:sp modelId="{97C6F11A-5991-412B-8918-0D15E3AC825F}">
+    <dsp:sp modelId="{97C6F11A-5991-412B-8918-0D15E3AC825F}" macro="" textlink="">
       <dsp:nvSpPr>
         <dsp:cNvPr id="0" name=""/>
         <dsp:cNvSpPr/>
@@ -11702,7 +11702,7 @@
         <a:ext cx="1655718" cy="1034824"/>
       </dsp:txXfrm>
     </dsp:sp>
-    <dsp:sp modelId="{34A1F7D0-9E75-4E0D-8D40-3106DAC779EC}">
+    <dsp:sp modelId="{34A1F7D0-9E75-4E0D-8D40-3106DAC779EC}" macro="" textlink="">
       <dsp:nvSpPr>
         <dsp:cNvPr id="0" name=""/>
         <dsp:cNvSpPr/>
@@ -11760,7 +11760,7 @@
         <a:fontRef idx="minor"/>
       </dsp:style>
     </dsp:sp>
-    <dsp:sp modelId="{C98D2BE6-398C-4DC5-B4E1-62EBCCB9DEC5}">
+    <dsp:sp modelId="{C98D2BE6-398C-4DC5-B4E1-62EBCCB9DEC5}" macro="" textlink="">
       <dsp:nvSpPr>
         <dsp:cNvPr id="0" name=""/>
         <dsp:cNvSpPr/>
@@ -11867,18 +11867,18 @@
       </dsp:txXfrm>
     </dsp:sp>
   </dsp:spTree>
-</dsp:drawing>
+</dgm:drawing>
 </file>
 
 <file path=ppt/diagrams/drawing5.xml><?xml version="1.0" encoding="utf-8"?>
-<dsp:drawing xmlns:dgm="http://schemas.openxmlformats.org/drawingml/2006/diagram" xmlns:a="http://schemas.openxmlformats.org/drawingml/2006/main" xmlns:dsp="http://schemas.microsoft.com/office/drawing/2008/diagram">
-  <dsp:spTree>
+<dgm:drawing xmlns:dgm="http://schemas.openxmlformats.org/drawingml/2006/diagram" xmlns:a="http://schemas.openxmlformats.org/drawingml/2006/main">
+  <dsp:spTree xmlns:dsp="http://schemas.microsoft.com/office/drawing/2008/diagram">
     <dsp:nvGrpSpPr>
       <dsp:cNvPr id="0" name=""/>
       <dsp:cNvGrpSpPr/>
     </dsp:nvGrpSpPr>
     <dsp:grpSpPr/>
-    <dsp:sp modelId="{25C28955-7066-4C2E-BFD1-AC5B4C6E6806}">
+    <dsp:sp modelId="{25C28955-7066-4C2E-BFD1-AC5B4C6E6806}" macro="" textlink="">
       <dsp:nvSpPr>
         <dsp:cNvPr id="0" name=""/>
         <dsp:cNvSpPr/>
@@ -11999,7 +11999,7 @@
         <a:ext cx="8456413" cy="883130"/>
       </dsp:txXfrm>
     </dsp:sp>
-    <dsp:sp modelId="{40309438-7423-4300-AFFA-25C817D86DDD}">
+    <dsp:sp modelId="{40309438-7423-4300-AFFA-25C817D86DDD}" macro="" textlink="">
       <dsp:nvSpPr>
         <dsp:cNvPr id="0" name=""/>
         <dsp:cNvSpPr/>
@@ -12118,7 +12118,7 @@
         <a:ext cx="1022170" cy="883130"/>
       </dsp:txXfrm>
     </dsp:sp>
-    <dsp:sp modelId="{7F7F210A-07D7-480E-AE58-DB716CBE9009}">
+    <dsp:sp modelId="{7F7F210A-07D7-480E-AE58-DB716CBE9009}" macro="" textlink="">
       <dsp:nvSpPr>
         <dsp:cNvPr id="0" name=""/>
         <dsp:cNvSpPr/>
@@ -12237,7 +12237,7 @@
         <a:ext cx="1022170" cy="883130"/>
       </dsp:txXfrm>
     </dsp:sp>
-    <dsp:sp modelId="{AADBF77C-178E-4139-8C67-FCE5DFA99823}">
+    <dsp:sp modelId="{AADBF77C-178E-4139-8C67-FCE5DFA99823}" macro="" textlink="">
       <dsp:nvSpPr>
         <dsp:cNvPr id="0" name=""/>
         <dsp:cNvSpPr/>
@@ -12356,7 +12356,7 @@
         <a:ext cx="6240348" cy="883130"/>
       </dsp:txXfrm>
     </dsp:sp>
-    <dsp:sp modelId="{611BF421-F454-4287-A431-48516D67493F}">
+    <dsp:sp modelId="{611BF421-F454-4287-A431-48516D67493F}" macro="" textlink="">
       <dsp:nvSpPr>
         <dsp:cNvPr id="0" name=""/>
         <dsp:cNvSpPr/>
@@ -12475,7 +12475,7 @@
         <a:ext cx="6240348" cy="883130"/>
       </dsp:txXfrm>
     </dsp:sp>
-    <dsp:sp modelId="{952EDF37-CE28-4FE6-8BD5-FC4293EA5855}">
+    <dsp:sp modelId="{952EDF37-CE28-4FE6-8BD5-FC4293EA5855}" macro="" textlink="">
       <dsp:nvSpPr>
         <dsp:cNvPr id="0" name=""/>
         <dsp:cNvSpPr/>
@@ -12594,7 +12594,7 @@
         <a:ext cx="1022170" cy="883130"/>
       </dsp:txXfrm>
     </dsp:sp>
-    <dsp:sp modelId="{F3CD9F44-478F-4DA4-8E9B-26D44E92D5FC}">
+    <dsp:sp modelId="{F3CD9F44-478F-4DA4-8E9B-26D44E92D5FC}" macro="" textlink="">
       <dsp:nvSpPr>
         <dsp:cNvPr id="0" name=""/>
         <dsp:cNvSpPr/>
@@ -12713,7 +12713,7 @@
         <a:ext cx="1022170" cy="883130"/>
       </dsp:txXfrm>
     </dsp:sp>
-    <dsp:sp modelId="{244A69D9-6CC8-4087-AF96-9B56DD27CD25}">
+    <dsp:sp modelId="{244A69D9-6CC8-4087-AF96-9B56DD27CD25}" macro="" textlink="">
       <dsp:nvSpPr>
         <dsp:cNvPr id="0" name=""/>
         <dsp:cNvSpPr/>
@@ -12832,7 +12832,7 @@
         <a:ext cx="1022170" cy="883130"/>
       </dsp:txXfrm>
     </dsp:sp>
-    <dsp:sp modelId="{F22370EF-86CC-4C21-96DF-D8DD58F1673C}">
+    <dsp:sp modelId="{F22370EF-86CC-4C21-96DF-D8DD58F1673C}" macro="" textlink="">
       <dsp:nvSpPr>
         <dsp:cNvPr id="0" name=""/>
         <dsp:cNvSpPr/>
@@ -12951,7 +12951,7 @@
         <a:ext cx="4153077" cy="883130"/>
       </dsp:txXfrm>
     </dsp:sp>
-    <dsp:sp modelId="{589FBF1F-7F45-4CE4-9047-159C42071C50}">
+    <dsp:sp modelId="{589FBF1F-7F45-4CE4-9047-159C42071C50}" macro="" textlink="">
       <dsp:nvSpPr>
         <dsp:cNvPr id="0" name=""/>
         <dsp:cNvSpPr/>
@@ -13070,7 +13070,7 @@
         <a:ext cx="1022170" cy="883130"/>
       </dsp:txXfrm>
     </dsp:sp>
-    <dsp:sp modelId="{4CE52578-7C2A-407C-ADEC-05AE734C9137}">
+    <dsp:sp modelId="{4CE52578-7C2A-407C-ADEC-05AE734C9137}" macro="" textlink="">
       <dsp:nvSpPr>
         <dsp:cNvPr id="0" name=""/>
         <dsp:cNvSpPr/>
@@ -13189,7 +13189,7 @@
         <a:ext cx="1022170" cy="883130"/>
       </dsp:txXfrm>
     </dsp:sp>
-    <dsp:sp modelId="{BFA502BE-2E62-4080-8208-1E5E98B7B990}">
+    <dsp:sp modelId="{BFA502BE-2E62-4080-8208-1E5E98B7B990}" macro="" textlink="">
       <dsp:nvSpPr>
         <dsp:cNvPr id="0" name=""/>
         <dsp:cNvSpPr/>
@@ -13308,7 +13308,7 @@
         <a:ext cx="1022170" cy="883130"/>
       </dsp:txXfrm>
     </dsp:sp>
-    <dsp:sp modelId="{359DCAA5-DE04-4E6A-AD9D-31FC80443D67}">
+    <dsp:sp modelId="{359DCAA5-DE04-4E6A-AD9D-31FC80443D67}" macro="" textlink="">
       <dsp:nvSpPr>
         <dsp:cNvPr id="0" name=""/>
         <dsp:cNvSpPr/>
@@ -13428,7 +13428,7 @@
       </dsp:txXfrm>
     </dsp:sp>
   </dsp:spTree>
-</dsp:drawing>
+</dgm:drawing>
 </file>
 
 <file path=ppt/diagrams/layout1.xml><?xml version="1.0" encoding="utf-8"?>
@@ -21224,7 +21224,7 @@
               <a:pPr>
                 <a:defRPr/>
               </a:pPr>
-              <a:t>07/12/2009</a:t>
+              <a:t>08/12/2009</a:t>
             </a:fld>
             <a:endParaRPr lang="es-ES_tradnl"/>
           </a:p>
@@ -21803,14 +21803,32 @@
           </a:p>
           <a:p>
             <a:r>
-              <a:rPr lang="es-CL" dirty="0" smtClean="0"/>
-              <a:t>Saludos. Presentación nombres y titulo</a:t>
+              <a:rPr lang="es-CL" sz="1200" kern="1200" dirty="0" smtClean="0">
+                <a:solidFill>
+                  <a:schemeClr val="tx1"/>
+                </a:solidFill>
+                <a:latin typeface="Times New Roman" pitchFamily="18" charset="0"/>
+                <a:ea typeface="+mn-ea"/>
+                <a:cs typeface="+mn-cs"/>
+              </a:rPr>
+              <a:t>Saludos, Buenas tardes mi nombre es Rumina Morales y mi Compañero Sebastián Aburto.</a:t>
             </a:r>
+          </a:p>
+          <a:p>
             <a:r>
-              <a:rPr lang="es-CL" baseline="0" dirty="0" smtClean="0"/>
-              <a:t> trabajo</a:t>
+              <a:rPr lang="es-CL" sz="1200" kern="1200" dirty="0" smtClean="0">
+                <a:solidFill>
+                  <a:schemeClr val="tx1"/>
+                </a:solidFill>
+                <a:latin typeface="Times New Roman" pitchFamily="18" charset="0"/>
+                <a:ea typeface="+mn-ea"/>
+                <a:cs typeface="+mn-cs"/>
+              </a:rPr>
+              <a:t>Iniciaremos la presentación de nuestro proyecto de seminario de titulo para optar al titulo de ingeniero en informática.</a:t>
             </a:r>
-            <a:endParaRPr lang="es-CL" dirty="0"/>
+          </a:p>
+          <a:p>
+            <a:endParaRPr lang="es-CL" b="1" dirty="0" smtClean="0"/>
           </a:p>
         </p:txBody>
       </p:sp>
@@ -21897,6 +21915,188 @@
           </a:bodyPr>
           <a:lstStyle/>
           <a:p>
+            <a:r>
+              <a:rPr lang="es-CL" b="1" dirty="0" smtClean="0"/>
+              <a:t>SEBASTIAN</a:t>
+            </a:r>
+          </a:p>
+          <a:p>
+            <a:pPr lvl="0"/>
+            <a:r>
+              <a:rPr lang="es-CL" sz="1200" i="1" kern="1200" dirty="0" smtClean="0">
+                <a:solidFill>
+                  <a:schemeClr val="tx1"/>
+                </a:solidFill>
+                <a:latin typeface="Times New Roman" pitchFamily="18" charset="0"/>
+                <a:ea typeface="+mn-ea"/>
+                <a:cs typeface="+mn-cs"/>
+              </a:rPr>
+              <a:t>El registro de artículos que ingresan al servicio</a:t>
+            </a:r>
+            <a:endParaRPr lang="es-CL" sz="1100" kern="1200" dirty="0" smtClean="0">
+              <a:solidFill>
+                <a:schemeClr val="tx1"/>
+              </a:solidFill>
+              <a:latin typeface="Times New Roman" pitchFamily="18" charset="0"/>
+              <a:ea typeface="+mn-ea"/>
+              <a:cs typeface="+mn-cs"/>
+            </a:endParaRPr>
+          </a:p>
+          <a:p>
+            <a:pPr lvl="1"/>
+            <a:r>
+              <a:rPr lang="es-CL" sz="1200" kern="1200" dirty="0" smtClean="0">
+                <a:solidFill>
+                  <a:schemeClr val="tx1"/>
+                </a:solidFill>
+                <a:latin typeface="Times New Roman" pitchFamily="18" charset="0"/>
+                <a:ea typeface="+mn-ea"/>
+                <a:cs typeface="+mn-cs"/>
+              </a:rPr>
+              <a:t>Esto quiere decir que se debe registrar de manera adecuada y confiable la información relevante sobre los artículos que son llevados a la empresa.</a:t>
+            </a:r>
+            <a:endParaRPr lang="es-CL" sz="1100" kern="1200" dirty="0" smtClean="0">
+              <a:solidFill>
+                <a:schemeClr val="tx1"/>
+              </a:solidFill>
+              <a:latin typeface="Times New Roman" pitchFamily="18" charset="0"/>
+              <a:ea typeface="+mn-ea"/>
+              <a:cs typeface="+mn-cs"/>
+            </a:endParaRPr>
+          </a:p>
+          <a:p>
+            <a:pPr lvl="0"/>
+            <a:r>
+              <a:rPr lang="es-CL" sz="1200" i="1" kern="1200" dirty="0" smtClean="0">
+                <a:solidFill>
+                  <a:schemeClr val="tx1"/>
+                </a:solidFill>
+                <a:latin typeface="Times New Roman" pitchFamily="18" charset="0"/>
+                <a:ea typeface="+mn-ea"/>
+                <a:cs typeface="+mn-cs"/>
+              </a:rPr>
+              <a:t>Automatización de asignación de carga de trabajo hacia los técnicos.</a:t>
+            </a:r>
+            <a:endParaRPr lang="es-CL" sz="1100" kern="1200" dirty="0" smtClean="0">
+              <a:solidFill>
+                <a:schemeClr val="tx1"/>
+              </a:solidFill>
+              <a:latin typeface="Times New Roman" pitchFamily="18" charset="0"/>
+              <a:ea typeface="+mn-ea"/>
+              <a:cs typeface="+mn-cs"/>
+            </a:endParaRPr>
+          </a:p>
+          <a:p>
+            <a:pPr lvl="1"/>
+            <a:r>
+              <a:rPr lang="es-CL" sz="1200" kern="1200" dirty="0" smtClean="0">
+                <a:solidFill>
+                  <a:schemeClr val="tx1"/>
+                </a:solidFill>
+                <a:latin typeface="Times New Roman" pitchFamily="18" charset="0"/>
+                <a:ea typeface="+mn-ea"/>
+                <a:cs typeface="+mn-cs"/>
+              </a:rPr>
+              <a:t>Con esto se ayuda a la eficiente asignación de trabajo para todos los técnicos trabajadores de la empresa</a:t>
+            </a:r>
+            <a:endParaRPr lang="es-CL" sz="1100" kern="1200" dirty="0" smtClean="0">
+              <a:solidFill>
+                <a:schemeClr val="tx1"/>
+              </a:solidFill>
+              <a:latin typeface="Times New Roman" pitchFamily="18" charset="0"/>
+              <a:ea typeface="+mn-ea"/>
+              <a:cs typeface="+mn-cs"/>
+            </a:endParaRPr>
+          </a:p>
+          <a:p>
+            <a:pPr lvl="0"/>
+            <a:r>
+              <a:rPr lang="es-CL" sz="1200" i="1" kern="1200" dirty="0" smtClean="0">
+                <a:solidFill>
+                  <a:schemeClr val="tx1"/>
+                </a:solidFill>
+                <a:latin typeface="Times New Roman" pitchFamily="18" charset="0"/>
+                <a:ea typeface="+mn-ea"/>
+                <a:cs typeface="+mn-cs"/>
+              </a:rPr>
+              <a:t>Manejo de estados de los artículos ingresados al servicio.</a:t>
+            </a:r>
+            <a:endParaRPr lang="es-CL" sz="1100" kern="1200" dirty="0" smtClean="0">
+              <a:solidFill>
+                <a:schemeClr val="tx1"/>
+              </a:solidFill>
+              <a:latin typeface="Times New Roman" pitchFamily="18" charset="0"/>
+              <a:ea typeface="+mn-ea"/>
+              <a:cs typeface="+mn-cs"/>
+            </a:endParaRPr>
+          </a:p>
+          <a:p>
+            <a:pPr lvl="1"/>
+            <a:r>
+              <a:rPr lang="es-CL" sz="1200" kern="1200" dirty="0" smtClean="0">
+                <a:solidFill>
+                  <a:schemeClr val="tx1"/>
+                </a:solidFill>
+                <a:latin typeface="Times New Roman" pitchFamily="18" charset="0"/>
+                <a:ea typeface="+mn-ea"/>
+                <a:cs typeface="+mn-cs"/>
+              </a:rPr>
+              <a:t>El registro de los artículos poseerá un estado que con el cual se podrá ver claramente en que etapa del proceso se encuentra.</a:t>
+            </a:r>
+            <a:endParaRPr lang="es-CL" sz="1100" kern="1200" dirty="0" smtClean="0">
+              <a:solidFill>
+                <a:schemeClr val="tx1"/>
+              </a:solidFill>
+              <a:latin typeface="Times New Roman" pitchFamily="18" charset="0"/>
+              <a:ea typeface="+mn-ea"/>
+              <a:cs typeface="+mn-cs"/>
+            </a:endParaRPr>
+          </a:p>
+          <a:p>
+            <a:pPr lvl="0"/>
+            <a:r>
+              <a:rPr lang="es-CL" sz="1200" i="1" kern="1200" dirty="0" smtClean="0">
+                <a:solidFill>
+                  <a:schemeClr val="tx1"/>
+                </a:solidFill>
+                <a:latin typeface="Times New Roman" pitchFamily="18" charset="0"/>
+                <a:ea typeface="+mn-ea"/>
+                <a:cs typeface="+mn-cs"/>
+              </a:rPr>
+              <a:t>Administrar información de técnicos, especialidades, historial de trabajo</a:t>
+            </a:r>
+            <a:endParaRPr lang="es-CL" sz="1100" kern="1200" dirty="0" smtClean="0">
+              <a:solidFill>
+                <a:schemeClr val="tx1"/>
+              </a:solidFill>
+              <a:latin typeface="Times New Roman" pitchFamily="18" charset="0"/>
+              <a:ea typeface="+mn-ea"/>
+              <a:cs typeface="+mn-cs"/>
+            </a:endParaRPr>
+          </a:p>
+          <a:p>
+            <a:pPr lvl="1"/>
+            <a:r>
+              <a:rPr lang="es-CL" sz="1200" kern="1200" dirty="0" smtClean="0">
+                <a:solidFill>
+                  <a:schemeClr val="tx1"/>
+                </a:solidFill>
+                <a:latin typeface="Times New Roman" pitchFamily="18" charset="0"/>
+                <a:ea typeface="+mn-ea"/>
+                <a:cs typeface="+mn-cs"/>
+              </a:rPr>
+              <a:t>Con esto se obtiene información útil, confiable, precisa y oportuna sobre las actividades y estados del personal técnico de la empresa</a:t>
+            </a:r>
+            <a:endParaRPr lang="es-CL" sz="1100" kern="1200" dirty="0" smtClean="0">
+              <a:solidFill>
+                <a:schemeClr val="tx1"/>
+              </a:solidFill>
+              <a:latin typeface="Times New Roman" pitchFamily="18" charset="0"/>
+              <a:ea typeface="+mn-ea"/>
+              <a:cs typeface="+mn-cs"/>
+            </a:endParaRPr>
+          </a:p>
+          <a:p>
             <a:endParaRPr lang="es-CL" dirty="0"/>
           </a:p>
         </p:txBody>
@@ -21985,10 +22185,95 @@
           <a:lstStyle/>
           <a:p>
             <a:r>
-              <a:rPr lang="es-CL" dirty="0" smtClean="0"/>
+              <a:rPr lang="es-CL" b="1" dirty="0" smtClean="0"/>
               <a:t>RUMINA</a:t>
             </a:r>
-            <a:endParaRPr lang="es-CL" dirty="0"/>
+          </a:p>
+          <a:p>
+            <a:r>
+              <a:rPr lang="es-CL" sz="1200" kern="1200" dirty="0" smtClean="0">
+                <a:solidFill>
+                  <a:schemeClr val="tx1"/>
+                </a:solidFill>
+                <a:latin typeface="Times New Roman" pitchFamily="18" charset="0"/>
+                <a:ea typeface="+mn-ea"/>
+                <a:cs typeface="+mn-cs"/>
+              </a:rPr>
+              <a:t>Las delimitaciones de este proyecto o lo que no esta contemplado para el sistema es lo siguiente:</a:t>
+            </a:r>
+          </a:p>
+          <a:p>
+            <a:pPr lvl="0"/>
+            <a:r>
+              <a:rPr lang="es-CL" sz="1200" kern="1200" dirty="0" smtClean="0">
+                <a:solidFill>
+                  <a:schemeClr val="tx1"/>
+                </a:solidFill>
+                <a:latin typeface="Times New Roman" pitchFamily="18" charset="0"/>
+                <a:ea typeface="+mn-ea"/>
+                <a:cs typeface="+mn-cs"/>
+              </a:rPr>
+              <a:t>El sistema no realizara funciones de inventario.</a:t>
+            </a:r>
+          </a:p>
+          <a:p>
+            <a:pPr lvl="0"/>
+            <a:r>
+              <a:rPr lang="es-CL" sz="1200" kern="1200" dirty="0" smtClean="0">
+                <a:solidFill>
+                  <a:schemeClr val="tx1"/>
+                </a:solidFill>
+                <a:latin typeface="Times New Roman" pitchFamily="18" charset="0"/>
+                <a:ea typeface="+mn-ea"/>
+                <a:cs typeface="+mn-cs"/>
+              </a:rPr>
+              <a:t>Administración de repuestos.</a:t>
+            </a:r>
+          </a:p>
+          <a:p>
+            <a:pPr lvl="0"/>
+            <a:r>
+              <a:rPr lang="es-CL" sz="1200" kern="1200" dirty="0" smtClean="0">
+                <a:solidFill>
+                  <a:schemeClr val="tx1"/>
+                </a:solidFill>
+                <a:latin typeface="Times New Roman" pitchFamily="18" charset="0"/>
+                <a:ea typeface="+mn-ea"/>
+                <a:cs typeface="+mn-cs"/>
+              </a:rPr>
+              <a:t>No tendrá funciones de contabilidad o financieras.</a:t>
+            </a:r>
+          </a:p>
+          <a:p>
+            <a:pPr lvl="0"/>
+            <a:r>
+              <a:rPr lang="es-CL" sz="1200" kern="1200" dirty="0" smtClean="0">
+                <a:solidFill>
+                  <a:schemeClr val="tx1"/>
+                </a:solidFill>
+                <a:latin typeface="Times New Roman" pitchFamily="18" charset="0"/>
+                <a:ea typeface="+mn-ea"/>
+                <a:cs typeface="+mn-cs"/>
+              </a:rPr>
+              <a:t>No tendrá funcionalidades para recursos humanos.</a:t>
+            </a:r>
+          </a:p>
+          <a:p>
+            <a:pPr lvl="0"/>
+            <a:r>
+              <a:rPr lang="es-CL" sz="1200" kern="1200" dirty="0" smtClean="0">
+                <a:solidFill>
+                  <a:schemeClr val="tx1"/>
+                </a:solidFill>
+                <a:latin typeface="Times New Roman" pitchFamily="18" charset="0"/>
+                <a:ea typeface="+mn-ea"/>
+                <a:cs typeface="+mn-cs"/>
+              </a:rPr>
+              <a:t>No tendrá interacción con el cliente, esto significa que no tendrá acceso online para el cliente. (si es posible agregarlo mas adelante).</a:t>
+            </a:r>
+          </a:p>
+          <a:p>
+            <a:endParaRPr lang="es-CL" b="1" dirty="0"/>
           </a:p>
         </p:txBody>
       </p:sp>
@@ -22076,10 +22361,60 @@
           <a:lstStyle/>
           <a:p>
             <a:r>
-              <a:rPr lang="es-CL" dirty="0" smtClean="0"/>
+              <a:rPr lang="es-CL" b="1" dirty="0" smtClean="0"/>
               <a:t>SEBASTIAN</a:t>
             </a:r>
-            <a:endParaRPr lang="es-CL" dirty="0"/>
+          </a:p>
+          <a:p>
+            <a:r>
+              <a:rPr lang="es-CL" sz="1200" kern="1200" dirty="0" smtClean="0">
+                <a:solidFill>
+                  <a:schemeClr val="tx1"/>
+                </a:solidFill>
+                <a:latin typeface="Times New Roman" pitchFamily="18" charset="0"/>
+                <a:ea typeface="+mn-ea"/>
+                <a:cs typeface="+mn-cs"/>
+              </a:rPr>
+              <a:t>La solución que se propone es el desarrollo de un sistema para las empresas del rubro de servicio técnico electrónico, dando una solución estándar para la ayuda de la realización de los procesos de flujo de órdenes de trabajo y asignación de trabajos manera manual y automática.</a:t>
+            </a:r>
+          </a:p>
+          <a:p>
+            <a:r>
+              <a:rPr lang="es-CL" sz="1200" kern="1200" dirty="0" smtClean="0">
+                <a:solidFill>
+                  <a:schemeClr val="tx1"/>
+                </a:solidFill>
+                <a:latin typeface="Times New Roman" pitchFamily="18" charset="0"/>
+                <a:ea typeface="+mn-ea"/>
+                <a:cs typeface="+mn-cs"/>
+              </a:rPr>
+              <a:t>Este sistema será una aplicación web desarrollada en plataforma </a:t>
+            </a:r>
+            <a:r>
+              <a:rPr lang="es-CL" sz="1200" kern="1200" dirty="0" err="1" smtClean="0">
+                <a:solidFill>
+                  <a:schemeClr val="tx1"/>
+                </a:solidFill>
+                <a:latin typeface="Times New Roman" pitchFamily="18" charset="0"/>
+                <a:ea typeface="+mn-ea"/>
+                <a:cs typeface="+mn-cs"/>
+              </a:rPr>
+              <a:t>.net</a:t>
+            </a:r>
+            <a:r>
+              <a:rPr lang="es-CL" sz="1200" kern="1200" dirty="0" smtClean="0">
+                <a:solidFill>
+                  <a:schemeClr val="tx1"/>
+                </a:solidFill>
+                <a:latin typeface="Times New Roman" pitchFamily="18" charset="0"/>
+                <a:ea typeface="+mn-ea"/>
+                <a:cs typeface="+mn-cs"/>
+              </a:rPr>
+              <a:t>, poseerá base de datos que estará en el motor de SQL server. Tendrá distintos módulos para cada perfil de usuarios y una arquitectura en capas y utilizara el patrón de diseño Modelo vista controlador, que facilitara a la escalabilidad y flexibilidad del software ante eventuales modificaciones o mantenciones.</a:t>
+            </a:r>
+          </a:p>
+          <a:p>
+            <a:endParaRPr lang="es-CL" b="1" dirty="0"/>
           </a:p>
         </p:txBody>
       </p:sp>
@@ -22184,7 +22519,7 @@
               <a:defRPr/>
             </a:pPr>
             <a:r>
-              <a:rPr lang="es-CL" sz="1200" kern="1200" dirty="0" smtClean="0">
+              <a:rPr lang="es-CL" sz="1200" b="1" kern="1200" dirty="0" smtClean="0">
                 <a:solidFill>
                   <a:schemeClr val="tx1"/>
                 </a:solidFill>
@@ -22196,23 +22531,6 @@
             </a:r>
           </a:p>
           <a:p>
-            <a:pPr marL="0" marR="0" indent="0" algn="l" defTabSz="914400" rtl="0" eaLnBrk="0" fontAlgn="base" latinLnBrk="0" hangingPunct="0">
-              <a:lnSpc>
-                <a:spcPct val="100000"/>
-              </a:lnSpc>
-              <a:spcBef>
-                <a:spcPct val="30000"/>
-              </a:spcBef>
-              <a:spcAft>
-                <a:spcPct val="0"/>
-              </a:spcAft>
-              <a:buClrTx/>
-              <a:buSzTx/>
-              <a:buFontTx/>
-              <a:buNone/>
-              <a:tabLst/>
-              <a:defRPr/>
-            </a:pPr>
             <a:r>
               <a:rPr lang="es-CL" sz="1200" kern="1200" dirty="0" smtClean="0">
                 <a:solidFill>
@@ -22222,54 +22540,10 @@
                 <a:ea typeface="+mn-ea"/>
                 <a:cs typeface="+mn-cs"/>
               </a:rPr>
-              <a:t>La empresa debe contar con ciertas características de hardware y software para el funcionamiento del sistema para esto se consideran computadores adaptados para el sistema y un servidor que contendrá la aplicación y la base de datos.</a:t>
+              <a:t>Para este proyecto la empresa cliente debe contar con ciertas características de hardware y software para el funcionamiento del sistema para esto se consideran computadores como estaciones de trabajo que acceden al sistema y un servidor que contendrá la aplicación y la base de datos.</a:t>
             </a:r>
           </a:p>
           <a:p>
-            <a:pPr marL="0" marR="0" indent="0" algn="l" defTabSz="914400" rtl="0" eaLnBrk="0" fontAlgn="base" latinLnBrk="0" hangingPunct="0">
-              <a:lnSpc>
-                <a:spcPct val="100000"/>
-              </a:lnSpc>
-              <a:spcBef>
-                <a:spcPct val="30000"/>
-              </a:spcBef>
-              <a:spcAft>
-                <a:spcPct val="0"/>
-              </a:spcAft>
-              <a:buClrTx/>
-              <a:buSzTx/>
-              <a:buFontTx/>
-              <a:buNone/>
-              <a:tabLst/>
-              <a:defRPr/>
-            </a:pPr>
-            <a:endParaRPr lang="es-CL" sz="1200" kern="1200" dirty="0" smtClean="0">
-              <a:solidFill>
-                <a:schemeClr val="tx1"/>
-              </a:solidFill>
-              <a:latin typeface="Times New Roman" pitchFamily="18" charset="0"/>
-              <a:ea typeface="+mn-ea"/>
-              <a:cs typeface="+mn-cs"/>
-            </a:endParaRPr>
-          </a:p>
-          <a:p>
-            <a:pPr marL="0" marR="0" indent="0" algn="l" defTabSz="914400" rtl="0" eaLnBrk="0" fontAlgn="base" latinLnBrk="0" hangingPunct="0">
-              <a:lnSpc>
-                <a:spcPct val="100000"/>
-              </a:lnSpc>
-              <a:spcBef>
-                <a:spcPct val="30000"/>
-              </a:spcBef>
-              <a:spcAft>
-                <a:spcPct val="0"/>
-              </a:spcAft>
-              <a:buClrTx/>
-              <a:buSzTx/>
-              <a:buFontTx/>
-              <a:buNone/>
-              <a:tabLst/>
-              <a:defRPr/>
-            </a:pPr>
             <a:r>
               <a:rPr lang="es-CL" sz="1200" kern="1200" dirty="0" smtClean="0">
                 <a:solidFill>
@@ -22279,71 +22553,8 @@
                 <a:ea typeface="+mn-ea"/>
                 <a:cs typeface="+mn-cs"/>
               </a:rPr>
-              <a:t>Se necesita red</a:t>
+              <a:t>Los datos mostrados en la diapositiva son los recomendados para una óptima utilización del sistema dentro de un servidor. Como se trata de una aplicación web, para el funcionamiento de esta requiere obligatoriamente poseer una red local para</a:t>
             </a:r>
-            <a:r>
-              <a:rPr lang="es-CL" sz="1200" kern="1200" baseline="0" dirty="0" smtClean="0">
-                <a:solidFill>
-                  <a:schemeClr val="tx1"/>
-                </a:solidFill>
-                <a:latin typeface="Times New Roman" pitchFamily="18" charset="0"/>
-                <a:ea typeface="+mn-ea"/>
-                <a:cs typeface="+mn-cs"/>
-              </a:rPr>
-              <a:t> </a:t>
-            </a:r>
-            <a:r>
-              <a:rPr lang="es-CL" sz="1200" kern="1200" baseline="0" dirty="0" err="1" smtClean="0">
-                <a:solidFill>
-                  <a:schemeClr val="tx1"/>
-                </a:solidFill>
-                <a:latin typeface="Times New Roman" pitchFamily="18" charset="0"/>
-                <a:ea typeface="+mn-ea"/>
-                <a:cs typeface="+mn-cs"/>
-              </a:rPr>
-              <a:t>lan</a:t>
-            </a:r>
-            <a:r>
-              <a:rPr lang="es-CL" sz="1200" kern="1200" baseline="0" dirty="0" smtClean="0">
-                <a:solidFill>
-                  <a:schemeClr val="tx1"/>
-                </a:solidFill>
-                <a:latin typeface="Times New Roman" pitchFamily="18" charset="0"/>
-                <a:ea typeface="+mn-ea"/>
-                <a:cs typeface="+mn-cs"/>
-              </a:rPr>
-              <a:t> para mantener el sistema en </a:t>
-            </a:r>
-            <a:r>
-              <a:rPr lang="es-CL" sz="1200" kern="1200" baseline="0" dirty="0" err="1" smtClean="0">
-                <a:solidFill>
-                  <a:schemeClr val="tx1"/>
-                </a:solidFill>
-                <a:latin typeface="Times New Roman" pitchFamily="18" charset="0"/>
-                <a:ea typeface="+mn-ea"/>
-                <a:cs typeface="+mn-cs"/>
-              </a:rPr>
-              <a:t>linea</a:t>
-            </a:r>
-            <a:r>
-              <a:rPr lang="es-CL" sz="1200" kern="1200" baseline="0" dirty="0" smtClean="0">
-                <a:solidFill>
-                  <a:schemeClr val="tx1"/>
-                </a:solidFill>
-                <a:latin typeface="Times New Roman" pitchFamily="18" charset="0"/>
-                <a:ea typeface="+mn-ea"/>
-                <a:cs typeface="+mn-cs"/>
-              </a:rPr>
-              <a:t> local</a:t>
-            </a:r>
-            <a:endParaRPr lang="es-CL" sz="1200" kern="1200" dirty="0" smtClean="0">
-              <a:solidFill>
-                <a:schemeClr val="tx1"/>
-              </a:solidFill>
-              <a:latin typeface="Times New Roman" pitchFamily="18" charset="0"/>
-              <a:ea typeface="+mn-ea"/>
-              <a:cs typeface="+mn-cs"/>
-            </a:endParaRPr>
           </a:p>
           <a:p>
             <a:endParaRPr lang="es-CL" dirty="0"/>
@@ -22451,7 +22662,7 @@
               <a:defRPr/>
             </a:pPr>
             <a:r>
-              <a:rPr lang="es-CL" sz="1200" kern="1200" dirty="0" smtClean="0">
+              <a:rPr lang="es-CL" sz="1200" b="1" kern="1200" dirty="0" smtClean="0">
                 <a:solidFill>
                   <a:schemeClr val="tx1"/>
                 </a:solidFill>
@@ -22463,23 +22674,6 @@
             </a:r>
           </a:p>
           <a:p>
-            <a:pPr marL="0" marR="0" indent="0" algn="l" defTabSz="914400" rtl="0" eaLnBrk="0" fontAlgn="base" latinLnBrk="0" hangingPunct="0">
-              <a:lnSpc>
-                <a:spcPct val="100000"/>
-              </a:lnSpc>
-              <a:spcBef>
-                <a:spcPct val="30000"/>
-              </a:spcBef>
-              <a:spcAft>
-                <a:spcPct val="0"/>
-              </a:spcAft>
-              <a:buClrTx/>
-              <a:buSzTx/>
-              <a:buFontTx/>
-              <a:buNone/>
-              <a:tabLst/>
-              <a:defRPr/>
-            </a:pPr>
             <a:r>
               <a:rPr lang="es-CL" sz="1200" kern="1200" dirty="0" smtClean="0">
                 <a:solidFill>
@@ -22489,7 +22683,7 @@
                 <a:ea typeface="+mn-ea"/>
                 <a:cs typeface="+mn-cs"/>
               </a:rPr>
-              <a:t>La empresa debe contar con ciertas características de hardware y software para el funcionamiento del sistema para esto se consideran computadores adaptados para el sistema y un servidor que contendrá la aplicación y la base de datos.</a:t>
+              <a:t>Como se aprecia dentro de la diapositiva son las características recomendadas para una estación de trabajo, dentro de esto cabe destacar que es requisito obligatorio poseer un tarjeta de video y monitor con resolución compatible de 1024x768 para la correcta visualización del sistema, como también la utilización de browser de internet que cumplan con los estándares de la W3C con excepción de internet Explorer 7 u 8 que también es compatible.</a:t>
             </a:r>
           </a:p>
           <a:p>
@@ -22581,38 +22775,95 @@
           <a:lstStyle/>
           <a:p>
             <a:r>
-              <a:rPr lang="es-CL" dirty="0" smtClean="0"/>
-              <a:t>El</a:t>
+              <a:rPr lang="es-CL" b="1" dirty="0" smtClean="0"/>
+              <a:t>RUMINA</a:t>
+            </a:r>
+          </a:p>
+          <a:p>
+            <a:r>
+              <a:rPr lang="es-CL" sz="1200" kern="1200" dirty="0" smtClean="0">
+                <a:solidFill>
+                  <a:schemeClr val="tx1"/>
+                </a:solidFill>
+                <a:latin typeface="Times New Roman" pitchFamily="18" charset="0"/>
+                <a:ea typeface="+mn-ea"/>
+                <a:cs typeface="+mn-cs"/>
+              </a:rPr>
+              <a:t>La duración del desarrollo del sistema es de 3 meses, el precio de este es de $2.000.000, este precio incluye el software y la instalación, no incluye código fuente.</a:t>
+            </a:r>
+          </a:p>
+          <a:p>
+            <a:r>
+              <a:rPr lang="es-CL" sz="1200" kern="1200" dirty="0" smtClean="0">
+                <a:solidFill>
+                  <a:schemeClr val="tx1"/>
+                </a:solidFill>
+                <a:latin typeface="Times New Roman" pitchFamily="18" charset="0"/>
+                <a:ea typeface="+mn-ea"/>
+                <a:cs typeface="+mn-cs"/>
+              </a:rPr>
+              <a:t>Para utilizar el sistema se consideran dos opciones en servidor según la factibilidad técnica, con SQL Server 2005 Estándar o SQL 2005 Express. La ventaja de SQL Server Estándar es que no esta limitado en espacio de la base de datos y soporta 4 CPUs y memoria RAM limitada por el sistema operativo además de otras características, En cambio SQL server exprés posee licencia gratuita lo cual es su gran ventaja, pero posee limite de 4 </a:t>
             </a:r>
             <a:r>
-              <a:rPr lang="es-CL" baseline="0" dirty="0" smtClean="0"/>
-              <a:t> precio del sistema , se consideran dos opciones para la base de datos y el sistema operativo, ya que es posible usar </a:t>
+              <a:rPr lang="es-CL" sz="1200" kern="1200" dirty="0" err="1" smtClean="0">
+                <a:solidFill>
+                  <a:schemeClr val="tx1"/>
+                </a:solidFill>
+                <a:latin typeface="Times New Roman" pitchFamily="18" charset="0"/>
+                <a:ea typeface="+mn-ea"/>
+                <a:cs typeface="+mn-cs"/>
+              </a:rPr>
+              <a:t>gb</a:t>
             </a:r>
             <a:r>
-              <a:rPr lang="es-CL" baseline="0" dirty="0" err="1" smtClean="0"/>
-              <a:t>sql</a:t>
+              <a:rPr lang="es-CL" sz="1200" kern="1200" dirty="0" smtClean="0">
+                <a:solidFill>
+                  <a:schemeClr val="tx1"/>
+                </a:solidFill>
+                <a:latin typeface="Times New Roman" pitchFamily="18" charset="0"/>
+                <a:ea typeface="+mn-ea"/>
+                <a:cs typeface="+mn-cs"/>
+              </a:rPr>
+              <a:t> de base de datos y solo 1 </a:t>
             </a:r>
             <a:r>
-              <a:rPr lang="es-CL" baseline="0" dirty="0" smtClean="0"/>
-              <a:t> </a:t>
+              <a:rPr lang="es-CL" sz="1200" kern="1200" dirty="0" err="1" smtClean="0">
+                <a:solidFill>
+                  <a:schemeClr val="tx1"/>
+                </a:solidFill>
+                <a:latin typeface="Times New Roman" pitchFamily="18" charset="0"/>
+                <a:ea typeface="+mn-ea"/>
+                <a:cs typeface="+mn-cs"/>
+              </a:rPr>
+              <a:t>gb</a:t>
             </a:r>
             <a:r>
-              <a:rPr lang="es-CL" baseline="0" dirty="0" err="1" smtClean="0"/>
-              <a:t>express</a:t>
+              <a:rPr lang="es-CL" sz="1200" kern="1200" dirty="0" smtClean="0">
+                <a:solidFill>
+                  <a:schemeClr val="tx1"/>
+                </a:solidFill>
+                <a:latin typeface="Times New Roman" pitchFamily="18" charset="0"/>
+                <a:ea typeface="+mn-ea"/>
+                <a:cs typeface="+mn-cs"/>
+              </a:rPr>
+              <a:t> de memoria RAM, se muestran estas dos opciones que reflejan diferencias significativas, de cualquier modo el sistema es 100% compatible con los dos motores de base de datos.</a:t>
             </a:r>
+          </a:p>
+          <a:p>
             <a:r>
-              <a:rPr lang="es-CL" baseline="0" dirty="0" smtClean="0"/>
-              <a:t> debido a que el crecimiento de datos no será mayor a un giga anual por lo cual se deben realizar </a:t>
+              <a:rPr lang="es-CL" sz="1200" kern="1200" dirty="0" smtClean="0">
+                <a:solidFill>
+                  <a:schemeClr val="tx1"/>
+                </a:solidFill>
+                <a:latin typeface="Times New Roman" pitchFamily="18" charset="0"/>
+                <a:ea typeface="+mn-ea"/>
+                <a:cs typeface="+mn-cs"/>
+              </a:rPr>
+              <a:t>Al ser una aplicación web, las estaciones de trabajo pueden poseer cualquier sistema operativo, es por ello que se da a conocer las dos opciones de un PC con licencia o sin esta.</a:t>
             </a:r>
-            <a:r>
-              <a:rPr lang="es-CL" baseline="0" dirty="0" err="1" smtClean="0"/>
-              <a:t>backup</a:t>
-            </a:r>
-            <a:r>
-              <a:rPr lang="es-CL" baseline="0" dirty="0" smtClean="0"/>
-              <a:t> de la base datos cada cuatro años o utilizar el estándar que es ilimitado</a:t>
-            </a:r>
-            <a:endParaRPr lang="es-CL" dirty="0"/>
+          </a:p>
+          <a:p>
+            <a:endParaRPr lang="es-CL" b="1" dirty="0" smtClean="0"/>
           </a:p>
         </p:txBody>
       </p:sp>
@@ -22700,7 +22951,7 @@
           <a:lstStyle/>
           <a:p>
             <a:r>
-              <a:rPr lang="es-CL" dirty="0" smtClean="0"/>
+              <a:rPr lang="es-CL" b="1" dirty="0" smtClean="0"/>
               <a:t>RUMINA</a:t>
             </a:r>
           </a:p>
@@ -22709,14 +22960,24 @@
           </a:p>
           <a:p>
             <a:r>
-              <a:rPr lang="es-CL" dirty="0" smtClean="0"/>
-              <a:t>Este proyecto</a:t>
+              <a:rPr lang="es-CL" sz="1200" kern="1200" dirty="0" smtClean="0">
+                <a:solidFill>
+                  <a:schemeClr val="tx1"/>
+                </a:solidFill>
+                <a:latin typeface="Times New Roman" pitchFamily="18" charset="0"/>
+                <a:ea typeface="+mn-ea"/>
+                <a:cs typeface="+mn-cs"/>
+              </a:rPr>
+              <a:t>Para el análisis financiero se tomo como duración de 5 años, con un mercado de 5% de los servicios técnicos electrónicos que invierten en tecnología. El proyecto se financia con un 70% y una tasa de descuento del 12%. lo que origina un valor neto actual $11.120.660, dando un valor positivo. y un Tir de 42%; donde se recupera la inversión al tercer año.</a:t>
             </a:r>
-            <a:r>
-              <a:rPr lang="es-CL" baseline="0" dirty="0" smtClean="0"/>
-              <a:t> se estima una </a:t>
-            </a:r>
-            <a:endParaRPr lang="es-CL" dirty="0"/>
+            <a:endParaRPr lang="es-CL" sz="1200" kern="1200" dirty="0">
+              <a:solidFill>
+                <a:schemeClr val="tx1"/>
+              </a:solidFill>
+              <a:latin typeface="Times New Roman" pitchFamily="18" charset="0"/>
+              <a:ea typeface="+mn-ea"/>
+              <a:cs typeface="+mn-cs"/>
+            </a:endParaRPr>
           </a:p>
         </p:txBody>
       </p:sp>
@@ -22804,23 +23065,12 @@
           <a:lstStyle/>
           <a:p>
             <a:r>
-              <a:rPr lang="es-CL" dirty="0" smtClean="0"/>
+              <a:rPr lang="es-CL" b="1" dirty="0" smtClean="0"/>
               <a:t>RUMINA</a:t>
             </a:r>
           </a:p>
           <a:p>
             <a:endParaRPr lang="es-CL" dirty="0" smtClean="0"/>
-          </a:p>
-          <a:p>
-            <a:r>
-              <a:rPr lang="es-CL" dirty="0" smtClean="0"/>
-              <a:t>Este proyecto</a:t>
-            </a:r>
-            <a:r>
-              <a:rPr lang="es-CL" baseline="0" dirty="0" smtClean="0"/>
-              <a:t> se estima una </a:t>
-            </a:r>
-            <a:endParaRPr lang="es-CL" dirty="0"/>
           </a:p>
         </p:txBody>
       </p:sp>
@@ -22908,20 +23158,51 @@
           <a:lstStyle/>
           <a:p>
             <a:r>
-              <a:rPr lang="es-CL" dirty="0" smtClean="0"/>
+              <a:rPr lang="es-CL" b="1" dirty="0" smtClean="0"/>
               <a:t>RUMINA</a:t>
             </a:r>
           </a:p>
           <a:p>
             <a:r>
-              <a:rPr lang="es-CL" dirty="0" smtClean="0"/>
-              <a:t>Este proyecto</a:t>
+              <a:rPr lang="es-CL" sz="1200" kern="1200" dirty="0" smtClean="0">
+                <a:solidFill>
+                  <a:schemeClr val="tx1"/>
+                </a:solidFill>
+                <a:latin typeface="Times New Roman" pitchFamily="18" charset="0"/>
+                <a:ea typeface="+mn-ea"/>
+                <a:cs typeface="+mn-cs"/>
+              </a:rPr>
+              <a:t>El proyecto se ha realizado en base la metodología de cascada, que posee un ciclo de vida línea donde la primera etapa consiste en el análisis y definición de requerimientos, luego la etapa de diseño, donde se realizo el modelo lógico, físico, casos de uso, diagramas de secuencia, de flujo de datos y contexto.</a:t>
             </a:r>
+          </a:p>
+          <a:p>
             <a:r>
-              <a:rPr lang="es-CL" baseline="0" dirty="0" smtClean="0"/>
-              <a:t> se estima una </a:t>
+              <a:rPr lang="es-CL" sz="1200" kern="1200" dirty="0" smtClean="0">
+                <a:solidFill>
+                  <a:schemeClr val="tx1"/>
+                </a:solidFill>
+                <a:latin typeface="Times New Roman" pitchFamily="18" charset="0"/>
+                <a:ea typeface="+mn-ea"/>
+                <a:cs typeface="+mn-cs"/>
+              </a:rPr>
+              <a:t>Luego viene la implementación y pruebas, donde se desarrolla y codifica los requerimientos y se llevan a cabo los casos de pruebas según el plan de prueba.</a:t>
             </a:r>
-            <a:endParaRPr lang="es-CL" dirty="0"/>
+          </a:p>
+          <a:p>
+            <a:r>
+              <a:rPr lang="es-CL" sz="1200" kern="1200" dirty="0" smtClean="0">
+                <a:solidFill>
+                  <a:schemeClr val="tx1"/>
+                </a:solidFill>
+                <a:latin typeface="Times New Roman" pitchFamily="18" charset="0"/>
+                <a:ea typeface="+mn-ea"/>
+                <a:cs typeface="+mn-cs"/>
+              </a:rPr>
+              <a:t>Por ultimo esta la etapa de instalación y puesta en marcha, terminando con la entrega del sistema.</a:t>
+            </a:r>
+          </a:p>
+          <a:p>
+            <a:endParaRPr lang="es-CL" b="1" dirty="0" smtClean="0"/>
           </a:p>
         </p:txBody>
       </p:sp>
@@ -23009,20 +23290,42 @@
           <a:lstStyle/>
           <a:p>
             <a:r>
-              <a:rPr lang="es-CL" dirty="0" smtClean="0"/>
-              <a:t>RUMINA</a:t>
+              <a:rPr lang="es-CL" b="1" dirty="0" smtClean="0"/>
+              <a:t>SEBASTIAN</a:t>
             </a:r>
           </a:p>
           <a:p>
+            <a:pPr marL="0" marR="0" indent="0" algn="l" defTabSz="914400" rtl="0" eaLnBrk="0" fontAlgn="base" latinLnBrk="0" hangingPunct="0">
+              <a:lnSpc>
+                <a:spcPct val="100000"/>
+              </a:lnSpc>
+              <a:spcBef>
+                <a:spcPct val="30000"/>
+              </a:spcBef>
+              <a:spcAft>
+                <a:spcPct val="0"/>
+              </a:spcAft>
+              <a:buClrTx/>
+              <a:buSzTx/>
+              <a:buFontTx/>
+              <a:buNone/>
+              <a:tabLst/>
+              <a:defRPr/>
+            </a:pPr>
             <a:r>
-              <a:rPr lang="es-CL" dirty="0" smtClean="0"/>
-              <a:t>Este proyecto</a:t>
+              <a:rPr lang="es-CL" sz="1200" kern="1200" dirty="0" smtClean="0">
+                <a:solidFill>
+                  <a:schemeClr val="tx1"/>
+                </a:solidFill>
+                <a:latin typeface="Times New Roman" pitchFamily="18" charset="0"/>
+                <a:ea typeface="+mn-ea"/>
+                <a:cs typeface="+mn-cs"/>
+              </a:rPr>
+              <a:t>Dentro de la etapa de diseño, se realizaron los distintos diagramas del sistema, donde cabe destacar el de el diseño físico del modelo de datos que contempla 34 tablas, relacionadas entre si, a excepción de la tabla configuración que solo persiste valores y descripción. Dentro de estas tablas se destaca la que se muestra en la diapositiva, que es el centro del sistema, la orden de trabajo. Donde puede apreciar como la orden de trabajo se relaciona con Cliente, articulo, técnico asignado, detalle, que a su vez registra el estado y usuario que realizo el cambio, y dentro de los clientes se dividen e cliente particular y comercial. además se destaca que la tabla técnico también se relaciona con usuario, debido a que los técnicos son usuarios del sistema.</a:t>
             </a:r>
-            <a:r>
-              <a:rPr lang="es-CL" baseline="0" dirty="0" smtClean="0"/>
-              <a:t> se estima una </a:t>
-            </a:r>
-            <a:endParaRPr lang="es-CL" dirty="0"/>
+          </a:p>
+          <a:p>
+            <a:endParaRPr lang="es-CL" b="1" dirty="0" smtClean="0"/>
           </a:p>
         </p:txBody>
       </p:sp>
@@ -23110,10 +23413,330 @@
           <a:lstStyle/>
           <a:p>
             <a:r>
-              <a:rPr lang="es-CL" dirty="0" smtClean="0"/>
+              <a:rPr lang="es-CL" b="1" dirty="0" smtClean="0"/>
               <a:t>RUMINA</a:t>
             </a:r>
-            <a:endParaRPr lang="es-CL" dirty="0"/>
+          </a:p>
+          <a:p>
+            <a:r>
+              <a:rPr lang="es-CL" sz="1200" kern="1200" dirty="0" smtClean="0">
+                <a:solidFill>
+                  <a:schemeClr val="tx1"/>
+                </a:solidFill>
+                <a:latin typeface="Times New Roman" pitchFamily="18" charset="0"/>
+                <a:ea typeface="+mn-ea"/>
+                <a:cs typeface="+mn-cs"/>
+              </a:rPr>
+              <a:t>Los contenidos de la presentación serán los siguientes:</a:t>
+            </a:r>
+            <a:endParaRPr lang="es-CL" sz="1100" kern="1200" dirty="0" smtClean="0">
+              <a:solidFill>
+                <a:schemeClr val="tx1"/>
+              </a:solidFill>
+              <a:latin typeface="Times New Roman" pitchFamily="18" charset="0"/>
+              <a:ea typeface="+mn-ea"/>
+              <a:cs typeface="+mn-cs"/>
+            </a:endParaRPr>
+          </a:p>
+          <a:p>
+            <a:pPr lvl="0"/>
+            <a:r>
+              <a:rPr lang="es-CL" sz="1200" kern="1200" dirty="0" smtClean="0">
+                <a:solidFill>
+                  <a:schemeClr val="tx1"/>
+                </a:solidFill>
+                <a:latin typeface="Times New Roman" pitchFamily="18" charset="0"/>
+                <a:ea typeface="+mn-ea"/>
+                <a:cs typeface="+mn-cs"/>
+              </a:rPr>
+              <a:t>Introducción</a:t>
+            </a:r>
+            <a:endParaRPr lang="es-CL" sz="1100" kern="1200" dirty="0" smtClean="0">
+              <a:solidFill>
+                <a:schemeClr val="tx1"/>
+              </a:solidFill>
+              <a:latin typeface="Times New Roman" pitchFamily="18" charset="0"/>
+              <a:ea typeface="+mn-ea"/>
+              <a:cs typeface="+mn-cs"/>
+            </a:endParaRPr>
+          </a:p>
+          <a:p>
+            <a:pPr lvl="1"/>
+            <a:r>
+              <a:rPr lang="es-CL" sz="1200" kern="1200" dirty="0" smtClean="0">
+                <a:solidFill>
+                  <a:schemeClr val="tx1"/>
+                </a:solidFill>
+                <a:latin typeface="Times New Roman" pitchFamily="18" charset="0"/>
+                <a:ea typeface="+mn-ea"/>
+                <a:cs typeface="+mn-cs"/>
+              </a:rPr>
+              <a:t>Donde se describirá brevemente de que se trata el proyecto realizado.</a:t>
+            </a:r>
+            <a:endParaRPr lang="es-CL" sz="1100" kern="1200" dirty="0" smtClean="0">
+              <a:solidFill>
+                <a:schemeClr val="tx1"/>
+              </a:solidFill>
+              <a:latin typeface="Times New Roman" pitchFamily="18" charset="0"/>
+              <a:ea typeface="+mn-ea"/>
+              <a:cs typeface="+mn-cs"/>
+            </a:endParaRPr>
+          </a:p>
+          <a:p>
+            <a:pPr lvl="0"/>
+            <a:r>
+              <a:rPr lang="es-CL" sz="1200" kern="1200" dirty="0" smtClean="0">
+                <a:solidFill>
+                  <a:schemeClr val="tx1"/>
+                </a:solidFill>
+                <a:latin typeface="Times New Roman" pitchFamily="18" charset="0"/>
+                <a:ea typeface="+mn-ea"/>
+                <a:cs typeface="+mn-cs"/>
+              </a:rPr>
+              <a:t>Descripción de la organización</a:t>
+            </a:r>
+            <a:endParaRPr lang="es-CL" sz="1100" kern="1200" dirty="0" smtClean="0">
+              <a:solidFill>
+                <a:schemeClr val="tx1"/>
+              </a:solidFill>
+              <a:latin typeface="Times New Roman" pitchFamily="18" charset="0"/>
+              <a:ea typeface="+mn-ea"/>
+              <a:cs typeface="+mn-cs"/>
+            </a:endParaRPr>
+          </a:p>
+          <a:p>
+            <a:pPr lvl="1"/>
+            <a:r>
+              <a:rPr lang="es-CL" sz="1200" kern="1200" dirty="0" smtClean="0">
+                <a:solidFill>
+                  <a:schemeClr val="tx1"/>
+                </a:solidFill>
+                <a:latin typeface="Times New Roman" pitchFamily="18" charset="0"/>
+                <a:ea typeface="+mn-ea"/>
+                <a:cs typeface="+mn-cs"/>
+              </a:rPr>
+              <a:t>Se explicara las funciones de la empresa, su estructura organizacional y flujo de trabajo, para entender sobre el tipo de empresas en que se baso el proyecto.</a:t>
+            </a:r>
+            <a:endParaRPr lang="es-CL" sz="1100" kern="1200" dirty="0" smtClean="0">
+              <a:solidFill>
+                <a:schemeClr val="tx1"/>
+              </a:solidFill>
+              <a:latin typeface="Times New Roman" pitchFamily="18" charset="0"/>
+              <a:ea typeface="+mn-ea"/>
+              <a:cs typeface="+mn-cs"/>
+            </a:endParaRPr>
+          </a:p>
+          <a:p>
+            <a:pPr lvl="0"/>
+            <a:r>
+              <a:rPr lang="es-CL" sz="1200" kern="1200" dirty="0" smtClean="0">
+                <a:solidFill>
+                  <a:schemeClr val="tx1"/>
+                </a:solidFill>
+                <a:latin typeface="Times New Roman" pitchFamily="18" charset="0"/>
+                <a:ea typeface="+mn-ea"/>
+                <a:cs typeface="+mn-cs"/>
+              </a:rPr>
+              <a:t>Problema</a:t>
+            </a:r>
+            <a:endParaRPr lang="es-CL" sz="1100" kern="1200" dirty="0" smtClean="0">
+              <a:solidFill>
+                <a:schemeClr val="tx1"/>
+              </a:solidFill>
+              <a:latin typeface="Times New Roman" pitchFamily="18" charset="0"/>
+              <a:ea typeface="+mn-ea"/>
+              <a:cs typeface="+mn-cs"/>
+            </a:endParaRPr>
+          </a:p>
+          <a:p>
+            <a:pPr lvl="1"/>
+            <a:r>
+              <a:rPr lang="es-CL" sz="1200" kern="1200" dirty="0" smtClean="0">
+                <a:solidFill>
+                  <a:schemeClr val="tx1"/>
+                </a:solidFill>
+                <a:latin typeface="Times New Roman" pitchFamily="18" charset="0"/>
+                <a:ea typeface="+mn-ea"/>
+                <a:cs typeface="+mn-cs"/>
+              </a:rPr>
+              <a:t>Luego de la descripción de la organización, se da a conocer el problema encontrado en este tipo de empresas.</a:t>
+            </a:r>
+            <a:endParaRPr lang="es-CL" sz="1100" kern="1200" dirty="0" smtClean="0">
+              <a:solidFill>
+                <a:schemeClr val="tx1"/>
+              </a:solidFill>
+              <a:latin typeface="Times New Roman" pitchFamily="18" charset="0"/>
+              <a:ea typeface="+mn-ea"/>
+              <a:cs typeface="+mn-cs"/>
+            </a:endParaRPr>
+          </a:p>
+          <a:p>
+            <a:pPr lvl="0"/>
+            <a:r>
+              <a:rPr lang="es-CL" sz="1200" kern="1200" dirty="0" smtClean="0">
+                <a:solidFill>
+                  <a:schemeClr val="tx1"/>
+                </a:solidFill>
+                <a:latin typeface="Times New Roman" pitchFamily="18" charset="0"/>
+                <a:ea typeface="+mn-ea"/>
+                <a:cs typeface="+mn-cs"/>
+              </a:rPr>
+              <a:t>Objetivo y delimitación</a:t>
+            </a:r>
+            <a:endParaRPr lang="es-CL" sz="1100" kern="1200" dirty="0" smtClean="0">
+              <a:solidFill>
+                <a:schemeClr val="tx1"/>
+              </a:solidFill>
+              <a:latin typeface="Times New Roman" pitchFamily="18" charset="0"/>
+              <a:ea typeface="+mn-ea"/>
+              <a:cs typeface="+mn-cs"/>
+            </a:endParaRPr>
+          </a:p>
+          <a:p>
+            <a:pPr lvl="1"/>
+            <a:r>
+              <a:rPr lang="es-CL" sz="1200" kern="1200" dirty="0" smtClean="0">
+                <a:solidFill>
+                  <a:schemeClr val="tx1"/>
+                </a:solidFill>
+                <a:latin typeface="Times New Roman" pitchFamily="18" charset="0"/>
+                <a:ea typeface="+mn-ea"/>
+                <a:cs typeface="+mn-cs"/>
+              </a:rPr>
+              <a:t>Se describirán los objetivos generales y específicos del proyecto, además de sus límites.</a:t>
+            </a:r>
+            <a:endParaRPr lang="es-CL" sz="1100" kern="1200" dirty="0" smtClean="0">
+              <a:solidFill>
+                <a:schemeClr val="tx1"/>
+              </a:solidFill>
+              <a:latin typeface="Times New Roman" pitchFamily="18" charset="0"/>
+              <a:ea typeface="+mn-ea"/>
+              <a:cs typeface="+mn-cs"/>
+            </a:endParaRPr>
+          </a:p>
+          <a:p>
+            <a:pPr lvl="0"/>
+            <a:r>
+              <a:rPr lang="es-CL" sz="1200" kern="1200" dirty="0" smtClean="0">
+                <a:solidFill>
+                  <a:schemeClr val="tx1"/>
+                </a:solidFill>
+                <a:latin typeface="Times New Roman" pitchFamily="18" charset="0"/>
+                <a:ea typeface="+mn-ea"/>
+                <a:cs typeface="+mn-cs"/>
+              </a:rPr>
+              <a:t>Solución Propuesta</a:t>
+            </a:r>
+            <a:endParaRPr lang="es-CL" sz="1100" kern="1200" dirty="0" smtClean="0">
+              <a:solidFill>
+                <a:schemeClr val="tx1"/>
+              </a:solidFill>
+              <a:latin typeface="Times New Roman" pitchFamily="18" charset="0"/>
+              <a:ea typeface="+mn-ea"/>
+              <a:cs typeface="+mn-cs"/>
+            </a:endParaRPr>
+          </a:p>
+          <a:p>
+            <a:pPr lvl="1"/>
+            <a:r>
+              <a:rPr lang="es-CL" sz="1200" kern="1200" dirty="0" smtClean="0">
+                <a:solidFill>
+                  <a:schemeClr val="tx1"/>
+                </a:solidFill>
+                <a:latin typeface="Times New Roman" pitchFamily="18" charset="0"/>
+                <a:ea typeface="+mn-ea"/>
+                <a:cs typeface="+mn-cs"/>
+              </a:rPr>
+              <a:t>Dentro de esta sección se describirán cual fue la solución tecnológica encontrada al problema encontrado, detallando sus características, su factibilidad técnica y económica, su planificación y algunos diagramas relevantes de como se hizo.</a:t>
+            </a:r>
+            <a:endParaRPr lang="es-CL" sz="1100" kern="1200" dirty="0" smtClean="0">
+              <a:solidFill>
+                <a:schemeClr val="tx1"/>
+              </a:solidFill>
+              <a:latin typeface="Times New Roman" pitchFamily="18" charset="0"/>
+              <a:ea typeface="+mn-ea"/>
+              <a:cs typeface="+mn-cs"/>
+            </a:endParaRPr>
+          </a:p>
+          <a:p>
+            <a:pPr lvl="0"/>
+            <a:r>
+              <a:rPr lang="es-CL" sz="1200" kern="1200" dirty="0" smtClean="0">
+                <a:solidFill>
+                  <a:schemeClr val="tx1"/>
+                </a:solidFill>
+                <a:latin typeface="Times New Roman" pitchFamily="18" charset="0"/>
+                <a:ea typeface="+mn-ea"/>
+                <a:cs typeface="+mn-cs"/>
+              </a:rPr>
+              <a:t>Demostración sistema</a:t>
+            </a:r>
+            <a:endParaRPr lang="es-CL" sz="1100" kern="1200" dirty="0" smtClean="0">
+              <a:solidFill>
+                <a:schemeClr val="tx1"/>
+              </a:solidFill>
+              <a:latin typeface="Times New Roman" pitchFamily="18" charset="0"/>
+              <a:ea typeface="+mn-ea"/>
+              <a:cs typeface="+mn-cs"/>
+            </a:endParaRPr>
+          </a:p>
+          <a:p>
+            <a:pPr lvl="1"/>
+            <a:r>
+              <a:rPr lang="es-CL" sz="1200" kern="1200" dirty="0" smtClean="0">
+                <a:solidFill>
+                  <a:schemeClr val="tx1"/>
+                </a:solidFill>
+                <a:latin typeface="Times New Roman" pitchFamily="18" charset="0"/>
+                <a:ea typeface="+mn-ea"/>
+                <a:cs typeface="+mn-cs"/>
+              </a:rPr>
+              <a:t>Ya descrita la solución, se mostrara el funcionamiento de sus características mas importantes.</a:t>
+            </a:r>
+            <a:endParaRPr lang="es-CL" sz="1100" kern="1200" dirty="0" smtClean="0">
+              <a:solidFill>
+                <a:schemeClr val="tx1"/>
+              </a:solidFill>
+              <a:latin typeface="Times New Roman" pitchFamily="18" charset="0"/>
+              <a:ea typeface="+mn-ea"/>
+              <a:cs typeface="+mn-cs"/>
+            </a:endParaRPr>
+          </a:p>
+          <a:p>
+            <a:pPr lvl="0"/>
+            <a:r>
+              <a:rPr lang="es-CL" sz="1200" kern="1200" dirty="0" smtClean="0">
+                <a:solidFill>
+                  <a:schemeClr val="tx1"/>
+                </a:solidFill>
+                <a:latin typeface="Times New Roman" pitchFamily="18" charset="0"/>
+                <a:ea typeface="+mn-ea"/>
+                <a:cs typeface="+mn-cs"/>
+              </a:rPr>
+              <a:t>Conclusión</a:t>
+            </a:r>
+            <a:endParaRPr lang="es-CL" sz="1100" kern="1200" dirty="0" smtClean="0">
+              <a:solidFill>
+                <a:schemeClr val="tx1"/>
+              </a:solidFill>
+              <a:latin typeface="Times New Roman" pitchFamily="18" charset="0"/>
+              <a:ea typeface="+mn-ea"/>
+              <a:cs typeface="+mn-cs"/>
+            </a:endParaRPr>
+          </a:p>
+          <a:p>
+            <a:r>
+              <a:rPr lang="es-CL" sz="1200" kern="1200" dirty="0" smtClean="0">
+                <a:solidFill>
+                  <a:schemeClr val="tx1"/>
+                </a:solidFill>
+                <a:latin typeface="Times New Roman" pitchFamily="18" charset="0"/>
+                <a:ea typeface="+mn-ea"/>
+                <a:cs typeface="+mn-cs"/>
+              </a:rPr>
+              <a:t>Al finalizar se dará a conocer la conclusión luego de realizado todo el proyecto.</a:t>
+            </a:r>
+            <a:endParaRPr lang="es-CL" b="1" dirty="0"/>
           </a:p>
         </p:txBody>
       </p:sp>
@@ -23201,20 +23824,97 @@
           <a:lstStyle/>
           <a:p>
             <a:r>
-              <a:rPr lang="es-CL" dirty="0" smtClean="0"/>
+              <a:rPr lang="es-CL" b="1" dirty="0" smtClean="0"/>
               <a:t>RUMINA</a:t>
             </a:r>
           </a:p>
           <a:p>
             <a:r>
-              <a:rPr lang="es-CL" dirty="0" smtClean="0"/>
-              <a:t>Este proyecto</a:t>
+              <a:rPr lang="es-CL" sz="1200" kern="1200" dirty="0" smtClean="0">
+                <a:solidFill>
+                  <a:schemeClr val="tx1"/>
+                </a:solidFill>
+                <a:latin typeface="Times New Roman" pitchFamily="18" charset="0"/>
+                <a:ea typeface="+mn-ea"/>
+                <a:cs typeface="+mn-cs"/>
+              </a:rPr>
+              <a:t>Dentro de la etapa de diseños además se identificaran diversos casos de uso, en el siguiente diagrama se ven reflejados los distintos casos. Donde se pueden a preciar los siguientes actores y sus casos de uso:</a:t>
+            </a:r>
+          </a:p>
+          <a:p>
+            <a:r>
+              <a:rPr lang="es-CL" sz="1200" b="1" kern="1200" dirty="0" smtClean="0">
+                <a:solidFill>
+                  <a:schemeClr val="tx1"/>
+                </a:solidFill>
+                <a:latin typeface="Times New Roman" pitchFamily="18" charset="0"/>
+                <a:ea typeface="+mn-ea"/>
+                <a:cs typeface="+mn-cs"/>
+              </a:rPr>
+              <a:t>Recepcionista</a:t>
             </a:r>
             <a:r>
-              <a:rPr lang="es-CL" baseline="0" dirty="0" smtClean="0"/>
-              <a:t> se estima una </a:t>
+              <a:rPr lang="es-CL" sz="1200" kern="1200" dirty="0" smtClean="0">
+                <a:solidFill>
+                  <a:schemeClr val="tx1"/>
+                </a:solidFill>
+                <a:latin typeface="Times New Roman" pitchFamily="18" charset="0"/>
+                <a:ea typeface="+mn-ea"/>
+                <a:cs typeface="+mn-cs"/>
+              </a:rPr>
+              <a:t>: que se encarga de ingresar orden, y entregar producto, estos casos de uso se extienden de la revisión y reparación de los casos de uso que realizan los técnicos.</a:t>
             </a:r>
-            <a:endParaRPr lang="es-CL" dirty="0"/>
+          </a:p>
+          <a:p>
+            <a:r>
+              <a:rPr lang="es-CL" sz="1200" b="1" kern="1200" dirty="0" smtClean="0">
+                <a:solidFill>
+                  <a:schemeClr val="tx1"/>
+                </a:solidFill>
+                <a:latin typeface="Times New Roman" pitchFamily="18" charset="0"/>
+                <a:ea typeface="+mn-ea"/>
+                <a:cs typeface="+mn-cs"/>
+              </a:rPr>
+              <a:t>Administrativo:</a:t>
+            </a:r>
+            <a:r>
+              <a:rPr lang="es-CL" sz="1200" kern="1200" dirty="0" smtClean="0">
+                <a:solidFill>
+                  <a:schemeClr val="tx1"/>
+                </a:solidFill>
+                <a:latin typeface="Times New Roman" pitchFamily="18" charset="0"/>
+                <a:ea typeface="+mn-ea"/>
+                <a:cs typeface="+mn-cs"/>
+              </a:rPr>
+              <a:t> es quien realiza la asignación de trabajo para los técnicos.</a:t>
+            </a:r>
+          </a:p>
+          <a:p>
+            <a:r>
+              <a:rPr lang="es-CL" sz="1200" b="1" kern="1200" dirty="0" smtClean="0">
+                <a:solidFill>
+                  <a:schemeClr val="tx1"/>
+                </a:solidFill>
+                <a:latin typeface="Times New Roman" pitchFamily="18" charset="0"/>
+                <a:ea typeface="+mn-ea"/>
+                <a:cs typeface="+mn-cs"/>
+              </a:rPr>
+              <a:t>Técnico</a:t>
+            </a:r>
+            <a:r>
+              <a:rPr lang="es-CL" sz="1200" kern="1200" dirty="0" smtClean="0">
+                <a:solidFill>
+                  <a:schemeClr val="tx1"/>
+                </a:solidFill>
+                <a:latin typeface="Times New Roman" pitchFamily="18" charset="0"/>
+                <a:ea typeface="+mn-ea"/>
+                <a:cs typeface="+mn-cs"/>
+              </a:rPr>
+              <a:t>: es quien realiza la reparación y revisión de los productos.</a:t>
+            </a:r>
+          </a:p>
+          <a:p>
+            <a:endParaRPr lang="es-CL" b="1" dirty="0" smtClean="0"/>
           </a:p>
         </p:txBody>
       </p:sp>
@@ -23302,9 +24002,553 @@
           <a:lstStyle/>
           <a:p>
             <a:r>
-              <a:rPr lang="es-CL" dirty="0" smtClean="0"/>
+              <a:rPr lang="es-CL" b="1" dirty="0" smtClean="0"/>
               <a:t>SEBASTIAN</a:t>
             </a:r>
+          </a:p>
+          <a:p>
+            <a:r>
+              <a:rPr lang="es-CL" sz="1200" kern="1200" dirty="0" smtClean="0">
+                <a:solidFill>
+                  <a:schemeClr val="tx1"/>
+                </a:solidFill>
+                <a:latin typeface="Times New Roman" pitchFamily="18" charset="0"/>
+                <a:ea typeface="+mn-ea"/>
+                <a:cs typeface="+mn-cs"/>
+              </a:rPr>
+              <a:t>La arquitectura que utilizara este sistema estará realizada en capas, Estará montada sobre un servidor Windows 2003 server, con IIS 6.0, utilizara base de datos SQL Server 2005, Framework </a:t>
+            </a:r>
+            <a:r>
+              <a:rPr lang="es-CL" sz="1200" kern="1200" dirty="0" err="1" smtClean="0">
+                <a:solidFill>
+                  <a:schemeClr val="tx1"/>
+                </a:solidFill>
+                <a:latin typeface="Times New Roman" pitchFamily="18" charset="0"/>
+                <a:ea typeface="+mn-ea"/>
+                <a:cs typeface="+mn-cs"/>
+              </a:rPr>
+              <a:t>.net</a:t>
+            </a:r>
+            <a:r>
+              <a:rPr lang="es-CL" sz="1200" kern="1200" dirty="0" smtClean="0">
+                <a:solidFill>
+                  <a:schemeClr val="tx1"/>
+                </a:solidFill>
+                <a:latin typeface="Times New Roman" pitchFamily="18" charset="0"/>
+                <a:ea typeface="+mn-ea"/>
+                <a:cs typeface="+mn-cs"/>
+              </a:rPr>
+              <a:t> 3.5 SP1.</a:t>
+            </a:r>
+          </a:p>
+          <a:p>
+            <a:r>
+              <a:rPr lang="es-CL" sz="1200" kern="1200" dirty="0" smtClean="0">
+                <a:solidFill>
+                  <a:schemeClr val="tx1"/>
+                </a:solidFill>
+                <a:latin typeface="Times New Roman" pitchFamily="18" charset="0"/>
+                <a:ea typeface="+mn-ea"/>
+                <a:cs typeface="+mn-cs"/>
+              </a:rPr>
+              <a:t>El nombre código del proyecto es SIGSET, Sistema de gestión servicio técnico electrónico.</a:t>
+            </a:r>
+          </a:p>
+          <a:p>
+            <a:r>
+              <a:rPr lang="es-CL" sz="1200" kern="1200" dirty="0" smtClean="0">
+                <a:solidFill>
+                  <a:schemeClr val="tx1"/>
+                </a:solidFill>
+                <a:latin typeface="Times New Roman" pitchFamily="18" charset="0"/>
+                <a:ea typeface="+mn-ea"/>
+                <a:cs typeface="+mn-cs"/>
+              </a:rPr>
+              <a:t>Las capas de la aplicación serán tres Data, </a:t>
+            </a:r>
+            <a:r>
+              <a:rPr lang="es-CL" sz="1200" kern="1200" dirty="0" err="1" smtClean="0">
+                <a:solidFill>
+                  <a:schemeClr val="tx1"/>
+                </a:solidFill>
+                <a:latin typeface="Times New Roman" pitchFamily="18" charset="0"/>
+                <a:ea typeface="+mn-ea"/>
+                <a:cs typeface="+mn-cs"/>
+              </a:rPr>
+              <a:t>Services</a:t>
+            </a:r>
+            <a:r>
+              <a:rPr lang="es-CL" sz="1200" kern="1200" dirty="0" smtClean="0">
+                <a:solidFill>
+                  <a:schemeClr val="tx1"/>
+                </a:solidFill>
+                <a:latin typeface="Times New Roman" pitchFamily="18" charset="0"/>
+                <a:ea typeface="+mn-ea"/>
+                <a:cs typeface="+mn-cs"/>
+              </a:rPr>
+              <a:t> y Web, las que estarán compuestas de la siguiente forma:</a:t>
+            </a:r>
+          </a:p>
+          <a:p>
+            <a:r>
+              <a:rPr lang="es-CL" sz="1200" kern="1200" dirty="0" smtClean="0">
+                <a:solidFill>
+                  <a:schemeClr val="tx1"/>
+                </a:solidFill>
+                <a:latin typeface="Times New Roman" pitchFamily="18" charset="0"/>
+                <a:ea typeface="+mn-ea"/>
+                <a:cs typeface="+mn-cs"/>
+              </a:rPr>
+              <a:t>La capa de data, será la encargada de manejar el accedo a datos mediante una capa de persistencia atreves del ORM, Linq </a:t>
+            </a:r>
+            <a:r>
+              <a:rPr lang="es-CL" sz="1200" kern="1200" dirty="0" err="1" smtClean="0">
+                <a:solidFill>
+                  <a:schemeClr val="tx1"/>
+                </a:solidFill>
+                <a:latin typeface="Times New Roman" pitchFamily="18" charset="0"/>
+                <a:ea typeface="+mn-ea"/>
+                <a:cs typeface="+mn-cs"/>
+              </a:rPr>
+              <a:t>to</a:t>
+            </a:r>
+            <a:r>
+              <a:rPr lang="es-CL" sz="1200" kern="1200" dirty="0" smtClean="0">
+                <a:solidFill>
+                  <a:schemeClr val="tx1"/>
+                </a:solidFill>
+                <a:latin typeface="Times New Roman" pitchFamily="18" charset="0"/>
+                <a:ea typeface="+mn-ea"/>
+                <a:cs typeface="+mn-cs"/>
+              </a:rPr>
+              <a:t> </a:t>
+            </a:r>
+            <a:r>
+              <a:rPr lang="es-CL" sz="1200" kern="1200" dirty="0" err="1" smtClean="0">
+                <a:solidFill>
+                  <a:schemeClr val="tx1"/>
+                </a:solidFill>
+                <a:latin typeface="Times New Roman" pitchFamily="18" charset="0"/>
+                <a:ea typeface="+mn-ea"/>
+                <a:cs typeface="+mn-cs"/>
+              </a:rPr>
+              <a:t>Sql</a:t>
+            </a:r>
+            <a:r>
+              <a:rPr lang="es-CL" sz="1200" kern="1200" dirty="0" smtClean="0">
+                <a:solidFill>
+                  <a:schemeClr val="tx1"/>
+                </a:solidFill>
+                <a:latin typeface="Times New Roman" pitchFamily="18" charset="0"/>
+                <a:ea typeface="+mn-ea"/>
+                <a:cs typeface="+mn-cs"/>
+              </a:rPr>
+              <a:t> que pertenece a </a:t>
+            </a:r>
+            <a:r>
+              <a:rPr lang="es-CL" sz="1200" kern="1200" dirty="0" err="1" smtClean="0">
+                <a:solidFill>
+                  <a:schemeClr val="tx1"/>
+                </a:solidFill>
+                <a:latin typeface="Times New Roman" pitchFamily="18" charset="0"/>
+                <a:ea typeface="+mn-ea"/>
+                <a:cs typeface="+mn-cs"/>
+              </a:rPr>
+              <a:t>.net</a:t>
+            </a:r>
+            <a:r>
+              <a:rPr lang="es-CL" sz="1200" kern="1200" dirty="0" smtClean="0">
+                <a:solidFill>
+                  <a:schemeClr val="tx1"/>
+                </a:solidFill>
+                <a:latin typeface="Times New Roman" pitchFamily="18" charset="0"/>
+                <a:ea typeface="+mn-ea"/>
+                <a:cs typeface="+mn-cs"/>
+              </a:rPr>
+              <a:t>, este encarga de crear las entidades del modelo, esta escrito en lenguaje </a:t>
+            </a:r>
+            <a:r>
+              <a:rPr lang="es-CL" sz="1200" kern="1200" dirty="0" err="1" smtClean="0">
+                <a:solidFill>
+                  <a:schemeClr val="tx1"/>
+                </a:solidFill>
+                <a:latin typeface="Times New Roman" pitchFamily="18" charset="0"/>
+                <a:ea typeface="+mn-ea"/>
+                <a:cs typeface="+mn-cs"/>
+              </a:rPr>
+              <a:t>c#</a:t>
+            </a:r>
+            <a:r>
+              <a:rPr lang="es-CL" sz="1200" kern="1200" dirty="0" smtClean="0">
+                <a:solidFill>
+                  <a:schemeClr val="tx1"/>
+                </a:solidFill>
+                <a:latin typeface="Times New Roman" pitchFamily="18" charset="0"/>
+                <a:ea typeface="+mn-ea"/>
+                <a:cs typeface="+mn-cs"/>
+              </a:rPr>
+              <a:t> 3, utilizando un patrón de diseño de repositorio.</a:t>
+            </a:r>
+          </a:p>
+          <a:p>
+            <a:r>
+              <a:rPr lang="es-CL" sz="1200" kern="1200" dirty="0" smtClean="0">
+                <a:solidFill>
+                  <a:schemeClr val="tx1"/>
+                </a:solidFill>
+                <a:latin typeface="Times New Roman" pitchFamily="18" charset="0"/>
+                <a:ea typeface="+mn-ea"/>
+                <a:cs typeface="+mn-cs"/>
+              </a:rPr>
+              <a:t>Luego encontramos la capa de </a:t>
+            </a:r>
+            <a:r>
+              <a:rPr lang="es-CL" sz="1200" kern="1200" dirty="0" err="1" smtClean="0">
+                <a:solidFill>
+                  <a:schemeClr val="tx1"/>
+                </a:solidFill>
+                <a:latin typeface="Times New Roman" pitchFamily="18" charset="0"/>
+                <a:ea typeface="+mn-ea"/>
+                <a:cs typeface="+mn-cs"/>
+              </a:rPr>
+              <a:t>services</a:t>
+            </a:r>
+            <a:r>
+              <a:rPr lang="es-CL" sz="1200" kern="1200" dirty="0" smtClean="0">
+                <a:solidFill>
+                  <a:schemeClr val="tx1"/>
+                </a:solidFill>
+                <a:latin typeface="Times New Roman" pitchFamily="18" charset="0"/>
+                <a:ea typeface="+mn-ea"/>
+                <a:cs typeface="+mn-cs"/>
+              </a:rPr>
+              <a:t>, que incluye toda la lógica de negocio, esta escrita en lenguaje </a:t>
+            </a:r>
+            <a:r>
+              <a:rPr lang="es-CL" sz="1200" kern="1200" dirty="0" err="1" smtClean="0">
+                <a:solidFill>
+                  <a:schemeClr val="tx1"/>
+                </a:solidFill>
+                <a:latin typeface="Times New Roman" pitchFamily="18" charset="0"/>
+                <a:ea typeface="+mn-ea"/>
+                <a:cs typeface="+mn-cs"/>
+              </a:rPr>
+              <a:t>c#</a:t>
+            </a:r>
+            <a:r>
+              <a:rPr lang="es-CL" sz="1200" kern="1200" dirty="0" smtClean="0">
+                <a:solidFill>
+                  <a:schemeClr val="tx1"/>
+                </a:solidFill>
+                <a:latin typeface="Times New Roman" pitchFamily="18" charset="0"/>
+                <a:ea typeface="+mn-ea"/>
+                <a:cs typeface="+mn-cs"/>
+              </a:rPr>
+              <a:t> 3 puro conectándose mediante interfaces a los distintos repositorios, la lógica se divide en distintos servicios que son consumidos por la siguiente capa.</a:t>
+            </a:r>
+          </a:p>
+          <a:p>
+            <a:r>
+              <a:rPr lang="es-CL" sz="1200" kern="1200" dirty="0" smtClean="0">
+                <a:solidFill>
+                  <a:schemeClr val="tx1"/>
+                </a:solidFill>
+                <a:latin typeface="Times New Roman" pitchFamily="18" charset="0"/>
+                <a:ea typeface="+mn-ea"/>
+                <a:cs typeface="+mn-cs"/>
+              </a:rPr>
+              <a:t>La capa web es de presentación, utiliza el patrón de diseño modelo vista controlador, utilizando el </a:t>
+            </a:r>
+            <a:r>
+              <a:rPr lang="es-CL" sz="1200" kern="1200" dirty="0" err="1" smtClean="0">
+                <a:solidFill>
+                  <a:schemeClr val="tx1"/>
+                </a:solidFill>
+                <a:latin typeface="Times New Roman" pitchFamily="18" charset="0"/>
+                <a:ea typeface="+mn-ea"/>
+                <a:cs typeface="+mn-cs"/>
+              </a:rPr>
+              <a:t>framework</a:t>
+            </a:r>
+            <a:r>
+              <a:rPr lang="es-CL" sz="1200" kern="1200" dirty="0" smtClean="0">
+                <a:solidFill>
+                  <a:schemeClr val="tx1"/>
+                </a:solidFill>
+                <a:latin typeface="Times New Roman" pitchFamily="18" charset="0"/>
+                <a:ea typeface="+mn-ea"/>
+                <a:cs typeface="+mn-cs"/>
+              </a:rPr>
+              <a:t> </a:t>
+            </a:r>
+            <a:r>
+              <a:rPr lang="es-CL" sz="1200" u="sng" kern="1200" dirty="0" smtClean="0">
+                <a:solidFill>
+                  <a:schemeClr val="tx1"/>
+                </a:solidFill>
+                <a:latin typeface="Times New Roman" pitchFamily="18" charset="0"/>
+                <a:ea typeface="+mn-ea"/>
+                <a:cs typeface="+mn-cs"/>
+                <a:hlinkClick r:id="rId3"/>
+              </a:rPr>
+              <a:t>asp.net</a:t>
+            </a:r>
+            <a:r>
+              <a:rPr lang="es-CL" sz="1200" kern="1200" dirty="0" smtClean="0">
+                <a:solidFill>
+                  <a:schemeClr val="tx1"/>
+                </a:solidFill>
+                <a:latin typeface="Times New Roman" pitchFamily="18" charset="0"/>
+                <a:ea typeface="+mn-ea"/>
+                <a:cs typeface="+mn-cs"/>
+              </a:rPr>
+              <a:t> </a:t>
+            </a:r>
+            <a:r>
+              <a:rPr lang="es-CL" sz="1200" kern="1200" dirty="0" err="1" smtClean="0">
+                <a:solidFill>
+                  <a:schemeClr val="tx1"/>
+                </a:solidFill>
+                <a:latin typeface="Times New Roman" pitchFamily="18" charset="0"/>
+                <a:ea typeface="+mn-ea"/>
+                <a:cs typeface="+mn-cs"/>
+              </a:rPr>
+              <a:t>mvc</a:t>
+            </a:r>
+            <a:r>
+              <a:rPr lang="es-CL" sz="1200" kern="1200" dirty="0" smtClean="0">
+                <a:solidFill>
+                  <a:schemeClr val="tx1"/>
+                </a:solidFill>
+                <a:latin typeface="Times New Roman" pitchFamily="18" charset="0"/>
+                <a:ea typeface="+mn-ea"/>
+                <a:cs typeface="+mn-cs"/>
+              </a:rPr>
+              <a:t> de </a:t>
+            </a:r>
+            <a:r>
+              <a:rPr lang="es-CL" sz="1200" kern="1200" dirty="0" err="1" smtClean="0">
+                <a:solidFill>
+                  <a:schemeClr val="tx1"/>
+                </a:solidFill>
+                <a:latin typeface="Times New Roman" pitchFamily="18" charset="0"/>
+                <a:ea typeface="+mn-ea"/>
+                <a:cs typeface="+mn-cs"/>
+              </a:rPr>
+              <a:t>.net</a:t>
+            </a:r>
+            <a:r>
+              <a:rPr lang="es-CL" sz="1200" kern="1200" dirty="0" smtClean="0">
+                <a:solidFill>
+                  <a:schemeClr val="tx1"/>
+                </a:solidFill>
+                <a:latin typeface="Times New Roman" pitchFamily="18" charset="0"/>
+                <a:ea typeface="+mn-ea"/>
+                <a:cs typeface="+mn-cs"/>
+              </a:rPr>
+              <a:t>, donde el modelo son las entidades de la capa de datos, el </a:t>
+            </a:r>
+            <a:r>
+              <a:rPr lang="es-CL" sz="1200" kern="1200" dirty="0" err="1" smtClean="0">
+                <a:solidFill>
+                  <a:schemeClr val="tx1"/>
+                </a:solidFill>
+                <a:latin typeface="Times New Roman" pitchFamily="18" charset="0"/>
+                <a:ea typeface="+mn-ea"/>
+                <a:cs typeface="+mn-cs"/>
+              </a:rPr>
+              <a:t>controller</a:t>
+            </a:r>
+            <a:r>
+              <a:rPr lang="es-CL" sz="1200" kern="1200" dirty="0" smtClean="0">
+                <a:solidFill>
+                  <a:schemeClr val="tx1"/>
+                </a:solidFill>
+                <a:latin typeface="Times New Roman" pitchFamily="18" charset="0"/>
+                <a:ea typeface="+mn-ea"/>
+                <a:cs typeface="+mn-cs"/>
+              </a:rPr>
+              <a:t> consume los servicios de la capa de negocio y la vista esta hecha mediante la tecnología de </a:t>
+            </a:r>
+            <a:r>
+              <a:rPr lang="es-CL" sz="1200" u="sng" kern="1200" dirty="0" smtClean="0">
+                <a:solidFill>
+                  <a:schemeClr val="tx1"/>
+                </a:solidFill>
+                <a:latin typeface="Times New Roman" pitchFamily="18" charset="0"/>
+                <a:ea typeface="+mn-ea"/>
+                <a:cs typeface="+mn-cs"/>
+                <a:hlinkClick r:id="rId3"/>
+              </a:rPr>
+              <a:t>asp.net</a:t>
+            </a:r>
+            <a:r>
+              <a:rPr lang="es-CL" sz="1200" kern="1200" dirty="0" smtClean="0">
+                <a:solidFill>
+                  <a:schemeClr val="tx1"/>
+                </a:solidFill>
+                <a:latin typeface="Times New Roman" pitchFamily="18" charset="0"/>
+                <a:ea typeface="+mn-ea"/>
+                <a:cs typeface="+mn-cs"/>
+              </a:rPr>
+              <a:t> de </a:t>
+            </a:r>
+            <a:r>
+              <a:rPr lang="es-CL" sz="1200" kern="1200" dirty="0" err="1" smtClean="0">
+                <a:solidFill>
+                  <a:schemeClr val="tx1"/>
+                </a:solidFill>
+                <a:latin typeface="Times New Roman" pitchFamily="18" charset="0"/>
+                <a:ea typeface="+mn-ea"/>
+                <a:cs typeface="+mn-cs"/>
+              </a:rPr>
+              <a:t>aspx</a:t>
+            </a:r>
+            <a:r>
+              <a:rPr lang="es-CL" sz="1200" kern="1200" dirty="0" smtClean="0">
+                <a:solidFill>
+                  <a:schemeClr val="tx1"/>
+                </a:solidFill>
+                <a:latin typeface="Times New Roman" pitchFamily="18" charset="0"/>
+                <a:ea typeface="+mn-ea"/>
+                <a:cs typeface="+mn-cs"/>
+              </a:rPr>
+              <a:t> que genera código de cliente en xhtml, además para el </a:t>
+            </a:r>
+            <a:r>
+              <a:rPr lang="es-CL" sz="1200" kern="1200" dirty="0" err="1" smtClean="0">
+                <a:solidFill>
+                  <a:schemeClr val="tx1"/>
+                </a:solidFill>
+                <a:latin typeface="Times New Roman" pitchFamily="18" charset="0"/>
+                <a:ea typeface="+mn-ea"/>
+                <a:cs typeface="+mn-cs"/>
+              </a:rPr>
+              <a:t>layout</a:t>
+            </a:r>
+            <a:r>
+              <a:rPr lang="es-CL" sz="1200" kern="1200" dirty="0" smtClean="0">
+                <a:solidFill>
+                  <a:schemeClr val="tx1"/>
+                </a:solidFill>
+                <a:latin typeface="Times New Roman" pitchFamily="18" charset="0"/>
+                <a:ea typeface="+mn-ea"/>
+                <a:cs typeface="+mn-cs"/>
+              </a:rPr>
+              <a:t> y diseño de las paginas se ocupa </a:t>
+            </a:r>
+            <a:r>
+              <a:rPr lang="es-CL" sz="1200" kern="1200" dirty="0" err="1" smtClean="0">
+                <a:solidFill>
+                  <a:schemeClr val="tx1"/>
+                </a:solidFill>
+                <a:latin typeface="Times New Roman" pitchFamily="18" charset="0"/>
+                <a:ea typeface="+mn-ea"/>
+                <a:cs typeface="+mn-cs"/>
+              </a:rPr>
+              <a:t>css</a:t>
+            </a:r>
+            <a:r>
+              <a:rPr lang="es-CL" sz="1200" kern="1200" dirty="0" smtClean="0">
+                <a:solidFill>
+                  <a:schemeClr val="tx1"/>
+                </a:solidFill>
+                <a:latin typeface="Times New Roman" pitchFamily="18" charset="0"/>
+                <a:ea typeface="+mn-ea"/>
+                <a:cs typeface="+mn-cs"/>
+              </a:rPr>
+              <a:t>, se ocuparon archivos </a:t>
+            </a:r>
+            <a:r>
+              <a:rPr lang="es-CL" sz="1200" kern="1200" dirty="0" err="1" smtClean="0">
+                <a:solidFill>
+                  <a:schemeClr val="tx1"/>
+                </a:solidFill>
+                <a:latin typeface="Times New Roman" pitchFamily="18" charset="0"/>
+                <a:ea typeface="+mn-ea"/>
+                <a:cs typeface="+mn-cs"/>
+              </a:rPr>
+              <a:t>css</a:t>
+            </a:r>
+            <a:r>
+              <a:rPr lang="es-CL" sz="1200" kern="1200" dirty="0" smtClean="0">
+                <a:solidFill>
+                  <a:schemeClr val="tx1"/>
+                </a:solidFill>
+                <a:latin typeface="Times New Roman" pitchFamily="18" charset="0"/>
+                <a:ea typeface="+mn-ea"/>
+                <a:cs typeface="+mn-cs"/>
+              </a:rPr>
+              <a:t> de terceros con licencia open </a:t>
+            </a:r>
+            <a:r>
+              <a:rPr lang="es-CL" sz="1200" kern="1200" dirty="0" err="1" smtClean="0">
+                <a:solidFill>
+                  <a:schemeClr val="tx1"/>
+                </a:solidFill>
+                <a:latin typeface="Times New Roman" pitchFamily="18" charset="0"/>
+                <a:ea typeface="+mn-ea"/>
+                <a:cs typeface="+mn-cs"/>
+              </a:rPr>
+              <a:t>source</a:t>
+            </a:r>
+            <a:r>
+              <a:rPr lang="es-CL" sz="1200" kern="1200" dirty="0" smtClean="0">
+                <a:solidFill>
+                  <a:schemeClr val="tx1"/>
+                </a:solidFill>
+                <a:latin typeface="Times New Roman" pitchFamily="18" charset="0"/>
+                <a:ea typeface="+mn-ea"/>
+                <a:cs typeface="+mn-cs"/>
+              </a:rPr>
+              <a:t> y para funcionalidades extras como los menús o la asignación manual de tomar y soltar se ocupo Javascript con librerías open </a:t>
+            </a:r>
+            <a:r>
+              <a:rPr lang="es-CL" sz="1200" kern="1200" dirty="0" err="1" smtClean="0">
+                <a:solidFill>
+                  <a:schemeClr val="tx1"/>
+                </a:solidFill>
+                <a:latin typeface="Times New Roman" pitchFamily="18" charset="0"/>
+                <a:ea typeface="+mn-ea"/>
+                <a:cs typeface="+mn-cs"/>
+              </a:rPr>
+              <a:t>source</a:t>
+            </a:r>
+            <a:r>
+              <a:rPr lang="es-CL" sz="1200" kern="1200" dirty="0" smtClean="0">
+                <a:solidFill>
+                  <a:schemeClr val="tx1"/>
+                </a:solidFill>
+                <a:latin typeface="Times New Roman" pitchFamily="18" charset="0"/>
+                <a:ea typeface="+mn-ea"/>
+                <a:cs typeface="+mn-cs"/>
+              </a:rPr>
+              <a:t> como </a:t>
+            </a:r>
+            <a:r>
+              <a:rPr lang="es-CL" sz="1200" kern="1200" dirty="0" err="1" smtClean="0">
+                <a:solidFill>
+                  <a:schemeClr val="tx1"/>
+                </a:solidFill>
+                <a:latin typeface="Times New Roman" pitchFamily="18" charset="0"/>
+                <a:ea typeface="+mn-ea"/>
+                <a:cs typeface="+mn-cs"/>
+              </a:rPr>
+              <a:t>jquery</a:t>
+            </a:r>
+            <a:r>
+              <a:rPr lang="es-CL" sz="1200" kern="1200" dirty="0" smtClean="0">
+                <a:solidFill>
+                  <a:schemeClr val="tx1"/>
+                </a:solidFill>
+                <a:latin typeface="Times New Roman" pitchFamily="18" charset="0"/>
+                <a:ea typeface="+mn-ea"/>
+                <a:cs typeface="+mn-cs"/>
+              </a:rPr>
+              <a:t>.</a:t>
+            </a:r>
+          </a:p>
+          <a:p>
             <a:endParaRPr lang="es-CL" dirty="0"/>
           </a:p>
         </p:txBody>
@@ -23393,18 +24637,14 @@
           <a:lstStyle/>
           <a:p>
             <a:r>
-              <a:rPr lang="es-CL" dirty="0" smtClean="0"/>
+              <a:rPr lang="es-CL" b="1" dirty="0" smtClean="0"/>
               <a:t>SEBASTIAN</a:t>
             </a:r>
           </a:p>
           <a:p>
             <a:r>
               <a:rPr lang="es-CL" dirty="0" smtClean="0"/>
-              <a:t>Este proyecto</a:t>
-            </a:r>
-            <a:r>
-              <a:rPr lang="es-CL" baseline="0" dirty="0" smtClean="0"/>
-              <a:t> se estima una </a:t>
+              <a:t>Ahora se llevara a cabo una demostración de cómo funciona el sistema</a:t>
             </a:r>
             <a:endParaRPr lang="es-CL" dirty="0"/>
           </a:p>
@@ -24016,20 +25256,10 @@
           <a:lstStyle/>
           <a:p>
             <a:r>
-              <a:rPr lang="es-CL" smtClean="0"/>
+              <a:rPr lang="es-CL" b="1" dirty="0" smtClean="0"/>
               <a:t>RUMINA</a:t>
             </a:r>
-          </a:p>
-          <a:p>
-            <a:r>
-              <a:rPr lang="es-CL" dirty="0" smtClean="0"/>
-              <a:t>Este proyecto</a:t>
-            </a:r>
-            <a:r>
-              <a:rPr lang="es-CL" baseline="0" dirty="0" smtClean="0"/>
-              <a:t> se estima una </a:t>
-            </a:r>
-            <a:endParaRPr lang="es-CL" dirty="0"/>
+            <a:endParaRPr lang="es-CL" b="1" dirty="0" smtClean="0"/>
           </a:p>
         </p:txBody>
       </p:sp>
@@ -24117,71 +25347,60 @@
           <a:lstStyle/>
           <a:p>
             <a:r>
-              <a:rPr lang="es-CL" dirty="0" smtClean="0"/>
+              <a:rPr lang="es-CL" b="1" dirty="0" smtClean="0"/>
               <a:t>RUMINA</a:t>
             </a:r>
           </a:p>
           <a:p>
             <a:r>
-              <a:rPr lang="es-CL" dirty="0" smtClean="0"/>
-              <a:t>Este proyecto esta enfocado hacia</a:t>
+              <a:rPr lang="es-CL" sz="1200" kern="1200" dirty="0" smtClean="0">
+                <a:solidFill>
+                  <a:schemeClr val="tx1"/>
+                </a:solidFill>
+                <a:latin typeface="Times New Roman" pitchFamily="18" charset="0"/>
+                <a:ea typeface="+mn-ea"/>
+                <a:cs typeface="+mn-cs"/>
+              </a:rPr>
+              <a:t>Este proyecto esta enfocado a empresas de tipo pymes específicamente empresas del rubro servicio técnico electrónico, además la idea principal es que será un sistema que se adapte a diferentes empresas de este mismo rubro ya que estas empresas tienen un flujo de trabajo similar. para llegar a estas afirmaciones tomamos de referencia dos empresas del rubro de servicio técnico y personalmente trabaje varios años en dos de ellas.</a:t>
+            </a:r>
+          </a:p>
+          <a:p>
+            <a:r>
+              <a:rPr lang="es-CL" sz="1200" kern="1200" dirty="0" smtClean="0">
+                <a:solidFill>
+                  <a:schemeClr val="tx1"/>
+                </a:solidFill>
+                <a:latin typeface="Times New Roman" pitchFamily="18" charset="0"/>
+                <a:ea typeface="+mn-ea"/>
+                <a:cs typeface="+mn-cs"/>
+              </a:rPr>
+              <a:t>La metodología de desarrollo que se utiliza es </a:t>
             </a:r>
             <a:r>
-              <a:rPr lang="es-CL" baseline="0" dirty="0" smtClean="0"/>
-              <a:t> las empresa de tipo pymes, </a:t>
-            </a:r>
-          </a:p>
-          <a:p>
-            <a:r>
-              <a:rPr lang="es-CL" baseline="0" dirty="0" smtClean="0"/>
-              <a:t>Específicamente hacia el rubro de servicio técnico electrónico,</a:t>
-            </a:r>
-          </a:p>
-          <a:p>
-            <a:r>
-              <a:rPr lang="es-CL" baseline="0" dirty="0" smtClean="0"/>
-              <a:t>La idea es el desarrollo de un sistema que se pueda </a:t>
+              <a:rPr lang="es-CL" sz="1200" b="1" kern="1200" dirty="0" smtClean="0">
+                <a:solidFill>
+                  <a:schemeClr val="tx1"/>
+                </a:solidFill>
+                <a:latin typeface="Times New Roman" pitchFamily="18" charset="0"/>
+                <a:ea typeface="+mn-ea"/>
+                <a:cs typeface="+mn-cs"/>
+              </a:rPr>
+              <a:t>Modelo cascada </a:t>
             </a:r>
             <a:r>
-              <a:rPr lang="es-CL" b="1" baseline="0" dirty="0" smtClean="0"/>
-              <a:t>instalar en diferentes empresas de ese tipo.</a:t>
+              <a:rPr lang="es-CL" sz="1200" kern="1200" dirty="0" smtClean="0">
+                <a:solidFill>
+                  <a:schemeClr val="tx1"/>
+                </a:solidFill>
+                <a:latin typeface="Times New Roman" pitchFamily="18" charset="0"/>
+                <a:ea typeface="+mn-ea"/>
+                <a:cs typeface="+mn-cs"/>
+              </a:rPr>
+              <a:t>debido a que el proyecto es pequeño es factible utilizar esta metodología lineal.</a:t>
             </a:r>
           </a:p>
           <a:p>
-            <a:r>
-              <a:rPr lang="es-CL" b="1" baseline="0" dirty="0" smtClean="0"/>
-              <a:t>Debido a que estas empresas posee flujo de trabajo similares</a:t>
-            </a:r>
-            <a:r>
-              <a:rPr lang="es-CL" b="0" baseline="0" dirty="0" smtClean="0"/>
-              <a:t>.</a:t>
-            </a:r>
-          </a:p>
-          <a:p>
-            <a:endParaRPr lang="es-CL" b="0" baseline="0" dirty="0" smtClean="0"/>
-          </a:p>
-          <a:p>
-            <a:r>
-              <a:rPr lang="es-CL" b="0" baseline="0" dirty="0" smtClean="0"/>
-              <a:t>Este proyecto se realizo bajo la metodología de desarrollo cascada</a:t>
-            </a:r>
-            <a:r>
-              <a:rPr lang="es-CL" b="1" baseline="0" dirty="0" smtClean="0"/>
-              <a:t>, ya que es un proyecto pequeño</a:t>
-            </a:r>
-            <a:r>
-              <a:rPr lang="es-CL" b="0" baseline="0" dirty="0" smtClean="0"/>
-              <a:t>, con requerimientos definidos según </a:t>
-            </a:r>
-            <a:r>
-              <a:rPr lang="es-CL" b="1" baseline="0" dirty="0" smtClean="0"/>
-              <a:t>referencias de dos empresa</a:t>
-            </a:r>
-            <a:r>
-              <a:rPr lang="es-CL" b="0" baseline="0" dirty="0" smtClean="0"/>
-              <a:t>s del rubro.</a:t>
-            </a:r>
-            <a:endParaRPr lang="es-CL" b="0" dirty="0"/>
+            <a:endParaRPr lang="es-CL" b="1" dirty="0" smtClean="0"/>
           </a:p>
         </p:txBody>
       </p:sp>
@@ -24457,36 +25676,11 @@
           <a:lstStyle/>
           <a:p>
             <a:r>
-              <a:rPr lang="es-CL" dirty="0" smtClean="0"/>
+              <a:rPr lang="es-CL" b="1" dirty="0" smtClean="0"/>
               <a:t>RUMINA</a:t>
             </a:r>
           </a:p>
           <a:p>
-            <a:endParaRPr lang="es-CL" dirty="0" smtClean="0"/>
-          </a:p>
-          <a:p>
-            <a:r>
-              <a:rPr lang="es-CL" dirty="0" smtClean="0"/>
-              <a:t>Según</a:t>
-            </a:r>
-            <a:r>
-              <a:rPr lang="es-CL" baseline="0" dirty="0" smtClean="0"/>
-              <a:t> los siguientes antecedentes que describen que:</a:t>
-            </a:r>
-            <a:endParaRPr lang="es-CL" dirty="0" smtClean="0"/>
-          </a:p>
-          <a:p>
-            <a:endParaRPr lang="es-CL" dirty="0" smtClean="0"/>
-          </a:p>
-          <a:p>
-            <a:r>
-              <a:rPr lang="es-CL" dirty="0" smtClean="0"/>
-              <a:t>Pymes en aumento: Según el estudio realizado por el ministerio</a:t>
-            </a:r>
-            <a:r>
-              <a:rPr lang="es-CL" baseline="0" dirty="0" smtClean="0"/>
-              <a:t> de economía, la dinámica empresarial de chile, muestra la cantidad de empresas de tipo pyme en chile, en el cual indica que en el año 2005 y 2006 la cantidad de empresas pymes es de </a:t>
-            </a:r>
             <a:r>
               <a:rPr lang="es-CL" sz="1200" kern="1200" dirty="0" smtClean="0">
                 <a:solidFill>
@@ -24496,42 +25690,10 @@
                 <a:ea typeface="+mn-ea"/>
                 <a:cs typeface="+mn-cs"/>
               </a:rPr>
-              <a:t>85.983. </a:t>
+              <a:t>Para llegar a realizar este proyecto nos basamos en estudios realizados por el ministerio de economía, la cámara de comercio y CORFO.</a:t>
             </a:r>
-            <a:r>
-              <a:rPr lang="es-CL" sz="1200" kern="1200" baseline="0" dirty="0" smtClean="0">
-                <a:solidFill>
-                  <a:schemeClr val="tx1"/>
-                </a:solidFill>
-                <a:latin typeface="Times New Roman" pitchFamily="18" charset="0"/>
-                <a:ea typeface="+mn-ea"/>
-                <a:cs typeface="+mn-cs"/>
-              </a:rPr>
-              <a:t> y van en aumento.</a:t>
-            </a:r>
-          </a:p>
-          <a:p>
-            <a:endParaRPr lang="es-CL" sz="1200" kern="1200" baseline="0" dirty="0" smtClean="0">
-              <a:solidFill>
-                <a:schemeClr val="tx1"/>
-              </a:solidFill>
-              <a:latin typeface="Times New Roman" pitchFamily="18" charset="0"/>
-              <a:ea typeface="+mn-ea"/>
-              <a:cs typeface="+mn-cs"/>
-            </a:endParaRPr>
-          </a:p>
-          <a:p>
-            <a:r>
-              <a:rPr lang="es-CL" sz="1200" kern="1200" baseline="0" dirty="0" smtClean="0">
-                <a:solidFill>
-                  <a:schemeClr val="tx1"/>
-                </a:solidFill>
-                <a:latin typeface="Times New Roman" pitchFamily="18" charset="0"/>
-                <a:ea typeface="+mn-ea"/>
-                <a:cs typeface="+mn-cs"/>
-              </a:rPr>
-              <a:t>El 10 % de este tipo de empresas invierte en tecnología según un estudio de la cámara de comercio de Santiago </a:t>
-            </a:r>
+          </a:p>
+          <a:p>
             <a:r>
               <a:rPr lang="es-CL" sz="1200" kern="1200" dirty="0" smtClean="0">
                 <a:solidFill>
@@ -24541,130 +25703,8 @@
                 <a:ea typeface="+mn-ea"/>
                 <a:cs typeface="+mn-cs"/>
               </a:rPr>
-              <a:t>BIT</a:t>
+              <a:t>Dentro de estos estudios uno de ellos indicaba que las empresas pymes van en aumento, cada año existen más empresas de este tipo.</a:t>
             </a:r>
-            <a:r>
-              <a:rPr lang="es-CL" sz="1200" kern="1200" baseline="0" dirty="0" smtClean="0">
-                <a:solidFill>
-                  <a:schemeClr val="tx1"/>
-                </a:solidFill>
-                <a:latin typeface="Times New Roman" pitchFamily="18" charset="0"/>
-                <a:ea typeface="+mn-ea"/>
-                <a:cs typeface="+mn-cs"/>
-              </a:rPr>
-              <a:t>.</a:t>
-            </a:r>
-          </a:p>
-          <a:p>
-            <a:r>
-              <a:rPr lang="es-CL" sz="1200" kern="1200" baseline="0" dirty="0" smtClean="0">
-                <a:solidFill>
-                  <a:schemeClr val="tx1"/>
-                </a:solidFill>
-                <a:latin typeface="Times New Roman" pitchFamily="18" charset="0"/>
-                <a:ea typeface="+mn-ea"/>
-                <a:cs typeface="+mn-cs"/>
-              </a:rPr>
-              <a:t>El 16% ocupa tecnología, es decir, internet, correo, herramientas ofimáticas.</a:t>
-            </a:r>
-          </a:p>
-          <a:p>
-            <a:endParaRPr lang="es-CL" sz="1200" kern="1200" baseline="0" dirty="0" smtClean="0">
-              <a:solidFill>
-                <a:schemeClr val="tx1"/>
-              </a:solidFill>
-              <a:latin typeface="Times New Roman" pitchFamily="18" charset="0"/>
-              <a:ea typeface="+mn-ea"/>
-              <a:cs typeface="+mn-cs"/>
-            </a:endParaRPr>
-          </a:p>
-          <a:p>
-            <a:r>
-              <a:rPr lang="es-CL" sz="1200" kern="1200" baseline="0" dirty="0" smtClean="0">
-                <a:solidFill>
-                  <a:schemeClr val="tx1"/>
-                </a:solidFill>
-                <a:latin typeface="Times New Roman" pitchFamily="18" charset="0"/>
-                <a:ea typeface="+mn-ea"/>
-                <a:cs typeface="+mn-cs"/>
-              </a:rPr>
-              <a:t>Con todo lo expuesto anteriormente de las pymes, existen 962 empresas de servicio técnico electrónico registradas en amarillas de Publiguías, que va hacer nuestra referencia de mercado para este proyecto.</a:t>
-            </a:r>
-          </a:p>
-          <a:p>
-            <a:endParaRPr lang="es-CL" sz="1200" kern="1200" baseline="0" dirty="0" smtClean="0">
-              <a:solidFill>
-                <a:schemeClr val="tx1"/>
-              </a:solidFill>
-              <a:latin typeface="Times New Roman" pitchFamily="18" charset="0"/>
-              <a:ea typeface="+mn-ea"/>
-              <a:cs typeface="+mn-cs"/>
-            </a:endParaRPr>
-          </a:p>
-          <a:p>
-            <a:r>
-              <a:rPr lang="es-CL" sz="1200" kern="1200" baseline="0" dirty="0" smtClean="0">
-                <a:solidFill>
-                  <a:schemeClr val="tx1"/>
-                </a:solidFill>
-                <a:latin typeface="Times New Roman" pitchFamily="18" charset="0"/>
-                <a:ea typeface="+mn-ea"/>
-                <a:cs typeface="+mn-cs"/>
-              </a:rPr>
-              <a:t>Este tipo de empresas </a:t>
-            </a:r>
-          </a:p>
-          <a:p>
-            <a:endParaRPr lang="es-CL" sz="1200" kern="1200" baseline="0" dirty="0" smtClean="0">
-              <a:solidFill>
-                <a:schemeClr val="tx1"/>
-              </a:solidFill>
-              <a:latin typeface="Times New Roman" pitchFamily="18" charset="0"/>
-              <a:ea typeface="+mn-ea"/>
-              <a:cs typeface="+mn-cs"/>
-            </a:endParaRPr>
-          </a:p>
-          <a:p>
-            <a:r>
-              <a:rPr lang="es-CL" sz="1200" b="1" kern="1200" baseline="0" dirty="0" smtClean="0">
-                <a:solidFill>
-                  <a:schemeClr val="tx1"/>
-                </a:solidFill>
-                <a:latin typeface="Times New Roman" pitchFamily="18" charset="0"/>
-                <a:ea typeface="+mn-ea"/>
-                <a:cs typeface="+mn-cs"/>
-              </a:rPr>
-              <a:t>Principal </a:t>
-            </a:r>
-            <a:r>
-              <a:rPr lang="es-CL" sz="1200" b="1" kern="1200" baseline="0" dirty="0" err="1" smtClean="0">
-                <a:solidFill>
-                  <a:schemeClr val="tx1"/>
-                </a:solidFill>
-                <a:latin typeface="Times New Roman" pitchFamily="18" charset="0"/>
-                <a:ea typeface="+mn-ea"/>
-                <a:cs typeface="+mn-cs"/>
-              </a:rPr>
-              <a:t>motivacion</a:t>
-            </a:r>
-            <a:endParaRPr lang="es-CL" sz="1200" b="1" kern="1200" baseline="0" dirty="0" smtClean="0">
-              <a:solidFill>
-                <a:schemeClr val="tx1"/>
-              </a:solidFill>
-              <a:latin typeface="Times New Roman" pitchFamily="18" charset="0"/>
-              <a:ea typeface="+mn-ea"/>
-              <a:cs typeface="+mn-cs"/>
-            </a:endParaRPr>
-          </a:p>
-          <a:p>
-            <a:endParaRPr lang="es-CL" sz="1200" kern="1200" baseline="0" dirty="0" smtClean="0">
-              <a:solidFill>
-                <a:schemeClr val="tx1"/>
-              </a:solidFill>
-              <a:latin typeface="Times New Roman" pitchFamily="18" charset="0"/>
-              <a:ea typeface="+mn-ea"/>
-              <a:cs typeface="+mn-cs"/>
-            </a:endParaRPr>
           </a:p>
           <a:p>
             <a:r>
@@ -24676,10 +25716,12 @@
                 <a:ea typeface="+mn-ea"/>
                 <a:cs typeface="+mn-cs"/>
               </a:rPr>
-              <a:t>Pero por otra parte existen programas de apoyo</a:t>
+              <a:t>Para enfocar directamente el mercado de servicios técnicos electrónicos actualmente existen 962 empresas de servicio técnico electrónico registradas en Publiguías.</a:t>
             </a:r>
+          </a:p>
+          <a:p>
             <a:r>
-              <a:rPr lang="es-CL" sz="1200" kern="1200" baseline="0" dirty="0" smtClean="0">
+              <a:rPr lang="es-CL" sz="1200" kern="1200" dirty="0" smtClean="0">
                 <a:solidFill>
                   <a:schemeClr val="tx1"/>
                 </a:solidFill>
@@ -24687,10 +25729,12 @@
                 <a:ea typeface="+mn-ea"/>
                 <a:cs typeface="+mn-cs"/>
               </a:rPr>
-              <a:t> como lo Pyme’21, de la CORFO, que entrega un cofinanciamiento a empresas pymes para que puedan invertir en TI, esto funciona con la entrega de un </a:t>
+              <a:t>Otros datos importantes como un estudio de la cámara de comercio indica que el 10% de las pymes invierte en tecnologías de la información y además programas como pyme21 de CORFO entregan ayuda a las empresas pymes para que inviertan en tecnología, ya sea mediante cofinanciamiento o beneficios.</a:t>
             </a:r>
+          </a:p>
+          <a:p>
             <a:r>
-              <a:rPr lang="es-CL" sz="1200" kern="1200" baseline="0" dirty="0" err="1" smtClean="0">
+              <a:rPr lang="es-CL" sz="1200" kern="1200" dirty="0" smtClean="0">
                 <a:solidFill>
                   <a:schemeClr val="tx1"/>
                 </a:solidFill>
@@ -24698,45 +25742,11 @@
                 <a:ea typeface="+mn-ea"/>
                 <a:cs typeface="+mn-cs"/>
               </a:rPr>
-              <a:t>co-financiamento</a:t>
+              <a:t>Con todos los datos explicados anteriormente haces de este tipo de empresa un potencial mercado donde se puede comercializar este producto de software, según esto lo convierte en la principal motivación de este proyecto.</a:t>
             </a:r>
-            <a:r>
-              <a:rPr lang="es-CL" sz="1200" kern="1200" baseline="0" dirty="0" smtClean="0">
-                <a:solidFill>
-                  <a:schemeClr val="tx1"/>
-                </a:solidFill>
-                <a:latin typeface="Times New Roman" pitchFamily="18" charset="0"/>
-                <a:ea typeface="+mn-ea"/>
-                <a:cs typeface="+mn-cs"/>
-              </a:rPr>
-              <a:t> de hasta 5 millones. Esto ayuda a las empresas en invertir en este tipo de tecnologías.</a:t>
-            </a:r>
-          </a:p>
-          <a:p>
-            <a:endParaRPr lang="es-CL" sz="1200" kern="1200" baseline="0" dirty="0" smtClean="0">
-              <a:solidFill>
-                <a:schemeClr val="tx1"/>
-              </a:solidFill>
-              <a:latin typeface="Times New Roman" pitchFamily="18" charset="0"/>
-              <a:ea typeface="+mn-ea"/>
-              <a:cs typeface="+mn-cs"/>
-            </a:endParaRPr>
-          </a:p>
-          <a:p>
-            <a:endParaRPr lang="es-CL" sz="1200" kern="1200" dirty="0" smtClean="0">
-              <a:solidFill>
-                <a:schemeClr val="tx1"/>
-              </a:solidFill>
-              <a:latin typeface="Times New Roman" pitchFamily="18" charset="0"/>
-              <a:ea typeface="+mn-ea"/>
-              <a:cs typeface="+mn-cs"/>
-            </a:endParaRPr>
-          </a:p>
-          <a:p>
-            <a:endParaRPr lang="es-CL" b="0" dirty="0" smtClean="0"/>
-          </a:p>
-          <a:p>
-            <a:endParaRPr lang="es-CL" b="0" dirty="0"/>
+          </a:p>
+          <a:p>
+            <a:endParaRPr lang="es-CL" dirty="0" smtClean="0"/>
           </a:p>
         </p:txBody>
       </p:sp>
@@ -24824,7 +25834,7 @@
           <a:lstStyle/>
           <a:p>
             <a:r>
-              <a:rPr lang="es-CL" sz="1200" kern="1200" dirty="0" smtClean="0">
+              <a:rPr lang="es-CL" sz="1200" b="1" kern="1200" dirty="0" smtClean="0">
                 <a:solidFill>
                   <a:schemeClr val="tx1"/>
                 </a:solidFill>
@@ -24836,6 +25846,23 @@
             </a:r>
           </a:p>
           <a:p>
+            <a:pPr marL="0" marR="0" indent="0" algn="l" defTabSz="914400" rtl="0" eaLnBrk="0" fontAlgn="base" latinLnBrk="0" hangingPunct="0">
+              <a:lnSpc>
+                <a:spcPct val="100000"/>
+              </a:lnSpc>
+              <a:spcBef>
+                <a:spcPct val="30000"/>
+              </a:spcBef>
+              <a:spcAft>
+                <a:spcPct val="0"/>
+              </a:spcAft>
+              <a:buClrTx/>
+              <a:buSzTx/>
+              <a:buFontTx/>
+              <a:buNone/>
+              <a:tabLst/>
+              <a:defRPr/>
+            </a:pPr>
             <a:r>
               <a:rPr lang="es-CL" sz="1200" kern="1200" dirty="0" smtClean="0">
                 <a:solidFill>
@@ -24845,7 +25872,7 @@
                 <a:ea typeface="+mn-ea"/>
                 <a:cs typeface="+mn-cs"/>
               </a:rPr>
-              <a:t>La empresa es un servicio técnico electrónico el cual entrega servicios de reparación y revisión de productos electrónicos para diferentes marcas, sus clientes son empresas y particulares</a:t>
+              <a:t>La empresa es un servicio técnico electrónico el cual entrega servicios de reparación y revisión de productos electrónicos defectuosos de diferentes marcas para clientes particulares o empresas. Estas empresas además pueden ser centros autorizado de grandes compañías productoras de este tipo de artículos.</a:t>
             </a:r>
           </a:p>
           <a:p>
@@ -24940,18 +25967,134 @@
           <a:lstStyle/>
           <a:p>
             <a:r>
-              <a:rPr lang="es-CL" b="0" dirty="0" smtClean="0"/>
+              <a:rPr lang="es-CL" b="1" dirty="0" smtClean="0"/>
               <a:t>SEBASTIAN</a:t>
             </a:r>
           </a:p>
           <a:p>
             <a:r>
-              <a:rPr lang="es-CL" b="0" dirty="0" smtClean="0"/>
-              <a:t>Organigrama</a:t>
+              <a:rPr lang="es-CL" sz="1200" kern="1200" dirty="0" smtClean="0">
+                <a:solidFill>
+                  <a:schemeClr val="tx1"/>
+                </a:solidFill>
+                <a:latin typeface="Times New Roman" pitchFamily="18" charset="0"/>
+                <a:ea typeface="+mn-ea"/>
+                <a:cs typeface="+mn-cs"/>
+              </a:rPr>
+              <a:t>Como se puede apreciar dentro de la diapositiva muestra un organigrama general de este tipo de empresas, patrón que se repite, que no necesariamente corresponde a todas las empresas, pero que en que se baso este proyecto.</a:t>
+            </a:r>
+          </a:p>
+          <a:p>
+            <a:r>
+              <a:rPr lang="es-CL" sz="1200" kern="1200" dirty="0" smtClean="0">
+                <a:solidFill>
+                  <a:schemeClr val="tx1"/>
+                </a:solidFill>
+                <a:latin typeface="Times New Roman" pitchFamily="18" charset="0"/>
+                <a:ea typeface="+mn-ea"/>
+                <a:cs typeface="+mn-cs"/>
+              </a:rPr>
+              <a:t>Se puede ver que existe como nivel superior un gerente, luego supervisores de la distintas áreas.</a:t>
+            </a:r>
+          </a:p>
+          <a:p>
+            <a:pPr lvl="0"/>
+            <a:r>
+              <a:rPr lang="es-CL" sz="1200" b="1" kern="1200" dirty="0" smtClean="0">
+                <a:solidFill>
+                  <a:schemeClr val="tx1"/>
+                </a:solidFill>
+                <a:latin typeface="Times New Roman" pitchFamily="18" charset="0"/>
+                <a:ea typeface="+mn-ea"/>
+                <a:cs typeface="+mn-cs"/>
+              </a:rPr>
+              <a:t>Técnicos</a:t>
             </a:r>
             <a:r>
-              <a:rPr lang="es-CL" b="0" baseline="0" dirty="0" smtClean="0"/>
-              <a:t> estándar o común de este tipo de empresas</a:t>
+              <a:rPr lang="es-CL" sz="1200" kern="1200" dirty="0" smtClean="0">
+                <a:solidFill>
+                  <a:schemeClr val="tx1"/>
+                </a:solidFill>
+                <a:latin typeface="Times New Roman" pitchFamily="18" charset="0"/>
+                <a:ea typeface="+mn-ea"/>
+                <a:cs typeface="+mn-cs"/>
+              </a:rPr>
+              <a:t>: son el personal encargo de revisar y reparar los artículos ingresados a la empresa, estos pueden tener un supervisor a cargo. Aquí se encuentra la mayoría del personal.</a:t>
+            </a:r>
+          </a:p>
+          <a:p>
+            <a:pPr lvl="0"/>
+            <a:r>
+              <a:rPr lang="es-CL" sz="1200" b="1" kern="1200" dirty="0" smtClean="0">
+                <a:solidFill>
+                  <a:schemeClr val="tx1"/>
+                </a:solidFill>
+                <a:latin typeface="Times New Roman" pitchFamily="18" charset="0"/>
+                <a:ea typeface="+mn-ea"/>
+                <a:cs typeface="+mn-cs"/>
+              </a:rPr>
+              <a:t>Administrativos</a:t>
+            </a:r>
+            <a:r>
+              <a:rPr lang="es-CL" sz="1200" kern="1200" dirty="0" smtClean="0">
+                <a:solidFill>
+                  <a:schemeClr val="tx1"/>
+                </a:solidFill>
+                <a:latin typeface="Times New Roman" pitchFamily="18" charset="0"/>
+                <a:ea typeface="+mn-ea"/>
+                <a:cs typeface="+mn-cs"/>
+              </a:rPr>
+              <a:t>: es el personal que se encarga principalmente de gestionar la asignación de trabajo para cada técnico, entre otras tareas se encarga de la gestión de repuestos, también puede tener un supervisor directo.</a:t>
+            </a:r>
+          </a:p>
+          <a:p>
+            <a:pPr lvl="0"/>
+            <a:r>
+              <a:rPr lang="es-CL" sz="1200" b="1" kern="1200" dirty="0" smtClean="0">
+                <a:solidFill>
+                  <a:schemeClr val="tx1"/>
+                </a:solidFill>
+                <a:latin typeface="Times New Roman" pitchFamily="18" charset="0"/>
+                <a:ea typeface="+mn-ea"/>
+                <a:cs typeface="+mn-cs"/>
+              </a:rPr>
+              <a:t>RRHH</a:t>
+            </a:r>
+            <a:r>
+              <a:rPr lang="es-CL" sz="1200" kern="1200" dirty="0" smtClean="0">
+                <a:solidFill>
+                  <a:schemeClr val="tx1"/>
+                </a:solidFill>
+                <a:latin typeface="Times New Roman" pitchFamily="18" charset="0"/>
+                <a:ea typeface="+mn-ea"/>
+                <a:cs typeface="+mn-cs"/>
+              </a:rPr>
+              <a:t>: es la área administrativa de la empresa que se encarga de los empleados.</a:t>
+            </a:r>
+          </a:p>
+          <a:p>
+            <a:pPr lvl="0"/>
+            <a:r>
+              <a:rPr lang="es-CL" sz="1200" b="1" kern="1200" dirty="0" smtClean="0">
+                <a:solidFill>
+                  <a:schemeClr val="tx1"/>
+                </a:solidFill>
+                <a:latin typeface="Times New Roman" pitchFamily="18" charset="0"/>
+                <a:ea typeface="+mn-ea"/>
+                <a:cs typeface="+mn-cs"/>
+              </a:rPr>
+              <a:t>Recepcionista</a:t>
+            </a:r>
+            <a:r>
+              <a:rPr lang="es-CL" sz="1200" kern="1200" dirty="0" smtClean="0">
+                <a:solidFill>
+                  <a:schemeClr val="tx1"/>
+                </a:solidFill>
+                <a:latin typeface="Times New Roman" pitchFamily="18" charset="0"/>
+                <a:ea typeface="+mn-ea"/>
+                <a:cs typeface="+mn-cs"/>
+              </a:rPr>
+              <a:t>: Es la persona encarga de registrar el cliente y el articulo ingresado a la empresa para su revisión y reparación, es al persona que interactúa directamente con el cliente.</a:t>
             </a:r>
           </a:p>
           <a:p>
@@ -25046,26 +26189,77 @@
           <a:lstStyle/>
           <a:p>
             <a:r>
-              <a:rPr lang="es-CL" b="0" dirty="0" smtClean="0"/>
+              <a:rPr lang="es-CL" b="1" dirty="0" smtClean="0"/>
               <a:t>SEBASTIAN</a:t>
             </a:r>
           </a:p>
           <a:p>
+            <a:r>
+              <a:rPr lang="es-CL" sz="1200" kern="1200" dirty="0" smtClean="0">
+                <a:solidFill>
+                  <a:schemeClr val="tx1"/>
+                </a:solidFill>
+                <a:latin typeface="Times New Roman" pitchFamily="18" charset="0"/>
+                <a:ea typeface="+mn-ea"/>
+                <a:cs typeface="+mn-cs"/>
+              </a:rPr>
+              <a:t>Aquí se explica el flujo de trabajo de servicio técnico que consisten en cliente lleva un articulo defectuoso al</a:t>
+            </a:r>
+          </a:p>
+          <a:p>
+            <a:r>
+              <a:rPr lang="es-CL" sz="1200" kern="1200" dirty="0" smtClean="0">
+                <a:solidFill>
+                  <a:schemeClr val="tx1"/>
+                </a:solidFill>
+                <a:latin typeface="Times New Roman" pitchFamily="18" charset="0"/>
+                <a:ea typeface="+mn-ea"/>
+                <a:cs typeface="+mn-cs"/>
+              </a:rPr>
+              <a:t>servicio para ser reparado el recepcionista lo recibe, genera un orden de</a:t>
+            </a:r>
+          </a:p>
+          <a:p>
+            <a:r>
+              <a:rPr lang="es-CL" sz="1200" kern="1200" dirty="0" smtClean="0">
+                <a:solidFill>
+                  <a:schemeClr val="tx1"/>
+                </a:solidFill>
+                <a:latin typeface="Times New Roman" pitchFamily="18" charset="0"/>
+                <a:ea typeface="+mn-ea"/>
+                <a:cs typeface="+mn-cs"/>
+              </a:rPr>
+              <a:t>trabajo en papel o en sistemas antiguos que utilizan, luego el administrativo, o</a:t>
+            </a:r>
+          </a:p>
+          <a:p>
+            <a:r>
+              <a:rPr lang="es-CL" sz="1200" kern="1200" dirty="0" smtClean="0">
+                <a:solidFill>
+                  <a:schemeClr val="tx1"/>
+                </a:solidFill>
+                <a:latin typeface="Times New Roman" pitchFamily="18" charset="0"/>
+                <a:ea typeface="+mn-ea"/>
+                <a:cs typeface="+mn-cs"/>
+              </a:rPr>
+              <a:t>jefe de técnicos se encarga de asignar ese trabajo a los técnicos, el técnico</a:t>
+            </a:r>
+          </a:p>
+          <a:p>
+            <a:r>
+              <a:rPr lang="es-CL" sz="1200" kern="1200" dirty="0" smtClean="0">
+                <a:solidFill>
+                  <a:schemeClr val="tx1"/>
+                </a:solidFill>
+                <a:latin typeface="Times New Roman" pitchFamily="18" charset="0"/>
+                <a:ea typeface="+mn-ea"/>
+                <a:cs typeface="+mn-cs"/>
+              </a:rPr>
+              <a:t>revisa y repara el articulo defectuoso o solicita repuesto. Luego la recepcionista se encarga de contactar al cliente, y este lo viene a retirar.</a:t>
+            </a:r>
+          </a:p>
+          <a:p>
             <a:endParaRPr lang="es-CL" b="0" dirty="0" smtClean="0"/>
-          </a:p>
-          <a:p>
-            <a:r>
-              <a:rPr lang="es-CL" b="0" dirty="0" smtClean="0"/>
-              <a:t>Aquí</a:t>
-            </a:r>
-            <a:r>
-              <a:rPr lang="es-CL" b="0" baseline="0" dirty="0" smtClean="0"/>
-              <a:t> se explica el flujo de trabajo de servicio técnico que consisten en cliente lleva un articulo defectuoso al servicio para ser reparado el rec3epcionista lo recibe, genera un orden de trabajo n papel o en sistemas antiguos que utilizan, luego el administrativo, o jefe de técnicos se encarga de asignar ese trabajo a los técnicos, el técnico revisa y repara el articulo defectuoso o solicita repuesto. Luego el articulo se lo viene ha retirar el cliente.</a:t>
-            </a:r>
-            <a:endParaRPr lang="es-CL" b="0" dirty="0" smtClean="0"/>
-          </a:p>
-          <a:p>
-            <a:endParaRPr lang="es-CL" b="0" dirty="0"/>
           </a:p>
         </p:txBody>
       </p:sp>
@@ -25170,7 +26364,7 @@
               <a:defRPr/>
             </a:pPr>
             <a:r>
-              <a:rPr lang="es-CL" sz="1200" kern="1200" dirty="0" smtClean="0">
+              <a:rPr lang="es-CL" sz="1200" b="1" kern="1200" dirty="0" smtClean="0">
                 <a:solidFill>
                   <a:schemeClr val="tx1"/>
                 </a:solidFill>
@@ -25208,33 +26402,41 @@
                 <a:ea typeface="+mn-ea"/>
                 <a:cs typeface="+mn-cs"/>
               </a:rPr>
-              <a:t> Según lo expuesto anteriormente esta forma de trabajo se  realiza de manera ineficiente, muchas veces de modo artesanal o intuitivas, sin manejar un marco de trabajo optimo ni tampoco un registro detallado de los procesos realizados durante el transcurso del desarrollo de las tareas de la empresa.</a:t>
-            </a:r>
-          </a:p>
-          <a:p>
-            <a:endParaRPr lang="es-CL" b="0" dirty="0" smtClean="0"/>
-          </a:p>
-          <a:p>
-            <a:r>
-              <a:rPr lang="es-CL" b="0" dirty="0" smtClean="0"/>
-              <a:t>No hay ayuda por partes de sistemas en el mercado a este tipo de problemas</a:t>
+              <a:t> </a:t>
             </a:r>
             <a:r>
-              <a:rPr lang="es-CL" b="0" baseline="0" dirty="0" smtClean="0"/>
-              <a:t> para empresas de servicio </a:t>
+              <a:rPr lang="es-CL" sz="1200" kern="1200" dirty="0" smtClean="0">
+                <a:solidFill>
+                  <a:schemeClr val="tx1"/>
+                </a:solidFill>
+                <a:latin typeface="Times New Roman" pitchFamily="18" charset="0"/>
+                <a:ea typeface="+mn-ea"/>
+                <a:cs typeface="+mn-cs"/>
+              </a:rPr>
+              <a:t>El problema que presenta este tipo de empresa se da en los tiempos de espera de un cliente por la reparación de un articulo ya sea en garantía o particular y este se ve básicamente por que en algunas oportunidades las cargas de trabajo son sobre lo normal y los trabajadores encargados de asignar el trabajo no lo hacen inmediatamente o simplemente no existe retroalimentación de los estados de cada articulo. Por lo que todo esto provoca una sensación de mala atención hacia el cliente, ya que el es el que llega molesto por que su articulo fallo y es obvio que quiere tenerlo reparado o solucionado lo mas pronto posible, debido a esta insatisfacción del cliente estos problemas normalmente derivan en denuncias en </a:t>
             </a:r>
             <a:r>
-              <a:rPr lang="es-CL" b="0" baseline="0" dirty="0" err="1" smtClean="0"/>
-              <a:t>tecnico</a:t>
+              <a:rPr lang="es-CL" sz="1200" kern="1200" dirty="0" err="1" smtClean="0">
+                <a:solidFill>
+                  <a:schemeClr val="tx1"/>
+                </a:solidFill>
+                <a:latin typeface="Times New Roman" pitchFamily="18" charset="0"/>
+                <a:ea typeface="+mn-ea"/>
+                <a:cs typeface="+mn-cs"/>
+              </a:rPr>
+              <a:t>sernac</a:t>
             </a:r>
             <a:r>
-              <a:rPr lang="es-CL" b="0" baseline="0" dirty="0" smtClean="0"/>
+              <a:rPr lang="es-CL" sz="1200" kern="1200" dirty="0" smtClean="0">
+                <a:solidFill>
+                  <a:schemeClr val="tx1"/>
+                </a:solidFill>
+                <a:latin typeface="Times New Roman" pitchFamily="18" charset="0"/>
+                <a:ea typeface="+mn-ea"/>
+                <a:cs typeface="+mn-cs"/>
+              </a:rPr>
               <a:t>.</a:t>
             </a:r>
-            <a:endParaRPr lang="es-CL" b="0" dirty="0" smtClean="0"/>
-          </a:p>
-          <a:p>
-            <a:endParaRPr lang="es-CL" b="0" dirty="0" smtClean="0"/>
           </a:p>
           <a:p>
             <a:pPr marL="0" marR="0" indent="0" algn="l" defTabSz="914400" rtl="0" eaLnBrk="0" fontAlgn="base" latinLnBrk="0" hangingPunct="0">
@@ -25254,63 +26456,6 @@
               <a:tabLst/>
               <a:defRPr/>
             </a:pPr>
-            <a:r>
-              <a:rPr lang="es-CL" sz="1200" kern="1200" dirty="0" smtClean="0">
-                <a:solidFill>
-                  <a:schemeClr val="tx1"/>
-                </a:solidFill>
-                <a:latin typeface="Times New Roman" pitchFamily="18" charset="0"/>
-                <a:ea typeface="+mn-ea"/>
-                <a:cs typeface="+mn-cs"/>
-              </a:rPr>
-              <a:t>La información expuesta se baso en dos empresas del rubro servicio técnico electrónico, las cuales presentan problemas similares. Estas empresas son Comercial </a:t>
-            </a:r>
-            <a:r>
-              <a:rPr lang="es-CL" sz="1200" kern="1200" dirty="0" err="1" smtClean="0">
-                <a:solidFill>
-                  <a:schemeClr val="tx1"/>
-                </a:solidFill>
-                <a:latin typeface="Times New Roman" pitchFamily="18" charset="0"/>
-                <a:ea typeface="+mn-ea"/>
-                <a:cs typeface="+mn-cs"/>
-              </a:rPr>
-              <a:t>Sel</a:t>
-            </a:r>
-            <a:r>
-              <a:rPr lang="es-CL" sz="1200" kern="1200" dirty="0" smtClean="0">
-                <a:solidFill>
-                  <a:schemeClr val="tx1"/>
-                </a:solidFill>
-                <a:latin typeface="Times New Roman" pitchFamily="18" charset="0"/>
-                <a:ea typeface="+mn-ea"/>
-                <a:cs typeface="+mn-cs"/>
-              </a:rPr>
-              <a:t> Boulevard y Servicio Técnico Autorizado </a:t>
-            </a:r>
-            <a:r>
-              <a:rPr lang="es-CL" sz="1200" kern="1200" dirty="0" err="1" smtClean="0">
-                <a:solidFill>
-                  <a:schemeClr val="tx1"/>
-                </a:solidFill>
-                <a:latin typeface="Times New Roman" pitchFamily="18" charset="0"/>
-                <a:ea typeface="+mn-ea"/>
-                <a:cs typeface="+mn-cs"/>
-              </a:rPr>
-              <a:t>Sindelen</a:t>
-            </a:r>
-            <a:r>
-              <a:rPr lang="es-CL" sz="1200" kern="1200" dirty="0" smtClean="0">
-                <a:solidFill>
-                  <a:schemeClr val="tx1"/>
-                </a:solidFill>
-                <a:latin typeface="Times New Roman" pitchFamily="18" charset="0"/>
-                <a:ea typeface="+mn-ea"/>
-                <a:cs typeface="+mn-cs"/>
-              </a:rPr>
-              <a:t>.</a:t>
-            </a:r>
-          </a:p>
-          <a:p>
             <a:endParaRPr lang="es-CL" b="0" dirty="0"/>
           </a:p>
         </p:txBody>
@@ -25399,10 +26544,46 @@
           <a:lstStyle/>
           <a:p>
             <a:r>
-              <a:rPr lang="es-CL" dirty="0" smtClean="0"/>
+              <a:rPr lang="es-CL" b="1" dirty="0" smtClean="0"/>
               <a:t>SEBASTIAN</a:t>
             </a:r>
-            <a:endParaRPr lang="es-CL" dirty="0"/>
+          </a:p>
+          <a:p>
+            <a:r>
+              <a:rPr lang="es-CL" sz="1200" i="1" kern="1200" dirty="0" smtClean="0">
+                <a:solidFill>
+                  <a:schemeClr val="tx1"/>
+                </a:solidFill>
+                <a:latin typeface="Times New Roman" pitchFamily="18" charset="0"/>
+                <a:ea typeface="+mn-ea"/>
+                <a:cs typeface="+mn-cs"/>
+              </a:rPr>
+              <a:t>"Desarrollar sistema que permita el correcto ingreso de orden de trabajo, asignación automática y manual a técnicos, para empresas de tipo servicio técnico electrónico."</a:t>
+            </a:r>
+            <a:endParaRPr lang="es-CL" sz="1200" kern="1200" dirty="0" smtClean="0">
+              <a:solidFill>
+                <a:schemeClr val="tx1"/>
+              </a:solidFill>
+              <a:latin typeface="Times New Roman" pitchFamily="18" charset="0"/>
+              <a:ea typeface="+mn-ea"/>
+              <a:cs typeface="+mn-cs"/>
+            </a:endParaRPr>
+          </a:p>
+          <a:p>
+            <a:r>
+              <a:rPr lang="es-CL" sz="1200" kern="1200" dirty="0" smtClean="0">
+                <a:solidFill>
+                  <a:schemeClr val="tx1"/>
+                </a:solidFill>
+                <a:latin typeface="Times New Roman" pitchFamily="18" charset="0"/>
+                <a:ea typeface="+mn-ea"/>
+                <a:cs typeface="+mn-cs"/>
+              </a:rPr>
+              <a:t>Con esto se quiere decir que nuestro objetivo se enfoca en la asignación de trabajo para técnicos que estén faltos de trabajo o en estado ocioso, para aprovechar mejor los recursos de mano de obra para la reparación de artículos y así solucionar en gran medida el problema que ya se explico.</a:t>
+            </a:r>
+          </a:p>
+          <a:p>
+            <a:endParaRPr lang="es-CL" b="1" dirty="0"/>
           </a:p>
         </p:txBody>
       </p:sp>
@@ -30676,42 +31857,14 @@
             </a:r>
           </a:p>
           <a:p>
-            <a:pPr lvl="1">
-              <a:buNone/>
-            </a:pPr>
-            <a:endParaRPr lang="es-CL" sz="2000" dirty="0" smtClean="0"/>
-          </a:p>
-          <a:p>
-            <a:pPr lvl="1">
-              <a:buNone/>
-            </a:pPr>
-            <a:endParaRPr lang="es-CL" sz="2000" dirty="0" smtClean="0"/>
-          </a:p>
-          <a:p>
-            <a:pPr lvl="1">
-              <a:buNone/>
-            </a:pPr>
-            <a:endParaRPr lang="es-CL" sz="2000" dirty="0" smtClean="0"/>
-          </a:p>
-          <a:p>
-            <a:pPr lvl="1">
-              <a:buNone/>
-            </a:pPr>
-            <a:endParaRPr lang="es-CL" sz="2000" dirty="0" smtClean="0"/>
-          </a:p>
-          <a:p>
             <a:pPr lvl="1"/>
             <a:r>
               <a:rPr lang="es-CL" sz="2000" dirty="0" smtClean="0"/>
               <a:t>Se </a:t>
             </a:r>
             <a:r>
-              <a:rPr lang="es-CL" sz="2000" smtClean="0"/>
-              <a:t>considera el </a:t>
-            </a:r>
-            <a:r>
               <a:rPr lang="es-CL" sz="2000" dirty="0" smtClean="0"/>
-              <a:t>analista para desarrollo por 3 meses y el analista para soporte y mantenciones desde que termine el desarrollo hasta los cinco años que dura el proyecto.</a:t>
+              <a:t>considera el analista para desarrollo por 3 meses y el analista para soporte y mantenciones desde que termine el desarrollo hasta los cinco años que dura el proyecto.</a:t>
             </a:r>
           </a:p>
           <a:p>
@@ -30860,358 +32013,6 @@
           </a:p>
         </p:txBody>
       </p:sp>
-      <p:graphicFrame>
-        <p:nvGraphicFramePr>
-          <p:cNvPr id="6" name="5 Tabla"/>
-          <p:cNvGraphicFramePr>
-            <a:graphicFrameLocks noGrp="1"/>
-          </p:cNvGraphicFramePr>
-          <p:nvPr/>
-        </p:nvGraphicFramePr>
-        <p:xfrm>
-          <a:off x="1019175" y="3366168"/>
-          <a:ext cx="6943725" cy="1112520"/>
-        </p:xfrm>
-        <a:graphic>
-          <a:graphicData uri="http://schemas.openxmlformats.org/drawingml/2006/table">
-            <a:tbl>
-              <a:tblPr firstRow="1" bandRow="1">
-                <a:tableStyleId>{5C22544A-7EE6-4342-B048-85BDC9FD1C3A}</a:tableStyleId>
-              </a:tblPr>
-              <a:tblGrid>
-                <a:gridCol w="733425"/>
-                <a:gridCol w="4429125"/>
-                <a:gridCol w="1781175"/>
-              </a:tblGrid>
-              <a:tr h="370840">
-                <a:tc>
-                  <a:txBody>
-                    <a:bodyPr/>
-                    <a:lstStyle/>
-                    <a:p>
-                      <a:r>
-                        <a:rPr lang="es-ES" sz="1600" baseline="0" dirty="0" smtClean="0">
-                          <a:solidFill>
-                            <a:schemeClr val="tx1">
-                              <a:lumMod val="95000"/>
-                              <a:lumOff val="5000"/>
-                            </a:schemeClr>
-                          </a:solidFill>
-                        </a:rPr>
-                        <a:t>Cant.</a:t>
-                      </a:r>
-                      <a:endParaRPr lang="es-ES" sz="1600" baseline="0" dirty="0">
-                        <a:solidFill>
-                          <a:schemeClr val="tx1">
-                            <a:lumMod val="95000"/>
-                            <a:lumOff val="5000"/>
-                          </a:schemeClr>
-                        </a:solidFill>
-                      </a:endParaRPr>
-                    </a:p>
-                  </a:txBody>
-                  <a:tcPr>
-                    <a:solidFill>
-                      <a:schemeClr val="bg1">
-                        <a:lumMod val="50000"/>
-                      </a:schemeClr>
-                    </a:solidFill>
-                  </a:tcPr>
-                </a:tc>
-                <a:tc>
-                  <a:txBody>
-                    <a:bodyPr/>
-                    <a:lstStyle/>
-                    <a:p>
-                      <a:r>
-                        <a:rPr lang="es-ES" sz="1600" baseline="0" dirty="0" smtClean="0">
-                          <a:solidFill>
-                            <a:schemeClr val="tx1">
-                              <a:lumMod val="95000"/>
-                              <a:lumOff val="5000"/>
-                            </a:schemeClr>
-                          </a:solidFill>
-                        </a:rPr>
-                        <a:t>Personal</a:t>
-                      </a:r>
-                      <a:endParaRPr lang="es-ES" sz="1600" baseline="0" dirty="0">
-                        <a:solidFill>
-                          <a:schemeClr val="tx1">
-                            <a:lumMod val="95000"/>
-                            <a:lumOff val="5000"/>
-                          </a:schemeClr>
-                        </a:solidFill>
-                      </a:endParaRPr>
-                    </a:p>
-                  </a:txBody>
-                  <a:tcPr>
-                    <a:solidFill>
-                      <a:schemeClr val="bg1">
-                        <a:lumMod val="50000"/>
-                      </a:schemeClr>
-                    </a:solidFill>
-                  </a:tcPr>
-                </a:tc>
-                <a:tc>
-                  <a:txBody>
-                    <a:bodyPr/>
-                    <a:lstStyle/>
-                    <a:p>
-                      <a:r>
-                        <a:rPr lang="es-ES" sz="1600" baseline="0" dirty="0" smtClean="0">
-                          <a:solidFill>
-                            <a:schemeClr val="tx1">
-                              <a:lumMod val="95000"/>
-                              <a:lumOff val="5000"/>
-                            </a:schemeClr>
-                          </a:solidFill>
-                        </a:rPr>
-                        <a:t>Remuneración</a:t>
-                      </a:r>
-                      <a:endParaRPr lang="es-ES" sz="1600" baseline="0" dirty="0">
-                        <a:solidFill>
-                          <a:schemeClr val="tx1">
-                            <a:lumMod val="95000"/>
-                            <a:lumOff val="5000"/>
-                          </a:schemeClr>
-                        </a:solidFill>
-                      </a:endParaRPr>
-                    </a:p>
-                  </a:txBody>
-                  <a:tcPr>
-                    <a:solidFill>
-                      <a:schemeClr val="bg1">
-                        <a:lumMod val="50000"/>
-                      </a:schemeClr>
-                    </a:solidFill>
-                  </a:tcPr>
-                </a:tc>
-              </a:tr>
-              <a:tr h="370840">
-                <a:tc>
-                  <a:txBody>
-                    <a:bodyPr/>
-                    <a:lstStyle/>
-                    <a:p>
-                      <a:r>
-                        <a:rPr lang="es-ES" sz="1600" b="1" dirty="0" smtClean="0">
-                          <a:solidFill>
-                            <a:schemeClr val="tx1"/>
-                          </a:solidFill>
-                        </a:rPr>
-                        <a:t>1</a:t>
-                      </a:r>
-                      <a:endParaRPr lang="es-ES" sz="1600" b="1" dirty="0">
-                        <a:solidFill>
-                          <a:schemeClr val="tx1"/>
-                        </a:solidFill>
-                      </a:endParaRPr>
-                    </a:p>
-                  </a:txBody>
-                  <a:tcPr>
-                    <a:solidFill>
-                      <a:schemeClr val="bg1">
-                        <a:lumMod val="75000"/>
-                      </a:schemeClr>
-                    </a:solidFill>
-                  </a:tcPr>
-                </a:tc>
-                <a:tc>
-                  <a:txBody>
-                    <a:bodyPr/>
-                    <a:lstStyle/>
-                    <a:p>
-                      <a:r>
-                        <a:rPr lang="es-CL" sz="1600" b="1" dirty="0" smtClean="0">
-                          <a:solidFill>
-                            <a:schemeClr val="tx1"/>
-                          </a:solidFill>
-                        </a:rPr>
-                        <a:t>Analista Programador Desarrollo</a:t>
-                      </a:r>
-                      <a:r>
-                        <a:rPr lang="es-ES" sz="1600" b="1" dirty="0" smtClean="0">
-                          <a:solidFill>
-                            <a:schemeClr val="tx1"/>
-                          </a:solidFill>
-                        </a:rPr>
-                        <a:t> </a:t>
-                      </a:r>
-                      <a:endParaRPr lang="es-ES" sz="1600" b="1" dirty="0">
-                        <a:solidFill>
-                          <a:schemeClr val="tx1"/>
-                        </a:solidFill>
-                      </a:endParaRPr>
-                    </a:p>
-                  </a:txBody>
-                  <a:tcPr>
-                    <a:solidFill>
-                      <a:schemeClr val="bg1">
-                        <a:lumMod val="75000"/>
-                      </a:schemeClr>
-                    </a:solidFill>
-                  </a:tcPr>
-                </a:tc>
-                <a:tc>
-                  <a:txBody>
-                    <a:bodyPr/>
-                    <a:lstStyle/>
-                    <a:p>
-                      <a:r>
-                        <a:rPr lang="es-CL" sz="1600" b="1" dirty="0" smtClean="0">
-                          <a:solidFill>
-                            <a:schemeClr val="tx1"/>
-                          </a:solidFill>
-                        </a:rPr>
-                        <a:t>600.000</a:t>
-                      </a:r>
-                      <a:r>
-                        <a:rPr lang="es-ES" sz="1600" b="1" dirty="0" smtClean="0">
-                          <a:solidFill>
-                            <a:schemeClr val="tx1"/>
-                          </a:solidFill>
-                        </a:rPr>
-                        <a:t> </a:t>
-                      </a:r>
-                      <a:endParaRPr lang="es-ES" sz="1600" b="1" dirty="0">
-                        <a:solidFill>
-                          <a:schemeClr val="tx1"/>
-                        </a:solidFill>
-                      </a:endParaRPr>
-                    </a:p>
-                  </a:txBody>
-                  <a:tcPr>
-                    <a:solidFill>
-                      <a:schemeClr val="bg1">
-                        <a:lumMod val="75000"/>
-                      </a:schemeClr>
-                    </a:solidFill>
-                  </a:tcPr>
-                </a:tc>
-              </a:tr>
-              <a:tr h="370840">
-                <a:tc>
-                  <a:txBody>
-                    <a:bodyPr/>
-                    <a:lstStyle/>
-                    <a:p>
-                      <a:r>
-                        <a:rPr lang="es-ES" sz="1600" b="1" dirty="0" smtClean="0">
-                          <a:solidFill>
-                            <a:schemeClr val="tx1"/>
-                          </a:solidFill>
-                        </a:rPr>
-                        <a:t>1</a:t>
-                      </a:r>
-                      <a:endParaRPr lang="es-ES" sz="1600" b="1" dirty="0">
-                        <a:solidFill>
-                          <a:schemeClr val="tx1"/>
-                        </a:solidFill>
-                      </a:endParaRPr>
-                    </a:p>
-                  </a:txBody>
-                  <a:tcPr>
-                    <a:solidFill>
-                      <a:schemeClr val="bg1">
-                        <a:lumMod val="75000"/>
-                      </a:schemeClr>
-                    </a:solidFill>
-                  </a:tcPr>
-                </a:tc>
-                <a:tc>
-                  <a:txBody>
-                    <a:bodyPr/>
-                    <a:lstStyle/>
-                    <a:p>
-                      <a:r>
-                        <a:rPr lang="es-CL" sz="1600" b="1" dirty="0" smtClean="0">
-                          <a:solidFill>
-                            <a:schemeClr val="tx1"/>
-                          </a:solidFill>
-                        </a:rPr>
-                        <a:t>Analista Programador Soporte y  mantenciones</a:t>
-                      </a:r>
-                      <a:r>
-                        <a:rPr lang="es-ES" sz="1600" b="1" dirty="0" smtClean="0">
-                          <a:solidFill>
-                            <a:schemeClr val="tx1"/>
-                          </a:solidFill>
-                        </a:rPr>
-                        <a:t> </a:t>
-                      </a:r>
-                      <a:endParaRPr lang="es-ES" sz="1600" b="1" dirty="0">
-                        <a:solidFill>
-                          <a:schemeClr val="tx1"/>
-                        </a:solidFill>
-                      </a:endParaRPr>
-                    </a:p>
-                  </a:txBody>
-                  <a:tcPr>
-                    <a:solidFill>
-                      <a:schemeClr val="bg1">
-                        <a:lumMod val="75000"/>
-                      </a:schemeClr>
-                    </a:solidFill>
-                  </a:tcPr>
-                </a:tc>
-                <a:tc>
-                  <a:txBody>
-                    <a:bodyPr/>
-                    <a:lstStyle/>
-                    <a:p>
-                      <a:pPr marL="0" marR="0" indent="0" algn="l" defTabSz="914400" rtl="0" eaLnBrk="1" fontAlgn="auto" latinLnBrk="0" hangingPunct="1">
-                        <a:lnSpc>
-                          <a:spcPct val="100000"/>
-                        </a:lnSpc>
-                        <a:spcBef>
-                          <a:spcPts val="0"/>
-                        </a:spcBef>
-                        <a:spcAft>
-                          <a:spcPts val="0"/>
-                        </a:spcAft>
-                        <a:buClrTx/>
-                        <a:buSzTx/>
-                        <a:buFontTx/>
-                        <a:buNone/>
-                        <a:tabLst/>
-                        <a:defRPr/>
-                      </a:pPr>
-                      <a:r>
-                        <a:rPr lang="es-CL" sz="1600" b="1" dirty="0" smtClean="0">
-                          <a:solidFill>
-                            <a:schemeClr val="tx1"/>
-                          </a:solidFill>
-                        </a:rPr>
-                        <a:t>300.000</a:t>
-                      </a:r>
-                      <a:r>
-                        <a:rPr lang="es-ES" sz="1600" b="1" dirty="0" smtClean="0">
-                          <a:solidFill>
-                            <a:schemeClr val="tx1"/>
-                          </a:solidFill>
-                        </a:rPr>
-                        <a:t> </a:t>
-                      </a:r>
-                      <a:endParaRPr lang="es-ES" sz="1600" b="1" dirty="0">
-                        <a:solidFill>
-                          <a:schemeClr val="tx1"/>
-                        </a:solidFill>
-                      </a:endParaRPr>
-                    </a:p>
-                  </a:txBody>
-                  <a:tcPr>
-                    <a:solidFill>
-                      <a:schemeClr val="bg1">
-                        <a:lumMod val="75000"/>
-                      </a:schemeClr>
-                    </a:solidFill>
-                  </a:tcPr>
-                </a:tc>
-              </a:tr>
-            </a:tbl>
-          </a:graphicData>
-        </a:graphic>
-      </p:graphicFrame>
     </p:spTree>
   </p:cSld>
   <p:clrMapOvr>
@@ -31274,13 +32075,8 @@
             <a:pPr lvl="1"/>
             <a:r>
               <a:rPr lang="es-CL" sz="2000" dirty="0" smtClean="0"/>
-              <a:t>En resumen del flujo de caja final la inversión se recuperara al cuarto año el Tir será de 42% lo que significa que se esta ganando mas de los que se esperaba y el proyecto es factible </a:t>
+              <a:t>En resumen del flujo de caja final la inversión se recuperara al cuarto año el Tir será de 42% lo que significa que se esta ganando mas de los que se esperaba y el proyecto es factible económicamente.</a:t>
             </a:r>
-            <a:r>
-              <a:rPr lang="es-CL" sz="2000" dirty="0" smtClean="0"/>
-              <a:t>económicamente.</a:t>
-            </a:r>
-            <a:endParaRPr lang="es-CL" sz="2000" dirty="0" smtClean="0"/>
           </a:p>
           <a:p>
             <a:pPr lvl="1">
@@ -33426,6 +34222,13 @@
     <a:masterClrMapping/>
   </p:clrMapOvr>
   <p:transition/>
+  <p:timing>
+    <p:tnLst>
+      <p:par>
+        <p:cTn id="1" dur="indefinite" restart="never" nodeType="tmRoot"/>
+      </p:par>
+    </p:tnLst>
+  </p:timing>
 </p:sld>
 </file>
 
@@ -33605,6 +34408,13 @@
     <a:masterClrMapping/>
   </p:clrMapOvr>
   <p:transition/>
+  <p:timing>
+    <p:tnLst>
+      <p:par>
+        <p:cTn id="1" dur="indefinite" restart="never" nodeType="tmRoot"/>
+      </p:par>
+    </p:tnLst>
+  </p:timing>
 </p:sld>
 </file>
 
@@ -33974,6 +34784,13 @@
     <a:masterClrMapping/>
   </p:clrMapOvr>
   <p:transition/>
+  <p:timing>
+    <p:tnLst>
+      <p:par>
+        <p:cTn id="1" dur="indefinite" restart="never" nodeType="tmRoot"/>
+      </p:par>
+    </p:tnLst>
+  </p:timing>
 </p:sld>
 </file>
 
@@ -34336,7 +35153,15 @@
           <a:p>
             <a:r>
               <a:rPr lang="es-CL" dirty="0" smtClean="0"/>
-              <a:t>El sistema brinda una fácil escabilidad y flexibilidad para el futuro.</a:t>
+              <a:t>El sistema brinda una fácil </a:t>
+            </a:r>
+            <a:r>
+              <a:rPr lang="es-CL" dirty="0" smtClean="0"/>
+              <a:t>escalabilidad </a:t>
+            </a:r>
+            <a:r>
+              <a:rPr lang="es-CL" dirty="0" smtClean="0"/>
+              <a:t>y flexibilidad para el futuro.</a:t>
             </a:r>
             <a:endParaRPr lang="es-CL" dirty="0"/>
           </a:p>
@@ -34979,13 +35804,8 @@
             </a:r>
             <a:r>
               <a:rPr lang="es-CL" sz="1600" dirty="0" smtClean="0"/>
-              <a:t>(Fuente: </a:t>
+              <a:t>(Fuente: Publiguias)</a:t>
             </a:r>
-            <a:r>
-              <a:rPr lang="es-CL" sz="1600" dirty="0" smtClean="0"/>
-              <a:t>Publiguias)</a:t>
-            </a:r>
-            <a:endParaRPr lang="es-CL" sz="1600" dirty="0" smtClean="0"/>
           </a:p>
           <a:p>
             <a:pPr lvl="1"/>

--- a/sigset/documentos/Documentos finales/Presentacion.pptx
+++ b/sigset/documentos/Documentos finales/Presentacion.pptx
@@ -208,8 +208,8 @@
   <ax:ocxPr ax:name="SAMIFilename" ax:value=""/>
   <ax:ocxPr ax:name="captioningID" ax:value=""/>
   <ax:ocxPr ax:name="enableErrorDialogs" ax:value="0"/>
-  <ax:ocxPr ax:name="_cx" ax:value="25400"/>
-  <ax:ocxPr ax:name="_cy" ax:value="19050"/>
+  <ax:ocxPr ax:name="_cx" ax:value="25396"/>
+  <ax:ocxPr ax:name="_cy" ax:value="19046"/>
 </ax:ocx>
 </file>
 
@@ -238,8 +238,8 @@
   <ax:ocxPr ax:name="SAMIFilename" ax:value=""/>
   <ax:ocxPr ax:name="captioningID" ax:value=""/>
   <ax:ocxPr ax:name="enableErrorDialogs" ax:value="0"/>
-  <ax:ocxPr ax:name="_cx" ax:value="25400"/>
-  <ax:ocxPr ax:name="_cy" ax:value="19050"/>
+  <ax:ocxPr ax:name="_cx" ax:value="25396"/>
+  <ax:ocxPr ax:name="_cy" ax:value="19046"/>
 </ax:ocx>
 </file>
 
@@ -268,8 +268,8 @@
   <ax:ocxPr ax:name="SAMIFilename" ax:value=""/>
   <ax:ocxPr ax:name="captioningID" ax:value=""/>
   <ax:ocxPr ax:name="enableErrorDialogs" ax:value="0"/>
-  <ax:ocxPr ax:name="_cx" ax:value="25400"/>
-  <ax:ocxPr ax:name="_cy" ax:value="19050"/>
+  <ax:ocxPr ax:name="_cx" ax:value="25396"/>
+  <ax:ocxPr ax:name="_cy" ax:value="19046"/>
 </ax:ocx>
 </file>
 
@@ -298,8 +298,8 @@
   <ax:ocxPr ax:name="SAMIFilename" ax:value=""/>
   <ax:ocxPr ax:name="captioningID" ax:value=""/>
   <ax:ocxPr ax:name="enableErrorDialogs" ax:value="0"/>
-  <ax:ocxPr ax:name="_cx" ax:value="25400"/>
-  <ax:ocxPr ax:name="_cy" ax:value="19050"/>
+  <ax:ocxPr ax:name="_cx" ax:value="25396"/>
+  <ax:ocxPr ax:name="_cy" ax:value="19046"/>
 </ax:ocx>
 </file>
 
@@ -328,8 +328,8 @@
   <ax:ocxPr ax:name="SAMIFilename" ax:value=""/>
   <ax:ocxPr ax:name="captioningID" ax:value=""/>
   <ax:ocxPr ax:name="enableErrorDialogs" ax:value="0"/>
-  <ax:ocxPr ax:name="_cx" ax:value="25400"/>
-  <ax:ocxPr ax:name="_cy" ax:value="19050"/>
+  <ax:ocxPr ax:name="_cx" ax:value="25396"/>
+  <ax:ocxPr ax:name="_cy" ax:value="19046"/>
 </ax:ocx>
 </file>
 
@@ -7500,8 +7500,8 @@
     <dgm:cxn modelId="{009F14D6-CA1E-4C51-9A0D-B3F9C1E49D18}" srcId="{8C966F34-B6FE-4951-A5DC-B6B890C24F40}" destId="{3E04EA27-BE6A-44A3-A3D4-2CA4C32FFFF1}" srcOrd="0" destOrd="0" parTransId="{AE75B588-956D-4795-8BBA-14C526926D85}" sibTransId="{95BE6102-EEB0-4432-978E-FF1B073DB7AE}"/>
     <dgm:cxn modelId="{7C45ECE9-8356-43E2-B614-D776DF3DC2DF}" srcId="{393E7F46-B313-4E77-9797-D22D41EC5A03}" destId="{C9CB3786-0DB1-4998-9BFA-7ECC9C5F0DDE}" srcOrd="0" destOrd="0" parTransId="{0E603B5F-E788-4075-9EE8-6B92BD9BB1C6}" sibTransId="{7DBE4023-B152-423B-8602-7781CB8577AE}"/>
     <dgm:cxn modelId="{408049A4-04EC-42E5-AF64-48679D607DD0}" srcId="{3E04EA27-BE6A-44A3-A3D4-2CA4C32FFFF1}" destId="{FF7302D4-DF56-4D05-A039-49D494387244}" srcOrd="0" destOrd="0" parTransId="{D4A43A0A-08CA-47F1-8162-BEC510EB34F5}" sibTransId="{2DF987A6-F136-45BC-97D9-2328C9ACEA14}"/>
+    <dgm:cxn modelId="{CA8B197C-6DF2-4384-8BED-6C6211A4692F}" type="presOf" srcId="{28182505-8186-4B77-AAED-7D73BD2EC62F}" destId="{59A576FD-DEA1-4973-B0CA-89D07BC9EE75}" srcOrd="0" destOrd="0" presId="urn:microsoft.com/office/officeart/2005/8/layout/hierarchy3"/>
     <dgm:cxn modelId="{730F44F3-0F16-4DC7-94FF-A657B4144452}" type="presOf" srcId="{FF7302D4-DF56-4D05-A039-49D494387244}" destId="{97C6F11A-5991-412B-8918-0D15E3AC825F}" srcOrd="0" destOrd="1" presId="urn:microsoft.com/office/officeart/2005/8/layout/hierarchy3"/>
-    <dgm:cxn modelId="{CA8B197C-6DF2-4384-8BED-6C6211A4692F}" type="presOf" srcId="{28182505-8186-4B77-AAED-7D73BD2EC62F}" destId="{59A576FD-DEA1-4973-B0CA-89D07BC9EE75}" srcOrd="0" destOrd="0" presId="urn:microsoft.com/office/officeart/2005/8/layout/hierarchy3"/>
     <dgm:cxn modelId="{40756456-B1A5-4647-AF0B-6BC04E8D387D}" type="presParOf" srcId="{2655004E-649B-4D47-A2B9-0F2E94C643CB}" destId="{337FD4D9-A838-445B-9526-C66711C47A35}" srcOrd="0" destOrd="0" presId="urn:microsoft.com/office/officeart/2005/8/layout/hierarchy3"/>
     <dgm:cxn modelId="{BCE4A16B-AB27-4FA4-A6DD-B2C100F4B745}" type="presParOf" srcId="{337FD4D9-A838-445B-9526-C66711C47A35}" destId="{F50E9F67-7CBD-4601-8AA2-A892E09D1946}" srcOrd="0" destOrd="0" presId="urn:microsoft.com/office/officeart/2005/8/layout/hierarchy3"/>
     <dgm:cxn modelId="{4B6627DE-80EB-4875-A1ED-CE6CCC33067C}" type="presParOf" srcId="{F50E9F67-7CBD-4601-8AA2-A892E09D1946}" destId="{1F4999A6-8239-4781-8813-D424C1999DB7}" srcOrd="0" destOrd="0" presId="urn:microsoft.com/office/officeart/2005/8/layout/hierarchy3"/>
@@ -22789,7 +22789,18 @@
                 <a:ea typeface="+mn-ea"/>
                 <a:cs typeface="+mn-cs"/>
               </a:rPr>
-              <a:t>La duración del desarrollo del sistema es de 3 meses, el precio de este es de $2.000.000, este precio incluye el software y la instalación, no incluye código fuente.</a:t>
+              <a:t>La duración del desarrollo del sistema es de 3 meses, el precio de este es de $2.000.000, este precio </a:t>
+            </a:r>
+            <a:r>
+              <a:rPr lang="es-CL" sz="1200" b="1" kern="1200" dirty="0" smtClean="0">
+                <a:solidFill>
+                  <a:schemeClr val="tx1"/>
+                </a:solidFill>
+                <a:latin typeface="Times New Roman" pitchFamily="18" charset="0"/>
+                <a:ea typeface="+mn-ea"/>
+                <a:cs typeface="+mn-cs"/>
+              </a:rPr>
+              <a:t>incluye el software y la instalación, no incluye código fuente.</a:t>
             </a:r>
           </a:p>
           <a:p>
@@ -25259,7 +25270,6 @@
               <a:rPr lang="es-CL" b="1" dirty="0" smtClean="0"/>
               <a:t>RUMINA</a:t>
             </a:r>
-            <a:endParaRPr lang="es-CL" b="1" dirty="0" smtClean="0"/>
           </a:p>
         </p:txBody>
       </p:sp>
@@ -26402,18 +26412,7 @@
                 <a:ea typeface="+mn-ea"/>
                 <a:cs typeface="+mn-cs"/>
               </a:rPr>
-              <a:t> </a:t>
-            </a:r>
-            <a:r>
-              <a:rPr lang="es-CL" sz="1200" kern="1200" dirty="0" smtClean="0">
-                <a:solidFill>
-                  <a:schemeClr val="tx1"/>
-                </a:solidFill>
-                <a:latin typeface="Times New Roman" pitchFamily="18" charset="0"/>
-                <a:ea typeface="+mn-ea"/>
-                <a:cs typeface="+mn-cs"/>
-              </a:rPr>
-              <a:t>El problema que presenta este tipo de empresa se da en los tiempos de espera de un cliente por la reparación de un articulo ya sea en garantía o particular y este se ve básicamente por que en algunas oportunidades las cargas de trabajo son sobre lo normal y los trabajadores encargados de asignar el trabajo no lo hacen inmediatamente o simplemente no existe retroalimentación de los estados de cada articulo. Por lo que todo esto provoca una sensación de mala atención hacia el cliente, ya que el es el que llega molesto por que su articulo fallo y es obvio que quiere tenerlo reparado o solucionado lo mas pronto posible, debido a esta insatisfacción del cliente estos problemas normalmente derivan en denuncias en </a:t>
+              <a:t> El problema que presenta este tipo de empresa se da en los tiempos de espera de un cliente por la reparación de un articulo ya sea en garantía o particular y este se ve básicamente por que en algunas oportunidades las cargas de trabajo son sobre lo normal y los trabajadores encargados de asignar el trabajo no lo hacen inmediatamente o simplemente no existe retroalimentación de los estados de cada articulo. Por lo que todo esto provoca una sensación de mala atención hacia el cliente, ya que el es el que llega molesto por que su articulo fallo y es obvio que quiere tenerlo reparado o solucionado lo mas pronto posible, debido a esta insatisfacción del cliente estos problemas normalmente derivan en denuncias en </a:t>
             </a:r>
             <a:r>
               <a:rPr lang="es-CL" sz="1200" kern="1200" dirty="0" err="1" smtClean="0">
@@ -31832,7 +31831,11 @@
             <a:pPr lvl="1"/>
             <a:r>
               <a:rPr lang="es-CL" sz="2000" dirty="0" smtClean="0"/>
-              <a:t>Duración del proyecto  5 años </a:t>
+              <a:t>Proyecto a </a:t>
+            </a:r>
+            <a:r>
+              <a:rPr lang="es-CL" sz="2000" dirty="0" smtClean="0"/>
+              <a:t>5 años </a:t>
             </a:r>
           </a:p>
           <a:p>
@@ -31846,25 +31849,42 @@
             <a:pPr lvl="1"/>
             <a:r>
               <a:rPr lang="es-CL" sz="2000" dirty="0" smtClean="0"/>
-              <a:t>El proyecto abarcara el 5% del mercado de los servicios técnicos electrónicos.</a:t>
+              <a:t>El proyecto abarcara el 5% del mercado de los servicios técnicos electrónicos</a:t>
+            </a:r>
+            <a:r>
+              <a:rPr lang="es-CL" sz="2000" dirty="0" smtClean="0"/>
+              <a:t>. Esto quiere decir 3 empresas el primer año.</a:t>
             </a:r>
           </a:p>
           <a:p>
             <a:pPr lvl="1"/>
             <a:r>
               <a:rPr lang="es-CL" sz="2000" dirty="0" smtClean="0"/>
-              <a:t>Con un financiamiento del 70%  una tasa de descuento del 12%:</a:t>
+              <a:t>Con </a:t>
             </a:r>
+            <a:r>
+              <a:rPr lang="es-CL" sz="2000" dirty="0" smtClean="0"/>
+              <a:t>un financiamiento del 70% </a:t>
+            </a:r>
+            <a:r>
+              <a:rPr lang="es-CL" sz="2000" dirty="0" smtClean="0"/>
+              <a:t>y </a:t>
+            </a:r>
+            <a:r>
+              <a:rPr lang="es-CL" sz="2000" dirty="0" smtClean="0"/>
+              <a:t>una tasa de descuento del 12</a:t>
+            </a:r>
+            <a:r>
+              <a:rPr lang="es-CL" sz="2000" dirty="0" smtClean="0"/>
+              <a:t>%</a:t>
+            </a:r>
+            <a:endParaRPr lang="es-CL" sz="2000" dirty="0" smtClean="0"/>
           </a:p>
           <a:p>
             <a:pPr lvl="1"/>
             <a:r>
               <a:rPr lang="es-CL" sz="2000" dirty="0" smtClean="0"/>
-              <a:t>Se </a:t>
-            </a:r>
-            <a:r>
-              <a:rPr lang="es-CL" sz="2000" dirty="0" smtClean="0"/>
-              <a:t>considera el analista para desarrollo por 3 meses y el analista para soporte y mantenciones desde que termine el desarrollo hasta los cinco años que dura el proyecto.</a:t>
+              <a:t>Se considera el analista para desarrollo por 3 meses y el analista para soporte y mantenciones desde que termine el desarrollo hasta los cinco años que dura el proyecto.</a:t>
             </a:r>
           </a:p>
           <a:p>
@@ -32284,7 +32304,7 @@
         </p:nvGraphicFramePr>
         <p:xfrm>
           <a:off x="2114550" y="3330575"/>
-          <a:ext cx="3181350" cy="1849120"/>
+          <a:ext cx="3181350" cy="2667000"/>
         </p:xfrm>
         <a:graphic>
           <a:graphicData uri="http://schemas.openxmlformats.org/drawingml/2006/table">
@@ -32625,9 +32645,46 @@
                           </a:solidFill>
                           <a:latin typeface="Calibri"/>
                         </a:rPr>
-                        <a:t>2,061385207</a:t>
+                        <a:t>2,0</a:t>
                       </a:r>
-                      <a:endParaRPr lang="es-ES" dirty="0"/>
+                    </a:p>
+                    <a:p>
+                      <a:pPr marL="0" marR="0" indent="0" algn="l" defTabSz="914400" rtl="0" eaLnBrk="1" fontAlgn="auto" latinLnBrk="0" hangingPunct="1">
+                        <a:lnSpc>
+                          <a:spcPct val="100000"/>
+                        </a:lnSpc>
+                        <a:spcBef>
+                          <a:spcPts val="0"/>
+                        </a:spcBef>
+                        <a:spcAft>
+                          <a:spcPts val="0"/>
+                        </a:spcAft>
+                        <a:buClrTx/>
+                        <a:buSzTx/>
+                        <a:buFontTx/>
+                        <a:buNone/>
+                        <a:tabLst/>
+                        <a:defRPr/>
+                      </a:pPr>
+                      <a:r>
+                        <a:rPr lang="es-ES" sz="1800" b="0" i="0" u="none" strike="noStrike" dirty="0" smtClean="0">
+                          <a:solidFill>
+                            <a:srgbClr val="000000"/>
+                          </a:solidFill>
+                          <a:latin typeface="Calibri"/>
+                        </a:rPr>
+                        <a:t>Se recupera inversión al </a:t>
+                      </a:r>
+                      <a:r>
+                        <a:rPr lang="es-ES" sz="1800" b="1" i="0" u="none" strike="noStrike" dirty="0" smtClean="0">
+                          <a:solidFill>
+                            <a:srgbClr val="000000"/>
+                          </a:solidFill>
+                          <a:latin typeface="Calibri"/>
+                        </a:rPr>
+                        <a:t>cuarto año</a:t>
+                      </a:r>
+                      <a:endParaRPr lang="es-ES" b="1" dirty="0"/>
                     </a:p>
                   </a:txBody>
                   <a:tcPr/>
@@ -35153,15 +35210,7 @@
           <a:p>
             <a:r>
               <a:rPr lang="es-CL" dirty="0" smtClean="0"/>
-              <a:t>El sistema brinda una fácil </a:t>
-            </a:r>
-            <a:r>
-              <a:rPr lang="es-CL" dirty="0" smtClean="0"/>
-              <a:t>escalabilidad </a:t>
-            </a:r>
-            <a:r>
-              <a:rPr lang="es-CL" dirty="0" smtClean="0"/>
-              <a:t>y flexibilidad para el futuro.</a:t>
+              <a:t>El sistema brinda una fácil escalabilidad y flexibilidad para el futuro.</a:t>
             </a:r>
             <a:endParaRPr lang="es-CL" dirty="0"/>
           </a:p>

--- a/sigset/documentos/Documentos finales/Presentacion.pptx
+++ b/sigset/documentos/Documentos finales/Presentacion.pptx
@@ -208,8 +208,8 @@
   <ax:ocxPr ax:name="SAMIFilename" ax:value=""/>
   <ax:ocxPr ax:name="captioningID" ax:value=""/>
   <ax:ocxPr ax:name="enableErrorDialogs" ax:value="0"/>
-  <ax:ocxPr ax:name="_cx" ax:value="25396"/>
-  <ax:ocxPr ax:name="_cy" ax:value="19046"/>
+  <ax:ocxPr ax:name="_cx" ax:value="25400"/>
+  <ax:ocxPr ax:name="_cy" ax:value="19050"/>
 </ax:ocx>
 </file>
 
@@ -238,8 +238,8 @@
   <ax:ocxPr ax:name="SAMIFilename" ax:value=""/>
   <ax:ocxPr ax:name="captioningID" ax:value=""/>
   <ax:ocxPr ax:name="enableErrorDialogs" ax:value="0"/>
-  <ax:ocxPr ax:name="_cx" ax:value="25396"/>
-  <ax:ocxPr ax:name="_cy" ax:value="19046"/>
+  <ax:ocxPr ax:name="_cx" ax:value="25400"/>
+  <ax:ocxPr ax:name="_cy" ax:value="19050"/>
 </ax:ocx>
 </file>
 
@@ -268,8 +268,8 @@
   <ax:ocxPr ax:name="SAMIFilename" ax:value=""/>
   <ax:ocxPr ax:name="captioningID" ax:value=""/>
   <ax:ocxPr ax:name="enableErrorDialogs" ax:value="0"/>
-  <ax:ocxPr ax:name="_cx" ax:value="25396"/>
-  <ax:ocxPr ax:name="_cy" ax:value="19046"/>
+  <ax:ocxPr ax:name="_cx" ax:value="25400"/>
+  <ax:ocxPr ax:name="_cy" ax:value="19050"/>
 </ax:ocx>
 </file>
 
@@ -298,8 +298,8 @@
   <ax:ocxPr ax:name="SAMIFilename" ax:value=""/>
   <ax:ocxPr ax:name="captioningID" ax:value=""/>
   <ax:ocxPr ax:name="enableErrorDialogs" ax:value="0"/>
-  <ax:ocxPr ax:name="_cx" ax:value="25396"/>
-  <ax:ocxPr ax:name="_cy" ax:value="19046"/>
+  <ax:ocxPr ax:name="_cx" ax:value="25400"/>
+  <ax:ocxPr ax:name="_cy" ax:value="19050"/>
 </ax:ocx>
 </file>
 
@@ -328,8 +328,8 @@
   <ax:ocxPr ax:name="SAMIFilename" ax:value=""/>
   <ax:ocxPr ax:name="captioningID" ax:value=""/>
   <ax:ocxPr ax:name="enableErrorDialogs" ax:value="0"/>
-  <ax:ocxPr ax:name="_cx" ax:value="25396"/>
-  <ax:ocxPr ax:name="_cy" ax:value="19046"/>
+  <ax:ocxPr ax:name="_cx" ax:value="25400"/>
+  <ax:ocxPr ax:name="_cy" ax:value="19050"/>
 </ax:ocx>
 </file>
 
@@ -6322,7 +6322,13 @@
             <a:rPr lang="es-CL" dirty="0" smtClean="0">
               <a:latin typeface="Futura Lt BT"/>
             </a:rPr>
-            <a:t>Windows XP o superior,</a:t>
+            <a:t>Windows XP o </a:t>
+          </a:r>
+          <a:r>
+            <a:rPr lang="es-CL" dirty="0" smtClean="0">
+              <a:latin typeface="Futura Lt BT"/>
+            </a:rPr>
+            <a:t>superior, o distribución Linux con ambiente grafico</a:t>
           </a:r>
           <a:endParaRPr lang="es-CL" dirty="0">
             <a:latin typeface="Futura Lt BT"/>
@@ -6424,47 +6430,6 @@
       </dgm:t>
     </dgm:pt>
     <dgm:pt modelId="{44990EE7-D523-4801-8113-FDBA567C8AC7}" type="sibTrans" cxnId="{BCC2E19D-369A-4E30-A83F-157FF9AF0A11}">
-      <dgm:prSet/>
-      <dgm:spPr/>
-      <dgm:t>
-        <a:bodyPr/>
-        <a:lstStyle/>
-        <a:p>
-          <a:endParaRPr lang="es-CL"/>
-        </a:p>
-      </dgm:t>
-    </dgm:pt>
-    <dgm:pt modelId="{1DA2CB1B-16A3-45AB-9BA0-C42D6AE4CED6}">
-      <dgm:prSet phldrT="[Texto]"/>
-      <dgm:spPr/>
-      <dgm:t>
-        <a:bodyPr/>
-        <a:lstStyle/>
-        <a:p>
-          <a:r>
-            <a:rPr lang="es-CL" dirty="0" smtClean="0">
-              <a:latin typeface="Futura Lt BT"/>
-            </a:rPr>
-            <a:t>Mac OS o distribución Linux con ambiente grafico</a:t>
-          </a:r>
-          <a:endParaRPr lang="es-CL" dirty="0">
-            <a:latin typeface="Futura Lt BT"/>
-          </a:endParaRPr>
-        </a:p>
-      </dgm:t>
-    </dgm:pt>
-    <dgm:pt modelId="{A7C37F80-C43F-41FA-9571-08C363547198}" type="parTrans" cxnId="{87507609-0778-4795-BEB5-C7378F4AB2BB}">
-      <dgm:prSet/>
-      <dgm:spPr/>
-      <dgm:t>
-        <a:bodyPr/>
-        <a:lstStyle/>
-        <a:p>
-          <a:endParaRPr lang="es-CL"/>
-        </a:p>
-      </dgm:t>
-    </dgm:pt>
-    <dgm:pt modelId="{E393B945-3902-4965-A9AD-AE77217C2475}" type="sibTrans" cxnId="{87507609-0778-4795-BEB5-C7378F4AB2BB}">
       <dgm:prSet/>
       <dgm:spPr/>
       <dgm:t>
@@ -6773,17 +6738,16 @@
     </dgm:pt>
   </dgm:ptLst>
   <dgm:cxnLst>
-    <dgm:cxn modelId="{A53B6343-1A14-4658-8D55-EA242854D724}" type="presOf" srcId="{0A2FDAFD-D3B8-4DAC-BDE9-D84A3884CB87}" destId="{FC2C4C26-EB23-46B9-B79F-E4E7DFE0BE29}" srcOrd="0" destOrd="3" presId="urn:microsoft.com/office/officeart/2005/8/layout/hList6"/>
+    <dgm:cxn modelId="{A53B6343-1A14-4658-8D55-EA242854D724}" type="presOf" srcId="{0A2FDAFD-D3B8-4DAC-BDE9-D84A3884CB87}" destId="{FC2C4C26-EB23-46B9-B79F-E4E7DFE0BE29}" srcOrd="0" destOrd="2" presId="urn:microsoft.com/office/officeart/2005/8/layout/hList6"/>
     <dgm:cxn modelId="{27F85934-4D50-4020-AFBD-BB619878A153}" srcId="{6736B3E9-EA62-4CB8-9D33-ABAA0F9690D3}" destId="{014D0DFF-30CB-4E65-B921-34E1E256FD80}" srcOrd="0" destOrd="0" parTransId="{9A77532E-17F1-47AA-8E08-4E4E11B0032C}" sibTransId="{984C2F50-1482-466C-97A0-A840450ED047}"/>
-    <dgm:cxn modelId="{9B971D33-635B-4314-86F3-DC48921720B7}" type="presOf" srcId="{CAEAC9FE-7CD5-41B2-A337-6E4A1AA8E41D}" destId="{FC2C4C26-EB23-46B9-B79F-E4E7DFE0BE29}" srcOrd="0" destOrd="5" presId="urn:microsoft.com/office/officeart/2005/8/layout/hList6"/>
+    <dgm:cxn modelId="{9B971D33-635B-4314-86F3-DC48921720B7}" type="presOf" srcId="{CAEAC9FE-7CD5-41B2-A337-6E4A1AA8E41D}" destId="{FC2C4C26-EB23-46B9-B79F-E4E7DFE0BE29}" srcOrd="0" destOrd="4" presId="urn:microsoft.com/office/officeart/2005/8/layout/hList6"/>
     <dgm:cxn modelId="{BEFB0C9F-7479-4CF3-B4DB-3D9D794EAA2B}" type="presOf" srcId="{6A636DEF-416D-4248-8435-9B50B3E9ABFB}" destId="{6B7D2FE9-FA86-4E82-9996-41C9EC07B79C}" srcOrd="0" destOrd="5" presId="urn:microsoft.com/office/officeart/2005/8/layout/hList6"/>
-    <dgm:cxn modelId="{05EDA7B7-391D-4A51-A49B-67662372904A}" type="presOf" srcId="{A52D450C-BC52-46D7-AC56-5DE337EEBFC8}" destId="{FC2C4C26-EB23-46B9-B79F-E4E7DFE0BE29}" srcOrd="0" destOrd="8" presId="urn:microsoft.com/office/officeart/2005/8/layout/hList6"/>
+    <dgm:cxn modelId="{05EDA7B7-391D-4A51-A49B-67662372904A}" type="presOf" srcId="{A52D450C-BC52-46D7-AC56-5DE337EEBFC8}" destId="{FC2C4C26-EB23-46B9-B79F-E4E7DFE0BE29}" srcOrd="0" destOrd="7" presId="urn:microsoft.com/office/officeart/2005/8/layout/hList6"/>
     <dgm:cxn modelId="{BCC2E19D-369A-4E30-A83F-157FF9AF0A11}" srcId="{4FE176F6-3D3F-4513-AD62-0E6413C6F2F4}" destId="{C7B9D09C-46E1-4F07-AD57-64D1B334CAF9}" srcOrd="3" destOrd="0" parTransId="{99A25360-9638-49FE-A260-FA59B19117A1}" sibTransId="{44990EE7-D523-4801-8113-FDBA567C8AC7}"/>
-    <dgm:cxn modelId="{9AB0B63E-A7FB-4BAF-AF42-66AF02ED234E}" type="presOf" srcId="{C37B6AE0-E900-4CF1-A0B5-8A73BA9A691E}" destId="{FC2C4C26-EB23-46B9-B79F-E4E7DFE0BE29}" srcOrd="0" destOrd="4" presId="urn:microsoft.com/office/officeart/2005/8/layout/hList6"/>
+    <dgm:cxn modelId="{9AB0B63E-A7FB-4BAF-AF42-66AF02ED234E}" type="presOf" srcId="{C37B6AE0-E900-4CF1-A0B5-8A73BA9A691E}" destId="{FC2C4C26-EB23-46B9-B79F-E4E7DFE0BE29}" srcOrd="0" destOrd="3" presId="urn:microsoft.com/office/officeart/2005/8/layout/hList6"/>
     <dgm:cxn modelId="{C9B773E1-FD4E-4B41-94B2-1FF3E7B54B5D}" type="presOf" srcId="{DD3199D3-85CF-4CB9-B808-76FF8249DBF4}" destId="{6B7D2FE9-FA86-4E82-9996-41C9EC07B79C}" srcOrd="0" destOrd="1" presId="urn:microsoft.com/office/officeart/2005/8/layout/hList6"/>
-    <dgm:cxn modelId="{879B934A-22F8-4696-8569-966173745F50}" srcId="{014D0DFF-30CB-4E65-B921-34E1E256FD80}" destId="{0A2FDAFD-D3B8-4DAC-BDE9-D84A3884CB87}" srcOrd="2" destOrd="0" parTransId="{6FFC2C10-83B1-40D4-82BE-D4E266A7ED9B}" sibTransId="{1B03E1AE-A43A-4314-A301-5496327A5190}"/>
+    <dgm:cxn modelId="{879B934A-22F8-4696-8569-966173745F50}" srcId="{014D0DFF-30CB-4E65-B921-34E1E256FD80}" destId="{0A2FDAFD-D3B8-4DAC-BDE9-D84A3884CB87}" srcOrd="1" destOrd="0" parTransId="{6FFC2C10-83B1-40D4-82BE-D4E266A7ED9B}" sibTransId="{1B03E1AE-A43A-4314-A301-5496327A5190}"/>
     <dgm:cxn modelId="{5007EC69-FAC5-499E-926F-A8D42BD321B3}" type="presOf" srcId="{952F6261-3782-49D9-82ED-0883EC95C22D}" destId="{FC2C4C26-EB23-46B9-B79F-E4E7DFE0BE29}" srcOrd="0" destOrd="1" presId="urn:microsoft.com/office/officeart/2005/8/layout/hList6"/>
-    <dgm:cxn modelId="{AE44DC2A-6524-46AA-BC11-18E1F016EAA1}" type="presOf" srcId="{1DA2CB1B-16A3-45AB-9BA0-C42D6AE4CED6}" destId="{FC2C4C26-EB23-46B9-B79F-E4E7DFE0BE29}" srcOrd="0" destOrd="2" presId="urn:microsoft.com/office/officeart/2005/8/layout/hList6"/>
     <dgm:cxn modelId="{943D8379-4664-4E9D-8889-EAD36D1EA651}" srcId="{0A2FDAFD-D3B8-4DAC-BDE9-D84A3884CB87}" destId="{7F7905A4-9FAB-4606-BCAB-84CB21AB99BE}" srcOrd="2" destOrd="0" parTransId="{2CE9C7DB-3385-449E-9B4F-4B9960C37830}" sibTransId="{5AAC09D6-B0F2-476C-A591-E3532434ECBF}"/>
     <dgm:cxn modelId="{F04AD110-42E1-41E3-BD19-3438C7FCD439}" type="presOf" srcId="{2BCF9256-BB61-4899-B983-E78981DAE53B}" destId="{6B7D2FE9-FA86-4E82-9996-41C9EC07B79C}" srcOrd="0" destOrd="3" presId="urn:microsoft.com/office/officeart/2005/8/layout/hList6"/>
     <dgm:cxn modelId="{C01EFDED-4491-4EEA-873B-07081CF0B693}" type="presOf" srcId="{6736B3E9-EA62-4CB8-9D33-ABAA0F9690D3}" destId="{D1532D70-591E-4A7E-81AE-3F5D2710928C}" srcOrd="0" destOrd="0" presId="urn:microsoft.com/office/officeart/2005/8/layout/hList6"/>
@@ -6791,13 +6755,12 @@
     <dgm:cxn modelId="{3DAA2395-96EE-433F-B41D-46FFF14C3A83}" srcId="{4FE176F6-3D3F-4513-AD62-0E6413C6F2F4}" destId="{DD3199D3-85CF-4CB9-B808-76FF8249DBF4}" srcOrd="0" destOrd="0" parTransId="{6EBE9555-AB0A-4C80-A20E-45221473AA40}" sibTransId="{C8CAB730-1D42-482B-95EA-B275F1907051}"/>
     <dgm:cxn modelId="{DF53C29D-D07D-42BE-AF95-87A1E8EFDEE4}" srcId="{6736B3E9-EA62-4CB8-9D33-ABAA0F9690D3}" destId="{4FE176F6-3D3F-4513-AD62-0E6413C6F2F4}" srcOrd="1" destOrd="0" parTransId="{3C132818-BB58-45D1-A8DC-A6AC88CBE9D4}" sibTransId="{2AA4B451-00DB-4EA9-A171-34792A9E28F7}"/>
     <dgm:cxn modelId="{E43A78A3-733A-4C10-B236-9452E7BA6F43}" srcId="{4FE176F6-3D3F-4513-AD62-0E6413C6F2F4}" destId="{6A636DEF-416D-4248-8435-9B50B3E9ABFB}" srcOrd="4" destOrd="0" parTransId="{AF6F0A40-99A4-4F87-A7B9-8CD682B78101}" sibTransId="{47B68F00-FC94-4FAD-9AE7-F3784E454F12}"/>
-    <dgm:cxn modelId="{A52B4CF1-6E69-4996-BCFC-9E27BE015620}" type="presOf" srcId="{3E144166-411A-4FDA-9B1B-1E0C900D7A66}" destId="{FC2C4C26-EB23-46B9-B79F-E4E7DFE0BE29}" srcOrd="0" destOrd="7" presId="urn:microsoft.com/office/officeart/2005/8/layout/hList6"/>
-    <dgm:cxn modelId="{F23CF396-0830-4892-BAC1-9550B1056AED}" type="presOf" srcId="{7F7905A4-9FAB-4606-BCAB-84CB21AB99BE}" destId="{FC2C4C26-EB23-46B9-B79F-E4E7DFE0BE29}" srcOrd="0" destOrd="6" presId="urn:microsoft.com/office/officeart/2005/8/layout/hList6"/>
+    <dgm:cxn modelId="{A52B4CF1-6E69-4996-BCFC-9E27BE015620}" type="presOf" srcId="{3E144166-411A-4FDA-9B1B-1E0C900D7A66}" destId="{FC2C4C26-EB23-46B9-B79F-E4E7DFE0BE29}" srcOrd="0" destOrd="6" presId="urn:microsoft.com/office/officeart/2005/8/layout/hList6"/>
+    <dgm:cxn modelId="{F23CF396-0830-4892-BAC1-9550B1056AED}" type="presOf" srcId="{7F7905A4-9FAB-4606-BCAB-84CB21AB99BE}" destId="{FC2C4C26-EB23-46B9-B79F-E4E7DFE0BE29}" srcOrd="0" destOrd="5" presId="urn:microsoft.com/office/officeart/2005/8/layout/hList6"/>
     <dgm:cxn modelId="{19335BB4-8306-43D7-B8D5-7F79D11F6BBB}" srcId="{4FE176F6-3D3F-4513-AD62-0E6413C6F2F4}" destId="{0859826A-618C-423D-A6C6-8B07BD742A63}" srcOrd="1" destOrd="0" parTransId="{5876A7EC-0E40-4248-90AE-8DF3CB3D0956}" sibTransId="{C09A5653-406F-4C6A-932B-3D1759ED5044}"/>
     <dgm:cxn modelId="{51BC1D16-45D5-4F7F-A306-773DD2DF95CF}" type="presOf" srcId="{C7B9D09C-46E1-4F07-AD57-64D1B334CAF9}" destId="{6B7D2FE9-FA86-4E82-9996-41C9EC07B79C}" srcOrd="0" destOrd="4" presId="urn:microsoft.com/office/officeart/2005/8/layout/hList6"/>
     <dgm:cxn modelId="{4E353797-50B2-4EC3-B628-220775C61800}" srcId="{0A2FDAFD-D3B8-4DAC-BDE9-D84A3884CB87}" destId="{3E144166-411A-4FDA-9B1B-1E0C900D7A66}" srcOrd="3" destOrd="0" parTransId="{79FA0F94-6134-43B6-AD36-975CBAE77353}" sibTransId="{3EB117DE-EE39-4856-B011-4731123E9A19}"/>
     <dgm:cxn modelId="{3DDF7569-169F-46F7-90CD-3BBE2142ED1B}" type="presOf" srcId="{014D0DFF-30CB-4E65-B921-34E1E256FD80}" destId="{FC2C4C26-EB23-46B9-B79F-E4E7DFE0BE29}" srcOrd="0" destOrd="0" presId="urn:microsoft.com/office/officeart/2005/8/layout/hList6"/>
-    <dgm:cxn modelId="{87507609-0778-4795-BEB5-C7378F4AB2BB}" srcId="{014D0DFF-30CB-4E65-B921-34E1E256FD80}" destId="{1DA2CB1B-16A3-45AB-9BA0-C42D6AE4CED6}" srcOrd="1" destOrd="0" parTransId="{A7C37F80-C43F-41FA-9571-08C363547198}" sibTransId="{E393B945-3902-4965-A9AD-AE77217C2475}"/>
     <dgm:cxn modelId="{116CE9CB-03DA-42DF-81B0-1D495B5BB8B7}" srcId="{0A2FDAFD-D3B8-4DAC-BDE9-D84A3884CB87}" destId="{A52D450C-BC52-46D7-AC56-5DE337EEBFC8}" srcOrd="4" destOrd="0" parTransId="{C61800CC-7A42-4573-A915-4D429EFBFFFF}" sibTransId="{209012EB-FDDF-4C79-B29D-502CED57312E}"/>
     <dgm:cxn modelId="{2001A8F4-56B5-4120-8623-29DF3259EEF4}" srcId="{0A2FDAFD-D3B8-4DAC-BDE9-D84A3884CB87}" destId="{C37B6AE0-E900-4CF1-A0B5-8A73BA9A691E}" srcOrd="0" destOrd="0" parTransId="{3FB4B754-5F4F-4FEE-9429-E410DD4AE6A4}" sibTransId="{1C2BD251-A0AB-41BF-A67E-7AB23113ECEB}"/>
     <dgm:cxn modelId="{2262BC6F-2964-4987-8484-44A228604247}" type="presOf" srcId="{4FE176F6-3D3F-4513-AD62-0E6413C6F2F4}" destId="{6B7D2FE9-FA86-4E82-9996-41C9EC07B79C}" srcOrd="0" destOrd="0" presId="urn:microsoft.com/office/officeart/2005/8/layout/hList6"/>
@@ -7500,8 +7463,8 @@
     <dgm:cxn modelId="{009F14D6-CA1E-4C51-9A0D-B3F9C1E49D18}" srcId="{8C966F34-B6FE-4951-A5DC-B6B890C24F40}" destId="{3E04EA27-BE6A-44A3-A3D4-2CA4C32FFFF1}" srcOrd="0" destOrd="0" parTransId="{AE75B588-956D-4795-8BBA-14C526926D85}" sibTransId="{95BE6102-EEB0-4432-978E-FF1B073DB7AE}"/>
     <dgm:cxn modelId="{7C45ECE9-8356-43E2-B614-D776DF3DC2DF}" srcId="{393E7F46-B313-4E77-9797-D22D41EC5A03}" destId="{C9CB3786-0DB1-4998-9BFA-7ECC9C5F0DDE}" srcOrd="0" destOrd="0" parTransId="{0E603B5F-E788-4075-9EE8-6B92BD9BB1C6}" sibTransId="{7DBE4023-B152-423B-8602-7781CB8577AE}"/>
     <dgm:cxn modelId="{408049A4-04EC-42E5-AF64-48679D607DD0}" srcId="{3E04EA27-BE6A-44A3-A3D4-2CA4C32FFFF1}" destId="{FF7302D4-DF56-4D05-A039-49D494387244}" srcOrd="0" destOrd="0" parTransId="{D4A43A0A-08CA-47F1-8162-BEC510EB34F5}" sibTransId="{2DF987A6-F136-45BC-97D9-2328C9ACEA14}"/>
+    <dgm:cxn modelId="{730F44F3-0F16-4DC7-94FF-A657B4144452}" type="presOf" srcId="{FF7302D4-DF56-4D05-A039-49D494387244}" destId="{97C6F11A-5991-412B-8918-0D15E3AC825F}" srcOrd="0" destOrd="1" presId="urn:microsoft.com/office/officeart/2005/8/layout/hierarchy3"/>
     <dgm:cxn modelId="{CA8B197C-6DF2-4384-8BED-6C6211A4692F}" type="presOf" srcId="{28182505-8186-4B77-AAED-7D73BD2EC62F}" destId="{59A576FD-DEA1-4973-B0CA-89D07BC9EE75}" srcOrd="0" destOrd="0" presId="urn:microsoft.com/office/officeart/2005/8/layout/hierarchy3"/>
-    <dgm:cxn modelId="{730F44F3-0F16-4DC7-94FF-A657B4144452}" type="presOf" srcId="{FF7302D4-DF56-4D05-A039-49D494387244}" destId="{97C6F11A-5991-412B-8918-0D15E3AC825F}" srcOrd="0" destOrd="1" presId="urn:microsoft.com/office/officeart/2005/8/layout/hierarchy3"/>
     <dgm:cxn modelId="{40756456-B1A5-4647-AF0B-6BC04E8D387D}" type="presParOf" srcId="{2655004E-649B-4D47-A2B9-0F2E94C643CB}" destId="{337FD4D9-A838-445B-9526-C66711C47A35}" srcOrd="0" destOrd="0" presId="urn:microsoft.com/office/officeart/2005/8/layout/hierarchy3"/>
     <dgm:cxn modelId="{BCE4A16B-AB27-4FA4-A6DD-B2C100F4B745}" type="presParOf" srcId="{337FD4D9-A838-445B-9526-C66711C47A35}" destId="{F50E9F67-7CBD-4601-8AA2-A892E09D1946}" srcOrd="0" destOrd="0" presId="urn:microsoft.com/office/officeart/2005/8/layout/hierarchy3"/>
     <dgm:cxn modelId="{4B6627DE-80EB-4875-A1ED-CE6CCC33067C}" type="presParOf" srcId="{F50E9F67-7CBD-4601-8AA2-A892E09D1946}" destId="{1F4999A6-8239-4781-8813-D424C1999DB7}" srcOrd="0" destOrd="0" presId="urn:microsoft.com/office/officeart/2005/8/layout/hierarchy3"/>
@@ -10545,12 +10508,12 @@
         </a:fontRef>
       </dsp:style>
       <dsp:txBody>
-        <a:bodyPr spcFirstLastPara="0" vert="horz" wrap="square" lIns="139700" tIns="0" rIns="139650" bIns="0" numCol="1" spcCol="1270" anchor="t" anchorCtr="0">
+        <a:bodyPr spcFirstLastPara="0" vert="horz" wrap="square" lIns="146050" tIns="0" rIns="147092" bIns="0" numCol="1" spcCol="1270" anchor="t" anchorCtr="0">
           <a:noAutofit/>
         </a:bodyPr>
         <a:lstStyle/>
         <a:p>
-          <a:pPr lvl="0" algn="l" defTabSz="977900">
+          <a:pPr lvl="0" algn="l" defTabSz="1022350">
             <a:lnSpc>
               <a:spcPct val="90000"/>
             </a:lnSpc>
@@ -10562,17 +10525,17 @@
             </a:spcAft>
           </a:pPr>
           <a:r>
-            <a:rPr lang="es-CL" sz="2200" kern="1200" dirty="0" smtClean="0">
+            <a:rPr lang="es-CL" sz="2300" kern="1200" dirty="0" smtClean="0">
               <a:latin typeface="Futura Lt BT"/>
             </a:rPr>
             <a:t>Software</a:t>
           </a:r>
-          <a:endParaRPr lang="es-CL" sz="2200" kern="1200" dirty="0">
+          <a:endParaRPr lang="es-CL" sz="2300" kern="1200" dirty="0">
             <a:latin typeface="Futura Lt BT"/>
           </a:endParaRPr>
         </a:p>
         <a:p>
-          <a:pPr marL="171450" lvl="1" indent="-171450" algn="l" defTabSz="755650">
+          <a:pPr marL="171450" lvl="1" indent="-171450" algn="l" defTabSz="800100">
             <a:lnSpc>
               <a:spcPct val="90000"/>
             </a:lnSpc>
@@ -10585,17 +10548,23 @@
             <a:buChar char="••"/>
           </a:pPr>
           <a:r>
-            <a:rPr lang="es-CL" sz="1700" kern="1200" dirty="0" smtClean="0">
+            <a:rPr lang="es-CL" sz="1800" kern="1200" dirty="0" smtClean="0">
               <a:latin typeface="Futura Lt BT"/>
             </a:rPr>
-            <a:t>Windows XP o superior,</a:t>
+            <a:t>Windows XP o </a:t>
           </a:r>
-          <a:endParaRPr lang="es-CL" sz="1700" kern="1200" dirty="0">
+          <a:r>
+            <a:rPr lang="es-CL" sz="1800" kern="1200" dirty="0" smtClean="0">
+              <a:latin typeface="Futura Lt BT"/>
+            </a:rPr>
+            <a:t>superior, o distribución Linux con ambiente grafico</a:t>
+          </a:r>
+          <a:endParaRPr lang="es-CL" sz="1800" kern="1200" dirty="0">
             <a:latin typeface="Futura Lt BT"/>
           </a:endParaRPr>
         </a:p>
         <a:p>
-          <a:pPr marL="171450" lvl="1" indent="-171450" algn="l" defTabSz="755650">
+          <a:pPr marL="171450" lvl="1" indent="-171450" algn="l" defTabSz="800100">
             <a:lnSpc>
               <a:spcPct val="90000"/>
             </a:lnSpc>
@@ -10608,17 +10577,17 @@
             <a:buChar char="••"/>
           </a:pPr>
           <a:r>
-            <a:rPr lang="es-CL" sz="1700" kern="1200" dirty="0" smtClean="0">
+            <a:rPr lang="es-CL" sz="1800" kern="1200" dirty="0" smtClean="0">
               <a:latin typeface="Futura Lt BT"/>
             </a:rPr>
-            <a:t>Mac OS o distribución Linux con ambiente grafico</a:t>
+            <a:t>Browser Compatible</a:t>
           </a:r>
-          <a:endParaRPr lang="es-CL" sz="1700" kern="1200" dirty="0">
+          <a:endParaRPr lang="es-CL" sz="1800" kern="1200" dirty="0">
             <a:latin typeface="Futura Lt BT"/>
           </a:endParaRPr>
         </a:p>
         <a:p>
-          <a:pPr marL="171450" lvl="1" indent="-171450" algn="l" defTabSz="755650">
+          <a:pPr marL="342900" lvl="2" indent="-171450" algn="l" defTabSz="800100">
             <a:lnSpc>
               <a:spcPct val="90000"/>
             </a:lnSpc>
@@ -10631,17 +10600,17 @@
             <a:buChar char="••"/>
           </a:pPr>
           <a:r>
-            <a:rPr lang="es-CL" sz="1700" kern="1200" dirty="0" smtClean="0">
+            <a:rPr lang="es-CL" sz="1800" kern="1200" dirty="0" smtClean="0">
               <a:latin typeface="Futura Lt BT"/>
             </a:rPr>
-            <a:t>Browser Compatible</a:t>
+            <a:t>Firefox 3</a:t>
           </a:r>
-          <a:endParaRPr lang="es-CL" sz="1700" kern="1200" dirty="0">
+          <a:endParaRPr lang="es-CL" sz="1800" kern="1200" dirty="0">
             <a:latin typeface="Futura Lt BT"/>
           </a:endParaRPr>
         </a:p>
         <a:p>
-          <a:pPr marL="342900" lvl="2" indent="-171450" algn="l" defTabSz="755650">
+          <a:pPr marL="342900" lvl="2" indent="-171450" algn="l" defTabSz="800100">
             <a:lnSpc>
               <a:spcPct val="90000"/>
             </a:lnSpc>
@@ -10654,17 +10623,17 @@
             <a:buChar char="••"/>
           </a:pPr>
           <a:r>
-            <a:rPr lang="es-CL" sz="1700" kern="1200" dirty="0" smtClean="0">
+            <a:rPr lang="es-CL" sz="1800" kern="1200" dirty="0" smtClean="0">
               <a:latin typeface="Futura Lt BT"/>
             </a:rPr>
-            <a:t>Firefox 3</a:t>
+            <a:t>Chrome 3</a:t>
           </a:r>
-          <a:endParaRPr lang="es-CL" sz="1700" kern="1200" dirty="0">
+          <a:endParaRPr lang="es-CL" sz="1800" kern="1200" dirty="0">
             <a:latin typeface="Futura Lt BT"/>
           </a:endParaRPr>
         </a:p>
         <a:p>
-          <a:pPr marL="342900" lvl="2" indent="-171450" algn="l" defTabSz="755650">
+          <a:pPr marL="342900" lvl="2" indent="-171450" algn="l" defTabSz="800100">
             <a:lnSpc>
               <a:spcPct val="90000"/>
             </a:lnSpc>
@@ -10677,17 +10646,17 @@
             <a:buChar char="••"/>
           </a:pPr>
           <a:r>
-            <a:rPr lang="es-CL" sz="1700" kern="1200" dirty="0" smtClean="0">
+            <a:rPr lang="es-CL" sz="1800" kern="1200" dirty="0" smtClean="0">
               <a:latin typeface="Futura Lt BT"/>
             </a:rPr>
-            <a:t>Chrome 3</a:t>
+            <a:t>Safari 3</a:t>
           </a:r>
-          <a:endParaRPr lang="es-CL" sz="1700" kern="1200" dirty="0">
+          <a:endParaRPr lang="es-CL" sz="1800" kern="1200" dirty="0">
             <a:latin typeface="Futura Lt BT"/>
           </a:endParaRPr>
         </a:p>
         <a:p>
-          <a:pPr marL="342900" lvl="2" indent="-171450" algn="l" defTabSz="755650">
+          <a:pPr marL="342900" lvl="2" indent="-171450" algn="l" defTabSz="800100">
             <a:lnSpc>
               <a:spcPct val="90000"/>
             </a:lnSpc>
@@ -10700,17 +10669,17 @@
             <a:buChar char="••"/>
           </a:pPr>
           <a:r>
-            <a:rPr lang="es-CL" sz="1700" kern="1200" dirty="0" smtClean="0">
+            <a:rPr lang="es-CL" sz="1800" kern="1200" dirty="0" smtClean="0">
               <a:latin typeface="Futura Lt BT"/>
             </a:rPr>
-            <a:t>Safari 3</a:t>
+            <a:t>Opera 10</a:t>
           </a:r>
-          <a:endParaRPr lang="es-CL" sz="1700" kern="1200" dirty="0">
+          <a:endParaRPr lang="es-CL" sz="1800" kern="1200" dirty="0">
             <a:latin typeface="Futura Lt BT"/>
           </a:endParaRPr>
         </a:p>
         <a:p>
-          <a:pPr marL="342900" lvl="2" indent="-171450" algn="l" defTabSz="755650">
+          <a:pPr marL="342900" lvl="2" indent="-171450" algn="l" defTabSz="800100">
             <a:lnSpc>
               <a:spcPct val="90000"/>
             </a:lnSpc>
@@ -10723,35 +10692,12 @@
             <a:buChar char="••"/>
           </a:pPr>
           <a:r>
-            <a:rPr lang="es-CL" sz="1700" kern="1200" dirty="0" smtClean="0">
-              <a:latin typeface="Futura Lt BT"/>
-            </a:rPr>
-            <a:t>Opera 10</a:t>
-          </a:r>
-          <a:endParaRPr lang="es-CL" sz="1700" kern="1200" dirty="0">
-            <a:latin typeface="Futura Lt BT"/>
-          </a:endParaRPr>
-        </a:p>
-        <a:p>
-          <a:pPr marL="342900" lvl="2" indent="-171450" algn="l" defTabSz="755650">
-            <a:lnSpc>
-              <a:spcPct val="90000"/>
-            </a:lnSpc>
-            <a:spcBef>
-              <a:spcPct val="0"/>
-            </a:spcBef>
-            <a:spcAft>
-              <a:spcPct val="15000"/>
-            </a:spcAft>
-            <a:buChar char="••"/>
-          </a:pPr>
-          <a:r>
-            <a:rPr lang="es-CL" sz="1700" kern="1200" dirty="0" smtClean="0">
+            <a:rPr lang="es-CL" sz="1800" kern="1200" dirty="0" smtClean="0">
               <a:latin typeface="Futura Lt BT"/>
             </a:rPr>
             <a:t>Internet Explorer 7 u 8</a:t>
           </a:r>
-          <a:endParaRPr lang="es-CL" sz="1700" kern="1200" dirty="0">
+          <a:endParaRPr lang="es-CL" sz="1800" kern="1200" dirty="0">
             <a:latin typeface="Futura Lt BT"/>
           </a:endParaRPr>
         </a:p>
@@ -10835,12 +10781,12 @@
         </a:fontRef>
       </dsp:style>
       <dsp:txBody>
-        <a:bodyPr spcFirstLastPara="0" vert="horz" wrap="square" lIns="139700" tIns="0" rIns="139650" bIns="0" numCol="1" spcCol="1270" anchor="t" anchorCtr="0">
+        <a:bodyPr spcFirstLastPara="0" vert="horz" wrap="square" lIns="146050" tIns="0" rIns="147092" bIns="0" numCol="1" spcCol="1270" anchor="t" anchorCtr="0">
           <a:noAutofit/>
         </a:bodyPr>
         <a:lstStyle/>
         <a:p>
-          <a:pPr lvl="0" algn="l" defTabSz="977900">
+          <a:pPr lvl="0" algn="l" defTabSz="1022350">
             <a:lnSpc>
               <a:spcPct val="90000"/>
             </a:lnSpc>
@@ -10852,17 +10798,17 @@
             </a:spcAft>
           </a:pPr>
           <a:r>
-            <a:rPr lang="es-CL" sz="2200" kern="1200" dirty="0" smtClean="0">
+            <a:rPr lang="es-CL" sz="2300" kern="1200" dirty="0" smtClean="0">
               <a:latin typeface="Futura Lt BT"/>
             </a:rPr>
             <a:t>Hardware</a:t>
           </a:r>
-          <a:endParaRPr lang="es-CL" sz="2200" kern="1200" dirty="0">
+          <a:endParaRPr lang="es-CL" sz="2300" kern="1200" dirty="0">
             <a:latin typeface="Futura Lt BT"/>
           </a:endParaRPr>
         </a:p>
         <a:p>
-          <a:pPr marL="171450" lvl="1" indent="-171450" algn="l" defTabSz="755650">
+          <a:pPr marL="171450" lvl="1" indent="-171450" algn="l" defTabSz="800100">
             <a:lnSpc>
               <a:spcPct val="90000"/>
             </a:lnSpc>
@@ -10875,17 +10821,17 @@
             <a:buChar char="••"/>
           </a:pPr>
           <a:r>
-            <a:rPr lang="es-CL" sz="1700" kern="1200" dirty="0" smtClean="0">
+            <a:rPr lang="es-CL" sz="1800" kern="1200" dirty="0" smtClean="0">
               <a:latin typeface="Futura Lt BT"/>
             </a:rPr>
             <a:t>Procesador Celeron 1.8 GHz</a:t>
           </a:r>
-          <a:endParaRPr lang="es-CL" sz="1700" kern="1200" dirty="0">
+          <a:endParaRPr lang="es-CL" sz="1800" kern="1200" dirty="0">
             <a:latin typeface="Futura Lt BT"/>
           </a:endParaRPr>
         </a:p>
         <a:p>
-          <a:pPr marL="171450" lvl="1" indent="-171450" algn="l" defTabSz="755650">
+          <a:pPr marL="171450" lvl="1" indent="-171450" algn="l" defTabSz="800100">
             <a:lnSpc>
               <a:spcPct val="90000"/>
             </a:lnSpc>
@@ -10898,17 +10844,17 @@
             <a:buChar char="••"/>
           </a:pPr>
           <a:r>
-            <a:rPr lang="es-CL" sz="1700" kern="1200" dirty="0" smtClean="0">
+            <a:rPr lang="es-CL" sz="1800" kern="1200" dirty="0" smtClean="0">
               <a:latin typeface="Futura Lt BT"/>
             </a:rPr>
             <a:t>1 GB Memoria RAM</a:t>
           </a:r>
-          <a:endParaRPr lang="es-CL" sz="1700" kern="1200" dirty="0">
+          <a:endParaRPr lang="es-CL" sz="1800" kern="1200" dirty="0">
             <a:latin typeface="Futura Lt BT"/>
           </a:endParaRPr>
         </a:p>
         <a:p>
-          <a:pPr marL="171450" lvl="1" indent="-171450" algn="l" defTabSz="755650">
+          <a:pPr marL="171450" lvl="1" indent="-171450" algn="l" defTabSz="800100">
             <a:lnSpc>
               <a:spcPct val="90000"/>
             </a:lnSpc>
@@ -10921,17 +10867,17 @@
             <a:buChar char="••"/>
           </a:pPr>
           <a:r>
-            <a:rPr lang="es-CL" sz="1700" kern="1200" dirty="0" smtClean="0">
+            <a:rPr lang="es-CL" sz="1800" kern="1200" dirty="0" smtClean="0">
               <a:latin typeface="Futura Lt BT"/>
             </a:rPr>
             <a:t>Disco duro de 160 GB</a:t>
           </a:r>
-          <a:endParaRPr lang="es-CL" sz="1700" kern="1200" dirty="0">
+          <a:endParaRPr lang="es-CL" sz="1800" kern="1200" dirty="0">
             <a:latin typeface="Futura Lt BT"/>
           </a:endParaRPr>
         </a:p>
         <a:p>
-          <a:pPr marL="171450" lvl="1" indent="-171450" algn="l" defTabSz="755650">
+          <a:pPr marL="171450" lvl="1" indent="-171450" algn="l" defTabSz="800100">
             <a:lnSpc>
               <a:spcPct val="90000"/>
             </a:lnSpc>
@@ -10944,17 +10890,17 @@
             <a:buChar char="••"/>
           </a:pPr>
           <a:r>
-            <a:rPr lang="es-CL" sz="1700" kern="1200" dirty="0" smtClean="0">
+            <a:rPr lang="es-CL" sz="1800" kern="1200" dirty="0" smtClean="0">
               <a:latin typeface="Futura Lt BT"/>
             </a:rPr>
             <a:t>Tarjeta Red 10/100 Mbps</a:t>
           </a:r>
-          <a:endParaRPr lang="es-CL" sz="1700" kern="1200" dirty="0">
+          <a:endParaRPr lang="es-CL" sz="1800" kern="1200" dirty="0">
             <a:latin typeface="Futura Lt BT"/>
           </a:endParaRPr>
         </a:p>
         <a:p>
-          <a:pPr marL="171450" lvl="1" indent="-171450" algn="l" defTabSz="755650">
+          <a:pPr marL="171450" lvl="1" indent="-171450" algn="l" defTabSz="800100">
             <a:lnSpc>
               <a:spcPct val="90000"/>
             </a:lnSpc>
@@ -10967,12 +10913,12 @@
             <a:buChar char="••"/>
           </a:pPr>
           <a:r>
-            <a:rPr lang="es-CL" sz="1700" kern="1200" dirty="0" smtClean="0">
+            <a:rPr lang="es-CL" sz="1800" kern="1200" dirty="0" smtClean="0">
               <a:latin typeface="Futura Lt BT"/>
             </a:rPr>
             <a:t>Tarjeta de Video con resolución de 1024x768</a:t>
           </a:r>
-          <a:endParaRPr lang="es-CL" sz="1700" kern="1200" dirty="0">
+          <a:endParaRPr lang="es-CL" sz="1800" kern="1200" dirty="0">
             <a:latin typeface="Futura Lt BT"/>
           </a:endParaRPr>
         </a:p>
@@ -23419,7 +23365,7 @@
         <p:spPr/>
         <p:txBody>
           <a:bodyPr>
-            <a:normAutofit/>
+            <a:normAutofit lnSpcReduction="10000"/>
           </a:bodyPr>
           <a:lstStyle/>
           <a:p>
@@ -24744,7 +24690,11 @@
           </a:bodyPr>
           <a:lstStyle/>
           <a:p>
-            <a:endParaRPr lang="es-CL"/>
+            <a:r>
+              <a:rPr lang="es-CL" b="1" dirty="0" smtClean="0"/>
+              <a:t>RUMINA</a:t>
+            </a:r>
+            <a:endParaRPr lang="es-CL" b="1" dirty="0"/>
           </a:p>
         </p:txBody>
       </p:sp>
@@ -24918,7 +24868,11 @@
           </a:bodyPr>
           <a:lstStyle/>
           <a:p>
-            <a:endParaRPr lang="es-CL"/>
+            <a:r>
+              <a:rPr lang="es-CL" b="1" dirty="0" smtClean="0"/>
+              <a:t>SEBASTIAN</a:t>
+            </a:r>
+            <a:endParaRPr lang="es-CL" b="1" dirty="0"/>
           </a:p>
         </p:txBody>
       </p:sp>
@@ -25005,7 +24959,11 @@
           </a:bodyPr>
           <a:lstStyle/>
           <a:p>
-            <a:endParaRPr lang="es-CL"/>
+            <a:r>
+              <a:rPr lang="es-CL" b="1" dirty="0" smtClean="0"/>
+              <a:t>RUMINA</a:t>
+            </a:r>
+            <a:endParaRPr lang="es-CL" b="1" dirty="0"/>
           </a:p>
         </p:txBody>
       </p:sp>
@@ -25092,7 +25050,11 @@
           </a:bodyPr>
           <a:lstStyle/>
           <a:p>
-            <a:endParaRPr lang="es-CL"/>
+            <a:r>
+              <a:rPr lang="es-CL" b="1" dirty="0" smtClean="0"/>
+              <a:t>SEBASTIAN</a:t>
+            </a:r>
+            <a:endParaRPr lang="es-CL" b="1" dirty="0"/>
           </a:p>
         </p:txBody>
       </p:sp>
@@ -25179,7 +25141,11 @@
           </a:bodyPr>
           <a:lstStyle/>
           <a:p>
-            <a:endParaRPr lang="es-CL"/>
+            <a:r>
+              <a:rPr lang="es-CL" b="1" dirty="0" smtClean="0"/>
+              <a:t>SEBASTIAN</a:t>
+            </a:r>
+            <a:endParaRPr lang="es-CL" b="1" dirty="0"/>
           </a:p>
         </p:txBody>
       </p:sp>
@@ -25743,6 +25709,16 @@
             </a:r>
           </a:p>
           <a:p>
+            <a:endParaRPr lang="es-CL" sz="1200" kern="1200" dirty="0" smtClean="0">
+              <a:solidFill>
+                <a:schemeClr val="tx1"/>
+              </a:solidFill>
+              <a:latin typeface="Times New Roman" pitchFamily="18" charset="0"/>
+              <a:ea typeface="+mn-ea"/>
+              <a:cs typeface="+mn-cs"/>
+            </a:endParaRPr>
+          </a:p>
+          <a:p>
             <a:r>
               <a:rPr lang="es-CL" sz="1200" kern="1200" dirty="0" smtClean="0">
                 <a:solidFill>
@@ -25752,7 +25728,40 @@
                 <a:ea typeface="+mn-ea"/>
                 <a:cs typeface="+mn-cs"/>
               </a:rPr>
-              <a:t>Con todos los datos explicados anteriormente haces de este tipo de empresa un potencial mercado donde se puede comercializar este producto de software, según esto lo convierte en la principal motivación de este proyecto.</a:t>
+              <a:t>Finalmente</a:t>
+            </a:r>
+            <a:r>
+              <a:rPr lang="es-CL" sz="1200" kern="1200" baseline="0" dirty="0" smtClean="0">
+                <a:solidFill>
+                  <a:schemeClr val="tx1"/>
+                </a:solidFill>
+                <a:latin typeface="Times New Roman" pitchFamily="18" charset="0"/>
+                <a:ea typeface="+mn-ea"/>
+                <a:cs typeface="+mn-cs"/>
+              </a:rPr>
+              <a:t> con las información de las empresas del rubro y los estudios realizados se puede decir que es un potencial mercado para una solución tecnológica, por lo tanto esta es la principal </a:t>
+            </a:r>
+            <a:r>
+              <a:rPr lang="es-CL" sz="1200" kern="1200" dirty="0" smtClean="0">
+                <a:solidFill>
+                  <a:schemeClr val="tx1"/>
+                </a:solidFill>
+                <a:latin typeface="Times New Roman" pitchFamily="18" charset="0"/>
+                <a:ea typeface="+mn-ea"/>
+                <a:cs typeface="+mn-cs"/>
+              </a:rPr>
+              <a:t>motivación para este </a:t>
+            </a:r>
+            <a:r>
+              <a:rPr lang="es-CL" sz="1200" kern="1200" dirty="0" smtClean="0">
+                <a:solidFill>
+                  <a:schemeClr val="tx1"/>
+                </a:solidFill>
+                <a:latin typeface="Times New Roman" pitchFamily="18" charset="0"/>
+                <a:ea typeface="+mn-ea"/>
+                <a:cs typeface="+mn-cs"/>
+              </a:rPr>
+              <a:t>proyecto.</a:t>
             </a:r>
           </a:p>
           <a:p>
@@ -26829,7 +26838,7 @@
   <p:clrMapOvr>
     <a:masterClrMapping/>
   </p:clrMapOvr>
-  <p:transition/>
+  <p:transition advTm="2782"/>
 </p:sldLayout>
 </file>
 
@@ -27021,7 +27030,7 @@
   <p:clrMapOvr>
     <a:masterClrMapping/>
   </p:clrMapOvr>
-  <p:transition/>
+  <p:transition advTm="2782"/>
 </p:sldLayout>
 </file>
 
@@ -27223,7 +27232,7 @@
   <p:clrMapOvr>
     <a:masterClrMapping/>
   </p:clrMapOvr>
-  <p:transition/>
+  <p:transition advTm="2782"/>
 </p:sldLayout>
 </file>
 
@@ -27393,7 +27402,7 @@
   <p:clrMapOvr>
     <a:masterClrMapping/>
   </p:clrMapOvr>
-  <p:transition/>
+  <p:transition advTm="2782"/>
 </p:sldLayout>
 </file>
 
@@ -27585,7 +27594,7 @@
   <p:clrMapOvr>
     <a:masterClrMapping/>
   </p:clrMapOvr>
-  <p:transition/>
+  <p:transition advTm="2782"/>
 </p:sldLayout>
 </file>
 
@@ -27799,7 +27808,7 @@
   <p:clrMapOvr>
     <a:masterClrMapping/>
   </p:clrMapOvr>
-  <p:transition/>
+  <p:transition advTm="2782"/>
 </p:sldLayout>
 </file>
 
@@ -28109,7 +28118,7 @@
   <p:clrMapOvr>
     <a:masterClrMapping/>
   </p:clrMapOvr>
-  <p:transition/>
+  <p:transition advTm="2782"/>
 </p:sldLayout>
 </file>
 
@@ -28558,7 +28567,7 @@
   <p:clrMapOvr>
     <a:masterClrMapping/>
   </p:clrMapOvr>
-  <p:transition/>
+  <p:transition advTm="2782"/>
 </p:sldLayout>
 </file>
 
@@ -28698,7 +28707,7 @@
   <p:clrMapOvr>
     <a:masterClrMapping/>
   </p:clrMapOvr>
-  <p:transition/>
+  <p:transition advTm="2782"/>
 </p:sldLayout>
 </file>
 
@@ -28815,7 +28824,7 @@
   <p:clrMapOvr>
     <a:masterClrMapping/>
   </p:clrMapOvr>
-  <p:transition/>
+  <p:transition advTm="2782"/>
 </p:sldLayout>
 </file>
 
@@ -29114,7 +29123,7 @@
   <p:clrMapOvr>
     <a:masterClrMapping/>
   </p:clrMapOvr>
-  <p:transition/>
+  <p:transition advTm="2782"/>
 </p:sldLayout>
 </file>
 
@@ -29390,7 +29399,7 @@
   <p:clrMapOvr>
     <a:masterClrMapping/>
   </p:clrMapOvr>
-  <p:transition/>
+  <p:transition advTm="2782"/>
 </p:sldLayout>
 </file>
 
@@ -29697,7 +29706,7 @@
     <p:sldLayoutId id="2147483659" r:id="rId11"/>
     <p:sldLayoutId id="2147483660" r:id="rId12"/>
   </p:sldLayoutIdLst>
-  <p:transition/>
+  <p:transition advTm="2782"/>
   <p:txStyles>
     <p:titleStyle>
       <a:lvl1pPr algn="ctr" rtl="0" eaLnBrk="0" fontAlgn="base" hangingPunct="0">
@@ -30569,7 +30578,7 @@
   <p:clrMapOvr>
     <a:masterClrMapping/>
   </p:clrMapOvr>
-  <p:transition/>
+  <p:transition advTm="2782"/>
   <p:timing>
     <p:tnLst>
       <p:par>
@@ -30814,7 +30823,7 @@
   <p:clrMapOvr>
     <a:masterClrMapping/>
   </p:clrMapOvr>
-  <p:transition/>
+  <p:transition advTm="2782"/>
   <p:timing>
     <p:tnLst>
       <p:par>
@@ -31052,7 +31061,7 @@
   <p:clrMapOvr>
     <a:masterClrMapping/>
   </p:clrMapOvr>
-  <p:transition/>
+  <p:transition advTm="2782"/>
   <p:timing>
     <p:tnLst>
       <p:par>
@@ -31275,7 +31284,7 @@
   <p:clrMapOvr>
     <a:masterClrMapping/>
   </p:clrMapOvr>
-  <p:transition/>
+  <p:transition advTm="2782"/>
   <p:timing>
     <p:tnLst>
       <p:par>
@@ -31506,7 +31515,7 @@
   <p:clrMapOvr>
     <a:masterClrMapping/>
   </p:clrMapOvr>
-  <p:transition/>
+  <p:transition advTm="2782"/>
   <p:timing>
     <p:tnLst>
       <p:par>
@@ -31774,7 +31783,7 @@
   <p:clrMapOvr>
     <a:masterClrMapping/>
   </p:clrMapOvr>
-  <p:transition/>
+  <p:transition advTm="2782"/>
   <p:timing>
     <p:tnLst>
       <p:par>
@@ -31831,11 +31840,7 @@
             <a:pPr lvl="1"/>
             <a:r>
               <a:rPr lang="es-CL" sz="2000" dirty="0" smtClean="0"/>
-              <a:t>Proyecto a </a:t>
-            </a:r>
-            <a:r>
-              <a:rPr lang="es-CL" sz="2000" dirty="0" smtClean="0"/>
-              <a:t>5 años </a:t>
+              <a:t>Proyecto a 5 años </a:t>
             </a:r>
           </a:p>
           <a:p>
@@ -31849,36 +31854,23 @@
             <a:pPr lvl="1"/>
             <a:r>
               <a:rPr lang="es-CL" sz="2000" dirty="0" smtClean="0"/>
-              <a:t>El proyecto abarcara el 5% del mercado de los servicios técnicos electrónicos</a:t>
+              <a:t>El proyecto abarcara el 5% del mercado de los servicios técnicos electrónicos. Esto quiere decir 3 </a:t>
             </a:r>
             <a:r>
               <a:rPr lang="es-CL" sz="2000" dirty="0" smtClean="0"/>
-              <a:t>. Esto quiere decir 3 empresas el primer año.</a:t>
+              <a:t>empresas cliente </a:t>
+            </a:r>
+            <a:r>
+              <a:rPr lang="es-CL" sz="2000" dirty="0" smtClean="0"/>
+              <a:t>el primer año.</a:t>
             </a:r>
           </a:p>
           <a:p>
             <a:pPr lvl="1"/>
             <a:r>
               <a:rPr lang="es-CL" sz="2000" dirty="0" smtClean="0"/>
-              <a:t>Con </a:t>
+              <a:t>Con un financiamiento del 70% y una tasa de descuento del 12%</a:t>
             </a:r>
-            <a:r>
-              <a:rPr lang="es-CL" sz="2000" dirty="0" smtClean="0"/>
-              <a:t>un financiamiento del 70% </a:t>
-            </a:r>
-            <a:r>
-              <a:rPr lang="es-CL" sz="2000" dirty="0" smtClean="0"/>
-              <a:t>y </a:t>
-            </a:r>
-            <a:r>
-              <a:rPr lang="es-CL" sz="2000" dirty="0" smtClean="0"/>
-              <a:t>una tasa de descuento del 12</a:t>
-            </a:r>
-            <a:r>
-              <a:rPr lang="es-CL" sz="2000" dirty="0" smtClean="0"/>
-              <a:t>%</a:t>
-            </a:r>
-            <a:endParaRPr lang="es-CL" sz="2000" dirty="0" smtClean="0"/>
           </a:p>
           <a:p>
             <a:pPr lvl="1"/>
@@ -32038,7 +32030,7 @@
   <p:clrMapOvr>
     <a:masterClrMapping/>
   </p:clrMapOvr>
-  <p:transition/>
+  <p:transition advTm="2782"/>
   <p:timing>
     <p:tnLst>
       <p:par>
@@ -32699,7 +32691,7 @@
   <p:clrMapOvr>
     <a:masterClrMapping/>
   </p:clrMapOvr>
-  <p:transition/>
+  <p:transition advTm="2782"/>
   <p:timing>
     <p:tnLst>
       <p:par>
@@ -32931,7 +32923,7 @@
   <p:clrMapOvr>
     <a:masterClrMapping/>
   </p:clrMapOvr>
-  <p:transition/>
+  <p:transition advTm="2782"/>
   <p:timing>
     <p:tnLst>
       <p:par>
@@ -33071,7 +33063,7 @@
   <p:clrMapOvr>
     <a:masterClrMapping/>
   </p:clrMapOvr>
-  <p:transition/>
+  <p:transition advTm="2782"/>
   <p:timing>
     <p:tnLst>
       <p:par>
@@ -33315,7 +33307,7 @@
   <p:clrMapOvr>
     <a:masterClrMapping/>
   </p:clrMapOvr>
-  <p:transition/>
+  <p:transition advTm="2782"/>
   <p:timing>
     <p:tnLst>
       <p:par>
@@ -33498,7 +33490,7 @@
   <p:clrMapOvr>
     <a:masterClrMapping/>
   </p:clrMapOvr>
-  <p:transition/>
+  <p:transition advTm="2782"/>
   <p:timing>
     <p:tnLst>
       <p:par>
@@ -33667,7 +33659,7 @@
   <p:clrMapOvr>
     <a:masterClrMapping/>
   </p:clrMapOvr>
-  <p:transition/>
+  <p:transition advTm="2782"/>
   <p:timing>
     <p:tnLst>
       <p:par>
@@ -33904,7 +33896,7 @@
   <p:clrMapOvr>
     <a:masterClrMapping/>
   </p:clrMapOvr>
-  <p:transition/>
+  <p:transition advTm="2782"/>
   <p:timing>
     <p:tnLst>
       <p:par>
@@ -34056,7 +34048,7 @@
   <p:clrMapOvr>
     <a:masterClrMapping/>
   </p:clrMapOvr>
-  <p:transition/>
+  <p:transition advTm="2782"/>
   <p:timing>
     <p:tnLst>
       <p:par>
@@ -34092,7 +34084,7 @@
   <p:clrMapOvr>
     <a:masterClrMapping/>
   </p:clrMapOvr>
-  <p:transition/>
+  <p:transition advTm="2782"/>
   <p:timing>
     <p:tnLst>
       <p:par>
@@ -34242,7 +34234,7 @@
   <p:clrMapOvr>
     <a:masterClrMapping/>
   </p:clrMapOvr>
-  <p:transition/>
+  <p:transition advTm="2782"/>
   <p:timing>
     <p:tnLst>
       <p:par>
@@ -34278,7 +34270,7 @@
   <p:clrMapOvr>
     <a:masterClrMapping/>
   </p:clrMapOvr>
-  <p:transition/>
+  <p:transition advTm="2782"/>
   <p:timing>
     <p:tnLst>
       <p:par>
@@ -34428,7 +34420,7 @@
   <p:clrMapOvr>
     <a:masterClrMapping/>
   </p:clrMapOvr>
-  <p:transition/>
+  <p:transition advTm="2782"/>
   <p:timing>
     <p:tnLst>
       <p:par>
@@ -34464,7 +34456,7 @@
   <p:clrMapOvr>
     <a:masterClrMapping/>
   </p:clrMapOvr>
-  <p:transition/>
+  <p:transition advTm="2782"/>
   <p:timing>
     <p:tnLst>
       <p:par>
@@ -34614,7 +34606,7 @@
   <p:clrMapOvr>
     <a:masterClrMapping/>
   </p:clrMapOvr>
-  <p:transition/>
+  <p:transition advTm="2782"/>
   <p:timing>
     <p:tnLst>
       <p:par>
@@ -34804,7 +34796,7 @@
   <p:clrMapOvr>
     <a:masterClrMapping/>
   </p:clrMapOvr>
-  <p:transition/>
+  <p:transition advTm="2782"/>
   <p:timing>
     <p:tnLst>
       <p:par>
@@ -34840,7 +34832,7 @@
   <p:clrMapOvr>
     <a:masterClrMapping/>
   </p:clrMapOvr>
-  <p:transition/>
+  <p:transition advTm="2782"/>
   <p:timing>
     <p:tnLst>
       <p:par>
@@ -34990,7 +34982,7 @@
   <p:clrMapOvr>
     <a:masterClrMapping/>
   </p:clrMapOvr>
-  <p:transition/>
+  <p:transition advTm="2782"/>
   <p:timing>
     <p:tnLst>
       <p:par>
@@ -35026,7 +35018,7 @@
   <p:clrMapOvr>
     <a:masterClrMapping/>
   </p:clrMapOvr>
-  <p:transition/>
+  <p:transition advTm="2782"/>
   <p:timing>
     <p:tnLst>
       <p:par>
@@ -35221,7 +35213,7 @@
   <p:clrMapOvr>
     <a:masterClrMapping/>
   </p:clrMapOvr>
-  <p:transition/>
+  <p:transition advTm="2782"/>
   <p:timing>
     <p:tnLst>
       <p:par>
@@ -35397,7 +35389,7 @@
   <p:clrMapOvr>
     <a:masterClrMapping/>
   </p:clrMapOvr>
-  <p:transition/>
+  <p:transition advTm="2782"/>
   <p:timing>
     <p:tnLst>
       <p:par>
@@ -35916,7 +35908,7 @@
   <p:clrMapOvr>
     <a:masterClrMapping/>
   </p:clrMapOvr>
-  <p:transition/>
+  <p:transition advTm="2782"/>
   <p:timing>
     <p:tnLst>
       <p:par>
@@ -36146,7 +36138,7 @@
   <p:clrMapOvr>
     <a:masterClrMapping/>
   </p:clrMapOvr>
-  <p:transition/>
+  <p:transition advTm="2782"/>
   <p:timing>
     <p:tnLst>
       <p:par>
@@ -36338,7 +36330,7 @@
   <p:clrMapOvr>
     <a:masterClrMapping/>
   </p:clrMapOvr>
-  <p:transition/>
+  <p:transition advTm="2782"/>
   <p:timing>
     <p:tnLst>
       <p:par>
@@ -36548,7 +36540,7 @@
   <p:clrMapOvr>
     <a:masterClrMapping/>
   </p:clrMapOvr>
-  <p:transition/>
+  <p:transition advTm="2782"/>
   <p:timing>
     <p:tnLst>
       <p:par>
@@ -36714,8 +36706,21 @@
           <a:p>
             <a:r>
               <a:rPr lang="es-CL" dirty="0" smtClean="0"/>
-              <a:t>Tiempo de entrega  es extenso y los plazo se extienden.</a:t>
+              <a:t>Tiempo de entrega  es extenso y los </a:t>
             </a:r>
+            <a:r>
+              <a:rPr lang="es-CL" dirty="0" smtClean="0"/>
+              <a:t>plazos </a:t>
+            </a:r>
+            <a:r>
+              <a:rPr lang="es-CL" dirty="0" smtClean="0"/>
+              <a:t>tienden a extenderse</a:t>
+            </a:r>
+            <a:r>
+              <a:rPr lang="es-CL" dirty="0" smtClean="0"/>
+              <a:t>.</a:t>
+            </a:r>
+            <a:endParaRPr lang="es-CL" dirty="0" smtClean="0"/>
           </a:p>
           <a:p>
             <a:r>
@@ -36762,7 +36767,7 @@
   <p:clrMapOvr>
     <a:masterClrMapping/>
   </p:clrMapOvr>
-  <p:transition/>
+  <p:transition advTm="2782"/>
   <p:timing>
     <p:tnLst>
       <p:par>
@@ -36970,7 +36975,7 @@
   <p:clrMapOvr>
     <a:masterClrMapping/>
   </p:clrMapOvr>
-  <p:transition/>
+  <p:transition advTm="2782"/>
   <p:timing>
     <p:tnLst>
       <p:par>

--- a/sigset/documentos/Documentos finales/Presentacion.pptx
+++ b/sigset/documentos/Documentos finales/Presentacion.pptx
@@ -208,8 +208,8 @@
   <ax:ocxPr ax:name="SAMIFilename" ax:value=""/>
   <ax:ocxPr ax:name="captioningID" ax:value=""/>
   <ax:ocxPr ax:name="enableErrorDialogs" ax:value="0"/>
-  <ax:ocxPr ax:name="_cx" ax:value="25400"/>
-  <ax:ocxPr ax:name="_cy" ax:value="19050"/>
+  <ax:ocxPr ax:name="_cx" ax:value="25396"/>
+  <ax:ocxPr ax:name="_cy" ax:value="19046"/>
 </ax:ocx>
 </file>
 
@@ -238,8 +238,8 @@
   <ax:ocxPr ax:name="SAMIFilename" ax:value=""/>
   <ax:ocxPr ax:name="captioningID" ax:value=""/>
   <ax:ocxPr ax:name="enableErrorDialogs" ax:value="0"/>
-  <ax:ocxPr ax:name="_cx" ax:value="25400"/>
-  <ax:ocxPr ax:name="_cy" ax:value="19050"/>
+  <ax:ocxPr ax:name="_cx" ax:value="25396"/>
+  <ax:ocxPr ax:name="_cy" ax:value="19046"/>
 </ax:ocx>
 </file>
 
@@ -268,8 +268,8 @@
   <ax:ocxPr ax:name="SAMIFilename" ax:value=""/>
   <ax:ocxPr ax:name="captioningID" ax:value=""/>
   <ax:ocxPr ax:name="enableErrorDialogs" ax:value="0"/>
-  <ax:ocxPr ax:name="_cx" ax:value="25400"/>
-  <ax:ocxPr ax:name="_cy" ax:value="19050"/>
+  <ax:ocxPr ax:name="_cx" ax:value="25396"/>
+  <ax:ocxPr ax:name="_cy" ax:value="19046"/>
 </ax:ocx>
 </file>
 
@@ -298,8 +298,8 @@
   <ax:ocxPr ax:name="SAMIFilename" ax:value=""/>
   <ax:ocxPr ax:name="captioningID" ax:value=""/>
   <ax:ocxPr ax:name="enableErrorDialogs" ax:value="0"/>
-  <ax:ocxPr ax:name="_cx" ax:value="25400"/>
-  <ax:ocxPr ax:name="_cy" ax:value="19050"/>
+  <ax:ocxPr ax:name="_cx" ax:value="25396"/>
+  <ax:ocxPr ax:name="_cy" ax:value="19046"/>
 </ax:ocx>
 </file>
 
@@ -328,27 +328,9 @@
   <ax:ocxPr ax:name="SAMIFilename" ax:value=""/>
   <ax:ocxPr ax:name="captioningID" ax:value=""/>
   <ax:ocxPr ax:name="enableErrorDialogs" ax:value="0"/>
-  <ax:ocxPr ax:name="_cx" ax:value="25400"/>
-  <ax:ocxPr ax:name="_cy" ax:value="19050"/>
+  <ax:ocxPr ax:name="_cx" ax:value="25396"/>
+  <ax:ocxPr ax:name="_cy" ax:value="19046"/>
 </ax:ocx>
-</file>
-
-<file path=ppt/comments/comment1.xml><?xml version="1.0" encoding="utf-8"?>
-<p:cmLst xmlns:a="http://schemas.openxmlformats.org/drawingml/2006/main" xmlns:r="http://schemas.openxmlformats.org/officeDocument/2006/relationships" xmlns:p="http://schemas.openxmlformats.org/presentationml/2006/main">
-  <p:cm authorId="0" dt="2009-12-02T14:29:21.753" idx="3">
-    <p:pos x="5184" y="824"/>
-    <p:text>Mejorar</p:text>
-  </p:cm>
-</p:cmLst>
-</file>
-
-<file path=ppt/comments/comment2.xml><?xml version="1.0" encoding="utf-8"?>
-<p:cmLst xmlns:a="http://schemas.openxmlformats.org/drawingml/2006/main" xmlns:r="http://schemas.openxmlformats.org/officeDocument/2006/relationships" xmlns:p="http://schemas.openxmlformats.org/presentationml/2006/main">
-  <p:cm authorId="0" dt="2009-12-02T14:29:21.753" idx="4">
-    <p:pos x="5184" y="824"/>
-    <p:text>Mejorar</p:text>
-  </p:cm>
-</p:cmLst>
 </file>
 
 <file path=ppt/diagrams/colors1.xml><?xml version="1.0" encoding="utf-8"?>
@@ -4477,7 +4459,7 @@
         <a:bodyPr/>
         <a:lstStyle/>
         <a:p>
-          <a:endParaRPr lang="es-CL" b="1">
+          <a:endParaRPr lang="es-CL" b="1" dirty="0">
             <a:latin typeface="Calibri" pitchFamily="34" charset="0"/>
             <a:cs typeface="Calibri" pitchFamily="34" charset="0"/>
           </a:endParaRPr>
@@ -4526,7 +4508,7 @@
         <a:bodyPr/>
         <a:lstStyle/>
         <a:p>
-          <a:endParaRPr lang="es-CL" b="1">
+          <a:endParaRPr lang="es-CL" b="1" dirty="0">
             <a:latin typeface="Calibri" pitchFamily="34" charset="0"/>
             <a:cs typeface="Calibri" pitchFamily="34" charset="0"/>
           </a:endParaRPr>
@@ -4575,7 +4557,7 @@
         <a:bodyPr/>
         <a:lstStyle/>
         <a:p>
-          <a:endParaRPr lang="es-CL" b="1">
+          <a:endParaRPr lang="es-CL" b="1" dirty="0">
             <a:latin typeface="Calibri" pitchFamily="34" charset="0"/>
             <a:cs typeface="Calibri" pitchFamily="34" charset="0"/>
           </a:endParaRPr>
@@ -4624,7 +4606,7 @@
         <a:bodyPr/>
         <a:lstStyle/>
         <a:p>
-          <a:endParaRPr lang="es-CL" b="1">
+          <a:endParaRPr lang="es-CL" b="1" dirty="0">
             <a:latin typeface="Calibri" pitchFamily="34" charset="0"/>
             <a:cs typeface="Calibri" pitchFamily="34" charset="0"/>
           </a:endParaRPr>
@@ -4673,7 +4655,7 @@
         <a:bodyPr/>
         <a:lstStyle/>
         <a:p>
-          <a:endParaRPr lang="es-CL" b="1">
+          <a:endParaRPr lang="es-CL" b="1" dirty="0">
             <a:latin typeface="Calibri" pitchFamily="34" charset="0"/>
             <a:cs typeface="Calibri" pitchFamily="34" charset="0"/>
           </a:endParaRPr>
@@ -4722,7 +4704,7 @@
         <a:bodyPr/>
         <a:lstStyle/>
         <a:p>
-          <a:endParaRPr lang="es-CL" b="1">
+          <a:endParaRPr lang="es-CL" b="1" dirty="0">
             <a:latin typeface="Calibri" pitchFamily="34" charset="0"/>
             <a:cs typeface="Calibri" pitchFamily="34" charset="0"/>
           </a:endParaRPr>
@@ -4771,7 +4753,7 @@
         <a:bodyPr/>
         <a:lstStyle/>
         <a:p>
-          <a:endParaRPr lang="es-CL" b="1">
+          <a:endParaRPr lang="es-CL" b="1" dirty="0">
             <a:latin typeface="Calibri" pitchFamily="34" charset="0"/>
             <a:cs typeface="Calibri" pitchFamily="34" charset="0"/>
           </a:endParaRPr>
@@ -6322,13 +6304,7 @@
             <a:rPr lang="es-CL" dirty="0" smtClean="0">
               <a:latin typeface="Futura Lt BT"/>
             </a:rPr>
-            <a:t>Windows XP o </a:t>
-          </a:r>
-          <a:r>
-            <a:rPr lang="es-CL" dirty="0" smtClean="0">
-              <a:latin typeface="Futura Lt BT"/>
-            </a:rPr>
-            <a:t>superior, o distribución Linux con ambiente grafico</a:t>
+            <a:t>Windows XP o superior, o distribución Linux con ambiente grafico</a:t>
           </a:r>
           <a:endParaRPr lang="es-CL" dirty="0">
             <a:latin typeface="Futura Lt BT"/>
@@ -6866,7 +6842,7 @@
         <a:bodyPr/>
         <a:lstStyle/>
         <a:p>
-          <a:endParaRPr lang="es-CL">
+          <a:endParaRPr lang="es-CL" dirty="0">
             <a:latin typeface="Futura Lt BT"/>
           </a:endParaRPr>
         </a:p>
@@ -6911,7 +6887,7 @@
         <a:bodyPr/>
         <a:lstStyle/>
         <a:p>
-          <a:endParaRPr lang="es-CL">
+          <a:endParaRPr lang="es-CL" dirty="0">
             <a:latin typeface="Futura Lt BT"/>
           </a:endParaRPr>
         </a:p>
@@ -7001,7 +6977,7 @@
         <a:bodyPr/>
         <a:lstStyle/>
         <a:p>
-          <a:endParaRPr lang="es-CL">
+          <a:endParaRPr lang="es-CL" dirty="0">
             <a:latin typeface="Futura Lt BT"/>
           </a:endParaRPr>
         </a:p>
@@ -7181,7 +7157,7 @@
         <a:bodyPr/>
         <a:lstStyle/>
         <a:p>
-          <a:endParaRPr lang="es-CL">
+          <a:endParaRPr lang="es-CL" dirty="0">
             <a:latin typeface="Futura Lt BT"/>
           </a:endParaRPr>
         </a:p>
@@ -7463,8 +7439,8 @@
     <dgm:cxn modelId="{009F14D6-CA1E-4C51-9A0D-B3F9C1E49D18}" srcId="{8C966F34-B6FE-4951-A5DC-B6B890C24F40}" destId="{3E04EA27-BE6A-44A3-A3D4-2CA4C32FFFF1}" srcOrd="0" destOrd="0" parTransId="{AE75B588-956D-4795-8BBA-14C526926D85}" sibTransId="{95BE6102-EEB0-4432-978E-FF1B073DB7AE}"/>
     <dgm:cxn modelId="{7C45ECE9-8356-43E2-B614-D776DF3DC2DF}" srcId="{393E7F46-B313-4E77-9797-D22D41EC5A03}" destId="{C9CB3786-0DB1-4998-9BFA-7ECC9C5F0DDE}" srcOrd="0" destOrd="0" parTransId="{0E603B5F-E788-4075-9EE8-6B92BD9BB1C6}" sibTransId="{7DBE4023-B152-423B-8602-7781CB8577AE}"/>
     <dgm:cxn modelId="{408049A4-04EC-42E5-AF64-48679D607DD0}" srcId="{3E04EA27-BE6A-44A3-A3D4-2CA4C32FFFF1}" destId="{FF7302D4-DF56-4D05-A039-49D494387244}" srcOrd="0" destOrd="0" parTransId="{D4A43A0A-08CA-47F1-8162-BEC510EB34F5}" sibTransId="{2DF987A6-F136-45BC-97D9-2328C9ACEA14}"/>
+    <dgm:cxn modelId="{CA8B197C-6DF2-4384-8BED-6C6211A4692F}" type="presOf" srcId="{28182505-8186-4B77-AAED-7D73BD2EC62F}" destId="{59A576FD-DEA1-4973-B0CA-89D07BC9EE75}" srcOrd="0" destOrd="0" presId="urn:microsoft.com/office/officeart/2005/8/layout/hierarchy3"/>
     <dgm:cxn modelId="{730F44F3-0F16-4DC7-94FF-A657B4144452}" type="presOf" srcId="{FF7302D4-DF56-4D05-A039-49D494387244}" destId="{97C6F11A-5991-412B-8918-0D15E3AC825F}" srcOrd="0" destOrd="1" presId="urn:microsoft.com/office/officeart/2005/8/layout/hierarchy3"/>
-    <dgm:cxn modelId="{CA8B197C-6DF2-4384-8BED-6C6211A4692F}" type="presOf" srcId="{28182505-8186-4B77-AAED-7D73BD2EC62F}" destId="{59A576FD-DEA1-4973-B0CA-89D07BC9EE75}" srcOrd="0" destOrd="0" presId="urn:microsoft.com/office/officeart/2005/8/layout/hierarchy3"/>
     <dgm:cxn modelId="{40756456-B1A5-4647-AF0B-6BC04E8D387D}" type="presParOf" srcId="{2655004E-649B-4D47-A2B9-0F2E94C643CB}" destId="{337FD4D9-A838-445B-9526-C66711C47A35}" srcOrd="0" destOrd="0" presId="urn:microsoft.com/office/officeart/2005/8/layout/hierarchy3"/>
     <dgm:cxn modelId="{BCE4A16B-AB27-4FA4-A6DD-B2C100F4B745}" type="presParOf" srcId="{337FD4D9-A838-445B-9526-C66711C47A35}" destId="{F50E9F67-7CBD-4601-8AA2-A892E09D1946}" srcOrd="0" destOrd="0" presId="urn:microsoft.com/office/officeart/2005/8/layout/hierarchy3"/>
     <dgm:cxn modelId="{4B6627DE-80EB-4875-A1ED-CE6CCC33067C}" type="presParOf" srcId="{F50E9F67-7CBD-4601-8AA2-A892E09D1946}" destId="{1F4999A6-8239-4781-8813-D424C1999DB7}" srcOrd="0" destOrd="0" presId="urn:microsoft.com/office/officeart/2005/8/layout/hierarchy3"/>
@@ -10551,13 +10527,7 @@
             <a:rPr lang="es-CL" sz="1800" kern="1200" dirty="0" smtClean="0">
               <a:latin typeface="Futura Lt BT"/>
             </a:rPr>
-            <a:t>Windows XP o </a:t>
-          </a:r>
-          <a:r>
-            <a:rPr lang="es-CL" sz="1800" kern="1200" dirty="0" smtClean="0">
-              <a:latin typeface="Futura Lt BT"/>
-            </a:rPr>
-            <a:t>superior, o distribución Linux con ambiente grafico</a:t>
+            <a:t>Windows XP o superior, o distribución Linux con ambiente grafico</a:t>
           </a:r>
           <a:endParaRPr lang="es-CL" sz="1800" kern="1200" dirty="0">
             <a:latin typeface="Futura Lt BT"/>
@@ -21131,7 +21101,7 @@
             <a:pPr>
               <a:defRPr/>
             </a:pPr>
-            <a:endParaRPr lang="es-ES_tradnl"/>
+            <a:endParaRPr lang="es-ES_tradnl" dirty="0"/>
           </a:p>
         </p:txBody>
       </p:sp>
@@ -21170,9 +21140,9 @@
               <a:pPr>
                 <a:defRPr/>
               </a:pPr>
-              <a:t>08/12/2009</a:t>
+              <a:t>09/12/2009</a:t>
             </a:fld>
-            <a:endParaRPr lang="es-ES_tradnl"/>
+            <a:endParaRPr lang="es-ES_tradnl" dirty="0"/>
           </a:p>
         </p:txBody>
       </p:sp>
@@ -21206,7 +21176,7 @@
             <a:pPr>
               <a:defRPr/>
             </a:pPr>
-            <a:endParaRPr lang="es-ES_tradnl"/>
+            <a:endParaRPr lang="es-ES_tradnl" dirty="0"/>
           </a:p>
         </p:txBody>
       </p:sp>
@@ -21247,7 +21217,7 @@
               </a:pPr>
               <a:t>‹Nº›</a:t>
             </a:fld>
-            <a:endParaRPr lang="es-ES_tradnl"/>
+            <a:endParaRPr lang="es-ES_tradnl" dirty="0"/>
           </a:p>
         </p:txBody>
       </p:sp>
@@ -21323,7 +21293,7 @@
             <a:pPr>
               <a:defRPr/>
             </a:pPr>
-            <a:endParaRPr lang="es-ES_tradnl"/>
+            <a:endParaRPr lang="es-ES_tradnl" dirty="0"/>
           </a:p>
         </p:txBody>
       </p:sp>
@@ -21368,7 +21338,7 @@
             <a:pPr>
               <a:defRPr/>
             </a:pPr>
-            <a:endParaRPr lang="es-ES_tradnl"/>
+            <a:endParaRPr lang="es-ES_tradnl" dirty="0"/>
           </a:p>
         </p:txBody>
       </p:sp>
@@ -21512,7 +21482,7 @@
             <a:pPr>
               <a:defRPr/>
             </a:pPr>
-            <a:endParaRPr lang="es-ES_tradnl"/>
+            <a:endParaRPr lang="es-ES_tradnl" dirty="0"/>
           </a:p>
         </p:txBody>
       </p:sp>
@@ -21564,7 +21534,7 @@
               </a:pPr>
               <a:t>‹Nº›</a:t>
             </a:fld>
-            <a:endParaRPr lang="es-ES"/>
+            <a:endParaRPr lang="es-ES" dirty="0"/>
           </a:p>
         </p:txBody>
       </p:sp>
@@ -21803,7 +21773,7 @@
               </a:pPr>
               <a:t>1</a:t>
             </a:fld>
-            <a:endParaRPr lang="es-ES"/>
+            <a:endParaRPr lang="es-ES" dirty="0"/>
           </a:p>
         </p:txBody>
       </p:sp>
@@ -22072,7 +22042,7 @@
               </a:pPr>
               <a:t>10</a:t>
             </a:fld>
-            <a:endParaRPr lang="es-ES"/>
+            <a:endParaRPr lang="es-ES" dirty="0"/>
           </a:p>
         </p:txBody>
       </p:sp>
@@ -22248,7 +22218,7 @@
               </a:pPr>
               <a:t>11</a:t>
             </a:fld>
-            <a:endParaRPr lang="es-ES"/>
+            <a:endParaRPr lang="es-ES" dirty="0"/>
           </a:p>
         </p:txBody>
       </p:sp>
@@ -22334,29 +22304,7 @@
                 <a:ea typeface="+mn-ea"/>
                 <a:cs typeface="+mn-cs"/>
               </a:rPr>
-              <a:t>Este sistema será una aplicación web desarrollada en plataforma </a:t>
-            </a:r>
-            <a:r>
-              <a:rPr lang="es-CL" sz="1200" kern="1200" dirty="0" err="1" smtClean="0">
-                <a:solidFill>
-                  <a:schemeClr val="tx1"/>
-                </a:solidFill>
-                <a:latin typeface="Times New Roman" pitchFamily="18" charset="0"/>
-                <a:ea typeface="+mn-ea"/>
-                <a:cs typeface="+mn-cs"/>
-              </a:rPr>
-              <a:t>.net</a:t>
-            </a:r>
-            <a:r>
-              <a:rPr lang="es-CL" sz="1200" kern="1200" dirty="0" smtClean="0">
-                <a:solidFill>
-                  <a:schemeClr val="tx1"/>
-                </a:solidFill>
-                <a:latin typeface="Times New Roman" pitchFamily="18" charset="0"/>
-                <a:ea typeface="+mn-ea"/>
-                <a:cs typeface="+mn-cs"/>
-              </a:rPr>
-              <a:t>, poseerá base de datos que estará en el motor de SQL server. Tendrá distintos módulos para cada perfil de usuarios y una arquitectura en capas y utilizara el patrón de diseño Modelo vista controlador, que facilitara a la escalabilidad y flexibilidad del software ante eventuales modificaciones o mantenciones.</a:t>
+              <a:t>Este sistema será una aplicación web desarrollada en plataforma .net, poseerá base de datos que estará en el motor de SQL server. Tendrá distintos módulos para cada perfil de usuarios y una arquitectura en capas y utilizara el patrón de diseño Modelo vista controlador, que facilitara a la escalabilidad y flexibilidad del software ante eventuales modificaciones o mantenciones.</a:t>
             </a:r>
           </a:p>
           <a:p>
@@ -22389,7 +22337,7 @@
               </a:pPr>
               <a:t>12</a:t>
             </a:fld>
-            <a:endParaRPr lang="es-ES"/>
+            <a:endParaRPr lang="es-ES" dirty="0"/>
           </a:p>
         </p:txBody>
       </p:sp>
@@ -22532,7 +22480,7 @@
               </a:pPr>
               <a:t>13</a:t>
             </a:fld>
-            <a:endParaRPr lang="es-ES"/>
+            <a:endParaRPr lang="es-ES" dirty="0"/>
           </a:p>
         </p:txBody>
       </p:sp>
@@ -22662,7 +22610,7 @@
               </a:pPr>
               <a:t>14</a:t>
             </a:fld>
-            <a:endParaRPr lang="es-ES"/>
+            <a:endParaRPr lang="es-ES" dirty="0"/>
           </a:p>
         </p:txBody>
       </p:sp>
@@ -22759,51 +22707,7 @@
                 <a:ea typeface="+mn-ea"/>
                 <a:cs typeface="+mn-cs"/>
               </a:rPr>
-              <a:t>Para utilizar el sistema se consideran dos opciones en servidor según la factibilidad técnica, con SQL Server 2005 Estándar o SQL 2005 Express. La ventaja de SQL Server Estándar es que no esta limitado en espacio de la base de datos y soporta 4 CPUs y memoria RAM limitada por el sistema operativo además de otras características, En cambio SQL server exprés posee licencia gratuita lo cual es su gran ventaja, pero posee limite de 4 </a:t>
-            </a:r>
-            <a:r>
-              <a:rPr lang="es-CL" sz="1200" kern="1200" dirty="0" err="1" smtClean="0">
-                <a:solidFill>
-                  <a:schemeClr val="tx1"/>
-                </a:solidFill>
-                <a:latin typeface="Times New Roman" pitchFamily="18" charset="0"/>
-                <a:ea typeface="+mn-ea"/>
-                <a:cs typeface="+mn-cs"/>
-              </a:rPr>
-              <a:t>gb</a:t>
-            </a:r>
-            <a:r>
-              <a:rPr lang="es-CL" sz="1200" kern="1200" dirty="0" smtClean="0">
-                <a:solidFill>
-                  <a:schemeClr val="tx1"/>
-                </a:solidFill>
-                <a:latin typeface="Times New Roman" pitchFamily="18" charset="0"/>
-                <a:ea typeface="+mn-ea"/>
-                <a:cs typeface="+mn-cs"/>
-              </a:rPr>
-              <a:t> de base de datos y solo 1 </a:t>
-            </a:r>
-            <a:r>
-              <a:rPr lang="es-CL" sz="1200" kern="1200" dirty="0" err="1" smtClean="0">
-                <a:solidFill>
-                  <a:schemeClr val="tx1"/>
-                </a:solidFill>
-                <a:latin typeface="Times New Roman" pitchFamily="18" charset="0"/>
-                <a:ea typeface="+mn-ea"/>
-                <a:cs typeface="+mn-cs"/>
-              </a:rPr>
-              <a:t>gb</a:t>
-            </a:r>
-            <a:r>
-              <a:rPr lang="es-CL" sz="1200" kern="1200" dirty="0" smtClean="0">
-                <a:solidFill>
-                  <a:schemeClr val="tx1"/>
-                </a:solidFill>
-                <a:latin typeface="Times New Roman" pitchFamily="18" charset="0"/>
-                <a:ea typeface="+mn-ea"/>
-                <a:cs typeface="+mn-cs"/>
-              </a:rPr>
-              <a:t> de memoria RAM, se muestran estas dos opciones que reflejan diferencias significativas, de cualquier modo el sistema es 100% compatible con los dos motores de base de datos.</a:t>
+              <a:t>Para utilizar el sistema se consideran dos opciones en servidor según la factibilidad técnica, con SQL Server 2005 Estándar o SQL 2005 Express. La ventaja de SQL Server Estándar es que no esta limitado en espacio de la base de datos y soporta 4 CPUs y memoria RAM limitada por el sistema operativo además de otras características, En cambio SQL server exprés posee licencia gratuita lo cual es su gran ventaja, pero posee limite de 4 gb de base de datos y solo 1 gb de memoria RAM, se muestran estas dos opciones que reflejan diferencias significativas, de cualquier modo el sistema es 100% compatible con los dos motores de base de datos.</a:t>
             </a:r>
           </a:p>
           <a:p>
@@ -22849,7 +22753,7 @@
               </a:pPr>
               <a:t>15</a:t>
             </a:fld>
-            <a:endParaRPr lang="es-ES"/>
+            <a:endParaRPr lang="es-ES" dirty="0"/>
           </a:p>
         </p:txBody>
       </p:sp>
@@ -22963,7 +22867,7 @@
               </a:pPr>
               <a:t>16</a:t>
             </a:fld>
-            <a:endParaRPr lang="es-ES"/>
+            <a:endParaRPr lang="es-ES" dirty="0"/>
           </a:p>
         </p:txBody>
       </p:sp>
@@ -23056,7 +22960,7 @@
               </a:pPr>
               <a:t>17</a:t>
             </a:fld>
-            <a:endParaRPr lang="es-ES"/>
+            <a:endParaRPr lang="es-ES" dirty="0"/>
           </a:p>
         </p:txBody>
       </p:sp>
@@ -23188,7 +23092,7 @@
               </a:pPr>
               <a:t>18</a:t>
             </a:fld>
-            <a:endParaRPr lang="es-ES"/>
+            <a:endParaRPr lang="es-ES" dirty="0"/>
           </a:p>
         </p:txBody>
       </p:sp>
@@ -23311,7 +23215,7 @@
               </a:pPr>
               <a:t>19</a:t>
             </a:fld>
-            <a:endParaRPr lang="es-ES"/>
+            <a:endParaRPr lang="es-ES" dirty="0"/>
           </a:p>
         </p:txBody>
       </p:sp>
@@ -23722,7 +23626,7 @@
               </a:pPr>
               <a:t>2</a:t>
             </a:fld>
-            <a:endParaRPr lang="es-ES"/>
+            <a:endParaRPr lang="es-ES" dirty="0"/>
           </a:p>
         </p:txBody>
       </p:sp>
@@ -23900,7 +23804,7 @@
               </a:pPr>
               <a:t>20</a:t>
             </a:fld>
-            <a:endParaRPr lang="es-ES"/>
+            <a:endParaRPr lang="es-ES" dirty="0"/>
           </a:p>
         </p:txBody>
       </p:sp>
@@ -23973,29 +23877,7 @@
                 <a:ea typeface="+mn-ea"/>
                 <a:cs typeface="+mn-cs"/>
               </a:rPr>
-              <a:t>La arquitectura que utilizara este sistema estará realizada en capas, Estará montada sobre un servidor Windows 2003 server, con IIS 6.0, utilizara base de datos SQL Server 2005, Framework </a:t>
-            </a:r>
-            <a:r>
-              <a:rPr lang="es-CL" sz="1200" kern="1200" dirty="0" err="1" smtClean="0">
-                <a:solidFill>
-                  <a:schemeClr val="tx1"/>
-                </a:solidFill>
-                <a:latin typeface="Times New Roman" pitchFamily="18" charset="0"/>
-                <a:ea typeface="+mn-ea"/>
-                <a:cs typeface="+mn-cs"/>
-              </a:rPr>
-              <a:t>.net</a:t>
-            </a:r>
-            <a:r>
-              <a:rPr lang="es-CL" sz="1200" kern="1200" dirty="0" smtClean="0">
-                <a:solidFill>
-                  <a:schemeClr val="tx1"/>
-                </a:solidFill>
-                <a:latin typeface="Times New Roman" pitchFamily="18" charset="0"/>
-                <a:ea typeface="+mn-ea"/>
-                <a:cs typeface="+mn-cs"/>
-              </a:rPr>
-              <a:t> 3.5 SP1.</a:t>
+              <a:t>La arquitectura que utilizara este sistema estará realizada en capas, Estará montada sobre un servidor Windows 2003 server, con IIS 6.0, utilizara base de datos SQL Server 2005, Framework .net 3.5 SP1.</a:t>
             </a:r>
           </a:p>
           <a:p>
@@ -24021,19 +23903,10 @@
                 <a:ea typeface="+mn-ea"/>
                 <a:cs typeface="+mn-cs"/>
               </a:rPr>
-              <a:t>Las capas de la aplicación serán tres Data, </a:t>
+              <a:t>Las capas de la aplicación serán tres Data, Services y Web, las que estarán compuestas de la siguiente forma:</a:t>
             </a:r>
-            <a:r>
-              <a:rPr lang="es-CL" sz="1200" kern="1200" dirty="0" err="1" smtClean="0">
-                <a:solidFill>
-                  <a:schemeClr val="tx1"/>
-                </a:solidFill>
-                <a:latin typeface="Times New Roman" pitchFamily="18" charset="0"/>
-                <a:ea typeface="+mn-ea"/>
-                <a:cs typeface="+mn-cs"/>
-              </a:rPr>
-              <a:t>Services</a:t>
-            </a:r>
+          </a:p>
+          <a:p>
             <a:r>
               <a:rPr lang="es-CL" sz="1200" kern="1200" dirty="0" smtClean="0">
                 <a:solidFill>
@@ -24043,7 +23916,7 @@
                 <a:ea typeface="+mn-ea"/>
                 <a:cs typeface="+mn-cs"/>
               </a:rPr>
-              <a:t> y Web, las que estarán compuestas de la siguiente forma:</a:t>
+              <a:t>La capa de data, será la encargada de manejar el accedo a datos mediante una capa de persistencia atreves del ORM, Linq to Sql que pertenece a .net, este encarga de crear las entidades del modelo, esta escrito en lenguaje c# 3, utilizando un patrón de diseño de repositorio.</a:t>
             </a:r>
           </a:p>
           <a:p>
@@ -24056,19 +23929,10 @@
                 <a:ea typeface="+mn-ea"/>
                 <a:cs typeface="+mn-cs"/>
               </a:rPr>
-              <a:t>La capa de data, será la encargada de manejar el accedo a datos mediante una capa de persistencia atreves del ORM, Linq </a:t>
+              <a:t>Luego encontramos la capa de services, que incluye toda la lógica de negocio, esta escrita en lenguaje c# 3 puro conectándose mediante interfaces a los distintos repositorios, la lógica se divide en distintos servicios que son consumidos por la siguiente capa.</a:t>
             </a:r>
-            <a:r>
-              <a:rPr lang="es-CL" sz="1200" kern="1200" dirty="0" err="1" smtClean="0">
-                <a:solidFill>
-                  <a:schemeClr val="tx1"/>
-                </a:solidFill>
-                <a:latin typeface="Times New Roman" pitchFamily="18" charset="0"/>
-                <a:ea typeface="+mn-ea"/>
-                <a:cs typeface="+mn-cs"/>
-              </a:rPr>
-              <a:t>to</a:t>
-            </a:r>
+          </a:p>
+          <a:p>
             <a:r>
               <a:rPr lang="es-CL" sz="1200" kern="1200" dirty="0" smtClean="0">
                 <a:solidFill>
@@ -24078,165 +23942,7 @@
                 <a:ea typeface="+mn-ea"/>
                 <a:cs typeface="+mn-cs"/>
               </a:rPr>
-              <a:t> </a:t>
-            </a:r>
-            <a:r>
-              <a:rPr lang="es-CL" sz="1200" kern="1200" dirty="0" err="1" smtClean="0">
-                <a:solidFill>
-                  <a:schemeClr val="tx1"/>
-                </a:solidFill>
-                <a:latin typeface="Times New Roman" pitchFamily="18" charset="0"/>
-                <a:ea typeface="+mn-ea"/>
-                <a:cs typeface="+mn-cs"/>
-              </a:rPr>
-              <a:t>Sql</a:t>
-            </a:r>
-            <a:r>
-              <a:rPr lang="es-CL" sz="1200" kern="1200" dirty="0" smtClean="0">
-                <a:solidFill>
-                  <a:schemeClr val="tx1"/>
-                </a:solidFill>
-                <a:latin typeface="Times New Roman" pitchFamily="18" charset="0"/>
-                <a:ea typeface="+mn-ea"/>
-                <a:cs typeface="+mn-cs"/>
-              </a:rPr>
-              <a:t> que pertenece a </a:t>
-            </a:r>
-            <a:r>
-              <a:rPr lang="es-CL" sz="1200" kern="1200" dirty="0" err="1" smtClean="0">
-                <a:solidFill>
-                  <a:schemeClr val="tx1"/>
-                </a:solidFill>
-                <a:latin typeface="Times New Roman" pitchFamily="18" charset="0"/>
-                <a:ea typeface="+mn-ea"/>
-                <a:cs typeface="+mn-cs"/>
-              </a:rPr>
-              <a:t>.net</a:t>
-            </a:r>
-            <a:r>
-              <a:rPr lang="es-CL" sz="1200" kern="1200" dirty="0" smtClean="0">
-                <a:solidFill>
-                  <a:schemeClr val="tx1"/>
-                </a:solidFill>
-                <a:latin typeface="Times New Roman" pitchFamily="18" charset="0"/>
-                <a:ea typeface="+mn-ea"/>
-                <a:cs typeface="+mn-cs"/>
-              </a:rPr>
-              <a:t>, este encarga de crear las entidades del modelo, esta escrito en lenguaje </a:t>
-            </a:r>
-            <a:r>
-              <a:rPr lang="es-CL" sz="1200" kern="1200" dirty="0" err="1" smtClean="0">
-                <a:solidFill>
-                  <a:schemeClr val="tx1"/>
-                </a:solidFill>
-                <a:latin typeface="Times New Roman" pitchFamily="18" charset="0"/>
-                <a:ea typeface="+mn-ea"/>
-                <a:cs typeface="+mn-cs"/>
-              </a:rPr>
-              <a:t>c#</a:t>
-            </a:r>
-            <a:r>
-              <a:rPr lang="es-CL" sz="1200" kern="1200" dirty="0" smtClean="0">
-                <a:solidFill>
-                  <a:schemeClr val="tx1"/>
-                </a:solidFill>
-                <a:latin typeface="Times New Roman" pitchFamily="18" charset="0"/>
-                <a:ea typeface="+mn-ea"/>
-                <a:cs typeface="+mn-cs"/>
-              </a:rPr>
-              <a:t> 3, utilizando un patrón de diseño de repositorio.</a:t>
-            </a:r>
-          </a:p>
-          <a:p>
-            <a:r>
-              <a:rPr lang="es-CL" sz="1200" kern="1200" dirty="0" smtClean="0">
-                <a:solidFill>
-                  <a:schemeClr val="tx1"/>
-                </a:solidFill>
-                <a:latin typeface="Times New Roman" pitchFamily="18" charset="0"/>
-                <a:ea typeface="+mn-ea"/>
-                <a:cs typeface="+mn-cs"/>
-              </a:rPr>
-              <a:t>Luego encontramos la capa de </a:t>
-            </a:r>
-            <a:r>
-              <a:rPr lang="es-CL" sz="1200" kern="1200" dirty="0" err="1" smtClean="0">
-                <a:solidFill>
-                  <a:schemeClr val="tx1"/>
-                </a:solidFill>
-                <a:latin typeface="Times New Roman" pitchFamily="18" charset="0"/>
-                <a:ea typeface="+mn-ea"/>
-                <a:cs typeface="+mn-cs"/>
-              </a:rPr>
-              <a:t>services</a:t>
-            </a:r>
-            <a:r>
-              <a:rPr lang="es-CL" sz="1200" kern="1200" dirty="0" smtClean="0">
-                <a:solidFill>
-                  <a:schemeClr val="tx1"/>
-                </a:solidFill>
-                <a:latin typeface="Times New Roman" pitchFamily="18" charset="0"/>
-                <a:ea typeface="+mn-ea"/>
-                <a:cs typeface="+mn-cs"/>
-              </a:rPr>
-              <a:t>, que incluye toda la lógica de negocio, esta escrita en lenguaje </a:t>
-            </a:r>
-            <a:r>
-              <a:rPr lang="es-CL" sz="1200" kern="1200" dirty="0" err="1" smtClean="0">
-                <a:solidFill>
-                  <a:schemeClr val="tx1"/>
-                </a:solidFill>
-                <a:latin typeface="Times New Roman" pitchFamily="18" charset="0"/>
-                <a:ea typeface="+mn-ea"/>
-                <a:cs typeface="+mn-cs"/>
-              </a:rPr>
-              <a:t>c#</a:t>
-            </a:r>
-            <a:r>
-              <a:rPr lang="es-CL" sz="1200" kern="1200" dirty="0" smtClean="0">
-                <a:solidFill>
-                  <a:schemeClr val="tx1"/>
-                </a:solidFill>
-                <a:latin typeface="Times New Roman" pitchFamily="18" charset="0"/>
-                <a:ea typeface="+mn-ea"/>
-                <a:cs typeface="+mn-cs"/>
-              </a:rPr>
-              <a:t> 3 puro conectándose mediante interfaces a los distintos repositorios, la lógica se divide en distintos servicios que son consumidos por la siguiente capa.</a:t>
-            </a:r>
-          </a:p>
-          <a:p>
-            <a:r>
-              <a:rPr lang="es-CL" sz="1200" kern="1200" dirty="0" smtClean="0">
-                <a:solidFill>
-                  <a:schemeClr val="tx1"/>
-                </a:solidFill>
-                <a:latin typeface="Times New Roman" pitchFamily="18" charset="0"/>
-                <a:ea typeface="+mn-ea"/>
-                <a:cs typeface="+mn-cs"/>
-              </a:rPr>
-              <a:t>La capa web es de presentación, utiliza el patrón de diseño modelo vista controlador, utilizando el </a:t>
-            </a:r>
-            <a:r>
-              <a:rPr lang="es-CL" sz="1200" kern="1200" dirty="0" err="1" smtClean="0">
-                <a:solidFill>
-                  <a:schemeClr val="tx1"/>
-                </a:solidFill>
-                <a:latin typeface="Times New Roman" pitchFamily="18" charset="0"/>
-                <a:ea typeface="+mn-ea"/>
-                <a:cs typeface="+mn-cs"/>
-              </a:rPr>
-              <a:t>framework</a:t>
-            </a:r>
-            <a:r>
-              <a:rPr lang="es-CL" sz="1200" kern="1200" dirty="0" smtClean="0">
-                <a:solidFill>
-                  <a:schemeClr val="tx1"/>
-                </a:solidFill>
-                <a:latin typeface="Times New Roman" pitchFamily="18" charset="0"/>
-                <a:ea typeface="+mn-ea"/>
-                <a:cs typeface="+mn-cs"/>
-              </a:rPr>
-              <a:t> </a:t>
+              <a:t>La capa web es de presentación, utiliza el patrón de diseño modelo vista controlador, utilizando el framework </a:t>
             </a:r>
             <a:r>
               <a:rPr lang="es-CL" sz="1200" u="sng" kern="1200" dirty="0" smtClean="0">
@@ -24259,73 +23965,7 @@
                 <a:ea typeface="+mn-ea"/>
                 <a:cs typeface="+mn-cs"/>
               </a:rPr>
-              <a:t> </a:t>
-            </a:r>
-            <a:r>
-              <a:rPr lang="es-CL" sz="1200" kern="1200" dirty="0" err="1" smtClean="0">
-                <a:solidFill>
-                  <a:schemeClr val="tx1"/>
-                </a:solidFill>
-                <a:latin typeface="Times New Roman" pitchFamily="18" charset="0"/>
-                <a:ea typeface="+mn-ea"/>
-                <a:cs typeface="+mn-cs"/>
-              </a:rPr>
-              <a:t>mvc</a:t>
-            </a:r>
-            <a:r>
-              <a:rPr lang="es-CL" sz="1200" kern="1200" dirty="0" smtClean="0">
-                <a:solidFill>
-                  <a:schemeClr val="tx1"/>
-                </a:solidFill>
-                <a:latin typeface="Times New Roman" pitchFamily="18" charset="0"/>
-                <a:ea typeface="+mn-ea"/>
-                <a:cs typeface="+mn-cs"/>
-              </a:rPr>
-              <a:t> de </a:t>
-            </a:r>
-            <a:r>
-              <a:rPr lang="es-CL" sz="1200" kern="1200" dirty="0" err="1" smtClean="0">
-                <a:solidFill>
-                  <a:schemeClr val="tx1"/>
-                </a:solidFill>
-                <a:latin typeface="Times New Roman" pitchFamily="18" charset="0"/>
-                <a:ea typeface="+mn-ea"/>
-                <a:cs typeface="+mn-cs"/>
-              </a:rPr>
-              <a:t>.net</a:t>
-            </a:r>
-            <a:r>
-              <a:rPr lang="es-CL" sz="1200" kern="1200" dirty="0" smtClean="0">
-                <a:solidFill>
-                  <a:schemeClr val="tx1"/>
-                </a:solidFill>
-                <a:latin typeface="Times New Roman" pitchFamily="18" charset="0"/>
-                <a:ea typeface="+mn-ea"/>
-                <a:cs typeface="+mn-cs"/>
-              </a:rPr>
-              <a:t>, donde el modelo son las entidades de la capa de datos, el </a:t>
-            </a:r>
-            <a:r>
-              <a:rPr lang="es-CL" sz="1200" kern="1200" dirty="0" err="1" smtClean="0">
-                <a:solidFill>
-                  <a:schemeClr val="tx1"/>
-                </a:solidFill>
-                <a:latin typeface="Times New Roman" pitchFamily="18" charset="0"/>
-                <a:ea typeface="+mn-ea"/>
-                <a:cs typeface="+mn-cs"/>
-              </a:rPr>
-              <a:t>controller</a:t>
-            </a:r>
-            <a:r>
-              <a:rPr lang="es-CL" sz="1200" kern="1200" dirty="0" smtClean="0">
-                <a:solidFill>
-                  <a:schemeClr val="tx1"/>
-                </a:solidFill>
-                <a:latin typeface="Times New Roman" pitchFamily="18" charset="0"/>
-                <a:ea typeface="+mn-ea"/>
-                <a:cs typeface="+mn-cs"/>
-              </a:rPr>
-              <a:t> consume los servicios de la capa de negocio y la vista esta hecha mediante la tecnología de </a:t>
+              <a:t> mvc de .net, donde el modelo son las entidades de la capa de datos, el controller consume los servicios de la capa de negocio y la vista esta hecha mediante la tecnología de </a:t>
             </a:r>
             <a:r>
               <a:rPr lang="es-CL" sz="1200" u="sng" kern="1200" dirty="0" smtClean="0">
@@ -24348,161 +23988,7 @@
                 <a:ea typeface="+mn-ea"/>
                 <a:cs typeface="+mn-cs"/>
               </a:rPr>
-              <a:t> de </a:t>
-            </a:r>
-            <a:r>
-              <a:rPr lang="es-CL" sz="1200" kern="1200" dirty="0" err="1" smtClean="0">
-                <a:solidFill>
-                  <a:schemeClr val="tx1"/>
-                </a:solidFill>
-                <a:latin typeface="Times New Roman" pitchFamily="18" charset="0"/>
-                <a:ea typeface="+mn-ea"/>
-                <a:cs typeface="+mn-cs"/>
-              </a:rPr>
-              <a:t>aspx</a:t>
-            </a:r>
-            <a:r>
-              <a:rPr lang="es-CL" sz="1200" kern="1200" dirty="0" smtClean="0">
-                <a:solidFill>
-                  <a:schemeClr val="tx1"/>
-                </a:solidFill>
-                <a:latin typeface="Times New Roman" pitchFamily="18" charset="0"/>
-                <a:ea typeface="+mn-ea"/>
-                <a:cs typeface="+mn-cs"/>
-              </a:rPr>
-              <a:t> que genera código de cliente en xhtml, además para el </a:t>
-            </a:r>
-            <a:r>
-              <a:rPr lang="es-CL" sz="1200" kern="1200" dirty="0" err="1" smtClean="0">
-                <a:solidFill>
-                  <a:schemeClr val="tx1"/>
-                </a:solidFill>
-                <a:latin typeface="Times New Roman" pitchFamily="18" charset="0"/>
-                <a:ea typeface="+mn-ea"/>
-                <a:cs typeface="+mn-cs"/>
-              </a:rPr>
-              <a:t>layout</a:t>
-            </a:r>
-            <a:r>
-              <a:rPr lang="es-CL" sz="1200" kern="1200" dirty="0" smtClean="0">
-                <a:solidFill>
-                  <a:schemeClr val="tx1"/>
-                </a:solidFill>
-                <a:latin typeface="Times New Roman" pitchFamily="18" charset="0"/>
-                <a:ea typeface="+mn-ea"/>
-                <a:cs typeface="+mn-cs"/>
-              </a:rPr>
-              <a:t> y diseño de las paginas se ocupa </a:t>
-            </a:r>
-            <a:r>
-              <a:rPr lang="es-CL" sz="1200" kern="1200" dirty="0" err="1" smtClean="0">
-                <a:solidFill>
-                  <a:schemeClr val="tx1"/>
-                </a:solidFill>
-                <a:latin typeface="Times New Roman" pitchFamily="18" charset="0"/>
-                <a:ea typeface="+mn-ea"/>
-                <a:cs typeface="+mn-cs"/>
-              </a:rPr>
-              <a:t>css</a:t>
-            </a:r>
-            <a:r>
-              <a:rPr lang="es-CL" sz="1200" kern="1200" dirty="0" smtClean="0">
-                <a:solidFill>
-                  <a:schemeClr val="tx1"/>
-                </a:solidFill>
-                <a:latin typeface="Times New Roman" pitchFamily="18" charset="0"/>
-                <a:ea typeface="+mn-ea"/>
-                <a:cs typeface="+mn-cs"/>
-              </a:rPr>
-              <a:t>, se ocuparon archivos </a:t>
-            </a:r>
-            <a:r>
-              <a:rPr lang="es-CL" sz="1200" kern="1200" dirty="0" err="1" smtClean="0">
-                <a:solidFill>
-                  <a:schemeClr val="tx1"/>
-                </a:solidFill>
-                <a:latin typeface="Times New Roman" pitchFamily="18" charset="0"/>
-                <a:ea typeface="+mn-ea"/>
-                <a:cs typeface="+mn-cs"/>
-              </a:rPr>
-              <a:t>css</a:t>
-            </a:r>
-            <a:r>
-              <a:rPr lang="es-CL" sz="1200" kern="1200" dirty="0" smtClean="0">
-                <a:solidFill>
-                  <a:schemeClr val="tx1"/>
-                </a:solidFill>
-                <a:latin typeface="Times New Roman" pitchFamily="18" charset="0"/>
-                <a:ea typeface="+mn-ea"/>
-                <a:cs typeface="+mn-cs"/>
-              </a:rPr>
-              <a:t> de terceros con licencia open </a:t>
-            </a:r>
-            <a:r>
-              <a:rPr lang="es-CL" sz="1200" kern="1200" dirty="0" err="1" smtClean="0">
-                <a:solidFill>
-                  <a:schemeClr val="tx1"/>
-                </a:solidFill>
-                <a:latin typeface="Times New Roman" pitchFamily="18" charset="0"/>
-                <a:ea typeface="+mn-ea"/>
-                <a:cs typeface="+mn-cs"/>
-              </a:rPr>
-              <a:t>source</a:t>
-            </a:r>
-            <a:r>
-              <a:rPr lang="es-CL" sz="1200" kern="1200" dirty="0" smtClean="0">
-                <a:solidFill>
-                  <a:schemeClr val="tx1"/>
-                </a:solidFill>
-                <a:latin typeface="Times New Roman" pitchFamily="18" charset="0"/>
-                <a:ea typeface="+mn-ea"/>
-                <a:cs typeface="+mn-cs"/>
-              </a:rPr>
-              <a:t> y para funcionalidades extras como los menús o la asignación manual de tomar y soltar se ocupo Javascript con librerías open </a:t>
-            </a:r>
-            <a:r>
-              <a:rPr lang="es-CL" sz="1200" kern="1200" dirty="0" err="1" smtClean="0">
-                <a:solidFill>
-                  <a:schemeClr val="tx1"/>
-                </a:solidFill>
-                <a:latin typeface="Times New Roman" pitchFamily="18" charset="0"/>
-                <a:ea typeface="+mn-ea"/>
-                <a:cs typeface="+mn-cs"/>
-              </a:rPr>
-              <a:t>source</a:t>
-            </a:r>
-            <a:r>
-              <a:rPr lang="es-CL" sz="1200" kern="1200" dirty="0" smtClean="0">
-                <a:solidFill>
-                  <a:schemeClr val="tx1"/>
-                </a:solidFill>
-                <a:latin typeface="Times New Roman" pitchFamily="18" charset="0"/>
-                <a:ea typeface="+mn-ea"/>
-                <a:cs typeface="+mn-cs"/>
-              </a:rPr>
-              <a:t> como </a:t>
-            </a:r>
-            <a:r>
-              <a:rPr lang="es-CL" sz="1200" kern="1200" dirty="0" err="1" smtClean="0">
-                <a:solidFill>
-                  <a:schemeClr val="tx1"/>
-                </a:solidFill>
-                <a:latin typeface="Times New Roman" pitchFamily="18" charset="0"/>
-                <a:ea typeface="+mn-ea"/>
-                <a:cs typeface="+mn-cs"/>
-              </a:rPr>
-              <a:t>jquery</a:t>
-            </a:r>
-            <a:r>
-              <a:rPr lang="es-CL" sz="1200" kern="1200" dirty="0" smtClean="0">
-                <a:solidFill>
-                  <a:schemeClr val="tx1"/>
-                </a:solidFill>
-                <a:latin typeface="Times New Roman" pitchFamily="18" charset="0"/>
-                <a:ea typeface="+mn-ea"/>
-                <a:cs typeface="+mn-cs"/>
-              </a:rPr>
-              <a:t>.</a:t>
+              <a:t> de aspx que genera código de cliente en xhtml, además para el layout y diseño de las paginas se ocupa css, se ocuparon archivos css de terceros con licencia open source y para funcionalidades extras como los menús o la asignación manual de tomar y soltar se ocupo Javascript con librerías open source como jquery.</a:t>
             </a:r>
           </a:p>
           <a:p>
@@ -24535,7 +24021,7 @@
               </a:pPr>
               <a:t>21</a:t>
             </a:fld>
-            <a:endParaRPr lang="es-ES"/>
+            <a:endParaRPr lang="es-ES" dirty="0"/>
           </a:p>
         </p:txBody>
       </p:sp>
@@ -24632,7 +24118,7 @@
               </a:pPr>
               <a:t>22</a:t>
             </a:fld>
-            <a:endParaRPr lang="es-ES"/>
+            <a:endParaRPr lang="es-ES" dirty="0"/>
           </a:p>
         </p:txBody>
       </p:sp>
@@ -24723,7 +24209,7 @@
               </a:pPr>
               <a:t>23</a:t>
             </a:fld>
-            <a:endParaRPr lang="es-ES"/>
+            <a:endParaRPr lang="es-ES" dirty="0"/>
           </a:p>
         </p:txBody>
       </p:sp>
@@ -24810,7 +24296,7 @@
               </a:pPr>
               <a:t>24</a:t>
             </a:fld>
-            <a:endParaRPr lang="es-ES"/>
+            <a:endParaRPr lang="es-ES" dirty="0"/>
           </a:p>
         </p:txBody>
       </p:sp>
@@ -24901,7 +24387,7 @@
               </a:pPr>
               <a:t>25</a:t>
             </a:fld>
-            <a:endParaRPr lang="es-ES"/>
+            <a:endParaRPr lang="es-ES" dirty="0"/>
           </a:p>
         </p:txBody>
       </p:sp>
@@ -24992,7 +24478,7 @@
               </a:pPr>
               <a:t>27</a:t>
             </a:fld>
-            <a:endParaRPr lang="es-ES"/>
+            <a:endParaRPr lang="es-ES" dirty="0"/>
           </a:p>
         </p:txBody>
       </p:sp>
@@ -25083,7 +24569,7 @@
               </a:pPr>
               <a:t>29</a:t>
             </a:fld>
-            <a:endParaRPr lang="es-ES"/>
+            <a:endParaRPr lang="es-ES" dirty="0"/>
           </a:p>
         </p:txBody>
       </p:sp>
@@ -25174,7 +24660,7 @@
               </a:pPr>
               <a:t>31</a:t>
             </a:fld>
-            <a:endParaRPr lang="es-ES"/>
+            <a:endParaRPr lang="es-ES" dirty="0"/>
           </a:p>
         </p:txBody>
       </p:sp>
@@ -25264,7 +24750,7 @@
               </a:pPr>
               <a:t>33</a:t>
             </a:fld>
-            <a:endParaRPr lang="es-ES"/>
+            <a:endParaRPr lang="es-ES" dirty="0"/>
           </a:p>
         </p:txBody>
       </p:sp>
@@ -25405,7 +24891,7 @@
               </a:pPr>
               <a:t>3</a:t>
             </a:fld>
-            <a:endParaRPr lang="es-ES"/>
+            <a:endParaRPr lang="es-ES" dirty="0"/>
           </a:p>
         </p:txBody>
       </p:sp>
@@ -25463,7 +24949,7 @@
           </a:bodyPr>
           <a:lstStyle/>
           <a:p>
-            <a:endParaRPr lang="es-CL"/>
+            <a:endParaRPr lang="es-CL" dirty="0"/>
           </a:p>
         </p:txBody>
       </p:sp>
@@ -25492,7 +24978,7 @@
               </a:pPr>
               <a:t>34</a:t>
             </a:fld>
-            <a:endParaRPr lang="es-ES"/>
+            <a:endParaRPr lang="es-ES" dirty="0"/>
           </a:p>
         </p:txBody>
       </p:sp>
@@ -25593,7 +25079,7 @@
               </a:pPr>
               <a:t>35</a:t>
             </a:fld>
-            <a:endParaRPr lang="es-ES"/>
+            <a:endParaRPr lang="es-ES" dirty="0"/>
           </a:p>
         </p:txBody>
       </p:sp>
@@ -25750,18 +25236,7 @@
                 <a:ea typeface="+mn-ea"/>
                 <a:cs typeface="+mn-cs"/>
               </a:rPr>
-              <a:t>motivación para este </a:t>
-            </a:r>
-            <a:r>
-              <a:rPr lang="es-CL" sz="1200" kern="1200" dirty="0" smtClean="0">
-                <a:solidFill>
-                  <a:schemeClr val="tx1"/>
-                </a:solidFill>
-                <a:latin typeface="Times New Roman" pitchFamily="18" charset="0"/>
-                <a:ea typeface="+mn-ea"/>
-                <a:cs typeface="+mn-cs"/>
-              </a:rPr>
-              <a:t>proyecto.</a:t>
+              <a:t>motivación para este proyecto.</a:t>
             </a:r>
           </a:p>
           <a:p>
@@ -25794,7 +25269,7 @@
               </a:pPr>
               <a:t>4</a:t>
             </a:fld>
-            <a:endParaRPr lang="es-ES"/>
+            <a:endParaRPr lang="es-ES" dirty="0"/>
           </a:p>
         </p:txBody>
       </p:sp>
@@ -25927,7 +25402,7 @@
               </a:pPr>
               <a:t>5</a:t>
             </a:fld>
-            <a:endParaRPr lang="es-ES"/>
+            <a:endParaRPr lang="es-ES" dirty="0"/>
           </a:p>
         </p:txBody>
       </p:sp>
@@ -26149,7 +25624,7 @@
               </a:pPr>
               <a:t>6</a:t>
             </a:fld>
-            <a:endParaRPr lang="es-ES"/>
+            <a:endParaRPr lang="es-ES" dirty="0"/>
           </a:p>
         </p:txBody>
       </p:sp>
@@ -26307,7 +25782,7 @@
               </a:pPr>
               <a:t>7</a:t>
             </a:fld>
-            <a:endParaRPr lang="es-ES"/>
+            <a:endParaRPr lang="es-ES" dirty="0"/>
           </a:p>
         </p:txBody>
       </p:sp>
@@ -26421,29 +25896,7 @@
                 <a:ea typeface="+mn-ea"/>
                 <a:cs typeface="+mn-cs"/>
               </a:rPr>
-              <a:t> El problema que presenta este tipo de empresa se da en los tiempos de espera de un cliente por la reparación de un articulo ya sea en garantía o particular y este se ve básicamente por que en algunas oportunidades las cargas de trabajo son sobre lo normal y los trabajadores encargados de asignar el trabajo no lo hacen inmediatamente o simplemente no existe retroalimentación de los estados de cada articulo. Por lo que todo esto provoca una sensación de mala atención hacia el cliente, ya que el es el que llega molesto por que su articulo fallo y es obvio que quiere tenerlo reparado o solucionado lo mas pronto posible, debido a esta insatisfacción del cliente estos problemas normalmente derivan en denuncias en </a:t>
-            </a:r>
-            <a:r>
-              <a:rPr lang="es-CL" sz="1200" kern="1200" dirty="0" err="1" smtClean="0">
-                <a:solidFill>
-                  <a:schemeClr val="tx1"/>
-                </a:solidFill>
-                <a:latin typeface="Times New Roman" pitchFamily="18" charset="0"/>
-                <a:ea typeface="+mn-ea"/>
-                <a:cs typeface="+mn-cs"/>
-              </a:rPr>
-              <a:t>sernac</a:t>
-            </a:r>
-            <a:r>
-              <a:rPr lang="es-CL" sz="1200" kern="1200" dirty="0" smtClean="0">
-                <a:solidFill>
-                  <a:schemeClr val="tx1"/>
-                </a:solidFill>
-                <a:latin typeface="Times New Roman" pitchFamily="18" charset="0"/>
-                <a:ea typeface="+mn-ea"/>
-                <a:cs typeface="+mn-cs"/>
-              </a:rPr>
-              <a:t>.</a:t>
+              <a:t> El problema que presenta este tipo de empresa se da en los tiempos de espera de un cliente por la reparación de un articulo ya sea en garantía o particular y este se ve básicamente por que en algunas oportunidades las cargas de trabajo son sobre lo normal y los trabajadores encargados de asignar el trabajo no lo hacen inmediatamente o simplemente no existe retroalimentación de los estados de cada articulo. Por lo que todo esto provoca una sensación de mala atención hacia el cliente, ya que el es el que llega molesto por que su articulo fallo y es obvio que quiere tenerlo reparado o solucionado lo mas pronto posible, debido a esta insatisfacción del cliente estos problemas normalmente derivan en denuncias en sernac.</a:t>
             </a:r>
           </a:p>
           <a:p>
@@ -26493,7 +25946,7 @@
               </a:pPr>
               <a:t>8</a:t>
             </a:fld>
-            <a:endParaRPr lang="es-ES"/>
+            <a:endParaRPr lang="es-ES" dirty="0"/>
           </a:p>
         </p:txBody>
       </p:sp>
@@ -26620,7 +26073,7 @@
               </a:pPr>
               <a:t>9</a:t>
             </a:fld>
-            <a:endParaRPr lang="es-ES"/>
+            <a:endParaRPr lang="es-ES" dirty="0"/>
           </a:p>
         </p:txBody>
       </p:sp>
@@ -26766,7 +26219,7 @@
             <a:pPr>
               <a:defRPr/>
             </a:pPr>
-            <a:endParaRPr lang="es-ES"/>
+            <a:endParaRPr lang="es-ES" dirty="0"/>
           </a:p>
         </p:txBody>
       </p:sp>
@@ -26794,7 +26247,7 @@
             <a:pPr>
               <a:defRPr/>
             </a:pPr>
-            <a:endParaRPr lang="es-ES"/>
+            <a:endParaRPr lang="es-ES" dirty="0"/>
           </a:p>
         </p:txBody>
       </p:sp>
@@ -26829,7 +26282,7 @@
               </a:pPr>
               <a:t>‹Nº›</a:t>
             </a:fld>
-            <a:endParaRPr lang="es-ES"/>
+            <a:endParaRPr lang="es-ES" dirty="0"/>
           </a:p>
         </p:txBody>
       </p:sp>
@@ -26958,7 +26411,7 @@
             <a:pPr>
               <a:defRPr/>
             </a:pPr>
-            <a:endParaRPr lang="es-ES"/>
+            <a:endParaRPr lang="es-ES" dirty="0"/>
           </a:p>
         </p:txBody>
       </p:sp>
@@ -26986,7 +26439,7 @@
             <a:pPr>
               <a:defRPr/>
             </a:pPr>
-            <a:endParaRPr lang="es-ES"/>
+            <a:endParaRPr lang="es-ES" dirty="0"/>
           </a:p>
         </p:txBody>
       </p:sp>
@@ -27021,7 +26474,7 @@
               </a:pPr>
               <a:t>‹Nº›</a:t>
             </a:fld>
-            <a:endParaRPr lang="es-ES"/>
+            <a:endParaRPr lang="es-ES" dirty="0"/>
           </a:p>
         </p:txBody>
       </p:sp>
@@ -27160,7 +26613,7 @@
             <a:pPr>
               <a:defRPr/>
             </a:pPr>
-            <a:endParaRPr lang="es-ES"/>
+            <a:endParaRPr lang="es-ES" dirty="0"/>
           </a:p>
         </p:txBody>
       </p:sp>
@@ -27188,7 +26641,7 @@
             <a:pPr>
               <a:defRPr/>
             </a:pPr>
-            <a:endParaRPr lang="es-ES"/>
+            <a:endParaRPr lang="es-ES" dirty="0"/>
           </a:p>
         </p:txBody>
       </p:sp>
@@ -27223,7 +26676,7 @@
               </a:pPr>
               <a:t>‹Nº›</a:t>
             </a:fld>
-            <a:endParaRPr lang="es-ES"/>
+            <a:endParaRPr lang="es-ES" dirty="0"/>
           </a:p>
         </p:txBody>
       </p:sp>
@@ -27302,7 +26755,7 @@
           <a:lstStyle/>
           <a:p>
             <a:pPr lvl="0"/>
-            <a:endParaRPr lang="es-ES_tradnl" noProof="0"/>
+            <a:endParaRPr lang="es-ES_tradnl" noProof="0" dirty="0"/>
           </a:p>
         </p:txBody>
       </p:sp>
@@ -27330,7 +26783,7 @@
             <a:pPr>
               <a:defRPr/>
             </a:pPr>
-            <a:endParaRPr lang="es-ES"/>
+            <a:endParaRPr lang="es-ES" dirty="0"/>
           </a:p>
         </p:txBody>
       </p:sp>
@@ -27358,7 +26811,7 @@
             <a:pPr>
               <a:defRPr/>
             </a:pPr>
-            <a:endParaRPr lang="es-ES"/>
+            <a:endParaRPr lang="es-ES" dirty="0"/>
           </a:p>
         </p:txBody>
       </p:sp>
@@ -27393,7 +26846,7 @@
               </a:pPr>
               <a:t>‹Nº›</a:t>
             </a:fld>
-            <a:endParaRPr lang="es-ES"/>
+            <a:endParaRPr lang="es-ES" dirty="0"/>
           </a:p>
         </p:txBody>
       </p:sp>
@@ -27522,7 +26975,7 @@
             <a:pPr>
               <a:defRPr/>
             </a:pPr>
-            <a:endParaRPr lang="es-ES"/>
+            <a:endParaRPr lang="es-ES" dirty="0"/>
           </a:p>
         </p:txBody>
       </p:sp>
@@ -27550,7 +27003,7 @@
             <a:pPr>
               <a:defRPr/>
             </a:pPr>
-            <a:endParaRPr lang="es-ES"/>
+            <a:endParaRPr lang="es-ES" dirty="0"/>
           </a:p>
         </p:txBody>
       </p:sp>
@@ -27585,7 +27038,7 @@
               </a:pPr>
               <a:t>‹Nº›</a:t>
             </a:fld>
-            <a:endParaRPr lang="es-ES"/>
+            <a:endParaRPr lang="es-ES" dirty="0"/>
           </a:p>
         </p:txBody>
       </p:sp>
@@ -27736,7 +27189,7 @@
             <a:pPr>
               <a:defRPr/>
             </a:pPr>
-            <a:endParaRPr lang="es-ES"/>
+            <a:endParaRPr lang="es-ES" dirty="0"/>
           </a:p>
         </p:txBody>
       </p:sp>
@@ -27764,7 +27217,7 @@
             <a:pPr>
               <a:defRPr/>
             </a:pPr>
-            <a:endParaRPr lang="es-ES"/>
+            <a:endParaRPr lang="es-ES" dirty="0"/>
           </a:p>
         </p:txBody>
       </p:sp>
@@ -27799,7 +27252,7 @@
               </a:pPr>
               <a:t>‹Nº›</a:t>
             </a:fld>
-            <a:endParaRPr lang="es-ES"/>
+            <a:endParaRPr lang="es-ES" dirty="0"/>
           </a:p>
         </p:txBody>
       </p:sp>
@@ -28046,7 +27499,7 @@
             <a:pPr>
               <a:defRPr/>
             </a:pPr>
-            <a:endParaRPr lang="es-ES"/>
+            <a:endParaRPr lang="es-ES" dirty="0"/>
           </a:p>
         </p:txBody>
       </p:sp>
@@ -28074,7 +27527,7 @@
             <a:pPr>
               <a:defRPr/>
             </a:pPr>
-            <a:endParaRPr lang="es-ES"/>
+            <a:endParaRPr lang="es-ES" dirty="0"/>
           </a:p>
         </p:txBody>
       </p:sp>
@@ -28109,7 +27562,7 @@
               </a:pPr>
               <a:t>‹Nº›</a:t>
             </a:fld>
-            <a:endParaRPr lang="es-ES"/>
+            <a:endParaRPr lang="es-ES" dirty="0"/>
           </a:p>
         </p:txBody>
       </p:sp>
@@ -28495,7 +27948,7 @@
             <a:pPr>
               <a:defRPr/>
             </a:pPr>
-            <a:endParaRPr lang="es-ES"/>
+            <a:endParaRPr lang="es-ES" dirty="0"/>
           </a:p>
         </p:txBody>
       </p:sp>
@@ -28523,7 +27976,7 @@
             <a:pPr>
               <a:defRPr/>
             </a:pPr>
-            <a:endParaRPr lang="es-ES"/>
+            <a:endParaRPr lang="es-ES" dirty="0"/>
           </a:p>
         </p:txBody>
       </p:sp>
@@ -28558,7 +28011,7 @@
               </a:pPr>
               <a:t>‹Nº›</a:t>
             </a:fld>
-            <a:endParaRPr lang="es-ES"/>
+            <a:endParaRPr lang="es-ES" dirty="0"/>
           </a:p>
         </p:txBody>
       </p:sp>
@@ -28635,7 +28088,7 @@
             <a:pPr>
               <a:defRPr/>
             </a:pPr>
-            <a:endParaRPr lang="es-ES"/>
+            <a:endParaRPr lang="es-ES" dirty="0"/>
           </a:p>
         </p:txBody>
       </p:sp>
@@ -28663,7 +28116,7 @@
             <a:pPr>
               <a:defRPr/>
             </a:pPr>
-            <a:endParaRPr lang="es-ES"/>
+            <a:endParaRPr lang="es-ES" dirty="0"/>
           </a:p>
         </p:txBody>
       </p:sp>
@@ -28698,7 +28151,7 @@
               </a:pPr>
               <a:t>‹Nº›</a:t>
             </a:fld>
-            <a:endParaRPr lang="es-ES"/>
+            <a:endParaRPr lang="es-ES" dirty="0"/>
           </a:p>
         </p:txBody>
       </p:sp>
@@ -28752,7 +28205,7 @@
             <a:pPr>
               <a:defRPr/>
             </a:pPr>
-            <a:endParaRPr lang="es-ES"/>
+            <a:endParaRPr lang="es-ES" dirty="0"/>
           </a:p>
         </p:txBody>
       </p:sp>
@@ -28780,7 +28233,7 @@
             <a:pPr>
               <a:defRPr/>
             </a:pPr>
-            <a:endParaRPr lang="es-ES"/>
+            <a:endParaRPr lang="es-ES" dirty="0"/>
           </a:p>
         </p:txBody>
       </p:sp>
@@ -28815,7 +28268,7 @@
               </a:pPr>
               <a:t>‹Nº›</a:t>
             </a:fld>
-            <a:endParaRPr lang="es-ES"/>
+            <a:endParaRPr lang="es-ES" dirty="0"/>
           </a:p>
         </p:txBody>
       </p:sp>
@@ -29051,7 +28504,7 @@
             <a:pPr>
               <a:defRPr/>
             </a:pPr>
-            <a:endParaRPr lang="es-ES"/>
+            <a:endParaRPr lang="es-ES" dirty="0"/>
           </a:p>
         </p:txBody>
       </p:sp>
@@ -29079,7 +28532,7 @@
             <a:pPr>
               <a:defRPr/>
             </a:pPr>
-            <a:endParaRPr lang="es-ES"/>
+            <a:endParaRPr lang="es-ES" dirty="0"/>
           </a:p>
         </p:txBody>
       </p:sp>
@@ -29114,7 +28567,7 @@
               </a:pPr>
               <a:t>‹Nº›</a:t>
             </a:fld>
-            <a:endParaRPr lang="es-ES"/>
+            <a:endParaRPr lang="es-ES" dirty="0"/>
           </a:p>
         </p:txBody>
       </p:sp>
@@ -29234,7 +28687,7 @@
           </a:lstStyle>
           <a:p>
             <a:pPr lvl="0"/>
-            <a:endParaRPr lang="es-ES" noProof="0" smtClean="0"/>
+            <a:endParaRPr lang="es-ES" noProof="0" dirty="0" smtClean="0"/>
           </a:p>
         </p:txBody>
       </p:sp>
@@ -29327,7 +28780,7 @@
             <a:pPr>
               <a:defRPr/>
             </a:pPr>
-            <a:endParaRPr lang="es-ES"/>
+            <a:endParaRPr lang="es-ES" dirty="0"/>
           </a:p>
         </p:txBody>
       </p:sp>
@@ -29355,7 +28808,7 @@
             <a:pPr>
               <a:defRPr/>
             </a:pPr>
-            <a:endParaRPr lang="es-ES"/>
+            <a:endParaRPr lang="es-ES" dirty="0"/>
           </a:p>
         </p:txBody>
       </p:sp>
@@ -29390,7 +28843,7 @@
               </a:pPr>
               <a:t>‹Nº›</a:t>
             </a:fld>
-            <a:endParaRPr lang="es-ES"/>
+            <a:endParaRPr lang="es-ES" dirty="0"/>
           </a:p>
         </p:txBody>
       </p:sp>
@@ -29586,7 +29039,7 @@
             <a:pPr>
               <a:defRPr/>
             </a:pPr>
-            <a:endParaRPr lang="es-ES"/>
+            <a:endParaRPr lang="es-ES" dirty="0"/>
           </a:p>
         </p:txBody>
       </p:sp>
@@ -29632,7 +29085,7 @@
             <a:pPr>
               <a:defRPr/>
             </a:pPr>
-            <a:endParaRPr lang="es-ES"/>
+            <a:endParaRPr lang="es-ES" dirty="0"/>
           </a:p>
         </p:txBody>
       </p:sp>
@@ -29685,7 +29138,7 @@
               </a:pPr>
               <a:t>‹Nº›</a:t>
             </a:fld>
-            <a:endParaRPr lang="es-ES"/>
+            <a:endParaRPr lang="es-ES" dirty="0"/>
           </a:p>
         </p:txBody>
       </p:sp>
@@ -30573,6 +30026,36 @@
           </a:p>
         </p:txBody>
       </p:sp>
+      <p:sp>
+        <p:nvSpPr>
+          <p:cNvPr id="6" name="5 CuadroTexto"/>
+          <p:cNvSpPr txBox="1"/>
+          <p:nvPr/>
+        </p:nvSpPr>
+        <p:spPr>
+          <a:xfrm>
+            <a:off x="8458200" y="0"/>
+            <a:ext cx="685800" cy="646331"/>
+          </a:xfrm>
+          <a:prstGeom prst="rect">
+            <a:avLst/>
+          </a:prstGeom>
+          <a:noFill/>
+        </p:spPr>
+        <p:txBody>
+          <a:bodyPr wrap="square" rtlCol="0">
+            <a:spAutoFit/>
+          </a:bodyPr>
+          <a:lstStyle/>
+          <a:p>
+            <a:r>
+              <a:rPr lang="es-CL" sz="3600" b="1" dirty="0" smtClean="0"/>
+              <a:t>.</a:t>
+            </a:r>
+            <a:endParaRPr lang="es-CL" b="1" dirty="0"/>
+          </a:p>
+        </p:txBody>
+      </p:sp>
     </p:spTree>
   </p:cSld>
   <p:clrMapOvr>
@@ -30885,13 +30368,8 @@
           <a:p>
             <a:r>
               <a:rPr lang="es-CL" sz="2400" dirty="0" smtClean="0"/>
-              <a:t>Aplicación Web en plataforma de desarrollo </a:t>
+              <a:t>Aplicación Web en plataforma de desarrollo .Net</a:t>
             </a:r>
-            <a:r>
-              <a:rPr lang="es-CL" sz="2400" dirty="0" err="1" smtClean="0"/>
-              <a:t>.Net</a:t>
-            </a:r>
-            <a:endParaRPr lang="es-CL" sz="2400" dirty="0" smtClean="0"/>
           </a:p>
           <a:p>
             <a:r>
@@ -31056,6 +30534,36 @@
           <a:noFill/>
         </p:spPr>
       </p:pic>
+      <p:sp>
+        <p:nvSpPr>
+          <p:cNvPr id="6" name="5 CuadroTexto"/>
+          <p:cNvSpPr txBox="1"/>
+          <p:nvPr/>
+        </p:nvSpPr>
+        <p:spPr>
+          <a:xfrm>
+            <a:off x="8458200" y="0"/>
+            <a:ext cx="685800" cy="646331"/>
+          </a:xfrm>
+          <a:prstGeom prst="rect">
+            <a:avLst/>
+          </a:prstGeom>
+          <a:noFill/>
+        </p:spPr>
+        <p:txBody>
+          <a:bodyPr wrap="square" rtlCol="0">
+            <a:spAutoFit/>
+          </a:bodyPr>
+          <a:lstStyle/>
+          <a:p>
+            <a:r>
+              <a:rPr lang="es-CL" sz="3600" b="1" dirty="0" smtClean="0"/>
+              <a:t>.</a:t>
+            </a:r>
+            <a:endParaRPr lang="es-CL" b="1" dirty="0"/>
+          </a:p>
+        </p:txBody>
+      </p:sp>
     </p:spTree>
   </p:cSld>
   <p:clrMapOvr>
@@ -31279,6 +30787,36 @@
           </a:graphicData>
         </a:graphic>
       </p:graphicFrame>
+      <p:sp>
+        <p:nvSpPr>
+          <p:cNvPr id="7" name="6 CuadroTexto"/>
+          <p:cNvSpPr txBox="1"/>
+          <p:nvPr/>
+        </p:nvSpPr>
+        <p:spPr>
+          <a:xfrm>
+            <a:off x="8458200" y="0"/>
+            <a:ext cx="685800" cy="646331"/>
+          </a:xfrm>
+          <a:prstGeom prst="rect">
+            <a:avLst/>
+          </a:prstGeom>
+          <a:noFill/>
+        </p:spPr>
+        <p:txBody>
+          <a:bodyPr wrap="square" rtlCol="0">
+            <a:spAutoFit/>
+          </a:bodyPr>
+          <a:lstStyle/>
+          <a:p>
+            <a:r>
+              <a:rPr lang="es-CL" sz="3600" b="1" dirty="0" smtClean="0"/>
+              <a:t>.</a:t>
+            </a:r>
+            <a:endParaRPr lang="es-CL" b="1" dirty="0"/>
+          </a:p>
+        </p:txBody>
+      </p:sp>
     </p:spTree>
   </p:cSld>
   <p:clrMapOvr>
@@ -31510,6 +31048,36 @@
           </a:p>
         </p:txBody>
       </p:sp>
+      <p:sp>
+        <p:nvSpPr>
+          <p:cNvPr id="6" name="5 CuadroTexto"/>
+          <p:cNvSpPr txBox="1"/>
+          <p:nvPr/>
+        </p:nvSpPr>
+        <p:spPr>
+          <a:xfrm>
+            <a:off x="8458200" y="0"/>
+            <a:ext cx="685800" cy="646331"/>
+          </a:xfrm>
+          <a:prstGeom prst="rect">
+            <a:avLst/>
+          </a:prstGeom>
+          <a:noFill/>
+        </p:spPr>
+        <p:txBody>
+          <a:bodyPr wrap="square" rtlCol="0">
+            <a:spAutoFit/>
+          </a:bodyPr>
+          <a:lstStyle/>
+          <a:p>
+            <a:r>
+              <a:rPr lang="es-CL" sz="3600" b="1" dirty="0" smtClean="0"/>
+              <a:t>.</a:t>
+            </a:r>
+            <a:endParaRPr lang="es-CL" b="1" dirty="0"/>
+          </a:p>
+        </p:txBody>
+      </p:sp>
     </p:spTree>
   </p:cSld>
   <p:clrMapOvr>
@@ -31854,15 +31422,7 @@
             <a:pPr lvl="1"/>
             <a:r>
               <a:rPr lang="es-CL" sz="2000" dirty="0" smtClean="0"/>
-              <a:t>El proyecto abarcara el 5% del mercado de los servicios técnicos electrónicos. Esto quiere decir 3 </a:t>
-            </a:r>
-            <a:r>
-              <a:rPr lang="es-CL" sz="2000" dirty="0" smtClean="0"/>
-              <a:t>empresas cliente </a:t>
-            </a:r>
-            <a:r>
-              <a:rPr lang="es-CL" sz="2000" dirty="0" smtClean="0"/>
-              <a:t>el primer año.</a:t>
+              <a:t>El proyecto abarcara el 5% del mercado de los servicios técnicos electrónicos. Esto quiere decir 3 empresas cliente el primer año.</a:t>
             </a:r>
           </a:p>
           <a:p>
@@ -32087,7 +31647,15 @@
             <a:pPr lvl="1"/>
             <a:r>
               <a:rPr lang="es-CL" sz="2000" dirty="0" smtClean="0"/>
-              <a:t>En resumen del flujo de caja final la inversión se recuperara al cuarto año el Tir será de 42% lo que significa que se esta ganando mas de los que se esperaba y el proyecto es factible económicamente.</a:t>
+              <a:t>En resumen del flujo de caja final la inversión se recuperara al cuarto año el Tir será de 42% lo que significa que se esta ganando </a:t>
+            </a:r>
+            <a:r>
+              <a:rPr lang="es-CL" sz="2000" dirty="0" smtClean="0"/>
+              <a:t>más </a:t>
+            </a:r>
+            <a:r>
+              <a:rPr lang="es-CL" sz="2000" dirty="0" smtClean="0"/>
+              <a:t>de los que se esperaba y el proyecto es factible económicamente.</a:t>
             </a:r>
           </a:p>
           <a:p>
@@ -33058,6 +32626,36 @@
           </a:xfrm>
         </p:spPr>
       </p:pic>
+      <p:sp>
+        <p:nvSpPr>
+          <p:cNvPr id="4" name="3 CuadroTexto"/>
+          <p:cNvSpPr txBox="1"/>
+          <p:nvPr/>
+        </p:nvSpPr>
+        <p:spPr>
+          <a:xfrm>
+            <a:off x="8458200" y="0"/>
+            <a:ext cx="685800" cy="646331"/>
+          </a:xfrm>
+          <a:prstGeom prst="rect">
+            <a:avLst/>
+          </a:prstGeom>
+          <a:noFill/>
+        </p:spPr>
+        <p:txBody>
+          <a:bodyPr wrap="square" rtlCol="0">
+            <a:spAutoFit/>
+          </a:bodyPr>
+          <a:lstStyle/>
+          <a:p>
+            <a:r>
+              <a:rPr lang="es-CL" sz="3600" b="1" dirty="0" smtClean="0"/>
+              <a:t>.</a:t>
+            </a:r>
+            <a:endParaRPr lang="es-CL" b="1" dirty="0"/>
+          </a:p>
+        </p:txBody>
+      </p:sp>
     </p:spTree>
   </p:cSld>
   <p:clrMapOvr>
@@ -33654,6 +33252,36 @@
           </a:graphicData>
         </a:graphic>
       </p:graphicFrame>
+      <p:sp>
+        <p:nvSpPr>
+          <p:cNvPr id="4" name="3 CuadroTexto"/>
+          <p:cNvSpPr txBox="1"/>
+          <p:nvPr/>
+        </p:nvSpPr>
+        <p:spPr>
+          <a:xfrm>
+            <a:off x="8458200" y="0"/>
+            <a:ext cx="685800" cy="646331"/>
+          </a:xfrm>
+          <a:prstGeom prst="rect">
+            <a:avLst/>
+          </a:prstGeom>
+          <a:noFill/>
+        </p:spPr>
+        <p:txBody>
+          <a:bodyPr wrap="square" rtlCol="0">
+            <a:spAutoFit/>
+          </a:bodyPr>
+          <a:lstStyle/>
+          <a:p>
+            <a:r>
+              <a:rPr lang="es-CL" sz="3600" b="1" dirty="0" smtClean="0"/>
+              <a:t>.</a:t>
+            </a:r>
+            <a:endParaRPr lang="es-CL" b="1" dirty="0"/>
+          </a:p>
+        </p:txBody>
+      </p:sp>
     </p:spTree>
   </p:cSld>
   <p:clrMapOvr>
@@ -33891,6 +33519,36 @@
           <a:noFill/>
         </p:spPr>
       </p:pic>
+      <p:sp>
+        <p:nvSpPr>
+          <p:cNvPr id="7" name="6 CuadroTexto"/>
+          <p:cNvSpPr txBox="1"/>
+          <p:nvPr/>
+        </p:nvSpPr>
+        <p:spPr>
+          <a:xfrm>
+            <a:off x="8458200" y="0"/>
+            <a:ext cx="685800" cy="646331"/>
+          </a:xfrm>
+          <a:prstGeom prst="rect">
+            <a:avLst/>
+          </a:prstGeom>
+          <a:noFill/>
+        </p:spPr>
+        <p:txBody>
+          <a:bodyPr wrap="square" rtlCol="0">
+            <a:spAutoFit/>
+          </a:bodyPr>
+          <a:lstStyle/>
+          <a:p>
+            <a:r>
+              <a:rPr lang="es-CL" sz="3600" b="1" dirty="0" smtClean="0"/>
+              <a:t>.</a:t>
+            </a:r>
+            <a:endParaRPr lang="es-CL" b="1" dirty="0"/>
+          </a:p>
+        </p:txBody>
+      </p:sp>
     </p:spTree>
   </p:cSld>
   <p:clrMapOvr>
@@ -34229,6 +33887,36 @@
           </a:p>
         </p:txBody>
       </p:sp>
+      <p:sp>
+        <p:nvSpPr>
+          <p:cNvPr id="3" name="2 CuadroTexto"/>
+          <p:cNvSpPr txBox="1"/>
+          <p:nvPr/>
+        </p:nvSpPr>
+        <p:spPr>
+          <a:xfrm>
+            <a:off x="8458200" y="0"/>
+            <a:ext cx="685800" cy="646331"/>
+          </a:xfrm>
+          <a:prstGeom prst="rect">
+            <a:avLst/>
+          </a:prstGeom>
+          <a:noFill/>
+        </p:spPr>
+        <p:txBody>
+          <a:bodyPr wrap="square" rtlCol="0">
+            <a:spAutoFit/>
+          </a:bodyPr>
+          <a:lstStyle/>
+          <a:p>
+            <a:r>
+              <a:rPr lang="es-CL" sz="3600" b="1" dirty="0" smtClean="0"/>
+              <a:t>.</a:t>
+            </a:r>
+            <a:endParaRPr lang="es-CL" b="1" dirty="0"/>
+          </a:p>
+        </p:txBody>
+      </p:sp>
     </p:spTree>
   </p:cSld>
   <p:clrMapOvr>
@@ -34601,6 +34289,36 @@
           </a:p>
         </p:txBody>
       </p:sp>
+      <p:sp>
+        <p:nvSpPr>
+          <p:cNvPr id="3" name="2 CuadroTexto"/>
+          <p:cNvSpPr txBox="1"/>
+          <p:nvPr/>
+        </p:nvSpPr>
+        <p:spPr>
+          <a:xfrm>
+            <a:off x="8458200" y="0"/>
+            <a:ext cx="685800" cy="646331"/>
+          </a:xfrm>
+          <a:prstGeom prst="rect">
+            <a:avLst/>
+          </a:prstGeom>
+          <a:noFill/>
+        </p:spPr>
+        <p:txBody>
+          <a:bodyPr wrap="square" rtlCol="0">
+            <a:spAutoFit/>
+          </a:bodyPr>
+          <a:lstStyle/>
+          <a:p>
+            <a:r>
+              <a:rPr lang="es-CL" sz="3600" b="1" dirty="0" smtClean="0"/>
+              <a:t>.</a:t>
+            </a:r>
+            <a:endParaRPr lang="es-CL" b="1" dirty="0"/>
+          </a:p>
+        </p:txBody>
+      </p:sp>
     </p:spTree>
   </p:cSld>
   <p:clrMapOvr>
@@ -34977,6 +34695,36 @@
           </a:p>
         </p:txBody>
       </p:sp>
+      <p:sp>
+        <p:nvSpPr>
+          <p:cNvPr id="3" name="2 CuadroTexto"/>
+          <p:cNvSpPr txBox="1"/>
+          <p:nvPr/>
+        </p:nvSpPr>
+        <p:spPr>
+          <a:xfrm>
+            <a:off x="8458200" y="0"/>
+            <a:ext cx="685800" cy="646331"/>
+          </a:xfrm>
+          <a:prstGeom prst="rect">
+            <a:avLst/>
+          </a:prstGeom>
+          <a:noFill/>
+        </p:spPr>
+        <p:txBody>
+          <a:bodyPr wrap="square" rtlCol="0">
+            <a:spAutoFit/>
+          </a:bodyPr>
+          <a:lstStyle/>
+          <a:p>
+            <a:r>
+              <a:rPr lang="es-CL" sz="3600" b="1" dirty="0" smtClean="0"/>
+              <a:t>.</a:t>
+            </a:r>
+            <a:endParaRPr lang="es-CL" b="1" dirty="0"/>
+          </a:p>
+        </p:txBody>
+      </p:sp>
     </p:spTree>
   </p:cSld>
   <p:clrMapOvr>
@@ -36133,6 +35881,36 @@
           <a:noFill/>
         </p:spPr>
       </p:pic>
+      <p:sp>
+        <p:nvSpPr>
+          <p:cNvPr id="7" name="6 CuadroTexto"/>
+          <p:cNvSpPr txBox="1"/>
+          <p:nvPr/>
+        </p:nvSpPr>
+        <p:spPr>
+          <a:xfrm>
+            <a:off x="8458200" y="0"/>
+            <a:ext cx="685800" cy="646331"/>
+          </a:xfrm>
+          <a:prstGeom prst="rect">
+            <a:avLst/>
+          </a:prstGeom>
+          <a:noFill/>
+        </p:spPr>
+        <p:txBody>
+          <a:bodyPr wrap="square" rtlCol="0">
+            <a:spAutoFit/>
+          </a:bodyPr>
+          <a:lstStyle/>
+          <a:p>
+            <a:r>
+              <a:rPr lang="es-CL" sz="3600" b="1" dirty="0" smtClean="0"/>
+              <a:t>.</a:t>
+            </a:r>
+            <a:endParaRPr lang="es-CL" b="1" dirty="0"/>
+          </a:p>
+        </p:txBody>
+      </p:sp>
     </p:spTree>
   </p:cSld>
   <p:clrMapOvr>
@@ -36325,6 +36103,36 @@
           </a:graphicData>
         </a:graphic>
       </p:graphicFrame>
+      <p:sp>
+        <p:nvSpPr>
+          <p:cNvPr id="6" name="5 CuadroTexto"/>
+          <p:cNvSpPr txBox="1"/>
+          <p:nvPr/>
+        </p:nvSpPr>
+        <p:spPr>
+          <a:xfrm>
+            <a:off x="8458200" y="0"/>
+            <a:ext cx="685800" cy="646331"/>
+          </a:xfrm>
+          <a:prstGeom prst="rect">
+            <a:avLst/>
+          </a:prstGeom>
+          <a:noFill/>
+        </p:spPr>
+        <p:txBody>
+          <a:bodyPr wrap="square" rtlCol="0">
+            <a:spAutoFit/>
+          </a:bodyPr>
+          <a:lstStyle/>
+          <a:p>
+            <a:r>
+              <a:rPr lang="es-CL" sz="3600" b="1" dirty="0" smtClean="0"/>
+              <a:t>.</a:t>
+            </a:r>
+            <a:endParaRPr lang="es-CL" b="1" dirty="0"/>
+          </a:p>
+        </p:txBody>
+      </p:sp>
     </p:spTree>
   </p:cSld>
   <p:clrMapOvr>
@@ -36535,6 +36343,36 @@
           </a:effectLst>
         </p:spPr>
       </p:pic>
+      <p:sp>
+        <p:nvSpPr>
+          <p:cNvPr id="6" name="5 CuadroTexto"/>
+          <p:cNvSpPr txBox="1"/>
+          <p:nvPr/>
+        </p:nvSpPr>
+        <p:spPr>
+          <a:xfrm>
+            <a:off x="8458200" y="0"/>
+            <a:ext cx="685800" cy="646331"/>
+          </a:xfrm>
+          <a:prstGeom prst="rect">
+            <a:avLst/>
+          </a:prstGeom>
+          <a:noFill/>
+        </p:spPr>
+        <p:txBody>
+          <a:bodyPr wrap="square" rtlCol="0">
+            <a:spAutoFit/>
+          </a:bodyPr>
+          <a:lstStyle/>
+          <a:p>
+            <a:r>
+              <a:rPr lang="es-CL" sz="3600" b="1" dirty="0" smtClean="0"/>
+              <a:t>.</a:t>
+            </a:r>
+            <a:endParaRPr lang="es-CL" b="1" dirty="0"/>
+          </a:p>
+        </p:txBody>
+      </p:sp>
     </p:spTree>
   </p:cSld>
   <p:clrMapOvr>
@@ -36706,21 +36544,8 @@
           <a:p>
             <a:r>
               <a:rPr lang="es-CL" dirty="0" smtClean="0"/>
-              <a:t>Tiempo de entrega  es extenso y los </a:t>
+              <a:t>Tiempo de entrega  es extenso y los plazos tienden a extenderse.</a:t>
             </a:r>
-            <a:r>
-              <a:rPr lang="es-CL" dirty="0" smtClean="0"/>
-              <a:t>plazos </a:t>
-            </a:r>
-            <a:r>
-              <a:rPr lang="es-CL" dirty="0" smtClean="0"/>
-              <a:t>tienden a extenderse</a:t>
-            </a:r>
-            <a:r>
-              <a:rPr lang="es-CL" dirty="0" smtClean="0"/>
-              <a:t>.</a:t>
-            </a:r>
-            <a:endParaRPr lang="es-CL" dirty="0" smtClean="0"/>
           </a:p>
           <a:p>
             <a:r>
@@ -36967,6 +36792,36 @@
               <a:latin typeface="Arial" pitchFamily="34" charset="0"/>
               <a:cs typeface="Arial" pitchFamily="34" charset="0"/>
             </a:endParaRPr>
+          </a:p>
+        </p:txBody>
+      </p:sp>
+      <p:sp>
+        <p:nvSpPr>
+          <p:cNvPr id="6" name="5 CuadroTexto"/>
+          <p:cNvSpPr txBox="1"/>
+          <p:nvPr/>
+        </p:nvSpPr>
+        <p:spPr>
+          <a:xfrm>
+            <a:off x="8458200" y="0"/>
+            <a:ext cx="685800" cy="646331"/>
+          </a:xfrm>
+          <a:prstGeom prst="rect">
+            <a:avLst/>
+          </a:prstGeom>
+          <a:noFill/>
+        </p:spPr>
+        <p:txBody>
+          <a:bodyPr wrap="square" rtlCol="0">
+            <a:spAutoFit/>
+          </a:bodyPr>
+          <a:lstStyle/>
+          <a:p>
+            <a:r>
+              <a:rPr lang="es-CL" sz="3600" b="1" dirty="0" smtClean="0"/>
+              <a:t>.</a:t>
+            </a:r>
+            <a:endParaRPr lang="es-CL" b="1" dirty="0"/>
           </a:p>
         </p:txBody>
       </p:sp>

--- a/sigset/documentos/Documentos finales/Presentacion.pptx
+++ b/sigset/documentos/Documentos finales/Presentacion.pptx
@@ -7439,8 +7439,8 @@
     <dgm:cxn modelId="{009F14D6-CA1E-4C51-9A0D-B3F9C1E49D18}" srcId="{8C966F34-B6FE-4951-A5DC-B6B890C24F40}" destId="{3E04EA27-BE6A-44A3-A3D4-2CA4C32FFFF1}" srcOrd="0" destOrd="0" parTransId="{AE75B588-956D-4795-8BBA-14C526926D85}" sibTransId="{95BE6102-EEB0-4432-978E-FF1B073DB7AE}"/>
     <dgm:cxn modelId="{7C45ECE9-8356-43E2-B614-D776DF3DC2DF}" srcId="{393E7F46-B313-4E77-9797-D22D41EC5A03}" destId="{C9CB3786-0DB1-4998-9BFA-7ECC9C5F0DDE}" srcOrd="0" destOrd="0" parTransId="{0E603B5F-E788-4075-9EE8-6B92BD9BB1C6}" sibTransId="{7DBE4023-B152-423B-8602-7781CB8577AE}"/>
     <dgm:cxn modelId="{408049A4-04EC-42E5-AF64-48679D607DD0}" srcId="{3E04EA27-BE6A-44A3-A3D4-2CA4C32FFFF1}" destId="{FF7302D4-DF56-4D05-A039-49D494387244}" srcOrd="0" destOrd="0" parTransId="{D4A43A0A-08CA-47F1-8162-BEC510EB34F5}" sibTransId="{2DF987A6-F136-45BC-97D9-2328C9ACEA14}"/>
+    <dgm:cxn modelId="{730F44F3-0F16-4DC7-94FF-A657B4144452}" type="presOf" srcId="{FF7302D4-DF56-4D05-A039-49D494387244}" destId="{97C6F11A-5991-412B-8918-0D15E3AC825F}" srcOrd="0" destOrd="1" presId="urn:microsoft.com/office/officeart/2005/8/layout/hierarchy3"/>
     <dgm:cxn modelId="{CA8B197C-6DF2-4384-8BED-6C6211A4692F}" type="presOf" srcId="{28182505-8186-4B77-AAED-7D73BD2EC62F}" destId="{59A576FD-DEA1-4973-B0CA-89D07BC9EE75}" srcOrd="0" destOrd="0" presId="urn:microsoft.com/office/officeart/2005/8/layout/hierarchy3"/>
-    <dgm:cxn modelId="{730F44F3-0F16-4DC7-94FF-A657B4144452}" type="presOf" srcId="{FF7302D4-DF56-4D05-A039-49D494387244}" destId="{97C6F11A-5991-412B-8918-0D15E3AC825F}" srcOrd="0" destOrd="1" presId="urn:microsoft.com/office/officeart/2005/8/layout/hierarchy3"/>
     <dgm:cxn modelId="{40756456-B1A5-4647-AF0B-6BC04E8D387D}" type="presParOf" srcId="{2655004E-649B-4D47-A2B9-0F2E94C643CB}" destId="{337FD4D9-A838-445B-9526-C66711C47A35}" srcOrd="0" destOrd="0" presId="urn:microsoft.com/office/officeart/2005/8/layout/hierarchy3"/>
     <dgm:cxn modelId="{BCE4A16B-AB27-4FA4-A6DD-B2C100F4B745}" type="presParOf" srcId="{337FD4D9-A838-445B-9526-C66711C47A35}" destId="{F50E9F67-7CBD-4601-8AA2-A892E09D1946}" srcOrd="0" destOrd="0" presId="urn:microsoft.com/office/officeart/2005/8/layout/hierarchy3"/>
     <dgm:cxn modelId="{4B6627DE-80EB-4875-A1ED-CE6CCC33067C}" type="presParOf" srcId="{F50E9F67-7CBD-4601-8AA2-A892E09D1946}" destId="{1F4999A6-8239-4781-8813-D424C1999DB7}" srcOrd="0" destOrd="0" presId="urn:microsoft.com/office/officeart/2005/8/layout/hierarchy3"/>
@@ -8613,14 +8613,14 @@
 </file>
 
 <file path=ppt/diagrams/drawing1.xml><?xml version="1.0" encoding="utf-8"?>
-<dgm:drawing xmlns:dgm="http://schemas.openxmlformats.org/drawingml/2006/diagram" xmlns:a="http://schemas.openxmlformats.org/drawingml/2006/main">
-  <dsp:spTree xmlns:dsp="http://schemas.microsoft.com/office/drawing/2008/diagram">
+<dsp:drawing xmlns:dgm="http://schemas.openxmlformats.org/drawingml/2006/diagram" xmlns:a="http://schemas.openxmlformats.org/drawingml/2006/main" xmlns:dsp="http://schemas.microsoft.com/office/drawing/2008/diagram">
+  <dsp:spTree>
     <dsp:nvGrpSpPr>
       <dsp:cNvPr id="0" name=""/>
       <dsp:cNvGrpSpPr/>
     </dsp:nvGrpSpPr>
     <dsp:grpSpPr/>
-    <dsp:sp modelId="{C897771F-DC93-4AD3-8C40-0F56AD012119}" macro="" textlink="">
+    <dsp:sp modelId="{C897771F-DC93-4AD3-8C40-0F56AD012119}">
       <dsp:nvSpPr>
         <dsp:cNvPr id="0" name=""/>
         <dsp:cNvSpPr/>
@@ -8678,7 +8678,7 @@
         <a:fontRef idx="minor"/>
       </dsp:style>
     </dsp:sp>
-    <dsp:sp modelId="{7067C38B-1810-4DB2-B807-5CCA43081905}" macro="" textlink="">
+    <dsp:sp modelId="{7067C38B-1810-4DB2-B807-5CCA43081905}">
       <dsp:nvSpPr>
         <dsp:cNvPr id="0" name=""/>
         <dsp:cNvSpPr/>
@@ -8739,7 +8739,7 @@
         <a:fontRef idx="minor"/>
       </dsp:style>
     </dsp:sp>
-    <dsp:sp modelId="{67F2C483-67D0-4A41-8A9B-9354F34B051C}" macro="" textlink="">
+    <dsp:sp modelId="{67F2C483-67D0-4A41-8A9B-9354F34B051C}">
       <dsp:nvSpPr>
         <dsp:cNvPr id="0" name=""/>
         <dsp:cNvSpPr/>
@@ -8800,7 +8800,7 @@
         <a:fontRef idx="minor"/>
       </dsp:style>
     </dsp:sp>
-    <dsp:sp modelId="{5F0C548B-D49C-4B81-89F6-6D921674CBC8}" macro="" textlink="">
+    <dsp:sp modelId="{5F0C548B-D49C-4B81-89F6-6D921674CBC8}">
       <dsp:nvSpPr>
         <dsp:cNvPr id="0" name=""/>
         <dsp:cNvSpPr/>
@@ -8858,7 +8858,7 @@
         <a:fontRef idx="minor"/>
       </dsp:style>
     </dsp:sp>
-    <dsp:sp modelId="{81A24B65-9686-48A3-8394-FE12A9A3486A}" macro="" textlink="">
+    <dsp:sp modelId="{81A24B65-9686-48A3-8394-FE12A9A3486A}">
       <dsp:nvSpPr>
         <dsp:cNvPr id="0" name=""/>
         <dsp:cNvSpPr/>
@@ -8919,7 +8919,7 @@
         <a:fontRef idx="minor"/>
       </dsp:style>
     </dsp:sp>
-    <dsp:sp modelId="{424B6412-A3F9-4720-A8EB-462E252393E7}" macro="" textlink="">
+    <dsp:sp modelId="{424B6412-A3F9-4720-A8EB-462E252393E7}">
       <dsp:nvSpPr>
         <dsp:cNvPr id="0" name=""/>
         <dsp:cNvSpPr/>
@@ -8977,7 +8977,7 @@
         <a:fontRef idx="minor"/>
       </dsp:style>
     </dsp:sp>
-    <dsp:sp modelId="{9D5B2E90-2AC1-455B-80B7-33F8B232A31B}" macro="" textlink="">
+    <dsp:sp modelId="{9D5B2E90-2AC1-455B-80B7-33F8B232A31B}">
       <dsp:nvSpPr>
         <dsp:cNvPr id="0" name=""/>
         <dsp:cNvSpPr/>
@@ -9038,7 +9038,7 @@
         <a:fontRef idx="minor"/>
       </dsp:style>
     </dsp:sp>
-    <dsp:sp modelId="{C36AD766-0A53-48DB-95A4-97671A3B4CB3}" macro="" textlink="">
+    <dsp:sp modelId="{C36AD766-0A53-48DB-95A4-97671A3B4CB3}">
       <dsp:nvSpPr>
         <dsp:cNvPr id="0" name=""/>
         <dsp:cNvSpPr/>
@@ -9157,7 +9157,7 @@
         <a:ext cx="1700104" cy="850052"/>
       </dsp:txXfrm>
     </dsp:sp>
-    <dsp:sp modelId="{8EB25D34-DFC9-49A5-A024-B06E604BE7C9}" macro="" textlink="">
+    <dsp:sp modelId="{8EB25D34-DFC9-49A5-A024-B06E604BE7C9}">
       <dsp:nvSpPr>
         <dsp:cNvPr id="0" name=""/>
         <dsp:cNvSpPr/>
@@ -9276,7 +9276,7 @@
         <a:ext cx="1700104" cy="850052"/>
       </dsp:txXfrm>
     </dsp:sp>
-    <dsp:sp modelId="{D46C28A6-FB4D-445D-9E8A-E8F532501D09}" macro="" textlink="">
+    <dsp:sp modelId="{D46C28A6-FB4D-445D-9E8A-E8F532501D09}">
       <dsp:nvSpPr>
         <dsp:cNvPr id="0" name=""/>
         <dsp:cNvSpPr/>
@@ -9395,7 +9395,7 @@
         <a:ext cx="1700104" cy="850052"/>
       </dsp:txXfrm>
     </dsp:sp>
-    <dsp:sp modelId="{7A4B2369-BDEA-49EF-9522-5EA17E36EC89}" macro="" textlink="">
+    <dsp:sp modelId="{7A4B2369-BDEA-49EF-9522-5EA17E36EC89}">
       <dsp:nvSpPr>
         <dsp:cNvPr id="0" name=""/>
         <dsp:cNvSpPr/>
@@ -9514,7 +9514,7 @@
         <a:ext cx="1700104" cy="850052"/>
       </dsp:txXfrm>
     </dsp:sp>
-    <dsp:sp modelId="{B47274DF-392A-43F8-A951-62E4C65D4027}" macro="" textlink="">
+    <dsp:sp modelId="{B47274DF-392A-43F8-A951-62E4C65D4027}">
       <dsp:nvSpPr>
         <dsp:cNvPr id="0" name=""/>
         <dsp:cNvSpPr/>
@@ -9633,7 +9633,7 @@
         <a:ext cx="1700104" cy="850052"/>
       </dsp:txXfrm>
     </dsp:sp>
-    <dsp:sp modelId="{FD21C7F4-091A-479B-ADF1-28E542D19193}" macro="" textlink="">
+    <dsp:sp modelId="{FD21C7F4-091A-479B-ADF1-28E542D19193}">
       <dsp:nvSpPr>
         <dsp:cNvPr id="0" name=""/>
         <dsp:cNvSpPr/>
@@ -9752,7 +9752,7 @@
         <a:ext cx="1700104" cy="850052"/>
       </dsp:txXfrm>
     </dsp:sp>
-    <dsp:sp modelId="{6AF72E91-D475-47FD-9F9A-F3F5486D3CA3}" macro="" textlink="">
+    <dsp:sp modelId="{6AF72E91-D475-47FD-9F9A-F3F5486D3CA3}">
       <dsp:nvSpPr>
         <dsp:cNvPr id="0" name=""/>
         <dsp:cNvSpPr/>
@@ -9871,7 +9871,7 @@
         <a:ext cx="1700104" cy="850052"/>
       </dsp:txXfrm>
     </dsp:sp>
-    <dsp:sp modelId="{6193E13E-2838-4FF4-95E4-B0E8E77986D7}" macro="" textlink="">
+    <dsp:sp modelId="{6193E13E-2838-4FF4-95E4-B0E8E77986D7}">
       <dsp:nvSpPr>
         <dsp:cNvPr id="0" name=""/>
         <dsp:cNvSpPr/>
@@ -9991,18 +9991,18 @@
       </dsp:txXfrm>
     </dsp:sp>
   </dsp:spTree>
-</dgm:drawing>
+</dsp:drawing>
 </file>
 
 <file path=ppt/diagrams/drawing2.xml><?xml version="1.0" encoding="utf-8"?>
-<dgm:drawing xmlns:dgm="http://schemas.openxmlformats.org/drawingml/2006/diagram" xmlns:a="http://schemas.openxmlformats.org/drawingml/2006/main">
-  <dsp:spTree xmlns:dsp="http://schemas.microsoft.com/office/drawing/2008/diagram">
+<dsp:drawing xmlns:dgm="http://schemas.openxmlformats.org/drawingml/2006/diagram" xmlns:a="http://schemas.openxmlformats.org/drawingml/2006/main" xmlns:dsp="http://schemas.microsoft.com/office/drawing/2008/diagram">
+  <dsp:spTree>
     <dsp:nvGrpSpPr>
       <dsp:cNvPr id="0" name=""/>
       <dsp:cNvGrpSpPr/>
     </dsp:nvGrpSpPr>
     <dsp:grpSpPr/>
-    <dsp:sp modelId="{FC2C4C26-EB23-46B9-B79F-E4E7DFE0BE29}" macro="" textlink="">
+    <dsp:sp modelId="{FC2C4C26-EB23-46B9-B79F-E4E7DFE0BE29}">
       <dsp:nvSpPr>
         <dsp:cNvPr id="0" name=""/>
         <dsp:cNvSpPr/>
@@ -10200,7 +10200,7 @@
         <a:ext cx="4064000" cy="3646711"/>
       </dsp:txXfrm>
     </dsp:sp>
-    <dsp:sp modelId="{6B7D2FE9-FA86-4E82-9996-41C9EC07B79C}" macro="" textlink="">
+    <dsp:sp modelId="{6B7D2FE9-FA86-4E82-9996-41C9EC07B79C}">
       <dsp:nvSpPr>
         <dsp:cNvPr id="0" name=""/>
         <dsp:cNvSpPr/>
@@ -10399,18 +10399,18 @@
       </dsp:txXfrm>
     </dsp:sp>
   </dsp:spTree>
-</dgm:drawing>
+</dsp:drawing>
 </file>
 
 <file path=ppt/diagrams/drawing3.xml><?xml version="1.0" encoding="utf-8"?>
-<dgm:drawing xmlns:dgm="http://schemas.openxmlformats.org/drawingml/2006/diagram" xmlns:a="http://schemas.openxmlformats.org/drawingml/2006/main">
-  <dsp:spTree xmlns:dsp="http://schemas.microsoft.com/office/drawing/2008/diagram">
+<dsp:drawing xmlns:dgm="http://schemas.openxmlformats.org/drawingml/2006/diagram" xmlns:a="http://schemas.openxmlformats.org/drawingml/2006/main" xmlns:dsp="http://schemas.microsoft.com/office/drawing/2008/diagram">
+  <dsp:spTree>
     <dsp:nvGrpSpPr>
       <dsp:cNvPr id="0" name=""/>
       <dsp:cNvGrpSpPr/>
     </dsp:nvGrpSpPr>
     <dsp:grpSpPr/>
-    <dsp:sp modelId="{FC2C4C26-EB23-46B9-B79F-E4E7DFE0BE29}" macro="" textlink="">
+    <dsp:sp modelId="{FC2C4C26-EB23-46B9-B79F-E4E7DFE0BE29}">
       <dsp:nvSpPr>
         <dsp:cNvPr id="0" name=""/>
         <dsp:cNvSpPr/>
@@ -10677,7 +10677,7 @@
         <a:ext cx="4667532" cy="3745270"/>
       </dsp:txXfrm>
     </dsp:sp>
-    <dsp:sp modelId="{6B7D2FE9-FA86-4E82-9996-41C9EC07B79C}" macro="" textlink="">
+    <dsp:sp modelId="{6B7D2FE9-FA86-4E82-9996-41C9EC07B79C}">
       <dsp:nvSpPr>
         <dsp:cNvPr id="0" name=""/>
         <dsp:cNvSpPr/>
@@ -10899,18 +10899,18 @@
       </dsp:txXfrm>
     </dsp:sp>
   </dsp:spTree>
-</dgm:drawing>
+</dsp:drawing>
 </file>
 
 <file path=ppt/diagrams/drawing4.xml><?xml version="1.0" encoding="utf-8"?>
-<dgm:drawing xmlns:dgm="http://schemas.openxmlformats.org/drawingml/2006/diagram" xmlns:a="http://schemas.openxmlformats.org/drawingml/2006/main">
-  <dsp:spTree xmlns:dsp="http://schemas.microsoft.com/office/drawing/2008/diagram">
+<dsp:drawing xmlns:dgm="http://schemas.openxmlformats.org/drawingml/2006/diagram" xmlns:a="http://schemas.openxmlformats.org/drawingml/2006/main" xmlns:dsp="http://schemas.microsoft.com/office/drawing/2008/diagram">
+  <dsp:spTree>
     <dsp:nvGrpSpPr>
       <dsp:cNvPr id="0" name=""/>
       <dsp:cNvGrpSpPr/>
     </dsp:nvGrpSpPr>
     <dsp:grpSpPr/>
-    <dsp:sp modelId="{1F4999A6-8239-4781-8813-D424C1999DB7}" macro="" textlink="">
+    <dsp:sp modelId="{1F4999A6-8239-4781-8813-D424C1999DB7}">
       <dsp:nvSpPr>
         <dsp:cNvPr id="0" name=""/>
         <dsp:cNvSpPr/>
@@ -11018,7 +11018,7 @@
         <a:ext cx="2069648" cy="1034824"/>
       </dsp:txXfrm>
     </dsp:sp>
-    <dsp:sp modelId="{F04531A8-0E0E-456F-8029-5DF1AED475F4}" macro="" textlink="">
+    <dsp:sp modelId="{F04531A8-0E0E-456F-8029-5DF1AED475F4}">
       <dsp:nvSpPr>
         <dsp:cNvPr id="0" name=""/>
         <dsp:cNvSpPr/>
@@ -11076,7 +11076,7 @@
         <a:fontRef idx="minor"/>
       </dsp:style>
     </dsp:sp>
-    <dsp:sp modelId="{0BC3153B-8F28-4275-89FA-295C7B170D4D}" macro="" textlink="">
+    <dsp:sp modelId="{0BC3153B-8F28-4275-89FA-295C7B170D4D}">
       <dsp:nvSpPr>
         <dsp:cNvPr id="0" name=""/>
         <dsp:cNvSpPr/>
@@ -11182,7 +11182,7 @@
         <a:ext cx="1655718" cy="1034824"/>
       </dsp:txXfrm>
     </dsp:sp>
-    <dsp:sp modelId="{68061971-2FEF-4ACD-8852-8391D8261656}" macro="" textlink="">
+    <dsp:sp modelId="{68061971-2FEF-4ACD-8852-8391D8261656}">
       <dsp:nvSpPr>
         <dsp:cNvPr id="0" name=""/>
         <dsp:cNvSpPr/>
@@ -11240,7 +11240,7 @@
         <a:fontRef idx="minor"/>
       </dsp:style>
     </dsp:sp>
-    <dsp:sp modelId="{59A576FD-DEA1-4973-B0CA-89D07BC9EE75}" macro="" textlink="">
+    <dsp:sp modelId="{59A576FD-DEA1-4973-B0CA-89D07BC9EE75}">
       <dsp:nvSpPr>
         <dsp:cNvPr id="0" name=""/>
         <dsp:cNvSpPr/>
@@ -11346,7 +11346,7 @@
         <a:ext cx="1655718" cy="1034824"/>
       </dsp:txXfrm>
     </dsp:sp>
-    <dsp:sp modelId="{CEE56D0B-B5B3-4DC1-B7C4-3E4B6CE09745}" macro="" textlink="">
+    <dsp:sp modelId="{CEE56D0B-B5B3-4DC1-B7C4-3E4B6CE09745}">
       <dsp:nvSpPr>
         <dsp:cNvPr id="0" name=""/>
         <dsp:cNvSpPr/>
@@ -11454,7 +11454,7 @@
         <a:ext cx="2069648" cy="1034824"/>
       </dsp:txXfrm>
     </dsp:sp>
-    <dsp:sp modelId="{669266AF-E596-40CA-B9F3-BAFD198E1E3F}" macro="" textlink="">
+    <dsp:sp modelId="{669266AF-E596-40CA-B9F3-BAFD198E1E3F}">
       <dsp:nvSpPr>
         <dsp:cNvPr id="0" name=""/>
         <dsp:cNvSpPr/>
@@ -11512,7 +11512,7 @@
         <a:fontRef idx="minor"/>
       </dsp:style>
     </dsp:sp>
-    <dsp:sp modelId="{97C6F11A-5991-412B-8918-0D15E3AC825F}" macro="" textlink="">
+    <dsp:sp modelId="{97C6F11A-5991-412B-8918-0D15E3AC825F}">
       <dsp:nvSpPr>
         <dsp:cNvPr id="0" name=""/>
         <dsp:cNvSpPr/>
@@ -11618,7 +11618,7 @@
         <a:ext cx="1655718" cy="1034824"/>
       </dsp:txXfrm>
     </dsp:sp>
-    <dsp:sp modelId="{34A1F7D0-9E75-4E0D-8D40-3106DAC779EC}" macro="" textlink="">
+    <dsp:sp modelId="{34A1F7D0-9E75-4E0D-8D40-3106DAC779EC}">
       <dsp:nvSpPr>
         <dsp:cNvPr id="0" name=""/>
         <dsp:cNvSpPr/>
@@ -11676,7 +11676,7 @@
         <a:fontRef idx="minor"/>
       </dsp:style>
     </dsp:sp>
-    <dsp:sp modelId="{C98D2BE6-398C-4DC5-B4E1-62EBCCB9DEC5}" macro="" textlink="">
+    <dsp:sp modelId="{C98D2BE6-398C-4DC5-B4E1-62EBCCB9DEC5}">
       <dsp:nvSpPr>
         <dsp:cNvPr id="0" name=""/>
         <dsp:cNvSpPr/>
@@ -11783,18 +11783,18 @@
       </dsp:txXfrm>
     </dsp:sp>
   </dsp:spTree>
-</dgm:drawing>
+</dsp:drawing>
 </file>
 
 <file path=ppt/diagrams/drawing5.xml><?xml version="1.0" encoding="utf-8"?>
-<dgm:drawing xmlns:dgm="http://schemas.openxmlformats.org/drawingml/2006/diagram" xmlns:a="http://schemas.openxmlformats.org/drawingml/2006/main">
-  <dsp:spTree xmlns:dsp="http://schemas.microsoft.com/office/drawing/2008/diagram">
+<dsp:drawing xmlns:dgm="http://schemas.openxmlformats.org/drawingml/2006/diagram" xmlns:a="http://schemas.openxmlformats.org/drawingml/2006/main" xmlns:dsp="http://schemas.microsoft.com/office/drawing/2008/diagram">
+  <dsp:spTree>
     <dsp:nvGrpSpPr>
       <dsp:cNvPr id="0" name=""/>
       <dsp:cNvGrpSpPr/>
     </dsp:nvGrpSpPr>
     <dsp:grpSpPr/>
-    <dsp:sp modelId="{25C28955-7066-4C2E-BFD1-AC5B4C6E6806}" macro="" textlink="">
+    <dsp:sp modelId="{25C28955-7066-4C2E-BFD1-AC5B4C6E6806}">
       <dsp:nvSpPr>
         <dsp:cNvPr id="0" name=""/>
         <dsp:cNvSpPr/>
@@ -11915,7 +11915,7 @@
         <a:ext cx="8456413" cy="883130"/>
       </dsp:txXfrm>
     </dsp:sp>
-    <dsp:sp modelId="{40309438-7423-4300-AFFA-25C817D86DDD}" macro="" textlink="">
+    <dsp:sp modelId="{40309438-7423-4300-AFFA-25C817D86DDD}">
       <dsp:nvSpPr>
         <dsp:cNvPr id="0" name=""/>
         <dsp:cNvSpPr/>
@@ -12034,7 +12034,7 @@
         <a:ext cx="1022170" cy="883130"/>
       </dsp:txXfrm>
     </dsp:sp>
-    <dsp:sp modelId="{7F7F210A-07D7-480E-AE58-DB716CBE9009}" macro="" textlink="">
+    <dsp:sp modelId="{7F7F210A-07D7-480E-AE58-DB716CBE9009}">
       <dsp:nvSpPr>
         <dsp:cNvPr id="0" name=""/>
         <dsp:cNvSpPr/>
@@ -12153,7 +12153,7 @@
         <a:ext cx="1022170" cy="883130"/>
       </dsp:txXfrm>
     </dsp:sp>
-    <dsp:sp modelId="{AADBF77C-178E-4139-8C67-FCE5DFA99823}" macro="" textlink="">
+    <dsp:sp modelId="{AADBF77C-178E-4139-8C67-FCE5DFA99823}">
       <dsp:nvSpPr>
         <dsp:cNvPr id="0" name=""/>
         <dsp:cNvSpPr/>
@@ -12272,7 +12272,7 @@
         <a:ext cx="6240348" cy="883130"/>
       </dsp:txXfrm>
     </dsp:sp>
-    <dsp:sp modelId="{611BF421-F454-4287-A431-48516D67493F}" macro="" textlink="">
+    <dsp:sp modelId="{611BF421-F454-4287-A431-48516D67493F}">
       <dsp:nvSpPr>
         <dsp:cNvPr id="0" name=""/>
         <dsp:cNvSpPr/>
@@ -12391,7 +12391,7 @@
         <a:ext cx="6240348" cy="883130"/>
       </dsp:txXfrm>
     </dsp:sp>
-    <dsp:sp modelId="{952EDF37-CE28-4FE6-8BD5-FC4293EA5855}" macro="" textlink="">
+    <dsp:sp modelId="{952EDF37-CE28-4FE6-8BD5-FC4293EA5855}">
       <dsp:nvSpPr>
         <dsp:cNvPr id="0" name=""/>
         <dsp:cNvSpPr/>
@@ -12510,7 +12510,7 @@
         <a:ext cx="1022170" cy="883130"/>
       </dsp:txXfrm>
     </dsp:sp>
-    <dsp:sp modelId="{F3CD9F44-478F-4DA4-8E9B-26D44E92D5FC}" macro="" textlink="">
+    <dsp:sp modelId="{F3CD9F44-478F-4DA4-8E9B-26D44E92D5FC}">
       <dsp:nvSpPr>
         <dsp:cNvPr id="0" name=""/>
         <dsp:cNvSpPr/>
@@ -12629,7 +12629,7 @@
         <a:ext cx="1022170" cy="883130"/>
       </dsp:txXfrm>
     </dsp:sp>
-    <dsp:sp modelId="{244A69D9-6CC8-4087-AF96-9B56DD27CD25}" macro="" textlink="">
+    <dsp:sp modelId="{244A69D9-6CC8-4087-AF96-9B56DD27CD25}">
       <dsp:nvSpPr>
         <dsp:cNvPr id="0" name=""/>
         <dsp:cNvSpPr/>
@@ -12748,7 +12748,7 @@
         <a:ext cx="1022170" cy="883130"/>
       </dsp:txXfrm>
     </dsp:sp>
-    <dsp:sp modelId="{F22370EF-86CC-4C21-96DF-D8DD58F1673C}" macro="" textlink="">
+    <dsp:sp modelId="{F22370EF-86CC-4C21-96DF-D8DD58F1673C}">
       <dsp:nvSpPr>
         <dsp:cNvPr id="0" name=""/>
         <dsp:cNvSpPr/>
@@ -12867,7 +12867,7 @@
         <a:ext cx="4153077" cy="883130"/>
       </dsp:txXfrm>
     </dsp:sp>
-    <dsp:sp modelId="{589FBF1F-7F45-4CE4-9047-159C42071C50}" macro="" textlink="">
+    <dsp:sp modelId="{589FBF1F-7F45-4CE4-9047-159C42071C50}">
       <dsp:nvSpPr>
         <dsp:cNvPr id="0" name=""/>
         <dsp:cNvSpPr/>
@@ -12986,7 +12986,7 @@
         <a:ext cx="1022170" cy="883130"/>
       </dsp:txXfrm>
     </dsp:sp>
-    <dsp:sp modelId="{4CE52578-7C2A-407C-ADEC-05AE734C9137}" macro="" textlink="">
+    <dsp:sp modelId="{4CE52578-7C2A-407C-ADEC-05AE734C9137}">
       <dsp:nvSpPr>
         <dsp:cNvPr id="0" name=""/>
         <dsp:cNvSpPr/>
@@ -13105,7 +13105,7 @@
         <a:ext cx="1022170" cy="883130"/>
       </dsp:txXfrm>
     </dsp:sp>
-    <dsp:sp modelId="{BFA502BE-2E62-4080-8208-1E5E98B7B990}" macro="" textlink="">
+    <dsp:sp modelId="{BFA502BE-2E62-4080-8208-1E5E98B7B990}">
       <dsp:nvSpPr>
         <dsp:cNvPr id="0" name=""/>
         <dsp:cNvSpPr/>
@@ -13224,7 +13224,7 @@
         <a:ext cx="1022170" cy="883130"/>
       </dsp:txXfrm>
     </dsp:sp>
-    <dsp:sp modelId="{359DCAA5-DE04-4E6A-AD9D-31FC80443D67}" macro="" textlink="">
+    <dsp:sp modelId="{359DCAA5-DE04-4E6A-AD9D-31FC80443D67}">
       <dsp:nvSpPr>
         <dsp:cNvPr id="0" name=""/>
         <dsp:cNvSpPr/>
@@ -13344,7 +13344,7 @@
       </dsp:txXfrm>
     </dsp:sp>
   </dsp:spTree>
-</dgm:drawing>
+</dsp:drawing>
 </file>
 
 <file path=ppt/diagrams/layout1.xml><?xml version="1.0" encoding="utf-8"?>
@@ -21140,7 +21140,7 @@
               <a:pPr>
                 <a:defRPr/>
               </a:pPr>
-              <a:t>09/12/2009</a:t>
+              <a:t>10/12/2009</a:t>
             </a:fld>
             <a:endParaRPr lang="es-ES_tradnl" dirty="0"/>
           </a:p>
@@ -31405,42 +31405,42 @@
             </a:r>
           </a:p>
           <a:p>
-            <a:pPr lvl="1"/>
+            <a:pPr lvl="1" algn="just"/>
             <a:r>
               <a:rPr lang="es-CL" sz="2000" dirty="0" smtClean="0"/>
               <a:t>Proyecto a 5 años </a:t>
             </a:r>
           </a:p>
           <a:p>
-            <a:pPr lvl="1"/>
+            <a:pPr lvl="1" algn="just"/>
             <a:r>
               <a:rPr lang="es-CL" sz="2000" dirty="0" smtClean="0"/>
               <a:t>Valor del sistema 2.000.000</a:t>
             </a:r>
           </a:p>
           <a:p>
-            <a:pPr lvl="1"/>
+            <a:pPr lvl="1" algn="just"/>
             <a:r>
               <a:rPr lang="es-CL" sz="2000" dirty="0" smtClean="0"/>
               <a:t>El proyecto abarcara el 5% del mercado de los servicios técnicos electrónicos. Esto quiere decir 3 empresas cliente el primer año.</a:t>
             </a:r>
           </a:p>
           <a:p>
-            <a:pPr lvl="1"/>
+            <a:pPr lvl="1" algn="just"/>
             <a:r>
               <a:rPr lang="es-CL" sz="2000" dirty="0" smtClean="0"/>
               <a:t>Con un financiamiento del 70% y una tasa de descuento del 12%</a:t>
             </a:r>
           </a:p>
           <a:p>
-            <a:pPr lvl="1"/>
+            <a:pPr lvl="1" algn="just"/>
             <a:r>
               <a:rPr lang="es-CL" sz="2000" dirty="0" smtClean="0"/>
               <a:t>Se considera el analista para desarrollo por 3 meses y el analista para soporte y mantenciones desde que termine el desarrollo hasta los cinco años que dura el proyecto.</a:t>
             </a:r>
           </a:p>
           <a:p>
-            <a:pPr>
+            <a:pPr algn="just">
               <a:buNone/>
             </a:pPr>
             <a:r>
@@ -31644,18 +31644,10 @@
             </a:r>
           </a:p>
           <a:p>
-            <a:pPr lvl="1"/>
+            <a:pPr lvl="1" algn="just"/>
             <a:r>
               <a:rPr lang="es-CL" sz="2000" dirty="0" smtClean="0"/>
-              <a:t>En resumen del flujo de caja final la inversión se recuperara al cuarto año el Tir será de 42% lo que significa que se esta ganando </a:t>
-            </a:r>
-            <a:r>
-              <a:rPr lang="es-CL" sz="2000" dirty="0" smtClean="0"/>
-              <a:t>más </a:t>
-            </a:r>
-            <a:r>
-              <a:rPr lang="es-CL" sz="2000" dirty="0" smtClean="0"/>
-              <a:t>de los que se esperaba y el proyecto es factible económicamente.</a:t>
+              <a:t>En resumen del flujo de caja final la inversión se recuperara al cuarto año el Tir será de 42% lo que significa que se esta ganando más de los que se esperaba y el proyecto es factible económicamente.</a:t>
             </a:r>
           </a:p>
           <a:p>

--- a/sigset/documentos/Documentos finales/Presentacion.pptx
+++ b/sigset/documentos/Documentos finales/Presentacion.pptx
@@ -5,10 +5,10 @@
     <p:sldMasterId id="2147483648" r:id="rId1"/>
   </p:sldMasterIdLst>
   <p:notesMasterIdLst>
-    <p:notesMasterId r:id="rId37"/>
+    <p:notesMasterId r:id="rId38"/>
   </p:notesMasterIdLst>
   <p:handoutMasterIdLst>
-    <p:handoutMasterId r:id="rId38"/>
+    <p:handoutMasterId r:id="rId39"/>
   </p:handoutMasterIdLst>
   <p:sldIdLst>
     <p:sldId id="334" r:id="rId2"/>
@@ -31,21 +31,22 @@
     <p:sldId id="354" r:id="rId19"/>
     <p:sldId id="364" r:id="rId20"/>
     <p:sldId id="355" r:id="rId21"/>
-    <p:sldId id="372" r:id="rId22"/>
-    <p:sldId id="357" r:id="rId23"/>
-    <p:sldId id="337" r:id="rId24"/>
-    <p:sldId id="369" r:id="rId25"/>
-    <p:sldId id="365" r:id="rId26"/>
-    <p:sldId id="373" r:id="rId27"/>
-    <p:sldId id="366" r:id="rId28"/>
-    <p:sldId id="374" r:id="rId29"/>
-    <p:sldId id="367" r:id="rId30"/>
-    <p:sldId id="375" r:id="rId31"/>
-    <p:sldId id="368" r:id="rId32"/>
-    <p:sldId id="358" r:id="rId33"/>
-    <p:sldId id="356" r:id="rId34"/>
-    <p:sldId id="370" r:id="rId35"/>
-    <p:sldId id="371" r:id="rId36"/>
+    <p:sldId id="378" r:id="rId22"/>
+    <p:sldId id="372" r:id="rId23"/>
+    <p:sldId id="357" r:id="rId24"/>
+    <p:sldId id="337" r:id="rId25"/>
+    <p:sldId id="369" r:id="rId26"/>
+    <p:sldId id="365" r:id="rId27"/>
+    <p:sldId id="373" r:id="rId28"/>
+    <p:sldId id="366" r:id="rId29"/>
+    <p:sldId id="374" r:id="rId30"/>
+    <p:sldId id="367" r:id="rId31"/>
+    <p:sldId id="375" r:id="rId32"/>
+    <p:sldId id="368" r:id="rId33"/>
+    <p:sldId id="358" r:id="rId34"/>
+    <p:sldId id="356" r:id="rId35"/>
+    <p:sldId id="370" r:id="rId36"/>
+    <p:sldId id="371" r:id="rId37"/>
   </p:sldIdLst>
   <p:sldSz cx="9144000" cy="6858000" type="screen4x3"/>
   <p:notesSz cx="7010400" cy="11125200"/>
@@ -7439,8 +7440,8 @@
     <dgm:cxn modelId="{009F14D6-CA1E-4C51-9A0D-B3F9C1E49D18}" srcId="{8C966F34-B6FE-4951-A5DC-B6B890C24F40}" destId="{3E04EA27-BE6A-44A3-A3D4-2CA4C32FFFF1}" srcOrd="0" destOrd="0" parTransId="{AE75B588-956D-4795-8BBA-14C526926D85}" sibTransId="{95BE6102-EEB0-4432-978E-FF1B073DB7AE}"/>
     <dgm:cxn modelId="{7C45ECE9-8356-43E2-B614-D776DF3DC2DF}" srcId="{393E7F46-B313-4E77-9797-D22D41EC5A03}" destId="{C9CB3786-0DB1-4998-9BFA-7ECC9C5F0DDE}" srcOrd="0" destOrd="0" parTransId="{0E603B5F-E788-4075-9EE8-6B92BD9BB1C6}" sibTransId="{7DBE4023-B152-423B-8602-7781CB8577AE}"/>
     <dgm:cxn modelId="{408049A4-04EC-42E5-AF64-48679D607DD0}" srcId="{3E04EA27-BE6A-44A3-A3D4-2CA4C32FFFF1}" destId="{FF7302D4-DF56-4D05-A039-49D494387244}" srcOrd="0" destOrd="0" parTransId="{D4A43A0A-08CA-47F1-8162-BEC510EB34F5}" sibTransId="{2DF987A6-F136-45BC-97D9-2328C9ACEA14}"/>
+    <dgm:cxn modelId="{CA8B197C-6DF2-4384-8BED-6C6211A4692F}" type="presOf" srcId="{28182505-8186-4B77-AAED-7D73BD2EC62F}" destId="{59A576FD-DEA1-4973-B0CA-89D07BC9EE75}" srcOrd="0" destOrd="0" presId="urn:microsoft.com/office/officeart/2005/8/layout/hierarchy3"/>
     <dgm:cxn modelId="{730F44F3-0F16-4DC7-94FF-A657B4144452}" type="presOf" srcId="{FF7302D4-DF56-4D05-A039-49D494387244}" destId="{97C6F11A-5991-412B-8918-0D15E3AC825F}" srcOrd="0" destOrd="1" presId="urn:microsoft.com/office/officeart/2005/8/layout/hierarchy3"/>
-    <dgm:cxn modelId="{CA8B197C-6DF2-4384-8BED-6C6211A4692F}" type="presOf" srcId="{28182505-8186-4B77-AAED-7D73BD2EC62F}" destId="{59A576FD-DEA1-4973-B0CA-89D07BC9EE75}" srcOrd="0" destOrd="0" presId="urn:microsoft.com/office/officeart/2005/8/layout/hierarchy3"/>
     <dgm:cxn modelId="{40756456-B1A5-4647-AF0B-6BC04E8D387D}" type="presParOf" srcId="{2655004E-649B-4D47-A2B9-0F2E94C643CB}" destId="{337FD4D9-A838-445B-9526-C66711C47A35}" srcOrd="0" destOrd="0" presId="urn:microsoft.com/office/officeart/2005/8/layout/hierarchy3"/>
     <dgm:cxn modelId="{BCE4A16B-AB27-4FA4-A6DD-B2C100F4B745}" type="presParOf" srcId="{337FD4D9-A838-445B-9526-C66711C47A35}" destId="{F50E9F67-7CBD-4601-8AA2-A892E09D1946}" srcOrd="0" destOrd="0" presId="urn:microsoft.com/office/officeart/2005/8/layout/hierarchy3"/>
     <dgm:cxn modelId="{4B6627DE-80EB-4875-A1ED-CE6CCC33067C}" type="presParOf" srcId="{F50E9F67-7CBD-4601-8AA2-A892E09D1946}" destId="{1F4999A6-8239-4781-8813-D424C1999DB7}" srcOrd="0" destOrd="0" presId="urn:microsoft.com/office/officeart/2005/8/layout/hierarchy3"/>
@@ -23864,6 +23865,184 @@
           <a:p>
             <a:r>
               <a:rPr lang="es-CL" b="1" dirty="0" smtClean="0"/>
+              <a:t>RUMINA</a:t>
+            </a:r>
+          </a:p>
+          <a:p>
+            <a:r>
+              <a:rPr lang="es-CL" sz="1200" kern="1200" dirty="0" smtClean="0">
+                <a:solidFill>
+                  <a:schemeClr val="tx1"/>
+                </a:solidFill>
+                <a:latin typeface="Times New Roman" pitchFamily="18" charset="0"/>
+                <a:ea typeface="+mn-ea"/>
+                <a:cs typeface="+mn-cs"/>
+              </a:rPr>
+              <a:t>Dentro de la etapa de diseños además se identificaran diversos casos de uso, en el siguiente diagrama se ven reflejados los distintos casos. Donde se pueden a preciar los siguientes actores y sus casos de uso:</a:t>
+            </a:r>
+          </a:p>
+          <a:p>
+            <a:r>
+              <a:rPr lang="es-CL" sz="1200" b="1" kern="1200" dirty="0" smtClean="0">
+                <a:solidFill>
+                  <a:schemeClr val="tx1"/>
+                </a:solidFill>
+                <a:latin typeface="Times New Roman" pitchFamily="18" charset="0"/>
+                <a:ea typeface="+mn-ea"/>
+                <a:cs typeface="+mn-cs"/>
+              </a:rPr>
+              <a:t>Recepcionista</a:t>
+            </a:r>
+            <a:r>
+              <a:rPr lang="es-CL" sz="1200" kern="1200" dirty="0" smtClean="0">
+                <a:solidFill>
+                  <a:schemeClr val="tx1"/>
+                </a:solidFill>
+                <a:latin typeface="Times New Roman" pitchFamily="18" charset="0"/>
+                <a:ea typeface="+mn-ea"/>
+                <a:cs typeface="+mn-cs"/>
+              </a:rPr>
+              <a:t>: que se encarga de ingresar orden, y entregar producto, estos casos de uso se extienden de la revisión y reparación de los casos de uso que realizan los técnicos.</a:t>
+            </a:r>
+          </a:p>
+          <a:p>
+            <a:r>
+              <a:rPr lang="es-CL" sz="1200" b="1" kern="1200" dirty="0" smtClean="0">
+                <a:solidFill>
+                  <a:schemeClr val="tx1"/>
+                </a:solidFill>
+                <a:latin typeface="Times New Roman" pitchFamily="18" charset="0"/>
+                <a:ea typeface="+mn-ea"/>
+                <a:cs typeface="+mn-cs"/>
+              </a:rPr>
+              <a:t>Administrativo:</a:t>
+            </a:r>
+            <a:r>
+              <a:rPr lang="es-CL" sz="1200" kern="1200" dirty="0" smtClean="0">
+                <a:solidFill>
+                  <a:schemeClr val="tx1"/>
+                </a:solidFill>
+                <a:latin typeface="Times New Roman" pitchFamily="18" charset="0"/>
+                <a:ea typeface="+mn-ea"/>
+                <a:cs typeface="+mn-cs"/>
+              </a:rPr>
+              <a:t> es quien realiza la asignación de trabajo para los técnicos.</a:t>
+            </a:r>
+          </a:p>
+          <a:p>
+            <a:r>
+              <a:rPr lang="es-CL" sz="1200" b="1" kern="1200" dirty="0" smtClean="0">
+                <a:solidFill>
+                  <a:schemeClr val="tx1"/>
+                </a:solidFill>
+                <a:latin typeface="Times New Roman" pitchFamily="18" charset="0"/>
+                <a:ea typeface="+mn-ea"/>
+                <a:cs typeface="+mn-cs"/>
+              </a:rPr>
+              <a:t>Técnico</a:t>
+            </a:r>
+            <a:r>
+              <a:rPr lang="es-CL" sz="1200" kern="1200" dirty="0" smtClean="0">
+                <a:solidFill>
+                  <a:schemeClr val="tx1"/>
+                </a:solidFill>
+                <a:latin typeface="Times New Roman" pitchFamily="18" charset="0"/>
+                <a:ea typeface="+mn-ea"/>
+                <a:cs typeface="+mn-cs"/>
+              </a:rPr>
+              <a:t>: es quien realiza la reparación y revisión de los productos.</a:t>
+            </a:r>
+          </a:p>
+          <a:p>
+            <a:endParaRPr lang="es-CL" b="1" dirty="0" smtClean="0"/>
+          </a:p>
+        </p:txBody>
+      </p:sp>
+      <p:sp>
+        <p:nvSpPr>
+          <p:cNvPr id="4" name="3 Marcador de número de diapositiva"/>
+          <p:cNvSpPr>
+            <a:spLocks noGrp="1"/>
+          </p:cNvSpPr>
+          <p:nvPr>
+            <p:ph type="sldNum" sz="quarter" idx="10"/>
+          </p:nvPr>
+        </p:nvSpPr>
+        <p:spPr/>
+        <p:txBody>
+          <a:bodyPr/>
+          <a:lstStyle/>
+          <a:p>
+            <a:pPr>
+              <a:defRPr/>
+            </a:pPr>
+            <a:fld id="{FDE42844-D1B2-4A88-A9DE-E38F64B7E751}" type="slidenum">
+              <a:rPr lang="es-ES" smtClean="0"/>
+              <a:pPr>
+                <a:defRPr/>
+              </a:pPr>
+              <a:t>21</a:t>
+            </a:fld>
+            <a:endParaRPr lang="es-ES" dirty="0"/>
+          </a:p>
+        </p:txBody>
+      </p:sp>
+    </p:spTree>
+  </p:cSld>
+  <p:clrMapOvr>
+    <a:masterClrMapping/>
+  </p:clrMapOvr>
+</p:notes>
+</file>
+
+<file path=ppt/notesSlides/notesSlide22.xml><?xml version="1.0" encoding="utf-8"?>
+<p:notes xmlns:a="http://schemas.openxmlformats.org/drawingml/2006/main" xmlns:r="http://schemas.openxmlformats.org/officeDocument/2006/relationships" xmlns:p="http://schemas.openxmlformats.org/presentationml/2006/main">
+  <p:cSld>
+    <p:spTree>
+      <p:nvGrpSpPr>
+        <p:cNvPr id="1" name=""/>
+        <p:cNvGrpSpPr/>
+        <p:nvPr/>
+      </p:nvGrpSpPr>
+      <p:grpSpPr>
+        <a:xfrm>
+          <a:off x="0" y="0"/>
+          <a:ext cx="0" cy="0"/>
+          <a:chOff x="0" y="0"/>
+          <a:chExt cx="0" cy="0"/>
+        </a:xfrm>
+      </p:grpSpPr>
+      <p:sp>
+        <p:nvSpPr>
+          <p:cNvPr id="2" name="1 Marcador de imagen de diapositiva"/>
+          <p:cNvSpPr>
+            <a:spLocks noGrp="1" noRot="1" noChangeAspect="1"/>
+          </p:cNvSpPr>
+          <p:nvPr>
+            <p:ph type="sldImg"/>
+          </p:nvPr>
+        </p:nvSpPr>
+        <p:spPr/>
+      </p:sp>
+      <p:sp>
+        <p:nvSpPr>
+          <p:cNvPr id="3" name="2 Marcador de notas"/>
+          <p:cNvSpPr>
+            <a:spLocks noGrp="1"/>
+          </p:cNvSpPr>
+          <p:nvPr>
+            <p:ph type="body" idx="1"/>
+          </p:nvPr>
+        </p:nvSpPr>
+        <p:spPr/>
+        <p:txBody>
+          <a:bodyPr>
+            <a:normAutofit/>
+          </a:bodyPr>
+          <a:lstStyle/>
+          <a:p>
+            <a:r>
+              <a:rPr lang="es-CL" b="1" dirty="0" smtClean="0"/>
               <a:t>SEBASTIAN</a:t>
             </a:r>
           </a:p>
@@ -24019,103 +24198,6 @@
               <a:pPr>
                 <a:defRPr/>
               </a:pPr>
-              <a:t>21</a:t>
-            </a:fld>
-            <a:endParaRPr lang="es-ES" dirty="0"/>
-          </a:p>
-        </p:txBody>
-      </p:sp>
-    </p:spTree>
-  </p:cSld>
-  <p:clrMapOvr>
-    <a:masterClrMapping/>
-  </p:clrMapOvr>
-</p:notes>
-</file>
-
-<file path=ppt/notesSlides/notesSlide22.xml><?xml version="1.0" encoding="utf-8"?>
-<p:notes xmlns:a="http://schemas.openxmlformats.org/drawingml/2006/main" xmlns:r="http://schemas.openxmlformats.org/officeDocument/2006/relationships" xmlns:p="http://schemas.openxmlformats.org/presentationml/2006/main">
-  <p:cSld>
-    <p:spTree>
-      <p:nvGrpSpPr>
-        <p:cNvPr id="1" name=""/>
-        <p:cNvGrpSpPr/>
-        <p:nvPr/>
-      </p:nvGrpSpPr>
-      <p:grpSpPr>
-        <a:xfrm>
-          <a:off x="0" y="0"/>
-          <a:ext cx="0" cy="0"/>
-          <a:chOff x="0" y="0"/>
-          <a:chExt cx="0" cy="0"/>
-        </a:xfrm>
-      </p:grpSpPr>
-      <p:sp>
-        <p:nvSpPr>
-          <p:cNvPr id="2" name="1 Marcador de imagen de diapositiva"/>
-          <p:cNvSpPr>
-            <a:spLocks noGrp="1" noRot="1" noChangeAspect="1"/>
-          </p:cNvSpPr>
-          <p:nvPr>
-            <p:ph type="sldImg"/>
-          </p:nvPr>
-        </p:nvSpPr>
-        <p:spPr/>
-      </p:sp>
-      <p:sp>
-        <p:nvSpPr>
-          <p:cNvPr id="3" name="2 Marcador de notas"/>
-          <p:cNvSpPr>
-            <a:spLocks noGrp="1"/>
-          </p:cNvSpPr>
-          <p:nvPr>
-            <p:ph type="body" idx="1"/>
-          </p:nvPr>
-        </p:nvSpPr>
-        <p:spPr/>
-        <p:txBody>
-          <a:bodyPr>
-            <a:normAutofit/>
-          </a:bodyPr>
-          <a:lstStyle/>
-          <a:p>
-            <a:r>
-              <a:rPr lang="es-CL" b="1" dirty="0" smtClean="0"/>
-              <a:t>SEBASTIAN</a:t>
-            </a:r>
-          </a:p>
-          <a:p>
-            <a:r>
-              <a:rPr lang="es-CL" dirty="0" smtClean="0"/>
-              <a:t>Ahora se llevara a cabo una demostración de cómo funciona el sistema</a:t>
-            </a:r>
-            <a:endParaRPr lang="es-CL" dirty="0"/>
-          </a:p>
-        </p:txBody>
-      </p:sp>
-      <p:sp>
-        <p:nvSpPr>
-          <p:cNvPr id="4" name="3 Marcador de número de diapositiva"/>
-          <p:cNvSpPr>
-            <a:spLocks noGrp="1"/>
-          </p:cNvSpPr>
-          <p:nvPr>
-            <p:ph type="sldNum" sz="quarter" idx="10"/>
-          </p:nvPr>
-        </p:nvSpPr>
-        <p:spPr/>
-        <p:txBody>
-          <a:bodyPr/>
-          <a:lstStyle/>
-          <a:p>
-            <a:pPr>
-              <a:defRPr/>
-            </a:pPr>
-            <a:fld id="{FDE42844-D1B2-4A88-A9DE-E38F64B7E751}" type="slidenum">
-              <a:rPr lang="es-ES" smtClean="0"/>
-              <a:pPr>
-                <a:defRPr/>
-              </a:pPr>
               <a:t>22</a:t>
             </a:fld>
             <a:endParaRPr lang="es-ES" dirty="0"/>
@@ -24178,9 +24260,15 @@
           <a:p>
             <a:r>
               <a:rPr lang="es-CL" b="1" dirty="0" smtClean="0"/>
-              <a:t>RUMINA</a:t>
+              <a:t>SEBASTIAN</a:t>
             </a:r>
-            <a:endParaRPr lang="es-CL" b="1" dirty="0"/>
+          </a:p>
+          <a:p>
+            <a:r>
+              <a:rPr lang="es-CL" dirty="0" smtClean="0"/>
+              <a:t>Ahora se llevara a cabo una demostración de cómo funciona el sistema</a:t>
+            </a:r>
+            <a:endParaRPr lang="es-CL" dirty="0"/>
           </a:p>
         </p:txBody>
       </p:sp>
@@ -24267,7 +24355,11 @@
           </a:bodyPr>
           <a:lstStyle/>
           <a:p>
-            <a:endParaRPr lang="es-CL" dirty="0"/>
+            <a:r>
+              <a:rPr lang="es-CL" b="1" dirty="0" smtClean="0"/>
+              <a:t>RUMINA</a:t>
+            </a:r>
+            <a:endParaRPr lang="es-CL" b="1" dirty="0"/>
           </a:p>
         </p:txBody>
       </p:sp>
@@ -24354,11 +24446,7 @@
           </a:bodyPr>
           <a:lstStyle/>
           <a:p>
-            <a:r>
-              <a:rPr lang="es-CL" b="1" dirty="0" smtClean="0"/>
-              <a:t>SEBASTIAN</a:t>
-            </a:r>
-            <a:endParaRPr lang="es-CL" b="1" dirty="0"/>
+            <a:endParaRPr lang="es-CL" dirty="0"/>
           </a:p>
         </p:txBody>
       </p:sp>
@@ -24447,7 +24535,7 @@
           <a:p>
             <a:r>
               <a:rPr lang="es-CL" b="1" dirty="0" smtClean="0"/>
-              <a:t>RUMINA</a:t>
+              <a:t>SEBASTIAN</a:t>
             </a:r>
             <a:endParaRPr lang="es-CL" b="1" dirty="0"/>
           </a:p>
@@ -24476,7 +24564,7 @@
               <a:pPr>
                 <a:defRPr/>
               </a:pPr>
-              <a:t>27</a:t>
+              <a:t>26</a:t>
             </a:fld>
             <a:endParaRPr lang="es-ES" dirty="0"/>
           </a:p>
@@ -24538,7 +24626,7 @@
           <a:p>
             <a:r>
               <a:rPr lang="es-CL" b="1" dirty="0" smtClean="0"/>
-              <a:t>SEBASTIAN</a:t>
+              <a:t>RUMINA</a:t>
             </a:r>
             <a:endParaRPr lang="es-CL" b="1" dirty="0"/>
           </a:p>
@@ -24567,7 +24655,7 @@
               <a:pPr>
                 <a:defRPr/>
               </a:pPr>
-              <a:t>29</a:t>
+              <a:t>28</a:t>
             </a:fld>
             <a:endParaRPr lang="es-ES" dirty="0"/>
           </a:p>
@@ -24658,7 +24746,7 @@
               <a:pPr>
                 <a:defRPr/>
               </a:pPr>
-              <a:t>31</a:t>
+              <a:t>30</a:t>
             </a:fld>
             <a:endParaRPr lang="es-ES" dirty="0"/>
           </a:p>
@@ -24720,8 +24808,9 @@
           <a:p>
             <a:r>
               <a:rPr lang="es-CL" b="1" dirty="0" smtClean="0"/>
-              <a:t>RUMINA</a:t>
+              <a:t>SEBASTIAN</a:t>
             </a:r>
+            <a:endParaRPr lang="es-CL" b="1" dirty="0"/>
           </a:p>
         </p:txBody>
       </p:sp>
@@ -24748,7 +24837,7 @@
               <a:pPr>
                 <a:defRPr/>
               </a:pPr>
-              <a:t>33</a:t>
+              <a:t>32</a:t>
             </a:fld>
             <a:endParaRPr lang="es-ES" dirty="0"/>
           </a:p>
@@ -24949,7 +25038,10 @@
           </a:bodyPr>
           <a:lstStyle/>
           <a:p>
-            <a:endParaRPr lang="es-CL" dirty="0"/>
+            <a:r>
+              <a:rPr lang="es-CL" b="1" dirty="0" smtClean="0"/>
+              <a:t>RUMINA</a:t>
+            </a:r>
           </a:p>
         </p:txBody>
       </p:sp>
@@ -25036,20 +25128,6 @@
           </a:bodyPr>
           <a:lstStyle/>
           <a:p>
-            <a:r>
-              <a:rPr lang="es-CL" b="1" dirty="0" smtClean="0"/>
-              <a:t>RUMINA</a:t>
-            </a:r>
-          </a:p>
-          <a:p>
-            <a:r>
-              <a:rPr lang="es-CL" dirty="0" smtClean="0"/>
-              <a:t>Saludos. Presentación nombres y titulo</a:t>
-            </a:r>
-            <a:r>
-              <a:rPr lang="es-CL" baseline="0" dirty="0" smtClean="0"/>
-              <a:t> trabajo</a:t>
-            </a:r>
             <a:endParaRPr lang="es-CL" dirty="0"/>
           </a:p>
         </p:txBody>
@@ -25078,6 +25156,107 @@
                 <a:defRPr/>
               </a:pPr>
               <a:t>35</a:t>
+            </a:fld>
+            <a:endParaRPr lang="es-ES" dirty="0"/>
+          </a:p>
+        </p:txBody>
+      </p:sp>
+    </p:spTree>
+  </p:cSld>
+  <p:clrMapOvr>
+    <a:masterClrMapping/>
+  </p:clrMapOvr>
+</p:notes>
+</file>
+
+<file path=ppt/notesSlides/notesSlide32.xml><?xml version="1.0" encoding="utf-8"?>
+<p:notes xmlns:a="http://schemas.openxmlformats.org/drawingml/2006/main" xmlns:r="http://schemas.openxmlformats.org/officeDocument/2006/relationships" xmlns:p="http://schemas.openxmlformats.org/presentationml/2006/main">
+  <p:cSld>
+    <p:spTree>
+      <p:nvGrpSpPr>
+        <p:cNvPr id="1" name=""/>
+        <p:cNvGrpSpPr/>
+        <p:nvPr/>
+      </p:nvGrpSpPr>
+      <p:grpSpPr>
+        <a:xfrm>
+          <a:off x="0" y="0"/>
+          <a:ext cx="0" cy="0"/>
+          <a:chOff x="0" y="0"/>
+          <a:chExt cx="0" cy="0"/>
+        </a:xfrm>
+      </p:grpSpPr>
+      <p:sp>
+        <p:nvSpPr>
+          <p:cNvPr id="2" name="1 Marcador de imagen de diapositiva"/>
+          <p:cNvSpPr>
+            <a:spLocks noGrp="1" noRot="1" noChangeAspect="1"/>
+          </p:cNvSpPr>
+          <p:nvPr>
+            <p:ph type="sldImg"/>
+          </p:nvPr>
+        </p:nvSpPr>
+        <p:spPr/>
+      </p:sp>
+      <p:sp>
+        <p:nvSpPr>
+          <p:cNvPr id="3" name="2 Marcador de notas"/>
+          <p:cNvSpPr>
+            <a:spLocks noGrp="1"/>
+          </p:cNvSpPr>
+          <p:nvPr>
+            <p:ph type="body" idx="1"/>
+          </p:nvPr>
+        </p:nvSpPr>
+        <p:spPr/>
+        <p:txBody>
+          <a:bodyPr>
+            <a:normAutofit/>
+          </a:bodyPr>
+          <a:lstStyle/>
+          <a:p>
+            <a:r>
+              <a:rPr lang="es-CL" b="1" dirty="0" smtClean="0"/>
+              <a:t>RUMINA</a:t>
+            </a:r>
+          </a:p>
+          <a:p>
+            <a:r>
+              <a:rPr lang="es-CL" dirty="0" smtClean="0"/>
+              <a:t>Saludos. Presentación nombres y titulo</a:t>
+            </a:r>
+            <a:r>
+              <a:rPr lang="es-CL" baseline="0" dirty="0" smtClean="0"/>
+              <a:t> trabajo</a:t>
+            </a:r>
+            <a:endParaRPr lang="es-CL" dirty="0"/>
+          </a:p>
+        </p:txBody>
+      </p:sp>
+      <p:sp>
+        <p:nvSpPr>
+          <p:cNvPr id="4" name="3 Marcador de número de diapositiva"/>
+          <p:cNvSpPr>
+            <a:spLocks noGrp="1"/>
+          </p:cNvSpPr>
+          <p:nvPr>
+            <p:ph type="sldNum" sz="quarter" idx="10"/>
+          </p:nvPr>
+        </p:nvSpPr>
+        <p:spPr/>
+        <p:txBody>
+          <a:bodyPr/>
+          <a:lstStyle/>
+          <a:p>
+            <a:pPr>
+              <a:defRPr/>
+            </a:pPr>
+            <a:fld id="{FDE42844-D1B2-4A88-A9DE-E38F64B7E751}" type="slidenum">
+              <a:rPr lang="es-ES" smtClean="0"/>
+              <a:pPr>
+                <a:defRPr/>
+              </a:pPr>
+              <a:t>36</a:t>
             </a:fld>
             <a:endParaRPr lang="es-ES" dirty="0"/>
           </a:p>
@@ -33175,6 +33354,1158 @@
                 <a:latin typeface="Arial" pitchFamily="34" charset="0"/>
                 <a:cs typeface="Arial" pitchFamily="34" charset="0"/>
               </a:rPr>
+              <a:t>Casos de uso</a:t>
+            </a:r>
+            <a:endParaRPr lang="es-CL" sz="2800" b="1" cap="all" dirty="0">
+              <a:ln w="9000" cmpd="sng">
+                <a:solidFill>
+                  <a:schemeClr val="accent4">
+                    <a:shade val="50000"/>
+                    <a:satMod val="120000"/>
+                  </a:schemeClr>
+                </a:solidFill>
+                <a:prstDash val="solid"/>
+              </a:ln>
+              <a:gradFill>
+                <a:gsLst>
+                  <a:gs pos="0">
+                    <a:schemeClr val="accent4">
+                      <a:shade val="20000"/>
+                      <a:satMod val="245000"/>
+                    </a:schemeClr>
+                  </a:gs>
+                  <a:gs pos="43000">
+                    <a:schemeClr val="accent4">
+                      <a:satMod val="255000"/>
+                    </a:schemeClr>
+                  </a:gs>
+                  <a:gs pos="48000">
+                    <a:schemeClr val="accent4">
+                      <a:shade val="85000"/>
+                      <a:satMod val="255000"/>
+                    </a:schemeClr>
+                  </a:gs>
+                  <a:gs pos="100000">
+                    <a:schemeClr val="accent4">
+                      <a:shade val="20000"/>
+                      <a:satMod val="245000"/>
+                    </a:schemeClr>
+                  </a:gs>
+                </a:gsLst>
+                <a:lin ang="5400000"/>
+              </a:gradFill>
+              <a:effectLst>
+                <a:reflection blurRad="12700" stA="28000" endPos="45000" dist="1000" dir="5400000" sy="-100000" algn="bl" rotWithShape="0"/>
+              </a:effectLst>
+              <a:latin typeface="Arial" pitchFamily="34" charset="0"/>
+              <a:cs typeface="Arial" pitchFamily="34" charset="0"/>
+            </a:endParaRPr>
+          </a:p>
+        </p:txBody>
+      </p:sp>
+      <p:sp>
+        <p:nvSpPr>
+          <p:cNvPr id="4" name="3 Rectángulo"/>
+          <p:cNvSpPr/>
+          <p:nvPr/>
+        </p:nvSpPr>
+        <p:spPr>
+          <a:xfrm>
+            <a:off x="1849120" y="1117600"/>
+            <a:ext cx="5222240" cy="4612640"/>
+          </a:xfrm>
+          <a:prstGeom prst="rect">
+            <a:avLst/>
+          </a:prstGeom>
+          <a:noFill/>
+          <a:ln>
+            <a:solidFill>
+              <a:schemeClr val="tx1"/>
+            </a:solidFill>
+          </a:ln>
+        </p:spPr>
+        <p:style>
+          <a:lnRef idx="2">
+            <a:schemeClr val="accent1">
+              <a:shade val="50000"/>
+            </a:schemeClr>
+          </a:lnRef>
+          <a:fillRef idx="1">
+            <a:schemeClr val="accent1"/>
+          </a:fillRef>
+          <a:effectRef idx="0">
+            <a:schemeClr val="accent1"/>
+          </a:effectRef>
+          <a:fontRef idx="minor">
+            <a:schemeClr val="lt1"/>
+          </a:fontRef>
+        </p:style>
+        <p:txBody>
+          <a:bodyPr rtlCol="0" anchor="ctr"/>
+          <a:lstStyle/>
+          <a:p>
+            <a:pPr algn="ctr"/>
+            <a:endParaRPr lang="es-ES"/>
+          </a:p>
+        </p:txBody>
+      </p:sp>
+      <p:sp>
+        <p:nvSpPr>
+          <p:cNvPr id="6" name="5 Elipse"/>
+          <p:cNvSpPr/>
+          <p:nvPr/>
+        </p:nvSpPr>
+        <p:spPr>
+          <a:xfrm>
+            <a:off x="2011680" y="1198880"/>
+            <a:ext cx="1788160" cy="833120"/>
+          </a:xfrm>
+          <a:prstGeom prst="ellipse">
+            <a:avLst/>
+          </a:prstGeom>
+          <a:noFill/>
+          <a:ln>
+            <a:solidFill>
+              <a:schemeClr val="tx1"/>
+            </a:solidFill>
+          </a:ln>
+        </p:spPr>
+        <p:style>
+          <a:lnRef idx="2">
+            <a:schemeClr val="accent1">
+              <a:shade val="50000"/>
+            </a:schemeClr>
+          </a:lnRef>
+          <a:fillRef idx="1">
+            <a:schemeClr val="accent1"/>
+          </a:fillRef>
+          <a:effectRef idx="0">
+            <a:schemeClr val="accent1"/>
+          </a:effectRef>
+          <a:fontRef idx="minor">
+            <a:schemeClr val="lt1"/>
+          </a:fontRef>
+        </p:style>
+        <p:txBody>
+          <a:bodyPr rtlCol="0" anchor="ctr"/>
+          <a:lstStyle/>
+          <a:p>
+            <a:pPr algn="ctr"/>
+            <a:endParaRPr lang="es-ES"/>
+          </a:p>
+        </p:txBody>
+      </p:sp>
+      <p:sp>
+        <p:nvSpPr>
+          <p:cNvPr id="7" name="6 Elipse"/>
+          <p:cNvSpPr/>
+          <p:nvPr/>
+        </p:nvSpPr>
+        <p:spPr>
+          <a:xfrm>
+            <a:off x="2438400" y="2387600"/>
+            <a:ext cx="1828800" cy="1087120"/>
+          </a:xfrm>
+          <a:prstGeom prst="ellipse">
+            <a:avLst/>
+          </a:prstGeom>
+          <a:noFill/>
+          <a:ln>
+            <a:solidFill>
+              <a:schemeClr val="tx1"/>
+            </a:solidFill>
+          </a:ln>
+        </p:spPr>
+        <p:style>
+          <a:lnRef idx="2">
+            <a:schemeClr val="accent1">
+              <a:shade val="50000"/>
+            </a:schemeClr>
+          </a:lnRef>
+          <a:fillRef idx="1">
+            <a:schemeClr val="accent1"/>
+          </a:fillRef>
+          <a:effectRef idx="0">
+            <a:schemeClr val="accent1"/>
+          </a:effectRef>
+          <a:fontRef idx="minor">
+            <a:schemeClr val="lt1"/>
+          </a:fontRef>
+        </p:style>
+        <p:txBody>
+          <a:bodyPr rtlCol="0" anchor="ctr"/>
+          <a:lstStyle/>
+          <a:p>
+            <a:pPr algn="ctr"/>
+            <a:endParaRPr lang="es-ES"/>
+          </a:p>
+        </p:txBody>
+      </p:sp>
+      <p:sp>
+        <p:nvSpPr>
+          <p:cNvPr id="10" name="9 Elipse"/>
+          <p:cNvSpPr/>
+          <p:nvPr/>
+        </p:nvSpPr>
+        <p:spPr>
+          <a:xfrm>
+            <a:off x="5039360" y="3108960"/>
+            <a:ext cx="1991360" cy="873760"/>
+          </a:xfrm>
+          <a:prstGeom prst="ellipse">
+            <a:avLst/>
+          </a:prstGeom>
+          <a:noFill/>
+          <a:ln>
+            <a:solidFill>
+              <a:schemeClr val="tx1"/>
+            </a:solidFill>
+          </a:ln>
+        </p:spPr>
+        <p:style>
+          <a:lnRef idx="2">
+            <a:schemeClr val="accent1">
+              <a:shade val="50000"/>
+            </a:schemeClr>
+          </a:lnRef>
+          <a:fillRef idx="1">
+            <a:schemeClr val="accent1"/>
+          </a:fillRef>
+          <a:effectRef idx="0">
+            <a:schemeClr val="accent1"/>
+          </a:effectRef>
+          <a:fontRef idx="minor">
+            <a:schemeClr val="lt1"/>
+          </a:fontRef>
+        </p:style>
+        <p:txBody>
+          <a:bodyPr rtlCol="0" anchor="ctr"/>
+          <a:lstStyle/>
+          <a:p>
+            <a:pPr algn="ctr"/>
+            <a:endParaRPr lang="es-ES"/>
+          </a:p>
+        </p:txBody>
+      </p:sp>
+      <p:sp>
+        <p:nvSpPr>
+          <p:cNvPr id="11" name="10 Elipse"/>
+          <p:cNvSpPr/>
+          <p:nvPr/>
+        </p:nvSpPr>
+        <p:spPr>
+          <a:xfrm>
+            <a:off x="5049520" y="1371600"/>
+            <a:ext cx="1778000" cy="802640"/>
+          </a:xfrm>
+          <a:prstGeom prst="ellipse">
+            <a:avLst/>
+          </a:prstGeom>
+          <a:noFill/>
+          <a:ln>
+            <a:solidFill>
+              <a:schemeClr val="tx1"/>
+            </a:solidFill>
+          </a:ln>
+        </p:spPr>
+        <p:style>
+          <a:lnRef idx="2">
+            <a:schemeClr val="accent1">
+              <a:shade val="50000"/>
+            </a:schemeClr>
+          </a:lnRef>
+          <a:fillRef idx="1">
+            <a:schemeClr val="accent1"/>
+          </a:fillRef>
+          <a:effectRef idx="0">
+            <a:schemeClr val="accent1"/>
+          </a:effectRef>
+          <a:fontRef idx="minor">
+            <a:schemeClr val="lt1"/>
+          </a:fontRef>
+        </p:style>
+        <p:txBody>
+          <a:bodyPr rtlCol="0" anchor="ctr"/>
+          <a:lstStyle/>
+          <a:p>
+            <a:pPr algn="ctr"/>
+            <a:endParaRPr lang="es-ES"/>
+          </a:p>
+        </p:txBody>
+      </p:sp>
+      <p:sp>
+        <p:nvSpPr>
+          <p:cNvPr id="12" name="11 Elipse"/>
+          <p:cNvSpPr/>
+          <p:nvPr/>
+        </p:nvSpPr>
+        <p:spPr>
+          <a:xfrm>
+            <a:off x="3718560" y="4754880"/>
+            <a:ext cx="1584960" cy="833120"/>
+          </a:xfrm>
+          <a:prstGeom prst="ellipse">
+            <a:avLst/>
+          </a:prstGeom>
+          <a:noFill/>
+          <a:ln>
+            <a:solidFill>
+              <a:schemeClr val="tx1"/>
+            </a:solidFill>
+          </a:ln>
+        </p:spPr>
+        <p:style>
+          <a:lnRef idx="2">
+            <a:schemeClr val="accent1">
+              <a:shade val="50000"/>
+            </a:schemeClr>
+          </a:lnRef>
+          <a:fillRef idx="1">
+            <a:schemeClr val="accent1"/>
+          </a:fillRef>
+          <a:effectRef idx="0">
+            <a:schemeClr val="accent1"/>
+          </a:effectRef>
+          <a:fontRef idx="minor">
+            <a:schemeClr val="lt1"/>
+          </a:fontRef>
+        </p:style>
+        <p:txBody>
+          <a:bodyPr rtlCol="0" anchor="ctr"/>
+          <a:lstStyle/>
+          <a:p>
+            <a:pPr algn="ctr"/>
+            <a:endParaRPr lang="es-ES"/>
+          </a:p>
+        </p:txBody>
+      </p:sp>
+      <p:pic>
+        <p:nvPicPr>
+          <p:cNvPr id="84" name="83 Imagen" descr="mono.png"/>
+          <p:cNvPicPr>
+            <a:picLocks noChangeAspect="1"/>
+          </p:cNvPicPr>
+          <p:nvPr/>
+        </p:nvPicPr>
+        <p:blipFill>
+          <a:blip r:embed="rId3" cstate="print"/>
+          <a:stretch>
+            <a:fillRect/>
+          </a:stretch>
+        </p:blipFill>
+        <p:spPr>
+          <a:xfrm>
+            <a:off x="547052" y="2589847"/>
+            <a:ext cx="1010509" cy="1433513"/>
+          </a:xfrm>
+          <a:prstGeom prst="rect">
+            <a:avLst/>
+          </a:prstGeom>
+        </p:spPr>
+      </p:pic>
+      <p:pic>
+        <p:nvPicPr>
+          <p:cNvPr id="85" name="84 Imagen" descr="mono.png"/>
+          <p:cNvPicPr>
+            <a:picLocks noChangeAspect="1"/>
+          </p:cNvPicPr>
+          <p:nvPr/>
+        </p:nvPicPr>
+        <p:blipFill>
+          <a:blip r:embed="rId3" cstate="print"/>
+          <a:stretch>
+            <a:fillRect/>
+          </a:stretch>
+        </p:blipFill>
+        <p:spPr>
+          <a:xfrm>
+            <a:off x="7547292" y="1096327"/>
+            <a:ext cx="1010509" cy="1433513"/>
+          </a:xfrm>
+          <a:prstGeom prst="rect">
+            <a:avLst/>
+          </a:prstGeom>
+        </p:spPr>
+      </p:pic>
+      <p:pic>
+        <p:nvPicPr>
+          <p:cNvPr id="86" name="85 Imagen" descr="mono.png"/>
+          <p:cNvPicPr>
+            <a:picLocks noChangeAspect="1"/>
+          </p:cNvPicPr>
+          <p:nvPr/>
+        </p:nvPicPr>
+        <p:blipFill>
+          <a:blip r:embed="rId3" cstate="print"/>
+          <a:stretch>
+            <a:fillRect/>
+          </a:stretch>
+        </p:blipFill>
+        <p:spPr>
+          <a:xfrm>
+            <a:off x="7689532" y="4002087"/>
+            <a:ext cx="1010509" cy="1433513"/>
+          </a:xfrm>
+          <a:prstGeom prst="rect">
+            <a:avLst/>
+          </a:prstGeom>
+        </p:spPr>
+      </p:pic>
+      <p:sp>
+        <p:nvSpPr>
+          <p:cNvPr id="87" name="86 CuadroTexto"/>
+          <p:cNvSpPr txBox="1"/>
+          <p:nvPr/>
+        </p:nvSpPr>
+        <p:spPr>
+          <a:xfrm>
+            <a:off x="121920" y="3921761"/>
+            <a:ext cx="1706880" cy="369332"/>
+          </a:xfrm>
+          <a:prstGeom prst="rect">
+            <a:avLst/>
+          </a:prstGeom>
+          <a:noFill/>
+        </p:spPr>
+        <p:txBody>
+          <a:bodyPr wrap="square" rtlCol="0">
+            <a:spAutoFit/>
+          </a:bodyPr>
+          <a:lstStyle/>
+          <a:p>
+            <a:r>
+              <a:rPr lang="es-ES" sz="1800" dirty="0" smtClean="0">
+                <a:latin typeface="Arial" pitchFamily="34" charset="0"/>
+                <a:cs typeface="Arial" pitchFamily="34" charset="0"/>
+              </a:rPr>
+              <a:t>Recepcionista</a:t>
+            </a:r>
+            <a:endParaRPr lang="es-ES" sz="1800" dirty="0">
+              <a:latin typeface="Arial" pitchFamily="34" charset="0"/>
+              <a:cs typeface="Arial" pitchFamily="34" charset="0"/>
+            </a:endParaRPr>
+          </a:p>
+        </p:txBody>
+      </p:sp>
+      <p:sp>
+        <p:nvSpPr>
+          <p:cNvPr id="89" name="88 CuadroTexto"/>
+          <p:cNvSpPr txBox="1"/>
+          <p:nvPr/>
+        </p:nvSpPr>
+        <p:spPr>
+          <a:xfrm>
+            <a:off x="7142480" y="2529841"/>
+            <a:ext cx="1706880" cy="369332"/>
+          </a:xfrm>
+          <a:prstGeom prst="rect">
+            <a:avLst/>
+          </a:prstGeom>
+          <a:noFill/>
+        </p:spPr>
+        <p:txBody>
+          <a:bodyPr wrap="square" rtlCol="0">
+            <a:spAutoFit/>
+          </a:bodyPr>
+          <a:lstStyle/>
+          <a:p>
+            <a:r>
+              <a:rPr lang="es-ES" sz="1800" dirty="0" smtClean="0">
+                <a:latin typeface="Arial" pitchFamily="34" charset="0"/>
+                <a:cs typeface="Arial" pitchFamily="34" charset="0"/>
+              </a:rPr>
+              <a:t>Administrativo</a:t>
+            </a:r>
+            <a:endParaRPr lang="es-ES" sz="1800" dirty="0">
+              <a:latin typeface="Arial" pitchFamily="34" charset="0"/>
+              <a:cs typeface="Arial" pitchFamily="34" charset="0"/>
+            </a:endParaRPr>
+          </a:p>
+        </p:txBody>
+      </p:sp>
+      <p:sp>
+        <p:nvSpPr>
+          <p:cNvPr id="90" name="89 CuadroTexto"/>
+          <p:cNvSpPr txBox="1"/>
+          <p:nvPr/>
+        </p:nvSpPr>
+        <p:spPr>
+          <a:xfrm>
+            <a:off x="7630160" y="5415280"/>
+            <a:ext cx="1127760" cy="369332"/>
+          </a:xfrm>
+          <a:prstGeom prst="rect">
+            <a:avLst/>
+          </a:prstGeom>
+          <a:noFill/>
+        </p:spPr>
+        <p:txBody>
+          <a:bodyPr wrap="square" rtlCol="0">
+            <a:spAutoFit/>
+          </a:bodyPr>
+          <a:lstStyle/>
+          <a:p>
+            <a:r>
+              <a:rPr lang="es-ES" sz="1800" dirty="0" smtClean="0">
+                <a:latin typeface="Arial" pitchFamily="34" charset="0"/>
+                <a:cs typeface="Arial" pitchFamily="34" charset="0"/>
+              </a:rPr>
+              <a:t>Técnico</a:t>
+            </a:r>
+            <a:endParaRPr lang="es-ES" sz="1800" dirty="0">
+              <a:latin typeface="Arial" pitchFamily="34" charset="0"/>
+              <a:cs typeface="Arial" pitchFamily="34" charset="0"/>
+            </a:endParaRPr>
+          </a:p>
+        </p:txBody>
+      </p:sp>
+      <p:sp>
+        <p:nvSpPr>
+          <p:cNvPr id="91" name="90 CuadroTexto"/>
+          <p:cNvSpPr txBox="1"/>
+          <p:nvPr/>
+        </p:nvSpPr>
+        <p:spPr>
+          <a:xfrm>
+            <a:off x="2001520" y="1391921"/>
+            <a:ext cx="1706880" cy="369332"/>
+          </a:xfrm>
+          <a:prstGeom prst="rect">
+            <a:avLst/>
+          </a:prstGeom>
+          <a:noFill/>
+        </p:spPr>
+        <p:txBody>
+          <a:bodyPr wrap="square" rtlCol="0">
+            <a:spAutoFit/>
+          </a:bodyPr>
+          <a:lstStyle/>
+          <a:p>
+            <a:r>
+              <a:rPr lang="es-ES" sz="1800" dirty="0" smtClean="0">
+                <a:latin typeface="Arial" pitchFamily="34" charset="0"/>
+                <a:cs typeface="Arial" pitchFamily="34" charset="0"/>
+              </a:rPr>
+              <a:t>Ingresa orden </a:t>
+            </a:r>
+            <a:endParaRPr lang="es-ES" sz="1800" dirty="0">
+              <a:latin typeface="Arial" pitchFamily="34" charset="0"/>
+              <a:cs typeface="Arial" pitchFamily="34" charset="0"/>
+            </a:endParaRPr>
+          </a:p>
+        </p:txBody>
+      </p:sp>
+      <p:sp>
+        <p:nvSpPr>
+          <p:cNvPr id="92" name="91 CuadroTexto"/>
+          <p:cNvSpPr txBox="1"/>
+          <p:nvPr/>
+        </p:nvSpPr>
+        <p:spPr>
+          <a:xfrm>
+            <a:off x="5415280" y="1584959"/>
+            <a:ext cx="1066800" cy="369332"/>
+          </a:xfrm>
+          <a:prstGeom prst="rect">
+            <a:avLst/>
+          </a:prstGeom>
+          <a:noFill/>
+        </p:spPr>
+        <p:txBody>
+          <a:bodyPr wrap="square" rtlCol="0">
+            <a:spAutoFit/>
+          </a:bodyPr>
+          <a:lstStyle/>
+          <a:p>
+            <a:r>
+              <a:rPr lang="es-ES" sz="1800" dirty="0" smtClean="0">
+                <a:latin typeface="Arial" pitchFamily="34" charset="0"/>
+                <a:cs typeface="Arial" pitchFamily="34" charset="0"/>
+              </a:rPr>
+              <a:t>Asignar</a:t>
+            </a:r>
+            <a:endParaRPr lang="es-ES" sz="1800" dirty="0">
+              <a:latin typeface="Arial" pitchFamily="34" charset="0"/>
+              <a:cs typeface="Arial" pitchFamily="34" charset="0"/>
+            </a:endParaRPr>
+          </a:p>
+        </p:txBody>
+      </p:sp>
+      <p:sp>
+        <p:nvSpPr>
+          <p:cNvPr id="93" name="92 CuadroTexto"/>
+          <p:cNvSpPr txBox="1"/>
+          <p:nvPr/>
+        </p:nvSpPr>
+        <p:spPr>
+          <a:xfrm>
+            <a:off x="5232400" y="3241041"/>
+            <a:ext cx="1706880" cy="646331"/>
+          </a:xfrm>
+          <a:prstGeom prst="rect">
+            <a:avLst/>
+          </a:prstGeom>
+          <a:noFill/>
+        </p:spPr>
+        <p:txBody>
+          <a:bodyPr wrap="square" rtlCol="0">
+            <a:spAutoFit/>
+          </a:bodyPr>
+          <a:lstStyle/>
+          <a:p>
+            <a:r>
+              <a:rPr lang="es-ES" sz="1800" dirty="0" smtClean="0">
+                <a:latin typeface="Arial" pitchFamily="34" charset="0"/>
+                <a:cs typeface="Arial" pitchFamily="34" charset="0"/>
+              </a:rPr>
+              <a:t>Revisar y Diagnosticar</a:t>
+            </a:r>
+            <a:endParaRPr lang="es-ES" sz="1800" dirty="0">
+              <a:latin typeface="Arial" pitchFamily="34" charset="0"/>
+              <a:cs typeface="Arial" pitchFamily="34" charset="0"/>
+            </a:endParaRPr>
+          </a:p>
+        </p:txBody>
+      </p:sp>
+      <p:sp>
+        <p:nvSpPr>
+          <p:cNvPr id="94" name="93 CuadroTexto"/>
+          <p:cNvSpPr txBox="1"/>
+          <p:nvPr/>
+        </p:nvSpPr>
+        <p:spPr>
+          <a:xfrm>
+            <a:off x="2550160" y="2672081"/>
+            <a:ext cx="1656080" cy="923330"/>
+          </a:xfrm>
+          <a:prstGeom prst="rect">
+            <a:avLst/>
+          </a:prstGeom>
+          <a:noFill/>
+        </p:spPr>
+        <p:txBody>
+          <a:bodyPr wrap="square" rtlCol="0">
+            <a:spAutoFit/>
+          </a:bodyPr>
+          <a:lstStyle/>
+          <a:p>
+            <a:r>
+              <a:rPr lang="es-ES" sz="1800" dirty="0" smtClean="0">
+                <a:latin typeface="Arial" pitchFamily="34" charset="0"/>
+                <a:cs typeface="Arial" pitchFamily="34" charset="0"/>
+              </a:rPr>
+              <a:t>Cierra orden y entrega</a:t>
+            </a:r>
+          </a:p>
+          <a:p>
+            <a:endParaRPr lang="es-ES" sz="1800" dirty="0">
+              <a:latin typeface="Arial" pitchFamily="34" charset="0"/>
+              <a:cs typeface="Arial" pitchFamily="34" charset="0"/>
+            </a:endParaRPr>
+          </a:p>
+        </p:txBody>
+      </p:sp>
+      <p:sp>
+        <p:nvSpPr>
+          <p:cNvPr id="95" name="94 CuadroTexto"/>
+          <p:cNvSpPr txBox="1"/>
+          <p:nvPr/>
+        </p:nvSpPr>
+        <p:spPr>
+          <a:xfrm>
+            <a:off x="3789680" y="4947921"/>
+            <a:ext cx="1452880" cy="369332"/>
+          </a:xfrm>
+          <a:prstGeom prst="rect">
+            <a:avLst/>
+          </a:prstGeom>
+          <a:noFill/>
+        </p:spPr>
+        <p:txBody>
+          <a:bodyPr wrap="square" rtlCol="0">
+            <a:spAutoFit/>
+          </a:bodyPr>
+          <a:lstStyle/>
+          <a:p>
+            <a:r>
+              <a:rPr lang="es-ES" sz="1800" dirty="0" smtClean="0">
+                <a:latin typeface="Arial" pitchFamily="34" charset="0"/>
+                <a:cs typeface="Arial" pitchFamily="34" charset="0"/>
+              </a:rPr>
+              <a:t>Reparación</a:t>
+            </a:r>
+            <a:endParaRPr lang="es-ES" sz="1800" dirty="0">
+              <a:latin typeface="Arial" pitchFamily="34" charset="0"/>
+              <a:cs typeface="Arial" pitchFamily="34" charset="0"/>
+            </a:endParaRPr>
+          </a:p>
+        </p:txBody>
+      </p:sp>
+      <p:cxnSp>
+        <p:nvCxnSpPr>
+          <p:cNvPr id="97" name="96 Conector recto de flecha"/>
+          <p:cNvCxnSpPr/>
+          <p:nvPr/>
+        </p:nvCxnSpPr>
+        <p:spPr>
+          <a:xfrm rot="5400000" flipH="1" flipV="1">
+            <a:off x="1016000" y="2438400"/>
+            <a:ext cx="1767840" cy="1076960"/>
+          </a:xfrm>
+          <a:prstGeom prst="straightConnector1">
+            <a:avLst/>
+          </a:prstGeom>
+          <a:ln>
+            <a:solidFill>
+              <a:schemeClr val="tx1"/>
+            </a:solidFill>
+            <a:tailEnd type="arrow"/>
+          </a:ln>
+        </p:spPr>
+        <p:style>
+          <a:lnRef idx="1">
+            <a:schemeClr val="accent1"/>
+          </a:lnRef>
+          <a:fillRef idx="0">
+            <a:schemeClr val="accent1"/>
+          </a:fillRef>
+          <a:effectRef idx="0">
+            <a:schemeClr val="accent1"/>
+          </a:effectRef>
+          <a:fontRef idx="minor">
+            <a:schemeClr val="tx1"/>
+          </a:fontRef>
+        </p:style>
+      </p:cxnSp>
+      <p:cxnSp>
+        <p:nvCxnSpPr>
+          <p:cNvPr id="101" name="100 Conector recto de flecha"/>
+          <p:cNvCxnSpPr/>
+          <p:nvPr/>
+        </p:nvCxnSpPr>
+        <p:spPr>
+          <a:xfrm flipV="1">
+            <a:off x="1402080" y="3312160"/>
+            <a:ext cx="1219200" cy="609600"/>
+          </a:xfrm>
+          <a:prstGeom prst="straightConnector1">
+            <a:avLst/>
+          </a:prstGeom>
+          <a:ln>
+            <a:solidFill>
+              <a:schemeClr val="tx1"/>
+            </a:solidFill>
+            <a:tailEnd type="arrow"/>
+          </a:ln>
+        </p:spPr>
+        <p:style>
+          <a:lnRef idx="1">
+            <a:schemeClr val="accent1"/>
+          </a:lnRef>
+          <a:fillRef idx="0">
+            <a:schemeClr val="accent1"/>
+          </a:fillRef>
+          <a:effectRef idx="0">
+            <a:schemeClr val="accent1"/>
+          </a:effectRef>
+          <a:fontRef idx="minor">
+            <a:schemeClr val="tx1"/>
+          </a:fontRef>
+        </p:style>
+      </p:cxnSp>
+      <p:cxnSp>
+        <p:nvCxnSpPr>
+          <p:cNvPr id="106" name="105 Conector recto de flecha"/>
+          <p:cNvCxnSpPr/>
+          <p:nvPr/>
+        </p:nvCxnSpPr>
+        <p:spPr>
+          <a:xfrm rot="10800000">
+            <a:off x="6471920" y="2103120"/>
+            <a:ext cx="1270000" cy="111760"/>
+          </a:xfrm>
+          <a:prstGeom prst="straightConnector1">
+            <a:avLst/>
+          </a:prstGeom>
+          <a:ln>
+            <a:solidFill>
+              <a:schemeClr val="tx1"/>
+            </a:solidFill>
+            <a:tailEnd type="arrow"/>
+          </a:ln>
+        </p:spPr>
+        <p:style>
+          <a:lnRef idx="1">
+            <a:schemeClr val="accent1"/>
+          </a:lnRef>
+          <a:fillRef idx="0">
+            <a:schemeClr val="accent1"/>
+          </a:fillRef>
+          <a:effectRef idx="0">
+            <a:schemeClr val="accent1"/>
+          </a:effectRef>
+          <a:fontRef idx="minor">
+            <a:schemeClr val="tx1"/>
+          </a:fontRef>
+        </p:style>
+      </p:cxnSp>
+      <p:cxnSp>
+        <p:nvCxnSpPr>
+          <p:cNvPr id="108" name="107 Conector recto de flecha"/>
+          <p:cNvCxnSpPr/>
+          <p:nvPr/>
+        </p:nvCxnSpPr>
+        <p:spPr>
+          <a:xfrm rot="10800000">
+            <a:off x="6329680" y="4053840"/>
+            <a:ext cx="1412240" cy="944880"/>
+          </a:xfrm>
+          <a:prstGeom prst="straightConnector1">
+            <a:avLst/>
+          </a:prstGeom>
+          <a:ln>
+            <a:solidFill>
+              <a:schemeClr val="tx1"/>
+            </a:solidFill>
+            <a:tailEnd type="arrow"/>
+          </a:ln>
+        </p:spPr>
+        <p:style>
+          <a:lnRef idx="1">
+            <a:schemeClr val="accent1"/>
+          </a:lnRef>
+          <a:fillRef idx="0">
+            <a:schemeClr val="accent1"/>
+          </a:fillRef>
+          <a:effectRef idx="0">
+            <a:schemeClr val="accent1"/>
+          </a:effectRef>
+          <a:fontRef idx="minor">
+            <a:schemeClr val="tx1"/>
+          </a:fontRef>
+        </p:style>
+      </p:cxnSp>
+      <p:cxnSp>
+        <p:nvCxnSpPr>
+          <p:cNvPr id="111" name="110 Conector recto de flecha"/>
+          <p:cNvCxnSpPr/>
+          <p:nvPr/>
+        </p:nvCxnSpPr>
+        <p:spPr>
+          <a:xfrm rot="10800000" flipV="1">
+            <a:off x="5344160" y="5039360"/>
+            <a:ext cx="2418080" cy="243840"/>
+          </a:xfrm>
+          <a:prstGeom prst="straightConnector1">
+            <a:avLst/>
+          </a:prstGeom>
+          <a:ln>
+            <a:solidFill>
+              <a:schemeClr val="tx1"/>
+            </a:solidFill>
+            <a:tailEnd type="arrow"/>
+          </a:ln>
+        </p:spPr>
+        <p:style>
+          <a:lnRef idx="1">
+            <a:schemeClr val="accent1"/>
+          </a:lnRef>
+          <a:fillRef idx="0">
+            <a:schemeClr val="accent1"/>
+          </a:fillRef>
+          <a:effectRef idx="0">
+            <a:schemeClr val="accent1"/>
+          </a:effectRef>
+          <a:fontRef idx="minor">
+            <a:schemeClr val="tx1"/>
+          </a:fontRef>
+        </p:style>
+      </p:cxnSp>
+      <p:cxnSp>
+        <p:nvCxnSpPr>
+          <p:cNvPr id="115" name="114 Conector recto de flecha"/>
+          <p:cNvCxnSpPr>
+            <a:stCxn id="10" idx="0"/>
+            <a:endCxn id="11" idx="4"/>
+          </p:cNvCxnSpPr>
+          <p:nvPr/>
+        </p:nvCxnSpPr>
+        <p:spPr>
+          <a:xfrm rot="16200000" flipV="1">
+            <a:off x="5519420" y="2593340"/>
+            <a:ext cx="934720" cy="96520"/>
+          </a:xfrm>
+          <a:prstGeom prst="straightConnector1">
+            <a:avLst/>
+          </a:prstGeom>
+          <a:ln w="12700">
+            <a:solidFill>
+              <a:schemeClr val="tx1"/>
+            </a:solidFill>
+            <a:prstDash val="dash"/>
+            <a:tailEnd type="arrow"/>
+          </a:ln>
+        </p:spPr>
+        <p:style>
+          <a:lnRef idx="1">
+            <a:schemeClr val="accent1"/>
+          </a:lnRef>
+          <a:fillRef idx="0">
+            <a:schemeClr val="accent1"/>
+          </a:fillRef>
+          <a:effectRef idx="0">
+            <a:schemeClr val="accent1"/>
+          </a:effectRef>
+          <a:fontRef idx="minor">
+            <a:schemeClr val="tx1"/>
+          </a:fontRef>
+        </p:style>
+      </p:cxnSp>
+      <p:cxnSp>
+        <p:nvCxnSpPr>
+          <p:cNvPr id="117" name="116 Conector recto de flecha"/>
+          <p:cNvCxnSpPr/>
+          <p:nvPr/>
+        </p:nvCxnSpPr>
+        <p:spPr>
+          <a:xfrm rot="5400000" flipH="1" flipV="1">
+            <a:off x="4673600" y="4003040"/>
+            <a:ext cx="812800" cy="731520"/>
+          </a:xfrm>
+          <a:prstGeom prst="straightConnector1">
+            <a:avLst/>
+          </a:prstGeom>
+          <a:ln w="12700">
+            <a:solidFill>
+              <a:schemeClr val="tx1"/>
+            </a:solidFill>
+            <a:prstDash val="dash"/>
+            <a:tailEnd type="arrow"/>
+          </a:ln>
+        </p:spPr>
+        <p:style>
+          <a:lnRef idx="1">
+            <a:schemeClr val="accent1"/>
+          </a:lnRef>
+          <a:fillRef idx="0">
+            <a:schemeClr val="accent1"/>
+          </a:fillRef>
+          <a:effectRef idx="0">
+            <a:schemeClr val="accent1"/>
+          </a:effectRef>
+          <a:fontRef idx="minor">
+            <a:schemeClr val="tx1"/>
+          </a:fontRef>
+        </p:style>
+      </p:cxnSp>
+      <p:cxnSp>
+        <p:nvCxnSpPr>
+          <p:cNvPr id="120" name="119 Conector recto de flecha"/>
+          <p:cNvCxnSpPr>
+            <a:endCxn id="10" idx="2"/>
+          </p:cNvCxnSpPr>
+          <p:nvPr/>
+        </p:nvCxnSpPr>
+        <p:spPr>
+          <a:xfrm>
+            <a:off x="3637280" y="3434080"/>
+            <a:ext cx="1402080" cy="111760"/>
+          </a:xfrm>
+          <a:prstGeom prst="straightConnector1">
+            <a:avLst/>
+          </a:prstGeom>
+          <a:ln w="12700">
+            <a:solidFill>
+              <a:schemeClr val="tx1"/>
+            </a:solidFill>
+            <a:prstDash val="dash"/>
+            <a:tailEnd type="arrow"/>
+          </a:ln>
+        </p:spPr>
+        <p:style>
+          <a:lnRef idx="1">
+            <a:schemeClr val="accent1"/>
+          </a:lnRef>
+          <a:fillRef idx="0">
+            <a:schemeClr val="accent1"/>
+          </a:fillRef>
+          <a:effectRef idx="0">
+            <a:schemeClr val="accent1"/>
+          </a:effectRef>
+          <a:fontRef idx="minor">
+            <a:schemeClr val="tx1"/>
+          </a:fontRef>
+        </p:style>
+      </p:cxnSp>
+      <p:cxnSp>
+        <p:nvCxnSpPr>
+          <p:cNvPr id="125" name="124 Conector recto de flecha"/>
+          <p:cNvCxnSpPr>
+            <a:endCxn id="12" idx="1"/>
+          </p:cNvCxnSpPr>
+          <p:nvPr/>
+        </p:nvCxnSpPr>
+        <p:spPr>
+          <a:xfrm rot="16200000" flipH="1">
+            <a:off x="3001452" y="3927668"/>
+            <a:ext cx="1402168" cy="496272"/>
+          </a:xfrm>
+          <a:prstGeom prst="straightConnector1">
+            <a:avLst/>
+          </a:prstGeom>
+          <a:ln w="12700">
+            <a:solidFill>
+              <a:schemeClr val="tx1"/>
+            </a:solidFill>
+            <a:prstDash val="dash"/>
+            <a:tailEnd type="arrow"/>
+          </a:ln>
+        </p:spPr>
+        <p:style>
+          <a:lnRef idx="1">
+            <a:schemeClr val="accent1"/>
+          </a:lnRef>
+          <a:fillRef idx="0">
+            <a:schemeClr val="accent1"/>
+          </a:fillRef>
+          <a:effectRef idx="0">
+            <a:schemeClr val="accent1"/>
+          </a:effectRef>
+          <a:fontRef idx="minor">
+            <a:schemeClr val="tx1"/>
+          </a:fontRef>
+        </p:style>
+      </p:cxnSp>
+      <p:sp>
+        <p:nvSpPr>
+          <p:cNvPr id="131" name="130 CuadroTexto"/>
+          <p:cNvSpPr txBox="1"/>
+          <p:nvPr/>
+        </p:nvSpPr>
+        <p:spPr>
+          <a:xfrm>
+            <a:off x="2865120" y="5811521"/>
+            <a:ext cx="3291840" cy="461665"/>
+          </a:xfrm>
+          <a:prstGeom prst="rect">
+            <a:avLst/>
+          </a:prstGeom>
+          <a:noFill/>
+        </p:spPr>
+        <p:txBody>
+          <a:bodyPr wrap="square" rtlCol="0">
+            <a:spAutoFit/>
+          </a:bodyPr>
+          <a:lstStyle/>
+          <a:p>
+            <a:r>
+              <a:rPr lang="es-ES" dirty="0" smtClean="0"/>
+              <a:t>Sistema Servicio Técnico</a:t>
+            </a:r>
+            <a:endParaRPr lang="es-ES" dirty="0"/>
+          </a:p>
+        </p:txBody>
+      </p:sp>
+    </p:spTree>
+  </p:cSld>
+  <p:clrMapOvr>
+    <a:masterClrMapping/>
+  </p:clrMapOvr>
+  <p:transition advTm="2782"/>
+  <p:timing>
+    <p:tnLst>
+      <p:par>
+        <p:cTn id="1" dur="indefinite" restart="never" nodeType="tmRoot"/>
+      </p:par>
+    </p:tnLst>
+  </p:timing>
+</p:sld>
+</file>
+
+<file path=ppt/slides/slide22.xml><?xml version="1.0" encoding="utf-8"?>
+<p:sld xmlns:a="http://schemas.openxmlformats.org/drawingml/2006/main" xmlns:r="http://schemas.openxmlformats.org/officeDocument/2006/relationships" xmlns:p="http://schemas.openxmlformats.org/presentationml/2006/main">
+  <p:cSld>
+    <p:spTree>
+      <p:nvGrpSpPr>
+        <p:cNvPr id="1" name=""/>
+        <p:cNvGrpSpPr/>
+        <p:nvPr/>
+      </p:nvGrpSpPr>
+      <p:grpSpPr>
+        <a:xfrm>
+          <a:off x="0" y="0"/>
+          <a:ext cx="0" cy="0"/>
+          <a:chOff x="0" y="0"/>
+          <a:chExt cx="0" cy="0"/>
+        </a:xfrm>
+      </p:grpSpPr>
+      <p:sp>
+        <p:nvSpPr>
+          <p:cNvPr id="5" name="4 CuadroTexto"/>
+          <p:cNvSpPr txBox="1"/>
+          <p:nvPr/>
+        </p:nvSpPr>
+        <p:spPr>
+          <a:xfrm>
+            <a:off x="627795" y="518614"/>
+            <a:ext cx="7915702" cy="523220"/>
+          </a:xfrm>
+          <a:prstGeom prst="rect">
+            <a:avLst/>
+          </a:prstGeom>
+          <a:noFill/>
+        </p:spPr>
+        <p:txBody>
+          <a:bodyPr wrap="square" rtlCol="0">
+            <a:spAutoFit/>
+          </a:bodyPr>
+          <a:lstStyle/>
+          <a:p>
+            <a:r>
+              <a:rPr lang="es-CL" sz="2800" b="1" cap="all" dirty="0" smtClean="0">
+                <a:ln w="9000" cmpd="sng">
+                  <a:solidFill>
+                    <a:schemeClr val="accent4">
+                      <a:shade val="50000"/>
+                      <a:satMod val="120000"/>
+                    </a:schemeClr>
+                  </a:solidFill>
+                  <a:prstDash val="solid"/>
+                </a:ln>
+                <a:gradFill>
+                  <a:gsLst>
+                    <a:gs pos="0">
+                      <a:schemeClr val="accent4">
+                        <a:shade val="20000"/>
+                        <a:satMod val="245000"/>
+                      </a:schemeClr>
+                    </a:gs>
+                    <a:gs pos="43000">
+                      <a:schemeClr val="accent4">
+                        <a:satMod val="255000"/>
+                      </a:schemeClr>
+                    </a:gs>
+                    <a:gs pos="48000">
+                      <a:schemeClr val="accent4">
+                        <a:shade val="85000"/>
+                        <a:satMod val="255000"/>
+                      </a:schemeClr>
+                    </a:gs>
+                    <a:gs pos="100000">
+                      <a:schemeClr val="accent4">
+                        <a:shade val="20000"/>
+                        <a:satMod val="245000"/>
+                      </a:schemeClr>
+                    </a:gs>
+                  </a:gsLst>
+                  <a:lin ang="5400000"/>
+                </a:gradFill>
+                <a:effectLst>
+                  <a:reflection blurRad="12700" stA="28000" endPos="45000" dist="1000" dir="5400000" sy="-100000" algn="bl" rotWithShape="0"/>
+                </a:effectLst>
+                <a:latin typeface="Arial" pitchFamily="34" charset="0"/>
+                <a:cs typeface="Arial" pitchFamily="34" charset="0"/>
+              </a:rPr>
               <a:t>Solución propuesta - arquitectura</a:t>
             </a:r>
             <a:endParaRPr lang="es-CL" sz="2800" b="1" cap="all" dirty="0">
@@ -33290,7 +34621,7 @@
 </p:sld>
 </file>
 
-<file path=ppt/slides/slide22.xml><?xml version="1.0" encoding="utf-8"?>
+<file path=ppt/slides/slide23.xml><?xml version="1.0" encoding="utf-8"?>
 <p:sld xmlns:a="http://schemas.openxmlformats.org/drawingml/2006/main" xmlns:r="http://schemas.openxmlformats.org/officeDocument/2006/relationships" xmlns:p="http://schemas.openxmlformats.org/presentationml/2006/main">
   <p:cSld>
     <p:spTree>
@@ -33557,7 +34888,7 @@
 </p:sld>
 </file>
 
-<file path=ppt/slides/slide23.xml><?xml version="1.0" encoding="utf-8"?>
+<file path=ppt/slides/slide24.xml><?xml version="1.0" encoding="utf-8"?>
 <p:sld xmlns:a="http://schemas.openxmlformats.org/drawingml/2006/main" xmlns:r="http://schemas.openxmlformats.org/officeDocument/2006/relationships" xmlns:p="http://schemas.openxmlformats.org/presentationml/2006/main">
   <p:cSld>
     <p:spTree>
@@ -33709,7 +35040,7 @@
 </p:sld>
 </file>
 
-<file path=ppt/slides/slide24.xml><?xml version="1.0" encoding="utf-8"?>
+<file path=ppt/slides/slide25.xml><?xml version="1.0" encoding="utf-8"?>
 <p:sld xmlns:a="http://schemas.openxmlformats.org/drawingml/2006/main" xmlns:r="http://schemas.openxmlformats.org/officeDocument/2006/relationships" xmlns:p="http://schemas.openxmlformats.org/presentationml/2006/main">
   <p:cSld>
     <p:spTree>
@@ -33745,7 +35076,7 @@
 </p:sld>
 </file>
 
-<file path=ppt/slides/slide25.xml><?xml version="1.0" encoding="utf-8"?>
+<file path=ppt/slides/slide26.xml><?xml version="1.0" encoding="utf-8"?>
 <p:sld xmlns:a="http://schemas.openxmlformats.org/drawingml/2006/main" xmlns:r="http://schemas.openxmlformats.org/officeDocument/2006/relationships" xmlns:p="http://schemas.openxmlformats.org/presentationml/2006/main">
   <p:cSld>
     <p:spTree>
@@ -33925,7 +35256,7 @@
 </p:sld>
 </file>
 
-<file path=ppt/slides/slide26.xml><?xml version="1.0" encoding="utf-8"?>
+<file path=ppt/slides/slide27.xml><?xml version="1.0" encoding="utf-8"?>
 <p:sld xmlns:a="http://schemas.openxmlformats.org/drawingml/2006/main" xmlns:r="http://schemas.openxmlformats.org/officeDocument/2006/relationships" xmlns:p="http://schemas.openxmlformats.org/presentationml/2006/main">
   <p:cSld>
     <p:spTree>
@@ -33961,7 +35292,7 @@
 </p:sld>
 </file>
 
-<file path=ppt/slides/slide27.xml><?xml version="1.0" encoding="utf-8"?>
+<file path=ppt/slides/slide28.xml><?xml version="1.0" encoding="utf-8"?>
 <p:sld xmlns:a="http://schemas.openxmlformats.org/drawingml/2006/main" xmlns:r="http://schemas.openxmlformats.org/officeDocument/2006/relationships" xmlns:p="http://schemas.openxmlformats.org/presentationml/2006/main">
   <p:cSld>
     <p:spTree>
@@ -34111,7 +35442,7 @@
 </p:sld>
 </file>
 
-<file path=ppt/slides/slide28.xml><?xml version="1.0" encoding="utf-8"?>
+<file path=ppt/slides/slide29.xml><?xml version="1.0" encoding="utf-8"?>
 <p:sld xmlns:a="http://schemas.openxmlformats.org/drawingml/2006/main" xmlns:r="http://schemas.openxmlformats.org/officeDocument/2006/relationships" xmlns:p="http://schemas.openxmlformats.org/presentationml/2006/main">
   <p:cSld>
     <p:spTree>
@@ -34147,7 +35478,197 @@
 </p:sld>
 </file>
 
-<file path=ppt/slides/slide29.xml><?xml version="1.0" encoding="utf-8"?>
+<file path=ppt/slides/slide3.xml><?xml version="1.0" encoding="utf-8"?>
+<p:sld xmlns:a="http://schemas.openxmlformats.org/drawingml/2006/main" xmlns:r="http://schemas.openxmlformats.org/officeDocument/2006/relationships" xmlns:p="http://schemas.openxmlformats.org/presentationml/2006/main">
+  <p:cSld>
+    <p:spTree>
+      <p:nvGrpSpPr>
+        <p:cNvPr id="1" name=""/>
+        <p:cNvGrpSpPr/>
+        <p:nvPr/>
+      </p:nvGrpSpPr>
+      <p:grpSpPr>
+        <a:xfrm>
+          <a:off x="0" y="0"/>
+          <a:ext cx="0" cy="0"/>
+          <a:chOff x="0" y="0"/>
+          <a:chExt cx="0" cy="0"/>
+        </a:xfrm>
+      </p:grpSpPr>
+      <p:sp>
+        <p:nvSpPr>
+          <p:cNvPr id="4" name="3 CuadroTexto"/>
+          <p:cNvSpPr txBox="1"/>
+          <p:nvPr/>
+        </p:nvSpPr>
+        <p:spPr>
+          <a:xfrm>
+            <a:off x="627795" y="518614"/>
+            <a:ext cx="7915702" cy="523220"/>
+          </a:xfrm>
+          <a:prstGeom prst="rect">
+            <a:avLst/>
+          </a:prstGeom>
+          <a:noFill/>
+        </p:spPr>
+        <p:txBody>
+          <a:bodyPr wrap="square" rtlCol="0">
+            <a:spAutoFit/>
+          </a:bodyPr>
+          <a:lstStyle/>
+          <a:p>
+            <a:r>
+              <a:rPr lang="es-CL" sz="2800" b="1" cap="all" dirty="0" smtClean="0">
+                <a:ln w="9000" cmpd="sng">
+                  <a:solidFill>
+                    <a:schemeClr val="accent4">
+                      <a:shade val="50000"/>
+                      <a:satMod val="120000"/>
+                    </a:schemeClr>
+                  </a:solidFill>
+                  <a:prstDash val="solid"/>
+                </a:ln>
+                <a:gradFill>
+                  <a:gsLst>
+                    <a:gs pos="0">
+                      <a:schemeClr val="accent4">
+                        <a:shade val="20000"/>
+                        <a:satMod val="245000"/>
+                      </a:schemeClr>
+                    </a:gs>
+                    <a:gs pos="43000">
+                      <a:schemeClr val="accent4">
+                        <a:satMod val="255000"/>
+                      </a:schemeClr>
+                    </a:gs>
+                    <a:gs pos="48000">
+                      <a:schemeClr val="accent4">
+                        <a:shade val="85000"/>
+                        <a:satMod val="255000"/>
+                      </a:schemeClr>
+                    </a:gs>
+                    <a:gs pos="100000">
+                      <a:schemeClr val="accent4">
+                        <a:shade val="20000"/>
+                        <a:satMod val="245000"/>
+                      </a:schemeClr>
+                    </a:gs>
+                  </a:gsLst>
+                  <a:lin ang="5400000"/>
+                </a:gradFill>
+                <a:effectLst>
+                  <a:reflection blurRad="12700" stA="28000" endPos="45000" dist="1000" dir="5400000" sy="-100000" algn="bl" rotWithShape="0"/>
+                </a:effectLst>
+                <a:latin typeface="Arial" pitchFamily="34" charset="0"/>
+                <a:cs typeface="Arial" pitchFamily="34" charset="0"/>
+              </a:rPr>
+              <a:t>Introducción</a:t>
+            </a:r>
+            <a:endParaRPr lang="es-CL" sz="2800" b="1" cap="all" dirty="0">
+              <a:ln w="9000" cmpd="sng">
+                <a:solidFill>
+                  <a:schemeClr val="accent4">
+                    <a:shade val="50000"/>
+                    <a:satMod val="120000"/>
+                  </a:schemeClr>
+                </a:solidFill>
+                <a:prstDash val="solid"/>
+              </a:ln>
+              <a:gradFill>
+                <a:gsLst>
+                  <a:gs pos="0">
+                    <a:schemeClr val="accent4">
+                      <a:shade val="20000"/>
+                      <a:satMod val="245000"/>
+                    </a:schemeClr>
+                  </a:gs>
+                  <a:gs pos="43000">
+                    <a:schemeClr val="accent4">
+                      <a:satMod val="255000"/>
+                    </a:schemeClr>
+                  </a:gs>
+                  <a:gs pos="48000">
+                    <a:schemeClr val="accent4">
+                      <a:shade val="85000"/>
+                      <a:satMod val="255000"/>
+                    </a:schemeClr>
+                  </a:gs>
+                  <a:gs pos="100000">
+                    <a:schemeClr val="accent4">
+                      <a:shade val="20000"/>
+                      <a:satMod val="245000"/>
+                    </a:schemeClr>
+                  </a:gs>
+                </a:gsLst>
+                <a:lin ang="5400000"/>
+              </a:gradFill>
+              <a:effectLst>
+                <a:reflection blurRad="12700" stA="28000" endPos="45000" dist="1000" dir="5400000" sy="-100000" algn="bl" rotWithShape="0"/>
+              </a:effectLst>
+              <a:latin typeface="Arial" pitchFamily="34" charset="0"/>
+              <a:cs typeface="Arial" pitchFamily="34" charset="0"/>
+            </a:endParaRPr>
+          </a:p>
+        </p:txBody>
+      </p:sp>
+      <p:sp>
+        <p:nvSpPr>
+          <p:cNvPr id="5" name="4 Marcador de contenido"/>
+          <p:cNvSpPr>
+            <a:spLocks noGrp="1"/>
+          </p:cNvSpPr>
+          <p:nvPr>
+            <p:ph idx="1"/>
+          </p:nvPr>
+        </p:nvSpPr>
+        <p:spPr/>
+        <p:txBody>
+          <a:bodyPr/>
+          <a:lstStyle/>
+          <a:p>
+            <a:r>
+              <a:rPr lang="es-CL" dirty="0" smtClean="0"/>
+              <a:t>Proyecto enfocado en empresas Pymes</a:t>
+            </a:r>
+          </a:p>
+          <a:p>
+            <a:r>
+              <a:rPr lang="es-CL" dirty="0" smtClean="0"/>
+              <a:t>Servicio Técnico Electrónico</a:t>
+            </a:r>
+          </a:p>
+          <a:p>
+            <a:r>
+              <a:rPr lang="es-CL" dirty="0" smtClean="0"/>
+              <a:t>Sistema para distintas empresas</a:t>
+            </a:r>
+          </a:p>
+          <a:p>
+            <a:r>
+              <a:rPr lang="es-CL" dirty="0" smtClean="0"/>
+              <a:t>Metodología de desarrollo</a:t>
+            </a:r>
+            <a:endParaRPr lang="es-CL" dirty="0"/>
+          </a:p>
+        </p:txBody>
+      </p:sp>
+    </p:spTree>
+  </p:cSld>
+  <p:clrMapOvr>
+    <a:masterClrMapping/>
+  </p:clrMapOvr>
+  <p:transition advTm="2782"/>
+  <p:timing>
+    <p:tnLst>
+      <p:par>
+        <p:cTn id="1" dur="indefinite" restart="never" nodeType="tmRoot"/>
+      </p:par>
+    </p:tnLst>
+  </p:timing>
+</p:sld>
+</file>
+
+<file path=ppt/slides/slide30.xml><?xml version="1.0" encoding="utf-8"?>
 <p:sld xmlns:a="http://schemas.openxmlformats.org/drawingml/2006/main" xmlns:r="http://schemas.openxmlformats.org/officeDocument/2006/relationships" xmlns:p="http://schemas.openxmlformats.org/presentationml/2006/main">
   <p:cSld>
     <p:spTree>
@@ -34327,197 +35848,7 @@
 </p:sld>
 </file>
 
-<file path=ppt/slides/slide3.xml><?xml version="1.0" encoding="utf-8"?>
-<p:sld xmlns:a="http://schemas.openxmlformats.org/drawingml/2006/main" xmlns:r="http://schemas.openxmlformats.org/officeDocument/2006/relationships" xmlns:p="http://schemas.openxmlformats.org/presentationml/2006/main">
-  <p:cSld>
-    <p:spTree>
-      <p:nvGrpSpPr>
-        <p:cNvPr id="1" name=""/>
-        <p:cNvGrpSpPr/>
-        <p:nvPr/>
-      </p:nvGrpSpPr>
-      <p:grpSpPr>
-        <a:xfrm>
-          <a:off x="0" y="0"/>
-          <a:ext cx="0" cy="0"/>
-          <a:chOff x="0" y="0"/>
-          <a:chExt cx="0" cy="0"/>
-        </a:xfrm>
-      </p:grpSpPr>
-      <p:sp>
-        <p:nvSpPr>
-          <p:cNvPr id="4" name="3 CuadroTexto"/>
-          <p:cNvSpPr txBox="1"/>
-          <p:nvPr/>
-        </p:nvSpPr>
-        <p:spPr>
-          <a:xfrm>
-            <a:off x="627795" y="518614"/>
-            <a:ext cx="7915702" cy="523220"/>
-          </a:xfrm>
-          <a:prstGeom prst="rect">
-            <a:avLst/>
-          </a:prstGeom>
-          <a:noFill/>
-        </p:spPr>
-        <p:txBody>
-          <a:bodyPr wrap="square" rtlCol="0">
-            <a:spAutoFit/>
-          </a:bodyPr>
-          <a:lstStyle/>
-          <a:p>
-            <a:r>
-              <a:rPr lang="es-CL" sz="2800" b="1" cap="all" dirty="0" smtClean="0">
-                <a:ln w="9000" cmpd="sng">
-                  <a:solidFill>
-                    <a:schemeClr val="accent4">
-                      <a:shade val="50000"/>
-                      <a:satMod val="120000"/>
-                    </a:schemeClr>
-                  </a:solidFill>
-                  <a:prstDash val="solid"/>
-                </a:ln>
-                <a:gradFill>
-                  <a:gsLst>
-                    <a:gs pos="0">
-                      <a:schemeClr val="accent4">
-                        <a:shade val="20000"/>
-                        <a:satMod val="245000"/>
-                      </a:schemeClr>
-                    </a:gs>
-                    <a:gs pos="43000">
-                      <a:schemeClr val="accent4">
-                        <a:satMod val="255000"/>
-                      </a:schemeClr>
-                    </a:gs>
-                    <a:gs pos="48000">
-                      <a:schemeClr val="accent4">
-                        <a:shade val="85000"/>
-                        <a:satMod val="255000"/>
-                      </a:schemeClr>
-                    </a:gs>
-                    <a:gs pos="100000">
-                      <a:schemeClr val="accent4">
-                        <a:shade val="20000"/>
-                        <a:satMod val="245000"/>
-                      </a:schemeClr>
-                    </a:gs>
-                  </a:gsLst>
-                  <a:lin ang="5400000"/>
-                </a:gradFill>
-                <a:effectLst>
-                  <a:reflection blurRad="12700" stA="28000" endPos="45000" dist="1000" dir="5400000" sy="-100000" algn="bl" rotWithShape="0"/>
-                </a:effectLst>
-                <a:latin typeface="Arial" pitchFamily="34" charset="0"/>
-                <a:cs typeface="Arial" pitchFamily="34" charset="0"/>
-              </a:rPr>
-              <a:t>Introducción</a:t>
-            </a:r>
-            <a:endParaRPr lang="es-CL" sz="2800" b="1" cap="all" dirty="0">
-              <a:ln w="9000" cmpd="sng">
-                <a:solidFill>
-                  <a:schemeClr val="accent4">
-                    <a:shade val="50000"/>
-                    <a:satMod val="120000"/>
-                  </a:schemeClr>
-                </a:solidFill>
-                <a:prstDash val="solid"/>
-              </a:ln>
-              <a:gradFill>
-                <a:gsLst>
-                  <a:gs pos="0">
-                    <a:schemeClr val="accent4">
-                      <a:shade val="20000"/>
-                      <a:satMod val="245000"/>
-                    </a:schemeClr>
-                  </a:gs>
-                  <a:gs pos="43000">
-                    <a:schemeClr val="accent4">
-                      <a:satMod val="255000"/>
-                    </a:schemeClr>
-                  </a:gs>
-                  <a:gs pos="48000">
-                    <a:schemeClr val="accent4">
-                      <a:shade val="85000"/>
-                      <a:satMod val="255000"/>
-                    </a:schemeClr>
-                  </a:gs>
-                  <a:gs pos="100000">
-                    <a:schemeClr val="accent4">
-                      <a:shade val="20000"/>
-                      <a:satMod val="245000"/>
-                    </a:schemeClr>
-                  </a:gs>
-                </a:gsLst>
-                <a:lin ang="5400000"/>
-              </a:gradFill>
-              <a:effectLst>
-                <a:reflection blurRad="12700" stA="28000" endPos="45000" dist="1000" dir="5400000" sy="-100000" algn="bl" rotWithShape="0"/>
-              </a:effectLst>
-              <a:latin typeface="Arial" pitchFamily="34" charset="0"/>
-              <a:cs typeface="Arial" pitchFamily="34" charset="0"/>
-            </a:endParaRPr>
-          </a:p>
-        </p:txBody>
-      </p:sp>
-      <p:sp>
-        <p:nvSpPr>
-          <p:cNvPr id="5" name="4 Marcador de contenido"/>
-          <p:cNvSpPr>
-            <a:spLocks noGrp="1"/>
-          </p:cNvSpPr>
-          <p:nvPr>
-            <p:ph idx="1"/>
-          </p:nvPr>
-        </p:nvSpPr>
-        <p:spPr/>
-        <p:txBody>
-          <a:bodyPr/>
-          <a:lstStyle/>
-          <a:p>
-            <a:r>
-              <a:rPr lang="es-CL" dirty="0" smtClean="0"/>
-              <a:t>Proyecto enfocado en empresas Pymes</a:t>
-            </a:r>
-          </a:p>
-          <a:p>
-            <a:r>
-              <a:rPr lang="es-CL" dirty="0" smtClean="0"/>
-              <a:t>Servicio Técnico Electrónico</a:t>
-            </a:r>
-          </a:p>
-          <a:p>
-            <a:r>
-              <a:rPr lang="es-CL" dirty="0" smtClean="0"/>
-              <a:t>Sistema para distintas empresas</a:t>
-            </a:r>
-          </a:p>
-          <a:p>
-            <a:r>
-              <a:rPr lang="es-CL" dirty="0" smtClean="0"/>
-              <a:t>Metodología de desarrollo</a:t>
-            </a:r>
-            <a:endParaRPr lang="es-CL" dirty="0"/>
-          </a:p>
-        </p:txBody>
-      </p:sp>
-    </p:spTree>
-  </p:cSld>
-  <p:clrMapOvr>
-    <a:masterClrMapping/>
-  </p:clrMapOvr>
-  <p:transition advTm="2782"/>
-  <p:timing>
-    <p:tnLst>
-      <p:par>
-        <p:cTn id="1" dur="indefinite" restart="never" nodeType="tmRoot"/>
-      </p:par>
-    </p:tnLst>
-  </p:timing>
-</p:sld>
-</file>
-
-<file path=ppt/slides/slide30.xml><?xml version="1.0" encoding="utf-8"?>
+<file path=ppt/slides/slide31.xml><?xml version="1.0" encoding="utf-8"?>
 <p:sld xmlns:a="http://schemas.openxmlformats.org/drawingml/2006/main" xmlns:r="http://schemas.openxmlformats.org/officeDocument/2006/relationships" xmlns:p="http://schemas.openxmlformats.org/presentationml/2006/main">
   <p:cSld>
     <p:spTree>
@@ -34553,7 +35884,7 @@
 </p:sld>
 </file>
 
-<file path=ppt/slides/slide31.xml><?xml version="1.0" encoding="utf-8"?>
+<file path=ppt/slides/slide32.xml><?xml version="1.0" encoding="utf-8"?>
 <p:sld xmlns:a="http://schemas.openxmlformats.org/drawingml/2006/main" xmlns:r="http://schemas.openxmlformats.org/officeDocument/2006/relationships" xmlns:p="http://schemas.openxmlformats.org/presentationml/2006/main">
   <p:cSld>
     <p:spTree>
@@ -34733,7 +36064,7 @@
 </p:sld>
 </file>
 
-<file path=ppt/slides/slide32.xml><?xml version="1.0" encoding="utf-8"?>
+<file path=ppt/slides/slide33.xml><?xml version="1.0" encoding="utf-8"?>
 <p:sld xmlns:a="http://schemas.openxmlformats.org/drawingml/2006/main" xmlns:r="http://schemas.openxmlformats.org/officeDocument/2006/relationships" xmlns:p="http://schemas.openxmlformats.org/presentationml/2006/main">
   <p:cSld>
     <p:spTree>
@@ -34769,7 +36100,7 @@
 </p:sld>
 </file>
 
-<file path=ppt/slides/slide33.xml><?xml version="1.0" encoding="utf-8"?>
+<file path=ppt/slides/slide34.xml><?xml version="1.0" encoding="utf-8"?>
 <p:sld xmlns:a="http://schemas.openxmlformats.org/drawingml/2006/main" xmlns:r="http://schemas.openxmlformats.org/officeDocument/2006/relationships" xmlns:p="http://schemas.openxmlformats.org/presentationml/2006/main">
   <p:cSld>
     <p:spTree>
@@ -34964,7 +36295,7 @@
 </p:sld>
 </file>
 
-<file path=ppt/slides/slide34.xml><?xml version="1.0" encoding="utf-8"?>
+<file path=ppt/slides/slide35.xml><?xml version="1.0" encoding="utf-8"?>
 <p:sld xmlns:a="http://schemas.openxmlformats.org/drawingml/2006/main" xmlns:r="http://schemas.openxmlformats.org/officeDocument/2006/relationships" xmlns:p="http://schemas.openxmlformats.org/presentationml/2006/main">
   <p:cSld>
     <p:spTree>
@@ -35140,7 +36471,7 @@
 </p:sld>
 </file>
 
-<file path=ppt/slides/slide35.xml><?xml version="1.0" encoding="utf-8"?>
+<file path=ppt/slides/slide36.xml><?xml version="1.0" encoding="utf-8"?>
 <p:sld xmlns:a="http://schemas.openxmlformats.org/drawingml/2006/main" xmlns:r="http://schemas.openxmlformats.org/officeDocument/2006/relationships" xmlns:p="http://schemas.openxmlformats.org/presentationml/2006/main">
   <p:cSld>
     <p:spTree>

--- a/sigset/documentos/Documentos finales/Presentacion.pptx
+++ b/sigset/documentos/Documentos finales/Presentacion.pptx
@@ -5,10 +5,10 @@
     <p:sldMasterId id="2147483648" r:id="rId1"/>
   </p:sldMasterIdLst>
   <p:notesMasterIdLst>
-    <p:notesMasterId r:id="rId38"/>
+    <p:notesMasterId r:id="rId37"/>
   </p:notesMasterIdLst>
   <p:handoutMasterIdLst>
-    <p:handoutMasterId r:id="rId39"/>
+    <p:handoutMasterId r:id="rId38"/>
   </p:handoutMasterIdLst>
   <p:sldIdLst>
     <p:sldId id="334" r:id="rId2"/>
@@ -30,23 +30,22 @@
     <p:sldId id="377" r:id="rId18"/>
     <p:sldId id="354" r:id="rId19"/>
     <p:sldId id="364" r:id="rId20"/>
-    <p:sldId id="355" r:id="rId21"/>
-    <p:sldId id="378" r:id="rId22"/>
-    <p:sldId id="372" r:id="rId23"/>
-    <p:sldId id="357" r:id="rId24"/>
-    <p:sldId id="337" r:id="rId25"/>
-    <p:sldId id="369" r:id="rId26"/>
-    <p:sldId id="365" r:id="rId27"/>
-    <p:sldId id="373" r:id="rId28"/>
-    <p:sldId id="366" r:id="rId29"/>
-    <p:sldId id="374" r:id="rId30"/>
-    <p:sldId id="367" r:id="rId31"/>
-    <p:sldId id="375" r:id="rId32"/>
-    <p:sldId id="368" r:id="rId33"/>
-    <p:sldId id="358" r:id="rId34"/>
-    <p:sldId id="356" r:id="rId35"/>
-    <p:sldId id="370" r:id="rId36"/>
-    <p:sldId id="371" r:id="rId37"/>
+    <p:sldId id="378" r:id="rId21"/>
+    <p:sldId id="372" r:id="rId22"/>
+    <p:sldId id="357" r:id="rId23"/>
+    <p:sldId id="337" r:id="rId24"/>
+    <p:sldId id="369" r:id="rId25"/>
+    <p:sldId id="365" r:id="rId26"/>
+    <p:sldId id="373" r:id="rId27"/>
+    <p:sldId id="366" r:id="rId28"/>
+    <p:sldId id="374" r:id="rId29"/>
+    <p:sldId id="367" r:id="rId30"/>
+    <p:sldId id="375" r:id="rId31"/>
+    <p:sldId id="368" r:id="rId32"/>
+    <p:sldId id="358" r:id="rId33"/>
+    <p:sldId id="356" r:id="rId34"/>
+    <p:sldId id="370" r:id="rId35"/>
+    <p:sldId id="371" r:id="rId36"/>
   </p:sldIdLst>
   <p:sldSz cx="9144000" cy="6858000" type="screen4x3"/>
   <p:notesSz cx="7010400" cy="11125200"/>
@@ -7440,8 +7439,8 @@
     <dgm:cxn modelId="{009F14D6-CA1E-4C51-9A0D-B3F9C1E49D18}" srcId="{8C966F34-B6FE-4951-A5DC-B6B890C24F40}" destId="{3E04EA27-BE6A-44A3-A3D4-2CA4C32FFFF1}" srcOrd="0" destOrd="0" parTransId="{AE75B588-956D-4795-8BBA-14C526926D85}" sibTransId="{95BE6102-EEB0-4432-978E-FF1B073DB7AE}"/>
     <dgm:cxn modelId="{7C45ECE9-8356-43E2-B614-D776DF3DC2DF}" srcId="{393E7F46-B313-4E77-9797-D22D41EC5A03}" destId="{C9CB3786-0DB1-4998-9BFA-7ECC9C5F0DDE}" srcOrd="0" destOrd="0" parTransId="{0E603B5F-E788-4075-9EE8-6B92BD9BB1C6}" sibTransId="{7DBE4023-B152-423B-8602-7781CB8577AE}"/>
     <dgm:cxn modelId="{408049A4-04EC-42E5-AF64-48679D607DD0}" srcId="{3E04EA27-BE6A-44A3-A3D4-2CA4C32FFFF1}" destId="{FF7302D4-DF56-4D05-A039-49D494387244}" srcOrd="0" destOrd="0" parTransId="{D4A43A0A-08CA-47F1-8162-BEC510EB34F5}" sibTransId="{2DF987A6-F136-45BC-97D9-2328C9ACEA14}"/>
+    <dgm:cxn modelId="{730F44F3-0F16-4DC7-94FF-A657B4144452}" type="presOf" srcId="{FF7302D4-DF56-4D05-A039-49D494387244}" destId="{97C6F11A-5991-412B-8918-0D15E3AC825F}" srcOrd="0" destOrd="1" presId="urn:microsoft.com/office/officeart/2005/8/layout/hierarchy3"/>
     <dgm:cxn modelId="{CA8B197C-6DF2-4384-8BED-6C6211A4692F}" type="presOf" srcId="{28182505-8186-4B77-AAED-7D73BD2EC62F}" destId="{59A576FD-DEA1-4973-B0CA-89D07BC9EE75}" srcOrd="0" destOrd="0" presId="urn:microsoft.com/office/officeart/2005/8/layout/hierarchy3"/>
-    <dgm:cxn modelId="{730F44F3-0F16-4DC7-94FF-A657B4144452}" type="presOf" srcId="{FF7302D4-DF56-4D05-A039-49D494387244}" destId="{97C6F11A-5991-412B-8918-0D15E3AC825F}" srcOrd="0" destOrd="1" presId="urn:microsoft.com/office/officeart/2005/8/layout/hierarchy3"/>
     <dgm:cxn modelId="{40756456-B1A5-4647-AF0B-6BC04E8D387D}" type="presParOf" srcId="{2655004E-649B-4D47-A2B9-0F2E94C643CB}" destId="{337FD4D9-A838-445B-9526-C66711C47A35}" srcOrd="0" destOrd="0" presId="urn:microsoft.com/office/officeart/2005/8/layout/hierarchy3"/>
     <dgm:cxn modelId="{BCE4A16B-AB27-4FA4-A6DD-B2C100F4B745}" type="presParOf" srcId="{337FD4D9-A838-445B-9526-C66711C47A35}" destId="{F50E9F67-7CBD-4601-8AA2-A892E09D1946}" srcOrd="0" destOrd="0" presId="urn:microsoft.com/office/officeart/2005/8/layout/hierarchy3"/>
     <dgm:cxn modelId="{4B6627DE-80EB-4875-A1ED-CE6CCC33067C}" type="presParOf" srcId="{F50E9F67-7CBD-4601-8AA2-A892E09D1946}" destId="{1F4999A6-8239-4781-8813-D424C1999DB7}" srcOrd="0" destOrd="0" presId="urn:microsoft.com/office/officeart/2005/8/layout/hierarchy3"/>
@@ -23865,184 +23864,6 @@
           <a:p>
             <a:r>
               <a:rPr lang="es-CL" b="1" dirty="0" smtClean="0"/>
-              <a:t>RUMINA</a:t>
-            </a:r>
-          </a:p>
-          <a:p>
-            <a:r>
-              <a:rPr lang="es-CL" sz="1200" kern="1200" dirty="0" smtClean="0">
-                <a:solidFill>
-                  <a:schemeClr val="tx1"/>
-                </a:solidFill>
-                <a:latin typeface="Times New Roman" pitchFamily="18" charset="0"/>
-                <a:ea typeface="+mn-ea"/>
-                <a:cs typeface="+mn-cs"/>
-              </a:rPr>
-              <a:t>Dentro de la etapa de diseños además se identificaran diversos casos de uso, en el siguiente diagrama se ven reflejados los distintos casos. Donde se pueden a preciar los siguientes actores y sus casos de uso:</a:t>
-            </a:r>
-          </a:p>
-          <a:p>
-            <a:r>
-              <a:rPr lang="es-CL" sz="1200" b="1" kern="1200" dirty="0" smtClean="0">
-                <a:solidFill>
-                  <a:schemeClr val="tx1"/>
-                </a:solidFill>
-                <a:latin typeface="Times New Roman" pitchFamily="18" charset="0"/>
-                <a:ea typeface="+mn-ea"/>
-                <a:cs typeface="+mn-cs"/>
-              </a:rPr>
-              <a:t>Recepcionista</a:t>
-            </a:r>
-            <a:r>
-              <a:rPr lang="es-CL" sz="1200" kern="1200" dirty="0" smtClean="0">
-                <a:solidFill>
-                  <a:schemeClr val="tx1"/>
-                </a:solidFill>
-                <a:latin typeface="Times New Roman" pitchFamily="18" charset="0"/>
-                <a:ea typeface="+mn-ea"/>
-                <a:cs typeface="+mn-cs"/>
-              </a:rPr>
-              <a:t>: que se encarga de ingresar orden, y entregar producto, estos casos de uso se extienden de la revisión y reparación de los casos de uso que realizan los técnicos.</a:t>
-            </a:r>
-          </a:p>
-          <a:p>
-            <a:r>
-              <a:rPr lang="es-CL" sz="1200" b="1" kern="1200" dirty="0" smtClean="0">
-                <a:solidFill>
-                  <a:schemeClr val="tx1"/>
-                </a:solidFill>
-                <a:latin typeface="Times New Roman" pitchFamily="18" charset="0"/>
-                <a:ea typeface="+mn-ea"/>
-                <a:cs typeface="+mn-cs"/>
-              </a:rPr>
-              <a:t>Administrativo:</a:t>
-            </a:r>
-            <a:r>
-              <a:rPr lang="es-CL" sz="1200" kern="1200" dirty="0" smtClean="0">
-                <a:solidFill>
-                  <a:schemeClr val="tx1"/>
-                </a:solidFill>
-                <a:latin typeface="Times New Roman" pitchFamily="18" charset="0"/>
-                <a:ea typeface="+mn-ea"/>
-                <a:cs typeface="+mn-cs"/>
-              </a:rPr>
-              <a:t> es quien realiza la asignación de trabajo para los técnicos.</a:t>
-            </a:r>
-          </a:p>
-          <a:p>
-            <a:r>
-              <a:rPr lang="es-CL" sz="1200" b="1" kern="1200" dirty="0" smtClean="0">
-                <a:solidFill>
-                  <a:schemeClr val="tx1"/>
-                </a:solidFill>
-                <a:latin typeface="Times New Roman" pitchFamily="18" charset="0"/>
-                <a:ea typeface="+mn-ea"/>
-                <a:cs typeface="+mn-cs"/>
-              </a:rPr>
-              <a:t>Técnico</a:t>
-            </a:r>
-            <a:r>
-              <a:rPr lang="es-CL" sz="1200" kern="1200" dirty="0" smtClean="0">
-                <a:solidFill>
-                  <a:schemeClr val="tx1"/>
-                </a:solidFill>
-                <a:latin typeface="Times New Roman" pitchFamily="18" charset="0"/>
-                <a:ea typeface="+mn-ea"/>
-                <a:cs typeface="+mn-cs"/>
-              </a:rPr>
-              <a:t>: es quien realiza la reparación y revisión de los productos.</a:t>
-            </a:r>
-          </a:p>
-          <a:p>
-            <a:endParaRPr lang="es-CL" b="1" dirty="0" smtClean="0"/>
-          </a:p>
-        </p:txBody>
-      </p:sp>
-      <p:sp>
-        <p:nvSpPr>
-          <p:cNvPr id="4" name="3 Marcador de número de diapositiva"/>
-          <p:cNvSpPr>
-            <a:spLocks noGrp="1"/>
-          </p:cNvSpPr>
-          <p:nvPr>
-            <p:ph type="sldNum" sz="quarter" idx="10"/>
-          </p:nvPr>
-        </p:nvSpPr>
-        <p:spPr/>
-        <p:txBody>
-          <a:bodyPr/>
-          <a:lstStyle/>
-          <a:p>
-            <a:pPr>
-              <a:defRPr/>
-            </a:pPr>
-            <a:fld id="{FDE42844-D1B2-4A88-A9DE-E38F64B7E751}" type="slidenum">
-              <a:rPr lang="es-ES" smtClean="0"/>
-              <a:pPr>
-                <a:defRPr/>
-              </a:pPr>
-              <a:t>21</a:t>
-            </a:fld>
-            <a:endParaRPr lang="es-ES" dirty="0"/>
-          </a:p>
-        </p:txBody>
-      </p:sp>
-    </p:spTree>
-  </p:cSld>
-  <p:clrMapOvr>
-    <a:masterClrMapping/>
-  </p:clrMapOvr>
-</p:notes>
-</file>
-
-<file path=ppt/notesSlides/notesSlide22.xml><?xml version="1.0" encoding="utf-8"?>
-<p:notes xmlns:a="http://schemas.openxmlformats.org/drawingml/2006/main" xmlns:r="http://schemas.openxmlformats.org/officeDocument/2006/relationships" xmlns:p="http://schemas.openxmlformats.org/presentationml/2006/main">
-  <p:cSld>
-    <p:spTree>
-      <p:nvGrpSpPr>
-        <p:cNvPr id="1" name=""/>
-        <p:cNvGrpSpPr/>
-        <p:nvPr/>
-      </p:nvGrpSpPr>
-      <p:grpSpPr>
-        <a:xfrm>
-          <a:off x="0" y="0"/>
-          <a:ext cx="0" cy="0"/>
-          <a:chOff x="0" y="0"/>
-          <a:chExt cx="0" cy="0"/>
-        </a:xfrm>
-      </p:grpSpPr>
-      <p:sp>
-        <p:nvSpPr>
-          <p:cNvPr id="2" name="1 Marcador de imagen de diapositiva"/>
-          <p:cNvSpPr>
-            <a:spLocks noGrp="1" noRot="1" noChangeAspect="1"/>
-          </p:cNvSpPr>
-          <p:nvPr>
-            <p:ph type="sldImg"/>
-          </p:nvPr>
-        </p:nvSpPr>
-        <p:spPr/>
-      </p:sp>
-      <p:sp>
-        <p:nvSpPr>
-          <p:cNvPr id="3" name="2 Marcador de notas"/>
-          <p:cNvSpPr>
-            <a:spLocks noGrp="1"/>
-          </p:cNvSpPr>
-          <p:nvPr>
-            <p:ph type="body" idx="1"/>
-          </p:nvPr>
-        </p:nvSpPr>
-        <p:spPr/>
-        <p:txBody>
-          <a:bodyPr>
-            <a:normAutofit/>
-          </a:bodyPr>
-          <a:lstStyle/>
-          <a:p>
-            <a:r>
-              <a:rPr lang="es-CL" b="1" dirty="0" smtClean="0"/>
               <a:t>SEBASTIAN</a:t>
             </a:r>
           </a:p>
@@ -24198,6 +24019,103 @@
               <a:pPr>
                 <a:defRPr/>
               </a:pPr>
+              <a:t>21</a:t>
+            </a:fld>
+            <a:endParaRPr lang="es-ES" dirty="0"/>
+          </a:p>
+        </p:txBody>
+      </p:sp>
+    </p:spTree>
+  </p:cSld>
+  <p:clrMapOvr>
+    <a:masterClrMapping/>
+  </p:clrMapOvr>
+</p:notes>
+</file>
+
+<file path=ppt/notesSlides/notesSlide22.xml><?xml version="1.0" encoding="utf-8"?>
+<p:notes xmlns:a="http://schemas.openxmlformats.org/drawingml/2006/main" xmlns:r="http://schemas.openxmlformats.org/officeDocument/2006/relationships" xmlns:p="http://schemas.openxmlformats.org/presentationml/2006/main">
+  <p:cSld>
+    <p:spTree>
+      <p:nvGrpSpPr>
+        <p:cNvPr id="1" name=""/>
+        <p:cNvGrpSpPr/>
+        <p:nvPr/>
+      </p:nvGrpSpPr>
+      <p:grpSpPr>
+        <a:xfrm>
+          <a:off x="0" y="0"/>
+          <a:ext cx="0" cy="0"/>
+          <a:chOff x="0" y="0"/>
+          <a:chExt cx="0" cy="0"/>
+        </a:xfrm>
+      </p:grpSpPr>
+      <p:sp>
+        <p:nvSpPr>
+          <p:cNvPr id="2" name="1 Marcador de imagen de diapositiva"/>
+          <p:cNvSpPr>
+            <a:spLocks noGrp="1" noRot="1" noChangeAspect="1"/>
+          </p:cNvSpPr>
+          <p:nvPr>
+            <p:ph type="sldImg"/>
+          </p:nvPr>
+        </p:nvSpPr>
+        <p:spPr/>
+      </p:sp>
+      <p:sp>
+        <p:nvSpPr>
+          <p:cNvPr id="3" name="2 Marcador de notas"/>
+          <p:cNvSpPr>
+            <a:spLocks noGrp="1"/>
+          </p:cNvSpPr>
+          <p:nvPr>
+            <p:ph type="body" idx="1"/>
+          </p:nvPr>
+        </p:nvSpPr>
+        <p:spPr/>
+        <p:txBody>
+          <a:bodyPr>
+            <a:normAutofit/>
+          </a:bodyPr>
+          <a:lstStyle/>
+          <a:p>
+            <a:r>
+              <a:rPr lang="es-CL" b="1" dirty="0" smtClean="0"/>
+              <a:t>SEBASTIAN</a:t>
+            </a:r>
+          </a:p>
+          <a:p>
+            <a:r>
+              <a:rPr lang="es-CL" dirty="0" smtClean="0"/>
+              <a:t>Ahora se llevara a cabo una demostración de cómo funciona el sistema</a:t>
+            </a:r>
+            <a:endParaRPr lang="es-CL" dirty="0"/>
+          </a:p>
+        </p:txBody>
+      </p:sp>
+      <p:sp>
+        <p:nvSpPr>
+          <p:cNvPr id="4" name="3 Marcador de número de diapositiva"/>
+          <p:cNvSpPr>
+            <a:spLocks noGrp="1"/>
+          </p:cNvSpPr>
+          <p:nvPr>
+            <p:ph type="sldNum" sz="quarter" idx="10"/>
+          </p:nvPr>
+        </p:nvSpPr>
+        <p:spPr/>
+        <p:txBody>
+          <a:bodyPr/>
+          <a:lstStyle/>
+          <a:p>
+            <a:pPr>
+              <a:defRPr/>
+            </a:pPr>
+            <a:fld id="{FDE42844-D1B2-4A88-A9DE-E38F64B7E751}" type="slidenum">
+              <a:rPr lang="es-ES" smtClean="0"/>
+              <a:pPr>
+                <a:defRPr/>
+              </a:pPr>
               <a:t>22</a:t>
             </a:fld>
             <a:endParaRPr lang="es-ES" dirty="0"/>
@@ -24260,15 +24178,9 @@
           <a:p>
             <a:r>
               <a:rPr lang="es-CL" b="1" dirty="0" smtClean="0"/>
-              <a:t>SEBASTIAN</a:t>
+              <a:t>RUMINA</a:t>
             </a:r>
-          </a:p>
-          <a:p>
-            <a:r>
-              <a:rPr lang="es-CL" dirty="0" smtClean="0"/>
-              <a:t>Ahora se llevara a cabo una demostración de cómo funciona el sistema</a:t>
-            </a:r>
-            <a:endParaRPr lang="es-CL" dirty="0"/>
+            <a:endParaRPr lang="es-CL" b="1" dirty="0"/>
           </a:p>
         </p:txBody>
       </p:sp>
@@ -24355,11 +24267,7 @@
           </a:bodyPr>
           <a:lstStyle/>
           <a:p>
-            <a:r>
-              <a:rPr lang="es-CL" b="1" dirty="0" smtClean="0"/>
-              <a:t>RUMINA</a:t>
-            </a:r>
-            <a:endParaRPr lang="es-CL" b="1" dirty="0"/>
+            <a:endParaRPr lang="es-CL" dirty="0"/>
           </a:p>
         </p:txBody>
       </p:sp>
@@ -24446,7 +24354,11 @@
           </a:bodyPr>
           <a:lstStyle/>
           <a:p>
-            <a:endParaRPr lang="es-CL" dirty="0"/>
+            <a:r>
+              <a:rPr lang="es-CL" b="1" dirty="0" smtClean="0"/>
+              <a:t>SEBASTIAN</a:t>
+            </a:r>
+            <a:endParaRPr lang="es-CL" b="1" dirty="0"/>
           </a:p>
         </p:txBody>
       </p:sp>
@@ -24535,7 +24447,7 @@
           <a:p>
             <a:r>
               <a:rPr lang="es-CL" b="1" dirty="0" smtClean="0"/>
-              <a:t>SEBASTIAN</a:t>
+              <a:t>RUMINA</a:t>
             </a:r>
             <a:endParaRPr lang="es-CL" b="1" dirty="0"/>
           </a:p>
@@ -24564,7 +24476,7 @@
               <a:pPr>
                 <a:defRPr/>
               </a:pPr>
-              <a:t>26</a:t>
+              <a:t>27</a:t>
             </a:fld>
             <a:endParaRPr lang="es-ES" dirty="0"/>
           </a:p>
@@ -24626,7 +24538,7 @@
           <a:p>
             <a:r>
               <a:rPr lang="es-CL" b="1" dirty="0" smtClean="0"/>
-              <a:t>RUMINA</a:t>
+              <a:t>SEBASTIAN</a:t>
             </a:r>
             <a:endParaRPr lang="es-CL" b="1" dirty="0"/>
           </a:p>
@@ -24655,7 +24567,7 @@
               <a:pPr>
                 <a:defRPr/>
               </a:pPr>
-              <a:t>28</a:t>
+              <a:t>29</a:t>
             </a:fld>
             <a:endParaRPr lang="es-ES" dirty="0"/>
           </a:p>
@@ -24746,7 +24658,7 @@
               <a:pPr>
                 <a:defRPr/>
               </a:pPr>
-              <a:t>30</a:t>
+              <a:t>31</a:t>
             </a:fld>
             <a:endParaRPr lang="es-ES" dirty="0"/>
           </a:p>
@@ -24808,9 +24720,8 @@
           <a:p>
             <a:r>
               <a:rPr lang="es-CL" b="1" dirty="0" smtClean="0"/>
-              <a:t>SEBASTIAN</a:t>
+              <a:t>RUMINA</a:t>
             </a:r>
-            <a:endParaRPr lang="es-CL" b="1" dirty="0"/>
           </a:p>
         </p:txBody>
       </p:sp>
@@ -24837,7 +24748,7 @@
               <a:pPr>
                 <a:defRPr/>
               </a:pPr>
-              <a:t>32</a:t>
+              <a:t>33</a:t>
             </a:fld>
             <a:endParaRPr lang="es-ES" dirty="0"/>
           </a:p>
@@ -25038,10 +24949,7 @@
           </a:bodyPr>
           <a:lstStyle/>
           <a:p>
-            <a:r>
-              <a:rPr lang="es-CL" b="1" dirty="0" smtClean="0"/>
-              <a:t>RUMINA</a:t>
-            </a:r>
+            <a:endParaRPr lang="es-CL" dirty="0"/>
           </a:p>
         </p:txBody>
       </p:sp>
@@ -25128,6 +25036,20 @@
           </a:bodyPr>
           <a:lstStyle/>
           <a:p>
+            <a:r>
+              <a:rPr lang="es-CL" b="1" dirty="0" smtClean="0"/>
+              <a:t>RUMINA</a:t>
+            </a:r>
+          </a:p>
+          <a:p>
+            <a:r>
+              <a:rPr lang="es-CL" dirty="0" smtClean="0"/>
+              <a:t>Saludos. Presentación nombres y titulo</a:t>
+            </a:r>
+            <a:r>
+              <a:rPr lang="es-CL" baseline="0" dirty="0" smtClean="0"/>
+              <a:t> trabajo</a:t>
+            </a:r>
             <a:endParaRPr lang="es-CL" dirty="0"/>
           </a:p>
         </p:txBody>
@@ -25156,107 +25078,6 @@
                 <a:defRPr/>
               </a:pPr>
               <a:t>35</a:t>
-            </a:fld>
-            <a:endParaRPr lang="es-ES" dirty="0"/>
-          </a:p>
-        </p:txBody>
-      </p:sp>
-    </p:spTree>
-  </p:cSld>
-  <p:clrMapOvr>
-    <a:masterClrMapping/>
-  </p:clrMapOvr>
-</p:notes>
-</file>
-
-<file path=ppt/notesSlides/notesSlide32.xml><?xml version="1.0" encoding="utf-8"?>
-<p:notes xmlns:a="http://schemas.openxmlformats.org/drawingml/2006/main" xmlns:r="http://schemas.openxmlformats.org/officeDocument/2006/relationships" xmlns:p="http://schemas.openxmlformats.org/presentationml/2006/main">
-  <p:cSld>
-    <p:spTree>
-      <p:nvGrpSpPr>
-        <p:cNvPr id="1" name=""/>
-        <p:cNvGrpSpPr/>
-        <p:nvPr/>
-      </p:nvGrpSpPr>
-      <p:grpSpPr>
-        <a:xfrm>
-          <a:off x="0" y="0"/>
-          <a:ext cx="0" cy="0"/>
-          <a:chOff x="0" y="0"/>
-          <a:chExt cx="0" cy="0"/>
-        </a:xfrm>
-      </p:grpSpPr>
-      <p:sp>
-        <p:nvSpPr>
-          <p:cNvPr id="2" name="1 Marcador de imagen de diapositiva"/>
-          <p:cNvSpPr>
-            <a:spLocks noGrp="1" noRot="1" noChangeAspect="1"/>
-          </p:cNvSpPr>
-          <p:nvPr>
-            <p:ph type="sldImg"/>
-          </p:nvPr>
-        </p:nvSpPr>
-        <p:spPr/>
-      </p:sp>
-      <p:sp>
-        <p:nvSpPr>
-          <p:cNvPr id="3" name="2 Marcador de notas"/>
-          <p:cNvSpPr>
-            <a:spLocks noGrp="1"/>
-          </p:cNvSpPr>
-          <p:nvPr>
-            <p:ph type="body" idx="1"/>
-          </p:nvPr>
-        </p:nvSpPr>
-        <p:spPr/>
-        <p:txBody>
-          <a:bodyPr>
-            <a:normAutofit/>
-          </a:bodyPr>
-          <a:lstStyle/>
-          <a:p>
-            <a:r>
-              <a:rPr lang="es-CL" b="1" dirty="0" smtClean="0"/>
-              <a:t>RUMINA</a:t>
-            </a:r>
-          </a:p>
-          <a:p>
-            <a:r>
-              <a:rPr lang="es-CL" dirty="0" smtClean="0"/>
-              <a:t>Saludos. Presentación nombres y titulo</a:t>
-            </a:r>
-            <a:r>
-              <a:rPr lang="es-CL" baseline="0" dirty="0" smtClean="0"/>
-              <a:t> trabajo</a:t>
-            </a:r>
-            <a:endParaRPr lang="es-CL" dirty="0"/>
-          </a:p>
-        </p:txBody>
-      </p:sp>
-      <p:sp>
-        <p:nvSpPr>
-          <p:cNvPr id="4" name="3 Marcador de número de diapositiva"/>
-          <p:cNvSpPr>
-            <a:spLocks noGrp="1"/>
-          </p:cNvSpPr>
-          <p:nvPr>
-            <p:ph type="sldNum" sz="quarter" idx="10"/>
-          </p:nvPr>
-        </p:nvSpPr>
-        <p:spPr/>
-        <p:txBody>
-          <a:bodyPr/>
-          <a:lstStyle/>
-          <a:p>
-            <a:pPr>
-              <a:defRPr/>
-            </a:pPr>
-            <a:fld id="{FDE42844-D1B2-4A88-A9DE-E38F64B7E751}" type="slidenum">
-              <a:rPr lang="es-ES" smtClean="0"/>
-              <a:pPr>
-                <a:defRPr/>
-              </a:pPr>
-              <a:t>36</a:t>
             </a:fld>
             <a:endParaRPr lang="es-ES" dirty="0"/>
           </a:p>
@@ -33220,189 +33041,6 @@
           </a:p>
         </p:txBody>
       </p:sp>
-      <p:pic>
-        <p:nvPicPr>
-          <p:cNvPr id="8" name="8 Imagen" descr="casoUso.png"/>
-          <p:cNvPicPr/>
-          <p:nvPr/>
-        </p:nvPicPr>
-        <p:blipFill>
-          <a:blip r:embed="rId3" cstate="print">
-            <a:lum bright="-20000" contrast="40000"/>
-          </a:blip>
-          <a:stretch>
-            <a:fillRect/>
-          </a:stretch>
-        </p:blipFill>
-        <p:spPr>
-          <a:xfrm>
-            <a:off x="1351128" y="1195387"/>
-            <a:ext cx="6796585" cy="4467225"/>
-          </a:xfrm>
-          <a:prstGeom prst="rect">
-            <a:avLst/>
-          </a:prstGeom>
-          <a:ln>
-            <a:noFill/>
-          </a:ln>
-          <a:effectLst>
-            <a:outerShdw blurRad="292100" dist="139700" dir="2700000" algn="tl" rotWithShape="0">
-              <a:srgbClr val="333333">
-                <a:alpha val="65000"/>
-              </a:srgbClr>
-            </a:outerShdw>
-          </a:effectLst>
-        </p:spPr>
-      </p:pic>
-    </p:spTree>
-  </p:cSld>
-  <p:clrMapOvr>
-    <a:masterClrMapping/>
-  </p:clrMapOvr>
-  <p:transition advTm="2782"/>
-  <p:timing>
-    <p:tnLst>
-      <p:par>
-        <p:cTn id="1" dur="indefinite" restart="never" nodeType="tmRoot"/>
-      </p:par>
-    </p:tnLst>
-  </p:timing>
-</p:sld>
-</file>
-
-<file path=ppt/slides/slide21.xml><?xml version="1.0" encoding="utf-8"?>
-<p:sld xmlns:a="http://schemas.openxmlformats.org/drawingml/2006/main" xmlns:r="http://schemas.openxmlformats.org/officeDocument/2006/relationships" xmlns:p="http://schemas.openxmlformats.org/presentationml/2006/main">
-  <p:cSld>
-    <p:spTree>
-      <p:nvGrpSpPr>
-        <p:cNvPr id="1" name=""/>
-        <p:cNvGrpSpPr/>
-        <p:nvPr/>
-      </p:nvGrpSpPr>
-      <p:grpSpPr>
-        <a:xfrm>
-          <a:off x="0" y="0"/>
-          <a:ext cx="0" cy="0"/>
-          <a:chOff x="0" y="0"/>
-          <a:chExt cx="0" cy="0"/>
-        </a:xfrm>
-      </p:grpSpPr>
-      <p:sp>
-        <p:nvSpPr>
-          <p:cNvPr id="5" name="4 CuadroTexto"/>
-          <p:cNvSpPr txBox="1"/>
-          <p:nvPr/>
-        </p:nvSpPr>
-        <p:spPr>
-          <a:xfrm>
-            <a:off x="627795" y="518614"/>
-            <a:ext cx="7915702" cy="523220"/>
-          </a:xfrm>
-          <a:prstGeom prst="rect">
-            <a:avLst/>
-          </a:prstGeom>
-          <a:noFill/>
-        </p:spPr>
-        <p:txBody>
-          <a:bodyPr wrap="square" rtlCol="0">
-            <a:spAutoFit/>
-          </a:bodyPr>
-          <a:lstStyle/>
-          <a:p>
-            <a:r>
-              <a:rPr lang="es-CL" sz="2800" b="1" cap="all" dirty="0" smtClean="0">
-                <a:ln w="9000" cmpd="sng">
-                  <a:solidFill>
-                    <a:schemeClr val="accent4">
-                      <a:shade val="50000"/>
-                      <a:satMod val="120000"/>
-                    </a:schemeClr>
-                  </a:solidFill>
-                  <a:prstDash val="solid"/>
-                </a:ln>
-                <a:gradFill>
-                  <a:gsLst>
-                    <a:gs pos="0">
-                      <a:schemeClr val="accent4">
-                        <a:shade val="20000"/>
-                        <a:satMod val="245000"/>
-                      </a:schemeClr>
-                    </a:gs>
-                    <a:gs pos="43000">
-                      <a:schemeClr val="accent4">
-                        <a:satMod val="255000"/>
-                      </a:schemeClr>
-                    </a:gs>
-                    <a:gs pos="48000">
-                      <a:schemeClr val="accent4">
-                        <a:shade val="85000"/>
-                        <a:satMod val="255000"/>
-                      </a:schemeClr>
-                    </a:gs>
-                    <a:gs pos="100000">
-                      <a:schemeClr val="accent4">
-                        <a:shade val="20000"/>
-                        <a:satMod val="245000"/>
-                      </a:schemeClr>
-                    </a:gs>
-                  </a:gsLst>
-                  <a:lin ang="5400000"/>
-                </a:gradFill>
-                <a:effectLst>
-                  <a:reflection blurRad="12700" stA="28000" endPos="45000" dist="1000" dir="5400000" sy="-100000" algn="bl" rotWithShape="0"/>
-                </a:effectLst>
-                <a:latin typeface="Arial" pitchFamily="34" charset="0"/>
-                <a:cs typeface="Arial" pitchFamily="34" charset="0"/>
-              </a:rPr>
-              <a:t>Casos de uso</a:t>
-            </a:r>
-            <a:endParaRPr lang="es-CL" sz="2800" b="1" cap="all" dirty="0">
-              <a:ln w="9000" cmpd="sng">
-                <a:solidFill>
-                  <a:schemeClr val="accent4">
-                    <a:shade val="50000"/>
-                    <a:satMod val="120000"/>
-                  </a:schemeClr>
-                </a:solidFill>
-                <a:prstDash val="solid"/>
-              </a:ln>
-              <a:gradFill>
-                <a:gsLst>
-                  <a:gs pos="0">
-                    <a:schemeClr val="accent4">
-                      <a:shade val="20000"/>
-                      <a:satMod val="245000"/>
-                    </a:schemeClr>
-                  </a:gs>
-                  <a:gs pos="43000">
-                    <a:schemeClr val="accent4">
-                      <a:satMod val="255000"/>
-                    </a:schemeClr>
-                  </a:gs>
-                  <a:gs pos="48000">
-                    <a:schemeClr val="accent4">
-                      <a:shade val="85000"/>
-                      <a:satMod val="255000"/>
-                    </a:schemeClr>
-                  </a:gs>
-                  <a:gs pos="100000">
-                    <a:schemeClr val="accent4">
-                      <a:shade val="20000"/>
-                      <a:satMod val="245000"/>
-                    </a:schemeClr>
-                  </a:gs>
-                </a:gsLst>
-                <a:lin ang="5400000"/>
-              </a:gradFill>
-              <a:effectLst>
-                <a:reflection blurRad="12700" stA="28000" endPos="45000" dist="1000" dir="5400000" sy="-100000" algn="bl" rotWithShape="0"/>
-              </a:effectLst>
-              <a:latin typeface="Arial" pitchFamily="34" charset="0"/>
-              <a:cs typeface="Arial" pitchFamily="34" charset="0"/>
-            </a:endParaRPr>
-          </a:p>
-        </p:txBody>
-      </p:sp>
       <p:sp>
         <p:nvSpPr>
           <p:cNvPr id="4" name="3 Rectángulo"/>
@@ -34422,7 +34060,7 @@
 </p:sld>
 </file>
 
-<file path=ppt/slides/slide22.xml><?xml version="1.0" encoding="utf-8"?>
+<file path=ppt/slides/slide21.xml><?xml version="1.0" encoding="utf-8"?>
 <p:sld xmlns:a="http://schemas.openxmlformats.org/drawingml/2006/main" xmlns:r="http://schemas.openxmlformats.org/officeDocument/2006/relationships" xmlns:p="http://schemas.openxmlformats.org/presentationml/2006/main">
   <p:cSld>
     <p:spTree>
@@ -34621,7 +34259,7 @@
 </p:sld>
 </file>
 
-<file path=ppt/slides/slide23.xml><?xml version="1.0" encoding="utf-8"?>
+<file path=ppt/slides/slide22.xml><?xml version="1.0" encoding="utf-8"?>
 <p:sld xmlns:a="http://schemas.openxmlformats.org/drawingml/2006/main" xmlns:r="http://schemas.openxmlformats.org/officeDocument/2006/relationships" xmlns:p="http://schemas.openxmlformats.org/presentationml/2006/main">
   <p:cSld>
     <p:spTree>
@@ -34888,7 +34526,7 @@
 </p:sld>
 </file>
 
-<file path=ppt/slides/slide24.xml><?xml version="1.0" encoding="utf-8"?>
+<file path=ppt/slides/slide23.xml><?xml version="1.0" encoding="utf-8"?>
 <p:sld xmlns:a="http://schemas.openxmlformats.org/drawingml/2006/main" xmlns:r="http://schemas.openxmlformats.org/officeDocument/2006/relationships" xmlns:p="http://schemas.openxmlformats.org/presentationml/2006/main">
   <p:cSld>
     <p:spTree>
@@ -35040,7 +34678,7 @@
 </p:sld>
 </file>
 
-<file path=ppt/slides/slide25.xml><?xml version="1.0" encoding="utf-8"?>
+<file path=ppt/slides/slide24.xml><?xml version="1.0" encoding="utf-8"?>
 <p:sld xmlns:a="http://schemas.openxmlformats.org/drawingml/2006/main" xmlns:r="http://schemas.openxmlformats.org/officeDocument/2006/relationships" xmlns:p="http://schemas.openxmlformats.org/presentationml/2006/main">
   <p:cSld>
     <p:spTree>
@@ -35076,7 +34714,7 @@
 </p:sld>
 </file>
 
-<file path=ppt/slides/slide26.xml><?xml version="1.0" encoding="utf-8"?>
+<file path=ppt/slides/slide25.xml><?xml version="1.0" encoding="utf-8"?>
 <p:sld xmlns:a="http://schemas.openxmlformats.org/drawingml/2006/main" xmlns:r="http://schemas.openxmlformats.org/officeDocument/2006/relationships" xmlns:p="http://schemas.openxmlformats.org/presentationml/2006/main">
   <p:cSld>
     <p:spTree>
@@ -35256,7 +34894,7 @@
 </p:sld>
 </file>
 
-<file path=ppt/slides/slide27.xml><?xml version="1.0" encoding="utf-8"?>
+<file path=ppt/slides/slide26.xml><?xml version="1.0" encoding="utf-8"?>
 <p:sld xmlns:a="http://schemas.openxmlformats.org/drawingml/2006/main" xmlns:r="http://schemas.openxmlformats.org/officeDocument/2006/relationships" xmlns:p="http://schemas.openxmlformats.org/presentationml/2006/main">
   <p:cSld>
     <p:spTree>
@@ -35292,7 +34930,7 @@
 </p:sld>
 </file>
 
-<file path=ppt/slides/slide28.xml><?xml version="1.0" encoding="utf-8"?>
+<file path=ppt/slides/slide27.xml><?xml version="1.0" encoding="utf-8"?>
 <p:sld xmlns:a="http://schemas.openxmlformats.org/drawingml/2006/main" xmlns:r="http://schemas.openxmlformats.org/officeDocument/2006/relationships" xmlns:p="http://schemas.openxmlformats.org/presentationml/2006/main">
   <p:cSld>
     <p:spTree>
@@ -35442,7 +35080,7 @@
 </p:sld>
 </file>
 
-<file path=ppt/slides/slide29.xml><?xml version="1.0" encoding="utf-8"?>
+<file path=ppt/slides/slide28.xml><?xml version="1.0" encoding="utf-8"?>
 <p:sld xmlns:a="http://schemas.openxmlformats.org/drawingml/2006/main" xmlns:r="http://schemas.openxmlformats.org/officeDocument/2006/relationships" xmlns:p="http://schemas.openxmlformats.org/presentationml/2006/main">
   <p:cSld>
     <p:spTree>
@@ -35478,197 +35116,7 @@
 </p:sld>
 </file>
 
-<file path=ppt/slides/slide3.xml><?xml version="1.0" encoding="utf-8"?>
-<p:sld xmlns:a="http://schemas.openxmlformats.org/drawingml/2006/main" xmlns:r="http://schemas.openxmlformats.org/officeDocument/2006/relationships" xmlns:p="http://schemas.openxmlformats.org/presentationml/2006/main">
-  <p:cSld>
-    <p:spTree>
-      <p:nvGrpSpPr>
-        <p:cNvPr id="1" name=""/>
-        <p:cNvGrpSpPr/>
-        <p:nvPr/>
-      </p:nvGrpSpPr>
-      <p:grpSpPr>
-        <a:xfrm>
-          <a:off x="0" y="0"/>
-          <a:ext cx="0" cy="0"/>
-          <a:chOff x="0" y="0"/>
-          <a:chExt cx="0" cy="0"/>
-        </a:xfrm>
-      </p:grpSpPr>
-      <p:sp>
-        <p:nvSpPr>
-          <p:cNvPr id="4" name="3 CuadroTexto"/>
-          <p:cNvSpPr txBox="1"/>
-          <p:nvPr/>
-        </p:nvSpPr>
-        <p:spPr>
-          <a:xfrm>
-            <a:off x="627795" y="518614"/>
-            <a:ext cx="7915702" cy="523220"/>
-          </a:xfrm>
-          <a:prstGeom prst="rect">
-            <a:avLst/>
-          </a:prstGeom>
-          <a:noFill/>
-        </p:spPr>
-        <p:txBody>
-          <a:bodyPr wrap="square" rtlCol="0">
-            <a:spAutoFit/>
-          </a:bodyPr>
-          <a:lstStyle/>
-          <a:p>
-            <a:r>
-              <a:rPr lang="es-CL" sz="2800" b="1" cap="all" dirty="0" smtClean="0">
-                <a:ln w="9000" cmpd="sng">
-                  <a:solidFill>
-                    <a:schemeClr val="accent4">
-                      <a:shade val="50000"/>
-                      <a:satMod val="120000"/>
-                    </a:schemeClr>
-                  </a:solidFill>
-                  <a:prstDash val="solid"/>
-                </a:ln>
-                <a:gradFill>
-                  <a:gsLst>
-                    <a:gs pos="0">
-                      <a:schemeClr val="accent4">
-                        <a:shade val="20000"/>
-                        <a:satMod val="245000"/>
-                      </a:schemeClr>
-                    </a:gs>
-                    <a:gs pos="43000">
-                      <a:schemeClr val="accent4">
-                        <a:satMod val="255000"/>
-                      </a:schemeClr>
-                    </a:gs>
-                    <a:gs pos="48000">
-                      <a:schemeClr val="accent4">
-                        <a:shade val="85000"/>
-                        <a:satMod val="255000"/>
-                      </a:schemeClr>
-                    </a:gs>
-                    <a:gs pos="100000">
-                      <a:schemeClr val="accent4">
-                        <a:shade val="20000"/>
-                        <a:satMod val="245000"/>
-                      </a:schemeClr>
-                    </a:gs>
-                  </a:gsLst>
-                  <a:lin ang="5400000"/>
-                </a:gradFill>
-                <a:effectLst>
-                  <a:reflection blurRad="12700" stA="28000" endPos="45000" dist="1000" dir="5400000" sy="-100000" algn="bl" rotWithShape="0"/>
-                </a:effectLst>
-                <a:latin typeface="Arial" pitchFamily="34" charset="0"/>
-                <a:cs typeface="Arial" pitchFamily="34" charset="0"/>
-              </a:rPr>
-              <a:t>Introducción</a:t>
-            </a:r>
-            <a:endParaRPr lang="es-CL" sz="2800" b="1" cap="all" dirty="0">
-              <a:ln w="9000" cmpd="sng">
-                <a:solidFill>
-                  <a:schemeClr val="accent4">
-                    <a:shade val="50000"/>
-                    <a:satMod val="120000"/>
-                  </a:schemeClr>
-                </a:solidFill>
-                <a:prstDash val="solid"/>
-              </a:ln>
-              <a:gradFill>
-                <a:gsLst>
-                  <a:gs pos="0">
-                    <a:schemeClr val="accent4">
-                      <a:shade val="20000"/>
-                      <a:satMod val="245000"/>
-                    </a:schemeClr>
-                  </a:gs>
-                  <a:gs pos="43000">
-                    <a:schemeClr val="accent4">
-                      <a:satMod val="255000"/>
-                    </a:schemeClr>
-                  </a:gs>
-                  <a:gs pos="48000">
-                    <a:schemeClr val="accent4">
-                      <a:shade val="85000"/>
-                      <a:satMod val="255000"/>
-                    </a:schemeClr>
-                  </a:gs>
-                  <a:gs pos="100000">
-                    <a:schemeClr val="accent4">
-                      <a:shade val="20000"/>
-                      <a:satMod val="245000"/>
-                    </a:schemeClr>
-                  </a:gs>
-                </a:gsLst>
-                <a:lin ang="5400000"/>
-              </a:gradFill>
-              <a:effectLst>
-                <a:reflection blurRad="12700" stA="28000" endPos="45000" dist="1000" dir="5400000" sy="-100000" algn="bl" rotWithShape="0"/>
-              </a:effectLst>
-              <a:latin typeface="Arial" pitchFamily="34" charset="0"/>
-              <a:cs typeface="Arial" pitchFamily="34" charset="0"/>
-            </a:endParaRPr>
-          </a:p>
-        </p:txBody>
-      </p:sp>
-      <p:sp>
-        <p:nvSpPr>
-          <p:cNvPr id="5" name="4 Marcador de contenido"/>
-          <p:cNvSpPr>
-            <a:spLocks noGrp="1"/>
-          </p:cNvSpPr>
-          <p:nvPr>
-            <p:ph idx="1"/>
-          </p:nvPr>
-        </p:nvSpPr>
-        <p:spPr/>
-        <p:txBody>
-          <a:bodyPr/>
-          <a:lstStyle/>
-          <a:p>
-            <a:r>
-              <a:rPr lang="es-CL" dirty="0" smtClean="0"/>
-              <a:t>Proyecto enfocado en empresas Pymes</a:t>
-            </a:r>
-          </a:p>
-          <a:p>
-            <a:r>
-              <a:rPr lang="es-CL" dirty="0" smtClean="0"/>
-              <a:t>Servicio Técnico Electrónico</a:t>
-            </a:r>
-          </a:p>
-          <a:p>
-            <a:r>
-              <a:rPr lang="es-CL" dirty="0" smtClean="0"/>
-              <a:t>Sistema para distintas empresas</a:t>
-            </a:r>
-          </a:p>
-          <a:p>
-            <a:r>
-              <a:rPr lang="es-CL" dirty="0" smtClean="0"/>
-              <a:t>Metodología de desarrollo</a:t>
-            </a:r>
-            <a:endParaRPr lang="es-CL" dirty="0"/>
-          </a:p>
-        </p:txBody>
-      </p:sp>
-    </p:spTree>
-  </p:cSld>
-  <p:clrMapOvr>
-    <a:masterClrMapping/>
-  </p:clrMapOvr>
-  <p:transition advTm="2782"/>
-  <p:timing>
-    <p:tnLst>
-      <p:par>
-        <p:cTn id="1" dur="indefinite" restart="never" nodeType="tmRoot"/>
-      </p:par>
-    </p:tnLst>
-  </p:timing>
-</p:sld>
-</file>
-
-<file path=ppt/slides/slide30.xml><?xml version="1.0" encoding="utf-8"?>
+<file path=ppt/slides/slide29.xml><?xml version="1.0" encoding="utf-8"?>
 <p:sld xmlns:a="http://schemas.openxmlformats.org/drawingml/2006/main" xmlns:r="http://schemas.openxmlformats.org/officeDocument/2006/relationships" xmlns:p="http://schemas.openxmlformats.org/presentationml/2006/main">
   <p:cSld>
     <p:spTree>
@@ -35848,7 +35296,197 @@
 </p:sld>
 </file>
 
-<file path=ppt/slides/slide31.xml><?xml version="1.0" encoding="utf-8"?>
+<file path=ppt/slides/slide3.xml><?xml version="1.0" encoding="utf-8"?>
+<p:sld xmlns:a="http://schemas.openxmlformats.org/drawingml/2006/main" xmlns:r="http://schemas.openxmlformats.org/officeDocument/2006/relationships" xmlns:p="http://schemas.openxmlformats.org/presentationml/2006/main">
+  <p:cSld>
+    <p:spTree>
+      <p:nvGrpSpPr>
+        <p:cNvPr id="1" name=""/>
+        <p:cNvGrpSpPr/>
+        <p:nvPr/>
+      </p:nvGrpSpPr>
+      <p:grpSpPr>
+        <a:xfrm>
+          <a:off x="0" y="0"/>
+          <a:ext cx="0" cy="0"/>
+          <a:chOff x="0" y="0"/>
+          <a:chExt cx="0" cy="0"/>
+        </a:xfrm>
+      </p:grpSpPr>
+      <p:sp>
+        <p:nvSpPr>
+          <p:cNvPr id="4" name="3 CuadroTexto"/>
+          <p:cNvSpPr txBox="1"/>
+          <p:nvPr/>
+        </p:nvSpPr>
+        <p:spPr>
+          <a:xfrm>
+            <a:off x="627795" y="518614"/>
+            <a:ext cx="7915702" cy="523220"/>
+          </a:xfrm>
+          <a:prstGeom prst="rect">
+            <a:avLst/>
+          </a:prstGeom>
+          <a:noFill/>
+        </p:spPr>
+        <p:txBody>
+          <a:bodyPr wrap="square" rtlCol="0">
+            <a:spAutoFit/>
+          </a:bodyPr>
+          <a:lstStyle/>
+          <a:p>
+            <a:r>
+              <a:rPr lang="es-CL" sz="2800" b="1" cap="all" dirty="0" smtClean="0">
+                <a:ln w="9000" cmpd="sng">
+                  <a:solidFill>
+                    <a:schemeClr val="accent4">
+                      <a:shade val="50000"/>
+                      <a:satMod val="120000"/>
+                    </a:schemeClr>
+                  </a:solidFill>
+                  <a:prstDash val="solid"/>
+                </a:ln>
+                <a:gradFill>
+                  <a:gsLst>
+                    <a:gs pos="0">
+                      <a:schemeClr val="accent4">
+                        <a:shade val="20000"/>
+                        <a:satMod val="245000"/>
+                      </a:schemeClr>
+                    </a:gs>
+                    <a:gs pos="43000">
+                      <a:schemeClr val="accent4">
+                        <a:satMod val="255000"/>
+                      </a:schemeClr>
+                    </a:gs>
+                    <a:gs pos="48000">
+                      <a:schemeClr val="accent4">
+                        <a:shade val="85000"/>
+                        <a:satMod val="255000"/>
+                      </a:schemeClr>
+                    </a:gs>
+                    <a:gs pos="100000">
+                      <a:schemeClr val="accent4">
+                        <a:shade val="20000"/>
+                        <a:satMod val="245000"/>
+                      </a:schemeClr>
+                    </a:gs>
+                  </a:gsLst>
+                  <a:lin ang="5400000"/>
+                </a:gradFill>
+                <a:effectLst>
+                  <a:reflection blurRad="12700" stA="28000" endPos="45000" dist="1000" dir="5400000" sy="-100000" algn="bl" rotWithShape="0"/>
+                </a:effectLst>
+                <a:latin typeface="Arial" pitchFamily="34" charset="0"/>
+                <a:cs typeface="Arial" pitchFamily="34" charset="0"/>
+              </a:rPr>
+              <a:t>Introducción</a:t>
+            </a:r>
+            <a:endParaRPr lang="es-CL" sz="2800" b="1" cap="all" dirty="0">
+              <a:ln w="9000" cmpd="sng">
+                <a:solidFill>
+                  <a:schemeClr val="accent4">
+                    <a:shade val="50000"/>
+                    <a:satMod val="120000"/>
+                  </a:schemeClr>
+                </a:solidFill>
+                <a:prstDash val="solid"/>
+              </a:ln>
+              <a:gradFill>
+                <a:gsLst>
+                  <a:gs pos="0">
+                    <a:schemeClr val="accent4">
+                      <a:shade val="20000"/>
+                      <a:satMod val="245000"/>
+                    </a:schemeClr>
+                  </a:gs>
+                  <a:gs pos="43000">
+                    <a:schemeClr val="accent4">
+                      <a:satMod val="255000"/>
+                    </a:schemeClr>
+                  </a:gs>
+                  <a:gs pos="48000">
+                    <a:schemeClr val="accent4">
+                      <a:shade val="85000"/>
+                      <a:satMod val="255000"/>
+                    </a:schemeClr>
+                  </a:gs>
+                  <a:gs pos="100000">
+                    <a:schemeClr val="accent4">
+                      <a:shade val="20000"/>
+                      <a:satMod val="245000"/>
+                    </a:schemeClr>
+                  </a:gs>
+                </a:gsLst>
+                <a:lin ang="5400000"/>
+              </a:gradFill>
+              <a:effectLst>
+                <a:reflection blurRad="12700" stA="28000" endPos="45000" dist="1000" dir="5400000" sy="-100000" algn="bl" rotWithShape="0"/>
+              </a:effectLst>
+              <a:latin typeface="Arial" pitchFamily="34" charset="0"/>
+              <a:cs typeface="Arial" pitchFamily="34" charset="0"/>
+            </a:endParaRPr>
+          </a:p>
+        </p:txBody>
+      </p:sp>
+      <p:sp>
+        <p:nvSpPr>
+          <p:cNvPr id="5" name="4 Marcador de contenido"/>
+          <p:cNvSpPr>
+            <a:spLocks noGrp="1"/>
+          </p:cNvSpPr>
+          <p:nvPr>
+            <p:ph idx="1"/>
+          </p:nvPr>
+        </p:nvSpPr>
+        <p:spPr/>
+        <p:txBody>
+          <a:bodyPr/>
+          <a:lstStyle/>
+          <a:p>
+            <a:r>
+              <a:rPr lang="es-CL" dirty="0" smtClean="0"/>
+              <a:t>Proyecto enfocado en empresas Pymes</a:t>
+            </a:r>
+          </a:p>
+          <a:p>
+            <a:r>
+              <a:rPr lang="es-CL" dirty="0" smtClean="0"/>
+              <a:t>Servicio Técnico Electrónico</a:t>
+            </a:r>
+          </a:p>
+          <a:p>
+            <a:r>
+              <a:rPr lang="es-CL" dirty="0" smtClean="0"/>
+              <a:t>Sistema para distintas empresas</a:t>
+            </a:r>
+          </a:p>
+          <a:p>
+            <a:r>
+              <a:rPr lang="es-CL" dirty="0" smtClean="0"/>
+              <a:t>Metodología de desarrollo</a:t>
+            </a:r>
+            <a:endParaRPr lang="es-CL" dirty="0"/>
+          </a:p>
+        </p:txBody>
+      </p:sp>
+    </p:spTree>
+  </p:cSld>
+  <p:clrMapOvr>
+    <a:masterClrMapping/>
+  </p:clrMapOvr>
+  <p:transition advTm="2782"/>
+  <p:timing>
+    <p:tnLst>
+      <p:par>
+        <p:cTn id="1" dur="indefinite" restart="never" nodeType="tmRoot"/>
+      </p:par>
+    </p:tnLst>
+  </p:timing>
+</p:sld>
+</file>
+
+<file path=ppt/slides/slide30.xml><?xml version="1.0" encoding="utf-8"?>
 <p:sld xmlns:a="http://schemas.openxmlformats.org/drawingml/2006/main" xmlns:r="http://schemas.openxmlformats.org/officeDocument/2006/relationships" xmlns:p="http://schemas.openxmlformats.org/presentationml/2006/main">
   <p:cSld>
     <p:spTree>
@@ -35884,7 +35522,7 @@
 </p:sld>
 </file>
 
-<file path=ppt/slides/slide32.xml><?xml version="1.0" encoding="utf-8"?>
+<file path=ppt/slides/slide31.xml><?xml version="1.0" encoding="utf-8"?>
 <p:sld xmlns:a="http://schemas.openxmlformats.org/drawingml/2006/main" xmlns:r="http://schemas.openxmlformats.org/officeDocument/2006/relationships" xmlns:p="http://schemas.openxmlformats.org/presentationml/2006/main">
   <p:cSld>
     <p:spTree>
@@ -36064,7 +35702,7 @@
 </p:sld>
 </file>
 
-<file path=ppt/slides/slide33.xml><?xml version="1.0" encoding="utf-8"?>
+<file path=ppt/slides/slide32.xml><?xml version="1.0" encoding="utf-8"?>
 <p:sld xmlns:a="http://schemas.openxmlformats.org/drawingml/2006/main" xmlns:r="http://schemas.openxmlformats.org/officeDocument/2006/relationships" xmlns:p="http://schemas.openxmlformats.org/presentationml/2006/main">
   <p:cSld>
     <p:spTree>
@@ -36100,7 +35738,7 @@
 </p:sld>
 </file>
 
-<file path=ppt/slides/slide34.xml><?xml version="1.0" encoding="utf-8"?>
+<file path=ppt/slides/slide33.xml><?xml version="1.0" encoding="utf-8"?>
 <p:sld xmlns:a="http://schemas.openxmlformats.org/drawingml/2006/main" xmlns:r="http://schemas.openxmlformats.org/officeDocument/2006/relationships" xmlns:p="http://schemas.openxmlformats.org/presentationml/2006/main">
   <p:cSld>
     <p:spTree>
@@ -36295,7 +35933,7 @@
 </p:sld>
 </file>
 
-<file path=ppt/slides/slide35.xml><?xml version="1.0" encoding="utf-8"?>
+<file path=ppt/slides/slide34.xml><?xml version="1.0" encoding="utf-8"?>
 <p:sld xmlns:a="http://schemas.openxmlformats.org/drawingml/2006/main" xmlns:r="http://schemas.openxmlformats.org/officeDocument/2006/relationships" xmlns:p="http://schemas.openxmlformats.org/presentationml/2006/main">
   <p:cSld>
     <p:spTree>
@@ -36471,7 +36109,7 @@
 </p:sld>
 </file>
 
-<file path=ppt/slides/slide36.xml><?xml version="1.0" encoding="utf-8"?>
+<file path=ppt/slides/slide35.xml><?xml version="1.0" encoding="utf-8"?>
 <p:sld xmlns:a="http://schemas.openxmlformats.org/drawingml/2006/main" xmlns:r="http://schemas.openxmlformats.org/officeDocument/2006/relationships" xmlns:p="http://schemas.openxmlformats.org/presentationml/2006/main">
   <p:cSld>
     <p:spTree>

--- a/sigset/documentos/Documentos finales/Presentacion.pptx
+++ b/sigset/documentos/Documentos finales/Presentacion.pptx
@@ -305,7 +305,7 @@
 
 <file path=ppt/activeX/activeX5.xml><?xml version="1.0" encoding="utf-8"?>
 <ax:ocx xmlns:ax="http://schemas.microsoft.com/office/2006/activeX" xmlns:r="http://schemas.openxmlformats.org/officeDocument/2006/relationships" ax:classid="{6BF52A52-394A-11D3-B153-00C04F79FAA6}" ax:persistence="persistPropertyBag">
-  <ax:ocxPr ax:name="URL" ax:value="C:\svn\sigset\documentos\Documentos finales\Videos\05-Config.avi"/>
+  <ax:ocxPr ax:name="URL" ax:value="Videos\05-Config.avi"/>
   <ax:ocxPr ax:name="rate" ax:value="1"/>
   <ax:ocxPr ax:name="balance" ax:value="0"/>
   <ax:ocxPr ax:name="currentPosition" ax:value="0"/>
@@ -8613,14 +8613,14 @@
 </file>
 
 <file path=ppt/diagrams/drawing1.xml><?xml version="1.0" encoding="utf-8"?>
-<dsp:drawing xmlns:dgm="http://schemas.openxmlformats.org/drawingml/2006/diagram" xmlns:a="http://schemas.openxmlformats.org/drawingml/2006/main" xmlns:dsp="http://schemas.microsoft.com/office/drawing/2008/diagram">
-  <dsp:spTree>
+<dgm:drawing xmlns:dgm="http://schemas.openxmlformats.org/drawingml/2006/diagram" xmlns:a="http://schemas.openxmlformats.org/drawingml/2006/main">
+  <dsp:spTree xmlns:dsp="http://schemas.microsoft.com/office/drawing/2008/diagram">
     <dsp:nvGrpSpPr>
       <dsp:cNvPr id="0" name=""/>
       <dsp:cNvGrpSpPr/>
     </dsp:nvGrpSpPr>
     <dsp:grpSpPr/>
-    <dsp:sp modelId="{C897771F-DC93-4AD3-8C40-0F56AD012119}">
+    <dsp:sp modelId="{C897771F-DC93-4AD3-8C40-0F56AD012119}" macro="" textlink="">
       <dsp:nvSpPr>
         <dsp:cNvPr id="0" name=""/>
         <dsp:cNvSpPr/>
@@ -8678,7 +8678,7 @@
         <a:fontRef idx="minor"/>
       </dsp:style>
     </dsp:sp>
-    <dsp:sp modelId="{7067C38B-1810-4DB2-B807-5CCA43081905}">
+    <dsp:sp modelId="{7067C38B-1810-4DB2-B807-5CCA43081905}" macro="" textlink="">
       <dsp:nvSpPr>
         <dsp:cNvPr id="0" name=""/>
         <dsp:cNvSpPr/>
@@ -8739,7 +8739,7 @@
         <a:fontRef idx="minor"/>
       </dsp:style>
     </dsp:sp>
-    <dsp:sp modelId="{67F2C483-67D0-4A41-8A9B-9354F34B051C}">
+    <dsp:sp modelId="{67F2C483-67D0-4A41-8A9B-9354F34B051C}" macro="" textlink="">
       <dsp:nvSpPr>
         <dsp:cNvPr id="0" name=""/>
         <dsp:cNvSpPr/>
@@ -8800,7 +8800,7 @@
         <a:fontRef idx="minor"/>
       </dsp:style>
     </dsp:sp>
-    <dsp:sp modelId="{5F0C548B-D49C-4B81-89F6-6D921674CBC8}">
+    <dsp:sp modelId="{5F0C548B-D49C-4B81-89F6-6D921674CBC8}" macro="" textlink="">
       <dsp:nvSpPr>
         <dsp:cNvPr id="0" name=""/>
         <dsp:cNvSpPr/>
@@ -8858,7 +8858,7 @@
         <a:fontRef idx="minor"/>
       </dsp:style>
     </dsp:sp>
-    <dsp:sp modelId="{81A24B65-9686-48A3-8394-FE12A9A3486A}">
+    <dsp:sp modelId="{81A24B65-9686-48A3-8394-FE12A9A3486A}" macro="" textlink="">
       <dsp:nvSpPr>
         <dsp:cNvPr id="0" name=""/>
         <dsp:cNvSpPr/>
@@ -8919,7 +8919,7 @@
         <a:fontRef idx="minor"/>
       </dsp:style>
     </dsp:sp>
-    <dsp:sp modelId="{424B6412-A3F9-4720-A8EB-462E252393E7}">
+    <dsp:sp modelId="{424B6412-A3F9-4720-A8EB-462E252393E7}" macro="" textlink="">
       <dsp:nvSpPr>
         <dsp:cNvPr id="0" name=""/>
         <dsp:cNvSpPr/>
@@ -8977,7 +8977,7 @@
         <a:fontRef idx="minor"/>
       </dsp:style>
     </dsp:sp>
-    <dsp:sp modelId="{9D5B2E90-2AC1-455B-80B7-33F8B232A31B}">
+    <dsp:sp modelId="{9D5B2E90-2AC1-455B-80B7-33F8B232A31B}" macro="" textlink="">
       <dsp:nvSpPr>
         <dsp:cNvPr id="0" name=""/>
         <dsp:cNvSpPr/>
@@ -9038,7 +9038,7 @@
         <a:fontRef idx="minor"/>
       </dsp:style>
     </dsp:sp>
-    <dsp:sp modelId="{C36AD766-0A53-48DB-95A4-97671A3B4CB3}">
+    <dsp:sp modelId="{C36AD766-0A53-48DB-95A4-97671A3B4CB3}" macro="" textlink="">
       <dsp:nvSpPr>
         <dsp:cNvPr id="0" name=""/>
         <dsp:cNvSpPr/>
@@ -9157,7 +9157,7 @@
         <a:ext cx="1700104" cy="850052"/>
       </dsp:txXfrm>
     </dsp:sp>
-    <dsp:sp modelId="{8EB25D34-DFC9-49A5-A024-B06E604BE7C9}">
+    <dsp:sp modelId="{8EB25D34-DFC9-49A5-A024-B06E604BE7C9}" macro="" textlink="">
       <dsp:nvSpPr>
         <dsp:cNvPr id="0" name=""/>
         <dsp:cNvSpPr/>
@@ -9276,7 +9276,7 @@
         <a:ext cx="1700104" cy="850052"/>
       </dsp:txXfrm>
     </dsp:sp>
-    <dsp:sp modelId="{D46C28A6-FB4D-445D-9E8A-E8F532501D09}">
+    <dsp:sp modelId="{D46C28A6-FB4D-445D-9E8A-E8F532501D09}" macro="" textlink="">
       <dsp:nvSpPr>
         <dsp:cNvPr id="0" name=""/>
         <dsp:cNvSpPr/>
@@ -9395,7 +9395,7 @@
         <a:ext cx="1700104" cy="850052"/>
       </dsp:txXfrm>
     </dsp:sp>
-    <dsp:sp modelId="{7A4B2369-BDEA-49EF-9522-5EA17E36EC89}">
+    <dsp:sp modelId="{7A4B2369-BDEA-49EF-9522-5EA17E36EC89}" macro="" textlink="">
       <dsp:nvSpPr>
         <dsp:cNvPr id="0" name=""/>
         <dsp:cNvSpPr/>
@@ -9514,7 +9514,7 @@
         <a:ext cx="1700104" cy="850052"/>
       </dsp:txXfrm>
     </dsp:sp>
-    <dsp:sp modelId="{B47274DF-392A-43F8-A951-62E4C65D4027}">
+    <dsp:sp modelId="{B47274DF-392A-43F8-A951-62E4C65D4027}" macro="" textlink="">
       <dsp:nvSpPr>
         <dsp:cNvPr id="0" name=""/>
         <dsp:cNvSpPr/>
@@ -9633,7 +9633,7 @@
         <a:ext cx="1700104" cy="850052"/>
       </dsp:txXfrm>
     </dsp:sp>
-    <dsp:sp modelId="{FD21C7F4-091A-479B-ADF1-28E542D19193}">
+    <dsp:sp modelId="{FD21C7F4-091A-479B-ADF1-28E542D19193}" macro="" textlink="">
       <dsp:nvSpPr>
         <dsp:cNvPr id="0" name=""/>
         <dsp:cNvSpPr/>
@@ -9752,7 +9752,7 @@
         <a:ext cx="1700104" cy="850052"/>
       </dsp:txXfrm>
     </dsp:sp>
-    <dsp:sp modelId="{6AF72E91-D475-47FD-9F9A-F3F5486D3CA3}">
+    <dsp:sp modelId="{6AF72E91-D475-47FD-9F9A-F3F5486D3CA3}" macro="" textlink="">
       <dsp:nvSpPr>
         <dsp:cNvPr id="0" name=""/>
         <dsp:cNvSpPr/>
@@ -9871,7 +9871,7 @@
         <a:ext cx="1700104" cy="850052"/>
       </dsp:txXfrm>
     </dsp:sp>
-    <dsp:sp modelId="{6193E13E-2838-4FF4-95E4-B0E8E77986D7}">
+    <dsp:sp modelId="{6193E13E-2838-4FF4-95E4-B0E8E77986D7}" macro="" textlink="">
       <dsp:nvSpPr>
         <dsp:cNvPr id="0" name=""/>
         <dsp:cNvSpPr/>
@@ -9991,3360 +9991,55 @@
       </dsp:txXfrm>
     </dsp:sp>
   </dsp:spTree>
-</dsp:drawing>
+</dgm:drawing>
 </file>
 
 <file path=ppt/diagrams/drawing2.xml><?xml version="1.0" encoding="utf-8"?>
-<dsp:drawing xmlns:dgm="http://schemas.openxmlformats.org/drawingml/2006/diagram" xmlns:a="http://schemas.openxmlformats.org/drawingml/2006/main" xmlns:dsp="http://schemas.microsoft.com/office/drawing/2008/diagram">
-  <dsp:spTree>
+<dgm:drawing xmlns:dgm="http://schemas.openxmlformats.org/drawingml/2006/diagram" xmlns:a="http://schemas.openxmlformats.org/drawingml/2006/main">
+  <dsp:spTree xmlns:dsp="http://schemas.microsoft.com/office/drawing/2008/diagram">
     <dsp:nvGrpSpPr>
       <dsp:cNvPr id="0" name=""/>
       <dsp:cNvGrpSpPr/>
     </dsp:nvGrpSpPr>
     <dsp:grpSpPr/>
-    <dsp:sp modelId="{FC2C4C26-EB23-46B9-B79F-E4E7DFE0BE29}">
-      <dsp:nvSpPr>
-        <dsp:cNvPr id="0" name=""/>
-        <dsp:cNvSpPr/>
-      </dsp:nvSpPr>
-      <dsp:spPr>
-        <a:xfrm rot="16200000">
-          <a:off x="-204853" y="208644"/>
-          <a:ext cx="4064000" cy="3646711"/>
-        </a:xfrm>
-        <a:prstGeom prst="flowChartManualOperation">
-          <a:avLst/>
-        </a:prstGeom>
-        <a:gradFill rotWithShape="0">
-          <a:gsLst>
-            <a:gs pos="0">
-              <a:schemeClr val="lt1">
-                <a:hueOff val="0"/>
-                <a:satOff val="0"/>
-                <a:lumOff val="0"/>
-                <a:alphaOff val="0"/>
-                <a:shade val="51000"/>
-                <a:satMod val="130000"/>
-              </a:schemeClr>
-            </a:gs>
-            <a:gs pos="80000">
-              <a:schemeClr val="lt1">
-                <a:hueOff val="0"/>
-                <a:satOff val="0"/>
-                <a:lumOff val="0"/>
-                <a:alphaOff val="0"/>
-                <a:shade val="93000"/>
-                <a:satMod val="130000"/>
-              </a:schemeClr>
-            </a:gs>
-            <a:gs pos="100000">
-              <a:schemeClr val="lt1">
-                <a:hueOff val="0"/>
-                <a:satOff val="0"/>
-                <a:lumOff val="0"/>
-                <a:alphaOff val="0"/>
-                <a:shade val="94000"/>
-                <a:satMod val="135000"/>
-              </a:schemeClr>
-            </a:gs>
-          </a:gsLst>
-          <a:lin ang="16200000" scaled="0"/>
-        </a:gradFill>
-        <a:ln>
-          <a:noFill/>
-        </a:ln>
-        <a:effectLst>
-          <a:outerShdw blurRad="40000" dist="23000" dir="5400000" rotWithShape="0">
-            <a:srgbClr val="000000">
-              <a:alpha val="35000"/>
-            </a:srgbClr>
-          </a:outerShdw>
-        </a:effectLst>
-      </dsp:spPr>
-      <dsp:style>
-        <a:lnRef idx="0">
-          <a:scrgbClr r="0" g="0" b="0"/>
-        </a:lnRef>
-        <a:fillRef idx="3">
-          <a:scrgbClr r="0" g="0" b="0"/>
-        </a:fillRef>
-        <a:effectRef idx="2">
-          <a:scrgbClr r="0" g="0" b="0"/>
-        </a:effectRef>
-        <a:fontRef idx="minor">
-          <a:schemeClr val="lt1"/>
-        </a:fontRef>
-      </dsp:style>
-      <dsp:txBody>
-        <a:bodyPr spcFirstLastPara="0" vert="horz" wrap="square" lIns="177800" tIns="0" rIns="177229" bIns="0" numCol="1" spcCol="1270" anchor="t" anchorCtr="0">
-          <a:noAutofit/>
-        </a:bodyPr>
-        <a:lstStyle/>
-        <a:p>
-          <a:pPr lvl="0" algn="l" defTabSz="1244600">
-            <a:lnSpc>
-              <a:spcPct val="90000"/>
-            </a:lnSpc>
-            <a:spcBef>
-              <a:spcPct val="0"/>
-            </a:spcBef>
-            <a:spcAft>
-              <a:spcPct val="35000"/>
-            </a:spcAft>
-          </a:pPr>
-          <a:r>
-            <a:rPr lang="es-CL" sz="2800" kern="1200" dirty="0" smtClean="0">
-              <a:latin typeface="Futura Lt BT"/>
-            </a:rPr>
-            <a:t>Software</a:t>
-          </a:r>
-          <a:endParaRPr lang="es-CL" sz="2800" kern="1200" dirty="0">
-            <a:latin typeface="Futura Lt BT"/>
-          </a:endParaRPr>
-        </a:p>
-        <a:p>
-          <a:pPr marL="228600" lvl="1" indent="-228600" algn="l" defTabSz="977900">
-            <a:lnSpc>
-              <a:spcPct val="90000"/>
-            </a:lnSpc>
-            <a:spcBef>
-              <a:spcPct val="0"/>
-            </a:spcBef>
-            <a:spcAft>
-              <a:spcPct val="15000"/>
-            </a:spcAft>
-            <a:buChar char="••"/>
-          </a:pPr>
-          <a:r>
-            <a:rPr lang="es-CL" sz="2200" kern="1200" dirty="0" smtClean="0">
-              <a:latin typeface="Futura Lt BT"/>
-            </a:rPr>
-            <a:t>Windows 2003 Server R2 SP2</a:t>
-          </a:r>
-          <a:endParaRPr lang="es-CL" sz="2200" kern="1200" dirty="0">
-            <a:latin typeface="Futura Lt BT"/>
-          </a:endParaRPr>
-        </a:p>
-        <a:p>
-          <a:pPr marL="228600" lvl="1" indent="-228600" algn="l" defTabSz="977900">
-            <a:lnSpc>
-              <a:spcPct val="90000"/>
-            </a:lnSpc>
-            <a:spcBef>
-              <a:spcPct val="0"/>
-            </a:spcBef>
-            <a:spcAft>
-              <a:spcPct val="15000"/>
-            </a:spcAft>
-            <a:buChar char="••"/>
-          </a:pPr>
-          <a:r>
-            <a:rPr lang="es-CL" sz="2200" kern="1200" dirty="0" smtClean="0">
-              <a:latin typeface="Futura Lt BT"/>
-            </a:rPr>
-            <a:t>Internet Information Server 6</a:t>
-          </a:r>
-          <a:endParaRPr lang="es-CL" sz="2200" kern="1200" dirty="0">
-            <a:latin typeface="Futura Lt BT"/>
-          </a:endParaRPr>
-        </a:p>
-        <a:p>
-          <a:pPr marL="228600" lvl="1" indent="-228600" algn="l" defTabSz="977900">
-            <a:lnSpc>
-              <a:spcPct val="90000"/>
-            </a:lnSpc>
-            <a:spcBef>
-              <a:spcPct val="0"/>
-            </a:spcBef>
-            <a:spcAft>
-              <a:spcPct val="15000"/>
-            </a:spcAft>
-            <a:buChar char="••"/>
-          </a:pPr>
-          <a:r>
-            <a:rPr lang="es-CL" sz="2200" kern="1200" dirty="0" smtClean="0">
-              <a:latin typeface="Futura Lt BT"/>
-            </a:rPr>
-            <a:t>Framework .Net 3.5 SP1</a:t>
-          </a:r>
-          <a:endParaRPr lang="es-CL" sz="2200" kern="1200" dirty="0">
-            <a:latin typeface="Futura Lt BT"/>
-          </a:endParaRPr>
-        </a:p>
-        <a:p>
-          <a:pPr marL="228600" lvl="1" indent="-228600" algn="l" defTabSz="977900">
-            <a:lnSpc>
-              <a:spcPct val="90000"/>
-            </a:lnSpc>
-            <a:spcBef>
-              <a:spcPct val="0"/>
-            </a:spcBef>
-            <a:spcAft>
-              <a:spcPct val="15000"/>
-            </a:spcAft>
-            <a:buChar char="••"/>
-          </a:pPr>
-          <a:r>
-            <a:rPr lang="es-CL" sz="2200" kern="1200" dirty="0" smtClean="0">
-              <a:latin typeface="Futura Lt BT"/>
-            </a:rPr>
-            <a:t>SQL Server 2005</a:t>
-          </a:r>
-          <a:endParaRPr lang="es-CL" sz="2200" kern="1200" dirty="0">
-            <a:latin typeface="Futura Lt BT"/>
-          </a:endParaRPr>
-        </a:p>
-      </dsp:txBody>
-      <dsp:txXfrm rot="16200000">
-        <a:off x="-204853" y="208644"/>
-        <a:ext cx="4064000" cy="3646711"/>
-      </dsp:txXfrm>
-    </dsp:sp>
-    <dsp:sp modelId="{6B7D2FE9-FA86-4E82-9996-41C9EC07B79C}">
-      <dsp:nvSpPr>
-        <dsp:cNvPr id="0" name=""/>
-        <dsp:cNvSpPr/>
-      </dsp:nvSpPr>
-      <dsp:spPr>
-        <a:xfrm rot="16200000">
-          <a:off x="3688066" y="208644"/>
-          <a:ext cx="4064000" cy="3646711"/>
-        </a:xfrm>
-        <a:prstGeom prst="flowChartManualOperation">
-          <a:avLst/>
-        </a:prstGeom>
-        <a:gradFill rotWithShape="0">
-          <a:gsLst>
-            <a:gs pos="0">
-              <a:schemeClr val="lt1">
-                <a:hueOff val="0"/>
-                <a:satOff val="0"/>
-                <a:lumOff val="0"/>
-                <a:alphaOff val="0"/>
-                <a:shade val="51000"/>
-                <a:satMod val="130000"/>
-              </a:schemeClr>
-            </a:gs>
-            <a:gs pos="80000">
-              <a:schemeClr val="lt1">
-                <a:hueOff val="0"/>
-                <a:satOff val="0"/>
-                <a:lumOff val="0"/>
-                <a:alphaOff val="0"/>
-                <a:shade val="93000"/>
-                <a:satMod val="130000"/>
-              </a:schemeClr>
-            </a:gs>
-            <a:gs pos="100000">
-              <a:schemeClr val="lt1">
-                <a:hueOff val="0"/>
-                <a:satOff val="0"/>
-                <a:lumOff val="0"/>
-                <a:alphaOff val="0"/>
-                <a:shade val="94000"/>
-                <a:satMod val="135000"/>
-              </a:schemeClr>
-            </a:gs>
-          </a:gsLst>
-          <a:lin ang="16200000" scaled="0"/>
-        </a:gradFill>
-        <a:ln>
-          <a:noFill/>
-        </a:ln>
-        <a:effectLst>
-          <a:outerShdw blurRad="40000" dist="23000" dir="5400000" rotWithShape="0">
-            <a:srgbClr val="000000">
-              <a:alpha val="35000"/>
-            </a:srgbClr>
-          </a:outerShdw>
-        </a:effectLst>
-      </dsp:spPr>
-      <dsp:style>
-        <a:lnRef idx="0">
-          <a:scrgbClr r="0" g="0" b="0"/>
-        </a:lnRef>
-        <a:fillRef idx="3">
-          <a:scrgbClr r="0" g="0" b="0"/>
-        </a:fillRef>
-        <a:effectRef idx="2">
-          <a:scrgbClr r="0" g="0" b="0"/>
-        </a:effectRef>
-        <a:fontRef idx="minor">
-          <a:schemeClr val="lt1"/>
-        </a:fontRef>
-      </dsp:style>
-      <dsp:txBody>
-        <a:bodyPr spcFirstLastPara="0" vert="horz" wrap="square" lIns="177800" tIns="0" rIns="177229" bIns="0" numCol="1" spcCol="1270" anchor="t" anchorCtr="0">
-          <a:noAutofit/>
-        </a:bodyPr>
-        <a:lstStyle/>
-        <a:p>
-          <a:pPr lvl="0" algn="l" defTabSz="1244600">
-            <a:lnSpc>
-              <a:spcPct val="90000"/>
-            </a:lnSpc>
-            <a:spcBef>
-              <a:spcPct val="0"/>
-            </a:spcBef>
-            <a:spcAft>
-              <a:spcPct val="35000"/>
-            </a:spcAft>
-          </a:pPr>
-          <a:r>
-            <a:rPr lang="es-CL" sz="2800" kern="1200" dirty="0" smtClean="0">
-              <a:latin typeface="Futura Lt BT"/>
-            </a:rPr>
-            <a:t>Hardware</a:t>
-          </a:r>
-          <a:endParaRPr lang="es-CL" sz="2800" kern="1200" dirty="0">
-            <a:latin typeface="Futura Lt BT"/>
-          </a:endParaRPr>
-        </a:p>
-        <a:p>
-          <a:pPr marL="228600" lvl="1" indent="-228600" algn="l" defTabSz="977900">
-            <a:lnSpc>
-              <a:spcPct val="90000"/>
-            </a:lnSpc>
-            <a:spcBef>
-              <a:spcPct val="0"/>
-            </a:spcBef>
-            <a:spcAft>
-              <a:spcPct val="15000"/>
-            </a:spcAft>
-            <a:buChar char="••"/>
-          </a:pPr>
-          <a:r>
-            <a:rPr lang="es-CL" sz="2200" kern="1200" dirty="0" smtClean="0">
-              <a:latin typeface="Futura Lt BT"/>
-            </a:rPr>
-            <a:t>Procesador Intel Xeon o AMD Opteron</a:t>
-          </a:r>
-          <a:endParaRPr lang="es-CL" sz="2200" kern="1200" dirty="0">
-            <a:latin typeface="Futura Lt BT"/>
-          </a:endParaRPr>
-        </a:p>
-        <a:p>
-          <a:pPr marL="228600" lvl="1" indent="-228600" algn="l" defTabSz="977900">
-            <a:lnSpc>
-              <a:spcPct val="90000"/>
-            </a:lnSpc>
-            <a:spcBef>
-              <a:spcPct val="0"/>
-            </a:spcBef>
-            <a:spcAft>
-              <a:spcPct val="15000"/>
-            </a:spcAft>
-            <a:buChar char="••"/>
-          </a:pPr>
-          <a:r>
-            <a:rPr lang="es-CL" sz="2200" kern="1200" dirty="0" smtClean="0">
-              <a:latin typeface="Futura Lt BT"/>
-            </a:rPr>
-            <a:t>2 GB Memoria RAM</a:t>
-          </a:r>
-          <a:endParaRPr lang="es-CL" sz="2200" kern="1200" dirty="0">
-            <a:latin typeface="Futura Lt BT"/>
-          </a:endParaRPr>
-        </a:p>
-        <a:p>
-          <a:pPr marL="228600" lvl="1" indent="-228600" algn="l" defTabSz="977900">
-            <a:lnSpc>
-              <a:spcPct val="90000"/>
-            </a:lnSpc>
-            <a:spcBef>
-              <a:spcPct val="0"/>
-            </a:spcBef>
-            <a:spcAft>
-              <a:spcPct val="15000"/>
-            </a:spcAft>
-            <a:buChar char="••"/>
-          </a:pPr>
-          <a:r>
-            <a:rPr lang="es-CL" sz="2200" kern="1200" dirty="0" smtClean="0">
-              <a:latin typeface="Futura Lt BT"/>
-            </a:rPr>
-            <a:t>Disco duro de 160 GB</a:t>
-          </a:r>
-          <a:endParaRPr lang="es-CL" sz="2200" kern="1200" dirty="0">
-            <a:latin typeface="Futura Lt BT"/>
-          </a:endParaRPr>
-        </a:p>
-        <a:p>
-          <a:pPr marL="228600" lvl="1" indent="-228600" algn="l" defTabSz="977900">
-            <a:lnSpc>
-              <a:spcPct val="90000"/>
-            </a:lnSpc>
-            <a:spcBef>
-              <a:spcPct val="0"/>
-            </a:spcBef>
-            <a:spcAft>
-              <a:spcPct val="15000"/>
-            </a:spcAft>
-            <a:buChar char="••"/>
-          </a:pPr>
-          <a:r>
-            <a:rPr lang="es-CL" sz="2200" kern="1200" dirty="0" smtClean="0">
-              <a:latin typeface="Futura Lt BT"/>
-            </a:rPr>
-            <a:t>Tarjeta Red 10/100 Mbps</a:t>
-          </a:r>
-          <a:endParaRPr lang="es-CL" sz="2200" kern="1200" dirty="0">
-            <a:latin typeface="Futura Lt BT"/>
-          </a:endParaRPr>
-        </a:p>
-      </dsp:txBody>
-      <dsp:txXfrm rot="16200000">
-        <a:off x="3688066" y="208644"/>
-        <a:ext cx="4064000" cy="3646711"/>
-      </dsp:txXfrm>
-    </dsp:sp>
   </dsp:spTree>
-</dsp:drawing>
+</dgm:drawing>
 </file>
 
 <file path=ppt/diagrams/drawing3.xml><?xml version="1.0" encoding="utf-8"?>
-<dsp:drawing xmlns:dgm="http://schemas.openxmlformats.org/drawingml/2006/diagram" xmlns:a="http://schemas.openxmlformats.org/drawingml/2006/main" xmlns:dsp="http://schemas.microsoft.com/office/drawing/2008/diagram">
-  <dsp:spTree>
+<dgm:drawing xmlns:dgm="http://schemas.openxmlformats.org/drawingml/2006/diagram" xmlns:a="http://schemas.openxmlformats.org/drawingml/2006/main">
+  <dsp:spTree xmlns:dsp="http://schemas.microsoft.com/office/drawing/2008/diagram">
     <dsp:nvGrpSpPr>
       <dsp:cNvPr id="0" name=""/>
       <dsp:cNvGrpSpPr/>
     </dsp:nvGrpSpPr>
     <dsp:grpSpPr/>
-    <dsp:sp modelId="{FC2C4C26-EB23-46B9-B79F-E4E7DFE0BE29}">
-      <dsp:nvSpPr>
-        <dsp:cNvPr id="0" name=""/>
-        <dsp:cNvSpPr/>
-      </dsp:nvSpPr>
-      <dsp:spPr>
-        <a:xfrm rot="16200000">
-          <a:off x="-457237" y="461130"/>
-          <a:ext cx="4667532" cy="3745270"/>
-        </a:xfrm>
-        <a:prstGeom prst="flowChartManualOperation">
-          <a:avLst/>
-        </a:prstGeom>
-        <a:gradFill rotWithShape="0">
-          <a:gsLst>
-            <a:gs pos="0">
-              <a:schemeClr val="lt1">
-                <a:hueOff val="0"/>
-                <a:satOff val="0"/>
-                <a:lumOff val="0"/>
-                <a:alphaOff val="0"/>
-                <a:shade val="51000"/>
-                <a:satMod val="130000"/>
-              </a:schemeClr>
-            </a:gs>
-            <a:gs pos="80000">
-              <a:schemeClr val="lt1">
-                <a:hueOff val="0"/>
-                <a:satOff val="0"/>
-                <a:lumOff val="0"/>
-                <a:alphaOff val="0"/>
-                <a:shade val="93000"/>
-                <a:satMod val="130000"/>
-              </a:schemeClr>
-            </a:gs>
-            <a:gs pos="100000">
-              <a:schemeClr val="lt1">
-                <a:hueOff val="0"/>
-                <a:satOff val="0"/>
-                <a:lumOff val="0"/>
-                <a:alphaOff val="0"/>
-                <a:shade val="94000"/>
-                <a:satMod val="135000"/>
-              </a:schemeClr>
-            </a:gs>
-          </a:gsLst>
-          <a:lin ang="16200000" scaled="0"/>
-        </a:gradFill>
-        <a:ln>
-          <a:noFill/>
-        </a:ln>
-        <a:effectLst>
-          <a:outerShdw blurRad="40000" dist="23000" dir="5400000" rotWithShape="0">
-            <a:srgbClr val="000000">
-              <a:alpha val="35000"/>
-            </a:srgbClr>
-          </a:outerShdw>
-        </a:effectLst>
-      </dsp:spPr>
-      <dsp:style>
-        <a:lnRef idx="0">
-          <a:scrgbClr r="0" g="0" b="0"/>
-        </a:lnRef>
-        <a:fillRef idx="3">
-          <a:scrgbClr r="0" g="0" b="0"/>
-        </a:fillRef>
-        <a:effectRef idx="2">
-          <a:scrgbClr r="0" g="0" b="0"/>
-        </a:effectRef>
-        <a:fontRef idx="minor">
-          <a:schemeClr val="lt1"/>
-        </a:fontRef>
-      </dsp:style>
-      <dsp:txBody>
-        <a:bodyPr spcFirstLastPara="0" vert="horz" wrap="square" lIns="146050" tIns="0" rIns="147092" bIns="0" numCol="1" spcCol="1270" anchor="t" anchorCtr="0">
-          <a:noAutofit/>
-        </a:bodyPr>
-        <a:lstStyle/>
-        <a:p>
-          <a:pPr lvl="0" algn="l" defTabSz="1022350">
-            <a:lnSpc>
-              <a:spcPct val="90000"/>
-            </a:lnSpc>
-            <a:spcBef>
-              <a:spcPct val="0"/>
-            </a:spcBef>
-            <a:spcAft>
-              <a:spcPct val="35000"/>
-            </a:spcAft>
-          </a:pPr>
-          <a:r>
-            <a:rPr lang="es-CL" sz="2300" kern="1200" dirty="0" smtClean="0">
-              <a:latin typeface="Futura Lt BT"/>
-            </a:rPr>
-            <a:t>Software</a:t>
-          </a:r>
-          <a:endParaRPr lang="es-CL" sz="2300" kern="1200" dirty="0">
-            <a:latin typeface="Futura Lt BT"/>
-          </a:endParaRPr>
-        </a:p>
-        <a:p>
-          <a:pPr marL="171450" lvl="1" indent="-171450" algn="l" defTabSz="800100">
-            <a:lnSpc>
-              <a:spcPct val="90000"/>
-            </a:lnSpc>
-            <a:spcBef>
-              <a:spcPct val="0"/>
-            </a:spcBef>
-            <a:spcAft>
-              <a:spcPct val="15000"/>
-            </a:spcAft>
-            <a:buChar char="••"/>
-          </a:pPr>
-          <a:r>
-            <a:rPr lang="es-CL" sz="1800" kern="1200" dirty="0" smtClean="0">
-              <a:latin typeface="Futura Lt BT"/>
-            </a:rPr>
-            <a:t>Windows XP o superior, o distribución Linux con ambiente grafico</a:t>
-          </a:r>
-          <a:endParaRPr lang="es-CL" sz="1800" kern="1200" dirty="0">
-            <a:latin typeface="Futura Lt BT"/>
-          </a:endParaRPr>
-        </a:p>
-        <a:p>
-          <a:pPr marL="171450" lvl="1" indent="-171450" algn="l" defTabSz="800100">
-            <a:lnSpc>
-              <a:spcPct val="90000"/>
-            </a:lnSpc>
-            <a:spcBef>
-              <a:spcPct val="0"/>
-            </a:spcBef>
-            <a:spcAft>
-              <a:spcPct val="15000"/>
-            </a:spcAft>
-            <a:buChar char="••"/>
-          </a:pPr>
-          <a:r>
-            <a:rPr lang="es-CL" sz="1800" kern="1200" dirty="0" smtClean="0">
-              <a:latin typeface="Futura Lt BT"/>
-            </a:rPr>
-            <a:t>Browser Compatible</a:t>
-          </a:r>
-          <a:endParaRPr lang="es-CL" sz="1800" kern="1200" dirty="0">
-            <a:latin typeface="Futura Lt BT"/>
-          </a:endParaRPr>
-        </a:p>
-        <a:p>
-          <a:pPr marL="342900" lvl="2" indent="-171450" algn="l" defTabSz="800100">
-            <a:lnSpc>
-              <a:spcPct val="90000"/>
-            </a:lnSpc>
-            <a:spcBef>
-              <a:spcPct val="0"/>
-            </a:spcBef>
-            <a:spcAft>
-              <a:spcPct val="15000"/>
-            </a:spcAft>
-            <a:buChar char="••"/>
-          </a:pPr>
-          <a:r>
-            <a:rPr lang="es-CL" sz="1800" kern="1200" dirty="0" smtClean="0">
-              <a:latin typeface="Futura Lt BT"/>
-            </a:rPr>
-            <a:t>Firefox 3</a:t>
-          </a:r>
-          <a:endParaRPr lang="es-CL" sz="1800" kern="1200" dirty="0">
-            <a:latin typeface="Futura Lt BT"/>
-          </a:endParaRPr>
-        </a:p>
-        <a:p>
-          <a:pPr marL="342900" lvl="2" indent="-171450" algn="l" defTabSz="800100">
-            <a:lnSpc>
-              <a:spcPct val="90000"/>
-            </a:lnSpc>
-            <a:spcBef>
-              <a:spcPct val="0"/>
-            </a:spcBef>
-            <a:spcAft>
-              <a:spcPct val="15000"/>
-            </a:spcAft>
-            <a:buChar char="••"/>
-          </a:pPr>
-          <a:r>
-            <a:rPr lang="es-CL" sz="1800" kern="1200" dirty="0" smtClean="0">
-              <a:latin typeface="Futura Lt BT"/>
-            </a:rPr>
-            <a:t>Chrome 3</a:t>
-          </a:r>
-          <a:endParaRPr lang="es-CL" sz="1800" kern="1200" dirty="0">
-            <a:latin typeface="Futura Lt BT"/>
-          </a:endParaRPr>
-        </a:p>
-        <a:p>
-          <a:pPr marL="342900" lvl="2" indent="-171450" algn="l" defTabSz="800100">
-            <a:lnSpc>
-              <a:spcPct val="90000"/>
-            </a:lnSpc>
-            <a:spcBef>
-              <a:spcPct val="0"/>
-            </a:spcBef>
-            <a:spcAft>
-              <a:spcPct val="15000"/>
-            </a:spcAft>
-            <a:buChar char="••"/>
-          </a:pPr>
-          <a:r>
-            <a:rPr lang="es-CL" sz="1800" kern="1200" dirty="0" smtClean="0">
-              <a:latin typeface="Futura Lt BT"/>
-            </a:rPr>
-            <a:t>Safari 3</a:t>
-          </a:r>
-          <a:endParaRPr lang="es-CL" sz="1800" kern="1200" dirty="0">
-            <a:latin typeface="Futura Lt BT"/>
-          </a:endParaRPr>
-        </a:p>
-        <a:p>
-          <a:pPr marL="342900" lvl="2" indent="-171450" algn="l" defTabSz="800100">
-            <a:lnSpc>
-              <a:spcPct val="90000"/>
-            </a:lnSpc>
-            <a:spcBef>
-              <a:spcPct val="0"/>
-            </a:spcBef>
-            <a:spcAft>
-              <a:spcPct val="15000"/>
-            </a:spcAft>
-            <a:buChar char="••"/>
-          </a:pPr>
-          <a:r>
-            <a:rPr lang="es-CL" sz="1800" kern="1200" dirty="0" smtClean="0">
-              <a:latin typeface="Futura Lt BT"/>
-            </a:rPr>
-            <a:t>Opera 10</a:t>
-          </a:r>
-          <a:endParaRPr lang="es-CL" sz="1800" kern="1200" dirty="0">
-            <a:latin typeface="Futura Lt BT"/>
-          </a:endParaRPr>
-        </a:p>
-        <a:p>
-          <a:pPr marL="342900" lvl="2" indent="-171450" algn="l" defTabSz="800100">
-            <a:lnSpc>
-              <a:spcPct val="90000"/>
-            </a:lnSpc>
-            <a:spcBef>
-              <a:spcPct val="0"/>
-            </a:spcBef>
-            <a:spcAft>
-              <a:spcPct val="15000"/>
-            </a:spcAft>
-            <a:buChar char="••"/>
-          </a:pPr>
-          <a:r>
-            <a:rPr lang="es-CL" sz="1800" kern="1200" dirty="0" smtClean="0">
-              <a:latin typeface="Futura Lt BT"/>
-            </a:rPr>
-            <a:t>Internet Explorer 7 u 8</a:t>
-          </a:r>
-          <a:endParaRPr lang="es-CL" sz="1800" kern="1200" dirty="0">
-            <a:latin typeface="Futura Lt BT"/>
-          </a:endParaRPr>
-        </a:p>
-      </dsp:txBody>
-      <dsp:txXfrm rot="16200000">
-        <a:off x="-457237" y="461130"/>
-        <a:ext cx="4667532" cy="3745270"/>
-      </dsp:txXfrm>
-    </dsp:sp>
-    <dsp:sp modelId="{6B7D2FE9-FA86-4E82-9996-41C9EC07B79C}">
-      <dsp:nvSpPr>
-        <dsp:cNvPr id="0" name=""/>
-        <dsp:cNvSpPr/>
-      </dsp:nvSpPr>
-      <dsp:spPr>
-        <a:xfrm rot="16200000">
-          <a:off x="3540895" y="461130"/>
-          <a:ext cx="4667532" cy="3745270"/>
-        </a:xfrm>
-        <a:prstGeom prst="flowChartManualOperation">
-          <a:avLst/>
-        </a:prstGeom>
-        <a:gradFill rotWithShape="0">
-          <a:gsLst>
-            <a:gs pos="0">
-              <a:schemeClr val="lt1">
-                <a:hueOff val="0"/>
-                <a:satOff val="0"/>
-                <a:lumOff val="0"/>
-                <a:alphaOff val="0"/>
-                <a:shade val="51000"/>
-                <a:satMod val="130000"/>
-              </a:schemeClr>
-            </a:gs>
-            <a:gs pos="80000">
-              <a:schemeClr val="lt1">
-                <a:hueOff val="0"/>
-                <a:satOff val="0"/>
-                <a:lumOff val="0"/>
-                <a:alphaOff val="0"/>
-                <a:shade val="93000"/>
-                <a:satMod val="130000"/>
-              </a:schemeClr>
-            </a:gs>
-            <a:gs pos="100000">
-              <a:schemeClr val="lt1">
-                <a:hueOff val="0"/>
-                <a:satOff val="0"/>
-                <a:lumOff val="0"/>
-                <a:alphaOff val="0"/>
-                <a:shade val="94000"/>
-                <a:satMod val="135000"/>
-              </a:schemeClr>
-            </a:gs>
-          </a:gsLst>
-          <a:lin ang="16200000" scaled="0"/>
-        </a:gradFill>
-        <a:ln>
-          <a:noFill/>
-        </a:ln>
-        <a:effectLst>
-          <a:outerShdw blurRad="40000" dist="23000" dir="5400000" rotWithShape="0">
-            <a:srgbClr val="000000">
-              <a:alpha val="35000"/>
-            </a:srgbClr>
-          </a:outerShdw>
-        </a:effectLst>
-      </dsp:spPr>
-      <dsp:style>
-        <a:lnRef idx="0">
-          <a:scrgbClr r="0" g="0" b="0"/>
-        </a:lnRef>
-        <a:fillRef idx="3">
-          <a:scrgbClr r="0" g="0" b="0"/>
-        </a:fillRef>
-        <a:effectRef idx="2">
-          <a:scrgbClr r="0" g="0" b="0"/>
-        </a:effectRef>
-        <a:fontRef idx="minor">
-          <a:schemeClr val="lt1"/>
-        </a:fontRef>
-      </dsp:style>
-      <dsp:txBody>
-        <a:bodyPr spcFirstLastPara="0" vert="horz" wrap="square" lIns="146050" tIns="0" rIns="147092" bIns="0" numCol="1" spcCol="1270" anchor="t" anchorCtr="0">
-          <a:noAutofit/>
-        </a:bodyPr>
-        <a:lstStyle/>
-        <a:p>
-          <a:pPr lvl="0" algn="l" defTabSz="1022350">
-            <a:lnSpc>
-              <a:spcPct val="90000"/>
-            </a:lnSpc>
-            <a:spcBef>
-              <a:spcPct val="0"/>
-            </a:spcBef>
-            <a:spcAft>
-              <a:spcPct val="35000"/>
-            </a:spcAft>
-          </a:pPr>
-          <a:r>
-            <a:rPr lang="es-CL" sz="2300" kern="1200" dirty="0" smtClean="0">
-              <a:latin typeface="Futura Lt BT"/>
-            </a:rPr>
-            <a:t>Hardware</a:t>
-          </a:r>
-          <a:endParaRPr lang="es-CL" sz="2300" kern="1200" dirty="0">
-            <a:latin typeface="Futura Lt BT"/>
-          </a:endParaRPr>
-        </a:p>
-        <a:p>
-          <a:pPr marL="171450" lvl="1" indent="-171450" algn="l" defTabSz="800100">
-            <a:lnSpc>
-              <a:spcPct val="90000"/>
-            </a:lnSpc>
-            <a:spcBef>
-              <a:spcPct val="0"/>
-            </a:spcBef>
-            <a:spcAft>
-              <a:spcPct val="15000"/>
-            </a:spcAft>
-            <a:buChar char="••"/>
-          </a:pPr>
-          <a:r>
-            <a:rPr lang="es-CL" sz="1800" kern="1200" dirty="0" smtClean="0">
-              <a:latin typeface="Futura Lt BT"/>
-            </a:rPr>
-            <a:t>Procesador Celeron 1.8 GHz</a:t>
-          </a:r>
-          <a:endParaRPr lang="es-CL" sz="1800" kern="1200" dirty="0">
-            <a:latin typeface="Futura Lt BT"/>
-          </a:endParaRPr>
-        </a:p>
-        <a:p>
-          <a:pPr marL="171450" lvl="1" indent="-171450" algn="l" defTabSz="800100">
-            <a:lnSpc>
-              <a:spcPct val="90000"/>
-            </a:lnSpc>
-            <a:spcBef>
-              <a:spcPct val="0"/>
-            </a:spcBef>
-            <a:spcAft>
-              <a:spcPct val="15000"/>
-            </a:spcAft>
-            <a:buChar char="••"/>
-          </a:pPr>
-          <a:r>
-            <a:rPr lang="es-CL" sz="1800" kern="1200" dirty="0" smtClean="0">
-              <a:latin typeface="Futura Lt BT"/>
-            </a:rPr>
-            <a:t>1 GB Memoria RAM</a:t>
-          </a:r>
-          <a:endParaRPr lang="es-CL" sz="1800" kern="1200" dirty="0">
-            <a:latin typeface="Futura Lt BT"/>
-          </a:endParaRPr>
-        </a:p>
-        <a:p>
-          <a:pPr marL="171450" lvl="1" indent="-171450" algn="l" defTabSz="800100">
-            <a:lnSpc>
-              <a:spcPct val="90000"/>
-            </a:lnSpc>
-            <a:spcBef>
-              <a:spcPct val="0"/>
-            </a:spcBef>
-            <a:spcAft>
-              <a:spcPct val="15000"/>
-            </a:spcAft>
-            <a:buChar char="••"/>
-          </a:pPr>
-          <a:r>
-            <a:rPr lang="es-CL" sz="1800" kern="1200" dirty="0" smtClean="0">
-              <a:latin typeface="Futura Lt BT"/>
-            </a:rPr>
-            <a:t>Disco duro de 160 GB</a:t>
-          </a:r>
-          <a:endParaRPr lang="es-CL" sz="1800" kern="1200" dirty="0">
-            <a:latin typeface="Futura Lt BT"/>
-          </a:endParaRPr>
-        </a:p>
-        <a:p>
-          <a:pPr marL="171450" lvl="1" indent="-171450" algn="l" defTabSz="800100">
-            <a:lnSpc>
-              <a:spcPct val="90000"/>
-            </a:lnSpc>
-            <a:spcBef>
-              <a:spcPct val="0"/>
-            </a:spcBef>
-            <a:spcAft>
-              <a:spcPct val="15000"/>
-            </a:spcAft>
-            <a:buChar char="••"/>
-          </a:pPr>
-          <a:r>
-            <a:rPr lang="es-CL" sz="1800" kern="1200" dirty="0" smtClean="0">
-              <a:latin typeface="Futura Lt BT"/>
-            </a:rPr>
-            <a:t>Tarjeta Red 10/100 Mbps</a:t>
-          </a:r>
-          <a:endParaRPr lang="es-CL" sz="1800" kern="1200" dirty="0">
-            <a:latin typeface="Futura Lt BT"/>
-          </a:endParaRPr>
-        </a:p>
-        <a:p>
-          <a:pPr marL="171450" lvl="1" indent="-171450" algn="l" defTabSz="800100">
-            <a:lnSpc>
-              <a:spcPct val="90000"/>
-            </a:lnSpc>
-            <a:spcBef>
-              <a:spcPct val="0"/>
-            </a:spcBef>
-            <a:spcAft>
-              <a:spcPct val="15000"/>
-            </a:spcAft>
-            <a:buChar char="••"/>
-          </a:pPr>
-          <a:r>
-            <a:rPr lang="es-CL" sz="1800" kern="1200" dirty="0" smtClean="0">
-              <a:latin typeface="Futura Lt BT"/>
-            </a:rPr>
-            <a:t>Tarjeta de Video con resolución de 1024x768</a:t>
-          </a:r>
-          <a:endParaRPr lang="es-CL" sz="1800" kern="1200" dirty="0">
-            <a:latin typeface="Futura Lt BT"/>
-          </a:endParaRPr>
-        </a:p>
-      </dsp:txBody>
-      <dsp:txXfrm rot="16200000">
-        <a:off x="3540895" y="461130"/>
-        <a:ext cx="4667532" cy="3745270"/>
-      </dsp:txXfrm>
-    </dsp:sp>
   </dsp:spTree>
-</dsp:drawing>
+</dgm:drawing>
 </file>
 
 <file path=ppt/diagrams/drawing4.xml><?xml version="1.0" encoding="utf-8"?>
-<dsp:drawing xmlns:dgm="http://schemas.openxmlformats.org/drawingml/2006/diagram" xmlns:a="http://schemas.openxmlformats.org/drawingml/2006/main" xmlns:dsp="http://schemas.microsoft.com/office/drawing/2008/diagram">
-  <dsp:spTree>
+<dgm:drawing xmlns:dgm="http://schemas.openxmlformats.org/drawingml/2006/diagram" xmlns:a="http://schemas.openxmlformats.org/drawingml/2006/main">
+  <dsp:spTree xmlns:dsp="http://schemas.microsoft.com/office/drawing/2008/diagram">
     <dsp:nvGrpSpPr>
       <dsp:cNvPr id="0" name=""/>
       <dsp:cNvGrpSpPr/>
     </dsp:nvGrpSpPr>
     <dsp:grpSpPr/>
-    <dsp:sp modelId="{1F4999A6-8239-4781-8813-D424C1999DB7}">
-      <dsp:nvSpPr>
-        <dsp:cNvPr id="0" name=""/>
-        <dsp:cNvSpPr/>
-      </dsp:nvSpPr>
-      <dsp:spPr>
-        <a:xfrm>
-          <a:off x="1051740" y="1745"/>
-          <a:ext cx="2069648" cy="1034824"/>
-        </a:xfrm>
-        <a:prstGeom prst="roundRect">
-          <a:avLst>
-            <a:gd name="adj" fmla="val 10000"/>
-          </a:avLst>
-        </a:prstGeom>
-        <a:gradFill rotWithShape="0">
-          <a:gsLst>
-            <a:gs pos="0">
-              <a:schemeClr val="lt1">
-                <a:hueOff val="0"/>
-                <a:satOff val="0"/>
-                <a:lumOff val="0"/>
-                <a:alphaOff val="0"/>
-                <a:shade val="51000"/>
-                <a:satMod val="130000"/>
-              </a:schemeClr>
-            </a:gs>
-            <a:gs pos="80000">
-              <a:schemeClr val="lt1">
-                <a:hueOff val="0"/>
-                <a:satOff val="0"/>
-                <a:lumOff val="0"/>
-                <a:alphaOff val="0"/>
-                <a:shade val="93000"/>
-                <a:satMod val="130000"/>
-              </a:schemeClr>
-            </a:gs>
-            <a:gs pos="100000">
-              <a:schemeClr val="lt1">
-                <a:hueOff val="0"/>
-                <a:satOff val="0"/>
-                <a:lumOff val="0"/>
-                <a:alphaOff val="0"/>
-                <a:shade val="94000"/>
-                <a:satMod val="135000"/>
-              </a:schemeClr>
-            </a:gs>
-          </a:gsLst>
-          <a:lin ang="16200000" scaled="0"/>
-        </a:gradFill>
-        <a:ln>
-          <a:noFill/>
-        </a:ln>
-        <a:effectLst>
-          <a:outerShdw blurRad="40000" dist="23000" dir="5400000" rotWithShape="0">
-            <a:srgbClr val="000000">
-              <a:alpha val="35000"/>
-            </a:srgbClr>
-          </a:outerShdw>
-        </a:effectLst>
-      </dsp:spPr>
-      <dsp:style>
-        <a:lnRef idx="0">
-          <a:scrgbClr r="0" g="0" b="0"/>
-        </a:lnRef>
-        <a:fillRef idx="3">
-          <a:scrgbClr r="0" g="0" b="0"/>
-        </a:fillRef>
-        <a:effectRef idx="2">
-          <a:scrgbClr r="0" g="0" b="0"/>
-        </a:effectRef>
-        <a:fontRef idx="minor">
-          <a:schemeClr val="lt1"/>
-        </a:fontRef>
-      </dsp:style>
-      <dsp:txBody>
-        <a:bodyPr spcFirstLastPara="0" vert="horz" wrap="square" lIns="43815" tIns="29210" rIns="43815" bIns="29210" numCol="1" spcCol="1270" anchor="ctr" anchorCtr="0">
-          <a:noAutofit/>
-        </a:bodyPr>
-        <a:lstStyle/>
-        <a:p>
-          <a:pPr lvl="0" algn="ctr" defTabSz="1022350">
-            <a:lnSpc>
-              <a:spcPct val="90000"/>
-            </a:lnSpc>
-            <a:spcBef>
-              <a:spcPct val="0"/>
-            </a:spcBef>
-            <a:spcAft>
-              <a:spcPct val="35000"/>
-            </a:spcAft>
-          </a:pPr>
-          <a:r>
-            <a:rPr lang="es-CL" sz="2300" kern="1200" dirty="0" smtClean="0">
-              <a:latin typeface="Futura Lt BT"/>
-            </a:rPr>
-            <a:t>Servidor Windows 2003</a:t>
-          </a:r>
-          <a:endParaRPr lang="es-CL" sz="2300" kern="1200" dirty="0">
-            <a:latin typeface="Futura Lt BT"/>
-          </a:endParaRPr>
-        </a:p>
-      </dsp:txBody>
-      <dsp:txXfrm>
-        <a:off x="1051740" y="1745"/>
-        <a:ext cx="2069648" cy="1034824"/>
-      </dsp:txXfrm>
-    </dsp:sp>
-    <dsp:sp modelId="{F04531A8-0E0E-456F-8029-5DF1AED475F4}">
-      <dsp:nvSpPr>
-        <dsp:cNvPr id="0" name=""/>
-        <dsp:cNvSpPr/>
-      </dsp:nvSpPr>
-      <dsp:spPr>
-        <a:xfrm>
-          <a:off x="1258705" y="1036569"/>
-          <a:ext cx="206964" cy="776118"/>
-        </a:xfrm>
-        <a:custGeom>
-          <a:avLst/>
-          <a:gdLst/>
-          <a:ahLst/>
-          <a:cxnLst/>
-          <a:rect l="0" t="0" r="0" b="0"/>
-          <a:pathLst>
-            <a:path>
-              <a:moveTo>
-                <a:pt x="0" y="0"/>
-              </a:moveTo>
-              <a:lnTo>
-                <a:pt x="0" y="776118"/>
-              </a:lnTo>
-              <a:lnTo>
-                <a:pt x="206964" y="776118"/>
-              </a:lnTo>
-            </a:path>
-          </a:pathLst>
-        </a:custGeom>
-        <a:noFill/>
-        <a:ln w="9525" cap="flat" cmpd="sng" algn="ctr">
-          <a:solidFill>
-            <a:schemeClr val="dk1">
-              <a:shade val="60000"/>
-              <a:hueOff val="0"/>
-              <a:satOff val="0"/>
-              <a:lumOff val="0"/>
-              <a:alphaOff val="0"/>
-            </a:schemeClr>
-          </a:solidFill>
-          <a:prstDash val="solid"/>
-        </a:ln>
-        <a:effectLst/>
-      </dsp:spPr>
-      <dsp:style>
-        <a:lnRef idx="1">
-          <a:scrgbClr r="0" g="0" b="0"/>
-        </a:lnRef>
-        <a:fillRef idx="0">
-          <a:scrgbClr r="0" g="0" b="0"/>
-        </a:fillRef>
-        <a:effectRef idx="0">
-          <a:scrgbClr r="0" g="0" b="0"/>
-        </a:effectRef>
-        <a:fontRef idx="minor"/>
-      </dsp:style>
-    </dsp:sp>
-    <dsp:sp modelId="{0BC3153B-8F28-4275-89FA-295C7B170D4D}">
-      <dsp:nvSpPr>
-        <dsp:cNvPr id="0" name=""/>
-        <dsp:cNvSpPr/>
-      </dsp:nvSpPr>
-      <dsp:spPr>
-        <a:xfrm>
-          <a:off x="1465670" y="1295275"/>
-          <a:ext cx="1655718" cy="1034824"/>
-        </a:xfrm>
-        <a:prstGeom prst="roundRect">
-          <a:avLst>
-            <a:gd name="adj" fmla="val 10000"/>
-          </a:avLst>
-        </a:prstGeom>
-        <a:solidFill>
-          <a:schemeClr val="dk1">
-            <a:alpha val="90000"/>
-            <a:tint val="40000"/>
-            <a:hueOff val="0"/>
-            <a:satOff val="0"/>
-            <a:lumOff val="0"/>
-            <a:alphaOff val="0"/>
-          </a:schemeClr>
-        </a:solidFill>
-        <a:ln w="9525" cap="flat" cmpd="sng" algn="ctr">
-          <a:solidFill>
-            <a:schemeClr val="dk1">
-              <a:hueOff val="0"/>
-              <a:satOff val="0"/>
-              <a:lumOff val="0"/>
-              <a:alphaOff val="0"/>
-            </a:schemeClr>
-          </a:solidFill>
-          <a:prstDash val="solid"/>
-        </a:ln>
-        <a:effectLst/>
-      </dsp:spPr>
-      <dsp:style>
-        <a:lnRef idx="1">
-          <a:scrgbClr r="0" g="0" b="0"/>
-        </a:lnRef>
-        <a:fillRef idx="1">
-          <a:scrgbClr r="0" g="0" b="0"/>
-        </a:fillRef>
-        <a:effectRef idx="0">
-          <a:scrgbClr r="0" g="0" b="0"/>
-        </a:effectRef>
-        <a:fontRef idx="minor"/>
-      </dsp:style>
-      <dsp:txBody>
-        <a:bodyPr spcFirstLastPara="0" vert="horz" wrap="square" lIns="34290" tIns="22860" rIns="34290" bIns="22860" numCol="1" spcCol="1270" anchor="t" anchorCtr="0">
-          <a:noAutofit/>
-        </a:bodyPr>
-        <a:lstStyle/>
-        <a:p>
-          <a:pPr lvl="0" algn="l" defTabSz="800100">
-            <a:lnSpc>
-              <a:spcPct val="90000"/>
-            </a:lnSpc>
-            <a:spcBef>
-              <a:spcPct val="0"/>
-            </a:spcBef>
-            <a:spcAft>
-              <a:spcPct val="35000"/>
-            </a:spcAft>
-          </a:pPr>
-          <a:r>
-            <a:rPr lang="es-CL" sz="1800" kern="1200" dirty="0" smtClean="0">
-              <a:latin typeface="Futura Lt BT"/>
-            </a:rPr>
-            <a:t>SQL Server 2005 Estándar</a:t>
-          </a:r>
-          <a:endParaRPr lang="es-CL" sz="1800" kern="1200" dirty="0">
-            <a:latin typeface="Futura Lt BT"/>
-          </a:endParaRPr>
-        </a:p>
-        <a:p>
-          <a:pPr marL="114300" lvl="1" indent="-114300" algn="l" defTabSz="622300">
-            <a:lnSpc>
-              <a:spcPct val="90000"/>
-            </a:lnSpc>
-            <a:spcBef>
-              <a:spcPct val="0"/>
-            </a:spcBef>
-            <a:spcAft>
-              <a:spcPct val="15000"/>
-            </a:spcAft>
-            <a:buChar char="••"/>
-          </a:pPr>
-          <a:r>
-            <a:rPr lang="es-CL" sz="1400" kern="1200" dirty="0" smtClean="0">
-              <a:latin typeface="Futura Lt BT"/>
-            </a:rPr>
-            <a:t>$1.427.570</a:t>
-          </a:r>
-          <a:endParaRPr lang="es-CL" sz="1400" kern="1200" dirty="0">
-            <a:latin typeface="Futura Lt BT"/>
-          </a:endParaRPr>
-        </a:p>
-      </dsp:txBody>
-      <dsp:txXfrm>
-        <a:off x="1465670" y="1295275"/>
-        <a:ext cx="1655718" cy="1034824"/>
-      </dsp:txXfrm>
-    </dsp:sp>
-    <dsp:sp modelId="{68061971-2FEF-4ACD-8852-8391D8261656}">
-      <dsp:nvSpPr>
-        <dsp:cNvPr id="0" name=""/>
-        <dsp:cNvSpPr/>
-      </dsp:nvSpPr>
-      <dsp:spPr>
-        <a:xfrm>
-          <a:off x="1258705" y="1036569"/>
-          <a:ext cx="206964" cy="2069648"/>
-        </a:xfrm>
-        <a:custGeom>
-          <a:avLst/>
-          <a:gdLst/>
-          <a:ahLst/>
-          <a:cxnLst/>
-          <a:rect l="0" t="0" r="0" b="0"/>
-          <a:pathLst>
-            <a:path>
-              <a:moveTo>
-                <a:pt x="0" y="0"/>
-              </a:moveTo>
-              <a:lnTo>
-                <a:pt x="0" y="2069648"/>
-              </a:lnTo>
-              <a:lnTo>
-                <a:pt x="206964" y="2069648"/>
-              </a:lnTo>
-            </a:path>
-          </a:pathLst>
-        </a:custGeom>
-        <a:noFill/>
-        <a:ln w="9525" cap="flat" cmpd="sng" algn="ctr">
-          <a:solidFill>
-            <a:schemeClr val="dk1">
-              <a:shade val="60000"/>
-              <a:hueOff val="0"/>
-              <a:satOff val="0"/>
-              <a:lumOff val="0"/>
-              <a:alphaOff val="0"/>
-            </a:schemeClr>
-          </a:solidFill>
-          <a:prstDash val="solid"/>
-        </a:ln>
-        <a:effectLst/>
-      </dsp:spPr>
-      <dsp:style>
-        <a:lnRef idx="1">
-          <a:scrgbClr r="0" g="0" b="0"/>
-        </a:lnRef>
-        <a:fillRef idx="0">
-          <a:scrgbClr r="0" g="0" b="0"/>
-        </a:fillRef>
-        <a:effectRef idx="0">
-          <a:scrgbClr r="0" g="0" b="0"/>
-        </a:effectRef>
-        <a:fontRef idx="minor"/>
-      </dsp:style>
-    </dsp:sp>
-    <dsp:sp modelId="{59A576FD-DEA1-4973-B0CA-89D07BC9EE75}">
-      <dsp:nvSpPr>
-        <dsp:cNvPr id="0" name=""/>
-        <dsp:cNvSpPr/>
-      </dsp:nvSpPr>
-      <dsp:spPr>
-        <a:xfrm>
-          <a:off x="1465670" y="2588806"/>
-          <a:ext cx="1655718" cy="1034824"/>
-        </a:xfrm>
-        <a:prstGeom prst="roundRect">
-          <a:avLst>
-            <a:gd name="adj" fmla="val 10000"/>
-          </a:avLst>
-        </a:prstGeom>
-        <a:solidFill>
-          <a:schemeClr val="dk1">
-            <a:alpha val="90000"/>
-            <a:tint val="40000"/>
-            <a:hueOff val="0"/>
-            <a:satOff val="0"/>
-            <a:lumOff val="0"/>
-            <a:alphaOff val="0"/>
-          </a:schemeClr>
-        </a:solidFill>
-        <a:ln w="9525" cap="flat" cmpd="sng" algn="ctr">
-          <a:solidFill>
-            <a:schemeClr val="dk1">
-              <a:hueOff val="0"/>
-              <a:satOff val="0"/>
-              <a:lumOff val="0"/>
-              <a:alphaOff val="0"/>
-            </a:schemeClr>
-          </a:solidFill>
-          <a:prstDash val="solid"/>
-        </a:ln>
-        <a:effectLst/>
-      </dsp:spPr>
-      <dsp:style>
-        <a:lnRef idx="1">
-          <a:scrgbClr r="0" g="0" b="0"/>
-        </a:lnRef>
-        <a:fillRef idx="1">
-          <a:scrgbClr r="0" g="0" b="0"/>
-        </a:fillRef>
-        <a:effectRef idx="0">
-          <a:scrgbClr r="0" g="0" b="0"/>
-        </a:effectRef>
-        <a:fontRef idx="minor"/>
-      </dsp:style>
-      <dsp:txBody>
-        <a:bodyPr spcFirstLastPara="0" vert="horz" wrap="square" lIns="34290" tIns="22860" rIns="34290" bIns="22860" numCol="1" spcCol="1270" anchor="t" anchorCtr="0">
-          <a:noAutofit/>
-        </a:bodyPr>
-        <a:lstStyle/>
-        <a:p>
-          <a:pPr lvl="0" algn="l" defTabSz="800100">
-            <a:lnSpc>
-              <a:spcPct val="90000"/>
-            </a:lnSpc>
-            <a:spcBef>
-              <a:spcPct val="0"/>
-            </a:spcBef>
-            <a:spcAft>
-              <a:spcPct val="35000"/>
-            </a:spcAft>
-          </a:pPr>
-          <a:r>
-            <a:rPr lang="es-CL" sz="1800" kern="1200" dirty="0" smtClean="0">
-              <a:latin typeface="Futura Lt BT"/>
-            </a:rPr>
-            <a:t>SQL Server 2005 Express</a:t>
-          </a:r>
-          <a:endParaRPr lang="es-CL" sz="1800" kern="1200" dirty="0">
-            <a:latin typeface="Futura Lt BT"/>
-          </a:endParaRPr>
-        </a:p>
-        <a:p>
-          <a:pPr marL="114300" lvl="1" indent="-114300" algn="l" defTabSz="622300">
-            <a:lnSpc>
-              <a:spcPct val="90000"/>
-            </a:lnSpc>
-            <a:spcBef>
-              <a:spcPct val="0"/>
-            </a:spcBef>
-            <a:spcAft>
-              <a:spcPct val="15000"/>
-            </a:spcAft>
-            <a:buChar char="••"/>
-          </a:pPr>
-          <a:r>
-            <a:rPr lang="es-CL" sz="1400" kern="1200" dirty="0" smtClean="0">
-              <a:latin typeface="Futura Lt BT"/>
-            </a:rPr>
-            <a:t>$757.570</a:t>
-          </a:r>
-          <a:endParaRPr lang="es-CL" sz="1400" kern="1200" dirty="0">
-            <a:latin typeface="Futura Lt BT"/>
-          </a:endParaRPr>
-        </a:p>
-      </dsp:txBody>
-      <dsp:txXfrm>
-        <a:off x="1465670" y="2588806"/>
-        <a:ext cx="1655718" cy="1034824"/>
-      </dsp:txXfrm>
-    </dsp:sp>
-    <dsp:sp modelId="{CEE56D0B-B5B3-4DC1-B7C4-3E4B6CE09745}">
-      <dsp:nvSpPr>
-        <dsp:cNvPr id="0" name=""/>
-        <dsp:cNvSpPr/>
-      </dsp:nvSpPr>
-      <dsp:spPr>
-        <a:xfrm>
-          <a:off x="3638801" y="1745"/>
-          <a:ext cx="2069648" cy="1034824"/>
-        </a:xfrm>
-        <a:prstGeom prst="roundRect">
-          <a:avLst>
-            <a:gd name="adj" fmla="val 10000"/>
-          </a:avLst>
-        </a:prstGeom>
-        <a:gradFill rotWithShape="0">
-          <a:gsLst>
-            <a:gs pos="0">
-              <a:schemeClr val="lt1">
-                <a:hueOff val="0"/>
-                <a:satOff val="0"/>
-                <a:lumOff val="0"/>
-                <a:alphaOff val="0"/>
-                <a:shade val="51000"/>
-                <a:satMod val="130000"/>
-              </a:schemeClr>
-            </a:gs>
-            <a:gs pos="80000">
-              <a:schemeClr val="lt1">
-                <a:hueOff val="0"/>
-                <a:satOff val="0"/>
-                <a:lumOff val="0"/>
-                <a:alphaOff val="0"/>
-                <a:shade val="93000"/>
-                <a:satMod val="130000"/>
-              </a:schemeClr>
-            </a:gs>
-            <a:gs pos="100000">
-              <a:schemeClr val="lt1">
-                <a:hueOff val="0"/>
-                <a:satOff val="0"/>
-                <a:lumOff val="0"/>
-                <a:alphaOff val="0"/>
-                <a:shade val="94000"/>
-                <a:satMod val="135000"/>
-              </a:schemeClr>
-            </a:gs>
-          </a:gsLst>
-          <a:lin ang="16200000" scaled="0"/>
-        </a:gradFill>
-        <a:ln>
-          <a:noFill/>
-        </a:ln>
-        <a:effectLst>
-          <a:outerShdw blurRad="40000" dist="23000" dir="5400000" rotWithShape="0">
-            <a:srgbClr val="000000">
-              <a:alpha val="35000"/>
-            </a:srgbClr>
-          </a:outerShdw>
-        </a:effectLst>
-      </dsp:spPr>
-      <dsp:style>
-        <a:lnRef idx="0">
-          <a:scrgbClr r="0" g="0" b="0"/>
-        </a:lnRef>
-        <a:fillRef idx="3">
-          <a:scrgbClr r="0" g="0" b="0"/>
-        </a:fillRef>
-        <a:effectRef idx="2">
-          <a:scrgbClr r="0" g="0" b="0"/>
-        </a:effectRef>
-        <a:fontRef idx="minor">
-          <a:schemeClr val="lt1"/>
-        </a:fontRef>
-      </dsp:style>
-      <dsp:txBody>
-        <a:bodyPr spcFirstLastPara="0" vert="horz" wrap="square" lIns="43815" tIns="29210" rIns="43815" bIns="29210" numCol="1" spcCol="1270" anchor="ctr" anchorCtr="0">
-          <a:noAutofit/>
-        </a:bodyPr>
-        <a:lstStyle/>
-        <a:p>
-          <a:pPr lvl="0" algn="ctr" defTabSz="1022350">
-            <a:lnSpc>
-              <a:spcPct val="90000"/>
-            </a:lnSpc>
-            <a:spcBef>
-              <a:spcPct val="0"/>
-            </a:spcBef>
-            <a:spcAft>
-              <a:spcPct val="35000"/>
-            </a:spcAft>
-          </a:pPr>
-          <a:r>
-            <a:rPr lang="es-CL" sz="2300" kern="1200" dirty="0" smtClean="0">
-              <a:latin typeface="Futura Lt BT"/>
-            </a:rPr>
-            <a:t>Estación de trabajo</a:t>
-          </a:r>
-          <a:endParaRPr lang="es-CL" sz="2300" kern="1200" dirty="0">
-            <a:latin typeface="Futura Lt BT"/>
-          </a:endParaRPr>
-        </a:p>
-      </dsp:txBody>
-      <dsp:txXfrm>
-        <a:off x="3638801" y="1745"/>
-        <a:ext cx="2069648" cy="1034824"/>
-      </dsp:txXfrm>
-    </dsp:sp>
-    <dsp:sp modelId="{669266AF-E596-40CA-B9F3-BAFD198E1E3F}">
-      <dsp:nvSpPr>
-        <dsp:cNvPr id="0" name=""/>
-        <dsp:cNvSpPr/>
-      </dsp:nvSpPr>
-      <dsp:spPr>
-        <a:xfrm>
-          <a:off x="3845765" y="1036569"/>
-          <a:ext cx="206964" cy="776118"/>
-        </a:xfrm>
-        <a:custGeom>
-          <a:avLst/>
-          <a:gdLst/>
-          <a:ahLst/>
-          <a:cxnLst/>
-          <a:rect l="0" t="0" r="0" b="0"/>
-          <a:pathLst>
-            <a:path>
-              <a:moveTo>
-                <a:pt x="0" y="0"/>
-              </a:moveTo>
-              <a:lnTo>
-                <a:pt x="0" y="776118"/>
-              </a:lnTo>
-              <a:lnTo>
-                <a:pt x="206964" y="776118"/>
-              </a:lnTo>
-            </a:path>
-          </a:pathLst>
-        </a:custGeom>
-        <a:noFill/>
-        <a:ln w="9525" cap="flat" cmpd="sng" algn="ctr">
-          <a:solidFill>
-            <a:schemeClr val="dk1">
-              <a:shade val="60000"/>
-              <a:hueOff val="0"/>
-              <a:satOff val="0"/>
-              <a:lumOff val="0"/>
-              <a:alphaOff val="0"/>
-            </a:schemeClr>
-          </a:solidFill>
-          <a:prstDash val="solid"/>
-        </a:ln>
-        <a:effectLst/>
-      </dsp:spPr>
-      <dsp:style>
-        <a:lnRef idx="1">
-          <a:scrgbClr r="0" g="0" b="0"/>
-        </a:lnRef>
-        <a:fillRef idx="0">
-          <a:scrgbClr r="0" g="0" b="0"/>
-        </a:fillRef>
-        <a:effectRef idx="0">
-          <a:scrgbClr r="0" g="0" b="0"/>
-        </a:effectRef>
-        <a:fontRef idx="minor"/>
-      </dsp:style>
-    </dsp:sp>
-    <dsp:sp modelId="{97C6F11A-5991-412B-8918-0D15E3AC825F}">
-      <dsp:nvSpPr>
-        <dsp:cNvPr id="0" name=""/>
-        <dsp:cNvSpPr/>
-      </dsp:nvSpPr>
-      <dsp:spPr>
-        <a:xfrm>
-          <a:off x="4052730" y="1295275"/>
-          <a:ext cx="1655718" cy="1034824"/>
-        </a:xfrm>
-        <a:prstGeom prst="roundRect">
-          <a:avLst>
-            <a:gd name="adj" fmla="val 10000"/>
-          </a:avLst>
-        </a:prstGeom>
-        <a:solidFill>
-          <a:schemeClr val="dk1">
-            <a:alpha val="90000"/>
-            <a:tint val="40000"/>
-            <a:hueOff val="0"/>
-            <a:satOff val="0"/>
-            <a:lumOff val="0"/>
-            <a:alphaOff val="0"/>
-          </a:schemeClr>
-        </a:solidFill>
-        <a:ln w="9525" cap="flat" cmpd="sng" algn="ctr">
-          <a:solidFill>
-            <a:schemeClr val="dk1">
-              <a:hueOff val="0"/>
-              <a:satOff val="0"/>
-              <a:lumOff val="0"/>
-              <a:alphaOff val="0"/>
-            </a:schemeClr>
-          </a:solidFill>
-          <a:prstDash val="solid"/>
-        </a:ln>
-        <a:effectLst/>
-      </dsp:spPr>
-      <dsp:style>
-        <a:lnRef idx="1">
-          <a:scrgbClr r="0" g="0" b="0"/>
-        </a:lnRef>
-        <a:fillRef idx="1">
-          <a:scrgbClr r="0" g="0" b="0"/>
-        </a:fillRef>
-        <a:effectRef idx="0">
-          <a:scrgbClr r="0" g="0" b="0"/>
-        </a:effectRef>
-        <a:fontRef idx="minor"/>
-      </dsp:style>
-      <dsp:txBody>
-        <a:bodyPr spcFirstLastPara="0" vert="horz" wrap="square" lIns="34290" tIns="22860" rIns="34290" bIns="22860" numCol="1" spcCol="1270" anchor="t" anchorCtr="0">
-          <a:noAutofit/>
-        </a:bodyPr>
-        <a:lstStyle/>
-        <a:p>
-          <a:pPr lvl="0" algn="l" defTabSz="800100">
-            <a:lnSpc>
-              <a:spcPct val="90000"/>
-            </a:lnSpc>
-            <a:spcBef>
-              <a:spcPct val="0"/>
-            </a:spcBef>
-            <a:spcAft>
-              <a:spcPct val="35000"/>
-            </a:spcAft>
-          </a:pPr>
-          <a:r>
-            <a:rPr lang="es-CL" sz="1800" kern="1200" dirty="0" smtClean="0">
-              <a:latin typeface="Futura Lt BT"/>
-            </a:rPr>
-            <a:t>Con Windows XP</a:t>
-          </a:r>
-          <a:endParaRPr lang="es-CL" sz="1800" kern="1200" dirty="0">
-            <a:latin typeface="Futura Lt BT"/>
-          </a:endParaRPr>
-        </a:p>
-        <a:p>
-          <a:pPr marL="114300" lvl="1" indent="-114300" algn="l" defTabSz="622300">
-            <a:lnSpc>
-              <a:spcPct val="90000"/>
-            </a:lnSpc>
-            <a:spcBef>
-              <a:spcPct val="0"/>
-            </a:spcBef>
-            <a:spcAft>
-              <a:spcPct val="15000"/>
-            </a:spcAft>
-            <a:buChar char="••"/>
-          </a:pPr>
-          <a:r>
-            <a:rPr lang="es-CL" sz="1400" kern="1200" dirty="0" smtClean="0">
-              <a:latin typeface="Futura Lt BT"/>
-            </a:rPr>
-            <a:t>$366.137</a:t>
-          </a:r>
-          <a:endParaRPr lang="es-CL" sz="1400" kern="1200" dirty="0">
-            <a:latin typeface="Futura Lt BT"/>
-          </a:endParaRPr>
-        </a:p>
-      </dsp:txBody>
-      <dsp:txXfrm>
-        <a:off x="4052730" y="1295275"/>
-        <a:ext cx="1655718" cy="1034824"/>
-      </dsp:txXfrm>
-    </dsp:sp>
-    <dsp:sp modelId="{34A1F7D0-9E75-4E0D-8D40-3106DAC779EC}">
-      <dsp:nvSpPr>
-        <dsp:cNvPr id="0" name=""/>
-        <dsp:cNvSpPr/>
-      </dsp:nvSpPr>
-      <dsp:spPr>
-        <a:xfrm>
-          <a:off x="3845765" y="1036569"/>
-          <a:ext cx="206964" cy="2069648"/>
-        </a:xfrm>
-        <a:custGeom>
-          <a:avLst/>
-          <a:gdLst/>
-          <a:ahLst/>
-          <a:cxnLst/>
-          <a:rect l="0" t="0" r="0" b="0"/>
-          <a:pathLst>
-            <a:path>
-              <a:moveTo>
-                <a:pt x="0" y="0"/>
-              </a:moveTo>
-              <a:lnTo>
-                <a:pt x="0" y="2069648"/>
-              </a:lnTo>
-              <a:lnTo>
-                <a:pt x="206964" y="2069648"/>
-              </a:lnTo>
-            </a:path>
-          </a:pathLst>
-        </a:custGeom>
-        <a:noFill/>
-        <a:ln w="9525" cap="flat" cmpd="sng" algn="ctr">
-          <a:solidFill>
-            <a:schemeClr val="dk1">
-              <a:shade val="60000"/>
-              <a:hueOff val="0"/>
-              <a:satOff val="0"/>
-              <a:lumOff val="0"/>
-              <a:alphaOff val="0"/>
-            </a:schemeClr>
-          </a:solidFill>
-          <a:prstDash val="solid"/>
-        </a:ln>
-        <a:effectLst/>
-      </dsp:spPr>
-      <dsp:style>
-        <a:lnRef idx="1">
-          <a:scrgbClr r="0" g="0" b="0"/>
-        </a:lnRef>
-        <a:fillRef idx="0">
-          <a:scrgbClr r="0" g="0" b="0"/>
-        </a:fillRef>
-        <a:effectRef idx="0">
-          <a:scrgbClr r="0" g="0" b="0"/>
-        </a:effectRef>
-        <a:fontRef idx="minor"/>
-      </dsp:style>
-    </dsp:sp>
-    <dsp:sp modelId="{C98D2BE6-398C-4DC5-B4E1-62EBCCB9DEC5}">
-      <dsp:nvSpPr>
-        <dsp:cNvPr id="0" name=""/>
-        <dsp:cNvSpPr/>
-      </dsp:nvSpPr>
-      <dsp:spPr>
-        <a:xfrm>
-          <a:off x="4052730" y="2588806"/>
-          <a:ext cx="1655718" cy="1034824"/>
-        </a:xfrm>
-        <a:prstGeom prst="roundRect">
-          <a:avLst>
-            <a:gd name="adj" fmla="val 10000"/>
-          </a:avLst>
-        </a:prstGeom>
-        <a:solidFill>
-          <a:schemeClr val="dk1">
-            <a:alpha val="90000"/>
-            <a:tint val="40000"/>
-            <a:hueOff val="0"/>
-            <a:satOff val="0"/>
-            <a:lumOff val="0"/>
-            <a:alphaOff val="0"/>
-          </a:schemeClr>
-        </a:solidFill>
-        <a:ln w="9525" cap="flat" cmpd="sng" algn="ctr">
-          <a:solidFill>
-            <a:schemeClr val="dk1">
-              <a:hueOff val="0"/>
-              <a:satOff val="0"/>
-              <a:lumOff val="0"/>
-              <a:alphaOff val="0"/>
-            </a:schemeClr>
-          </a:solidFill>
-          <a:prstDash val="solid"/>
-        </a:ln>
-        <a:effectLst/>
-      </dsp:spPr>
-      <dsp:style>
-        <a:lnRef idx="1">
-          <a:scrgbClr r="0" g="0" b="0"/>
-        </a:lnRef>
-        <a:fillRef idx="1">
-          <a:scrgbClr r="0" g="0" b="0"/>
-        </a:fillRef>
-        <a:effectRef idx="0">
-          <a:scrgbClr r="0" g="0" b="0"/>
-        </a:effectRef>
-        <a:fontRef idx="minor"/>
-      </dsp:style>
-      <dsp:txBody>
-        <a:bodyPr spcFirstLastPara="0" vert="horz" wrap="square" lIns="34290" tIns="22860" rIns="34290" bIns="22860" numCol="1" spcCol="1270" anchor="t" anchorCtr="0">
-          <a:noAutofit/>
-        </a:bodyPr>
-        <a:lstStyle/>
-        <a:p>
-          <a:pPr lvl="0" algn="l" defTabSz="800100">
-            <a:lnSpc>
-              <a:spcPct val="90000"/>
-            </a:lnSpc>
-            <a:spcBef>
-              <a:spcPct val="0"/>
-            </a:spcBef>
-            <a:spcAft>
-              <a:spcPct val="35000"/>
-            </a:spcAft>
-          </a:pPr>
-          <a:r>
-            <a:rPr lang="es-CL" sz="1800" kern="1200" dirty="0" smtClean="0">
-              <a:latin typeface="Futura Lt BT"/>
-            </a:rPr>
-            <a:t>Sin sistema operativo</a:t>
-          </a:r>
-          <a:endParaRPr lang="es-CL" sz="1800" kern="1200" dirty="0">
-            <a:latin typeface="Futura Lt BT"/>
-          </a:endParaRPr>
-        </a:p>
-        <a:p>
-          <a:pPr marL="114300" lvl="1" indent="-114300" algn="l" defTabSz="622300">
-            <a:lnSpc>
-              <a:spcPct val="90000"/>
-            </a:lnSpc>
-            <a:spcBef>
-              <a:spcPct val="0"/>
-            </a:spcBef>
-            <a:spcAft>
-              <a:spcPct val="15000"/>
-            </a:spcAft>
-            <a:buChar char="••"/>
-          </a:pPr>
-          <a:r>
-            <a:rPr lang="es-CL" sz="1400" kern="1200" dirty="0" smtClean="0">
-              <a:latin typeface="Futura Lt BT"/>
-            </a:rPr>
-            <a:t>$259.765</a:t>
-          </a:r>
-          <a:endParaRPr lang="es-CL" sz="1400" kern="1200" dirty="0">
-            <a:latin typeface="Futura Lt BT"/>
-          </a:endParaRPr>
-        </a:p>
-      </dsp:txBody>
-      <dsp:txXfrm>
-        <a:off x="4052730" y="2588806"/>
-        <a:ext cx="1655718" cy="1034824"/>
-      </dsp:txXfrm>
-    </dsp:sp>
   </dsp:spTree>
-</dsp:drawing>
+</dgm:drawing>
 </file>
 
 <file path=ppt/diagrams/drawing5.xml><?xml version="1.0" encoding="utf-8"?>
-<dsp:drawing xmlns:dgm="http://schemas.openxmlformats.org/drawingml/2006/diagram" xmlns:a="http://schemas.openxmlformats.org/drawingml/2006/main" xmlns:dsp="http://schemas.microsoft.com/office/drawing/2008/diagram">
-  <dsp:spTree>
+<dgm:drawing xmlns:dgm="http://schemas.openxmlformats.org/drawingml/2006/diagram" xmlns:a="http://schemas.openxmlformats.org/drawingml/2006/main">
+  <dsp:spTree xmlns:dsp="http://schemas.microsoft.com/office/drawing/2008/diagram">
     <dsp:nvGrpSpPr>
       <dsp:cNvPr id="0" name=""/>
       <dsp:cNvGrpSpPr/>
     </dsp:nvGrpSpPr>
     <dsp:grpSpPr/>
-    <dsp:sp modelId="{25C28955-7066-4C2E-BFD1-AC5B4C6E6806}">
-      <dsp:nvSpPr>
-        <dsp:cNvPr id="0" name=""/>
-        <dsp:cNvSpPr/>
-      </dsp:nvSpPr>
-      <dsp:spPr>
-        <a:xfrm>
-          <a:off x="893" y="2947"/>
-          <a:ext cx="8456413" cy="883130"/>
-        </a:xfrm>
-        <a:prstGeom prst="roundRect">
-          <a:avLst>
-            <a:gd name="adj" fmla="val 10000"/>
-          </a:avLst>
-        </a:prstGeom>
-        <a:gradFill rotWithShape="0">
-          <a:gsLst>
-            <a:gs pos="0">
-              <a:schemeClr val="lt1">
-                <a:hueOff val="0"/>
-                <a:satOff val="0"/>
-                <a:lumOff val="0"/>
-                <a:alphaOff val="0"/>
-                <a:shade val="51000"/>
-                <a:satMod val="130000"/>
-              </a:schemeClr>
-            </a:gs>
-            <a:gs pos="80000">
-              <a:schemeClr val="lt1">
-                <a:hueOff val="0"/>
-                <a:satOff val="0"/>
-                <a:lumOff val="0"/>
-                <a:alphaOff val="0"/>
-                <a:shade val="93000"/>
-                <a:satMod val="130000"/>
-              </a:schemeClr>
-            </a:gs>
-            <a:gs pos="100000">
-              <a:schemeClr val="lt1">
-                <a:hueOff val="0"/>
-                <a:satOff val="0"/>
-                <a:lumOff val="0"/>
-                <a:alphaOff val="0"/>
-                <a:shade val="94000"/>
-                <a:satMod val="135000"/>
-              </a:schemeClr>
-            </a:gs>
-          </a:gsLst>
-          <a:lin ang="16200000" scaled="0"/>
-        </a:gradFill>
-        <a:ln>
-          <a:noFill/>
-        </a:ln>
-        <a:effectLst>
-          <a:outerShdw blurRad="40000" dist="23000" dir="5400000" rotWithShape="0">
-            <a:srgbClr val="000000">
-              <a:alpha val="35000"/>
-            </a:srgbClr>
-          </a:outerShdw>
-        </a:effectLst>
-        <a:scene3d>
-          <a:camera prst="orthographicFront"/>
-          <a:lightRig rig="threePt" dir="t">
-            <a:rot lat="0" lon="0" rev="7500000"/>
-          </a:lightRig>
-        </a:scene3d>
-        <a:sp3d prstMaterial="plastic">
-          <a:bevelT w="127000" h="25400" prst="relaxedInset"/>
-        </a:sp3d>
-      </dsp:spPr>
-      <dsp:style>
-        <a:lnRef idx="0">
-          <a:scrgbClr r="0" g="0" b="0"/>
-        </a:lnRef>
-        <a:fillRef idx="3">
-          <a:scrgbClr r="0" g="0" b="0"/>
-        </a:fillRef>
-        <a:effectRef idx="2">
-          <a:scrgbClr r="0" g="0" b="0"/>
-        </a:effectRef>
-        <a:fontRef idx="minor">
-          <a:schemeClr val="lt1"/>
-        </a:fontRef>
-      </dsp:style>
-      <dsp:txBody>
-        <a:bodyPr spcFirstLastPara="0" vert="horz" wrap="square" lIns="144780" tIns="144780" rIns="144780" bIns="144780" numCol="1" spcCol="1270" anchor="ctr" anchorCtr="0">
-          <a:noAutofit/>
-        </a:bodyPr>
-        <a:lstStyle/>
-        <a:p>
-          <a:pPr lvl="0" algn="ctr" defTabSz="1689100">
-            <a:lnSpc>
-              <a:spcPct val="90000"/>
-            </a:lnSpc>
-            <a:spcBef>
-              <a:spcPct val="0"/>
-            </a:spcBef>
-            <a:spcAft>
-              <a:spcPct val="35000"/>
-            </a:spcAft>
-          </a:pPr>
-          <a:r>
-            <a:rPr lang="es-CL" sz="3800" b="1" kern="1200" dirty="0" smtClean="0">
-              <a:effectLst/>
-              <a:latin typeface="Calibri" pitchFamily="34" charset="0"/>
-              <a:cs typeface="Calibri" pitchFamily="34" charset="0"/>
-            </a:rPr>
-            <a:t>Servidor Windows Server 2003</a:t>
-          </a:r>
-          <a:endParaRPr lang="es-CL" sz="3800" b="1" kern="1200" dirty="0">
-            <a:effectLst/>
-            <a:latin typeface="Calibri" pitchFamily="34" charset="0"/>
-            <a:cs typeface="Calibri" pitchFamily="34" charset="0"/>
-          </a:endParaRPr>
-        </a:p>
-      </dsp:txBody>
-      <dsp:txXfrm>
-        <a:off x="893" y="2947"/>
-        <a:ext cx="8456413" cy="883130"/>
-      </dsp:txXfrm>
-    </dsp:sp>
-    <dsp:sp modelId="{40309438-7423-4300-AFFA-25C817D86DDD}">
-      <dsp:nvSpPr>
-        <dsp:cNvPr id="0" name=""/>
-        <dsp:cNvSpPr/>
-      </dsp:nvSpPr>
-      <dsp:spPr>
-        <a:xfrm>
-          <a:off x="893" y="973733"/>
-          <a:ext cx="1022170" cy="883130"/>
-        </a:xfrm>
-        <a:prstGeom prst="roundRect">
-          <a:avLst>
-            <a:gd name="adj" fmla="val 10000"/>
-          </a:avLst>
-        </a:prstGeom>
-        <a:gradFill rotWithShape="0">
-          <a:gsLst>
-            <a:gs pos="0">
-              <a:schemeClr val="lt1">
-                <a:hueOff val="0"/>
-                <a:satOff val="0"/>
-                <a:lumOff val="0"/>
-                <a:alphaOff val="0"/>
-                <a:shade val="51000"/>
-                <a:satMod val="130000"/>
-              </a:schemeClr>
-            </a:gs>
-            <a:gs pos="80000">
-              <a:schemeClr val="lt1">
-                <a:hueOff val="0"/>
-                <a:satOff val="0"/>
-                <a:lumOff val="0"/>
-                <a:alphaOff val="0"/>
-                <a:shade val="93000"/>
-                <a:satMod val="130000"/>
-              </a:schemeClr>
-            </a:gs>
-            <a:gs pos="100000">
-              <a:schemeClr val="lt1">
-                <a:hueOff val="0"/>
-                <a:satOff val="0"/>
-                <a:lumOff val="0"/>
-                <a:alphaOff val="0"/>
-                <a:shade val="94000"/>
-                <a:satMod val="135000"/>
-              </a:schemeClr>
-            </a:gs>
-          </a:gsLst>
-          <a:lin ang="16200000" scaled="0"/>
-        </a:gradFill>
-        <a:ln>
-          <a:noFill/>
-        </a:ln>
-        <a:effectLst>
-          <a:outerShdw blurRad="40000" dist="23000" dir="5400000" rotWithShape="0">
-            <a:srgbClr val="000000">
-              <a:alpha val="35000"/>
-            </a:srgbClr>
-          </a:outerShdw>
-        </a:effectLst>
-        <a:scene3d>
-          <a:camera prst="orthographicFront"/>
-          <a:lightRig rig="threePt" dir="t">
-            <a:rot lat="0" lon="0" rev="7500000"/>
-          </a:lightRig>
-        </a:scene3d>
-        <a:sp3d prstMaterial="plastic">
-          <a:bevelT w="127000" h="25400" prst="relaxedInset"/>
-        </a:sp3d>
-      </dsp:spPr>
-      <dsp:style>
-        <a:lnRef idx="0">
-          <a:scrgbClr r="0" g="0" b="0"/>
-        </a:lnRef>
-        <a:fillRef idx="3">
-          <a:scrgbClr r="0" g="0" b="0"/>
-        </a:fillRef>
-        <a:effectRef idx="2">
-          <a:scrgbClr r="0" g="0" b="0"/>
-        </a:effectRef>
-        <a:fontRef idx="minor">
-          <a:schemeClr val="lt1"/>
-        </a:fontRef>
-      </dsp:style>
-      <dsp:txBody>
-        <a:bodyPr spcFirstLastPara="0" vert="horz" wrap="square" lIns="68580" tIns="68580" rIns="68580" bIns="68580" numCol="1" spcCol="1270" anchor="ctr" anchorCtr="0">
-          <a:noAutofit/>
-        </a:bodyPr>
-        <a:lstStyle/>
-        <a:p>
-          <a:pPr lvl="0" algn="ctr" defTabSz="800100">
-            <a:lnSpc>
-              <a:spcPct val="90000"/>
-            </a:lnSpc>
-            <a:spcBef>
-              <a:spcPct val="0"/>
-            </a:spcBef>
-            <a:spcAft>
-              <a:spcPct val="35000"/>
-            </a:spcAft>
-          </a:pPr>
-          <a:r>
-            <a:rPr lang="es-CL" sz="1800" b="1" kern="1200" dirty="0" smtClean="0">
-              <a:latin typeface="Calibri" pitchFamily="34" charset="0"/>
-              <a:cs typeface="Calibri" pitchFamily="34" charset="0"/>
-            </a:rPr>
-            <a:t>IIS 6</a:t>
-          </a:r>
-          <a:endParaRPr lang="es-CL" sz="1800" b="1" kern="1200" dirty="0">
-            <a:latin typeface="Calibri" pitchFamily="34" charset="0"/>
-            <a:cs typeface="Calibri" pitchFamily="34" charset="0"/>
-          </a:endParaRPr>
-        </a:p>
-      </dsp:txBody>
-      <dsp:txXfrm>
-        <a:off x="893" y="973733"/>
-        <a:ext cx="1022170" cy="883130"/>
-      </dsp:txXfrm>
-    </dsp:sp>
-    <dsp:sp modelId="{7F7F210A-07D7-480E-AE58-DB716CBE9009}">
-      <dsp:nvSpPr>
-        <dsp:cNvPr id="0" name=""/>
-        <dsp:cNvSpPr/>
-      </dsp:nvSpPr>
-      <dsp:spPr>
-        <a:xfrm>
-          <a:off x="1108925" y="973733"/>
-          <a:ext cx="1022170" cy="883130"/>
-        </a:xfrm>
-        <a:prstGeom prst="roundRect">
-          <a:avLst>
-            <a:gd name="adj" fmla="val 10000"/>
-          </a:avLst>
-        </a:prstGeom>
-        <a:gradFill rotWithShape="0">
-          <a:gsLst>
-            <a:gs pos="0">
-              <a:schemeClr val="lt1">
-                <a:hueOff val="0"/>
-                <a:satOff val="0"/>
-                <a:lumOff val="0"/>
-                <a:alphaOff val="0"/>
-                <a:shade val="51000"/>
-                <a:satMod val="130000"/>
-              </a:schemeClr>
-            </a:gs>
-            <a:gs pos="80000">
-              <a:schemeClr val="lt1">
-                <a:hueOff val="0"/>
-                <a:satOff val="0"/>
-                <a:lumOff val="0"/>
-                <a:alphaOff val="0"/>
-                <a:shade val="93000"/>
-                <a:satMod val="130000"/>
-              </a:schemeClr>
-            </a:gs>
-            <a:gs pos="100000">
-              <a:schemeClr val="lt1">
-                <a:hueOff val="0"/>
-                <a:satOff val="0"/>
-                <a:lumOff val="0"/>
-                <a:alphaOff val="0"/>
-                <a:shade val="94000"/>
-                <a:satMod val="135000"/>
-              </a:schemeClr>
-            </a:gs>
-          </a:gsLst>
-          <a:lin ang="16200000" scaled="0"/>
-        </a:gradFill>
-        <a:ln>
-          <a:noFill/>
-        </a:ln>
-        <a:effectLst>
-          <a:outerShdw blurRad="40000" dist="23000" dir="5400000" rotWithShape="0">
-            <a:srgbClr val="000000">
-              <a:alpha val="35000"/>
-            </a:srgbClr>
-          </a:outerShdw>
-        </a:effectLst>
-        <a:scene3d>
-          <a:camera prst="orthographicFront"/>
-          <a:lightRig rig="threePt" dir="t">
-            <a:rot lat="0" lon="0" rev="7500000"/>
-          </a:lightRig>
-        </a:scene3d>
-        <a:sp3d prstMaterial="plastic">
-          <a:bevelT w="127000" h="25400" prst="relaxedInset"/>
-        </a:sp3d>
-      </dsp:spPr>
-      <dsp:style>
-        <a:lnRef idx="0">
-          <a:scrgbClr r="0" g="0" b="0"/>
-        </a:lnRef>
-        <a:fillRef idx="3">
-          <a:scrgbClr r="0" g="0" b="0"/>
-        </a:fillRef>
-        <a:effectRef idx="2">
-          <a:scrgbClr r="0" g="0" b="0"/>
-        </a:effectRef>
-        <a:fontRef idx="minor">
-          <a:schemeClr val="lt1"/>
-        </a:fontRef>
-      </dsp:style>
-      <dsp:txBody>
-        <a:bodyPr spcFirstLastPara="0" vert="horz" wrap="square" lIns="53340" tIns="53340" rIns="53340" bIns="53340" numCol="1" spcCol="1270" anchor="ctr" anchorCtr="0">
-          <a:noAutofit/>
-        </a:bodyPr>
-        <a:lstStyle/>
-        <a:p>
-          <a:pPr lvl="0" algn="ctr" defTabSz="622300">
-            <a:lnSpc>
-              <a:spcPct val="90000"/>
-            </a:lnSpc>
-            <a:spcBef>
-              <a:spcPct val="0"/>
-            </a:spcBef>
-            <a:spcAft>
-              <a:spcPct val="35000"/>
-            </a:spcAft>
-          </a:pPr>
-          <a:r>
-            <a:rPr lang="es-CL" sz="1400" b="1" kern="1200" dirty="0" smtClean="0">
-              <a:latin typeface="Calibri" pitchFamily="34" charset="0"/>
-              <a:cs typeface="Calibri" pitchFamily="34" charset="0"/>
-            </a:rPr>
-            <a:t>SQL Server</a:t>
-          </a:r>
-          <a:endParaRPr lang="es-CL" sz="1400" b="1" kern="1200" dirty="0">
-            <a:latin typeface="Calibri" pitchFamily="34" charset="0"/>
-            <a:cs typeface="Calibri" pitchFamily="34" charset="0"/>
-          </a:endParaRPr>
-        </a:p>
-      </dsp:txBody>
-      <dsp:txXfrm>
-        <a:off x="1108925" y="973733"/>
-        <a:ext cx="1022170" cy="883130"/>
-      </dsp:txXfrm>
-    </dsp:sp>
-    <dsp:sp modelId="{AADBF77C-178E-4139-8C67-FCE5DFA99823}">
-      <dsp:nvSpPr>
-        <dsp:cNvPr id="0" name=""/>
-        <dsp:cNvSpPr/>
-      </dsp:nvSpPr>
-      <dsp:spPr>
-        <a:xfrm>
-          <a:off x="2216958" y="973733"/>
-          <a:ext cx="6240348" cy="883130"/>
-        </a:xfrm>
-        <a:prstGeom prst="roundRect">
-          <a:avLst>
-            <a:gd name="adj" fmla="val 10000"/>
-          </a:avLst>
-        </a:prstGeom>
-        <a:gradFill rotWithShape="0">
-          <a:gsLst>
-            <a:gs pos="0">
-              <a:schemeClr val="lt1">
-                <a:hueOff val="0"/>
-                <a:satOff val="0"/>
-                <a:lumOff val="0"/>
-                <a:alphaOff val="0"/>
-                <a:shade val="51000"/>
-                <a:satMod val="130000"/>
-              </a:schemeClr>
-            </a:gs>
-            <a:gs pos="80000">
-              <a:schemeClr val="lt1">
-                <a:hueOff val="0"/>
-                <a:satOff val="0"/>
-                <a:lumOff val="0"/>
-                <a:alphaOff val="0"/>
-                <a:shade val="93000"/>
-                <a:satMod val="130000"/>
-              </a:schemeClr>
-            </a:gs>
-            <a:gs pos="100000">
-              <a:schemeClr val="lt1">
-                <a:hueOff val="0"/>
-                <a:satOff val="0"/>
-                <a:lumOff val="0"/>
-                <a:alphaOff val="0"/>
-                <a:shade val="94000"/>
-                <a:satMod val="135000"/>
-              </a:schemeClr>
-            </a:gs>
-          </a:gsLst>
-          <a:lin ang="16200000" scaled="0"/>
-        </a:gradFill>
-        <a:ln>
-          <a:noFill/>
-        </a:ln>
-        <a:effectLst>
-          <a:outerShdw blurRad="40000" dist="23000" dir="5400000" rotWithShape="0">
-            <a:srgbClr val="000000">
-              <a:alpha val="35000"/>
-            </a:srgbClr>
-          </a:outerShdw>
-        </a:effectLst>
-        <a:scene3d>
-          <a:camera prst="orthographicFront"/>
-          <a:lightRig rig="threePt" dir="t">
-            <a:rot lat="0" lon="0" rev="7500000"/>
-          </a:lightRig>
-        </a:scene3d>
-        <a:sp3d prstMaterial="plastic">
-          <a:bevelT w="127000" h="25400" prst="relaxedInset"/>
-        </a:sp3d>
-      </dsp:spPr>
-      <dsp:style>
-        <a:lnRef idx="0">
-          <a:scrgbClr r="0" g="0" b="0"/>
-        </a:lnRef>
-        <a:fillRef idx="3">
-          <a:scrgbClr r="0" g="0" b="0"/>
-        </a:fillRef>
-        <a:effectRef idx="2">
-          <a:scrgbClr r="0" g="0" b="0"/>
-        </a:effectRef>
-        <a:fontRef idx="minor">
-          <a:schemeClr val="lt1"/>
-        </a:fontRef>
-      </dsp:style>
-      <dsp:txBody>
-        <a:bodyPr spcFirstLastPara="0" vert="horz" wrap="square" lIns="91440" tIns="91440" rIns="91440" bIns="91440" numCol="1" spcCol="1270" anchor="ctr" anchorCtr="0">
-          <a:noAutofit/>
-        </a:bodyPr>
-        <a:lstStyle/>
-        <a:p>
-          <a:pPr lvl="0" algn="ctr" defTabSz="1066800">
-            <a:lnSpc>
-              <a:spcPct val="90000"/>
-            </a:lnSpc>
-            <a:spcBef>
-              <a:spcPct val="0"/>
-            </a:spcBef>
-            <a:spcAft>
-              <a:spcPct val="35000"/>
-            </a:spcAft>
-          </a:pPr>
-          <a:r>
-            <a:rPr lang="es-CL" sz="2400" b="1" kern="1200" dirty="0" smtClean="0">
-              <a:latin typeface="Calibri" pitchFamily="34" charset="0"/>
-              <a:cs typeface="Calibri" pitchFamily="34" charset="0"/>
-            </a:rPr>
-            <a:t>.Net 3.5 SP1</a:t>
-          </a:r>
-          <a:endParaRPr lang="es-CL" sz="2400" b="1" kern="1200" dirty="0">
-            <a:latin typeface="Calibri" pitchFamily="34" charset="0"/>
-            <a:cs typeface="Calibri" pitchFamily="34" charset="0"/>
-          </a:endParaRPr>
-        </a:p>
-      </dsp:txBody>
-      <dsp:txXfrm>
-        <a:off x="2216958" y="973733"/>
-        <a:ext cx="6240348" cy="883130"/>
-      </dsp:txXfrm>
-    </dsp:sp>
-    <dsp:sp modelId="{611BF421-F454-4287-A431-48516D67493F}">
-      <dsp:nvSpPr>
-        <dsp:cNvPr id="0" name=""/>
-        <dsp:cNvSpPr/>
-      </dsp:nvSpPr>
-      <dsp:spPr>
-        <a:xfrm>
-          <a:off x="2216958" y="1944518"/>
-          <a:ext cx="6240348" cy="883130"/>
-        </a:xfrm>
-        <a:prstGeom prst="roundRect">
-          <a:avLst>
-            <a:gd name="adj" fmla="val 10000"/>
-          </a:avLst>
-        </a:prstGeom>
-        <a:gradFill rotWithShape="0">
-          <a:gsLst>
-            <a:gs pos="0">
-              <a:schemeClr val="lt1">
-                <a:hueOff val="0"/>
-                <a:satOff val="0"/>
-                <a:lumOff val="0"/>
-                <a:alphaOff val="0"/>
-                <a:shade val="51000"/>
-                <a:satMod val="130000"/>
-              </a:schemeClr>
-            </a:gs>
-            <a:gs pos="80000">
-              <a:schemeClr val="lt1">
-                <a:hueOff val="0"/>
-                <a:satOff val="0"/>
-                <a:lumOff val="0"/>
-                <a:alphaOff val="0"/>
-                <a:shade val="93000"/>
-                <a:satMod val="130000"/>
-              </a:schemeClr>
-            </a:gs>
-            <a:gs pos="100000">
-              <a:schemeClr val="lt1">
-                <a:hueOff val="0"/>
-                <a:satOff val="0"/>
-                <a:lumOff val="0"/>
-                <a:alphaOff val="0"/>
-                <a:shade val="94000"/>
-                <a:satMod val="135000"/>
-              </a:schemeClr>
-            </a:gs>
-          </a:gsLst>
-          <a:lin ang="16200000" scaled="0"/>
-        </a:gradFill>
-        <a:ln>
-          <a:noFill/>
-        </a:ln>
-        <a:effectLst>
-          <a:outerShdw blurRad="40000" dist="23000" dir="5400000" rotWithShape="0">
-            <a:srgbClr val="000000">
-              <a:alpha val="35000"/>
-            </a:srgbClr>
-          </a:outerShdw>
-        </a:effectLst>
-        <a:scene3d>
-          <a:camera prst="orthographicFront"/>
-          <a:lightRig rig="threePt" dir="t">
-            <a:rot lat="0" lon="0" rev="7500000"/>
-          </a:lightRig>
-        </a:scene3d>
-        <a:sp3d prstMaterial="plastic">
-          <a:bevelT w="127000" h="25400" prst="relaxedInset"/>
-        </a:sp3d>
-      </dsp:spPr>
-      <dsp:style>
-        <a:lnRef idx="0">
-          <a:scrgbClr r="0" g="0" b="0"/>
-        </a:lnRef>
-        <a:fillRef idx="3">
-          <a:scrgbClr r="0" g="0" b="0"/>
-        </a:fillRef>
-        <a:effectRef idx="2">
-          <a:scrgbClr r="0" g="0" b="0"/>
-        </a:effectRef>
-        <a:fontRef idx="minor">
-          <a:schemeClr val="lt1"/>
-        </a:fontRef>
-      </dsp:style>
-      <dsp:txBody>
-        <a:bodyPr spcFirstLastPara="0" vert="horz" wrap="square" lIns="144780" tIns="144780" rIns="144780" bIns="144780" numCol="1" spcCol="1270" anchor="ctr" anchorCtr="0">
-          <a:noAutofit/>
-        </a:bodyPr>
-        <a:lstStyle/>
-        <a:p>
-          <a:pPr lvl="0" algn="ctr" defTabSz="1689100">
-            <a:lnSpc>
-              <a:spcPct val="90000"/>
-            </a:lnSpc>
-            <a:spcBef>
-              <a:spcPct val="0"/>
-            </a:spcBef>
-            <a:spcAft>
-              <a:spcPct val="35000"/>
-            </a:spcAft>
-          </a:pPr>
-          <a:r>
-            <a:rPr lang="es-CL" sz="3800" b="1" kern="1200" dirty="0" smtClean="0">
-              <a:latin typeface="Calibri" pitchFamily="34" charset="0"/>
-              <a:cs typeface="Calibri" pitchFamily="34" charset="0"/>
-            </a:rPr>
-            <a:t>SIGSET</a:t>
-          </a:r>
-          <a:endParaRPr lang="es-CL" sz="3800" b="1" kern="1200" dirty="0">
-            <a:latin typeface="Calibri" pitchFamily="34" charset="0"/>
-            <a:cs typeface="Calibri" pitchFamily="34" charset="0"/>
-          </a:endParaRPr>
-        </a:p>
-      </dsp:txBody>
-      <dsp:txXfrm>
-        <a:off x="2216958" y="1944518"/>
-        <a:ext cx="6240348" cy="883130"/>
-      </dsp:txXfrm>
-    </dsp:sp>
-    <dsp:sp modelId="{952EDF37-CE28-4FE6-8BD5-FC4293EA5855}">
-      <dsp:nvSpPr>
-        <dsp:cNvPr id="0" name=""/>
-        <dsp:cNvSpPr/>
-      </dsp:nvSpPr>
-      <dsp:spPr>
-        <a:xfrm>
-          <a:off x="2216958" y="2915303"/>
-          <a:ext cx="1022170" cy="883130"/>
-        </a:xfrm>
-        <a:prstGeom prst="roundRect">
-          <a:avLst>
-            <a:gd name="adj" fmla="val 10000"/>
-          </a:avLst>
-        </a:prstGeom>
-        <a:gradFill rotWithShape="0">
-          <a:gsLst>
-            <a:gs pos="0">
-              <a:schemeClr val="lt1">
-                <a:hueOff val="0"/>
-                <a:satOff val="0"/>
-                <a:lumOff val="0"/>
-                <a:alphaOff val="0"/>
-                <a:shade val="51000"/>
-                <a:satMod val="130000"/>
-              </a:schemeClr>
-            </a:gs>
-            <a:gs pos="80000">
-              <a:schemeClr val="lt1">
-                <a:hueOff val="0"/>
-                <a:satOff val="0"/>
-                <a:lumOff val="0"/>
-                <a:alphaOff val="0"/>
-                <a:shade val="93000"/>
-                <a:satMod val="130000"/>
-              </a:schemeClr>
-            </a:gs>
-            <a:gs pos="100000">
-              <a:schemeClr val="lt1">
-                <a:hueOff val="0"/>
-                <a:satOff val="0"/>
-                <a:lumOff val="0"/>
-                <a:alphaOff val="0"/>
-                <a:shade val="94000"/>
-                <a:satMod val="135000"/>
-              </a:schemeClr>
-            </a:gs>
-          </a:gsLst>
-          <a:lin ang="16200000" scaled="0"/>
-        </a:gradFill>
-        <a:ln>
-          <a:noFill/>
-        </a:ln>
-        <a:effectLst>
-          <a:outerShdw blurRad="40000" dist="23000" dir="5400000" rotWithShape="0">
-            <a:srgbClr val="000000">
-              <a:alpha val="35000"/>
-            </a:srgbClr>
-          </a:outerShdw>
-        </a:effectLst>
-        <a:scene3d>
-          <a:camera prst="orthographicFront"/>
-          <a:lightRig rig="threePt" dir="t">
-            <a:rot lat="0" lon="0" rev="7500000"/>
-          </a:lightRig>
-        </a:scene3d>
-        <a:sp3d prstMaterial="plastic">
-          <a:bevelT w="127000" h="25400" prst="relaxedInset"/>
-        </a:sp3d>
-      </dsp:spPr>
-      <dsp:style>
-        <a:lnRef idx="0">
-          <a:scrgbClr r="0" g="0" b="0"/>
-        </a:lnRef>
-        <a:fillRef idx="3">
-          <a:scrgbClr r="0" g="0" b="0"/>
-        </a:fillRef>
-        <a:effectRef idx="2">
-          <a:scrgbClr r="0" g="0" b="0"/>
-        </a:effectRef>
-        <a:fontRef idx="minor">
-          <a:schemeClr val="lt1"/>
-        </a:fontRef>
-      </dsp:style>
-      <dsp:txBody>
-        <a:bodyPr spcFirstLastPara="0" vert="horz" wrap="square" lIns="60960" tIns="60960" rIns="60960" bIns="60960" numCol="1" spcCol="1270" anchor="ctr" anchorCtr="0">
-          <a:noAutofit/>
-        </a:bodyPr>
-        <a:lstStyle/>
-        <a:p>
-          <a:pPr lvl="0" algn="ctr" defTabSz="711200">
-            <a:lnSpc>
-              <a:spcPct val="90000"/>
-            </a:lnSpc>
-            <a:spcBef>
-              <a:spcPct val="0"/>
-            </a:spcBef>
-            <a:spcAft>
-              <a:spcPct val="35000"/>
-            </a:spcAft>
-          </a:pPr>
-          <a:r>
-            <a:rPr lang="es-CL" sz="1600" b="1" kern="1200" dirty="0" smtClean="0">
-              <a:latin typeface="Calibri" pitchFamily="34" charset="0"/>
-              <a:cs typeface="Calibri" pitchFamily="34" charset="0"/>
-            </a:rPr>
-            <a:t>DATA</a:t>
-          </a:r>
-          <a:endParaRPr lang="es-CL" sz="1600" b="1" kern="1200" dirty="0">
-            <a:latin typeface="Calibri" pitchFamily="34" charset="0"/>
-            <a:cs typeface="Calibri" pitchFamily="34" charset="0"/>
-          </a:endParaRPr>
-        </a:p>
-      </dsp:txBody>
-      <dsp:txXfrm>
-        <a:off x="2216958" y="2915303"/>
-        <a:ext cx="1022170" cy="883130"/>
-      </dsp:txXfrm>
-    </dsp:sp>
-    <dsp:sp modelId="{F3CD9F44-478F-4DA4-8E9B-26D44E92D5FC}">
-      <dsp:nvSpPr>
-        <dsp:cNvPr id="0" name=""/>
-        <dsp:cNvSpPr/>
-      </dsp:nvSpPr>
-      <dsp:spPr>
-        <a:xfrm>
-          <a:off x="2216958" y="3886088"/>
-          <a:ext cx="1022170" cy="883130"/>
-        </a:xfrm>
-        <a:prstGeom prst="roundRect">
-          <a:avLst>
-            <a:gd name="adj" fmla="val 10000"/>
-          </a:avLst>
-        </a:prstGeom>
-        <a:gradFill rotWithShape="0">
-          <a:gsLst>
-            <a:gs pos="0">
-              <a:schemeClr val="lt1">
-                <a:hueOff val="0"/>
-                <a:satOff val="0"/>
-                <a:lumOff val="0"/>
-                <a:alphaOff val="0"/>
-                <a:shade val="51000"/>
-                <a:satMod val="130000"/>
-              </a:schemeClr>
-            </a:gs>
-            <a:gs pos="80000">
-              <a:schemeClr val="lt1">
-                <a:hueOff val="0"/>
-                <a:satOff val="0"/>
-                <a:lumOff val="0"/>
-                <a:alphaOff val="0"/>
-                <a:shade val="93000"/>
-                <a:satMod val="130000"/>
-              </a:schemeClr>
-            </a:gs>
-            <a:gs pos="100000">
-              <a:schemeClr val="lt1">
-                <a:hueOff val="0"/>
-                <a:satOff val="0"/>
-                <a:lumOff val="0"/>
-                <a:alphaOff val="0"/>
-                <a:shade val="94000"/>
-                <a:satMod val="135000"/>
-              </a:schemeClr>
-            </a:gs>
-          </a:gsLst>
-          <a:lin ang="16200000" scaled="0"/>
-        </a:gradFill>
-        <a:ln>
-          <a:noFill/>
-        </a:ln>
-        <a:effectLst>
-          <a:outerShdw blurRad="40000" dist="23000" dir="5400000" rotWithShape="0">
-            <a:srgbClr val="000000">
-              <a:alpha val="35000"/>
-            </a:srgbClr>
-          </a:outerShdw>
-        </a:effectLst>
-        <a:scene3d>
-          <a:camera prst="orthographicFront"/>
-          <a:lightRig rig="threePt" dir="t">
-            <a:rot lat="0" lon="0" rev="7500000"/>
-          </a:lightRig>
-        </a:scene3d>
-        <a:sp3d prstMaterial="plastic">
-          <a:bevelT w="127000" h="25400" prst="relaxedInset"/>
-        </a:sp3d>
-      </dsp:spPr>
-      <dsp:style>
-        <a:lnRef idx="0">
-          <a:scrgbClr r="0" g="0" b="0"/>
-        </a:lnRef>
-        <a:fillRef idx="3">
-          <a:scrgbClr r="0" g="0" b="0"/>
-        </a:fillRef>
-        <a:effectRef idx="2">
-          <a:scrgbClr r="0" g="0" b="0"/>
-        </a:effectRef>
-        <a:fontRef idx="minor">
-          <a:schemeClr val="lt1"/>
-        </a:fontRef>
-      </dsp:style>
-      <dsp:txBody>
-        <a:bodyPr spcFirstLastPara="0" vert="horz" wrap="square" lIns="60960" tIns="60960" rIns="60960" bIns="60960" numCol="1" spcCol="1270" anchor="ctr" anchorCtr="0">
-          <a:noAutofit/>
-        </a:bodyPr>
-        <a:lstStyle/>
-        <a:p>
-          <a:pPr lvl="0" algn="ctr" defTabSz="711200">
-            <a:lnSpc>
-              <a:spcPct val="90000"/>
-            </a:lnSpc>
-            <a:spcBef>
-              <a:spcPct val="0"/>
-            </a:spcBef>
-            <a:spcAft>
-              <a:spcPct val="35000"/>
-            </a:spcAft>
-          </a:pPr>
-          <a:r>
-            <a:rPr lang="es-CL" sz="1600" b="1" kern="1200" dirty="0" smtClean="0">
-              <a:latin typeface="Calibri" pitchFamily="34" charset="0"/>
-              <a:cs typeface="Calibri" pitchFamily="34" charset="0"/>
-            </a:rPr>
-            <a:t>Linq To SQL</a:t>
-          </a:r>
-          <a:endParaRPr lang="es-CL" sz="1600" b="1" kern="1200" dirty="0">
-            <a:latin typeface="Calibri" pitchFamily="34" charset="0"/>
-            <a:cs typeface="Calibri" pitchFamily="34" charset="0"/>
-          </a:endParaRPr>
-        </a:p>
-      </dsp:txBody>
-      <dsp:txXfrm>
-        <a:off x="2216958" y="3886088"/>
-        <a:ext cx="1022170" cy="883130"/>
-      </dsp:txXfrm>
-    </dsp:sp>
-    <dsp:sp modelId="{244A69D9-6CC8-4087-AF96-9B56DD27CD25}">
-      <dsp:nvSpPr>
-        <dsp:cNvPr id="0" name=""/>
-        <dsp:cNvSpPr/>
-      </dsp:nvSpPr>
-      <dsp:spPr>
-        <a:xfrm>
-          <a:off x="3260593" y="2915303"/>
-          <a:ext cx="1022170" cy="883130"/>
-        </a:xfrm>
-        <a:prstGeom prst="roundRect">
-          <a:avLst>
-            <a:gd name="adj" fmla="val 10000"/>
-          </a:avLst>
-        </a:prstGeom>
-        <a:gradFill rotWithShape="0">
-          <a:gsLst>
-            <a:gs pos="0">
-              <a:schemeClr val="lt1">
-                <a:hueOff val="0"/>
-                <a:satOff val="0"/>
-                <a:lumOff val="0"/>
-                <a:alphaOff val="0"/>
-                <a:shade val="51000"/>
-                <a:satMod val="130000"/>
-              </a:schemeClr>
-            </a:gs>
-            <a:gs pos="80000">
-              <a:schemeClr val="lt1">
-                <a:hueOff val="0"/>
-                <a:satOff val="0"/>
-                <a:lumOff val="0"/>
-                <a:alphaOff val="0"/>
-                <a:shade val="93000"/>
-                <a:satMod val="130000"/>
-              </a:schemeClr>
-            </a:gs>
-            <a:gs pos="100000">
-              <a:schemeClr val="lt1">
-                <a:hueOff val="0"/>
-                <a:satOff val="0"/>
-                <a:lumOff val="0"/>
-                <a:alphaOff val="0"/>
-                <a:shade val="94000"/>
-                <a:satMod val="135000"/>
-              </a:schemeClr>
-            </a:gs>
-          </a:gsLst>
-          <a:lin ang="16200000" scaled="0"/>
-        </a:gradFill>
-        <a:ln>
-          <a:noFill/>
-        </a:ln>
-        <a:effectLst>
-          <a:outerShdw blurRad="40000" dist="23000" dir="5400000" rotWithShape="0">
-            <a:srgbClr val="000000">
-              <a:alpha val="35000"/>
-            </a:srgbClr>
-          </a:outerShdw>
-        </a:effectLst>
-        <a:scene3d>
-          <a:camera prst="orthographicFront"/>
-          <a:lightRig rig="threePt" dir="t">
-            <a:rot lat="0" lon="0" rev="7500000"/>
-          </a:lightRig>
-        </a:scene3d>
-        <a:sp3d prstMaterial="plastic">
-          <a:bevelT w="127000" h="25400" prst="relaxedInset"/>
-        </a:sp3d>
-      </dsp:spPr>
-      <dsp:style>
-        <a:lnRef idx="0">
-          <a:scrgbClr r="0" g="0" b="0"/>
-        </a:lnRef>
-        <a:fillRef idx="3">
-          <a:scrgbClr r="0" g="0" b="0"/>
-        </a:fillRef>
-        <a:effectRef idx="2">
-          <a:scrgbClr r="0" g="0" b="0"/>
-        </a:effectRef>
-        <a:fontRef idx="minor">
-          <a:schemeClr val="lt1"/>
-        </a:fontRef>
-      </dsp:style>
-      <dsp:txBody>
-        <a:bodyPr spcFirstLastPara="0" vert="horz" wrap="square" lIns="60960" tIns="60960" rIns="60960" bIns="60960" numCol="1" spcCol="1270" anchor="ctr" anchorCtr="0">
-          <a:noAutofit/>
-        </a:bodyPr>
-        <a:lstStyle/>
-        <a:p>
-          <a:pPr lvl="0" algn="ctr" defTabSz="711200">
-            <a:lnSpc>
-              <a:spcPct val="90000"/>
-            </a:lnSpc>
-            <a:spcBef>
-              <a:spcPct val="0"/>
-            </a:spcBef>
-            <a:spcAft>
-              <a:spcPct val="35000"/>
-            </a:spcAft>
-          </a:pPr>
-          <a:r>
-            <a:rPr lang="es-CL" sz="1600" b="1" kern="1200" dirty="0" smtClean="0">
-              <a:latin typeface="Calibri" pitchFamily="34" charset="0"/>
-              <a:cs typeface="Calibri" pitchFamily="34" charset="0"/>
-            </a:rPr>
-            <a:t>SERVICES</a:t>
-          </a:r>
-          <a:endParaRPr lang="es-CL" sz="1600" b="1" kern="1200" dirty="0">
-            <a:latin typeface="Calibri" pitchFamily="34" charset="0"/>
-            <a:cs typeface="Calibri" pitchFamily="34" charset="0"/>
-          </a:endParaRPr>
-        </a:p>
-      </dsp:txBody>
-      <dsp:txXfrm>
-        <a:off x="3260593" y="2915303"/>
-        <a:ext cx="1022170" cy="883130"/>
-      </dsp:txXfrm>
-    </dsp:sp>
-    <dsp:sp modelId="{F22370EF-86CC-4C21-96DF-D8DD58F1673C}">
-      <dsp:nvSpPr>
-        <dsp:cNvPr id="0" name=""/>
-        <dsp:cNvSpPr/>
-      </dsp:nvSpPr>
-      <dsp:spPr>
-        <a:xfrm>
-          <a:off x="4304229" y="2915303"/>
-          <a:ext cx="4153077" cy="883130"/>
-        </a:xfrm>
-        <a:prstGeom prst="roundRect">
-          <a:avLst>
-            <a:gd name="adj" fmla="val 10000"/>
-          </a:avLst>
-        </a:prstGeom>
-        <a:gradFill rotWithShape="0">
-          <a:gsLst>
-            <a:gs pos="0">
-              <a:schemeClr val="lt1">
-                <a:hueOff val="0"/>
-                <a:satOff val="0"/>
-                <a:lumOff val="0"/>
-                <a:alphaOff val="0"/>
-                <a:shade val="51000"/>
-                <a:satMod val="130000"/>
-              </a:schemeClr>
-            </a:gs>
-            <a:gs pos="80000">
-              <a:schemeClr val="lt1">
-                <a:hueOff val="0"/>
-                <a:satOff val="0"/>
-                <a:lumOff val="0"/>
-                <a:alphaOff val="0"/>
-                <a:shade val="93000"/>
-                <a:satMod val="130000"/>
-              </a:schemeClr>
-            </a:gs>
-            <a:gs pos="100000">
-              <a:schemeClr val="lt1">
-                <a:hueOff val="0"/>
-                <a:satOff val="0"/>
-                <a:lumOff val="0"/>
-                <a:alphaOff val="0"/>
-                <a:shade val="94000"/>
-                <a:satMod val="135000"/>
-              </a:schemeClr>
-            </a:gs>
-          </a:gsLst>
-          <a:lin ang="16200000" scaled="0"/>
-        </a:gradFill>
-        <a:ln>
-          <a:noFill/>
-        </a:ln>
-        <a:effectLst>
-          <a:outerShdw blurRad="40000" dist="23000" dir="5400000" rotWithShape="0">
-            <a:srgbClr val="000000">
-              <a:alpha val="35000"/>
-            </a:srgbClr>
-          </a:outerShdw>
-        </a:effectLst>
-        <a:scene3d>
-          <a:camera prst="orthographicFront"/>
-          <a:lightRig rig="threePt" dir="t">
-            <a:rot lat="0" lon="0" rev="7500000"/>
-          </a:lightRig>
-        </a:scene3d>
-        <a:sp3d prstMaterial="plastic">
-          <a:bevelT w="127000" h="25400" prst="relaxedInset"/>
-        </a:sp3d>
-      </dsp:spPr>
-      <dsp:style>
-        <a:lnRef idx="0">
-          <a:scrgbClr r="0" g="0" b="0"/>
-        </a:lnRef>
-        <a:fillRef idx="3">
-          <a:scrgbClr r="0" g="0" b="0"/>
-        </a:fillRef>
-        <a:effectRef idx="2">
-          <a:scrgbClr r="0" g="0" b="0"/>
-        </a:effectRef>
-        <a:fontRef idx="minor">
-          <a:schemeClr val="lt1"/>
-        </a:fontRef>
-      </dsp:style>
-      <dsp:txBody>
-        <a:bodyPr spcFirstLastPara="0" vert="horz" wrap="square" lIns="60960" tIns="60960" rIns="60960" bIns="60960" numCol="1" spcCol="1270" anchor="ctr" anchorCtr="0">
-          <a:noAutofit/>
-        </a:bodyPr>
-        <a:lstStyle/>
-        <a:p>
-          <a:pPr lvl="0" algn="ctr" defTabSz="711200">
-            <a:lnSpc>
-              <a:spcPct val="90000"/>
-            </a:lnSpc>
-            <a:spcBef>
-              <a:spcPct val="0"/>
-            </a:spcBef>
-            <a:spcAft>
-              <a:spcPct val="35000"/>
-            </a:spcAft>
-          </a:pPr>
-          <a:r>
-            <a:rPr lang="es-CL" sz="1600" b="1" kern="1200" dirty="0" smtClean="0">
-              <a:latin typeface="Calibri" pitchFamily="34" charset="0"/>
-              <a:cs typeface="Calibri" pitchFamily="34" charset="0"/>
-            </a:rPr>
-            <a:t>WEB</a:t>
-          </a:r>
-          <a:endParaRPr lang="es-CL" sz="1600" b="1" kern="1200" dirty="0">
-            <a:latin typeface="Calibri" pitchFamily="34" charset="0"/>
-            <a:cs typeface="Calibri" pitchFamily="34" charset="0"/>
-          </a:endParaRPr>
-        </a:p>
-      </dsp:txBody>
-      <dsp:txXfrm>
-        <a:off x="4304229" y="2915303"/>
-        <a:ext cx="4153077" cy="883130"/>
-      </dsp:txXfrm>
-    </dsp:sp>
-    <dsp:sp modelId="{589FBF1F-7F45-4CE4-9047-159C42071C50}">
-      <dsp:nvSpPr>
-        <dsp:cNvPr id="0" name=""/>
-        <dsp:cNvSpPr/>
-      </dsp:nvSpPr>
-      <dsp:spPr>
-        <a:xfrm>
-          <a:off x="4304229" y="3886088"/>
-          <a:ext cx="1022170" cy="883130"/>
-        </a:xfrm>
-        <a:prstGeom prst="roundRect">
-          <a:avLst>
-            <a:gd name="adj" fmla="val 10000"/>
-          </a:avLst>
-        </a:prstGeom>
-        <a:gradFill rotWithShape="0">
-          <a:gsLst>
-            <a:gs pos="0">
-              <a:schemeClr val="lt1">
-                <a:hueOff val="0"/>
-                <a:satOff val="0"/>
-                <a:lumOff val="0"/>
-                <a:alphaOff val="0"/>
-                <a:shade val="51000"/>
-                <a:satMod val="130000"/>
-              </a:schemeClr>
-            </a:gs>
-            <a:gs pos="80000">
-              <a:schemeClr val="lt1">
-                <a:hueOff val="0"/>
-                <a:satOff val="0"/>
-                <a:lumOff val="0"/>
-                <a:alphaOff val="0"/>
-                <a:shade val="93000"/>
-                <a:satMod val="130000"/>
-              </a:schemeClr>
-            </a:gs>
-            <a:gs pos="100000">
-              <a:schemeClr val="lt1">
-                <a:hueOff val="0"/>
-                <a:satOff val="0"/>
-                <a:lumOff val="0"/>
-                <a:alphaOff val="0"/>
-                <a:shade val="94000"/>
-                <a:satMod val="135000"/>
-              </a:schemeClr>
-            </a:gs>
-          </a:gsLst>
-          <a:lin ang="16200000" scaled="0"/>
-        </a:gradFill>
-        <a:ln>
-          <a:noFill/>
-        </a:ln>
-        <a:effectLst>
-          <a:outerShdw blurRad="40000" dist="23000" dir="5400000" rotWithShape="0">
-            <a:srgbClr val="000000">
-              <a:alpha val="35000"/>
-            </a:srgbClr>
-          </a:outerShdw>
-        </a:effectLst>
-        <a:scene3d>
-          <a:camera prst="orthographicFront"/>
-          <a:lightRig rig="threePt" dir="t">
-            <a:rot lat="0" lon="0" rev="7500000"/>
-          </a:lightRig>
-        </a:scene3d>
-        <a:sp3d prstMaterial="plastic">
-          <a:bevelT w="127000" h="25400" prst="relaxedInset"/>
-        </a:sp3d>
-      </dsp:spPr>
-      <dsp:style>
-        <a:lnRef idx="0">
-          <a:scrgbClr r="0" g="0" b="0"/>
-        </a:lnRef>
-        <a:fillRef idx="3">
-          <a:scrgbClr r="0" g="0" b="0"/>
-        </a:fillRef>
-        <a:effectRef idx="2">
-          <a:scrgbClr r="0" g="0" b="0"/>
-        </a:effectRef>
-        <a:fontRef idx="minor">
-          <a:schemeClr val="lt1"/>
-        </a:fontRef>
-      </dsp:style>
-      <dsp:txBody>
-        <a:bodyPr spcFirstLastPara="0" vert="horz" wrap="square" lIns="60960" tIns="60960" rIns="60960" bIns="60960" numCol="1" spcCol="1270" anchor="ctr" anchorCtr="0">
-          <a:noAutofit/>
-        </a:bodyPr>
-        <a:lstStyle/>
-        <a:p>
-          <a:pPr lvl="0" algn="ctr" defTabSz="711200">
-            <a:lnSpc>
-              <a:spcPct val="90000"/>
-            </a:lnSpc>
-            <a:spcBef>
-              <a:spcPct val="0"/>
-            </a:spcBef>
-            <a:spcAft>
-              <a:spcPct val="35000"/>
-            </a:spcAft>
-          </a:pPr>
-          <a:r>
-            <a:rPr lang="es-CL" sz="1600" b="1" kern="1200" dirty="0" smtClean="0">
-              <a:latin typeface="Calibri" pitchFamily="34" charset="0"/>
-              <a:cs typeface="Calibri" pitchFamily="34" charset="0"/>
-            </a:rPr>
-            <a:t>ASP.Net MVC</a:t>
-          </a:r>
-          <a:endParaRPr lang="es-CL" sz="1600" b="1" kern="1200" dirty="0">
-            <a:latin typeface="Calibri" pitchFamily="34" charset="0"/>
-            <a:cs typeface="Calibri" pitchFamily="34" charset="0"/>
-          </a:endParaRPr>
-        </a:p>
-      </dsp:txBody>
-      <dsp:txXfrm>
-        <a:off x="4304229" y="3886088"/>
-        <a:ext cx="1022170" cy="883130"/>
-      </dsp:txXfrm>
-    </dsp:sp>
-    <dsp:sp modelId="{4CE52578-7C2A-407C-ADEC-05AE734C9137}">
-      <dsp:nvSpPr>
-        <dsp:cNvPr id="0" name=""/>
-        <dsp:cNvSpPr/>
-      </dsp:nvSpPr>
-      <dsp:spPr>
-        <a:xfrm>
-          <a:off x="5347865" y="3886088"/>
-          <a:ext cx="1022170" cy="883130"/>
-        </a:xfrm>
-        <a:prstGeom prst="roundRect">
-          <a:avLst>
-            <a:gd name="adj" fmla="val 10000"/>
-          </a:avLst>
-        </a:prstGeom>
-        <a:gradFill rotWithShape="0">
-          <a:gsLst>
-            <a:gs pos="0">
-              <a:schemeClr val="lt1">
-                <a:hueOff val="0"/>
-                <a:satOff val="0"/>
-                <a:lumOff val="0"/>
-                <a:alphaOff val="0"/>
-                <a:shade val="51000"/>
-                <a:satMod val="130000"/>
-              </a:schemeClr>
-            </a:gs>
-            <a:gs pos="80000">
-              <a:schemeClr val="lt1">
-                <a:hueOff val="0"/>
-                <a:satOff val="0"/>
-                <a:lumOff val="0"/>
-                <a:alphaOff val="0"/>
-                <a:shade val="93000"/>
-                <a:satMod val="130000"/>
-              </a:schemeClr>
-            </a:gs>
-            <a:gs pos="100000">
-              <a:schemeClr val="lt1">
-                <a:hueOff val="0"/>
-                <a:satOff val="0"/>
-                <a:lumOff val="0"/>
-                <a:alphaOff val="0"/>
-                <a:shade val="94000"/>
-                <a:satMod val="135000"/>
-              </a:schemeClr>
-            </a:gs>
-          </a:gsLst>
-          <a:lin ang="16200000" scaled="0"/>
-        </a:gradFill>
-        <a:ln>
-          <a:noFill/>
-        </a:ln>
-        <a:effectLst>
-          <a:outerShdw blurRad="40000" dist="23000" dir="5400000" rotWithShape="0">
-            <a:srgbClr val="000000">
-              <a:alpha val="35000"/>
-            </a:srgbClr>
-          </a:outerShdw>
-        </a:effectLst>
-        <a:scene3d>
-          <a:camera prst="orthographicFront"/>
-          <a:lightRig rig="threePt" dir="t">
-            <a:rot lat="0" lon="0" rev="7500000"/>
-          </a:lightRig>
-        </a:scene3d>
-        <a:sp3d prstMaterial="plastic">
-          <a:bevelT w="127000" h="25400" prst="relaxedInset"/>
-        </a:sp3d>
-      </dsp:spPr>
-      <dsp:style>
-        <a:lnRef idx="0">
-          <a:scrgbClr r="0" g="0" b="0"/>
-        </a:lnRef>
-        <a:fillRef idx="3">
-          <a:scrgbClr r="0" g="0" b="0"/>
-        </a:fillRef>
-        <a:effectRef idx="2">
-          <a:scrgbClr r="0" g="0" b="0"/>
-        </a:effectRef>
-        <a:fontRef idx="minor">
-          <a:schemeClr val="lt1"/>
-        </a:fontRef>
-      </dsp:style>
-      <dsp:txBody>
-        <a:bodyPr spcFirstLastPara="0" vert="horz" wrap="square" lIns="60960" tIns="60960" rIns="60960" bIns="60960" numCol="1" spcCol="1270" anchor="ctr" anchorCtr="0">
-          <a:noAutofit/>
-        </a:bodyPr>
-        <a:lstStyle/>
-        <a:p>
-          <a:pPr lvl="0" algn="ctr" defTabSz="711200">
-            <a:lnSpc>
-              <a:spcPct val="90000"/>
-            </a:lnSpc>
-            <a:spcBef>
-              <a:spcPct val="0"/>
-            </a:spcBef>
-            <a:spcAft>
-              <a:spcPct val="35000"/>
-            </a:spcAft>
-          </a:pPr>
-          <a:r>
-            <a:rPr lang="es-CL" sz="1600" b="1" kern="1200" dirty="0" smtClean="0">
-              <a:latin typeface="Calibri" pitchFamily="34" charset="0"/>
-              <a:cs typeface="Calibri" pitchFamily="34" charset="0"/>
-            </a:rPr>
-            <a:t>ASPX / xhtml</a:t>
-          </a:r>
-          <a:endParaRPr lang="es-CL" sz="1600" b="1" kern="1200" dirty="0">
-            <a:latin typeface="Calibri" pitchFamily="34" charset="0"/>
-            <a:cs typeface="Calibri" pitchFamily="34" charset="0"/>
-          </a:endParaRPr>
-        </a:p>
-      </dsp:txBody>
-      <dsp:txXfrm>
-        <a:off x="5347865" y="3886088"/>
-        <a:ext cx="1022170" cy="883130"/>
-      </dsp:txXfrm>
-    </dsp:sp>
-    <dsp:sp modelId="{BFA502BE-2E62-4080-8208-1E5E98B7B990}">
-      <dsp:nvSpPr>
-        <dsp:cNvPr id="0" name=""/>
-        <dsp:cNvSpPr/>
-      </dsp:nvSpPr>
-      <dsp:spPr>
-        <a:xfrm>
-          <a:off x="6391500" y="3886088"/>
-          <a:ext cx="1022170" cy="883130"/>
-        </a:xfrm>
-        <a:prstGeom prst="roundRect">
-          <a:avLst>
-            <a:gd name="adj" fmla="val 10000"/>
-          </a:avLst>
-        </a:prstGeom>
-        <a:gradFill rotWithShape="0">
-          <a:gsLst>
-            <a:gs pos="0">
-              <a:schemeClr val="lt1">
-                <a:hueOff val="0"/>
-                <a:satOff val="0"/>
-                <a:lumOff val="0"/>
-                <a:alphaOff val="0"/>
-                <a:shade val="51000"/>
-                <a:satMod val="130000"/>
-              </a:schemeClr>
-            </a:gs>
-            <a:gs pos="80000">
-              <a:schemeClr val="lt1">
-                <a:hueOff val="0"/>
-                <a:satOff val="0"/>
-                <a:lumOff val="0"/>
-                <a:alphaOff val="0"/>
-                <a:shade val="93000"/>
-                <a:satMod val="130000"/>
-              </a:schemeClr>
-            </a:gs>
-            <a:gs pos="100000">
-              <a:schemeClr val="lt1">
-                <a:hueOff val="0"/>
-                <a:satOff val="0"/>
-                <a:lumOff val="0"/>
-                <a:alphaOff val="0"/>
-                <a:shade val="94000"/>
-                <a:satMod val="135000"/>
-              </a:schemeClr>
-            </a:gs>
-          </a:gsLst>
-          <a:lin ang="16200000" scaled="0"/>
-        </a:gradFill>
-        <a:ln>
-          <a:noFill/>
-        </a:ln>
-        <a:effectLst>
-          <a:outerShdw blurRad="40000" dist="23000" dir="5400000" rotWithShape="0">
-            <a:srgbClr val="000000">
-              <a:alpha val="35000"/>
-            </a:srgbClr>
-          </a:outerShdw>
-        </a:effectLst>
-        <a:scene3d>
-          <a:camera prst="orthographicFront"/>
-          <a:lightRig rig="threePt" dir="t">
-            <a:rot lat="0" lon="0" rev="7500000"/>
-          </a:lightRig>
-        </a:scene3d>
-        <a:sp3d prstMaterial="plastic">
-          <a:bevelT w="127000" h="25400" prst="relaxedInset"/>
-        </a:sp3d>
-      </dsp:spPr>
-      <dsp:style>
-        <a:lnRef idx="0">
-          <a:scrgbClr r="0" g="0" b="0"/>
-        </a:lnRef>
-        <a:fillRef idx="3">
-          <a:scrgbClr r="0" g="0" b="0"/>
-        </a:fillRef>
-        <a:effectRef idx="2">
-          <a:scrgbClr r="0" g="0" b="0"/>
-        </a:effectRef>
-        <a:fontRef idx="minor">
-          <a:schemeClr val="lt1"/>
-        </a:fontRef>
-      </dsp:style>
-      <dsp:txBody>
-        <a:bodyPr spcFirstLastPara="0" vert="horz" wrap="square" lIns="60960" tIns="60960" rIns="60960" bIns="60960" numCol="1" spcCol="1270" anchor="ctr" anchorCtr="0">
-          <a:noAutofit/>
-        </a:bodyPr>
-        <a:lstStyle/>
-        <a:p>
-          <a:pPr lvl="0" algn="ctr" defTabSz="711200">
-            <a:lnSpc>
-              <a:spcPct val="90000"/>
-            </a:lnSpc>
-            <a:spcBef>
-              <a:spcPct val="0"/>
-            </a:spcBef>
-            <a:spcAft>
-              <a:spcPct val="35000"/>
-            </a:spcAft>
-          </a:pPr>
-          <a:r>
-            <a:rPr lang="es-CL" sz="1600" b="1" kern="1200" dirty="0" smtClean="0">
-              <a:latin typeface="Calibri" pitchFamily="34" charset="0"/>
-              <a:cs typeface="Calibri" pitchFamily="34" charset="0"/>
-            </a:rPr>
-            <a:t>CSS</a:t>
-          </a:r>
-          <a:endParaRPr lang="es-CL" sz="1600" b="1" kern="1200" dirty="0">
-            <a:latin typeface="Calibri" pitchFamily="34" charset="0"/>
-            <a:cs typeface="Calibri" pitchFamily="34" charset="0"/>
-          </a:endParaRPr>
-        </a:p>
-      </dsp:txBody>
-      <dsp:txXfrm>
-        <a:off x="6391500" y="3886088"/>
-        <a:ext cx="1022170" cy="883130"/>
-      </dsp:txXfrm>
-    </dsp:sp>
-    <dsp:sp modelId="{359DCAA5-DE04-4E6A-AD9D-31FC80443D67}">
-      <dsp:nvSpPr>
-        <dsp:cNvPr id="0" name=""/>
-        <dsp:cNvSpPr/>
-      </dsp:nvSpPr>
-      <dsp:spPr>
-        <a:xfrm>
-          <a:off x="7435136" y="3886088"/>
-          <a:ext cx="1022170" cy="883130"/>
-        </a:xfrm>
-        <a:prstGeom prst="roundRect">
-          <a:avLst>
-            <a:gd name="adj" fmla="val 10000"/>
-          </a:avLst>
-        </a:prstGeom>
-        <a:gradFill rotWithShape="0">
-          <a:gsLst>
-            <a:gs pos="0">
-              <a:schemeClr val="lt1">
-                <a:hueOff val="0"/>
-                <a:satOff val="0"/>
-                <a:lumOff val="0"/>
-                <a:alphaOff val="0"/>
-                <a:shade val="51000"/>
-                <a:satMod val="130000"/>
-              </a:schemeClr>
-            </a:gs>
-            <a:gs pos="80000">
-              <a:schemeClr val="lt1">
-                <a:hueOff val="0"/>
-                <a:satOff val="0"/>
-                <a:lumOff val="0"/>
-                <a:alphaOff val="0"/>
-                <a:shade val="93000"/>
-                <a:satMod val="130000"/>
-              </a:schemeClr>
-            </a:gs>
-            <a:gs pos="100000">
-              <a:schemeClr val="lt1">
-                <a:hueOff val="0"/>
-                <a:satOff val="0"/>
-                <a:lumOff val="0"/>
-                <a:alphaOff val="0"/>
-                <a:shade val="94000"/>
-                <a:satMod val="135000"/>
-              </a:schemeClr>
-            </a:gs>
-          </a:gsLst>
-          <a:lin ang="16200000" scaled="0"/>
-        </a:gradFill>
-        <a:ln>
-          <a:noFill/>
-        </a:ln>
-        <a:effectLst>
-          <a:outerShdw blurRad="40000" dist="23000" dir="5400000" rotWithShape="0">
-            <a:srgbClr val="000000">
-              <a:alpha val="35000"/>
-            </a:srgbClr>
-          </a:outerShdw>
-        </a:effectLst>
-        <a:scene3d>
-          <a:camera prst="orthographicFront"/>
-          <a:lightRig rig="threePt" dir="t">
-            <a:rot lat="0" lon="0" rev="7500000"/>
-          </a:lightRig>
-        </a:scene3d>
-        <a:sp3d prstMaterial="plastic">
-          <a:bevelT w="127000" h="25400" prst="relaxedInset"/>
-        </a:sp3d>
-      </dsp:spPr>
-      <dsp:style>
-        <a:lnRef idx="0">
-          <a:scrgbClr r="0" g="0" b="0"/>
-        </a:lnRef>
-        <a:fillRef idx="3">
-          <a:scrgbClr r="0" g="0" b="0"/>
-        </a:fillRef>
-        <a:effectRef idx="2">
-          <a:scrgbClr r="0" g="0" b="0"/>
-        </a:effectRef>
-        <a:fontRef idx="minor">
-          <a:schemeClr val="lt1"/>
-        </a:fontRef>
-      </dsp:style>
-      <dsp:txBody>
-        <a:bodyPr spcFirstLastPara="0" vert="horz" wrap="square" lIns="60960" tIns="60960" rIns="60960" bIns="60960" numCol="1" spcCol="1270" anchor="ctr" anchorCtr="0">
-          <a:noAutofit/>
-        </a:bodyPr>
-        <a:lstStyle/>
-        <a:p>
-          <a:pPr lvl="0" algn="ctr" defTabSz="711200">
-            <a:lnSpc>
-              <a:spcPct val="90000"/>
-            </a:lnSpc>
-            <a:spcBef>
-              <a:spcPct val="0"/>
-            </a:spcBef>
-            <a:spcAft>
-              <a:spcPct val="35000"/>
-            </a:spcAft>
-          </a:pPr>
-          <a:r>
-            <a:rPr lang="es-CL" sz="1600" b="1" kern="1200" dirty="0" smtClean="0">
-              <a:latin typeface="Calibri" pitchFamily="34" charset="0"/>
-              <a:cs typeface="Calibri" pitchFamily="34" charset="0"/>
-            </a:rPr>
-            <a:t>Javascript</a:t>
-          </a:r>
-          <a:endParaRPr lang="es-CL" sz="1600" b="1" kern="1200" dirty="0">
-            <a:latin typeface="Calibri" pitchFamily="34" charset="0"/>
-            <a:cs typeface="Calibri" pitchFamily="34" charset="0"/>
-          </a:endParaRPr>
-        </a:p>
-      </dsp:txBody>
-      <dsp:txXfrm>
-        <a:off x="7435136" y="3886088"/>
-        <a:ext cx="1022170" cy="883130"/>
-      </dsp:txXfrm>
-    </dsp:sp>
   </dsp:spTree>
-</dsp:drawing>
+</dgm:drawing>
 </file>
 
 <file path=ppt/diagrams/layout1.xml><?xml version="1.0" encoding="utf-8"?>
@@ -21712,6 +18407,24 @@
           </a:bodyPr>
           <a:lstStyle/>
           <a:p>
+            <a:endParaRPr lang="es-CL" b="1" dirty="0" smtClean="0"/>
+          </a:p>
+          <a:p>
+            <a:endParaRPr lang="es-CL" b="1" dirty="0" smtClean="0"/>
+          </a:p>
+          <a:p>
+            <a:endParaRPr lang="es-CL" b="1" dirty="0" smtClean="0"/>
+          </a:p>
+          <a:p>
+            <a:endParaRPr lang="es-CL" b="1" dirty="0" smtClean="0"/>
+          </a:p>
+          <a:p>
+            <a:endParaRPr lang="es-CL" b="1" dirty="0" smtClean="0"/>
+          </a:p>
+          <a:p>
+            <a:endParaRPr lang="es-CL" b="1" dirty="0" smtClean="0"/>
+          </a:p>
+          <a:p>
             <a:r>
               <a:rPr lang="es-CL" b="1" dirty="0" smtClean="0"/>
               <a:t>RUMINA</a:t>
